--- a/docs/Debugger.pptx
+++ b/docs/Debugger.pptx
@@ -6,6 +6,10 @@
   </p:sldMasterIdLst>
   <p:sldIdLst>
     <p:sldId id="256" r:id="rId2"/>
+    <p:sldId id="259" r:id="rId3"/>
+    <p:sldId id="260" r:id="rId4"/>
+    <p:sldId id="257" r:id="rId5"/>
+    <p:sldId id="258" r:id="rId6"/>
   </p:sldIdLst>
   <p:sldSz cx="12192000" cy="6858000"/>
   <p:notesSz cx="6858000" cy="9144000"/>
@@ -104,6 +108,11 @@
       </a:defRPr>
     </a:lvl9pPr>
   </p:defaultTextStyle>
+  <p:extLst>
+    <p:ext uri="{EFAFB233-063F-42B5-8137-9DF3F51BA10A}">
+      <p15:sldGuideLst xmlns:p15="http://schemas.microsoft.com/office/powerpoint/2012/main"/>
+    </p:ext>
+  </p:extLst>
 </p:presentation>
 </file>
 
@@ -3908,6 +3917,552 @@
 </p:sld>
 </file>
 
+<file path=ppt/slides/slide2.xml><?xml version="1.0" encoding="utf-8"?>
+<p:sld xmlns:a="http://schemas.openxmlformats.org/drawingml/2006/main" xmlns:r="http://schemas.openxmlformats.org/officeDocument/2006/relationships" xmlns:p="http://schemas.openxmlformats.org/presentationml/2006/main">
+  <p:cSld>
+    <p:spTree>
+      <p:nvGrpSpPr>
+        <p:cNvPr id="1" name=""/>
+        <p:cNvGrpSpPr/>
+        <p:nvPr/>
+      </p:nvGrpSpPr>
+      <p:grpSpPr>
+        <a:xfrm>
+          <a:off x="0" y="0"/>
+          <a:ext cx="0" cy="0"/>
+          <a:chOff x="0" y="0"/>
+          <a:chExt cx="0" cy="0"/>
+        </a:xfrm>
+      </p:grpSpPr>
+      <p:sp>
+        <p:nvSpPr>
+          <p:cNvPr id="2" name="Title 1">
+            <a:extLst>
+              <a:ext uri="{FF2B5EF4-FFF2-40B4-BE49-F238E27FC236}">
+                <a16:creationId xmlns:a16="http://schemas.microsoft.com/office/drawing/2014/main" id="{9796D689-71C2-42D1-9A62-53700A84FDF8}"/>
+              </a:ext>
+            </a:extLst>
+          </p:cNvPr>
+          <p:cNvSpPr>
+            <a:spLocks noGrp="1"/>
+          </p:cNvSpPr>
+          <p:nvPr>
+            <p:ph type="title"/>
+          </p:nvPr>
+        </p:nvSpPr>
+        <p:spPr/>
+        <p:txBody>
+          <a:bodyPr/>
+          <a:lstStyle/>
+          <a:p>
+            <a:endParaRPr lang="en-US"/>
+          </a:p>
+        </p:txBody>
+      </p:sp>
+      <p:sp>
+        <p:nvSpPr>
+          <p:cNvPr id="3" name="Content Placeholder 2">
+            <a:extLst>
+              <a:ext uri="{FF2B5EF4-FFF2-40B4-BE49-F238E27FC236}">
+                <a16:creationId xmlns:a16="http://schemas.microsoft.com/office/drawing/2014/main" id="{5F4BDAFF-9A61-43B1-AB47-BB2852EB9BF2}"/>
+              </a:ext>
+            </a:extLst>
+          </p:cNvPr>
+          <p:cNvSpPr>
+            <a:spLocks noGrp="1"/>
+          </p:cNvSpPr>
+          <p:nvPr>
+            <p:ph idx="1"/>
+          </p:nvPr>
+        </p:nvSpPr>
+        <p:spPr/>
+        <p:txBody>
+          <a:bodyPr/>
+          <a:lstStyle/>
+          <a:p>
+            <a:endParaRPr lang="en-US"/>
+          </a:p>
+        </p:txBody>
+      </p:sp>
+      <p:pic>
+        <p:nvPicPr>
+          <p:cNvPr id="4" name="Picture 3">
+            <a:extLst>
+              <a:ext uri="{FF2B5EF4-FFF2-40B4-BE49-F238E27FC236}">
+                <a16:creationId xmlns:a16="http://schemas.microsoft.com/office/drawing/2014/main" id="{B5E13391-4727-4B31-9D58-51A7EEEE0029}"/>
+              </a:ext>
+            </a:extLst>
+          </p:cNvPr>
+          <p:cNvPicPr>
+            <a:picLocks noChangeAspect="1"/>
+          </p:cNvPicPr>
+          <p:nvPr/>
+        </p:nvPicPr>
+        <p:blipFill rotWithShape="1">
+          <a:blip r:embed="rId2">
+            <a:extLst>
+              <a:ext uri="{28A0092B-C50C-407E-A947-70E740481C1C}">
+                <a14:useLocalDpi xmlns:a14="http://schemas.microsoft.com/office/drawing/2010/main" val="0"/>
+              </a:ext>
+            </a:extLst>
+          </a:blip>
+          <a:srcRect b="4854"/>
+          <a:stretch/>
+        </p:blipFill>
+        <p:spPr>
+          <a:xfrm>
+            <a:off x="10668000" y="274206"/>
+            <a:ext cx="1165961" cy="1261632"/>
+          </a:xfrm>
+          <a:prstGeom prst="rect">
+            <a:avLst/>
+          </a:prstGeom>
+        </p:spPr>
+      </p:pic>
+    </p:spTree>
+    <p:extLst>
+      <p:ext uri="{BB962C8B-B14F-4D97-AF65-F5344CB8AC3E}">
+        <p14:creationId xmlns:p14="http://schemas.microsoft.com/office/powerpoint/2010/main" val="493954844"/>
+      </p:ext>
+    </p:extLst>
+  </p:cSld>
+  <p:clrMapOvr>
+    <a:masterClrMapping/>
+  </p:clrMapOvr>
+</p:sld>
+</file>
+
+<file path=ppt/slides/slide3.xml><?xml version="1.0" encoding="utf-8"?>
+<p:sld xmlns:a="http://schemas.openxmlformats.org/drawingml/2006/main" xmlns:r="http://schemas.openxmlformats.org/officeDocument/2006/relationships" xmlns:p="http://schemas.openxmlformats.org/presentationml/2006/main">
+  <p:cSld>
+    <p:spTree>
+      <p:nvGrpSpPr>
+        <p:cNvPr id="1" name=""/>
+        <p:cNvGrpSpPr/>
+        <p:nvPr/>
+      </p:nvGrpSpPr>
+      <p:grpSpPr>
+        <a:xfrm>
+          <a:off x="0" y="0"/>
+          <a:ext cx="0" cy="0"/>
+          <a:chOff x="0" y="0"/>
+          <a:chExt cx="0" cy="0"/>
+        </a:xfrm>
+      </p:grpSpPr>
+      <p:sp>
+        <p:nvSpPr>
+          <p:cNvPr id="2" name="Title 1">
+            <a:extLst>
+              <a:ext uri="{FF2B5EF4-FFF2-40B4-BE49-F238E27FC236}">
+                <a16:creationId xmlns:a16="http://schemas.microsoft.com/office/drawing/2014/main" id="{EC527E12-5ABB-46AE-B42F-5AD39130599C}"/>
+              </a:ext>
+            </a:extLst>
+          </p:cNvPr>
+          <p:cNvSpPr>
+            <a:spLocks noGrp="1"/>
+          </p:cNvSpPr>
+          <p:nvPr>
+            <p:ph type="title"/>
+          </p:nvPr>
+        </p:nvSpPr>
+        <p:spPr/>
+        <p:txBody>
+          <a:bodyPr/>
+          <a:lstStyle/>
+          <a:p>
+            <a:endParaRPr lang="en-US" dirty="0"/>
+          </a:p>
+        </p:txBody>
+      </p:sp>
+      <p:sp>
+        <p:nvSpPr>
+          <p:cNvPr id="3" name="Content Placeholder 2">
+            <a:extLst>
+              <a:ext uri="{FF2B5EF4-FFF2-40B4-BE49-F238E27FC236}">
+                <a16:creationId xmlns:a16="http://schemas.microsoft.com/office/drawing/2014/main" id="{BF94A29D-BF3A-433D-A91F-466B674AEC2D}"/>
+              </a:ext>
+            </a:extLst>
+          </p:cNvPr>
+          <p:cNvSpPr>
+            <a:spLocks noGrp="1"/>
+          </p:cNvSpPr>
+          <p:nvPr>
+            <p:ph idx="1"/>
+          </p:nvPr>
+        </p:nvSpPr>
+        <p:spPr/>
+        <p:txBody>
+          <a:bodyPr/>
+          <a:lstStyle/>
+          <a:p>
+            <a:endParaRPr lang="en-US"/>
+          </a:p>
+        </p:txBody>
+      </p:sp>
+      <p:pic>
+        <p:nvPicPr>
+          <p:cNvPr id="4" name="Picture 3">
+            <a:extLst>
+              <a:ext uri="{FF2B5EF4-FFF2-40B4-BE49-F238E27FC236}">
+                <a16:creationId xmlns:a16="http://schemas.microsoft.com/office/drawing/2014/main" id="{BFD91C59-593D-47B3-B3E5-62B335B09ED1}"/>
+              </a:ext>
+            </a:extLst>
+          </p:cNvPr>
+          <p:cNvPicPr>
+            <a:picLocks noChangeAspect="1"/>
+          </p:cNvPicPr>
+          <p:nvPr/>
+        </p:nvPicPr>
+        <p:blipFill rotWithShape="1">
+          <a:blip r:embed="rId2">
+            <a:extLst>
+              <a:ext uri="{28A0092B-C50C-407E-A947-70E740481C1C}">
+                <a14:useLocalDpi xmlns:a14="http://schemas.microsoft.com/office/drawing/2010/main" val="0"/>
+              </a:ext>
+            </a:extLst>
+          </a:blip>
+          <a:srcRect b="4854"/>
+          <a:stretch/>
+        </p:blipFill>
+        <p:spPr>
+          <a:xfrm>
+            <a:off x="10668000" y="274206"/>
+            <a:ext cx="1165961" cy="1261632"/>
+          </a:xfrm>
+          <a:prstGeom prst="rect">
+            <a:avLst/>
+          </a:prstGeom>
+        </p:spPr>
+      </p:pic>
+    </p:spTree>
+    <p:extLst>
+      <p:ext uri="{BB962C8B-B14F-4D97-AF65-F5344CB8AC3E}">
+        <p14:creationId xmlns:p14="http://schemas.microsoft.com/office/powerpoint/2010/main" val="2656280033"/>
+      </p:ext>
+    </p:extLst>
+  </p:cSld>
+  <p:clrMapOvr>
+    <a:masterClrMapping/>
+  </p:clrMapOvr>
+</p:sld>
+</file>
+
+<file path=ppt/slides/slide4.xml><?xml version="1.0" encoding="utf-8"?>
+<p:sld xmlns:a="http://schemas.openxmlformats.org/drawingml/2006/main" xmlns:r="http://schemas.openxmlformats.org/officeDocument/2006/relationships" xmlns:p="http://schemas.openxmlformats.org/presentationml/2006/main">
+  <p:cSld>
+    <p:spTree>
+      <p:nvGrpSpPr>
+        <p:cNvPr id="1" name=""/>
+        <p:cNvGrpSpPr/>
+        <p:nvPr/>
+      </p:nvGrpSpPr>
+      <p:grpSpPr>
+        <a:xfrm>
+          <a:off x="0" y="0"/>
+          <a:ext cx="0" cy="0"/>
+          <a:chOff x="0" y="0"/>
+          <a:chExt cx="0" cy="0"/>
+        </a:xfrm>
+      </p:grpSpPr>
+      <p:sp>
+        <p:nvSpPr>
+          <p:cNvPr id="2" name="Title 1">
+            <a:extLst>
+              <a:ext uri="{FF2B5EF4-FFF2-40B4-BE49-F238E27FC236}">
+                <a16:creationId xmlns:a16="http://schemas.microsoft.com/office/drawing/2014/main" id="{E4F6A585-3595-47A4-9A67-CFC820CE4051}"/>
+              </a:ext>
+            </a:extLst>
+          </p:cNvPr>
+          <p:cNvSpPr>
+            <a:spLocks noGrp="1"/>
+          </p:cNvSpPr>
+          <p:nvPr>
+            <p:ph type="title"/>
+          </p:nvPr>
+        </p:nvSpPr>
+        <p:spPr/>
+        <p:txBody>
+          <a:bodyPr/>
+          <a:lstStyle/>
+          <a:p>
+            <a:r>
+              <a:rPr lang="en-US" dirty="0"/>
+              <a:t>Josh – Level Design</a:t>
+            </a:r>
+          </a:p>
+        </p:txBody>
+      </p:sp>
+      <p:sp>
+        <p:nvSpPr>
+          <p:cNvPr id="3" name="Content Placeholder 2">
+            <a:extLst>
+              <a:ext uri="{FF2B5EF4-FFF2-40B4-BE49-F238E27FC236}">
+                <a16:creationId xmlns:a16="http://schemas.microsoft.com/office/drawing/2014/main" id="{107B3ED8-95F4-48B3-8066-BAB0763C42D6}"/>
+              </a:ext>
+            </a:extLst>
+          </p:cNvPr>
+          <p:cNvSpPr>
+            <a:spLocks noGrp="1"/>
+          </p:cNvSpPr>
+          <p:nvPr>
+            <p:ph idx="1"/>
+          </p:nvPr>
+        </p:nvSpPr>
+        <p:spPr/>
+        <p:txBody>
+          <a:bodyPr>
+            <a:normAutofit/>
+          </a:bodyPr>
+          <a:lstStyle/>
+          <a:p>
+            <a:pPr>
+              <a:buFont typeface="Arial" panose="020B0604020202020204" pitchFamily="34" charset="0"/>
+              <a:buChar char="•"/>
+            </a:pPr>
+            <a:r>
+              <a:rPr lang="en-US" sz="2400" dirty="0"/>
+              <a:t>Creating graphics of stage and objects</a:t>
+            </a:r>
+          </a:p>
+          <a:p>
+            <a:pPr>
+              <a:buFont typeface="Arial" panose="020B0604020202020204" pitchFamily="34" charset="0"/>
+              <a:buChar char="•"/>
+            </a:pPr>
+            <a:r>
+              <a:rPr lang="en-US" sz="2400" dirty="0"/>
+              <a:t>Coordinate with Luis for player character</a:t>
+            </a:r>
+          </a:p>
+          <a:p>
+            <a:pPr>
+              <a:buFont typeface="Arial" panose="020B0604020202020204" pitchFamily="34" charset="0"/>
+              <a:buChar char="•"/>
+            </a:pPr>
+            <a:r>
+              <a:rPr lang="en-US" sz="2400" dirty="0"/>
+              <a:t>Coordinate with Ben for enemy spawn</a:t>
+            </a:r>
+          </a:p>
+          <a:p>
+            <a:pPr>
+              <a:buFont typeface="Arial" panose="020B0604020202020204" pitchFamily="34" charset="0"/>
+              <a:buChar char="•"/>
+            </a:pPr>
+            <a:r>
+              <a:rPr lang="en-US" sz="2400" dirty="0"/>
+              <a:t>Ensuring all objects interact as intended</a:t>
+            </a:r>
+          </a:p>
+          <a:p>
+            <a:pPr>
+              <a:buFont typeface="Arial" panose="020B0604020202020204" pitchFamily="34" charset="0"/>
+              <a:buChar char="•"/>
+            </a:pPr>
+            <a:endParaRPr lang="en-US" sz="2400" dirty="0"/>
+          </a:p>
+          <a:p>
+            <a:pPr>
+              <a:buFont typeface="Arial" panose="020B0604020202020204" pitchFamily="34" charset="0"/>
+              <a:buChar char="•"/>
+            </a:pPr>
+            <a:endParaRPr lang="en-US" sz="2400" dirty="0"/>
+          </a:p>
+          <a:p>
+            <a:pPr>
+              <a:buFont typeface="Arial" panose="020B0604020202020204" pitchFamily="34" charset="0"/>
+              <a:buChar char="•"/>
+            </a:pPr>
+            <a:r>
+              <a:rPr lang="en-US" sz="2400" dirty="0"/>
+              <a:t>Priority level: 1 </a:t>
+            </a:r>
+          </a:p>
+          <a:p>
+            <a:pPr>
+              <a:buFont typeface="Arial" panose="020B0604020202020204" pitchFamily="34" charset="0"/>
+              <a:buChar char="•"/>
+            </a:pPr>
+            <a:r>
+              <a:rPr lang="en-US" sz="2400" dirty="0"/>
+              <a:t>Complexity: Moderate</a:t>
+            </a:r>
+          </a:p>
+        </p:txBody>
+      </p:sp>
+      <p:pic>
+        <p:nvPicPr>
+          <p:cNvPr id="4" name="Picture 3">
+            <a:extLst>
+              <a:ext uri="{FF2B5EF4-FFF2-40B4-BE49-F238E27FC236}">
+                <a16:creationId xmlns:a16="http://schemas.microsoft.com/office/drawing/2014/main" id="{D3D001C3-2F1C-4902-93EC-2F7CED96B72C}"/>
+              </a:ext>
+            </a:extLst>
+          </p:cNvPr>
+          <p:cNvPicPr>
+            <a:picLocks noChangeAspect="1"/>
+          </p:cNvPicPr>
+          <p:nvPr/>
+        </p:nvPicPr>
+        <p:blipFill rotWithShape="1">
+          <a:blip r:embed="rId2">
+            <a:extLst>
+              <a:ext uri="{28A0092B-C50C-407E-A947-70E740481C1C}">
+                <a14:useLocalDpi xmlns:a14="http://schemas.microsoft.com/office/drawing/2010/main" val="0"/>
+              </a:ext>
+            </a:extLst>
+          </a:blip>
+          <a:srcRect b="4854"/>
+          <a:stretch/>
+        </p:blipFill>
+        <p:spPr>
+          <a:xfrm>
+            <a:off x="10668000" y="274206"/>
+            <a:ext cx="1165961" cy="1261632"/>
+          </a:xfrm>
+          <a:prstGeom prst="rect">
+            <a:avLst/>
+          </a:prstGeom>
+        </p:spPr>
+      </p:pic>
+    </p:spTree>
+    <p:extLst>
+      <p:ext uri="{BB962C8B-B14F-4D97-AF65-F5344CB8AC3E}">
+        <p14:creationId xmlns:p14="http://schemas.microsoft.com/office/powerpoint/2010/main" val="1773527019"/>
+      </p:ext>
+    </p:extLst>
+  </p:cSld>
+  <p:clrMapOvr>
+    <a:masterClrMapping/>
+  </p:clrMapOvr>
+</p:sld>
+</file>
+
+<file path=ppt/slides/slide5.xml><?xml version="1.0" encoding="utf-8"?>
+<p:sld xmlns:a="http://schemas.openxmlformats.org/drawingml/2006/main" xmlns:r="http://schemas.openxmlformats.org/officeDocument/2006/relationships" xmlns:p="http://schemas.openxmlformats.org/presentationml/2006/main">
+  <p:cSld>
+    <p:spTree>
+      <p:nvGrpSpPr>
+        <p:cNvPr id="1" name=""/>
+        <p:cNvGrpSpPr/>
+        <p:nvPr/>
+      </p:nvGrpSpPr>
+      <p:grpSpPr>
+        <a:xfrm>
+          <a:off x="0" y="0"/>
+          <a:ext cx="0" cy="0"/>
+          <a:chOff x="0" y="0"/>
+          <a:chExt cx="0" cy="0"/>
+        </a:xfrm>
+      </p:grpSpPr>
+      <p:sp>
+        <p:nvSpPr>
+          <p:cNvPr id="2" name="Title 1">
+            <a:extLst>
+              <a:ext uri="{FF2B5EF4-FFF2-40B4-BE49-F238E27FC236}">
+                <a16:creationId xmlns:a16="http://schemas.microsoft.com/office/drawing/2014/main" id="{C18A8D9F-AA4C-44EA-8182-C698AA82993C}"/>
+              </a:ext>
+            </a:extLst>
+          </p:cNvPr>
+          <p:cNvSpPr>
+            <a:spLocks noGrp="1"/>
+          </p:cNvSpPr>
+          <p:nvPr>
+            <p:ph type="title"/>
+          </p:nvPr>
+        </p:nvSpPr>
+        <p:spPr/>
+        <p:txBody>
+          <a:bodyPr/>
+          <a:lstStyle/>
+          <a:p>
+            <a:r>
+              <a:rPr lang="en-US" dirty="0"/>
+              <a:t>Level Design – Use Case Diagram</a:t>
+            </a:r>
+          </a:p>
+        </p:txBody>
+      </p:sp>
+      <p:pic>
+        <p:nvPicPr>
+          <p:cNvPr id="4" name="Content Placeholder 3">
+            <a:extLst>
+              <a:ext uri="{FF2B5EF4-FFF2-40B4-BE49-F238E27FC236}">
+                <a16:creationId xmlns:a16="http://schemas.microsoft.com/office/drawing/2014/main" id="{841A67F4-B523-4EE5-BFDF-BE34201F77AF}"/>
+              </a:ext>
+            </a:extLst>
+          </p:cNvPr>
+          <p:cNvPicPr>
+            <a:picLocks noGrp="1"/>
+          </p:cNvPicPr>
+          <p:nvPr>
+            <p:ph idx="1"/>
+          </p:nvPr>
+        </p:nvPicPr>
+        <p:blipFill>
+          <a:blip r:embed="rId2"/>
+          <a:stretch>
+            <a:fillRect/>
+          </a:stretch>
+        </p:blipFill>
+        <p:spPr>
+          <a:xfrm>
+            <a:off x="2045368" y="1830221"/>
+            <a:ext cx="7729817" cy="4498390"/>
+          </a:xfrm>
+          <a:prstGeom prst="rect">
+            <a:avLst/>
+          </a:prstGeom>
+        </p:spPr>
+      </p:pic>
+      <p:pic>
+        <p:nvPicPr>
+          <p:cNvPr id="5" name="Picture 4">
+            <a:extLst>
+              <a:ext uri="{FF2B5EF4-FFF2-40B4-BE49-F238E27FC236}">
+                <a16:creationId xmlns:a16="http://schemas.microsoft.com/office/drawing/2014/main" id="{CF5644A5-92DD-450E-9100-37642F765205}"/>
+              </a:ext>
+            </a:extLst>
+          </p:cNvPr>
+          <p:cNvPicPr>
+            <a:picLocks noChangeAspect="1"/>
+          </p:cNvPicPr>
+          <p:nvPr/>
+        </p:nvPicPr>
+        <p:blipFill rotWithShape="1">
+          <a:blip r:embed="rId3">
+            <a:extLst>
+              <a:ext uri="{28A0092B-C50C-407E-A947-70E740481C1C}">
+                <a14:useLocalDpi xmlns:a14="http://schemas.microsoft.com/office/drawing/2010/main" val="0"/>
+              </a:ext>
+            </a:extLst>
+          </a:blip>
+          <a:srcRect b="4854"/>
+          <a:stretch/>
+        </p:blipFill>
+        <p:spPr>
+          <a:xfrm>
+            <a:off x="10668000" y="274206"/>
+            <a:ext cx="1165961" cy="1261632"/>
+          </a:xfrm>
+          <a:prstGeom prst="rect">
+            <a:avLst/>
+          </a:prstGeom>
+        </p:spPr>
+      </p:pic>
+    </p:spTree>
+    <p:extLst>
+      <p:ext uri="{BB962C8B-B14F-4D97-AF65-F5344CB8AC3E}">
+        <p14:creationId xmlns:p14="http://schemas.microsoft.com/office/powerpoint/2010/main" val="2521533170"/>
+      </p:ext>
+    </p:extLst>
+  </p:cSld>
+  <p:clrMapOvr>
+    <a:masterClrMapping/>
+  </p:clrMapOvr>
+</p:sld>
+</file>
+
 <file path=ppt/theme/theme1.xml><?xml version="1.0" encoding="utf-8"?>
 <a:theme xmlns:a="http://schemas.openxmlformats.org/drawingml/2006/main" name="Retrospect">
   <a:themeElements>

--- a/docs/Debugger.pptx
+++ b/docs/Debugger.pptx
@@ -1,28 +1,130 @@
 
 <file path=ppt/presentation.xml><?xml version="1.0" encoding="utf-8"?>
-<p:presentation xmlns:a="http://schemas.openxmlformats.org/drawingml/2006/main" xmlns:p="http://schemas.openxmlformats.org/presentationml/2006/main" xmlns:r="http://schemas.openxmlformats.org/officeDocument/2006/relationships" xmlns:p14="http://schemas.microsoft.com/office/powerpoint/2010/main" xmlns:p15="http://schemas.microsoft.com/office/powerpoint/2012/main" xmlns:mc="http://schemas.openxmlformats.org/markup-compatibility/2006">
+<p:presentation xmlns:a="http://schemas.openxmlformats.org/drawingml/2006/main" xmlns:r="http://schemas.openxmlformats.org/officeDocument/2006/relationships" xmlns:p="http://schemas.openxmlformats.org/presentationml/2006/main">
   <p:sldMasterIdLst>
-    <p:sldMasterId id="2147483648" r:id="rId2"/>
-    <p:sldMasterId id="2147483661" r:id="rId3"/>
+    <p:sldMasterId id="2147483648" r:id="rId1"/>
+    <p:sldMasterId id="2147483661" r:id="rId2"/>
   </p:sldMasterIdLst>
   <p:sldIdLst>
-    <p:sldId id="256" r:id="rId4"/>
-    <p:sldId id="257" r:id="rId5"/>
-    <p:sldId id="258" r:id="rId6"/>
-    <p:sldId id="259" r:id="rId7"/>
-    <p:sldId id="260" r:id="rId8"/>
-    <p:sldId id="261" r:id="rId9"/>
-    <p:sldId id="262" r:id="rId10"/>
-    <p:sldId id="263" r:id="rId11"/>
-    <p:sldId id="264" r:id="rId12"/>
+    <p:sldId id="256" r:id="rId3"/>
+    <p:sldId id="257" r:id="rId4"/>
+    <p:sldId id="258" r:id="rId5"/>
+    <p:sldId id="259" r:id="rId6"/>
+    <p:sldId id="260" r:id="rId7"/>
+    <p:sldId id="261" r:id="rId8"/>
+    <p:sldId id="262" r:id="rId9"/>
+    <p:sldId id="263" r:id="rId10"/>
+    <p:sldId id="264" r:id="rId11"/>
+    <p:sldId id="265" r:id="rId12"/>
+    <p:sldId id="266" r:id="rId13"/>
   </p:sldIdLst>
   <p:sldSz cx="12192000" cy="6858000"/>
   <p:notesSz cx="7772400" cy="10058400"/>
+  <p:defaultTextStyle>
+    <a:defPPr>
+      <a:defRPr lang="en-US"/>
+    </a:defPPr>
+    <a:lvl1pPr marL="0" algn="l" defTabSz="914400" rtl="0" eaLnBrk="1" latinLnBrk="0" hangingPunct="1">
+      <a:defRPr sz="1800" kern="1200">
+        <a:solidFill>
+          <a:schemeClr val="tx1"/>
+        </a:solidFill>
+        <a:latin typeface="+mn-lt"/>
+        <a:ea typeface="+mn-ea"/>
+        <a:cs typeface="+mn-cs"/>
+      </a:defRPr>
+    </a:lvl1pPr>
+    <a:lvl2pPr marL="457200" algn="l" defTabSz="914400" rtl="0" eaLnBrk="1" latinLnBrk="0" hangingPunct="1">
+      <a:defRPr sz="1800" kern="1200">
+        <a:solidFill>
+          <a:schemeClr val="tx1"/>
+        </a:solidFill>
+        <a:latin typeface="+mn-lt"/>
+        <a:ea typeface="+mn-ea"/>
+        <a:cs typeface="+mn-cs"/>
+      </a:defRPr>
+    </a:lvl2pPr>
+    <a:lvl3pPr marL="914400" algn="l" defTabSz="914400" rtl="0" eaLnBrk="1" latinLnBrk="0" hangingPunct="1">
+      <a:defRPr sz="1800" kern="1200">
+        <a:solidFill>
+          <a:schemeClr val="tx1"/>
+        </a:solidFill>
+        <a:latin typeface="+mn-lt"/>
+        <a:ea typeface="+mn-ea"/>
+        <a:cs typeface="+mn-cs"/>
+      </a:defRPr>
+    </a:lvl3pPr>
+    <a:lvl4pPr marL="1371600" algn="l" defTabSz="914400" rtl="0" eaLnBrk="1" latinLnBrk="0" hangingPunct="1">
+      <a:defRPr sz="1800" kern="1200">
+        <a:solidFill>
+          <a:schemeClr val="tx1"/>
+        </a:solidFill>
+        <a:latin typeface="+mn-lt"/>
+        <a:ea typeface="+mn-ea"/>
+        <a:cs typeface="+mn-cs"/>
+      </a:defRPr>
+    </a:lvl4pPr>
+    <a:lvl5pPr marL="1828800" algn="l" defTabSz="914400" rtl="0" eaLnBrk="1" latinLnBrk="0" hangingPunct="1">
+      <a:defRPr sz="1800" kern="1200">
+        <a:solidFill>
+          <a:schemeClr val="tx1"/>
+        </a:solidFill>
+        <a:latin typeface="+mn-lt"/>
+        <a:ea typeface="+mn-ea"/>
+        <a:cs typeface="+mn-cs"/>
+      </a:defRPr>
+    </a:lvl5pPr>
+    <a:lvl6pPr marL="2286000" algn="l" defTabSz="914400" rtl="0" eaLnBrk="1" latinLnBrk="0" hangingPunct="1">
+      <a:defRPr sz="1800" kern="1200">
+        <a:solidFill>
+          <a:schemeClr val="tx1"/>
+        </a:solidFill>
+        <a:latin typeface="+mn-lt"/>
+        <a:ea typeface="+mn-ea"/>
+        <a:cs typeface="+mn-cs"/>
+      </a:defRPr>
+    </a:lvl6pPr>
+    <a:lvl7pPr marL="2743200" algn="l" defTabSz="914400" rtl="0" eaLnBrk="1" latinLnBrk="0" hangingPunct="1">
+      <a:defRPr sz="1800" kern="1200">
+        <a:solidFill>
+          <a:schemeClr val="tx1"/>
+        </a:solidFill>
+        <a:latin typeface="+mn-lt"/>
+        <a:ea typeface="+mn-ea"/>
+        <a:cs typeface="+mn-cs"/>
+      </a:defRPr>
+    </a:lvl7pPr>
+    <a:lvl8pPr marL="3200400" algn="l" defTabSz="914400" rtl="0" eaLnBrk="1" latinLnBrk="0" hangingPunct="1">
+      <a:defRPr sz="1800" kern="1200">
+        <a:solidFill>
+          <a:schemeClr val="tx1"/>
+        </a:solidFill>
+        <a:latin typeface="+mn-lt"/>
+        <a:ea typeface="+mn-ea"/>
+        <a:cs typeface="+mn-cs"/>
+      </a:defRPr>
+    </a:lvl8pPr>
+    <a:lvl9pPr marL="3657600" algn="l" defTabSz="914400" rtl="0" eaLnBrk="1" latinLnBrk="0" hangingPunct="1">
+      <a:defRPr sz="1800" kern="1200">
+        <a:solidFill>
+          <a:schemeClr val="tx1"/>
+        </a:solidFill>
+        <a:latin typeface="+mn-lt"/>
+        <a:ea typeface="+mn-ea"/>
+        <a:cs typeface="+mn-cs"/>
+      </a:defRPr>
+    </a:lvl9pPr>
+  </p:defaultTextStyle>
+  <p:extLst>
+    <p:ext uri="{EFAFB233-063F-42B5-8137-9DF3F51BA10A}">
+      <p15:sldGuideLst xmlns:p15="http://schemas.microsoft.com/office/powerpoint/2012/main"/>
+    </p:ext>
+  </p:extLst>
 </p:presentation>
 </file>
 
 <file path=ppt/slideLayouts/slideLayout1.xml><?xml version="1.0" encoding="utf-8"?>
-<p:sldLayout xmlns:a="http://schemas.openxmlformats.org/drawingml/2006/main" xmlns:p="http://schemas.openxmlformats.org/presentationml/2006/main" xmlns:r="http://schemas.openxmlformats.org/officeDocument/2006/relationships" xmlns:p14="http://schemas.microsoft.com/office/powerpoint/2010/main" xmlns:p15="http://schemas.microsoft.com/office/powerpoint/2012/main" xmlns:mc="http://schemas.openxmlformats.org/markup-compatibility/2006" type="blank" preserve="1">
+<p:sldLayout xmlns:a="http://schemas.openxmlformats.org/drawingml/2006/main" xmlns:r="http://schemas.openxmlformats.org/officeDocument/2006/relationships" xmlns:p="http://schemas.openxmlformats.org/presentationml/2006/main" type="blank" preserve="1">
   <p:cSld name="Blank Slide">
     <p:spTree>
       <p:nvGrpSpPr>
@@ -40,11 +142,14 @@
       </p:grpSpPr>
     </p:spTree>
   </p:cSld>
+  <p:clrMapOvr>
+    <a:masterClrMapping/>
+  </p:clrMapOvr>
 </p:sldLayout>
 </file>
 
 <file path=ppt/slideLayouts/slideLayout10.xml><?xml version="1.0" encoding="utf-8"?>
-<p:sldLayout xmlns:a="http://schemas.openxmlformats.org/drawingml/2006/main" xmlns:p="http://schemas.openxmlformats.org/presentationml/2006/main" xmlns:r="http://schemas.openxmlformats.org/officeDocument/2006/relationships" xmlns:p14="http://schemas.microsoft.com/office/powerpoint/2010/main" xmlns:p15="http://schemas.microsoft.com/office/powerpoint/2012/main" xmlns:mc="http://schemas.openxmlformats.org/markup-compatibility/2006" type="objOverTx" preserve="1">
+<p:sldLayout xmlns:a="http://schemas.openxmlformats.org/drawingml/2006/main" xmlns:r="http://schemas.openxmlformats.org/officeDocument/2006/relationships" xmlns:p="http://schemas.openxmlformats.org/presentationml/2006/main" type="objOverTx" preserve="1">
   <p:cSld name="Title, Content over Content">
     <p:spTree>
       <p:nvGrpSpPr>
@@ -80,9 +185,10 @@
           </a:prstGeom>
         </p:spPr>
         <p:txBody>
-          <a:bodyPr lIns="0" rIns="0" tIns="0" bIns="0" anchor="ctr"/>
-          <a:p>
-            <a:endParaRPr b="0" lang="en-US" sz="1800" spc="-1" strike="noStrike">
+          <a:bodyPr lIns="0" tIns="0" rIns="0" bIns="0" anchor="ctr"/>
+          <a:lstStyle/>
+          <a:p>
+            <a:endParaRPr lang="en-US" sz="1800" b="0" strike="noStrike" spc="-1">
               <a:solidFill>
                 <a:srgbClr val="000000"/>
               </a:solidFill>
@@ -111,11 +217,12 @@
           </a:prstGeom>
         </p:spPr>
         <p:txBody>
-          <a:bodyPr lIns="0" rIns="0" tIns="0" bIns="0">
+          <a:bodyPr lIns="0" tIns="0" rIns="0" bIns="0">
             <a:normAutofit/>
           </a:bodyPr>
-          <a:p>
-            <a:endParaRPr b="0" lang="en-US" sz="2000" spc="-1" strike="noStrike">
+          <a:lstStyle/>
+          <a:p>
+            <a:endParaRPr lang="en-US" sz="2000" b="0" strike="noStrike" spc="-1">
               <a:solidFill>
                 <a:srgbClr val="404040"/>
               </a:solidFill>
@@ -144,11 +251,12 @@
           </a:prstGeom>
         </p:spPr>
         <p:txBody>
-          <a:bodyPr lIns="0" rIns="0" tIns="0" bIns="0">
+          <a:bodyPr lIns="0" tIns="0" rIns="0" bIns="0">
             <a:normAutofit/>
           </a:bodyPr>
-          <a:p>
-            <a:endParaRPr b="0" lang="en-US" sz="2000" spc="-1" strike="noStrike">
+          <a:lstStyle/>
+          <a:p>
+            <a:endParaRPr lang="en-US" sz="2000" b="0" strike="noStrike" spc="-1">
               <a:solidFill>
                 <a:srgbClr val="404040"/>
               </a:solidFill>
@@ -159,11 +267,14 @@
       </p:sp>
     </p:spTree>
   </p:cSld>
+  <p:clrMapOvr>
+    <a:masterClrMapping/>
+  </p:clrMapOvr>
 </p:sldLayout>
 </file>
 
 <file path=ppt/slideLayouts/slideLayout11.xml><?xml version="1.0" encoding="utf-8"?>
-<p:sldLayout xmlns:a="http://schemas.openxmlformats.org/drawingml/2006/main" xmlns:p="http://schemas.openxmlformats.org/presentationml/2006/main" xmlns:r="http://schemas.openxmlformats.org/officeDocument/2006/relationships" xmlns:p14="http://schemas.microsoft.com/office/powerpoint/2010/main" xmlns:p15="http://schemas.microsoft.com/office/powerpoint/2012/main" xmlns:mc="http://schemas.openxmlformats.org/markup-compatibility/2006" type="fourObj" preserve="1">
+<p:sldLayout xmlns:a="http://schemas.openxmlformats.org/drawingml/2006/main" xmlns:r="http://schemas.openxmlformats.org/officeDocument/2006/relationships" xmlns:p="http://schemas.openxmlformats.org/presentationml/2006/main" type="fourObj" preserve="1">
   <p:cSld name="Title, 4 Content">
     <p:spTree>
       <p:nvGrpSpPr>
@@ -199,9 +310,10 @@
           </a:prstGeom>
         </p:spPr>
         <p:txBody>
-          <a:bodyPr lIns="0" rIns="0" tIns="0" bIns="0" anchor="ctr"/>
-          <a:p>
-            <a:endParaRPr b="0" lang="en-US" sz="1800" spc="-1" strike="noStrike">
+          <a:bodyPr lIns="0" tIns="0" rIns="0" bIns="0" anchor="ctr"/>
+          <a:lstStyle/>
+          <a:p>
+            <a:endParaRPr lang="en-US" sz="1800" b="0" strike="noStrike" spc="-1">
               <a:solidFill>
                 <a:srgbClr val="000000"/>
               </a:solidFill>
@@ -230,11 +342,12 @@
           </a:prstGeom>
         </p:spPr>
         <p:txBody>
-          <a:bodyPr lIns="0" rIns="0" tIns="0" bIns="0">
+          <a:bodyPr lIns="0" tIns="0" rIns="0" bIns="0">
             <a:normAutofit/>
           </a:bodyPr>
-          <a:p>
-            <a:endParaRPr b="0" lang="en-US" sz="2000" spc="-1" strike="noStrike">
+          <a:lstStyle/>
+          <a:p>
+            <a:endParaRPr lang="en-US" sz="2000" b="0" strike="noStrike" spc="-1">
               <a:solidFill>
                 <a:srgbClr val="404040"/>
               </a:solidFill>
@@ -263,11 +376,12 @@
           </a:prstGeom>
         </p:spPr>
         <p:txBody>
-          <a:bodyPr lIns="0" rIns="0" tIns="0" bIns="0">
+          <a:bodyPr lIns="0" tIns="0" rIns="0" bIns="0">
             <a:normAutofit/>
           </a:bodyPr>
-          <a:p>
-            <a:endParaRPr b="0" lang="en-US" sz="2000" spc="-1" strike="noStrike">
+          <a:lstStyle/>
+          <a:p>
+            <a:endParaRPr lang="en-US" sz="2000" b="0" strike="noStrike" spc="-1">
               <a:solidFill>
                 <a:srgbClr val="404040"/>
               </a:solidFill>
@@ -296,11 +410,12 @@
           </a:prstGeom>
         </p:spPr>
         <p:txBody>
-          <a:bodyPr lIns="0" rIns="0" tIns="0" bIns="0">
+          <a:bodyPr lIns="0" tIns="0" rIns="0" bIns="0">
             <a:normAutofit/>
           </a:bodyPr>
-          <a:p>
-            <a:endParaRPr b="0" lang="en-US" sz="2000" spc="-1" strike="noStrike">
+          <a:lstStyle/>
+          <a:p>
+            <a:endParaRPr lang="en-US" sz="2000" b="0" strike="noStrike" spc="-1">
               <a:solidFill>
                 <a:srgbClr val="404040"/>
               </a:solidFill>
@@ -329,11 +444,12 @@
           </a:prstGeom>
         </p:spPr>
         <p:txBody>
-          <a:bodyPr lIns="0" rIns="0" tIns="0" bIns="0">
+          <a:bodyPr lIns="0" tIns="0" rIns="0" bIns="0">
             <a:normAutofit/>
           </a:bodyPr>
-          <a:p>
-            <a:endParaRPr b="0" lang="en-US" sz="2000" spc="-1" strike="noStrike">
+          <a:lstStyle/>
+          <a:p>
+            <a:endParaRPr lang="en-US" sz="2000" b="0" strike="noStrike" spc="-1">
               <a:solidFill>
                 <a:srgbClr val="404040"/>
               </a:solidFill>
@@ -344,11 +460,14 @@
       </p:sp>
     </p:spTree>
   </p:cSld>
+  <p:clrMapOvr>
+    <a:masterClrMapping/>
+  </p:clrMapOvr>
 </p:sldLayout>
 </file>
 
 <file path=ppt/slideLayouts/slideLayout12.xml><?xml version="1.0" encoding="utf-8"?>
-<p:sldLayout xmlns:a="http://schemas.openxmlformats.org/drawingml/2006/main" xmlns:p="http://schemas.openxmlformats.org/presentationml/2006/main" xmlns:r="http://schemas.openxmlformats.org/officeDocument/2006/relationships" xmlns:p14="http://schemas.microsoft.com/office/powerpoint/2010/main" xmlns:p15="http://schemas.microsoft.com/office/powerpoint/2012/main" xmlns:mc="http://schemas.openxmlformats.org/markup-compatibility/2006" type="blank" preserve="1">
+<p:sldLayout xmlns:a="http://schemas.openxmlformats.org/drawingml/2006/main" xmlns:r="http://schemas.openxmlformats.org/officeDocument/2006/relationships" xmlns:p="http://schemas.openxmlformats.org/presentationml/2006/main" type="blank" preserve="1">
   <p:cSld name="Title, 6 Content">
     <p:spTree>
       <p:nvGrpSpPr>
@@ -384,9 +503,10 @@
           </a:prstGeom>
         </p:spPr>
         <p:txBody>
-          <a:bodyPr lIns="0" rIns="0" tIns="0" bIns="0" anchor="ctr"/>
-          <a:p>
-            <a:endParaRPr b="0" lang="en-US" sz="1800" spc="-1" strike="noStrike">
+          <a:bodyPr lIns="0" tIns="0" rIns="0" bIns="0" anchor="ctr"/>
+          <a:lstStyle/>
+          <a:p>
+            <a:endParaRPr lang="en-US" sz="1800" b="0" strike="noStrike" spc="-1">
               <a:solidFill>
                 <a:srgbClr val="000000"/>
               </a:solidFill>
@@ -415,11 +535,12 @@
           </a:prstGeom>
         </p:spPr>
         <p:txBody>
-          <a:bodyPr lIns="0" rIns="0" tIns="0" bIns="0">
+          <a:bodyPr lIns="0" tIns="0" rIns="0" bIns="0">
             <a:normAutofit/>
           </a:bodyPr>
-          <a:p>
-            <a:endParaRPr b="0" lang="en-US" sz="2000" spc="-1" strike="noStrike">
+          <a:lstStyle/>
+          <a:p>
+            <a:endParaRPr lang="en-US" sz="2000" b="0" strike="noStrike" spc="-1">
               <a:solidFill>
                 <a:srgbClr val="404040"/>
               </a:solidFill>
@@ -448,11 +569,12 @@
           </a:prstGeom>
         </p:spPr>
         <p:txBody>
-          <a:bodyPr lIns="0" rIns="0" tIns="0" bIns="0">
+          <a:bodyPr lIns="0" tIns="0" rIns="0" bIns="0">
             <a:normAutofit/>
           </a:bodyPr>
-          <a:p>
-            <a:endParaRPr b="0" lang="en-US" sz="2000" spc="-1" strike="noStrike">
+          <a:lstStyle/>
+          <a:p>
+            <a:endParaRPr lang="en-US" sz="2000" b="0" strike="noStrike" spc="-1">
               <a:solidFill>
                 <a:srgbClr val="404040"/>
               </a:solidFill>
@@ -481,11 +603,12 @@
           </a:prstGeom>
         </p:spPr>
         <p:txBody>
-          <a:bodyPr lIns="0" rIns="0" tIns="0" bIns="0">
+          <a:bodyPr lIns="0" tIns="0" rIns="0" bIns="0">
             <a:normAutofit/>
           </a:bodyPr>
-          <a:p>
-            <a:endParaRPr b="0" lang="en-US" sz="2000" spc="-1" strike="noStrike">
+          <a:lstStyle/>
+          <a:p>
+            <a:endParaRPr lang="en-US" sz="2000" b="0" strike="noStrike" spc="-1">
               <a:solidFill>
                 <a:srgbClr val="404040"/>
               </a:solidFill>
@@ -514,11 +637,12 @@
           </a:prstGeom>
         </p:spPr>
         <p:txBody>
-          <a:bodyPr lIns="0" rIns="0" tIns="0" bIns="0">
+          <a:bodyPr lIns="0" tIns="0" rIns="0" bIns="0">
             <a:normAutofit/>
           </a:bodyPr>
-          <a:p>
-            <a:endParaRPr b="0" lang="en-US" sz="2000" spc="-1" strike="noStrike">
+          <a:lstStyle/>
+          <a:p>
+            <a:endParaRPr lang="en-US" sz="2000" b="0" strike="noStrike" spc="-1">
               <a:solidFill>
                 <a:srgbClr val="404040"/>
               </a:solidFill>
@@ -547,11 +671,12 @@
           </a:prstGeom>
         </p:spPr>
         <p:txBody>
-          <a:bodyPr lIns="0" rIns="0" tIns="0" bIns="0">
+          <a:bodyPr lIns="0" tIns="0" rIns="0" bIns="0">
             <a:normAutofit/>
           </a:bodyPr>
-          <a:p>
-            <a:endParaRPr b="0" lang="en-US" sz="2000" spc="-1" strike="noStrike">
+          <a:lstStyle/>
+          <a:p>
+            <a:endParaRPr lang="en-US" sz="2000" b="0" strike="noStrike" spc="-1">
               <a:solidFill>
                 <a:srgbClr val="404040"/>
               </a:solidFill>
@@ -580,11 +705,12 @@
           </a:prstGeom>
         </p:spPr>
         <p:txBody>
-          <a:bodyPr lIns="0" rIns="0" tIns="0" bIns="0">
+          <a:bodyPr lIns="0" tIns="0" rIns="0" bIns="0">
             <a:normAutofit/>
           </a:bodyPr>
-          <a:p>
-            <a:endParaRPr b="0" lang="en-US" sz="2000" spc="-1" strike="noStrike">
+          <a:lstStyle/>
+          <a:p>
+            <a:endParaRPr lang="en-US" sz="2000" b="0" strike="noStrike" spc="-1">
               <a:solidFill>
                 <a:srgbClr val="404040"/>
               </a:solidFill>
@@ -595,11 +721,14 @@
       </p:sp>
     </p:spTree>
   </p:cSld>
+  <p:clrMapOvr>
+    <a:masterClrMapping/>
+  </p:clrMapOvr>
 </p:sldLayout>
 </file>
 
 <file path=ppt/slideLayouts/slideLayout13.xml><?xml version="1.0" encoding="utf-8"?>
-<p:sldLayout xmlns:a="http://schemas.openxmlformats.org/drawingml/2006/main" xmlns:p="http://schemas.openxmlformats.org/presentationml/2006/main" xmlns:r="http://schemas.openxmlformats.org/officeDocument/2006/relationships" xmlns:p14="http://schemas.microsoft.com/office/powerpoint/2010/main" xmlns:p15="http://schemas.microsoft.com/office/powerpoint/2012/main" xmlns:mc="http://schemas.openxmlformats.org/markup-compatibility/2006" type="blank" preserve="1">
+<p:sldLayout xmlns:a="http://schemas.openxmlformats.org/drawingml/2006/main" xmlns:r="http://schemas.openxmlformats.org/officeDocument/2006/relationships" xmlns:p="http://schemas.openxmlformats.org/presentationml/2006/main" type="blank" preserve="1">
   <p:cSld name="Blank Slide">
     <p:spTree>
       <p:nvGrpSpPr>
@@ -617,11 +746,14 @@
       </p:grpSpPr>
     </p:spTree>
   </p:cSld>
+  <p:clrMapOvr>
+    <a:masterClrMapping/>
+  </p:clrMapOvr>
 </p:sldLayout>
 </file>
 
 <file path=ppt/slideLayouts/slideLayout14.xml><?xml version="1.0" encoding="utf-8"?>
-<p:sldLayout xmlns:a="http://schemas.openxmlformats.org/drawingml/2006/main" xmlns:p="http://schemas.openxmlformats.org/presentationml/2006/main" xmlns:r="http://schemas.openxmlformats.org/officeDocument/2006/relationships" xmlns:p14="http://schemas.microsoft.com/office/powerpoint/2010/main" xmlns:p15="http://schemas.microsoft.com/office/powerpoint/2012/main" xmlns:mc="http://schemas.openxmlformats.org/markup-compatibility/2006" type="tx" preserve="1">
+<p:sldLayout xmlns:a="http://schemas.openxmlformats.org/drawingml/2006/main" xmlns:r="http://schemas.openxmlformats.org/officeDocument/2006/relationships" xmlns:p="http://schemas.openxmlformats.org/presentationml/2006/main" type="tx" preserve="1">
   <p:cSld name="Title Slide">
     <p:spTree>
       <p:nvGrpSpPr>
@@ -657,9 +789,10 @@
           </a:prstGeom>
         </p:spPr>
         <p:txBody>
-          <a:bodyPr lIns="0" rIns="0" tIns="0" bIns="0" anchor="ctr"/>
-          <a:p>
-            <a:endParaRPr b="0" lang="en-US" sz="1800" spc="-1" strike="noStrike">
+          <a:bodyPr lIns="0" tIns="0" rIns="0" bIns="0" anchor="ctr"/>
+          <a:lstStyle/>
+          <a:p>
+            <a:endParaRPr lang="en-US" sz="1800" b="0" strike="noStrike" spc="-1">
               <a:solidFill>
                 <a:srgbClr val="000000"/>
               </a:solidFill>
@@ -688,10 +821,11 @@
           </a:prstGeom>
         </p:spPr>
         <p:txBody>
-          <a:bodyPr lIns="0" rIns="0" tIns="0" bIns="0" anchor="ctr"/>
+          <a:bodyPr lIns="0" tIns="0" rIns="0" bIns="0" anchor="ctr"/>
+          <a:lstStyle/>
           <a:p>
             <a:pPr algn="ctr"/>
-            <a:endParaRPr b="0" lang="en-US" sz="3200" spc="-1" strike="noStrike">
+            <a:endParaRPr lang="en-US" sz="3200" b="0" strike="noStrike" spc="-1">
               <a:latin typeface="Arial"/>
             </a:endParaRPr>
           </a:p>
@@ -699,11 +833,14 @@
       </p:sp>
     </p:spTree>
   </p:cSld>
+  <p:clrMapOvr>
+    <a:masterClrMapping/>
+  </p:clrMapOvr>
 </p:sldLayout>
 </file>
 
 <file path=ppt/slideLayouts/slideLayout15.xml><?xml version="1.0" encoding="utf-8"?>
-<p:sldLayout xmlns:a="http://schemas.openxmlformats.org/drawingml/2006/main" xmlns:p="http://schemas.openxmlformats.org/presentationml/2006/main" xmlns:r="http://schemas.openxmlformats.org/officeDocument/2006/relationships" xmlns:p14="http://schemas.microsoft.com/office/powerpoint/2010/main" xmlns:p15="http://schemas.microsoft.com/office/powerpoint/2012/main" xmlns:mc="http://schemas.openxmlformats.org/markup-compatibility/2006" type="obj" preserve="1">
+<p:sldLayout xmlns:a="http://schemas.openxmlformats.org/drawingml/2006/main" xmlns:r="http://schemas.openxmlformats.org/officeDocument/2006/relationships" xmlns:p="http://schemas.openxmlformats.org/presentationml/2006/main" type="obj" preserve="1">
   <p:cSld name="Title, Content">
     <p:spTree>
       <p:nvGrpSpPr>
@@ -739,9 +876,10 @@
           </a:prstGeom>
         </p:spPr>
         <p:txBody>
-          <a:bodyPr lIns="0" rIns="0" tIns="0" bIns="0" anchor="ctr"/>
-          <a:p>
-            <a:endParaRPr b="0" lang="en-US" sz="1800" spc="-1" strike="noStrike">
+          <a:bodyPr lIns="0" tIns="0" rIns="0" bIns="0" anchor="ctr"/>
+          <a:lstStyle/>
+          <a:p>
+            <a:endParaRPr lang="en-US" sz="1800" b="0" strike="noStrike" spc="-1">
               <a:solidFill>
                 <a:srgbClr val="000000"/>
               </a:solidFill>
@@ -770,11 +908,12 @@
           </a:prstGeom>
         </p:spPr>
         <p:txBody>
-          <a:bodyPr lIns="0" rIns="0" tIns="0" bIns="0">
+          <a:bodyPr lIns="0" tIns="0" rIns="0" bIns="0">
             <a:normAutofit/>
           </a:bodyPr>
-          <a:p>
-            <a:endParaRPr b="0" lang="en-US" sz="2000" spc="-1" strike="noStrike">
+          <a:lstStyle/>
+          <a:p>
+            <a:endParaRPr lang="en-US" sz="2000" b="0" strike="noStrike" spc="-1">
               <a:solidFill>
                 <a:srgbClr val="404040"/>
               </a:solidFill>
@@ -785,11 +924,14 @@
       </p:sp>
     </p:spTree>
   </p:cSld>
+  <p:clrMapOvr>
+    <a:masterClrMapping/>
+  </p:clrMapOvr>
 </p:sldLayout>
 </file>
 
 <file path=ppt/slideLayouts/slideLayout16.xml><?xml version="1.0" encoding="utf-8"?>
-<p:sldLayout xmlns:a="http://schemas.openxmlformats.org/drawingml/2006/main" xmlns:p="http://schemas.openxmlformats.org/presentationml/2006/main" xmlns:r="http://schemas.openxmlformats.org/officeDocument/2006/relationships" xmlns:p14="http://schemas.microsoft.com/office/powerpoint/2010/main" xmlns:p15="http://schemas.microsoft.com/office/powerpoint/2012/main" xmlns:mc="http://schemas.openxmlformats.org/markup-compatibility/2006" type="twoObj" preserve="1">
+<p:sldLayout xmlns:a="http://schemas.openxmlformats.org/drawingml/2006/main" xmlns:r="http://schemas.openxmlformats.org/officeDocument/2006/relationships" xmlns:p="http://schemas.openxmlformats.org/presentationml/2006/main" type="twoObj" preserve="1">
   <p:cSld name="Title, 2 Content">
     <p:spTree>
       <p:nvGrpSpPr>
@@ -825,9 +967,10 @@
           </a:prstGeom>
         </p:spPr>
         <p:txBody>
-          <a:bodyPr lIns="0" rIns="0" tIns="0" bIns="0" anchor="ctr"/>
-          <a:p>
-            <a:endParaRPr b="0" lang="en-US" sz="1800" spc="-1" strike="noStrike">
+          <a:bodyPr lIns="0" tIns="0" rIns="0" bIns="0" anchor="ctr"/>
+          <a:lstStyle/>
+          <a:p>
+            <a:endParaRPr lang="en-US" sz="1800" b="0" strike="noStrike" spc="-1">
               <a:solidFill>
                 <a:srgbClr val="000000"/>
               </a:solidFill>
@@ -856,11 +999,12 @@
           </a:prstGeom>
         </p:spPr>
         <p:txBody>
-          <a:bodyPr lIns="0" rIns="0" tIns="0" bIns="0">
+          <a:bodyPr lIns="0" tIns="0" rIns="0" bIns="0">
             <a:normAutofit/>
           </a:bodyPr>
-          <a:p>
-            <a:endParaRPr b="0" lang="en-US" sz="2000" spc="-1" strike="noStrike">
+          <a:lstStyle/>
+          <a:p>
+            <a:endParaRPr lang="en-US" sz="2000" b="0" strike="noStrike" spc="-1">
               <a:solidFill>
                 <a:srgbClr val="404040"/>
               </a:solidFill>
@@ -889,11 +1033,12 @@
           </a:prstGeom>
         </p:spPr>
         <p:txBody>
-          <a:bodyPr lIns="0" rIns="0" tIns="0" bIns="0">
+          <a:bodyPr lIns="0" tIns="0" rIns="0" bIns="0">
             <a:normAutofit/>
           </a:bodyPr>
-          <a:p>
-            <a:endParaRPr b="0" lang="en-US" sz="2000" spc="-1" strike="noStrike">
+          <a:lstStyle/>
+          <a:p>
+            <a:endParaRPr lang="en-US" sz="2000" b="0" strike="noStrike" spc="-1">
               <a:solidFill>
                 <a:srgbClr val="404040"/>
               </a:solidFill>
@@ -904,11 +1049,14 @@
       </p:sp>
     </p:spTree>
   </p:cSld>
+  <p:clrMapOvr>
+    <a:masterClrMapping/>
+  </p:clrMapOvr>
 </p:sldLayout>
 </file>
 
 <file path=ppt/slideLayouts/slideLayout17.xml><?xml version="1.0" encoding="utf-8"?>
-<p:sldLayout xmlns:a="http://schemas.openxmlformats.org/drawingml/2006/main" xmlns:p="http://schemas.openxmlformats.org/presentationml/2006/main" xmlns:r="http://schemas.openxmlformats.org/officeDocument/2006/relationships" xmlns:p14="http://schemas.microsoft.com/office/powerpoint/2010/main" xmlns:p15="http://schemas.microsoft.com/office/powerpoint/2012/main" xmlns:mc="http://schemas.openxmlformats.org/markup-compatibility/2006" type="titleOnly" preserve="1">
+<p:sldLayout xmlns:a="http://schemas.openxmlformats.org/drawingml/2006/main" xmlns:r="http://schemas.openxmlformats.org/officeDocument/2006/relationships" xmlns:p="http://schemas.openxmlformats.org/presentationml/2006/main" type="titleOnly" preserve="1">
   <p:cSld name="Title Only">
     <p:spTree>
       <p:nvGrpSpPr>
@@ -944,9 +1092,10 @@
           </a:prstGeom>
         </p:spPr>
         <p:txBody>
-          <a:bodyPr lIns="0" rIns="0" tIns="0" bIns="0" anchor="ctr"/>
-          <a:p>
-            <a:endParaRPr b="0" lang="en-US" sz="1800" spc="-1" strike="noStrike">
+          <a:bodyPr lIns="0" tIns="0" rIns="0" bIns="0" anchor="ctr"/>
+          <a:lstStyle/>
+          <a:p>
+            <a:endParaRPr lang="en-US" sz="1800" b="0" strike="noStrike" spc="-1">
               <a:solidFill>
                 <a:srgbClr val="000000"/>
               </a:solidFill>
@@ -957,11 +1106,14 @@
       </p:sp>
     </p:spTree>
   </p:cSld>
+  <p:clrMapOvr>
+    <a:masterClrMapping/>
+  </p:clrMapOvr>
 </p:sldLayout>
 </file>
 
 <file path=ppt/slideLayouts/slideLayout18.xml><?xml version="1.0" encoding="utf-8"?>
-<p:sldLayout xmlns:a="http://schemas.openxmlformats.org/drawingml/2006/main" xmlns:p="http://schemas.openxmlformats.org/presentationml/2006/main" xmlns:r="http://schemas.openxmlformats.org/officeDocument/2006/relationships" xmlns:p14="http://schemas.microsoft.com/office/powerpoint/2010/main" xmlns:p15="http://schemas.microsoft.com/office/powerpoint/2012/main" xmlns:mc="http://schemas.openxmlformats.org/markup-compatibility/2006" type="objOnly" preserve="1">
+<p:sldLayout xmlns:a="http://schemas.openxmlformats.org/drawingml/2006/main" xmlns:r="http://schemas.openxmlformats.org/officeDocument/2006/relationships" xmlns:p="http://schemas.openxmlformats.org/presentationml/2006/main" type="objOnly" preserve="1">
   <p:cSld name="Centered Text">
     <p:spTree>
       <p:nvGrpSpPr>
@@ -997,10 +1149,11 @@
           </a:prstGeom>
         </p:spPr>
         <p:txBody>
-          <a:bodyPr lIns="0" rIns="0" tIns="0" bIns="0" anchor="ctr"/>
+          <a:bodyPr lIns="0" tIns="0" rIns="0" bIns="0" anchor="ctr"/>
+          <a:lstStyle/>
           <a:p>
             <a:pPr algn="ctr"/>
-            <a:endParaRPr b="0" lang="en-US" sz="3200" spc="-1" strike="noStrike">
+            <a:endParaRPr lang="en-US" sz="3200" b="0" strike="noStrike" spc="-1">
               <a:latin typeface="Arial"/>
             </a:endParaRPr>
           </a:p>
@@ -1008,11 +1161,14 @@
       </p:sp>
     </p:spTree>
   </p:cSld>
+  <p:clrMapOvr>
+    <a:masterClrMapping/>
+  </p:clrMapOvr>
 </p:sldLayout>
 </file>
 
 <file path=ppt/slideLayouts/slideLayout19.xml><?xml version="1.0" encoding="utf-8"?>
-<p:sldLayout xmlns:a="http://schemas.openxmlformats.org/drawingml/2006/main" xmlns:p="http://schemas.openxmlformats.org/presentationml/2006/main" xmlns:r="http://schemas.openxmlformats.org/officeDocument/2006/relationships" xmlns:p14="http://schemas.microsoft.com/office/powerpoint/2010/main" xmlns:p15="http://schemas.microsoft.com/office/powerpoint/2012/main" xmlns:mc="http://schemas.openxmlformats.org/markup-compatibility/2006" type="twoObjAndObj" preserve="1">
+<p:sldLayout xmlns:a="http://schemas.openxmlformats.org/drawingml/2006/main" xmlns:r="http://schemas.openxmlformats.org/officeDocument/2006/relationships" xmlns:p="http://schemas.openxmlformats.org/presentationml/2006/main" type="twoObjAndObj" preserve="1">
   <p:cSld name="Title, 2 Content and Content">
     <p:spTree>
       <p:nvGrpSpPr>
@@ -1048,9 +1204,10 @@
           </a:prstGeom>
         </p:spPr>
         <p:txBody>
-          <a:bodyPr lIns="0" rIns="0" tIns="0" bIns="0" anchor="ctr"/>
-          <a:p>
-            <a:endParaRPr b="0" lang="en-US" sz="1800" spc="-1" strike="noStrike">
+          <a:bodyPr lIns="0" tIns="0" rIns="0" bIns="0" anchor="ctr"/>
+          <a:lstStyle/>
+          <a:p>
+            <a:endParaRPr lang="en-US" sz="1800" b="0" strike="noStrike" spc="-1">
               <a:solidFill>
                 <a:srgbClr val="000000"/>
               </a:solidFill>
@@ -1079,11 +1236,12 @@
           </a:prstGeom>
         </p:spPr>
         <p:txBody>
-          <a:bodyPr lIns="0" rIns="0" tIns="0" bIns="0">
+          <a:bodyPr lIns="0" tIns="0" rIns="0" bIns="0">
             <a:normAutofit/>
           </a:bodyPr>
-          <a:p>
-            <a:endParaRPr b="0" lang="en-US" sz="2000" spc="-1" strike="noStrike">
+          <a:lstStyle/>
+          <a:p>
+            <a:endParaRPr lang="en-US" sz="2000" b="0" strike="noStrike" spc="-1">
               <a:solidFill>
                 <a:srgbClr val="404040"/>
               </a:solidFill>
@@ -1112,11 +1270,12 @@
           </a:prstGeom>
         </p:spPr>
         <p:txBody>
-          <a:bodyPr lIns="0" rIns="0" tIns="0" bIns="0">
+          <a:bodyPr lIns="0" tIns="0" rIns="0" bIns="0">
             <a:normAutofit/>
           </a:bodyPr>
-          <a:p>
-            <a:endParaRPr b="0" lang="en-US" sz="2000" spc="-1" strike="noStrike">
+          <a:lstStyle/>
+          <a:p>
+            <a:endParaRPr lang="en-US" sz="2000" b="0" strike="noStrike" spc="-1">
               <a:solidFill>
                 <a:srgbClr val="404040"/>
               </a:solidFill>
@@ -1145,11 +1304,12 @@
           </a:prstGeom>
         </p:spPr>
         <p:txBody>
-          <a:bodyPr lIns="0" rIns="0" tIns="0" bIns="0">
+          <a:bodyPr lIns="0" tIns="0" rIns="0" bIns="0">
             <a:normAutofit/>
           </a:bodyPr>
-          <a:p>
-            <a:endParaRPr b="0" lang="en-US" sz="2000" spc="-1" strike="noStrike">
+          <a:lstStyle/>
+          <a:p>
+            <a:endParaRPr lang="en-US" sz="2000" b="0" strike="noStrike" spc="-1">
               <a:solidFill>
                 <a:srgbClr val="404040"/>
               </a:solidFill>
@@ -1160,11 +1320,14 @@
       </p:sp>
     </p:spTree>
   </p:cSld>
+  <p:clrMapOvr>
+    <a:masterClrMapping/>
+  </p:clrMapOvr>
 </p:sldLayout>
 </file>
 
 <file path=ppt/slideLayouts/slideLayout2.xml><?xml version="1.0" encoding="utf-8"?>
-<p:sldLayout xmlns:a="http://schemas.openxmlformats.org/drawingml/2006/main" xmlns:p="http://schemas.openxmlformats.org/presentationml/2006/main" xmlns:r="http://schemas.openxmlformats.org/officeDocument/2006/relationships" xmlns:p14="http://schemas.microsoft.com/office/powerpoint/2010/main" xmlns:p15="http://schemas.microsoft.com/office/powerpoint/2012/main" xmlns:mc="http://schemas.openxmlformats.org/markup-compatibility/2006" type="tx" preserve="1">
+<p:sldLayout xmlns:a="http://schemas.openxmlformats.org/drawingml/2006/main" xmlns:r="http://schemas.openxmlformats.org/officeDocument/2006/relationships" xmlns:p="http://schemas.openxmlformats.org/presentationml/2006/main" type="tx" preserve="1">
   <p:cSld name="Title Slide">
     <p:spTree>
       <p:nvGrpSpPr>
@@ -1200,9 +1363,10 @@
           </a:prstGeom>
         </p:spPr>
         <p:txBody>
-          <a:bodyPr lIns="0" rIns="0" tIns="0" bIns="0" anchor="ctr"/>
-          <a:p>
-            <a:endParaRPr b="0" lang="en-US" sz="1800" spc="-1" strike="noStrike">
+          <a:bodyPr lIns="0" tIns="0" rIns="0" bIns="0" anchor="ctr"/>
+          <a:lstStyle/>
+          <a:p>
+            <a:endParaRPr lang="en-US" sz="1800" b="0" strike="noStrike" spc="-1">
               <a:solidFill>
                 <a:srgbClr val="000000"/>
               </a:solidFill>
@@ -1231,10 +1395,11 @@
           </a:prstGeom>
         </p:spPr>
         <p:txBody>
-          <a:bodyPr lIns="0" rIns="0" tIns="0" bIns="0" anchor="ctr"/>
+          <a:bodyPr lIns="0" tIns="0" rIns="0" bIns="0" anchor="ctr"/>
+          <a:lstStyle/>
           <a:p>
             <a:pPr algn="ctr"/>
-            <a:endParaRPr b="0" lang="en-US" sz="3200" spc="-1" strike="noStrike">
+            <a:endParaRPr lang="en-US" sz="3200" b="0" strike="noStrike" spc="-1">
               <a:latin typeface="Arial"/>
             </a:endParaRPr>
           </a:p>
@@ -1242,11 +1407,14 @@
       </p:sp>
     </p:spTree>
   </p:cSld>
+  <p:clrMapOvr>
+    <a:masterClrMapping/>
+  </p:clrMapOvr>
 </p:sldLayout>
 </file>
 
 <file path=ppt/slideLayouts/slideLayout20.xml><?xml version="1.0" encoding="utf-8"?>
-<p:sldLayout xmlns:a="http://schemas.openxmlformats.org/drawingml/2006/main" xmlns:p="http://schemas.openxmlformats.org/presentationml/2006/main" xmlns:r="http://schemas.openxmlformats.org/officeDocument/2006/relationships" xmlns:p14="http://schemas.microsoft.com/office/powerpoint/2010/main" xmlns:p15="http://schemas.microsoft.com/office/powerpoint/2012/main" xmlns:mc="http://schemas.openxmlformats.org/markup-compatibility/2006" type="objAndTwoObj" preserve="1">
+<p:sldLayout xmlns:a="http://schemas.openxmlformats.org/drawingml/2006/main" xmlns:r="http://schemas.openxmlformats.org/officeDocument/2006/relationships" xmlns:p="http://schemas.openxmlformats.org/presentationml/2006/main" type="objAndTwoObj" preserve="1">
   <p:cSld name="Title Content and 2 Content">
     <p:spTree>
       <p:nvGrpSpPr>
@@ -1282,9 +1450,10 @@
           </a:prstGeom>
         </p:spPr>
         <p:txBody>
-          <a:bodyPr lIns="0" rIns="0" tIns="0" bIns="0" anchor="ctr"/>
-          <a:p>
-            <a:endParaRPr b="0" lang="en-US" sz="1800" spc="-1" strike="noStrike">
+          <a:bodyPr lIns="0" tIns="0" rIns="0" bIns="0" anchor="ctr"/>
+          <a:lstStyle/>
+          <a:p>
+            <a:endParaRPr lang="en-US" sz="1800" b="0" strike="noStrike" spc="-1">
               <a:solidFill>
                 <a:srgbClr val="000000"/>
               </a:solidFill>
@@ -1313,11 +1482,12 @@
           </a:prstGeom>
         </p:spPr>
         <p:txBody>
-          <a:bodyPr lIns="0" rIns="0" tIns="0" bIns="0">
+          <a:bodyPr lIns="0" tIns="0" rIns="0" bIns="0">
             <a:normAutofit/>
           </a:bodyPr>
-          <a:p>
-            <a:endParaRPr b="0" lang="en-US" sz="2000" spc="-1" strike="noStrike">
+          <a:lstStyle/>
+          <a:p>
+            <a:endParaRPr lang="en-US" sz="2000" b="0" strike="noStrike" spc="-1">
               <a:solidFill>
                 <a:srgbClr val="404040"/>
               </a:solidFill>
@@ -1346,11 +1516,12 @@
           </a:prstGeom>
         </p:spPr>
         <p:txBody>
-          <a:bodyPr lIns="0" rIns="0" tIns="0" bIns="0">
+          <a:bodyPr lIns="0" tIns="0" rIns="0" bIns="0">
             <a:normAutofit/>
           </a:bodyPr>
-          <a:p>
-            <a:endParaRPr b="0" lang="en-US" sz="2000" spc="-1" strike="noStrike">
+          <a:lstStyle/>
+          <a:p>
+            <a:endParaRPr lang="en-US" sz="2000" b="0" strike="noStrike" spc="-1">
               <a:solidFill>
                 <a:srgbClr val="404040"/>
               </a:solidFill>
@@ -1379,11 +1550,12 @@
           </a:prstGeom>
         </p:spPr>
         <p:txBody>
-          <a:bodyPr lIns="0" rIns="0" tIns="0" bIns="0">
+          <a:bodyPr lIns="0" tIns="0" rIns="0" bIns="0">
             <a:normAutofit/>
           </a:bodyPr>
-          <a:p>
-            <a:endParaRPr b="0" lang="en-US" sz="2000" spc="-1" strike="noStrike">
+          <a:lstStyle/>
+          <a:p>
+            <a:endParaRPr lang="en-US" sz="2000" b="0" strike="noStrike" spc="-1">
               <a:solidFill>
                 <a:srgbClr val="404040"/>
               </a:solidFill>
@@ -1394,11 +1566,14 @@
       </p:sp>
     </p:spTree>
   </p:cSld>
+  <p:clrMapOvr>
+    <a:masterClrMapping/>
+  </p:clrMapOvr>
 </p:sldLayout>
 </file>
 
 <file path=ppt/slideLayouts/slideLayout21.xml><?xml version="1.0" encoding="utf-8"?>
-<p:sldLayout xmlns:a="http://schemas.openxmlformats.org/drawingml/2006/main" xmlns:p="http://schemas.openxmlformats.org/presentationml/2006/main" xmlns:r="http://schemas.openxmlformats.org/officeDocument/2006/relationships" xmlns:p14="http://schemas.microsoft.com/office/powerpoint/2010/main" xmlns:p15="http://schemas.microsoft.com/office/powerpoint/2012/main" xmlns:mc="http://schemas.openxmlformats.org/markup-compatibility/2006" type="twoObjOverTx" preserve="1">
+<p:sldLayout xmlns:a="http://schemas.openxmlformats.org/drawingml/2006/main" xmlns:r="http://schemas.openxmlformats.org/officeDocument/2006/relationships" xmlns:p="http://schemas.openxmlformats.org/presentationml/2006/main" type="twoObjOverTx" preserve="1">
   <p:cSld name="Title, 2 Content over Content">
     <p:spTree>
       <p:nvGrpSpPr>
@@ -1434,9 +1609,10 @@
           </a:prstGeom>
         </p:spPr>
         <p:txBody>
-          <a:bodyPr lIns="0" rIns="0" tIns="0" bIns="0" anchor="ctr"/>
-          <a:p>
-            <a:endParaRPr b="0" lang="en-US" sz="1800" spc="-1" strike="noStrike">
+          <a:bodyPr lIns="0" tIns="0" rIns="0" bIns="0" anchor="ctr"/>
+          <a:lstStyle/>
+          <a:p>
+            <a:endParaRPr lang="en-US" sz="1800" b="0" strike="noStrike" spc="-1">
               <a:solidFill>
                 <a:srgbClr val="000000"/>
               </a:solidFill>
@@ -1465,11 +1641,12 @@
           </a:prstGeom>
         </p:spPr>
         <p:txBody>
-          <a:bodyPr lIns="0" rIns="0" tIns="0" bIns="0">
+          <a:bodyPr lIns="0" tIns="0" rIns="0" bIns="0">
             <a:normAutofit/>
           </a:bodyPr>
-          <a:p>
-            <a:endParaRPr b="0" lang="en-US" sz="2000" spc="-1" strike="noStrike">
+          <a:lstStyle/>
+          <a:p>
+            <a:endParaRPr lang="en-US" sz="2000" b="0" strike="noStrike" spc="-1">
               <a:solidFill>
                 <a:srgbClr val="404040"/>
               </a:solidFill>
@@ -1498,11 +1675,12 @@
           </a:prstGeom>
         </p:spPr>
         <p:txBody>
-          <a:bodyPr lIns="0" rIns="0" tIns="0" bIns="0">
+          <a:bodyPr lIns="0" tIns="0" rIns="0" bIns="0">
             <a:normAutofit/>
           </a:bodyPr>
-          <a:p>
-            <a:endParaRPr b="0" lang="en-US" sz="2000" spc="-1" strike="noStrike">
+          <a:lstStyle/>
+          <a:p>
+            <a:endParaRPr lang="en-US" sz="2000" b="0" strike="noStrike" spc="-1">
               <a:solidFill>
                 <a:srgbClr val="404040"/>
               </a:solidFill>
@@ -1531,11 +1709,12 @@
           </a:prstGeom>
         </p:spPr>
         <p:txBody>
-          <a:bodyPr lIns="0" rIns="0" tIns="0" bIns="0">
+          <a:bodyPr lIns="0" tIns="0" rIns="0" bIns="0">
             <a:normAutofit/>
           </a:bodyPr>
-          <a:p>
-            <a:endParaRPr b="0" lang="en-US" sz="2000" spc="-1" strike="noStrike">
+          <a:lstStyle/>
+          <a:p>
+            <a:endParaRPr lang="en-US" sz="2000" b="0" strike="noStrike" spc="-1">
               <a:solidFill>
                 <a:srgbClr val="404040"/>
               </a:solidFill>
@@ -1546,11 +1725,14 @@
       </p:sp>
     </p:spTree>
   </p:cSld>
+  <p:clrMapOvr>
+    <a:masterClrMapping/>
+  </p:clrMapOvr>
 </p:sldLayout>
 </file>
 
 <file path=ppt/slideLayouts/slideLayout22.xml><?xml version="1.0" encoding="utf-8"?>
-<p:sldLayout xmlns:a="http://schemas.openxmlformats.org/drawingml/2006/main" xmlns:p="http://schemas.openxmlformats.org/presentationml/2006/main" xmlns:r="http://schemas.openxmlformats.org/officeDocument/2006/relationships" xmlns:p14="http://schemas.microsoft.com/office/powerpoint/2010/main" xmlns:p15="http://schemas.microsoft.com/office/powerpoint/2012/main" xmlns:mc="http://schemas.openxmlformats.org/markup-compatibility/2006" type="objOverTx" preserve="1">
+<p:sldLayout xmlns:a="http://schemas.openxmlformats.org/drawingml/2006/main" xmlns:r="http://schemas.openxmlformats.org/officeDocument/2006/relationships" xmlns:p="http://schemas.openxmlformats.org/presentationml/2006/main" type="objOverTx" preserve="1">
   <p:cSld name="Title, Content over Content">
     <p:spTree>
       <p:nvGrpSpPr>
@@ -1586,9 +1768,10 @@
           </a:prstGeom>
         </p:spPr>
         <p:txBody>
-          <a:bodyPr lIns="0" rIns="0" tIns="0" bIns="0" anchor="ctr"/>
-          <a:p>
-            <a:endParaRPr b="0" lang="en-US" sz="1800" spc="-1" strike="noStrike">
+          <a:bodyPr lIns="0" tIns="0" rIns="0" bIns="0" anchor="ctr"/>
+          <a:lstStyle/>
+          <a:p>
+            <a:endParaRPr lang="en-US" sz="1800" b="0" strike="noStrike" spc="-1">
               <a:solidFill>
                 <a:srgbClr val="000000"/>
               </a:solidFill>
@@ -1617,11 +1800,12 @@
           </a:prstGeom>
         </p:spPr>
         <p:txBody>
-          <a:bodyPr lIns="0" rIns="0" tIns="0" bIns="0">
+          <a:bodyPr lIns="0" tIns="0" rIns="0" bIns="0">
             <a:normAutofit/>
           </a:bodyPr>
-          <a:p>
-            <a:endParaRPr b="0" lang="en-US" sz="2000" spc="-1" strike="noStrike">
+          <a:lstStyle/>
+          <a:p>
+            <a:endParaRPr lang="en-US" sz="2000" b="0" strike="noStrike" spc="-1">
               <a:solidFill>
                 <a:srgbClr val="404040"/>
               </a:solidFill>
@@ -1650,11 +1834,12 @@
           </a:prstGeom>
         </p:spPr>
         <p:txBody>
-          <a:bodyPr lIns="0" rIns="0" tIns="0" bIns="0">
+          <a:bodyPr lIns="0" tIns="0" rIns="0" bIns="0">
             <a:normAutofit/>
           </a:bodyPr>
-          <a:p>
-            <a:endParaRPr b="0" lang="en-US" sz="2000" spc="-1" strike="noStrike">
+          <a:lstStyle/>
+          <a:p>
+            <a:endParaRPr lang="en-US" sz="2000" b="0" strike="noStrike" spc="-1">
               <a:solidFill>
                 <a:srgbClr val="404040"/>
               </a:solidFill>
@@ -1665,11 +1850,14 @@
       </p:sp>
     </p:spTree>
   </p:cSld>
+  <p:clrMapOvr>
+    <a:masterClrMapping/>
+  </p:clrMapOvr>
 </p:sldLayout>
 </file>
 
 <file path=ppt/slideLayouts/slideLayout23.xml><?xml version="1.0" encoding="utf-8"?>
-<p:sldLayout xmlns:a="http://schemas.openxmlformats.org/drawingml/2006/main" xmlns:p="http://schemas.openxmlformats.org/presentationml/2006/main" xmlns:r="http://schemas.openxmlformats.org/officeDocument/2006/relationships" xmlns:p14="http://schemas.microsoft.com/office/powerpoint/2010/main" xmlns:p15="http://schemas.microsoft.com/office/powerpoint/2012/main" xmlns:mc="http://schemas.openxmlformats.org/markup-compatibility/2006" type="fourObj" preserve="1">
+<p:sldLayout xmlns:a="http://schemas.openxmlformats.org/drawingml/2006/main" xmlns:r="http://schemas.openxmlformats.org/officeDocument/2006/relationships" xmlns:p="http://schemas.openxmlformats.org/presentationml/2006/main" type="fourObj" preserve="1">
   <p:cSld name="Title, 4 Content">
     <p:spTree>
       <p:nvGrpSpPr>
@@ -1705,9 +1893,10 @@
           </a:prstGeom>
         </p:spPr>
         <p:txBody>
-          <a:bodyPr lIns="0" rIns="0" tIns="0" bIns="0" anchor="ctr"/>
-          <a:p>
-            <a:endParaRPr b="0" lang="en-US" sz="1800" spc="-1" strike="noStrike">
+          <a:bodyPr lIns="0" tIns="0" rIns="0" bIns="0" anchor="ctr"/>
+          <a:lstStyle/>
+          <a:p>
+            <a:endParaRPr lang="en-US" sz="1800" b="0" strike="noStrike" spc="-1">
               <a:solidFill>
                 <a:srgbClr val="000000"/>
               </a:solidFill>
@@ -1736,11 +1925,12 @@
           </a:prstGeom>
         </p:spPr>
         <p:txBody>
-          <a:bodyPr lIns="0" rIns="0" tIns="0" bIns="0">
+          <a:bodyPr lIns="0" tIns="0" rIns="0" bIns="0">
             <a:normAutofit/>
           </a:bodyPr>
-          <a:p>
-            <a:endParaRPr b="0" lang="en-US" sz="2000" spc="-1" strike="noStrike">
+          <a:lstStyle/>
+          <a:p>
+            <a:endParaRPr lang="en-US" sz="2000" b="0" strike="noStrike" spc="-1">
               <a:solidFill>
                 <a:srgbClr val="404040"/>
               </a:solidFill>
@@ -1769,11 +1959,12 @@
           </a:prstGeom>
         </p:spPr>
         <p:txBody>
-          <a:bodyPr lIns="0" rIns="0" tIns="0" bIns="0">
+          <a:bodyPr lIns="0" tIns="0" rIns="0" bIns="0">
             <a:normAutofit/>
           </a:bodyPr>
-          <a:p>
-            <a:endParaRPr b="0" lang="en-US" sz="2000" spc="-1" strike="noStrike">
+          <a:lstStyle/>
+          <a:p>
+            <a:endParaRPr lang="en-US" sz="2000" b="0" strike="noStrike" spc="-1">
               <a:solidFill>
                 <a:srgbClr val="404040"/>
               </a:solidFill>
@@ -1802,11 +1993,12 @@
           </a:prstGeom>
         </p:spPr>
         <p:txBody>
-          <a:bodyPr lIns="0" rIns="0" tIns="0" bIns="0">
+          <a:bodyPr lIns="0" tIns="0" rIns="0" bIns="0">
             <a:normAutofit/>
           </a:bodyPr>
-          <a:p>
-            <a:endParaRPr b="0" lang="en-US" sz="2000" spc="-1" strike="noStrike">
+          <a:lstStyle/>
+          <a:p>
+            <a:endParaRPr lang="en-US" sz="2000" b="0" strike="noStrike" spc="-1">
               <a:solidFill>
                 <a:srgbClr val="404040"/>
               </a:solidFill>
@@ -1835,11 +2027,12 @@
           </a:prstGeom>
         </p:spPr>
         <p:txBody>
-          <a:bodyPr lIns="0" rIns="0" tIns="0" bIns="0">
+          <a:bodyPr lIns="0" tIns="0" rIns="0" bIns="0">
             <a:normAutofit/>
           </a:bodyPr>
-          <a:p>
-            <a:endParaRPr b="0" lang="en-US" sz="2000" spc="-1" strike="noStrike">
+          <a:lstStyle/>
+          <a:p>
+            <a:endParaRPr lang="en-US" sz="2000" b="0" strike="noStrike" spc="-1">
               <a:solidFill>
                 <a:srgbClr val="404040"/>
               </a:solidFill>
@@ -1850,11 +2043,14 @@
       </p:sp>
     </p:spTree>
   </p:cSld>
+  <p:clrMapOvr>
+    <a:masterClrMapping/>
+  </p:clrMapOvr>
 </p:sldLayout>
 </file>
 
 <file path=ppt/slideLayouts/slideLayout24.xml><?xml version="1.0" encoding="utf-8"?>
-<p:sldLayout xmlns:a="http://schemas.openxmlformats.org/drawingml/2006/main" xmlns:p="http://schemas.openxmlformats.org/presentationml/2006/main" xmlns:r="http://schemas.openxmlformats.org/officeDocument/2006/relationships" xmlns:p14="http://schemas.microsoft.com/office/powerpoint/2010/main" xmlns:p15="http://schemas.microsoft.com/office/powerpoint/2012/main" xmlns:mc="http://schemas.openxmlformats.org/markup-compatibility/2006" type="blank" preserve="1">
+<p:sldLayout xmlns:a="http://schemas.openxmlformats.org/drawingml/2006/main" xmlns:r="http://schemas.openxmlformats.org/officeDocument/2006/relationships" xmlns:p="http://schemas.openxmlformats.org/presentationml/2006/main" type="blank" preserve="1">
   <p:cSld name="Title, 6 Content">
     <p:spTree>
       <p:nvGrpSpPr>
@@ -1890,9 +2086,10 @@
           </a:prstGeom>
         </p:spPr>
         <p:txBody>
-          <a:bodyPr lIns="0" rIns="0" tIns="0" bIns="0" anchor="ctr"/>
-          <a:p>
-            <a:endParaRPr b="0" lang="en-US" sz="1800" spc="-1" strike="noStrike">
+          <a:bodyPr lIns="0" tIns="0" rIns="0" bIns="0" anchor="ctr"/>
+          <a:lstStyle/>
+          <a:p>
+            <a:endParaRPr lang="en-US" sz="1800" b="0" strike="noStrike" spc="-1">
               <a:solidFill>
                 <a:srgbClr val="000000"/>
               </a:solidFill>
@@ -1921,11 +2118,12 @@
           </a:prstGeom>
         </p:spPr>
         <p:txBody>
-          <a:bodyPr lIns="0" rIns="0" tIns="0" bIns="0">
+          <a:bodyPr lIns="0" tIns="0" rIns="0" bIns="0">
             <a:normAutofit/>
           </a:bodyPr>
-          <a:p>
-            <a:endParaRPr b="0" lang="en-US" sz="2000" spc="-1" strike="noStrike">
+          <a:lstStyle/>
+          <a:p>
+            <a:endParaRPr lang="en-US" sz="2000" b="0" strike="noStrike" spc="-1">
               <a:solidFill>
                 <a:srgbClr val="404040"/>
               </a:solidFill>
@@ -1954,11 +2152,12 @@
           </a:prstGeom>
         </p:spPr>
         <p:txBody>
-          <a:bodyPr lIns="0" rIns="0" tIns="0" bIns="0">
+          <a:bodyPr lIns="0" tIns="0" rIns="0" bIns="0">
             <a:normAutofit/>
           </a:bodyPr>
-          <a:p>
-            <a:endParaRPr b="0" lang="en-US" sz="2000" spc="-1" strike="noStrike">
+          <a:lstStyle/>
+          <a:p>
+            <a:endParaRPr lang="en-US" sz="2000" b="0" strike="noStrike" spc="-1">
               <a:solidFill>
                 <a:srgbClr val="404040"/>
               </a:solidFill>
@@ -1987,11 +2186,12 @@
           </a:prstGeom>
         </p:spPr>
         <p:txBody>
-          <a:bodyPr lIns="0" rIns="0" tIns="0" bIns="0">
+          <a:bodyPr lIns="0" tIns="0" rIns="0" bIns="0">
             <a:normAutofit/>
           </a:bodyPr>
-          <a:p>
-            <a:endParaRPr b="0" lang="en-US" sz="2000" spc="-1" strike="noStrike">
+          <a:lstStyle/>
+          <a:p>
+            <a:endParaRPr lang="en-US" sz="2000" b="0" strike="noStrike" spc="-1">
               <a:solidFill>
                 <a:srgbClr val="404040"/>
               </a:solidFill>
@@ -2020,11 +2220,12 @@
           </a:prstGeom>
         </p:spPr>
         <p:txBody>
-          <a:bodyPr lIns="0" rIns="0" tIns="0" bIns="0">
+          <a:bodyPr lIns="0" tIns="0" rIns="0" bIns="0">
             <a:normAutofit/>
           </a:bodyPr>
-          <a:p>
-            <a:endParaRPr b="0" lang="en-US" sz="2000" spc="-1" strike="noStrike">
+          <a:lstStyle/>
+          <a:p>
+            <a:endParaRPr lang="en-US" sz="2000" b="0" strike="noStrike" spc="-1">
               <a:solidFill>
                 <a:srgbClr val="404040"/>
               </a:solidFill>
@@ -2053,11 +2254,12 @@
           </a:prstGeom>
         </p:spPr>
         <p:txBody>
-          <a:bodyPr lIns="0" rIns="0" tIns="0" bIns="0">
+          <a:bodyPr lIns="0" tIns="0" rIns="0" bIns="0">
             <a:normAutofit/>
           </a:bodyPr>
-          <a:p>
-            <a:endParaRPr b="0" lang="en-US" sz="2000" spc="-1" strike="noStrike">
+          <a:lstStyle/>
+          <a:p>
+            <a:endParaRPr lang="en-US" sz="2000" b="0" strike="noStrike" spc="-1">
               <a:solidFill>
                 <a:srgbClr val="404040"/>
               </a:solidFill>
@@ -2086,11 +2288,12 @@
           </a:prstGeom>
         </p:spPr>
         <p:txBody>
-          <a:bodyPr lIns="0" rIns="0" tIns="0" bIns="0">
+          <a:bodyPr lIns="0" tIns="0" rIns="0" bIns="0">
             <a:normAutofit/>
           </a:bodyPr>
-          <a:p>
-            <a:endParaRPr b="0" lang="en-US" sz="2000" spc="-1" strike="noStrike">
+          <a:lstStyle/>
+          <a:p>
+            <a:endParaRPr lang="en-US" sz="2000" b="0" strike="noStrike" spc="-1">
               <a:solidFill>
                 <a:srgbClr val="404040"/>
               </a:solidFill>
@@ -2101,11 +2304,14 @@
       </p:sp>
     </p:spTree>
   </p:cSld>
+  <p:clrMapOvr>
+    <a:masterClrMapping/>
+  </p:clrMapOvr>
 </p:sldLayout>
 </file>
 
 <file path=ppt/slideLayouts/slideLayout3.xml><?xml version="1.0" encoding="utf-8"?>
-<p:sldLayout xmlns:a="http://schemas.openxmlformats.org/drawingml/2006/main" xmlns:p="http://schemas.openxmlformats.org/presentationml/2006/main" xmlns:r="http://schemas.openxmlformats.org/officeDocument/2006/relationships" xmlns:p14="http://schemas.microsoft.com/office/powerpoint/2010/main" xmlns:p15="http://schemas.microsoft.com/office/powerpoint/2012/main" xmlns:mc="http://schemas.openxmlformats.org/markup-compatibility/2006" type="obj" preserve="1">
+<p:sldLayout xmlns:a="http://schemas.openxmlformats.org/drawingml/2006/main" xmlns:r="http://schemas.openxmlformats.org/officeDocument/2006/relationships" xmlns:p="http://schemas.openxmlformats.org/presentationml/2006/main" type="obj" preserve="1">
   <p:cSld name="Title, Content">
     <p:spTree>
       <p:nvGrpSpPr>
@@ -2141,9 +2347,10 @@
           </a:prstGeom>
         </p:spPr>
         <p:txBody>
-          <a:bodyPr lIns="0" rIns="0" tIns="0" bIns="0" anchor="ctr"/>
-          <a:p>
-            <a:endParaRPr b="0" lang="en-US" sz="1800" spc="-1" strike="noStrike">
+          <a:bodyPr lIns="0" tIns="0" rIns="0" bIns="0" anchor="ctr"/>
+          <a:lstStyle/>
+          <a:p>
+            <a:endParaRPr lang="en-US" sz="1800" b="0" strike="noStrike" spc="-1">
               <a:solidFill>
                 <a:srgbClr val="000000"/>
               </a:solidFill>
@@ -2172,11 +2379,12 @@
           </a:prstGeom>
         </p:spPr>
         <p:txBody>
-          <a:bodyPr lIns="0" rIns="0" tIns="0" bIns="0">
+          <a:bodyPr lIns="0" tIns="0" rIns="0" bIns="0">
             <a:normAutofit/>
           </a:bodyPr>
-          <a:p>
-            <a:endParaRPr b="0" lang="en-US" sz="2000" spc="-1" strike="noStrike">
+          <a:lstStyle/>
+          <a:p>
+            <a:endParaRPr lang="en-US" sz="2000" b="0" strike="noStrike" spc="-1">
               <a:solidFill>
                 <a:srgbClr val="404040"/>
               </a:solidFill>
@@ -2187,11 +2395,14 @@
       </p:sp>
     </p:spTree>
   </p:cSld>
+  <p:clrMapOvr>
+    <a:masterClrMapping/>
+  </p:clrMapOvr>
 </p:sldLayout>
 </file>
 
 <file path=ppt/slideLayouts/slideLayout4.xml><?xml version="1.0" encoding="utf-8"?>
-<p:sldLayout xmlns:a="http://schemas.openxmlformats.org/drawingml/2006/main" xmlns:p="http://schemas.openxmlformats.org/presentationml/2006/main" xmlns:r="http://schemas.openxmlformats.org/officeDocument/2006/relationships" xmlns:p14="http://schemas.microsoft.com/office/powerpoint/2010/main" xmlns:p15="http://schemas.microsoft.com/office/powerpoint/2012/main" xmlns:mc="http://schemas.openxmlformats.org/markup-compatibility/2006" type="twoObj" preserve="1">
+<p:sldLayout xmlns:a="http://schemas.openxmlformats.org/drawingml/2006/main" xmlns:r="http://schemas.openxmlformats.org/officeDocument/2006/relationships" xmlns:p="http://schemas.openxmlformats.org/presentationml/2006/main" type="twoObj" preserve="1">
   <p:cSld name="Title, 2 Content">
     <p:spTree>
       <p:nvGrpSpPr>
@@ -2227,9 +2438,10 @@
           </a:prstGeom>
         </p:spPr>
         <p:txBody>
-          <a:bodyPr lIns="0" rIns="0" tIns="0" bIns="0" anchor="ctr"/>
-          <a:p>
-            <a:endParaRPr b="0" lang="en-US" sz="1800" spc="-1" strike="noStrike">
+          <a:bodyPr lIns="0" tIns="0" rIns="0" bIns="0" anchor="ctr"/>
+          <a:lstStyle/>
+          <a:p>
+            <a:endParaRPr lang="en-US" sz="1800" b="0" strike="noStrike" spc="-1">
               <a:solidFill>
                 <a:srgbClr val="000000"/>
               </a:solidFill>
@@ -2258,11 +2470,12 @@
           </a:prstGeom>
         </p:spPr>
         <p:txBody>
-          <a:bodyPr lIns="0" rIns="0" tIns="0" bIns="0">
+          <a:bodyPr lIns="0" tIns="0" rIns="0" bIns="0">
             <a:normAutofit/>
           </a:bodyPr>
-          <a:p>
-            <a:endParaRPr b="0" lang="en-US" sz="2000" spc="-1" strike="noStrike">
+          <a:lstStyle/>
+          <a:p>
+            <a:endParaRPr lang="en-US" sz="2000" b="0" strike="noStrike" spc="-1">
               <a:solidFill>
                 <a:srgbClr val="404040"/>
               </a:solidFill>
@@ -2291,11 +2504,12 @@
           </a:prstGeom>
         </p:spPr>
         <p:txBody>
-          <a:bodyPr lIns="0" rIns="0" tIns="0" bIns="0">
+          <a:bodyPr lIns="0" tIns="0" rIns="0" bIns="0">
             <a:normAutofit/>
           </a:bodyPr>
-          <a:p>
-            <a:endParaRPr b="0" lang="en-US" sz="2000" spc="-1" strike="noStrike">
+          <a:lstStyle/>
+          <a:p>
+            <a:endParaRPr lang="en-US" sz="2000" b="0" strike="noStrike" spc="-1">
               <a:solidFill>
                 <a:srgbClr val="404040"/>
               </a:solidFill>
@@ -2306,11 +2520,14 @@
       </p:sp>
     </p:spTree>
   </p:cSld>
+  <p:clrMapOvr>
+    <a:masterClrMapping/>
+  </p:clrMapOvr>
 </p:sldLayout>
 </file>
 
 <file path=ppt/slideLayouts/slideLayout5.xml><?xml version="1.0" encoding="utf-8"?>
-<p:sldLayout xmlns:a="http://schemas.openxmlformats.org/drawingml/2006/main" xmlns:p="http://schemas.openxmlformats.org/presentationml/2006/main" xmlns:r="http://schemas.openxmlformats.org/officeDocument/2006/relationships" xmlns:p14="http://schemas.microsoft.com/office/powerpoint/2010/main" xmlns:p15="http://schemas.microsoft.com/office/powerpoint/2012/main" xmlns:mc="http://schemas.openxmlformats.org/markup-compatibility/2006" type="titleOnly" preserve="1">
+<p:sldLayout xmlns:a="http://schemas.openxmlformats.org/drawingml/2006/main" xmlns:r="http://schemas.openxmlformats.org/officeDocument/2006/relationships" xmlns:p="http://schemas.openxmlformats.org/presentationml/2006/main" type="titleOnly" preserve="1">
   <p:cSld name="Title Only">
     <p:spTree>
       <p:nvGrpSpPr>
@@ -2346,9 +2563,10 @@
           </a:prstGeom>
         </p:spPr>
         <p:txBody>
-          <a:bodyPr lIns="0" rIns="0" tIns="0" bIns="0" anchor="ctr"/>
-          <a:p>
-            <a:endParaRPr b="0" lang="en-US" sz="1800" spc="-1" strike="noStrike">
+          <a:bodyPr lIns="0" tIns="0" rIns="0" bIns="0" anchor="ctr"/>
+          <a:lstStyle/>
+          <a:p>
+            <a:endParaRPr lang="en-US" sz="1800" b="0" strike="noStrike" spc="-1">
               <a:solidFill>
                 <a:srgbClr val="000000"/>
               </a:solidFill>
@@ -2359,11 +2577,14 @@
       </p:sp>
     </p:spTree>
   </p:cSld>
+  <p:clrMapOvr>
+    <a:masterClrMapping/>
+  </p:clrMapOvr>
 </p:sldLayout>
 </file>
 
 <file path=ppt/slideLayouts/slideLayout6.xml><?xml version="1.0" encoding="utf-8"?>
-<p:sldLayout xmlns:a="http://schemas.openxmlformats.org/drawingml/2006/main" xmlns:p="http://schemas.openxmlformats.org/presentationml/2006/main" xmlns:r="http://schemas.openxmlformats.org/officeDocument/2006/relationships" xmlns:p14="http://schemas.microsoft.com/office/powerpoint/2010/main" xmlns:p15="http://schemas.microsoft.com/office/powerpoint/2012/main" xmlns:mc="http://schemas.openxmlformats.org/markup-compatibility/2006" type="objOnly" preserve="1">
+<p:sldLayout xmlns:a="http://schemas.openxmlformats.org/drawingml/2006/main" xmlns:r="http://schemas.openxmlformats.org/officeDocument/2006/relationships" xmlns:p="http://schemas.openxmlformats.org/presentationml/2006/main" type="objOnly" preserve="1">
   <p:cSld name="Centered Text">
     <p:spTree>
       <p:nvGrpSpPr>
@@ -2399,10 +2620,11 @@
           </a:prstGeom>
         </p:spPr>
         <p:txBody>
-          <a:bodyPr lIns="0" rIns="0" tIns="0" bIns="0" anchor="ctr"/>
+          <a:bodyPr lIns="0" tIns="0" rIns="0" bIns="0" anchor="ctr"/>
+          <a:lstStyle/>
           <a:p>
             <a:pPr algn="ctr"/>
-            <a:endParaRPr b="0" lang="en-US" sz="3200" spc="-1" strike="noStrike">
+            <a:endParaRPr lang="en-US" sz="3200" b="0" strike="noStrike" spc="-1">
               <a:latin typeface="Arial"/>
             </a:endParaRPr>
           </a:p>
@@ -2410,11 +2632,14 @@
       </p:sp>
     </p:spTree>
   </p:cSld>
+  <p:clrMapOvr>
+    <a:masterClrMapping/>
+  </p:clrMapOvr>
 </p:sldLayout>
 </file>
 
 <file path=ppt/slideLayouts/slideLayout7.xml><?xml version="1.0" encoding="utf-8"?>
-<p:sldLayout xmlns:a="http://schemas.openxmlformats.org/drawingml/2006/main" xmlns:p="http://schemas.openxmlformats.org/presentationml/2006/main" xmlns:r="http://schemas.openxmlformats.org/officeDocument/2006/relationships" xmlns:p14="http://schemas.microsoft.com/office/powerpoint/2010/main" xmlns:p15="http://schemas.microsoft.com/office/powerpoint/2012/main" xmlns:mc="http://schemas.openxmlformats.org/markup-compatibility/2006" type="twoObjAndObj" preserve="1">
+<p:sldLayout xmlns:a="http://schemas.openxmlformats.org/drawingml/2006/main" xmlns:r="http://schemas.openxmlformats.org/officeDocument/2006/relationships" xmlns:p="http://schemas.openxmlformats.org/presentationml/2006/main" type="twoObjAndObj" preserve="1">
   <p:cSld name="Title, 2 Content and Content">
     <p:spTree>
       <p:nvGrpSpPr>
@@ -2450,9 +2675,10 @@
           </a:prstGeom>
         </p:spPr>
         <p:txBody>
-          <a:bodyPr lIns="0" rIns="0" tIns="0" bIns="0" anchor="ctr"/>
-          <a:p>
-            <a:endParaRPr b="0" lang="en-US" sz="1800" spc="-1" strike="noStrike">
+          <a:bodyPr lIns="0" tIns="0" rIns="0" bIns="0" anchor="ctr"/>
+          <a:lstStyle/>
+          <a:p>
+            <a:endParaRPr lang="en-US" sz="1800" b="0" strike="noStrike" spc="-1">
               <a:solidFill>
                 <a:srgbClr val="000000"/>
               </a:solidFill>
@@ -2481,11 +2707,12 @@
           </a:prstGeom>
         </p:spPr>
         <p:txBody>
-          <a:bodyPr lIns="0" rIns="0" tIns="0" bIns="0">
+          <a:bodyPr lIns="0" tIns="0" rIns="0" bIns="0">
             <a:normAutofit/>
           </a:bodyPr>
-          <a:p>
-            <a:endParaRPr b="0" lang="en-US" sz="2000" spc="-1" strike="noStrike">
+          <a:lstStyle/>
+          <a:p>
+            <a:endParaRPr lang="en-US" sz="2000" b="0" strike="noStrike" spc="-1">
               <a:solidFill>
                 <a:srgbClr val="404040"/>
               </a:solidFill>
@@ -2514,11 +2741,12 @@
           </a:prstGeom>
         </p:spPr>
         <p:txBody>
-          <a:bodyPr lIns="0" rIns="0" tIns="0" bIns="0">
+          <a:bodyPr lIns="0" tIns="0" rIns="0" bIns="0">
             <a:normAutofit/>
           </a:bodyPr>
-          <a:p>
-            <a:endParaRPr b="0" lang="en-US" sz="2000" spc="-1" strike="noStrike">
+          <a:lstStyle/>
+          <a:p>
+            <a:endParaRPr lang="en-US" sz="2000" b="0" strike="noStrike" spc="-1">
               <a:solidFill>
                 <a:srgbClr val="404040"/>
               </a:solidFill>
@@ -2547,11 +2775,12 @@
           </a:prstGeom>
         </p:spPr>
         <p:txBody>
-          <a:bodyPr lIns="0" rIns="0" tIns="0" bIns="0">
+          <a:bodyPr lIns="0" tIns="0" rIns="0" bIns="0">
             <a:normAutofit/>
           </a:bodyPr>
-          <a:p>
-            <a:endParaRPr b="0" lang="en-US" sz="2000" spc="-1" strike="noStrike">
+          <a:lstStyle/>
+          <a:p>
+            <a:endParaRPr lang="en-US" sz="2000" b="0" strike="noStrike" spc="-1">
               <a:solidFill>
                 <a:srgbClr val="404040"/>
               </a:solidFill>
@@ -2562,11 +2791,14 @@
       </p:sp>
     </p:spTree>
   </p:cSld>
+  <p:clrMapOvr>
+    <a:masterClrMapping/>
+  </p:clrMapOvr>
 </p:sldLayout>
 </file>
 
 <file path=ppt/slideLayouts/slideLayout8.xml><?xml version="1.0" encoding="utf-8"?>
-<p:sldLayout xmlns:a="http://schemas.openxmlformats.org/drawingml/2006/main" xmlns:p="http://schemas.openxmlformats.org/presentationml/2006/main" xmlns:r="http://schemas.openxmlformats.org/officeDocument/2006/relationships" xmlns:p14="http://schemas.microsoft.com/office/powerpoint/2010/main" xmlns:p15="http://schemas.microsoft.com/office/powerpoint/2012/main" xmlns:mc="http://schemas.openxmlformats.org/markup-compatibility/2006" type="objAndTwoObj" preserve="1">
+<p:sldLayout xmlns:a="http://schemas.openxmlformats.org/drawingml/2006/main" xmlns:r="http://schemas.openxmlformats.org/officeDocument/2006/relationships" xmlns:p="http://schemas.openxmlformats.org/presentationml/2006/main" type="objAndTwoObj" preserve="1">
   <p:cSld name="Title Content and 2 Content">
     <p:spTree>
       <p:nvGrpSpPr>
@@ -2602,9 +2834,10 @@
           </a:prstGeom>
         </p:spPr>
         <p:txBody>
-          <a:bodyPr lIns="0" rIns="0" tIns="0" bIns="0" anchor="ctr"/>
-          <a:p>
-            <a:endParaRPr b="0" lang="en-US" sz="1800" spc="-1" strike="noStrike">
+          <a:bodyPr lIns="0" tIns="0" rIns="0" bIns="0" anchor="ctr"/>
+          <a:lstStyle/>
+          <a:p>
+            <a:endParaRPr lang="en-US" sz="1800" b="0" strike="noStrike" spc="-1">
               <a:solidFill>
                 <a:srgbClr val="000000"/>
               </a:solidFill>
@@ -2633,11 +2866,12 @@
           </a:prstGeom>
         </p:spPr>
         <p:txBody>
-          <a:bodyPr lIns="0" rIns="0" tIns="0" bIns="0">
+          <a:bodyPr lIns="0" tIns="0" rIns="0" bIns="0">
             <a:normAutofit/>
           </a:bodyPr>
-          <a:p>
-            <a:endParaRPr b="0" lang="en-US" sz="2000" spc="-1" strike="noStrike">
+          <a:lstStyle/>
+          <a:p>
+            <a:endParaRPr lang="en-US" sz="2000" b="0" strike="noStrike" spc="-1">
               <a:solidFill>
                 <a:srgbClr val="404040"/>
               </a:solidFill>
@@ -2666,11 +2900,12 @@
           </a:prstGeom>
         </p:spPr>
         <p:txBody>
-          <a:bodyPr lIns="0" rIns="0" tIns="0" bIns="0">
+          <a:bodyPr lIns="0" tIns="0" rIns="0" bIns="0">
             <a:normAutofit/>
           </a:bodyPr>
-          <a:p>
-            <a:endParaRPr b="0" lang="en-US" sz="2000" spc="-1" strike="noStrike">
+          <a:lstStyle/>
+          <a:p>
+            <a:endParaRPr lang="en-US" sz="2000" b="0" strike="noStrike" spc="-1">
               <a:solidFill>
                 <a:srgbClr val="404040"/>
               </a:solidFill>
@@ -2699,11 +2934,12 @@
           </a:prstGeom>
         </p:spPr>
         <p:txBody>
-          <a:bodyPr lIns="0" rIns="0" tIns="0" bIns="0">
+          <a:bodyPr lIns="0" tIns="0" rIns="0" bIns="0">
             <a:normAutofit/>
           </a:bodyPr>
-          <a:p>
-            <a:endParaRPr b="0" lang="en-US" sz="2000" spc="-1" strike="noStrike">
+          <a:lstStyle/>
+          <a:p>
+            <a:endParaRPr lang="en-US" sz="2000" b="0" strike="noStrike" spc="-1">
               <a:solidFill>
                 <a:srgbClr val="404040"/>
               </a:solidFill>
@@ -2714,11 +2950,14 @@
       </p:sp>
     </p:spTree>
   </p:cSld>
+  <p:clrMapOvr>
+    <a:masterClrMapping/>
+  </p:clrMapOvr>
 </p:sldLayout>
 </file>
 
 <file path=ppt/slideLayouts/slideLayout9.xml><?xml version="1.0" encoding="utf-8"?>
-<p:sldLayout xmlns:a="http://schemas.openxmlformats.org/drawingml/2006/main" xmlns:p="http://schemas.openxmlformats.org/presentationml/2006/main" xmlns:r="http://schemas.openxmlformats.org/officeDocument/2006/relationships" xmlns:p14="http://schemas.microsoft.com/office/powerpoint/2010/main" xmlns:p15="http://schemas.microsoft.com/office/powerpoint/2012/main" xmlns:mc="http://schemas.openxmlformats.org/markup-compatibility/2006" type="twoObjOverTx" preserve="1">
+<p:sldLayout xmlns:a="http://schemas.openxmlformats.org/drawingml/2006/main" xmlns:r="http://schemas.openxmlformats.org/officeDocument/2006/relationships" xmlns:p="http://schemas.openxmlformats.org/presentationml/2006/main" type="twoObjOverTx" preserve="1">
   <p:cSld name="Title, 2 Content over Content">
     <p:spTree>
       <p:nvGrpSpPr>
@@ -2754,9 +2993,10 @@
           </a:prstGeom>
         </p:spPr>
         <p:txBody>
-          <a:bodyPr lIns="0" rIns="0" tIns="0" bIns="0" anchor="ctr"/>
-          <a:p>
-            <a:endParaRPr b="0" lang="en-US" sz="1800" spc="-1" strike="noStrike">
+          <a:bodyPr lIns="0" tIns="0" rIns="0" bIns="0" anchor="ctr"/>
+          <a:lstStyle/>
+          <a:p>
+            <a:endParaRPr lang="en-US" sz="1800" b="0" strike="noStrike" spc="-1">
               <a:solidFill>
                 <a:srgbClr val="000000"/>
               </a:solidFill>
@@ -2785,11 +3025,12 @@
           </a:prstGeom>
         </p:spPr>
         <p:txBody>
-          <a:bodyPr lIns="0" rIns="0" tIns="0" bIns="0">
+          <a:bodyPr lIns="0" tIns="0" rIns="0" bIns="0">
             <a:normAutofit/>
           </a:bodyPr>
-          <a:p>
-            <a:endParaRPr b="0" lang="en-US" sz="2000" spc="-1" strike="noStrike">
+          <a:lstStyle/>
+          <a:p>
+            <a:endParaRPr lang="en-US" sz="2000" b="0" strike="noStrike" spc="-1">
               <a:solidFill>
                 <a:srgbClr val="404040"/>
               </a:solidFill>
@@ -2818,11 +3059,12 @@
           </a:prstGeom>
         </p:spPr>
         <p:txBody>
-          <a:bodyPr lIns="0" rIns="0" tIns="0" bIns="0">
+          <a:bodyPr lIns="0" tIns="0" rIns="0" bIns="0">
             <a:normAutofit/>
           </a:bodyPr>
-          <a:p>
-            <a:endParaRPr b="0" lang="en-US" sz="2000" spc="-1" strike="noStrike">
+          <a:lstStyle/>
+          <a:p>
+            <a:endParaRPr lang="en-US" sz="2000" b="0" strike="noStrike" spc="-1">
               <a:solidFill>
                 <a:srgbClr val="404040"/>
               </a:solidFill>
@@ -2851,11 +3093,12 @@
           </a:prstGeom>
         </p:spPr>
         <p:txBody>
-          <a:bodyPr lIns="0" rIns="0" tIns="0" bIns="0">
+          <a:bodyPr lIns="0" tIns="0" rIns="0" bIns="0">
             <a:normAutofit/>
           </a:bodyPr>
-          <a:p>
-            <a:endParaRPr b="0" lang="en-US" sz="2000" spc="-1" strike="noStrike">
+          <a:lstStyle/>
+          <a:p>
+            <a:endParaRPr lang="en-US" sz="2000" b="0" strike="noStrike" spc="-1">
               <a:solidFill>
                 <a:srgbClr val="404040"/>
               </a:solidFill>
@@ -2866,17 +3109,21 @@
       </p:sp>
     </p:spTree>
   </p:cSld>
+  <p:clrMapOvr>
+    <a:masterClrMapping/>
+  </p:clrMapOvr>
 </p:sldLayout>
 </file>
 
 <file path=ppt/slideMasters/slideMaster1.xml><?xml version="1.0" encoding="utf-8"?>
-<p:sldMaster xmlns:a="http://schemas.openxmlformats.org/drawingml/2006/main" xmlns:p="http://schemas.openxmlformats.org/presentationml/2006/main" xmlns:r="http://schemas.openxmlformats.org/officeDocument/2006/relationships" xmlns:p14="http://schemas.microsoft.com/office/powerpoint/2010/main" xmlns:p15="http://schemas.microsoft.com/office/powerpoint/2012/main" xmlns:mc="http://schemas.openxmlformats.org/markup-compatibility/2006">
+<p:sldMaster xmlns:a="http://schemas.openxmlformats.org/drawingml/2006/main" xmlns:r="http://schemas.openxmlformats.org/officeDocument/2006/relationships" xmlns:p="http://schemas.openxmlformats.org/presentationml/2006/main">
   <p:cSld>
     <p:bg>
       <p:bgPr>
         <a:solidFill>
-          <a:srgbClr val="ffffff"/>
+          <a:srgbClr val="FFFFFF"/>
         </a:solidFill>
+        <a:effectLst/>
       </p:bgPr>
     </p:bg>
     <p:spTree>
@@ -2895,7 +3142,7 @@
       </p:grpSpPr>
       <p:sp>
         <p:nvSpPr>
-          <p:cNvPr id="0" name="CustomShape 1" hidden="1"/>
+          <p:cNvPr id="11" name="CustomShape 1" hidden="1"/>
           <p:cNvSpPr/>
           <p:nvPr/>
         </p:nvSpPr>
@@ -2908,22 +3155,28 @@
             <a:avLst/>
           </a:prstGeom>
           <a:solidFill>
-            <a:srgbClr val="bd582c"/>
+            <a:srgbClr val="BD582C"/>
           </a:solidFill>
           <a:ln w="15840">
             <a:noFill/>
           </a:ln>
         </p:spPr>
         <p:style>
-          <a:lnRef idx="0"/>
-          <a:fillRef idx="0"/>
-          <a:effectRef idx="0"/>
+          <a:lnRef idx="0">
+            <a:scrgbClr r="0" g="0" b="0"/>
+          </a:lnRef>
+          <a:fillRef idx="0">
+            <a:scrgbClr r="0" g="0" b="0"/>
+          </a:fillRef>
+          <a:effectRef idx="0">
+            <a:scrgbClr r="0" g="0" b="0"/>
+          </a:effectRef>
           <a:fontRef idx="minor"/>
         </p:style>
       </p:sp>
       <p:sp>
         <p:nvSpPr>
-          <p:cNvPr id="1" name="CustomShape 2" hidden="1"/>
+          <p:cNvPr id="12" name="CustomShape 2" hidden="1"/>
           <p:cNvSpPr/>
           <p:nvPr/>
         </p:nvSpPr>
@@ -2936,16 +3189,22 @@
             <a:avLst/>
           </a:prstGeom>
           <a:solidFill>
-            <a:srgbClr val="e48312"/>
+            <a:srgbClr val="E48312"/>
           </a:solidFill>
           <a:ln w="15840">
             <a:noFill/>
           </a:ln>
         </p:spPr>
         <p:style>
-          <a:lnRef idx="0"/>
-          <a:fillRef idx="0"/>
-          <a:effectRef idx="0"/>
+          <a:lnRef idx="0">
+            <a:scrgbClr r="0" g="0" b="0"/>
+          </a:lnRef>
+          <a:fillRef idx="0">
+            <a:scrgbClr r="0" g="0" b="0"/>
+          </a:fillRef>
+          <a:effectRef idx="0">
+            <a:scrgbClr r="0" g="0" b="0"/>
+          </a:effectRef>
           <a:fontRef idx="minor"/>
         </p:style>
       </p:sp>
@@ -2971,9 +3230,15 @@
           </a:ln>
         </p:spPr>
         <p:style>
-          <a:lnRef idx="0"/>
-          <a:fillRef idx="0"/>
-          <a:effectRef idx="0"/>
+          <a:lnRef idx="0">
+            <a:scrgbClr r="0" g="0" b="0"/>
+          </a:lnRef>
+          <a:fillRef idx="0">
+            <a:scrgbClr r="0" g="0" b="0"/>
+          </a:fillRef>
+          <a:effectRef idx="0">
+            <a:scrgbClr r="0" g="0" b="0"/>
+          </a:effectRef>
           <a:fontRef idx="minor"/>
         </p:style>
       </p:sp>
@@ -2992,16 +3257,22 @@
             <a:avLst/>
           </a:prstGeom>
           <a:solidFill>
-            <a:srgbClr val="bd582c"/>
+            <a:srgbClr val="BD582C"/>
           </a:solidFill>
           <a:ln w="15840">
             <a:noFill/>
           </a:ln>
         </p:spPr>
         <p:style>
-          <a:lnRef idx="0"/>
-          <a:fillRef idx="0"/>
-          <a:effectRef idx="0"/>
+          <a:lnRef idx="0">
+            <a:scrgbClr r="0" g="0" b="0"/>
+          </a:lnRef>
+          <a:fillRef idx="0">
+            <a:scrgbClr r="0" g="0" b="0"/>
+          </a:fillRef>
+          <a:effectRef idx="0">
+            <a:scrgbClr r="0" g="0" b="0"/>
+          </a:effectRef>
           <a:fontRef idx="minor"/>
         </p:style>
       </p:sp>
@@ -3020,16 +3291,22 @@
             <a:avLst/>
           </a:prstGeom>
           <a:solidFill>
-            <a:srgbClr val="e48312"/>
+            <a:srgbClr val="E48312"/>
           </a:solidFill>
           <a:ln w="15840">
             <a:noFill/>
           </a:ln>
         </p:spPr>
         <p:style>
-          <a:lnRef idx="0"/>
-          <a:fillRef idx="0"/>
-          <a:effectRef idx="0"/>
+          <a:lnRef idx="0">
+            <a:scrgbClr r="0" g="0" b="0"/>
+          </a:lnRef>
+          <a:fillRef idx="0">
+            <a:scrgbClr r="0" g="0" b="0"/>
+          </a:fillRef>
+          <a:effectRef idx="0">
+            <a:scrgbClr r="0" g="0" b="0"/>
+          </a:effectRef>
           <a:fontRef idx="minor"/>
         </p:style>
       </p:sp>
@@ -3056,6 +3333,7 @@
           <a:bodyPr anchor="b">
             <a:normAutofit/>
           </a:bodyPr>
+          <a:lstStyle/>
           <a:p>
             <a:pPr>
               <a:lnSpc>
@@ -3063,7 +3341,7 @@
               </a:lnSpc>
             </a:pPr>
             <a:r>
-              <a:rPr b="0" lang="en-US" sz="8000" spc="-49" strike="noStrike">
+              <a:rPr lang="en-US" sz="8000" b="0" strike="noStrike" spc="-49">
                 <a:solidFill>
                   <a:srgbClr val="262626"/>
                 </a:solidFill>
@@ -3071,7 +3349,7 @@
               </a:rPr>
               <a:t>Click to edit Master title style</a:t>
             </a:r>
-            <a:endParaRPr b="0" lang="en-US" sz="8000" spc="-1" strike="noStrike">
+            <a:endParaRPr lang="en-US" sz="8000" b="0" strike="noStrike" spc="-1">
               <a:solidFill>
                 <a:srgbClr val="000000"/>
               </a:solidFill>
@@ -3101,6 +3379,7 @@
         </p:spPr>
         <p:txBody>
           <a:bodyPr anchor="ctr"/>
+          <a:lstStyle/>
           <a:p>
             <a:pPr>
               <a:lnSpc>
@@ -3108,15 +3387,15 @@
               </a:lnSpc>
             </a:pPr>
             <a:fld id="{675DE930-268F-4527-B843-715747EF891F}" type="datetime">
-              <a:rPr b="0" lang="en-US" sz="900" spc="-1" strike="noStrike">
+              <a:rPr lang="en-US" sz="900" b="0" strike="noStrike" spc="-1">
                 <a:solidFill>
-                  <a:srgbClr val="ffffff"/>
+                  <a:srgbClr val="FFFFFF"/>
                 </a:solidFill>
                 <a:latin typeface="Calibri"/>
               </a:rPr>
               <a:t>2/7/19</a:t>
             </a:fld>
-            <a:endParaRPr b="0" lang="en-US" sz="900" spc="-1" strike="noStrike">
+            <a:endParaRPr lang="en-US" sz="900" b="0" strike="noStrike" spc="-1">
               <a:latin typeface="Times New Roman"/>
             </a:endParaRPr>
           </a:p>
@@ -3143,8 +3422,9 @@
         </p:spPr>
         <p:txBody>
           <a:bodyPr anchor="ctr"/>
-          <a:p>
-            <a:endParaRPr b="0" lang="en-US" sz="2400" spc="-1" strike="noStrike">
+          <a:lstStyle/>
+          <a:p>
+            <a:endParaRPr lang="en-US" sz="2400" b="0" strike="noStrike" spc="-1">
               <a:latin typeface="Times New Roman"/>
             </a:endParaRPr>
           </a:p>
@@ -3171,6 +3451,7 @@
         </p:spPr>
         <p:txBody>
           <a:bodyPr anchor="ctr"/>
+          <a:lstStyle/>
           <a:p>
             <a:pPr algn="r">
               <a:lnSpc>
@@ -3178,15 +3459,15 @@
               </a:lnSpc>
             </a:pPr>
             <a:fld id="{8BB19777-80CF-45DB-8F5E-6AE0421DEDE2}" type="slidenum">
-              <a:rPr b="0" lang="en-US" sz="1050" spc="-1" strike="noStrike">
+              <a:rPr lang="en-US" sz="1050" b="0" strike="noStrike" spc="-1">
                 <a:solidFill>
-                  <a:srgbClr val="ffffff"/>
+                  <a:srgbClr val="FFFFFF"/>
                 </a:solidFill>
                 <a:latin typeface="Calibri"/>
               </a:rPr>
-              <a:t>&lt;number&gt;</a:t>
+              <a:t>‹#›</a:t>
             </a:fld>
-            <a:endParaRPr b="0" lang="en-US" sz="1050" spc="-1" strike="noStrike">
+            <a:endParaRPr lang="en-US" sz="1050" b="0" strike="noStrike" spc="-1">
               <a:latin typeface="Times New Roman"/>
             </a:endParaRPr>
           </a:p>
@@ -3214,9 +3495,15 @@
           </a:ln>
         </p:spPr>
         <p:style>
-          <a:lnRef idx="0"/>
-          <a:fillRef idx="0"/>
-          <a:effectRef idx="0"/>
+          <a:lnRef idx="0">
+            <a:scrgbClr r="0" g="0" b="0"/>
+          </a:lnRef>
+          <a:fillRef idx="0">
+            <a:scrgbClr r="0" g="0" b="0"/>
+          </a:fillRef>
+          <a:effectRef idx="0">
+            <a:scrgbClr r="0" g="0" b="0"/>
+          </a:effectRef>
           <a:fontRef idx="minor"/>
         </p:style>
       </p:sp>
@@ -3240,9 +3527,10 @@
           </a:prstGeom>
         </p:spPr>
         <p:txBody>
-          <a:bodyPr lIns="0" rIns="0" tIns="0" bIns="0">
+          <a:bodyPr lIns="0" tIns="0" rIns="0" bIns="0">
             <a:normAutofit/>
           </a:bodyPr>
+          <a:lstStyle/>
           <a:p>
             <a:pPr marL="432000" indent="-324000">
               <a:spcBef>
@@ -3256,7 +3544,7 @@
               <a:buChar char=""/>
             </a:pPr>
             <a:r>
-              <a:rPr b="0" lang="en-US" sz="2000" spc="-1" strike="noStrike">
+              <a:rPr lang="en-US" sz="2000" b="0" strike="noStrike" spc="-1">
                 <a:solidFill>
                   <a:srgbClr val="404040"/>
                 </a:solidFill>
@@ -3264,15 +3552,9 @@
               </a:rPr>
               <a:t>Click to edit the outline text format</a:t>
             </a:r>
-            <a:endParaRPr b="0" lang="en-US" sz="2000" spc="-1" strike="noStrike">
-              <a:solidFill>
-                <a:srgbClr val="404040"/>
-              </a:solidFill>
-              <a:latin typeface="Calibri"/>
-            </a:endParaRPr>
-          </a:p>
-          <a:p>
-            <a:pPr lvl="1" marL="864000" indent="-324000">
+          </a:p>
+          <a:p>
+            <a:pPr marL="864000" lvl="1" indent="-324000">
               <a:spcBef>
                 <a:spcPts val="1134"/>
               </a:spcBef>
@@ -3284,7 +3566,7 @@
               <a:buChar char=""/>
             </a:pPr>
             <a:r>
-              <a:rPr b="0" lang="en-US" sz="1400" spc="-1" strike="noStrike">
+              <a:rPr lang="en-US" sz="1400" b="0" strike="noStrike" spc="-1">
                 <a:solidFill>
                   <a:srgbClr val="404040"/>
                 </a:solidFill>
@@ -3292,15 +3574,9 @@
               </a:rPr>
               <a:t>Second Outline Level</a:t>
             </a:r>
-            <a:endParaRPr b="0" lang="en-US" sz="1400" spc="-1" strike="noStrike">
-              <a:solidFill>
-                <a:srgbClr val="404040"/>
-              </a:solidFill>
-              <a:latin typeface="Calibri"/>
-            </a:endParaRPr>
-          </a:p>
-          <a:p>
-            <a:pPr lvl="2" marL="1296000" indent="-288000">
+          </a:p>
+          <a:p>
+            <a:pPr marL="1296000" lvl="2" indent="-288000">
               <a:spcBef>
                 <a:spcPts val="850"/>
               </a:spcBef>
@@ -3312,7 +3588,7 @@
               <a:buChar char=""/>
             </a:pPr>
             <a:r>
-              <a:rPr b="0" lang="en-US" sz="1400" spc="-1" strike="noStrike">
+              <a:rPr lang="en-US" sz="1400" b="0" strike="noStrike" spc="-1">
                 <a:solidFill>
                   <a:srgbClr val="404040"/>
                 </a:solidFill>
@@ -3320,15 +3596,9 @@
               </a:rPr>
               <a:t>Third Outline Level</a:t>
             </a:r>
-            <a:endParaRPr b="0" lang="en-US" sz="1400" spc="-1" strike="noStrike">
-              <a:solidFill>
-                <a:srgbClr val="404040"/>
-              </a:solidFill>
-              <a:latin typeface="Calibri"/>
-            </a:endParaRPr>
-          </a:p>
-          <a:p>
-            <a:pPr lvl="3" marL="1728000" indent="-216000">
+          </a:p>
+          <a:p>
+            <a:pPr marL="1728000" lvl="3" indent="-216000">
               <a:spcBef>
                 <a:spcPts val="567"/>
               </a:spcBef>
@@ -3340,7 +3610,7 @@
               <a:buChar char=""/>
             </a:pPr>
             <a:r>
-              <a:rPr b="0" lang="en-US" sz="1400" spc="-1" strike="noStrike">
+              <a:rPr lang="en-US" sz="1400" b="0" strike="noStrike" spc="-1">
                 <a:solidFill>
                   <a:srgbClr val="404040"/>
                 </a:solidFill>
@@ -3348,15 +3618,9 @@
               </a:rPr>
               <a:t>Fourth Outline Level</a:t>
             </a:r>
-            <a:endParaRPr b="0" lang="en-US" sz="1400" spc="-1" strike="noStrike">
-              <a:solidFill>
-                <a:srgbClr val="404040"/>
-              </a:solidFill>
-              <a:latin typeface="Calibri"/>
-            </a:endParaRPr>
-          </a:p>
-          <a:p>
-            <a:pPr lvl="4" marL="2160000" indent="-216000">
+          </a:p>
+          <a:p>
+            <a:pPr marL="2160000" lvl="4" indent="-216000">
               <a:spcBef>
                 <a:spcPts val="283"/>
               </a:spcBef>
@@ -3368,7 +3632,7 @@
               <a:buChar char=""/>
             </a:pPr>
             <a:r>
-              <a:rPr b="0" lang="en-US" sz="2000" spc="-1" strike="noStrike">
+              <a:rPr lang="en-US" sz="2000" b="0" strike="noStrike" spc="-1">
                 <a:solidFill>
                   <a:srgbClr val="404040"/>
                 </a:solidFill>
@@ -3376,15 +3640,9 @@
               </a:rPr>
               <a:t>Fifth Outline Level</a:t>
             </a:r>
-            <a:endParaRPr b="0" lang="en-US" sz="2000" spc="-1" strike="noStrike">
-              <a:solidFill>
-                <a:srgbClr val="404040"/>
-              </a:solidFill>
-              <a:latin typeface="Calibri"/>
-            </a:endParaRPr>
-          </a:p>
-          <a:p>
-            <a:pPr lvl="5" marL="2592000" indent="-216000">
+          </a:p>
+          <a:p>
+            <a:pPr marL="2592000" lvl="5" indent="-216000">
               <a:spcBef>
                 <a:spcPts val="283"/>
               </a:spcBef>
@@ -3396,7 +3654,7 @@
               <a:buChar char=""/>
             </a:pPr>
             <a:r>
-              <a:rPr b="0" lang="en-US" sz="2000" spc="-1" strike="noStrike">
+              <a:rPr lang="en-US" sz="2000" b="0" strike="noStrike" spc="-1">
                 <a:solidFill>
                   <a:srgbClr val="404040"/>
                 </a:solidFill>
@@ -3404,15 +3662,9 @@
               </a:rPr>
               <a:t>Sixth Outline Level</a:t>
             </a:r>
-            <a:endParaRPr b="0" lang="en-US" sz="2000" spc="-1" strike="noStrike">
-              <a:solidFill>
-                <a:srgbClr val="404040"/>
-              </a:solidFill>
-              <a:latin typeface="Calibri"/>
-            </a:endParaRPr>
-          </a:p>
-          <a:p>
-            <a:pPr lvl="6" marL="3024000" indent="-216000">
+          </a:p>
+          <a:p>
+            <a:pPr marL="3024000" lvl="6" indent="-216000">
               <a:spcBef>
                 <a:spcPts val="283"/>
               </a:spcBef>
@@ -3424,7 +3676,7 @@
               <a:buChar char=""/>
             </a:pPr>
             <a:r>
-              <a:rPr b="0" lang="en-US" sz="2000" spc="-1" strike="noStrike">
+              <a:rPr lang="en-US" sz="2000" b="0" strike="noStrike" spc="-1">
                 <a:solidFill>
                   <a:srgbClr val="404040"/>
                 </a:solidFill>
@@ -3432,43 +3684,318 @@
               </a:rPr>
               <a:t>Seventh Outline Level</a:t>
             </a:r>
-            <a:endParaRPr b="0" lang="en-US" sz="2000" spc="-1" strike="noStrike">
-              <a:solidFill>
-                <a:srgbClr val="404040"/>
-              </a:solidFill>
-              <a:latin typeface="Calibri"/>
-            </a:endParaRPr>
           </a:p>
         </p:txBody>
       </p:sp>
     </p:spTree>
   </p:cSld>
-  <p:clrMap bg1="lt1" bg2="lt2" tx1="dk1" tx2="dk2" accent1="accent1" accent2="accent2" accent3="accent3" accent4="accent4" accent5="accent5" accent6="accent6" hlink="hlink" folHlink="folHlink"/>
+  <p:clrMap bg1="lt1" tx1="dk1" bg2="lt2" tx2="dk2" accent1="accent1" accent2="accent2" accent3="accent3" accent4="accent4" accent5="accent5" accent6="accent6" hlink="hlink" folHlink="folHlink"/>
   <p:sldLayoutIdLst>
-    <p:sldLayoutId id="2147483649" r:id="rId2"/>
-    <p:sldLayoutId id="2147483650" r:id="rId3"/>
-    <p:sldLayoutId id="2147483651" r:id="rId4"/>
-    <p:sldLayoutId id="2147483652" r:id="rId5"/>
-    <p:sldLayoutId id="2147483653" r:id="rId6"/>
-    <p:sldLayoutId id="2147483654" r:id="rId7"/>
-    <p:sldLayoutId id="2147483655" r:id="rId8"/>
-    <p:sldLayoutId id="2147483656" r:id="rId9"/>
-    <p:sldLayoutId id="2147483657" r:id="rId10"/>
-    <p:sldLayoutId id="2147483658" r:id="rId11"/>
-    <p:sldLayoutId id="2147483659" r:id="rId12"/>
-    <p:sldLayoutId id="2147483660" r:id="rId13"/>
+    <p:sldLayoutId id="2147483649" r:id="rId1"/>
+    <p:sldLayoutId id="2147483650" r:id="rId2"/>
+    <p:sldLayoutId id="2147483651" r:id="rId3"/>
+    <p:sldLayoutId id="2147483652" r:id="rId4"/>
+    <p:sldLayoutId id="2147483653" r:id="rId5"/>
+    <p:sldLayoutId id="2147483654" r:id="rId6"/>
+    <p:sldLayoutId id="2147483655" r:id="rId7"/>
+    <p:sldLayoutId id="2147483656" r:id="rId8"/>
+    <p:sldLayoutId id="2147483657" r:id="rId9"/>
+    <p:sldLayoutId id="2147483658" r:id="rId10"/>
+    <p:sldLayoutId id="2147483659" r:id="rId11"/>
+    <p:sldLayoutId id="2147483660" r:id="rId12"/>
   </p:sldLayoutIdLst>
+  <p:txStyles>
+    <p:titleStyle>
+      <a:lvl1pPr algn="l" defTabSz="914400" rtl="0" eaLnBrk="1" latinLnBrk="0" hangingPunct="1">
+        <a:lnSpc>
+          <a:spcPct val="90000"/>
+        </a:lnSpc>
+        <a:spcBef>
+          <a:spcPct val="0"/>
+        </a:spcBef>
+        <a:buNone/>
+        <a:defRPr sz="4400" kern="1200">
+          <a:solidFill>
+            <a:schemeClr val="tx1"/>
+          </a:solidFill>
+          <a:latin typeface="+mj-lt"/>
+          <a:ea typeface="+mj-ea"/>
+          <a:cs typeface="+mj-cs"/>
+        </a:defRPr>
+      </a:lvl1pPr>
+    </p:titleStyle>
+    <p:bodyStyle>
+      <a:lvl1pPr marL="228600" indent="-228600" algn="l" defTabSz="914400" rtl="0" eaLnBrk="1" latinLnBrk="0" hangingPunct="1">
+        <a:lnSpc>
+          <a:spcPct val="90000"/>
+        </a:lnSpc>
+        <a:spcBef>
+          <a:spcPts val="1000"/>
+        </a:spcBef>
+        <a:buFont typeface="Arial" panose="020B0604020202020204" pitchFamily="34" charset="0"/>
+        <a:buChar char="•"/>
+        <a:defRPr sz="2800" kern="1200">
+          <a:solidFill>
+            <a:schemeClr val="tx1"/>
+          </a:solidFill>
+          <a:latin typeface="+mn-lt"/>
+          <a:ea typeface="+mn-ea"/>
+          <a:cs typeface="+mn-cs"/>
+        </a:defRPr>
+      </a:lvl1pPr>
+      <a:lvl2pPr marL="685800" indent="-228600" algn="l" defTabSz="914400" rtl="0" eaLnBrk="1" latinLnBrk="0" hangingPunct="1">
+        <a:lnSpc>
+          <a:spcPct val="90000"/>
+        </a:lnSpc>
+        <a:spcBef>
+          <a:spcPts val="500"/>
+        </a:spcBef>
+        <a:buFont typeface="Arial" panose="020B0604020202020204" pitchFamily="34" charset="0"/>
+        <a:buChar char="•"/>
+        <a:defRPr sz="2400" kern="1200">
+          <a:solidFill>
+            <a:schemeClr val="tx1"/>
+          </a:solidFill>
+          <a:latin typeface="+mn-lt"/>
+          <a:ea typeface="+mn-ea"/>
+          <a:cs typeface="+mn-cs"/>
+        </a:defRPr>
+      </a:lvl2pPr>
+      <a:lvl3pPr marL="1143000" indent="-228600" algn="l" defTabSz="914400" rtl="0" eaLnBrk="1" latinLnBrk="0" hangingPunct="1">
+        <a:lnSpc>
+          <a:spcPct val="90000"/>
+        </a:lnSpc>
+        <a:spcBef>
+          <a:spcPts val="500"/>
+        </a:spcBef>
+        <a:buFont typeface="Arial" panose="020B0604020202020204" pitchFamily="34" charset="0"/>
+        <a:buChar char="•"/>
+        <a:defRPr sz="2000" kern="1200">
+          <a:solidFill>
+            <a:schemeClr val="tx1"/>
+          </a:solidFill>
+          <a:latin typeface="+mn-lt"/>
+          <a:ea typeface="+mn-ea"/>
+          <a:cs typeface="+mn-cs"/>
+        </a:defRPr>
+      </a:lvl3pPr>
+      <a:lvl4pPr marL="1600200" indent="-228600" algn="l" defTabSz="914400" rtl="0" eaLnBrk="1" latinLnBrk="0" hangingPunct="1">
+        <a:lnSpc>
+          <a:spcPct val="90000"/>
+        </a:lnSpc>
+        <a:spcBef>
+          <a:spcPts val="500"/>
+        </a:spcBef>
+        <a:buFont typeface="Arial" panose="020B0604020202020204" pitchFamily="34" charset="0"/>
+        <a:buChar char="•"/>
+        <a:defRPr sz="1800" kern="1200">
+          <a:solidFill>
+            <a:schemeClr val="tx1"/>
+          </a:solidFill>
+          <a:latin typeface="+mn-lt"/>
+          <a:ea typeface="+mn-ea"/>
+          <a:cs typeface="+mn-cs"/>
+        </a:defRPr>
+      </a:lvl4pPr>
+      <a:lvl5pPr marL="2057400" indent="-228600" algn="l" defTabSz="914400" rtl="0" eaLnBrk="1" latinLnBrk="0" hangingPunct="1">
+        <a:lnSpc>
+          <a:spcPct val="90000"/>
+        </a:lnSpc>
+        <a:spcBef>
+          <a:spcPts val="500"/>
+        </a:spcBef>
+        <a:buFont typeface="Arial" panose="020B0604020202020204" pitchFamily="34" charset="0"/>
+        <a:buChar char="•"/>
+        <a:defRPr sz="1800" kern="1200">
+          <a:solidFill>
+            <a:schemeClr val="tx1"/>
+          </a:solidFill>
+          <a:latin typeface="+mn-lt"/>
+          <a:ea typeface="+mn-ea"/>
+          <a:cs typeface="+mn-cs"/>
+        </a:defRPr>
+      </a:lvl5pPr>
+      <a:lvl6pPr marL="2514600" indent="-228600" algn="l" defTabSz="914400" rtl="0" eaLnBrk="1" latinLnBrk="0" hangingPunct="1">
+        <a:lnSpc>
+          <a:spcPct val="90000"/>
+        </a:lnSpc>
+        <a:spcBef>
+          <a:spcPts val="500"/>
+        </a:spcBef>
+        <a:buFont typeface="Arial" panose="020B0604020202020204" pitchFamily="34" charset="0"/>
+        <a:buChar char="•"/>
+        <a:defRPr sz="1800" kern="1200">
+          <a:solidFill>
+            <a:schemeClr val="tx1"/>
+          </a:solidFill>
+          <a:latin typeface="+mn-lt"/>
+          <a:ea typeface="+mn-ea"/>
+          <a:cs typeface="+mn-cs"/>
+        </a:defRPr>
+      </a:lvl6pPr>
+      <a:lvl7pPr marL="2971800" indent="-228600" algn="l" defTabSz="914400" rtl="0" eaLnBrk="1" latinLnBrk="0" hangingPunct="1">
+        <a:lnSpc>
+          <a:spcPct val="90000"/>
+        </a:lnSpc>
+        <a:spcBef>
+          <a:spcPts val="500"/>
+        </a:spcBef>
+        <a:buFont typeface="Arial" panose="020B0604020202020204" pitchFamily="34" charset="0"/>
+        <a:buChar char="•"/>
+        <a:defRPr sz="1800" kern="1200">
+          <a:solidFill>
+            <a:schemeClr val="tx1"/>
+          </a:solidFill>
+          <a:latin typeface="+mn-lt"/>
+          <a:ea typeface="+mn-ea"/>
+          <a:cs typeface="+mn-cs"/>
+        </a:defRPr>
+      </a:lvl7pPr>
+      <a:lvl8pPr marL="3429000" indent="-228600" algn="l" defTabSz="914400" rtl="0" eaLnBrk="1" latinLnBrk="0" hangingPunct="1">
+        <a:lnSpc>
+          <a:spcPct val="90000"/>
+        </a:lnSpc>
+        <a:spcBef>
+          <a:spcPts val="500"/>
+        </a:spcBef>
+        <a:buFont typeface="Arial" panose="020B0604020202020204" pitchFamily="34" charset="0"/>
+        <a:buChar char="•"/>
+        <a:defRPr sz="1800" kern="1200">
+          <a:solidFill>
+            <a:schemeClr val="tx1"/>
+          </a:solidFill>
+          <a:latin typeface="+mn-lt"/>
+          <a:ea typeface="+mn-ea"/>
+          <a:cs typeface="+mn-cs"/>
+        </a:defRPr>
+      </a:lvl8pPr>
+      <a:lvl9pPr marL="3886200" indent="-228600" algn="l" defTabSz="914400" rtl="0" eaLnBrk="1" latinLnBrk="0" hangingPunct="1">
+        <a:lnSpc>
+          <a:spcPct val="90000"/>
+        </a:lnSpc>
+        <a:spcBef>
+          <a:spcPts val="500"/>
+        </a:spcBef>
+        <a:buFont typeface="Arial" panose="020B0604020202020204" pitchFamily="34" charset="0"/>
+        <a:buChar char="•"/>
+        <a:defRPr sz="1800" kern="1200">
+          <a:solidFill>
+            <a:schemeClr val="tx1"/>
+          </a:solidFill>
+          <a:latin typeface="+mn-lt"/>
+          <a:ea typeface="+mn-ea"/>
+          <a:cs typeface="+mn-cs"/>
+        </a:defRPr>
+      </a:lvl9pPr>
+    </p:bodyStyle>
+    <p:otherStyle>
+      <a:defPPr>
+        <a:defRPr lang="en-US"/>
+      </a:defPPr>
+      <a:lvl1pPr marL="0" algn="l" defTabSz="914400" rtl="0" eaLnBrk="1" latinLnBrk="0" hangingPunct="1">
+        <a:defRPr sz="1800" kern="1200">
+          <a:solidFill>
+            <a:schemeClr val="tx1"/>
+          </a:solidFill>
+          <a:latin typeface="+mn-lt"/>
+          <a:ea typeface="+mn-ea"/>
+          <a:cs typeface="+mn-cs"/>
+        </a:defRPr>
+      </a:lvl1pPr>
+      <a:lvl2pPr marL="457200" algn="l" defTabSz="914400" rtl="0" eaLnBrk="1" latinLnBrk="0" hangingPunct="1">
+        <a:defRPr sz="1800" kern="1200">
+          <a:solidFill>
+            <a:schemeClr val="tx1"/>
+          </a:solidFill>
+          <a:latin typeface="+mn-lt"/>
+          <a:ea typeface="+mn-ea"/>
+          <a:cs typeface="+mn-cs"/>
+        </a:defRPr>
+      </a:lvl2pPr>
+      <a:lvl3pPr marL="914400" algn="l" defTabSz="914400" rtl="0" eaLnBrk="1" latinLnBrk="0" hangingPunct="1">
+        <a:defRPr sz="1800" kern="1200">
+          <a:solidFill>
+            <a:schemeClr val="tx1"/>
+          </a:solidFill>
+          <a:latin typeface="+mn-lt"/>
+          <a:ea typeface="+mn-ea"/>
+          <a:cs typeface="+mn-cs"/>
+        </a:defRPr>
+      </a:lvl3pPr>
+      <a:lvl4pPr marL="1371600" algn="l" defTabSz="914400" rtl="0" eaLnBrk="1" latinLnBrk="0" hangingPunct="1">
+        <a:defRPr sz="1800" kern="1200">
+          <a:solidFill>
+            <a:schemeClr val="tx1"/>
+          </a:solidFill>
+          <a:latin typeface="+mn-lt"/>
+          <a:ea typeface="+mn-ea"/>
+          <a:cs typeface="+mn-cs"/>
+        </a:defRPr>
+      </a:lvl4pPr>
+      <a:lvl5pPr marL="1828800" algn="l" defTabSz="914400" rtl="0" eaLnBrk="1" latinLnBrk="0" hangingPunct="1">
+        <a:defRPr sz="1800" kern="1200">
+          <a:solidFill>
+            <a:schemeClr val="tx1"/>
+          </a:solidFill>
+          <a:latin typeface="+mn-lt"/>
+          <a:ea typeface="+mn-ea"/>
+          <a:cs typeface="+mn-cs"/>
+        </a:defRPr>
+      </a:lvl5pPr>
+      <a:lvl6pPr marL="2286000" algn="l" defTabSz="914400" rtl="0" eaLnBrk="1" latinLnBrk="0" hangingPunct="1">
+        <a:defRPr sz="1800" kern="1200">
+          <a:solidFill>
+            <a:schemeClr val="tx1"/>
+          </a:solidFill>
+          <a:latin typeface="+mn-lt"/>
+          <a:ea typeface="+mn-ea"/>
+          <a:cs typeface="+mn-cs"/>
+        </a:defRPr>
+      </a:lvl6pPr>
+      <a:lvl7pPr marL="2743200" algn="l" defTabSz="914400" rtl="0" eaLnBrk="1" latinLnBrk="0" hangingPunct="1">
+        <a:defRPr sz="1800" kern="1200">
+          <a:solidFill>
+            <a:schemeClr val="tx1"/>
+          </a:solidFill>
+          <a:latin typeface="+mn-lt"/>
+          <a:ea typeface="+mn-ea"/>
+          <a:cs typeface="+mn-cs"/>
+        </a:defRPr>
+      </a:lvl7pPr>
+      <a:lvl8pPr marL="3200400" algn="l" defTabSz="914400" rtl="0" eaLnBrk="1" latinLnBrk="0" hangingPunct="1">
+        <a:defRPr sz="1800" kern="1200">
+          <a:solidFill>
+            <a:schemeClr val="tx1"/>
+          </a:solidFill>
+          <a:latin typeface="+mn-lt"/>
+          <a:ea typeface="+mn-ea"/>
+          <a:cs typeface="+mn-cs"/>
+        </a:defRPr>
+      </a:lvl8pPr>
+      <a:lvl9pPr marL="3657600" algn="l" defTabSz="914400" rtl="0" eaLnBrk="1" latinLnBrk="0" hangingPunct="1">
+        <a:defRPr sz="1800" kern="1200">
+          <a:solidFill>
+            <a:schemeClr val="tx1"/>
+          </a:solidFill>
+          <a:latin typeface="+mn-lt"/>
+          <a:ea typeface="+mn-ea"/>
+          <a:cs typeface="+mn-cs"/>
+        </a:defRPr>
+      </a:lvl9pPr>
+    </p:otherStyle>
+  </p:txStyles>
 </p:sldMaster>
 </file>
 
 <file path=ppt/slideMasters/slideMaster2.xml><?xml version="1.0" encoding="utf-8"?>
-<p:sldMaster xmlns:a="http://schemas.openxmlformats.org/drawingml/2006/main" xmlns:p="http://schemas.openxmlformats.org/presentationml/2006/main" xmlns:r="http://schemas.openxmlformats.org/officeDocument/2006/relationships" xmlns:p14="http://schemas.microsoft.com/office/powerpoint/2010/main" xmlns:p15="http://schemas.microsoft.com/office/powerpoint/2012/main" xmlns:mc="http://schemas.openxmlformats.org/markup-compatibility/2006">
+<p:sldMaster xmlns:a="http://schemas.openxmlformats.org/drawingml/2006/main" xmlns:r="http://schemas.openxmlformats.org/officeDocument/2006/relationships" xmlns:p="http://schemas.openxmlformats.org/presentationml/2006/main">
   <p:cSld>
     <p:bg>
       <p:bgPr>
         <a:solidFill>
-          <a:srgbClr val="ffffff"/>
+          <a:srgbClr val="FFFFFF"/>
         </a:solidFill>
+        <a:effectLst/>
       </p:bgPr>
     </p:bg>
     <p:spTree>
@@ -3500,16 +4027,22 @@
             <a:avLst/>
           </a:prstGeom>
           <a:solidFill>
-            <a:srgbClr val="bd582c"/>
+            <a:srgbClr val="BD582C"/>
           </a:solidFill>
           <a:ln w="15840">
             <a:noFill/>
           </a:ln>
         </p:spPr>
         <p:style>
-          <a:lnRef idx="0"/>
-          <a:fillRef idx="0"/>
-          <a:effectRef idx="0"/>
+          <a:lnRef idx="0">
+            <a:scrgbClr r="0" g="0" b="0"/>
+          </a:lnRef>
+          <a:fillRef idx="0">
+            <a:scrgbClr r="0" g="0" b="0"/>
+          </a:fillRef>
+          <a:effectRef idx="0">
+            <a:scrgbClr r="0" g="0" b="0"/>
+          </a:effectRef>
           <a:fontRef idx="minor"/>
         </p:style>
       </p:sp>
@@ -3528,16 +4061,22 @@
             <a:avLst/>
           </a:prstGeom>
           <a:solidFill>
-            <a:srgbClr val="e48312"/>
+            <a:srgbClr val="E48312"/>
           </a:solidFill>
           <a:ln w="15840">
             <a:noFill/>
           </a:ln>
         </p:spPr>
         <p:style>
-          <a:lnRef idx="0"/>
-          <a:fillRef idx="0"/>
-          <a:effectRef idx="0"/>
+          <a:lnRef idx="0">
+            <a:scrgbClr r="0" g="0" b="0"/>
+          </a:lnRef>
+          <a:fillRef idx="0">
+            <a:scrgbClr r="0" g="0" b="0"/>
+          </a:fillRef>
+          <a:effectRef idx="0">
+            <a:scrgbClr r="0" g="0" b="0"/>
+          </a:effectRef>
           <a:fontRef idx="minor"/>
         </p:style>
       </p:sp>
@@ -3563,9 +4102,15 @@
           </a:ln>
         </p:spPr>
         <p:style>
-          <a:lnRef idx="0"/>
-          <a:fillRef idx="0"/>
-          <a:effectRef idx="0"/>
+          <a:lnRef idx="0">
+            <a:scrgbClr r="0" g="0" b="0"/>
+          </a:lnRef>
+          <a:fillRef idx="0">
+            <a:scrgbClr r="0" g="0" b="0"/>
+          </a:fillRef>
+          <a:effectRef idx="0">
+            <a:scrgbClr r="0" g="0" b="0"/>
+          </a:effectRef>
           <a:fontRef idx="minor"/>
         </p:style>
       </p:sp>
@@ -3590,6 +4135,7 @@
         </p:spPr>
         <p:txBody>
           <a:bodyPr anchor="b"/>
+          <a:lstStyle/>
           <a:p>
             <a:pPr>
               <a:lnSpc>
@@ -3597,7 +4143,7 @@
               </a:lnSpc>
             </a:pPr>
             <a:r>
-              <a:rPr b="0" lang="en-US" sz="4800" spc="-49" strike="noStrike">
+              <a:rPr lang="en-US" sz="4800" b="0" strike="noStrike" spc="-49">
                 <a:solidFill>
                   <a:srgbClr val="404040"/>
                 </a:solidFill>
@@ -3605,7 +4151,7 @@
               </a:rPr>
               <a:t>Click to edit Master title style</a:t>
             </a:r>
-            <a:endParaRPr b="0" lang="en-US" sz="4800" spc="-1" strike="noStrike">
+            <a:endParaRPr lang="en-US" sz="4800" b="0" strike="noStrike" spc="-1">
               <a:solidFill>
                 <a:srgbClr val="000000"/>
               </a:solidFill>
@@ -3635,6 +4181,7 @@
         </p:spPr>
         <p:txBody>
           <a:bodyPr lIns="0" rIns="0"/>
+          <a:lstStyle/>
           <a:p>
             <a:pPr marL="432000" indent="-324000">
               <a:lnSpc>
@@ -3654,7 +4201,7 @@
               <a:buChar char=""/>
             </a:pPr>
             <a:r>
-              <a:rPr b="0" lang="en-US" sz="2000" spc="-1" strike="noStrike">
+              <a:rPr lang="en-US" sz="2000" b="0" strike="noStrike" spc="-1">
                 <a:solidFill>
                   <a:srgbClr val="404040"/>
                 </a:solidFill>
@@ -3662,15 +4209,9 @@
               </a:rPr>
               <a:t>Edit Master text styles</a:t>
             </a:r>
-            <a:endParaRPr b="0" lang="en-US" sz="2000" spc="-1" strike="noStrike">
-              <a:solidFill>
-                <a:srgbClr val="404040"/>
-              </a:solidFill>
-              <a:latin typeface="Calibri"/>
-            </a:endParaRPr>
-          </a:p>
-          <a:p>
-            <a:pPr lvl="1" marL="864000" indent="-324000">
+          </a:p>
+          <a:p>
+            <a:pPr marL="864000" lvl="1" indent="-324000">
               <a:lnSpc>
                 <a:spcPct val="90000"/>
               </a:lnSpc>
@@ -3688,7 +4229,7 @@
               <a:buChar char=""/>
             </a:pPr>
             <a:r>
-              <a:rPr b="0" lang="en-US" sz="1800" spc="-1" strike="noStrike">
+              <a:rPr lang="en-US" sz="1800" b="0" strike="noStrike" spc="-1">
                 <a:solidFill>
                   <a:srgbClr val="404040"/>
                 </a:solidFill>
@@ -3696,15 +4237,9 @@
               </a:rPr>
               <a:t>Second level</a:t>
             </a:r>
-            <a:endParaRPr b="0" lang="en-US" sz="1800" spc="-1" strike="noStrike">
-              <a:solidFill>
-                <a:srgbClr val="404040"/>
-              </a:solidFill>
-              <a:latin typeface="Calibri"/>
-            </a:endParaRPr>
-          </a:p>
-          <a:p>
-            <a:pPr lvl="2" marL="1296000" indent="-288000">
+          </a:p>
+          <a:p>
+            <a:pPr marL="1296000" lvl="2" indent="-288000">
               <a:lnSpc>
                 <a:spcPct val="90000"/>
               </a:lnSpc>
@@ -3722,7 +4257,7 @@
               <a:buChar char=""/>
             </a:pPr>
             <a:r>
-              <a:rPr b="0" lang="en-US" sz="1400" spc="-1" strike="noStrike">
+              <a:rPr lang="en-US" sz="1400" b="0" strike="noStrike" spc="-1">
                 <a:solidFill>
                   <a:srgbClr val="404040"/>
                 </a:solidFill>
@@ -3730,15 +4265,9 @@
               </a:rPr>
               <a:t>Third level</a:t>
             </a:r>
-            <a:endParaRPr b="0" lang="en-US" sz="1400" spc="-1" strike="noStrike">
-              <a:solidFill>
-                <a:srgbClr val="404040"/>
-              </a:solidFill>
-              <a:latin typeface="Calibri"/>
-            </a:endParaRPr>
-          </a:p>
-          <a:p>
-            <a:pPr lvl="3" marL="1728000" indent="-216000">
+          </a:p>
+          <a:p>
+            <a:pPr marL="1728000" lvl="3" indent="-216000">
               <a:lnSpc>
                 <a:spcPct val="90000"/>
               </a:lnSpc>
@@ -3756,7 +4285,7 @@
               <a:buChar char=""/>
             </a:pPr>
             <a:r>
-              <a:rPr b="0" lang="en-US" sz="1400" spc="-1" strike="noStrike">
+              <a:rPr lang="en-US" sz="1400" b="0" strike="noStrike" spc="-1">
                 <a:solidFill>
                   <a:srgbClr val="404040"/>
                 </a:solidFill>
@@ -3764,15 +4293,9 @@
               </a:rPr>
               <a:t>Fourth level</a:t>
             </a:r>
-            <a:endParaRPr b="0" lang="en-US" sz="1400" spc="-1" strike="noStrike">
-              <a:solidFill>
-                <a:srgbClr val="404040"/>
-              </a:solidFill>
-              <a:latin typeface="Calibri"/>
-            </a:endParaRPr>
-          </a:p>
-          <a:p>
-            <a:pPr lvl="4" marL="2160000" indent="-216000">
+          </a:p>
+          <a:p>
+            <a:pPr marL="2160000" lvl="4" indent="-216000">
               <a:lnSpc>
                 <a:spcPct val="90000"/>
               </a:lnSpc>
@@ -3790,7 +4313,7 @@
               <a:buChar char=""/>
             </a:pPr>
             <a:r>
-              <a:rPr b="0" lang="en-US" sz="1400" spc="-1" strike="noStrike">
+              <a:rPr lang="en-US" sz="1400" b="0" strike="noStrike" spc="-1">
                 <a:solidFill>
                   <a:srgbClr val="404040"/>
                 </a:solidFill>
@@ -3798,12 +4321,6 @@
               </a:rPr>
               <a:t>Fifth level</a:t>
             </a:r>
-            <a:endParaRPr b="0" lang="en-US" sz="1400" spc="-1" strike="noStrike">
-              <a:solidFill>
-                <a:srgbClr val="404040"/>
-              </a:solidFill>
-              <a:latin typeface="Calibri"/>
-            </a:endParaRPr>
           </a:p>
         </p:txBody>
       </p:sp>
@@ -3828,6 +4345,7 @@
         </p:spPr>
         <p:txBody>
           <a:bodyPr anchor="ctr"/>
+          <a:lstStyle/>
           <a:p>
             <a:pPr>
               <a:lnSpc>
@@ -3835,15 +4353,15 @@
               </a:lnSpc>
             </a:pPr>
             <a:fld id="{32A51531-3889-4374-9FD2-599B5751CB1E}" type="datetime">
-              <a:rPr b="0" lang="en-US" sz="900" spc="-1" strike="noStrike">
+              <a:rPr lang="en-US" sz="900" b="0" strike="noStrike" spc="-1">
                 <a:solidFill>
-                  <a:srgbClr val="ffffff"/>
+                  <a:srgbClr val="FFFFFF"/>
                 </a:solidFill>
                 <a:latin typeface="Calibri"/>
               </a:rPr>
               <a:t>2/7/19</a:t>
             </a:fld>
-            <a:endParaRPr b="0" lang="en-US" sz="900" spc="-1" strike="noStrike">
+            <a:endParaRPr lang="en-US" sz="900" b="0" strike="noStrike" spc="-1">
               <a:latin typeface="Times New Roman"/>
             </a:endParaRPr>
           </a:p>
@@ -3870,8 +4388,9 @@
         </p:spPr>
         <p:txBody>
           <a:bodyPr anchor="ctr"/>
-          <a:p>
-            <a:endParaRPr b="0" lang="en-US" sz="2400" spc="-1" strike="noStrike">
+          <a:lstStyle/>
+          <a:p>
+            <a:endParaRPr lang="en-US" sz="2400" b="0" strike="noStrike" spc="-1">
               <a:latin typeface="Times New Roman"/>
             </a:endParaRPr>
           </a:p>
@@ -3898,6 +4417,7 @@
         </p:spPr>
         <p:txBody>
           <a:bodyPr anchor="ctr"/>
+          <a:lstStyle/>
           <a:p>
             <a:pPr algn="r">
               <a:lnSpc>
@@ -3905,15 +4425,15 @@
               </a:lnSpc>
             </a:pPr>
             <a:fld id="{302516E7-315F-4AB9-91C6-DEF3DCCA21C6}" type="slidenum">
-              <a:rPr b="0" lang="en-US" sz="1050" spc="-1" strike="noStrike">
+              <a:rPr lang="en-US" sz="1050" b="0" strike="noStrike" spc="-1">
                 <a:solidFill>
-                  <a:srgbClr val="ffffff"/>
+                  <a:srgbClr val="FFFFFF"/>
                 </a:solidFill>
                 <a:latin typeface="Calibri"/>
               </a:rPr>
-              <a:t>1</a:t>
+              <a:t>‹#›</a:t>
             </a:fld>
-            <a:endParaRPr b="0" lang="en-US" sz="1050" spc="-1" strike="noStrike">
+            <a:endParaRPr lang="en-US" sz="1050" b="0" strike="noStrike" spc="-1">
               <a:latin typeface="Times New Roman"/>
             </a:endParaRPr>
           </a:p>
@@ -3921,26 +4441,306 @@
       </p:sp>
     </p:spTree>
   </p:cSld>
-  <p:clrMap bg1="lt1" bg2="lt2" tx1="dk1" tx2="dk2" accent1="accent1" accent2="accent2" accent3="accent3" accent4="accent4" accent5="accent5" accent6="accent6" hlink="hlink" folHlink="folHlink"/>
+  <p:clrMap bg1="lt1" tx1="dk1" bg2="lt2" tx2="dk2" accent1="accent1" accent2="accent2" accent3="accent3" accent4="accent4" accent5="accent5" accent6="accent6" hlink="hlink" folHlink="folHlink"/>
   <p:sldLayoutIdLst>
-    <p:sldLayoutId id="2147483662" r:id="rId2"/>
-    <p:sldLayoutId id="2147483663" r:id="rId3"/>
-    <p:sldLayoutId id="2147483664" r:id="rId4"/>
-    <p:sldLayoutId id="2147483665" r:id="rId5"/>
-    <p:sldLayoutId id="2147483666" r:id="rId6"/>
-    <p:sldLayoutId id="2147483667" r:id="rId7"/>
-    <p:sldLayoutId id="2147483668" r:id="rId8"/>
-    <p:sldLayoutId id="2147483669" r:id="rId9"/>
-    <p:sldLayoutId id="2147483670" r:id="rId10"/>
-    <p:sldLayoutId id="2147483671" r:id="rId11"/>
-    <p:sldLayoutId id="2147483672" r:id="rId12"/>
-    <p:sldLayoutId id="2147483673" r:id="rId13"/>
+    <p:sldLayoutId id="2147483662" r:id="rId1"/>
+    <p:sldLayoutId id="2147483663" r:id="rId2"/>
+    <p:sldLayoutId id="2147483664" r:id="rId3"/>
+    <p:sldLayoutId id="2147483665" r:id="rId4"/>
+    <p:sldLayoutId id="2147483666" r:id="rId5"/>
+    <p:sldLayoutId id="2147483667" r:id="rId6"/>
+    <p:sldLayoutId id="2147483668" r:id="rId7"/>
+    <p:sldLayoutId id="2147483669" r:id="rId8"/>
+    <p:sldLayoutId id="2147483670" r:id="rId9"/>
+    <p:sldLayoutId id="2147483671" r:id="rId10"/>
+    <p:sldLayoutId id="2147483672" r:id="rId11"/>
+    <p:sldLayoutId id="2147483673" r:id="rId12"/>
   </p:sldLayoutIdLst>
+  <p:txStyles>
+    <p:titleStyle>
+      <a:lvl1pPr algn="l" defTabSz="914400" rtl="0" eaLnBrk="1" latinLnBrk="0" hangingPunct="1">
+        <a:lnSpc>
+          <a:spcPct val="90000"/>
+        </a:lnSpc>
+        <a:spcBef>
+          <a:spcPct val="0"/>
+        </a:spcBef>
+        <a:buNone/>
+        <a:defRPr sz="4400" kern="1200">
+          <a:solidFill>
+            <a:schemeClr val="tx1"/>
+          </a:solidFill>
+          <a:latin typeface="+mj-lt"/>
+          <a:ea typeface="+mj-ea"/>
+          <a:cs typeface="+mj-cs"/>
+        </a:defRPr>
+      </a:lvl1pPr>
+    </p:titleStyle>
+    <p:bodyStyle>
+      <a:lvl1pPr marL="228600" indent="-228600" algn="l" defTabSz="914400" rtl="0" eaLnBrk="1" latinLnBrk="0" hangingPunct="1">
+        <a:lnSpc>
+          <a:spcPct val="90000"/>
+        </a:lnSpc>
+        <a:spcBef>
+          <a:spcPts val="1000"/>
+        </a:spcBef>
+        <a:buFont typeface="Arial" panose="020B0604020202020204" pitchFamily="34" charset="0"/>
+        <a:buChar char="•"/>
+        <a:defRPr sz="2800" kern="1200">
+          <a:solidFill>
+            <a:schemeClr val="tx1"/>
+          </a:solidFill>
+          <a:latin typeface="+mn-lt"/>
+          <a:ea typeface="+mn-ea"/>
+          <a:cs typeface="+mn-cs"/>
+        </a:defRPr>
+      </a:lvl1pPr>
+      <a:lvl2pPr marL="685800" indent="-228600" algn="l" defTabSz="914400" rtl="0" eaLnBrk="1" latinLnBrk="0" hangingPunct="1">
+        <a:lnSpc>
+          <a:spcPct val="90000"/>
+        </a:lnSpc>
+        <a:spcBef>
+          <a:spcPts val="500"/>
+        </a:spcBef>
+        <a:buFont typeface="Arial" panose="020B0604020202020204" pitchFamily="34" charset="0"/>
+        <a:buChar char="•"/>
+        <a:defRPr sz="2400" kern="1200">
+          <a:solidFill>
+            <a:schemeClr val="tx1"/>
+          </a:solidFill>
+          <a:latin typeface="+mn-lt"/>
+          <a:ea typeface="+mn-ea"/>
+          <a:cs typeface="+mn-cs"/>
+        </a:defRPr>
+      </a:lvl2pPr>
+      <a:lvl3pPr marL="1143000" indent="-228600" algn="l" defTabSz="914400" rtl="0" eaLnBrk="1" latinLnBrk="0" hangingPunct="1">
+        <a:lnSpc>
+          <a:spcPct val="90000"/>
+        </a:lnSpc>
+        <a:spcBef>
+          <a:spcPts val="500"/>
+        </a:spcBef>
+        <a:buFont typeface="Arial" panose="020B0604020202020204" pitchFamily="34" charset="0"/>
+        <a:buChar char="•"/>
+        <a:defRPr sz="2000" kern="1200">
+          <a:solidFill>
+            <a:schemeClr val="tx1"/>
+          </a:solidFill>
+          <a:latin typeface="+mn-lt"/>
+          <a:ea typeface="+mn-ea"/>
+          <a:cs typeface="+mn-cs"/>
+        </a:defRPr>
+      </a:lvl3pPr>
+      <a:lvl4pPr marL="1600200" indent="-228600" algn="l" defTabSz="914400" rtl="0" eaLnBrk="1" latinLnBrk="0" hangingPunct="1">
+        <a:lnSpc>
+          <a:spcPct val="90000"/>
+        </a:lnSpc>
+        <a:spcBef>
+          <a:spcPts val="500"/>
+        </a:spcBef>
+        <a:buFont typeface="Arial" panose="020B0604020202020204" pitchFamily="34" charset="0"/>
+        <a:buChar char="•"/>
+        <a:defRPr sz="1800" kern="1200">
+          <a:solidFill>
+            <a:schemeClr val="tx1"/>
+          </a:solidFill>
+          <a:latin typeface="+mn-lt"/>
+          <a:ea typeface="+mn-ea"/>
+          <a:cs typeface="+mn-cs"/>
+        </a:defRPr>
+      </a:lvl4pPr>
+      <a:lvl5pPr marL="2057400" indent="-228600" algn="l" defTabSz="914400" rtl="0" eaLnBrk="1" latinLnBrk="0" hangingPunct="1">
+        <a:lnSpc>
+          <a:spcPct val="90000"/>
+        </a:lnSpc>
+        <a:spcBef>
+          <a:spcPts val="500"/>
+        </a:spcBef>
+        <a:buFont typeface="Arial" panose="020B0604020202020204" pitchFamily="34" charset="0"/>
+        <a:buChar char="•"/>
+        <a:defRPr sz="1800" kern="1200">
+          <a:solidFill>
+            <a:schemeClr val="tx1"/>
+          </a:solidFill>
+          <a:latin typeface="+mn-lt"/>
+          <a:ea typeface="+mn-ea"/>
+          <a:cs typeface="+mn-cs"/>
+        </a:defRPr>
+      </a:lvl5pPr>
+      <a:lvl6pPr marL="2514600" indent="-228600" algn="l" defTabSz="914400" rtl="0" eaLnBrk="1" latinLnBrk="0" hangingPunct="1">
+        <a:lnSpc>
+          <a:spcPct val="90000"/>
+        </a:lnSpc>
+        <a:spcBef>
+          <a:spcPts val="500"/>
+        </a:spcBef>
+        <a:buFont typeface="Arial" panose="020B0604020202020204" pitchFamily="34" charset="0"/>
+        <a:buChar char="•"/>
+        <a:defRPr sz="1800" kern="1200">
+          <a:solidFill>
+            <a:schemeClr val="tx1"/>
+          </a:solidFill>
+          <a:latin typeface="+mn-lt"/>
+          <a:ea typeface="+mn-ea"/>
+          <a:cs typeface="+mn-cs"/>
+        </a:defRPr>
+      </a:lvl6pPr>
+      <a:lvl7pPr marL="2971800" indent="-228600" algn="l" defTabSz="914400" rtl="0" eaLnBrk="1" latinLnBrk="0" hangingPunct="1">
+        <a:lnSpc>
+          <a:spcPct val="90000"/>
+        </a:lnSpc>
+        <a:spcBef>
+          <a:spcPts val="500"/>
+        </a:spcBef>
+        <a:buFont typeface="Arial" panose="020B0604020202020204" pitchFamily="34" charset="0"/>
+        <a:buChar char="•"/>
+        <a:defRPr sz="1800" kern="1200">
+          <a:solidFill>
+            <a:schemeClr val="tx1"/>
+          </a:solidFill>
+          <a:latin typeface="+mn-lt"/>
+          <a:ea typeface="+mn-ea"/>
+          <a:cs typeface="+mn-cs"/>
+        </a:defRPr>
+      </a:lvl7pPr>
+      <a:lvl8pPr marL="3429000" indent="-228600" algn="l" defTabSz="914400" rtl="0" eaLnBrk="1" latinLnBrk="0" hangingPunct="1">
+        <a:lnSpc>
+          <a:spcPct val="90000"/>
+        </a:lnSpc>
+        <a:spcBef>
+          <a:spcPts val="500"/>
+        </a:spcBef>
+        <a:buFont typeface="Arial" panose="020B0604020202020204" pitchFamily="34" charset="0"/>
+        <a:buChar char="•"/>
+        <a:defRPr sz="1800" kern="1200">
+          <a:solidFill>
+            <a:schemeClr val="tx1"/>
+          </a:solidFill>
+          <a:latin typeface="+mn-lt"/>
+          <a:ea typeface="+mn-ea"/>
+          <a:cs typeface="+mn-cs"/>
+        </a:defRPr>
+      </a:lvl8pPr>
+      <a:lvl9pPr marL="3886200" indent="-228600" algn="l" defTabSz="914400" rtl="0" eaLnBrk="1" latinLnBrk="0" hangingPunct="1">
+        <a:lnSpc>
+          <a:spcPct val="90000"/>
+        </a:lnSpc>
+        <a:spcBef>
+          <a:spcPts val="500"/>
+        </a:spcBef>
+        <a:buFont typeface="Arial" panose="020B0604020202020204" pitchFamily="34" charset="0"/>
+        <a:buChar char="•"/>
+        <a:defRPr sz="1800" kern="1200">
+          <a:solidFill>
+            <a:schemeClr val="tx1"/>
+          </a:solidFill>
+          <a:latin typeface="+mn-lt"/>
+          <a:ea typeface="+mn-ea"/>
+          <a:cs typeface="+mn-cs"/>
+        </a:defRPr>
+      </a:lvl9pPr>
+    </p:bodyStyle>
+    <p:otherStyle>
+      <a:defPPr>
+        <a:defRPr lang="en-US"/>
+      </a:defPPr>
+      <a:lvl1pPr marL="0" algn="l" defTabSz="914400" rtl="0" eaLnBrk="1" latinLnBrk="0" hangingPunct="1">
+        <a:defRPr sz="1800" kern="1200">
+          <a:solidFill>
+            <a:schemeClr val="tx1"/>
+          </a:solidFill>
+          <a:latin typeface="+mn-lt"/>
+          <a:ea typeface="+mn-ea"/>
+          <a:cs typeface="+mn-cs"/>
+        </a:defRPr>
+      </a:lvl1pPr>
+      <a:lvl2pPr marL="457200" algn="l" defTabSz="914400" rtl="0" eaLnBrk="1" latinLnBrk="0" hangingPunct="1">
+        <a:defRPr sz="1800" kern="1200">
+          <a:solidFill>
+            <a:schemeClr val="tx1"/>
+          </a:solidFill>
+          <a:latin typeface="+mn-lt"/>
+          <a:ea typeface="+mn-ea"/>
+          <a:cs typeface="+mn-cs"/>
+        </a:defRPr>
+      </a:lvl2pPr>
+      <a:lvl3pPr marL="914400" algn="l" defTabSz="914400" rtl="0" eaLnBrk="1" latinLnBrk="0" hangingPunct="1">
+        <a:defRPr sz="1800" kern="1200">
+          <a:solidFill>
+            <a:schemeClr val="tx1"/>
+          </a:solidFill>
+          <a:latin typeface="+mn-lt"/>
+          <a:ea typeface="+mn-ea"/>
+          <a:cs typeface="+mn-cs"/>
+        </a:defRPr>
+      </a:lvl3pPr>
+      <a:lvl4pPr marL="1371600" algn="l" defTabSz="914400" rtl="0" eaLnBrk="1" latinLnBrk="0" hangingPunct="1">
+        <a:defRPr sz="1800" kern="1200">
+          <a:solidFill>
+            <a:schemeClr val="tx1"/>
+          </a:solidFill>
+          <a:latin typeface="+mn-lt"/>
+          <a:ea typeface="+mn-ea"/>
+          <a:cs typeface="+mn-cs"/>
+        </a:defRPr>
+      </a:lvl4pPr>
+      <a:lvl5pPr marL="1828800" algn="l" defTabSz="914400" rtl="0" eaLnBrk="1" latinLnBrk="0" hangingPunct="1">
+        <a:defRPr sz="1800" kern="1200">
+          <a:solidFill>
+            <a:schemeClr val="tx1"/>
+          </a:solidFill>
+          <a:latin typeface="+mn-lt"/>
+          <a:ea typeface="+mn-ea"/>
+          <a:cs typeface="+mn-cs"/>
+        </a:defRPr>
+      </a:lvl5pPr>
+      <a:lvl6pPr marL="2286000" algn="l" defTabSz="914400" rtl="0" eaLnBrk="1" latinLnBrk="0" hangingPunct="1">
+        <a:defRPr sz="1800" kern="1200">
+          <a:solidFill>
+            <a:schemeClr val="tx1"/>
+          </a:solidFill>
+          <a:latin typeface="+mn-lt"/>
+          <a:ea typeface="+mn-ea"/>
+          <a:cs typeface="+mn-cs"/>
+        </a:defRPr>
+      </a:lvl6pPr>
+      <a:lvl7pPr marL="2743200" algn="l" defTabSz="914400" rtl="0" eaLnBrk="1" latinLnBrk="0" hangingPunct="1">
+        <a:defRPr sz="1800" kern="1200">
+          <a:solidFill>
+            <a:schemeClr val="tx1"/>
+          </a:solidFill>
+          <a:latin typeface="+mn-lt"/>
+          <a:ea typeface="+mn-ea"/>
+          <a:cs typeface="+mn-cs"/>
+        </a:defRPr>
+      </a:lvl7pPr>
+      <a:lvl8pPr marL="3200400" algn="l" defTabSz="914400" rtl="0" eaLnBrk="1" latinLnBrk="0" hangingPunct="1">
+        <a:defRPr sz="1800" kern="1200">
+          <a:solidFill>
+            <a:schemeClr val="tx1"/>
+          </a:solidFill>
+          <a:latin typeface="+mn-lt"/>
+          <a:ea typeface="+mn-ea"/>
+          <a:cs typeface="+mn-cs"/>
+        </a:defRPr>
+      </a:lvl8pPr>
+      <a:lvl9pPr marL="3657600" algn="l" defTabSz="914400" rtl="0" eaLnBrk="1" latinLnBrk="0" hangingPunct="1">
+        <a:defRPr sz="1800" kern="1200">
+          <a:solidFill>
+            <a:schemeClr val="tx1"/>
+          </a:solidFill>
+          <a:latin typeface="+mn-lt"/>
+          <a:ea typeface="+mn-ea"/>
+          <a:cs typeface="+mn-cs"/>
+        </a:defRPr>
+      </a:lvl9pPr>
+    </p:otherStyle>
+  </p:txStyles>
 </p:sldMaster>
 </file>
 
 <file path=ppt/slides/slide1.xml><?xml version="1.0" encoding="utf-8"?>
-<p:sld xmlns:a="http://schemas.openxmlformats.org/drawingml/2006/main" xmlns:p="http://schemas.openxmlformats.org/presentationml/2006/main" xmlns:r="http://schemas.openxmlformats.org/officeDocument/2006/relationships" xmlns:p14="http://schemas.microsoft.com/office/powerpoint/2010/main" xmlns:p15="http://schemas.microsoft.com/office/powerpoint/2012/main" xmlns:mc="http://schemas.openxmlformats.org/markup-compatibility/2006">
+<p:sld xmlns:a="http://schemas.openxmlformats.org/drawingml/2006/main" xmlns:r="http://schemas.openxmlformats.org/officeDocument/2006/relationships" xmlns:p="http://schemas.openxmlformats.org/presentationml/2006/main">
   <p:cSld>
     <p:spTree>
       <p:nvGrpSpPr>
@@ -3977,6 +4777,7 @@
         </p:spPr>
         <p:txBody>
           <a:bodyPr anchor="b"/>
+          <a:lstStyle/>
           <a:p>
             <a:pPr>
               <a:lnSpc>
@@ -3984,7 +4785,7 @@
               </a:lnSpc>
             </a:pPr>
             <a:r>
-              <a:rPr b="0" lang="en-US" sz="8000" spc="-49" strike="noStrike">
+              <a:rPr lang="en-US" sz="8000" b="0" strike="noStrike" spc="-49">
                 <a:solidFill>
                   <a:srgbClr val="262626"/>
                 </a:solidFill>
@@ -3992,7 +4793,7 @@
               </a:rPr>
               <a:t>Debugger</a:t>
             </a:r>
-            <a:endParaRPr b="0" lang="en-US" sz="8000" spc="-1" strike="noStrike">
+            <a:endParaRPr lang="en-US" sz="8000" b="0" strike="noStrike" spc="-1">
               <a:solidFill>
                 <a:srgbClr val="000000"/>
               </a:solidFill>
@@ -4022,6 +4823,7 @@
         </p:spPr>
         <p:txBody>
           <a:bodyPr/>
+          <a:lstStyle/>
           <a:p>
             <a:pPr>
               <a:lnSpc>
@@ -4035,7 +4837,7 @@
               </a:spcAft>
             </a:pPr>
             <a:r>
-              <a:rPr b="0" lang="en-US" sz="2400" spc="199" strike="noStrike" cap="all">
+              <a:rPr lang="en-US" sz="2400" b="0" strike="noStrike" cap="all" spc="199">
                 <a:solidFill>
                   <a:srgbClr val="637052"/>
                 </a:solidFill>
@@ -4043,7 +4845,7 @@
               </a:rPr>
               <a:t>Banana Development Team</a:t>
             </a:r>
-            <a:endParaRPr b="0" lang="en-US" sz="2400" spc="-1" strike="noStrike">
+            <a:endParaRPr lang="en-US" sz="2400" b="0" strike="noStrike" spc="-1">
               <a:latin typeface="Arial"/>
             </a:endParaRPr>
           </a:p>
@@ -4051,13 +4853,13 @@
       </p:sp>
       <p:pic>
         <p:nvPicPr>
-          <p:cNvPr id="93" name="Picture 4" descr=""/>
+          <p:cNvPr id="93" name="Picture 4"/>
           <p:cNvPicPr/>
           <p:nvPr/>
         </p:nvPicPr>
         <p:blipFill>
-          <a:blip r:embed="rId1"/>
-          <a:srcRect l="0" t="0" r="0" b="4860"/>
+          <a:blip r:embed="rId2"/>
+          <a:srcRect b="4860"/>
           <a:stretch/>
         </p:blipFill>
         <p:spPr>
@@ -4075,6 +4877,9 @@
       </p:pic>
     </p:spTree>
   </p:cSld>
+  <p:clrMapOvr>
+    <a:masterClrMapping/>
+  </p:clrMapOvr>
   <p:timing>
     <p:tnLst>
       <p:par>
@@ -4083,14 +4888,14 @@
             <p:seq>
               <p:cTn id="2" dur="indefinite" nodeType="mainSeq"/>
               <p:prevCondLst>
-                <p:cond delay="0" evt="onPrev">
+                <p:cond evt="onPrev" delay="0">
                   <p:tgtEl>
                     <p:sldTgt/>
                   </p:tgtEl>
                 </p:cond>
               </p:prevCondLst>
               <p:nextCondLst>
-                <p:cond delay="0" evt="onNext">
+                <p:cond evt="onNext" delay="0">
                   <p:tgtEl>
                     <p:sldTgt/>
                   </p:tgtEl>
@@ -4105,8 +4910,8 @@
 </p:sld>
 </file>
 
-<file path=ppt/slides/slide2.xml><?xml version="1.0" encoding="utf-8"?>
-<p:sld xmlns:a="http://schemas.openxmlformats.org/drawingml/2006/main" xmlns:p="http://schemas.openxmlformats.org/presentationml/2006/main" xmlns:r="http://schemas.openxmlformats.org/officeDocument/2006/relationships" xmlns:p14="http://schemas.microsoft.com/office/powerpoint/2010/main" xmlns:p15="http://schemas.microsoft.com/office/powerpoint/2012/main" xmlns:mc="http://schemas.openxmlformats.org/markup-compatibility/2006">
+<file path=ppt/slides/slide10.xml><?xml version="1.0" encoding="utf-8"?>
+<p:sld xmlns:a="http://schemas.openxmlformats.org/drawingml/2006/main" xmlns:r="http://schemas.openxmlformats.org/officeDocument/2006/relationships" xmlns:p="http://schemas.openxmlformats.org/presentationml/2006/main">
   <p:cSld>
     <p:spTree>
       <p:nvGrpSpPr>
@@ -4124,6 +4929,478 @@
       </p:grpSpPr>
       <p:sp>
         <p:nvSpPr>
+          <p:cNvPr id="2" name="Title 1">
+            <a:extLst>
+              <a:ext uri="{FF2B5EF4-FFF2-40B4-BE49-F238E27FC236}">
+                <a16:creationId xmlns:a16="http://schemas.microsoft.com/office/drawing/2014/main" id="{8BC00AEA-865E-C14E-9CD8-6EB9C4BA555F}"/>
+              </a:ext>
+            </a:extLst>
+          </p:cNvPr>
+          <p:cNvSpPr>
+            <a:spLocks noGrp="1"/>
+          </p:cNvSpPr>
+          <p:nvPr>
+            <p:ph type="title"/>
+          </p:nvPr>
+        </p:nvSpPr>
+        <p:spPr/>
+        <p:txBody>
+          <a:bodyPr/>
+          <a:lstStyle/>
+          <a:p>
+            <a:pPr>
+              <a:lnSpc>
+                <a:spcPct val="85000"/>
+              </a:lnSpc>
+            </a:pPr>
+            <a:br>
+              <a:rPr lang="en-US" dirty="0"/>
+            </a:br>
+            <a:r>
+              <a:rPr lang="en-US" spc="-49" dirty="0">
+                <a:solidFill>
+                  <a:srgbClr val="404040"/>
+                </a:solidFill>
+                <a:latin typeface="Calibri Light"/>
+                <a:ea typeface="Microsoft YaHei"/>
+              </a:rPr>
+              <a:t>Blakely – Sound</a:t>
+            </a:r>
+            <a:endParaRPr lang="en-US" spc="-1" dirty="0">
+              <a:solidFill>
+                <a:srgbClr val="000000"/>
+              </a:solidFill>
+              <a:latin typeface="Calibri"/>
+            </a:endParaRPr>
+          </a:p>
+        </p:txBody>
+      </p:sp>
+      <p:sp>
+        <p:nvSpPr>
+          <p:cNvPr id="3" name="Subtitle 2">
+            <a:extLst>
+              <a:ext uri="{FF2B5EF4-FFF2-40B4-BE49-F238E27FC236}">
+                <a16:creationId xmlns:a16="http://schemas.microsoft.com/office/drawing/2014/main" id="{B6F5B555-79F2-CC4D-A948-A48520149849}"/>
+              </a:ext>
+            </a:extLst>
+          </p:cNvPr>
+          <p:cNvSpPr>
+            <a:spLocks noGrp="1"/>
+          </p:cNvSpPr>
+          <p:nvPr>
+            <p:ph type="subTitle"/>
+          </p:nvPr>
+        </p:nvSpPr>
+        <p:spPr>
+          <a:xfrm>
+            <a:off x="1097280" y="2121142"/>
+            <a:ext cx="10058040" cy="4023000"/>
+          </a:xfrm>
+        </p:spPr>
+        <p:txBody>
+          <a:bodyPr/>
+          <a:lstStyle/>
+          <a:p>
+            <a:pPr marL="91440" indent="-91080">
+              <a:spcBef>
+                <a:spcPts val="1199"/>
+              </a:spcBef>
+              <a:spcAft>
+                <a:spcPts val="201"/>
+              </a:spcAft>
+              <a:buClr>
+                <a:srgbClr val="E48312"/>
+              </a:buClr>
+              <a:buFont typeface="Arial"/>
+              <a:buChar char="•"/>
+            </a:pPr>
+            <a:r>
+              <a:rPr lang="en-US" sz="2200" spc="-1" dirty="0">
+                <a:solidFill>
+                  <a:srgbClr val="404040"/>
+                </a:solidFill>
+                <a:latin typeface="Calibri"/>
+              </a:rPr>
+              <a:t>Creating Sounds for levels and sound effects</a:t>
+            </a:r>
+          </a:p>
+          <a:p>
+            <a:pPr marL="91440" indent="-91080">
+              <a:spcBef>
+                <a:spcPts val="1199"/>
+              </a:spcBef>
+              <a:spcAft>
+                <a:spcPts val="201"/>
+              </a:spcAft>
+              <a:buClr>
+                <a:srgbClr val="E48312"/>
+              </a:buClr>
+              <a:buFont typeface="Arial"/>
+              <a:buChar char="•"/>
+            </a:pPr>
+            <a:r>
+              <a:rPr lang="en-US" sz="2200" spc="-1" dirty="0">
+                <a:solidFill>
+                  <a:srgbClr val="404040"/>
+                </a:solidFill>
+                <a:latin typeface="Calibri"/>
+              </a:rPr>
+              <a:t>Coordinate with Luis on player sound effects</a:t>
+            </a:r>
+          </a:p>
+          <a:p>
+            <a:pPr marL="91440" indent="-91080">
+              <a:spcBef>
+                <a:spcPts val="1199"/>
+              </a:spcBef>
+              <a:spcAft>
+                <a:spcPts val="201"/>
+              </a:spcAft>
+              <a:buClr>
+                <a:srgbClr val="E48312"/>
+              </a:buClr>
+              <a:buFont typeface="Arial"/>
+              <a:buChar char="•"/>
+            </a:pPr>
+            <a:r>
+              <a:rPr lang="en-US" sz="2200" spc="-1" dirty="0">
+                <a:solidFill>
+                  <a:srgbClr val="404040"/>
+                </a:solidFill>
+                <a:latin typeface="Calibri"/>
+              </a:rPr>
+              <a:t>Coordinate with Ben on enemy sound effects</a:t>
+            </a:r>
+          </a:p>
+          <a:p>
+            <a:pPr marL="91440" indent="-91080">
+              <a:spcBef>
+                <a:spcPts val="1199"/>
+              </a:spcBef>
+              <a:spcAft>
+                <a:spcPts val="201"/>
+              </a:spcAft>
+              <a:buClr>
+                <a:srgbClr val="E48312"/>
+              </a:buClr>
+              <a:buFont typeface="Arial"/>
+              <a:buChar char="•"/>
+            </a:pPr>
+            <a:r>
+              <a:rPr lang="en-US" sz="2200" spc="-1" dirty="0">
+                <a:solidFill>
+                  <a:srgbClr val="404040"/>
+                </a:solidFill>
+                <a:latin typeface="Calibri"/>
+              </a:rPr>
+              <a:t>Provide seamless timing between character trigger and sound effect</a:t>
+            </a:r>
+          </a:p>
+          <a:p>
+            <a:pPr marL="91440" indent="-91080">
+              <a:spcBef>
+                <a:spcPts val="1199"/>
+              </a:spcBef>
+              <a:spcAft>
+                <a:spcPts val="201"/>
+              </a:spcAft>
+              <a:buClr>
+                <a:srgbClr val="E48312"/>
+              </a:buClr>
+              <a:buFont typeface="Arial"/>
+              <a:buChar char="•"/>
+            </a:pPr>
+            <a:endParaRPr lang="en-US" sz="2200" spc="-1" dirty="0">
+              <a:solidFill>
+                <a:srgbClr val="404040"/>
+              </a:solidFill>
+              <a:latin typeface="Calibri"/>
+            </a:endParaRPr>
+          </a:p>
+          <a:p>
+            <a:pPr>
+              <a:spcBef>
+                <a:spcPts val="1199"/>
+              </a:spcBef>
+              <a:spcAft>
+                <a:spcPts val="201"/>
+              </a:spcAft>
+            </a:pPr>
+            <a:endParaRPr lang="en-US" sz="2200" spc="-1" dirty="0">
+              <a:solidFill>
+                <a:srgbClr val="404040"/>
+              </a:solidFill>
+              <a:latin typeface="Calibri"/>
+            </a:endParaRPr>
+          </a:p>
+          <a:p>
+            <a:pPr marL="91440" indent="-91080">
+              <a:spcBef>
+                <a:spcPts val="1199"/>
+              </a:spcBef>
+              <a:spcAft>
+                <a:spcPts val="201"/>
+              </a:spcAft>
+              <a:buClr>
+                <a:srgbClr val="E48312"/>
+              </a:buClr>
+              <a:buFont typeface="Arial"/>
+              <a:buChar char="•"/>
+            </a:pPr>
+            <a:r>
+              <a:rPr lang="en-US" sz="2200" spc="-1" dirty="0">
+                <a:solidFill>
+                  <a:srgbClr val="404040"/>
+                </a:solidFill>
+                <a:latin typeface="Calibri"/>
+              </a:rPr>
+              <a:t>Priority level: 3 </a:t>
+            </a:r>
+          </a:p>
+          <a:p>
+            <a:pPr marL="91440" indent="-91080">
+              <a:spcBef>
+                <a:spcPts val="1199"/>
+              </a:spcBef>
+              <a:spcAft>
+                <a:spcPts val="201"/>
+              </a:spcAft>
+              <a:buClr>
+                <a:srgbClr val="E48312"/>
+              </a:buClr>
+              <a:buFont typeface="Arial"/>
+              <a:buChar char="•"/>
+            </a:pPr>
+            <a:r>
+              <a:rPr lang="en-US" sz="2200" spc="-1" dirty="0">
+                <a:solidFill>
+                  <a:srgbClr val="404040"/>
+                </a:solidFill>
+                <a:latin typeface="Calibri"/>
+              </a:rPr>
+              <a:t>Complexity: Moderate</a:t>
+            </a:r>
+          </a:p>
+          <a:p>
+            <a:endParaRPr lang="en-US" sz="2200" dirty="0"/>
+          </a:p>
+        </p:txBody>
+      </p:sp>
+      <p:pic>
+        <p:nvPicPr>
+          <p:cNvPr id="4" name="Picture 4">
+            <a:extLst>
+              <a:ext uri="{FF2B5EF4-FFF2-40B4-BE49-F238E27FC236}">
+                <a16:creationId xmlns:a16="http://schemas.microsoft.com/office/drawing/2014/main" id="{EA58EC98-79CA-DB42-8BC7-054B9A458915}"/>
+              </a:ext>
+            </a:extLst>
+          </p:cNvPr>
+          <p:cNvPicPr/>
+          <p:nvPr/>
+        </p:nvPicPr>
+        <p:blipFill>
+          <a:blip r:embed="rId2"/>
+          <a:srcRect b="4860"/>
+          <a:stretch/>
+        </p:blipFill>
+        <p:spPr>
+          <a:xfrm>
+            <a:off x="10667880" y="274320"/>
+            <a:ext cx="1165680" cy="1261440"/>
+          </a:xfrm>
+          <a:prstGeom prst="rect">
+            <a:avLst/>
+          </a:prstGeom>
+          <a:ln>
+            <a:noFill/>
+          </a:ln>
+        </p:spPr>
+      </p:pic>
+    </p:spTree>
+    <p:extLst>
+      <p:ext uri="{BB962C8B-B14F-4D97-AF65-F5344CB8AC3E}">
+        <p14:creationId xmlns:p14="http://schemas.microsoft.com/office/powerpoint/2010/main" val="3961414226"/>
+      </p:ext>
+    </p:extLst>
+  </p:cSld>
+  <p:clrMapOvr>
+    <a:masterClrMapping/>
+  </p:clrMapOvr>
+</p:sld>
+</file>
+
+<file path=ppt/slides/slide11.xml><?xml version="1.0" encoding="utf-8"?>
+<p:sld xmlns:a="http://schemas.openxmlformats.org/drawingml/2006/main" xmlns:r="http://schemas.openxmlformats.org/officeDocument/2006/relationships" xmlns:p="http://schemas.openxmlformats.org/presentationml/2006/main">
+  <p:cSld>
+    <p:spTree>
+      <p:nvGrpSpPr>
+        <p:cNvPr id="1" name=""/>
+        <p:cNvGrpSpPr/>
+        <p:nvPr/>
+      </p:nvGrpSpPr>
+      <p:grpSpPr>
+        <a:xfrm>
+          <a:off x="0" y="0"/>
+          <a:ext cx="0" cy="0"/>
+          <a:chOff x="0" y="0"/>
+          <a:chExt cx="0" cy="0"/>
+        </a:xfrm>
+      </p:grpSpPr>
+      <p:sp>
+        <p:nvSpPr>
+          <p:cNvPr id="2" name="Title 1">
+            <a:extLst>
+              <a:ext uri="{FF2B5EF4-FFF2-40B4-BE49-F238E27FC236}">
+                <a16:creationId xmlns:a16="http://schemas.microsoft.com/office/drawing/2014/main" id="{45D7FC06-148E-9147-9DFC-BBCC67B37521}"/>
+              </a:ext>
+            </a:extLst>
+          </p:cNvPr>
+          <p:cNvSpPr>
+            <a:spLocks noGrp="1"/>
+          </p:cNvSpPr>
+          <p:nvPr>
+            <p:ph type="title"/>
+          </p:nvPr>
+        </p:nvSpPr>
+        <p:spPr/>
+        <p:txBody>
+          <a:bodyPr/>
+          <a:lstStyle/>
+          <a:p>
+            <a:br>
+              <a:rPr lang="en-US" spc="-49" dirty="0">
+                <a:solidFill>
+                  <a:srgbClr val="404040"/>
+                </a:solidFill>
+                <a:latin typeface="Calibri Light"/>
+              </a:rPr>
+            </a:br>
+            <a:br>
+              <a:rPr lang="en-US" spc="-49" dirty="0">
+                <a:solidFill>
+                  <a:srgbClr val="404040"/>
+                </a:solidFill>
+                <a:latin typeface="Calibri Light"/>
+              </a:rPr>
+            </a:br>
+            <a:r>
+              <a:rPr lang="en-US" spc="-49" dirty="0">
+                <a:solidFill>
+                  <a:srgbClr val="404040"/>
+                </a:solidFill>
+                <a:latin typeface="Calibri Light"/>
+              </a:rPr>
+              <a:t>Sound Design – Use Case Diagram</a:t>
+            </a:r>
+            <a:br>
+              <a:rPr lang="en-US" spc="-1" dirty="0">
+                <a:solidFill>
+                  <a:srgbClr val="000000"/>
+                </a:solidFill>
+                <a:latin typeface="Calibri"/>
+              </a:rPr>
+            </a:br>
+            <a:endParaRPr lang="en-US" dirty="0"/>
+          </a:p>
+        </p:txBody>
+      </p:sp>
+      <p:pic>
+        <p:nvPicPr>
+          <p:cNvPr id="4" name="Picture 4">
+            <a:extLst>
+              <a:ext uri="{FF2B5EF4-FFF2-40B4-BE49-F238E27FC236}">
+                <a16:creationId xmlns:a16="http://schemas.microsoft.com/office/drawing/2014/main" id="{DF33A693-C63A-1940-ADCD-BC2628B6DF8F}"/>
+              </a:ext>
+            </a:extLst>
+          </p:cNvPr>
+          <p:cNvPicPr/>
+          <p:nvPr/>
+        </p:nvPicPr>
+        <p:blipFill>
+          <a:blip r:embed="rId2"/>
+          <a:srcRect b="4860"/>
+          <a:stretch/>
+        </p:blipFill>
+        <p:spPr>
+          <a:xfrm>
+            <a:off x="10667880" y="274320"/>
+            <a:ext cx="1165680" cy="1261440"/>
+          </a:xfrm>
+          <a:prstGeom prst="rect">
+            <a:avLst/>
+          </a:prstGeom>
+          <a:ln>
+            <a:noFill/>
+          </a:ln>
+        </p:spPr>
+      </p:pic>
+      <p:pic>
+        <p:nvPicPr>
+          <p:cNvPr id="6" name="Picture 5">
+            <a:extLst>
+              <a:ext uri="{FF2B5EF4-FFF2-40B4-BE49-F238E27FC236}">
+                <a16:creationId xmlns:a16="http://schemas.microsoft.com/office/drawing/2014/main" id="{BC22EB14-979A-C848-8F42-4B71A7442111}"/>
+              </a:ext>
+            </a:extLst>
+          </p:cNvPr>
+          <p:cNvPicPr>
+            <a:picLocks noChangeAspect="1"/>
+          </p:cNvPicPr>
+          <p:nvPr/>
+        </p:nvPicPr>
+        <p:blipFill rotWithShape="1">
+          <a:blip r:embed="rId3">
+            <a:extLst>
+              <a:ext uri="{28A0092B-C50C-407E-A947-70E740481C1C}">
+                <a14:useLocalDpi xmlns:a14="http://schemas.microsoft.com/office/drawing/2010/main" val="0"/>
+              </a:ext>
+            </a:extLst>
+          </a:blip>
+          <a:srcRect t="4714" b="4408"/>
+          <a:stretch/>
+        </p:blipFill>
+        <p:spPr>
+          <a:xfrm>
+            <a:off x="2485081" y="1905917"/>
+            <a:ext cx="4576731" cy="4318613"/>
+          </a:xfrm>
+          <a:prstGeom prst="rect">
+            <a:avLst/>
+          </a:prstGeom>
+        </p:spPr>
+      </p:pic>
+    </p:spTree>
+    <p:extLst>
+      <p:ext uri="{BB962C8B-B14F-4D97-AF65-F5344CB8AC3E}">
+        <p14:creationId xmlns:p14="http://schemas.microsoft.com/office/powerpoint/2010/main" val="1036464391"/>
+      </p:ext>
+    </p:extLst>
+  </p:cSld>
+  <p:clrMapOvr>
+    <a:masterClrMapping/>
+  </p:clrMapOvr>
+</p:sld>
+</file>
+
+<file path=ppt/slides/slide2.xml><?xml version="1.0" encoding="utf-8"?>
+<p:sld xmlns:a="http://schemas.openxmlformats.org/drawingml/2006/main" xmlns:r="http://schemas.openxmlformats.org/officeDocument/2006/relationships" xmlns:p="http://schemas.openxmlformats.org/presentationml/2006/main">
+  <p:cSld>
+    <p:spTree>
+      <p:nvGrpSpPr>
+        <p:cNvPr id="1" name=""/>
+        <p:cNvGrpSpPr/>
+        <p:nvPr/>
+      </p:nvGrpSpPr>
+      <p:grpSpPr>
+        <a:xfrm>
+          <a:off x="0" y="0"/>
+          <a:ext cx="0" cy="0"/>
+          <a:chOff x="0" y="0"/>
+          <a:chExt cx="0" cy="0"/>
+        </a:xfrm>
+      </p:grpSpPr>
+      <p:sp>
+        <p:nvSpPr>
           <p:cNvPr id="94" name="TextShape 1"/>
           <p:cNvSpPr txBox="1"/>
           <p:nvPr/>
@@ -4143,8 +5420,9 @@
         </p:spPr>
         <p:txBody>
           <a:bodyPr anchor="b"/>
-          <a:p>
-            <a:endParaRPr b="0" lang="en-US" sz="1800" spc="-1" strike="noStrike">
+          <a:lstStyle/>
+          <a:p>
+            <a:endParaRPr lang="en-US" sz="1800" b="0" strike="noStrike" spc="-1">
               <a:solidFill>
                 <a:srgbClr val="000000"/>
               </a:solidFill>
@@ -4174,8 +5452,9 @@
         </p:spPr>
         <p:txBody>
           <a:bodyPr lIns="0" rIns="0"/>
-          <a:p>
-            <a:endParaRPr b="0" lang="en-US" sz="2000" spc="-1" strike="noStrike">
+          <a:lstStyle/>
+          <a:p>
+            <a:endParaRPr lang="en-US" sz="2000" b="0" strike="noStrike" spc="-1">
               <a:solidFill>
                 <a:srgbClr val="404040"/>
               </a:solidFill>
@@ -4186,13 +5465,13 @@
       </p:sp>
       <p:pic>
         <p:nvPicPr>
-          <p:cNvPr id="96" name="Picture 3" descr=""/>
+          <p:cNvPr id="96" name="Picture 3"/>
           <p:cNvPicPr/>
           <p:nvPr/>
         </p:nvPicPr>
         <p:blipFill>
-          <a:blip r:embed="rId1"/>
-          <a:srcRect l="0" t="0" r="0" b="4860"/>
+          <a:blip r:embed="rId2"/>
+          <a:srcRect b="4860"/>
           <a:stretch/>
         </p:blipFill>
         <p:spPr>
@@ -4210,22 +5489,25 @@
       </p:pic>
     </p:spTree>
   </p:cSld>
+  <p:clrMapOvr>
+    <a:masterClrMapping/>
+  </p:clrMapOvr>
   <p:timing>
     <p:tnLst>
       <p:par>
-        <p:cTn id="3" dur="indefinite" restart="never" nodeType="tmRoot">
+        <p:cTn id="1" dur="indefinite" restart="never" nodeType="tmRoot">
           <p:childTnLst>
             <p:seq>
-              <p:cTn id="4" dur="indefinite" nodeType="mainSeq"/>
+              <p:cTn id="2" dur="indefinite" nodeType="mainSeq"/>
               <p:prevCondLst>
-                <p:cond delay="0" evt="onPrev">
+                <p:cond evt="onPrev" delay="0">
                   <p:tgtEl>
                     <p:sldTgt/>
                   </p:tgtEl>
                 </p:cond>
               </p:prevCondLst>
               <p:nextCondLst>
-                <p:cond delay="0" evt="onNext">
+                <p:cond evt="onNext" delay="0">
                   <p:tgtEl>
                     <p:sldTgt/>
                   </p:tgtEl>
@@ -4241,7 +5523,7 @@
 </file>
 
 <file path=ppt/slides/slide3.xml><?xml version="1.0" encoding="utf-8"?>
-<p:sld xmlns:a="http://schemas.openxmlformats.org/drawingml/2006/main" xmlns:p="http://schemas.openxmlformats.org/presentationml/2006/main" xmlns:r="http://schemas.openxmlformats.org/officeDocument/2006/relationships" xmlns:p14="http://schemas.microsoft.com/office/powerpoint/2010/main" xmlns:p15="http://schemas.microsoft.com/office/powerpoint/2012/main" xmlns:mc="http://schemas.openxmlformats.org/markup-compatibility/2006">
+<p:sld xmlns:a="http://schemas.openxmlformats.org/drawingml/2006/main" xmlns:r="http://schemas.openxmlformats.org/officeDocument/2006/relationships" xmlns:p="http://schemas.openxmlformats.org/presentationml/2006/main">
   <p:cSld>
     <p:spTree>
       <p:nvGrpSpPr>
@@ -4278,8 +5560,9 @@
         </p:spPr>
         <p:txBody>
           <a:bodyPr anchor="b"/>
-          <a:p>
-            <a:endParaRPr b="0" lang="en-US" sz="1800" spc="-1" strike="noStrike">
+          <a:lstStyle/>
+          <a:p>
+            <a:endParaRPr lang="en-US" sz="1800" b="0" strike="noStrike" spc="-1">
               <a:solidFill>
                 <a:srgbClr val="000000"/>
               </a:solidFill>
@@ -4309,8 +5592,9 @@
         </p:spPr>
         <p:txBody>
           <a:bodyPr lIns="0" rIns="0"/>
-          <a:p>
-            <a:endParaRPr b="0" lang="en-US" sz="2000" spc="-1" strike="noStrike">
+          <a:lstStyle/>
+          <a:p>
+            <a:endParaRPr lang="en-US" sz="2000" b="0" strike="noStrike" spc="-1">
               <a:solidFill>
                 <a:srgbClr val="404040"/>
               </a:solidFill>
@@ -4321,13 +5605,13 @@
       </p:sp>
       <p:pic>
         <p:nvPicPr>
-          <p:cNvPr id="99" name="Picture 3" descr=""/>
+          <p:cNvPr id="99" name="Picture 3"/>
           <p:cNvPicPr/>
           <p:nvPr/>
         </p:nvPicPr>
         <p:blipFill>
-          <a:blip r:embed="rId1"/>
-          <a:srcRect l="0" t="0" r="0" b="4860"/>
+          <a:blip r:embed="rId2"/>
+          <a:srcRect b="4860"/>
           <a:stretch/>
         </p:blipFill>
         <p:spPr>
@@ -4345,22 +5629,25 @@
       </p:pic>
     </p:spTree>
   </p:cSld>
+  <p:clrMapOvr>
+    <a:masterClrMapping/>
+  </p:clrMapOvr>
   <p:timing>
     <p:tnLst>
       <p:par>
-        <p:cTn id="5" dur="indefinite" restart="never" nodeType="tmRoot">
+        <p:cTn id="1" dur="indefinite" restart="never" nodeType="tmRoot">
           <p:childTnLst>
             <p:seq>
-              <p:cTn id="6" dur="indefinite" nodeType="mainSeq"/>
+              <p:cTn id="2" dur="indefinite" nodeType="mainSeq"/>
               <p:prevCondLst>
-                <p:cond delay="0" evt="onPrev">
+                <p:cond evt="onPrev" delay="0">
                   <p:tgtEl>
                     <p:sldTgt/>
                   </p:tgtEl>
                 </p:cond>
               </p:prevCondLst>
               <p:nextCondLst>
-                <p:cond delay="0" evt="onNext">
+                <p:cond evt="onNext" delay="0">
                   <p:tgtEl>
                     <p:sldTgt/>
                   </p:tgtEl>
@@ -4376,7 +5663,7 @@
 </file>
 
 <file path=ppt/slides/slide4.xml><?xml version="1.0" encoding="utf-8"?>
-<p:sld xmlns:a="http://schemas.openxmlformats.org/drawingml/2006/main" xmlns:p="http://schemas.openxmlformats.org/presentationml/2006/main" xmlns:r="http://schemas.openxmlformats.org/officeDocument/2006/relationships" xmlns:p14="http://schemas.microsoft.com/office/powerpoint/2010/main" xmlns:p15="http://schemas.microsoft.com/office/powerpoint/2012/main" xmlns:mc="http://schemas.openxmlformats.org/markup-compatibility/2006">
+<p:sld xmlns:a="http://schemas.openxmlformats.org/drawingml/2006/main" xmlns:r="http://schemas.openxmlformats.org/officeDocument/2006/relationships" xmlns:p="http://schemas.openxmlformats.org/presentationml/2006/main">
   <p:cSld>
     <p:spTree>
       <p:nvGrpSpPr>
@@ -4413,6 +5700,7 @@
         </p:spPr>
         <p:txBody>
           <a:bodyPr anchor="b"/>
+          <a:lstStyle/>
           <a:p>
             <a:pPr>
               <a:lnSpc>
@@ -4420,7 +5708,7 @@
               </a:lnSpc>
             </a:pPr>
             <a:r>
-              <a:rPr b="0" lang="en-US" sz="4800" spc="-49" strike="noStrike">
+              <a:rPr lang="en-US" sz="4800" b="0" strike="noStrike" spc="-49">
                 <a:solidFill>
                   <a:srgbClr val="404040"/>
                 </a:solidFill>
@@ -4428,7 +5716,7 @@
               </a:rPr>
               <a:t>Josh – Level Design</a:t>
             </a:r>
-            <a:endParaRPr b="0" lang="en-US" sz="4800" spc="-1" strike="noStrike">
+            <a:endParaRPr lang="en-US" sz="4800" b="0" strike="noStrike" spc="-1">
               <a:solidFill>
                 <a:srgbClr val="000000"/>
               </a:solidFill>
@@ -4460,6 +5748,7 @@
           <a:bodyPr lIns="0" rIns="0">
             <a:normAutofit/>
           </a:bodyPr>
+          <a:lstStyle/>
           <a:p>
             <a:pPr marL="91440" indent="-91080">
               <a:lnSpc>
@@ -4472,13 +5761,13 @@
                 <a:spcPts val="201"/>
               </a:spcAft>
               <a:buClr>
-                <a:srgbClr val="e48312"/>
+                <a:srgbClr val="E48312"/>
               </a:buClr>
               <a:buFont typeface="Arial"/>
               <a:buChar char="•"/>
             </a:pPr>
             <a:r>
-              <a:rPr b="0" lang="en-US" sz="2400" spc="-1" strike="noStrike">
+              <a:rPr lang="en-US" sz="2400" b="0" strike="noStrike" spc="-1">
                 <a:solidFill>
                   <a:srgbClr val="404040"/>
                 </a:solidFill>
@@ -4486,12 +5775,6 @@
               </a:rPr>
               <a:t>Creating graphics of stage and objects</a:t>
             </a:r>
-            <a:endParaRPr b="0" lang="en-US" sz="2400" spc="-1" strike="noStrike">
-              <a:solidFill>
-                <a:srgbClr val="404040"/>
-              </a:solidFill>
-              <a:latin typeface="Calibri"/>
-            </a:endParaRPr>
           </a:p>
           <a:p>
             <a:pPr marL="91440" indent="-91080">
@@ -4505,13 +5788,13 @@
                 <a:spcPts val="201"/>
               </a:spcAft>
               <a:buClr>
-                <a:srgbClr val="e48312"/>
+                <a:srgbClr val="E48312"/>
               </a:buClr>
               <a:buFont typeface="Arial"/>
               <a:buChar char="•"/>
             </a:pPr>
             <a:r>
-              <a:rPr b="0" lang="en-US" sz="2400" spc="-1" strike="noStrike">
+              <a:rPr lang="en-US" sz="2400" b="0" strike="noStrike" spc="-1">
                 <a:solidFill>
                   <a:srgbClr val="404040"/>
                 </a:solidFill>
@@ -4519,12 +5802,6 @@
               </a:rPr>
               <a:t>Coordinate with Luis for player character</a:t>
             </a:r>
-            <a:endParaRPr b="0" lang="en-US" sz="2400" spc="-1" strike="noStrike">
-              <a:solidFill>
-                <a:srgbClr val="404040"/>
-              </a:solidFill>
-              <a:latin typeface="Calibri"/>
-            </a:endParaRPr>
           </a:p>
           <a:p>
             <a:pPr marL="91440" indent="-91080">
@@ -4538,13 +5815,13 @@
                 <a:spcPts val="201"/>
               </a:spcAft>
               <a:buClr>
-                <a:srgbClr val="e48312"/>
+                <a:srgbClr val="E48312"/>
               </a:buClr>
               <a:buFont typeface="Arial"/>
               <a:buChar char="•"/>
             </a:pPr>
             <a:r>
-              <a:rPr b="0" lang="en-US" sz="2400" spc="-1" strike="noStrike">
+              <a:rPr lang="en-US" sz="2400" b="0" strike="noStrike" spc="-1">
                 <a:solidFill>
                   <a:srgbClr val="404040"/>
                 </a:solidFill>
@@ -4552,12 +5829,6 @@
               </a:rPr>
               <a:t>Coordinate with Ben for enemy spawn</a:t>
             </a:r>
-            <a:endParaRPr b="0" lang="en-US" sz="2400" spc="-1" strike="noStrike">
-              <a:solidFill>
-                <a:srgbClr val="404040"/>
-              </a:solidFill>
-              <a:latin typeface="Calibri"/>
-            </a:endParaRPr>
           </a:p>
           <a:p>
             <a:pPr marL="91440" indent="-91080">
@@ -4571,13 +5842,13 @@
                 <a:spcPts val="201"/>
               </a:spcAft>
               <a:buClr>
-                <a:srgbClr val="e48312"/>
+                <a:srgbClr val="E48312"/>
               </a:buClr>
               <a:buFont typeface="Arial"/>
               <a:buChar char="•"/>
             </a:pPr>
             <a:r>
-              <a:rPr b="0" lang="en-US" sz="2400" spc="-1" strike="noStrike">
+              <a:rPr lang="en-US" sz="2400" b="0" strike="noStrike" spc="-1">
                 <a:solidFill>
                   <a:srgbClr val="404040"/>
                 </a:solidFill>
@@ -4585,12 +5856,6 @@
               </a:rPr>
               <a:t>Ensuring all objects interact as intended</a:t>
             </a:r>
-            <a:endParaRPr b="0" lang="en-US" sz="2400" spc="-1" strike="noStrike">
-              <a:solidFill>
-                <a:srgbClr val="404040"/>
-              </a:solidFill>
-              <a:latin typeface="Calibri"/>
-            </a:endParaRPr>
           </a:p>
           <a:p>
             <a:pPr>
@@ -4604,7 +5869,7 @@
                 <a:spcPts val="201"/>
               </a:spcAft>
             </a:pPr>
-            <a:endParaRPr b="0" lang="en-US" sz="2400" spc="-1" strike="noStrike">
+            <a:endParaRPr lang="en-US" sz="2400" b="0" strike="noStrike" spc="-1">
               <a:solidFill>
                 <a:srgbClr val="404040"/>
               </a:solidFill>
@@ -4623,7 +5888,7 @@
                 <a:spcPts val="201"/>
               </a:spcAft>
             </a:pPr>
-            <a:endParaRPr b="0" lang="en-US" sz="2400" spc="-1" strike="noStrike">
+            <a:endParaRPr lang="en-US" sz="2400" b="0" strike="noStrike" spc="-1">
               <a:solidFill>
                 <a:srgbClr val="404040"/>
               </a:solidFill>
@@ -4642,13 +5907,13 @@
                 <a:spcPts val="201"/>
               </a:spcAft>
               <a:buClr>
-                <a:srgbClr val="e48312"/>
+                <a:srgbClr val="E48312"/>
               </a:buClr>
               <a:buFont typeface="Arial"/>
               <a:buChar char="•"/>
             </a:pPr>
             <a:r>
-              <a:rPr b="0" lang="en-US" sz="2400" spc="-1" strike="noStrike">
+              <a:rPr lang="en-US" sz="2400" b="0" strike="noStrike" spc="-1">
                 <a:solidFill>
                   <a:srgbClr val="404040"/>
                 </a:solidFill>
@@ -4656,12 +5921,6 @@
               </a:rPr>
               <a:t>Priority level: 1 </a:t>
             </a:r>
-            <a:endParaRPr b="0" lang="en-US" sz="2400" spc="-1" strike="noStrike">
-              <a:solidFill>
-                <a:srgbClr val="404040"/>
-              </a:solidFill>
-              <a:latin typeface="Calibri"/>
-            </a:endParaRPr>
           </a:p>
           <a:p>
             <a:pPr marL="91440" indent="-91080">
@@ -4675,13 +5934,13 @@
                 <a:spcPts val="201"/>
               </a:spcAft>
               <a:buClr>
-                <a:srgbClr val="e48312"/>
+                <a:srgbClr val="E48312"/>
               </a:buClr>
               <a:buFont typeface="Arial"/>
               <a:buChar char="•"/>
             </a:pPr>
             <a:r>
-              <a:rPr b="0" lang="en-US" sz="2400" spc="-1" strike="noStrike">
+              <a:rPr lang="en-US" sz="2400" b="0" strike="noStrike" spc="-1">
                 <a:solidFill>
                   <a:srgbClr val="404040"/>
                 </a:solidFill>
@@ -4689,24 +5948,18 @@
               </a:rPr>
               <a:t>Complexity: Moderate</a:t>
             </a:r>
-            <a:endParaRPr b="0" lang="en-US" sz="2400" spc="-1" strike="noStrike">
-              <a:solidFill>
-                <a:srgbClr val="404040"/>
-              </a:solidFill>
-              <a:latin typeface="Calibri"/>
-            </a:endParaRPr>
           </a:p>
         </p:txBody>
       </p:sp>
       <p:pic>
         <p:nvPicPr>
-          <p:cNvPr id="102" name="Picture 3" descr=""/>
+          <p:cNvPr id="102" name="Picture 3"/>
           <p:cNvPicPr/>
           <p:nvPr/>
         </p:nvPicPr>
         <p:blipFill>
-          <a:blip r:embed="rId1"/>
-          <a:srcRect l="0" t="0" r="0" b="4860"/>
+          <a:blip r:embed="rId2"/>
+          <a:srcRect b="4860"/>
           <a:stretch/>
         </p:blipFill>
         <p:spPr>
@@ -4724,22 +5977,25 @@
       </p:pic>
     </p:spTree>
   </p:cSld>
+  <p:clrMapOvr>
+    <a:masterClrMapping/>
+  </p:clrMapOvr>
   <p:timing>
     <p:tnLst>
       <p:par>
-        <p:cTn id="7" dur="indefinite" restart="never" nodeType="tmRoot">
+        <p:cTn id="1" dur="indefinite" restart="never" nodeType="tmRoot">
           <p:childTnLst>
             <p:seq>
-              <p:cTn id="8" dur="indefinite" nodeType="mainSeq"/>
+              <p:cTn id="2" dur="indefinite" nodeType="mainSeq"/>
               <p:prevCondLst>
-                <p:cond delay="0" evt="onPrev">
+                <p:cond evt="onPrev" delay="0">
                   <p:tgtEl>
                     <p:sldTgt/>
                   </p:tgtEl>
                 </p:cond>
               </p:prevCondLst>
               <p:nextCondLst>
-                <p:cond delay="0" evt="onNext">
+                <p:cond evt="onNext" delay="0">
                   <p:tgtEl>
                     <p:sldTgt/>
                   </p:tgtEl>
@@ -4755,7 +6011,7 @@
 </file>
 
 <file path=ppt/slides/slide5.xml><?xml version="1.0" encoding="utf-8"?>
-<p:sld xmlns:a="http://schemas.openxmlformats.org/drawingml/2006/main" xmlns:p="http://schemas.openxmlformats.org/presentationml/2006/main" xmlns:r="http://schemas.openxmlformats.org/officeDocument/2006/relationships" xmlns:p14="http://schemas.microsoft.com/office/powerpoint/2010/main" xmlns:p15="http://schemas.microsoft.com/office/powerpoint/2012/main" xmlns:mc="http://schemas.openxmlformats.org/markup-compatibility/2006">
+<p:sld xmlns:a="http://schemas.openxmlformats.org/drawingml/2006/main" xmlns:r="http://schemas.openxmlformats.org/officeDocument/2006/relationships" xmlns:p="http://schemas.openxmlformats.org/presentationml/2006/main">
   <p:cSld>
     <p:spTree>
       <p:nvGrpSpPr>
@@ -4792,6 +6048,7 @@
         </p:spPr>
         <p:txBody>
           <a:bodyPr anchor="b"/>
+          <a:lstStyle/>
           <a:p>
             <a:pPr>
               <a:lnSpc>
@@ -4799,7 +6056,7 @@
               </a:lnSpc>
             </a:pPr>
             <a:r>
-              <a:rPr b="0" lang="en-US" sz="4800" spc="-49" strike="noStrike">
+              <a:rPr lang="en-US" sz="4800" b="0" strike="noStrike" spc="-49" dirty="0">
                 <a:solidFill>
                   <a:srgbClr val="404040"/>
                 </a:solidFill>
@@ -4807,7 +6064,7 @@
               </a:rPr>
               <a:t>Level Design – Use Case Diagram</a:t>
             </a:r>
-            <a:endParaRPr b="0" lang="en-US" sz="4800" spc="-1" strike="noStrike">
+            <a:endParaRPr lang="en-US" sz="4800" b="0" strike="noStrike" spc="-1" dirty="0">
               <a:solidFill>
                 <a:srgbClr val="000000"/>
               </a:solidFill>
@@ -4818,42 +6075,18 @@
       </p:sp>
       <p:pic>
         <p:nvPicPr>
-          <p:cNvPr id="104" name="Content Placeholder 3" descr=""/>
-          <p:cNvPicPr/>
-          <p:nvPr/>
-        </p:nvPicPr>
-        <p:blipFill>
-          <a:blip r:embed="rId1"/>
-          <a:stretch/>
-        </p:blipFill>
-        <p:spPr>
-          <a:xfrm>
-            <a:off x="2045520" y="1830240"/>
-            <a:ext cx="7729560" cy="4498200"/>
-          </a:xfrm>
-          <a:prstGeom prst="rect">
-            <a:avLst/>
-          </a:prstGeom>
-          <a:ln>
-            <a:noFill/>
-          </a:ln>
-        </p:spPr>
-      </p:pic>
-      <p:pic>
-        <p:nvPicPr>
-          <p:cNvPr id="105" name="Picture 4" descr=""/>
+          <p:cNvPr id="104" name="Content Placeholder 3"/>
           <p:cNvPicPr/>
           <p:nvPr/>
         </p:nvPicPr>
         <p:blipFill>
           <a:blip r:embed="rId2"/>
-          <a:srcRect l="0" t="0" r="0" b="4860"/>
           <a:stretch/>
         </p:blipFill>
         <p:spPr>
           <a:xfrm>
-            <a:off x="10667880" y="274320"/>
-            <a:ext cx="1165680" cy="1261440"/>
+            <a:off x="2045520" y="1830240"/>
+            <a:ext cx="7729560" cy="4498200"/>
           </a:xfrm>
           <a:prstGeom prst="rect">
             <a:avLst/>
@@ -4863,24 +6096,51 @@
           </a:ln>
         </p:spPr>
       </p:pic>
+      <p:pic>
+        <p:nvPicPr>
+          <p:cNvPr id="105" name="Picture 4"/>
+          <p:cNvPicPr/>
+          <p:nvPr/>
+        </p:nvPicPr>
+        <p:blipFill>
+          <a:blip r:embed="rId3"/>
+          <a:srcRect b="4860"/>
+          <a:stretch/>
+        </p:blipFill>
+        <p:spPr>
+          <a:xfrm>
+            <a:off x="10667880" y="274320"/>
+            <a:ext cx="1165680" cy="1261440"/>
+          </a:xfrm>
+          <a:prstGeom prst="rect">
+            <a:avLst/>
+          </a:prstGeom>
+          <a:ln>
+            <a:noFill/>
+          </a:ln>
+        </p:spPr>
+      </p:pic>
     </p:spTree>
   </p:cSld>
+  <p:clrMapOvr>
+    <a:masterClrMapping/>
+  </p:clrMapOvr>
   <p:timing>
     <p:tnLst>
       <p:par>
-        <p:cTn id="9" dur="indefinite" restart="never" nodeType="tmRoot">
+        <p:cTn id="1" dur="indefinite" restart="never" nodeType="tmRoot">
           <p:childTnLst>
             <p:seq>
-              <p:cTn id="10" dur="indefinite" nodeType="mainSeq"/>
+              <p:cTn id="2" dur="indefinite" nodeType="mainSeq"/>
               <p:prevCondLst>
-                <p:cond delay="0" evt="onPrev">
+                <p:cond evt="onPrev" delay="0">
                   <p:tgtEl>
                     <p:sldTgt/>
                   </p:tgtEl>
                 </p:cond>
               </p:prevCondLst>
               <p:nextCondLst>
-                <p:cond delay="0" evt="onNext">
+                <p:cond evt="onNext" delay="0">
                   <p:tgtEl>
                     <p:sldTgt/>
                   </p:tgtEl>
@@ -4896,7 +6156,7 @@
 </file>
 
 <file path=ppt/slides/slide6.xml><?xml version="1.0" encoding="utf-8"?>
-<p:sld xmlns:a="http://schemas.openxmlformats.org/drawingml/2006/main" xmlns:p="http://schemas.openxmlformats.org/presentationml/2006/main" xmlns:r="http://schemas.openxmlformats.org/officeDocument/2006/relationships" xmlns:p14="http://schemas.microsoft.com/office/powerpoint/2010/main" xmlns:p15="http://schemas.microsoft.com/office/powerpoint/2012/main" xmlns:mc="http://schemas.openxmlformats.org/markup-compatibility/2006">
+<p:sld xmlns:a="http://schemas.openxmlformats.org/drawingml/2006/main" xmlns:r="http://schemas.openxmlformats.org/officeDocument/2006/relationships" xmlns:p="http://schemas.openxmlformats.org/presentationml/2006/main">
   <p:cSld>
     <p:spTree>
       <p:nvGrpSpPr>
@@ -4932,9 +6192,10 @@
           </a:ln>
         </p:spPr>
         <p:txBody>
-          <a:bodyPr lIns="0" rIns="0" tIns="0" bIns="0" anchor="ctr"/>
-          <a:p>
-            <a:endParaRPr b="0" lang="en-US" sz="1800" spc="-1" strike="noStrike">
+          <a:bodyPr lIns="0" tIns="0" rIns="0" bIns="0" anchor="ctr"/>
+          <a:lstStyle/>
+          <a:p>
+            <a:endParaRPr lang="en-US" sz="1800" b="0" strike="noStrike" spc="-1">
               <a:solidFill>
                 <a:srgbClr val="000000"/>
               </a:solidFill>
@@ -4945,13 +6206,13 @@
       </p:sp>
       <p:pic>
         <p:nvPicPr>
-          <p:cNvPr id="107" name="Picture 4" descr=""/>
+          <p:cNvPr id="107" name="Picture 4"/>
           <p:cNvPicPr/>
           <p:nvPr/>
         </p:nvPicPr>
         <p:blipFill>
-          <a:blip r:embed="rId1"/>
-          <a:srcRect l="0" t="0" r="0" b="4860"/>
+          <a:blip r:embed="rId2"/>
+          <a:srcRect b="4860"/>
           <a:stretch/>
         </p:blipFill>
         <p:spPr>
@@ -4969,22 +6230,25 @@
       </p:pic>
     </p:spTree>
   </p:cSld>
+  <p:clrMapOvr>
+    <a:masterClrMapping/>
+  </p:clrMapOvr>
   <p:timing>
     <p:tnLst>
       <p:par>
-        <p:cTn id="11" dur="indefinite" restart="never" nodeType="tmRoot">
+        <p:cTn id="1" dur="indefinite" restart="never" nodeType="tmRoot">
           <p:childTnLst>
             <p:seq>
-              <p:cTn id="12" dur="indefinite" nodeType="mainSeq"/>
+              <p:cTn id="2" dur="indefinite" nodeType="mainSeq"/>
               <p:prevCondLst>
-                <p:cond delay="0" evt="onPrev">
+                <p:cond evt="onPrev" delay="0">
                   <p:tgtEl>
                     <p:sldTgt/>
                   </p:tgtEl>
                 </p:cond>
               </p:prevCondLst>
               <p:nextCondLst>
-                <p:cond delay="0" evt="onNext">
+                <p:cond evt="onNext" delay="0">
                   <p:tgtEl>
                     <p:sldTgt/>
                   </p:tgtEl>
@@ -5000,7 +6264,7 @@
 </file>
 
 <file path=ppt/slides/slide7.xml><?xml version="1.0" encoding="utf-8"?>
-<p:sld xmlns:a="http://schemas.openxmlformats.org/drawingml/2006/main" xmlns:p="http://schemas.openxmlformats.org/presentationml/2006/main" xmlns:r="http://schemas.openxmlformats.org/officeDocument/2006/relationships" xmlns:p14="http://schemas.microsoft.com/office/powerpoint/2010/main" xmlns:p15="http://schemas.microsoft.com/office/powerpoint/2012/main" xmlns:mc="http://schemas.openxmlformats.org/markup-compatibility/2006">
+<p:sld xmlns:a="http://schemas.openxmlformats.org/drawingml/2006/main" xmlns:r="http://schemas.openxmlformats.org/officeDocument/2006/relationships" xmlns:p="http://schemas.openxmlformats.org/presentationml/2006/main">
   <p:cSld>
     <p:spTree>
       <p:nvGrpSpPr>
@@ -5036,9 +6300,10 @@
           </a:ln>
         </p:spPr>
         <p:txBody>
-          <a:bodyPr lIns="0" rIns="0" tIns="0" bIns="0" anchor="ctr"/>
-          <a:p>
-            <a:endParaRPr b="0" lang="en-US" sz="1800" spc="-1" strike="noStrike">
+          <a:bodyPr lIns="0" tIns="0" rIns="0" bIns="0" anchor="ctr"/>
+          <a:lstStyle/>
+          <a:p>
+            <a:endParaRPr lang="en-US" sz="1800" b="0" strike="noStrike" spc="-1">
               <a:solidFill>
                 <a:srgbClr val="000000"/>
               </a:solidFill>
@@ -5049,13 +6314,13 @@
       </p:sp>
       <p:pic>
         <p:nvPicPr>
-          <p:cNvPr id="109" name="Picture 4" descr=""/>
+          <p:cNvPr id="109" name="Picture 4"/>
           <p:cNvPicPr/>
           <p:nvPr/>
         </p:nvPicPr>
         <p:blipFill>
-          <a:blip r:embed="rId1"/>
-          <a:srcRect l="0" t="0" r="0" b="4860"/>
+          <a:blip r:embed="rId2"/>
+          <a:srcRect b="4860"/>
           <a:stretch/>
         </p:blipFill>
         <p:spPr>
@@ -5073,22 +6338,25 @@
       </p:pic>
     </p:spTree>
   </p:cSld>
+  <p:clrMapOvr>
+    <a:masterClrMapping/>
+  </p:clrMapOvr>
   <p:timing>
     <p:tnLst>
       <p:par>
-        <p:cTn id="13" dur="indefinite" restart="never" nodeType="tmRoot">
+        <p:cTn id="1" dur="indefinite" restart="never" nodeType="tmRoot">
           <p:childTnLst>
             <p:seq>
-              <p:cTn id="14" dur="indefinite" nodeType="mainSeq"/>
+              <p:cTn id="2" dur="indefinite" nodeType="mainSeq"/>
               <p:prevCondLst>
-                <p:cond delay="0" evt="onPrev">
+                <p:cond evt="onPrev" delay="0">
                   <p:tgtEl>
                     <p:sldTgt/>
                   </p:tgtEl>
                 </p:cond>
               </p:prevCondLst>
               <p:nextCondLst>
-                <p:cond delay="0" evt="onNext">
+                <p:cond evt="onNext" delay="0">
                   <p:tgtEl>
                     <p:sldTgt/>
                   </p:tgtEl>
@@ -5104,7 +6372,7 @@
 </file>
 
 <file path=ppt/slides/slide8.xml><?xml version="1.0" encoding="utf-8"?>
-<p:sld xmlns:a="http://schemas.openxmlformats.org/drawingml/2006/main" xmlns:p="http://schemas.openxmlformats.org/presentationml/2006/main" xmlns:r="http://schemas.openxmlformats.org/officeDocument/2006/relationships" xmlns:p14="http://schemas.microsoft.com/office/powerpoint/2010/main" xmlns:p15="http://schemas.microsoft.com/office/powerpoint/2012/main" xmlns:mc="http://schemas.openxmlformats.org/markup-compatibility/2006">
+<p:sld xmlns:a="http://schemas.openxmlformats.org/drawingml/2006/main" xmlns:r="http://schemas.openxmlformats.org/officeDocument/2006/relationships" xmlns:p="http://schemas.openxmlformats.org/presentationml/2006/main">
   <p:cSld>
     <p:spTree>
       <p:nvGrpSpPr>
@@ -5140,16 +6408,19 @@
           </a:ln>
         </p:spPr>
         <p:txBody>
-          <a:bodyPr lIns="0" rIns="0" tIns="0" bIns="0"/>
+          <a:bodyPr lIns="0" tIns="0" rIns="0" bIns="0"/>
+          <a:lstStyle/>
           <a:p>
             <a:pPr>
               <a:lnSpc>
                 <a:spcPct val="85000"/>
               </a:lnSpc>
             </a:pPr>
-            <a:br/>
+            <a:br>
+              <a:rPr dirty="0"/>
+            </a:br>
             <a:r>
-              <a:rPr b="0" lang="en-US" sz="4800" spc="-49" strike="noStrike">
+              <a:rPr lang="en-US" sz="4800" b="0" strike="noStrike" spc="-49" dirty="0">
                 <a:solidFill>
                   <a:srgbClr val="404040"/>
                 </a:solidFill>
@@ -5158,7 +6429,7 @@
               </a:rPr>
               <a:t>Ben – Enemies</a:t>
             </a:r>
-            <a:endParaRPr b="0" lang="en-US" sz="4800" spc="-1" strike="noStrike">
+            <a:endParaRPr lang="en-US" sz="4800" b="0" strike="noStrike" spc="-1" dirty="0">
               <a:solidFill>
                 <a:srgbClr val="000000"/>
               </a:solidFill>
@@ -5169,13 +6440,13 @@
       </p:sp>
       <p:pic>
         <p:nvPicPr>
-          <p:cNvPr id="111" name="Picture 4" descr=""/>
+          <p:cNvPr id="111" name="Picture 4"/>
           <p:cNvPicPr/>
           <p:nvPr/>
         </p:nvPicPr>
         <p:blipFill>
-          <a:blip r:embed="rId1"/>
-          <a:srcRect l="0" t="0" r="0" b="4860"/>
+          <a:blip r:embed="rId2"/>
+          <a:srcRect b="4860"/>
           <a:stretch/>
         </p:blipFill>
         <p:spPr>
@@ -5212,8 +6483,9 @@
         </p:spPr>
         <p:txBody>
           <a:bodyPr lIns="0" rIns="0">
-            <a:normAutofit/>
+            <a:normAutofit fontScale="92500" lnSpcReduction="10000"/>
           </a:bodyPr>
+          <a:lstStyle/>
           <a:p>
             <a:pPr marL="91440" indent="-91080">
               <a:lnSpc>
@@ -5226,13 +6498,13 @@
                 <a:spcPts val="201"/>
               </a:spcAft>
               <a:buClr>
-                <a:srgbClr val="e48312"/>
+                <a:srgbClr val="E48312"/>
               </a:buClr>
               <a:buFont typeface="Arial"/>
               <a:buChar char="•"/>
             </a:pPr>
             <a:r>
-              <a:rPr b="0" lang="en-US" sz="2400" spc="-1" strike="noStrike">
+              <a:rPr lang="en-US" sz="2400" b="0" strike="noStrike" spc="-1" dirty="0">
                 <a:solidFill>
                   <a:srgbClr val="404040"/>
                 </a:solidFill>
@@ -5240,12 +6512,6 @@
               </a:rPr>
               <a:t>Creating Enemies and releasing them into the playing field</a:t>
             </a:r>
-            <a:endParaRPr b="0" lang="en-US" sz="2400" spc="-1" strike="noStrike">
-              <a:solidFill>
-                <a:srgbClr val="404040"/>
-              </a:solidFill>
-              <a:latin typeface="Calibri"/>
-            </a:endParaRPr>
           </a:p>
           <a:p>
             <a:pPr marL="91440" indent="-91080">
@@ -5259,13 +6525,13 @@
                 <a:spcPts val="201"/>
               </a:spcAft>
               <a:buClr>
-                <a:srgbClr val="e48312"/>
+                <a:srgbClr val="E48312"/>
               </a:buClr>
               <a:buFont typeface="Arial"/>
               <a:buChar char="•"/>
             </a:pPr>
             <a:r>
-              <a:rPr b="0" lang="en-US" sz="2400" spc="-1" strike="noStrike">
+              <a:rPr lang="en-US" sz="2400" b="0" strike="noStrike" spc="-1" dirty="0">
                 <a:solidFill>
                   <a:srgbClr val="404040"/>
                 </a:solidFill>
@@ -5273,12 +6539,6 @@
               </a:rPr>
               <a:t>Coordinating with Josh on when to spawn enemies</a:t>
             </a:r>
-            <a:endParaRPr b="0" lang="en-US" sz="2400" spc="-1" strike="noStrike">
-              <a:solidFill>
-                <a:srgbClr val="404040"/>
-              </a:solidFill>
-              <a:latin typeface="Calibri"/>
-            </a:endParaRPr>
           </a:p>
           <a:p>
             <a:pPr marL="91440" indent="-91080">
@@ -5292,13 +6552,13 @@
                 <a:spcPts val="201"/>
               </a:spcAft>
               <a:buClr>
-                <a:srgbClr val="e48312"/>
+                <a:srgbClr val="E48312"/>
               </a:buClr>
               <a:buFont typeface="Arial"/>
               <a:buChar char="•"/>
             </a:pPr>
             <a:r>
-              <a:rPr b="0" lang="en-US" sz="2400" spc="-1" strike="noStrike">
+              <a:rPr lang="en-US" sz="2400" b="0" strike="noStrike" spc="-1" dirty="0">
                 <a:solidFill>
                   <a:srgbClr val="404040"/>
                 </a:solidFill>
@@ -5306,12 +6566,6 @@
               </a:rPr>
               <a:t>Making sure enemies advance and attack automatically</a:t>
             </a:r>
-            <a:endParaRPr b="0" lang="en-US" sz="2400" spc="-1" strike="noStrike">
-              <a:solidFill>
-                <a:srgbClr val="404040"/>
-              </a:solidFill>
-              <a:latin typeface="Calibri"/>
-            </a:endParaRPr>
           </a:p>
           <a:p>
             <a:pPr marL="91440" indent="-91080">
@@ -5325,13 +6579,13 @@
                 <a:spcPts val="201"/>
               </a:spcAft>
               <a:buClr>
-                <a:srgbClr val="e48312"/>
+                <a:srgbClr val="E48312"/>
               </a:buClr>
               <a:buFont typeface="Arial"/>
               <a:buChar char="•"/>
             </a:pPr>
             <a:r>
-              <a:rPr b="0" lang="en-US" sz="2400" spc="-1" strike="noStrike">
+              <a:rPr lang="en-US" sz="2400" b="0" strike="noStrike" spc="-1" dirty="0">
                 <a:solidFill>
                   <a:srgbClr val="404040"/>
                 </a:solidFill>
@@ -5339,12 +6593,6 @@
               </a:rPr>
               <a:t>Making sure enemies can navigate around obstacles</a:t>
             </a:r>
-            <a:endParaRPr b="0" lang="en-US" sz="2400" spc="-1" strike="noStrike">
-              <a:solidFill>
-                <a:srgbClr val="404040"/>
-              </a:solidFill>
-              <a:latin typeface="Calibri"/>
-            </a:endParaRPr>
           </a:p>
           <a:p>
             <a:pPr marL="91440" indent="-91080">
@@ -5358,13 +6606,13 @@
                 <a:spcPts val="201"/>
               </a:spcAft>
               <a:buClr>
-                <a:srgbClr val="e48312"/>
+                <a:srgbClr val="E48312"/>
               </a:buClr>
               <a:buFont typeface="Arial"/>
               <a:buChar char="•"/>
             </a:pPr>
             <a:r>
-              <a:rPr b="0" lang="en-US" sz="2400" spc="-1" strike="noStrike">
+              <a:rPr lang="en-US" sz="2400" b="0" strike="noStrike" spc="-1" dirty="0">
                 <a:solidFill>
                   <a:srgbClr val="404040"/>
                 </a:solidFill>
@@ -5372,12 +6620,6 @@
               </a:rPr>
               <a:t>Coordinating with Luis on interactions between enemies and the player character</a:t>
             </a:r>
-            <a:endParaRPr b="0" lang="en-US" sz="2400" spc="-1" strike="noStrike">
-              <a:solidFill>
-                <a:srgbClr val="404040"/>
-              </a:solidFill>
-              <a:latin typeface="Calibri"/>
-            </a:endParaRPr>
           </a:p>
           <a:p>
             <a:pPr>
@@ -5391,7 +6633,7 @@
                 <a:spcPts val="201"/>
               </a:spcAft>
             </a:pPr>
-            <a:endParaRPr b="0" lang="en-US" sz="2400" spc="-1" strike="noStrike">
+            <a:endParaRPr lang="en-US" sz="2400" b="0" strike="noStrike" spc="-1" dirty="0">
               <a:solidFill>
                 <a:srgbClr val="404040"/>
               </a:solidFill>
@@ -5410,7 +6652,7 @@
                 <a:spcPts val="201"/>
               </a:spcAft>
             </a:pPr>
-            <a:endParaRPr b="0" lang="en-US" sz="2400" spc="-1" strike="noStrike">
+            <a:endParaRPr lang="en-US" sz="2400" b="0" strike="noStrike" spc="-1" dirty="0">
               <a:solidFill>
                 <a:srgbClr val="404040"/>
               </a:solidFill>
@@ -5429,13 +6671,13 @@
                 <a:spcPts val="201"/>
               </a:spcAft>
               <a:buClr>
-                <a:srgbClr val="e48312"/>
+                <a:srgbClr val="E48312"/>
               </a:buClr>
               <a:buFont typeface="Arial"/>
               <a:buChar char="•"/>
             </a:pPr>
             <a:r>
-              <a:rPr b="0" lang="en-US" sz="2400" spc="-1" strike="noStrike">
+              <a:rPr lang="en-US" sz="2400" b="0" strike="noStrike" spc="-1" dirty="0">
                 <a:solidFill>
                   <a:srgbClr val="404040"/>
                 </a:solidFill>
@@ -5443,12 +6685,6 @@
               </a:rPr>
               <a:t>Priority level: 3 </a:t>
             </a:r>
-            <a:endParaRPr b="0" lang="en-US" sz="2400" spc="-1" strike="noStrike">
-              <a:solidFill>
-                <a:srgbClr val="404040"/>
-              </a:solidFill>
-              <a:latin typeface="Calibri"/>
-            </a:endParaRPr>
           </a:p>
           <a:p>
             <a:pPr marL="91440" indent="-91080">
@@ -5462,13 +6698,13 @@
                 <a:spcPts val="201"/>
               </a:spcAft>
               <a:buClr>
-                <a:srgbClr val="e48312"/>
+                <a:srgbClr val="E48312"/>
               </a:buClr>
               <a:buFont typeface="Arial"/>
               <a:buChar char="•"/>
             </a:pPr>
             <a:r>
-              <a:rPr b="0" lang="en-US" sz="2400" spc="-1" strike="noStrike">
+              <a:rPr lang="en-US" sz="2400" b="0" strike="noStrike" spc="-1" dirty="0">
                 <a:solidFill>
                   <a:srgbClr val="404040"/>
                 </a:solidFill>
@@ -5476,33 +6712,30 @@
               </a:rPr>
               <a:t>Complexity: Moderate</a:t>
             </a:r>
-            <a:endParaRPr b="0" lang="en-US" sz="2400" spc="-1" strike="noStrike">
-              <a:solidFill>
-                <a:srgbClr val="404040"/>
-              </a:solidFill>
-              <a:latin typeface="Calibri"/>
-            </a:endParaRPr>
           </a:p>
         </p:txBody>
       </p:sp>
     </p:spTree>
   </p:cSld>
+  <p:clrMapOvr>
+    <a:masterClrMapping/>
+  </p:clrMapOvr>
   <p:timing>
     <p:tnLst>
       <p:par>
-        <p:cTn id="15" dur="indefinite" restart="never" nodeType="tmRoot">
+        <p:cTn id="1" dur="indefinite" restart="never" nodeType="tmRoot">
           <p:childTnLst>
             <p:seq>
-              <p:cTn id="16" dur="indefinite" nodeType="mainSeq"/>
+              <p:cTn id="2" dur="indefinite" nodeType="mainSeq"/>
               <p:prevCondLst>
-                <p:cond delay="0" evt="onPrev">
+                <p:cond evt="onPrev" delay="0">
                   <p:tgtEl>
                     <p:sldTgt/>
                   </p:tgtEl>
                 </p:cond>
               </p:prevCondLst>
               <p:nextCondLst>
-                <p:cond delay="0" evt="onNext">
+                <p:cond evt="onNext" delay="0">
                   <p:tgtEl>
                     <p:sldTgt/>
                   </p:tgtEl>
@@ -5518,7 +6751,7 @@
 </file>
 
 <file path=ppt/slides/slide9.xml><?xml version="1.0" encoding="utf-8"?>
-<p:sld xmlns:a="http://schemas.openxmlformats.org/drawingml/2006/main" xmlns:p="http://schemas.openxmlformats.org/presentationml/2006/main" xmlns:r="http://schemas.openxmlformats.org/officeDocument/2006/relationships" xmlns:p14="http://schemas.microsoft.com/office/powerpoint/2010/main" xmlns:p15="http://schemas.microsoft.com/office/powerpoint/2012/main" xmlns:mc="http://schemas.openxmlformats.org/markup-compatibility/2006">
+<p:sld xmlns:a="http://schemas.openxmlformats.org/drawingml/2006/main" xmlns:r="http://schemas.openxmlformats.org/officeDocument/2006/relationships" xmlns:p="http://schemas.openxmlformats.org/presentationml/2006/main">
   <p:cSld>
     <p:spTree>
       <p:nvGrpSpPr>
@@ -5554,9 +6787,10 @@
           </a:ln>
         </p:spPr>
         <p:txBody>
-          <a:bodyPr lIns="0" rIns="0" tIns="0" bIns="0" anchor="ctr"/>
-          <a:p>
-            <a:endParaRPr b="0" lang="en-US" sz="1800" spc="-1" strike="noStrike">
+          <a:bodyPr lIns="0" tIns="0" rIns="0" bIns="0" anchor="ctr"/>
+          <a:lstStyle/>
+          <a:p>
+            <a:endParaRPr lang="en-US" sz="1800" b="0" strike="noStrike" spc="-1">
               <a:solidFill>
                 <a:srgbClr val="000000"/>
               </a:solidFill>
@@ -5567,13 +6801,13 @@
       </p:sp>
       <p:pic>
         <p:nvPicPr>
-          <p:cNvPr id="114" name="Picture 4" descr=""/>
+          <p:cNvPr id="114" name="Picture 4"/>
           <p:cNvPicPr/>
           <p:nvPr/>
         </p:nvPicPr>
         <p:blipFill>
-          <a:blip r:embed="rId1"/>
-          <a:srcRect l="0" t="0" r="0" b="4860"/>
+          <a:blip r:embed="rId2"/>
+          <a:srcRect b="4860"/>
           <a:stretch/>
         </p:blipFill>
         <p:spPr>
@@ -5591,22 +6825,25 @@
       </p:pic>
     </p:spTree>
   </p:cSld>
+  <p:clrMapOvr>
+    <a:masterClrMapping/>
+  </p:clrMapOvr>
   <p:timing>
     <p:tnLst>
       <p:par>
-        <p:cTn id="17" dur="indefinite" restart="never" nodeType="tmRoot">
+        <p:cTn id="1" dur="indefinite" restart="never" nodeType="tmRoot">
           <p:childTnLst>
             <p:seq>
-              <p:cTn id="18" dur="indefinite" nodeType="mainSeq"/>
+              <p:cTn id="2" dur="indefinite" nodeType="mainSeq"/>
               <p:prevCondLst>
-                <p:cond delay="0" evt="onPrev">
+                <p:cond evt="onPrev" delay="0">
                   <p:tgtEl>
                     <p:sldTgt/>
                   </p:tgtEl>
                 </p:cond>
               </p:prevCondLst>
               <p:nextCondLst>
-                <p:cond delay="0" evt="onNext">
+                <p:cond evt="onNext" delay="0">
                   <p:tgtEl>
                     <p:sldTgt/>
                   </p:tgtEl>
@@ -5632,31 +6869,31 @@
         <a:sysClr val="window" lastClr="FFFFFF"/>
       </a:lt1>
       <a:dk2>
-        <a:srgbClr val="1f497d"/>
+        <a:srgbClr val="1F497D"/>
       </a:dk2>
       <a:lt2>
-        <a:srgbClr val="eeece1"/>
+        <a:srgbClr val="EEECE1"/>
       </a:lt2>
       <a:accent1>
-        <a:srgbClr val="4f81bd"/>
+        <a:srgbClr val="4F81BD"/>
       </a:accent1>
       <a:accent2>
-        <a:srgbClr val="c0504d"/>
+        <a:srgbClr val="C0504D"/>
       </a:accent2>
       <a:accent3>
-        <a:srgbClr val="9bbb59"/>
+        <a:srgbClr val="9BBB59"/>
       </a:accent3>
       <a:accent4>
-        <a:srgbClr val="8064a2"/>
+        <a:srgbClr val="8064A2"/>
       </a:accent4>
       <a:accent5>
-        <a:srgbClr val="4bacc6"/>
+        <a:srgbClr val="4BACC6"/>
       </a:accent5>
       <a:accent6>
-        <a:srgbClr val="f79646"/>
+        <a:srgbClr val="F79646"/>
       </a:accent6>
       <a:hlink>
-        <a:srgbClr val="0000ff"/>
+        <a:srgbClr val="0000FF"/>
       </a:hlink>
       <a:folHlink>
         <a:srgbClr val="800080"/>
@@ -5841,6 +7078,8 @@
       </a:bgFillStyleLst>
     </a:fmtScheme>
   </a:themeElements>
+  <a:objectDefaults/>
+  <a:extraClrSchemeLst/>
 </a:theme>
 </file>
 
@@ -5855,31 +7094,31 @@
         <a:sysClr val="window" lastClr="FFFFFF"/>
       </a:lt1>
       <a:dk2>
-        <a:srgbClr val="1f497d"/>
+        <a:srgbClr val="1F497D"/>
       </a:dk2>
       <a:lt2>
-        <a:srgbClr val="eeece1"/>
+        <a:srgbClr val="EEECE1"/>
       </a:lt2>
       <a:accent1>
-        <a:srgbClr val="4f81bd"/>
+        <a:srgbClr val="4F81BD"/>
       </a:accent1>
       <a:accent2>
-        <a:srgbClr val="c0504d"/>
+        <a:srgbClr val="C0504D"/>
       </a:accent2>
       <a:accent3>
-        <a:srgbClr val="9bbb59"/>
+        <a:srgbClr val="9BBB59"/>
       </a:accent3>
       <a:accent4>
-        <a:srgbClr val="8064a2"/>
+        <a:srgbClr val="8064A2"/>
       </a:accent4>
       <a:accent5>
-        <a:srgbClr val="4bacc6"/>
+        <a:srgbClr val="4BACC6"/>
       </a:accent5>
       <a:accent6>
-        <a:srgbClr val="f79646"/>
+        <a:srgbClr val="F79646"/>
       </a:accent6>
       <a:hlink>
-        <a:srgbClr val="0000ff"/>
+        <a:srgbClr val="0000FF"/>
       </a:hlink>
       <a:folHlink>
         <a:srgbClr val="800080"/>
@@ -6064,5 +7303,7 @@
       </a:bgFillStyleLst>
     </a:fmtScheme>
   </a:themeElements>
+  <a:objectDefaults/>
+  <a:extraClrSchemeLst/>
 </a:theme>
 </file>
--- a/docs/Debugger.pptx
+++ b/docs/Debugger.pptx
@@ -76,7 +76,7 @@
         <p:spPr>
           <a:xfrm>
             <a:off x="1097280" y="286560"/>
-            <a:ext cx="10057680" cy="1450080"/>
+            <a:ext cx="10057320" cy="1449720"/>
           </a:xfrm>
           <a:prstGeom prst="rect">
             <a:avLst/>
@@ -85,10 +85,8 @@
         <p:txBody>
           <a:bodyPr lIns="0" rIns="0" tIns="0" bIns="0" anchor="ctr"/>
           <a:p>
-            <a:endParaRPr b="0" lang="en-US" sz="1800" spc="-1" strike="noStrike">
-              <a:solidFill>
-                <a:srgbClr val="000000"/>
-              </a:solidFill>
+            <a:pPr algn="ctr"/>
+            <a:endParaRPr b="0" lang="en-US" sz="4400" spc="-1" strike="noStrike">
               <a:latin typeface="Arial"/>
             </a:endParaRPr>
           </a:p>
@@ -107,7 +105,7 @@
         <p:spPr>
           <a:xfrm>
             <a:off x="609480" y="1604520"/>
-            <a:ext cx="10972440" cy="1896840"/>
+            <a:ext cx="10972080" cy="1896840"/>
           </a:xfrm>
           <a:prstGeom prst="rect">
             <a:avLst/>
@@ -118,10 +116,7 @@
             <a:normAutofit/>
           </a:bodyPr>
           <a:p>
-            <a:endParaRPr b="0" lang="en-US" sz="2800" spc="-1" strike="noStrike">
-              <a:solidFill>
-                <a:srgbClr val="000000"/>
-              </a:solidFill>
+            <a:endParaRPr b="0" lang="en-US" sz="3200" spc="-1" strike="noStrike">
               <a:latin typeface="Arial"/>
             </a:endParaRPr>
           </a:p>
@@ -140,7 +135,7 @@
         <p:spPr>
           <a:xfrm>
             <a:off x="609480" y="3682080"/>
-            <a:ext cx="10972440" cy="1896840"/>
+            <a:ext cx="10972080" cy="1896840"/>
           </a:xfrm>
           <a:prstGeom prst="rect">
             <a:avLst/>
@@ -151,10 +146,7 @@
             <a:normAutofit/>
           </a:bodyPr>
           <a:p>
-            <a:endParaRPr b="0" lang="en-US" sz="2800" spc="-1" strike="noStrike">
-              <a:solidFill>
-                <a:srgbClr val="000000"/>
-              </a:solidFill>
+            <a:endParaRPr b="0" lang="en-US" sz="3200" spc="-1" strike="noStrike">
               <a:latin typeface="Arial"/>
             </a:endParaRPr>
           </a:p>
@@ -195,7 +187,7 @@
         <p:spPr>
           <a:xfrm>
             <a:off x="1097280" y="286560"/>
-            <a:ext cx="10057680" cy="1450080"/>
+            <a:ext cx="10057320" cy="1449720"/>
           </a:xfrm>
           <a:prstGeom prst="rect">
             <a:avLst/>
@@ -204,10 +196,8 @@
         <p:txBody>
           <a:bodyPr lIns="0" rIns="0" tIns="0" bIns="0" anchor="ctr"/>
           <a:p>
-            <a:endParaRPr b="0" lang="en-US" sz="1800" spc="-1" strike="noStrike">
-              <a:solidFill>
-                <a:srgbClr val="000000"/>
-              </a:solidFill>
+            <a:pPr algn="ctr"/>
+            <a:endParaRPr b="0" lang="en-US" sz="4400" spc="-1" strike="noStrike">
               <a:latin typeface="Arial"/>
             </a:endParaRPr>
           </a:p>
@@ -237,10 +227,7 @@
             <a:normAutofit/>
           </a:bodyPr>
           <a:p>
-            <a:endParaRPr b="0" lang="en-US" sz="2800" spc="-1" strike="noStrike">
-              <a:solidFill>
-                <a:srgbClr val="000000"/>
-              </a:solidFill>
+            <a:endParaRPr b="0" lang="en-US" sz="3200" spc="-1" strike="noStrike">
               <a:latin typeface="Arial"/>
             </a:endParaRPr>
           </a:p>
@@ -270,10 +257,7 @@
             <a:normAutofit/>
           </a:bodyPr>
           <a:p>
-            <a:endParaRPr b="0" lang="en-US" sz="2800" spc="-1" strike="noStrike">
-              <a:solidFill>
-                <a:srgbClr val="000000"/>
-              </a:solidFill>
+            <a:endParaRPr b="0" lang="en-US" sz="3200" spc="-1" strike="noStrike">
               <a:latin typeface="Arial"/>
             </a:endParaRPr>
           </a:p>
@@ -303,10 +287,7 @@
             <a:normAutofit/>
           </a:bodyPr>
           <a:p>
-            <a:endParaRPr b="0" lang="en-US" sz="2800" spc="-1" strike="noStrike">
-              <a:solidFill>
-                <a:srgbClr val="000000"/>
-              </a:solidFill>
+            <a:endParaRPr b="0" lang="en-US" sz="3200" spc="-1" strike="noStrike">
               <a:latin typeface="Arial"/>
             </a:endParaRPr>
           </a:p>
@@ -336,10 +317,7 @@
             <a:normAutofit/>
           </a:bodyPr>
           <a:p>
-            <a:endParaRPr b="0" lang="en-US" sz="2800" spc="-1" strike="noStrike">
-              <a:solidFill>
-                <a:srgbClr val="000000"/>
-              </a:solidFill>
+            <a:endParaRPr b="0" lang="en-US" sz="3200" spc="-1" strike="noStrike">
               <a:latin typeface="Arial"/>
             </a:endParaRPr>
           </a:p>
@@ -380,7 +358,7 @@
         <p:spPr>
           <a:xfrm>
             <a:off x="1097280" y="286560"/>
-            <a:ext cx="10057680" cy="1450080"/>
+            <a:ext cx="10057320" cy="1449720"/>
           </a:xfrm>
           <a:prstGeom prst="rect">
             <a:avLst/>
@@ -389,10 +367,8 @@
         <p:txBody>
           <a:bodyPr lIns="0" rIns="0" tIns="0" bIns="0" anchor="ctr"/>
           <a:p>
-            <a:endParaRPr b="0" lang="en-US" sz="1800" spc="-1" strike="noStrike">
-              <a:solidFill>
-                <a:srgbClr val="000000"/>
-              </a:solidFill>
+            <a:pPr algn="ctr"/>
+            <a:endParaRPr b="0" lang="en-US" sz="4400" spc="-1" strike="noStrike">
               <a:latin typeface="Arial"/>
             </a:endParaRPr>
           </a:p>
@@ -411,7 +387,7 @@
         <p:spPr>
           <a:xfrm>
             <a:off x="609480" y="1604520"/>
-            <a:ext cx="3533040" cy="1896840"/>
+            <a:ext cx="3532680" cy="1896840"/>
           </a:xfrm>
           <a:prstGeom prst="rect">
             <a:avLst/>
@@ -422,10 +398,7 @@
             <a:normAutofit/>
           </a:bodyPr>
           <a:p>
-            <a:endParaRPr b="0" lang="en-US" sz="2800" spc="-1" strike="noStrike">
-              <a:solidFill>
-                <a:srgbClr val="000000"/>
-              </a:solidFill>
+            <a:endParaRPr b="0" lang="en-US" sz="3200" spc="-1" strike="noStrike">
               <a:latin typeface="Arial"/>
             </a:endParaRPr>
           </a:p>
@@ -443,8 +416,8 @@
         </p:nvSpPr>
         <p:spPr>
           <a:xfrm>
-            <a:off x="4319640" y="1604520"/>
-            <a:ext cx="3533040" cy="1896840"/>
+            <a:off x="4319280" y="1604520"/>
+            <a:ext cx="3532680" cy="1896840"/>
           </a:xfrm>
           <a:prstGeom prst="rect">
             <a:avLst/>
@@ -455,10 +428,7 @@
             <a:normAutofit/>
           </a:bodyPr>
           <a:p>
-            <a:endParaRPr b="0" lang="en-US" sz="2800" spc="-1" strike="noStrike">
-              <a:solidFill>
-                <a:srgbClr val="000000"/>
-              </a:solidFill>
+            <a:endParaRPr b="0" lang="en-US" sz="3200" spc="-1" strike="noStrike">
               <a:latin typeface="Arial"/>
             </a:endParaRPr>
           </a:p>
@@ -476,8 +446,8 @@
         </p:nvSpPr>
         <p:spPr>
           <a:xfrm>
-            <a:off x="8029800" y="1604520"/>
-            <a:ext cx="3533040" cy="1896840"/>
+            <a:off x="8028720" y="1604520"/>
+            <a:ext cx="3532680" cy="1896840"/>
           </a:xfrm>
           <a:prstGeom prst="rect">
             <a:avLst/>
@@ -488,10 +458,7 @@
             <a:normAutofit/>
           </a:bodyPr>
           <a:p>
-            <a:endParaRPr b="0" lang="en-US" sz="2800" spc="-1" strike="noStrike">
-              <a:solidFill>
-                <a:srgbClr val="000000"/>
-              </a:solidFill>
+            <a:endParaRPr b="0" lang="en-US" sz="3200" spc="-1" strike="noStrike">
               <a:latin typeface="Arial"/>
             </a:endParaRPr>
           </a:p>
@@ -510,7 +477,7 @@
         <p:spPr>
           <a:xfrm>
             <a:off x="609480" y="3682080"/>
-            <a:ext cx="3533040" cy="1896840"/>
+            <a:ext cx="3532680" cy="1896840"/>
           </a:xfrm>
           <a:prstGeom prst="rect">
             <a:avLst/>
@@ -521,10 +488,7 @@
             <a:normAutofit/>
           </a:bodyPr>
           <a:p>
-            <a:endParaRPr b="0" lang="en-US" sz="2800" spc="-1" strike="noStrike">
-              <a:solidFill>
-                <a:srgbClr val="000000"/>
-              </a:solidFill>
+            <a:endParaRPr b="0" lang="en-US" sz="3200" spc="-1" strike="noStrike">
               <a:latin typeface="Arial"/>
             </a:endParaRPr>
           </a:p>
@@ -542,8 +506,8 @@
         </p:nvSpPr>
         <p:spPr>
           <a:xfrm>
-            <a:off x="4319640" y="3682080"/>
-            <a:ext cx="3533040" cy="1896840"/>
+            <a:off x="4319280" y="3682080"/>
+            <a:ext cx="3532680" cy="1896840"/>
           </a:xfrm>
           <a:prstGeom prst="rect">
             <a:avLst/>
@@ -554,10 +518,7 @@
             <a:normAutofit/>
           </a:bodyPr>
           <a:p>
-            <a:endParaRPr b="0" lang="en-US" sz="2800" spc="-1" strike="noStrike">
-              <a:solidFill>
-                <a:srgbClr val="000000"/>
-              </a:solidFill>
+            <a:endParaRPr b="0" lang="en-US" sz="3200" spc="-1" strike="noStrike">
               <a:latin typeface="Arial"/>
             </a:endParaRPr>
           </a:p>
@@ -575,8 +536,8 @@
         </p:nvSpPr>
         <p:spPr>
           <a:xfrm>
-            <a:off x="8029800" y="3682080"/>
-            <a:ext cx="3533040" cy="1896840"/>
+            <a:off x="8028720" y="3682080"/>
+            <a:ext cx="3532680" cy="1896840"/>
           </a:xfrm>
           <a:prstGeom prst="rect">
             <a:avLst/>
@@ -587,10 +548,7 @@
             <a:normAutofit/>
           </a:bodyPr>
           <a:p>
-            <a:endParaRPr b="0" lang="en-US" sz="2800" spc="-1" strike="noStrike">
-              <a:solidFill>
-                <a:srgbClr val="000000"/>
-              </a:solidFill>
+            <a:endParaRPr b="0" lang="en-US" sz="3200" spc="-1" strike="noStrike">
               <a:latin typeface="Arial"/>
             </a:endParaRPr>
           </a:p>
@@ -653,7 +611,7 @@
         <p:spPr>
           <a:xfrm>
             <a:off x="1097280" y="286560"/>
-            <a:ext cx="10057680" cy="1450080"/>
+            <a:ext cx="10057320" cy="1449720"/>
           </a:xfrm>
           <a:prstGeom prst="rect">
             <a:avLst/>
@@ -662,10 +620,8 @@
         <p:txBody>
           <a:bodyPr lIns="0" rIns="0" tIns="0" bIns="0" anchor="ctr"/>
           <a:p>
-            <a:endParaRPr b="0" lang="en-US" sz="1800" spc="-1" strike="noStrike">
-              <a:solidFill>
-                <a:srgbClr val="000000"/>
-              </a:solidFill>
+            <a:pPr algn="ctr"/>
+            <a:endParaRPr b="0" lang="en-US" sz="4400" spc="-1" strike="noStrike">
               <a:latin typeface="Arial"/>
             </a:endParaRPr>
           </a:p>
@@ -684,7 +640,7 @@
         <p:spPr>
           <a:xfrm>
             <a:off x="609480" y="1604520"/>
-            <a:ext cx="10972440" cy="3977280"/>
+            <a:ext cx="10972080" cy="3976920"/>
           </a:xfrm>
           <a:prstGeom prst="rect">
             <a:avLst/>
@@ -735,7 +691,7 @@
         <p:spPr>
           <a:xfrm>
             <a:off x="1097280" y="286560"/>
-            <a:ext cx="10057680" cy="1450080"/>
+            <a:ext cx="10057320" cy="1449720"/>
           </a:xfrm>
           <a:prstGeom prst="rect">
             <a:avLst/>
@@ -744,10 +700,8 @@
         <p:txBody>
           <a:bodyPr lIns="0" rIns="0" tIns="0" bIns="0" anchor="ctr"/>
           <a:p>
-            <a:endParaRPr b="0" lang="en-US" sz="1800" spc="-1" strike="noStrike">
-              <a:solidFill>
-                <a:srgbClr val="000000"/>
-              </a:solidFill>
+            <a:pPr algn="ctr"/>
+            <a:endParaRPr b="0" lang="en-US" sz="4400" spc="-1" strike="noStrike">
               <a:latin typeface="Arial"/>
             </a:endParaRPr>
           </a:p>
@@ -766,7 +720,7 @@
         <p:spPr>
           <a:xfrm>
             <a:off x="609480" y="1604520"/>
-            <a:ext cx="10972440" cy="3977280"/>
+            <a:ext cx="10972080" cy="3976920"/>
           </a:xfrm>
           <a:prstGeom prst="rect">
             <a:avLst/>
@@ -777,10 +731,7 @@
             <a:normAutofit/>
           </a:bodyPr>
           <a:p>
-            <a:endParaRPr b="0" lang="en-US" sz="2800" spc="-1" strike="noStrike">
-              <a:solidFill>
-                <a:srgbClr val="000000"/>
-              </a:solidFill>
+            <a:endParaRPr b="0" lang="en-US" sz="3200" spc="-1" strike="noStrike">
               <a:latin typeface="Arial"/>
             </a:endParaRPr>
           </a:p>
@@ -821,7 +772,7 @@
         <p:spPr>
           <a:xfrm>
             <a:off x="1097280" y="286560"/>
-            <a:ext cx="10057680" cy="1450080"/>
+            <a:ext cx="10057320" cy="1449720"/>
           </a:xfrm>
           <a:prstGeom prst="rect">
             <a:avLst/>
@@ -830,10 +781,8 @@
         <p:txBody>
           <a:bodyPr lIns="0" rIns="0" tIns="0" bIns="0" anchor="ctr"/>
           <a:p>
-            <a:endParaRPr b="0" lang="en-US" sz="1800" spc="-1" strike="noStrike">
-              <a:solidFill>
-                <a:srgbClr val="000000"/>
-              </a:solidFill>
+            <a:pPr algn="ctr"/>
+            <a:endParaRPr b="0" lang="en-US" sz="4400" spc="-1" strike="noStrike">
               <a:latin typeface="Arial"/>
             </a:endParaRPr>
           </a:p>
@@ -852,7 +801,7 @@
         <p:spPr>
           <a:xfrm>
             <a:off x="609480" y="1604520"/>
-            <a:ext cx="5354280" cy="3977280"/>
+            <a:ext cx="5354280" cy="3976920"/>
           </a:xfrm>
           <a:prstGeom prst="rect">
             <a:avLst/>
@@ -863,10 +812,7 @@
             <a:normAutofit/>
           </a:bodyPr>
           <a:p>
-            <a:endParaRPr b="0" lang="en-US" sz="2800" spc="-1" strike="noStrike">
-              <a:solidFill>
-                <a:srgbClr val="000000"/>
-              </a:solidFill>
+            <a:endParaRPr b="0" lang="en-US" sz="3200" spc="-1" strike="noStrike">
               <a:latin typeface="Arial"/>
             </a:endParaRPr>
           </a:p>
@@ -885,7 +831,7 @@
         <p:spPr>
           <a:xfrm>
             <a:off x="6231960" y="1604520"/>
-            <a:ext cx="5354280" cy="3977280"/>
+            <a:ext cx="5354280" cy="3976920"/>
           </a:xfrm>
           <a:prstGeom prst="rect">
             <a:avLst/>
@@ -896,10 +842,7 @@
             <a:normAutofit/>
           </a:bodyPr>
           <a:p>
-            <a:endParaRPr b="0" lang="en-US" sz="2800" spc="-1" strike="noStrike">
-              <a:solidFill>
-                <a:srgbClr val="000000"/>
-              </a:solidFill>
+            <a:endParaRPr b="0" lang="en-US" sz="3200" spc="-1" strike="noStrike">
               <a:latin typeface="Arial"/>
             </a:endParaRPr>
           </a:p>
@@ -940,7 +883,7 @@
         <p:spPr>
           <a:xfrm>
             <a:off x="1097280" y="286560"/>
-            <a:ext cx="10057680" cy="1450080"/>
+            <a:ext cx="10057320" cy="1449720"/>
           </a:xfrm>
           <a:prstGeom prst="rect">
             <a:avLst/>
@@ -949,10 +892,8 @@
         <p:txBody>
           <a:bodyPr lIns="0" rIns="0" tIns="0" bIns="0" anchor="ctr"/>
           <a:p>
-            <a:endParaRPr b="0" lang="en-US" sz="1800" spc="-1" strike="noStrike">
-              <a:solidFill>
-                <a:srgbClr val="000000"/>
-              </a:solidFill>
+            <a:pPr algn="ctr"/>
+            <a:endParaRPr b="0" lang="en-US" sz="4400" spc="-1" strike="noStrike">
               <a:latin typeface="Arial"/>
             </a:endParaRPr>
           </a:p>
@@ -993,7 +934,7 @@
         <p:spPr>
           <a:xfrm>
             <a:off x="1097280" y="286560"/>
-            <a:ext cx="10057680" cy="6723000"/>
+            <a:ext cx="10057320" cy="6721200"/>
           </a:xfrm>
           <a:prstGeom prst="rect">
             <a:avLst/>
@@ -1044,7 +985,7 @@
         <p:spPr>
           <a:xfrm>
             <a:off x="1097280" y="286560"/>
-            <a:ext cx="10057680" cy="1450080"/>
+            <a:ext cx="10057320" cy="1449720"/>
           </a:xfrm>
           <a:prstGeom prst="rect">
             <a:avLst/>
@@ -1053,10 +994,8 @@
         <p:txBody>
           <a:bodyPr lIns="0" rIns="0" tIns="0" bIns="0" anchor="ctr"/>
           <a:p>
-            <a:endParaRPr b="0" lang="en-US" sz="1800" spc="-1" strike="noStrike">
-              <a:solidFill>
-                <a:srgbClr val="000000"/>
-              </a:solidFill>
+            <a:pPr algn="ctr"/>
+            <a:endParaRPr b="0" lang="en-US" sz="4400" spc="-1" strike="noStrike">
               <a:latin typeface="Arial"/>
             </a:endParaRPr>
           </a:p>
@@ -1086,10 +1025,7 @@
             <a:normAutofit/>
           </a:bodyPr>
           <a:p>
-            <a:endParaRPr b="0" lang="en-US" sz="2800" spc="-1" strike="noStrike">
-              <a:solidFill>
-                <a:srgbClr val="000000"/>
-              </a:solidFill>
+            <a:endParaRPr b="0" lang="en-US" sz="3200" spc="-1" strike="noStrike">
               <a:latin typeface="Arial"/>
             </a:endParaRPr>
           </a:p>
@@ -1108,7 +1044,7 @@
         <p:spPr>
           <a:xfrm>
             <a:off x="6231960" y="1604520"/>
-            <a:ext cx="5354280" cy="3977280"/>
+            <a:ext cx="5354280" cy="3976920"/>
           </a:xfrm>
           <a:prstGeom prst="rect">
             <a:avLst/>
@@ -1119,10 +1055,7 @@
             <a:normAutofit/>
           </a:bodyPr>
           <a:p>
-            <a:endParaRPr b="0" lang="en-US" sz="2800" spc="-1" strike="noStrike">
-              <a:solidFill>
-                <a:srgbClr val="000000"/>
-              </a:solidFill>
+            <a:endParaRPr b="0" lang="en-US" sz="3200" spc="-1" strike="noStrike">
               <a:latin typeface="Arial"/>
             </a:endParaRPr>
           </a:p>
@@ -1152,10 +1085,7 @@
             <a:normAutofit/>
           </a:bodyPr>
           <a:p>
-            <a:endParaRPr b="0" lang="en-US" sz="2800" spc="-1" strike="noStrike">
-              <a:solidFill>
-                <a:srgbClr val="000000"/>
-              </a:solidFill>
+            <a:endParaRPr b="0" lang="en-US" sz="3200" spc="-1" strike="noStrike">
               <a:latin typeface="Arial"/>
             </a:endParaRPr>
           </a:p>
@@ -1196,7 +1126,7 @@
         <p:spPr>
           <a:xfrm>
             <a:off x="1097280" y="286560"/>
-            <a:ext cx="10057680" cy="1450080"/>
+            <a:ext cx="10057320" cy="1449720"/>
           </a:xfrm>
           <a:prstGeom prst="rect">
             <a:avLst/>
@@ -1205,10 +1135,8 @@
         <p:txBody>
           <a:bodyPr lIns="0" rIns="0" tIns="0" bIns="0" anchor="ctr"/>
           <a:p>
-            <a:endParaRPr b="0" lang="en-US" sz="1800" spc="-1" strike="noStrike">
-              <a:solidFill>
-                <a:srgbClr val="000000"/>
-              </a:solidFill>
+            <a:pPr algn="ctr"/>
+            <a:endParaRPr b="0" lang="en-US" sz="4400" spc="-1" strike="noStrike">
               <a:latin typeface="Arial"/>
             </a:endParaRPr>
           </a:p>
@@ -1227,7 +1155,7 @@
         <p:spPr>
           <a:xfrm>
             <a:off x="609480" y="1604520"/>
-            <a:ext cx="10972440" cy="3977280"/>
+            <a:ext cx="10972080" cy="3976920"/>
           </a:xfrm>
           <a:prstGeom prst="rect">
             <a:avLst/>
@@ -1278,7 +1206,7 @@
         <p:spPr>
           <a:xfrm>
             <a:off x="1097280" y="286560"/>
-            <a:ext cx="10057680" cy="1450080"/>
+            <a:ext cx="10057320" cy="1449720"/>
           </a:xfrm>
           <a:prstGeom prst="rect">
             <a:avLst/>
@@ -1287,10 +1215,8 @@
         <p:txBody>
           <a:bodyPr lIns="0" rIns="0" tIns="0" bIns="0" anchor="ctr"/>
           <a:p>
-            <a:endParaRPr b="0" lang="en-US" sz="1800" spc="-1" strike="noStrike">
-              <a:solidFill>
-                <a:srgbClr val="000000"/>
-              </a:solidFill>
+            <a:pPr algn="ctr"/>
+            <a:endParaRPr b="0" lang="en-US" sz="4400" spc="-1" strike="noStrike">
               <a:latin typeface="Arial"/>
             </a:endParaRPr>
           </a:p>
@@ -1309,7 +1235,7 @@
         <p:spPr>
           <a:xfrm>
             <a:off x="609480" y="1604520"/>
-            <a:ext cx="5354280" cy="3977280"/>
+            <a:ext cx="5354280" cy="3976920"/>
           </a:xfrm>
           <a:prstGeom prst="rect">
             <a:avLst/>
@@ -1320,10 +1246,7 @@
             <a:normAutofit/>
           </a:bodyPr>
           <a:p>
-            <a:endParaRPr b="0" lang="en-US" sz="2800" spc="-1" strike="noStrike">
-              <a:solidFill>
-                <a:srgbClr val="000000"/>
-              </a:solidFill>
+            <a:endParaRPr b="0" lang="en-US" sz="3200" spc="-1" strike="noStrike">
               <a:latin typeface="Arial"/>
             </a:endParaRPr>
           </a:p>
@@ -1353,10 +1276,7 @@
             <a:normAutofit/>
           </a:bodyPr>
           <a:p>
-            <a:endParaRPr b="0" lang="en-US" sz="2800" spc="-1" strike="noStrike">
-              <a:solidFill>
-                <a:srgbClr val="000000"/>
-              </a:solidFill>
+            <a:endParaRPr b="0" lang="en-US" sz="3200" spc="-1" strike="noStrike">
               <a:latin typeface="Arial"/>
             </a:endParaRPr>
           </a:p>
@@ -1386,10 +1306,7 @@
             <a:normAutofit/>
           </a:bodyPr>
           <a:p>
-            <a:endParaRPr b="0" lang="en-US" sz="2800" spc="-1" strike="noStrike">
-              <a:solidFill>
-                <a:srgbClr val="000000"/>
-              </a:solidFill>
+            <a:endParaRPr b="0" lang="en-US" sz="3200" spc="-1" strike="noStrike">
               <a:latin typeface="Arial"/>
             </a:endParaRPr>
           </a:p>
@@ -1430,7 +1347,7 @@
         <p:spPr>
           <a:xfrm>
             <a:off x="1097280" y="286560"/>
-            <a:ext cx="10057680" cy="1450080"/>
+            <a:ext cx="10057320" cy="1449720"/>
           </a:xfrm>
           <a:prstGeom prst="rect">
             <a:avLst/>
@@ -1439,10 +1356,8 @@
         <p:txBody>
           <a:bodyPr lIns="0" rIns="0" tIns="0" bIns="0" anchor="ctr"/>
           <a:p>
-            <a:endParaRPr b="0" lang="en-US" sz="1800" spc="-1" strike="noStrike">
-              <a:solidFill>
-                <a:srgbClr val="000000"/>
-              </a:solidFill>
+            <a:pPr algn="ctr"/>
+            <a:endParaRPr b="0" lang="en-US" sz="4400" spc="-1" strike="noStrike">
               <a:latin typeface="Arial"/>
             </a:endParaRPr>
           </a:p>
@@ -1472,10 +1387,7 @@
             <a:normAutofit/>
           </a:bodyPr>
           <a:p>
-            <a:endParaRPr b="0" lang="en-US" sz="2800" spc="-1" strike="noStrike">
-              <a:solidFill>
-                <a:srgbClr val="000000"/>
-              </a:solidFill>
+            <a:endParaRPr b="0" lang="en-US" sz="3200" spc="-1" strike="noStrike">
               <a:latin typeface="Arial"/>
             </a:endParaRPr>
           </a:p>
@@ -1505,10 +1417,7 @@
             <a:normAutofit/>
           </a:bodyPr>
           <a:p>
-            <a:endParaRPr b="0" lang="en-US" sz="2800" spc="-1" strike="noStrike">
-              <a:solidFill>
-                <a:srgbClr val="000000"/>
-              </a:solidFill>
+            <a:endParaRPr b="0" lang="en-US" sz="3200" spc="-1" strike="noStrike">
               <a:latin typeface="Arial"/>
             </a:endParaRPr>
           </a:p>
@@ -1527,7 +1436,7 @@
         <p:spPr>
           <a:xfrm>
             <a:off x="609480" y="3682080"/>
-            <a:ext cx="10972440" cy="1896840"/>
+            <a:ext cx="10972080" cy="1896840"/>
           </a:xfrm>
           <a:prstGeom prst="rect">
             <a:avLst/>
@@ -1538,10 +1447,7 @@
             <a:normAutofit/>
           </a:bodyPr>
           <a:p>
-            <a:endParaRPr b="0" lang="en-US" sz="2800" spc="-1" strike="noStrike">
-              <a:solidFill>
-                <a:srgbClr val="000000"/>
-              </a:solidFill>
+            <a:endParaRPr b="0" lang="en-US" sz="3200" spc="-1" strike="noStrike">
               <a:latin typeface="Arial"/>
             </a:endParaRPr>
           </a:p>
@@ -1582,7 +1488,7 @@
         <p:spPr>
           <a:xfrm>
             <a:off x="1097280" y="286560"/>
-            <a:ext cx="10057680" cy="1450080"/>
+            <a:ext cx="10057320" cy="1449720"/>
           </a:xfrm>
           <a:prstGeom prst="rect">
             <a:avLst/>
@@ -1591,10 +1497,8 @@
         <p:txBody>
           <a:bodyPr lIns="0" rIns="0" tIns="0" bIns="0" anchor="ctr"/>
           <a:p>
-            <a:endParaRPr b="0" lang="en-US" sz="1800" spc="-1" strike="noStrike">
-              <a:solidFill>
-                <a:srgbClr val="000000"/>
-              </a:solidFill>
+            <a:pPr algn="ctr"/>
+            <a:endParaRPr b="0" lang="en-US" sz="4400" spc="-1" strike="noStrike">
               <a:latin typeface="Arial"/>
             </a:endParaRPr>
           </a:p>
@@ -1613,7 +1517,7 @@
         <p:spPr>
           <a:xfrm>
             <a:off x="609480" y="1604520"/>
-            <a:ext cx="10972440" cy="1896840"/>
+            <a:ext cx="10972080" cy="1896840"/>
           </a:xfrm>
           <a:prstGeom prst="rect">
             <a:avLst/>
@@ -1624,10 +1528,7 @@
             <a:normAutofit/>
           </a:bodyPr>
           <a:p>
-            <a:endParaRPr b="0" lang="en-US" sz="2800" spc="-1" strike="noStrike">
-              <a:solidFill>
-                <a:srgbClr val="000000"/>
-              </a:solidFill>
+            <a:endParaRPr b="0" lang="en-US" sz="3200" spc="-1" strike="noStrike">
               <a:latin typeface="Arial"/>
             </a:endParaRPr>
           </a:p>
@@ -1646,7 +1547,7 @@
         <p:spPr>
           <a:xfrm>
             <a:off x="609480" y="3682080"/>
-            <a:ext cx="10972440" cy="1896840"/>
+            <a:ext cx="10972080" cy="1896840"/>
           </a:xfrm>
           <a:prstGeom prst="rect">
             <a:avLst/>
@@ -1657,10 +1558,7 @@
             <a:normAutofit/>
           </a:bodyPr>
           <a:p>
-            <a:endParaRPr b="0" lang="en-US" sz="2800" spc="-1" strike="noStrike">
-              <a:solidFill>
-                <a:srgbClr val="000000"/>
-              </a:solidFill>
+            <a:endParaRPr b="0" lang="en-US" sz="3200" spc="-1" strike="noStrike">
               <a:latin typeface="Arial"/>
             </a:endParaRPr>
           </a:p>
@@ -1701,7 +1599,7 @@
         <p:spPr>
           <a:xfrm>
             <a:off x="1097280" y="286560"/>
-            <a:ext cx="10057680" cy="1450080"/>
+            <a:ext cx="10057320" cy="1449720"/>
           </a:xfrm>
           <a:prstGeom prst="rect">
             <a:avLst/>
@@ -1710,10 +1608,8 @@
         <p:txBody>
           <a:bodyPr lIns="0" rIns="0" tIns="0" bIns="0" anchor="ctr"/>
           <a:p>
-            <a:endParaRPr b="0" lang="en-US" sz="1800" spc="-1" strike="noStrike">
-              <a:solidFill>
-                <a:srgbClr val="000000"/>
-              </a:solidFill>
+            <a:pPr algn="ctr"/>
+            <a:endParaRPr b="0" lang="en-US" sz="4400" spc="-1" strike="noStrike">
               <a:latin typeface="Arial"/>
             </a:endParaRPr>
           </a:p>
@@ -1743,10 +1639,7 @@
             <a:normAutofit/>
           </a:bodyPr>
           <a:p>
-            <a:endParaRPr b="0" lang="en-US" sz="2800" spc="-1" strike="noStrike">
-              <a:solidFill>
-                <a:srgbClr val="000000"/>
-              </a:solidFill>
+            <a:endParaRPr b="0" lang="en-US" sz="3200" spc="-1" strike="noStrike">
               <a:latin typeface="Arial"/>
             </a:endParaRPr>
           </a:p>
@@ -1776,10 +1669,7 @@
             <a:normAutofit/>
           </a:bodyPr>
           <a:p>
-            <a:endParaRPr b="0" lang="en-US" sz="2800" spc="-1" strike="noStrike">
-              <a:solidFill>
-                <a:srgbClr val="000000"/>
-              </a:solidFill>
+            <a:endParaRPr b="0" lang="en-US" sz="3200" spc="-1" strike="noStrike">
               <a:latin typeface="Arial"/>
             </a:endParaRPr>
           </a:p>
@@ -1809,10 +1699,7 @@
             <a:normAutofit/>
           </a:bodyPr>
           <a:p>
-            <a:endParaRPr b="0" lang="en-US" sz="2800" spc="-1" strike="noStrike">
-              <a:solidFill>
-                <a:srgbClr val="000000"/>
-              </a:solidFill>
+            <a:endParaRPr b="0" lang="en-US" sz="3200" spc="-1" strike="noStrike">
               <a:latin typeface="Arial"/>
             </a:endParaRPr>
           </a:p>
@@ -1842,10 +1729,7 @@
             <a:normAutofit/>
           </a:bodyPr>
           <a:p>
-            <a:endParaRPr b="0" lang="en-US" sz="2800" spc="-1" strike="noStrike">
-              <a:solidFill>
-                <a:srgbClr val="000000"/>
-              </a:solidFill>
+            <a:endParaRPr b="0" lang="en-US" sz="3200" spc="-1" strike="noStrike">
               <a:latin typeface="Arial"/>
             </a:endParaRPr>
           </a:p>
@@ -1886,7 +1770,7 @@
         <p:spPr>
           <a:xfrm>
             <a:off x="1097280" y="286560"/>
-            <a:ext cx="10057680" cy="1450080"/>
+            <a:ext cx="10057320" cy="1449720"/>
           </a:xfrm>
           <a:prstGeom prst="rect">
             <a:avLst/>
@@ -1895,10 +1779,8 @@
         <p:txBody>
           <a:bodyPr lIns="0" rIns="0" tIns="0" bIns="0" anchor="ctr"/>
           <a:p>
-            <a:endParaRPr b="0" lang="en-US" sz="1800" spc="-1" strike="noStrike">
-              <a:solidFill>
-                <a:srgbClr val="000000"/>
-              </a:solidFill>
+            <a:pPr algn="ctr"/>
+            <a:endParaRPr b="0" lang="en-US" sz="4400" spc="-1" strike="noStrike">
               <a:latin typeface="Arial"/>
             </a:endParaRPr>
           </a:p>
@@ -1917,7 +1799,7 @@
         <p:spPr>
           <a:xfrm>
             <a:off x="609480" y="1604520"/>
-            <a:ext cx="3533040" cy="1896840"/>
+            <a:ext cx="3532680" cy="1896840"/>
           </a:xfrm>
           <a:prstGeom prst="rect">
             <a:avLst/>
@@ -1928,10 +1810,7 @@
             <a:normAutofit/>
           </a:bodyPr>
           <a:p>
-            <a:endParaRPr b="0" lang="en-US" sz="2800" spc="-1" strike="noStrike">
-              <a:solidFill>
-                <a:srgbClr val="000000"/>
-              </a:solidFill>
+            <a:endParaRPr b="0" lang="en-US" sz="3200" spc="-1" strike="noStrike">
               <a:latin typeface="Arial"/>
             </a:endParaRPr>
           </a:p>
@@ -1949,8 +1828,8 @@
         </p:nvSpPr>
         <p:spPr>
           <a:xfrm>
-            <a:off x="4319640" y="1604520"/>
-            <a:ext cx="3533040" cy="1896840"/>
+            <a:off x="4319280" y="1604520"/>
+            <a:ext cx="3532680" cy="1896840"/>
           </a:xfrm>
           <a:prstGeom prst="rect">
             <a:avLst/>
@@ -1961,10 +1840,7 @@
             <a:normAutofit/>
           </a:bodyPr>
           <a:p>
-            <a:endParaRPr b="0" lang="en-US" sz="2800" spc="-1" strike="noStrike">
-              <a:solidFill>
-                <a:srgbClr val="000000"/>
-              </a:solidFill>
+            <a:endParaRPr b="0" lang="en-US" sz="3200" spc="-1" strike="noStrike">
               <a:latin typeface="Arial"/>
             </a:endParaRPr>
           </a:p>
@@ -1982,8 +1858,8 @@
         </p:nvSpPr>
         <p:spPr>
           <a:xfrm>
-            <a:off x="8029800" y="1604520"/>
-            <a:ext cx="3533040" cy="1896840"/>
+            <a:off x="8028720" y="1604520"/>
+            <a:ext cx="3532680" cy="1896840"/>
           </a:xfrm>
           <a:prstGeom prst="rect">
             <a:avLst/>
@@ -1994,10 +1870,7 @@
             <a:normAutofit/>
           </a:bodyPr>
           <a:p>
-            <a:endParaRPr b="0" lang="en-US" sz="2800" spc="-1" strike="noStrike">
-              <a:solidFill>
-                <a:srgbClr val="000000"/>
-              </a:solidFill>
+            <a:endParaRPr b="0" lang="en-US" sz="3200" spc="-1" strike="noStrike">
               <a:latin typeface="Arial"/>
             </a:endParaRPr>
           </a:p>
@@ -2016,7 +1889,7 @@
         <p:spPr>
           <a:xfrm>
             <a:off x="609480" y="3682080"/>
-            <a:ext cx="3533040" cy="1896840"/>
+            <a:ext cx="3532680" cy="1896840"/>
           </a:xfrm>
           <a:prstGeom prst="rect">
             <a:avLst/>
@@ -2027,10 +1900,7 @@
             <a:normAutofit/>
           </a:bodyPr>
           <a:p>
-            <a:endParaRPr b="0" lang="en-US" sz="2800" spc="-1" strike="noStrike">
-              <a:solidFill>
-                <a:srgbClr val="000000"/>
-              </a:solidFill>
+            <a:endParaRPr b="0" lang="en-US" sz="3200" spc="-1" strike="noStrike">
               <a:latin typeface="Arial"/>
             </a:endParaRPr>
           </a:p>
@@ -2048,8 +1918,8 @@
         </p:nvSpPr>
         <p:spPr>
           <a:xfrm>
-            <a:off x="4319640" y="3682080"/>
-            <a:ext cx="3533040" cy="1896840"/>
+            <a:off x="4319280" y="3682080"/>
+            <a:ext cx="3532680" cy="1896840"/>
           </a:xfrm>
           <a:prstGeom prst="rect">
             <a:avLst/>
@@ -2060,10 +1930,7 @@
             <a:normAutofit/>
           </a:bodyPr>
           <a:p>
-            <a:endParaRPr b="0" lang="en-US" sz="2800" spc="-1" strike="noStrike">
-              <a:solidFill>
-                <a:srgbClr val="000000"/>
-              </a:solidFill>
+            <a:endParaRPr b="0" lang="en-US" sz="3200" spc="-1" strike="noStrike">
               <a:latin typeface="Arial"/>
             </a:endParaRPr>
           </a:p>
@@ -2081,8 +1948,8 @@
         </p:nvSpPr>
         <p:spPr>
           <a:xfrm>
-            <a:off x="8029800" y="3682080"/>
-            <a:ext cx="3533040" cy="1896840"/>
+            <a:off x="8028720" y="3682080"/>
+            <a:ext cx="3532680" cy="1896840"/>
           </a:xfrm>
           <a:prstGeom prst="rect">
             <a:avLst/>
@@ -2093,10 +1960,7 @@
             <a:normAutofit/>
           </a:bodyPr>
           <a:p>
-            <a:endParaRPr b="0" lang="en-US" sz="2800" spc="-1" strike="noStrike">
-              <a:solidFill>
-                <a:srgbClr val="000000"/>
-              </a:solidFill>
+            <a:endParaRPr b="0" lang="en-US" sz="3200" spc="-1" strike="noStrike">
               <a:latin typeface="Arial"/>
             </a:endParaRPr>
           </a:p>
@@ -2159,7 +2023,7 @@
         <p:spPr>
           <a:xfrm>
             <a:off x="1097280" y="286560"/>
-            <a:ext cx="10057680" cy="1450080"/>
+            <a:ext cx="10057320" cy="1449720"/>
           </a:xfrm>
           <a:prstGeom prst="rect">
             <a:avLst/>
@@ -2168,10 +2032,8 @@
         <p:txBody>
           <a:bodyPr lIns="0" rIns="0" tIns="0" bIns="0" anchor="ctr"/>
           <a:p>
-            <a:endParaRPr b="0" lang="en-US" sz="1800" spc="-1" strike="noStrike">
-              <a:solidFill>
-                <a:srgbClr val="000000"/>
-              </a:solidFill>
+            <a:pPr algn="ctr"/>
+            <a:endParaRPr b="0" lang="en-US" sz="4400" spc="-1" strike="noStrike">
               <a:latin typeface="Arial"/>
             </a:endParaRPr>
           </a:p>
@@ -2190,7 +2052,7 @@
         <p:spPr>
           <a:xfrm>
             <a:off x="609480" y="1604520"/>
-            <a:ext cx="10972440" cy="3977280"/>
+            <a:ext cx="10972080" cy="3976920"/>
           </a:xfrm>
           <a:prstGeom prst="rect">
             <a:avLst/>
@@ -2241,7 +2103,7 @@
         <p:spPr>
           <a:xfrm>
             <a:off x="1097280" y="286560"/>
-            <a:ext cx="10057680" cy="1450080"/>
+            <a:ext cx="10057320" cy="1449720"/>
           </a:xfrm>
           <a:prstGeom prst="rect">
             <a:avLst/>
@@ -2250,10 +2112,8 @@
         <p:txBody>
           <a:bodyPr lIns="0" rIns="0" tIns="0" bIns="0" anchor="ctr"/>
           <a:p>
-            <a:endParaRPr b="0" lang="en-US" sz="1800" spc="-1" strike="noStrike">
-              <a:solidFill>
-                <a:srgbClr val="000000"/>
-              </a:solidFill>
+            <a:pPr algn="ctr"/>
+            <a:endParaRPr b="0" lang="en-US" sz="4400" spc="-1" strike="noStrike">
               <a:latin typeface="Arial"/>
             </a:endParaRPr>
           </a:p>
@@ -2272,7 +2132,7 @@
         <p:spPr>
           <a:xfrm>
             <a:off x="609480" y="1604520"/>
-            <a:ext cx="10972440" cy="3977280"/>
+            <a:ext cx="10972080" cy="3976920"/>
           </a:xfrm>
           <a:prstGeom prst="rect">
             <a:avLst/>
@@ -2283,10 +2143,7 @@
             <a:normAutofit/>
           </a:bodyPr>
           <a:p>
-            <a:endParaRPr b="0" lang="en-US" sz="2800" spc="-1" strike="noStrike">
-              <a:solidFill>
-                <a:srgbClr val="000000"/>
-              </a:solidFill>
+            <a:endParaRPr b="0" lang="en-US" sz="3200" spc="-1" strike="noStrike">
               <a:latin typeface="Arial"/>
             </a:endParaRPr>
           </a:p>
@@ -2327,7 +2184,7 @@
         <p:spPr>
           <a:xfrm>
             <a:off x="1097280" y="286560"/>
-            <a:ext cx="10057680" cy="1450080"/>
+            <a:ext cx="10057320" cy="1449720"/>
           </a:xfrm>
           <a:prstGeom prst="rect">
             <a:avLst/>
@@ -2336,10 +2193,8 @@
         <p:txBody>
           <a:bodyPr lIns="0" rIns="0" tIns="0" bIns="0" anchor="ctr"/>
           <a:p>
-            <a:endParaRPr b="0" lang="en-US" sz="1800" spc="-1" strike="noStrike">
-              <a:solidFill>
-                <a:srgbClr val="000000"/>
-              </a:solidFill>
+            <a:pPr algn="ctr"/>
+            <a:endParaRPr b="0" lang="en-US" sz="4400" spc="-1" strike="noStrike">
               <a:latin typeface="Arial"/>
             </a:endParaRPr>
           </a:p>
@@ -2358,7 +2213,7 @@
         <p:spPr>
           <a:xfrm>
             <a:off x="609480" y="1604520"/>
-            <a:ext cx="5354280" cy="3977280"/>
+            <a:ext cx="5354280" cy="3976920"/>
           </a:xfrm>
           <a:prstGeom prst="rect">
             <a:avLst/>
@@ -2369,10 +2224,7 @@
             <a:normAutofit/>
           </a:bodyPr>
           <a:p>
-            <a:endParaRPr b="0" lang="en-US" sz="2800" spc="-1" strike="noStrike">
-              <a:solidFill>
-                <a:srgbClr val="000000"/>
-              </a:solidFill>
+            <a:endParaRPr b="0" lang="en-US" sz="3200" spc="-1" strike="noStrike">
               <a:latin typeface="Arial"/>
             </a:endParaRPr>
           </a:p>
@@ -2391,7 +2243,7 @@
         <p:spPr>
           <a:xfrm>
             <a:off x="6231960" y="1604520"/>
-            <a:ext cx="5354280" cy="3977280"/>
+            <a:ext cx="5354280" cy="3976920"/>
           </a:xfrm>
           <a:prstGeom prst="rect">
             <a:avLst/>
@@ -2402,10 +2254,7 @@
             <a:normAutofit/>
           </a:bodyPr>
           <a:p>
-            <a:endParaRPr b="0" lang="en-US" sz="2800" spc="-1" strike="noStrike">
-              <a:solidFill>
-                <a:srgbClr val="000000"/>
-              </a:solidFill>
+            <a:endParaRPr b="0" lang="en-US" sz="3200" spc="-1" strike="noStrike">
               <a:latin typeface="Arial"/>
             </a:endParaRPr>
           </a:p>
@@ -2446,7 +2295,7 @@
         <p:spPr>
           <a:xfrm>
             <a:off x="1097280" y="286560"/>
-            <a:ext cx="10057680" cy="1450080"/>
+            <a:ext cx="10057320" cy="1449720"/>
           </a:xfrm>
           <a:prstGeom prst="rect">
             <a:avLst/>
@@ -2455,10 +2304,8 @@
         <p:txBody>
           <a:bodyPr lIns="0" rIns="0" tIns="0" bIns="0" anchor="ctr"/>
           <a:p>
-            <a:endParaRPr b="0" lang="en-US" sz="1800" spc="-1" strike="noStrike">
-              <a:solidFill>
-                <a:srgbClr val="000000"/>
-              </a:solidFill>
+            <a:pPr algn="ctr"/>
+            <a:endParaRPr b="0" lang="en-US" sz="4400" spc="-1" strike="noStrike">
               <a:latin typeface="Arial"/>
             </a:endParaRPr>
           </a:p>
@@ -2499,7 +2346,7 @@
         <p:spPr>
           <a:xfrm>
             <a:off x="1097280" y="286560"/>
-            <a:ext cx="10057680" cy="1450080"/>
+            <a:ext cx="10057320" cy="1449720"/>
           </a:xfrm>
           <a:prstGeom prst="rect">
             <a:avLst/>
@@ -2508,10 +2355,8 @@
         <p:txBody>
           <a:bodyPr lIns="0" rIns="0" tIns="0" bIns="0" anchor="ctr"/>
           <a:p>
-            <a:endParaRPr b="0" lang="en-US" sz="1800" spc="-1" strike="noStrike">
-              <a:solidFill>
-                <a:srgbClr val="000000"/>
-              </a:solidFill>
+            <a:pPr algn="ctr"/>
+            <a:endParaRPr b="0" lang="en-US" sz="4400" spc="-1" strike="noStrike">
               <a:latin typeface="Arial"/>
             </a:endParaRPr>
           </a:p>
@@ -2530,7 +2375,7 @@
         <p:spPr>
           <a:xfrm>
             <a:off x="609480" y="1604520"/>
-            <a:ext cx="10972440" cy="3977280"/>
+            <a:ext cx="10972080" cy="3976920"/>
           </a:xfrm>
           <a:prstGeom prst="rect">
             <a:avLst/>
@@ -2541,10 +2386,7 @@
             <a:normAutofit/>
           </a:bodyPr>
           <a:p>
-            <a:endParaRPr b="0" lang="en-US" sz="2800" spc="-1" strike="noStrike">
-              <a:solidFill>
-                <a:srgbClr val="000000"/>
-              </a:solidFill>
+            <a:endParaRPr b="0" lang="en-US" sz="3200" spc="-1" strike="noStrike">
               <a:latin typeface="Arial"/>
             </a:endParaRPr>
           </a:p>
@@ -2585,7 +2427,7 @@
         <p:spPr>
           <a:xfrm>
             <a:off x="1097280" y="286560"/>
-            <a:ext cx="10057680" cy="6723000"/>
+            <a:ext cx="10057320" cy="6721200"/>
           </a:xfrm>
           <a:prstGeom prst="rect">
             <a:avLst/>
@@ -2636,7 +2478,7 @@
         <p:spPr>
           <a:xfrm>
             <a:off x="1097280" y="286560"/>
-            <a:ext cx="10057680" cy="1450080"/>
+            <a:ext cx="10057320" cy="1449720"/>
           </a:xfrm>
           <a:prstGeom prst="rect">
             <a:avLst/>
@@ -2645,10 +2487,8 @@
         <p:txBody>
           <a:bodyPr lIns="0" rIns="0" tIns="0" bIns="0" anchor="ctr"/>
           <a:p>
-            <a:endParaRPr b="0" lang="en-US" sz="1800" spc="-1" strike="noStrike">
-              <a:solidFill>
-                <a:srgbClr val="000000"/>
-              </a:solidFill>
+            <a:pPr algn="ctr"/>
+            <a:endParaRPr b="0" lang="en-US" sz="4400" spc="-1" strike="noStrike">
               <a:latin typeface="Arial"/>
             </a:endParaRPr>
           </a:p>
@@ -2678,10 +2518,7 @@
             <a:normAutofit/>
           </a:bodyPr>
           <a:p>
-            <a:endParaRPr b="0" lang="en-US" sz="2800" spc="-1" strike="noStrike">
-              <a:solidFill>
-                <a:srgbClr val="000000"/>
-              </a:solidFill>
+            <a:endParaRPr b="0" lang="en-US" sz="3200" spc="-1" strike="noStrike">
               <a:latin typeface="Arial"/>
             </a:endParaRPr>
           </a:p>
@@ -2700,7 +2537,7 @@
         <p:spPr>
           <a:xfrm>
             <a:off x="6231960" y="1604520"/>
-            <a:ext cx="5354280" cy="3977280"/>
+            <a:ext cx="5354280" cy="3976920"/>
           </a:xfrm>
           <a:prstGeom prst="rect">
             <a:avLst/>
@@ -2711,10 +2548,7 @@
             <a:normAutofit/>
           </a:bodyPr>
           <a:p>
-            <a:endParaRPr b="0" lang="en-US" sz="2800" spc="-1" strike="noStrike">
-              <a:solidFill>
-                <a:srgbClr val="000000"/>
-              </a:solidFill>
+            <a:endParaRPr b="0" lang="en-US" sz="3200" spc="-1" strike="noStrike">
               <a:latin typeface="Arial"/>
             </a:endParaRPr>
           </a:p>
@@ -2744,10 +2578,7 @@
             <a:normAutofit/>
           </a:bodyPr>
           <a:p>
-            <a:endParaRPr b="0" lang="en-US" sz="2800" spc="-1" strike="noStrike">
-              <a:solidFill>
-                <a:srgbClr val="000000"/>
-              </a:solidFill>
+            <a:endParaRPr b="0" lang="en-US" sz="3200" spc="-1" strike="noStrike">
               <a:latin typeface="Arial"/>
             </a:endParaRPr>
           </a:p>
@@ -2788,7 +2619,7 @@
         <p:spPr>
           <a:xfrm>
             <a:off x="1097280" y="286560"/>
-            <a:ext cx="10057680" cy="1450080"/>
+            <a:ext cx="10057320" cy="1449720"/>
           </a:xfrm>
           <a:prstGeom prst="rect">
             <a:avLst/>
@@ -2797,10 +2628,8 @@
         <p:txBody>
           <a:bodyPr lIns="0" rIns="0" tIns="0" bIns="0" anchor="ctr"/>
           <a:p>
-            <a:endParaRPr b="0" lang="en-US" sz="1800" spc="-1" strike="noStrike">
-              <a:solidFill>
-                <a:srgbClr val="000000"/>
-              </a:solidFill>
+            <a:pPr algn="ctr"/>
+            <a:endParaRPr b="0" lang="en-US" sz="4400" spc="-1" strike="noStrike">
               <a:latin typeface="Arial"/>
             </a:endParaRPr>
           </a:p>
@@ -2819,7 +2648,7 @@
         <p:spPr>
           <a:xfrm>
             <a:off x="609480" y="1604520"/>
-            <a:ext cx="5354280" cy="3977280"/>
+            <a:ext cx="5354280" cy="3976920"/>
           </a:xfrm>
           <a:prstGeom prst="rect">
             <a:avLst/>
@@ -2830,10 +2659,7 @@
             <a:normAutofit/>
           </a:bodyPr>
           <a:p>
-            <a:endParaRPr b="0" lang="en-US" sz="2800" spc="-1" strike="noStrike">
-              <a:solidFill>
-                <a:srgbClr val="000000"/>
-              </a:solidFill>
+            <a:endParaRPr b="0" lang="en-US" sz="3200" spc="-1" strike="noStrike">
               <a:latin typeface="Arial"/>
             </a:endParaRPr>
           </a:p>
@@ -2863,10 +2689,7 @@
             <a:normAutofit/>
           </a:bodyPr>
           <a:p>
-            <a:endParaRPr b="0" lang="en-US" sz="2800" spc="-1" strike="noStrike">
-              <a:solidFill>
-                <a:srgbClr val="000000"/>
-              </a:solidFill>
+            <a:endParaRPr b="0" lang="en-US" sz="3200" spc="-1" strike="noStrike">
               <a:latin typeface="Arial"/>
             </a:endParaRPr>
           </a:p>
@@ -2896,10 +2719,7 @@
             <a:normAutofit/>
           </a:bodyPr>
           <a:p>
-            <a:endParaRPr b="0" lang="en-US" sz="2800" spc="-1" strike="noStrike">
-              <a:solidFill>
-                <a:srgbClr val="000000"/>
-              </a:solidFill>
+            <a:endParaRPr b="0" lang="en-US" sz="3200" spc="-1" strike="noStrike">
               <a:latin typeface="Arial"/>
             </a:endParaRPr>
           </a:p>
@@ -2940,7 +2760,7 @@
         <p:spPr>
           <a:xfrm>
             <a:off x="1097280" y="286560"/>
-            <a:ext cx="10057680" cy="1450080"/>
+            <a:ext cx="10057320" cy="1449720"/>
           </a:xfrm>
           <a:prstGeom prst="rect">
             <a:avLst/>
@@ -2949,10 +2769,8 @@
         <p:txBody>
           <a:bodyPr lIns="0" rIns="0" tIns="0" bIns="0" anchor="ctr"/>
           <a:p>
-            <a:endParaRPr b="0" lang="en-US" sz="1800" spc="-1" strike="noStrike">
-              <a:solidFill>
-                <a:srgbClr val="000000"/>
-              </a:solidFill>
+            <a:pPr algn="ctr"/>
+            <a:endParaRPr b="0" lang="en-US" sz="4400" spc="-1" strike="noStrike">
               <a:latin typeface="Arial"/>
             </a:endParaRPr>
           </a:p>
@@ -2982,10 +2800,7 @@
             <a:normAutofit/>
           </a:bodyPr>
           <a:p>
-            <a:endParaRPr b="0" lang="en-US" sz="2800" spc="-1" strike="noStrike">
-              <a:solidFill>
-                <a:srgbClr val="000000"/>
-              </a:solidFill>
+            <a:endParaRPr b="0" lang="en-US" sz="3200" spc="-1" strike="noStrike">
               <a:latin typeface="Arial"/>
             </a:endParaRPr>
           </a:p>
@@ -3015,10 +2830,7 @@
             <a:normAutofit/>
           </a:bodyPr>
           <a:p>
-            <a:endParaRPr b="0" lang="en-US" sz="2800" spc="-1" strike="noStrike">
-              <a:solidFill>
-                <a:srgbClr val="000000"/>
-              </a:solidFill>
+            <a:endParaRPr b="0" lang="en-US" sz="3200" spc="-1" strike="noStrike">
               <a:latin typeface="Arial"/>
             </a:endParaRPr>
           </a:p>
@@ -3037,7 +2849,7 @@
         <p:spPr>
           <a:xfrm>
             <a:off x="609480" y="3682080"/>
-            <a:ext cx="10972440" cy="1896840"/>
+            <a:ext cx="10972080" cy="1896840"/>
           </a:xfrm>
           <a:prstGeom prst="rect">
             <a:avLst/>
@@ -3048,10 +2860,7 @@
             <a:normAutofit/>
           </a:bodyPr>
           <a:p>
-            <a:endParaRPr b="0" lang="en-US" sz="2800" spc="-1" strike="noStrike">
-              <a:solidFill>
-                <a:srgbClr val="000000"/>
-              </a:solidFill>
+            <a:endParaRPr b="0" lang="en-US" sz="3200" spc="-1" strike="noStrike">
               <a:latin typeface="Arial"/>
             </a:endParaRPr>
           </a:p>
@@ -3092,7 +2901,7 @@
         <p:spPr>
           <a:xfrm>
             <a:off x="1097280" y="286560"/>
-            <a:ext cx="10057680" cy="1450080"/>
+            <a:ext cx="10057320" cy="1449720"/>
           </a:xfrm>
           <a:prstGeom prst="rect">
             <a:avLst/>
@@ -3101,10 +2910,8 @@
         <p:txBody>
           <a:bodyPr lIns="0" rIns="0" tIns="0" bIns="0" anchor="ctr"/>
           <a:p>
-            <a:endParaRPr b="0" lang="en-US" sz="1800" spc="-1" strike="noStrike">
-              <a:solidFill>
-                <a:srgbClr val="000000"/>
-              </a:solidFill>
+            <a:pPr algn="ctr"/>
+            <a:endParaRPr b="0" lang="en-US" sz="4400" spc="-1" strike="noStrike">
               <a:latin typeface="Arial"/>
             </a:endParaRPr>
           </a:p>
@@ -3123,7 +2930,7 @@
         <p:spPr>
           <a:xfrm>
             <a:off x="609480" y="1604520"/>
-            <a:ext cx="10972440" cy="1896840"/>
+            <a:ext cx="10972080" cy="1896840"/>
           </a:xfrm>
           <a:prstGeom prst="rect">
             <a:avLst/>
@@ -3134,10 +2941,7 @@
             <a:normAutofit/>
           </a:bodyPr>
           <a:p>
-            <a:endParaRPr b="0" lang="en-US" sz="2800" spc="-1" strike="noStrike">
-              <a:solidFill>
-                <a:srgbClr val="000000"/>
-              </a:solidFill>
+            <a:endParaRPr b="0" lang="en-US" sz="3200" spc="-1" strike="noStrike">
               <a:latin typeface="Arial"/>
             </a:endParaRPr>
           </a:p>
@@ -3156,7 +2960,7 @@
         <p:spPr>
           <a:xfrm>
             <a:off x="609480" y="3682080"/>
-            <a:ext cx="10972440" cy="1896840"/>
+            <a:ext cx="10972080" cy="1896840"/>
           </a:xfrm>
           <a:prstGeom prst="rect">
             <a:avLst/>
@@ -3167,10 +2971,7 @@
             <a:normAutofit/>
           </a:bodyPr>
           <a:p>
-            <a:endParaRPr b="0" lang="en-US" sz="2800" spc="-1" strike="noStrike">
-              <a:solidFill>
-                <a:srgbClr val="000000"/>
-              </a:solidFill>
+            <a:endParaRPr b="0" lang="en-US" sz="3200" spc="-1" strike="noStrike">
               <a:latin typeface="Arial"/>
             </a:endParaRPr>
           </a:p>
@@ -3211,7 +3012,7 @@
         <p:spPr>
           <a:xfrm>
             <a:off x="1097280" y="286560"/>
-            <a:ext cx="10057680" cy="1450080"/>
+            <a:ext cx="10057320" cy="1449720"/>
           </a:xfrm>
           <a:prstGeom prst="rect">
             <a:avLst/>
@@ -3220,10 +3021,8 @@
         <p:txBody>
           <a:bodyPr lIns="0" rIns="0" tIns="0" bIns="0" anchor="ctr"/>
           <a:p>
-            <a:endParaRPr b="0" lang="en-US" sz="1800" spc="-1" strike="noStrike">
-              <a:solidFill>
-                <a:srgbClr val="000000"/>
-              </a:solidFill>
+            <a:pPr algn="ctr"/>
+            <a:endParaRPr b="0" lang="en-US" sz="4400" spc="-1" strike="noStrike">
               <a:latin typeface="Arial"/>
             </a:endParaRPr>
           </a:p>
@@ -3253,10 +3052,7 @@
             <a:normAutofit/>
           </a:bodyPr>
           <a:p>
-            <a:endParaRPr b="0" lang="en-US" sz="2800" spc="-1" strike="noStrike">
-              <a:solidFill>
-                <a:srgbClr val="000000"/>
-              </a:solidFill>
+            <a:endParaRPr b="0" lang="en-US" sz="3200" spc="-1" strike="noStrike">
               <a:latin typeface="Arial"/>
             </a:endParaRPr>
           </a:p>
@@ -3286,10 +3082,7 @@
             <a:normAutofit/>
           </a:bodyPr>
           <a:p>
-            <a:endParaRPr b="0" lang="en-US" sz="2800" spc="-1" strike="noStrike">
-              <a:solidFill>
-                <a:srgbClr val="000000"/>
-              </a:solidFill>
+            <a:endParaRPr b="0" lang="en-US" sz="3200" spc="-1" strike="noStrike">
               <a:latin typeface="Arial"/>
             </a:endParaRPr>
           </a:p>
@@ -3319,10 +3112,7 @@
             <a:normAutofit/>
           </a:bodyPr>
           <a:p>
-            <a:endParaRPr b="0" lang="en-US" sz="2800" spc="-1" strike="noStrike">
-              <a:solidFill>
-                <a:srgbClr val="000000"/>
-              </a:solidFill>
+            <a:endParaRPr b="0" lang="en-US" sz="3200" spc="-1" strike="noStrike">
               <a:latin typeface="Arial"/>
             </a:endParaRPr>
           </a:p>
@@ -3352,10 +3142,7 @@
             <a:normAutofit/>
           </a:bodyPr>
           <a:p>
-            <a:endParaRPr b="0" lang="en-US" sz="2800" spc="-1" strike="noStrike">
-              <a:solidFill>
-                <a:srgbClr val="000000"/>
-              </a:solidFill>
+            <a:endParaRPr b="0" lang="en-US" sz="3200" spc="-1" strike="noStrike">
               <a:latin typeface="Arial"/>
             </a:endParaRPr>
           </a:p>
@@ -3396,7 +3183,7 @@
         <p:spPr>
           <a:xfrm>
             <a:off x="1097280" y="286560"/>
-            <a:ext cx="10057680" cy="1450080"/>
+            <a:ext cx="10057320" cy="1449720"/>
           </a:xfrm>
           <a:prstGeom prst="rect">
             <a:avLst/>
@@ -3405,10 +3192,8 @@
         <p:txBody>
           <a:bodyPr lIns="0" rIns="0" tIns="0" bIns="0" anchor="ctr"/>
           <a:p>
-            <a:endParaRPr b="0" lang="en-US" sz="1800" spc="-1" strike="noStrike">
-              <a:solidFill>
-                <a:srgbClr val="000000"/>
-              </a:solidFill>
+            <a:pPr algn="ctr"/>
+            <a:endParaRPr b="0" lang="en-US" sz="4400" spc="-1" strike="noStrike">
               <a:latin typeface="Arial"/>
             </a:endParaRPr>
           </a:p>
@@ -3427,7 +3212,7 @@
         <p:spPr>
           <a:xfrm>
             <a:off x="609480" y="1604520"/>
-            <a:ext cx="3533040" cy="1896840"/>
+            <a:ext cx="3532680" cy="1896840"/>
           </a:xfrm>
           <a:prstGeom prst="rect">
             <a:avLst/>
@@ -3438,10 +3223,7 @@
             <a:normAutofit/>
           </a:bodyPr>
           <a:p>
-            <a:endParaRPr b="0" lang="en-US" sz="2800" spc="-1" strike="noStrike">
-              <a:solidFill>
-                <a:srgbClr val="000000"/>
-              </a:solidFill>
+            <a:endParaRPr b="0" lang="en-US" sz="3200" spc="-1" strike="noStrike">
               <a:latin typeface="Arial"/>
             </a:endParaRPr>
           </a:p>
@@ -3459,8 +3241,8 @@
         </p:nvSpPr>
         <p:spPr>
           <a:xfrm>
-            <a:off x="4319640" y="1604520"/>
-            <a:ext cx="3533040" cy="1896840"/>
+            <a:off x="4319280" y="1604520"/>
+            <a:ext cx="3532680" cy="1896840"/>
           </a:xfrm>
           <a:prstGeom prst="rect">
             <a:avLst/>
@@ -3471,10 +3253,7 @@
             <a:normAutofit/>
           </a:bodyPr>
           <a:p>
-            <a:endParaRPr b="0" lang="en-US" sz="2800" spc="-1" strike="noStrike">
-              <a:solidFill>
-                <a:srgbClr val="000000"/>
-              </a:solidFill>
+            <a:endParaRPr b="0" lang="en-US" sz="3200" spc="-1" strike="noStrike">
               <a:latin typeface="Arial"/>
             </a:endParaRPr>
           </a:p>
@@ -3492,8 +3271,8 @@
         </p:nvSpPr>
         <p:spPr>
           <a:xfrm>
-            <a:off x="8029800" y="1604520"/>
-            <a:ext cx="3533040" cy="1896840"/>
+            <a:off x="8028720" y="1604520"/>
+            <a:ext cx="3532680" cy="1896840"/>
           </a:xfrm>
           <a:prstGeom prst="rect">
             <a:avLst/>
@@ -3504,10 +3283,7 @@
             <a:normAutofit/>
           </a:bodyPr>
           <a:p>
-            <a:endParaRPr b="0" lang="en-US" sz="2800" spc="-1" strike="noStrike">
-              <a:solidFill>
-                <a:srgbClr val="000000"/>
-              </a:solidFill>
+            <a:endParaRPr b="0" lang="en-US" sz="3200" spc="-1" strike="noStrike">
               <a:latin typeface="Arial"/>
             </a:endParaRPr>
           </a:p>
@@ -3526,7 +3302,7 @@
         <p:spPr>
           <a:xfrm>
             <a:off x="609480" y="3682080"/>
-            <a:ext cx="3533040" cy="1896840"/>
+            <a:ext cx="3532680" cy="1896840"/>
           </a:xfrm>
           <a:prstGeom prst="rect">
             <a:avLst/>
@@ -3537,10 +3313,7 @@
             <a:normAutofit/>
           </a:bodyPr>
           <a:p>
-            <a:endParaRPr b="0" lang="en-US" sz="2800" spc="-1" strike="noStrike">
-              <a:solidFill>
-                <a:srgbClr val="000000"/>
-              </a:solidFill>
+            <a:endParaRPr b="0" lang="en-US" sz="3200" spc="-1" strike="noStrike">
               <a:latin typeface="Arial"/>
             </a:endParaRPr>
           </a:p>
@@ -3558,8 +3331,8 @@
         </p:nvSpPr>
         <p:spPr>
           <a:xfrm>
-            <a:off x="4319640" y="3682080"/>
-            <a:ext cx="3533040" cy="1896840"/>
+            <a:off x="4319280" y="3682080"/>
+            <a:ext cx="3532680" cy="1896840"/>
           </a:xfrm>
           <a:prstGeom prst="rect">
             <a:avLst/>
@@ -3570,10 +3343,7 @@
             <a:normAutofit/>
           </a:bodyPr>
           <a:p>
-            <a:endParaRPr b="0" lang="en-US" sz="2800" spc="-1" strike="noStrike">
-              <a:solidFill>
-                <a:srgbClr val="000000"/>
-              </a:solidFill>
+            <a:endParaRPr b="0" lang="en-US" sz="3200" spc="-1" strike="noStrike">
               <a:latin typeface="Arial"/>
             </a:endParaRPr>
           </a:p>
@@ -3591,8 +3361,8 @@
         </p:nvSpPr>
         <p:spPr>
           <a:xfrm>
-            <a:off x="8029800" y="3682080"/>
-            <a:ext cx="3533040" cy="1896840"/>
+            <a:off x="8028720" y="3682080"/>
+            <a:ext cx="3532680" cy="1896840"/>
           </a:xfrm>
           <a:prstGeom prst="rect">
             <a:avLst/>
@@ -3603,10 +3373,7 @@
             <a:normAutofit/>
           </a:bodyPr>
           <a:p>
-            <a:endParaRPr b="0" lang="en-US" sz="2800" spc="-1" strike="noStrike">
-              <a:solidFill>
-                <a:srgbClr val="000000"/>
-              </a:solidFill>
+            <a:endParaRPr b="0" lang="en-US" sz="3200" spc="-1" strike="noStrike">
               <a:latin typeface="Arial"/>
             </a:endParaRPr>
           </a:p>
@@ -3647,7 +3414,7 @@
         <p:spPr>
           <a:xfrm>
             <a:off x="1097280" y="286560"/>
-            <a:ext cx="10057680" cy="1450080"/>
+            <a:ext cx="10057320" cy="1449720"/>
           </a:xfrm>
           <a:prstGeom prst="rect">
             <a:avLst/>
@@ -3656,10 +3423,8 @@
         <p:txBody>
           <a:bodyPr lIns="0" rIns="0" tIns="0" bIns="0" anchor="ctr"/>
           <a:p>
-            <a:endParaRPr b="0" lang="en-US" sz="1800" spc="-1" strike="noStrike">
-              <a:solidFill>
-                <a:srgbClr val="000000"/>
-              </a:solidFill>
+            <a:pPr algn="ctr"/>
+            <a:endParaRPr b="0" lang="en-US" sz="4400" spc="-1" strike="noStrike">
               <a:latin typeface="Arial"/>
             </a:endParaRPr>
           </a:p>
@@ -3678,7 +3443,7 @@
         <p:spPr>
           <a:xfrm>
             <a:off x="609480" y="1604520"/>
-            <a:ext cx="5354280" cy="3977280"/>
+            <a:ext cx="5354280" cy="3976920"/>
           </a:xfrm>
           <a:prstGeom prst="rect">
             <a:avLst/>
@@ -3689,10 +3454,7 @@
             <a:normAutofit/>
           </a:bodyPr>
           <a:p>
-            <a:endParaRPr b="0" lang="en-US" sz="2800" spc="-1" strike="noStrike">
-              <a:solidFill>
-                <a:srgbClr val="000000"/>
-              </a:solidFill>
+            <a:endParaRPr b="0" lang="en-US" sz="3200" spc="-1" strike="noStrike">
               <a:latin typeface="Arial"/>
             </a:endParaRPr>
           </a:p>
@@ -3711,7 +3473,7 @@
         <p:spPr>
           <a:xfrm>
             <a:off x="6231960" y="1604520"/>
-            <a:ext cx="5354280" cy="3977280"/>
+            <a:ext cx="5354280" cy="3976920"/>
           </a:xfrm>
           <a:prstGeom prst="rect">
             <a:avLst/>
@@ -3722,10 +3484,7 @@
             <a:normAutofit/>
           </a:bodyPr>
           <a:p>
-            <a:endParaRPr b="0" lang="en-US" sz="2800" spc="-1" strike="noStrike">
-              <a:solidFill>
-                <a:srgbClr val="000000"/>
-              </a:solidFill>
+            <a:endParaRPr b="0" lang="en-US" sz="3200" spc="-1" strike="noStrike">
               <a:latin typeface="Arial"/>
             </a:endParaRPr>
           </a:p>
@@ -3766,7 +3525,7 @@
         <p:spPr>
           <a:xfrm>
             <a:off x="1097280" y="286560"/>
-            <a:ext cx="10057680" cy="1450080"/>
+            <a:ext cx="10057320" cy="1449720"/>
           </a:xfrm>
           <a:prstGeom prst="rect">
             <a:avLst/>
@@ -3775,10 +3534,8 @@
         <p:txBody>
           <a:bodyPr lIns="0" rIns="0" tIns="0" bIns="0" anchor="ctr"/>
           <a:p>
-            <a:endParaRPr b="0" lang="en-US" sz="1800" spc="-1" strike="noStrike">
-              <a:solidFill>
-                <a:srgbClr val="000000"/>
-              </a:solidFill>
+            <a:pPr algn="ctr"/>
+            <a:endParaRPr b="0" lang="en-US" sz="4400" spc="-1" strike="noStrike">
               <a:latin typeface="Arial"/>
             </a:endParaRPr>
           </a:p>
@@ -3819,7 +3576,7 @@
         <p:spPr>
           <a:xfrm>
             <a:off x="1097280" y="286560"/>
-            <a:ext cx="10057680" cy="6723000"/>
+            <a:ext cx="10057320" cy="6721200"/>
           </a:xfrm>
           <a:prstGeom prst="rect">
             <a:avLst/>
@@ -3870,7 +3627,7 @@
         <p:spPr>
           <a:xfrm>
             <a:off x="1097280" y="286560"/>
-            <a:ext cx="10057680" cy="1450080"/>
+            <a:ext cx="10057320" cy="1449720"/>
           </a:xfrm>
           <a:prstGeom prst="rect">
             <a:avLst/>
@@ -3879,10 +3636,8 @@
         <p:txBody>
           <a:bodyPr lIns="0" rIns="0" tIns="0" bIns="0" anchor="ctr"/>
           <a:p>
-            <a:endParaRPr b="0" lang="en-US" sz="1800" spc="-1" strike="noStrike">
-              <a:solidFill>
-                <a:srgbClr val="000000"/>
-              </a:solidFill>
+            <a:pPr algn="ctr"/>
+            <a:endParaRPr b="0" lang="en-US" sz="4400" spc="-1" strike="noStrike">
               <a:latin typeface="Arial"/>
             </a:endParaRPr>
           </a:p>
@@ -3912,10 +3667,7 @@
             <a:normAutofit/>
           </a:bodyPr>
           <a:p>
-            <a:endParaRPr b="0" lang="en-US" sz="2800" spc="-1" strike="noStrike">
-              <a:solidFill>
-                <a:srgbClr val="000000"/>
-              </a:solidFill>
+            <a:endParaRPr b="0" lang="en-US" sz="3200" spc="-1" strike="noStrike">
               <a:latin typeface="Arial"/>
             </a:endParaRPr>
           </a:p>
@@ -3934,7 +3686,7 @@
         <p:spPr>
           <a:xfrm>
             <a:off x="6231960" y="1604520"/>
-            <a:ext cx="5354280" cy="3977280"/>
+            <a:ext cx="5354280" cy="3976920"/>
           </a:xfrm>
           <a:prstGeom prst="rect">
             <a:avLst/>
@@ -3945,10 +3697,7 @@
             <a:normAutofit/>
           </a:bodyPr>
           <a:p>
-            <a:endParaRPr b="0" lang="en-US" sz="2800" spc="-1" strike="noStrike">
-              <a:solidFill>
-                <a:srgbClr val="000000"/>
-              </a:solidFill>
+            <a:endParaRPr b="0" lang="en-US" sz="3200" spc="-1" strike="noStrike">
               <a:latin typeface="Arial"/>
             </a:endParaRPr>
           </a:p>
@@ -3978,10 +3727,7 @@
             <a:normAutofit/>
           </a:bodyPr>
           <a:p>
-            <a:endParaRPr b="0" lang="en-US" sz="2800" spc="-1" strike="noStrike">
-              <a:solidFill>
-                <a:srgbClr val="000000"/>
-              </a:solidFill>
+            <a:endParaRPr b="0" lang="en-US" sz="3200" spc="-1" strike="noStrike">
               <a:latin typeface="Arial"/>
             </a:endParaRPr>
           </a:p>
@@ -4022,7 +3768,7 @@
         <p:spPr>
           <a:xfrm>
             <a:off x="1097280" y="286560"/>
-            <a:ext cx="10057680" cy="1450080"/>
+            <a:ext cx="10057320" cy="1449720"/>
           </a:xfrm>
           <a:prstGeom prst="rect">
             <a:avLst/>
@@ -4031,10 +3777,8 @@
         <p:txBody>
           <a:bodyPr lIns="0" rIns="0" tIns="0" bIns="0" anchor="ctr"/>
           <a:p>
-            <a:endParaRPr b="0" lang="en-US" sz="1800" spc="-1" strike="noStrike">
-              <a:solidFill>
-                <a:srgbClr val="000000"/>
-              </a:solidFill>
+            <a:pPr algn="ctr"/>
+            <a:endParaRPr b="0" lang="en-US" sz="4400" spc="-1" strike="noStrike">
               <a:latin typeface="Arial"/>
             </a:endParaRPr>
           </a:p>
@@ -4053,7 +3797,7 @@
         <p:spPr>
           <a:xfrm>
             <a:off x="609480" y="1604520"/>
-            <a:ext cx="5354280" cy="3977280"/>
+            <a:ext cx="5354280" cy="3976920"/>
           </a:xfrm>
           <a:prstGeom prst="rect">
             <a:avLst/>
@@ -4064,10 +3808,7 @@
             <a:normAutofit/>
           </a:bodyPr>
           <a:p>
-            <a:endParaRPr b="0" lang="en-US" sz="2800" spc="-1" strike="noStrike">
-              <a:solidFill>
-                <a:srgbClr val="000000"/>
-              </a:solidFill>
+            <a:endParaRPr b="0" lang="en-US" sz="3200" spc="-1" strike="noStrike">
               <a:latin typeface="Arial"/>
             </a:endParaRPr>
           </a:p>
@@ -4097,10 +3838,7 @@
             <a:normAutofit/>
           </a:bodyPr>
           <a:p>
-            <a:endParaRPr b="0" lang="en-US" sz="2800" spc="-1" strike="noStrike">
-              <a:solidFill>
-                <a:srgbClr val="000000"/>
-              </a:solidFill>
+            <a:endParaRPr b="0" lang="en-US" sz="3200" spc="-1" strike="noStrike">
               <a:latin typeface="Arial"/>
             </a:endParaRPr>
           </a:p>
@@ -4130,10 +3868,7 @@
             <a:normAutofit/>
           </a:bodyPr>
           <a:p>
-            <a:endParaRPr b="0" lang="en-US" sz="2800" spc="-1" strike="noStrike">
-              <a:solidFill>
-                <a:srgbClr val="000000"/>
-              </a:solidFill>
+            <a:endParaRPr b="0" lang="en-US" sz="3200" spc="-1" strike="noStrike">
               <a:latin typeface="Arial"/>
             </a:endParaRPr>
           </a:p>
@@ -4174,7 +3909,7 @@
         <p:spPr>
           <a:xfrm>
             <a:off x="1097280" y="286560"/>
-            <a:ext cx="10057680" cy="1450080"/>
+            <a:ext cx="10057320" cy="1449720"/>
           </a:xfrm>
           <a:prstGeom prst="rect">
             <a:avLst/>
@@ -4183,10 +3918,8 @@
         <p:txBody>
           <a:bodyPr lIns="0" rIns="0" tIns="0" bIns="0" anchor="ctr"/>
           <a:p>
-            <a:endParaRPr b="0" lang="en-US" sz="1800" spc="-1" strike="noStrike">
-              <a:solidFill>
-                <a:srgbClr val="000000"/>
-              </a:solidFill>
+            <a:pPr algn="ctr"/>
+            <a:endParaRPr b="0" lang="en-US" sz="4400" spc="-1" strike="noStrike">
               <a:latin typeface="Arial"/>
             </a:endParaRPr>
           </a:p>
@@ -4216,10 +3949,7 @@
             <a:normAutofit/>
           </a:bodyPr>
           <a:p>
-            <a:endParaRPr b="0" lang="en-US" sz="2800" spc="-1" strike="noStrike">
-              <a:solidFill>
-                <a:srgbClr val="000000"/>
-              </a:solidFill>
+            <a:endParaRPr b="0" lang="en-US" sz="3200" spc="-1" strike="noStrike">
               <a:latin typeface="Arial"/>
             </a:endParaRPr>
           </a:p>
@@ -4249,10 +3979,7 @@
             <a:normAutofit/>
           </a:bodyPr>
           <a:p>
-            <a:endParaRPr b="0" lang="en-US" sz="2800" spc="-1" strike="noStrike">
-              <a:solidFill>
-                <a:srgbClr val="000000"/>
-              </a:solidFill>
+            <a:endParaRPr b="0" lang="en-US" sz="3200" spc="-1" strike="noStrike">
               <a:latin typeface="Arial"/>
             </a:endParaRPr>
           </a:p>
@@ -4271,7 +3998,7 @@
         <p:spPr>
           <a:xfrm>
             <a:off x="609480" y="3682080"/>
-            <a:ext cx="10972440" cy="1896840"/>
+            <a:ext cx="10972080" cy="1896840"/>
           </a:xfrm>
           <a:prstGeom prst="rect">
             <a:avLst/>
@@ -4282,10 +4009,7 @@
             <a:normAutofit/>
           </a:bodyPr>
           <a:p>
-            <a:endParaRPr b="0" lang="en-US" sz="2800" spc="-1" strike="noStrike">
-              <a:solidFill>
-                <a:srgbClr val="000000"/>
-              </a:solidFill>
+            <a:endParaRPr b="0" lang="en-US" sz="3200" spc="-1" strike="noStrike">
               <a:latin typeface="Arial"/>
             </a:endParaRPr>
           </a:p>
@@ -4329,7 +4053,7 @@
         <p:spPr>
           <a:xfrm>
             <a:off x="0" y="6400800"/>
-            <a:ext cx="12191400" cy="456480"/>
+            <a:ext cx="12191040" cy="456120"/>
           </a:xfrm>
           <a:prstGeom prst="rect">
             <a:avLst/>
@@ -4357,7 +4081,7 @@
         <p:spPr>
           <a:xfrm>
             <a:off x="0" y="6334200"/>
-            <a:ext cx="12191400" cy="65160"/>
+            <a:ext cx="12191040" cy="64800"/>
           </a:xfrm>
           <a:prstGeom prst="rect">
             <a:avLst/>
@@ -4413,7 +4137,7 @@
         <p:spPr>
           <a:xfrm>
             <a:off x="3240" y="6400800"/>
-            <a:ext cx="12188160" cy="456480"/>
+            <a:ext cx="12187800" cy="456120"/>
           </a:xfrm>
           <a:prstGeom prst="rect">
             <a:avLst/>
@@ -4441,7 +4165,7 @@
         <p:spPr>
           <a:xfrm>
             <a:off x="0" y="6334200"/>
-            <a:ext cx="12188160" cy="63360"/>
+            <a:ext cx="12187800" cy="63000"/>
           </a:xfrm>
           <a:prstGeom prst="rect">
             <a:avLst/>
@@ -4501,7 +4225,7 @@
         <p:spPr>
           <a:xfrm>
             <a:off x="1097280" y="286560"/>
-            <a:ext cx="10057680" cy="1450080"/>
+            <a:ext cx="10057320" cy="1449720"/>
           </a:xfrm>
           <a:prstGeom prst="rect">
             <a:avLst/>
@@ -4511,18 +4235,12 @@
           <a:bodyPr lIns="0" rIns="0" tIns="0" bIns="0" anchor="ctr"/>
           <a:p>
             <a:r>
-              <a:rPr b="0" lang="en-US" sz="4400" spc="-1" strike="noStrike">
-                <a:solidFill>
-                  <a:srgbClr val="000000"/>
-                </a:solidFill>
+              <a:rPr b="0" lang="en-US" sz="1800" spc="-1" strike="noStrike">
                 <a:latin typeface="Arial"/>
               </a:rPr>
               <a:t>Click to edit the title text format</a:t>
             </a:r>
-            <a:endParaRPr b="0" lang="en-US" sz="4400" spc="-1" strike="noStrike">
-              <a:solidFill>
-                <a:srgbClr val="000000"/>
-              </a:solidFill>
+            <a:endParaRPr b="0" lang="en-US" sz="1800" spc="-1" strike="noStrike">
               <a:latin typeface="Arial"/>
             </a:endParaRPr>
           </a:p>
@@ -4541,7 +4259,7 @@
         <p:spPr>
           <a:xfrm>
             <a:off x="609480" y="1604520"/>
-            <a:ext cx="10972440" cy="3977280"/>
+            <a:ext cx="10972080" cy="3976920"/>
           </a:xfrm>
           <a:prstGeom prst="rect">
             <a:avLst/>
@@ -4564,18 +4282,12 @@
               <a:buChar char=""/>
             </a:pPr>
             <a:r>
-              <a:rPr b="0" lang="en-US" sz="2800" spc="-1" strike="noStrike">
-                <a:solidFill>
-                  <a:srgbClr val="000000"/>
-                </a:solidFill>
+              <a:rPr b="0" lang="en-US" sz="1800" spc="-1" strike="noStrike">
                 <a:latin typeface="Arial"/>
               </a:rPr>
               <a:t>Click to edit the outline text format</a:t>
             </a:r>
-            <a:endParaRPr b="0" lang="en-US" sz="2800" spc="-1" strike="noStrike">
-              <a:solidFill>
-                <a:srgbClr val="000000"/>
-              </a:solidFill>
+            <a:endParaRPr b="0" lang="en-US" sz="1800" spc="-1" strike="noStrike">
               <a:latin typeface="Arial"/>
             </a:endParaRPr>
           </a:p>
@@ -4592,18 +4304,12 @@
               <a:buChar char=""/>
             </a:pPr>
             <a:r>
-              <a:rPr b="0" lang="en-US" sz="2000" spc="-1" strike="noStrike">
-                <a:solidFill>
-                  <a:srgbClr val="000000"/>
-                </a:solidFill>
+              <a:rPr b="0" lang="en-US" sz="1800" spc="-1" strike="noStrike">
                 <a:latin typeface="Arial"/>
               </a:rPr>
               <a:t>Second Outline Level</a:t>
             </a:r>
-            <a:endParaRPr b="0" lang="en-US" sz="2000" spc="-1" strike="noStrike">
-              <a:solidFill>
-                <a:srgbClr val="000000"/>
-              </a:solidFill>
+            <a:endParaRPr b="0" lang="en-US" sz="1800" spc="-1" strike="noStrike">
               <a:latin typeface="Arial"/>
             </a:endParaRPr>
           </a:p>
@@ -4621,17 +4327,11 @@
             </a:pPr>
             <a:r>
               <a:rPr b="0" lang="en-US" sz="1800" spc="-1" strike="noStrike">
-                <a:solidFill>
-                  <a:srgbClr val="000000"/>
-                </a:solidFill>
                 <a:latin typeface="Arial"/>
               </a:rPr>
               <a:t>Third Outline Level</a:t>
             </a:r>
             <a:endParaRPr b="0" lang="en-US" sz="1800" spc="-1" strike="noStrike">
-              <a:solidFill>
-                <a:srgbClr val="000000"/>
-              </a:solidFill>
               <a:latin typeface="Arial"/>
             </a:endParaRPr>
           </a:p>
@@ -4649,17 +4349,11 @@
             </a:pPr>
             <a:r>
               <a:rPr b="0" lang="en-US" sz="1800" spc="-1" strike="noStrike">
-                <a:solidFill>
-                  <a:srgbClr val="000000"/>
-                </a:solidFill>
                 <a:latin typeface="Arial"/>
               </a:rPr>
               <a:t>Fourth Outline Level</a:t>
             </a:r>
             <a:endParaRPr b="0" lang="en-US" sz="1800" spc="-1" strike="noStrike">
-              <a:solidFill>
-                <a:srgbClr val="000000"/>
-              </a:solidFill>
               <a:latin typeface="Arial"/>
             </a:endParaRPr>
           </a:p>
@@ -4676,18 +4370,12 @@
               <a:buChar char=""/>
             </a:pPr>
             <a:r>
-              <a:rPr b="0" lang="en-US" sz="2000" spc="-1" strike="noStrike">
-                <a:solidFill>
-                  <a:srgbClr val="000000"/>
-                </a:solidFill>
+              <a:rPr b="0" lang="en-US" sz="1800" spc="-1" strike="noStrike">
                 <a:latin typeface="Arial"/>
               </a:rPr>
               <a:t>Fifth Outline Level</a:t>
             </a:r>
-            <a:endParaRPr b="0" lang="en-US" sz="2000" spc="-1" strike="noStrike">
-              <a:solidFill>
-                <a:srgbClr val="000000"/>
-              </a:solidFill>
+            <a:endParaRPr b="0" lang="en-US" sz="1800" spc="-1" strike="noStrike">
               <a:latin typeface="Arial"/>
             </a:endParaRPr>
           </a:p>
@@ -4704,18 +4392,12 @@
               <a:buChar char=""/>
             </a:pPr>
             <a:r>
-              <a:rPr b="0" lang="en-US" sz="2000" spc="-1" strike="noStrike">
-                <a:solidFill>
-                  <a:srgbClr val="000000"/>
-                </a:solidFill>
+              <a:rPr b="0" lang="en-US" sz="1800" spc="-1" strike="noStrike">
                 <a:latin typeface="Arial"/>
               </a:rPr>
               <a:t>Sixth Outline Level</a:t>
             </a:r>
-            <a:endParaRPr b="0" lang="en-US" sz="2000" spc="-1" strike="noStrike">
-              <a:solidFill>
-                <a:srgbClr val="000000"/>
-              </a:solidFill>
+            <a:endParaRPr b="0" lang="en-US" sz="1800" spc="-1" strike="noStrike">
               <a:latin typeface="Arial"/>
             </a:endParaRPr>
           </a:p>
@@ -4732,18 +4414,12 @@
               <a:buChar char=""/>
             </a:pPr>
             <a:r>
-              <a:rPr b="0" lang="en-US" sz="2000" spc="-1" strike="noStrike">
-                <a:solidFill>
-                  <a:srgbClr val="000000"/>
-                </a:solidFill>
+              <a:rPr b="0" lang="en-US" sz="1800" spc="-1" strike="noStrike">
                 <a:latin typeface="Arial"/>
               </a:rPr>
               <a:t>Seventh Outline Level</a:t>
             </a:r>
-            <a:endParaRPr b="0" lang="en-US" sz="2000" spc="-1" strike="noStrike">
-              <a:solidFill>
-                <a:srgbClr val="000000"/>
-              </a:solidFill>
+            <a:endParaRPr b="0" lang="en-US" sz="1800" spc="-1" strike="noStrike">
               <a:latin typeface="Arial"/>
             </a:endParaRPr>
           </a:p>
@@ -4802,7 +4478,7 @@
         <p:spPr>
           <a:xfrm>
             <a:off x="0" y="6400800"/>
-            <a:ext cx="12191400" cy="456480"/>
+            <a:ext cx="12191040" cy="456120"/>
           </a:xfrm>
           <a:prstGeom prst="rect">
             <a:avLst/>
@@ -4830,7 +4506,7 @@
         <p:spPr>
           <a:xfrm>
             <a:off x="0" y="6334200"/>
-            <a:ext cx="12191400" cy="65160"/>
+            <a:ext cx="12191040" cy="64800"/>
           </a:xfrm>
           <a:prstGeom prst="rect">
             <a:avLst/>
@@ -4899,19 +4575,14 @@
         <p:txBody>
           <a:bodyPr lIns="0" rIns="0" tIns="0" bIns="0" anchor="ctr"/>
           <a:p>
+            <a:pPr algn="ctr"/>
             <a:r>
-              <a:rPr b="0" lang="en-US" sz="1800" spc="-1" strike="noStrike">
-                <a:solidFill>
-                  <a:srgbClr val="000000"/>
-                </a:solidFill>
+              <a:rPr b="0" lang="en-US" sz="4400" spc="-1" strike="noStrike">
                 <a:latin typeface="Arial"/>
               </a:rPr>
               <a:t>Click to edit the title text format</a:t>
             </a:r>
-            <a:endParaRPr b="0" lang="en-US" sz="1800" spc="-1" strike="noStrike">
-              <a:solidFill>
-                <a:srgbClr val="000000"/>
-              </a:solidFill>
+            <a:endParaRPr b="0" lang="en-US" sz="4400" spc="-1" strike="noStrike">
               <a:latin typeface="Arial"/>
             </a:endParaRPr>
           </a:p>
@@ -4953,18 +4624,12 @@
               <a:buChar char=""/>
             </a:pPr>
             <a:r>
-              <a:rPr b="0" lang="en-US" sz="2800" spc="-1" strike="noStrike">
-                <a:solidFill>
-                  <a:srgbClr val="000000"/>
-                </a:solidFill>
+              <a:rPr b="0" lang="en-US" sz="3200" spc="-1" strike="noStrike">
                 <a:latin typeface="Arial"/>
               </a:rPr>
               <a:t>Click to edit the outline text format</a:t>
             </a:r>
-            <a:endParaRPr b="0" lang="en-US" sz="2800" spc="-1" strike="noStrike">
-              <a:solidFill>
-                <a:srgbClr val="000000"/>
-              </a:solidFill>
+            <a:endParaRPr b="0" lang="en-US" sz="3200" spc="-1" strike="noStrike">
               <a:latin typeface="Arial"/>
             </a:endParaRPr>
           </a:p>
@@ -4981,18 +4646,12 @@
               <a:buChar char=""/>
             </a:pPr>
             <a:r>
-              <a:rPr b="0" lang="en-US" sz="2000" spc="-1" strike="noStrike">
-                <a:solidFill>
-                  <a:srgbClr val="000000"/>
-                </a:solidFill>
+              <a:rPr b="0" lang="en-US" sz="2800" spc="-1" strike="noStrike">
                 <a:latin typeface="Arial"/>
               </a:rPr>
               <a:t>Second Outline Level</a:t>
             </a:r>
-            <a:endParaRPr b="0" lang="en-US" sz="2000" spc="-1" strike="noStrike">
-              <a:solidFill>
-                <a:srgbClr val="000000"/>
-              </a:solidFill>
+            <a:endParaRPr b="0" lang="en-US" sz="2800" spc="-1" strike="noStrike">
               <a:latin typeface="Arial"/>
             </a:endParaRPr>
           </a:p>
@@ -5009,18 +4668,12 @@
               <a:buChar char=""/>
             </a:pPr>
             <a:r>
-              <a:rPr b="0" lang="en-US" sz="1800" spc="-1" strike="noStrike">
-                <a:solidFill>
-                  <a:srgbClr val="000000"/>
-                </a:solidFill>
+              <a:rPr b="0" lang="en-US" sz="2400" spc="-1" strike="noStrike">
                 <a:latin typeface="Arial"/>
               </a:rPr>
               <a:t>Third Outline Level</a:t>
             </a:r>
-            <a:endParaRPr b="0" lang="en-US" sz="1800" spc="-1" strike="noStrike">
-              <a:solidFill>
-                <a:srgbClr val="000000"/>
-              </a:solidFill>
+            <a:endParaRPr b="0" lang="en-US" sz="2400" spc="-1" strike="noStrike">
               <a:latin typeface="Arial"/>
             </a:endParaRPr>
           </a:p>
@@ -5037,18 +4690,12 @@
               <a:buChar char=""/>
             </a:pPr>
             <a:r>
-              <a:rPr b="0" lang="en-US" sz="1800" spc="-1" strike="noStrike">
-                <a:solidFill>
-                  <a:srgbClr val="000000"/>
-                </a:solidFill>
+              <a:rPr b="0" lang="en-US" sz="2000" spc="-1" strike="noStrike">
                 <a:latin typeface="Arial"/>
               </a:rPr>
               <a:t>Fourth Outline Level</a:t>
             </a:r>
-            <a:endParaRPr b="0" lang="en-US" sz="1800" spc="-1" strike="noStrike">
-              <a:solidFill>
-                <a:srgbClr val="000000"/>
-              </a:solidFill>
+            <a:endParaRPr b="0" lang="en-US" sz="2000" spc="-1" strike="noStrike">
               <a:latin typeface="Arial"/>
             </a:endParaRPr>
           </a:p>
@@ -5066,17 +4713,11 @@
             </a:pPr>
             <a:r>
               <a:rPr b="0" lang="en-US" sz="2000" spc="-1" strike="noStrike">
-                <a:solidFill>
-                  <a:srgbClr val="000000"/>
-                </a:solidFill>
                 <a:latin typeface="Arial"/>
               </a:rPr>
               <a:t>Fifth Outline Level</a:t>
             </a:r>
             <a:endParaRPr b="0" lang="en-US" sz="2000" spc="-1" strike="noStrike">
-              <a:solidFill>
-                <a:srgbClr val="000000"/>
-              </a:solidFill>
               <a:latin typeface="Arial"/>
             </a:endParaRPr>
           </a:p>
@@ -5094,17 +4735,11 @@
             </a:pPr>
             <a:r>
               <a:rPr b="0" lang="en-US" sz="2000" spc="-1" strike="noStrike">
-                <a:solidFill>
-                  <a:srgbClr val="000000"/>
-                </a:solidFill>
                 <a:latin typeface="Arial"/>
               </a:rPr>
               <a:t>Sixth Outline Level</a:t>
             </a:r>
             <a:endParaRPr b="0" lang="en-US" sz="2000" spc="-1" strike="noStrike">
-              <a:solidFill>
-                <a:srgbClr val="000000"/>
-              </a:solidFill>
               <a:latin typeface="Arial"/>
             </a:endParaRPr>
           </a:p>
@@ -5122,17 +4757,11 @@
             </a:pPr>
             <a:r>
               <a:rPr b="0" lang="en-US" sz="2000" spc="-1" strike="noStrike">
-                <a:solidFill>
-                  <a:srgbClr val="000000"/>
-                </a:solidFill>
                 <a:latin typeface="Arial"/>
               </a:rPr>
               <a:t>Seventh Outline Level</a:t>
             </a:r>
             <a:endParaRPr b="0" lang="en-US" sz="2000" spc="-1" strike="noStrike">
-              <a:solidFill>
-                <a:srgbClr val="000000"/>
-              </a:solidFill>
               <a:latin typeface="Arial"/>
             </a:endParaRPr>
           </a:p>
@@ -5191,7 +4820,7 @@
         <p:spPr>
           <a:xfrm>
             <a:off x="0" y="6400800"/>
-            <a:ext cx="12191400" cy="456480"/>
+            <a:ext cx="12191040" cy="456120"/>
           </a:xfrm>
           <a:prstGeom prst="rect">
             <a:avLst/>
@@ -5219,7 +4848,7 @@
         <p:spPr>
           <a:xfrm>
             <a:off x="0" y="6334200"/>
-            <a:ext cx="12191400" cy="65160"/>
+            <a:ext cx="12191040" cy="64800"/>
           </a:xfrm>
           <a:prstGeom prst="rect">
             <a:avLst/>
@@ -5279,7 +4908,7 @@
         <p:spPr>
           <a:xfrm>
             <a:off x="1097280" y="286560"/>
-            <a:ext cx="10057680" cy="1450080"/>
+            <a:ext cx="10057320" cy="1449720"/>
           </a:xfrm>
           <a:prstGeom prst="rect">
             <a:avLst/>
@@ -5289,18 +4918,12 @@
           <a:bodyPr lIns="0" rIns="0" tIns="0" bIns="0" anchor="ctr"/>
           <a:p>
             <a:r>
-              <a:rPr b="0" lang="en-US" sz="4400" spc="-1" strike="noStrike">
-                <a:solidFill>
-                  <a:srgbClr val="000000"/>
-                </a:solidFill>
+              <a:rPr b="0" lang="en-US" sz="1800" spc="-1" strike="noStrike">
                 <a:latin typeface="Arial"/>
               </a:rPr>
               <a:t>Click to edit the title text format</a:t>
             </a:r>
-            <a:endParaRPr b="0" lang="en-US" sz="4400" spc="-1" strike="noStrike">
-              <a:solidFill>
-                <a:srgbClr val="000000"/>
-              </a:solidFill>
+            <a:endParaRPr b="0" lang="en-US" sz="1800" spc="-1" strike="noStrike">
               <a:latin typeface="Arial"/>
             </a:endParaRPr>
           </a:p>
@@ -5319,7 +4942,7 @@
         <p:spPr>
           <a:xfrm>
             <a:off x="609480" y="1604520"/>
-            <a:ext cx="10972440" cy="3977280"/>
+            <a:ext cx="10972080" cy="3976920"/>
           </a:xfrm>
           <a:prstGeom prst="rect">
             <a:avLst/>
@@ -5342,18 +4965,12 @@
               <a:buChar char=""/>
             </a:pPr>
             <a:r>
-              <a:rPr b="0" lang="en-US" sz="2800" spc="-1" strike="noStrike">
-                <a:solidFill>
-                  <a:srgbClr val="000000"/>
-                </a:solidFill>
+              <a:rPr b="0" lang="en-US" sz="1800" spc="-1" strike="noStrike">
                 <a:latin typeface="Arial"/>
               </a:rPr>
               <a:t>Click to edit the outline text format</a:t>
             </a:r>
-            <a:endParaRPr b="0" lang="en-US" sz="2800" spc="-1" strike="noStrike">
-              <a:solidFill>
-                <a:srgbClr val="000000"/>
-              </a:solidFill>
+            <a:endParaRPr b="0" lang="en-US" sz="1800" spc="-1" strike="noStrike">
               <a:latin typeface="Arial"/>
             </a:endParaRPr>
           </a:p>
@@ -5370,18 +4987,12 @@
               <a:buChar char=""/>
             </a:pPr>
             <a:r>
-              <a:rPr b="0" lang="en-US" sz="2000" spc="-1" strike="noStrike">
-                <a:solidFill>
-                  <a:srgbClr val="000000"/>
-                </a:solidFill>
+              <a:rPr b="0" lang="en-US" sz="1800" spc="-1" strike="noStrike">
                 <a:latin typeface="Arial"/>
               </a:rPr>
               <a:t>Second Outline Level</a:t>
             </a:r>
-            <a:endParaRPr b="0" lang="en-US" sz="2000" spc="-1" strike="noStrike">
-              <a:solidFill>
-                <a:srgbClr val="000000"/>
-              </a:solidFill>
+            <a:endParaRPr b="0" lang="en-US" sz="1800" spc="-1" strike="noStrike">
               <a:latin typeface="Arial"/>
             </a:endParaRPr>
           </a:p>
@@ -5399,17 +5010,11 @@
             </a:pPr>
             <a:r>
               <a:rPr b="0" lang="en-US" sz="1800" spc="-1" strike="noStrike">
-                <a:solidFill>
-                  <a:srgbClr val="000000"/>
-                </a:solidFill>
                 <a:latin typeface="Arial"/>
               </a:rPr>
               <a:t>Third Outline Level</a:t>
             </a:r>
             <a:endParaRPr b="0" lang="en-US" sz="1800" spc="-1" strike="noStrike">
-              <a:solidFill>
-                <a:srgbClr val="000000"/>
-              </a:solidFill>
               <a:latin typeface="Arial"/>
             </a:endParaRPr>
           </a:p>
@@ -5427,17 +5032,11 @@
             </a:pPr>
             <a:r>
               <a:rPr b="0" lang="en-US" sz="1800" spc="-1" strike="noStrike">
-                <a:solidFill>
-                  <a:srgbClr val="000000"/>
-                </a:solidFill>
                 <a:latin typeface="Arial"/>
               </a:rPr>
               <a:t>Fourth Outline Level</a:t>
             </a:r>
             <a:endParaRPr b="0" lang="en-US" sz="1800" spc="-1" strike="noStrike">
-              <a:solidFill>
-                <a:srgbClr val="000000"/>
-              </a:solidFill>
               <a:latin typeface="Arial"/>
             </a:endParaRPr>
           </a:p>
@@ -5454,18 +5053,12 @@
               <a:buChar char=""/>
             </a:pPr>
             <a:r>
-              <a:rPr b="0" lang="en-US" sz="2000" spc="-1" strike="noStrike">
-                <a:solidFill>
-                  <a:srgbClr val="000000"/>
-                </a:solidFill>
+              <a:rPr b="0" lang="en-US" sz="1800" spc="-1" strike="noStrike">
                 <a:latin typeface="Arial"/>
               </a:rPr>
               <a:t>Fifth Outline Level</a:t>
             </a:r>
-            <a:endParaRPr b="0" lang="en-US" sz="2000" spc="-1" strike="noStrike">
-              <a:solidFill>
-                <a:srgbClr val="000000"/>
-              </a:solidFill>
+            <a:endParaRPr b="0" lang="en-US" sz="1800" spc="-1" strike="noStrike">
               <a:latin typeface="Arial"/>
             </a:endParaRPr>
           </a:p>
@@ -5482,18 +5075,12 @@
               <a:buChar char=""/>
             </a:pPr>
             <a:r>
-              <a:rPr b="0" lang="en-US" sz="2000" spc="-1" strike="noStrike">
-                <a:solidFill>
-                  <a:srgbClr val="000000"/>
-                </a:solidFill>
+              <a:rPr b="0" lang="en-US" sz="1800" spc="-1" strike="noStrike">
                 <a:latin typeface="Arial"/>
               </a:rPr>
               <a:t>Sixth Outline Level</a:t>
             </a:r>
-            <a:endParaRPr b="0" lang="en-US" sz="2000" spc="-1" strike="noStrike">
-              <a:solidFill>
-                <a:srgbClr val="000000"/>
-              </a:solidFill>
+            <a:endParaRPr b="0" lang="en-US" sz="1800" spc="-1" strike="noStrike">
               <a:latin typeface="Arial"/>
             </a:endParaRPr>
           </a:p>
@@ -5510,18 +5097,12 @@
               <a:buChar char=""/>
             </a:pPr>
             <a:r>
-              <a:rPr b="0" lang="en-US" sz="2000" spc="-1" strike="noStrike">
-                <a:solidFill>
-                  <a:srgbClr val="000000"/>
-                </a:solidFill>
+              <a:rPr b="0" lang="en-US" sz="1800" spc="-1" strike="noStrike">
                 <a:latin typeface="Arial"/>
               </a:rPr>
               <a:t>Seventh Outline Level</a:t>
             </a:r>
-            <a:endParaRPr b="0" lang="en-US" sz="2000" spc="-1" strike="noStrike">
-              <a:solidFill>
-                <a:srgbClr val="000000"/>
-              </a:solidFill>
+            <a:endParaRPr b="0" lang="en-US" sz="1800" spc="-1" strike="noStrike">
               <a:latin typeface="Arial"/>
             </a:endParaRPr>
           </a:p>
@@ -5573,7 +5154,7 @@
         <p:spPr>
           <a:xfrm>
             <a:off x="1097280" y="758880"/>
-            <a:ext cx="10057680" cy="3565440"/>
+            <a:ext cx="10057320" cy="3565080"/>
           </a:xfrm>
           <a:prstGeom prst="rect">
             <a:avLst/>
@@ -5598,7 +5179,7 @@
               </a:lnSpc>
             </a:pPr>
             <a:r>
-              <a:rPr b="0" lang="en-US" sz="8000" spc="-46" strike="noStrike">
+              <a:rPr b="0" lang="en-US" sz="8000" spc="-43" strike="noStrike">
                 <a:solidFill>
                   <a:srgbClr val="262626"/>
                 </a:solidFill>
@@ -5622,7 +5203,7 @@
         <p:spPr>
           <a:xfrm>
             <a:off x="1100160" y="4455720"/>
-            <a:ext cx="10057680" cy="1142280"/>
+            <a:ext cx="10057320" cy="1141920"/>
           </a:xfrm>
           <a:prstGeom prst="rect">
             <a:avLst/>
@@ -5653,7 +5234,7 @@
               </a:spcAft>
             </a:pPr>
             <a:r>
-              <a:rPr b="0" lang="en-US" sz="2400" spc="197" strike="noStrike" cap="all">
+              <a:rPr b="0" lang="en-US" sz="2400" spc="194" strike="noStrike" cap="all">
                 <a:solidFill>
                   <a:srgbClr val="637052"/>
                 </a:solidFill>
@@ -5682,7 +5263,7 @@
         <p:spPr>
           <a:xfrm>
             <a:off x="10667880" y="274320"/>
-            <a:ext cx="1165320" cy="1261080"/>
+            <a:ext cx="1164960" cy="1260720"/>
           </a:xfrm>
           <a:prstGeom prst="rect">
             <a:avLst/>
@@ -5743,14 +5324,14 @@
       </p:grpSpPr>
       <p:sp>
         <p:nvSpPr>
-          <p:cNvPr id="152" name="TextShape 1"/>
-          <p:cNvSpPr txBox="1"/>
+          <p:cNvPr id="152" name="CustomShape 1"/>
+          <p:cNvSpPr/>
           <p:nvPr/>
         </p:nvSpPr>
         <p:spPr>
           <a:xfrm>
             <a:off x="1097280" y="286560"/>
-            <a:ext cx="10057680" cy="1450080"/>
+            <a:ext cx="10057320" cy="1449720"/>
           </a:xfrm>
           <a:prstGeom prst="rect">
             <a:avLst/>
@@ -5760,6 +5341,12 @@
             <a:noFill/>
           </a:ln>
         </p:spPr>
+        <p:style>
+          <a:lnRef idx="0"/>
+          <a:fillRef idx="0"/>
+          <a:effectRef idx="0"/>
+          <a:fontRef idx="minor"/>
+        </p:style>
         <p:txBody>
           <a:bodyPr lIns="0" rIns="0" tIns="0" bIns="0" anchor="ctr"/>
           <a:p>
@@ -5770,7 +5357,7 @@
             </a:pPr>
             <a:br/>
             <a:r>
-              <a:rPr b="0" lang="en-US" sz="4400" spc="-46" strike="noStrike">
+              <a:rPr b="0" lang="en-US" sz="4400" spc="-43" strike="noStrike">
                 <a:solidFill>
                   <a:srgbClr val="404040"/>
                 </a:solidFill>
@@ -5780,24 +5367,21 @@
               <a:t>Blakely – Sound</a:t>
             </a:r>
             <a:endParaRPr b="0" lang="en-US" sz="4400" spc="-1" strike="noStrike">
-              <a:solidFill>
-                <a:srgbClr val="000000"/>
-              </a:solidFill>
-              <a:latin typeface="Arial"/>
-            </a:endParaRPr>
-          </a:p>
-        </p:txBody>
-      </p:sp>
-      <p:sp>
-        <p:nvSpPr>
-          <p:cNvPr id="153" name="TextShape 2"/>
-          <p:cNvSpPr txBox="1"/>
+              <a:latin typeface="Arial"/>
+            </a:endParaRPr>
+          </a:p>
+        </p:txBody>
+      </p:sp>
+      <p:sp>
+        <p:nvSpPr>
+          <p:cNvPr id="153" name="CustomShape 2"/>
+          <p:cNvSpPr/>
           <p:nvPr/>
         </p:nvSpPr>
         <p:spPr>
           <a:xfrm>
             <a:off x="1097280" y="2121120"/>
-            <a:ext cx="10057680" cy="4022640"/>
+            <a:ext cx="10057320" cy="4022280"/>
           </a:xfrm>
           <a:prstGeom prst="rect">
             <a:avLst/>
@@ -5807,10 +5391,16 @@
             <a:noFill/>
           </a:ln>
         </p:spPr>
+        <p:style>
+          <a:lnRef idx="0"/>
+          <a:fillRef idx="0"/>
+          <a:effectRef idx="0"/>
+          <a:fontRef idx="minor"/>
+        </p:style>
         <p:txBody>
           <a:bodyPr lIns="0" rIns="0" tIns="0" bIns="0" anchor="ctr"/>
           <a:p>
-            <a:pPr marL="91440" indent="-90720">
+            <a:pPr marL="91440" indent="-90360">
               <a:lnSpc>
                 <a:spcPct val="90000"/>
               </a:lnSpc>
@@ -5841,7 +5431,7 @@
             </a:endParaRPr>
           </a:p>
           <a:p>
-            <a:pPr marL="91440" indent="-90720">
+            <a:pPr marL="91440" indent="-90360">
               <a:lnSpc>
                 <a:spcPct val="90000"/>
               </a:lnSpc>
@@ -5872,7 +5462,7 @@
             </a:endParaRPr>
           </a:p>
           <a:p>
-            <a:pPr marL="91440" indent="-90720">
+            <a:pPr marL="91440" indent="-90360">
               <a:lnSpc>
                 <a:spcPct val="90000"/>
               </a:lnSpc>
@@ -5903,7 +5493,7 @@
             </a:endParaRPr>
           </a:p>
           <a:p>
-            <a:pPr marL="91440" indent="-90720">
+            <a:pPr marL="91440" indent="-90360">
               <a:lnSpc>
                 <a:spcPct val="90000"/>
               </a:lnSpc>
@@ -5966,7 +5556,7 @@
             </a:endParaRPr>
           </a:p>
           <a:p>
-            <a:pPr marL="91440" indent="-90720">
+            <a:pPr marL="91440" indent="-90360">
               <a:lnSpc>
                 <a:spcPct val="90000"/>
               </a:lnSpc>
@@ -5997,7 +5587,7 @@
             </a:endParaRPr>
           </a:p>
           <a:p>
-            <a:pPr marL="91440" indent="-90720">
+            <a:pPr marL="91440" indent="-90360">
               <a:lnSpc>
                 <a:spcPct val="90000"/>
               </a:lnSpc>
@@ -6056,7 +5646,7 @@
         <p:spPr>
           <a:xfrm>
             <a:off x="10667880" y="274320"/>
-            <a:ext cx="1165320" cy="1261080"/>
+            <a:ext cx="1164960" cy="1260720"/>
           </a:xfrm>
           <a:prstGeom prst="rect">
             <a:avLst/>
@@ -6117,14 +5707,14 @@
       </p:grpSpPr>
       <p:sp>
         <p:nvSpPr>
-          <p:cNvPr id="155" name="TextShape 1"/>
-          <p:cNvSpPr txBox="1"/>
+          <p:cNvPr id="155" name="CustomShape 1"/>
+          <p:cNvSpPr/>
           <p:nvPr/>
         </p:nvSpPr>
         <p:spPr>
           <a:xfrm>
             <a:off x="1097280" y="286560"/>
-            <a:ext cx="10057680" cy="1450080"/>
+            <a:ext cx="10057320" cy="1449720"/>
           </a:xfrm>
           <a:prstGeom prst="rect">
             <a:avLst/>
@@ -6134,6 +5724,12 @@
             <a:noFill/>
           </a:ln>
         </p:spPr>
+        <p:style>
+          <a:lnRef idx="0"/>
+          <a:fillRef idx="0"/>
+          <a:effectRef idx="0"/>
+          <a:fontRef idx="minor"/>
+        </p:style>
         <p:txBody>
           <a:bodyPr lIns="0" rIns="0" tIns="0" bIns="0" anchor="ctr"/>
           <a:p>
@@ -6145,7 +5741,7 @@
             <a:br/>
             <a:br/>
             <a:r>
-              <a:rPr b="0" lang="en-US" sz="4400" spc="-46" strike="noStrike">
+              <a:rPr b="0" lang="en-US" sz="4400" spc="-43" strike="noStrike">
                 <a:solidFill>
                   <a:srgbClr val="404040"/>
                 </a:solidFill>
@@ -6156,9 +5752,6 @@
             </a:r>
             <a:br/>
             <a:endParaRPr b="0" lang="en-US" sz="4400" spc="-1" strike="noStrike">
-              <a:solidFill>
-                <a:srgbClr val="000000"/>
-              </a:solidFill>
               <a:latin typeface="Arial"/>
             </a:endParaRPr>
           </a:p>
@@ -6178,7 +5771,7 @@
         <p:spPr>
           <a:xfrm>
             <a:off x="10667880" y="274320"/>
-            <a:ext cx="1165320" cy="1261080"/>
+            <a:ext cx="1164960" cy="1260720"/>
           </a:xfrm>
           <a:prstGeom prst="rect">
             <a:avLst/>
@@ -6202,7 +5795,7 @@
         <p:spPr>
           <a:xfrm>
             <a:off x="2485080" y="1905840"/>
-            <a:ext cx="4576320" cy="4318200"/>
+            <a:ext cx="4575960" cy="4317840"/>
           </a:xfrm>
           <a:prstGeom prst="rect">
             <a:avLst/>
@@ -6270,7 +5863,7 @@
         <p:spPr>
           <a:xfrm>
             <a:off x="1097280" y="286560"/>
-            <a:ext cx="10057680" cy="1450080"/>
+            <a:ext cx="10057320" cy="1449720"/>
           </a:xfrm>
           <a:prstGeom prst="rect">
             <a:avLst/>
@@ -6296,7 +5889,7 @@
         <p:spPr>
           <a:xfrm>
             <a:off x="1097280" y="1845720"/>
-            <a:ext cx="10057680" cy="4022640"/>
+            <a:ext cx="10057320" cy="4022280"/>
           </a:xfrm>
           <a:prstGeom prst="rect">
             <a:avLst/>
@@ -6327,7 +5920,7 @@
         <p:spPr>
           <a:xfrm>
             <a:off x="10667880" y="274320"/>
-            <a:ext cx="1165320" cy="1261080"/>
+            <a:ext cx="1164960" cy="1260720"/>
           </a:xfrm>
           <a:prstGeom prst="rect">
             <a:avLst/>
@@ -6395,7 +5988,7 @@
         <p:spPr>
           <a:xfrm>
             <a:off x="1097280" y="286560"/>
-            <a:ext cx="10057680" cy="1450080"/>
+            <a:ext cx="10057320" cy="1449720"/>
           </a:xfrm>
           <a:prstGeom prst="rect">
             <a:avLst/>
@@ -6421,7 +6014,7 @@
         <p:spPr>
           <a:xfrm>
             <a:off x="1097280" y="1845720"/>
-            <a:ext cx="10057680" cy="4022640"/>
+            <a:ext cx="10057320" cy="4022280"/>
           </a:xfrm>
           <a:prstGeom prst="rect">
             <a:avLst/>
@@ -6452,7 +6045,7 @@
         <p:spPr>
           <a:xfrm>
             <a:off x="10667880" y="274320"/>
-            <a:ext cx="1165320" cy="1261080"/>
+            <a:ext cx="1164960" cy="1260720"/>
           </a:xfrm>
           <a:prstGeom prst="rect">
             <a:avLst/>
@@ -6520,7 +6113,7 @@
         <p:spPr>
           <a:xfrm>
             <a:off x="1097280" y="286560"/>
-            <a:ext cx="10057680" cy="1450080"/>
+            <a:ext cx="10057320" cy="1449720"/>
           </a:xfrm>
           <a:prstGeom prst="rect">
             <a:avLst/>
@@ -6545,7 +6138,7 @@
               </a:lnSpc>
             </a:pPr>
             <a:r>
-              <a:rPr b="0" lang="en-US" sz="4800" spc="-46" strike="noStrike">
+              <a:rPr b="0" lang="en-US" sz="4800" spc="-43" strike="noStrike">
                 <a:solidFill>
                   <a:srgbClr val="404040"/>
                 </a:solidFill>
@@ -6569,7 +6162,7 @@
         <p:spPr>
           <a:xfrm>
             <a:off x="1097280" y="1845720"/>
-            <a:ext cx="10057680" cy="4022640"/>
+            <a:ext cx="10057320" cy="4022280"/>
           </a:xfrm>
           <a:prstGeom prst="rect">
             <a:avLst/>
@@ -6590,7 +6183,7 @@
             <a:normAutofit/>
           </a:bodyPr>
           <a:p>
-            <a:pPr marL="91440" indent="-90720">
+            <a:pPr marL="91440" indent="-90360">
               <a:lnSpc>
                 <a:spcPct val="90000"/>
               </a:lnSpc>
@@ -6621,7 +6214,7 @@
             </a:endParaRPr>
           </a:p>
           <a:p>
-            <a:pPr marL="91440" indent="-90720">
+            <a:pPr marL="91440" indent="-90360">
               <a:lnSpc>
                 <a:spcPct val="90000"/>
               </a:lnSpc>
@@ -6652,7 +6245,7 @@
             </a:endParaRPr>
           </a:p>
           <a:p>
-            <a:pPr marL="91440" indent="-90720">
+            <a:pPr marL="91440" indent="-90360">
               <a:lnSpc>
                 <a:spcPct val="90000"/>
               </a:lnSpc>
@@ -6683,7 +6276,7 @@
             </a:endParaRPr>
           </a:p>
           <a:p>
-            <a:pPr marL="91440" indent="-90720">
+            <a:pPr marL="91440" indent="-90360">
               <a:lnSpc>
                 <a:spcPct val="90000"/>
               </a:lnSpc>
@@ -6746,7 +6339,7 @@
             </a:endParaRPr>
           </a:p>
           <a:p>
-            <a:pPr marL="91440" indent="-90720">
+            <a:pPr marL="91440" indent="-90360">
               <a:lnSpc>
                 <a:spcPct val="90000"/>
               </a:lnSpc>
@@ -6777,7 +6370,7 @@
             </a:endParaRPr>
           </a:p>
           <a:p>
-            <a:pPr marL="91440" indent="-90720">
+            <a:pPr marL="91440" indent="-90360">
               <a:lnSpc>
                 <a:spcPct val="90000"/>
               </a:lnSpc>
@@ -6823,7 +6416,7 @@
         <p:spPr>
           <a:xfrm>
             <a:off x="10667880" y="274320"/>
-            <a:ext cx="1165320" cy="1261080"/>
+            <a:ext cx="1164960" cy="1260720"/>
           </a:xfrm>
           <a:prstGeom prst="rect">
             <a:avLst/>
@@ -6891,7 +6484,7 @@
         <p:spPr>
           <a:xfrm>
             <a:off x="1097280" y="286560"/>
-            <a:ext cx="10057680" cy="1450080"/>
+            <a:ext cx="10057320" cy="1449720"/>
           </a:xfrm>
           <a:prstGeom prst="rect">
             <a:avLst/>
@@ -6916,7 +6509,7 @@
               </a:lnSpc>
             </a:pPr>
             <a:r>
-              <a:rPr b="0" lang="en-US" sz="4800" spc="-46" strike="noStrike">
+              <a:rPr b="0" lang="en-US" sz="4800" spc="-43" strike="noStrike">
                 <a:solidFill>
                   <a:srgbClr val="404040"/>
                 </a:solidFill>
@@ -6944,7 +6537,7 @@
         <p:spPr>
           <a:xfrm>
             <a:off x="2045520" y="1830240"/>
-            <a:ext cx="7729200" cy="4497840"/>
+            <a:ext cx="7728840" cy="4497480"/>
           </a:xfrm>
           <a:prstGeom prst="rect">
             <a:avLst/>
@@ -6968,7 +6561,7 @@
         <p:spPr>
           <a:xfrm>
             <a:off x="10667880" y="274320"/>
-            <a:ext cx="1165320" cy="1261080"/>
+            <a:ext cx="1164960" cy="1260720"/>
           </a:xfrm>
           <a:prstGeom prst="rect">
             <a:avLst/>
@@ -7036,7 +6629,7 @@
         <p:spPr>
           <a:xfrm>
             <a:off x="1097280" y="286560"/>
-            <a:ext cx="10057680" cy="1450080"/>
+            <a:ext cx="10057320" cy="1449720"/>
           </a:xfrm>
           <a:prstGeom prst="rect">
             <a:avLst/>
@@ -7067,7 +6660,7 @@
         <p:spPr>
           <a:xfrm>
             <a:off x="10667880" y="274320"/>
-            <a:ext cx="1165320" cy="1261080"/>
+            <a:ext cx="1164960" cy="1260720"/>
           </a:xfrm>
           <a:prstGeom prst="rect">
             <a:avLst/>
@@ -7135,7 +6728,7 @@
         <p:spPr>
           <a:xfrm>
             <a:off x="1097280" y="286560"/>
-            <a:ext cx="10057680" cy="1450080"/>
+            <a:ext cx="10057320" cy="1449720"/>
           </a:xfrm>
           <a:prstGeom prst="rect">
             <a:avLst/>
@@ -7166,7 +6759,7 @@
         <p:spPr>
           <a:xfrm>
             <a:off x="10667880" y="274320"/>
-            <a:ext cx="1165320" cy="1261080"/>
+            <a:ext cx="1164960" cy="1260720"/>
           </a:xfrm>
           <a:prstGeom prst="rect">
             <a:avLst/>
@@ -7234,7 +6827,7 @@
         <p:spPr>
           <a:xfrm>
             <a:off x="1097280" y="700920"/>
-            <a:ext cx="10057680" cy="1036080"/>
+            <a:ext cx="10057320" cy="1035720"/>
           </a:xfrm>
           <a:prstGeom prst="rect">
             <a:avLst/>
@@ -7260,7 +6853,7 @@
             </a:pPr>
             <a:br/>
             <a:r>
-              <a:rPr b="0" lang="en-US" sz="4800" spc="-46" strike="noStrike">
+              <a:rPr b="0" lang="en-US" sz="4800" spc="-43" strike="noStrike">
                 <a:solidFill>
                   <a:srgbClr val="404040"/>
                 </a:solidFill>
@@ -7289,7 +6882,7 @@
         <p:spPr>
           <a:xfrm>
             <a:off x="10667880" y="274320"/>
-            <a:ext cx="1165320" cy="1261080"/>
+            <a:ext cx="1164960" cy="1260720"/>
           </a:xfrm>
           <a:prstGeom prst="rect">
             <a:avLst/>
@@ -7308,7 +6901,7 @@
         <p:spPr>
           <a:xfrm>
             <a:off x="1097640" y="1846080"/>
-            <a:ext cx="10057680" cy="4022640"/>
+            <a:ext cx="10057320" cy="4022280"/>
           </a:xfrm>
           <a:prstGeom prst="rect">
             <a:avLst/>
@@ -7329,7 +6922,7 @@
             <a:normAutofit/>
           </a:bodyPr>
           <a:p>
-            <a:pPr marL="91440" indent="-90720">
+            <a:pPr marL="91440" indent="-90360">
               <a:lnSpc>
                 <a:spcPct val="90000"/>
               </a:lnSpc>
@@ -7360,7 +6953,7 @@
             </a:endParaRPr>
           </a:p>
           <a:p>
-            <a:pPr marL="91440" indent="-90720">
+            <a:pPr marL="91440" indent="-90360">
               <a:lnSpc>
                 <a:spcPct val="90000"/>
               </a:lnSpc>
@@ -7391,7 +6984,7 @@
             </a:endParaRPr>
           </a:p>
           <a:p>
-            <a:pPr marL="91440" indent="-90720">
+            <a:pPr marL="91440" indent="-90360">
               <a:lnSpc>
                 <a:spcPct val="90000"/>
               </a:lnSpc>
@@ -7422,7 +7015,7 @@
             </a:endParaRPr>
           </a:p>
           <a:p>
-            <a:pPr marL="91440" indent="-90720">
+            <a:pPr marL="91440" indent="-90360">
               <a:lnSpc>
                 <a:spcPct val="90000"/>
               </a:lnSpc>
@@ -7453,7 +7046,7 @@
             </a:endParaRPr>
           </a:p>
           <a:p>
-            <a:pPr marL="91440" indent="-90720">
+            <a:pPr marL="91440" indent="-90360">
               <a:lnSpc>
                 <a:spcPct val="90000"/>
               </a:lnSpc>
@@ -7516,7 +7109,7 @@
             </a:endParaRPr>
           </a:p>
           <a:p>
-            <a:pPr marL="91440" indent="-90720">
+            <a:pPr marL="91440" indent="-90360">
               <a:lnSpc>
                 <a:spcPct val="90000"/>
               </a:lnSpc>
@@ -7547,7 +7140,7 @@
             </a:endParaRPr>
           </a:p>
           <a:p>
-            <a:pPr marL="91440" indent="-90720">
+            <a:pPr marL="91440" indent="-90360">
               <a:lnSpc>
                 <a:spcPct val="90000"/>
               </a:lnSpc>
@@ -7637,7 +7230,7 @@
         <p:spPr>
           <a:xfrm>
             <a:off x="1097280" y="286560"/>
-            <a:ext cx="10057680" cy="1450080"/>
+            <a:ext cx="10057320" cy="1449720"/>
           </a:xfrm>
           <a:prstGeom prst="rect">
             <a:avLst/>
@@ -7668,7 +7261,7 @@
         <p:spPr>
           <a:xfrm>
             <a:off x="10667880" y="274320"/>
-            <a:ext cx="1165320" cy="1261080"/>
+            <a:ext cx="1164960" cy="1260720"/>
           </a:xfrm>
           <a:prstGeom prst="rect">
             <a:avLst/>
@@ -7687,7 +7280,7 @@
         <p:spPr>
           <a:xfrm>
             <a:off x="1097280" y="700920"/>
-            <a:ext cx="10057680" cy="1036080"/>
+            <a:ext cx="10057320" cy="1035720"/>
           </a:xfrm>
           <a:prstGeom prst="rect">
             <a:avLst/>
@@ -7713,14 +7306,14 @@
             </a:pPr>
             <a:br/>
             <a:r>
-              <a:rPr b="0" lang="en-US" sz="4800" spc="-46" strike="noStrike">
+              <a:rPr b="0" lang="en-US" sz="4800" spc="-43" strike="noStrike">
                 <a:solidFill>
                   <a:srgbClr val="404040"/>
                 </a:solidFill>
                 <a:latin typeface="Calibri Light"/>
                 <a:ea typeface="Microsoft YaHei"/>
               </a:rPr>
-              <a:t>Use case – Dmaging enemies</a:t>
+              <a:t>Use case – Damaging enemies</a:t>
             </a:r>
             <a:endParaRPr b="0" lang="en-US" sz="4800" spc="-1" strike="noStrike">
               <a:latin typeface="Arial"/>
@@ -7741,7 +7334,7 @@
         <p:spPr>
           <a:xfrm>
             <a:off x="2377440" y="1828800"/>
-            <a:ext cx="7132320" cy="4404600"/>
+            <a:ext cx="7131960" cy="4404240"/>
           </a:xfrm>
           <a:prstGeom prst="rect">
             <a:avLst/>

--- a/docs/Debugger.pptx
+++ b/docs/Debugger.pptx
@@ -1,31 +1,128 @@
 
 <file path=ppt/presentation.xml><?xml version="1.0" encoding="utf-8"?>
-<p:presentation xmlns:a="http://schemas.openxmlformats.org/drawingml/2006/main" xmlns:p="http://schemas.openxmlformats.org/presentationml/2006/main" xmlns:r="http://schemas.openxmlformats.org/officeDocument/2006/relationships" xmlns:p14="http://schemas.microsoft.com/office/powerpoint/2010/main" xmlns:p15="http://schemas.microsoft.com/office/powerpoint/2012/main" xmlns:mc="http://schemas.openxmlformats.org/markup-compatibility/2006">
+<p:presentation xmlns:a="http://schemas.openxmlformats.org/drawingml/2006/main" xmlns:r="http://schemas.openxmlformats.org/officeDocument/2006/relationships" xmlns:p="http://schemas.openxmlformats.org/presentationml/2006/main">
   <p:sldMasterIdLst>
-    <p:sldMasterId id="2147483648" r:id="rId2"/>
-    <p:sldMasterId id="2147483661" r:id="rId3"/>
-    <p:sldMasterId id="2147483674" r:id="rId4"/>
+    <p:sldMasterId id="2147483648" r:id="rId1"/>
+    <p:sldMasterId id="2147483661" r:id="rId2"/>
+    <p:sldMasterId id="2147483674" r:id="rId3"/>
   </p:sldMasterIdLst>
   <p:sldIdLst>
-    <p:sldId id="256" r:id="rId5"/>
-    <p:sldId id="257" r:id="rId6"/>
-    <p:sldId id="258" r:id="rId7"/>
-    <p:sldId id="259" r:id="rId8"/>
-    <p:sldId id="260" r:id="rId9"/>
-    <p:sldId id="261" r:id="rId10"/>
-    <p:sldId id="262" r:id="rId11"/>
-    <p:sldId id="263" r:id="rId12"/>
-    <p:sldId id="264" r:id="rId13"/>
-    <p:sldId id="265" r:id="rId14"/>
-    <p:sldId id="266" r:id="rId15"/>
+    <p:sldId id="256" r:id="rId4"/>
+    <p:sldId id="257" r:id="rId5"/>
+    <p:sldId id="267" r:id="rId6"/>
+    <p:sldId id="268" r:id="rId7"/>
+    <p:sldId id="258" r:id="rId8"/>
+    <p:sldId id="259" r:id="rId9"/>
+    <p:sldId id="260" r:id="rId10"/>
+    <p:sldId id="261" r:id="rId11"/>
+    <p:sldId id="262" r:id="rId12"/>
+    <p:sldId id="263" r:id="rId13"/>
+    <p:sldId id="264" r:id="rId14"/>
+    <p:sldId id="265" r:id="rId15"/>
+    <p:sldId id="266" r:id="rId16"/>
   </p:sldIdLst>
   <p:sldSz cx="12192000" cy="6858000"/>
   <p:notesSz cx="7772400" cy="10058400"/>
+  <p:defaultTextStyle>
+    <a:defPPr>
+      <a:defRPr lang="en-US"/>
+    </a:defPPr>
+    <a:lvl1pPr marL="0" algn="l" defTabSz="914400" rtl="0" eaLnBrk="1" latinLnBrk="0" hangingPunct="1">
+      <a:defRPr sz="1800" kern="1200">
+        <a:solidFill>
+          <a:schemeClr val="tx1"/>
+        </a:solidFill>
+        <a:latin typeface="+mn-lt"/>
+        <a:ea typeface="+mn-ea"/>
+        <a:cs typeface="+mn-cs"/>
+      </a:defRPr>
+    </a:lvl1pPr>
+    <a:lvl2pPr marL="457200" algn="l" defTabSz="914400" rtl="0" eaLnBrk="1" latinLnBrk="0" hangingPunct="1">
+      <a:defRPr sz="1800" kern="1200">
+        <a:solidFill>
+          <a:schemeClr val="tx1"/>
+        </a:solidFill>
+        <a:latin typeface="+mn-lt"/>
+        <a:ea typeface="+mn-ea"/>
+        <a:cs typeface="+mn-cs"/>
+      </a:defRPr>
+    </a:lvl2pPr>
+    <a:lvl3pPr marL="914400" algn="l" defTabSz="914400" rtl="0" eaLnBrk="1" latinLnBrk="0" hangingPunct="1">
+      <a:defRPr sz="1800" kern="1200">
+        <a:solidFill>
+          <a:schemeClr val="tx1"/>
+        </a:solidFill>
+        <a:latin typeface="+mn-lt"/>
+        <a:ea typeface="+mn-ea"/>
+        <a:cs typeface="+mn-cs"/>
+      </a:defRPr>
+    </a:lvl3pPr>
+    <a:lvl4pPr marL="1371600" algn="l" defTabSz="914400" rtl="0" eaLnBrk="1" latinLnBrk="0" hangingPunct="1">
+      <a:defRPr sz="1800" kern="1200">
+        <a:solidFill>
+          <a:schemeClr val="tx1"/>
+        </a:solidFill>
+        <a:latin typeface="+mn-lt"/>
+        <a:ea typeface="+mn-ea"/>
+        <a:cs typeface="+mn-cs"/>
+      </a:defRPr>
+    </a:lvl4pPr>
+    <a:lvl5pPr marL="1828800" algn="l" defTabSz="914400" rtl="0" eaLnBrk="1" latinLnBrk="0" hangingPunct="1">
+      <a:defRPr sz="1800" kern="1200">
+        <a:solidFill>
+          <a:schemeClr val="tx1"/>
+        </a:solidFill>
+        <a:latin typeface="+mn-lt"/>
+        <a:ea typeface="+mn-ea"/>
+        <a:cs typeface="+mn-cs"/>
+      </a:defRPr>
+    </a:lvl5pPr>
+    <a:lvl6pPr marL="2286000" algn="l" defTabSz="914400" rtl="0" eaLnBrk="1" latinLnBrk="0" hangingPunct="1">
+      <a:defRPr sz="1800" kern="1200">
+        <a:solidFill>
+          <a:schemeClr val="tx1"/>
+        </a:solidFill>
+        <a:latin typeface="+mn-lt"/>
+        <a:ea typeface="+mn-ea"/>
+        <a:cs typeface="+mn-cs"/>
+      </a:defRPr>
+    </a:lvl6pPr>
+    <a:lvl7pPr marL="2743200" algn="l" defTabSz="914400" rtl="0" eaLnBrk="1" latinLnBrk="0" hangingPunct="1">
+      <a:defRPr sz="1800" kern="1200">
+        <a:solidFill>
+          <a:schemeClr val="tx1"/>
+        </a:solidFill>
+        <a:latin typeface="+mn-lt"/>
+        <a:ea typeface="+mn-ea"/>
+        <a:cs typeface="+mn-cs"/>
+      </a:defRPr>
+    </a:lvl7pPr>
+    <a:lvl8pPr marL="3200400" algn="l" defTabSz="914400" rtl="0" eaLnBrk="1" latinLnBrk="0" hangingPunct="1">
+      <a:defRPr sz="1800" kern="1200">
+        <a:solidFill>
+          <a:schemeClr val="tx1"/>
+        </a:solidFill>
+        <a:latin typeface="+mn-lt"/>
+        <a:ea typeface="+mn-ea"/>
+        <a:cs typeface="+mn-cs"/>
+      </a:defRPr>
+    </a:lvl8pPr>
+    <a:lvl9pPr marL="3657600" algn="l" defTabSz="914400" rtl="0" eaLnBrk="1" latinLnBrk="0" hangingPunct="1">
+      <a:defRPr sz="1800" kern="1200">
+        <a:solidFill>
+          <a:schemeClr val="tx1"/>
+        </a:solidFill>
+        <a:latin typeface="+mn-lt"/>
+        <a:ea typeface="+mn-ea"/>
+        <a:cs typeface="+mn-cs"/>
+      </a:defRPr>
+    </a:lvl9pPr>
+  </p:defaultTextStyle>
 </p:presentation>
 </file>
 
 <file path=ppt/slideLayouts/slideLayout1.xml><?xml version="1.0" encoding="utf-8"?>
-<p:sldLayout xmlns:a="http://schemas.openxmlformats.org/drawingml/2006/main" xmlns:p="http://schemas.openxmlformats.org/presentationml/2006/main" xmlns:r="http://schemas.openxmlformats.org/officeDocument/2006/relationships" xmlns:p14="http://schemas.microsoft.com/office/powerpoint/2010/main" xmlns:p15="http://schemas.microsoft.com/office/powerpoint/2012/main" xmlns:mc="http://schemas.openxmlformats.org/markup-compatibility/2006" type="blank" preserve="1">
+<p:sldLayout xmlns:a="http://schemas.openxmlformats.org/drawingml/2006/main" xmlns:r="http://schemas.openxmlformats.org/officeDocument/2006/relationships" xmlns:p="http://schemas.openxmlformats.org/presentationml/2006/main" type="blank" preserve="1">
   <p:cSld name="Blank Slide">
     <p:spTree>
       <p:nvGrpSpPr>
@@ -43,11 +140,14 @@
       </p:grpSpPr>
     </p:spTree>
   </p:cSld>
+  <p:clrMapOvr>
+    <a:masterClrMapping/>
+  </p:clrMapOvr>
 </p:sldLayout>
 </file>
 
 <file path=ppt/slideLayouts/slideLayout10.xml><?xml version="1.0" encoding="utf-8"?>
-<p:sldLayout xmlns:a="http://schemas.openxmlformats.org/drawingml/2006/main" xmlns:p="http://schemas.openxmlformats.org/presentationml/2006/main" xmlns:r="http://schemas.openxmlformats.org/officeDocument/2006/relationships" xmlns:p14="http://schemas.microsoft.com/office/powerpoint/2010/main" xmlns:p15="http://schemas.microsoft.com/office/powerpoint/2012/main" xmlns:mc="http://schemas.openxmlformats.org/markup-compatibility/2006" type="objOverTx" preserve="1">
+<p:sldLayout xmlns:a="http://schemas.openxmlformats.org/drawingml/2006/main" xmlns:r="http://schemas.openxmlformats.org/officeDocument/2006/relationships" xmlns:p="http://schemas.openxmlformats.org/presentationml/2006/main" type="objOverTx" preserve="1">
   <p:cSld name="Title, Content over Content">
     <p:spTree>
       <p:nvGrpSpPr>
@@ -76,17 +176,20 @@
         <p:spPr>
           <a:xfrm>
             <a:off x="1097280" y="286560"/>
-            <a:ext cx="10057320" cy="1449720"/>
-          </a:xfrm>
-          <a:prstGeom prst="rect">
-            <a:avLst/>
-          </a:prstGeom>
-        </p:spPr>
-        <p:txBody>
-          <a:bodyPr lIns="0" rIns="0" tIns="0" bIns="0" anchor="ctr"/>
-          <a:p>
-            <a:pPr algn="ctr"/>
-            <a:endParaRPr b="0" lang="en-US" sz="4400" spc="-1" strike="noStrike">
+            <a:ext cx="10057680" cy="1450080"/>
+          </a:xfrm>
+          <a:prstGeom prst="rect">
+            <a:avLst/>
+          </a:prstGeom>
+        </p:spPr>
+        <p:txBody>
+          <a:bodyPr lIns="0" tIns="0" rIns="0" bIns="0" anchor="ctr"/>
+          <a:lstStyle/>
+          <a:p>
+            <a:endParaRPr lang="en-US" sz="1800" b="0" strike="noStrike" spc="-1">
+              <a:solidFill>
+                <a:srgbClr val="000000"/>
+              </a:solidFill>
               <a:latin typeface="Arial"/>
             </a:endParaRPr>
           </a:p>
@@ -105,18 +208,22 @@
         <p:spPr>
           <a:xfrm>
             <a:off x="609480" y="1604520"/>
-            <a:ext cx="10972080" cy="1896840"/>
-          </a:xfrm>
-          <a:prstGeom prst="rect">
-            <a:avLst/>
-          </a:prstGeom>
-        </p:spPr>
-        <p:txBody>
-          <a:bodyPr lIns="0" rIns="0" tIns="0" bIns="0">
+            <a:ext cx="10972440" cy="1896840"/>
+          </a:xfrm>
+          <a:prstGeom prst="rect">
+            <a:avLst/>
+          </a:prstGeom>
+        </p:spPr>
+        <p:txBody>
+          <a:bodyPr lIns="0" tIns="0" rIns="0" bIns="0">
             <a:normAutofit/>
           </a:bodyPr>
-          <a:p>
-            <a:endParaRPr b="0" lang="en-US" sz="3200" spc="-1" strike="noStrike">
+          <a:lstStyle/>
+          <a:p>
+            <a:endParaRPr lang="en-US" sz="2800" b="0" strike="noStrike" spc="-1">
+              <a:solidFill>
+                <a:srgbClr val="000000"/>
+              </a:solidFill>
               <a:latin typeface="Arial"/>
             </a:endParaRPr>
           </a:p>
@@ -135,18 +242,22 @@
         <p:spPr>
           <a:xfrm>
             <a:off x="609480" y="3682080"/>
-            <a:ext cx="10972080" cy="1896840"/>
-          </a:xfrm>
-          <a:prstGeom prst="rect">
-            <a:avLst/>
-          </a:prstGeom>
-        </p:spPr>
-        <p:txBody>
-          <a:bodyPr lIns="0" rIns="0" tIns="0" bIns="0">
+            <a:ext cx="10972440" cy="1896840"/>
+          </a:xfrm>
+          <a:prstGeom prst="rect">
+            <a:avLst/>
+          </a:prstGeom>
+        </p:spPr>
+        <p:txBody>
+          <a:bodyPr lIns="0" tIns="0" rIns="0" bIns="0">
             <a:normAutofit/>
           </a:bodyPr>
-          <a:p>
-            <a:endParaRPr b="0" lang="en-US" sz="3200" spc="-1" strike="noStrike">
+          <a:lstStyle/>
+          <a:p>
+            <a:endParaRPr lang="en-US" sz="2800" b="0" strike="noStrike" spc="-1">
+              <a:solidFill>
+                <a:srgbClr val="000000"/>
+              </a:solidFill>
               <a:latin typeface="Arial"/>
             </a:endParaRPr>
           </a:p>
@@ -154,11 +265,14 @@
       </p:sp>
     </p:spTree>
   </p:cSld>
+  <p:clrMapOvr>
+    <a:masterClrMapping/>
+  </p:clrMapOvr>
 </p:sldLayout>
 </file>
 
 <file path=ppt/slideLayouts/slideLayout11.xml><?xml version="1.0" encoding="utf-8"?>
-<p:sldLayout xmlns:a="http://schemas.openxmlformats.org/drawingml/2006/main" xmlns:p="http://schemas.openxmlformats.org/presentationml/2006/main" xmlns:r="http://schemas.openxmlformats.org/officeDocument/2006/relationships" xmlns:p14="http://schemas.microsoft.com/office/powerpoint/2010/main" xmlns:p15="http://schemas.microsoft.com/office/powerpoint/2012/main" xmlns:mc="http://schemas.openxmlformats.org/markup-compatibility/2006" type="fourObj" preserve="1">
+<p:sldLayout xmlns:a="http://schemas.openxmlformats.org/drawingml/2006/main" xmlns:r="http://schemas.openxmlformats.org/officeDocument/2006/relationships" xmlns:p="http://schemas.openxmlformats.org/presentationml/2006/main" type="fourObj" preserve="1">
   <p:cSld name="Title, 4 Content">
     <p:spTree>
       <p:nvGrpSpPr>
@@ -187,17 +301,20 @@
         <p:spPr>
           <a:xfrm>
             <a:off x="1097280" y="286560"/>
-            <a:ext cx="10057320" cy="1449720"/>
-          </a:xfrm>
-          <a:prstGeom prst="rect">
-            <a:avLst/>
-          </a:prstGeom>
-        </p:spPr>
-        <p:txBody>
-          <a:bodyPr lIns="0" rIns="0" tIns="0" bIns="0" anchor="ctr"/>
-          <a:p>
-            <a:pPr algn="ctr"/>
-            <a:endParaRPr b="0" lang="en-US" sz="4400" spc="-1" strike="noStrike">
+            <a:ext cx="10057680" cy="1450080"/>
+          </a:xfrm>
+          <a:prstGeom prst="rect">
+            <a:avLst/>
+          </a:prstGeom>
+        </p:spPr>
+        <p:txBody>
+          <a:bodyPr lIns="0" tIns="0" rIns="0" bIns="0" anchor="ctr"/>
+          <a:lstStyle/>
+          <a:p>
+            <a:endParaRPr lang="en-US" sz="1800" b="0" strike="noStrike" spc="-1">
+              <a:solidFill>
+                <a:srgbClr val="000000"/>
+              </a:solidFill>
               <a:latin typeface="Arial"/>
             </a:endParaRPr>
           </a:p>
@@ -223,11 +340,15 @@
           </a:prstGeom>
         </p:spPr>
         <p:txBody>
-          <a:bodyPr lIns="0" rIns="0" tIns="0" bIns="0">
+          <a:bodyPr lIns="0" tIns="0" rIns="0" bIns="0">
             <a:normAutofit/>
           </a:bodyPr>
-          <a:p>
-            <a:endParaRPr b="0" lang="en-US" sz="3200" spc="-1" strike="noStrike">
+          <a:lstStyle/>
+          <a:p>
+            <a:endParaRPr lang="en-US" sz="2800" b="0" strike="noStrike" spc="-1">
+              <a:solidFill>
+                <a:srgbClr val="000000"/>
+              </a:solidFill>
               <a:latin typeface="Arial"/>
             </a:endParaRPr>
           </a:p>
@@ -253,11 +374,15 @@
           </a:prstGeom>
         </p:spPr>
         <p:txBody>
-          <a:bodyPr lIns="0" rIns="0" tIns="0" bIns="0">
+          <a:bodyPr lIns="0" tIns="0" rIns="0" bIns="0">
             <a:normAutofit/>
           </a:bodyPr>
-          <a:p>
-            <a:endParaRPr b="0" lang="en-US" sz="3200" spc="-1" strike="noStrike">
+          <a:lstStyle/>
+          <a:p>
+            <a:endParaRPr lang="en-US" sz="2800" b="0" strike="noStrike" spc="-1">
+              <a:solidFill>
+                <a:srgbClr val="000000"/>
+              </a:solidFill>
               <a:latin typeface="Arial"/>
             </a:endParaRPr>
           </a:p>
@@ -283,11 +408,15 @@
           </a:prstGeom>
         </p:spPr>
         <p:txBody>
-          <a:bodyPr lIns="0" rIns="0" tIns="0" bIns="0">
+          <a:bodyPr lIns="0" tIns="0" rIns="0" bIns="0">
             <a:normAutofit/>
           </a:bodyPr>
-          <a:p>
-            <a:endParaRPr b="0" lang="en-US" sz="3200" spc="-1" strike="noStrike">
+          <a:lstStyle/>
+          <a:p>
+            <a:endParaRPr lang="en-US" sz="2800" b="0" strike="noStrike" spc="-1">
+              <a:solidFill>
+                <a:srgbClr val="000000"/>
+              </a:solidFill>
               <a:latin typeface="Arial"/>
             </a:endParaRPr>
           </a:p>
@@ -313,11 +442,15 @@
           </a:prstGeom>
         </p:spPr>
         <p:txBody>
-          <a:bodyPr lIns="0" rIns="0" tIns="0" bIns="0">
+          <a:bodyPr lIns="0" tIns="0" rIns="0" bIns="0">
             <a:normAutofit/>
           </a:bodyPr>
-          <a:p>
-            <a:endParaRPr b="0" lang="en-US" sz="3200" spc="-1" strike="noStrike">
+          <a:lstStyle/>
+          <a:p>
+            <a:endParaRPr lang="en-US" sz="2800" b="0" strike="noStrike" spc="-1">
+              <a:solidFill>
+                <a:srgbClr val="000000"/>
+              </a:solidFill>
               <a:latin typeface="Arial"/>
             </a:endParaRPr>
           </a:p>
@@ -325,11 +458,14 @@
       </p:sp>
     </p:spTree>
   </p:cSld>
+  <p:clrMapOvr>
+    <a:masterClrMapping/>
+  </p:clrMapOvr>
 </p:sldLayout>
 </file>
 
 <file path=ppt/slideLayouts/slideLayout12.xml><?xml version="1.0" encoding="utf-8"?>
-<p:sldLayout xmlns:a="http://schemas.openxmlformats.org/drawingml/2006/main" xmlns:p="http://schemas.openxmlformats.org/presentationml/2006/main" xmlns:r="http://schemas.openxmlformats.org/officeDocument/2006/relationships" xmlns:p14="http://schemas.microsoft.com/office/powerpoint/2010/main" xmlns:p15="http://schemas.microsoft.com/office/powerpoint/2012/main" xmlns:mc="http://schemas.openxmlformats.org/markup-compatibility/2006" type="blank" preserve="1">
+<p:sldLayout xmlns:a="http://schemas.openxmlformats.org/drawingml/2006/main" xmlns:r="http://schemas.openxmlformats.org/officeDocument/2006/relationships" xmlns:p="http://schemas.openxmlformats.org/presentationml/2006/main" type="blank" preserve="1">
   <p:cSld name="Title, 6 Content">
     <p:spTree>
       <p:nvGrpSpPr>
@@ -358,17 +494,20 @@
         <p:spPr>
           <a:xfrm>
             <a:off x="1097280" y="286560"/>
-            <a:ext cx="10057320" cy="1449720"/>
-          </a:xfrm>
-          <a:prstGeom prst="rect">
-            <a:avLst/>
-          </a:prstGeom>
-        </p:spPr>
-        <p:txBody>
-          <a:bodyPr lIns="0" rIns="0" tIns="0" bIns="0" anchor="ctr"/>
-          <a:p>
-            <a:pPr algn="ctr"/>
-            <a:endParaRPr b="0" lang="en-US" sz="4400" spc="-1" strike="noStrike">
+            <a:ext cx="10057680" cy="1450080"/>
+          </a:xfrm>
+          <a:prstGeom prst="rect">
+            <a:avLst/>
+          </a:prstGeom>
+        </p:spPr>
+        <p:txBody>
+          <a:bodyPr lIns="0" tIns="0" rIns="0" bIns="0" anchor="ctr"/>
+          <a:lstStyle/>
+          <a:p>
+            <a:endParaRPr lang="en-US" sz="1800" b="0" strike="noStrike" spc="-1">
+              <a:solidFill>
+                <a:srgbClr val="000000"/>
+              </a:solidFill>
               <a:latin typeface="Arial"/>
             </a:endParaRPr>
           </a:p>
@@ -387,18 +526,22 @@
         <p:spPr>
           <a:xfrm>
             <a:off x="609480" y="1604520"/>
-            <a:ext cx="3532680" cy="1896840"/>
-          </a:xfrm>
-          <a:prstGeom prst="rect">
-            <a:avLst/>
-          </a:prstGeom>
-        </p:spPr>
-        <p:txBody>
-          <a:bodyPr lIns="0" rIns="0" tIns="0" bIns="0">
+            <a:ext cx="3533040" cy="1896840"/>
+          </a:xfrm>
+          <a:prstGeom prst="rect">
+            <a:avLst/>
+          </a:prstGeom>
+        </p:spPr>
+        <p:txBody>
+          <a:bodyPr lIns="0" tIns="0" rIns="0" bIns="0">
             <a:normAutofit/>
           </a:bodyPr>
-          <a:p>
-            <a:endParaRPr b="0" lang="en-US" sz="3200" spc="-1" strike="noStrike">
+          <a:lstStyle/>
+          <a:p>
+            <a:endParaRPr lang="en-US" sz="2800" b="0" strike="noStrike" spc="-1">
+              <a:solidFill>
+                <a:srgbClr val="000000"/>
+              </a:solidFill>
               <a:latin typeface="Arial"/>
             </a:endParaRPr>
           </a:p>
@@ -416,19 +559,23 @@
         </p:nvSpPr>
         <p:spPr>
           <a:xfrm>
-            <a:off x="4319280" y="1604520"/>
-            <a:ext cx="3532680" cy="1896840"/>
-          </a:xfrm>
-          <a:prstGeom prst="rect">
-            <a:avLst/>
-          </a:prstGeom>
-        </p:spPr>
-        <p:txBody>
-          <a:bodyPr lIns="0" rIns="0" tIns="0" bIns="0">
+            <a:off x="4319640" y="1604520"/>
+            <a:ext cx="3533040" cy="1896840"/>
+          </a:xfrm>
+          <a:prstGeom prst="rect">
+            <a:avLst/>
+          </a:prstGeom>
+        </p:spPr>
+        <p:txBody>
+          <a:bodyPr lIns="0" tIns="0" rIns="0" bIns="0">
             <a:normAutofit/>
           </a:bodyPr>
-          <a:p>
-            <a:endParaRPr b="0" lang="en-US" sz="3200" spc="-1" strike="noStrike">
+          <a:lstStyle/>
+          <a:p>
+            <a:endParaRPr lang="en-US" sz="2800" b="0" strike="noStrike" spc="-1">
+              <a:solidFill>
+                <a:srgbClr val="000000"/>
+              </a:solidFill>
               <a:latin typeface="Arial"/>
             </a:endParaRPr>
           </a:p>
@@ -446,19 +593,23 @@
         </p:nvSpPr>
         <p:spPr>
           <a:xfrm>
-            <a:off x="8028720" y="1604520"/>
-            <a:ext cx="3532680" cy="1896840"/>
-          </a:xfrm>
-          <a:prstGeom prst="rect">
-            <a:avLst/>
-          </a:prstGeom>
-        </p:spPr>
-        <p:txBody>
-          <a:bodyPr lIns="0" rIns="0" tIns="0" bIns="0">
+            <a:off x="8029800" y="1604520"/>
+            <a:ext cx="3533040" cy="1896840"/>
+          </a:xfrm>
+          <a:prstGeom prst="rect">
+            <a:avLst/>
+          </a:prstGeom>
+        </p:spPr>
+        <p:txBody>
+          <a:bodyPr lIns="0" tIns="0" rIns="0" bIns="0">
             <a:normAutofit/>
           </a:bodyPr>
-          <a:p>
-            <a:endParaRPr b="0" lang="en-US" sz="3200" spc="-1" strike="noStrike">
+          <a:lstStyle/>
+          <a:p>
+            <a:endParaRPr lang="en-US" sz="2800" b="0" strike="noStrike" spc="-1">
+              <a:solidFill>
+                <a:srgbClr val="000000"/>
+              </a:solidFill>
               <a:latin typeface="Arial"/>
             </a:endParaRPr>
           </a:p>
@@ -477,18 +628,22 @@
         <p:spPr>
           <a:xfrm>
             <a:off x="609480" y="3682080"/>
-            <a:ext cx="3532680" cy="1896840"/>
-          </a:xfrm>
-          <a:prstGeom prst="rect">
-            <a:avLst/>
-          </a:prstGeom>
-        </p:spPr>
-        <p:txBody>
-          <a:bodyPr lIns="0" rIns="0" tIns="0" bIns="0">
+            <a:ext cx="3533040" cy="1896840"/>
+          </a:xfrm>
+          <a:prstGeom prst="rect">
+            <a:avLst/>
+          </a:prstGeom>
+        </p:spPr>
+        <p:txBody>
+          <a:bodyPr lIns="0" tIns="0" rIns="0" bIns="0">
             <a:normAutofit/>
           </a:bodyPr>
-          <a:p>
-            <a:endParaRPr b="0" lang="en-US" sz="3200" spc="-1" strike="noStrike">
+          <a:lstStyle/>
+          <a:p>
+            <a:endParaRPr lang="en-US" sz="2800" b="0" strike="noStrike" spc="-1">
+              <a:solidFill>
+                <a:srgbClr val="000000"/>
+              </a:solidFill>
               <a:latin typeface="Arial"/>
             </a:endParaRPr>
           </a:p>
@@ -506,19 +661,23 @@
         </p:nvSpPr>
         <p:spPr>
           <a:xfrm>
-            <a:off x="4319280" y="3682080"/>
-            <a:ext cx="3532680" cy="1896840"/>
-          </a:xfrm>
-          <a:prstGeom prst="rect">
-            <a:avLst/>
-          </a:prstGeom>
-        </p:spPr>
-        <p:txBody>
-          <a:bodyPr lIns="0" rIns="0" tIns="0" bIns="0">
+            <a:off x="4319640" y="3682080"/>
+            <a:ext cx="3533040" cy="1896840"/>
+          </a:xfrm>
+          <a:prstGeom prst="rect">
+            <a:avLst/>
+          </a:prstGeom>
+        </p:spPr>
+        <p:txBody>
+          <a:bodyPr lIns="0" tIns="0" rIns="0" bIns="0">
             <a:normAutofit/>
           </a:bodyPr>
-          <a:p>
-            <a:endParaRPr b="0" lang="en-US" sz="3200" spc="-1" strike="noStrike">
+          <a:lstStyle/>
+          <a:p>
+            <a:endParaRPr lang="en-US" sz="2800" b="0" strike="noStrike" spc="-1">
+              <a:solidFill>
+                <a:srgbClr val="000000"/>
+              </a:solidFill>
               <a:latin typeface="Arial"/>
             </a:endParaRPr>
           </a:p>
@@ -536,19 +695,23 @@
         </p:nvSpPr>
         <p:spPr>
           <a:xfrm>
-            <a:off x="8028720" y="3682080"/>
-            <a:ext cx="3532680" cy="1896840"/>
-          </a:xfrm>
-          <a:prstGeom prst="rect">
-            <a:avLst/>
-          </a:prstGeom>
-        </p:spPr>
-        <p:txBody>
-          <a:bodyPr lIns="0" rIns="0" tIns="0" bIns="0">
+            <a:off x="8029800" y="3682080"/>
+            <a:ext cx="3533040" cy="1896840"/>
+          </a:xfrm>
+          <a:prstGeom prst="rect">
+            <a:avLst/>
+          </a:prstGeom>
+        </p:spPr>
+        <p:txBody>
+          <a:bodyPr lIns="0" tIns="0" rIns="0" bIns="0">
             <a:normAutofit/>
           </a:bodyPr>
-          <a:p>
-            <a:endParaRPr b="0" lang="en-US" sz="3200" spc="-1" strike="noStrike">
+          <a:lstStyle/>
+          <a:p>
+            <a:endParaRPr lang="en-US" sz="2800" b="0" strike="noStrike" spc="-1">
+              <a:solidFill>
+                <a:srgbClr val="000000"/>
+              </a:solidFill>
               <a:latin typeface="Arial"/>
             </a:endParaRPr>
           </a:p>
@@ -556,11 +719,14 @@
       </p:sp>
     </p:spTree>
   </p:cSld>
+  <p:clrMapOvr>
+    <a:masterClrMapping/>
+  </p:clrMapOvr>
 </p:sldLayout>
 </file>
 
 <file path=ppt/slideLayouts/slideLayout13.xml><?xml version="1.0" encoding="utf-8"?>
-<p:sldLayout xmlns:a="http://schemas.openxmlformats.org/drawingml/2006/main" xmlns:p="http://schemas.openxmlformats.org/presentationml/2006/main" xmlns:r="http://schemas.openxmlformats.org/officeDocument/2006/relationships" xmlns:p14="http://schemas.microsoft.com/office/powerpoint/2010/main" xmlns:p15="http://schemas.microsoft.com/office/powerpoint/2012/main" xmlns:mc="http://schemas.openxmlformats.org/markup-compatibility/2006" type="blank" preserve="1">
+<p:sldLayout xmlns:a="http://schemas.openxmlformats.org/drawingml/2006/main" xmlns:r="http://schemas.openxmlformats.org/officeDocument/2006/relationships" xmlns:p="http://schemas.openxmlformats.org/presentationml/2006/main" type="blank" preserve="1">
   <p:cSld name="Blank Slide">
     <p:spTree>
       <p:nvGrpSpPr>
@@ -578,11 +744,14 @@
       </p:grpSpPr>
     </p:spTree>
   </p:cSld>
+  <p:clrMapOvr>
+    <a:masterClrMapping/>
+  </p:clrMapOvr>
 </p:sldLayout>
 </file>
 
 <file path=ppt/slideLayouts/slideLayout14.xml><?xml version="1.0" encoding="utf-8"?>
-<p:sldLayout xmlns:a="http://schemas.openxmlformats.org/drawingml/2006/main" xmlns:p="http://schemas.openxmlformats.org/presentationml/2006/main" xmlns:r="http://schemas.openxmlformats.org/officeDocument/2006/relationships" xmlns:p14="http://schemas.microsoft.com/office/powerpoint/2010/main" xmlns:p15="http://schemas.microsoft.com/office/powerpoint/2012/main" xmlns:mc="http://schemas.openxmlformats.org/markup-compatibility/2006" type="tx" preserve="1">
+<p:sldLayout xmlns:a="http://schemas.openxmlformats.org/drawingml/2006/main" xmlns:r="http://schemas.openxmlformats.org/officeDocument/2006/relationships" xmlns:p="http://schemas.openxmlformats.org/presentationml/2006/main" type="tx" preserve="1">
   <p:cSld name="Title Slide">
     <p:spTree>
       <p:nvGrpSpPr>
@@ -611,46 +780,50 @@
         <p:spPr>
           <a:xfrm>
             <a:off x="1097280" y="286560"/>
-            <a:ext cx="10057320" cy="1449720"/>
-          </a:xfrm>
-          <a:prstGeom prst="rect">
-            <a:avLst/>
-          </a:prstGeom>
-        </p:spPr>
-        <p:txBody>
-          <a:bodyPr lIns="0" rIns="0" tIns="0" bIns="0" anchor="ctr"/>
+            <a:ext cx="10057680" cy="1450080"/>
+          </a:xfrm>
+          <a:prstGeom prst="rect">
+            <a:avLst/>
+          </a:prstGeom>
+        </p:spPr>
+        <p:txBody>
+          <a:bodyPr lIns="0" tIns="0" rIns="0" bIns="0" anchor="ctr"/>
+          <a:lstStyle/>
+          <a:p>
+            <a:endParaRPr lang="en-US" sz="1800" b="0" strike="noStrike" spc="-1">
+              <a:solidFill>
+                <a:srgbClr val="000000"/>
+              </a:solidFill>
+              <a:latin typeface="Arial"/>
+            </a:endParaRPr>
+          </a:p>
+        </p:txBody>
+      </p:sp>
+      <p:sp>
+        <p:nvSpPr>
+          <p:cNvPr id="50" name="PlaceHolder 2"/>
+          <p:cNvSpPr>
+            <a:spLocks noGrp="1"/>
+          </p:cNvSpPr>
+          <p:nvPr>
+            <p:ph type="subTitle"/>
+          </p:nvPr>
+        </p:nvSpPr>
+        <p:spPr>
+          <a:xfrm>
+            <a:off x="609480" y="1604520"/>
+            <a:ext cx="10972440" cy="3977280"/>
+          </a:xfrm>
+          <a:prstGeom prst="rect">
+            <a:avLst/>
+          </a:prstGeom>
+        </p:spPr>
+        <p:txBody>
+          <a:bodyPr lIns="0" tIns="0" rIns="0" bIns="0" anchor="ctr"/>
+          <a:lstStyle/>
           <a:p>
             <a:pPr algn="ctr"/>
-            <a:endParaRPr b="0" lang="en-US" sz="4400" spc="-1" strike="noStrike">
-              <a:latin typeface="Arial"/>
-            </a:endParaRPr>
-          </a:p>
-        </p:txBody>
-      </p:sp>
-      <p:sp>
-        <p:nvSpPr>
-          <p:cNvPr id="50" name="PlaceHolder 2"/>
-          <p:cNvSpPr>
-            <a:spLocks noGrp="1"/>
-          </p:cNvSpPr>
-          <p:nvPr>
-            <p:ph type="subTitle"/>
-          </p:nvPr>
-        </p:nvSpPr>
-        <p:spPr>
-          <a:xfrm>
-            <a:off x="609480" y="1604520"/>
-            <a:ext cx="10972080" cy="3976920"/>
-          </a:xfrm>
-          <a:prstGeom prst="rect">
-            <a:avLst/>
-          </a:prstGeom>
-        </p:spPr>
-        <p:txBody>
-          <a:bodyPr lIns="0" rIns="0" tIns="0" bIns="0" anchor="ctr"/>
-          <a:p>
-            <a:pPr algn="ctr"/>
-            <a:endParaRPr b="0" lang="en-US" sz="3200" spc="-1" strike="noStrike">
+            <a:endParaRPr lang="en-US" sz="3200" b="0" strike="noStrike" spc="-1">
               <a:latin typeface="Arial"/>
             </a:endParaRPr>
           </a:p>
@@ -658,11 +831,14 @@
       </p:sp>
     </p:spTree>
   </p:cSld>
+  <p:clrMapOvr>
+    <a:masterClrMapping/>
+  </p:clrMapOvr>
 </p:sldLayout>
 </file>
 
 <file path=ppt/slideLayouts/slideLayout15.xml><?xml version="1.0" encoding="utf-8"?>
-<p:sldLayout xmlns:a="http://schemas.openxmlformats.org/drawingml/2006/main" xmlns:p="http://schemas.openxmlformats.org/presentationml/2006/main" xmlns:r="http://schemas.openxmlformats.org/officeDocument/2006/relationships" xmlns:p14="http://schemas.microsoft.com/office/powerpoint/2010/main" xmlns:p15="http://schemas.microsoft.com/office/powerpoint/2012/main" xmlns:mc="http://schemas.openxmlformats.org/markup-compatibility/2006" type="obj" preserve="1">
+<p:sldLayout xmlns:a="http://schemas.openxmlformats.org/drawingml/2006/main" xmlns:r="http://schemas.openxmlformats.org/officeDocument/2006/relationships" xmlns:p="http://schemas.openxmlformats.org/presentationml/2006/main" type="obj" preserve="1">
   <p:cSld name="Title, Content">
     <p:spTree>
       <p:nvGrpSpPr>
@@ -691,17 +867,20 @@
         <p:spPr>
           <a:xfrm>
             <a:off x="1097280" y="286560"/>
-            <a:ext cx="10057320" cy="1449720"/>
-          </a:xfrm>
-          <a:prstGeom prst="rect">
-            <a:avLst/>
-          </a:prstGeom>
-        </p:spPr>
-        <p:txBody>
-          <a:bodyPr lIns="0" rIns="0" tIns="0" bIns="0" anchor="ctr"/>
-          <a:p>
-            <a:pPr algn="ctr"/>
-            <a:endParaRPr b="0" lang="en-US" sz="4400" spc="-1" strike="noStrike">
+            <a:ext cx="10057680" cy="1450080"/>
+          </a:xfrm>
+          <a:prstGeom prst="rect">
+            <a:avLst/>
+          </a:prstGeom>
+        </p:spPr>
+        <p:txBody>
+          <a:bodyPr lIns="0" tIns="0" rIns="0" bIns="0" anchor="ctr"/>
+          <a:lstStyle/>
+          <a:p>
+            <a:endParaRPr lang="en-US" sz="1800" b="0" strike="noStrike" spc="-1">
+              <a:solidFill>
+                <a:srgbClr val="000000"/>
+              </a:solidFill>
               <a:latin typeface="Arial"/>
             </a:endParaRPr>
           </a:p>
@@ -720,18 +899,22 @@
         <p:spPr>
           <a:xfrm>
             <a:off x="609480" y="1604520"/>
-            <a:ext cx="10972080" cy="3976920"/>
-          </a:xfrm>
-          <a:prstGeom prst="rect">
-            <a:avLst/>
-          </a:prstGeom>
-        </p:spPr>
-        <p:txBody>
-          <a:bodyPr lIns="0" rIns="0" tIns="0" bIns="0">
+            <a:ext cx="10972440" cy="3977280"/>
+          </a:xfrm>
+          <a:prstGeom prst="rect">
+            <a:avLst/>
+          </a:prstGeom>
+        </p:spPr>
+        <p:txBody>
+          <a:bodyPr lIns="0" tIns="0" rIns="0" bIns="0">
             <a:normAutofit/>
           </a:bodyPr>
-          <a:p>
-            <a:endParaRPr b="0" lang="en-US" sz="3200" spc="-1" strike="noStrike">
+          <a:lstStyle/>
+          <a:p>
+            <a:endParaRPr lang="en-US" sz="2800" b="0" strike="noStrike" spc="-1">
+              <a:solidFill>
+                <a:srgbClr val="000000"/>
+              </a:solidFill>
               <a:latin typeface="Arial"/>
             </a:endParaRPr>
           </a:p>
@@ -739,11 +922,14 @@
       </p:sp>
     </p:spTree>
   </p:cSld>
+  <p:clrMapOvr>
+    <a:masterClrMapping/>
+  </p:clrMapOvr>
 </p:sldLayout>
 </file>
 
 <file path=ppt/slideLayouts/slideLayout16.xml><?xml version="1.0" encoding="utf-8"?>
-<p:sldLayout xmlns:a="http://schemas.openxmlformats.org/drawingml/2006/main" xmlns:p="http://schemas.openxmlformats.org/presentationml/2006/main" xmlns:r="http://schemas.openxmlformats.org/officeDocument/2006/relationships" xmlns:p14="http://schemas.microsoft.com/office/powerpoint/2010/main" xmlns:p15="http://schemas.microsoft.com/office/powerpoint/2012/main" xmlns:mc="http://schemas.openxmlformats.org/markup-compatibility/2006" type="twoObj" preserve="1">
+<p:sldLayout xmlns:a="http://schemas.openxmlformats.org/drawingml/2006/main" xmlns:r="http://schemas.openxmlformats.org/officeDocument/2006/relationships" xmlns:p="http://schemas.openxmlformats.org/presentationml/2006/main" type="twoObj" preserve="1">
   <p:cSld name="Title, 2 Content">
     <p:spTree>
       <p:nvGrpSpPr>
@@ -772,17 +958,20 @@
         <p:spPr>
           <a:xfrm>
             <a:off x="1097280" y="286560"/>
-            <a:ext cx="10057320" cy="1449720"/>
-          </a:xfrm>
-          <a:prstGeom prst="rect">
-            <a:avLst/>
-          </a:prstGeom>
-        </p:spPr>
-        <p:txBody>
-          <a:bodyPr lIns="0" rIns="0" tIns="0" bIns="0" anchor="ctr"/>
-          <a:p>
-            <a:pPr algn="ctr"/>
-            <a:endParaRPr b="0" lang="en-US" sz="4400" spc="-1" strike="noStrike">
+            <a:ext cx="10057680" cy="1450080"/>
+          </a:xfrm>
+          <a:prstGeom prst="rect">
+            <a:avLst/>
+          </a:prstGeom>
+        </p:spPr>
+        <p:txBody>
+          <a:bodyPr lIns="0" tIns="0" rIns="0" bIns="0" anchor="ctr"/>
+          <a:lstStyle/>
+          <a:p>
+            <a:endParaRPr lang="en-US" sz="1800" b="0" strike="noStrike" spc="-1">
+              <a:solidFill>
+                <a:srgbClr val="000000"/>
+              </a:solidFill>
               <a:latin typeface="Arial"/>
             </a:endParaRPr>
           </a:p>
@@ -801,18 +990,22 @@
         <p:spPr>
           <a:xfrm>
             <a:off x="609480" y="1604520"/>
-            <a:ext cx="5354280" cy="3976920"/>
-          </a:xfrm>
-          <a:prstGeom prst="rect">
-            <a:avLst/>
-          </a:prstGeom>
-        </p:spPr>
-        <p:txBody>
-          <a:bodyPr lIns="0" rIns="0" tIns="0" bIns="0">
+            <a:ext cx="5354280" cy="3977280"/>
+          </a:xfrm>
+          <a:prstGeom prst="rect">
+            <a:avLst/>
+          </a:prstGeom>
+        </p:spPr>
+        <p:txBody>
+          <a:bodyPr lIns="0" tIns="0" rIns="0" bIns="0">
             <a:normAutofit/>
           </a:bodyPr>
-          <a:p>
-            <a:endParaRPr b="0" lang="en-US" sz="3200" spc="-1" strike="noStrike">
+          <a:lstStyle/>
+          <a:p>
+            <a:endParaRPr lang="en-US" sz="2800" b="0" strike="noStrike" spc="-1">
+              <a:solidFill>
+                <a:srgbClr val="000000"/>
+              </a:solidFill>
               <a:latin typeface="Arial"/>
             </a:endParaRPr>
           </a:p>
@@ -831,18 +1024,22 @@
         <p:spPr>
           <a:xfrm>
             <a:off x="6231960" y="1604520"/>
-            <a:ext cx="5354280" cy="3976920"/>
-          </a:xfrm>
-          <a:prstGeom prst="rect">
-            <a:avLst/>
-          </a:prstGeom>
-        </p:spPr>
-        <p:txBody>
-          <a:bodyPr lIns="0" rIns="0" tIns="0" bIns="0">
+            <a:ext cx="5354280" cy="3977280"/>
+          </a:xfrm>
+          <a:prstGeom prst="rect">
+            <a:avLst/>
+          </a:prstGeom>
+        </p:spPr>
+        <p:txBody>
+          <a:bodyPr lIns="0" tIns="0" rIns="0" bIns="0">
             <a:normAutofit/>
           </a:bodyPr>
-          <a:p>
-            <a:endParaRPr b="0" lang="en-US" sz="3200" spc="-1" strike="noStrike">
+          <a:lstStyle/>
+          <a:p>
+            <a:endParaRPr lang="en-US" sz="2800" b="0" strike="noStrike" spc="-1">
+              <a:solidFill>
+                <a:srgbClr val="000000"/>
+              </a:solidFill>
               <a:latin typeface="Arial"/>
             </a:endParaRPr>
           </a:p>
@@ -850,11 +1047,14 @@
       </p:sp>
     </p:spTree>
   </p:cSld>
+  <p:clrMapOvr>
+    <a:masterClrMapping/>
+  </p:clrMapOvr>
 </p:sldLayout>
 </file>
 
 <file path=ppt/slideLayouts/slideLayout17.xml><?xml version="1.0" encoding="utf-8"?>
-<p:sldLayout xmlns:a="http://schemas.openxmlformats.org/drawingml/2006/main" xmlns:p="http://schemas.openxmlformats.org/presentationml/2006/main" xmlns:r="http://schemas.openxmlformats.org/officeDocument/2006/relationships" xmlns:p14="http://schemas.microsoft.com/office/powerpoint/2010/main" xmlns:p15="http://schemas.microsoft.com/office/powerpoint/2012/main" xmlns:mc="http://schemas.openxmlformats.org/markup-compatibility/2006" type="titleOnly" preserve="1">
+<p:sldLayout xmlns:a="http://schemas.openxmlformats.org/drawingml/2006/main" xmlns:r="http://schemas.openxmlformats.org/officeDocument/2006/relationships" xmlns:p="http://schemas.openxmlformats.org/presentationml/2006/main" type="titleOnly" preserve="1">
   <p:cSld name="Title Only">
     <p:spTree>
       <p:nvGrpSpPr>
@@ -883,17 +1083,20 @@
         <p:spPr>
           <a:xfrm>
             <a:off x="1097280" y="286560"/>
-            <a:ext cx="10057320" cy="1449720"/>
-          </a:xfrm>
-          <a:prstGeom prst="rect">
-            <a:avLst/>
-          </a:prstGeom>
-        </p:spPr>
-        <p:txBody>
-          <a:bodyPr lIns="0" rIns="0" tIns="0" bIns="0" anchor="ctr"/>
-          <a:p>
-            <a:pPr algn="ctr"/>
-            <a:endParaRPr b="0" lang="en-US" sz="4400" spc="-1" strike="noStrike">
+            <a:ext cx="10057680" cy="1450080"/>
+          </a:xfrm>
+          <a:prstGeom prst="rect">
+            <a:avLst/>
+          </a:prstGeom>
+        </p:spPr>
+        <p:txBody>
+          <a:bodyPr lIns="0" tIns="0" rIns="0" bIns="0" anchor="ctr"/>
+          <a:lstStyle/>
+          <a:p>
+            <a:endParaRPr lang="en-US" sz="1800" b="0" strike="noStrike" spc="-1">
+              <a:solidFill>
+                <a:srgbClr val="000000"/>
+              </a:solidFill>
               <a:latin typeface="Arial"/>
             </a:endParaRPr>
           </a:p>
@@ -901,11 +1104,14 @@
       </p:sp>
     </p:spTree>
   </p:cSld>
+  <p:clrMapOvr>
+    <a:masterClrMapping/>
+  </p:clrMapOvr>
 </p:sldLayout>
 </file>
 
 <file path=ppt/slideLayouts/slideLayout18.xml><?xml version="1.0" encoding="utf-8"?>
-<p:sldLayout xmlns:a="http://schemas.openxmlformats.org/drawingml/2006/main" xmlns:p="http://schemas.openxmlformats.org/presentationml/2006/main" xmlns:r="http://schemas.openxmlformats.org/officeDocument/2006/relationships" xmlns:p14="http://schemas.microsoft.com/office/powerpoint/2010/main" xmlns:p15="http://schemas.microsoft.com/office/powerpoint/2012/main" xmlns:mc="http://schemas.openxmlformats.org/markup-compatibility/2006" type="objOnly" preserve="1">
+<p:sldLayout xmlns:a="http://schemas.openxmlformats.org/drawingml/2006/main" xmlns:r="http://schemas.openxmlformats.org/officeDocument/2006/relationships" xmlns:p="http://schemas.openxmlformats.org/presentationml/2006/main" type="objOnly" preserve="1">
   <p:cSld name="Centered Text">
     <p:spTree>
       <p:nvGrpSpPr>
@@ -934,17 +1140,18 @@
         <p:spPr>
           <a:xfrm>
             <a:off x="1097280" y="286560"/>
-            <a:ext cx="10057320" cy="6721200"/>
-          </a:xfrm>
-          <a:prstGeom prst="rect">
-            <a:avLst/>
-          </a:prstGeom>
-        </p:spPr>
-        <p:txBody>
-          <a:bodyPr lIns="0" rIns="0" tIns="0" bIns="0" anchor="ctr"/>
+            <a:ext cx="10057680" cy="6723000"/>
+          </a:xfrm>
+          <a:prstGeom prst="rect">
+            <a:avLst/>
+          </a:prstGeom>
+        </p:spPr>
+        <p:txBody>
+          <a:bodyPr lIns="0" tIns="0" rIns="0" bIns="0" anchor="ctr"/>
+          <a:lstStyle/>
           <a:p>
             <a:pPr algn="ctr"/>
-            <a:endParaRPr b="0" lang="en-US" sz="3200" spc="-1" strike="noStrike">
+            <a:endParaRPr lang="en-US" sz="3200" b="0" strike="noStrike" spc="-1">
               <a:latin typeface="Arial"/>
             </a:endParaRPr>
           </a:p>
@@ -952,11 +1159,14 @@
       </p:sp>
     </p:spTree>
   </p:cSld>
+  <p:clrMapOvr>
+    <a:masterClrMapping/>
+  </p:clrMapOvr>
 </p:sldLayout>
 </file>
 
 <file path=ppt/slideLayouts/slideLayout19.xml><?xml version="1.0" encoding="utf-8"?>
-<p:sldLayout xmlns:a="http://schemas.openxmlformats.org/drawingml/2006/main" xmlns:p="http://schemas.openxmlformats.org/presentationml/2006/main" xmlns:r="http://schemas.openxmlformats.org/officeDocument/2006/relationships" xmlns:p14="http://schemas.microsoft.com/office/powerpoint/2010/main" xmlns:p15="http://schemas.microsoft.com/office/powerpoint/2012/main" xmlns:mc="http://schemas.openxmlformats.org/markup-compatibility/2006" type="twoObjAndObj" preserve="1">
+<p:sldLayout xmlns:a="http://schemas.openxmlformats.org/drawingml/2006/main" xmlns:r="http://schemas.openxmlformats.org/officeDocument/2006/relationships" xmlns:p="http://schemas.openxmlformats.org/presentationml/2006/main" type="twoObjAndObj" preserve="1">
   <p:cSld name="Title, 2 Content and Content">
     <p:spTree>
       <p:nvGrpSpPr>
@@ -985,17 +1195,20 @@
         <p:spPr>
           <a:xfrm>
             <a:off x="1097280" y="286560"/>
-            <a:ext cx="10057320" cy="1449720"/>
-          </a:xfrm>
-          <a:prstGeom prst="rect">
-            <a:avLst/>
-          </a:prstGeom>
-        </p:spPr>
-        <p:txBody>
-          <a:bodyPr lIns="0" rIns="0" tIns="0" bIns="0" anchor="ctr"/>
-          <a:p>
-            <a:pPr algn="ctr"/>
-            <a:endParaRPr b="0" lang="en-US" sz="4400" spc="-1" strike="noStrike">
+            <a:ext cx="10057680" cy="1450080"/>
+          </a:xfrm>
+          <a:prstGeom prst="rect">
+            <a:avLst/>
+          </a:prstGeom>
+        </p:spPr>
+        <p:txBody>
+          <a:bodyPr lIns="0" tIns="0" rIns="0" bIns="0" anchor="ctr"/>
+          <a:lstStyle/>
+          <a:p>
+            <a:endParaRPr lang="en-US" sz="1800" b="0" strike="noStrike" spc="-1">
+              <a:solidFill>
+                <a:srgbClr val="000000"/>
+              </a:solidFill>
               <a:latin typeface="Arial"/>
             </a:endParaRPr>
           </a:p>
@@ -1021,11 +1234,15 @@
           </a:prstGeom>
         </p:spPr>
         <p:txBody>
-          <a:bodyPr lIns="0" rIns="0" tIns="0" bIns="0">
+          <a:bodyPr lIns="0" tIns="0" rIns="0" bIns="0">
             <a:normAutofit/>
           </a:bodyPr>
-          <a:p>
-            <a:endParaRPr b="0" lang="en-US" sz="3200" spc="-1" strike="noStrike">
+          <a:lstStyle/>
+          <a:p>
+            <a:endParaRPr lang="en-US" sz="2800" b="0" strike="noStrike" spc="-1">
+              <a:solidFill>
+                <a:srgbClr val="000000"/>
+              </a:solidFill>
               <a:latin typeface="Arial"/>
             </a:endParaRPr>
           </a:p>
@@ -1044,18 +1261,22 @@
         <p:spPr>
           <a:xfrm>
             <a:off x="6231960" y="1604520"/>
-            <a:ext cx="5354280" cy="3976920"/>
-          </a:xfrm>
-          <a:prstGeom prst="rect">
-            <a:avLst/>
-          </a:prstGeom>
-        </p:spPr>
-        <p:txBody>
-          <a:bodyPr lIns="0" rIns="0" tIns="0" bIns="0">
+            <a:ext cx="5354280" cy="3977280"/>
+          </a:xfrm>
+          <a:prstGeom prst="rect">
+            <a:avLst/>
+          </a:prstGeom>
+        </p:spPr>
+        <p:txBody>
+          <a:bodyPr lIns="0" tIns="0" rIns="0" bIns="0">
             <a:normAutofit/>
           </a:bodyPr>
-          <a:p>
-            <a:endParaRPr b="0" lang="en-US" sz="3200" spc="-1" strike="noStrike">
+          <a:lstStyle/>
+          <a:p>
+            <a:endParaRPr lang="en-US" sz="2800" b="0" strike="noStrike" spc="-1">
+              <a:solidFill>
+                <a:srgbClr val="000000"/>
+              </a:solidFill>
               <a:latin typeface="Arial"/>
             </a:endParaRPr>
           </a:p>
@@ -1081,11 +1302,15 @@
           </a:prstGeom>
         </p:spPr>
         <p:txBody>
-          <a:bodyPr lIns="0" rIns="0" tIns="0" bIns="0">
+          <a:bodyPr lIns="0" tIns="0" rIns="0" bIns="0">
             <a:normAutofit/>
           </a:bodyPr>
-          <a:p>
-            <a:endParaRPr b="0" lang="en-US" sz="3200" spc="-1" strike="noStrike">
+          <a:lstStyle/>
+          <a:p>
+            <a:endParaRPr lang="en-US" sz="2800" b="0" strike="noStrike" spc="-1">
+              <a:solidFill>
+                <a:srgbClr val="000000"/>
+              </a:solidFill>
               <a:latin typeface="Arial"/>
             </a:endParaRPr>
           </a:p>
@@ -1093,11 +1318,14 @@
       </p:sp>
     </p:spTree>
   </p:cSld>
+  <p:clrMapOvr>
+    <a:masterClrMapping/>
+  </p:clrMapOvr>
 </p:sldLayout>
 </file>
 
 <file path=ppt/slideLayouts/slideLayout2.xml><?xml version="1.0" encoding="utf-8"?>
-<p:sldLayout xmlns:a="http://schemas.openxmlformats.org/drawingml/2006/main" xmlns:p="http://schemas.openxmlformats.org/presentationml/2006/main" xmlns:r="http://schemas.openxmlformats.org/officeDocument/2006/relationships" xmlns:p14="http://schemas.microsoft.com/office/powerpoint/2010/main" xmlns:p15="http://schemas.microsoft.com/office/powerpoint/2012/main" xmlns:mc="http://schemas.openxmlformats.org/markup-compatibility/2006" type="tx" preserve="1">
+<p:sldLayout xmlns:a="http://schemas.openxmlformats.org/drawingml/2006/main" xmlns:r="http://schemas.openxmlformats.org/officeDocument/2006/relationships" xmlns:p="http://schemas.openxmlformats.org/presentationml/2006/main" type="tx" preserve="1">
   <p:cSld name="Title Slide">
     <p:spTree>
       <p:nvGrpSpPr>
@@ -1126,46 +1354,50 @@
         <p:spPr>
           <a:xfrm>
             <a:off x="1097280" y="286560"/>
-            <a:ext cx="10057320" cy="1449720"/>
-          </a:xfrm>
-          <a:prstGeom prst="rect">
-            <a:avLst/>
-          </a:prstGeom>
-        </p:spPr>
-        <p:txBody>
-          <a:bodyPr lIns="0" rIns="0" tIns="0" bIns="0" anchor="ctr"/>
+            <a:ext cx="10057680" cy="1450080"/>
+          </a:xfrm>
+          <a:prstGeom prst="rect">
+            <a:avLst/>
+          </a:prstGeom>
+        </p:spPr>
+        <p:txBody>
+          <a:bodyPr lIns="0" tIns="0" rIns="0" bIns="0" anchor="ctr"/>
+          <a:lstStyle/>
+          <a:p>
+            <a:endParaRPr lang="en-US" sz="1800" b="0" strike="noStrike" spc="-1">
+              <a:solidFill>
+                <a:srgbClr val="000000"/>
+              </a:solidFill>
+              <a:latin typeface="Arial"/>
+            </a:endParaRPr>
+          </a:p>
+        </p:txBody>
+      </p:sp>
+      <p:sp>
+        <p:nvSpPr>
+          <p:cNvPr id="9" name="PlaceHolder 2"/>
+          <p:cNvSpPr>
+            <a:spLocks noGrp="1"/>
+          </p:cNvSpPr>
+          <p:nvPr>
+            <p:ph type="subTitle"/>
+          </p:nvPr>
+        </p:nvSpPr>
+        <p:spPr>
+          <a:xfrm>
+            <a:off x="609480" y="1604520"/>
+            <a:ext cx="10972440" cy="3977280"/>
+          </a:xfrm>
+          <a:prstGeom prst="rect">
+            <a:avLst/>
+          </a:prstGeom>
+        </p:spPr>
+        <p:txBody>
+          <a:bodyPr lIns="0" tIns="0" rIns="0" bIns="0" anchor="ctr"/>
+          <a:lstStyle/>
           <a:p>
             <a:pPr algn="ctr"/>
-            <a:endParaRPr b="0" lang="en-US" sz="4400" spc="-1" strike="noStrike">
-              <a:latin typeface="Arial"/>
-            </a:endParaRPr>
-          </a:p>
-        </p:txBody>
-      </p:sp>
-      <p:sp>
-        <p:nvSpPr>
-          <p:cNvPr id="9" name="PlaceHolder 2"/>
-          <p:cNvSpPr>
-            <a:spLocks noGrp="1"/>
-          </p:cNvSpPr>
-          <p:nvPr>
-            <p:ph type="subTitle"/>
-          </p:nvPr>
-        </p:nvSpPr>
-        <p:spPr>
-          <a:xfrm>
-            <a:off x="609480" y="1604520"/>
-            <a:ext cx="10972080" cy="3976920"/>
-          </a:xfrm>
-          <a:prstGeom prst="rect">
-            <a:avLst/>
-          </a:prstGeom>
-        </p:spPr>
-        <p:txBody>
-          <a:bodyPr lIns="0" rIns="0" tIns="0" bIns="0" anchor="ctr"/>
-          <a:p>
-            <a:pPr algn="ctr"/>
-            <a:endParaRPr b="0" lang="en-US" sz="3200" spc="-1" strike="noStrike">
+            <a:endParaRPr lang="en-US" sz="3200" b="0" strike="noStrike" spc="-1">
               <a:latin typeface="Arial"/>
             </a:endParaRPr>
           </a:p>
@@ -1173,11 +1405,14 @@
       </p:sp>
     </p:spTree>
   </p:cSld>
+  <p:clrMapOvr>
+    <a:masterClrMapping/>
+  </p:clrMapOvr>
 </p:sldLayout>
 </file>
 
 <file path=ppt/slideLayouts/slideLayout20.xml><?xml version="1.0" encoding="utf-8"?>
-<p:sldLayout xmlns:a="http://schemas.openxmlformats.org/drawingml/2006/main" xmlns:p="http://schemas.openxmlformats.org/presentationml/2006/main" xmlns:r="http://schemas.openxmlformats.org/officeDocument/2006/relationships" xmlns:p14="http://schemas.microsoft.com/office/powerpoint/2010/main" xmlns:p15="http://schemas.microsoft.com/office/powerpoint/2012/main" xmlns:mc="http://schemas.openxmlformats.org/markup-compatibility/2006" type="objAndTwoObj" preserve="1">
+<p:sldLayout xmlns:a="http://schemas.openxmlformats.org/drawingml/2006/main" xmlns:r="http://schemas.openxmlformats.org/officeDocument/2006/relationships" xmlns:p="http://schemas.openxmlformats.org/presentationml/2006/main" type="objAndTwoObj" preserve="1">
   <p:cSld name="Title Content and 2 Content">
     <p:spTree>
       <p:nvGrpSpPr>
@@ -1206,17 +1441,20 @@
         <p:spPr>
           <a:xfrm>
             <a:off x="1097280" y="286560"/>
-            <a:ext cx="10057320" cy="1449720"/>
-          </a:xfrm>
-          <a:prstGeom prst="rect">
-            <a:avLst/>
-          </a:prstGeom>
-        </p:spPr>
-        <p:txBody>
-          <a:bodyPr lIns="0" rIns="0" tIns="0" bIns="0" anchor="ctr"/>
-          <a:p>
-            <a:pPr algn="ctr"/>
-            <a:endParaRPr b="0" lang="en-US" sz="4400" spc="-1" strike="noStrike">
+            <a:ext cx="10057680" cy="1450080"/>
+          </a:xfrm>
+          <a:prstGeom prst="rect">
+            <a:avLst/>
+          </a:prstGeom>
+        </p:spPr>
+        <p:txBody>
+          <a:bodyPr lIns="0" tIns="0" rIns="0" bIns="0" anchor="ctr"/>
+          <a:lstStyle/>
+          <a:p>
+            <a:endParaRPr lang="en-US" sz="1800" b="0" strike="noStrike" spc="-1">
+              <a:solidFill>
+                <a:srgbClr val="000000"/>
+              </a:solidFill>
               <a:latin typeface="Arial"/>
             </a:endParaRPr>
           </a:p>
@@ -1235,18 +1473,22 @@
         <p:spPr>
           <a:xfrm>
             <a:off x="609480" y="1604520"/>
-            <a:ext cx="5354280" cy="3976920"/>
-          </a:xfrm>
-          <a:prstGeom prst="rect">
-            <a:avLst/>
-          </a:prstGeom>
-        </p:spPr>
-        <p:txBody>
-          <a:bodyPr lIns="0" rIns="0" tIns="0" bIns="0">
+            <a:ext cx="5354280" cy="3977280"/>
+          </a:xfrm>
+          <a:prstGeom prst="rect">
+            <a:avLst/>
+          </a:prstGeom>
+        </p:spPr>
+        <p:txBody>
+          <a:bodyPr lIns="0" tIns="0" rIns="0" bIns="0">
             <a:normAutofit/>
           </a:bodyPr>
-          <a:p>
-            <a:endParaRPr b="0" lang="en-US" sz="3200" spc="-1" strike="noStrike">
+          <a:lstStyle/>
+          <a:p>
+            <a:endParaRPr lang="en-US" sz="2800" b="0" strike="noStrike" spc="-1">
+              <a:solidFill>
+                <a:srgbClr val="000000"/>
+              </a:solidFill>
               <a:latin typeface="Arial"/>
             </a:endParaRPr>
           </a:p>
@@ -1272,11 +1514,15 @@
           </a:prstGeom>
         </p:spPr>
         <p:txBody>
-          <a:bodyPr lIns="0" rIns="0" tIns="0" bIns="0">
+          <a:bodyPr lIns="0" tIns="0" rIns="0" bIns="0">
             <a:normAutofit/>
           </a:bodyPr>
-          <a:p>
-            <a:endParaRPr b="0" lang="en-US" sz="3200" spc="-1" strike="noStrike">
+          <a:lstStyle/>
+          <a:p>
+            <a:endParaRPr lang="en-US" sz="2800" b="0" strike="noStrike" spc="-1">
+              <a:solidFill>
+                <a:srgbClr val="000000"/>
+              </a:solidFill>
               <a:latin typeface="Arial"/>
             </a:endParaRPr>
           </a:p>
@@ -1302,11 +1548,15 @@
           </a:prstGeom>
         </p:spPr>
         <p:txBody>
-          <a:bodyPr lIns="0" rIns="0" tIns="0" bIns="0">
+          <a:bodyPr lIns="0" tIns="0" rIns="0" bIns="0">
             <a:normAutofit/>
           </a:bodyPr>
-          <a:p>
-            <a:endParaRPr b="0" lang="en-US" sz="3200" spc="-1" strike="noStrike">
+          <a:lstStyle/>
+          <a:p>
+            <a:endParaRPr lang="en-US" sz="2800" b="0" strike="noStrike" spc="-1">
+              <a:solidFill>
+                <a:srgbClr val="000000"/>
+              </a:solidFill>
               <a:latin typeface="Arial"/>
             </a:endParaRPr>
           </a:p>
@@ -1314,11 +1564,14 @@
       </p:sp>
     </p:spTree>
   </p:cSld>
+  <p:clrMapOvr>
+    <a:masterClrMapping/>
+  </p:clrMapOvr>
 </p:sldLayout>
 </file>
 
 <file path=ppt/slideLayouts/slideLayout21.xml><?xml version="1.0" encoding="utf-8"?>
-<p:sldLayout xmlns:a="http://schemas.openxmlformats.org/drawingml/2006/main" xmlns:p="http://schemas.openxmlformats.org/presentationml/2006/main" xmlns:r="http://schemas.openxmlformats.org/officeDocument/2006/relationships" xmlns:p14="http://schemas.microsoft.com/office/powerpoint/2010/main" xmlns:p15="http://schemas.microsoft.com/office/powerpoint/2012/main" xmlns:mc="http://schemas.openxmlformats.org/markup-compatibility/2006" type="twoObjOverTx" preserve="1">
+<p:sldLayout xmlns:a="http://schemas.openxmlformats.org/drawingml/2006/main" xmlns:r="http://schemas.openxmlformats.org/officeDocument/2006/relationships" xmlns:p="http://schemas.openxmlformats.org/presentationml/2006/main" type="twoObjOverTx" preserve="1">
   <p:cSld name="Title, 2 Content over Content">
     <p:spTree>
       <p:nvGrpSpPr>
@@ -1347,17 +1600,20 @@
         <p:spPr>
           <a:xfrm>
             <a:off x="1097280" y="286560"/>
-            <a:ext cx="10057320" cy="1449720"/>
-          </a:xfrm>
-          <a:prstGeom prst="rect">
-            <a:avLst/>
-          </a:prstGeom>
-        </p:spPr>
-        <p:txBody>
-          <a:bodyPr lIns="0" rIns="0" tIns="0" bIns="0" anchor="ctr"/>
-          <a:p>
-            <a:pPr algn="ctr"/>
-            <a:endParaRPr b="0" lang="en-US" sz="4400" spc="-1" strike="noStrike">
+            <a:ext cx="10057680" cy="1450080"/>
+          </a:xfrm>
+          <a:prstGeom prst="rect">
+            <a:avLst/>
+          </a:prstGeom>
+        </p:spPr>
+        <p:txBody>
+          <a:bodyPr lIns="0" tIns="0" rIns="0" bIns="0" anchor="ctr"/>
+          <a:lstStyle/>
+          <a:p>
+            <a:endParaRPr lang="en-US" sz="1800" b="0" strike="noStrike" spc="-1">
+              <a:solidFill>
+                <a:srgbClr val="000000"/>
+              </a:solidFill>
               <a:latin typeface="Arial"/>
             </a:endParaRPr>
           </a:p>
@@ -1383,11 +1639,15 @@
           </a:prstGeom>
         </p:spPr>
         <p:txBody>
-          <a:bodyPr lIns="0" rIns="0" tIns="0" bIns="0">
+          <a:bodyPr lIns="0" tIns="0" rIns="0" bIns="0">
             <a:normAutofit/>
           </a:bodyPr>
-          <a:p>
-            <a:endParaRPr b="0" lang="en-US" sz="3200" spc="-1" strike="noStrike">
+          <a:lstStyle/>
+          <a:p>
+            <a:endParaRPr lang="en-US" sz="2800" b="0" strike="noStrike" spc="-1">
+              <a:solidFill>
+                <a:srgbClr val="000000"/>
+              </a:solidFill>
               <a:latin typeface="Arial"/>
             </a:endParaRPr>
           </a:p>
@@ -1413,11 +1673,15 @@
           </a:prstGeom>
         </p:spPr>
         <p:txBody>
-          <a:bodyPr lIns="0" rIns="0" tIns="0" bIns="0">
+          <a:bodyPr lIns="0" tIns="0" rIns="0" bIns="0">
             <a:normAutofit/>
           </a:bodyPr>
-          <a:p>
-            <a:endParaRPr b="0" lang="en-US" sz="3200" spc="-1" strike="noStrike">
+          <a:lstStyle/>
+          <a:p>
+            <a:endParaRPr lang="en-US" sz="2800" b="0" strike="noStrike" spc="-1">
+              <a:solidFill>
+                <a:srgbClr val="000000"/>
+              </a:solidFill>
               <a:latin typeface="Arial"/>
             </a:endParaRPr>
           </a:p>
@@ -1436,18 +1700,22 @@
         <p:spPr>
           <a:xfrm>
             <a:off x="609480" y="3682080"/>
-            <a:ext cx="10972080" cy="1896840"/>
-          </a:xfrm>
-          <a:prstGeom prst="rect">
-            <a:avLst/>
-          </a:prstGeom>
-        </p:spPr>
-        <p:txBody>
-          <a:bodyPr lIns="0" rIns="0" tIns="0" bIns="0">
+            <a:ext cx="10972440" cy="1896840"/>
+          </a:xfrm>
+          <a:prstGeom prst="rect">
+            <a:avLst/>
+          </a:prstGeom>
+        </p:spPr>
+        <p:txBody>
+          <a:bodyPr lIns="0" tIns="0" rIns="0" bIns="0">
             <a:normAutofit/>
           </a:bodyPr>
-          <a:p>
-            <a:endParaRPr b="0" lang="en-US" sz="3200" spc="-1" strike="noStrike">
+          <a:lstStyle/>
+          <a:p>
+            <a:endParaRPr lang="en-US" sz="2800" b="0" strike="noStrike" spc="-1">
+              <a:solidFill>
+                <a:srgbClr val="000000"/>
+              </a:solidFill>
               <a:latin typeface="Arial"/>
             </a:endParaRPr>
           </a:p>
@@ -1455,11 +1723,14 @@
       </p:sp>
     </p:spTree>
   </p:cSld>
+  <p:clrMapOvr>
+    <a:masterClrMapping/>
+  </p:clrMapOvr>
 </p:sldLayout>
 </file>
 
 <file path=ppt/slideLayouts/slideLayout22.xml><?xml version="1.0" encoding="utf-8"?>
-<p:sldLayout xmlns:a="http://schemas.openxmlformats.org/drawingml/2006/main" xmlns:p="http://schemas.openxmlformats.org/presentationml/2006/main" xmlns:r="http://schemas.openxmlformats.org/officeDocument/2006/relationships" xmlns:p14="http://schemas.microsoft.com/office/powerpoint/2010/main" xmlns:p15="http://schemas.microsoft.com/office/powerpoint/2012/main" xmlns:mc="http://schemas.openxmlformats.org/markup-compatibility/2006" type="objOverTx" preserve="1">
+<p:sldLayout xmlns:a="http://schemas.openxmlformats.org/drawingml/2006/main" xmlns:r="http://schemas.openxmlformats.org/officeDocument/2006/relationships" xmlns:p="http://schemas.openxmlformats.org/presentationml/2006/main" type="objOverTx" preserve="1">
   <p:cSld name="Title, Content over Content">
     <p:spTree>
       <p:nvGrpSpPr>
@@ -1488,17 +1759,20 @@
         <p:spPr>
           <a:xfrm>
             <a:off x="1097280" y="286560"/>
-            <a:ext cx="10057320" cy="1449720"/>
-          </a:xfrm>
-          <a:prstGeom prst="rect">
-            <a:avLst/>
-          </a:prstGeom>
-        </p:spPr>
-        <p:txBody>
-          <a:bodyPr lIns="0" rIns="0" tIns="0" bIns="0" anchor="ctr"/>
-          <a:p>
-            <a:pPr algn="ctr"/>
-            <a:endParaRPr b="0" lang="en-US" sz="4400" spc="-1" strike="noStrike">
+            <a:ext cx="10057680" cy="1450080"/>
+          </a:xfrm>
+          <a:prstGeom prst="rect">
+            <a:avLst/>
+          </a:prstGeom>
+        </p:spPr>
+        <p:txBody>
+          <a:bodyPr lIns="0" tIns="0" rIns="0" bIns="0" anchor="ctr"/>
+          <a:lstStyle/>
+          <a:p>
+            <a:endParaRPr lang="en-US" sz="1800" b="0" strike="noStrike" spc="-1">
+              <a:solidFill>
+                <a:srgbClr val="000000"/>
+              </a:solidFill>
               <a:latin typeface="Arial"/>
             </a:endParaRPr>
           </a:p>
@@ -1517,18 +1791,22 @@
         <p:spPr>
           <a:xfrm>
             <a:off x="609480" y="1604520"/>
-            <a:ext cx="10972080" cy="1896840"/>
-          </a:xfrm>
-          <a:prstGeom prst="rect">
-            <a:avLst/>
-          </a:prstGeom>
-        </p:spPr>
-        <p:txBody>
-          <a:bodyPr lIns="0" rIns="0" tIns="0" bIns="0">
+            <a:ext cx="10972440" cy="1896840"/>
+          </a:xfrm>
+          <a:prstGeom prst="rect">
+            <a:avLst/>
+          </a:prstGeom>
+        </p:spPr>
+        <p:txBody>
+          <a:bodyPr lIns="0" tIns="0" rIns="0" bIns="0">
             <a:normAutofit/>
           </a:bodyPr>
-          <a:p>
-            <a:endParaRPr b="0" lang="en-US" sz="3200" spc="-1" strike="noStrike">
+          <a:lstStyle/>
+          <a:p>
+            <a:endParaRPr lang="en-US" sz="2800" b="0" strike="noStrike" spc="-1">
+              <a:solidFill>
+                <a:srgbClr val="000000"/>
+              </a:solidFill>
               <a:latin typeface="Arial"/>
             </a:endParaRPr>
           </a:p>
@@ -1547,18 +1825,22 @@
         <p:spPr>
           <a:xfrm>
             <a:off x="609480" y="3682080"/>
-            <a:ext cx="10972080" cy="1896840"/>
-          </a:xfrm>
-          <a:prstGeom prst="rect">
-            <a:avLst/>
-          </a:prstGeom>
-        </p:spPr>
-        <p:txBody>
-          <a:bodyPr lIns="0" rIns="0" tIns="0" bIns="0">
+            <a:ext cx="10972440" cy="1896840"/>
+          </a:xfrm>
+          <a:prstGeom prst="rect">
+            <a:avLst/>
+          </a:prstGeom>
+        </p:spPr>
+        <p:txBody>
+          <a:bodyPr lIns="0" tIns="0" rIns="0" bIns="0">
             <a:normAutofit/>
           </a:bodyPr>
-          <a:p>
-            <a:endParaRPr b="0" lang="en-US" sz="3200" spc="-1" strike="noStrike">
+          <a:lstStyle/>
+          <a:p>
+            <a:endParaRPr lang="en-US" sz="2800" b="0" strike="noStrike" spc="-1">
+              <a:solidFill>
+                <a:srgbClr val="000000"/>
+              </a:solidFill>
               <a:latin typeface="Arial"/>
             </a:endParaRPr>
           </a:p>
@@ -1566,11 +1848,14 @@
       </p:sp>
     </p:spTree>
   </p:cSld>
+  <p:clrMapOvr>
+    <a:masterClrMapping/>
+  </p:clrMapOvr>
 </p:sldLayout>
 </file>
 
 <file path=ppt/slideLayouts/slideLayout23.xml><?xml version="1.0" encoding="utf-8"?>
-<p:sldLayout xmlns:a="http://schemas.openxmlformats.org/drawingml/2006/main" xmlns:p="http://schemas.openxmlformats.org/presentationml/2006/main" xmlns:r="http://schemas.openxmlformats.org/officeDocument/2006/relationships" xmlns:p14="http://schemas.microsoft.com/office/powerpoint/2010/main" xmlns:p15="http://schemas.microsoft.com/office/powerpoint/2012/main" xmlns:mc="http://schemas.openxmlformats.org/markup-compatibility/2006" type="fourObj" preserve="1">
+<p:sldLayout xmlns:a="http://schemas.openxmlformats.org/drawingml/2006/main" xmlns:r="http://schemas.openxmlformats.org/officeDocument/2006/relationships" xmlns:p="http://schemas.openxmlformats.org/presentationml/2006/main" type="fourObj" preserve="1">
   <p:cSld name="Title, 4 Content">
     <p:spTree>
       <p:nvGrpSpPr>
@@ -1599,17 +1884,20 @@
         <p:spPr>
           <a:xfrm>
             <a:off x="1097280" y="286560"/>
-            <a:ext cx="10057320" cy="1449720"/>
-          </a:xfrm>
-          <a:prstGeom prst="rect">
-            <a:avLst/>
-          </a:prstGeom>
-        </p:spPr>
-        <p:txBody>
-          <a:bodyPr lIns="0" rIns="0" tIns="0" bIns="0" anchor="ctr"/>
-          <a:p>
-            <a:pPr algn="ctr"/>
-            <a:endParaRPr b="0" lang="en-US" sz="4400" spc="-1" strike="noStrike">
+            <a:ext cx="10057680" cy="1450080"/>
+          </a:xfrm>
+          <a:prstGeom prst="rect">
+            <a:avLst/>
+          </a:prstGeom>
+        </p:spPr>
+        <p:txBody>
+          <a:bodyPr lIns="0" tIns="0" rIns="0" bIns="0" anchor="ctr"/>
+          <a:lstStyle/>
+          <a:p>
+            <a:endParaRPr lang="en-US" sz="1800" b="0" strike="noStrike" spc="-1">
+              <a:solidFill>
+                <a:srgbClr val="000000"/>
+              </a:solidFill>
               <a:latin typeface="Arial"/>
             </a:endParaRPr>
           </a:p>
@@ -1635,11 +1923,15 @@
           </a:prstGeom>
         </p:spPr>
         <p:txBody>
-          <a:bodyPr lIns="0" rIns="0" tIns="0" bIns="0">
+          <a:bodyPr lIns="0" tIns="0" rIns="0" bIns="0">
             <a:normAutofit/>
           </a:bodyPr>
-          <a:p>
-            <a:endParaRPr b="0" lang="en-US" sz="3200" spc="-1" strike="noStrike">
+          <a:lstStyle/>
+          <a:p>
+            <a:endParaRPr lang="en-US" sz="2800" b="0" strike="noStrike" spc="-1">
+              <a:solidFill>
+                <a:srgbClr val="000000"/>
+              </a:solidFill>
               <a:latin typeface="Arial"/>
             </a:endParaRPr>
           </a:p>
@@ -1665,11 +1957,15 @@
           </a:prstGeom>
         </p:spPr>
         <p:txBody>
-          <a:bodyPr lIns="0" rIns="0" tIns="0" bIns="0">
+          <a:bodyPr lIns="0" tIns="0" rIns="0" bIns="0">
             <a:normAutofit/>
           </a:bodyPr>
-          <a:p>
-            <a:endParaRPr b="0" lang="en-US" sz="3200" spc="-1" strike="noStrike">
+          <a:lstStyle/>
+          <a:p>
+            <a:endParaRPr lang="en-US" sz="2800" b="0" strike="noStrike" spc="-1">
+              <a:solidFill>
+                <a:srgbClr val="000000"/>
+              </a:solidFill>
               <a:latin typeface="Arial"/>
             </a:endParaRPr>
           </a:p>
@@ -1695,11 +1991,15 @@
           </a:prstGeom>
         </p:spPr>
         <p:txBody>
-          <a:bodyPr lIns="0" rIns="0" tIns="0" bIns="0">
+          <a:bodyPr lIns="0" tIns="0" rIns="0" bIns="0">
             <a:normAutofit/>
           </a:bodyPr>
-          <a:p>
-            <a:endParaRPr b="0" lang="en-US" sz="3200" spc="-1" strike="noStrike">
+          <a:lstStyle/>
+          <a:p>
+            <a:endParaRPr lang="en-US" sz="2800" b="0" strike="noStrike" spc="-1">
+              <a:solidFill>
+                <a:srgbClr val="000000"/>
+              </a:solidFill>
               <a:latin typeface="Arial"/>
             </a:endParaRPr>
           </a:p>
@@ -1725,11 +2025,15 @@
           </a:prstGeom>
         </p:spPr>
         <p:txBody>
-          <a:bodyPr lIns="0" rIns="0" tIns="0" bIns="0">
+          <a:bodyPr lIns="0" tIns="0" rIns="0" bIns="0">
             <a:normAutofit/>
           </a:bodyPr>
-          <a:p>
-            <a:endParaRPr b="0" lang="en-US" sz="3200" spc="-1" strike="noStrike">
+          <a:lstStyle/>
+          <a:p>
+            <a:endParaRPr lang="en-US" sz="2800" b="0" strike="noStrike" spc="-1">
+              <a:solidFill>
+                <a:srgbClr val="000000"/>
+              </a:solidFill>
               <a:latin typeface="Arial"/>
             </a:endParaRPr>
           </a:p>
@@ -1737,11 +2041,14 @@
       </p:sp>
     </p:spTree>
   </p:cSld>
+  <p:clrMapOvr>
+    <a:masterClrMapping/>
+  </p:clrMapOvr>
 </p:sldLayout>
 </file>
 
 <file path=ppt/slideLayouts/slideLayout24.xml><?xml version="1.0" encoding="utf-8"?>
-<p:sldLayout xmlns:a="http://schemas.openxmlformats.org/drawingml/2006/main" xmlns:p="http://schemas.openxmlformats.org/presentationml/2006/main" xmlns:r="http://schemas.openxmlformats.org/officeDocument/2006/relationships" xmlns:p14="http://schemas.microsoft.com/office/powerpoint/2010/main" xmlns:p15="http://schemas.microsoft.com/office/powerpoint/2012/main" xmlns:mc="http://schemas.openxmlformats.org/markup-compatibility/2006" type="blank" preserve="1">
+<p:sldLayout xmlns:a="http://schemas.openxmlformats.org/drawingml/2006/main" xmlns:r="http://schemas.openxmlformats.org/officeDocument/2006/relationships" xmlns:p="http://schemas.openxmlformats.org/presentationml/2006/main" type="blank" preserve="1">
   <p:cSld name="Title, 6 Content">
     <p:spTree>
       <p:nvGrpSpPr>
@@ -1770,17 +2077,20 @@
         <p:spPr>
           <a:xfrm>
             <a:off x="1097280" y="286560"/>
-            <a:ext cx="10057320" cy="1449720"/>
-          </a:xfrm>
-          <a:prstGeom prst="rect">
-            <a:avLst/>
-          </a:prstGeom>
-        </p:spPr>
-        <p:txBody>
-          <a:bodyPr lIns="0" rIns="0" tIns="0" bIns="0" anchor="ctr"/>
-          <a:p>
-            <a:pPr algn="ctr"/>
-            <a:endParaRPr b="0" lang="en-US" sz="4400" spc="-1" strike="noStrike">
+            <a:ext cx="10057680" cy="1450080"/>
+          </a:xfrm>
+          <a:prstGeom prst="rect">
+            <a:avLst/>
+          </a:prstGeom>
+        </p:spPr>
+        <p:txBody>
+          <a:bodyPr lIns="0" tIns="0" rIns="0" bIns="0" anchor="ctr"/>
+          <a:lstStyle/>
+          <a:p>
+            <a:endParaRPr lang="en-US" sz="1800" b="0" strike="noStrike" spc="-1">
+              <a:solidFill>
+                <a:srgbClr val="000000"/>
+              </a:solidFill>
               <a:latin typeface="Arial"/>
             </a:endParaRPr>
           </a:p>
@@ -1799,18 +2109,22 @@
         <p:spPr>
           <a:xfrm>
             <a:off x="609480" y="1604520"/>
-            <a:ext cx="3532680" cy="1896840"/>
-          </a:xfrm>
-          <a:prstGeom prst="rect">
-            <a:avLst/>
-          </a:prstGeom>
-        </p:spPr>
-        <p:txBody>
-          <a:bodyPr lIns="0" rIns="0" tIns="0" bIns="0">
+            <a:ext cx="3533040" cy="1896840"/>
+          </a:xfrm>
+          <a:prstGeom prst="rect">
+            <a:avLst/>
+          </a:prstGeom>
+        </p:spPr>
+        <p:txBody>
+          <a:bodyPr lIns="0" tIns="0" rIns="0" bIns="0">
             <a:normAutofit/>
           </a:bodyPr>
-          <a:p>
-            <a:endParaRPr b="0" lang="en-US" sz="3200" spc="-1" strike="noStrike">
+          <a:lstStyle/>
+          <a:p>
+            <a:endParaRPr lang="en-US" sz="2800" b="0" strike="noStrike" spc="-1">
+              <a:solidFill>
+                <a:srgbClr val="000000"/>
+              </a:solidFill>
               <a:latin typeface="Arial"/>
             </a:endParaRPr>
           </a:p>
@@ -1828,19 +2142,23 @@
         </p:nvSpPr>
         <p:spPr>
           <a:xfrm>
-            <a:off x="4319280" y="1604520"/>
-            <a:ext cx="3532680" cy="1896840"/>
-          </a:xfrm>
-          <a:prstGeom prst="rect">
-            <a:avLst/>
-          </a:prstGeom>
-        </p:spPr>
-        <p:txBody>
-          <a:bodyPr lIns="0" rIns="0" tIns="0" bIns="0">
+            <a:off x="4319640" y="1604520"/>
+            <a:ext cx="3533040" cy="1896840"/>
+          </a:xfrm>
+          <a:prstGeom prst="rect">
+            <a:avLst/>
+          </a:prstGeom>
+        </p:spPr>
+        <p:txBody>
+          <a:bodyPr lIns="0" tIns="0" rIns="0" bIns="0">
             <a:normAutofit/>
           </a:bodyPr>
-          <a:p>
-            <a:endParaRPr b="0" lang="en-US" sz="3200" spc="-1" strike="noStrike">
+          <a:lstStyle/>
+          <a:p>
+            <a:endParaRPr lang="en-US" sz="2800" b="0" strike="noStrike" spc="-1">
+              <a:solidFill>
+                <a:srgbClr val="000000"/>
+              </a:solidFill>
               <a:latin typeface="Arial"/>
             </a:endParaRPr>
           </a:p>
@@ -1858,19 +2176,23 @@
         </p:nvSpPr>
         <p:spPr>
           <a:xfrm>
-            <a:off x="8028720" y="1604520"/>
-            <a:ext cx="3532680" cy="1896840"/>
-          </a:xfrm>
-          <a:prstGeom prst="rect">
-            <a:avLst/>
-          </a:prstGeom>
-        </p:spPr>
-        <p:txBody>
-          <a:bodyPr lIns="0" rIns="0" tIns="0" bIns="0">
+            <a:off x="8029800" y="1604520"/>
+            <a:ext cx="3533040" cy="1896840"/>
+          </a:xfrm>
+          <a:prstGeom prst="rect">
+            <a:avLst/>
+          </a:prstGeom>
+        </p:spPr>
+        <p:txBody>
+          <a:bodyPr lIns="0" tIns="0" rIns="0" bIns="0">
             <a:normAutofit/>
           </a:bodyPr>
-          <a:p>
-            <a:endParaRPr b="0" lang="en-US" sz="3200" spc="-1" strike="noStrike">
+          <a:lstStyle/>
+          <a:p>
+            <a:endParaRPr lang="en-US" sz="2800" b="0" strike="noStrike" spc="-1">
+              <a:solidFill>
+                <a:srgbClr val="000000"/>
+              </a:solidFill>
               <a:latin typeface="Arial"/>
             </a:endParaRPr>
           </a:p>
@@ -1889,18 +2211,22 @@
         <p:spPr>
           <a:xfrm>
             <a:off x="609480" y="3682080"/>
-            <a:ext cx="3532680" cy="1896840"/>
-          </a:xfrm>
-          <a:prstGeom prst="rect">
-            <a:avLst/>
-          </a:prstGeom>
-        </p:spPr>
-        <p:txBody>
-          <a:bodyPr lIns="0" rIns="0" tIns="0" bIns="0">
+            <a:ext cx="3533040" cy="1896840"/>
+          </a:xfrm>
+          <a:prstGeom prst="rect">
+            <a:avLst/>
+          </a:prstGeom>
+        </p:spPr>
+        <p:txBody>
+          <a:bodyPr lIns="0" tIns="0" rIns="0" bIns="0">
             <a:normAutofit/>
           </a:bodyPr>
-          <a:p>
-            <a:endParaRPr b="0" lang="en-US" sz="3200" spc="-1" strike="noStrike">
+          <a:lstStyle/>
+          <a:p>
+            <a:endParaRPr lang="en-US" sz="2800" b="0" strike="noStrike" spc="-1">
+              <a:solidFill>
+                <a:srgbClr val="000000"/>
+              </a:solidFill>
               <a:latin typeface="Arial"/>
             </a:endParaRPr>
           </a:p>
@@ -1918,19 +2244,23 @@
         </p:nvSpPr>
         <p:spPr>
           <a:xfrm>
-            <a:off x="4319280" y="3682080"/>
-            <a:ext cx="3532680" cy="1896840"/>
-          </a:xfrm>
-          <a:prstGeom prst="rect">
-            <a:avLst/>
-          </a:prstGeom>
-        </p:spPr>
-        <p:txBody>
-          <a:bodyPr lIns="0" rIns="0" tIns="0" bIns="0">
+            <a:off x="4319640" y="3682080"/>
+            <a:ext cx="3533040" cy="1896840"/>
+          </a:xfrm>
+          <a:prstGeom prst="rect">
+            <a:avLst/>
+          </a:prstGeom>
+        </p:spPr>
+        <p:txBody>
+          <a:bodyPr lIns="0" tIns="0" rIns="0" bIns="0">
             <a:normAutofit/>
           </a:bodyPr>
-          <a:p>
-            <a:endParaRPr b="0" lang="en-US" sz="3200" spc="-1" strike="noStrike">
+          <a:lstStyle/>
+          <a:p>
+            <a:endParaRPr lang="en-US" sz="2800" b="0" strike="noStrike" spc="-1">
+              <a:solidFill>
+                <a:srgbClr val="000000"/>
+              </a:solidFill>
               <a:latin typeface="Arial"/>
             </a:endParaRPr>
           </a:p>
@@ -1948,19 +2278,23 @@
         </p:nvSpPr>
         <p:spPr>
           <a:xfrm>
-            <a:off x="8028720" y="3682080"/>
-            <a:ext cx="3532680" cy="1896840"/>
-          </a:xfrm>
-          <a:prstGeom prst="rect">
-            <a:avLst/>
-          </a:prstGeom>
-        </p:spPr>
-        <p:txBody>
-          <a:bodyPr lIns="0" rIns="0" tIns="0" bIns="0">
+            <a:off x="8029800" y="3682080"/>
+            <a:ext cx="3533040" cy="1896840"/>
+          </a:xfrm>
+          <a:prstGeom prst="rect">
+            <a:avLst/>
+          </a:prstGeom>
+        </p:spPr>
+        <p:txBody>
+          <a:bodyPr lIns="0" tIns="0" rIns="0" bIns="0">
             <a:normAutofit/>
           </a:bodyPr>
-          <a:p>
-            <a:endParaRPr b="0" lang="en-US" sz="3200" spc="-1" strike="noStrike">
+          <a:lstStyle/>
+          <a:p>
+            <a:endParaRPr lang="en-US" sz="2800" b="0" strike="noStrike" spc="-1">
+              <a:solidFill>
+                <a:srgbClr val="000000"/>
+              </a:solidFill>
               <a:latin typeface="Arial"/>
             </a:endParaRPr>
           </a:p>
@@ -1968,11 +2302,14 @@
       </p:sp>
     </p:spTree>
   </p:cSld>
+  <p:clrMapOvr>
+    <a:masterClrMapping/>
+  </p:clrMapOvr>
 </p:sldLayout>
 </file>
 
 <file path=ppt/slideLayouts/slideLayout25.xml><?xml version="1.0" encoding="utf-8"?>
-<p:sldLayout xmlns:a="http://schemas.openxmlformats.org/drawingml/2006/main" xmlns:p="http://schemas.openxmlformats.org/presentationml/2006/main" xmlns:r="http://schemas.openxmlformats.org/officeDocument/2006/relationships" xmlns:p14="http://schemas.microsoft.com/office/powerpoint/2010/main" xmlns:p15="http://schemas.microsoft.com/office/powerpoint/2012/main" xmlns:mc="http://schemas.openxmlformats.org/markup-compatibility/2006" type="blank" preserve="1">
+<p:sldLayout xmlns:a="http://schemas.openxmlformats.org/drawingml/2006/main" xmlns:r="http://schemas.openxmlformats.org/officeDocument/2006/relationships" xmlns:p="http://schemas.openxmlformats.org/presentationml/2006/main" type="blank" preserve="1">
   <p:cSld name="Blank Slide">
     <p:spTree>
       <p:nvGrpSpPr>
@@ -1990,11 +2327,14 @@
       </p:grpSpPr>
     </p:spTree>
   </p:cSld>
+  <p:clrMapOvr>
+    <a:masterClrMapping/>
+  </p:clrMapOvr>
 </p:sldLayout>
 </file>
 
 <file path=ppt/slideLayouts/slideLayout26.xml><?xml version="1.0" encoding="utf-8"?>
-<p:sldLayout xmlns:a="http://schemas.openxmlformats.org/drawingml/2006/main" xmlns:p="http://schemas.openxmlformats.org/presentationml/2006/main" xmlns:r="http://schemas.openxmlformats.org/officeDocument/2006/relationships" xmlns:p14="http://schemas.microsoft.com/office/powerpoint/2010/main" xmlns:p15="http://schemas.microsoft.com/office/powerpoint/2012/main" xmlns:mc="http://schemas.openxmlformats.org/markup-compatibility/2006" type="tx" preserve="1">
+<p:sldLayout xmlns:a="http://schemas.openxmlformats.org/drawingml/2006/main" xmlns:r="http://schemas.openxmlformats.org/officeDocument/2006/relationships" xmlns:p="http://schemas.openxmlformats.org/presentationml/2006/main" type="tx" preserve="1">
   <p:cSld name="Title Slide">
     <p:spTree>
       <p:nvGrpSpPr>
@@ -2023,46 +2363,50 @@
         <p:spPr>
           <a:xfrm>
             <a:off x="1097280" y="286560"/>
-            <a:ext cx="10057320" cy="1449720"/>
-          </a:xfrm>
-          <a:prstGeom prst="rect">
-            <a:avLst/>
-          </a:prstGeom>
-        </p:spPr>
-        <p:txBody>
-          <a:bodyPr lIns="0" rIns="0" tIns="0" bIns="0" anchor="ctr"/>
+            <a:ext cx="10057680" cy="1450080"/>
+          </a:xfrm>
+          <a:prstGeom prst="rect">
+            <a:avLst/>
+          </a:prstGeom>
+        </p:spPr>
+        <p:txBody>
+          <a:bodyPr lIns="0" tIns="0" rIns="0" bIns="0" anchor="ctr"/>
+          <a:lstStyle/>
+          <a:p>
+            <a:endParaRPr lang="en-US" sz="1800" b="0" strike="noStrike" spc="-1">
+              <a:solidFill>
+                <a:srgbClr val="000000"/>
+              </a:solidFill>
+              <a:latin typeface="Arial"/>
+            </a:endParaRPr>
+          </a:p>
+        </p:txBody>
+      </p:sp>
+      <p:sp>
+        <p:nvSpPr>
+          <p:cNvPr id="91" name="PlaceHolder 2"/>
+          <p:cNvSpPr>
+            <a:spLocks noGrp="1"/>
+          </p:cNvSpPr>
+          <p:nvPr>
+            <p:ph type="subTitle"/>
+          </p:nvPr>
+        </p:nvSpPr>
+        <p:spPr>
+          <a:xfrm>
+            <a:off x="609480" y="1604520"/>
+            <a:ext cx="10972440" cy="3977280"/>
+          </a:xfrm>
+          <a:prstGeom prst="rect">
+            <a:avLst/>
+          </a:prstGeom>
+        </p:spPr>
+        <p:txBody>
+          <a:bodyPr lIns="0" tIns="0" rIns="0" bIns="0" anchor="ctr"/>
+          <a:lstStyle/>
           <a:p>
             <a:pPr algn="ctr"/>
-            <a:endParaRPr b="0" lang="en-US" sz="4400" spc="-1" strike="noStrike">
-              <a:latin typeface="Arial"/>
-            </a:endParaRPr>
-          </a:p>
-        </p:txBody>
-      </p:sp>
-      <p:sp>
-        <p:nvSpPr>
-          <p:cNvPr id="91" name="PlaceHolder 2"/>
-          <p:cNvSpPr>
-            <a:spLocks noGrp="1"/>
-          </p:cNvSpPr>
-          <p:nvPr>
-            <p:ph type="subTitle"/>
-          </p:nvPr>
-        </p:nvSpPr>
-        <p:spPr>
-          <a:xfrm>
-            <a:off x="609480" y="1604520"/>
-            <a:ext cx="10972080" cy="3976920"/>
-          </a:xfrm>
-          <a:prstGeom prst="rect">
-            <a:avLst/>
-          </a:prstGeom>
-        </p:spPr>
-        <p:txBody>
-          <a:bodyPr lIns="0" rIns="0" tIns="0" bIns="0" anchor="ctr"/>
-          <a:p>
-            <a:pPr algn="ctr"/>
-            <a:endParaRPr b="0" lang="en-US" sz="3200" spc="-1" strike="noStrike">
+            <a:endParaRPr lang="en-US" sz="3200" b="0" strike="noStrike" spc="-1">
               <a:latin typeface="Arial"/>
             </a:endParaRPr>
           </a:p>
@@ -2070,11 +2414,14 @@
       </p:sp>
     </p:spTree>
   </p:cSld>
+  <p:clrMapOvr>
+    <a:masterClrMapping/>
+  </p:clrMapOvr>
 </p:sldLayout>
 </file>
 
 <file path=ppt/slideLayouts/slideLayout27.xml><?xml version="1.0" encoding="utf-8"?>
-<p:sldLayout xmlns:a="http://schemas.openxmlformats.org/drawingml/2006/main" xmlns:p="http://schemas.openxmlformats.org/presentationml/2006/main" xmlns:r="http://schemas.openxmlformats.org/officeDocument/2006/relationships" xmlns:p14="http://schemas.microsoft.com/office/powerpoint/2010/main" xmlns:p15="http://schemas.microsoft.com/office/powerpoint/2012/main" xmlns:mc="http://schemas.openxmlformats.org/markup-compatibility/2006" type="obj" preserve="1">
+<p:sldLayout xmlns:a="http://schemas.openxmlformats.org/drawingml/2006/main" xmlns:r="http://schemas.openxmlformats.org/officeDocument/2006/relationships" xmlns:p="http://schemas.openxmlformats.org/presentationml/2006/main" type="obj" preserve="1">
   <p:cSld name="Title, Content">
     <p:spTree>
       <p:nvGrpSpPr>
@@ -2103,17 +2450,20 @@
         <p:spPr>
           <a:xfrm>
             <a:off x="1097280" y="286560"/>
-            <a:ext cx="10057320" cy="1449720"/>
-          </a:xfrm>
-          <a:prstGeom prst="rect">
-            <a:avLst/>
-          </a:prstGeom>
-        </p:spPr>
-        <p:txBody>
-          <a:bodyPr lIns="0" rIns="0" tIns="0" bIns="0" anchor="ctr"/>
-          <a:p>
-            <a:pPr algn="ctr"/>
-            <a:endParaRPr b="0" lang="en-US" sz="4400" spc="-1" strike="noStrike">
+            <a:ext cx="10057680" cy="1450080"/>
+          </a:xfrm>
+          <a:prstGeom prst="rect">
+            <a:avLst/>
+          </a:prstGeom>
+        </p:spPr>
+        <p:txBody>
+          <a:bodyPr lIns="0" tIns="0" rIns="0" bIns="0" anchor="ctr"/>
+          <a:lstStyle/>
+          <a:p>
+            <a:endParaRPr lang="en-US" sz="1800" b="0" strike="noStrike" spc="-1">
+              <a:solidFill>
+                <a:srgbClr val="000000"/>
+              </a:solidFill>
               <a:latin typeface="Arial"/>
             </a:endParaRPr>
           </a:p>
@@ -2132,18 +2482,22 @@
         <p:spPr>
           <a:xfrm>
             <a:off x="609480" y="1604520"/>
-            <a:ext cx="10972080" cy="3976920"/>
-          </a:xfrm>
-          <a:prstGeom prst="rect">
-            <a:avLst/>
-          </a:prstGeom>
-        </p:spPr>
-        <p:txBody>
-          <a:bodyPr lIns="0" rIns="0" tIns="0" bIns="0">
+            <a:ext cx="10972440" cy="3977280"/>
+          </a:xfrm>
+          <a:prstGeom prst="rect">
+            <a:avLst/>
+          </a:prstGeom>
+        </p:spPr>
+        <p:txBody>
+          <a:bodyPr lIns="0" tIns="0" rIns="0" bIns="0">
             <a:normAutofit/>
           </a:bodyPr>
-          <a:p>
-            <a:endParaRPr b="0" lang="en-US" sz="3200" spc="-1" strike="noStrike">
+          <a:lstStyle/>
+          <a:p>
+            <a:endParaRPr lang="en-US" sz="2800" b="0" strike="noStrike" spc="-1">
+              <a:solidFill>
+                <a:srgbClr val="000000"/>
+              </a:solidFill>
               <a:latin typeface="Arial"/>
             </a:endParaRPr>
           </a:p>
@@ -2151,11 +2505,14 @@
       </p:sp>
     </p:spTree>
   </p:cSld>
+  <p:clrMapOvr>
+    <a:masterClrMapping/>
+  </p:clrMapOvr>
 </p:sldLayout>
 </file>
 
 <file path=ppt/slideLayouts/slideLayout28.xml><?xml version="1.0" encoding="utf-8"?>
-<p:sldLayout xmlns:a="http://schemas.openxmlformats.org/drawingml/2006/main" xmlns:p="http://schemas.openxmlformats.org/presentationml/2006/main" xmlns:r="http://schemas.openxmlformats.org/officeDocument/2006/relationships" xmlns:p14="http://schemas.microsoft.com/office/powerpoint/2010/main" xmlns:p15="http://schemas.microsoft.com/office/powerpoint/2012/main" xmlns:mc="http://schemas.openxmlformats.org/markup-compatibility/2006" type="twoObj" preserve="1">
+<p:sldLayout xmlns:a="http://schemas.openxmlformats.org/drawingml/2006/main" xmlns:r="http://schemas.openxmlformats.org/officeDocument/2006/relationships" xmlns:p="http://schemas.openxmlformats.org/presentationml/2006/main" type="twoObj" preserve="1">
   <p:cSld name="Title, 2 Content">
     <p:spTree>
       <p:nvGrpSpPr>
@@ -2184,17 +2541,20 @@
         <p:spPr>
           <a:xfrm>
             <a:off x="1097280" y="286560"/>
-            <a:ext cx="10057320" cy="1449720"/>
-          </a:xfrm>
-          <a:prstGeom prst="rect">
-            <a:avLst/>
-          </a:prstGeom>
-        </p:spPr>
-        <p:txBody>
-          <a:bodyPr lIns="0" rIns="0" tIns="0" bIns="0" anchor="ctr"/>
-          <a:p>
-            <a:pPr algn="ctr"/>
-            <a:endParaRPr b="0" lang="en-US" sz="4400" spc="-1" strike="noStrike">
+            <a:ext cx="10057680" cy="1450080"/>
+          </a:xfrm>
+          <a:prstGeom prst="rect">
+            <a:avLst/>
+          </a:prstGeom>
+        </p:spPr>
+        <p:txBody>
+          <a:bodyPr lIns="0" tIns="0" rIns="0" bIns="0" anchor="ctr"/>
+          <a:lstStyle/>
+          <a:p>
+            <a:endParaRPr lang="en-US" sz="1800" b="0" strike="noStrike" spc="-1">
+              <a:solidFill>
+                <a:srgbClr val="000000"/>
+              </a:solidFill>
               <a:latin typeface="Arial"/>
             </a:endParaRPr>
           </a:p>
@@ -2213,18 +2573,22 @@
         <p:spPr>
           <a:xfrm>
             <a:off x="609480" y="1604520"/>
-            <a:ext cx="5354280" cy="3976920"/>
-          </a:xfrm>
-          <a:prstGeom prst="rect">
-            <a:avLst/>
-          </a:prstGeom>
-        </p:spPr>
-        <p:txBody>
-          <a:bodyPr lIns="0" rIns="0" tIns="0" bIns="0">
+            <a:ext cx="5354280" cy="3977280"/>
+          </a:xfrm>
+          <a:prstGeom prst="rect">
+            <a:avLst/>
+          </a:prstGeom>
+        </p:spPr>
+        <p:txBody>
+          <a:bodyPr lIns="0" tIns="0" rIns="0" bIns="0">
             <a:normAutofit/>
           </a:bodyPr>
-          <a:p>
-            <a:endParaRPr b="0" lang="en-US" sz="3200" spc="-1" strike="noStrike">
+          <a:lstStyle/>
+          <a:p>
+            <a:endParaRPr lang="en-US" sz="2800" b="0" strike="noStrike" spc="-1">
+              <a:solidFill>
+                <a:srgbClr val="000000"/>
+              </a:solidFill>
               <a:latin typeface="Arial"/>
             </a:endParaRPr>
           </a:p>
@@ -2243,18 +2607,22 @@
         <p:spPr>
           <a:xfrm>
             <a:off x="6231960" y="1604520"/>
-            <a:ext cx="5354280" cy="3976920"/>
-          </a:xfrm>
-          <a:prstGeom prst="rect">
-            <a:avLst/>
-          </a:prstGeom>
-        </p:spPr>
-        <p:txBody>
-          <a:bodyPr lIns="0" rIns="0" tIns="0" bIns="0">
+            <a:ext cx="5354280" cy="3977280"/>
+          </a:xfrm>
+          <a:prstGeom prst="rect">
+            <a:avLst/>
+          </a:prstGeom>
+        </p:spPr>
+        <p:txBody>
+          <a:bodyPr lIns="0" tIns="0" rIns="0" bIns="0">
             <a:normAutofit/>
           </a:bodyPr>
-          <a:p>
-            <a:endParaRPr b="0" lang="en-US" sz="3200" spc="-1" strike="noStrike">
+          <a:lstStyle/>
+          <a:p>
+            <a:endParaRPr lang="en-US" sz="2800" b="0" strike="noStrike" spc="-1">
+              <a:solidFill>
+                <a:srgbClr val="000000"/>
+              </a:solidFill>
               <a:latin typeface="Arial"/>
             </a:endParaRPr>
           </a:p>
@@ -2262,11 +2630,14 @@
       </p:sp>
     </p:spTree>
   </p:cSld>
+  <p:clrMapOvr>
+    <a:masterClrMapping/>
+  </p:clrMapOvr>
 </p:sldLayout>
 </file>
 
 <file path=ppt/slideLayouts/slideLayout29.xml><?xml version="1.0" encoding="utf-8"?>
-<p:sldLayout xmlns:a="http://schemas.openxmlformats.org/drawingml/2006/main" xmlns:p="http://schemas.openxmlformats.org/presentationml/2006/main" xmlns:r="http://schemas.openxmlformats.org/officeDocument/2006/relationships" xmlns:p14="http://schemas.microsoft.com/office/powerpoint/2010/main" xmlns:p15="http://schemas.microsoft.com/office/powerpoint/2012/main" xmlns:mc="http://schemas.openxmlformats.org/markup-compatibility/2006" type="titleOnly" preserve="1">
+<p:sldLayout xmlns:a="http://schemas.openxmlformats.org/drawingml/2006/main" xmlns:r="http://schemas.openxmlformats.org/officeDocument/2006/relationships" xmlns:p="http://schemas.openxmlformats.org/presentationml/2006/main" type="titleOnly" preserve="1">
   <p:cSld name="Title Only">
     <p:spTree>
       <p:nvGrpSpPr>
@@ -2295,17 +2666,20 @@
         <p:spPr>
           <a:xfrm>
             <a:off x="1097280" y="286560"/>
-            <a:ext cx="10057320" cy="1449720"/>
-          </a:xfrm>
-          <a:prstGeom prst="rect">
-            <a:avLst/>
-          </a:prstGeom>
-        </p:spPr>
-        <p:txBody>
-          <a:bodyPr lIns="0" rIns="0" tIns="0" bIns="0" anchor="ctr"/>
-          <a:p>
-            <a:pPr algn="ctr"/>
-            <a:endParaRPr b="0" lang="en-US" sz="4400" spc="-1" strike="noStrike">
+            <a:ext cx="10057680" cy="1450080"/>
+          </a:xfrm>
+          <a:prstGeom prst="rect">
+            <a:avLst/>
+          </a:prstGeom>
+        </p:spPr>
+        <p:txBody>
+          <a:bodyPr lIns="0" tIns="0" rIns="0" bIns="0" anchor="ctr"/>
+          <a:lstStyle/>
+          <a:p>
+            <a:endParaRPr lang="en-US" sz="1800" b="0" strike="noStrike" spc="-1">
+              <a:solidFill>
+                <a:srgbClr val="000000"/>
+              </a:solidFill>
               <a:latin typeface="Arial"/>
             </a:endParaRPr>
           </a:p>
@@ -2313,11 +2687,14 @@
       </p:sp>
     </p:spTree>
   </p:cSld>
+  <p:clrMapOvr>
+    <a:masterClrMapping/>
+  </p:clrMapOvr>
 </p:sldLayout>
 </file>
 
 <file path=ppt/slideLayouts/slideLayout3.xml><?xml version="1.0" encoding="utf-8"?>
-<p:sldLayout xmlns:a="http://schemas.openxmlformats.org/drawingml/2006/main" xmlns:p="http://schemas.openxmlformats.org/presentationml/2006/main" xmlns:r="http://schemas.openxmlformats.org/officeDocument/2006/relationships" xmlns:p14="http://schemas.microsoft.com/office/powerpoint/2010/main" xmlns:p15="http://schemas.microsoft.com/office/powerpoint/2012/main" xmlns:mc="http://schemas.openxmlformats.org/markup-compatibility/2006" type="obj" preserve="1">
+<p:sldLayout xmlns:a="http://schemas.openxmlformats.org/drawingml/2006/main" xmlns:r="http://schemas.openxmlformats.org/officeDocument/2006/relationships" xmlns:p="http://schemas.openxmlformats.org/presentationml/2006/main" type="obj" preserve="1">
   <p:cSld name="Title, Content">
     <p:spTree>
       <p:nvGrpSpPr>
@@ -2346,17 +2723,20 @@
         <p:spPr>
           <a:xfrm>
             <a:off x="1097280" y="286560"/>
-            <a:ext cx="10057320" cy="1449720"/>
-          </a:xfrm>
-          <a:prstGeom prst="rect">
-            <a:avLst/>
-          </a:prstGeom>
-        </p:spPr>
-        <p:txBody>
-          <a:bodyPr lIns="0" rIns="0" tIns="0" bIns="0" anchor="ctr"/>
-          <a:p>
-            <a:pPr algn="ctr"/>
-            <a:endParaRPr b="0" lang="en-US" sz="4400" spc="-1" strike="noStrike">
+            <a:ext cx="10057680" cy="1450080"/>
+          </a:xfrm>
+          <a:prstGeom prst="rect">
+            <a:avLst/>
+          </a:prstGeom>
+        </p:spPr>
+        <p:txBody>
+          <a:bodyPr lIns="0" tIns="0" rIns="0" bIns="0" anchor="ctr"/>
+          <a:lstStyle/>
+          <a:p>
+            <a:endParaRPr lang="en-US" sz="1800" b="0" strike="noStrike" spc="-1">
+              <a:solidFill>
+                <a:srgbClr val="000000"/>
+              </a:solidFill>
               <a:latin typeface="Arial"/>
             </a:endParaRPr>
           </a:p>
@@ -2375,18 +2755,22 @@
         <p:spPr>
           <a:xfrm>
             <a:off x="609480" y="1604520"/>
-            <a:ext cx="10972080" cy="3976920"/>
-          </a:xfrm>
-          <a:prstGeom prst="rect">
-            <a:avLst/>
-          </a:prstGeom>
-        </p:spPr>
-        <p:txBody>
-          <a:bodyPr lIns="0" rIns="0" tIns="0" bIns="0">
+            <a:ext cx="10972440" cy="3977280"/>
+          </a:xfrm>
+          <a:prstGeom prst="rect">
+            <a:avLst/>
+          </a:prstGeom>
+        </p:spPr>
+        <p:txBody>
+          <a:bodyPr lIns="0" tIns="0" rIns="0" bIns="0">
             <a:normAutofit/>
           </a:bodyPr>
-          <a:p>
-            <a:endParaRPr b="0" lang="en-US" sz="3200" spc="-1" strike="noStrike">
+          <a:lstStyle/>
+          <a:p>
+            <a:endParaRPr lang="en-US" sz="2800" b="0" strike="noStrike" spc="-1">
+              <a:solidFill>
+                <a:srgbClr val="000000"/>
+              </a:solidFill>
               <a:latin typeface="Arial"/>
             </a:endParaRPr>
           </a:p>
@@ -2394,11 +2778,14 @@
       </p:sp>
     </p:spTree>
   </p:cSld>
+  <p:clrMapOvr>
+    <a:masterClrMapping/>
+  </p:clrMapOvr>
 </p:sldLayout>
 </file>
 
 <file path=ppt/slideLayouts/slideLayout30.xml><?xml version="1.0" encoding="utf-8"?>
-<p:sldLayout xmlns:a="http://schemas.openxmlformats.org/drawingml/2006/main" xmlns:p="http://schemas.openxmlformats.org/presentationml/2006/main" xmlns:r="http://schemas.openxmlformats.org/officeDocument/2006/relationships" xmlns:p14="http://schemas.microsoft.com/office/powerpoint/2010/main" xmlns:p15="http://schemas.microsoft.com/office/powerpoint/2012/main" xmlns:mc="http://schemas.openxmlformats.org/markup-compatibility/2006" type="objOnly" preserve="1">
+<p:sldLayout xmlns:a="http://schemas.openxmlformats.org/drawingml/2006/main" xmlns:r="http://schemas.openxmlformats.org/officeDocument/2006/relationships" xmlns:p="http://schemas.openxmlformats.org/presentationml/2006/main" type="objOnly" preserve="1">
   <p:cSld name="Centered Text">
     <p:spTree>
       <p:nvGrpSpPr>
@@ -2427,17 +2814,18 @@
         <p:spPr>
           <a:xfrm>
             <a:off x="1097280" y="286560"/>
-            <a:ext cx="10057320" cy="6721200"/>
-          </a:xfrm>
-          <a:prstGeom prst="rect">
-            <a:avLst/>
-          </a:prstGeom>
-        </p:spPr>
-        <p:txBody>
-          <a:bodyPr lIns="0" rIns="0" tIns="0" bIns="0" anchor="ctr"/>
+            <a:ext cx="10057680" cy="6723000"/>
+          </a:xfrm>
+          <a:prstGeom prst="rect">
+            <a:avLst/>
+          </a:prstGeom>
+        </p:spPr>
+        <p:txBody>
+          <a:bodyPr lIns="0" tIns="0" rIns="0" bIns="0" anchor="ctr"/>
+          <a:lstStyle/>
           <a:p>
             <a:pPr algn="ctr"/>
-            <a:endParaRPr b="0" lang="en-US" sz="3200" spc="-1" strike="noStrike">
+            <a:endParaRPr lang="en-US" sz="3200" b="0" strike="noStrike" spc="-1">
               <a:latin typeface="Arial"/>
             </a:endParaRPr>
           </a:p>
@@ -2445,11 +2833,14 @@
       </p:sp>
     </p:spTree>
   </p:cSld>
+  <p:clrMapOvr>
+    <a:masterClrMapping/>
+  </p:clrMapOvr>
 </p:sldLayout>
 </file>
 
 <file path=ppt/slideLayouts/slideLayout31.xml><?xml version="1.0" encoding="utf-8"?>
-<p:sldLayout xmlns:a="http://schemas.openxmlformats.org/drawingml/2006/main" xmlns:p="http://schemas.openxmlformats.org/presentationml/2006/main" xmlns:r="http://schemas.openxmlformats.org/officeDocument/2006/relationships" xmlns:p14="http://schemas.microsoft.com/office/powerpoint/2010/main" xmlns:p15="http://schemas.microsoft.com/office/powerpoint/2012/main" xmlns:mc="http://schemas.openxmlformats.org/markup-compatibility/2006" type="twoObjAndObj" preserve="1">
+<p:sldLayout xmlns:a="http://schemas.openxmlformats.org/drawingml/2006/main" xmlns:r="http://schemas.openxmlformats.org/officeDocument/2006/relationships" xmlns:p="http://schemas.openxmlformats.org/presentationml/2006/main" type="twoObjAndObj" preserve="1">
   <p:cSld name="Title, 2 Content and Content">
     <p:spTree>
       <p:nvGrpSpPr>
@@ -2478,17 +2869,20 @@
         <p:spPr>
           <a:xfrm>
             <a:off x="1097280" y="286560"/>
-            <a:ext cx="10057320" cy="1449720"/>
-          </a:xfrm>
-          <a:prstGeom prst="rect">
-            <a:avLst/>
-          </a:prstGeom>
-        </p:spPr>
-        <p:txBody>
-          <a:bodyPr lIns="0" rIns="0" tIns="0" bIns="0" anchor="ctr"/>
-          <a:p>
-            <a:pPr algn="ctr"/>
-            <a:endParaRPr b="0" lang="en-US" sz="4400" spc="-1" strike="noStrike">
+            <a:ext cx="10057680" cy="1450080"/>
+          </a:xfrm>
+          <a:prstGeom prst="rect">
+            <a:avLst/>
+          </a:prstGeom>
+        </p:spPr>
+        <p:txBody>
+          <a:bodyPr lIns="0" tIns="0" rIns="0" bIns="0" anchor="ctr"/>
+          <a:lstStyle/>
+          <a:p>
+            <a:endParaRPr lang="en-US" sz="1800" b="0" strike="noStrike" spc="-1">
+              <a:solidFill>
+                <a:srgbClr val="000000"/>
+              </a:solidFill>
               <a:latin typeface="Arial"/>
             </a:endParaRPr>
           </a:p>
@@ -2514,11 +2908,15 @@
           </a:prstGeom>
         </p:spPr>
         <p:txBody>
-          <a:bodyPr lIns="0" rIns="0" tIns="0" bIns="0">
+          <a:bodyPr lIns="0" tIns="0" rIns="0" bIns="0">
             <a:normAutofit/>
           </a:bodyPr>
-          <a:p>
-            <a:endParaRPr b="0" lang="en-US" sz="3200" spc="-1" strike="noStrike">
+          <a:lstStyle/>
+          <a:p>
+            <a:endParaRPr lang="en-US" sz="2800" b="0" strike="noStrike" spc="-1">
+              <a:solidFill>
+                <a:srgbClr val="000000"/>
+              </a:solidFill>
               <a:latin typeface="Arial"/>
             </a:endParaRPr>
           </a:p>
@@ -2537,18 +2935,22 @@
         <p:spPr>
           <a:xfrm>
             <a:off x="6231960" y="1604520"/>
-            <a:ext cx="5354280" cy="3976920"/>
-          </a:xfrm>
-          <a:prstGeom prst="rect">
-            <a:avLst/>
-          </a:prstGeom>
-        </p:spPr>
-        <p:txBody>
-          <a:bodyPr lIns="0" rIns="0" tIns="0" bIns="0">
+            <a:ext cx="5354280" cy="3977280"/>
+          </a:xfrm>
+          <a:prstGeom prst="rect">
+            <a:avLst/>
+          </a:prstGeom>
+        </p:spPr>
+        <p:txBody>
+          <a:bodyPr lIns="0" tIns="0" rIns="0" bIns="0">
             <a:normAutofit/>
           </a:bodyPr>
-          <a:p>
-            <a:endParaRPr b="0" lang="en-US" sz="3200" spc="-1" strike="noStrike">
+          <a:lstStyle/>
+          <a:p>
+            <a:endParaRPr lang="en-US" sz="2800" b="0" strike="noStrike" spc="-1">
+              <a:solidFill>
+                <a:srgbClr val="000000"/>
+              </a:solidFill>
               <a:latin typeface="Arial"/>
             </a:endParaRPr>
           </a:p>
@@ -2574,11 +2976,15 @@
           </a:prstGeom>
         </p:spPr>
         <p:txBody>
-          <a:bodyPr lIns="0" rIns="0" tIns="0" bIns="0">
+          <a:bodyPr lIns="0" tIns="0" rIns="0" bIns="0">
             <a:normAutofit/>
           </a:bodyPr>
-          <a:p>
-            <a:endParaRPr b="0" lang="en-US" sz="3200" spc="-1" strike="noStrike">
+          <a:lstStyle/>
+          <a:p>
+            <a:endParaRPr lang="en-US" sz="2800" b="0" strike="noStrike" spc="-1">
+              <a:solidFill>
+                <a:srgbClr val="000000"/>
+              </a:solidFill>
               <a:latin typeface="Arial"/>
             </a:endParaRPr>
           </a:p>
@@ -2586,11 +2992,14 @@
       </p:sp>
     </p:spTree>
   </p:cSld>
+  <p:clrMapOvr>
+    <a:masterClrMapping/>
+  </p:clrMapOvr>
 </p:sldLayout>
 </file>
 
 <file path=ppt/slideLayouts/slideLayout32.xml><?xml version="1.0" encoding="utf-8"?>
-<p:sldLayout xmlns:a="http://schemas.openxmlformats.org/drawingml/2006/main" xmlns:p="http://schemas.openxmlformats.org/presentationml/2006/main" xmlns:r="http://schemas.openxmlformats.org/officeDocument/2006/relationships" xmlns:p14="http://schemas.microsoft.com/office/powerpoint/2010/main" xmlns:p15="http://schemas.microsoft.com/office/powerpoint/2012/main" xmlns:mc="http://schemas.openxmlformats.org/markup-compatibility/2006" type="objAndTwoObj" preserve="1">
+<p:sldLayout xmlns:a="http://schemas.openxmlformats.org/drawingml/2006/main" xmlns:r="http://schemas.openxmlformats.org/officeDocument/2006/relationships" xmlns:p="http://schemas.openxmlformats.org/presentationml/2006/main" type="objAndTwoObj" preserve="1">
   <p:cSld name="Title Content and 2 Content">
     <p:spTree>
       <p:nvGrpSpPr>
@@ -2619,17 +3028,20 @@
         <p:spPr>
           <a:xfrm>
             <a:off x="1097280" y="286560"/>
-            <a:ext cx="10057320" cy="1449720"/>
-          </a:xfrm>
-          <a:prstGeom prst="rect">
-            <a:avLst/>
-          </a:prstGeom>
-        </p:spPr>
-        <p:txBody>
-          <a:bodyPr lIns="0" rIns="0" tIns="0" bIns="0" anchor="ctr"/>
-          <a:p>
-            <a:pPr algn="ctr"/>
-            <a:endParaRPr b="0" lang="en-US" sz="4400" spc="-1" strike="noStrike">
+            <a:ext cx="10057680" cy="1450080"/>
+          </a:xfrm>
+          <a:prstGeom prst="rect">
+            <a:avLst/>
+          </a:prstGeom>
+        </p:spPr>
+        <p:txBody>
+          <a:bodyPr lIns="0" tIns="0" rIns="0" bIns="0" anchor="ctr"/>
+          <a:lstStyle/>
+          <a:p>
+            <a:endParaRPr lang="en-US" sz="1800" b="0" strike="noStrike" spc="-1">
+              <a:solidFill>
+                <a:srgbClr val="000000"/>
+              </a:solidFill>
               <a:latin typeface="Arial"/>
             </a:endParaRPr>
           </a:p>
@@ -2648,18 +3060,22 @@
         <p:spPr>
           <a:xfrm>
             <a:off x="609480" y="1604520"/>
-            <a:ext cx="5354280" cy="3976920"/>
-          </a:xfrm>
-          <a:prstGeom prst="rect">
-            <a:avLst/>
-          </a:prstGeom>
-        </p:spPr>
-        <p:txBody>
-          <a:bodyPr lIns="0" rIns="0" tIns="0" bIns="0">
+            <a:ext cx="5354280" cy="3977280"/>
+          </a:xfrm>
+          <a:prstGeom prst="rect">
+            <a:avLst/>
+          </a:prstGeom>
+        </p:spPr>
+        <p:txBody>
+          <a:bodyPr lIns="0" tIns="0" rIns="0" bIns="0">
             <a:normAutofit/>
           </a:bodyPr>
-          <a:p>
-            <a:endParaRPr b="0" lang="en-US" sz="3200" spc="-1" strike="noStrike">
+          <a:lstStyle/>
+          <a:p>
+            <a:endParaRPr lang="en-US" sz="2800" b="0" strike="noStrike" spc="-1">
+              <a:solidFill>
+                <a:srgbClr val="000000"/>
+              </a:solidFill>
               <a:latin typeface="Arial"/>
             </a:endParaRPr>
           </a:p>
@@ -2685,11 +3101,15 @@
           </a:prstGeom>
         </p:spPr>
         <p:txBody>
-          <a:bodyPr lIns="0" rIns="0" tIns="0" bIns="0">
+          <a:bodyPr lIns="0" tIns="0" rIns="0" bIns="0">
             <a:normAutofit/>
           </a:bodyPr>
-          <a:p>
-            <a:endParaRPr b="0" lang="en-US" sz="3200" spc="-1" strike="noStrike">
+          <a:lstStyle/>
+          <a:p>
+            <a:endParaRPr lang="en-US" sz="2800" b="0" strike="noStrike" spc="-1">
+              <a:solidFill>
+                <a:srgbClr val="000000"/>
+              </a:solidFill>
               <a:latin typeface="Arial"/>
             </a:endParaRPr>
           </a:p>
@@ -2715,11 +3135,15 @@
           </a:prstGeom>
         </p:spPr>
         <p:txBody>
-          <a:bodyPr lIns="0" rIns="0" tIns="0" bIns="0">
+          <a:bodyPr lIns="0" tIns="0" rIns="0" bIns="0">
             <a:normAutofit/>
           </a:bodyPr>
-          <a:p>
-            <a:endParaRPr b="0" lang="en-US" sz="3200" spc="-1" strike="noStrike">
+          <a:lstStyle/>
+          <a:p>
+            <a:endParaRPr lang="en-US" sz="2800" b="0" strike="noStrike" spc="-1">
+              <a:solidFill>
+                <a:srgbClr val="000000"/>
+              </a:solidFill>
               <a:latin typeface="Arial"/>
             </a:endParaRPr>
           </a:p>
@@ -2727,11 +3151,14 @@
       </p:sp>
     </p:spTree>
   </p:cSld>
+  <p:clrMapOvr>
+    <a:masterClrMapping/>
+  </p:clrMapOvr>
 </p:sldLayout>
 </file>
 
 <file path=ppt/slideLayouts/slideLayout33.xml><?xml version="1.0" encoding="utf-8"?>
-<p:sldLayout xmlns:a="http://schemas.openxmlformats.org/drawingml/2006/main" xmlns:p="http://schemas.openxmlformats.org/presentationml/2006/main" xmlns:r="http://schemas.openxmlformats.org/officeDocument/2006/relationships" xmlns:p14="http://schemas.microsoft.com/office/powerpoint/2010/main" xmlns:p15="http://schemas.microsoft.com/office/powerpoint/2012/main" xmlns:mc="http://schemas.openxmlformats.org/markup-compatibility/2006" type="twoObjOverTx" preserve="1">
+<p:sldLayout xmlns:a="http://schemas.openxmlformats.org/drawingml/2006/main" xmlns:r="http://schemas.openxmlformats.org/officeDocument/2006/relationships" xmlns:p="http://schemas.openxmlformats.org/presentationml/2006/main" type="twoObjOverTx" preserve="1">
   <p:cSld name="Title, 2 Content over Content">
     <p:spTree>
       <p:nvGrpSpPr>
@@ -2760,17 +3187,20 @@
         <p:spPr>
           <a:xfrm>
             <a:off x="1097280" y="286560"/>
-            <a:ext cx="10057320" cy="1449720"/>
-          </a:xfrm>
-          <a:prstGeom prst="rect">
-            <a:avLst/>
-          </a:prstGeom>
-        </p:spPr>
-        <p:txBody>
-          <a:bodyPr lIns="0" rIns="0" tIns="0" bIns="0" anchor="ctr"/>
-          <a:p>
-            <a:pPr algn="ctr"/>
-            <a:endParaRPr b="0" lang="en-US" sz="4400" spc="-1" strike="noStrike">
+            <a:ext cx="10057680" cy="1450080"/>
+          </a:xfrm>
+          <a:prstGeom prst="rect">
+            <a:avLst/>
+          </a:prstGeom>
+        </p:spPr>
+        <p:txBody>
+          <a:bodyPr lIns="0" tIns="0" rIns="0" bIns="0" anchor="ctr"/>
+          <a:lstStyle/>
+          <a:p>
+            <a:endParaRPr lang="en-US" sz="1800" b="0" strike="noStrike" spc="-1">
+              <a:solidFill>
+                <a:srgbClr val="000000"/>
+              </a:solidFill>
               <a:latin typeface="Arial"/>
             </a:endParaRPr>
           </a:p>
@@ -2796,11 +3226,15 @@
           </a:prstGeom>
         </p:spPr>
         <p:txBody>
-          <a:bodyPr lIns="0" rIns="0" tIns="0" bIns="0">
+          <a:bodyPr lIns="0" tIns="0" rIns="0" bIns="0">
             <a:normAutofit/>
           </a:bodyPr>
-          <a:p>
-            <a:endParaRPr b="0" lang="en-US" sz="3200" spc="-1" strike="noStrike">
+          <a:lstStyle/>
+          <a:p>
+            <a:endParaRPr lang="en-US" sz="2800" b="0" strike="noStrike" spc="-1">
+              <a:solidFill>
+                <a:srgbClr val="000000"/>
+              </a:solidFill>
               <a:latin typeface="Arial"/>
             </a:endParaRPr>
           </a:p>
@@ -2826,11 +3260,15 @@
           </a:prstGeom>
         </p:spPr>
         <p:txBody>
-          <a:bodyPr lIns="0" rIns="0" tIns="0" bIns="0">
+          <a:bodyPr lIns="0" tIns="0" rIns="0" bIns="0">
             <a:normAutofit/>
           </a:bodyPr>
-          <a:p>
-            <a:endParaRPr b="0" lang="en-US" sz="3200" spc="-1" strike="noStrike">
+          <a:lstStyle/>
+          <a:p>
+            <a:endParaRPr lang="en-US" sz="2800" b="0" strike="noStrike" spc="-1">
+              <a:solidFill>
+                <a:srgbClr val="000000"/>
+              </a:solidFill>
               <a:latin typeface="Arial"/>
             </a:endParaRPr>
           </a:p>
@@ -2849,18 +3287,22 @@
         <p:spPr>
           <a:xfrm>
             <a:off x="609480" y="3682080"/>
-            <a:ext cx="10972080" cy="1896840"/>
-          </a:xfrm>
-          <a:prstGeom prst="rect">
-            <a:avLst/>
-          </a:prstGeom>
-        </p:spPr>
-        <p:txBody>
-          <a:bodyPr lIns="0" rIns="0" tIns="0" bIns="0">
+            <a:ext cx="10972440" cy="1896840"/>
+          </a:xfrm>
+          <a:prstGeom prst="rect">
+            <a:avLst/>
+          </a:prstGeom>
+        </p:spPr>
+        <p:txBody>
+          <a:bodyPr lIns="0" tIns="0" rIns="0" bIns="0">
             <a:normAutofit/>
           </a:bodyPr>
-          <a:p>
-            <a:endParaRPr b="0" lang="en-US" sz="3200" spc="-1" strike="noStrike">
+          <a:lstStyle/>
+          <a:p>
+            <a:endParaRPr lang="en-US" sz="2800" b="0" strike="noStrike" spc="-1">
+              <a:solidFill>
+                <a:srgbClr val="000000"/>
+              </a:solidFill>
               <a:latin typeface="Arial"/>
             </a:endParaRPr>
           </a:p>
@@ -2868,11 +3310,14 @@
       </p:sp>
     </p:spTree>
   </p:cSld>
+  <p:clrMapOvr>
+    <a:masterClrMapping/>
+  </p:clrMapOvr>
 </p:sldLayout>
 </file>
 
 <file path=ppt/slideLayouts/slideLayout34.xml><?xml version="1.0" encoding="utf-8"?>
-<p:sldLayout xmlns:a="http://schemas.openxmlformats.org/drawingml/2006/main" xmlns:p="http://schemas.openxmlformats.org/presentationml/2006/main" xmlns:r="http://schemas.openxmlformats.org/officeDocument/2006/relationships" xmlns:p14="http://schemas.microsoft.com/office/powerpoint/2010/main" xmlns:p15="http://schemas.microsoft.com/office/powerpoint/2012/main" xmlns:mc="http://schemas.openxmlformats.org/markup-compatibility/2006" type="objOverTx" preserve="1">
+<p:sldLayout xmlns:a="http://schemas.openxmlformats.org/drawingml/2006/main" xmlns:r="http://schemas.openxmlformats.org/officeDocument/2006/relationships" xmlns:p="http://schemas.openxmlformats.org/presentationml/2006/main" type="objOverTx" preserve="1">
   <p:cSld name="Title, Content over Content">
     <p:spTree>
       <p:nvGrpSpPr>
@@ -2901,17 +3346,20 @@
         <p:spPr>
           <a:xfrm>
             <a:off x="1097280" y="286560"/>
-            <a:ext cx="10057320" cy="1449720"/>
-          </a:xfrm>
-          <a:prstGeom prst="rect">
-            <a:avLst/>
-          </a:prstGeom>
-        </p:spPr>
-        <p:txBody>
-          <a:bodyPr lIns="0" rIns="0" tIns="0" bIns="0" anchor="ctr"/>
-          <a:p>
-            <a:pPr algn="ctr"/>
-            <a:endParaRPr b="0" lang="en-US" sz="4400" spc="-1" strike="noStrike">
+            <a:ext cx="10057680" cy="1450080"/>
+          </a:xfrm>
+          <a:prstGeom prst="rect">
+            <a:avLst/>
+          </a:prstGeom>
+        </p:spPr>
+        <p:txBody>
+          <a:bodyPr lIns="0" tIns="0" rIns="0" bIns="0" anchor="ctr"/>
+          <a:lstStyle/>
+          <a:p>
+            <a:endParaRPr lang="en-US" sz="1800" b="0" strike="noStrike" spc="-1">
+              <a:solidFill>
+                <a:srgbClr val="000000"/>
+              </a:solidFill>
               <a:latin typeface="Arial"/>
             </a:endParaRPr>
           </a:p>
@@ -2930,18 +3378,22 @@
         <p:spPr>
           <a:xfrm>
             <a:off x="609480" y="1604520"/>
-            <a:ext cx="10972080" cy="1896840"/>
-          </a:xfrm>
-          <a:prstGeom prst="rect">
-            <a:avLst/>
-          </a:prstGeom>
-        </p:spPr>
-        <p:txBody>
-          <a:bodyPr lIns="0" rIns="0" tIns="0" bIns="0">
+            <a:ext cx="10972440" cy="1896840"/>
+          </a:xfrm>
+          <a:prstGeom prst="rect">
+            <a:avLst/>
+          </a:prstGeom>
+        </p:spPr>
+        <p:txBody>
+          <a:bodyPr lIns="0" tIns="0" rIns="0" bIns="0">
             <a:normAutofit/>
           </a:bodyPr>
-          <a:p>
-            <a:endParaRPr b="0" lang="en-US" sz="3200" spc="-1" strike="noStrike">
+          <a:lstStyle/>
+          <a:p>
+            <a:endParaRPr lang="en-US" sz="2800" b="0" strike="noStrike" spc="-1">
+              <a:solidFill>
+                <a:srgbClr val="000000"/>
+              </a:solidFill>
               <a:latin typeface="Arial"/>
             </a:endParaRPr>
           </a:p>
@@ -2960,18 +3412,22 @@
         <p:spPr>
           <a:xfrm>
             <a:off x="609480" y="3682080"/>
-            <a:ext cx="10972080" cy="1896840"/>
-          </a:xfrm>
-          <a:prstGeom prst="rect">
-            <a:avLst/>
-          </a:prstGeom>
-        </p:spPr>
-        <p:txBody>
-          <a:bodyPr lIns="0" rIns="0" tIns="0" bIns="0">
+            <a:ext cx="10972440" cy="1896840"/>
+          </a:xfrm>
+          <a:prstGeom prst="rect">
+            <a:avLst/>
+          </a:prstGeom>
+        </p:spPr>
+        <p:txBody>
+          <a:bodyPr lIns="0" tIns="0" rIns="0" bIns="0">
             <a:normAutofit/>
           </a:bodyPr>
-          <a:p>
-            <a:endParaRPr b="0" lang="en-US" sz="3200" spc="-1" strike="noStrike">
+          <a:lstStyle/>
+          <a:p>
+            <a:endParaRPr lang="en-US" sz="2800" b="0" strike="noStrike" spc="-1">
+              <a:solidFill>
+                <a:srgbClr val="000000"/>
+              </a:solidFill>
               <a:latin typeface="Arial"/>
             </a:endParaRPr>
           </a:p>
@@ -2979,11 +3435,14 @@
       </p:sp>
     </p:spTree>
   </p:cSld>
+  <p:clrMapOvr>
+    <a:masterClrMapping/>
+  </p:clrMapOvr>
 </p:sldLayout>
 </file>
 
 <file path=ppt/slideLayouts/slideLayout35.xml><?xml version="1.0" encoding="utf-8"?>
-<p:sldLayout xmlns:a="http://schemas.openxmlformats.org/drawingml/2006/main" xmlns:p="http://schemas.openxmlformats.org/presentationml/2006/main" xmlns:r="http://schemas.openxmlformats.org/officeDocument/2006/relationships" xmlns:p14="http://schemas.microsoft.com/office/powerpoint/2010/main" xmlns:p15="http://schemas.microsoft.com/office/powerpoint/2012/main" xmlns:mc="http://schemas.openxmlformats.org/markup-compatibility/2006" type="fourObj" preserve="1">
+<p:sldLayout xmlns:a="http://schemas.openxmlformats.org/drawingml/2006/main" xmlns:r="http://schemas.openxmlformats.org/officeDocument/2006/relationships" xmlns:p="http://schemas.openxmlformats.org/presentationml/2006/main" type="fourObj" preserve="1">
   <p:cSld name="Title, 4 Content">
     <p:spTree>
       <p:nvGrpSpPr>
@@ -3012,17 +3471,20 @@
         <p:spPr>
           <a:xfrm>
             <a:off x="1097280" y="286560"/>
-            <a:ext cx="10057320" cy="1449720"/>
-          </a:xfrm>
-          <a:prstGeom prst="rect">
-            <a:avLst/>
-          </a:prstGeom>
-        </p:spPr>
-        <p:txBody>
-          <a:bodyPr lIns="0" rIns="0" tIns="0" bIns="0" anchor="ctr"/>
-          <a:p>
-            <a:pPr algn="ctr"/>
-            <a:endParaRPr b="0" lang="en-US" sz="4400" spc="-1" strike="noStrike">
+            <a:ext cx="10057680" cy="1450080"/>
+          </a:xfrm>
+          <a:prstGeom prst="rect">
+            <a:avLst/>
+          </a:prstGeom>
+        </p:spPr>
+        <p:txBody>
+          <a:bodyPr lIns="0" tIns="0" rIns="0" bIns="0" anchor="ctr"/>
+          <a:lstStyle/>
+          <a:p>
+            <a:endParaRPr lang="en-US" sz="1800" b="0" strike="noStrike" spc="-1">
+              <a:solidFill>
+                <a:srgbClr val="000000"/>
+              </a:solidFill>
               <a:latin typeface="Arial"/>
             </a:endParaRPr>
           </a:p>
@@ -3048,11 +3510,15 @@
           </a:prstGeom>
         </p:spPr>
         <p:txBody>
-          <a:bodyPr lIns="0" rIns="0" tIns="0" bIns="0">
+          <a:bodyPr lIns="0" tIns="0" rIns="0" bIns="0">
             <a:normAutofit/>
           </a:bodyPr>
-          <a:p>
-            <a:endParaRPr b="0" lang="en-US" sz="3200" spc="-1" strike="noStrike">
+          <a:lstStyle/>
+          <a:p>
+            <a:endParaRPr lang="en-US" sz="2800" b="0" strike="noStrike" spc="-1">
+              <a:solidFill>
+                <a:srgbClr val="000000"/>
+              </a:solidFill>
               <a:latin typeface="Arial"/>
             </a:endParaRPr>
           </a:p>
@@ -3078,11 +3544,15 @@
           </a:prstGeom>
         </p:spPr>
         <p:txBody>
-          <a:bodyPr lIns="0" rIns="0" tIns="0" bIns="0">
+          <a:bodyPr lIns="0" tIns="0" rIns="0" bIns="0">
             <a:normAutofit/>
           </a:bodyPr>
-          <a:p>
-            <a:endParaRPr b="0" lang="en-US" sz="3200" spc="-1" strike="noStrike">
+          <a:lstStyle/>
+          <a:p>
+            <a:endParaRPr lang="en-US" sz="2800" b="0" strike="noStrike" spc="-1">
+              <a:solidFill>
+                <a:srgbClr val="000000"/>
+              </a:solidFill>
               <a:latin typeface="Arial"/>
             </a:endParaRPr>
           </a:p>
@@ -3108,11 +3578,15 @@
           </a:prstGeom>
         </p:spPr>
         <p:txBody>
-          <a:bodyPr lIns="0" rIns="0" tIns="0" bIns="0">
+          <a:bodyPr lIns="0" tIns="0" rIns="0" bIns="0">
             <a:normAutofit/>
           </a:bodyPr>
-          <a:p>
-            <a:endParaRPr b="0" lang="en-US" sz="3200" spc="-1" strike="noStrike">
+          <a:lstStyle/>
+          <a:p>
+            <a:endParaRPr lang="en-US" sz="2800" b="0" strike="noStrike" spc="-1">
+              <a:solidFill>
+                <a:srgbClr val="000000"/>
+              </a:solidFill>
               <a:latin typeface="Arial"/>
             </a:endParaRPr>
           </a:p>
@@ -3138,11 +3612,15 @@
           </a:prstGeom>
         </p:spPr>
         <p:txBody>
-          <a:bodyPr lIns="0" rIns="0" tIns="0" bIns="0">
+          <a:bodyPr lIns="0" tIns="0" rIns="0" bIns="0">
             <a:normAutofit/>
           </a:bodyPr>
-          <a:p>
-            <a:endParaRPr b="0" lang="en-US" sz="3200" spc="-1" strike="noStrike">
+          <a:lstStyle/>
+          <a:p>
+            <a:endParaRPr lang="en-US" sz="2800" b="0" strike="noStrike" spc="-1">
+              <a:solidFill>
+                <a:srgbClr val="000000"/>
+              </a:solidFill>
               <a:latin typeface="Arial"/>
             </a:endParaRPr>
           </a:p>
@@ -3150,11 +3628,14 @@
       </p:sp>
     </p:spTree>
   </p:cSld>
+  <p:clrMapOvr>
+    <a:masterClrMapping/>
+  </p:clrMapOvr>
 </p:sldLayout>
 </file>
 
 <file path=ppt/slideLayouts/slideLayout36.xml><?xml version="1.0" encoding="utf-8"?>
-<p:sldLayout xmlns:a="http://schemas.openxmlformats.org/drawingml/2006/main" xmlns:p="http://schemas.openxmlformats.org/presentationml/2006/main" xmlns:r="http://schemas.openxmlformats.org/officeDocument/2006/relationships" xmlns:p14="http://schemas.microsoft.com/office/powerpoint/2010/main" xmlns:p15="http://schemas.microsoft.com/office/powerpoint/2012/main" xmlns:mc="http://schemas.openxmlformats.org/markup-compatibility/2006" type="blank" preserve="1">
+<p:sldLayout xmlns:a="http://schemas.openxmlformats.org/drawingml/2006/main" xmlns:r="http://schemas.openxmlformats.org/officeDocument/2006/relationships" xmlns:p="http://schemas.openxmlformats.org/presentationml/2006/main" type="blank" preserve="1">
   <p:cSld name="Title, 6 Content">
     <p:spTree>
       <p:nvGrpSpPr>
@@ -3183,17 +3664,20 @@
         <p:spPr>
           <a:xfrm>
             <a:off x="1097280" y="286560"/>
-            <a:ext cx="10057320" cy="1449720"/>
-          </a:xfrm>
-          <a:prstGeom prst="rect">
-            <a:avLst/>
-          </a:prstGeom>
-        </p:spPr>
-        <p:txBody>
-          <a:bodyPr lIns="0" rIns="0" tIns="0" bIns="0" anchor="ctr"/>
-          <a:p>
-            <a:pPr algn="ctr"/>
-            <a:endParaRPr b="0" lang="en-US" sz="4400" spc="-1" strike="noStrike">
+            <a:ext cx="10057680" cy="1450080"/>
+          </a:xfrm>
+          <a:prstGeom prst="rect">
+            <a:avLst/>
+          </a:prstGeom>
+        </p:spPr>
+        <p:txBody>
+          <a:bodyPr lIns="0" tIns="0" rIns="0" bIns="0" anchor="ctr"/>
+          <a:lstStyle/>
+          <a:p>
+            <a:endParaRPr lang="en-US" sz="1800" b="0" strike="noStrike" spc="-1">
+              <a:solidFill>
+                <a:srgbClr val="000000"/>
+              </a:solidFill>
               <a:latin typeface="Arial"/>
             </a:endParaRPr>
           </a:p>
@@ -3212,18 +3696,22 @@
         <p:spPr>
           <a:xfrm>
             <a:off x="609480" y="1604520"/>
-            <a:ext cx="3532680" cy="1896840"/>
-          </a:xfrm>
-          <a:prstGeom prst="rect">
-            <a:avLst/>
-          </a:prstGeom>
-        </p:spPr>
-        <p:txBody>
-          <a:bodyPr lIns="0" rIns="0" tIns="0" bIns="0">
+            <a:ext cx="3533040" cy="1896840"/>
+          </a:xfrm>
+          <a:prstGeom prst="rect">
+            <a:avLst/>
+          </a:prstGeom>
+        </p:spPr>
+        <p:txBody>
+          <a:bodyPr lIns="0" tIns="0" rIns="0" bIns="0">
             <a:normAutofit/>
           </a:bodyPr>
-          <a:p>
-            <a:endParaRPr b="0" lang="en-US" sz="3200" spc="-1" strike="noStrike">
+          <a:lstStyle/>
+          <a:p>
+            <a:endParaRPr lang="en-US" sz="2800" b="0" strike="noStrike" spc="-1">
+              <a:solidFill>
+                <a:srgbClr val="000000"/>
+              </a:solidFill>
               <a:latin typeface="Arial"/>
             </a:endParaRPr>
           </a:p>
@@ -3241,19 +3729,23 @@
         </p:nvSpPr>
         <p:spPr>
           <a:xfrm>
-            <a:off x="4319280" y="1604520"/>
-            <a:ext cx="3532680" cy="1896840"/>
-          </a:xfrm>
-          <a:prstGeom prst="rect">
-            <a:avLst/>
-          </a:prstGeom>
-        </p:spPr>
-        <p:txBody>
-          <a:bodyPr lIns="0" rIns="0" tIns="0" bIns="0">
+            <a:off x="4319640" y="1604520"/>
+            <a:ext cx="3533040" cy="1896840"/>
+          </a:xfrm>
+          <a:prstGeom prst="rect">
+            <a:avLst/>
+          </a:prstGeom>
+        </p:spPr>
+        <p:txBody>
+          <a:bodyPr lIns="0" tIns="0" rIns="0" bIns="0">
             <a:normAutofit/>
           </a:bodyPr>
-          <a:p>
-            <a:endParaRPr b="0" lang="en-US" sz="3200" spc="-1" strike="noStrike">
+          <a:lstStyle/>
+          <a:p>
+            <a:endParaRPr lang="en-US" sz="2800" b="0" strike="noStrike" spc="-1">
+              <a:solidFill>
+                <a:srgbClr val="000000"/>
+              </a:solidFill>
               <a:latin typeface="Arial"/>
             </a:endParaRPr>
           </a:p>
@@ -3271,19 +3763,23 @@
         </p:nvSpPr>
         <p:spPr>
           <a:xfrm>
-            <a:off x="8028720" y="1604520"/>
-            <a:ext cx="3532680" cy="1896840"/>
-          </a:xfrm>
-          <a:prstGeom prst="rect">
-            <a:avLst/>
-          </a:prstGeom>
-        </p:spPr>
-        <p:txBody>
-          <a:bodyPr lIns="0" rIns="0" tIns="0" bIns="0">
+            <a:off x="8029800" y="1604520"/>
+            <a:ext cx="3533040" cy="1896840"/>
+          </a:xfrm>
+          <a:prstGeom prst="rect">
+            <a:avLst/>
+          </a:prstGeom>
+        </p:spPr>
+        <p:txBody>
+          <a:bodyPr lIns="0" tIns="0" rIns="0" bIns="0">
             <a:normAutofit/>
           </a:bodyPr>
-          <a:p>
-            <a:endParaRPr b="0" lang="en-US" sz="3200" spc="-1" strike="noStrike">
+          <a:lstStyle/>
+          <a:p>
+            <a:endParaRPr lang="en-US" sz="2800" b="0" strike="noStrike" spc="-1">
+              <a:solidFill>
+                <a:srgbClr val="000000"/>
+              </a:solidFill>
               <a:latin typeface="Arial"/>
             </a:endParaRPr>
           </a:p>
@@ -3302,18 +3798,22 @@
         <p:spPr>
           <a:xfrm>
             <a:off x="609480" y="3682080"/>
-            <a:ext cx="3532680" cy="1896840"/>
-          </a:xfrm>
-          <a:prstGeom prst="rect">
-            <a:avLst/>
-          </a:prstGeom>
-        </p:spPr>
-        <p:txBody>
-          <a:bodyPr lIns="0" rIns="0" tIns="0" bIns="0">
+            <a:ext cx="3533040" cy="1896840"/>
+          </a:xfrm>
+          <a:prstGeom prst="rect">
+            <a:avLst/>
+          </a:prstGeom>
+        </p:spPr>
+        <p:txBody>
+          <a:bodyPr lIns="0" tIns="0" rIns="0" bIns="0">
             <a:normAutofit/>
           </a:bodyPr>
-          <a:p>
-            <a:endParaRPr b="0" lang="en-US" sz="3200" spc="-1" strike="noStrike">
+          <a:lstStyle/>
+          <a:p>
+            <a:endParaRPr lang="en-US" sz="2800" b="0" strike="noStrike" spc="-1">
+              <a:solidFill>
+                <a:srgbClr val="000000"/>
+              </a:solidFill>
               <a:latin typeface="Arial"/>
             </a:endParaRPr>
           </a:p>
@@ -3331,19 +3831,23 @@
         </p:nvSpPr>
         <p:spPr>
           <a:xfrm>
-            <a:off x="4319280" y="3682080"/>
-            <a:ext cx="3532680" cy="1896840"/>
-          </a:xfrm>
-          <a:prstGeom prst="rect">
-            <a:avLst/>
-          </a:prstGeom>
-        </p:spPr>
-        <p:txBody>
-          <a:bodyPr lIns="0" rIns="0" tIns="0" bIns="0">
+            <a:off x="4319640" y="3682080"/>
+            <a:ext cx="3533040" cy="1896840"/>
+          </a:xfrm>
+          <a:prstGeom prst="rect">
+            <a:avLst/>
+          </a:prstGeom>
+        </p:spPr>
+        <p:txBody>
+          <a:bodyPr lIns="0" tIns="0" rIns="0" bIns="0">
             <a:normAutofit/>
           </a:bodyPr>
-          <a:p>
-            <a:endParaRPr b="0" lang="en-US" sz="3200" spc="-1" strike="noStrike">
+          <a:lstStyle/>
+          <a:p>
+            <a:endParaRPr lang="en-US" sz="2800" b="0" strike="noStrike" spc="-1">
+              <a:solidFill>
+                <a:srgbClr val="000000"/>
+              </a:solidFill>
               <a:latin typeface="Arial"/>
             </a:endParaRPr>
           </a:p>
@@ -3361,19 +3865,23 @@
         </p:nvSpPr>
         <p:spPr>
           <a:xfrm>
-            <a:off x="8028720" y="3682080"/>
-            <a:ext cx="3532680" cy="1896840"/>
-          </a:xfrm>
-          <a:prstGeom prst="rect">
-            <a:avLst/>
-          </a:prstGeom>
-        </p:spPr>
-        <p:txBody>
-          <a:bodyPr lIns="0" rIns="0" tIns="0" bIns="0">
+            <a:off x="8029800" y="3682080"/>
+            <a:ext cx="3533040" cy="1896840"/>
+          </a:xfrm>
+          <a:prstGeom prst="rect">
+            <a:avLst/>
+          </a:prstGeom>
+        </p:spPr>
+        <p:txBody>
+          <a:bodyPr lIns="0" tIns="0" rIns="0" bIns="0">
             <a:normAutofit/>
           </a:bodyPr>
-          <a:p>
-            <a:endParaRPr b="0" lang="en-US" sz="3200" spc="-1" strike="noStrike">
+          <a:lstStyle/>
+          <a:p>
+            <a:endParaRPr lang="en-US" sz="2800" b="0" strike="noStrike" spc="-1">
+              <a:solidFill>
+                <a:srgbClr val="000000"/>
+              </a:solidFill>
               <a:latin typeface="Arial"/>
             </a:endParaRPr>
           </a:p>
@@ -3381,11 +3889,14 @@
       </p:sp>
     </p:spTree>
   </p:cSld>
+  <p:clrMapOvr>
+    <a:masterClrMapping/>
+  </p:clrMapOvr>
 </p:sldLayout>
 </file>
 
 <file path=ppt/slideLayouts/slideLayout4.xml><?xml version="1.0" encoding="utf-8"?>
-<p:sldLayout xmlns:a="http://schemas.openxmlformats.org/drawingml/2006/main" xmlns:p="http://schemas.openxmlformats.org/presentationml/2006/main" xmlns:r="http://schemas.openxmlformats.org/officeDocument/2006/relationships" xmlns:p14="http://schemas.microsoft.com/office/powerpoint/2010/main" xmlns:p15="http://schemas.microsoft.com/office/powerpoint/2012/main" xmlns:mc="http://schemas.openxmlformats.org/markup-compatibility/2006" type="twoObj" preserve="1">
+<p:sldLayout xmlns:a="http://schemas.openxmlformats.org/drawingml/2006/main" xmlns:r="http://schemas.openxmlformats.org/officeDocument/2006/relationships" xmlns:p="http://schemas.openxmlformats.org/presentationml/2006/main" type="twoObj" preserve="1">
   <p:cSld name="Title, 2 Content">
     <p:spTree>
       <p:nvGrpSpPr>
@@ -3414,17 +3925,20 @@
         <p:spPr>
           <a:xfrm>
             <a:off x="1097280" y="286560"/>
-            <a:ext cx="10057320" cy="1449720"/>
-          </a:xfrm>
-          <a:prstGeom prst="rect">
-            <a:avLst/>
-          </a:prstGeom>
-        </p:spPr>
-        <p:txBody>
-          <a:bodyPr lIns="0" rIns="0" tIns="0" bIns="0" anchor="ctr"/>
-          <a:p>
-            <a:pPr algn="ctr"/>
-            <a:endParaRPr b="0" lang="en-US" sz="4400" spc="-1" strike="noStrike">
+            <a:ext cx="10057680" cy="1450080"/>
+          </a:xfrm>
+          <a:prstGeom prst="rect">
+            <a:avLst/>
+          </a:prstGeom>
+        </p:spPr>
+        <p:txBody>
+          <a:bodyPr lIns="0" tIns="0" rIns="0" bIns="0" anchor="ctr"/>
+          <a:lstStyle/>
+          <a:p>
+            <a:endParaRPr lang="en-US" sz="1800" b="0" strike="noStrike" spc="-1">
+              <a:solidFill>
+                <a:srgbClr val="000000"/>
+              </a:solidFill>
               <a:latin typeface="Arial"/>
             </a:endParaRPr>
           </a:p>
@@ -3443,18 +3957,22 @@
         <p:spPr>
           <a:xfrm>
             <a:off x="609480" y="1604520"/>
-            <a:ext cx="5354280" cy="3976920"/>
-          </a:xfrm>
-          <a:prstGeom prst="rect">
-            <a:avLst/>
-          </a:prstGeom>
-        </p:spPr>
-        <p:txBody>
-          <a:bodyPr lIns="0" rIns="0" tIns="0" bIns="0">
+            <a:ext cx="5354280" cy="3977280"/>
+          </a:xfrm>
+          <a:prstGeom prst="rect">
+            <a:avLst/>
+          </a:prstGeom>
+        </p:spPr>
+        <p:txBody>
+          <a:bodyPr lIns="0" tIns="0" rIns="0" bIns="0">
             <a:normAutofit/>
           </a:bodyPr>
-          <a:p>
-            <a:endParaRPr b="0" lang="en-US" sz="3200" spc="-1" strike="noStrike">
+          <a:lstStyle/>
+          <a:p>
+            <a:endParaRPr lang="en-US" sz="2800" b="0" strike="noStrike" spc="-1">
+              <a:solidFill>
+                <a:srgbClr val="000000"/>
+              </a:solidFill>
               <a:latin typeface="Arial"/>
             </a:endParaRPr>
           </a:p>
@@ -3473,18 +3991,22 @@
         <p:spPr>
           <a:xfrm>
             <a:off x="6231960" y="1604520"/>
-            <a:ext cx="5354280" cy="3976920"/>
-          </a:xfrm>
-          <a:prstGeom prst="rect">
-            <a:avLst/>
-          </a:prstGeom>
-        </p:spPr>
-        <p:txBody>
-          <a:bodyPr lIns="0" rIns="0" tIns="0" bIns="0">
+            <a:ext cx="5354280" cy="3977280"/>
+          </a:xfrm>
+          <a:prstGeom prst="rect">
+            <a:avLst/>
+          </a:prstGeom>
+        </p:spPr>
+        <p:txBody>
+          <a:bodyPr lIns="0" tIns="0" rIns="0" bIns="0">
             <a:normAutofit/>
           </a:bodyPr>
-          <a:p>
-            <a:endParaRPr b="0" lang="en-US" sz="3200" spc="-1" strike="noStrike">
+          <a:lstStyle/>
+          <a:p>
+            <a:endParaRPr lang="en-US" sz="2800" b="0" strike="noStrike" spc="-1">
+              <a:solidFill>
+                <a:srgbClr val="000000"/>
+              </a:solidFill>
               <a:latin typeface="Arial"/>
             </a:endParaRPr>
           </a:p>
@@ -3492,11 +4014,14 @@
       </p:sp>
     </p:spTree>
   </p:cSld>
+  <p:clrMapOvr>
+    <a:masterClrMapping/>
+  </p:clrMapOvr>
 </p:sldLayout>
 </file>
 
 <file path=ppt/slideLayouts/slideLayout5.xml><?xml version="1.0" encoding="utf-8"?>
-<p:sldLayout xmlns:a="http://schemas.openxmlformats.org/drawingml/2006/main" xmlns:p="http://schemas.openxmlformats.org/presentationml/2006/main" xmlns:r="http://schemas.openxmlformats.org/officeDocument/2006/relationships" xmlns:p14="http://schemas.microsoft.com/office/powerpoint/2010/main" xmlns:p15="http://schemas.microsoft.com/office/powerpoint/2012/main" xmlns:mc="http://schemas.openxmlformats.org/markup-compatibility/2006" type="titleOnly" preserve="1">
+<p:sldLayout xmlns:a="http://schemas.openxmlformats.org/drawingml/2006/main" xmlns:r="http://schemas.openxmlformats.org/officeDocument/2006/relationships" xmlns:p="http://schemas.openxmlformats.org/presentationml/2006/main" type="titleOnly" preserve="1">
   <p:cSld name="Title Only">
     <p:spTree>
       <p:nvGrpSpPr>
@@ -3525,17 +4050,20 @@
         <p:spPr>
           <a:xfrm>
             <a:off x="1097280" y="286560"/>
-            <a:ext cx="10057320" cy="1449720"/>
-          </a:xfrm>
-          <a:prstGeom prst="rect">
-            <a:avLst/>
-          </a:prstGeom>
-        </p:spPr>
-        <p:txBody>
-          <a:bodyPr lIns="0" rIns="0" tIns="0" bIns="0" anchor="ctr"/>
-          <a:p>
-            <a:pPr algn="ctr"/>
-            <a:endParaRPr b="0" lang="en-US" sz="4400" spc="-1" strike="noStrike">
+            <a:ext cx="10057680" cy="1450080"/>
+          </a:xfrm>
+          <a:prstGeom prst="rect">
+            <a:avLst/>
+          </a:prstGeom>
+        </p:spPr>
+        <p:txBody>
+          <a:bodyPr lIns="0" tIns="0" rIns="0" bIns="0" anchor="ctr"/>
+          <a:lstStyle/>
+          <a:p>
+            <a:endParaRPr lang="en-US" sz="1800" b="0" strike="noStrike" spc="-1">
+              <a:solidFill>
+                <a:srgbClr val="000000"/>
+              </a:solidFill>
               <a:latin typeface="Arial"/>
             </a:endParaRPr>
           </a:p>
@@ -3543,11 +4071,14 @@
       </p:sp>
     </p:spTree>
   </p:cSld>
+  <p:clrMapOvr>
+    <a:masterClrMapping/>
+  </p:clrMapOvr>
 </p:sldLayout>
 </file>
 
 <file path=ppt/slideLayouts/slideLayout6.xml><?xml version="1.0" encoding="utf-8"?>
-<p:sldLayout xmlns:a="http://schemas.openxmlformats.org/drawingml/2006/main" xmlns:p="http://schemas.openxmlformats.org/presentationml/2006/main" xmlns:r="http://schemas.openxmlformats.org/officeDocument/2006/relationships" xmlns:p14="http://schemas.microsoft.com/office/powerpoint/2010/main" xmlns:p15="http://schemas.microsoft.com/office/powerpoint/2012/main" xmlns:mc="http://schemas.openxmlformats.org/markup-compatibility/2006" type="objOnly" preserve="1">
+<p:sldLayout xmlns:a="http://schemas.openxmlformats.org/drawingml/2006/main" xmlns:r="http://schemas.openxmlformats.org/officeDocument/2006/relationships" xmlns:p="http://schemas.openxmlformats.org/presentationml/2006/main" type="objOnly" preserve="1">
   <p:cSld name="Centered Text">
     <p:spTree>
       <p:nvGrpSpPr>
@@ -3576,17 +4107,18 @@
         <p:spPr>
           <a:xfrm>
             <a:off x="1097280" y="286560"/>
-            <a:ext cx="10057320" cy="6721200"/>
-          </a:xfrm>
-          <a:prstGeom prst="rect">
-            <a:avLst/>
-          </a:prstGeom>
-        </p:spPr>
-        <p:txBody>
-          <a:bodyPr lIns="0" rIns="0" tIns="0" bIns="0" anchor="ctr"/>
+            <a:ext cx="10057680" cy="6723000"/>
+          </a:xfrm>
+          <a:prstGeom prst="rect">
+            <a:avLst/>
+          </a:prstGeom>
+        </p:spPr>
+        <p:txBody>
+          <a:bodyPr lIns="0" tIns="0" rIns="0" bIns="0" anchor="ctr"/>
+          <a:lstStyle/>
           <a:p>
             <a:pPr algn="ctr"/>
-            <a:endParaRPr b="0" lang="en-US" sz="3200" spc="-1" strike="noStrike">
+            <a:endParaRPr lang="en-US" sz="3200" b="0" strike="noStrike" spc="-1">
               <a:latin typeface="Arial"/>
             </a:endParaRPr>
           </a:p>
@@ -3594,11 +4126,14 @@
       </p:sp>
     </p:spTree>
   </p:cSld>
+  <p:clrMapOvr>
+    <a:masterClrMapping/>
+  </p:clrMapOvr>
 </p:sldLayout>
 </file>
 
 <file path=ppt/slideLayouts/slideLayout7.xml><?xml version="1.0" encoding="utf-8"?>
-<p:sldLayout xmlns:a="http://schemas.openxmlformats.org/drawingml/2006/main" xmlns:p="http://schemas.openxmlformats.org/presentationml/2006/main" xmlns:r="http://schemas.openxmlformats.org/officeDocument/2006/relationships" xmlns:p14="http://schemas.microsoft.com/office/powerpoint/2010/main" xmlns:p15="http://schemas.microsoft.com/office/powerpoint/2012/main" xmlns:mc="http://schemas.openxmlformats.org/markup-compatibility/2006" type="twoObjAndObj" preserve="1">
+<p:sldLayout xmlns:a="http://schemas.openxmlformats.org/drawingml/2006/main" xmlns:r="http://schemas.openxmlformats.org/officeDocument/2006/relationships" xmlns:p="http://schemas.openxmlformats.org/presentationml/2006/main" type="twoObjAndObj" preserve="1">
   <p:cSld name="Title, 2 Content and Content">
     <p:spTree>
       <p:nvGrpSpPr>
@@ -3627,17 +4162,20 @@
         <p:spPr>
           <a:xfrm>
             <a:off x="1097280" y="286560"/>
-            <a:ext cx="10057320" cy="1449720"/>
-          </a:xfrm>
-          <a:prstGeom prst="rect">
-            <a:avLst/>
-          </a:prstGeom>
-        </p:spPr>
-        <p:txBody>
-          <a:bodyPr lIns="0" rIns="0" tIns="0" bIns="0" anchor="ctr"/>
-          <a:p>
-            <a:pPr algn="ctr"/>
-            <a:endParaRPr b="0" lang="en-US" sz="4400" spc="-1" strike="noStrike">
+            <a:ext cx="10057680" cy="1450080"/>
+          </a:xfrm>
+          <a:prstGeom prst="rect">
+            <a:avLst/>
+          </a:prstGeom>
+        </p:spPr>
+        <p:txBody>
+          <a:bodyPr lIns="0" tIns="0" rIns="0" bIns="0" anchor="ctr"/>
+          <a:lstStyle/>
+          <a:p>
+            <a:endParaRPr lang="en-US" sz="1800" b="0" strike="noStrike" spc="-1">
+              <a:solidFill>
+                <a:srgbClr val="000000"/>
+              </a:solidFill>
               <a:latin typeface="Arial"/>
             </a:endParaRPr>
           </a:p>
@@ -3663,11 +4201,15 @@
           </a:prstGeom>
         </p:spPr>
         <p:txBody>
-          <a:bodyPr lIns="0" rIns="0" tIns="0" bIns="0">
+          <a:bodyPr lIns="0" tIns="0" rIns="0" bIns="0">
             <a:normAutofit/>
           </a:bodyPr>
-          <a:p>
-            <a:endParaRPr b="0" lang="en-US" sz="3200" spc="-1" strike="noStrike">
+          <a:lstStyle/>
+          <a:p>
+            <a:endParaRPr lang="en-US" sz="2800" b="0" strike="noStrike" spc="-1">
+              <a:solidFill>
+                <a:srgbClr val="000000"/>
+              </a:solidFill>
               <a:latin typeface="Arial"/>
             </a:endParaRPr>
           </a:p>
@@ -3686,18 +4228,22 @@
         <p:spPr>
           <a:xfrm>
             <a:off x="6231960" y="1604520"/>
-            <a:ext cx="5354280" cy="3976920"/>
-          </a:xfrm>
-          <a:prstGeom prst="rect">
-            <a:avLst/>
-          </a:prstGeom>
-        </p:spPr>
-        <p:txBody>
-          <a:bodyPr lIns="0" rIns="0" tIns="0" bIns="0">
+            <a:ext cx="5354280" cy="3977280"/>
+          </a:xfrm>
+          <a:prstGeom prst="rect">
+            <a:avLst/>
+          </a:prstGeom>
+        </p:spPr>
+        <p:txBody>
+          <a:bodyPr lIns="0" tIns="0" rIns="0" bIns="0">
             <a:normAutofit/>
           </a:bodyPr>
-          <a:p>
-            <a:endParaRPr b="0" lang="en-US" sz="3200" spc="-1" strike="noStrike">
+          <a:lstStyle/>
+          <a:p>
+            <a:endParaRPr lang="en-US" sz="2800" b="0" strike="noStrike" spc="-1">
+              <a:solidFill>
+                <a:srgbClr val="000000"/>
+              </a:solidFill>
               <a:latin typeface="Arial"/>
             </a:endParaRPr>
           </a:p>
@@ -3723,11 +4269,15 @@
           </a:prstGeom>
         </p:spPr>
         <p:txBody>
-          <a:bodyPr lIns="0" rIns="0" tIns="0" bIns="0">
+          <a:bodyPr lIns="0" tIns="0" rIns="0" bIns="0">
             <a:normAutofit/>
           </a:bodyPr>
-          <a:p>
-            <a:endParaRPr b="0" lang="en-US" sz="3200" spc="-1" strike="noStrike">
+          <a:lstStyle/>
+          <a:p>
+            <a:endParaRPr lang="en-US" sz="2800" b="0" strike="noStrike" spc="-1">
+              <a:solidFill>
+                <a:srgbClr val="000000"/>
+              </a:solidFill>
               <a:latin typeface="Arial"/>
             </a:endParaRPr>
           </a:p>
@@ -3735,11 +4285,14 @@
       </p:sp>
     </p:spTree>
   </p:cSld>
+  <p:clrMapOvr>
+    <a:masterClrMapping/>
+  </p:clrMapOvr>
 </p:sldLayout>
 </file>
 
 <file path=ppt/slideLayouts/slideLayout8.xml><?xml version="1.0" encoding="utf-8"?>
-<p:sldLayout xmlns:a="http://schemas.openxmlformats.org/drawingml/2006/main" xmlns:p="http://schemas.openxmlformats.org/presentationml/2006/main" xmlns:r="http://schemas.openxmlformats.org/officeDocument/2006/relationships" xmlns:p14="http://schemas.microsoft.com/office/powerpoint/2010/main" xmlns:p15="http://schemas.microsoft.com/office/powerpoint/2012/main" xmlns:mc="http://schemas.openxmlformats.org/markup-compatibility/2006" type="objAndTwoObj" preserve="1">
+<p:sldLayout xmlns:a="http://schemas.openxmlformats.org/drawingml/2006/main" xmlns:r="http://schemas.openxmlformats.org/officeDocument/2006/relationships" xmlns:p="http://schemas.openxmlformats.org/presentationml/2006/main" type="objAndTwoObj" preserve="1">
   <p:cSld name="Title Content and 2 Content">
     <p:spTree>
       <p:nvGrpSpPr>
@@ -3768,17 +4321,20 @@
         <p:spPr>
           <a:xfrm>
             <a:off x="1097280" y="286560"/>
-            <a:ext cx="10057320" cy="1449720"/>
-          </a:xfrm>
-          <a:prstGeom prst="rect">
-            <a:avLst/>
-          </a:prstGeom>
-        </p:spPr>
-        <p:txBody>
-          <a:bodyPr lIns="0" rIns="0" tIns="0" bIns="0" anchor="ctr"/>
-          <a:p>
-            <a:pPr algn="ctr"/>
-            <a:endParaRPr b="0" lang="en-US" sz="4400" spc="-1" strike="noStrike">
+            <a:ext cx="10057680" cy="1450080"/>
+          </a:xfrm>
+          <a:prstGeom prst="rect">
+            <a:avLst/>
+          </a:prstGeom>
+        </p:spPr>
+        <p:txBody>
+          <a:bodyPr lIns="0" tIns="0" rIns="0" bIns="0" anchor="ctr"/>
+          <a:lstStyle/>
+          <a:p>
+            <a:endParaRPr lang="en-US" sz="1800" b="0" strike="noStrike" spc="-1">
+              <a:solidFill>
+                <a:srgbClr val="000000"/>
+              </a:solidFill>
               <a:latin typeface="Arial"/>
             </a:endParaRPr>
           </a:p>
@@ -3797,18 +4353,22 @@
         <p:spPr>
           <a:xfrm>
             <a:off x="609480" y="1604520"/>
-            <a:ext cx="5354280" cy="3976920"/>
-          </a:xfrm>
-          <a:prstGeom prst="rect">
-            <a:avLst/>
-          </a:prstGeom>
-        </p:spPr>
-        <p:txBody>
-          <a:bodyPr lIns="0" rIns="0" tIns="0" bIns="0">
+            <a:ext cx="5354280" cy="3977280"/>
+          </a:xfrm>
+          <a:prstGeom prst="rect">
+            <a:avLst/>
+          </a:prstGeom>
+        </p:spPr>
+        <p:txBody>
+          <a:bodyPr lIns="0" tIns="0" rIns="0" bIns="0">
             <a:normAutofit/>
           </a:bodyPr>
-          <a:p>
-            <a:endParaRPr b="0" lang="en-US" sz="3200" spc="-1" strike="noStrike">
+          <a:lstStyle/>
+          <a:p>
+            <a:endParaRPr lang="en-US" sz="2800" b="0" strike="noStrike" spc="-1">
+              <a:solidFill>
+                <a:srgbClr val="000000"/>
+              </a:solidFill>
               <a:latin typeface="Arial"/>
             </a:endParaRPr>
           </a:p>
@@ -3834,11 +4394,15 @@
           </a:prstGeom>
         </p:spPr>
         <p:txBody>
-          <a:bodyPr lIns="0" rIns="0" tIns="0" bIns="0">
+          <a:bodyPr lIns="0" tIns="0" rIns="0" bIns="0">
             <a:normAutofit/>
           </a:bodyPr>
-          <a:p>
-            <a:endParaRPr b="0" lang="en-US" sz="3200" spc="-1" strike="noStrike">
+          <a:lstStyle/>
+          <a:p>
+            <a:endParaRPr lang="en-US" sz="2800" b="0" strike="noStrike" spc="-1">
+              <a:solidFill>
+                <a:srgbClr val="000000"/>
+              </a:solidFill>
               <a:latin typeface="Arial"/>
             </a:endParaRPr>
           </a:p>
@@ -3864,11 +4428,15 @@
           </a:prstGeom>
         </p:spPr>
         <p:txBody>
-          <a:bodyPr lIns="0" rIns="0" tIns="0" bIns="0">
+          <a:bodyPr lIns="0" tIns="0" rIns="0" bIns="0">
             <a:normAutofit/>
           </a:bodyPr>
-          <a:p>
-            <a:endParaRPr b="0" lang="en-US" sz="3200" spc="-1" strike="noStrike">
+          <a:lstStyle/>
+          <a:p>
+            <a:endParaRPr lang="en-US" sz="2800" b="0" strike="noStrike" spc="-1">
+              <a:solidFill>
+                <a:srgbClr val="000000"/>
+              </a:solidFill>
               <a:latin typeface="Arial"/>
             </a:endParaRPr>
           </a:p>
@@ -3876,11 +4444,14 @@
       </p:sp>
     </p:spTree>
   </p:cSld>
+  <p:clrMapOvr>
+    <a:masterClrMapping/>
+  </p:clrMapOvr>
 </p:sldLayout>
 </file>
 
 <file path=ppt/slideLayouts/slideLayout9.xml><?xml version="1.0" encoding="utf-8"?>
-<p:sldLayout xmlns:a="http://schemas.openxmlformats.org/drawingml/2006/main" xmlns:p="http://schemas.openxmlformats.org/presentationml/2006/main" xmlns:r="http://schemas.openxmlformats.org/officeDocument/2006/relationships" xmlns:p14="http://schemas.microsoft.com/office/powerpoint/2010/main" xmlns:p15="http://schemas.microsoft.com/office/powerpoint/2012/main" xmlns:mc="http://schemas.openxmlformats.org/markup-compatibility/2006" type="twoObjOverTx" preserve="1">
+<p:sldLayout xmlns:a="http://schemas.openxmlformats.org/drawingml/2006/main" xmlns:r="http://schemas.openxmlformats.org/officeDocument/2006/relationships" xmlns:p="http://schemas.openxmlformats.org/presentationml/2006/main" type="twoObjOverTx" preserve="1">
   <p:cSld name="Title, 2 Content over Content">
     <p:spTree>
       <p:nvGrpSpPr>
@@ -3909,17 +4480,20 @@
         <p:spPr>
           <a:xfrm>
             <a:off x="1097280" y="286560"/>
-            <a:ext cx="10057320" cy="1449720"/>
-          </a:xfrm>
-          <a:prstGeom prst="rect">
-            <a:avLst/>
-          </a:prstGeom>
-        </p:spPr>
-        <p:txBody>
-          <a:bodyPr lIns="0" rIns="0" tIns="0" bIns="0" anchor="ctr"/>
-          <a:p>
-            <a:pPr algn="ctr"/>
-            <a:endParaRPr b="0" lang="en-US" sz="4400" spc="-1" strike="noStrike">
+            <a:ext cx="10057680" cy="1450080"/>
+          </a:xfrm>
+          <a:prstGeom prst="rect">
+            <a:avLst/>
+          </a:prstGeom>
+        </p:spPr>
+        <p:txBody>
+          <a:bodyPr lIns="0" tIns="0" rIns="0" bIns="0" anchor="ctr"/>
+          <a:lstStyle/>
+          <a:p>
+            <a:endParaRPr lang="en-US" sz="1800" b="0" strike="noStrike" spc="-1">
+              <a:solidFill>
+                <a:srgbClr val="000000"/>
+              </a:solidFill>
               <a:latin typeface="Arial"/>
             </a:endParaRPr>
           </a:p>
@@ -3945,11 +4519,15 @@
           </a:prstGeom>
         </p:spPr>
         <p:txBody>
-          <a:bodyPr lIns="0" rIns="0" tIns="0" bIns="0">
+          <a:bodyPr lIns="0" tIns="0" rIns="0" bIns="0">
             <a:normAutofit/>
           </a:bodyPr>
-          <a:p>
-            <a:endParaRPr b="0" lang="en-US" sz="3200" spc="-1" strike="noStrike">
+          <a:lstStyle/>
+          <a:p>
+            <a:endParaRPr lang="en-US" sz="2800" b="0" strike="noStrike" spc="-1">
+              <a:solidFill>
+                <a:srgbClr val="000000"/>
+              </a:solidFill>
               <a:latin typeface="Arial"/>
             </a:endParaRPr>
           </a:p>
@@ -3975,11 +4553,15 @@
           </a:prstGeom>
         </p:spPr>
         <p:txBody>
-          <a:bodyPr lIns="0" rIns="0" tIns="0" bIns="0">
+          <a:bodyPr lIns="0" tIns="0" rIns="0" bIns="0">
             <a:normAutofit/>
           </a:bodyPr>
-          <a:p>
-            <a:endParaRPr b="0" lang="en-US" sz="3200" spc="-1" strike="noStrike">
+          <a:lstStyle/>
+          <a:p>
+            <a:endParaRPr lang="en-US" sz="2800" b="0" strike="noStrike" spc="-1">
+              <a:solidFill>
+                <a:srgbClr val="000000"/>
+              </a:solidFill>
               <a:latin typeface="Arial"/>
             </a:endParaRPr>
           </a:p>
@@ -3998,18 +4580,22 @@
         <p:spPr>
           <a:xfrm>
             <a:off x="609480" y="3682080"/>
-            <a:ext cx="10972080" cy="1896840"/>
-          </a:xfrm>
-          <a:prstGeom prst="rect">
-            <a:avLst/>
-          </a:prstGeom>
-        </p:spPr>
-        <p:txBody>
-          <a:bodyPr lIns="0" rIns="0" tIns="0" bIns="0">
+            <a:ext cx="10972440" cy="1896840"/>
+          </a:xfrm>
+          <a:prstGeom prst="rect">
+            <a:avLst/>
+          </a:prstGeom>
+        </p:spPr>
+        <p:txBody>
+          <a:bodyPr lIns="0" tIns="0" rIns="0" bIns="0">
             <a:normAutofit/>
           </a:bodyPr>
-          <a:p>
-            <a:endParaRPr b="0" lang="en-US" sz="3200" spc="-1" strike="noStrike">
+          <a:lstStyle/>
+          <a:p>
+            <a:endParaRPr lang="en-US" sz="2800" b="0" strike="noStrike" spc="-1">
+              <a:solidFill>
+                <a:srgbClr val="000000"/>
+              </a:solidFill>
               <a:latin typeface="Arial"/>
             </a:endParaRPr>
           </a:p>
@@ -4017,17 +4603,21 @@
       </p:sp>
     </p:spTree>
   </p:cSld>
+  <p:clrMapOvr>
+    <a:masterClrMapping/>
+  </p:clrMapOvr>
 </p:sldLayout>
 </file>
 
 <file path=ppt/slideMasters/slideMaster1.xml><?xml version="1.0" encoding="utf-8"?>
-<p:sldMaster xmlns:a="http://schemas.openxmlformats.org/drawingml/2006/main" xmlns:p="http://schemas.openxmlformats.org/presentationml/2006/main" xmlns:r="http://schemas.openxmlformats.org/officeDocument/2006/relationships" xmlns:p14="http://schemas.microsoft.com/office/powerpoint/2010/main" xmlns:p15="http://schemas.microsoft.com/office/powerpoint/2012/main" xmlns:mc="http://schemas.openxmlformats.org/markup-compatibility/2006">
+<p:sldMaster xmlns:a="http://schemas.openxmlformats.org/drawingml/2006/main" xmlns:r="http://schemas.openxmlformats.org/officeDocument/2006/relationships" xmlns:p="http://schemas.openxmlformats.org/presentationml/2006/main">
   <p:cSld>
     <p:bg>
       <p:bgPr>
         <a:solidFill>
-          <a:srgbClr val="ffffff"/>
+          <a:srgbClr val="FFFFFF"/>
         </a:solidFill>
+        <a:effectLst/>
       </p:bgPr>
     </p:bg>
     <p:spTree>
@@ -4046,57 +4636,69 @@
       </p:grpSpPr>
       <p:sp>
         <p:nvSpPr>
-          <p:cNvPr id="0" name="CustomShape 1" hidden="1"/>
+          <p:cNvPr id="8" name="CustomShape 1" hidden="1"/>
           <p:cNvSpPr/>
           <p:nvPr/>
         </p:nvSpPr>
         <p:spPr>
           <a:xfrm>
             <a:off x="0" y="6400800"/>
-            <a:ext cx="12191040" cy="456120"/>
+            <a:ext cx="12191400" cy="456480"/>
           </a:xfrm>
           <a:prstGeom prst="rect">
             <a:avLst/>
           </a:prstGeom>
           <a:solidFill>
-            <a:srgbClr val="bd582c"/>
+            <a:srgbClr val="BD582C"/>
           </a:solidFill>
           <a:ln w="15840">
             <a:noFill/>
           </a:ln>
         </p:spPr>
         <p:style>
-          <a:lnRef idx="0"/>
-          <a:fillRef idx="0"/>
-          <a:effectRef idx="0"/>
+          <a:lnRef idx="0">
+            <a:scrgbClr r="0" g="0" b="0"/>
+          </a:lnRef>
+          <a:fillRef idx="0">
+            <a:scrgbClr r="0" g="0" b="0"/>
+          </a:fillRef>
+          <a:effectRef idx="0">
+            <a:scrgbClr r="0" g="0" b="0"/>
+          </a:effectRef>
           <a:fontRef idx="minor"/>
         </p:style>
       </p:sp>
       <p:sp>
         <p:nvSpPr>
-          <p:cNvPr id="1" name="CustomShape 2" hidden="1"/>
+          <p:cNvPr id="9" name="CustomShape 2" hidden="1"/>
           <p:cNvSpPr/>
           <p:nvPr/>
         </p:nvSpPr>
         <p:spPr>
           <a:xfrm>
             <a:off x="0" y="6334200"/>
-            <a:ext cx="12191040" cy="64800"/>
+            <a:ext cx="12191400" cy="65160"/>
           </a:xfrm>
           <a:prstGeom prst="rect">
             <a:avLst/>
           </a:prstGeom>
           <a:solidFill>
-            <a:srgbClr val="e48312"/>
+            <a:srgbClr val="E48312"/>
           </a:solidFill>
           <a:ln w="15840">
             <a:noFill/>
           </a:ln>
         </p:spPr>
         <p:style>
-          <a:lnRef idx="0"/>
-          <a:fillRef idx="0"/>
-          <a:effectRef idx="0"/>
+          <a:lnRef idx="0">
+            <a:scrgbClr r="0" g="0" b="0"/>
+          </a:lnRef>
+          <a:fillRef idx="0">
+            <a:scrgbClr r="0" g="0" b="0"/>
+          </a:fillRef>
+          <a:effectRef idx="0">
+            <a:scrgbClr r="0" g="0" b="0"/>
+          </a:effectRef>
           <a:fontRef idx="minor"/>
         </p:style>
       </p:sp>
@@ -4122,9 +4724,15 @@
           </a:ln>
         </p:spPr>
         <p:style>
-          <a:lnRef idx="0"/>
-          <a:fillRef idx="0"/>
-          <a:effectRef idx="0"/>
+          <a:lnRef idx="0">
+            <a:scrgbClr r="0" g="0" b="0"/>
+          </a:lnRef>
+          <a:fillRef idx="0">
+            <a:scrgbClr r="0" g="0" b="0"/>
+          </a:fillRef>
+          <a:effectRef idx="0">
+            <a:scrgbClr r="0" g="0" b="0"/>
+          </a:effectRef>
           <a:fontRef idx="minor"/>
         </p:style>
       </p:sp>
@@ -4137,22 +4745,28 @@
         <p:spPr>
           <a:xfrm>
             <a:off x="3240" y="6400800"/>
-            <a:ext cx="12187800" cy="456120"/>
+            <a:ext cx="12188160" cy="456480"/>
           </a:xfrm>
           <a:prstGeom prst="rect">
             <a:avLst/>
           </a:prstGeom>
           <a:solidFill>
-            <a:srgbClr val="bd582c"/>
+            <a:srgbClr val="BD582C"/>
           </a:solidFill>
           <a:ln w="15840">
             <a:noFill/>
           </a:ln>
         </p:spPr>
         <p:style>
-          <a:lnRef idx="0"/>
-          <a:fillRef idx="0"/>
-          <a:effectRef idx="0"/>
+          <a:lnRef idx="0">
+            <a:scrgbClr r="0" g="0" b="0"/>
+          </a:lnRef>
+          <a:fillRef idx="0">
+            <a:scrgbClr r="0" g="0" b="0"/>
+          </a:fillRef>
+          <a:effectRef idx="0">
+            <a:scrgbClr r="0" g="0" b="0"/>
+          </a:effectRef>
           <a:fontRef idx="minor"/>
         </p:style>
       </p:sp>
@@ -4165,22 +4779,28 @@
         <p:spPr>
           <a:xfrm>
             <a:off x="0" y="6334200"/>
-            <a:ext cx="12187800" cy="63000"/>
+            <a:ext cx="12188160" cy="63360"/>
           </a:xfrm>
           <a:prstGeom prst="rect">
             <a:avLst/>
           </a:prstGeom>
           <a:solidFill>
-            <a:srgbClr val="e48312"/>
+            <a:srgbClr val="E48312"/>
           </a:solidFill>
           <a:ln w="15840">
             <a:noFill/>
           </a:ln>
         </p:spPr>
         <p:style>
-          <a:lnRef idx="0"/>
-          <a:fillRef idx="0"/>
-          <a:effectRef idx="0"/>
+          <a:lnRef idx="0">
+            <a:scrgbClr r="0" g="0" b="0"/>
+          </a:lnRef>
+          <a:fillRef idx="0">
+            <a:scrgbClr r="0" g="0" b="0"/>
+          </a:fillRef>
+          <a:effectRef idx="0">
+            <a:scrgbClr r="0" g="0" b="0"/>
+          </a:effectRef>
           <a:fontRef idx="minor"/>
         </p:style>
       </p:sp>
@@ -4206,9 +4826,15 @@
           </a:ln>
         </p:spPr>
         <p:style>
-          <a:lnRef idx="0"/>
-          <a:fillRef idx="0"/>
-          <a:effectRef idx="0"/>
+          <a:lnRef idx="0">
+            <a:scrgbClr r="0" g="0" b="0"/>
+          </a:lnRef>
+          <a:fillRef idx="0">
+            <a:scrgbClr r="0" g="0" b="0"/>
+          </a:fillRef>
+          <a:effectRef idx="0">
+            <a:scrgbClr r="0" g="0" b="0"/>
+          </a:effectRef>
           <a:fontRef idx="minor"/>
         </p:style>
       </p:sp>
@@ -4225,24 +4851,25 @@
         <p:spPr>
           <a:xfrm>
             <a:off x="1097280" y="286560"/>
-            <a:ext cx="10057320" cy="1449720"/>
-          </a:xfrm>
-          <a:prstGeom prst="rect">
-            <a:avLst/>
-          </a:prstGeom>
-        </p:spPr>
-        <p:txBody>
-          <a:bodyPr lIns="0" rIns="0" tIns="0" bIns="0" anchor="ctr"/>
+            <a:ext cx="10057680" cy="1450080"/>
+          </a:xfrm>
+          <a:prstGeom prst="rect">
+            <a:avLst/>
+          </a:prstGeom>
+        </p:spPr>
+        <p:txBody>
+          <a:bodyPr lIns="0" tIns="0" rIns="0" bIns="0" anchor="ctr"/>
+          <a:lstStyle/>
           <a:p>
             <a:r>
-              <a:rPr b="0" lang="en-US" sz="1800" spc="-1" strike="noStrike">
+              <a:rPr lang="en-US" sz="4400" b="0" strike="noStrike" spc="-1">
+                <a:solidFill>
+                  <a:srgbClr val="000000"/>
+                </a:solidFill>
                 <a:latin typeface="Arial"/>
               </a:rPr>
               <a:t>Click to edit the title text format</a:t>
             </a:r>
-            <a:endParaRPr b="0" lang="en-US" sz="1800" spc="-1" strike="noStrike">
-              <a:latin typeface="Arial"/>
-            </a:endParaRPr>
           </a:p>
         </p:txBody>
       </p:sp>
@@ -4259,16 +4886,17 @@
         <p:spPr>
           <a:xfrm>
             <a:off x="609480" y="1604520"/>
-            <a:ext cx="10972080" cy="3976920"/>
-          </a:xfrm>
-          <a:prstGeom prst="rect">
-            <a:avLst/>
-          </a:prstGeom>
-        </p:spPr>
-        <p:txBody>
-          <a:bodyPr lIns="0" rIns="0" tIns="0" bIns="0">
+            <a:ext cx="10972440" cy="3977280"/>
+          </a:xfrm>
+          <a:prstGeom prst="rect">
+            <a:avLst/>
+          </a:prstGeom>
+        </p:spPr>
+        <p:txBody>
+          <a:bodyPr lIns="0" tIns="0" rIns="0" bIns="0">
             <a:normAutofit/>
           </a:bodyPr>
+          <a:lstStyle/>
           <a:p>
             <a:pPr marL="432000" indent="-324000">
               <a:spcBef>
@@ -4282,17 +4910,17 @@
               <a:buChar char=""/>
             </a:pPr>
             <a:r>
-              <a:rPr b="0" lang="en-US" sz="1800" spc="-1" strike="noStrike">
+              <a:rPr lang="en-US" sz="2800" b="0" strike="noStrike" spc="-1">
+                <a:solidFill>
+                  <a:srgbClr val="000000"/>
+                </a:solidFill>
                 <a:latin typeface="Arial"/>
               </a:rPr>
               <a:t>Click to edit the outline text format</a:t>
             </a:r>
-            <a:endParaRPr b="0" lang="en-US" sz="1800" spc="-1" strike="noStrike">
-              <a:latin typeface="Arial"/>
-            </a:endParaRPr>
-          </a:p>
-          <a:p>
-            <a:pPr lvl="1" marL="864000" indent="-324000">
+          </a:p>
+          <a:p>
+            <a:pPr marL="864000" lvl="1" indent="-324000">
               <a:spcBef>
                 <a:spcPts val="1134"/>
               </a:spcBef>
@@ -4304,17 +4932,17 @@
               <a:buChar char=""/>
             </a:pPr>
             <a:r>
-              <a:rPr b="0" lang="en-US" sz="1800" spc="-1" strike="noStrike">
+              <a:rPr lang="en-US" sz="2000" b="0" strike="noStrike" spc="-1">
+                <a:solidFill>
+                  <a:srgbClr val="000000"/>
+                </a:solidFill>
                 <a:latin typeface="Arial"/>
               </a:rPr>
               <a:t>Second Outline Level</a:t>
             </a:r>
-            <a:endParaRPr b="0" lang="en-US" sz="1800" spc="-1" strike="noStrike">
-              <a:latin typeface="Arial"/>
-            </a:endParaRPr>
-          </a:p>
-          <a:p>
-            <a:pPr lvl="2" marL="1296000" indent="-288000">
+          </a:p>
+          <a:p>
+            <a:pPr marL="1296000" lvl="2" indent="-288000">
               <a:spcBef>
                 <a:spcPts val="850"/>
               </a:spcBef>
@@ -4326,17 +4954,17 @@
               <a:buChar char=""/>
             </a:pPr>
             <a:r>
-              <a:rPr b="0" lang="en-US" sz="1800" spc="-1" strike="noStrike">
+              <a:rPr lang="en-US" sz="1800" b="0" strike="noStrike" spc="-1">
+                <a:solidFill>
+                  <a:srgbClr val="000000"/>
+                </a:solidFill>
                 <a:latin typeface="Arial"/>
               </a:rPr>
               <a:t>Third Outline Level</a:t>
             </a:r>
-            <a:endParaRPr b="0" lang="en-US" sz="1800" spc="-1" strike="noStrike">
-              <a:latin typeface="Arial"/>
-            </a:endParaRPr>
-          </a:p>
-          <a:p>
-            <a:pPr lvl="3" marL="1728000" indent="-216000">
+          </a:p>
+          <a:p>
+            <a:pPr marL="1728000" lvl="3" indent="-216000">
               <a:spcBef>
                 <a:spcPts val="567"/>
               </a:spcBef>
@@ -4348,17 +4976,17 @@
               <a:buChar char=""/>
             </a:pPr>
             <a:r>
-              <a:rPr b="0" lang="en-US" sz="1800" spc="-1" strike="noStrike">
+              <a:rPr lang="en-US" sz="1800" b="0" strike="noStrike" spc="-1">
+                <a:solidFill>
+                  <a:srgbClr val="000000"/>
+                </a:solidFill>
                 <a:latin typeface="Arial"/>
               </a:rPr>
               <a:t>Fourth Outline Level</a:t>
             </a:r>
-            <a:endParaRPr b="0" lang="en-US" sz="1800" spc="-1" strike="noStrike">
-              <a:latin typeface="Arial"/>
-            </a:endParaRPr>
-          </a:p>
-          <a:p>
-            <a:pPr lvl="4" marL="2160000" indent="-216000">
+          </a:p>
+          <a:p>
+            <a:pPr marL="2160000" lvl="4" indent="-216000">
               <a:spcBef>
                 <a:spcPts val="283"/>
               </a:spcBef>
@@ -4370,17 +4998,17 @@
               <a:buChar char=""/>
             </a:pPr>
             <a:r>
-              <a:rPr b="0" lang="en-US" sz="1800" spc="-1" strike="noStrike">
+              <a:rPr lang="en-US" sz="2000" b="0" strike="noStrike" spc="-1">
+                <a:solidFill>
+                  <a:srgbClr val="000000"/>
+                </a:solidFill>
                 <a:latin typeface="Arial"/>
               </a:rPr>
               <a:t>Fifth Outline Level</a:t>
             </a:r>
-            <a:endParaRPr b="0" lang="en-US" sz="1800" spc="-1" strike="noStrike">
-              <a:latin typeface="Arial"/>
-            </a:endParaRPr>
-          </a:p>
-          <a:p>
-            <a:pPr lvl="5" marL="2592000" indent="-216000">
+          </a:p>
+          <a:p>
+            <a:pPr marL="2592000" lvl="5" indent="-216000">
               <a:spcBef>
                 <a:spcPts val="283"/>
               </a:spcBef>
@@ -4392,17 +5020,17 @@
               <a:buChar char=""/>
             </a:pPr>
             <a:r>
-              <a:rPr b="0" lang="en-US" sz="1800" spc="-1" strike="noStrike">
+              <a:rPr lang="en-US" sz="2000" b="0" strike="noStrike" spc="-1">
+                <a:solidFill>
+                  <a:srgbClr val="000000"/>
+                </a:solidFill>
                 <a:latin typeface="Arial"/>
               </a:rPr>
               <a:t>Sixth Outline Level</a:t>
             </a:r>
-            <a:endParaRPr b="0" lang="en-US" sz="1800" spc="-1" strike="noStrike">
-              <a:latin typeface="Arial"/>
-            </a:endParaRPr>
-          </a:p>
-          <a:p>
-            <a:pPr lvl="6" marL="3024000" indent="-216000">
+          </a:p>
+          <a:p>
+            <a:pPr marL="3024000" lvl="6" indent="-216000">
               <a:spcBef>
                 <a:spcPts val="283"/>
               </a:spcBef>
@@ -4414,45 +5042,326 @@
               <a:buChar char=""/>
             </a:pPr>
             <a:r>
-              <a:rPr b="0" lang="en-US" sz="1800" spc="-1" strike="noStrike">
+              <a:rPr lang="en-US" sz="2000" b="0" strike="noStrike" spc="-1">
+                <a:solidFill>
+                  <a:srgbClr val="000000"/>
+                </a:solidFill>
                 <a:latin typeface="Arial"/>
               </a:rPr>
               <a:t>Seventh Outline Level</a:t>
             </a:r>
-            <a:endParaRPr b="0" lang="en-US" sz="1800" spc="-1" strike="noStrike">
-              <a:latin typeface="Arial"/>
-            </a:endParaRPr>
           </a:p>
         </p:txBody>
       </p:sp>
     </p:spTree>
   </p:cSld>
-  <p:clrMap bg1="lt1" bg2="lt2" tx1="dk1" tx2="dk2" accent1="accent1" accent2="accent2" accent3="accent3" accent4="accent4" accent5="accent5" accent6="accent6" hlink="hlink" folHlink="folHlink"/>
+  <p:clrMap bg1="lt1" tx1="dk1" bg2="lt2" tx2="dk2" accent1="accent1" accent2="accent2" accent3="accent3" accent4="accent4" accent5="accent5" accent6="accent6" hlink="hlink" folHlink="folHlink"/>
   <p:sldLayoutIdLst>
-    <p:sldLayoutId id="2147483649" r:id="rId2"/>
-    <p:sldLayoutId id="2147483650" r:id="rId3"/>
-    <p:sldLayoutId id="2147483651" r:id="rId4"/>
-    <p:sldLayoutId id="2147483652" r:id="rId5"/>
-    <p:sldLayoutId id="2147483653" r:id="rId6"/>
-    <p:sldLayoutId id="2147483654" r:id="rId7"/>
-    <p:sldLayoutId id="2147483655" r:id="rId8"/>
-    <p:sldLayoutId id="2147483656" r:id="rId9"/>
-    <p:sldLayoutId id="2147483657" r:id="rId10"/>
-    <p:sldLayoutId id="2147483658" r:id="rId11"/>
-    <p:sldLayoutId id="2147483659" r:id="rId12"/>
-    <p:sldLayoutId id="2147483660" r:id="rId13"/>
+    <p:sldLayoutId id="2147483649" r:id="rId1"/>
+    <p:sldLayoutId id="2147483650" r:id="rId2"/>
+    <p:sldLayoutId id="2147483651" r:id="rId3"/>
+    <p:sldLayoutId id="2147483652" r:id="rId4"/>
+    <p:sldLayoutId id="2147483653" r:id="rId5"/>
+    <p:sldLayoutId id="2147483654" r:id="rId6"/>
+    <p:sldLayoutId id="2147483655" r:id="rId7"/>
+    <p:sldLayoutId id="2147483656" r:id="rId8"/>
+    <p:sldLayoutId id="2147483657" r:id="rId9"/>
+    <p:sldLayoutId id="2147483658" r:id="rId10"/>
+    <p:sldLayoutId id="2147483659" r:id="rId11"/>
+    <p:sldLayoutId id="2147483660" r:id="rId12"/>
   </p:sldLayoutIdLst>
+  <p:txStyles>
+    <p:titleStyle>
+      <a:lvl1pPr algn="l" defTabSz="914400" rtl="0" eaLnBrk="1" latinLnBrk="0" hangingPunct="1">
+        <a:lnSpc>
+          <a:spcPct val="90000"/>
+        </a:lnSpc>
+        <a:spcBef>
+          <a:spcPct val="0"/>
+        </a:spcBef>
+        <a:buNone/>
+        <a:defRPr sz="4400" kern="1200">
+          <a:solidFill>
+            <a:schemeClr val="tx1"/>
+          </a:solidFill>
+          <a:latin typeface="+mj-lt"/>
+          <a:ea typeface="+mj-ea"/>
+          <a:cs typeface="+mj-cs"/>
+        </a:defRPr>
+      </a:lvl1pPr>
+    </p:titleStyle>
+    <p:bodyStyle>
+      <a:lvl1pPr marL="228600" indent="-228600" algn="l" defTabSz="914400" rtl="0" eaLnBrk="1" latinLnBrk="0" hangingPunct="1">
+        <a:lnSpc>
+          <a:spcPct val="90000"/>
+        </a:lnSpc>
+        <a:spcBef>
+          <a:spcPts val="1000"/>
+        </a:spcBef>
+        <a:buFont typeface="Arial" panose="020B0604020202020204" pitchFamily="34" charset="0"/>
+        <a:buChar char="•"/>
+        <a:defRPr sz="2800" kern="1200">
+          <a:solidFill>
+            <a:schemeClr val="tx1"/>
+          </a:solidFill>
+          <a:latin typeface="+mn-lt"/>
+          <a:ea typeface="+mn-ea"/>
+          <a:cs typeface="+mn-cs"/>
+        </a:defRPr>
+      </a:lvl1pPr>
+      <a:lvl2pPr marL="685800" indent="-228600" algn="l" defTabSz="914400" rtl="0" eaLnBrk="1" latinLnBrk="0" hangingPunct="1">
+        <a:lnSpc>
+          <a:spcPct val="90000"/>
+        </a:lnSpc>
+        <a:spcBef>
+          <a:spcPts val="500"/>
+        </a:spcBef>
+        <a:buFont typeface="Arial" panose="020B0604020202020204" pitchFamily="34" charset="0"/>
+        <a:buChar char="•"/>
+        <a:defRPr sz="2400" kern="1200">
+          <a:solidFill>
+            <a:schemeClr val="tx1"/>
+          </a:solidFill>
+          <a:latin typeface="+mn-lt"/>
+          <a:ea typeface="+mn-ea"/>
+          <a:cs typeface="+mn-cs"/>
+        </a:defRPr>
+      </a:lvl2pPr>
+      <a:lvl3pPr marL="1143000" indent="-228600" algn="l" defTabSz="914400" rtl="0" eaLnBrk="1" latinLnBrk="0" hangingPunct="1">
+        <a:lnSpc>
+          <a:spcPct val="90000"/>
+        </a:lnSpc>
+        <a:spcBef>
+          <a:spcPts val="500"/>
+        </a:spcBef>
+        <a:buFont typeface="Arial" panose="020B0604020202020204" pitchFamily="34" charset="0"/>
+        <a:buChar char="•"/>
+        <a:defRPr sz="2000" kern="1200">
+          <a:solidFill>
+            <a:schemeClr val="tx1"/>
+          </a:solidFill>
+          <a:latin typeface="+mn-lt"/>
+          <a:ea typeface="+mn-ea"/>
+          <a:cs typeface="+mn-cs"/>
+        </a:defRPr>
+      </a:lvl3pPr>
+      <a:lvl4pPr marL="1600200" indent="-228600" algn="l" defTabSz="914400" rtl="0" eaLnBrk="1" latinLnBrk="0" hangingPunct="1">
+        <a:lnSpc>
+          <a:spcPct val="90000"/>
+        </a:lnSpc>
+        <a:spcBef>
+          <a:spcPts val="500"/>
+        </a:spcBef>
+        <a:buFont typeface="Arial" panose="020B0604020202020204" pitchFamily="34" charset="0"/>
+        <a:buChar char="•"/>
+        <a:defRPr sz="1800" kern="1200">
+          <a:solidFill>
+            <a:schemeClr val="tx1"/>
+          </a:solidFill>
+          <a:latin typeface="+mn-lt"/>
+          <a:ea typeface="+mn-ea"/>
+          <a:cs typeface="+mn-cs"/>
+        </a:defRPr>
+      </a:lvl4pPr>
+      <a:lvl5pPr marL="2057400" indent="-228600" algn="l" defTabSz="914400" rtl="0" eaLnBrk="1" latinLnBrk="0" hangingPunct="1">
+        <a:lnSpc>
+          <a:spcPct val="90000"/>
+        </a:lnSpc>
+        <a:spcBef>
+          <a:spcPts val="500"/>
+        </a:spcBef>
+        <a:buFont typeface="Arial" panose="020B0604020202020204" pitchFamily="34" charset="0"/>
+        <a:buChar char="•"/>
+        <a:defRPr sz="1800" kern="1200">
+          <a:solidFill>
+            <a:schemeClr val="tx1"/>
+          </a:solidFill>
+          <a:latin typeface="+mn-lt"/>
+          <a:ea typeface="+mn-ea"/>
+          <a:cs typeface="+mn-cs"/>
+        </a:defRPr>
+      </a:lvl5pPr>
+      <a:lvl6pPr marL="2514600" indent="-228600" algn="l" defTabSz="914400" rtl="0" eaLnBrk="1" latinLnBrk="0" hangingPunct="1">
+        <a:lnSpc>
+          <a:spcPct val="90000"/>
+        </a:lnSpc>
+        <a:spcBef>
+          <a:spcPts val="500"/>
+        </a:spcBef>
+        <a:buFont typeface="Arial" panose="020B0604020202020204" pitchFamily="34" charset="0"/>
+        <a:buChar char="•"/>
+        <a:defRPr sz="1800" kern="1200">
+          <a:solidFill>
+            <a:schemeClr val="tx1"/>
+          </a:solidFill>
+          <a:latin typeface="+mn-lt"/>
+          <a:ea typeface="+mn-ea"/>
+          <a:cs typeface="+mn-cs"/>
+        </a:defRPr>
+      </a:lvl6pPr>
+      <a:lvl7pPr marL="2971800" indent="-228600" algn="l" defTabSz="914400" rtl="0" eaLnBrk="1" latinLnBrk="0" hangingPunct="1">
+        <a:lnSpc>
+          <a:spcPct val="90000"/>
+        </a:lnSpc>
+        <a:spcBef>
+          <a:spcPts val="500"/>
+        </a:spcBef>
+        <a:buFont typeface="Arial" panose="020B0604020202020204" pitchFamily="34" charset="0"/>
+        <a:buChar char="•"/>
+        <a:defRPr sz="1800" kern="1200">
+          <a:solidFill>
+            <a:schemeClr val="tx1"/>
+          </a:solidFill>
+          <a:latin typeface="+mn-lt"/>
+          <a:ea typeface="+mn-ea"/>
+          <a:cs typeface="+mn-cs"/>
+        </a:defRPr>
+      </a:lvl7pPr>
+      <a:lvl8pPr marL="3429000" indent="-228600" algn="l" defTabSz="914400" rtl="0" eaLnBrk="1" latinLnBrk="0" hangingPunct="1">
+        <a:lnSpc>
+          <a:spcPct val="90000"/>
+        </a:lnSpc>
+        <a:spcBef>
+          <a:spcPts val="500"/>
+        </a:spcBef>
+        <a:buFont typeface="Arial" panose="020B0604020202020204" pitchFamily="34" charset="0"/>
+        <a:buChar char="•"/>
+        <a:defRPr sz="1800" kern="1200">
+          <a:solidFill>
+            <a:schemeClr val="tx1"/>
+          </a:solidFill>
+          <a:latin typeface="+mn-lt"/>
+          <a:ea typeface="+mn-ea"/>
+          <a:cs typeface="+mn-cs"/>
+        </a:defRPr>
+      </a:lvl8pPr>
+      <a:lvl9pPr marL="3886200" indent="-228600" algn="l" defTabSz="914400" rtl="0" eaLnBrk="1" latinLnBrk="0" hangingPunct="1">
+        <a:lnSpc>
+          <a:spcPct val="90000"/>
+        </a:lnSpc>
+        <a:spcBef>
+          <a:spcPts val="500"/>
+        </a:spcBef>
+        <a:buFont typeface="Arial" panose="020B0604020202020204" pitchFamily="34" charset="0"/>
+        <a:buChar char="•"/>
+        <a:defRPr sz="1800" kern="1200">
+          <a:solidFill>
+            <a:schemeClr val="tx1"/>
+          </a:solidFill>
+          <a:latin typeface="+mn-lt"/>
+          <a:ea typeface="+mn-ea"/>
+          <a:cs typeface="+mn-cs"/>
+        </a:defRPr>
+      </a:lvl9pPr>
+    </p:bodyStyle>
+    <p:otherStyle>
+      <a:defPPr>
+        <a:defRPr lang="en-US"/>
+      </a:defPPr>
+      <a:lvl1pPr marL="0" algn="l" defTabSz="914400" rtl="0" eaLnBrk="1" latinLnBrk="0" hangingPunct="1">
+        <a:defRPr sz="1800" kern="1200">
+          <a:solidFill>
+            <a:schemeClr val="tx1"/>
+          </a:solidFill>
+          <a:latin typeface="+mn-lt"/>
+          <a:ea typeface="+mn-ea"/>
+          <a:cs typeface="+mn-cs"/>
+        </a:defRPr>
+      </a:lvl1pPr>
+      <a:lvl2pPr marL="457200" algn="l" defTabSz="914400" rtl="0" eaLnBrk="1" latinLnBrk="0" hangingPunct="1">
+        <a:defRPr sz="1800" kern="1200">
+          <a:solidFill>
+            <a:schemeClr val="tx1"/>
+          </a:solidFill>
+          <a:latin typeface="+mn-lt"/>
+          <a:ea typeface="+mn-ea"/>
+          <a:cs typeface="+mn-cs"/>
+        </a:defRPr>
+      </a:lvl2pPr>
+      <a:lvl3pPr marL="914400" algn="l" defTabSz="914400" rtl="0" eaLnBrk="1" latinLnBrk="0" hangingPunct="1">
+        <a:defRPr sz="1800" kern="1200">
+          <a:solidFill>
+            <a:schemeClr val="tx1"/>
+          </a:solidFill>
+          <a:latin typeface="+mn-lt"/>
+          <a:ea typeface="+mn-ea"/>
+          <a:cs typeface="+mn-cs"/>
+        </a:defRPr>
+      </a:lvl3pPr>
+      <a:lvl4pPr marL="1371600" algn="l" defTabSz="914400" rtl="0" eaLnBrk="1" latinLnBrk="0" hangingPunct="1">
+        <a:defRPr sz="1800" kern="1200">
+          <a:solidFill>
+            <a:schemeClr val="tx1"/>
+          </a:solidFill>
+          <a:latin typeface="+mn-lt"/>
+          <a:ea typeface="+mn-ea"/>
+          <a:cs typeface="+mn-cs"/>
+        </a:defRPr>
+      </a:lvl4pPr>
+      <a:lvl5pPr marL="1828800" algn="l" defTabSz="914400" rtl="0" eaLnBrk="1" latinLnBrk="0" hangingPunct="1">
+        <a:defRPr sz="1800" kern="1200">
+          <a:solidFill>
+            <a:schemeClr val="tx1"/>
+          </a:solidFill>
+          <a:latin typeface="+mn-lt"/>
+          <a:ea typeface="+mn-ea"/>
+          <a:cs typeface="+mn-cs"/>
+        </a:defRPr>
+      </a:lvl5pPr>
+      <a:lvl6pPr marL="2286000" algn="l" defTabSz="914400" rtl="0" eaLnBrk="1" latinLnBrk="0" hangingPunct="1">
+        <a:defRPr sz="1800" kern="1200">
+          <a:solidFill>
+            <a:schemeClr val="tx1"/>
+          </a:solidFill>
+          <a:latin typeface="+mn-lt"/>
+          <a:ea typeface="+mn-ea"/>
+          <a:cs typeface="+mn-cs"/>
+        </a:defRPr>
+      </a:lvl6pPr>
+      <a:lvl7pPr marL="2743200" algn="l" defTabSz="914400" rtl="0" eaLnBrk="1" latinLnBrk="0" hangingPunct="1">
+        <a:defRPr sz="1800" kern="1200">
+          <a:solidFill>
+            <a:schemeClr val="tx1"/>
+          </a:solidFill>
+          <a:latin typeface="+mn-lt"/>
+          <a:ea typeface="+mn-ea"/>
+          <a:cs typeface="+mn-cs"/>
+        </a:defRPr>
+      </a:lvl7pPr>
+      <a:lvl8pPr marL="3200400" algn="l" defTabSz="914400" rtl="0" eaLnBrk="1" latinLnBrk="0" hangingPunct="1">
+        <a:defRPr sz="1800" kern="1200">
+          <a:solidFill>
+            <a:schemeClr val="tx1"/>
+          </a:solidFill>
+          <a:latin typeface="+mn-lt"/>
+          <a:ea typeface="+mn-ea"/>
+          <a:cs typeface="+mn-cs"/>
+        </a:defRPr>
+      </a:lvl8pPr>
+      <a:lvl9pPr marL="3657600" algn="l" defTabSz="914400" rtl="0" eaLnBrk="1" latinLnBrk="0" hangingPunct="1">
+        <a:defRPr sz="1800" kern="1200">
+          <a:solidFill>
+            <a:schemeClr val="tx1"/>
+          </a:solidFill>
+          <a:latin typeface="+mn-lt"/>
+          <a:ea typeface="+mn-ea"/>
+          <a:cs typeface="+mn-cs"/>
+        </a:defRPr>
+      </a:lvl9pPr>
+    </p:otherStyle>
+  </p:txStyles>
 </p:sldMaster>
 </file>
 
 <file path=ppt/slideMasters/slideMaster2.xml><?xml version="1.0" encoding="utf-8"?>
-<p:sldMaster xmlns:a="http://schemas.openxmlformats.org/drawingml/2006/main" xmlns:p="http://schemas.openxmlformats.org/presentationml/2006/main" xmlns:r="http://schemas.openxmlformats.org/officeDocument/2006/relationships" xmlns:p14="http://schemas.microsoft.com/office/powerpoint/2010/main" xmlns:p15="http://schemas.microsoft.com/office/powerpoint/2012/main" xmlns:mc="http://schemas.openxmlformats.org/markup-compatibility/2006">
+<p:sldMaster xmlns:a="http://schemas.openxmlformats.org/drawingml/2006/main" xmlns:r="http://schemas.openxmlformats.org/officeDocument/2006/relationships" xmlns:p="http://schemas.openxmlformats.org/presentationml/2006/main">
   <p:cSld>
     <p:bg>
       <p:bgPr>
         <a:solidFill>
-          <a:srgbClr val="ffffff"/>
+          <a:srgbClr val="FFFFFF"/>
         </a:solidFill>
+        <a:effectLst/>
       </p:bgPr>
     </p:bg>
     <p:spTree>
@@ -4478,22 +5387,28 @@
         <p:spPr>
           <a:xfrm>
             <a:off x="0" y="6400800"/>
-            <a:ext cx="12191040" cy="456120"/>
+            <a:ext cx="12191400" cy="456480"/>
           </a:xfrm>
           <a:prstGeom prst="rect">
             <a:avLst/>
           </a:prstGeom>
           <a:solidFill>
-            <a:srgbClr val="bd582c"/>
+            <a:srgbClr val="BD582C"/>
           </a:solidFill>
           <a:ln w="15840">
             <a:noFill/>
           </a:ln>
         </p:spPr>
         <p:style>
-          <a:lnRef idx="0"/>
-          <a:fillRef idx="0"/>
-          <a:effectRef idx="0"/>
+          <a:lnRef idx="0">
+            <a:scrgbClr r="0" g="0" b="0"/>
+          </a:lnRef>
+          <a:fillRef idx="0">
+            <a:scrgbClr r="0" g="0" b="0"/>
+          </a:fillRef>
+          <a:effectRef idx="0">
+            <a:scrgbClr r="0" g="0" b="0"/>
+          </a:effectRef>
           <a:fontRef idx="minor"/>
         </p:style>
       </p:sp>
@@ -4506,22 +5421,28 @@
         <p:spPr>
           <a:xfrm>
             <a:off x="0" y="6334200"/>
-            <a:ext cx="12191040" cy="64800"/>
+            <a:ext cx="12191400" cy="65160"/>
           </a:xfrm>
           <a:prstGeom prst="rect">
             <a:avLst/>
           </a:prstGeom>
           <a:solidFill>
-            <a:srgbClr val="e48312"/>
+            <a:srgbClr val="E48312"/>
           </a:solidFill>
           <a:ln w="15840">
             <a:noFill/>
           </a:ln>
         </p:spPr>
         <p:style>
-          <a:lnRef idx="0"/>
-          <a:fillRef idx="0"/>
-          <a:effectRef idx="0"/>
+          <a:lnRef idx="0">
+            <a:scrgbClr r="0" g="0" b="0"/>
+          </a:lnRef>
+          <a:fillRef idx="0">
+            <a:scrgbClr r="0" g="0" b="0"/>
+          </a:fillRef>
+          <a:effectRef idx="0">
+            <a:scrgbClr r="0" g="0" b="0"/>
+          </a:effectRef>
           <a:fontRef idx="minor"/>
         </p:style>
       </p:sp>
@@ -4547,9 +5468,15 @@
           </a:ln>
         </p:spPr>
         <p:style>
-          <a:lnRef idx="0"/>
-          <a:fillRef idx="0"/>
-          <a:effectRef idx="0"/>
+          <a:lnRef idx="0">
+            <a:scrgbClr r="0" g="0" b="0"/>
+          </a:lnRef>
+          <a:fillRef idx="0">
+            <a:scrgbClr r="0" g="0" b="0"/>
+          </a:fillRef>
+          <a:effectRef idx="0">
+            <a:scrgbClr r="0" g="0" b="0"/>
+          </a:effectRef>
           <a:fontRef idx="minor"/>
         </p:style>
       </p:sp>
@@ -4573,18 +5500,18 @@
           </a:prstGeom>
         </p:spPr>
         <p:txBody>
-          <a:bodyPr lIns="0" rIns="0" tIns="0" bIns="0" anchor="ctr"/>
-          <a:p>
-            <a:pPr algn="ctr"/>
+          <a:bodyPr lIns="0" tIns="0" rIns="0" bIns="0" anchor="ctr"/>
+          <a:lstStyle/>
+          <a:p>
             <a:r>
-              <a:rPr b="0" lang="en-US" sz="4400" spc="-1" strike="noStrike">
+              <a:rPr lang="en-US" sz="1800" b="0" strike="noStrike" spc="-1">
+                <a:solidFill>
+                  <a:srgbClr val="000000"/>
+                </a:solidFill>
                 <a:latin typeface="Arial"/>
               </a:rPr>
               <a:t>Click to edit the title text format</a:t>
             </a:r>
-            <a:endParaRPr b="0" lang="en-US" sz="4400" spc="-1" strike="noStrike">
-              <a:latin typeface="Arial"/>
-            </a:endParaRPr>
           </a:p>
         </p:txBody>
       </p:sp>
@@ -4608,9 +5535,10 @@
           </a:prstGeom>
         </p:spPr>
         <p:txBody>
-          <a:bodyPr lIns="0" rIns="0" tIns="0" bIns="0">
+          <a:bodyPr lIns="0" tIns="0" rIns="0" bIns="0">
             <a:normAutofit/>
           </a:bodyPr>
+          <a:lstStyle/>
           <a:p>
             <a:pPr marL="432000" indent="-324000">
               <a:spcBef>
@@ -4624,17 +5552,17 @@
               <a:buChar char=""/>
             </a:pPr>
             <a:r>
-              <a:rPr b="0" lang="en-US" sz="3200" spc="-1" strike="noStrike">
+              <a:rPr lang="en-US" sz="2800" b="0" strike="noStrike" spc="-1">
+                <a:solidFill>
+                  <a:srgbClr val="000000"/>
+                </a:solidFill>
                 <a:latin typeface="Arial"/>
               </a:rPr>
               <a:t>Click to edit the outline text format</a:t>
             </a:r>
-            <a:endParaRPr b="0" lang="en-US" sz="3200" spc="-1" strike="noStrike">
-              <a:latin typeface="Arial"/>
-            </a:endParaRPr>
-          </a:p>
-          <a:p>
-            <a:pPr lvl="1" marL="864000" indent="-324000">
+          </a:p>
+          <a:p>
+            <a:pPr marL="864000" lvl="1" indent="-324000">
               <a:spcBef>
                 <a:spcPts val="1134"/>
               </a:spcBef>
@@ -4646,17 +5574,17 @@
               <a:buChar char=""/>
             </a:pPr>
             <a:r>
-              <a:rPr b="0" lang="en-US" sz="2800" spc="-1" strike="noStrike">
+              <a:rPr lang="en-US" sz="2000" b="0" strike="noStrike" spc="-1">
+                <a:solidFill>
+                  <a:srgbClr val="000000"/>
+                </a:solidFill>
                 <a:latin typeface="Arial"/>
               </a:rPr>
               <a:t>Second Outline Level</a:t>
             </a:r>
-            <a:endParaRPr b="0" lang="en-US" sz="2800" spc="-1" strike="noStrike">
-              <a:latin typeface="Arial"/>
-            </a:endParaRPr>
-          </a:p>
-          <a:p>
-            <a:pPr lvl="2" marL="1296000" indent="-288000">
+          </a:p>
+          <a:p>
+            <a:pPr marL="1296000" lvl="2" indent="-288000">
               <a:spcBef>
                 <a:spcPts val="850"/>
               </a:spcBef>
@@ -4668,17 +5596,17 @@
               <a:buChar char=""/>
             </a:pPr>
             <a:r>
-              <a:rPr b="0" lang="en-US" sz="2400" spc="-1" strike="noStrike">
+              <a:rPr lang="en-US" sz="1800" b="0" strike="noStrike" spc="-1">
+                <a:solidFill>
+                  <a:srgbClr val="000000"/>
+                </a:solidFill>
                 <a:latin typeface="Arial"/>
               </a:rPr>
               <a:t>Third Outline Level</a:t>
             </a:r>
-            <a:endParaRPr b="0" lang="en-US" sz="2400" spc="-1" strike="noStrike">
-              <a:latin typeface="Arial"/>
-            </a:endParaRPr>
-          </a:p>
-          <a:p>
-            <a:pPr lvl="3" marL="1728000" indent="-216000">
+          </a:p>
+          <a:p>
+            <a:pPr marL="1728000" lvl="3" indent="-216000">
               <a:spcBef>
                 <a:spcPts val="567"/>
               </a:spcBef>
@@ -4690,17 +5618,17 @@
               <a:buChar char=""/>
             </a:pPr>
             <a:r>
-              <a:rPr b="0" lang="en-US" sz="2000" spc="-1" strike="noStrike">
+              <a:rPr lang="en-US" sz="1800" b="0" strike="noStrike" spc="-1">
+                <a:solidFill>
+                  <a:srgbClr val="000000"/>
+                </a:solidFill>
                 <a:latin typeface="Arial"/>
               </a:rPr>
               <a:t>Fourth Outline Level</a:t>
             </a:r>
-            <a:endParaRPr b="0" lang="en-US" sz="2000" spc="-1" strike="noStrike">
-              <a:latin typeface="Arial"/>
-            </a:endParaRPr>
-          </a:p>
-          <a:p>
-            <a:pPr lvl="4" marL="2160000" indent="-216000">
+          </a:p>
+          <a:p>
+            <a:pPr marL="2160000" lvl="4" indent="-216000">
               <a:spcBef>
                 <a:spcPts val="283"/>
               </a:spcBef>
@@ -4712,17 +5640,17 @@
               <a:buChar char=""/>
             </a:pPr>
             <a:r>
-              <a:rPr b="0" lang="en-US" sz="2000" spc="-1" strike="noStrike">
+              <a:rPr lang="en-US" sz="2000" b="0" strike="noStrike" spc="-1">
+                <a:solidFill>
+                  <a:srgbClr val="000000"/>
+                </a:solidFill>
                 <a:latin typeface="Arial"/>
               </a:rPr>
               <a:t>Fifth Outline Level</a:t>
             </a:r>
-            <a:endParaRPr b="0" lang="en-US" sz="2000" spc="-1" strike="noStrike">
-              <a:latin typeface="Arial"/>
-            </a:endParaRPr>
-          </a:p>
-          <a:p>
-            <a:pPr lvl="5" marL="2592000" indent="-216000">
+          </a:p>
+          <a:p>
+            <a:pPr marL="2592000" lvl="5" indent="-216000">
               <a:spcBef>
                 <a:spcPts val="283"/>
               </a:spcBef>
@@ -4734,17 +5662,17 @@
               <a:buChar char=""/>
             </a:pPr>
             <a:r>
-              <a:rPr b="0" lang="en-US" sz="2000" spc="-1" strike="noStrike">
+              <a:rPr lang="en-US" sz="2000" b="0" strike="noStrike" spc="-1">
+                <a:solidFill>
+                  <a:srgbClr val="000000"/>
+                </a:solidFill>
                 <a:latin typeface="Arial"/>
               </a:rPr>
               <a:t>Sixth Outline Level</a:t>
             </a:r>
-            <a:endParaRPr b="0" lang="en-US" sz="2000" spc="-1" strike="noStrike">
-              <a:latin typeface="Arial"/>
-            </a:endParaRPr>
-          </a:p>
-          <a:p>
-            <a:pPr lvl="6" marL="3024000" indent="-216000">
+          </a:p>
+          <a:p>
+            <a:pPr marL="3024000" lvl="6" indent="-216000">
               <a:spcBef>
                 <a:spcPts val="283"/>
               </a:spcBef>
@@ -4756,45 +5684,326 @@
               <a:buChar char=""/>
             </a:pPr>
             <a:r>
-              <a:rPr b="0" lang="en-US" sz="2000" spc="-1" strike="noStrike">
+              <a:rPr lang="en-US" sz="2000" b="0" strike="noStrike" spc="-1">
+                <a:solidFill>
+                  <a:srgbClr val="000000"/>
+                </a:solidFill>
                 <a:latin typeface="Arial"/>
               </a:rPr>
               <a:t>Seventh Outline Level</a:t>
             </a:r>
-            <a:endParaRPr b="0" lang="en-US" sz="2000" spc="-1" strike="noStrike">
-              <a:latin typeface="Arial"/>
-            </a:endParaRPr>
           </a:p>
         </p:txBody>
       </p:sp>
     </p:spTree>
   </p:cSld>
-  <p:clrMap bg1="lt1" bg2="lt2" tx1="dk1" tx2="dk2" accent1="accent1" accent2="accent2" accent3="accent3" accent4="accent4" accent5="accent5" accent6="accent6" hlink="hlink" folHlink="folHlink"/>
+  <p:clrMap bg1="lt1" tx1="dk1" bg2="lt2" tx2="dk2" accent1="accent1" accent2="accent2" accent3="accent3" accent4="accent4" accent5="accent5" accent6="accent6" hlink="hlink" folHlink="folHlink"/>
   <p:sldLayoutIdLst>
-    <p:sldLayoutId id="2147483662" r:id="rId2"/>
-    <p:sldLayoutId id="2147483663" r:id="rId3"/>
-    <p:sldLayoutId id="2147483664" r:id="rId4"/>
-    <p:sldLayoutId id="2147483665" r:id="rId5"/>
-    <p:sldLayoutId id="2147483666" r:id="rId6"/>
-    <p:sldLayoutId id="2147483667" r:id="rId7"/>
-    <p:sldLayoutId id="2147483668" r:id="rId8"/>
-    <p:sldLayoutId id="2147483669" r:id="rId9"/>
-    <p:sldLayoutId id="2147483670" r:id="rId10"/>
-    <p:sldLayoutId id="2147483671" r:id="rId11"/>
-    <p:sldLayoutId id="2147483672" r:id="rId12"/>
-    <p:sldLayoutId id="2147483673" r:id="rId13"/>
+    <p:sldLayoutId id="2147483662" r:id="rId1"/>
+    <p:sldLayoutId id="2147483663" r:id="rId2"/>
+    <p:sldLayoutId id="2147483664" r:id="rId3"/>
+    <p:sldLayoutId id="2147483665" r:id="rId4"/>
+    <p:sldLayoutId id="2147483666" r:id="rId5"/>
+    <p:sldLayoutId id="2147483667" r:id="rId6"/>
+    <p:sldLayoutId id="2147483668" r:id="rId7"/>
+    <p:sldLayoutId id="2147483669" r:id="rId8"/>
+    <p:sldLayoutId id="2147483670" r:id="rId9"/>
+    <p:sldLayoutId id="2147483671" r:id="rId10"/>
+    <p:sldLayoutId id="2147483672" r:id="rId11"/>
+    <p:sldLayoutId id="2147483673" r:id="rId12"/>
   </p:sldLayoutIdLst>
+  <p:txStyles>
+    <p:titleStyle>
+      <a:lvl1pPr algn="l" defTabSz="914400" rtl="0" eaLnBrk="1" latinLnBrk="0" hangingPunct="1">
+        <a:lnSpc>
+          <a:spcPct val="90000"/>
+        </a:lnSpc>
+        <a:spcBef>
+          <a:spcPct val="0"/>
+        </a:spcBef>
+        <a:buNone/>
+        <a:defRPr sz="4400" kern="1200">
+          <a:solidFill>
+            <a:schemeClr val="tx1"/>
+          </a:solidFill>
+          <a:latin typeface="+mj-lt"/>
+          <a:ea typeface="+mj-ea"/>
+          <a:cs typeface="+mj-cs"/>
+        </a:defRPr>
+      </a:lvl1pPr>
+    </p:titleStyle>
+    <p:bodyStyle>
+      <a:lvl1pPr marL="228600" indent="-228600" algn="l" defTabSz="914400" rtl="0" eaLnBrk="1" latinLnBrk="0" hangingPunct="1">
+        <a:lnSpc>
+          <a:spcPct val="90000"/>
+        </a:lnSpc>
+        <a:spcBef>
+          <a:spcPts val="1000"/>
+        </a:spcBef>
+        <a:buFont typeface="Arial" panose="020B0604020202020204" pitchFamily="34" charset="0"/>
+        <a:buChar char="•"/>
+        <a:defRPr sz="2800" kern="1200">
+          <a:solidFill>
+            <a:schemeClr val="tx1"/>
+          </a:solidFill>
+          <a:latin typeface="+mn-lt"/>
+          <a:ea typeface="+mn-ea"/>
+          <a:cs typeface="+mn-cs"/>
+        </a:defRPr>
+      </a:lvl1pPr>
+      <a:lvl2pPr marL="685800" indent="-228600" algn="l" defTabSz="914400" rtl="0" eaLnBrk="1" latinLnBrk="0" hangingPunct="1">
+        <a:lnSpc>
+          <a:spcPct val="90000"/>
+        </a:lnSpc>
+        <a:spcBef>
+          <a:spcPts val="500"/>
+        </a:spcBef>
+        <a:buFont typeface="Arial" panose="020B0604020202020204" pitchFamily="34" charset="0"/>
+        <a:buChar char="•"/>
+        <a:defRPr sz="2400" kern="1200">
+          <a:solidFill>
+            <a:schemeClr val="tx1"/>
+          </a:solidFill>
+          <a:latin typeface="+mn-lt"/>
+          <a:ea typeface="+mn-ea"/>
+          <a:cs typeface="+mn-cs"/>
+        </a:defRPr>
+      </a:lvl2pPr>
+      <a:lvl3pPr marL="1143000" indent="-228600" algn="l" defTabSz="914400" rtl="0" eaLnBrk="1" latinLnBrk="0" hangingPunct="1">
+        <a:lnSpc>
+          <a:spcPct val="90000"/>
+        </a:lnSpc>
+        <a:spcBef>
+          <a:spcPts val="500"/>
+        </a:spcBef>
+        <a:buFont typeface="Arial" panose="020B0604020202020204" pitchFamily="34" charset="0"/>
+        <a:buChar char="•"/>
+        <a:defRPr sz="2000" kern="1200">
+          <a:solidFill>
+            <a:schemeClr val="tx1"/>
+          </a:solidFill>
+          <a:latin typeface="+mn-lt"/>
+          <a:ea typeface="+mn-ea"/>
+          <a:cs typeface="+mn-cs"/>
+        </a:defRPr>
+      </a:lvl3pPr>
+      <a:lvl4pPr marL="1600200" indent="-228600" algn="l" defTabSz="914400" rtl="0" eaLnBrk="1" latinLnBrk="0" hangingPunct="1">
+        <a:lnSpc>
+          <a:spcPct val="90000"/>
+        </a:lnSpc>
+        <a:spcBef>
+          <a:spcPts val="500"/>
+        </a:spcBef>
+        <a:buFont typeface="Arial" panose="020B0604020202020204" pitchFamily="34" charset="0"/>
+        <a:buChar char="•"/>
+        <a:defRPr sz="1800" kern="1200">
+          <a:solidFill>
+            <a:schemeClr val="tx1"/>
+          </a:solidFill>
+          <a:latin typeface="+mn-lt"/>
+          <a:ea typeface="+mn-ea"/>
+          <a:cs typeface="+mn-cs"/>
+        </a:defRPr>
+      </a:lvl4pPr>
+      <a:lvl5pPr marL="2057400" indent="-228600" algn="l" defTabSz="914400" rtl="0" eaLnBrk="1" latinLnBrk="0" hangingPunct="1">
+        <a:lnSpc>
+          <a:spcPct val="90000"/>
+        </a:lnSpc>
+        <a:spcBef>
+          <a:spcPts val="500"/>
+        </a:spcBef>
+        <a:buFont typeface="Arial" panose="020B0604020202020204" pitchFamily="34" charset="0"/>
+        <a:buChar char="•"/>
+        <a:defRPr sz="1800" kern="1200">
+          <a:solidFill>
+            <a:schemeClr val="tx1"/>
+          </a:solidFill>
+          <a:latin typeface="+mn-lt"/>
+          <a:ea typeface="+mn-ea"/>
+          <a:cs typeface="+mn-cs"/>
+        </a:defRPr>
+      </a:lvl5pPr>
+      <a:lvl6pPr marL="2514600" indent="-228600" algn="l" defTabSz="914400" rtl="0" eaLnBrk="1" latinLnBrk="0" hangingPunct="1">
+        <a:lnSpc>
+          <a:spcPct val="90000"/>
+        </a:lnSpc>
+        <a:spcBef>
+          <a:spcPts val="500"/>
+        </a:spcBef>
+        <a:buFont typeface="Arial" panose="020B0604020202020204" pitchFamily="34" charset="0"/>
+        <a:buChar char="•"/>
+        <a:defRPr sz="1800" kern="1200">
+          <a:solidFill>
+            <a:schemeClr val="tx1"/>
+          </a:solidFill>
+          <a:latin typeface="+mn-lt"/>
+          <a:ea typeface="+mn-ea"/>
+          <a:cs typeface="+mn-cs"/>
+        </a:defRPr>
+      </a:lvl6pPr>
+      <a:lvl7pPr marL="2971800" indent="-228600" algn="l" defTabSz="914400" rtl="0" eaLnBrk="1" latinLnBrk="0" hangingPunct="1">
+        <a:lnSpc>
+          <a:spcPct val="90000"/>
+        </a:lnSpc>
+        <a:spcBef>
+          <a:spcPts val="500"/>
+        </a:spcBef>
+        <a:buFont typeface="Arial" panose="020B0604020202020204" pitchFamily="34" charset="0"/>
+        <a:buChar char="•"/>
+        <a:defRPr sz="1800" kern="1200">
+          <a:solidFill>
+            <a:schemeClr val="tx1"/>
+          </a:solidFill>
+          <a:latin typeface="+mn-lt"/>
+          <a:ea typeface="+mn-ea"/>
+          <a:cs typeface="+mn-cs"/>
+        </a:defRPr>
+      </a:lvl7pPr>
+      <a:lvl8pPr marL="3429000" indent="-228600" algn="l" defTabSz="914400" rtl="0" eaLnBrk="1" latinLnBrk="0" hangingPunct="1">
+        <a:lnSpc>
+          <a:spcPct val="90000"/>
+        </a:lnSpc>
+        <a:spcBef>
+          <a:spcPts val="500"/>
+        </a:spcBef>
+        <a:buFont typeface="Arial" panose="020B0604020202020204" pitchFamily="34" charset="0"/>
+        <a:buChar char="•"/>
+        <a:defRPr sz="1800" kern="1200">
+          <a:solidFill>
+            <a:schemeClr val="tx1"/>
+          </a:solidFill>
+          <a:latin typeface="+mn-lt"/>
+          <a:ea typeface="+mn-ea"/>
+          <a:cs typeface="+mn-cs"/>
+        </a:defRPr>
+      </a:lvl8pPr>
+      <a:lvl9pPr marL="3886200" indent="-228600" algn="l" defTabSz="914400" rtl="0" eaLnBrk="1" latinLnBrk="0" hangingPunct="1">
+        <a:lnSpc>
+          <a:spcPct val="90000"/>
+        </a:lnSpc>
+        <a:spcBef>
+          <a:spcPts val="500"/>
+        </a:spcBef>
+        <a:buFont typeface="Arial" panose="020B0604020202020204" pitchFamily="34" charset="0"/>
+        <a:buChar char="•"/>
+        <a:defRPr sz="1800" kern="1200">
+          <a:solidFill>
+            <a:schemeClr val="tx1"/>
+          </a:solidFill>
+          <a:latin typeface="+mn-lt"/>
+          <a:ea typeface="+mn-ea"/>
+          <a:cs typeface="+mn-cs"/>
+        </a:defRPr>
+      </a:lvl9pPr>
+    </p:bodyStyle>
+    <p:otherStyle>
+      <a:defPPr>
+        <a:defRPr lang="en-US"/>
+      </a:defPPr>
+      <a:lvl1pPr marL="0" algn="l" defTabSz="914400" rtl="0" eaLnBrk="1" latinLnBrk="0" hangingPunct="1">
+        <a:defRPr sz="1800" kern="1200">
+          <a:solidFill>
+            <a:schemeClr val="tx1"/>
+          </a:solidFill>
+          <a:latin typeface="+mn-lt"/>
+          <a:ea typeface="+mn-ea"/>
+          <a:cs typeface="+mn-cs"/>
+        </a:defRPr>
+      </a:lvl1pPr>
+      <a:lvl2pPr marL="457200" algn="l" defTabSz="914400" rtl="0" eaLnBrk="1" latinLnBrk="0" hangingPunct="1">
+        <a:defRPr sz="1800" kern="1200">
+          <a:solidFill>
+            <a:schemeClr val="tx1"/>
+          </a:solidFill>
+          <a:latin typeface="+mn-lt"/>
+          <a:ea typeface="+mn-ea"/>
+          <a:cs typeface="+mn-cs"/>
+        </a:defRPr>
+      </a:lvl2pPr>
+      <a:lvl3pPr marL="914400" algn="l" defTabSz="914400" rtl="0" eaLnBrk="1" latinLnBrk="0" hangingPunct="1">
+        <a:defRPr sz="1800" kern="1200">
+          <a:solidFill>
+            <a:schemeClr val="tx1"/>
+          </a:solidFill>
+          <a:latin typeface="+mn-lt"/>
+          <a:ea typeface="+mn-ea"/>
+          <a:cs typeface="+mn-cs"/>
+        </a:defRPr>
+      </a:lvl3pPr>
+      <a:lvl4pPr marL="1371600" algn="l" defTabSz="914400" rtl="0" eaLnBrk="1" latinLnBrk="0" hangingPunct="1">
+        <a:defRPr sz="1800" kern="1200">
+          <a:solidFill>
+            <a:schemeClr val="tx1"/>
+          </a:solidFill>
+          <a:latin typeface="+mn-lt"/>
+          <a:ea typeface="+mn-ea"/>
+          <a:cs typeface="+mn-cs"/>
+        </a:defRPr>
+      </a:lvl4pPr>
+      <a:lvl5pPr marL="1828800" algn="l" defTabSz="914400" rtl="0" eaLnBrk="1" latinLnBrk="0" hangingPunct="1">
+        <a:defRPr sz="1800" kern="1200">
+          <a:solidFill>
+            <a:schemeClr val="tx1"/>
+          </a:solidFill>
+          <a:latin typeface="+mn-lt"/>
+          <a:ea typeface="+mn-ea"/>
+          <a:cs typeface="+mn-cs"/>
+        </a:defRPr>
+      </a:lvl5pPr>
+      <a:lvl6pPr marL="2286000" algn="l" defTabSz="914400" rtl="0" eaLnBrk="1" latinLnBrk="0" hangingPunct="1">
+        <a:defRPr sz="1800" kern="1200">
+          <a:solidFill>
+            <a:schemeClr val="tx1"/>
+          </a:solidFill>
+          <a:latin typeface="+mn-lt"/>
+          <a:ea typeface="+mn-ea"/>
+          <a:cs typeface="+mn-cs"/>
+        </a:defRPr>
+      </a:lvl6pPr>
+      <a:lvl7pPr marL="2743200" algn="l" defTabSz="914400" rtl="0" eaLnBrk="1" latinLnBrk="0" hangingPunct="1">
+        <a:defRPr sz="1800" kern="1200">
+          <a:solidFill>
+            <a:schemeClr val="tx1"/>
+          </a:solidFill>
+          <a:latin typeface="+mn-lt"/>
+          <a:ea typeface="+mn-ea"/>
+          <a:cs typeface="+mn-cs"/>
+        </a:defRPr>
+      </a:lvl7pPr>
+      <a:lvl8pPr marL="3200400" algn="l" defTabSz="914400" rtl="0" eaLnBrk="1" latinLnBrk="0" hangingPunct="1">
+        <a:defRPr sz="1800" kern="1200">
+          <a:solidFill>
+            <a:schemeClr val="tx1"/>
+          </a:solidFill>
+          <a:latin typeface="+mn-lt"/>
+          <a:ea typeface="+mn-ea"/>
+          <a:cs typeface="+mn-cs"/>
+        </a:defRPr>
+      </a:lvl8pPr>
+      <a:lvl9pPr marL="3657600" algn="l" defTabSz="914400" rtl="0" eaLnBrk="1" latinLnBrk="0" hangingPunct="1">
+        <a:defRPr sz="1800" kern="1200">
+          <a:solidFill>
+            <a:schemeClr val="tx1"/>
+          </a:solidFill>
+          <a:latin typeface="+mn-lt"/>
+          <a:ea typeface="+mn-ea"/>
+          <a:cs typeface="+mn-cs"/>
+        </a:defRPr>
+      </a:lvl9pPr>
+    </p:otherStyle>
+  </p:txStyles>
 </p:sldMaster>
 </file>
 
 <file path=ppt/slideMasters/slideMaster3.xml><?xml version="1.0" encoding="utf-8"?>
-<p:sldMaster xmlns:a="http://schemas.openxmlformats.org/drawingml/2006/main" xmlns:p="http://schemas.openxmlformats.org/presentationml/2006/main" xmlns:r="http://schemas.openxmlformats.org/officeDocument/2006/relationships" xmlns:p14="http://schemas.microsoft.com/office/powerpoint/2010/main" xmlns:p15="http://schemas.microsoft.com/office/powerpoint/2012/main" xmlns:mc="http://schemas.openxmlformats.org/markup-compatibility/2006">
+<p:sldMaster xmlns:a="http://schemas.openxmlformats.org/drawingml/2006/main" xmlns:r="http://schemas.openxmlformats.org/officeDocument/2006/relationships" xmlns:p="http://schemas.openxmlformats.org/presentationml/2006/main">
   <p:cSld>
     <p:bg>
       <p:bgPr>
         <a:solidFill>
-          <a:srgbClr val="ffffff"/>
+          <a:srgbClr val="FFFFFF"/>
         </a:solidFill>
+        <a:effectLst/>
       </p:bgPr>
     </p:bg>
     <p:spTree>
@@ -4820,22 +6029,28 @@
         <p:spPr>
           <a:xfrm>
             <a:off x="0" y="6400800"/>
-            <a:ext cx="12191040" cy="456120"/>
+            <a:ext cx="12191400" cy="456480"/>
           </a:xfrm>
           <a:prstGeom prst="rect">
             <a:avLst/>
           </a:prstGeom>
           <a:solidFill>
-            <a:srgbClr val="bd582c"/>
+            <a:srgbClr val="BD582C"/>
           </a:solidFill>
           <a:ln w="15840">
             <a:noFill/>
           </a:ln>
         </p:spPr>
         <p:style>
-          <a:lnRef idx="0"/>
-          <a:fillRef idx="0"/>
-          <a:effectRef idx="0"/>
+          <a:lnRef idx="0">
+            <a:scrgbClr r="0" g="0" b="0"/>
+          </a:lnRef>
+          <a:fillRef idx="0">
+            <a:scrgbClr r="0" g="0" b="0"/>
+          </a:fillRef>
+          <a:effectRef idx="0">
+            <a:scrgbClr r="0" g="0" b="0"/>
+          </a:effectRef>
           <a:fontRef idx="minor"/>
         </p:style>
       </p:sp>
@@ -4848,22 +6063,28 @@
         <p:spPr>
           <a:xfrm>
             <a:off x="0" y="6334200"/>
-            <a:ext cx="12191040" cy="64800"/>
+            <a:ext cx="12191400" cy="65160"/>
           </a:xfrm>
           <a:prstGeom prst="rect">
             <a:avLst/>
           </a:prstGeom>
           <a:solidFill>
-            <a:srgbClr val="e48312"/>
+            <a:srgbClr val="E48312"/>
           </a:solidFill>
           <a:ln w="15840">
             <a:noFill/>
           </a:ln>
         </p:spPr>
         <p:style>
-          <a:lnRef idx="0"/>
-          <a:fillRef idx="0"/>
-          <a:effectRef idx="0"/>
+          <a:lnRef idx="0">
+            <a:scrgbClr r="0" g="0" b="0"/>
+          </a:lnRef>
+          <a:fillRef idx="0">
+            <a:scrgbClr r="0" g="0" b="0"/>
+          </a:fillRef>
+          <a:effectRef idx="0">
+            <a:scrgbClr r="0" g="0" b="0"/>
+          </a:effectRef>
           <a:fontRef idx="minor"/>
         </p:style>
       </p:sp>
@@ -4889,9 +6110,15 @@
           </a:ln>
         </p:spPr>
         <p:style>
-          <a:lnRef idx="0"/>
-          <a:fillRef idx="0"/>
-          <a:effectRef idx="0"/>
+          <a:lnRef idx="0">
+            <a:scrgbClr r="0" g="0" b="0"/>
+          </a:lnRef>
+          <a:fillRef idx="0">
+            <a:scrgbClr r="0" g="0" b="0"/>
+          </a:fillRef>
+          <a:effectRef idx="0">
+            <a:scrgbClr r="0" g="0" b="0"/>
+          </a:effectRef>
           <a:fontRef idx="minor"/>
         </p:style>
       </p:sp>
@@ -4908,24 +6135,25 @@
         <p:spPr>
           <a:xfrm>
             <a:off x="1097280" y="286560"/>
-            <a:ext cx="10057320" cy="1449720"/>
-          </a:xfrm>
-          <a:prstGeom prst="rect">
-            <a:avLst/>
-          </a:prstGeom>
-        </p:spPr>
-        <p:txBody>
-          <a:bodyPr lIns="0" rIns="0" tIns="0" bIns="0" anchor="ctr"/>
+            <a:ext cx="10057680" cy="1450080"/>
+          </a:xfrm>
+          <a:prstGeom prst="rect">
+            <a:avLst/>
+          </a:prstGeom>
+        </p:spPr>
+        <p:txBody>
+          <a:bodyPr lIns="0" tIns="0" rIns="0" bIns="0" anchor="ctr"/>
+          <a:lstStyle/>
           <a:p>
             <a:r>
-              <a:rPr b="0" lang="en-US" sz="1800" spc="-1" strike="noStrike">
+              <a:rPr lang="en-US" sz="4400" b="0" strike="noStrike" spc="-1">
+                <a:solidFill>
+                  <a:srgbClr val="000000"/>
+                </a:solidFill>
                 <a:latin typeface="Arial"/>
               </a:rPr>
               <a:t>Click to edit the title text format</a:t>
             </a:r>
-            <a:endParaRPr b="0" lang="en-US" sz="1800" spc="-1" strike="noStrike">
-              <a:latin typeface="Arial"/>
-            </a:endParaRPr>
           </a:p>
         </p:txBody>
       </p:sp>
@@ -4942,16 +6170,17 @@
         <p:spPr>
           <a:xfrm>
             <a:off x="609480" y="1604520"/>
-            <a:ext cx="10972080" cy="3976920"/>
-          </a:xfrm>
-          <a:prstGeom prst="rect">
-            <a:avLst/>
-          </a:prstGeom>
-        </p:spPr>
-        <p:txBody>
-          <a:bodyPr lIns="0" rIns="0" tIns="0" bIns="0">
+            <a:ext cx="10972440" cy="3977280"/>
+          </a:xfrm>
+          <a:prstGeom prst="rect">
+            <a:avLst/>
+          </a:prstGeom>
+        </p:spPr>
+        <p:txBody>
+          <a:bodyPr lIns="0" tIns="0" rIns="0" bIns="0">
             <a:normAutofit/>
           </a:bodyPr>
+          <a:lstStyle/>
           <a:p>
             <a:pPr marL="432000" indent="-324000">
               <a:spcBef>
@@ -4965,17 +6194,17 @@
               <a:buChar char=""/>
             </a:pPr>
             <a:r>
-              <a:rPr b="0" lang="en-US" sz="1800" spc="-1" strike="noStrike">
+              <a:rPr lang="en-US" sz="2800" b="0" strike="noStrike" spc="-1">
+                <a:solidFill>
+                  <a:srgbClr val="000000"/>
+                </a:solidFill>
                 <a:latin typeface="Arial"/>
               </a:rPr>
               <a:t>Click to edit the outline text format</a:t>
             </a:r>
-            <a:endParaRPr b="0" lang="en-US" sz="1800" spc="-1" strike="noStrike">
-              <a:latin typeface="Arial"/>
-            </a:endParaRPr>
-          </a:p>
-          <a:p>
-            <a:pPr lvl="1" marL="864000" indent="-324000">
+          </a:p>
+          <a:p>
+            <a:pPr marL="864000" lvl="1" indent="-324000">
               <a:spcBef>
                 <a:spcPts val="1134"/>
               </a:spcBef>
@@ -4987,17 +6216,17 @@
               <a:buChar char=""/>
             </a:pPr>
             <a:r>
-              <a:rPr b="0" lang="en-US" sz="1800" spc="-1" strike="noStrike">
+              <a:rPr lang="en-US" sz="2000" b="0" strike="noStrike" spc="-1">
+                <a:solidFill>
+                  <a:srgbClr val="000000"/>
+                </a:solidFill>
                 <a:latin typeface="Arial"/>
               </a:rPr>
               <a:t>Second Outline Level</a:t>
             </a:r>
-            <a:endParaRPr b="0" lang="en-US" sz="1800" spc="-1" strike="noStrike">
-              <a:latin typeface="Arial"/>
-            </a:endParaRPr>
-          </a:p>
-          <a:p>
-            <a:pPr lvl="2" marL="1296000" indent="-288000">
+          </a:p>
+          <a:p>
+            <a:pPr marL="1296000" lvl="2" indent="-288000">
               <a:spcBef>
                 <a:spcPts val="850"/>
               </a:spcBef>
@@ -5009,17 +6238,17 @@
               <a:buChar char=""/>
             </a:pPr>
             <a:r>
-              <a:rPr b="0" lang="en-US" sz="1800" spc="-1" strike="noStrike">
+              <a:rPr lang="en-US" sz="1800" b="0" strike="noStrike" spc="-1">
+                <a:solidFill>
+                  <a:srgbClr val="000000"/>
+                </a:solidFill>
                 <a:latin typeface="Arial"/>
               </a:rPr>
               <a:t>Third Outline Level</a:t>
             </a:r>
-            <a:endParaRPr b="0" lang="en-US" sz="1800" spc="-1" strike="noStrike">
-              <a:latin typeface="Arial"/>
-            </a:endParaRPr>
-          </a:p>
-          <a:p>
-            <a:pPr lvl="3" marL="1728000" indent="-216000">
+          </a:p>
+          <a:p>
+            <a:pPr marL="1728000" lvl="3" indent="-216000">
               <a:spcBef>
                 <a:spcPts val="567"/>
               </a:spcBef>
@@ -5031,17 +6260,17 @@
               <a:buChar char=""/>
             </a:pPr>
             <a:r>
-              <a:rPr b="0" lang="en-US" sz="1800" spc="-1" strike="noStrike">
+              <a:rPr lang="en-US" sz="1800" b="0" strike="noStrike" spc="-1">
+                <a:solidFill>
+                  <a:srgbClr val="000000"/>
+                </a:solidFill>
                 <a:latin typeface="Arial"/>
               </a:rPr>
               <a:t>Fourth Outline Level</a:t>
             </a:r>
-            <a:endParaRPr b="0" lang="en-US" sz="1800" spc="-1" strike="noStrike">
-              <a:latin typeface="Arial"/>
-            </a:endParaRPr>
-          </a:p>
-          <a:p>
-            <a:pPr lvl="4" marL="2160000" indent="-216000">
+          </a:p>
+          <a:p>
+            <a:pPr marL="2160000" lvl="4" indent="-216000">
               <a:spcBef>
                 <a:spcPts val="283"/>
               </a:spcBef>
@@ -5053,17 +6282,17 @@
               <a:buChar char=""/>
             </a:pPr>
             <a:r>
-              <a:rPr b="0" lang="en-US" sz="1800" spc="-1" strike="noStrike">
+              <a:rPr lang="en-US" sz="2000" b="0" strike="noStrike" spc="-1">
+                <a:solidFill>
+                  <a:srgbClr val="000000"/>
+                </a:solidFill>
                 <a:latin typeface="Arial"/>
               </a:rPr>
               <a:t>Fifth Outline Level</a:t>
             </a:r>
-            <a:endParaRPr b="0" lang="en-US" sz="1800" spc="-1" strike="noStrike">
-              <a:latin typeface="Arial"/>
-            </a:endParaRPr>
-          </a:p>
-          <a:p>
-            <a:pPr lvl="5" marL="2592000" indent="-216000">
+          </a:p>
+          <a:p>
+            <a:pPr marL="2592000" lvl="5" indent="-216000">
               <a:spcBef>
                 <a:spcPts val="283"/>
               </a:spcBef>
@@ -5075,17 +6304,17 @@
               <a:buChar char=""/>
             </a:pPr>
             <a:r>
-              <a:rPr b="0" lang="en-US" sz="1800" spc="-1" strike="noStrike">
+              <a:rPr lang="en-US" sz="2000" b="0" strike="noStrike" spc="-1">
+                <a:solidFill>
+                  <a:srgbClr val="000000"/>
+                </a:solidFill>
                 <a:latin typeface="Arial"/>
               </a:rPr>
               <a:t>Sixth Outline Level</a:t>
             </a:r>
-            <a:endParaRPr b="0" lang="en-US" sz="1800" spc="-1" strike="noStrike">
-              <a:latin typeface="Arial"/>
-            </a:endParaRPr>
-          </a:p>
-          <a:p>
-            <a:pPr lvl="6" marL="3024000" indent="-216000">
+          </a:p>
+          <a:p>
+            <a:pPr marL="3024000" lvl="6" indent="-216000">
               <a:spcBef>
                 <a:spcPts val="283"/>
               </a:spcBef>
@@ -5097,39 +6326,319 @@
               <a:buChar char=""/>
             </a:pPr>
             <a:r>
-              <a:rPr b="0" lang="en-US" sz="1800" spc="-1" strike="noStrike">
+              <a:rPr lang="en-US" sz="2000" b="0" strike="noStrike" spc="-1">
+                <a:solidFill>
+                  <a:srgbClr val="000000"/>
+                </a:solidFill>
                 <a:latin typeface="Arial"/>
               </a:rPr>
               <a:t>Seventh Outline Level</a:t>
             </a:r>
-            <a:endParaRPr b="0" lang="en-US" sz="1800" spc="-1" strike="noStrike">
-              <a:latin typeface="Arial"/>
-            </a:endParaRPr>
           </a:p>
         </p:txBody>
       </p:sp>
     </p:spTree>
   </p:cSld>
-  <p:clrMap bg1="lt1" bg2="lt2" tx1="dk1" tx2="dk2" accent1="accent1" accent2="accent2" accent3="accent3" accent4="accent4" accent5="accent5" accent6="accent6" hlink="hlink" folHlink="folHlink"/>
+  <p:clrMap bg1="lt1" tx1="dk1" bg2="lt2" tx2="dk2" accent1="accent1" accent2="accent2" accent3="accent3" accent4="accent4" accent5="accent5" accent6="accent6" hlink="hlink" folHlink="folHlink"/>
   <p:sldLayoutIdLst>
-    <p:sldLayoutId id="2147483675" r:id="rId2"/>
-    <p:sldLayoutId id="2147483676" r:id="rId3"/>
-    <p:sldLayoutId id="2147483677" r:id="rId4"/>
-    <p:sldLayoutId id="2147483678" r:id="rId5"/>
-    <p:sldLayoutId id="2147483679" r:id="rId6"/>
-    <p:sldLayoutId id="2147483680" r:id="rId7"/>
-    <p:sldLayoutId id="2147483681" r:id="rId8"/>
-    <p:sldLayoutId id="2147483682" r:id="rId9"/>
-    <p:sldLayoutId id="2147483683" r:id="rId10"/>
-    <p:sldLayoutId id="2147483684" r:id="rId11"/>
-    <p:sldLayoutId id="2147483685" r:id="rId12"/>
-    <p:sldLayoutId id="2147483686" r:id="rId13"/>
+    <p:sldLayoutId id="2147483675" r:id="rId1"/>
+    <p:sldLayoutId id="2147483676" r:id="rId2"/>
+    <p:sldLayoutId id="2147483677" r:id="rId3"/>
+    <p:sldLayoutId id="2147483678" r:id="rId4"/>
+    <p:sldLayoutId id="2147483679" r:id="rId5"/>
+    <p:sldLayoutId id="2147483680" r:id="rId6"/>
+    <p:sldLayoutId id="2147483681" r:id="rId7"/>
+    <p:sldLayoutId id="2147483682" r:id="rId8"/>
+    <p:sldLayoutId id="2147483683" r:id="rId9"/>
+    <p:sldLayoutId id="2147483684" r:id="rId10"/>
+    <p:sldLayoutId id="2147483685" r:id="rId11"/>
+    <p:sldLayoutId id="2147483686" r:id="rId12"/>
   </p:sldLayoutIdLst>
+  <p:txStyles>
+    <p:titleStyle>
+      <a:lvl1pPr algn="l" defTabSz="914400" rtl="0" eaLnBrk="1" latinLnBrk="0" hangingPunct="1">
+        <a:lnSpc>
+          <a:spcPct val="90000"/>
+        </a:lnSpc>
+        <a:spcBef>
+          <a:spcPct val="0"/>
+        </a:spcBef>
+        <a:buNone/>
+        <a:defRPr sz="4400" kern="1200">
+          <a:solidFill>
+            <a:schemeClr val="tx1"/>
+          </a:solidFill>
+          <a:latin typeface="+mj-lt"/>
+          <a:ea typeface="+mj-ea"/>
+          <a:cs typeface="+mj-cs"/>
+        </a:defRPr>
+      </a:lvl1pPr>
+    </p:titleStyle>
+    <p:bodyStyle>
+      <a:lvl1pPr marL="228600" indent="-228600" algn="l" defTabSz="914400" rtl="0" eaLnBrk="1" latinLnBrk="0" hangingPunct="1">
+        <a:lnSpc>
+          <a:spcPct val="90000"/>
+        </a:lnSpc>
+        <a:spcBef>
+          <a:spcPts val="1000"/>
+        </a:spcBef>
+        <a:buFont typeface="Arial" panose="020B0604020202020204" pitchFamily="34" charset="0"/>
+        <a:buChar char="•"/>
+        <a:defRPr sz="2800" kern="1200">
+          <a:solidFill>
+            <a:schemeClr val="tx1"/>
+          </a:solidFill>
+          <a:latin typeface="+mn-lt"/>
+          <a:ea typeface="+mn-ea"/>
+          <a:cs typeface="+mn-cs"/>
+        </a:defRPr>
+      </a:lvl1pPr>
+      <a:lvl2pPr marL="685800" indent="-228600" algn="l" defTabSz="914400" rtl="0" eaLnBrk="1" latinLnBrk="0" hangingPunct="1">
+        <a:lnSpc>
+          <a:spcPct val="90000"/>
+        </a:lnSpc>
+        <a:spcBef>
+          <a:spcPts val="500"/>
+        </a:spcBef>
+        <a:buFont typeface="Arial" panose="020B0604020202020204" pitchFamily="34" charset="0"/>
+        <a:buChar char="•"/>
+        <a:defRPr sz="2400" kern="1200">
+          <a:solidFill>
+            <a:schemeClr val="tx1"/>
+          </a:solidFill>
+          <a:latin typeface="+mn-lt"/>
+          <a:ea typeface="+mn-ea"/>
+          <a:cs typeface="+mn-cs"/>
+        </a:defRPr>
+      </a:lvl2pPr>
+      <a:lvl3pPr marL="1143000" indent="-228600" algn="l" defTabSz="914400" rtl="0" eaLnBrk="1" latinLnBrk="0" hangingPunct="1">
+        <a:lnSpc>
+          <a:spcPct val="90000"/>
+        </a:lnSpc>
+        <a:spcBef>
+          <a:spcPts val="500"/>
+        </a:spcBef>
+        <a:buFont typeface="Arial" panose="020B0604020202020204" pitchFamily="34" charset="0"/>
+        <a:buChar char="•"/>
+        <a:defRPr sz="2000" kern="1200">
+          <a:solidFill>
+            <a:schemeClr val="tx1"/>
+          </a:solidFill>
+          <a:latin typeface="+mn-lt"/>
+          <a:ea typeface="+mn-ea"/>
+          <a:cs typeface="+mn-cs"/>
+        </a:defRPr>
+      </a:lvl3pPr>
+      <a:lvl4pPr marL="1600200" indent="-228600" algn="l" defTabSz="914400" rtl="0" eaLnBrk="1" latinLnBrk="0" hangingPunct="1">
+        <a:lnSpc>
+          <a:spcPct val="90000"/>
+        </a:lnSpc>
+        <a:spcBef>
+          <a:spcPts val="500"/>
+        </a:spcBef>
+        <a:buFont typeface="Arial" panose="020B0604020202020204" pitchFamily="34" charset="0"/>
+        <a:buChar char="•"/>
+        <a:defRPr sz="1800" kern="1200">
+          <a:solidFill>
+            <a:schemeClr val="tx1"/>
+          </a:solidFill>
+          <a:latin typeface="+mn-lt"/>
+          <a:ea typeface="+mn-ea"/>
+          <a:cs typeface="+mn-cs"/>
+        </a:defRPr>
+      </a:lvl4pPr>
+      <a:lvl5pPr marL="2057400" indent="-228600" algn="l" defTabSz="914400" rtl="0" eaLnBrk="1" latinLnBrk="0" hangingPunct="1">
+        <a:lnSpc>
+          <a:spcPct val="90000"/>
+        </a:lnSpc>
+        <a:spcBef>
+          <a:spcPts val="500"/>
+        </a:spcBef>
+        <a:buFont typeface="Arial" panose="020B0604020202020204" pitchFamily="34" charset="0"/>
+        <a:buChar char="•"/>
+        <a:defRPr sz="1800" kern="1200">
+          <a:solidFill>
+            <a:schemeClr val="tx1"/>
+          </a:solidFill>
+          <a:latin typeface="+mn-lt"/>
+          <a:ea typeface="+mn-ea"/>
+          <a:cs typeface="+mn-cs"/>
+        </a:defRPr>
+      </a:lvl5pPr>
+      <a:lvl6pPr marL="2514600" indent="-228600" algn="l" defTabSz="914400" rtl="0" eaLnBrk="1" latinLnBrk="0" hangingPunct="1">
+        <a:lnSpc>
+          <a:spcPct val="90000"/>
+        </a:lnSpc>
+        <a:spcBef>
+          <a:spcPts val="500"/>
+        </a:spcBef>
+        <a:buFont typeface="Arial" panose="020B0604020202020204" pitchFamily="34" charset="0"/>
+        <a:buChar char="•"/>
+        <a:defRPr sz="1800" kern="1200">
+          <a:solidFill>
+            <a:schemeClr val="tx1"/>
+          </a:solidFill>
+          <a:latin typeface="+mn-lt"/>
+          <a:ea typeface="+mn-ea"/>
+          <a:cs typeface="+mn-cs"/>
+        </a:defRPr>
+      </a:lvl6pPr>
+      <a:lvl7pPr marL="2971800" indent="-228600" algn="l" defTabSz="914400" rtl="0" eaLnBrk="1" latinLnBrk="0" hangingPunct="1">
+        <a:lnSpc>
+          <a:spcPct val="90000"/>
+        </a:lnSpc>
+        <a:spcBef>
+          <a:spcPts val="500"/>
+        </a:spcBef>
+        <a:buFont typeface="Arial" panose="020B0604020202020204" pitchFamily="34" charset="0"/>
+        <a:buChar char="•"/>
+        <a:defRPr sz="1800" kern="1200">
+          <a:solidFill>
+            <a:schemeClr val="tx1"/>
+          </a:solidFill>
+          <a:latin typeface="+mn-lt"/>
+          <a:ea typeface="+mn-ea"/>
+          <a:cs typeface="+mn-cs"/>
+        </a:defRPr>
+      </a:lvl7pPr>
+      <a:lvl8pPr marL="3429000" indent="-228600" algn="l" defTabSz="914400" rtl="0" eaLnBrk="1" latinLnBrk="0" hangingPunct="1">
+        <a:lnSpc>
+          <a:spcPct val="90000"/>
+        </a:lnSpc>
+        <a:spcBef>
+          <a:spcPts val="500"/>
+        </a:spcBef>
+        <a:buFont typeface="Arial" panose="020B0604020202020204" pitchFamily="34" charset="0"/>
+        <a:buChar char="•"/>
+        <a:defRPr sz="1800" kern="1200">
+          <a:solidFill>
+            <a:schemeClr val="tx1"/>
+          </a:solidFill>
+          <a:latin typeface="+mn-lt"/>
+          <a:ea typeface="+mn-ea"/>
+          <a:cs typeface="+mn-cs"/>
+        </a:defRPr>
+      </a:lvl8pPr>
+      <a:lvl9pPr marL="3886200" indent="-228600" algn="l" defTabSz="914400" rtl="0" eaLnBrk="1" latinLnBrk="0" hangingPunct="1">
+        <a:lnSpc>
+          <a:spcPct val="90000"/>
+        </a:lnSpc>
+        <a:spcBef>
+          <a:spcPts val="500"/>
+        </a:spcBef>
+        <a:buFont typeface="Arial" panose="020B0604020202020204" pitchFamily="34" charset="0"/>
+        <a:buChar char="•"/>
+        <a:defRPr sz="1800" kern="1200">
+          <a:solidFill>
+            <a:schemeClr val="tx1"/>
+          </a:solidFill>
+          <a:latin typeface="+mn-lt"/>
+          <a:ea typeface="+mn-ea"/>
+          <a:cs typeface="+mn-cs"/>
+        </a:defRPr>
+      </a:lvl9pPr>
+    </p:bodyStyle>
+    <p:otherStyle>
+      <a:defPPr>
+        <a:defRPr lang="en-US"/>
+      </a:defPPr>
+      <a:lvl1pPr marL="0" algn="l" defTabSz="914400" rtl="0" eaLnBrk="1" latinLnBrk="0" hangingPunct="1">
+        <a:defRPr sz="1800" kern="1200">
+          <a:solidFill>
+            <a:schemeClr val="tx1"/>
+          </a:solidFill>
+          <a:latin typeface="+mn-lt"/>
+          <a:ea typeface="+mn-ea"/>
+          <a:cs typeface="+mn-cs"/>
+        </a:defRPr>
+      </a:lvl1pPr>
+      <a:lvl2pPr marL="457200" algn="l" defTabSz="914400" rtl="0" eaLnBrk="1" latinLnBrk="0" hangingPunct="1">
+        <a:defRPr sz="1800" kern="1200">
+          <a:solidFill>
+            <a:schemeClr val="tx1"/>
+          </a:solidFill>
+          <a:latin typeface="+mn-lt"/>
+          <a:ea typeface="+mn-ea"/>
+          <a:cs typeface="+mn-cs"/>
+        </a:defRPr>
+      </a:lvl2pPr>
+      <a:lvl3pPr marL="914400" algn="l" defTabSz="914400" rtl="0" eaLnBrk="1" latinLnBrk="0" hangingPunct="1">
+        <a:defRPr sz="1800" kern="1200">
+          <a:solidFill>
+            <a:schemeClr val="tx1"/>
+          </a:solidFill>
+          <a:latin typeface="+mn-lt"/>
+          <a:ea typeface="+mn-ea"/>
+          <a:cs typeface="+mn-cs"/>
+        </a:defRPr>
+      </a:lvl3pPr>
+      <a:lvl4pPr marL="1371600" algn="l" defTabSz="914400" rtl="0" eaLnBrk="1" latinLnBrk="0" hangingPunct="1">
+        <a:defRPr sz="1800" kern="1200">
+          <a:solidFill>
+            <a:schemeClr val="tx1"/>
+          </a:solidFill>
+          <a:latin typeface="+mn-lt"/>
+          <a:ea typeface="+mn-ea"/>
+          <a:cs typeface="+mn-cs"/>
+        </a:defRPr>
+      </a:lvl4pPr>
+      <a:lvl5pPr marL="1828800" algn="l" defTabSz="914400" rtl="0" eaLnBrk="1" latinLnBrk="0" hangingPunct="1">
+        <a:defRPr sz="1800" kern="1200">
+          <a:solidFill>
+            <a:schemeClr val="tx1"/>
+          </a:solidFill>
+          <a:latin typeface="+mn-lt"/>
+          <a:ea typeface="+mn-ea"/>
+          <a:cs typeface="+mn-cs"/>
+        </a:defRPr>
+      </a:lvl5pPr>
+      <a:lvl6pPr marL="2286000" algn="l" defTabSz="914400" rtl="0" eaLnBrk="1" latinLnBrk="0" hangingPunct="1">
+        <a:defRPr sz="1800" kern="1200">
+          <a:solidFill>
+            <a:schemeClr val="tx1"/>
+          </a:solidFill>
+          <a:latin typeface="+mn-lt"/>
+          <a:ea typeface="+mn-ea"/>
+          <a:cs typeface="+mn-cs"/>
+        </a:defRPr>
+      </a:lvl6pPr>
+      <a:lvl7pPr marL="2743200" algn="l" defTabSz="914400" rtl="0" eaLnBrk="1" latinLnBrk="0" hangingPunct="1">
+        <a:defRPr sz="1800" kern="1200">
+          <a:solidFill>
+            <a:schemeClr val="tx1"/>
+          </a:solidFill>
+          <a:latin typeface="+mn-lt"/>
+          <a:ea typeface="+mn-ea"/>
+          <a:cs typeface="+mn-cs"/>
+        </a:defRPr>
+      </a:lvl7pPr>
+      <a:lvl8pPr marL="3200400" algn="l" defTabSz="914400" rtl="0" eaLnBrk="1" latinLnBrk="0" hangingPunct="1">
+        <a:defRPr sz="1800" kern="1200">
+          <a:solidFill>
+            <a:schemeClr val="tx1"/>
+          </a:solidFill>
+          <a:latin typeface="+mn-lt"/>
+          <a:ea typeface="+mn-ea"/>
+          <a:cs typeface="+mn-cs"/>
+        </a:defRPr>
+      </a:lvl8pPr>
+      <a:lvl9pPr marL="3657600" algn="l" defTabSz="914400" rtl="0" eaLnBrk="1" latinLnBrk="0" hangingPunct="1">
+        <a:defRPr sz="1800" kern="1200">
+          <a:solidFill>
+            <a:schemeClr val="tx1"/>
+          </a:solidFill>
+          <a:latin typeface="+mn-lt"/>
+          <a:ea typeface="+mn-ea"/>
+          <a:cs typeface="+mn-cs"/>
+        </a:defRPr>
+      </a:lvl9pPr>
+    </p:otherStyle>
+  </p:txStyles>
 </p:sldMaster>
 </file>
 
 <file path=ppt/slides/slide1.xml><?xml version="1.0" encoding="utf-8"?>
-<p:sld xmlns:a="http://schemas.openxmlformats.org/drawingml/2006/main" xmlns:p="http://schemas.openxmlformats.org/presentationml/2006/main" xmlns:r="http://schemas.openxmlformats.org/officeDocument/2006/relationships" xmlns:p14="http://schemas.microsoft.com/office/powerpoint/2010/main" xmlns:p15="http://schemas.microsoft.com/office/powerpoint/2012/main" xmlns:mc="http://schemas.openxmlformats.org/markup-compatibility/2006">
+<p:sld xmlns:a="http://schemas.openxmlformats.org/drawingml/2006/main" xmlns:r="http://schemas.openxmlformats.org/officeDocument/2006/relationships" xmlns:p="http://schemas.openxmlformats.org/presentationml/2006/main">
   <p:cSld>
     <p:spTree>
       <p:nvGrpSpPr>
@@ -5154,7 +6663,7 @@
         <p:spPr>
           <a:xfrm>
             <a:off x="1097280" y="758880"/>
-            <a:ext cx="10057320" cy="3565080"/>
+            <a:ext cx="10057680" cy="3565440"/>
           </a:xfrm>
           <a:prstGeom prst="rect">
             <a:avLst/>
@@ -5165,13 +6674,20 @@
           </a:ln>
         </p:spPr>
         <p:style>
-          <a:lnRef idx="0"/>
-          <a:fillRef idx="0"/>
-          <a:effectRef idx="0"/>
+          <a:lnRef idx="0">
+            <a:scrgbClr r="0" g="0" b="0"/>
+          </a:lnRef>
+          <a:fillRef idx="0">
+            <a:scrgbClr r="0" g="0" b="0"/>
+          </a:fillRef>
+          <a:effectRef idx="0">
+            <a:scrgbClr r="0" g="0" b="0"/>
+          </a:effectRef>
           <a:fontRef idx="minor"/>
         </p:style>
         <p:txBody>
-          <a:bodyPr lIns="90000" rIns="90000" tIns="45000" bIns="45000" anchor="b"/>
+          <a:bodyPr lIns="90000" tIns="45000" rIns="90000" bIns="45000" anchor="b"/>
+          <a:lstStyle/>
           <a:p>
             <a:pPr>
               <a:lnSpc>
@@ -5179,7 +6695,7 @@
               </a:lnSpc>
             </a:pPr>
             <a:r>
-              <a:rPr b="0" lang="en-US" sz="8000" spc="-43" strike="noStrike">
+              <a:rPr lang="en-US" sz="8000" b="0" strike="noStrike" spc="-46">
                 <a:solidFill>
                   <a:srgbClr val="262626"/>
                 </a:solidFill>
@@ -5188,7 +6704,7 @@
               </a:rPr>
               <a:t>Debugger</a:t>
             </a:r>
-            <a:endParaRPr b="0" lang="en-US" sz="8000" spc="-1" strike="noStrike">
+            <a:endParaRPr lang="en-US" sz="8000" b="0" strike="noStrike" spc="-1">
               <a:latin typeface="Arial"/>
             </a:endParaRPr>
           </a:p>
@@ -5203,7 +6719,7 @@
         <p:spPr>
           <a:xfrm>
             <a:off x="1100160" y="4455720"/>
-            <a:ext cx="10057320" cy="1141920"/>
+            <a:ext cx="10057680" cy="1142280"/>
           </a:xfrm>
           <a:prstGeom prst="rect">
             <a:avLst/>
@@ -5214,13 +6730,20 @@
           </a:ln>
         </p:spPr>
         <p:style>
-          <a:lnRef idx="0"/>
-          <a:fillRef idx="0"/>
-          <a:effectRef idx="0"/>
+          <a:lnRef idx="0">
+            <a:scrgbClr r="0" g="0" b="0"/>
+          </a:lnRef>
+          <a:fillRef idx="0">
+            <a:scrgbClr r="0" g="0" b="0"/>
+          </a:fillRef>
+          <a:effectRef idx="0">
+            <a:scrgbClr r="0" g="0" b="0"/>
+          </a:effectRef>
           <a:fontRef idx="minor"/>
         </p:style>
         <p:txBody>
-          <a:bodyPr lIns="90000" rIns="90000" tIns="45000" bIns="45000"/>
+          <a:bodyPr lIns="90000" tIns="45000" rIns="90000" bIns="45000"/>
+          <a:lstStyle/>
           <a:p>
             <a:pPr>
               <a:lnSpc>
@@ -5234,7 +6757,7 @@
               </a:spcAft>
             </a:pPr>
             <a:r>
-              <a:rPr b="0" lang="en-US" sz="2400" spc="194" strike="noStrike" cap="all">
+              <a:rPr lang="en-US" sz="2400" b="0" strike="noStrike" cap="all" spc="197">
                 <a:solidFill>
                   <a:srgbClr val="637052"/>
                 </a:solidFill>
@@ -5243,7 +6766,7 @@
               </a:rPr>
               <a:t>Banana Development Team</a:t>
             </a:r>
-            <a:endParaRPr b="0" lang="en-US" sz="2400" spc="-1" strike="noStrike">
+            <a:endParaRPr lang="en-US" sz="2400" b="0" strike="noStrike" spc="-1">
               <a:latin typeface="Arial"/>
             </a:endParaRPr>
           </a:p>
@@ -5251,19 +6774,19 @@
       </p:sp>
       <p:pic>
         <p:nvPicPr>
-          <p:cNvPr id="128" name="Picture 4" descr=""/>
+          <p:cNvPr id="128" name="Picture 4"/>
           <p:cNvPicPr/>
           <p:nvPr/>
         </p:nvPicPr>
         <p:blipFill>
-          <a:blip r:embed="rId1"/>
-          <a:srcRect l="0" t="0" r="0" b="4860"/>
+          <a:blip r:embed="rId2"/>
+          <a:srcRect b="4860"/>
           <a:stretch/>
         </p:blipFill>
         <p:spPr>
           <a:xfrm>
             <a:off x="10667880" y="274320"/>
-            <a:ext cx="1164960" cy="1260720"/>
+            <a:ext cx="1165320" cy="1261080"/>
           </a:xfrm>
           <a:prstGeom prst="rect">
             <a:avLst/>
@@ -5275,6 +6798,9 @@
       </p:pic>
     </p:spTree>
   </p:cSld>
+  <p:clrMapOvr>
+    <a:masterClrMapping/>
+  </p:clrMapOvr>
   <p:timing>
     <p:tnLst>
       <p:par>
@@ -5283,14 +6809,14 @@
             <p:seq>
               <p:cTn id="2" dur="indefinite" nodeType="mainSeq"/>
               <p:prevCondLst>
-                <p:cond delay="0" evt="onPrev">
+                <p:cond evt="onPrev" delay="0">
                   <p:tgtEl>
                     <p:sldTgt/>
                   </p:tgtEl>
                 </p:cond>
               </p:prevCondLst>
               <p:nextCondLst>
-                <p:cond delay="0" evt="onNext">
+                <p:cond evt="onNext" delay="0">
                   <p:tgtEl>
                     <p:sldTgt/>
                   </p:tgtEl>
@@ -5306,7 +6832,7 @@
 </file>
 
 <file path=ppt/slides/slide10.xml><?xml version="1.0" encoding="utf-8"?>
-<p:sld xmlns:a="http://schemas.openxmlformats.org/drawingml/2006/main" xmlns:p="http://schemas.openxmlformats.org/presentationml/2006/main" xmlns:r="http://schemas.openxmlformats.org/officeDocument/2006/relationships" xmlns:p14="http://schemas.microsoft.com/office/powerpoint/2010/main" xmlns:p15="http://schemas.microsoft.com/office/powerpoint/2012/main" xmlns:mc="http://schemas.openxmlformats.org/markup-compatibility/2006">
+<p:sld xmlns:a="http://schemas.openxmlformats.org/drawingml/2006/main" xmlns:r="http://schemas.openxmlformats.org/officeDocument/2006/relationships" xmlns:p="http://schemas.openxmlformats.org/presentationml/2006/main">
   <p:cSld>
     <p:spTree>
       <p:nvGrpSpPr>
@@ -5324,14 +6850,14 @@
       </p:grpSpPr>
       <p:sp>
         <p:nvSpPr>
-          <p:cNvPr id="152" name="CustomShape 1"/>
+          <p:cNvPr id="145" name="CustomShape 1"/>
           <p:cNvSpPr/>
           <p:nvPr/>
         </p:nvSpPr>
         <p:spPr>
           <a:xfrm>
-            <a:off x="1097280" y="286560"/>
-            <a:ext cx="10057320" cy="1449720"/>
+            <a:off x="1097280" y="700920"/>
+            <a:ext cx="10057680" cy="1036080"/>
           </a:xfrm>
           <a:prstGeom prst="rect">
             <a:avLst/>
@@ -5342,13 +6868,20 @@
           </a:ln>
         </p:spPr>
         <p:style>
-          <a:lnRef idx="0"/>
-          <a:fillRef idx="0"/>
-          <a:effectRef idx="0"/>
+          <a:lnRef idx="0">
+            <a:scrgbClr r="0" g="0" b="0"/>
+          </a:lnRef>
+          <a:fillRef idx="0">
+            <a:scrgbClr r="0" g="0" b="0"/>
+          </a:fillRef>
+          <a:effectRef idx="0">
+            <a:scrgbClr r="0" g="0" b="0"/>
+          </a:effectRef>
           <a:fontRef idx="minor"/>
         </p:style>
         <p:txBody>
-          <a:bodyPr lIns="0" rIns="0" tIns="0" bIns="0" anchor="ctr"/>
+          <a:bodyPr lIns="0" tIns="0" rIns="0" bIns="0"/>
+          <a:lstStyle/>
           <a:p>
             <a:pPr>
               <a:lnSpc>
@@ -5357,31 +6890,55 @@
             </a:pPr>
             <a:br/>
             <a:r>
-              <a:rPr b="0" lang="en-US" sz="4400" spc="-43" strike="noStrike">
+              <a:rPr lang="en-US" sz="4800" b="0" strike="noStrike" spc="-46">
                 <a:solidFill>
                   <a:srgbClr val="404040"/>
                 </a:solidFill>
                 <a:latin typeface="Calibri Light"/>
                 <a:ea typeface="Microsoft YaHei"/>
               </a:rPr>
-              <a:t>Blakely – Sound</a:t>
+              <a:t>Ben – Enemies</a:t>
             </a:r>
-            <a:endParaRPr b="0" lang="en-US" sz="4400" spc="-1" strike="noStrike">
-              <a:latin typeface="Arial"/>
-            </a:endParaRPr>
-          </a:p>
-        </p:txBody>
-      </p:sp>
-      <p:sp>
-        <p:nvSpPr>
-          <p:cNvPr id="153" name="CustomShape 2"/>
+            <a:endParaRPr lang="en-US" sz="4800" b="0" strike="noStrike" spc="-1">
+              <a:latin typeface="Arial"/>
+            </a:endParaRPr>
+          </a:p>
+        </p:txBody>
+      </p:sp>
+      <p:pic>
+        <p:nvPicPr>
+          <p:cNvPr id="146" name="Picture 4"/>
+          <p:cNvPicPr/>
+          <p:nvPr/>
+        </p:nvPicPr>
+        <p:blipFill>
+          <a:blip r:embed="rId2"/>
+          <a:srcRect b="4860"/>
+          <a:stretch/>
+        </p:blipFill>
+        <p:spPr>
+          <a:xfrm>
+            <a:off x="10667880" y="274320"/>
+            <a:ext cx="1165320" cy="1261080"/>
+          </a:xfrm>
+          <a:prstGeom prst="rect">
+            <a:avLst/>
+          </a:prstGeom>
+          <a:ln>
+            <a:noFill/>
+          </a:ln>
+        </p:spPr>
+      </p:pic>
+      <p:sp>
+        <p:nvSpPr>
+          <p:cNvPr id="147" name="CustomShape 2"/>
           <p:cNvSpPr/>
           <p:nvPr/>
         </p:nvSpPr>
         <p:spPr>
           <a:xfrm>
-            <a:off x="1097280" y="2121120"/>
-            <a:ext cx="10057320" cy="4022280"/>
+            <a:off x="1097640" y="1846080"/>
+            <a:ext cx="10057680" cy="4022640"/>
           </a:xfrm>
           <a:prstGeom prst="rect">
             <a:avLst/>
@@ -5392,15 +6949,24 @@
           </a:ln>
         </p:spPr>
         <p:style>
-          <a:lnRef idx="0"/>
-          <a:fillRef idx="0"/>
-          <a:effectRef idx="0"/>
+          <a:lnRef idx="0">
+            <a:scrgbClr r="0" g="0" b="0"/>
+          </a:lnRef>
+          <a:fillRef idx="0">
+            <a:scrgbClr r="0" g="0" b="0"/>
+          </a:fillRef>
+          <a:effectRef idx="0">
+            <a:scrgbClr r="0" g="0" b="0"/>
+          </a:effectRef>
           <a:fontRef idx="minor"/>
         </p:style>
         <p:txBody>
-          <a:bodyPr lIns="0" rIns="0" tIns="0" bIns="0" anchor="ctr"/>
-          <a:p>
-            <a:pPr marL="91440" indent="-90360">
+          <a:bodyPr lIns="0" tIns="45000" rIns="0" bIns="45000">
+            <a:normAutofit/>
+          </a:bodyPr>
+          <a:lstStyle/>
+          <a:p>
+            <a:pPr marL="91440" indent="-90720">
               <a:lnSpc>
                 <a:spcPct val="90000"/>
               </a:lnSpc>
@@ -5411,27 +6977,27 @@
                 <a:spcPts val="201"/>
               </a:spcAft>
               <a:buClr>
-                <a:srgbClr val="e48312"/>
+                <a:srgbClr val="E48312"/>
               </a:buClr>
               <a:buFont typeface="Arial"/>
               <a:buChar char="•"/>
             </a:pPr>
             <a:r>
-              <a:rPr b="0" lang="en-US" sz="2200" spc="-1" strike="noStrike">
+              <a:rPr lang="en-US" sz="2400" b="0" strike="noStrike" spc="-1">
                 <a:solidFill>
                   <a:srgbClr val="404040"/>
                 </a:solidFill>
                 <a:latin typeface="Calibri"/>
                 <a:ea typeface="DejaVu Sans"/>
               </a:rPr>
-              <a:t>Creating Sounds for levels and sound effects</a:t>
+              <a:t>Creating Enemies and releasing them into the playing field</a:t>
             </a:r>
-            <a:endParaRPr b="0" lang="en-US" sz="2200" spc="-1" strike="noStrike">
-              <a:latin typeface="Arial"/>
-            </a:endParaRPr>
-          </a:p>
-          <a:p>
-            <a:pPr marL="91440" indent="-90360">
+            <a:endParaRPr lang="en-US" sz="2400" b="0" strike="noStrike" spc="-1">
+              <a:latin typeface="Arial"/>
+            </a:endParaRPr>
+          </a:p>
+          <a:p>
+            <a:pPr marL="91440" indent="-90720">
               <a:lnSpc>
                 <a:spcPct val="90000"/>
               </a:lnSpc>
@@ -5442,27 +7008,27 @@
                 <a:spcPts val="201"/>
               </a:spcAft>
               <a:buClr>
-                <a:srgbClr val="e48312"/>
+                <a:srgbClr val="E48312"/>
               </a:buClr>
               <a:buFont typeface="Arial"/>
               <a:buChar char="•"/>
             </a:pPr>
             <a:r>
-              <a:rPr b="0" lang="en-US" sz="2200" spc="-1" strike="noStrike">
+              <a:rPr lang="en-US" sz="2400" b="0" strike="noStrike" spc="-1">
                 <a:solidFill>
                   <a:srgbClr val="404040"/>
                 </a:solidFill>
                 <a:latin typeface="Calibri"/>
                 <a:ea typeface="DejaVu Sans"/>
               </a:rPr>
-              <a:t>Coordinate with Luis on player sound effects</a:t>
+              <a:t>Coordinating with Josh on when to spawn enemies</a:t>
             </a:r>
-            <a:endParaRPr b="0" lang="en-US" sz="2200" spc="-1" strike="noStrike">
-              <a:latin typeface="Arial"/>
-            </a:endParaRPr>
-          </a:p>
-          <a:p>
-            <a:pPr marL="91440" indent="-90360">
+            <a:endParaRPr lang="en-US" sz="2400" b="0" strike="noStrike" spc="-1">
+              <a:latin typeface="Arial"/>
+            </a:endParaRPr>
+          </a:p>
+          <a:p>
+            <a:pPr marL="91440" indent="-90720">
               <a:lnSpc>
                 <a:spcPct val="90000"/>
               </a:lnSpc>
@@ -5473,27 +7039,27 @@
                 <a:spcPts val="201"/>
               </a:spcAft>
               <a:buClr>
-                <a:srgbClr val="e48312"/>
+                <a:srgbClr val="E48312"/>
               </a:buClr>
               <a:buFont typeface="Arial"/>
               <a:buChar char="•"/>
             </a:pPr>
             <a:r>
-              <a:rPr b="0" lang="en-US" sz="2200" spc="-1" strike="noStrike">
+              <a:rPr lang="en-US" sz="2400" b="0" strike="noStrike" spc="-1">
                 <a:solidFill>
                   <a:srgbClr val="404040"/>
                 </a:solidFill>
                 <a:latin typeface="Calibri"/>
                 <a:ea typeface="DejaVu Sans"/>
               </a:rPr>
-              <a:t>Coordinate with Ben on enemy sound effects</a:t>
+              <a:t>Making sure enemies advance and attack automatically</a:t>
             </a:r>
-            <a:endParaRPr b="0" lang="en-US" sz="2200" spc="-1" strike="noStrike">
-              <a:latin typeface="Arial"/>
-            </a:endParaRPr>
-          </a:p>
-          <a:p>
-            <a:pPr marL="91440" indent="-90360">
+            <a:endParaRPr lang="en-US" sz="2400" b="0" strike="noStrike" spc="-1">
+              <a:latin typeface="Arial"/>
+            </a:endParaRPr>
+          </a:p>
+          <a:p>
+            <a:pPr marL="91440" indent="-90720">
               <a:lnSpc>
                 <a:spcPct val="90000"/>
               </a:lnSpc>
@@ -5504,22 +7070,53 @@
                 <a:spcPts val="201"/>
               </a:spcAft>
               <a:buClr>
-                <a:srgbClr val="e48312"/>
+                <a:srgbClr val="E48312"/>
               </a:buClr>
               <a:buFont typeface="Arial"/>
               <a:buChar char="•"/>
             </a:pPr>
             <a:r>
-              <a:rPr b="0" lang="en-US" sz="2200" spc="-1" strike="noStrike">
+              <a:rPr lang="en-US" sz="2400" b="0" strike="noStrike" spc="-1">
                 <a:solidFill>
                   <a:srgbClr val="404040"/>
                 </a:solidFill>
                 <a:latin typeface="Calibri"/>
                 <a:ea typeface="DejaVu Sans"/>
               </a:rPr>
-              <a:t>Provide seamless timing between character trigger and sound effect</a:t>
+              <a:t>Making sure enemies can navigate around obstacles</a:t>
             </a:r>
-            <a:endParaRPr b="0" lang="en-US" sz="2200" spc="-1" strike="noStrike">
+            <a:endParaRPr lang="en-US" sz="2400" b="0" strike="noStrike" spc="-1">
+              <a:latin typeface="Arial"/>
+            </a:endParaRPr>
+          </a:p>
+          <a:p>
+            <a:pPr marL="91440" indent="-90720">
+              <a:lnSpc>
+                <a:spcPct val="90000"/>
+              </a:lnSpc>
+              <a:spcBef>
+                <a:spcPts val="1199"/>
+              </a:spcBef>
+              <a:spcAft>
+                <a:spcPts val="201"/>
+              </a:spcAft>
+              <a:buClr>
+                <a:srgbClr val="E48312"/>
+              </a:buClr>
+              <a:buFont typeface="Arial"/>
+              <a:buChar char="•"/>
+            </a:pPr>
+            <a:r>
+              <a:rPr lang="en-US" sz="2400" b="0" strike="noStrike" spc="-1">
+                <a:solidFill>
+                  <a:srgbClr val="404040"/>
+                </a:solidFill>
+                <a:latin typeface="Calibri"/>
+                <a:ea typeface="DejaVu Sans"/>
+              </a:rPr>
+              <a:t>Coordinating with Luis on interactions between enemies and the player character</a:t>
+            </a:r>
+            <a:endParaRPr lang="en-US" sz="2400" b="0" strike="noStrike" spc="-1">
               <a:latin typeface="Arial"/>
             </a:endParaRPr>
           </a:p>
@@ -5535,7 +7132,7 @@
                 <a:spcPts val="201"/>
               </a:spcAft>
             </a:pPr>
-            <a:endParaRPr b="0" lang="en-US" sz="2200" spc="-1" strike="noStrike">
+            <a:endParaRPr lang="en-US" sz="2400" b="0" strike="noStrike" spc="-1">
               <a:latin typeface="Arial"/>
             </a:endParaRPr>
           </a:p>
@@ -5551,12 +7148,12 @@
                 <a:spcPts val="201"/>
               </a:spcAft>
             </a:pPr>
-            <a:endParaRPr b="0" lang="en-US" sz="2200" spc="-1" strike="noStrike">
-              <a:latin typeface="Arial"/>
-            </a:endParaRPr>
-          </a:p>
-          <a:p>
-            <a:pPr marL="91440" indent="-90360">
+            <a:endParaRPr lang="en-US" sz="2400" b="0" strike="noStrike" spc="-1">
+              <a:latin typeface="Arial"/>
+            </a:endParaRPr>
+          </a:p>
+          <a:p>
+            <a:pPr marL="91440" indent="-90720">
               <a:lnSpc>
                 <a:spcPct val="90000"/>
               </a:lnSpc>
@@ -5567,13 +7164,13 @@
                 <a:spcPts val="201"/>
               </a:spcAft>
               <a:buClr>
-                <a:srgbClr val="e48312"/>
+                <a:srgbClr val="E48312"/>
               </a:buClr>
               <a:buFont typeface="Arial"/>
               <a:buChar char="•"/>
             </a:pPr>
             <a:r>
-              <a:rPr b="0" lang="en-US" sz="2200" spc="-1" strike="noStrike">
+              <a:rPr lang="en-US" sz="2400" b="0" strike="noStrike" spc="-1">
                 <a:solidFill>
                   <a:srgbClr val="404040"/>
                 </a:solidFill>
@@ -5582,12 +7179,12 @@
               </a:rPr>
               <a:t>Priority level: 3 </a:t>
             </a:r>
-            <a:endParaRPr b="0" lang="en-US" sz="2200" spc="-1" strike="noStrike">
-              <a:latin typeface="Arial"/>
-            </a:endParaRPr>
-          </a:p>
-          <a:p>
-            <a:pPr marL="91440" indent="-90360">
+            <a:endParaRPr lang="en-US" sz="2400" b="0" strike="noStrike" spc="-1">
+              <a:latin typeface="Arial"/>
+            </a:endParaRPr>
+          </a:p>
+          <a:p>
+            <a:pPr marL="91440" indent="-90720">
               <a:lnSpc>
                 <a:spcPct val="90000"/>
               </a:lnSpc>
@@ -5598,13 +7195,13 @@
                 <a:spcPts val="201"/>
               </a:spcAft>
               <a:buClr>
-                <a:srgbClr val="e48312"/>
+                <a:srgbClr val="E48312"/>
               </a:buClr>
               <a:buFont typeface="Arial"/>
               <a:buChar char="•"/>
             </a:pPr>
             <a:r>
-              <a:rPr b="0" lang="en-US" sz="2200" spc="-1" strike="noStrike">
+              <a:rPr lang="en-US" sz="2400" b="0" strike="noStrike" spc="-1">
                 <a:solidFill>
                   <a:srgbClr val="404040"/>
                 </a:solidFill>
@@ -5613,67 +7210,33 @@
               </a:rPr>
               <a:t>Complexity: Moderate</a:t>
             </a:r>
-            <a:endParaRPr b="0" lang="en-US" sz="2200" spc="-1" strike="noStrike">
-              <a:latin typeface="Arial"/>
-            </a:endParaRPr>
-          </a:p>
-          <a:p>
-            <a:pPr>
-              <a:lnSpc>
-                <a:spcPct val="90000"/>
-              </a:lnSpc>
-              <a:spcBef>
-                <a:spcPts val="1001"/>
-              </a:spcBef>
-            </a:pPr>
-            <a:endParaRPr b="0" lang="en-US" sz="2200" spc="-1" strike="noStrike">
-              <a:latin typeface="Arial"/>
-            </a:endParaRPr>
-          </a:p>
-        </p:txBody>
-      </p:sp>
-      <p:pic>
-        <p:nvPicPr>
-          <p:cNvPr id="154" name="Picture 4" descr=""/>
-          <p:cNvPicPr/>
-          <p:nvPr/>
-        </p:nvPicPr>
-        <p:blipFill>
-          <a:blip r:embed="rId1"/>
-          <a:srcRect l="0" t="0" r="0" b="4860"/>
-          <a:stretch/>
-        </p:blipFill>
-        <p:spPr>
-          <a:xfrm>
-            <a:off x="10667880" y="274320"/>
-            <a:ext cx="1164960" cy="1260720"/>
-          </a:xfrm>
-          <a:prstGeom prst="rect">
-            <a:avLst/>
-          </a:prstGeom>
-          <a:ln>
-            <a:noFill/>
-          </a:ln>
-        </p:spPr>
-      </p:pic>
+            <a:endParaRPr lang="en-US" sz="2400" b="0" strike="noStrike" spc="-1">
+              <a:latin typeface="Arial"/>
+            </a:endParaRPr>
+          </a:p>
+        </p:txBody>
+      </p:sp>
     </p:spTree>
   </p:cSld>
+  <p:clrMapOvr>
+    <a:masterClrMapping/>
+  </p:clrMapOvr>
   <p:timing>
     <p:tnLst>
       <p:par>
-        <p:cTn id="19" dur="indefinite" restart="never" nodeType="tmRoot">
+        <p:cTn id="1" dur="indefinite" restart="never" nodeType="tmRoot">
           <p:childTnLst>
             <p:seq>
-              <p:cTn id="20" dur="indefinite" nodeType="mainSeq"/>
+              <p:cTn id="2" dur="indefinite" nodeType="mainSeq"/>
               <p:prevCondLst>
-                <p:cond delay="0" evt="onPrev">
+                <p:cond evt="onPrev" delay="0">
                   <p:tgtEl>
                     <p:sldTgt/>
                   </p:tgtEl>
                 </p:cond>
               </p:prevCondLst>
               <p:nextCondLst>
-                <p:cond delay="0" evt="onNext">
+                <p:cond evt="onNext" delay="0">
                   <p:tgtEl>
                     <p:sldTgt/>
                   </p:tgtEl>
@@ -5689,7 +7252,7 @@
 </file>
 
 <file path=ppt/slides/slide11.xml><?xml version="1.0" encoding="utf-8"?>
-<p:sld xmlns:a="http://schemas.openxmlformats.org/drawingml/2006/main" xmlns:p="http://schemas.openxmlformats.org/presentationml/2006/main" xmlns:r="http://schemas.openxmlformats.org/officeDocument/2006/relationships" xmlns:p14="http://schemas.microsoft.com/office/powerpoint/2010/main" xmlns:p15="http://schemas.microsoft.com/office/powerpoint/2012/main" xmlns:mc="http://schemas.openxmlformats.org/markup-compatibility/2006">
+<p:sld xmlns:a="http://schemas.openxmlformats.org/drawingml/2006/main" xmlns:r="http://schemas.openxmlformats.org/officeDocument/2006/relationships" xmlns:p="http://schemas.openxmlformats.org/presentationml/2006/main">
   <p:cSld>
     <p:spTree>
       <p:nvGrpSpPr>
@@ -5707,14 +7270,14 @@
       </p:grpSpPr>
       <p:sp>
         <p:nvSpPr>
-          <p:cNvPr id="155" name="CustomShape 1"/>
+          <p:cNvPr id="148" name="CustomShape 1"/>
           <p:cNvSpPr/>
           <p:nvPr/>
         </p:nvSpPr>
         <p:spPr>
           <a:xfrm>
             <a:off x="1097280" y="286560"/>
-            <a:ext cx="10057320" cy="1449720"/>
+            <a:ext cx="10057680" cy="1450080"/>
           </a:xfrm>
           <a:prstGeom prst="rect">
             <a:avLst/>
@@ -5725,13 +7288,575 @@
           </a:ln>
         </p:spPr>
         <p:style>
-          <a:lnRef idx="0"/>
-          <a:fillRef idx="0"/>
-          <a:effectRef idx="0"/>
+          <a:lnRef idx="0">
+            <a:scrgbClr r="0" g="0" b="0"/>
+          </a:lnRef>
+          <a:fillRef idx="0">
+            <a:scrgbClr r="0" g="0" b="0"/>
+          </a:fillRef>
+          <a:effectRef idx="0">
+            <a:scrgbClr r="0" g="0" b="0"/>
+          </a:effectRef>
           <a:fontRef idx="minor"/>
         </p:style>
-        <p:txBody>
-          <a:bodyPr lIns="0" rIns="0" tIns="0" bIns="0" anchor="ctr"/>
+      </p:sp>
+      <p:pic>
+        <p:nvPicPr>
+          <p:cNvPr id="149" name="Picture 4"/>
+          <p:cNvPicPr/>
+          <p:nvPr/>
+        </p:nvPicPr>
+        <p:blipFill>
+          <a:blip r:embed="rId2"/>
+          <a:srcRect b="4860"/>
+          <a:stretch/>
+        </p:blipFill>
+        <p:spPr>
+          <a:xfrm>
+            <a:off x="10667880" y="274320"/>
+            <a:ext cx="1165320" cy="1261080"/>
+          </a:xfrm>
+          <a:prstGeom prst="rect">
+            <a:avLst/>
+          </a:prstGeom>
+          <a:ln>
+            <a:noFill/>
+          </a:ln>
+        </p:spPr>
+      </p:pic>
+      <p:sp>
+        <p:nvSpPr>
+          <p:cNvPr id="150" name="CustomShape 2"/>
+          <p:cNvSpPr/>
+          <p:nvPr/>
+        </p:nvSpPr>
+        <p:spPr>
+          <a:xfrm>
+            <a:off x="1097280" y="700920"/>
+            <a:ext cx="10057680" cy="1036080"/>
+          </a:xfrm>
+          <a:prstGeom prst="rect">
+            <a:avLst/>
+          </a:prstGeom>
+          <a:noFill/>
+          <a:ln>
+            <a:noFill/>
+          </a:ln>
+        </p:spPr>
+        <p:style>
+          <a:lnRef idx="0">
+            <a:scrgbClr r="0" g="0" b="0"/>
+          </a:lnRef>
+          <a:fillRef idx="0">
+            <a:scrgbClr r="0" g="0" b="0"/>
+          </a:fillRef>
+          <a:effectRef idx="0">
+            <a:scrgbClr r="0" g="0" b="0"/>
+          </a:effectRef>
+          <a:fontRef idx="minor"/>
+        </p:style>
+        <p:txBody>
+          <a:bodyPr lIns="0" tIns="0" rIns="0" bIns="0"/>
+          <a:lstStyle/>
+          <a:p>
+            <a:pPr>
+              <a:lnSpc>
+                <a:spcPct val="85000"/>
+              </a:lnSpc>
+            </a:pPr>
+            <a:br/>
+            <a:r>
+              <a:rPr lang="en-US" sz="4800" b="0" strike="noStrike" spc="-46">
+                <a:solidFill>
+                  <a:srgbClr val="404040"/>
+                </a:solidFill>
+                <a:latin typeface="Calibri Light"/>
+                <a:ea typeface="Microsoft YaHei"/>
+              </a:rPr>
+              <a:t>Use case – Dmaging enemies</a:t>
+            </a:r>
+            <a:endParaRPr lang="en-US" sz="4800" b="0" strike="noStrike" spc="-1">
+              <a:latin typeface="Arial"/>
+            </a:endParaRPr>
+          </a:p>
+        </p:txBody>
+      </p:sp>
+      <p:pic>
+        <p:nvPicPr>
+          <p:cNvPr id="151" name="Picture 150"/>
+          <p:cNvPicPr/>
+          <p:nvPr/>
+        </p:nvPicPr>
+        <p:blipFill>
+          <a:blip r:embed="rId3"/>
+          <a:stretch/>
+        </p:blipFill>
+        <p:spPr>
+          <a:xfrm>
+            <a:off x="2377440" y="1828800"/>
+            <a:ext cx="7132320" cy="4404600"/>
+          </a:xfrm>
+          <a:prstGeom prst="rect">
+            <a:avLst/>
+          </a:prstGeom>
+          <a:ln>
+            <a:noFill/>
+          </a:ln>
+        </p:spPr>
+      </p:pic>
+    </p:spTree>
+  </p:cSld>
+  <p:clrMapOvr>
+    <a:masterClrMapping/>
+  </p:clrMapOvr>
+  <p:timing>
+    <p:tnLst>
+      <p:par>
+        <p:cTn id="1" dur="indefinite" restart="never" nodeType="tmRoot">
+          <p:childTnLst>
+            <p:seq>
+              <p:cTn id="2" dur="indefinite" nodeType="mainSeq"/>
+              <p:prevCondLst>
+                <p:cond evt="onPrev" delay="0">
+                  <p:tgtEl>
+                    <p:sldTgt/>
+                  </p:tgtEl>
+                </p:cond>
+              </p:prevCondLst>
+              <p:nextCondLst>
+                <p:cond evt="onNext" delay="0">
+                  <p:tgtEl>
+                    <p:sldTgt/>
+                  </p:tgtEl>
+                </p:cond>
+              </p:nextCondLst>
+            </p:seq>
+          </p:childTnLst>
+        </p:cTn>
+      </p:par>
+    </p:tnLst>
+  </p:timing>
+</p:sld>
+</file>
+
+<file path=ppt/slides/slide12.xml><?xml version="1.0" encoding="utf-8"?>
+<p:sld xmlns:a="http://schemas.openxmlformats.org/drawingml/2006/main" xmlns:r="http://schemas.openxmlformats.org/officeDocument/2006/relationships" xmlns:p="http://schemas.openxmlformats.org/presentationml/2006/main">
+  <p:cSld>
+    <p:spTree>
+      <p:nvGrpSpPr>
+        <p:cNvPr id="1" name=""/>
+        <p:cNvGrpSpPr/>
+        <p:nvPr/>
+      </p:nvGrpSpPr>
+      <p:grpSpPr>
+        <a:xfrm>
+          <a:off x="0" y="0"/>
+          <a:ext cx="0" cy="0"/>
+          <a:chOff x="0" y="0"/>
+          <a:chExt cx="0" cy="0"/>
+        </a:xfrm>
+      </p:grpSpPr>
+      <p:sp>
+        <p:nvSpPr>
+          <p:cNvPr id="152" name="TextShape 1"/>
+          <p:cNvSpPr txBox="1"/>
+          <p:nvPr/>
+        </p:nvSpPr>
+        <p:spPr>
+          <a:xfrm>
+            <a:off x="1097280" y="286560"/>
+            <a:ext cx="10057680" cy="1450080"/>
+          </a:xfrm>
+          <a:prstGeom prst="rect">
+            <a:avLst/>
+          </a:prstGeom>
+          <a:noFill/>
+          <a:ln>
+            <a:noFill/>
+          </a:ln>
+        </p:spPr>
+        <p:txBody>
+          <a:bodyPr lIns="0" tIns="0" rIns="0" bIns="0" anchor="ctr"/>
+          <a:lstStyle/>
+          <a:p>
+            <a:pPr>
+              <a:lnSpc>
+                <a:spcPct val="85000"/>
+              </a:lnSpc>
+            </a:pPr>
+            <a:br/>
+            <a:r>
+              <a:rPr lang="en-US" sz="4400" b="0" strike="noStrike" spc="-46">
+                <a:solidFill>
+                  <a:srgbClr val="404040"/>
+                </a:solidFill>
+                <a:latin typeface="Calibri Light"/>
+                <a:ea typeface="Microsoft YaHei"/>
+              </a:rPr>
+              <a:t>Blakely – Sound</a:t>
+            </a:r>
+            <a:endParaRPr lang="en-US" sz="4400" b="0" strike="noStrike" spc="-1">
+              <a:solidFill>
+                <a:srgbClr val="000000"/>
+              </a:solidFill>
+              <a:latin typeface="Arial"/>
+            </a:endParaRPr>
+          </a:p>
+        </p:txBody>
+      </p:sp>
+      <p:sp>
+        <p:nvSpPr>
+          <p:cNvPr id="153" name="TextShape 2"/>
+          <p:cNvSpPr txBox="1"/>
+          <p:nvPr/>
+        </p:nvSpPr>
+        <p:spPr>
+          <a:xfrm>
+            <a:off x="1097280" y="2121120"/>
+            <a:ext cx="10057680" cy="4022640"/>
+          </a:xfrm>
+          <a:prstGeom prst="rect">
+            <a:avLst/>
+          </a:prstGeom>
+          <a:noFill/>
+          <a:ln>
+            <a:noFill/>
+          </a:ln>
+        </p:spPr>
+        <p:txBody>
+          <a:bodyPr lIns="0" tIns="0" rIns="0" bIns="0" anchor="ctr"/>
+          <a:lstStyle/>
+          <a:p>
+            <a:pPr marL="91440" indent="-90720">
+              <a:lnSpc>
+                <a:spcPct val="90000"/>
+              </a:lnSpc>
+              <a:spcBef>
+                <a:spcPts val="1199"/>
+              </a:spcBef>
+              <a:spcAft>
+                <a:spcPts val="201"/>
+              </a:spcAft>
+              <a:buClr>
+                <a:srgbClr val="E48312"/>
+              </a:buClr>
+              <a:buFont typeface="Arial"/>
+              <a:buChar char="•"/>
+            </a:pPr>
+            <a:r>
+              <a:rPr lang="en-US" sz="2200" b="0" strike="noStrike" spc="-1">
+                <a:solidFill>
+                  <a:srgbClr val="404040"/>
+                </a:solidFill>
+                <a:latin typeface="Calibri"/>
+                <a:ea typeface="DejaVu Sans"/>
+              </a:rPr>
+              <a:t>Creating Sounds for levels and sound effects</a:t>
+            </a:r>
+            <a:endParaRPr lang="en-US" sz="2200" b="0" strike="noStrike" spc="-1">
+              <a:latin typeface="Arial"/>
+            </a:endParaRPr>
+          </a:p>
+          <a:p>
+            <a:pPr marL="91440" indent="-90720">
+              <a:lnSpc>
+                <a:spcPct val="90000"/>
+              </a:lnSpc>
+              <a:spcBef>
+                <a:spcPts val="1199"/>
+              </a:spcBef>
+              <a:spcAft>
+                <a:spcPts val="201"/>
+              </a:spcAft>
+              <a:buClr>
+                <a:srgbClr val="E48312"/>
+              </a:buClr>
+              <a:buFont typeface="Arial"/>
+              <a:buChar char="•"/>
+            </a:pPr>
+            <a:r>
+              <a:rPr lang="en-US" sz="2200" b="0" strike="noStrike" spc="-1">
+                <a:solidFill>
+                  <a:srgbClr val="404040"/>
+                </a:solidFill>
+                <a:latin typeface="Calibri"/>
+                <a:ea typeface="DejaVu Sans"/>
+              </a:rPr>
+              <a:t>Coordinate with Luis on player sound effects</a:t>
+            </a:r>
+            <a:endParaRPr lang="en-US" sz="2200" b="0" strike="noStrike" spc="-1">
+              <a:latin typeface="Arial"/>
+            </a:endParaRPr>
+          </a:p>
+          <a:p>
+            <a:pPr marL="91440" indent="-90720">
+              <a:lnSpc>
+                <a:spcPct val="90000"/>
+              </a:lnSpc>
+              <a:spcBef>
+                <a:spcPts val="1199"/>
+              </a:spcBef>
+              <a:spcAft>
+                <a:spcPts val="201"/>
+              </a:spcAft>
+              <a:buClr>
+                <a:srgbClr val="E48312"/>
+              </a:buClr>
+              <a:buFont typeface="Arial"/>
+              <a:buChar char="•"/>
+            </a:pPr>
+            <a:r>
+              <a:rPr lang="en-US" sz="2200" b="0" strike="noStrike" spc="-1">
+                <a:solidFill>
+                  <a:srgbClr val="404040"/>
+                </a:solidFill>
+                <a:latin typeface="Calibri"/>
+                <a:ea typeface="DejaVu Sans"/>
+              </a:rPr>
+              <a:t>Coordinate with Ben on enemy sound effects</a:t>
+            </a:r>
+            <a:endParaRPr lang="en-US" sz="2200" b="0" strike="noStrike" spc="-1">
+              <a:latin typeface="Arial"/>
+            </a:endParaRPr>
+          </a:p>
+          <a:p>
+            <a:pPr marL="91440" indent="-90720">
+              <a:lnSpc>
+                <a:spcPct val="90000"/>
+              </a:lnSpc>
+              <a:spcBef>
+                <a:spcPts val="1199"/>
+              </a:spcBef>
+              <a:spcAft>
+                <a:spcPts val="201"/>
+              </a:spcAft>
+              <a:buClr>
+                <a:srgbClr val="E48312"/>
+              </a:buClr>
+              <a:buFont typeface="Arial"/>
+              <a:buChar char="•"/>
+            </a:pPr>
+            <a:r>
+              <a:rPr lang="en-US" sz="2200" b="0" strike="noStrike" spc="-1">
+                <a:solidFill>
+                  <a:srgbClr val="404040"/>
+                </a:solidFill>
+                <a:latin typeface="Calibri"/>
+                <a:ea typeface="DejaVu Sans"/>
+              </a:rPr>
+              <a:t>Provide seamless timing between character trigger and sound effect</a:t>
+            </a:r>
+            <a:endParaRPr lang="en-US" sz="2200" b="0" strike="noStrike" spc="-1">
+              <a:latin typeface="Arial"/>
+            </a:endParaRPr>
+          </a:p>
+          <a:p>
+            <a:pPr>
+              <a:lnSpc>
+                <a:spcPct val="90000"/>
+              </a:lnSpc>
+              <a:spcBef>
+                <a:spcPts val="1199"/>
+              </a:spcBef>
+              <a:spcAft>
+                <a:spcPts val="201"/>
+              </a:spcAft>
+            </a:pPr>
+            <a:endParaRPr lang="en-US" sz="2200" b="0" strike="noStrike" spc="-1">
+              <a:latin typeface="Arial"/>
+            </a:endParaRPr>
+          </a:p>
+          <a:p>
+            <a:pPr>
+              <a:lnSpc>
+                <a:spcPct val="90000"/>
+              </a:lnSpc>
+              <a:spcBef>
+                <a:spcPts val="1199"/>
+              </a:spcBef>
+              <a:spcAft>
+                <a:spcPts val="201"/>
+              </a:spcAft>
+            </a:pPr>
+            <a:endParaRPr lang="en-US" sz="2200" b="0" strike="noStrike" spc="-1">
+              <a:latin typeface="Arial"/>
+            </a:endParaRPr>
+          </a:p>
+          <a:p>
+            <a:pPr marL="91440" indent="-90720">
+              <a:lnSpc>
+                <a:spcPct val="90000"/>
+              </a:lnSpc>
+              <a:spcBef>
+                <a:spcPts val="1199"/>
+              </a:spcBef>
+              <a:spcAft>
+                <a:spcPts val="201"/>
+              </a:spcAft>
+              <a:buClr>
+                <a:srgbClr val="E48312"/>
+              </a:buClr>
+              <a:buFont typeface="Arial"/>
+              <a:buChar char="•"/>
+            </a:pPr>
+            <a:r>
+              <a:rPr lang="en-US" sz="2200" b="0" strike="noStrike" spc="-1">
+                <a:solidFill>
+                  <a:srgbClr val="404040"/>
+                </a:solidFill>
+                <a:latin typeface="Calibri"/>
+                <a:ea typeface="DejaVu Sans"/>
+              </a:rPr>
+              <a:t>Priority level: 3 </a:t>
+            </a:r>
+            <a:endParaRPr lang="en-US" sz="2200" b="0" strike="noStrike" spc="-1">
+              <a:latin typeface="Arial"/>
+            </a:endParaRPr>
+          </a:p>
+          <a:p>
+            <a:pPr marL="91440" indent="-90720">
+              <a:lnSpc>
+                <a:spcPct val="90000"/>
+              </a:lnSpc>
+              <a:spcBef>
+                <a:spcPts val="1199"/>
+              </a:spcBef>
+              <a:spcAft>
+                <a:spcPts val="201"/>
+              </a:spcAft>
+              <a:buClr>
+                <a:srgbClr val="E48312"/>
+              </a:buClr>
+              <a:buFont typeface="Arial"/>
+              <a:buChar char="•"/>
+            </a:pPr>
+            <a:r>
+              <a:rPr lang="en-US" sz="2200" b="0" strike="noStrike" spc="-1">
+                <a:solidFill>
+                  <a:srgbClr val="404040"/>
+                </a:solidFill>
+                <a:latin typeface="Calibri"/>
+                <a:ea typeface="DejaVu Sans"/>
+              </a:rPr>
+              <a:t>Complexity: Moderate</a:t>
+            </a:r>
+            <a:endParaRPr lang="en-US" sz="2200" b="0" strike="noStrike" spc="-1">
+              <a:latin typeface="Arial"/>
+            </a:endParaRPr>
+          </a:p>
+          <a:p>
+            <a:pPr>
+              <a:lnSpc>
+                <a:spcPct val="90000"/>
+              </a:lnSpc>
+              <a:spcBef>
+                <a:spcPts val="1001"/>
+              </a:spcBef>
+            </a:pPr>
+            <a:endParaRPr lang="en-US" sz="2200" b="0" strike="noStrike" spc="-1">
+              <a:latin typeface="Arial"/>
+            </a:endParaRPr>
+          </a:p>
+        </p:txBody>
+      </p:sp>
+      <p:pic>
+        <p:nvPicPr>
+          <p:cNvPr id="154" name="Picture 4"/>
+          <p:cNvPicPr/>
+          <p:nvPr/>
+        </p:nvPicPr>
+        <p:blipFill>
+          <a:blip r:embed="rId2"/>
+          <a:srcRect b="4860"/>
+          <a:stretch/>
+        </p:blipFill>
+        <p:spPr>
+          <a:xfrm>
+            <a:off x="10667880" y="274320"/>
+            <a:ext cx="1165320" cy="1261080"/>
+          </a:xfrm>
+          <a:prstGeom prst="rect">
+            <a:avLst/>
+          </a:prstGeom>
+          <a:ln>
+            <a:noFill/>
+          </a:ln>
+        </p:spPr>
+      </p:pic>
+    </p:spTree>
+  </p:cSld>
+  <p:clrMapOvr>
+    <a:masterClrMapping/>
+  </p:clrMapOvr>
+  <p:timing>
+    <p:tnLst>
+      <p:par>
+        <p:cTn id="1" dur="indefinite" restart="never" nodeType="tmRoot">
+          <p:childTnLst>
+            <p:seq>
+              <p:cTn id="2" dur="indefinite" nodeType="mainSeq"/>
+              <p:prevCondLst>
+                <p:cond evt="onPrev" delay="0">
+                  <p:tgtEl>
+                    <p:sldTgt/>
+                  </p:tgtEl>
+                </p:cond>
+              </p:prevCondLst>
+              <p:nextCondLst>
+                <p:cond evt="onNext" delay="0">
+                  <p:tgtEl>
+                    <p:sldTgt/>
+                  </p:tgtEl>
+                </p:cond>
+              </p:nextCondLst>
+            </p:seq>
+          </p:childTnLst>
+        </p:cTn>
+      </p:par>
+    </p:tnLst>
+  </p:timing>
+</p:sld>
+</file>
+
+<file path=ppt/slides/slide13.xml><?xml version="1.0" encoding="utf-8"?>
+<p:sld xmlns:a="http://schemas.openxmlformats.org/drawingml/2006/main" xmlns:r="http://schemas.openxmlformats.org/officeDocument/2006/relationships" xmlns:p="http://schemas.openxmlformats.org/presentationml/2006/main">
+  <p:cSld>
+    <p:spTree>
+      <p:nvGrpSpPr>
+        <p:cNvPr id="1" name=""/>
+        <p:cNvGrpSpPr/>
+        <p:nvPr/>
+      </p:nvGrpSpPr>
+      <p:grpSpPr>
+        <a:xfrm>
+          <a:off x="0" y="0"/>
+          <a:ext cx="0" cy="0"/>
+          <a:chOff x="0" y="0"/>
+          <a:chExt cx="0" cy="0"/>
+        </a:xfrm>
+      </p:grpSpPr>
+      <p:sp>
+        <p:nvSpPr>
+          <p:cNvPr id="155" name="TextShape 1"/>
+          <p:cNvSpPr txBox="1"/>
+          <p:nvPr/>
+        </p:nvSpPr>
+        <p:spPr>
+          <a:xfrm>
+            <a:off x="1097280" y="286560"/>
+            <a:ext cx="10057680" cy="1450080"/>
+          </a:xfrm>
+          <a:prstGeom prst="rect">
+            <a:avLst/>
+          </a:prstGeom>
+          <a:noFill/>
+          <a:ln>
+            <a:noFill/>
+          </a:ln>
+        </p:spPr>
+        <p:txBody>
+          <a:bodyPr lIns="0" tIns="0" rIns="0" bIns="0" anchor="ctr"/>
+          <a:lstStyle/>
           <a:p>
             <a:pPr>
               <a:lnSpc>
@@ -5741,7 +7866,7 @@
             <a:br/>
             <a:br/>
             <a:r>
-              <a:rPr b="0" lang="en-US" sz="4400" spc="-43" strike="noStrike">
+              <a:rPr lang="en-US" sz="4400" b="0" strike="noStrike" spc="-46">
                 <a:solidFill>
                   <a:srgbClr val="404040"/>
                 </a:solidFill>
@@ -5751,7 +7876,10 @@
               <a:t>Sound Design – Use Case Diagram</a:t>
             </a:r>
             <a:br/>
-            <a:endParaRPr b="0" lang="en-US" sz="4400" spc="-1" strike="noStrike">
+            <a:endParaRPr lang="en-US" sz="4400" b="0" strike="noStrike" spc="-1">
+              <a:solidFill>
+                <a:srgbClr val="000000"/>
+              </a:solidFill>
               <a:latin typeface="Arial"/>
             </a:endParaRPr>
           </a:p>
@@ -5759,43 +7887,19 @@
       </p:sp>
       <p:pic>
         <p:nvPicPr>
-          <p:cNvPr id="156" name="Picture 4" descr=""/>
-          <p:cNvPicPr/>
-          <p:nvPr/>
-        </p:nvPicPr>
-        <p:blipFill>
-          <a:blip r:embed="rId1"/>
-          <a:srcRect l="0" t="0" r="0" b="4860"/>
-          <a:stretch/>
-        </p:blipFill>
-        <p:spPr>
-          <a:xfrm>
-            <a:off x="10667880" y="274320"/>
-            <a:ext cx="1164960" cy="1260720"/>
-          </a:xfrm>
-          <a:prstGeom prst="rect">
-            <a:avLst/>
-          </a:prstGeom>
-          <a:ln>
-            <a:noFill/>
-          </a:ln>
-        </p:spPr>
-      </p:pic>
-      <p:pic>
-        <p:nvPicPr>
-          <p:cNvPr id="157" name="Picture 5" descr=""/>
+          <p:cNvPr id="156" name="Picture 4"/>
           <p:cNvPicPr/>
           <p:nvPr/>
         </p:nvPicPr>
         <p:blipFill>
           <a:blip r:embed="rId2"/>
-          <a:srcRect l="0" t="4713" r="0" b="4404"/>
+          <a:srcRect b="4860"/>
           <a:stretch/>
         </p:blipFill>
         <p:spPr>
           <a:xfrm>
-            <a:off x="2485080" y="1905840"/>
-            <a:ext cx="4575960" cy="4317840"/>
+            <a:off x="10667880" y="274320"/>
+            <a:ext cx="1165320" cy="1261080"/>
           </a:xfrm>
           <a:prstGeom prst="rect">
             <a:avLst/>
@@ -5805,24 +7909,51 @@
           </a:ln>
         </p:spPr>
       </p:pic>
+      <p:pic>
+        <p:nvPicPr>
+          <p:cNvPr id="157" name="Picture 5"/>
+          <p:cNvPicPr/>
+          <p:nvPr/>
+        </p:nvPicPr>
+        <p:blipFill>
+          <a:blip r:embed="rId3"/>
+          <a:srcRect t="4713" b="4404"/>
+          <a:stretch/>
+        </p:blipFill>
+        <p:spPr>
+          <a:xfrm>
+            <a:off x="2485080" y="1905840"/>
+            <a:ext cx="4576320" cy="4318200"/>
+          </a:xfrm>
+          <a:prstGeom prst="rect">
+            <a:avLst/>
+          </a:prstGeom>
+          <a:ln>
+            <a:noFill/>
+          </a:ln>
+        </p:spPr>
+      </p:pic>
     </p:spTree>
   </p:cSld>
+  <p:clrMapOvr>
+    <a:masterClrMapping/>
+  </p:clrMapOvr>
   <p:timing>
     <p:tnLst>
       <p:par>
-        <p:cTn id="21" dur="indefinite" restart="never" nodeType="tmRoot">
+        <p:cTn id="1" dur="indefinite" restart="never" nodeType="tmRoot">
           <p:childTnLst>
             <p:seq>
-              <p:cTn id="22" dur="indefinite" nodeType="mainSeq"/>
+              <p:cTn id="2" dur="indefinite" nodeType="mainSeq"/>
               <p:prevCondLst>
-                <p:cond delay="0" evt="onPrev">
+                <p:cond evt="onPrev" delay="0">
                   <p:tgtEl>
                     <p:sldTgt/>
                   </p:tgtEl>
                 </p:cond>
               </p:prevCondLst>
               <p:nextCondLst>
-                <p:cond delay="0" evt="onNext">
+                <p:cond evt="onNext" delay="0">
                   <p:tgtEl>
                     <p:sldTgt/>
                   </p:tgtEl>
@@ -5838,7 +7969,7 @@
 </file>
 
 <file path=ppt/slides/slide2.xml><?xml version="1.0" encoding="utf-8"?>
-<p:sld xmlns:a="http://schemas.openxmlformats.org/drawingml/2006/main" xmlns:p="http://schemas.openxmlformats.org/presentationml/2006/main" xmlns:r="http://schemas.openxmlformats.org/officeDocument/2006/relationships" xmlns:p14="http://schemas.microsoft.com/office/powerpoint/2010/main" xmlns:p15="http://schemas.microsoft.com/office/powerpoint/2012/main" xmlns:mc="http://schemas.openxmlformats.org/markup-compatibility/2006">
+<p:sld xmlns:a="http://schemas.openxmlformats.org/drawingml/2006/main" xmlns:r="http://schemas.openxmlformats.org/officeDocument/2006/relationships" xmlns:p="http://schemas.openxmlformats.org/presentationml/2006/main">
   <p:cSld>
     <p:spTree>
       <p:nvGrpSpPr>
@@ -5863,7 +7994,7 @@
         <p:spPr>
           <a:xfrm>
             <a:off x="1097280" y="286560"/>
-            <a:ext cx="10057320" cy="1449720"/>
+            <a:ext cx="10057680" cy="1450080"/>
           </a:xfrm>
           <a:prstGeom prst="rect">
             <a:avLst/>
@@ -5874,9 +8005,15 @@
           </a:ln>
         </p:spPr>
         <p:style>
-          <a:lnRef idx="0"/>
-          <a:fillRef idx="0"/>
-          <a:effectRef idx="0"/>
+          <a:lnRef idx="0">
+            <a:scrgbClr r="0" g="0" b="0"/>
+          </a:lnRef>
+          <a:fillRef idx="0">
+            <a:scrgbClr r="0" g="0" b="0"/>
+          </a:fillRef>
+          <a:effectRef idx="0">
+            <a:scrgbClr r="0" g="0" b="0"/>
+          </a:effectRef>
           <a:fontRef idx="minor"/>
         </p:style>
       </p:sp>
@@ -5889,7 +8026,7 @@
         <p:spPr>
           <a:xfrm>
             <a:off x="1097280" y="1845720"/>
-            <a:ext cx="10057320" cy="4022280"/>
+            <a:ext cx="10057680" cy="4022640"/>
           </a:xfrm>
           <a:prstGeom prst="rect">
             <a:avLst/>
@@ -5900,27 +8037,33 @@
           </a:ln>
         </p:spPr>
         <p:style>
-          <a:lnRef idx="0"/>
-          <a:fillRef idx="0"/>
-          <a:effectRef idx="0"/>
+          <a:lnRef idx="0">
+            <a:scrgbClr r="0" g="0" b="0"/>
+          </a:lnRef>
+          <a:fillRef idx="0">
+            <a:scrgbClr r="0" g="0" b="0"/>
+          </a:fillRef>
+          <a:effectRef idx="0">
+            <a:scrgbClr r="0" g="0" b="0"/>
+          </a:effectRef>
           <a:fontRef idx="minor"/>
         </p:style>
       </p:sp>
       <p:pic>
         <p:nvPicPr>
-          <p:cNvPr id="131" name="Picture 3" descr=""/>
+          <p:cNvPr id="131" name="Picture 3"/>
           <p:cNvPicPr/>
           <p:nvPr/>
         </p:nvPicPr>
         <p:blipFill>
-          <a:blip r:embed="rId1"/>
-          <a:srcRect l="0" t="0" r="0" b="4860"/>
+          <a:blip r:embed="rId2"/>
+          <a:srcRect b="4860"/>
           <a:stretch/>
         </p:blipFill>
         <p:spPr>
           <a:xfrm>
             <a:off x="10667880" y="274320"/>
-            <a:ext cx="1164960" cy="1260720"/>
+            <a:ext cx="1165320" cy="1261080"/>
           </a:xfrm>
           <a:prstGeom prst="rect">
             <a:avLst/>
@@ -5932,22 +8075,25 @@
       </p:pic>
     </p:spTree>
   </p:cSld>
+  <p:clrMapOvr>
+    <a:masterClrMapping/>
+  </p:clrMapOvr>
   <p:timing>
     <p:tnLst>
       <p:par>
-        <p:cTn id="3" dur="indefinite" restart="never" nodeType="tmRoot">
+        <p:cTn id="1" dur="indefinite" restart="never" nodeType="tmRoot">
           <p:childTnLst>
             <p:seq>
-              <p:cTn id="4" dur="indefinite" nodeType="mainSeq"/>
+              <p:cTn id="2" dur="indefinite" nodeType="mainSeq"/>
               <p:prevCondLst>
-                <p:cond delay="0" evt="onPrev">
+                <p:cond evt="onPrev" delay="0">
                   <p:tgtEl>
                     <p:sldTgt/>
                   </p:tgtEl>
                 </p:cond>
               </p:prevCondLst>
               <p:nextCondLst>
-                <p:cond delay="0" evt="onNext">
+                <p:cond evt="onNext" delay="0">
                   <p:tgtEl>
                     <p:sldTgt/>
                   </p:tgtEl>
@@ -5963,7 +8109,7 @@
 </file>
 
 <file path=ppt/slides/slide3.xml><?xml version="1.0" encoding="utf-8"?>
-<p:sld xmlns:a="http://schemas.openxmlformats.org/drawingml/2006/main" xmlns:p="http://schemas.openxmlformats.org/presentationml/2006/main" xmlns:r="http://schemas.openxmlformats.org/officeDocument/2006/relationships" xmlns:p14="http://schemas.microsoft.com/office/powerpoint/2010/main" xmlns:p15="http://schemas.microsoft.com/office/powerpoint/2012/main" xmlns:mc="http://schemas.openxmlformats.org/markup-compatibility/2006">
+<p:sld xmlns:a="http://schemas.openxmlformats.org/drawingml/2006/main" xmlns:r="http://schemas.openxmlformats.org/officeDocument/2006/relationships" xmlns:p="http://schemas.openxmlformats.org/presentationml/2006/main">
   <p:cSld>
     <p:spTree>
       <p:nvGrpSpPr>
@@ -5981,14 +8127,14 @@
       </p:grpSpPr>
       <p:sp>
         <p:nvSpPr>
-          <p:cNvPr id="132" name="CustomShape 1"/>
-          <p:cNvSpPr/>
+          <p:cNvPr id="100" name="TextShape 1"/>
+          <p:cNvSpPr txBox="1"/>
           <p:nvPr/>
         </p:nvSpPr>
         <p:spPr>
           <a:xfrm>
             <a:off x="1097280" y="286560"/>
-            <a:ext cx="10057320" cy="1449720"/>
+            <a:ext cx="10058040" cy="1450440"/>
           </a:xfrm>
           <a:prstGeom prst="rect">
             <a:avLst/>
@@ -5998,23 +8144,47 @@
             <a:noFill/>
           </a:ln>
         </p:spPr>
-        <p:style>
-          <a:lnRef idx="0"/>
-          <a:fillRef idx="0"/>
-          <a:effectRef idx="0"/>
-          <a:fontRef idx="minor"/>
-        </p:style>
-      </p:sp>
-      <p:sp>
-        <p:nvSpPr>
-          <p:cNvPr id="133" name="CustomShape 2"/>
-          <p:cNvSpPr/>
+        <p:txBody>
+          <a:bodyPr anchor="b"/>
+          <a:lstStyle/>
+          <a:p>
+            <a:pPr>
+              <a:lnSpc>
+                <a:spcPct val="85000"/>
+              </a:lnSpc>
+            </a:pPr>
+            <a:r>
+              <a:rPr lang="en-US" sz="4800" spc="-49" dirty="0">
+                <a:solidFill>
+                  <a:srgbClr val="404040"/>
+                </a:solidFill>
+                <a:latin typeface="Calibri Light"/>
+              </a:rPr>
+              <a:t>Luis Lopez – Player </a:t>
+            </a:r>
+            <a:r>
+              <a:rPr lang="en-US" sz="4800" spc="-49" dirty="0" err="1">
+                <a:solidFill>
+                  <a:srgbClr val="404040"/>
+                </a:solidFill>
+                <a:latin typeface="Calibri Light"/>
+              </a:rPr>
+              <a:t>Charachter</a:t>
+            </a:r>
+            <a:endParaRPr lang="en-US" dirty="0" err="1"/>
+          </a:p>
+        </p:txBody>
+      </p:sp>
+      <p:sp>
+        <p:nvSpPr>
+          <p:cNvPr id="101" name="TextShape 2"/>
+          <p:cNvSpPr txBox="1"/>
           <p:nvPr/>
         </p:nvSpPr>
         <p:spPr>
           <a:xfrm>
             <a:off x="1097280" y="1845720"/>
-            <a:ext cx="10057320" cy="4022280"/>
+            <a:ext cx="10058040" cy="4023000"/>
           </a:xfrm>
           <a:prstGeom prst="rect">
             <a:avLst/>
@@ -6024,28 +8194,262 @@
             <a:noFill/>
           </a:ln>
         </p:spPr>
-        <p:style>
-          <a:lnRef idx="0"/>
-          <a:fillRef idx="0"/>
-          <a:effectRef idx="0"/>
-          <a:fontRef idx="minor"/>
-        </p:style>
+        <p:txBody>
+          <a:bodyPr lIns="0" rIns="0" anchor="t">
+            <a:normAutofit/>
+          </a:bodyPr>
+          <a:lstStyle/>
+          <a:p>
+            <a:pPr marL="91440" indent="-90805">
+              <a:lnSpc>
+                <a:spcPct val="90000"/>
+              </a:lnSpc>
+              <a:spcBef>
+                <a:spcPts val="1199"/>
+              </a:spcBef>
+              <a:spcAft>
+                <a:spcPts val="200"/>
+              </a:spcAft>
+              <a:buClr>
+                <a:srgbClr val="E48312"/>
+              </a:buClr>
+              <a:buFont typeface="Arial"/>
+              <a:buChar char="•"/>
+            </a:pPr>
+            <a:r>
+              <a:rPr lang="en-US" sz="2400" spc="-1" dirty="0">
+                <a:solidFill>
+                  <a:srgbClr val="404040"/>
+                </a:solidFill>
+                <a:latin typeface="Calibri"/>
+              </a:rPr>
+              <a:t>Coordinate Rigid body with character movement</a:t>
+            </a:r>
+            <a:endParaRPr lang="en-US" dirty="0"/>
+          </a:p>
+          <a:p>
+            <a:pPr marL="91440" indent="-90805">
+              <a:lnSpc>
+                <a:spcPct val="90000"/>
+              </a:lnSpc>
+              <a:spcBef>
+                <a:spcPts val="1199"/>
+              </a:spcBef>
+              <a:spcAft>
+                <a:spcPts val="201"/>
+              </a:spcAft>
+              <a:buClr>
+                <a:srgbClr val="E48312"/>
+              </a:buClr>
+              <a:buFont typeface="Arial"/>
+              <a:buChar char="•"/>
+            </a:pPr>
+            <a:r>
+              <a:rPr lang="en-US" sz="2400" spc="-1" dirty="0">
+                <a:solidFill>
+                  <a:srgbClr val="404040"/>
+                </a:solidFill>
+                <a:latin typeface="Calibri"/>
+              </a:rPr>
+              <a:t>Create projectile to destroy enemies</a:t>
+            </a:r>
+            <a:endParaRPr lang="en-US" sz="2400" b="0" strike="noStrike" spc="-1" dirty="0">
+              <a:solidFill>
+                <a:srgbClr val="404040"/>
+              </a:solidFill>
+              <a:latin typeface="Calibri"/>
+            </a:endParaRPr>
+          </a:p>
+          <a:p>
+            <a:pPr marL="91440" indent="-90805">
+              <a:lnSpc>
+                <a:spcPct val="90000"/>
+              </a:lnSpc>
+              <a:spcBef>
+                <a:spcPts val="1199"/>
+              </a:spcBef>
+              <a:spcAft>
+                <a:spcPts val="201"/>
+              </a:spcAft>
+              <a:buClr>
+                <a:srgbClr val="E48312"/>
+              </a:buClr>
+              <a:buFont typeface="Arial"/>
+              <a:buChar char="•"/>
+            </a:pPr>
+            <a:r>
+              <a:rPr lang="en-US" sz="2400" spc="-1" dirty="0">
+                <a:solidFill>
+                  <a:srgbClr val="404040"/>
+                </a:solidFill>
+                <a:latin typeface="Calibri"/>
+              </a:rPr>
+              <a:t>Communicate with scorekeeper to keep track of score and health</a:t>
+            </a:r>
+            <a:endParaRPr lang="en-US" sz="2400" b="0" strike="noStrike" spc="-1" dirty="0">
+              <a:solidFill>
+                <a:srgbClr val="404040"/>
+              </a:solidFill>
+              <a:latin typeface="Calibri"/>
+            </a:endParaRPr>
+          </a:p>
+          <a:p>
+            <a:pPr marL="91440" indent="-90805">
+              <a:lnSpc>
+                <a:spcPct val="90000"/>
+              </a:lnSpc>
+              <a:spcBef>
+                <a:spcPts val="1199"/>
+              </a:spcBef>
+              <a:spcAft>
+                <a:spcPts val="200"/>
+              </a:spcAft>
+              <a:buClr>
+                <a:srgbClr val="E48312"/>
+              </a:buClr>
+              <a:buFont typeface="Arial"/>
+              <a:buChar char="•"/>
+            </a:pPr>
+            <a:r>
+              <a:rPr lang="en-US" sz="2400" spc="-1" dirty="0">
+                <a:solidFill>
+                  <a:srgbClr val="404040"/>
+                </a:solidFill>
+                <a:latin typeface="Calibri"/>
+              </a:rPr>
+              <a:t>Create character motions such as walk, jump , run and shoot</a:t>
+            </a:r>
+            <a:endParaRPr lang="en-US" sz="2400" b="0" strike="noStrike" spc="-1" dirty="0">
+              <a:solidFill>
+                <a:srgbClr val="404040"/>
+              </a:solidFill>
+              <a:latin typeface="Calibri"/>
+            </a:endParaRPr>
+          </a:p>
+          <a:p>
+            <a:pPr>
+              <a:lnSpc>
+                <a:spcPct val="90000"/>
+              </a:lnSpc>
+              <a:spcBef>
+                <a:spcPts val="1199"/>
+              </a:spcBef>
+              <a:spcAft>
+                <a:spcPts val="201"/>
+              </a:spcAft>
+            </a:pPr>
+            <a:endParaRPr lang="en-US" sz="2400" b="0" strike="noStrike" spc="-1">
+              <a:solidFill>
+                <a:srgbClr val="404040"/>
+              </a:solidFill>
+              <a:latin typeface="Calibri"/>
+            </a:endParaRPr>
+          </a:p>
+          <a:p>
+            <a:pPr>
+              <a:lnSpc>
+                <a:spcPct val="90000"/>
+              </a:lnSpc>
+              <a:spcBef>
+                <a:spcPts val="1199"/>
+              </a:spcBef>
+              <a:spcAft>
+                <a:spcPts val="201"/>
+              </a:spcAft>
+            </a:pPr>
+            <a:endParaRPr lang="en-US" sz="2400" b="0" strike="noStrike" spc="-1">
+              <a:solidFill>
+                <a:srgbClr val="404040"/>
+              </a:solidFill>
+              <a:latin typeface="Calibri"/>
+            </a:endParaRPr>
+          </a:p>
+          <a:p>
+            <a:pPr marL="91440" indent="-90805">
+              <a:lnSpc>
+                <a:spcPct val="90000"/>
+              </a:lnSpc>
+              <a:spcBef>
+                <a:spcPts val="1199"/>
+              </a:spcBef>
+              <a:spcAft>
+                <a:spcPts val="201"/>
+              </a:spcAft>
+              <a:buClr>
+                <a:srgbClr val="E48312"/>
+              </a:buClr>
+              <a:buFont typeface="Arial"/>
+              <a:buChar char="•"/>
+            </a:pPr>
+            <a:r>
+              <a:rPr lang="en-US" sz="2400" b="0" strike="noStrike" spc="-1" dirty="0">
+                <a:solidFill>
+                  <a:srgbClr val="404040"/>
+                </a:solidFill>
+                <a:latin typeface="Calibri"/>
+              </a:rPr>
+              <a:t>Priority level: </a:t>
+            </a:r>
+            <a:r>
+              <a:rPr lang="en-US" sz="2400" spc="-1" dirty="0">
+                <a:solidFill>
+                  <a:srgbClr val="404040"/>
+                </a:solidFill>
+                <a:latin typeface="Calibri"/>
+              </a:rPr>
+              <a:t>2</a:t>
+            </a:r>
+            <a:endParaRPr lang="en-US" sz="2400" b="0" strike="noStrike" spc="-1" dirty="0">
+              <a:solidFill>
+                <a:srgbClr val="404040"/>
+              </a:solidFill>
+              <a:latin typeface="Calibri"/>
+            </a:endParaRPr>
+          </a:p>
+          <a:p>
+            <a:pPr marL="91440" indent="-90805">
+              <a:lnSpc>
+                <a:spcPct val="90000"/>
+              </a:lnSpc>
+              <a:spcBef>
+                <a:spcPts val="1199"/>
+              </a:spcBef>
+              <a:spcAft>
+                <a:spcPts val="201"/>
+              </a:spcAft>
+              <a:buClr>
+                <a:srgbClr val="E48312"/>
+              </a:buClr>
+              <a:buFont typeface="Arial"/>
+              <a:buChar char="•"/>
+            </a:pPr>
+            <a:r>
+              <a:rPr lang="en-US" sz="2400" b="0" strike="noStrike" spc="-1" dirty="0">
+                <a:solidFill>
+                  <a:srgbClr val="404040"/>
+                </a:solidFill>
+                <a:latin typeface="Calibri"/>
+              </a:rPr>
+              <a:t>Complexity: Moderate</a:t>
+            </a:r>
+          </a:p>
+        </p:txBody>
       </p:sp>
       <p:pic>
         <p:nvPicPr>
-          <p:cNvPr id="134" name="Picture 3" descr=""/>
+          <p:cNvPr id="102" name="Picture 3"/>
           <p:cNvPicPr/>
           <p:nvPr/>
         </p:nvPicPr>
         <p:blipFill>
-          <a:blip r:embed="rId1"/>
-          <a:srcRect l="0" t="0" r="0" b="4860"/>
+          <a:blip r:embed="rId2"/>
+          <a:srcRect b="4860"/>
           <a:stretch/>
         </p:blipFill>
         <p:spPr>
           <a:xfrm>
             <a:off x="10667880" y="274320"/>
-            <a:ext cx="1164960" cy="1260720"/>
+            <a:ext cx="1165680" cy="1261440"/>
           </a:xfrm>
           <a:prstGeom prst="rect">
             <a:avLst/>
@@ -6056,23 +8460,31 @@
         </p:spPr>
       </p:pic>
     </p:spTree>
+    <p:extLst>
+      <p:ext uri="{BB962C8B-B14F-4D97-AF65-F5344CB8AC3E}">
+        <p14:creationId xmlns:p14="http://schemas.microsoft.com/office/powerpoint/2010/main" val="3064803229"/>
+      </p:ext>
+    </p:extLst>
   </p:cSld>
+  <p:clrMapOvr>
+    <a:masterClrMapping/>
+  </p:clrMapOvr>
   <p:timing>
     <p:tnLst>
       <p:par>
-        <p:cTn id="5" dur="indefinite" restart="never" nodeType="tmRoot">
+        <p:cTn id="1" dur="indefinite" restart="never" nodeType="tmRoot">
           <p:childTnLst>
             <p:seq>
-              <p:cTn id="6" dur="indefinite" nodeType="mainSeq"/>
+              <p:cTn id="2" dur="indefinite" nodeType="mainSeq"/>
               <p:prevCondLst>
-                <p:cond delay="0" evt="onPrev">
+                <p:cond evt="onPrev" delay="0">
                   <p:tgtEl>
                     <p:sldTgt/>
                   </p:tgtEl>
                 </p:cond>
               </p:prevCondLst>
               <p:nextCondLst>
-                <p:cond delay="0" evt="onNext">
+                <p:cond evt="onNext" delay="0">
                   <p:tgtEl>
                     <p:sldTgt/>
                   </p:tgtEl>
@@ -6088,7 +8500,7 @@
 </file>
 
 <file path=ppt/slides/slide4.xml><?xml version="1.0" encoding="utf-8"?>
-<p:sld xmlns:a="http://schemas.openxmlformats.org/drawingml/2006/main" xmlns:p="http://schemas.openxmlformats.org/presentationml/2006/main" xmlns:r="http://schemas.openxmlformats.org/officeDocument/2006/relationships" xmlns:p14="http://schemas.microsoft.com/office/powerpoint/2010/main" xmlns:p15="http://schemas.microsoft.com/office/powerpoint/2012/main" xmlns:mc="http://schemas.openxmlformats.org/markup-compatibility/2006">
+<p:sld xmlns:a="http://schemas.openxmlformats.org/drawingml/2006/main" xmlns:r="http://schemas.openxmlformats.org/officeDocument/2006/relationships" xmlns:p="http://schemas.openxmlformats.org/presentationml/2006/main">
   <p:cSld>
     <p:spTree>
       <p:nvGrpSpPr>
@@ -6106,14 +8518,14 @@
       </p:grpSpPr>
       <p:sp>
         <p:nvSpPr>
-          <p:cNvPr id="135" name="CustomShape 1"/>
-          <p:cNvSpPr/>
+          <p:cNvPr id="103" name="TextShape 1"/>
+          <p:cNvSpPr txBox="1"/>
           <p:nvPr/>
         </p:nvSpPr>
         <p:spPr>
           <a:xfrm>
-            <a:off x="1097280" y="286560"/>
-            <a:ext cx="10057320" cy="1449720"/>
+            <a:off x="1012613" y="216004"/>
+            <a:ext cx="10058040" cy="829552"/>
           </a:xfrm>
           <a:prstGeom prst="rect">
             <a:avLst/>
@@ -6123,14 +8535,9 @@
             <a:noFill/>
           </a:ln>
         </p:spPr>
-        <p:style>
-          <a:lnRef idx="0"/>
-          <a:fillRef idx="0"/>
-          <a:effectRef idx="0"/>
-          <a:fontRef idx="minor"/>
-        </p:style>
-        <p:txBody>
-          <a:bodyPr lIns="90000" rIns="90000" tIns="45000" bIns="45000" anchor="b"/>
+        <p:txBody>
+          <a:bodyPr anchor="b"/>
+          <a:lstStyle/>
           <a:p>
             <a:pPr>
               <a:lnSpc>
@@ -6138,285 +8545,47 @@
               </a:lnSpc>
             </a:pPr>
             <a:r>
-              <a:rPr b="0" lang="en-US" sz="4800" spc="-43" strike="noStrike">
+              <a:rPr lang="en-US" sz="4800" spc="-49" dirty="0">
                 <a:solidFill>
                   <a:srgbClr val="404040"/>
                 </a:solidFill>
                 <a:latin typeface="Calibri Light"/>
-                <a:ea typeface="DejaVu Sans"/>
               </a:rPr>
-              <a:t>Josh – Level Design</a:t>
+              <a:t>Player Character</a:t>
             </a:r>
-            <a:endParaRPr b="0" lang="en-US" sz="4800" spc="-1" strike="noStrike">
-              <a:latin typeface="Arial"/>
-            </a:endParaRPr>
-          </a:p>
-        </p:txBody>
-      </p:sp>
-      <p:sp>
-        <p:nvSpPr>
-          <p:cNvPr id="136" name="CustomShape 2"/>
-          <p:cNvSpPr/>
-          <p:nvPr/>
-        </p:nvSpPr>
-        <p:spPr>
-          <a:xfrm>
-            <a:off x="1097280" y="1845720"/>
-            <a:ext cx="10057320" cy="4022280"/>
-          </a:xfrm>
-          <a:prstGeom prst="rect">
-            <a:avLst/>
-          </a:prstGeom>
-          <a:noFill/>
-          <a:ln>
-            <a:noFill/>
-          </a:ln>
-        </p:spPr>
-        <p:style>
-          <a:lnRef idx="0"/>
-          <a:fillRef idx="0"/>
-          <a:effectRef idx="0"/>
-          <a:fontRef idx="minor"/>
-        </p:style>
-        <p:txBody>
-          <a:bodyPr lIns="0" rIns="0" tIns="45000" bIns="45000">
-            <a:normAutofit/>
-          </a:bodyPr>
-          <a:p>
-            <a:pPr marL="91440" indent="-90360">
-              <a:lnSpc>
-                <a:spcPct val="90000"/>
-              </a:lnSpc>
-              <a:spcBef>
-                <a:spcPts val="1199"/>
-              </a:spcBef>
-              <a:spcAft>
-                <a:spcPts val="201"/>
-              </a:spcAft>
-              <a:buClr>
-                <a:srgbClr val="e48312"/>
-              </a:buClr>
-              <a:buFont typeface="Arial"/>
-              <a:buChar char="•"/>
-            </a:pPr>
             <a:r>
-              <a:rPr b="0" lang="en-US" sz="2400" spc="-1" strike="noStrike">
+              <a:rPr lang="en-US" sz="4800" b="0" strike="noStrike" spc="-49" dirty="0">
                 <a:solidFill>
                   <a:srgbClr val="404040"/>
                 </a:solidFill>
-                <a:latin typeface="Calibri"/>
-                <a:ea typeface="DejaVu Sans"/>
+                <a:latin typeface="Calibri Light"/>
               </a:rPr>
-              <a:t>Creating graphics of stage and objects</a:t>
+              <a:t> – Use Case Diagram</a:t>
             </a:r>
-            <a:endParaRPr b="0" lang="en-US" sz="2400" spc="-1" strike="noStrike">
-              <a:latin typeface="Arial"/>
-            </a:endParaRPr>
-          </a:p>
-          <a:p>
-            <a:pPr marL="91440" indent="-90360">
-              <a:lnSpc>
-                <a:spcPct val="90000"/>
-              </a:lnSpc>
-              <a:spcBef>
-                <a:spcPts val="1199"/>
-              </a:spcBef>
-              <a:spcAft>
-                <a:spcPts val="201"/>
-              </a:spcAft>
-              <a:buClr>
-                <a:srgbClr val="e48312"/>
-              </a:buClr>
-              <a:buFont typeface="Arial"/>
-              <a:buChar char="•"/>
-            </a:pPr>
-            <a:r>
-              <a:rPr b="0" lang="en-US" sz="2400" spc="-1" strike="noStrike">
-                <a:solidFill>
-                  <a:srgbClr val="404040"/>
-                </a:solidFill>
-                <a:latin typeface="Calibri"/>
-                <a:ea typeface="DejaVu Sans"/>
-              </a:rPr>
-              <a:t>Coordinate with Luis for player character</a:t>
-            </a:r>
-            <a:endParaRPr b="0" lang="en-US" sz="2400" spc="-1" strike="noStrike">
-              <a:latin typeface="Arial"/>
-            </a:endParaRPr>
-          </a:p>
-          <a:p>
-            <a:pPr marL="91440" indent="-90360">
-              <a:lnSpc>
-                <a:spcPct val="90000"/>
-              </a:lnSpc>
-              <a:spcBef>
-                <a:spcPts val="1199"/>
-              </a:spcBef>
-              <a:spcAft>
-                <a:spcPts val="201"/>
-              </a:spcAft>
-              <a:buClr>
-                <a:srgbClr val="e48312"/>
-              </a:buClr>
-              <a:buFont typeface="Arial"/>
-              <a:buChar char="•"/>
-            </a:pPr>
-            <a:r>
-              <a:rPr b="0" lang="en-US" sz="2400" spc="-1" strike="noStrike">
-                <a:solidFill>
-                  <a:srgbClr val="404040"/>
-                </a:solidFill>
-                <a:latin typeface="Calibri"/>
-                <a:ea typeface="DejaVu Sans"/>
-              </a:rPr>
-              <a:t>Coordinate with Ben for enemy spawn</a:t>
-            </a:r>
-            <a:endParaRPr b="0" lang="en-US" sz="2400" spc="-1" strike="noStrike">
-              <a:latin typeface="Arial"/>
-            </a:endParaRPr>
-          </a:p>
-          <a:p>
-            <a:pPr marL="91440" indent="-90360">
-              <a:lnSpc>
-                <a:spcPct val="90000"/>
-              </a:lnSpc>
-              <a:spcBef>
-                <a:spcPts val="1199"/>
-              </a:spcBef>
-              <a:spcAft>
-                <a:spcPts val="201"/>
-              </a:spcAft>
-              <a:buClr>
-                <a:srgbClr val="e48312"/>
-              </a:buClr>
-              <a:buFont typeface="Arial"/>
-              <a:buChar char="•"/>
-            </a:pPr>
-            <a:r>
-              <a:rPr b="0" lang="en-US" sz="2400" spc="-1" strike="noStrike">
-                <a:solidFill>
-                  <a:srgbClr val="404040"/>
-                </a:solidFill>
-                <a:latin typeface="Calibri"/>
-                <a:ea typeface="DejaVu Sans"/>
-              </a:rPr>
-              <a:t>Ensuring all objects interact as intended</a:t>
-            </a:r>
-            <a:endParaRPr b="0" lang="en-US" sz="2400" spc="-1" strike="noStrike">
-              <a:latin typeface="Arial"/>
-            </a:endParaRPr>
-          </a:p>
-          <a:p>
-            <a:pPr>
-              <a:lnSpc>
-                <a:spcPct val="90000"/>
-              </a:lnSpc>
-              <a:spcBef>
-                <a:spcPts val="1199"/>
-              </a:spcBef>
-              <a:spcAft>
-                <a:spcPts val="201"/>
-              </a:spcAft>
-            </a:pPr>
-            <a:endParaRPr b="0" lang="en-US" sz="2400" spc="-1" strike="noStrike">
-              <a:latin typeface="Arial"/>
-            </a:endParaRPr>
-          </a:p>
-          <a:p>
-            <a:pPr>
-              <a:lnSpc>
-                <a:spcPct val="90000"/>
-              </a:lnSpc>
-              <a:spcBef>
-                <a:spcPts val="1199"/>
-              </a:spcBef>
-              <a:spcAft>
-                <a:spcPts val="201"/>
-              </a:spcAft>
-            </a:pPr>
-            <a:endParaRPr b="0" lang="en-US" sz="2400" spc="-1" strike="noStrike">
-              <a:latin typeface="Arial"/>
-            </a:endParaRPr>
-          </a:p>
-          <a:p>
-            <a:pPr marL="91440" indent="-90360">
-              <a:lnSpc>
-                <a:spcPct val="90000"/>
-              </a:lnSpc>
-              <a:spcBef>
-                <a:spcPts val="1199"/>
-              </a:spcBef>
-              <a:spcAft>
-                <a:spcPts val="201"/>
-              </a:spcAft>
-              <a:buClr>
-                <a:srgbClr val="e48312"/>
-              </a:buClr>
-              <a:buFont typeface="Arial"/>
-              <a:buChar char="•"/>
-            </a:pPr>
-            <a:r>
-              <a:rPr b="0" lang="en-US" sz="2400" spc="-1" strike="noStrike">
-                <a:solidFill>
-                  <a:srgbClr val="404040"/>
-                </a:solidFill>
-                <a:latin typeface="Calibri"/>
-                <a:ea typeface="DejaVu Sans"/>
-              </a:rPr>
-              <a:t>Priority level: 1 </a:t>
-            </a:r>
-            <a:endParaRPr b="0" lang="en-US" sz="2400" spc="-1" strike="noStrike">
-              <a:latin typeface="Arial"/>
-            </a:endParaRPr>
-          </a:p>
-          <a:p>
-            <a:pPr marL="91440" indent="-90360">
-              <a:lnSpc>
-                <a:spcPct val="90000"/>
-              </a:lnSpc>
-              <a:spcBef>
-                <a:spcPts val="1199"/>
-              </a:spcBef>
-              <a:spcAft>
-                <a:spcPts val="201"/>
-              </a:spcAft>
-              <a:buClr>
-                <a:srgbClr val="e48312"/>
-              </a:buClr>
-              <a:buFont typeface="Arial"/>
-              <a:buChar char="•"/>
-            </a:pPr>
-            <a:r>
-              <a:rPr b="0" lang="en-US" sz="2400" spc="-1" strike="noStrike">
-                <a:solidFill>
-                  <a:srgbClr val="404040"/>
-                </a:solidFill>
-                <a:latin typeface="Calibri"/>
-                <a:ea typeface="DejaVu Sans"/>
-              </a:rPr>
-              <a:t>Complexity: Moderate</a:t>
-            </a:r>
-            <a:endParaRPr b="0" lang="en-US" sz="2400" spc="-1" strike="noStrike">
-              <a:latin typeface="Arial"/>
+            <a:endParaRPr lang="en-US" sz="4800" b="0" strike="noStrike" spc="-1" dirty="0">
+              <a:solidFill>
+                <a:srgbClr val="000000"/>
+              </a:solidFill>
+              <a:latin typeface="Calibri"/>
             </a:endParaRPr>
           </a:p>
         </p:txBody>
       </p:sp>
       <p:pic>
         <p:nvPicPr>
-          <p:cNvPr id="137" name="Picture 3" descr=""/>
+          <p:cNvPr id="105" name="Picture 4"/>
           <p:cNvPicPr/>
           <p:nvPr/>
         </p:nvPicPr>
         <p:blipFill>
-          <a:blip r:embed="rId1"/>
-          <a:srcRect l="0" t="0" r="0" b="4860"/>
+          <a:blip r:embed="rId2"/>
+          <a:srcRect b="4860"/>
           <a:stretch/>
         </p:blipFill>
         <p:spPr>
           <a:xfrm>
             <a:off x="10667880" y="274320"/>
-            <a:ext cx="1164960" cy="1260720"/>
+            <a:ext cx="1165680" cy="1261440"/>
           </a:xfrm>
           <a:prstGeom prst="rect">
             <a:avLst/>
@@ -6426,24 +8595,62 @@
           </a:ln>
         </p:spPr>
       </p:pic>
+      <p:pic>
+        <p:nvPicPr>
+          <p:cNvPr id="2" name="Picture 2" descr="A close up of text on a black background&#10;&#10;Description generated with high confidence">
+            <a:extLst>
+              <a:ext uri="{FF2B5EF4-FFF2-40B4-BE49-F238E27FC236}">
+                <a16:creationId xmlns:a16="http://schemas.microsoft.com/office/drawing/2014/main" id="{7C40C36B-7B4F-4FCD-BF58-448A2E97CA09}"/>
+              </a:ext>
+            </a:extLst>
+          </p:cNvPr>
+          <p:cNvPicPr>
+            <a:picLocks noChangeAspect="1"/>
+          </p:cNvPicPr>
+          <p:nvPr/>
+        </p:nvPicPr>
+        <p:blipFill>
+          <a:blip r:embed="rId3"/>
+          <a:stretch>
+            <a:fillRect/>
+          </a:stretch>
+        </p:blipFill>
+        <p:spPr>
+          <a:xfrm>
+            <a:off x="1593100" y="1172681"/>
+            <a:ext cx="8851943" cy="5062970"/>
+          </a:xfrm>
+          <a:prstGeom prst="rect">
+            <a:avLst/>
+          </a:prstGeom>
+        </p:spPr>
+      </p:pic>
     </p:spTree>
+    <p:extLst>
+      <p:ext uri="{BB962C8B-B14F-4D97-AF65-F5344CB8AC3E}">
+        <p14:creationId xmlns:p14="http://schemas.microsoft.com/office/powerpoint/2010/main" val="4130216602"/>
+      </p:ext>
+    </p:extLst>
   </p:cSld>
+  <p:clrMapOvr>
+    <a:masterClrMapping/>
+  </p:clrMapOvr>
   <p:timing>
     <p:tnLst>
       <p:par>
-        <p:cTn id="7" dur="indefinite" restart="never" nodeType="tmRoot">
+        <p:cTn id="1" dur="indefinite" restart="never" nodeType="tmRoot">
           <p:childTnLst>
             <p:seq>
-              <p:cTn id="8" dur="indefinite" nodeType="mainSeq"/>
+              <p:cTn id="2" dur="indefinite" nodeType="mainSeq"/>
               <p:prevCondLst>
-                <p:cond delay="0" evt="onPrev">
+                <p:cond evt="onPrev" delay="0">
                   <p:tgtEl>
                     <p:sldTgt/>
                   </p:tgtEl>
                 </p:cond>
               </p:prevCondLst>
               <p:nextCondLst>
-                <p:cond delay="0" evt="onNext">
+                <p:cond evt="onNext" delay="0">
                   <p:tgtEl>
                     <p:sldTgt/>
                   </p:tgtEl>
@@ -6459,7 +8666,7 @@
 </file>
 
 <file path=ppt/slides/slide5.xml><?xml version="1.0" encoding="utf-8"?>
-<p:sld xmlns:a="http://schemas.openxmlformats.org/drawingml/2006/main" xmlns:p="http://schemas.openxmlformats.org/presentationml/2006/main" xmlns:r="http://schemas.openxmlformats.org/officeDocument/2006/relationships" xmlns:p14="http://schemas.microsoft.com/office/powerpoint/2010/main" xmlns:p15="http://schemas.microsoft.com/office/powerpoint/2012/main" xmlns:mc="http://schemas.openxmlformats.org/markup-compatibility/2006">
+<p:sld xmlns:a="http://schemas.openxmlformats.org/drawingml/2006/main" xmlns:r="http://schemas.openxmlformats.org/officeDocument/2006/relationships" xmlns:p="http://schemas.openxmlformats.org/presentationml/2006/main">
   <p:cSld>
     <p:spTree>
       <p:nvGrpSpPr>
@@ -6477,14 +8684,14 @@
       </p:grpSpPr>
       <p:sp>
         <p:nvSpPr>
-          <p:cNvPr id="138" name="CustomShape 1"/>
+          <p:cNvPr id="132" name="CustomShape 1"/>
           <p:cNvSpPr/>
           <p:nvPr/>
         </p:nvSpPr>
         <p:spPr>
           <a:xfrm>
             <a:off x="1097280" y="286560"/>
-            <a:ext cx="10057320" cy="1449720"/>
+            <a:ext cx="10057680" cy="1450080"/>
           </a:xfrm>
           <a:prstGeom prst="rect">
             <a:avLst/>
@@ -6495,73 +8702,65 @@
           </a:ln>
         </p:spPr>
         <p:style>
-          <a:lnRef idx="0"/>
-          <a:fillRef idx="0"/>
-          <a:effectRef idx="0"/>
+          <a:lnRef idx="0">
+            <a:scrgbClr r="0" g="0" b="0"/>
+          </a:lnRef>
+          <a:fillRef idx="0">
+            <a:scrgbClr r="0" g="0" b="0"/>
+          </a:fillRef>
+          <a:effectRef idx="0">
+            <a:scrgbClr r="0" g="0" b="0"/>
+          </a:effectRef>
           <a:fontRef idx="minor"/>
         </p:style>
-        <p:txBody>
-          <a:bodyPr lIns="90000" rIns="90000" tIns="45000" bIns="45000" anchor="b"/>
-          <a:p>
-            <a:pPr>
-              <a:lnSpc>
-                <a:spcPct val="85000"/>
-              </a:lnSpc>
-            </a:pPr>
-            <a:r>
-              <a:rPr b="0" lang="en-US" sz="4800" spc="-43" strike="noStrike">
-                <a:solidFill>
-                  <a:srgbClr val="404040"/>
-                </a:solidFill>
-                <a:latin typeface="Calibri Light"/>
-                <a:ea typeface="DejaVu Sans"/>
-              </a:rPr>
-              <a:t>Level Design – Use Case Diagram</a:t>
-            </a:r>
-            <a:endParaRPr b="0" lang="en-US" sz="4800" spc="-1" strike="noStrike">
-              <a:latin typeface="Arial"/>
-            </a:endParaRPr>
-          </a:p>
-        </p:txBody>
-      </p:sp>
-      <p:pic>
-        <p:nvPicPr>
-          <p:cNvPr id="139" name="Content Placeholder 3" descr=""/>
-          <p:cNvPicPr/>
+      </p:sp>
+      <p:sp>
+        <p:nvSpPr>
+          <p:cNvPr id="133" name="CustomShape 2"/>
+          <p:cNvSpPr/>
           <p:nvPr/>
-        </p:nvPicPr>
-        <p:blipFill>
-          <a:blip r:embed="rId1"/>
-          <a:stretch/>
-        </p:blipFill>
-        <p:spPr>
-          <a:xfrm>
-            <a:off x="2045520" y="1830240"/>
-            <a:ext cx="7728840" cy="4497480"/>
-          </a:xfrm>
-          <a:prstGeom prst="rect">
-            <a:avLst/>
-          </a:prstGeom>
+        </p:nvSpPr>
+        <p:spPr>
+          <a:xfrm>
+            <a:off x="1097280" y="1845720"/>
+            <a:ext cx="10057680" cy="4022640"/>
+          </a:xfrm>
+          <a:prstGeom prst="rect">
+            <a:avLst/>
+          </a:prstGeom>
+          <a:noFill/>
           <a:ln>
             <a:noFill/>
           </a:ln>
         </p:spPr>
-      </p:pic>
+        <p:style>
+          <a:lnRef idx="0">
+            <a:scrgbClr r="0" g="0" b="0"/>
+          </a:lnRef>
+          <a:fillRef idx="0">
+            <a:scrgbClr r="0" g="0" b="0"/>
+          </a:fillRef>
+          <a:effectRef idx="0">
+            <a:scrgbClr r="0" g="0" b="0"/>
+          </a:effectRef>
+          <a:fontRef idx="minor"/>
+        </p:style>
+      </p:sp>
       <p:pic>
         <p:nvPicPr>
-          <p:cNvPr id="140" name="Picture 4" descr=""/>
+          <p:cNvPr id="134" name="Picture 3"/>
           <p:cNvPicPr/>
           <p:nvPr/>
         </p:nvPicPr>
         <p:blipFill>
           <a:blip r:embed="rId2"/>
-          <a:srcRect l="0" t="0" r="0" b="4860"/>
+          <a:srcRect b="4860"/>
           <a:stretch/>
         </p:blipFill>
         <p:spPr>
           <a:xfrm>
             <a:off x="10667880" y="274320"/>
-            <a:ext cx="1164960" cy="1260720"/>
+            <a:ext cx="1165320" cy="1261080"/>
           </a:xfrm>
           <a:prstGeom prst="rect">
             <a:avLst/>
@@ -6573,22 +8772,25 @@
       </p:pic>
     </p:spTree>
   </p:cSld>
+  <p:clrMapOvr>
+    <a:masterClrMapping/>
+  </p:clrMapOvr>
   <p:timing>
     <p:tnLst>
       <p:par>
-        <p:cTn id="9" dur="indefinite" restart="never" nodeType="tmRoot">
+        <p:cTn id="1" dur="indefinite" restart="never" nodeType="tmRoot">
           <p:childTnLst>
             <p:seq>
-              <p:cTn id="10" dur="indefinite" nodeType="mainSeq"/>
+              <p:cTn id="2" dur="indefinite" nodeType="mainSeq"/>
               <p:prevCondLst>
-                <p:cond delay="0" evt="onPrev">
+                <p:cond evt="onPrev" delay="0">
                   <p:tgtEl>
                     <p:sldTgt/>
                   </p:tgtEl>
                 </p:cond>
               </p:prevCondLst>
               <p:nextCondLst>
-                <p:cond delay="0" evt="onNext">
+                <p:cond evt="onNext" delay="0">
                   <p:tgtEl>
                     <p:sldTgt/>
                   </p:tgtEl>
@@ -6604,7 +8806,7 @@
 </file>
 
 <file path=ppt/slides/slide6.xml><?xml version="1.0" encoding="utf-8"?>
-<p:sld xmlns:a="http://schemas.openxmlformats.org/drawingml/2006/main" xmlns:p="http://schemas.openxmlformats.org/presentationml/2006/main" xmlns:r="http://schemas.openxmlformats.org/officeDocument/2006/relationships" xmlns:p14="http://schemas.microsoft.com/office/powerpoint/2010/main" xmlns:p15="http://schemas.microsoft.com/office/powerpoint/2012/main" xmlns:mc="http://schemas.openxmlformats.org/markup-compatibility/2006">
+<p:sld xmlns:a="http://schemas.openxmlformats.org/drawingml/2006/main" xmlns:r="http://schemas.openxmlformats.org/officeDocument/2006/relationships" xmlns:p="http://schemas.openxmlformats.org/presentationml/2006/main">
   <p:cSld>
     <p:spTree>
       <p:nvGrpSpPr>
@@ -6622,14 +8824,14 @@
       </p:grpSpPr>
       <p:sp>
         <p:nvSpPr>
-          <p:cNvPr id="141" name="CustomShape 1"/>
+          <p:cNvPr id="135" name="CustomShape 1"/>
           <p:cNvSpPr/>
           <p:nvPr/>
         </p:nvSpPr>
         <p:spPr>
           <a:xfrm>
             <a:off x="1097280" y="286560"/>
-            <a:ext cx="10057320" cy="1449720"/>
+            <a:ext cx="10057680" cy="1450080"/>
           </a:xfrm>
           <a:prstGeom prst="rect">
             <a:avLst/>
@@ -6640,27 +8842,313 @@
           </a:ln>
         </p:spPr>
         <p:style>
-          <a:lnRef idx="0"/>
-          <a:fillRef idx="0"/>
-          <a:effectRef idx="0"/>
+          <a:lnRef idx="0">
+            <a:scrgbClr r="0" g="0" b="0"/>
+          </a:lnRef>
+          <a:fillRef idx="0">
+            <a:scrgbClr r="0" g="0" b="0"/>
+          </a:fillRef>
+          <a:effectRef idx="0">
+            <a:scrgbClr r="0" g="0" b="0"/>
+          </a:effectRef>
           <a:fontRef idx="minor"/>
         </p:style>
+        <p:txBody>
+          <a:bodyPr lIns="90000" tIns="45000" rIns="90000" bIns="45000" anchor="b"/>
+          <a:lstStyle/>
+          <a:p>
+            <a:pPr>
+              <a:lnSpc>
+                <a:spcPct val="85000"/>
+              </a:lnSpc>
+            </a:pPr>
+            <a:r>
+              <a:rPr lang="en-US" sz="4800" b="0" strike="noStrike" spc="-46">
+                <a:solidFill>
+                  <a:srgbClr val="404040"/>
+                </a:solidFill>
+                <a:latin typeface="Calibri Light"/>
+                <a:ea typeface="DejaVu Sans"/>
+              </a:rPr>
+              <a:t>Josh – Level Design</a:t>
+            </a:r>
+            <a:endParaRPr lang="en-US" sz="4800" b="0" strike="noStrike" spc="-1">
+              <a:latin typeface="Arial"/>
+            </a:endParaRPr>
+          </a:p>
+        </p:txBody>
+      </p:sp>
+      <p:sp>
+        <p:nvSpPr>
+          <p:cNvPr id="136" name="CustomShape 2"/>
+          <p:cNvSpPr/>
+          <p:nvPr/>
+        </p:nvSpPr>
+        <p:spPr>
+          <a:xfrm>
+            <a:off x="1097280" y="1845720"/>
+            <a:ext cx="10057680" cy="4022640"/>
+          </a:xfrm>
+          <a:prstGeom prst="rect">
+            <a:avLst/>
+          </a:prstGeom>
+          <a:noFill/>
+          <a:ln>
+            <a:noFill/>
+          </a:ln>
+        </p:spPr>
+        <p:style>
+          <a:lnRef idx="0">
+            <a:scrgbClr r="0" g="0" b="0"/>
+          </a:lnRef>
+          <a:fillRef idx="0">
+            <a:scrgbClr r="0" g="0" b="0"/>
+          </a:fillRef>
+          <a:effectRef idx="0">
+            <a:scrgbClr r="0" g="0" b="0"/>
+          </a:effectRef>
+          <a:fontRef idx="minor"/>
+        </p:style>
+        <p:txBody>
+          <a:bodyPr lIns="0" tIns="45000" rIns="0" bIns="45000">
+            <a:normAutofit/>
+          </a:bodyPr>
+          <a:lstStyle/>
+          <a:p>
+            <a:pPr marL="91440" indent="-90720">
+              <a:lnSpc>
+                <a:spcPct val="90000"/>
+              </a:lnSpc>
+              <a:spcBef>
+                <a:spcPts val="1199"/>
+              </a:spcBef>
+              <a:spcAft>
+                <a:spcPts val="201"/>
+              </a:spcAft>
+              <a:buClr>
+                <a:srgbClr val="E48312"/>
+              </a:buClr>
+              <a:buFont typeface="Arial"/>
+              <a:buChar char="•"/>
+            </a:pPr>
+            <a:r>
+              <a:rPr lang="en-US" sz="2400" b="0" strike="noStrike" spc="-1">
+                <a:solidFill>
+                  <a:srgbClr val="404040"/>
+                </a:solidFill>
+                <a:latin typeface="Calibri"/>
+                <a:ea typeface="DejaVu Sans"/>
+              </a:rPr>
+              <a:t>Creating graphics of stage and objects</a:t>
+            </a:r>
+            <a:endParaRPr lang="en-US" sz="2400" b="0" strike="noStrike" spc="-1">
+              <a:latin typeface="Arial"/>
+            </a:endParaRPr>
+          </a:p>
+          <a:p>
+            <a:pPr marL="91440" indent="-90720">
+              <a:lnSpc>
+                <a:spcPct val="90000"/>
+              </a:lnSpc>
+              <a:spcBef>
+                <a:spcPts val="1199"/>
+              </a:spcBef>
+              <a:spcAft>
+                <a:spcPts val="201"/>
+              </a:spcAft>
+              <a:buClr>
+                <a:srgbClr val="E48312"/>
+              </a:buClr>
+              <a:buFont typeface="Arial"/>
+              <a:buChar char="•"/>
+            </a:pPr>
+            <a:r>
+              <a:rPr lang="en-US" sz="2400" b="0" strike="noStrike" spc="-1">
+                <a:solidFill>
+                  <a:srgbClr val="404040"/>
+                </a:solidFill>
+                <a:latin typeface="Calibri"/>
+                <a:ea typeface="DejaVu Sans"/>
+              </a:rPr>
+              <a:t>Coordinate with Luis for player character</a:t>
+            </a:r>
+            <a:endParaRPr lang="en-US" sz="2400" b="0" strike="noStrike" spc="-1">
+              <a:latin typeface="Arial"/>
+            </a:endParaRPr>
+          </a:p>
+          <a:p>
+            <a:pPr marL="91440" indent="-90720">
+              <a:lnSpc>
+                <a:spcPct val="90000"/>
+              </a:lnSpc>
+              <a:spcBef>
+                <a:spcPts val="1199"/>
+              </a:spcBef>
+              <a:spcAft>
+                <a:spcPts val="201"/>
+              </a:spcAft>
+              <a:buClr>
+                <a:srgbClr val="E48312"/>
+              </a:buClr>
+              <a:buFont typeface="Arial"/>
+              <a:buChar char="•"/>
+            </a:pPr>
+            <a:r>
+              <a:rPr lang="en-US" sz="2400" b="0" strike="noStrike" spc="-1">
+                <a:solidFill>
+                  <a:srgbClr val="404040"/>
+                </a:solidFill>
+                <a:latin typeface="Calibri"/>
+                <a:ea typeface="DejaVu Sans"/>
+              </a:rPr>
+              <a:t>Coordinate with Ben for enemy spawn</a:t>
+            </a:r>
+            <a:endParaRPr lang="en-US" sz="2400" b="0" strike="noStrike" spc="-1">
+              <a:latin typeface="Arial"/>
+            </a:endParaRPr>
+          </a:p>
+          <a:p>
+            <a:pPr marL="91440" indent="-90720">
+              <a:lnSpc>
+                <a:spcPct val="90000"/>
+              </a:lnSpc>
+              <a:spcBef>
+                <a:spcPts val="1199"/>
+              </a:spcBef>
+              <a:spcAft>
+                <a:spcPts val="201"/>
+              </a:spcAft>
+              <a:buClr>
+                <a:srgbClr val="E48312"/>
+              </a:buClr>
+              <a:buFont typeface="Arial"/>
+              <a:buChar char="•"/>
+            </a:pPr>
+            <a:r>
+              <a:rPr lang="en-US" sz="2400" b="0" strike="noStrike" spc="-1">
+                <a:solidFill>
+                  <a:srgbClr val="404040"/>
+                </a:solidFill>
+                <a:latin typeface="Calibri"/>
+                <a:ea typeface="DejaVu Sans"/>
+              </a:rPr>
+              <a:t>Ensuring all objects interact as intended</a:t>
+            </a:r>
+            <a:endParaRPr lang="en-US" sz="2400" b="0" strike="noStrike" spc="-1">
+              <a:latin typeface="Arial"/>
+            </a:endParaRPr>
+          </a:p>
+          <a:p>
+            <a:pPr>
+              <a:lnSpc>
+                <a:spcPct val="90000"/>
+              </a:lnSpc>
+              <a:spcBef>
+                <a:spcPts val="1199"/>
+              </a:spcBef>
+              <a:spcAft>
+                <a:spcPts val="201"/>
+              </a:spcAft>
+            </a:pPr>
+            <a:endParaRPr lang="en-US" sz="2400" b="0" strike="noStrike" spc="-1">
+              <a:latin typeface="Arial"/>
+            </a:endParaRPr>
+          </a:p>
+          <a:p>
+            <a:pPr>
+              <a:lnSpc>
+                <a:spcPct val="90000"/>
+              </a:lnSpc>
+              <a:spcBef>
+                <a:spcPts val="1199"/>
+              </a:spcBef>
+              <a:spcAft>
+                <a:spcPts val="201"/>
+              </a:spcAft>
+            </a:pPr>
+            <a:endParaRPr lang="en-US" sz="2400" b="0" strike="noStrike" spc="-1">
+              <a:latin typeface="Arial"/>
+            </a:endParaRPr>
+          </a:p>
+          <a:p>
+            <a:pPr marL="91440" indent="-90720">
+              <a:lnSpc>
+                <a:spcPct val="90000"/>
+              </a:lnSpc>
+              <a:spcBef>
+                <a:spcPts val="1199"/>
+              </a:spcBef>
+              <a:spcAft>
+                <a:spcPts val="201"/>
+              </a:spcAft>
+              <a:buClr>
+                <a:srgbClr val="E48312"/>
+              </a:buClr>
+              <a:buFont typeface="Arial"/>
+              <a:buChar char="•"/>
+            </a:pPr>
+            <a:r>
+              <a:rPr lang="en-US" sz="2400" b="0" strike="noStrike" spc="-1">
+                <a:solidFill>
+                  <a:srgbClr val="404040"/>
+                </a:solidFill>
+                <a:latin typeface="Calibri"/>
+                <a:ea typeface="DejaVu Sans"/>
+              </a:rPr>
+              <a:t>Priority level: 1 </a:t>
+            </a:r>
+            <a:endParaRPr lang="en-US" sz="2400" b="0" strike="noStrike" spc="-1">
+              <a:latin typeface="Arial"/>
+            </a:endParaRPr>
+          </a:p>
+          <a:p>
+            <a:pPr marL="91440" indent="-90720">
+              <a:lnSpc>
+                <a:spcPct val="90000"/>
+              </a:lnSpc>
+              <a:spcBef>
+                <a:spcPts val="1199"/>
+              </a:spcBef>
+              <a:spcAft>
+                <a:spcPts val="201"/>
+              </a:spcAft>
+              <a:buClr>
+                <a:srgbClr val="E48312"/>
+              </a:buClr>
+              <a:buFont typeface="Arial"/>
+              <a:buChar char="•"/>
+            </a:pPr>
+            <a:r>
+              <a:rPr lang="en-US" sz="2400" b="0" strike="noStrike" spc="-1">
+                <a:solidFill>
+                  <a:srgbClr val="404040"/>
+                </a:solidFill>
+                <a:latin typeface="Calibri"/>
+                <a:ea typeface="DejaVu Sans"/>
+              </a:rPr>
+              <a:t>Complexity: Moderate</a:t>
+            </a:r>
+            <a:endParaRPr lang="en-US" sz="2400" b="0" strike="noStrike" spc="-1">
+              <a:latin typeface="Arial"/>
+            </a:endParaRPr>
+          </a:p>
+        </p:txBody>
       </p:sp>
       <p:pic>
         <p:nvPicPr>
-          <p:cNvPr id="142" name="Picture 4" descr=""/>
+          <p:cNvPr id="137" name="Picture 3"/>
           <p:cNvPicPr/>
           <p:nvPr/>
         </p:nvPicPr>
         <p:blipFill>
-          <a:blip r:embed="rId1"/>
-          <a:srcRect l="0" t="0" r="0" b="4860"/>
+          <a:blip r:embed="rId2"/>
+          <a:srcRect b="4860"/>
           <a:stretch/>
         </p:blipFill>
         <p:spPr>
           <a:xfrm>
             <a:off x="10667880" y="274320"/>
-            <a:ext cx="1164960" cy="1260720"/>
+            <a:ext cx="1165320" cy="1261080"/>
           </a:xfrm>
           <a:prstGeom prst="rect">
             <a:avLst/>
@@ -6672,22 +9160,25 @@
       </p:pic>
     </p:spTree>
   </p:cSld>
+  <p:clrMapOvr>
+    <a:masterClrMapping/>
+  </p:clrMapOvr>
   <p:timing>
     <p:tnLst>
       <p:par>
-        <p:cTn id="11" dur="indefinite" restart="never" nodeType="tmRoot">
+        <p:cTn id="1" dur="indefinite" restart="never" nodeType="tmRoot">
           <p:childTnLst>
             <p:seq>
-              <p:cTn id="12" dur="indefinite" nodeType="mainSeq"/>
+              <p:cTn id="2" dur="indefinite" nodeType="mainSeq"/>
               <p:prevCondLst>
-                <p:cond delay="0" evt="onPrev">
+                <p:cond evt="onPrev" delay="0">
                   <p:tgtEl>
                     <p:sldTgt/>
                   </p:tgtEl>
                 </p:cond>
               </p:prevCondLst>
               <p:nextCondLst>
-                <p:cond delay="0" evt="onNext">
+                <p:cond evt="onNext" delay="0">
                   <p:tgtEl>
                     <p:sldTgt/>
                   </p:tgtEl>
@@ -6703,7 +9194,7 @@
 </file>
 
 <file path=ppt/slides/slide7.xml><?xml version="1.0" encoding="utf-8"?>
-<p:sld xmlns:a="http://schemas.openxmlformats.org/drawingml/2006/main" xmlns:p="http://schemas.openxmlformats.org/presentationml/2006/main" xmlns:r="http://schemas.openxmlformats.org/officeDocument/2006/relationships" xmlns:p14="http://schemas.microsoft.com/office/powerpoint/2010/main" xmlns:p15="http://schemas.microsoft.com/office/powerpoint/2012/main" xmlns:mc="http://schemas.openxmlformats.org/markup-compatibility/2006">
+<p:sld xmlns:a="http://schemas.openxmlformats.org/drawingml/2006/main" xmlns:r="http://schemas.openxmlformats.org/officeDocument/2006/relationships" xmlns:p="http://schemas.openxmlformats.org/presentationml/2006/main">
   <p:cSld>
     <p:spTree>
       <p:nvGrpSpPr>
@@ -6721,14 +9212,14 @@
       </p:grpSpPr>
       <p:sp>
         <p:nvSpPr>
-          <p:cNvPr id="143" name="CustomShape 1"/>
+          <p:cNvPr id="138" name="CustomShape 1"/>
           <p:cNvSpPr/>
           <p:nvPr/>
         </p:nvSpPr>
         <p:spPr>
           <a:xfrm>
             <a:off x="1097280" y="286560"/>
-            <a:ext cx="10057320" cy="1449720"/>
+            <a:ext cx="10057680" cy="1450080"/>
           </a:xfrm>
           <a:prstGeom prst="rect">
             <a:avLst/>
@@ -6739,27 +9230,56 @@
           </a:ln>
         </p:spPr>
         <p:style>
-          <a:lnRef idx="0"/>
-          <a:fillRef idx="0"/>
-          <a:effectRef idx="0"/>
+          <a:lnRef idx="0">
+            <a:scrgbClr r="0" g="0" b="0"/>
+          </a:lnRef>
+          <a:fillRef idx="0">
+            <a:scrgbClr r="0" g="0" b="0"/>
+          </a:fillRef>
+          <a:effectRef idx="0">
+            <a:scrgbClr r="0" g="0" b="0"/>
+          </a:effectRef>
           <a:fontRef idx="minor"/>
         </p:style>
+        <p:txBody>
+          <a:bodyPr lIns="90000" tIns="45000" rIns="90000" bIns="45000" anchor="b"/>
+          <a:lstStyle/>
+          <a:p>
+            <a:pPr>
+              <a:lnSpc>
+                <a:spcPct val="85000"/>
+              </a:lnSpc>
+            </a:pPr>
+            <a:r>
+              <a:rPr lang="en-US" sz="4800" b="0" strike="noStrike" spc="-46">
+                <a:solidFill>
+                  <a:srgbClr val="404040"/>
+                </a:solidFill>
+                <a:latin typeface="Calibri Light"/>
+                <a:ea typeface="DejaVu Sans"/>
+              </a:rPr>
+              <a:t>Level Design – Use Case Diagram</a:t>
+            </a:r>
+            <a:endParaRPr lang="en-US" sz="4800" b="0" strike="noStrike" spc="-1">
+              <a:latin typeface="Arial"/>
+            </a:endParaRPr>
+          </a:p>
+        </p:txBody>
       </p:sp>
       <p:pic>
         <p:nvPicPr>
-          <p:cNvPr id="144" name="Picture 4" descr=""/>
+          <p:cNvPr id="139" name="Content Placeholder 3"/>
           <p:cNvPicPr/>
           <p:nvPr/>
         </p:nvPicPr>
         <p:blipFill>
-          <a:blip r:embed="rId1"/>
-          <a:srcRect l="0" t="0" r="0" b="4860"/>
+          <a:blip r:embed="rId2"/>
           <a:stretch/>
         </p:blipFill>
         <p:spPr>
           <a:xfrm>
-            <a:off x="10667880" y="274320"/>
-            <a:ext cx="1164960" cy="1260720"/>
+            <a:off x="2045520" y="1830240"/>
+            <a:ext cx="7729200" cy="4497840"/>
           </a:xfrm>
           <a:prstGeom prst="rect">
             <a:avLst/>
@@ -6769,24 +9289,51 @@
           </a:ln>
         </p:spPr>
       </p:pic>
+      <p:pic>
+        <p:nvPicPr>
+          <p:cNvPr id="140" name="Picture 4"/>
+          <p:cNvPicPr/>
+          <p:nvPr/>
+        </p:nvPicPr>
+        <p:blipFill>
+          <a:blip r:embed="rId3"/>
+          <a:srcRect b="4860"/>
+          <a:stretch/>
+        </p:blipFill>
+        <p:spPr>
+          <a:xfrm>
+            <a:off x="10667880" y="274320"/>
+            <a:ext cx="1165320" cy="1261080"/>
+          </a:xfrm>
+          <a:prstGeom prst="rect">
+            <a:avLst/>
+          </a:prstGeom>
+          <a:ln>
+            <a:noFill/>
+          </a:ln>
+        </p:spPr>
+      </p:pic>
     </p:spTree>
   </p:cSld>
+  <p:clrMapOvr>
+    <a:masterClrMapping/>
+  </p:clrMapOvr>
   <p:timing>
     <p:tnLst>
       <p:par>
-        <p:cTn id="13" dur="indefinite" restart="never" nodeType="tmRoot">
+        <p:cTn id="1" dur="indefinite" restart="never" nodeType="tmRoot">
           <p:childTnLst>
             <p:seq>
-              <p:cTn id="14" dur="indefinite" nodeType="mainSeq"/>
+              <p:cTn id="2" dur="indefinite" nodeType="mainSeq"/>
               <p:prevCondLst>
-                <p:cond delay="0" evt="onPrev">
+                <p:cond evt="onPrev" delay="0">
                   <p:tgtEl>
                     <p:sldTgt/>
                   </p:tgtEl>
                 </p:cond>
               </p:prevCondLst>
               <p:nextCondLst>
-                <p:cond delay="0" evt="onNext">
+                <p:cond evt="onNext" delay="0">
                   <p:tgtEl>
                     <p:sldTgt/>
                   </p:tgtEl>
@@ -6802,7 +9349,7 @@
 </file>
 
 <file path=ppt/slides/slide8.xml><?xml version="1.0" encoding="utf-8"?>
-<p:sld xmlns:a="http://schemas.openxmlformats.org/drawingml/2006/main" xmlns:p="http://schemas.openxmlformats.org/presentationml/2006/main" xmlns:r="http://schemas.openxmlformats.org/officeDocument/2006/relationships" xmlns:p14="http://schemas.microsoft.com/office/powerpoint/2010/main" xmlns:p15="http://schemas.microsoft.com/office/powerpoint/2012/main" xmlns:mc="http://schemas.openxmlformats.org/markup-compatibility/2006">
+<p:sld xmlns:a="http://schemas.openxmlformats.org/drawingml/2006/main" xmlns:r="http://schemas.openxmlformats.org/officeDocument/2006/relationships" xmlns:p="http://schemas.openxmlformats.org/presentationml/2006/main">
   <p:cSld>
     <p:spTree>
       <p:nvGrpSpPr>
@@ -6820,14 +9367,14 @@
       </p:grpSpPr>
       <p:sp>
         <p:nvSpPr>
-          <p:cNvPr id="145" name="CustomShape 1"/>
+          <p:cNvPr id="141" name="CustomShape 1"/>
           <p:cNvSpPr/>
           <p:nvPr/>
         </p:nvSpPr>
         <p:spPr>
           <a:xfrm>
-            <a:off x="1097280" y="700920"/>
-            <a:ext cx="10057320" cy="1035720"/>
+            <a:off x="1097280" y="286560"/>
+            <a:ext cx="10057680" cy="1450080"/>
           </a:xfrm>
           <a:prstGeom prst="rect">
             <a:avLst/>
@@ -6838,51 +9385,33 @@
           </a:ln>
         </p:spPr>
         <p:style>
-          <a:lnRef idx="0"/>
-          <a:fillRef idx="0"/>
-          <a:effectRef idx="0"/>
+          <a:lnRef idx="0">
+            <a:scrgbClr r="0" g="0" b="0"/>
+          </a:lnRef>
+          <a:fillRef idx="0">
+            <a:scrgbClr r="0" g="0" b="0"/>
+          </a:fillRef>
+          <a:effectRef idx="0">
+            <a:scrgbClr r="0" g="0" b="0"/>
+          </a:effectRef>
           <a:fontRef idx="minor"/>
         </p:style>
-        <p:txBody>
-          <a:bodyPr lIns="0" rIns="0" tIns="0" bIns="0"/>
-          <a:p>
-            <a:pPr>
-              <a:lnSpc>
-                <a:spcPct val="85000"/>
-              </a:lnSpc>
-            </a:pPr>
-            <a:br/>
-            <a:r>
-              <a:rPr b="0" lang="en-US" sz="4800" spc="-43" strike="noStrike">
-                <a:solidFill>
-                  <a:srgbClr val="404040"/>
-                </a:solidFill>
-                <a:latin typeface="Calibri Light"/>
-                <a:ea typeface="Microsoft YaHei"/>
-              </a:rPr>
-              <a:t>Ben – Enemies</a:t>
-            </a:r>
-            <a:endParaRPr b="0" lang="en-US" sz="4800" spc="-1" strike="noStrike">
-              <a:latin typeface="Arial"/>
-            </a:endParaRPr>
-          </a:p>
-        </p:txBody>
       </p:sp>
       <p:pic>
         <p:nvPicPr>
-          <p:cNvPr id="146" name="Picture 4" descr=""/>
+          <p:cNvPr id="142" name="Picture 4"/>
           <p:cNvPicPr/>
           <p:nvPr/>
         </p:nvPicPr>
         <p:blipFill>
-          <a:blip r:embed="rId1"/>
-          <a:srcRect l="0" t="0" r="0" b="4860"/>
+          <a:blip r:embed="rId2"/>
+          <a:srcRect b="4860"/>
           <a:stretch/>
         </p:blipFill>
         <p:spPr>
           <a:xfrm>
             <a:off x="10667880" y="274320"/>
-            <a:ext cx="1164960" cy="1260720"/>
+            <a:ext cx="1165320" cy="1261080"/>
           </a:xfrm>
           <a:prstGeom prst="rect">
             <a:avLst/>
@@ -6892,304 +9421,27 @@
           </a:ln>
         </p:spPr>
       </p:pic>
-      <p:sp>
-        <p:nvSpPr>
-          <p:cNvPr id="147" name="CustomShape 2"/>
-          <p:cNvSpPr/>
-          <p:nvPr/>
-        </p:nvSpPr>
-        <p:spPr>
-          <a:xfrm>
-            <a:off x="1097640" y="1846080"/>
-            <a:ext cx="10057320" cy="4022280"/>
-          </a:xfrm>
-          <a:prstGeom prst="rect">
-            <a:avLst/>
-          </a:prstGeom>
-          <a:noFill/>
-          <a:ln>
-            <a:noFill/>
-          </a:ln>
-        </p:spPr>
-        <p:style>
-          <a:lnRef idx="0"/>
-          <a:fillRef idx="0"/>
-          <a:effectRef idx="0"/>
-          <a:fontRef idx="minor"/>
-        </p:style>
-        <p:txBody>
-          <a:bodyPr lIns="0" rIns="0" tIns="45000" bIns="45000">
-            <a:normAutofit/>
-          </a:bodyPr>
-          <a:p>
-            <a:pPr marL="91440" indent="-90360">
-              <a:lnSpc>
-                <a:spcPct val="90000"/>
-              </a:lnSpc>
-              <a:spcBef>
-                <a:spcPts val="1199"/>
-              </a:spcBef>
-              <a:spcAft>
-                <a:spcPts val="201"/>
-              </a:spcAft>
-              <a:buClr>
-                <a:srgbClr val="e48312"/>
-              </a:buClr>
-              <a:buFont typeface="Arial"/>
-              <a:buChar char="•"/>
-            </a:pPr>
-            <a:r>
-              <a:rPr b="0" lang="en-US" sz="2400" spc="-1" strike="noStrike">
-                <a:solidFill>
-                  <a:srgbClr val="404040"/>
-                </a:solidFill>
-                <a:latin typeface="Calibri"/>
-                <a:ea typeface="DejaVu Sans"/>
-              </a:rPr>
-              <a:t>Creating Enemies and releasing them into the playing field</a:t>
-            </a:r>
-            <a:endParaRPr b="0" lang="en-US" sz="2400" spc="-1" strike="noStrike">
-              <a:latin typeface="Arial"/>
-            </a:endParaRPr>
-          </a:p>
-          <a:p>
-            <a:pPr marL="91440" indent="-90360">
-              <a:lnSpc>
-                <a:spcPct val="90000"/>
-              </a:lnSpc>
-              <a:spcBef>
-                <a:spcPts val="1199"/>
-              </a:spcBef>
-              <a:spcAft>
-                <a:spcPts val="201"/>
-              </a:spcAft>
-              <a:buClr>
-                <a:srgbClr val="e48312"/>
-              </a:buClr>
-              <a:buFont typeface="Arial"/>
-              <a:buChar char="•"/>
-            </a:pPr>
-            <a:r>
-              <a:rPr b="0" lang="en-US" sz="2400" spc="-1" strike="noStrike">
-                <a:solidFill>
-                  <a:srgbClr val="404040"/>
-                </a:solidFill>
-                <a:latin typeface="Calibri"/>
-                <a:ea typeface="DejaVu Sans"/>
-              </a:rPr>
-              <a:t>Coordinating with Josh on when to spawn enemies</a:t>
-            </a:r>
-            <a:endParaRPr b="0" lang="en-US" sz="2400" spc="-1" strike="noStrike">
-              <a:latin typeface="Arial"/>
-            </a:endParaRPr>
-          </a:p>
-          <a:p>
-            <a:pPr marL="91440" indent="-90360">
-              <a:lnSpc>
-                <a:spcPct val="90000"/>
-              </a:lnSpc>
-              <a:spcBef>
-                <a:spcPts val="1199"/>
-              </a:spcBef>
-              <a:spcAft>
-                <a:spcPts val="201"/>
-              </a:spcAft>
-              <a:buClr>
-                <a:srgbClr val="e48312"/>
-              </a:buClr>
-              <a:buFont typeface="Arial"/>
-              <a:buChar char="•"/>
-            </a:pPr>
-            <a:r>
-              <a:rPr b="0" lang="en-US" sz="2400" spc="-1" strike="noStrike">
-                <a:solidFill>
-                  <a:srgbClr val="404040"/>
-                </a:solidFill>
-                <a:latin typeface="Calibri"/>
-                <a:ea typeface="DejaVu Sans"/>
-              </a:rPr>
-              <a:t>Making sure enemies advance and attack automatically</a:t>
-            </a:r>
-            <a:endParaRPr b="0" lang="en-US" sz="2400" spc="-1" strike="noStrike">
-              <a:latin typeface="Arial"/>
-            </a:endParaRPr>
-          </a:p>
-          <a:p>
-            <a:pPr marL="91440" indent="-90360">
-              <a:lnSpc>
-                <a:spcPct val="90000"/>
-              </a:lnSpc>
-              <a:spcBef>
-                <a:spcPts val="1199"/>
-              </a:spcBef>
-              <a:spcAft>
-                <a:spcPts val="201"/>
-              </a:spcAft>
-              <a:buClr>
-                <a:srgbClr val="e48312"/>
-              </a:buClr>
-              <a:buFont typeface="Arial"/>
-              <a:buChar char="•"/>
-            </a:pPr>
-            <a:r>
-              <a:rPr b="0" lang="en-US" sz="2400" spc="-1" strike="noStrike">
-                <a:solidFill>
-                  <a:srgbClr val="404040"/>
-                </a:solidFill>
-                <a:latin typeface="Calibri"/>
-                <a:ea typeface="DejaVu Sans"/>
-              </a:rPr>
-              <a:t>Making sure enemies can navigate around obstacles</a:t>
-            </a:r>
-            <a:endParaRPr b="0" lang="en-US" sz="2400" spc="-1" strike="noStrike">
-              <a:latin typeface="Arial"/>
-            </a:endParaRPr>
-          </a:p>
-          <a:p>
-            <a:pPr marL="91440" indent="-90360">
-              <a:lnSpc>
-                <a:spcPct val="90000"/>
-              </a:lnSpc>
-              <a:spcBef>
-                <a:spcPts val="1199"/>
-              </a:spcBef>
-              <a:spcAft>
-                <a:spcPts val="201"/>
-              </a:spcAft>
-              <a:buClr>
-                <a:srgbClr val="e48312"/>
-              </a:buClr>
-              <a:buFont typeface="Arial"/>
-              <a:buChar char="•"/>
-            </a:pPr>
-            <a:r>
-              <a:rPr b="0" lang="en-US" sz="2400" spc="-1" strike="noStrike">
-                <a:solidFill>
-                  <a:srgbClr val="404040"/>
-                </a:solidFill>
-                <a:latin typeface="Calibri"/>
-                <a:ea typeface="DejaVu Sans"/>
-              </a:rPr>
-              <a:t>Coordinating with Luis on interactions between enemies and the player character</a:t>
-            </a:r>
-            <a:endParaRPr b="0" lang="en-US" sz="2400" spc="-1" strike="noStrike">
-              <a:latin typeface="Arial"/>
-            </a:endParaRPr>
-          </a:p>
-          <a:p>
-            <a:pPr>
-              <a:lnSpc>
-                <a:spcPct val="90000"/>
-              </a:lnSpc>
-              <a:spcBef>
-                <a:spcPts val="1199"/>
-              </a:spcBef>
-              <a:spcAft>
-                <a:spcPts val="201"/>
-              </a:spcAft>
-            </a:pPr>
-            <a:endParaRPr b="0" lang="en-US" sz="2400" spc="-1" strike="noStrike">
-              <a:latin typeface="Arial"/>
-            </a:endParaRPr>
-          </a:p>
-          <a:p>
-            <a:pPr>
-              <a:lnSpc>
-                <a:spcPct val="90000"/>
-              </a:lnSpc>
-              <a:spcBef>
-                <a:spcPts val="1199"/>
-              </a:spcBef>
-              <a:spcAft>
-                <a:spcPts val="201"/>
-              </a:spcAft>
-            </a:pPr>
-            <a:endParaRPr b="0" lang="en-US" sz="2400" spc="-1" strike="noStrike">
-              <a:latin typeface="Arial"/>
-            </a:endParaRPr>
-          </a:p>
-          <a:p>
-            <a:pPr marL="91440" indent="-90360">
-              <a:lnSpc>
-                <a:spcPct val="90000"/>
-              </a:lnSpc>
-              <a:spcBef>
-                <a:spcPts val="1199"/>
-              </a:spcBef>
-              <a:spcAft>
-                <a:spcPts val="201"/>
-              </a:spcAft>
-              <a:buClr>
-                <a:srgbClr val="e48312"/>
-              </a:buClr>
-              <a:buFont typeface="Arial"/>
-              <a:buChar char="•"/>
-            </a:pPr>
-            <a:r>
-              <a:rPr b="0" lang="en-US" sz="2400" spc="-1" strike="noStrike">
-                <a:solidFill>
-                  <a:srgbClr val="404040"/>
-                </a:solidFill>
-                <a:latin typeface="Calibri"/>
-                <a:ea typeface="DejaVu Sans"/>
-              </a:rPr>
-              <a:t>Priority level: 3 </a:t>
-            </a:r>
-            <a:endParaRPr b="0" lang="en-US" sz="2400" spc="-1" strike="noStrike">
-              <a:latin typeface="Arial"/>
-            </a:endParaRPr>
-          </a:p>
-          <a:p>
-            <a:pPr marL="91440" indent="-90360">
-              <a:lnSpc>
-                <a:spcPct val="90000"/>
-              </a:lnSpc>
-              <a:spcBef>
-                <a:spcPts val="1199"/>
-              </a:spcBef>
-              <a:spcAft>
-                <a:spcPts val="201"/>
-              </a:spcAft>
-              <a:buClr>
-                <a:srgbClr val="e48312"/>
-              </a:buClr>
-              <a:buFont typeface="Arial"/>
-              <a:buChar char="•"/>
-            </a:pPr>
-            <a:r>
-              <a:rPr b="0" lang="en-US" sz="2400" spc="-1" strike="noStrike">
-                <a:solidFill>
-                  <a:srgbClr val="404040"/>
-                </a:solidFill>
-                <a:latin typeface="Calibri"/>
-                <a:ea typeface="DejaVu Sans"/>
-              </a:rPr>
-              <a:t>Complexity: Moderate</a:t>
-            </a:r>
-            <a:endParaRPr b="0" lang="en-US" sz="2400" spc="-1" strike="noStrike">
-              <a:latin typeface="Arial"/>
-            </a:endParaRPr>
-          </a:p>
-        </p:txBody>
-      </p:sp>
     </p:spTree>
   </p:cSld>
+  <p:clrMapOvr>
+    <a:masterClrMapping/>
+  </p:clrMapOvr>
   <p:timing>
     <p:tnLst>
       <p:par>
-        <p:cTn id="15" dur="indefinite" restart="never" nodeType="tmRoot">
+        <p:cTn id="1" dur="indefinite" restart="never" nodeType="tmRoot">
           <p:childTnLst>
             <p:seq>
-              <p:cTn id="16" dur="indefinite" nodeType="mainSeq"/>
+              <p:cTn id="2" dur="indefinite" nodeType="mainSeq"/>
               <p:prevCondLst>
-                <p:cond delay="0" evt="onPrev">
+                <p:cond evt="onPrev" delay="0">
                   <p:tgtEl>
                     <p:sldTgt/>
                   </p:tgtEl>
                 </p:cond>
               </p:prevCondLst>
               <p:nextCondLst>
-                <p:cond delay="0" evt="onNext">
+                <p:cond evt="onNext" delay="0">
                   <p:tgtEl>
                     <p:sldTgt/>
                   </p:tgtEl>
@@ -7205,7 +9457,7 @@
 </file>
 
 <file path=ppt/slides/slide9.xml><?xml version="1.0" encoding="utf-8"?>
-<p:sld xmlns:a="http://schemas.openxmlformats.org/drawingml/2006/main" xmlns:p="http://schemas.openxmlformats.org/presentationml/2006/main" xmlns:r="http://schemas.openxmlformats.org/officeDocument/2006/relationships" xmlns:p14="http://schemas.microsoft.com/office/powerpoint/2010/main" xmlns:p15="http://schemas.microsoft.com/office/powerpoint/2012/main" xmlns:mc="http://schemas.openxmlformats.org/markup-compatibility/2006">
+<p:sld xmlns:a="http://schemas.openxmlformats.org/drawingml/2006/main" xmlns:r="http://schemas.openxmlformats.org/officeDocument/2006/relationships" xmlns:p="http://schemas.openxmlformats.org/presentationml/2006/main">
   <p:cSld>
     <p:spTree>
       <p:nvGrpSpPr>
@@ -7223,14 +9475,14 @@
       </p:grpSpPr>
       <p:sp>
         <p:nvSpPr>
-          <p:cNvPr id="148" name="CustomShape 1"/>
+          <p:cNvPr id="143" name="CustomShape 1"/>
           <p:cNvSpPr/>
           <p:nvPr/>
         </p:nvSpPr>
         <p:spPr>
           <a:xfrm>
             <a:off x="1097280" y="286560"/>
-            <a:ext cx="10057320" cy="1449720"/>
+            <a:ext cx="10057680" cy="1450080"/>
           </a:xfrm>
           <a:prstGeom prst="rect">
             <a:avLst/>
@@ -7241,100 +9493,33 @@
           </a:ln>
         </p:spPr>
         <p:style>
-          <a:lnRef idx="0"/>
-          <a:fillRef idx="0"/>
-          <a:effectRef idx="0"/>
+          <a:lnRef idx="0">
+            <a:scrgbClr r="0" g="0" b="0"/>
+          </a:lnRef>
+          <a:fillRef idx="0">
+            <a:scrgbClr r="0" g="0" b="0"/>
+          </a:fillRef>
+          <a:effectRef idx="0">
+            <a:scrgbClr r="0" g="0" b="0"/>
+          </a:effectRef>
           <a:fontRef idx="minor"/>
         </p:style>
       </p:sp>
       <p:pic>
         <p:nvPicPr>
-          <p:cNvPr id="149" name="Picture 4" descr=""/>
-          <p:cNvPicPr/>
-          <p:nvPr/>
-        </p:nvPicPr>
-        <p:blipFill>
-          <a:blip r:embed="rId1"/>
-          <a:srcRect l="0" t="0" r="0" b="4860"/>
-          <a:stretch/>
-        </p:blipFill>
-        <p:spPr>
-          <a:xfrm>
-            <a:off x="10667880" y="274320"/>
-            <a:ext cx="1164960" cy="1260720"/>
-          </a:xfrm>
-          <a:prstGeom prst="rect">
-            <a:avLst/>
-          </a:prstGeom>
-          <a:ln>
-            <a:noFill/>
-          </a:ln>
-        </p:spPr>
-      </p:pic>
-      <p:sp>
-        <p:nvSpPr>
-          <p:cNvPr id="150" name="CustomShape 2"/>
-          <p:cNvSpPr/>
-          <p:nvPr/>
-        </p:nvSpPr>
-        <p:spPr>
-          <a:xfrm>
-            <a:off x="1097280" y="700920"/>
-            <a:ext cx="10057320" cy="1035720"/>
-          </a:xfrm>
-          <a:prstGeom prst="rect">
-            <a:avLst/>
-          </a:prstGeom>
-          <a:noFill/>
-          <a:ln>
-            <a:noFill/>
-          </a:ln>
-        </p:spPr>
-        <p:style>
-          <a:lnRef idx="0"/>
-          <a:fillRef idx="0"/>
-          <a:effectRef idx="0"/>
-          <a:fontRef idx="minor"/>
-        </p:style>
-        <p:txBody>
-          <a:bodyPr lIns="0" rIns="0" tIns="0" bIns="0"/>
-          <a:p>
-            <a:pPr>
-              <a:lnSpc>
-                <a:spcPct val="85000"/>
-              </a:lnSpc>
-            </a:pPr>
-            <a:br/>
-            <a:r>
-              <a:rPr b="0" lang="en-US" sz="4800" spc="-43" strike="noStrike">
-                <a:solidFill>
-                  <a:srgbClr val="404040"/>
-                </a:solidFill>
-                <a:latin typeface="Calibri Light"/>
-                <a:ea typeface="Microsoft YaHei"/>
-              </a:rPr>
-              <a:t>Use case – Damaging enemies</a:t>
-            </a:r>
-            <a:endParaRPr b="0" lang="en-US" sz="4800" spc="-1" strike="noStrike">
-              <a:latin typeface="Arial"/>
-            </a:endParaRPr>
-          </a:p>
-        </p:txBody>
-      </p:sp>
-      <p:pic>
-        <p:nvPicPr>
-          <p:cNvPr id="151" name="" descr=""/>
+          <p:cNvPr id="144" name="Picture 4"/>
           <p:cNvPicPr/>
           <p:nvPr/>
         </p:nvPicPr>
         <p:blipFill>
           <a:blip r:embed="rId2"/>
+          <a:srcRect b="4860"/>
           <a:stretch/>
         </p:blipFill>
         <p:spPr>
           <a:xfrm>
-            <a:off x="2377440" y="1828800"/>
-            <a:ext cx="7131960" cy="4404240"/>
+            <a:off x="10667880" y="274320"/>
+            <a:ext cx="1165320" cy="1261080"/>
           </a:xfrm>
           <a:prstGeom prst="rect">
             <a:avLst/>
@@ -7346,22 +9531,25 @@
       </p:pic>
     </p:spTree>
   </p:cSld>
+  <p:clrMapOvr>
+    <a:masterClrMapping/>
+  </p:clrMapOvr>
   <p:timing>
     <p:tnLst>
       <p:par>
-        <p:cTn id="17" dur="indefinite" restart="never" nodeType="tmRoot">
+        <p:cTn id="1" dur="indefinite" restart="never" nodeType="tmRoot">
           <p:childTnLst>
             <p:seq>
-              <p:cTn id="18" dur="indefinite" nodeType="mainSeq"/>
+              <p:cTn id="2" dur="indefinite" nodeType="mainSeq"/>
               <p:prevCondLst>
-                <p:cond delay="0" evt="onPrev">
+                <p:cond evt="onPrev" delay="0">
                   <p:tgtEl>
                     <p:sldTgt/>
                   </p:tgtEl>
                 </p:cond>
               </p:prevCondLst>
               <p:nextCondLst>
-                <p:cond delay="0" evt="onNext">
+                <p:cond evt="onNext" delay="0">
                   <p:tgtEl>
                     <p:sldTgt/>
                   </p:tgtEl>
@@ -7387,31 +9575,31 @@
         <a:sysClr val="window" lastClr="FFFFFF"/>
       </a:lt1>
       <a:dk2>
-        <a:srgbClr val="1f497d"/>
+        <a:srgbClr val="1F497D"/>
       </a:dk2>
       <a:lt2>
-        <a:srgbClr val="eeece1"/>
+        <a:srgbClr val="EEECE1"/>
       </a:lt2>
       <a:accent1>
-        <a:srgbClr val="4f81bd"/>
+        <a:srgbClr val="4F81BD"/>
       </a:accent1>
       <a:accent2>
-        <a:srgbClr val="c0504d"/>
+        <a:srgbClr val="C0504D"/>
       </a:accent2>
       <a:accent3>
-        <a:srgbClr val="9bbb59"/>
+        <a:srgbClr val="9BBB59"/>
       </a:accent3>
       <a:accent4>
-        <a:srgbClr val="8064a2"/>
+        <a:srgbClr val="8064A2"/>
       </a:accent4>
       <a:accent5>
-        <a:srgbClr val="4bacc6"/>
+        <a:srgbClr val="4BACC6"/>
       </a:accent5>
       <a:accent6>
-        <a:srgbClr val="f79646"/>
+        <a:srgbClr val="F79646"/>
       </a:accent6>
       <a:hlink>
-        <a:srgbClr val="0000ff"/>
+        <a:srgbClr val="0000FF"/>
       </a:hlink>
       <a:folHlink>
         <a:srgbClr val="800080"/>
@@ -7596,6 +9784,8 @@
       </a:bgFillStyleLst>
     </a:fmtScheme>
   </a:themeElements>
+  <a:objectDefaults/>
+  <a:extraClrSchemeLst/>
 </a:theme>
 </file>
 
@@ -7610,31 +9800,31 @@
         <a:sysClr val="window" lastClr="FFFFFF"/>
       </a:lt1>
       <a:dk2>
-        <a:srgbClr val="1f497d"/>
+        <a:srgbClr val="1F497D"/>
       </a:dk2>
       <a:lt2>
-        <a:srgbClr val="eeece1"/>
+        <a:srgbClr val="EEECE1"/>
       </a:lt2>
       <a:accent1>
-        <a:srgbClr val="4f81bd"/>
+        <a:srgbClr val="4F81BD"/>
       </a:accent1>
       <a:accent2>
-        <a:srgbClr val="c0504d"/>
+        <a:srgbClr val="C0504D"/>
       </a:accent2>
       <a:accent3>
-        <a:srgbClr val="9bbb59"/>
+        <a:srgbClr val="9BBB59"/>
       </a:accent3>
       <a:accent4>
-        <a:srgbClr val="8064a2"/>
+        <a:srgbClr val="8064A2"/>
       </a:accent4>
       <a:accent5>
-        <a:srgbClr val="4bacc6"/>
+        <a:srgbClr val="4BACC6"/>
       </a:accent5>
       <a:accent6>
-        <a:srgbClr val="f79646"/>
+        <a:srgbClr val="F79646"/>
       </a:accent6>
       <a:hlink>
-        <a:srgbClr val="0000ff"/>
+        <a:srgbClr val="0000FF"/>
       </a:hlink>
       <a:folHlink>
         <a:srgbClr val="800080"/>
@@ -7819,6 +10009,8 @@
       </a:bgFillStyleLst>
     </a:fmtScheme>
   </a:themeElements>
+  <a:objectDefaults/>
+  <a:extraClrSchemeLst/>
 </a:theme>
 </file>
 
@@ -7833,31 +10025,31 @@
         <a:sysClr val="window" lastClr="FFFFFF"/>
       </a:lt1>
       <a:dk2>
-        <a:srgbClr val="1f497d"/>
+        <a:srgbClr val="1F497D"/>
       </a:dk2>
       <a:lt2>
-        <a:srgbClr val="eeece1"/>
+        <a:srgbClr val="EEECE1"/>
       </a:lt2>
       <a:accent1>
-        <a:srgbClr val="4f81bd"/>
+        <a:srgbClr val="4F81BD"/>
       </a:accent1>
       <a:accent2>
-        <a:srgbClr val="c0504d"/>
+        <a:srgbClr val="C0504D"/>
       </a:accent2>
       <a:accent3>
-        <a:srgbClr val="9bbb59"/>
+        <a:srgbClr val="9BBB59"/>
       </a:accent3>
       <a:accent4>
-        <a:srgbClr val="8064a2"/>
+        <a:srgbClr val="8064A2"/>
       </a:accent4>
       <a:accent5>
-        <a:srgbClr val="4bacc6"/>
+        <a:srgbClr val="4BACC6"/>
       </a:accent5>
       <a:accent6>
-        <a:srgbClr val="f79646"/>
+        <a:srgbClr val="F79646"/>
       </a:accent6>
       <a:hlink>
-        <a:srgbClr val="0000ff"/>
+        <a:srgbClr val="0000FF"/>
       </a:hlink>
       <a:folHlink>
         <a:srgbClr val="800080"/>
@@ -8042,5 +10234,7 @@
       </a:bgFillStyleLst>
     </a:fmtScheme>
   </a:themeElements>
+  <a:objectDefaults/>
+  <a:extraClrSchemeLst/>
 </a:theme>
 </file>
--- a/docs/Debugger.pptx
+++ b/docs/Debugger.pptx
@@ -1,128 +1,33 @@
 
 <file path=ppt/presentation.xml><?xml version="1.0" encoding="utf-8"?>
-<p:presentation xmlns:a="http://schemas.openxmlformats.org/drawingml/2006/main" xmlns:r="http://schemas.openxmlformats.org/officeDocument/2006/relationships" xmlns:p="http://schemas.openxmlformats.org/presentationml/2006/main">
+<p:presentation xmlns:a="http://schemas.openxmlformats.org/drawingml/2006/main" xmlns:p="http://schemas.openxmlformats.org/presentationml/2006/main" xmlns:r="http://schemas.openxmlformats.org/officeDocument/2006/relationships" xmlns:p14="http://schemas.microsoft.com/office/powerpoint/2010/main" xmlns:p15="http://schemas.microsoft.com/office/powerpoint/2012/main" xmlns:mc="http://schemas.openxmlformats.org/markup-compatibility/2006">
   <p:sldMasterIdLst>
-    <p:sldMasterId id="2147483648" r:id="rId1"/>
-    <p:sldMasterId id="2147483661" r:id="rId2"/>
-    <p:sldMasterId id="2147483674" r:id="rId3"/>
+    <p:sldMasterId id="2147483648" r:id="rId2"/>
+    <p:sldMasterId id="2147483661" r:id="rId3"/>
+    <p:sldMasterId id="2147483674" r:id="rId4"/>
   </p:sldMasterIdLst>
   <p:sldIdLst>
-    <p:sldId id="256" r:id="rId4"/>
-    <p:sldId id="257" r:id="rId5"/>
-    <p:sldId id="267" r:id="rId6"/>
-    <p:sldId id="268" r:id="rId7"/>
-    <p:sldId id="258" r:id="rId8"/>
-    <p:sldId id="259" r:id="rId9"/>
-    <p:sldId id="260" r:id="rId10"/>
-    <p:sldId id="261" r:id="rId11"/>
-    <p:sldId id="262" r:id="rId12"/>
-    <p:sldId id="263" r:id="rId13"/>
-    <p:sldId id="264" r:id="rId14"/>
-    <p:sldId id="265" r:id="rId15"/>
-    <p:sldId id="266" r:id="rId16"/>
+    <p:sldId id="256" r:id="rId5"/>
+    <p:sldId id="257" r:id="rId6"/>
+    <p:sldId id="258" r:id="rId7"/>
+    <p:sldId id="259" r:id="rId8"/>
+    <p:sldId id="260" r:id="rId9"/>
+    <p:sldId id="261" r:id="rId10"/>
+    <p:sldId id="262" r:id="rId11"/>
+    <p:sldId id="263" r:id="rId12"/>
+    <p:sldId id="264" r:id="rId13"/>
+    <p:sldId id="265" r:id="rId14"/>
+    <p:sldId id="266" r:id="rId15"/>
+    <p:sldId id="267" r:id="rId16"/>
+    <p:sldId id="268" r:id="rId17"/>
   </p:sldIdLst>
   <p:sldSz cx="12192000" cy="6858000"/>
   <p:notesSz cx="7772400" cy="10058400"/>
-  <p:defaultTextStyle>
-    <a:defPPr>
-      <a:defRPr lang="en-US"/>
-    </a:defPPr>
-    <a:lvl1pPr marL="0" algn="l" defTabSz="914400" rtl="0" eaLnBrk="1" latinLnBrk="0" hangingPunct="1">
-      <a:defRPr sz="1800" kern="1200">
-        <a:solidFill>
-          <a:schemeClr val="tx1"/>
-        </a:solidFill>
-        <a:latin typeface="+mn-lt"/>
-        <a:ea typeface="+mn-ea"/>
-        <a:cs typeface="+mn-cs"/>
-      </a:defRPr>
-    </a:lvl1pPr>
-    <a:lvl2pPr marL="457200" algn="l" defTabSz="914400" rtl="0" eaLnBrk="1" latinLnBrk="0" hangingPunct="1">
-      <a:defRPr sz="1800" kern="1200">
-        <a:solidFill>
-          <a:schemeClr val="tx1"/>
-        </a:solidFill>
-        <a:latin typeface="+mn-lt"/>
-        <a:ea typeface="+mn-ea"/>
-        <a:cs typeface="+mn-cs"/>
-      </a:defRPr>
-    </a:lvl2pPr>
-    <a:lvl3pPr marL="914400" algn="l" defTabSz="914400" rtl="0" eaLnBrk="1" latinLnBrk="0" hangingPunct="1">
-      <a:defRPr sz="1800" kern="1200">
-        <a:solidFill>
-          <a:schemeClr val="tx1"/>
-        </a:solidFill>
-        <a:latin typeface="+mn-lt"/>
-        <a:ea typeface="+mn-ea"/>
-        <a:cs typeface="+mn-cs"/>
-      </a:defRPr>
-    </a:lvl3pPr>
-    <a:lvl4pPr marL="1371600" algn="l" defTabSz="914400" rtl="0" eaLnBrk="1" latinLnBrk="0" hangingPunct="1">
-      <a:defRPr sz="1800" kern="1200">
-        <a:solidFill>
-          <a:schemeClr val="tx1"/>
-        </a:solidFill>
-        <a:latin typeface="+mn-lt"/>
-        <a:ea typeface="+mn-ea"/>
-        <a:cs typeface="+mn-cs"/>
-      </a:defRPr>
-    </a:lvl4pPr>
-    <a:lvl5pPr marL="1828800" algn="l" defTabSz="914400" rtl="0" eaLnBrk="1" latinLnBrk="0" hangingPunct="1">
-      <a:defRPr sz="1800" kern="1200">
-        <a:solidFill>
-          <a:schemeClr val="tx1"/>
-        </a:solidFill>
-        <a:latin typeface="+mn-lt"/>
-        <a:ea typeface="+mn-ea"/>
-        <a:cs typeface="+mn-cs"/>
-      </a:defRPr>
-    </a:lvl5pPr>
-    <a:lvl6pPr marL="2286000" algn="l" defTabSz="914400" rtl="0" eaLnBrk="1" latinLnBrk="0" hangingPunct="1">
-      <a:defRPr sz="1800" kern="1200">
-        <a:solidFill>
-          <a:schemeClr val="tx1"/>
-        </a:solidFill>
-        <a:latin typeface="+mn-lt"/>
-        <a:ea typeface="+mn-ea"/>
-        <a:cs typeface="+mn-cs"/>
-      </a:defRPr>
-    </a:lvl6pPr>
-    <a:lvl7pPr marL="2743200" algn="l" defTabSz="914400" rtl="0" eaLnBrk="1" latinLnBrk="0" hangingPunct="1">
-      <a:defRPr sz="1800" kern="1200">
-        <a:solidFill>
-          <a:schemeClr val="tx1"/>
-        </a:solidFill>
-        <a:latin typeface="+mn-lt"/>
-        <a:ea typeface="+mn-ea"/>
-        <a:cs typeface="+mn-cs"/>
-      </a:defRPr>
-    </a:lvl7pPr>
-    <a:lvl8pPr marL="3200400" algn="l" defTabSz="914400" rtl="0" eaLnBrk="1" latinLnBrk="0" hangingPunct="1">
-      <a:defRPr sz="1800" kern="1200">
-        <a:solidFill>
-          <a:schemeClr val="tx1"/>
-        </a:solidFill>
-        <a:latin typeface="+mn-lt"/>
-        <a:ea typeface="+mn-ea"/>
-        <a:cs typeface="+mn-cs"/>
-      </a:defRPr>
-    </a:lvl8pPr>
-    <a:lvl9pPr marL="3657600" algn="l" defTabSz="914400" rtl="0" eaLnBrk="1" latinLnBrk="0" hangingPunct="1">
-      <a:defRPr sz="1800" kern="1200">
-        <a:solidFill>
-          <a:schemeClr val="tx1"/>
-        </a:solidFill>
-        <a:latin typeface="+mn-lt"/>
-        <a:ea typeface="+mn-ea"/>
-        <a:cs typeface="+mn-cs"/>
-      </a:defRPr>
-    </a:lvl9pPr>
-  </p:defaultTextStyle>
 </p:presentation>
 </file>
 
 <file path=ppt/slideLayouts/slideLayout1.xml><?xml version="1.0" encoding="utf-8"?>
-<p:sldLayout xmlns:a="http://schemas.openxmlformats.org/drawingml/2006/main" xmlns:r="http://schemas.openxmlformats.org/officeDocument/2006/relationships" xmlns:p="http://schemas.openxmlformats.org/presentationml/2006/main" type="blank" preserve="1">
+<p:sldLayout xmlns:a="http://schemas.openxmlformats.org/drawingml/2006/main" xmlns:p="http://schemas.openxmlformats.org/presentationml/2006/main" xmlns:r="http://schemas.openxmlformats.org/officeDocument/2006/relationships" xmlns:p14="http://schemas.microsoft.com/office/powerpoint/2010/main" xmlns:p15="http://schemas.microsoft.com/office/powerpoint/2012/main" xmlns:mc="http://schemas.openxmlformats.org/markup-compatibility/2006" type="blank" preserve="1">
   <p:cSld name="Blank Slide">
     <p:spTree>
       <p:nvGrpSpPr>
@@ -140,14 +45,11 @@
       </p:grpSpPr>
     </p:spTree>
   </p:cSld>
-  <p:clrMapOvr>
-    <a:masterClrMapping/>
-  </p:clrMapOvr>
 </p:sldLayout>
 </file>
 
 <file path=ppt/slideLayouts/slideLayout10.xml><?xml version="1.0" encoding="utf-8"?>
-<p:sldLayout xmlns:a="http://schemas.openxmlformats.org/drawingml/2006/main" xmlns:r="http://schemas.openxmlformats.org/officeDocument/2006/relationships" xmlns:p="http://schemas.openxmlformats.org/presentationml/2006/main" type="objOverTx" preserve="1">
+<p:sldLayout xmlns:a="http://schemas.openxmlformats.org/drawingml/2006/main" xmlns:p="http://schemas.openxmlformats.org/presentationml/2006/main" xmlns:r="http://schemas.openxmlformats.org/officeDocument/2006/relationships" xmlns:p14="http://schemas.microsoft.com/office/powerpoint/2010/main" xmlns:p15="http://schemas.microsoft.com/office/powerpoint/2012/main" xmlns:mc="http://schemas.openxmlformats.org/markup-compatibility/2006" type="objOverTx" preserve="1">
   <p:cSld name="Title, Content over Content">
     <p:spTree>
       <p:nvGrpSpPr>
@@ -176,17 +78,16 @@
         <p:spPr>
           <a:xfrm>
             <a:off x="1097280" y="286560"/>
-            <a:ext cx="10057680" cy="1450080"/>
-          </a:xfrm>
-          <a:prstGeom prst="rect">
-            <a:avLst/>
-          </a:prstGeom>
-        </p:spPr>
-        <p:txBody>
-          <a:bodyPr lIns="0" tIns="0" rIns="0" bIns="0" anchor="ctr"/>
-          <a:lstStyle/>
-          <a:p>
-            <a:endParaRPr lang="en-US" sz="1800" b="0" strike="noStrike" spc="-1">
+            <a:ext cx="10057320" cy="1449720"/>
+          </a:xfrm>
+          <a:prstGeom prst="rect">
+            <a:avLst/>
+          </a:prstGeom>
+        </p:spPr>
+        <p:txBody>
+          <a:bodyPr lIns="0" rIns="0" tIns="0" bIns="0" anchor="ctr"/>
+          <a:p>
+            <a:endParaRPr b="0" lang="en-US" sz="1800" spc="-1" strike="noStrike">
               <a:solidFill>
                 <a:srgbClr val="000000"/>
               </a:solidFill>
@@ -208,19 +109,18 @@
         <p:spPr>
           <a:xfrm>
             <a:off x="609480" y="1604520"/>
-            <a:ext cx="10972440" cy="1896840"/>
-          </a:xfrm>
-          <a:prstGeom prst="rect">
-            <a:avLst/>
-          </a:prstGeom>
-        </p:spPr>
-        <p:txBody>
-          <a:bodyPr lIns="0" tIns="0" rIns="0" bIns="0">
+            <a:ext cx="10972080" cy="1896840"/>
+          </a:xfrm>
+          <a:prstGeom prst="rect">
+            <a:avLst/>
+          </a:prstGeom>
+        </p:spPr>
+        <p:txBody>
+          <a:bodyPr lIns="0" rIns="0" tIns="0" bIns="0">
             <a:normAutofit/>
           </a:bodyPr>
-          <a:lstStyle/>
-          <a:p>
-            <a:endParaRPr lang="en-US" sz="2800" b="0" strike="noStrike" spc="-1">
+          <a:p>
+            <a:endParaRPr b="0" lang="en-US" sz="2800" spc="-1" strike="noStrike">
               <a:solidFill>
                 <a:srgbClr val="000000"/>
               </a:solidFill>
@@ -242,19 +142,18 @@
         <p:spPr>
           <a:xfrm>
             <a:off x="609480" y="3682080"/>
-            <a:ext cx="10972440" cy="1896840"/>
-          </a:xfrm>
-          <a:prstGeom prst="rect">
-            <a:avLst/>
-          </a:prstGeom>
-        </p:spPr>
-        <p:txBody>
-          <a:bodyPr lIns="0" tIns="0" rIns="0" bIns="0">
+            <a:ext cx="10972080" cy="1896840"/>
+          </a:xfrm>
+          <a:prstGeom prst="rect">
+            <a:avLst/>
+          </a:prstGeom>
+        </p:spPr>
+        <p:txBody>
+          <a:bodyPr lIns="0" rIns="0" tIns="0" bIns="0">
             <a:normAutofit/>
           </a:bodyPr>
-          <a:lstStyle/>
-          <a:p>
-            <a:endParaRPr lang="en-US" sz="2800" b="0" strike="noStrike" spc="-1">
+          <a:p>
+            <a:endParaRPr b="0" lang="en-US" sz="2800" spc="-1" strike="noStrike">
               <a:solidFill>
                 <a:srgbClr val="000000"/>
               </a:solidFill>
@@ -265,14 +164,11 @@
       </p:sp>
     </p:spTree>
   </p:cSld>
-  <p:clrMapOvr>
-    <a:masterClrMapping/>
-  </p:clrMapOvr>
 </p:sldLayout>
 </file>
 
 <file path=ppt/slideLayouts/slideLayout11.xml><?xml version="1.0" encoding="utf-8"?>
-<p:sldLayout xmlns:a="http://schemas.openxmlformats.org/drawingml/2006/main" xmlns:r="http://schemas.openxmlformats.org/officeDocument/2006/relationships" xmlns:p="http://schemas.openxmlformats.org/presentationml/2006/main" type="fourObj" preserve="1">
+<p:sldLayout xmlns:a="http://schemas.openxmlformats.org/drawingml/2006/main" xmlns:p="http://schemas.openxmlformats.org/presentationml/2006/main" xmlns:r="http://schemas.openxmlformats.org/officeDocument/2006/relationships" xmlns:p14="http://schemas.microsoft.com/office/powerpoint/2010/main" xmlns:p15="http://schemas.microsoft.com/office/powerpoint/2012/main" xmlns:mc="http://schemas.openxmlformats.org/markup-compatibility/2006" type="fourObj" preserve="1">
   <p:cSld name="Title, 4 Content">
     <p:spTree>
       <p:nvGrpSpPr>
@@ -301,17 +197,16 @@
         <p:spPr>
           <a:xfrm>
             <a:off x="1097280" y="286560"/>
-            <a:ext cx="10057680" cy="1450080"/>
-          </a:xfrm>
-          <a:prstGeom prst="rect">
-            <a:avLst/>
-          </a:prstGeom>
-        </p:spPr>
-        <p:txBody>
-          <a:bodyPr lIns="0" tIns="0" rIns="0" bIns="0" anchor="ctr"/>
-          <a:lstStyle/>
-          <a:p>
-            <a:endParaRPr lang="en-US" sz="1800" b="0" strike="noStrike" spc="-1">
+            <a:ext cx="10057320" cy="1449720"/>
+          </a:xfrm>
+          <a:prstGeom prst="rect">
+            <a:avLst/>
+          </a:prstGeom>
+        </p:spPr>
+        <p:txBody>
+          <a:bodyPr lIns="0" rIns="0" tIns="0" bIns="0" anchor="ctr"/>
+          <a:p>
+            <a:endParaRPr b="0" lang="en-US" sz="1800" spc="-1" strike="noStrike">
               <a:solidFill>
                 <a:srgbClr val="000000"/>
               </a:solidFill>
@@ -340,12 +235,11 @@
           </a:prstGeom>
         </p:spPr>
         <p:txBody>
-          <a:bodyPr lIns="0" tIns="0" rIns="0" bIns="0">
+          <a:bodyPr lIns="0" rIns="0" tIns="0" bIns="0">
             <a:normAutofit/>
           </a:bodyPr>
-          <a:lstStyle/>
-          <a:p>
-            <a:endParaRPr lang="en-US" sz="2800" b="0" strike="noStrike" spc="-1">
+          <a:p>
+            <a:endParaRPr b="0" lang="en-US" sz="2800" spc="-1" strike="noStrike">
               <a:solidFill>
                 <a:srgbClr val="000000"/>
               </a:solidFill>
@@ -374,12 +268,11 @@
           </a:prstGeom>
         </p:spPr>
         <p:txBody>
-          <a:bodyPr lIns="0" tIns="0" rIns="0" bIns="0">
+          <a:bodyPr lIns="0" rIns="0" tIns="0" bIns="0">
             <a:normAutofit/>
           </a:bodyPr>
-          <a:lstStyle/>
-          <a:p>
-            <a:endParaRPr lang="en-US" sz="2800" b="0" strike="noStrike" spc="-1">
+          <a:p>
+            <a:endParaRPr b="0" lang="en-US" sz="2800" spc="-1" strike="noStrike">
               <a:solidFill>
                 <a:srgbClr val="000000"/>
               </a:solidFill>
@@ -408,12 +301,11 @@
           </a:prstGeom>
         </p:spPr>
         <p:txBody>
-          <a:bodyPr lIns="0" tIns="0" rIns="0" bIns="0">
+          <a:bodyPr lIns="0" rIns="0" tIns="0" bIns="0">
             <a:normAutofit/>
           </a:bodyPr>
-          <a:lstStyle/>
-          <a:p>
-            <a:endParaRPr lang="en-US" sz="2800" b="0" strike="noStrike" spc="-1">
+          <a:p>
+            <a:endParaRPr b="0" lang="en-US" sz="2800" spc="-1" strike="noStrike">
               <a:solidFill>
                 <a:srgbClr val="000000"/>
               </a:solidFill>
@@ -442,12 +334,11 @@
           </a:prstGeom>
         </p:spPr>
         <p:txBody>
-          <a:bodyPr lIns="0" tIns="0" rIns="0" bIns="0">
+          <a:bodyPr lIns="0" rIns="0" tIns="0" bIns="0">
             <a:normAutofit/>
           </a:bodyPr>
-          <a:lstStyle/>
-          <a:p>
-            <a:endParaRPr lang="en-US" sz="2800" b="0" strike="noStrike" spc="-1">
+          <a:p>
+            <a:endParaRPr b="0" lang="en-US" sz="2800" spc="-1" strike="noStrike">
               <a:solidFill>
                 <a:srgbClr val="000000"/>
               </a:solidFill>
@@ -458,14 +349,11 @@
       </p:sp>
     </p:spTree>
   </p:cSld>
-  <p:clrMapOvr>
-    <a:masterClrMapping/>
-  </p:clrMapOvr>
 </p:sldLayout>
 </file>
 
 <file path=ppt/slideLayouts/slideLayout12.xml><?xml version="1.0" encoding="utf-8"?>
-<p:sldLayout xmlns:a="http://schemas.openxmlformats.org/drawingml/2006/main" xmlns:r="http://schemas.openxmlformats.org/officeDocument/2006/relationships" xmlns:p="http://schemas.openxmlformats.org/presentationml/2006/main" type="blank" preserve="1">
+<p:sldLayout xmlns:a="http://schemas.openxmlformats.org/drawingml/2006/main" xmlns:p="http://schemas.openxmlformats.org/presentationml/2006/main" xmlns:r="http://schemas.openxmlformats.org/officeDocument/2006/relationships" xmlns:p14="http://schemas.microsoft.com/office/powerpoint/2010/main" xmlns:p15="http://schemas.microsoft.com/office/powerpoint/2012/main" xmlns:mc="http://schemas.openxmlformats.org/markup-compatibility/2006" type="blank" preserve="1">
   <p:cSld name="Title, 6 Content">
     <p:spTree>
       <p:nvGrpSpPr>
@@ -494,17 +382,16 @@
         <p:spPr>
           <a:xfrm>
             <a:off x="1097280" y="286560"/>
-            <a:ext cx="10057680" cy="1450080"/>
-          </a:xfrm>
-          <a:prstGeom prst="rect">
-            <a:avLst/>
-          </a:prstGeom>
-        </p:spPr>
-        <p:txBody>
-          <a:bodyPr lIns="0" tIns="0" rIns="0" bIns="0" anchor="ctr"/>
-          <a:lstStyle/>
-          <a:p>
-            <a:endParaRPr lang="en-US" sz="1800" b="0" strike="noStrike" spc="-1">
+            <a:ext cx="10057320" cy="1449720"/>
+          </a:xfrm>
+          <a:prstGeom prst="rect">
+            <a:avLst/>
+          </a:prstGeom>
+        </p:spPr>
+        <p:txBody>
+          <a:bodyPr lIns="0" rIns="0" tIns="0" bIns="0" anchor="ctr"/>
+          <a:p>
+            <a:endParaRPr b="0" lang="en-US" sz="1800" spc="-1" strike="noStrike">
               <a:solidFill>
                 <a:srgbClr val="000000"/>
               </a:solidFill>
@@ -526,19 +413,18 @@
         <p:spPr>
           <a:xfrm>
             <a:off x="609480" y="1604520"/>
-            <a:ext cx="3533040" cy="1896840"/>
-          </a:xfrm>
-          <a:prstGeom prst="rect">
-            <a:avLst/>
-          </a:prstGeom>
-        </p:spPr>
-        <p:txBody>
-          <a:bodyPr lIns="0" tIns="0" rIns="0" bIns="0">
+            <a:ext cx="3532680" cy="1896840"/>
+          </a:xfrm>
+          <a:prstGeom prst="rect">
+            <a:avLst/>
+          </a:prstGeom>
+        </p:spPr>
+        <p:txBody>
+          <a:bodyPr lIns="0" rIns="0" tIns="0" bIns="0">
             <a:normAutofit/>
           </a:bodyPr>
-          <a:lstStyle/>
-          <a:p>
-            <a:endParaRPr lang="en-US" sz="2800" b="0" strike="noStrike" spc="-1">
+          <a:p>
+            <a:endParaRPr b="0" lang="en-US" sz="2800" spc="-1" strike="noStrike">
               <a:solidFill>
                 <a:srgbClr val="000000"/>
               </a:solidFill>
@@ -559,20 +445,19 @@
         </p:nvSpPr>
         <p:spPr>
           <a:xfrm>
-            <a:off x="4319640" y="1604520"/>
-            <a:ext cx="3533040" cy="1896840"/>
-          </a:xfrm>
-          <a:prstGeom prst="rect">
-            <a:avLst/>
-          </a:prstGeom>
-        </p:spPr>
-        <p:txBody>
-          <a:bodyPr lIns="0" tIns="0" rIns="0" bIns="0">
+            <a:off x="4319280" y="1604520"/>
+            <a:ext cx="3532680" cy="1896840"/>
+          </a:xfrm>
+          <a:prstGeom prst="rect">
+            <a:avLst/>
+          </a:prstGeom>
+        </p:spPr>
+        <p:txBody>
+          <a:bodyPr lIns="0" rIns="0" tIns="0" bIns="0">
             <a:normAutofit/>
           </a:bodyPr>
-          <a:lstStyle/>
-          <a:p>
-            <a:endParaRPr lang="en-US" sz="2800" b="0" strike="noStrike" spc="-1">
+          <a:p>
+            <a:endParaRPr b="0" lang="en-US" sz="2800" spc="-1" strike="noStrike">
               <a:solidFill>
                 <a:srgbClr val="000000"/>
               </a:solidFill>
@@ -593,20 +478,19 @@
         </p:nvSpPr>
         <p:spPr>
           <a:xfrm>
-            <a:off x="8029800" y="1604520"/>
-            <a:ext cx="3533040" cy="1896840"/>
-          </a:xfrm>
-          <a:prstGeom prst="rect">
-            <a:avLst/>
-          </a:prstGeom>
-        </p:spPr>
-        <p:txBody>
-          <a:bodyPr lIns="0" tIns="0" rIns="0" bIns="0">
+            <a:off x="8028720" y="1604520"/>
+            <a:ext cx="3532680" cy="1896840"/>
+          </a:xfrm>
+          <a:prstGeom prst="rect">
+            <a:avLst/>
+          </a:prstGeom>
+        </p:spPr>
+        <p:txBody>
+          <a:bodyPr lIns="0" rIns="0" tIns="0" bIns="0">
             <a:normAutofit/>
           </a:bodyPr>
-          <a:lstStyle/>
-          <a:p>
-            <a:endParaRPr lang="en-US" sz="2800" b="0" strike="noStrike" spc="-1">
+          <a:p>
+            <a:endParaRPr b="0" lang="en-US" sz="2800" spc="-1" strike="noStrike">
               <a:solidFill>
                 <a:srgbClr val="000000"/>
               </a:solidFill>
@@ -628,19 +512,18 @@
         <p:spPr>
           <a:xfrm>
             <a:off x="609480" y="3682080"/>
-            <a:ext cx="3533040" cy="1896840"/>
-          </a:xfrm>
-          <a:prstGeom prst="rect">
-            <a:avLst/>
-          </a:prstGeom>
-        </p:spPr>
-        <p:txBody>
-          <a:bodyPr lIns="0" tIns="0" rIns="0" bIns="0">
+            <a:ext cx="3532680" cy="1896840"/>
+          </a:xfrm>
+          <a:prstGeom prst="rect">
+            <a:avLst/>
+          </a:prstGeom>
+        </p:spPr>
+        <p:txBody>
+          <a:bodyPr lIns="0" rIns="0" tIns="0" bIns="0">
             <a:normAutofit/>
           </a:bodyPr>
-          <a:lstStyle/>
-          <a:p>
-            <a:endParaRPr lang="en-US" sz="2800" b="0" strike="noStrike" spc="-1">
+          <a:p>
+            <a:endParaRPr b="0" lang="en-US" sz="2800" spc="-1" strike="noStrike">
               <a:solidFill>
                 <a:srgbClr val="000000"/>
               </a:solidFill>
@@ -661,20 +544,19 @@
         </p:nvSpPr>
         <p:spPr>
           <a:xfrm>
-            <a:off x="4319640" y="3682080"/>
-            <a:ext cx="3533040" cy="1896840"/>
-          </a:xfrm>
-          <a:prstGeom prst="rect">
-            <a:avLst/>
-          </a:prstGeom>
-        </p:spPr>
-        <p:txBody>
-          <a:bodyPr lIns="0" tIns="0" rIns="0" bIns="0">
+            <a:off x="4319280" y="3682080"/>
+            <a:ext cx="3532680" cy="1896840"/>
+          </a:xfrm>
+          <a:prstGeom prst="rect">
+            <a:avLst/>
+          </a:prstGeom>
+        </p:spPr>
+        <p:txBody>
+          <a:bodyPr lIns="0" rIns="0" tIns="0" bIns="0">
             <a:normAutofit/>
           </a:bodyPr>
-          <a:lstStyle/>
-          <a:p>
-            <a:endParaRPr lang="en-US" sz="2800" b="0" strike="noStrike" spc="-1">
+          <a:p>
+            <a:endParaRPr b="0" lang="en-US" sz="2800" spc="-1" strike="noStrike">
               <a:solidFill>
                 <a:srgbClr val="000000"/>
               </a:solidFill>
@@ -695,20 +577,19 @@
         </p:nvSpPr>
         <p:spPr>
           <a:xfrm>
-            <a:off x="8029800" y="3682080"/>
-            <a:ext cx="3533040" cy="1896840"/>
-          </a:xfrm>
-          <a:prstGeom prst="rect">
-            <a:avLst/>
-          </a:prstGeom>
-        </p:spPr>
-        <p:txBody>
-          <a:bodyPr lIns="0" tIns="0" rIns="0" bIns="0">
+            <a:off x="8028720" y="3682080"/>
+            <a:ext cx="3532680" cy="1896840"/>
+          </a:xfrm>
+          <a:prstGeom prst="rect">
+            <a:avLst/>
+          </a:prstGeom>
+        </p:spPr>
+        <p:txBody>
+          <a:bodyPr lIns="0" rIns="0" tIns="0" bIns="0">
             <a:normAutofit/>
           </a:bodyPr>
-          <a:lstStyle/>
-          <a:p>
-            <a:endParaRPr lang="en-US" sz="2800" b="0" strike="noStrike" spc="-1">
+          <a:p>
+            <a:endParaRPr b="0" lang="en-US" sz="2800" spc="-1" strike="noStrike">
               <a:solidFill>
                 <a:srgbClr val="000000"/>
               </a:solidFill>
@@ -719,14 +600,11 @@
       </p:sp>
     </p:spTree>
   </p:cSld>
-  <p:clrMapOvr>
-    <a:masterClrMapping/>
-  </p:clrMapOvr>
 </p:sldLayout>
 </file>
 
 <file path=ppt/slideLayouts/slideLayout13.xml><?xml version="1.0" encoding="utf-8"?>
-<p:sldLayout xmlns:a="http://schemas.openxmlformats.org/drawingml/2006/main" xmlns:r="http://schemas.openxmlformats.org/officeDocument/2006/relationships" xmlns:p="http://schemas.openxmlformats.org/presentationml/2006/main" type="blank" preserve="1">
+<p:sldLayout xmlns:a="http://schemas.openxmlformats.org/drawingml/2006/main" xmlns:p="http://schemas.openxmlformats.org/presentationml/2006/main" xmlns:r="http://schemas.openxmlformats.org/officeDocument/2006/relationships" xmlns:p14="http://schemas.microsoft.com/office/powerpoint/2010/main" xmlns:p15="http://schemas.microsoft.com/office/powerpoint/2012/main" xmlns:mc="http://schemas.openxmlformats.org/markup-compatibility/2006" type="blank" preserve="1">
   <p:cSld name="Blank Slide">
     <p:spTree>
       <p:nvGrpSpPr>
@@ -744,14 +622,11 @@
       </p:grpSpPr>
     </p:spTree>
   </p:cSld>
-  <p:clrMapOvr>
-    <a:masterClrMapping/>
-  </p:clrMapOvr>
 </p:sldLayout>
 </file>
 
 <file path=ppt/slideLayouts/slideLayout14.xml><?xml version="1.0" encoding="utf-8"?>
-<p:sldLayout xmlns:a="http://schemas.openxmlformats.org/drawingml/2006/main" xmlns:r="http://schemas.openxmlformats.org/officeDocument/2006/relationships" xmlns:p="http://schemas.openxmlformats.org/presentationml/2006/main" type="tx" preserve="1">
+<p:sldLayout xmlns:a="http://schemas.openxmlformats.org/drawingml/2006/main" xmlns:p="http://schemas.openxmlformats.org/presentationml/2006/main" xmlns:r="http://schemas.openxmlformats.org/officeDocument/2006/relationships" xmlns:p14="http://schemas.microsoft.com/office/powerpoint/2010/main" xmlns:p15="http://schemas.microsoft.com/office/powerpoint/2012/main" xmlns:mc="http://schemas.openxmlformats.org/markup-compatibility/2006" type="tx" preserve="1">
   <p:cSld name="Title Slide">
     <p:spTree>
       <p:nvGrpSpPr>
@@ -780,17 +655,16 @@
         <p:spPr>
           <a:xfrm>
             <a:off x="1097280" y="286560"/>
-            <a:ext cx="10057680" cy="1450080"/>
-          </a:xfrm>
-          <a:prstGeom prst="rect">
-            <a:avLst/>
-          </a:prstGeom>
-        </p:spPr>
-        <p:txBody>
-          <a:bodyPr lIns="0" tIns="0" rIns="0" bIns="0" anchor="ctr"/>
-          <a:lstStyle/>
-          <a:p>
-            <a:endParaRPr lang="en-US" sz="1800" b="0" strike="noStrike" spc="-1">
+            <a:ext cx="10057320" cy="1449720"/>
+          </a:xfrm>
+          <a:prstGeom prst="rect">
+            <a:avLst/>
+          </a:prstGeom>
+        </p:spPr>
+        <p:txBody>
+          <a:bodyPr lIns="0" rIns="0" tIns="0" bIns="0" anchor="ctr"/>
+          <a:p>
+            <a:endParaRPr b="0" lang="en-US" sz="1800" spc="-1" strike="noStrike">
               <a:solidFill>
                 <a:srgbClr val="000000"/>
               </a:solidFill>
@@ -812,18 +686,17 @@
         <p:spPr>
           <a:xfrm>
             <a:off x="609480" y="1604520"/>
-            <a:ext cx="10972440" cy="3977280"/>
-          </a:xfrm>
-          <a:prstGeom prst="rect">
-            <a:avLst/>
-          </a:prstGeom>
-        </p:spPr>
-        <p:txBody>
-          <a:bodyPr lIns="0" tIns="0" rIns="0" bIns="0" anchor="ctr"/>
-          <a:lstStyle/>
+            <a:ext cx="10972080" cy="3976920"/>
+          </a:xfrm>
+          <a:prstGeom prst="rect">
+            <a:avLst/>
+          </a:prstGeom>
+        </p:spPr>
+        <p:txBody>
+          <a:bodyPr lIns="0" rIns="0" tIns="0" bIns="0" anchor="ctr"/>
           <a:p>
             <a:pPr algn="ctr"/>
-            <a:endParaRPr lang="en-US" sz="3200" b="0" strike="noStrike" spc="-1">
+            <a:endParaRPr b="0" lang="en-US" sz="3200" spc="-1" strike="noStrike">
               <a:latin typeface="Arial"/>
             </a:endParaRPr>
           </a:p>
@@ -831,14 +704,11 @@
       </p:sp>
     </p:spTree>
   </p:cSld>
-  <p:clrMapOvr>
-    <a:masterClrMapping/>
-  </p:clrMapOvr>
 </p:sldLayout>
 </file>
 
 <file path=ppt/slideLayouts/slideLayout15.xml><?xml version="1.0" encoding="utf-8"?>
-<p:sldLayout xmlns:a="http://schemas.openxmlformats.org/drawingml/2006/main" xmlns:r="http://schemas.openxmlformats.org/officeDocument/2006/relationships" xmlns:p="http://schemas.openxmlformats.org/presentationml/2006/main" type="obj" preserve="1">
+<p:sldLayout xmlns:a="http://schemas.openxmlformats.org/drawingml/2006/main" xmlns:p="http://schemas.openxmlformats.org/presentationml/2006/main" xmlns:r="http://schemas.openxmlformats.org/officeDocument/2006/relationships" xmlns:p14="http://schemas.microsoft.com/office/powerpoint/2010/main" xmlns:p15="http://schemas.microsoft.com/office/powerpoint/2012/main" xmlns:mc="http://schemas.openxmlformats.org/markup-compatibility/2006" type="obj" preserve="1">
   <p:cSld name="Title, Content">
     <p:spTree>
       <p:nvGrpSpPr>
@@ -867,17 +737,16 @@
         <p:spPr>
           <a:xfrm>
             <a:off x="1097280" y="286560"/>
-            <a:ext cx="10057680" cy="1450080"/>
-          </a:xfrm>
-          <a:prstGeom prst="rect">
-            <a:avLst/>
-          </a:prstGeom>
-        </p:spPr>
-        <p:txBody>
-          <a:bodyPr lIns="0" tIns="0" rIns="0" bIns="0" anchor="ctr"/>
-          <a:lstStyle/>
-          <a:p>
-            <a:endParaRPr lang="en-US" sz="1800" b="0" strike="noStrike" spc="-1">
+            <a:ext cx="10057320" cy="1449720"/>
+          </a:xfrm>
+          <a:prstGeom prst="rect">
+            <a:avLst/>
+          </a:prstGeom>
+        </p:spPr>
+        <p:txBody>
+          <a:bodyPr lIns="0" rIns="0" tIns="0" bIns="0" anchor="ctr"/>
+          <a:p>
+            <a:endParaRPr b="0" lang="en-US" sz="1800" spc="-1" strike="noStrike">
               <a:solidFill>
                 <a:srgbClr val="000000"/>
               </a:solidFill>
@@ -899,19 +768,18 @@
         <p:spPr>
           <a:xfrm>
             <a:off x="609480" y="1604520"/>
-            <a:ext cx="10972440" cy="3977280"/>
-          </a:xfrm>
-          <a:prstGeom prst="rect">
-            <a:avLst/>
-          </a:prstGeom>
-        </p:spPr>
-        <p:txBody>
-          <a:bodyPr lIns="0" tIns="0" rIns="0" bIns="0">
+            <a:ext cx="10972080" cy="3976920"/>
+          </a:xfrm>
+          <a:prstGeom prst="rect">
+            <a:avLst/>
+          </a:prstGeom>
+        </p:spPr>
+        <p:txBody>
+          <a:bodyPr lIns="0" rIns="0" tIns="0" bIns="0">
             <a:normAutofit/>
           </a:bodyPr>
-          <a:lstStyle/>
-          <a:p>
-            <a:endParaRPr lang="en-US" sz="2800" b="0" strike="noStrike" spc="-1">
+          <a:p>
+            <a:endParaRPr b="0" lang="en-US" sz="2800" spc="-1" strike="noStrike">
               <a:solidFill>
                 <a:srgbClr val="000000"/>
               </a:solidFill>
@@ -922,14 +790,11 @@
       </p:sp>
     </p:spTree>
   </p:cSld>
-  <p:clrMapOvr>
-    <a:masterClrMapping/>
-  </p:clrMapOvr>
 </p:sldLayout>
 </file>
 
 <file path=ppt/slideLayouts/slideLayout16.xml><?xml version="1.0" encoding="utf-8"?>
-<p:sldLayout xmlns:a="http://schemas.openxmlformats.org/drawingml/2006/main" xmlns:r="http://schemas.openxmlformats.org/officeDocument/2006/relationships" xmlns:p="http://schemas.openxmlformats.org/presentationml/2006/main" type="twoObj" preserve="1">
+<p:sldLayout xmlns:a="http://schemas.openxmlformats.org/drawingml/2006/main" xmlns:p="http://schemas.openxmlformats.org/presentationml/2006/main" xmlns:r="http://schemas.openxmlformats.org/officeDocument/2006/relationships" xmlns:p14="http://schemas.microsoft.com/office/powerpoint/2010/main" xmlns:p15="http://schemas.microsoft.com/office/powerpoint/2012/main" xmlns:mc="http://schemas.openxmlformats.org/markup-compatibility/2006" type="twoObj" preserve="1">
   <p:cSld name="Title, 2 Content">
     <p:spTree>
       <p:nvGrpSpPr>
@@ -958,17 +823,16 @@
         <p:spPr>
           <a:xfrm>
             <a:off x="1097280" y="286560"/>
-            <a:ext cx="10057680" cy="1450080"/>
-          </a:xfrm>
-          <a:prstGeom prst="rect">
-            <a:avLst/>
-          </a:prstGeom>
-        </p:spPr>
-        <p:txBody>
-          <a:bodyPr lIns="0" tIns="0" rIns="0" bIns="0" anchor="ctr"/>
-          <a:lstStyle/>
-          <a:p>
-            <a:endParaRPr lang="en-US" sz="1800" b="0" strike="noStrike" spc="-1">
+            <a:ext cx="10057320" cy="1449720"/>
+          </a:xfrm>
+          <a:prstGeom prst="rect">
+            <a:avLst/>
+          </a:prstGeom>
+        </p:spPr>
+        <p:txBody>
+          <a:bodyPr lIns="0" rIns="0" tIns="0" bIns="0" anchor="ctr"/>
+          <a:p>
+            <a:endParaRPr b="0" lang="en-US" sz="1800" spc="-1" strike="noStrike">
               <a:solidFill>
                 <a:srgbClr val="000000"/>
               </a:solidFill>
@@ -990,19 +854,18 @@
         <p:spPr>
           <a:xfrm>
             <a:off x="609480" y="1604520"/>
-            <a:ext cx="5354280" cy="3977280"/>
-          </a:xfrm>
-          <a:prstGeom prst="rect">
-            <a:avLst/>
-          </a:prstGeom>
-        </p:spPr>
-        <p:txBody>
-          <a:bodyPr lIns="0" tIns="0" rIns="0" bIns="0">
+            <a:ext cx="5354280" cy="3976920"/>
+          </a:xfrm>
+          <a:prstGeom prst="rect">
+            <a:avLst/>
+          </a:prstGeom>
+        </p:spPr>
+        <p:txBody>
+          <a:bodyPr lIns="0" rIns="0" tIns="0" bIns="0">
             <a:normAutofit/>
           </a:bodyPr>
-          <a:lstStyle/>
-          <a:p>
-            <a:endParaRPr lang="en-US" sz="2800" b="0" strike="noStrike" spc="-1">
+          <a:p>
+            <a:endParaRPr b="0" lang="en-US" sz="2800" spc="-1" strike="noStrike">
               <a:solidFill>
                 <a:srgbClr val="000000"/>
               </a:solidFill>
@@ -1024,19 +887,18 @@
         <p:spPr>
           <a:xfrm>
             <a:off x="6231960" y="1604520"/>
-            <a:ext cx="5354280" cy="3977280"/>
-          </a:xfrm>
-          <a:prstGeom prst="rect">
-            <a:avLst/>
-          </a:prstGeom>
-        </p:spPr>
-        <p:txBody>
-          <a:bodyPr lIns="0" tIns="0" rIns="0" bIns="0">
+            <a:ext cx="5354280" cy="3976920"/>
+          </a:xfrm>
+          <a:prstGeom prst="rect">
+            <a:avLst/>
+          </a:prstGeom>
+        </p:spPr>
+        <p:txBody>
+          <a:bodyPr lIns="0" rIns="0" tIns="0" bIns="0">
             <a:normAutofit/>
           </a:bodyPr>
-          <a:lstStyle/>
-          <a:p>
-            <a:endParaRPr lang="en-US" sz="2800" b="0" strike="noStrike" spc="-1">
+          <a:p>
+            <a:endParaRPr b="0" lang="en-US" sz="2800" spc="-1" strike="noStrike">
               <a:solidFill>
                 <a:srgbClr val="000000"/>
               </a:solidFill>
@@ -1047,14 +909,11 @@
       </p:sp>
     </p:spTree>
   </p:cSld>
-  <p:clrMapOvr>
-    <a:masterClrMapping/>
-  </p:clrMapOvr>
 </p:sldLayout>
 </file>
 
 <file path=ppt/slideLayouts/slideLayout17.xml><?xml version="1.0" encoding="utf-8"?>
-<p:sldLayout xmlns:a="http://schemas.openxmlformats.org/drawingml/2006/main" xmlns:r="http://schemas.openxmlformats.org/officeDocument/2006/relationships" xmlns:p="http://schemas.openxmlformats.org/presentationml/2006/main" type="titleOnly" preserve="1">
+<p:sldLayout xmlns:a="http://schemas.openxmlformats.org/drawingml/2006/main" xmlns:p="http://schemas.openxmlformats.org/presentationml/2006/main" xmlns:r="http://schemas.openxmlformats.org/officeDocument/2006/relationships" xmlns:p14="http://schemas.microsoft.com/office/powerpoint/2010/main" xmlns:p15="http://schemas.microsoft.com/office/powerpoint/2012/main" xmlns:mc="http://schemas.openxmlformats.org/markup-compatibility/2006" type="titleOnly" preserve="1">
   <p:cSld name="Title Only">
     <p:spTree>
       <p:nvGrpSpPr>
@@ -1083,17 +942,16 @@
         <p:spPr>
           <a:xfrm>
             <a:off x="1097280" y="286560"/>
-            <a:ext cx="10057680" cy="1450080"/>
-          </a:xfrm>
-          <a:prstGeom prst="rect">
-            <a:avLst/>
-          </a:prstGeom>
-        </p:spPr>
-        <p:txBody>
-          <a:bodyPr lIns="0" tIns="0" rIns="0" bIns="0" anchor="ctr"/>
-          <a:lstStyle/>
-          <a:p>
-            <a:endParaRPr lang="en-US" sz="1800" b="0" strike="noStrike" spc="-1">
+            <a:ext cx="10057320" cy="1449720"/>
+          </a:xfrm>
+          <a:prstGeom prst="rect">
+            <a:avLst/>
+          </a:prstGeom>
+        </p:spPr>
+        <p:txBody>
+          <a:bodyPr lIns="0" rIns="0" tIns="0" bIns="0" anchor="ctr"/>
+          <a:p>
+            <a:endParaRPr b="0" lang="en-US" sz="1800" spc="-1" strike="noStrike">
               <a:solidFill>
                 <a:srgbClr val="000000"/>
               </a:solidFill>
@@ -1104,14 +962,11 @@
       </p:sp>
     </p:spTree>
   </p:cSld>
-  <p:clrMapOvr>
-    <a:masterClrMapping/>
-  </p:clrMapOvr>
 </p:sldLayout>
 </file>
 
 <file path=ppt/slideLayouts/slideLayout18.xml><?xml version="1.0" encoding="utf-8"?>
-<p:sldLayout xmlns:a="http://schemas.openxmlformats.org/drawingml/2006/main" xmlns:r="http://schemas.openxmlformats.org/officeDocument/2006/relationships" xmlns:p="http://schemas.openxmlformats.org/presentationml/2006/main" type="objOnly" preserve="1">
+<p:sldLayout xmlns:a="http://schemas.openxmlformats.org/drawingml/2006/main" xmlns:p="http://schemas.openxmlformats.org/presentationml/2006/main" xmlns:r="http://schemas.openxmlformats.org/officeDocument/2006/relationships" xmlns:p14="http://schemas.microsoft.com/office/powerpoint/2010/main" xmlns:p15="http://schemas.microsoft.com/office/powerpoint/2012/main" xmlns:mc="http://schemas.openxmlformats.org/markup-compatibility/2006" type="objOnly" preserve="1">
   <p:cSld name="Centered Text">
     <p:spTree>
       <p:nvGrpSpPr>
@@ -1140,18 +995,17 @@
         <p:spPr>
           <a:xfrm>
             <a:off x="1097280" y="286560"/>
-            <a:ext cx="10057680" cy="6723000"/>
-          </a:xfrm>
-          <a:prstGeom prst="rect">
-            <a:avLst/>
-          </a:prstGeom>
-        </p:spPr>
-        <p:txBody>
-          <a:bodyPr lIns="0" tIns="0" rIns="0" bIns="0" anchor="ctr"/>
-          <a:lstStyle/>
+            <a:ext cx="10057320" cy="6721200"/>
+          </a:xfrm>
+          <a:prstGeom prst="rect">
+            <a:avLst/>
+          </a:prstGeom>
+        </p:spPr>
+        <p:txBody>
+          <a:bodyPr lIns="0" rIns="0" tIns="0" bIns="0" anchor="ctr"/>
           <a:p>
             <a:pPr algn="ctr"/>
-            <a:endParaRPr lang="en-US" sz="3200" b="0" strike="noStrike" spc="-1">
+            <a:endParaRPr b="0" lang="en-US" sz="3200" spc="-1" strike="noStrike">
               <a:latin typeface="Arial"/>
             </a:endParaRPr>
           </a:p>
@@ -1159,14 +1013,11 @@
       </p:sp>
     </p:spTree>
   </p:cSld>
-  <p:clrMapOvr>
-    <a:masterClrMapping/>
-  </p:clrMapOvr>
 </p:sldLayout>
 </file>
 
 <file path=ppt/slideLayouts/slideLayout19.xml><?xml version="1.0" encoding="utf-8"?>
-<p:sldLayout xmlns:a="http://schemas.openxmlformats.org/drawingml/2006/main" xmlns:r="http://schemas.openxmlformats.org/officeDocument/2006/relationships" xmlns:p="http://schemas.openxmlformats.org/presentationml/2006/main" type="twoObjAndObj" preserve="1">
+<p:sldLayout xmlns:a="http://schemas.openxmlformats.org/drawingml/2006/main" xmlns:p="http://schemas.openxmlformats.org/presentationml/2006/main" xmlns:r="http://schemas.openxmlformats.org/officeDocument/2006/relationships" xmlns:p14="http://schemas.microsoft.com/office/powerpoint/2010/main" xmlns:p15="http://schemas.microsoft.com/office/powerpoint/2012/main" xmlns:mc="http://schemas.openxmlformats.org/markup-compatibility/2006" type="twoObjAndObj" preserve="1">
   <p:cSld name="Title, 2 Content and Content">
     <p:spTree>
       <p:nvGrpSpPr>
@@ -1195,17 +1046,16 @@
         <p:spPr>
           <a:xfrm>
             <a:off x="1097280" y="286560"/>
-            <a:ext cx="10057680" cy="1450080"/>
-          </a:xfrm>
-          <a:prstGeom prst="rect">
-            <a:avLst/>
-          </a:prstGeom>
-        </p:spPr>
-        <p:txBody>
-          <a:bodyPr lIns="0" tIns="0" rIns="0" bIns="0" anchor="ctr"/>
-          <a:lstStyle/>
-          <a:p>
-            <a:endParaRPr lang="en-US" sz="1800" b="0" strike="noStrike" spc="-1">
+            <a:ext cx="10057320" cy="1449720"/>
+          </a:xfrm>
+          <a:prstGeom prst="rect">
+            <a:avLst/>
+          </a:prstGeom>
+        </p:spPr>
+        <p:txBody>
+          <a:bodyPr lIns="0" rIns="0" tIns="0" bIns="0" anchor="ctr"/>
+          <a:p>
+            <a:endParaRPr b="0" lang="en-US" sz="1800" spc="-1" strike="noStrike">
               <a:solidFill>
                 <a:srgbClr val="000000"/>
               </a:solidFill>
@@ -1234,12 +1084,11 @@
           </a:prstGeom>
         </p:spPr>
         <p:txBody>
-          <a:bodyPr lIns="0" tIns="0" rIns="0" bIns="0">
+          <a:bodyPr lIns="0" rIns="0" tIns="0" bIns="0">
             <a:normAutofit/>
           </a:bodyPr>
-          <a:lstStyle/>
-          <a:p>
-            <a:endParaRPr lang="en-US" sz="2800" b="0" strike="noStrike" spc="-1">
+          <a:p>
+            <a:endParaRPr b="0" lang="en-US" sz="2800" spc="-1" strike="noStrike">
               <a:solidFill>
                 <a:srgbClr val="000000"/>
               </a:solidFill>
@@ -1261,19 +1110,18 @@
         <p:spPr>
           <a:xfrm>
             <a:off x="6231960" y="1604520"/>
-            <a:ext cx="5354280" cy="3977280"/>
-          </a:xfrm>
-          <a:prstGeom prst="rect">
-            <a:avLst/>
-          </a:prstGeom>
-        </p:spPr>
-        <p:txBody>
-          <a:bodyPr lIns="0" tIns="0" rIns="0" bIns="0">
+            <a:ext cx="5354280" cy="3976920"/>
+          </a:xfrm>
+          <a:prstGeom prst="rect">
+            <a:avLst/>
+          </a:prstGeom>
+        </p:spPr>
+        <p:txBody>
+          <a:bodyPr lIns="0" rIns="0" tIns="0" bIns="0">
             <a:normAutofit/>
           </a:bodyPr>
-          <a:lstStyle/>
-          <a:p>
-            <a:endParaRPr lang="en-US" sz="2800" b="0" strike="noStrike" spc="-1">
+          <a:p>
+            <a:endParaRPr b="0" lang="en-US" sz="2800" spc="-1" strike="noStrike">
               <a:solidFill>
                 <a:srgbClr val="000000"/>
               </a:solidFill>
@@ -1302,12 +1150,11 @@
           </a:prstGeom>
         </p:spPr>
         <p:txBody>
-          <a:bodyPr lIns="0" tIns="0" rIns="0" bIns="0">
+          <a:bodyPr lIns="0" rIns="0" tIns="0" bIns="0">
             <a:normAutofit/>
           </a:bodyPr>
-          <a:lstStyle/>
-          <a:p>
-            <a:endParaRPr lang="en-US" sz="2800" b="0" strike="noStrike" spc="-1">
+          <a:p>
+            <a:endParaRPr b="0" lang="en-US" sz="2800" spc="-1" strike="noStrike">
               <a:solidFill>
                 <a:srgbClr val="000000"/>
               </a:solidFill>
@@ -1318,14 +1165,11 @@
       </p:sp>
     </p:spTree>
   </p:cSld>
-  <p:clrMapOvr>
-    <a:masterClrMapping/>
-  </p:clrMapOvr>
 </p:sldLayout>
 </file>
 
 <file path=ppt/slideLayouts/slideLayout2.xml><?xml version="1.0" encoding="utf-8"?>
-<p:sldLayout xmlns:a="http://schemas.openxmlformats.org/drawingml/2006/main" xmlns:r="http://schemas.openxmlformats.org/officeDocument/2006/relationships" xmlns:p="http://schemas.openxmlformats.org/presentationml/2006/main" type="tx" preserve="1">
+<p:sldLayout xmlns:a="http://schemas.openxmlformats.org/drawingml/2006/main" xmlns:p="http://schemas.openxmlformats.org/presentationml/2006/main" xmlns:r="http://schemas.openxmlformats.org/officeDocument/2006/relationships" xmlns:p14="http://schemas.microsoft.com/office/powerpoint/2010/main" xmlns:p15="http://schemas.microsoft.com/office/powerpoint/2012/main" xmlns:mc="http://schemas.openxmlformats.org/markup-compatibility/2006" type="tx" preserve="1">
   <p:cSld name="Title Slide">
     <p:spTree>
       <p:nvGrpSpPr>
@@ -1354,17 +1198,16 @@
         <p:spPr>
           <a:xfrm>
             <a:off x="1097280" y="286560"/>
-            <a:ext cx="10057680" cy="1450080"/>
-          </a:xfrm>
-          <a:prstGeom prst="rect">
-            <a:avLst/>
-          </a:prstGeom>
-        </p:spPr>
-        <p:txBody>
-          <a:bodyPr lIns="0" tIns="0" rIns="0" bIns="0" anchor="ctr"/>
-          <a:lstStyle/>
-          <a:p>
-            <a:endParaRPr lang="en-US" sz="1800" b="0" strike="noStrike" spc="-1">
+            <a:ext cx="10057320" cy="1449720"/>
+          </a:xfrm>
+          <a:prstGeom prst="rect">
+            <a:avLst/>
+          </a:prstGeom>
+        </p:spPr>
+        <p:txBody>
+          <a:bodyPr lIns="0" rIns="0" tIns="0" bIns="0" anchor="ctr"/>
+          <a:p>
+            <a:endParaRPr b="0" lang="en-US" sz="1800" spc="-1" strike="noStrike">
               <a:solidFill>
                 <a:srgbClr val="000000"/>
               </a:solidFill>
@@ -1386,18 +1229,17 @@
         <p:spPr>
           <a:xfrm>
             <a:off x="609480" y="1604520"/>
-            <a:ext cx="10972440" cy="3977280"/>
-          </a:xfrm>
-          <a:prstGeom prst="rect">
-            <a:avLst/>
-          </a:prstGeom>
-        </p:spPr>
-        <p:txBody>
-          <a:bodyPr lIns="0" tIns="0" rIns="0" bIns="0" anchor="ctr"/>
-          <a:lstStyle/>
+            <a:ext cx="10972080" cy="3976920"/>
+          </a:xfrm>
+          <a:prstGeom prst="rect">
+            <a:avLst/>
+          </a:prstGeom>
+        </p:spPr>
+        <p:txBody>
+          <a:bodyPr lIns="0" rIns="0" tIns="0" bIns="0" anchor="ctr"/>
           <a:p>
             <a:pPr algn="ctr"/>
-            <a:endParaRPr lang="en-US" sz="3200" b="0" strike="noStrike" spc="-1">
+            <a:endParaRPr b="0" lang="en-US" sz="3200" spc="-1" strike="noStrike">
               <a:latin typeface="Arial"/>
             </a:endParaRPr>
           </a:p>
@@ -1405,14 +1247,11 @@
       </p:sp>
     </p:spTree>
   </p:cSld>
-  <p:clrMapOvr>
-    <a:masterClrMapping/>
-  </p:clrMapOvr>
 </p:sldLayout>
 </file>
 
 <file path=ppt/slideLayouts/slideLayout20.xml><?xml version="1.0" encoding="utf-8"?>
-<p:sldLayout xmlns:a="http://schemas.openxmlformats.org/drawingml/2006/main" xmlns:r="http://schemas.openxmlformats.org/officeDocument/2006/relationships" xmlns:p="http://schemas.openxmlformats.org/presentationml/2006/main" type="objAndTwoObj" preserve="1">
+<p:sldLayout xmlns:a="http://schemas.openxmlformats.org/drawingml/2006/main" xmlns:p="http://schemas.openxmlformats.org/presentationml/2006/main" xmlns:r="http://schemas.openxmlformats.org/officeDocument/2006/relationships" xmlns:p14="http://schemas.microsoft.com/office/powerpoint/2010/main" xmlns:p15="http://schemas.microsoft.com/office/powerpoint/2012/main" xmlns:mc="http://schemas.openxmlformats.org/markup-compatibility/2006" type="objAndTwoObj" preserve="1">
   <p:cSld name="Title Content and 2 Content">
     <p:spTree>
       <p:nvGrpSpPr>
@@ -1441,17 +1280,16 @@
         <p:spPr>
           <a:xfrm>
             <a:off x="1097280" y="286560"/>
-            <a:ext cx="10057680" cy="1450080"/>
-          </a:xfrm>
-          <a:prstGeom prst="rect">
-            <a:avLst/>
-          </a:prstGeom>
-        </p:spPr>
-        <p:txBody>
-          <a:bodyPr lIns="0" tIns="0" rIns="0" bIns="0" anchor="ctr"/>
-          <a:lstStyle/>
-          <a:p>
-            <a:endParaRPr lang="en-US" sz="1800" b="0" strike="noStrike" spc="-1">
+            <a:ext cx="10057320" cy="1449720"/>
+          </a:xfrm>
+          <a:prstGeom prst="rect">
+            <a:avLst/>
+          </a:prstGeom>
+        </p:spPr>
+        <p:txBody>
+          <a:bodyPr lIns="0" rIns="0" tIns="0" bIns="0" anchor="ctr"/>
+          <a:p>
+            <a:endParaRPr b="0" lang="en-US" sz="1800" spc="-1" strike="noStrike">
               <a:solidFill>
                 <a:srgbClr val="000000"/>
               </a:solidFill>
@@ -1473,19 +1311,18 @@
         <p:spPr>
           <a:xfrm>
             <a:off x="609480" y="1604520"/>
-            <a:ext cx="5354280" cy="3977280"/>
-          </a:xfrm>
-          <a:prstGeom prst="rect">
-            <a:avLst/>
-          </a:prstGeom>
-        </p:spPr>
-        <p:txBody>
-          <a:bodyPr lIns="0" tIns="0" rIns="0" bIns="0">
+            <a:ext cx="5354280" cy="3976920"/>
+          </a:xfrm>
+          <a:prstGeom prst="rect">
+            <a:avLst/>
+          </a:prstGeom>
+        </p:spPr>
+        <p:txBody>
+          <a:bodyPr lIns="0" rIns="0" tIns="0" bIns="0">
             <a:normAutofit/>
           </a:bodyPr>
-          <a:lstStyle/>
-          <a:p>
-            <a:endParaRPr lang="en-US" sz="2800" b="0" strike="noStrike" spc="-1">
+          <a:p>
+            <a:endParaRPr b="0" lang="en-US" sz="2800" spc="-1" strike="noStrike">
               <a:solidFill>
                 <a:srgbClr val="000000"/>
               </a:solidFill>
@@ -1514,12 +1351,11 @@
           </a:prstGeom>
         </p:spPr>
         <p:txBody>
-          <a:bodyPr lIns="0" tIns="0" rIns="0" bIns="0">
+          <a:bodyPr lIns="0" rIns="0" tIns="0" bIns="0">
             <a:normAutofit/>
           </a:bodyPr>
-          <a:lstStyle/>
-          <a:p>
-            <a:endParaRPr lang="en-US" sz="2800" b="0" strike="noStrike" spc="-1">
+          <a:p>
+            <a:endParaRPr b="0" lang="en-US" sz="2800" spc="-1" strike="noStrike">
               <a:solidFill>
                 <a:srgbClr val="000000"/>
               </a:solidFill>
@@ -1548,12 +1384,11 @@
           </a:prstGeom>
         </p:spPr>
         <p:txBody>
-          <a:bodyPr lIns="0" tIns="0" rIns="0" bIns="0">
+          <a:bodyPr lIns="0" rIns="0" tIns="0" bIns="0">
             <a:normAutofit/>
           </a:bodyPr>
-          <a:lstStyle/>
-          <a:p>
-            <a:endParaRPr lang="en-US" sz="2800" b="0" strike="noStrike" spc="-1">
+          <a:p>
+            <a:endParaRPr b="0" lang="en-US" sz="2800" spc="-1" strike="noStrike">
               <a:solidFill>
                 <a:srgbClr val="000000"/>
               </a:solidFill>
@@ -1564,14 +1399,11 @@
       </p:sp>
     </p:spTree>
   </p:cSld>
-  <p:clrMapOvr>
-    <a:masterClrMapping/>
-  </p:clrMapOvr>
 </p:sldLayout>
 </file>
 
 <file path=ppt/slideLayouts/slideLayout21.xml><?xml version="1.0" encoding="utf-8"?>
-<p:sldLayout xmlns:a="http://schemas.openxmlformats.org/drawingml/2006/main" xmlns:r="http://schemas.openxmlformats.org/officeDocument/2006/relationships" xmlns:p="http://schemas.openxmlformats.org/presentationml/2006/main" type="twoObjOverTx" preserve="1">
+<p:sldLayout xmlns:a="http://schemas.openxmlformats.org/drawingml/2006/main" xmlns:p="http://schemas.openxmlformats.org/presentationml/2006/main" xmlns:r="http://schemas.openxmlformats.org/officeDocument/2006/relationships" xmlns:p14="http://schemas.microsoft.com/office/powerpoint/2010/main" xmlns:p15="http://schemas.microsoft.com/office/powerpoint/2012/main" xmlns:mc="http://schemas.openxmlformats.org/markup-compatibility/2006" type="twoObjOverTx" preserve="1">
   <p:cSld name="Title, 2 Content over Content">
     <p:spTree>
       <p:nvGrpSpPr>
@@ -1600,17 +1432,16 @@
         <p:spPr>
           <a:xfrm>
             <a:off x="1097280" y="286560"/>
-            <a:ext cx="10057680" cy="1450080"/>
-          </a:xfrm>
-          <a:prstGeom prst="rect">
-            <a:avLst/>
-          </a:prstGeom>
-        </p:spPr>
-        <p:txBody>
-          <a:bodyPr lIns="0" tIns="0" rIns="0" bIns="0" anchor="ctr"/>
-          <a:lstStyle/>
-          <a:p>
-            <a:endParaRPr lang="en-US" sz="1800" b="0" strike="noStrike" spc="-1">
+            <a:ext cx="10057320" cy="1449720"/>
+          </a:xfrm>
+          <a:prstGeom prst="rect">
+            <a:avLst/>
+          </a:prstGeom>
+        </p:spPr>
+        <p:txBody>
+          <a:bodyPr lIns="0" rIns="0" tIns="0" bIns="0" anchor="ctr"/>
+          <a:p>
+            <a:endParaRPr b="0" lang="en-US" sz="1800" spc="-1" strike="noStrike">
               <a:solidFill>
                 <a:srgbClr val="000000"/>
               </a:solidFill>
@@ -1639,12 +1470,11 @@
           </a:prstGeom>
         </p:spPr>
         <p:txBody>
-          <a:bodyPr lIns="0" tIns="0" rIns="0" bIns="0">
+          <a:bodyPr lIns="0" rIns="0" tIns="0" bIns="0">
             <a:normAutofit/>
           </a:bodyPr>
-          <a:lstStyle/>
-          <a:p>
-            <a:endParaRPr lang="en-US" sz="2800" b="0" strike="noStrike" spc="-1">
+          <a:p>
+            <a:endParaRPr b="0" lang="en-US" sz="2800" spc="-1" strike="noStrike">
               <a:solidFill>
                 <a:srgbClr val="000000"/>
               </a:solidFill>
@@ -1673,12 +1503,11 @@
           </a:prstGeom>
         </p:spPr>
         <p:txBody>
-          <a:bodyPr lIns="0" tIns="0" rIns="0" bIns="0">
+          <a:bodyPr lIns="0" rIns="0" tIns="0" bIns="0">
             <a:normAutofit/>
           </a:bodyPr>
-          <a:lstStyle/>
-          <a:p>
-            <a:endParaRPr lang="en-US" sz="2800" b="0" strike="noStrike" spc="-1">
+          <a:p>
+            <a:endParaRPr b="0" lang="en-US" sz="2800" spc="-1" strike="noStrike">
               <a:solidFill>
                 <a:srgbClr val="000000"/>
               </a:solidFill>
@@ -1700,19 +1529,18 @@
         <p:spPr>
           <a:xfrm>
             <a:off x="609480" y="3682080"/>
-            <a:ext cx="10972440" cy="1896840"/>
-          </a:xfrm>
-          <a:prstGeom prst="rect">
-            <a:avLst/>
-          </a:prstGeom>
-        </p:spPr>
-        <p:txBody>
-          <a:bodyPr lIns="0" tIns="0" rIns="0" bIns="0">
+            <a:ext cx="10972080" cy="1896840"/>
+          </a:xfrm>
+          <a:prstGeom prst="rect">
+            <a:avLst/>
+          </a:prstGeom>
+        </p:spPr>
+        <p:txBody>
+          <a:bodyPr lIns="0" rIns="0" tIns="0" bIns="0">
             <a:normAutofit/>
           </a:bodyPr>
-          <a:lstStyle/>
-          <a:p>
-            <a:endParaRPr lang="en-US" sz="2800" b="0" strike="noStrike" spc="-1">
+          <a:p>
+            <a:endParaRPr b="0" lang="en-US" sz="2800" spc="-1" strike="noStrike">
               <a:solidFill>
                 <a:srgbClr val="000000"/>
               </a:solidFill>
@@ -1723,14 +1551,11 @@
       </p:sp>
     </p:spTree>
   </p:cSld>
-  <p:clrMapOvr>
-    <a:masterClrMapping/>
-  </p:clrMapOvr>
 </p:sldLayout>
 </file>
 
 <file path=ppt/slideLayouts/slideLayout22.xml><?xml version="1.0" encoding="utf-8"?>
-<p:sldLayout xmlns:a="http://schemas.openxmlformats.org/drawingml/2006/main" xmlns:r="http://schemas.openxmlformats.org/officeDocument/2006/relationships" xmlns:p="http://schemas.openxmlformats.org/presentationml/2006/main" type="objOverTx" preserve="1">
+<p:sldLayout xmlns:a="http://schemas.openxmlformats.org/drawingml/2006/main" xmlns:p="http://schemas.openxmlformats.org/presentationml/2006/main" xmlns:r="http://schemas.openxmlformats.org/officeDocument/2006/relationships" xmlns:p14="http://schemas.microsoft.com/office/powerpoint/2010/main" xmlns:p15="http://schemas.microsoft.com/office/powerpoint/2012/main" xmlns:mc="http://schemas.openxmlformats.org/markup-compatibility/2006" type="objOverTx" preserve="1">
   <p:cSld name="Title, Content over Content">
     <p:spTree>
       <p:nvGrpSpPr>
@@ -1759,17 +1584,16 @@
         <p:spPr>
           <a:xfrm>
             <a:off x="1097280" y="286560"/>
-            <a:ext cx="10057680" cy="1450080"/>
-          </a:xfrm>
-          <a:prstGeom prst="rect">
-            <a:avLst/>
-          </a:prstGeom>
-        </p:spPr>
-        <p:txBody>
-          <a:bodyPr lIns="0" tIns="0" rIns="0" bIns="0" anchor="ctr"/>
-          <a:lstStyle/>
-          <a:p>
-            <a:endParaRPr lang="en-US" sz="1800" b="0" strike="noStrike" spc="-1">
+            <a:ext cx="10057320" cy="1449720"/>
+          </a:xfrm>
+          <a:prstGeom prst="rect">
+            <a:avLst/>
+          </a:prstGeom>
+        </p:spPr>
+        <p:txBody>
+          <a:bodyPr lIns="0" rIns="0" tIns="0" bIns="0" anchor="ctr"/>
+          <a:p>
+            <a:endParaRPr b="0" lang="en-US" sz="1800" spc="-1" strike="noStrike">
               <a:solidFill>
                 <a:srgbClr val="000000"/>
               </a:solidFill>
@@ -1791,19 +1615,18 @@
         <p:spPr>
           <a:xfrm>
             <a:off x="609480" y="1604520"/>
-            <a:ext cx="10972440" cy="1896840"/>
-          </a:xfrm>
-          <a:prstGeom prst="rect">
-            <a:avLst/>
-          </a:prstGeom>
-        </p:spPr>
-        <p:txBody>
-          <a:bodyPr lIns="0" tIns="0" rIns="0" bIns="0">
+            <a:ext cx="10972080" cy="1896840"/>
+          </a:xfrm>
+          <a:prstGeom prst="rect">
+            <a:avLst/>
+          </a:prstGeom>
+        </p:spPr>
+        <p:txBody>
+          <a:bodyPr lIns="0" rIns="0" tIns="0" bIns="0">
             <a:normAutofit/>
           </a:bodyPr>
-          <a:lstStyle/>
-          <a:p>
-            <a:endParaRPr lang="en-US" sz="2800" b="0" strike="noStrike" spc="-1">
+          <a:p>
+            <a:endParaRPr b="0" lang="en-US" sz="2800" spc="-1" strike="noStrike">
               <a:solidFill>
                 <a:srgbClr val="000000"/>
               </a:solidFill>
@@ -1825,19 +1648,18 @@
         <p:spPr>
           <a:xfrm>
             <a:off x="609480" y="3682080"/>
-            <a:ext cx="10972440" cy="1896840"/>
-          </a:xfrm>
-          <a:prstGeom prst="rect">
-            <a:avLst/>
-          </a:prstGeom>
-        </p:spPr>
-        <p:txBody>
-          <a:bodyPr lIns="0" tIns="0" rIns="0" bIns="0">
+            <a:ext cx="10972080" cy="1896840"/>
+          </a:xfrm>
+          <a:prstGeom prst="rect">
+            <a:avLst/>
+          </a:prstGeom>
+        </p:spPr>
+        <p:txBody>
+          <a:bodyPr lIns="0" rIns="0" tIns="0" bIns="0">
             <a:normAutofit/>
           </a:bodyPr>
-          <a:lstStyle/>
-          <a:p>
-            <a:endParaRPr lang="en-US" sz="2800" b="0" strike="noStrike" spc="-1">
+          <a:p>
+            <a:endParaRPr b="0" lang="en-US" sz="2800" spc="-1" strike="noStrike">
               <a:solidFill>
                 <a:srgbClr val="000000"/>
               </a:solidFill>
@@ -1848,14 +1670,11 @@
       </p:sp>
     </p:spTree>
   </p:cSld>
-  <p:clrMapOvr>
-    <a:masterClrMapping/>
-  </p:clrMapOvr>
 </p:sldLayout>
 </file>
 
 <file path=ppt/slideLayouts/slideLayout23.xml><?xml version="1.0" encoding="utf-8"?>
-<p:sldLayout xmlns:a="http://schemas.openxmlformats.org/drawingml/2006/main" xmlns:r="http://schemas.openxmlformats.org/officeDocument/2006/relationships" xmlns:p="http://schemas.openxmlformats.org/presentationml/2006/main" type="fourObj" preserve="1">
+<p:sldLayout xmlns:a="http://schemas.openxmlformats.org/drawingml/2006/main" xmlns:p="http://schemas.openxmlformats.org/presentationml/2006/main" xmlns:r="http://schemas.openxmlformats.org/officeDocument/2006/relationships" xmlns:p14="http://schemas.microsoft.com/office/powerpoint/2010/main" xmlns:p15="http://schemas.microsoft.com/office/powerpoint/2012/main" xmlns:mc="http://schemas.openxmlformats.org/markup-compatibility/2006" type="fourObj" preserve="1">
   <p:cSld name="Title, 4 Content">
     <p:spTree>
       <p:nvGrpSpPr>
@@ -1884,17 +1703,16 @@
         <p:spPr>
           <a:xfrm>
             <a:off x="1097280" y="286560"/>
-            <a:ext cx="10057680" cy="1450080"/>
-          </a:xfrm>
-          <a:prstGeom prst="rect">
-            <a:avLst/>
-          </a:prstGeom>
-        </p:spPr>
-        <p:txBody>
-          <a:bodyPr lIns="0" tIns="0" rIns="0" bIns="0" anchor="ctr"/>
-          <a:lstStyle/>
-          <a:p>
-            <a:endParaRPr lang="en-US" sz="1800" b="0" strike="noStrike" spc="-1">
+            <a:ext cx="10057320" cy="1449720"/>
+          </a:xfrm>
+          <a:prstGeom prst="rect">
+            <a:avLst/>
+          </a:prstGeom>
+        </p:spPr>
+        <p:txBody>
+          <a:bodyPr lIns="0" rIns="0" tIns="0" bIns="0" anchor="ctr"/>
+          <a:p>
+            <a:endParaRPr b="0" lang="en-US" sz="1800" spc="-1" strike="noStrike">
               <a:solidFill>
                 <a:srgbClr val="000000"/>
               </a:solidFill>
@@ -1923,12 +1741,11 @@
           </a:prstGeom>
         </p:spPr>
         <p:txBody>
-          <a:bodyPr lIns="0" tIns="0" rIns="0" bIns="0">
+          <a:bodyPr lIns="0" rIns="0" tIns="0" bIns="0">
             <a:normAutofit/>
           </a:bodyPr>
-          <a:lstStyle/>
-          <a:p>
-            <a:endParaRPr lang="en-US" sz="2800" b="0" strike="noStrike" spc="-1">
+          <a:p>
+            <a:endParaRPr b="0" lang="en-US" sz="2800" spc="-1" strike="noStrike">
               <a:solidFill>
                 <a:srgbClr val="000000"/>
               </a:solidFill>
@@ -1957,12 +1774,11 @@
           </a:prstGeom>
         </p:spPr>
         <p:txBody>
-          <a:bodyPr lIns="0" tIns="0" rIns="0" bIns="0">
+          <a:bodyPr lIns="0" rIns="0" tIns="0" bIns="0">
             <a:normAutofit/>
           </a:bodyPr>
-          <a:lstStyle/>
-          <a:p>
-            <a:endParaRPr lang="en-US" sz="2800" b="0" strike="noStrike" spc="-1">
+          <a:p>
+            <a:endParaRPr b="0" lang="en-US" sz="2800" spc="-1" strike="noStrike">
               <a:solidFill>
                 <a:srgbClr val="000000"/>
               </a:solidFill>
@@ -1991,12 +1807,11 @@
           </a:prstGeom>
         </p:spPr>
         <p:txBody>
-          <a:bodyPr lIns="0" tIns="0" rIns="0" bIns="0">
+          <a:bodyPr lIns="0" rIns="0" tIns="0" bIns="0">
             <a:normAutofit/>
           </a:bodyPr>
-          <a:lstStyle/>
-          <a:p>
-            <a:endParaRPr lang="en-US" sz="2800" b="0" strike="noStrike" spc="-1">
+          <a:p>
+            <a:endParaRPr b="0" lang="en-US" sz="2800" spc="-1" strike="noStrike">
               <a:solidFill>
                 <a:srgbClr val="000000"/>
               </a:solidFill>
@@ -2025,12 +1840,11 @@
           </a:prstGeom>
         </p:spPr>
         <p:txBody>
-          <a:bodyPr lIns="0" tIns="0" rIns="0" bIns="0">
+          <a:bodyPr lIns="0" rIns="0" tIns="0" bIns="0">
             <a:normAutofit/>
           </a:bodyPr>
-          <a:lstStyle/>
-          <a:p>
-            <a:endParaRPr lang="en-US" sz="2800" b="0" strike="noStrike" spc="-1">
+          <a:p>
+            <a:endParaRPr b="0" lang="en-US" sz="2800" spc="-1" strike="noStrike">
               <a:solidFill>
                 <a:srgbClr val="000000"/>
               </a:solidFill>
@@ -2041,14 +1855,11 @@
       </p:sp>
     </p:spTree>
   </p:cSld>
-  <p:clrMapOvr>
-    <a:masterClrMapping/>
-  </p:clrMapOvr>
 </p:sldLayout>
 </file>
 
 <file path=ppt/slideLayouts/slideLayout24.xml><?xml version="1.0" encoding="utf-8"?>
-<p:sldLayout xmlns:a="http://schemas.openxmlformats.org/drawingml/2006/main" xmlns:r="http://schemas.openxmlformats.org/officeDocument/2006/relationships" xmlns:p="http://schemas.openxmlformats.org/presentationml/2006/main" type="blank" preserve="1">
+<p:sldLayout xmlns:a="http://schemas.openxmlformats.org/drawingml/2006/main" xmlns:p="http://schemas.openxmlformats.org/presentationml/2006/main" xmlns:r="http://schemas.openxmlformats.org/officeDocument/2006/relationships" xmlns:p14="http://schemas.microsoft.com/office/powerpoint/2010/main" xmlns:p15="http://schemas.microsoft.com/office/powerpoint/2012/main" xmlns:mc="http://schemas.openxmlformats.org/markup-compatibility/2006" type="blank" preserve="1">
   <p:cSld name="Title, 6 Content">
     <p:spTree>
       <p:nvGrpSpPr>
@@ -2077,17 +1888,16 @@
         <p:spPr>
           <a:xfrm>
             <a:off x="1097280" y="286560"/>
-            <a:ext cx="10057680" cy="1450080"/>
-          </a:xfrm>
-          <a:prstGeom prst="rect">
-            <a:avLst/>
-          </a:prstGeom>
-        </p:spPr>
-        <p:txBody>
-          <a:bodyPr lIns="0" tIns="0" rIns="0" bIns="0" anchor="ctr"/>
-          <a:lstStyle/>
-          <a:p>
-            <a:endParaRPr lang="en-US" sz="1800" b="0" strike="noStrike" spc="-1">
+            <a:ext cx="10057320" cy="1449720"/>
+          </a:xfrm>
+          <a:prstGeom prst="rect">
+            <a:avLst/>
+          </a:prstGeom>
+        </p:spPr>
+        <p:txBody>
+          <a:bodyPr lIns="0" rIns="0" tIns="0" bIns="0" anchor="ctr"/>
+          <a:p>
+            <a:endParaRPr b="0" lang="en-US" sz="1800" spc="-1" strike="noStrike">
               <a:solidFill>
                 <a:srgbClr val="000000"/>
               </a:solidFill>
@@ -2109,19 +1919,18 @@
         <p:spPr>
           <a:xfrm>
             <a:off x="609480" y="1604520"/>
-            <a:ext cx="3533040" cy="1896840"/>
-          </a:xfrm>
-          <a:prstGeom prst="rect">
-            <a:avLst/>
-          </a:prstGeom>
-        </p:spPr>
-        <p:txBody>
-          <a:bodyPr lIns="0" tIns="0" rIns="0" bIns="0">
+            <a:ext cx="3532680" cy="1896840"/>
+          </a:xfrm>
+          <a:prstGeom prst="rect">
+            <a:avLst/>
+          </a:prstGeom>
+        </p:spPr>
+        <p:txBody>
+          <a:bodyPr lIns="0" rIns="0" tIns="0" bIns="0">
             <a:normAutofit/>
           </a:bodyPr>
-          <a:lstStyle/>
-          <a:p>
-            <a:endParaRPr lang="en-US" sz="2800" b="0" strike="noStrike" spc="-1">
+          <a:p>
+            <a:endParaRPr b="0" lang="en-US" sz="2800" spc="-1" strike="noStrike">
               <a:solidFill>
                 <a:srgbClr val="000000"/>
               </a:solidFill>
@@ -2142,20 +1951,19 @@
         </p:nvSpPr>
         <p:spPr>
           <a:xfrm>
-            <a:off x="4319640" y="1604520"/>
-            <a:ext cx="3533040" cy="1896840"/>
-          </a:xfrm>
-          <a:prstGeom prst="rect">
-            <a:avLst/>
-          </a:prstGeom>
-        </p:spPr>
-        <p:txBody>
-          <a:bodyPr lIns="0" tIns="0" rIns="0" bIns="0">
+            <a:off x="4319280" y="1604520"/>
+            <a:ext cx="3532680" cy="1896840"/>
+          </a:xfrm>
+          <a:prstGeom prst="rect">
+            <a:avLst/>
+          </a:prstGeom>
+        </p:spPr>
+        <p:txBody>
+          <a:bodyPr lIns="0" rIns="0" tIns="0" bIns="0">
             <a:normAutofit/>
           </a:bodyPr>
-          <a:lstStyle/>
-          <a:p>
-            <a:endParaRPr lang="en-US" sz="2800" b="0" strike="noStrike" spc="-1">
+          <a:p>
+            <a:endParaRPr b="0" lang="en-US" sz="2800" spc="-1" strike="noStrike">
               <a:solidFill>
                 <a:srgbClr val="000000"/>
               </a:solidFill>
@@ -2176,20 +1984,19 @@
         </p:nvSpPr>
         <p:spPr>
           <a:xfrm>
-            <a:off x="8029800" y="1604520"/>
-            <a:ext cx="3533040" cy="1896840"/>
-          </a:xfrm>
-          <a:prstGeom prst="rect">
-            <a:avLst/>
-          </a:prstGeom>
-        </p:spPr>
-        <p:txBody>
-          <a:bodyPr lIns="0" tIns="0" rIns="0" bIns="0">
+            <a:off x="8028720" y="1604520"/>
+            <a:ext cx="3532680" cy="1896840"/>
+          </a:xfrm>
+          <a:prstGeom prst="rect">
+            <a:avLst/>
+          </a:prstGeom>
+        </p:spPr>
+        <p:txBody>
+          <a:bodyPr lIns="0" rIns="0" tIns="0" bIns="0">
             <a:normAutofit/>
           </a:bodyPr>
-          <a:lstStyle/>
-          <a:p>
-            <a:endParaRPr lang="en-US" sz="2800" b="0" strike="noStrike" spc="-1">
+          <a:p>
+            <a:endParaRPr b="0" lang="en-US" sz="2800" spc="-1" strike="noStrike">
               <a:solidFill>
                 <a:srgbClr val="000000"/>
               </a:solidFill>
@@ -2211,19 +2018,18 @@
         <p:spPr>
           <a:xfrm>
             <a:off x="609480" y="3682080"/>
-            <a:ext cx="3533040" cy="1896840"/>
-          </a:xfrm>
-          <a:prstGeom prst="rect">
-            <a:avLst/>
-          </a:prstGeom>
-        </p:spPr>
-        <p:txBody>
-          <a:bodyPr lIns="0" tIns="0" rIns="0" bIns="0">
+            <a:ext cx="3532680" cy="1896840"/>
+          </a:xfrm>
+          <a:prstGeom prst="rect">
+            <a:avLst/>
+          </a:prstGeom>
+        </p:spPr>
+        <p:txBody>
+          <a:bodyPr lIns="0" rIns="0" tIns="0" bIns="0">
             <a:normAutofit/>
           </a:bodyPr>
-          <a:lstStyle/>
-          <a:p>
-            <a:endParaRPr lang="en-US" sz="2800" b="0" strike="noStrike" spc="-1">
+          <a:p>
+            <a:endParaRPr b="0" lang="en-US" sz="2800" spc="-1" strike="noStrike">
               <a:solidFill>
                 <a:srgbClr val="000000"/>
               </a:solidFill>
@@ -2244,20 +2050,19 @@
         </p:nvSpPr>
         <p:spPr>
           <a:xfrm>
-            <a:off x="4319640" y="3682080"/>
-            <a:ext cx="3533040" cy="1896840"/>
-          </a:xfrm>
-          <a:prstGeom prst="rect">
-            <a:avLst/>
-          </a:prstGeom>
-        </p:spPr>
-        <p:txBody>
-          <a:bodyPr lIns="0" tIns="0" rIns="0" bIns="0">
+            <a:off x="4319280" y="3682080"/>
+            <a:ext cx="3532680" cy="1896840"/>
+          </a:xfrm>
+          <a:prstGeom prst="rect">
+            <a:avLst/>
+          </a:prstGeom>
+        </p:spPr>
+        <p:txBody>
+          <a:bodyPr lIns="0" rIns="0" tIns="0" bIns="0">
             <a:normAutofit/>
           </a:bodyPr>
-          <a:lstStyle/>
-          <a:p>
-            <a:endParaRPr lang="en-US" sz="2800" b="0" strike="noStrike" spc="-1">
+          <a:p>
+            <a:endParaRPr b="0" lang="en-US" sz="2800" spc="-1" strike="noStrike">
               <a:solidFill>
                 <a:srgbClr val="000000"/>
               </a:solidFill>
@@ -2278,20 +2083,19 @@
         </p:nvSpPr>
         <p:spPr>
           <a:xfrm>
-            <a:off x="8029800" y="3682080"/>
-            <a:ext cx="3533040" cy="1896840"/>
-          </a:xfrm>
-          <a:prstGeom prst="rect">
-            <a:avLst/>
-          </a:prstGeom>
-        </p:spPr>
-        <p:txBody>
-          <a:bodyPr lIns="0" tIns="0" rIns="0" bIns="0">
+            <a:off x="8028720" y="3682080"/>
+            <a:ext cx="3532680" cy="1896840"/>
+          </a:xfrm>
+          <a:prstGeom prst="rect">
+            <a:avLst/>
+          </a:prstGeom>
+        </p:spPr>
+        <p:txBody>
+          <a:bodyPr lIns="0" rIns="0" tIns="0" bIns="0">
             <a:normAutofit/>
           </a:bodyPr>
-          <a:lstStyle/>
-          <a:p>
-            <a:endParaRPr lang="en-US" sz="2800" b="0" strike="noStrike" spc="-1">
+          <a:p>
+            <a:endParaRPr b="0" lang="en-US" sz="2800" spc="-1" strike="noStrike">
               <a:solidFill>
                 <a:srgbClr val="000000"/>
               </a:solidFill>
@@ -2302,14 +2106,11 @@
       </p:sp>
     </p:spTree>
   </p:cSld>
-  <p:clrMapOvr>
-    <a:masterClrMapping/>
-  </p:clrMapOvr>
 </p:sldLayout>
 </file>
 
 <file path=ppt/slideLayouts/slideLayout25.xml><?xml version="1.0" encoding="utf-8"?>
-<p:sldLayout xmlns:a="http://schemas.openxmlformats.org/drawingml/2006/main" xmlns:r="http://schemas.openxmlformats.org/officeDocument/2006/relationships" xmlns:p="http://schemas.openxmlformats.org/presentationml/2006/main" type="blank" preserve="1">
+<p:sldLayout xmlns:a="http://schemas.openxmlformats.org/drawingml/2006/main" xmlns:p="http://schemas.openxmlformats.org/presentationml/2006/main" xmlns:r="http://schemas.openxmlformats.org/officeDocument/2006/relationships" xmlns:p14="http://schemas.microsoft.com/office/powerpoint/2010/main" xmlns:p15="http://schemas.microsoft.com/office/powerpoint/2012/main" xmlns:mc="http://schemas.openxmlformats.org/markup-compatibility/2006" type="blank" preserve="1">
   <p:cSld name="Blank Slide">
     <p:spTree>
       <p:nvGrpSpPr>
@@ -2327,14 +2128,11 @@
       </p:grpSpPr>
     </p:spTree>
   </p:cSld>
-  <p:clrMapOvr>
-    <a:masterClrMapping/>
-  </p:clrMapOvr>
 </p:sldLayout>
 </file>
 
 <file path=ppt/slideLayouts/slideLayout26.xml><?xml version="1.0" encoding="utf-8"?>
-<p:sldLayout xmlns:a="http://schemas.openxmlformats.org/drawingml/2006/main" xmlns:r="http://schemas.openxmlformats.org/officeDocument/2006/relationships" xmlns:p="http://schemas.openxmlformats.org/presentationml/2006/main" type="tx" preserve="1">
+<p:sldLayout xmlns:a="http://schemas.openxmlformats.org/drawingml/2006/main" xmlns:p="http://schemas.openxmlformats.org/presentationml/2006/main" xmlns:r="http://schemas.openxmlformats.org/officeDocument/2006/relationships" xmlns:p14="http://schemas.microsoft.com/office/powerpoint/2010/main" xmlns:p15="http://schemas.microsoft.com/office/powerpoint/2012/main" xmlns:mc="http://schemas.openxmlformats.org/markup-compatibility/2006" type="tx" preserve="1">
   <p:cSld name="Title Slide">
     <p:spTree>
       <p:nvGrpSpPr>
@@ -2363,17 +2161,16 @@
         <p:spPr>
           <a:xfrm>
             <a:off x="1097280" y="286560"/>
-            <a:ext cx="10057680" cy="1450080"/>
-          </a:xfrm>
-          <a:prstGeom prst="rect">
-            <a:avLst/>
-          </a:prstGeom>
-        </p:spPr>
-        <p:txBody>
-          <a:bodyPr lIns="0" tIns="0" rIns="0" bIns="0" anchor="ctr"/>
-          <a:lstStyle/>
-          <a:p>
-            <a:endParaRPr lang="en-US" sz="1800" b="0" strike="noStrike" spc="-1">
+            <a:ext cx="10057320" cy="1449720"/>
+          </a:xfrm>
+          <a:prstGeom prst="rect">
+            <a:avLst/>
+          </a:prstGeom>
+        </p:spPr>
+        <p:txBody>
+          <a:bodyPr lIns="0" rIns="0" tIns="0" bIns="0" anchor="ctr"/>
+          <a:p>
+            <a:endParaRPr b="0" lang="en-US" sz="1800" spc="-1" strike="noStrike">
               <a:solidFill>
                 <a:srgbClr val="000000"/>
               </a:solidFill>
@@ -2395,18 +2192,17 @@
         <p:spPr>
           <a:xfrm>
             <a:off x="609480" y="1604520"/>
-            <a:ext cx="10972440" cy="3977280"/>
-          </a:xfrm>
-          <a:prstGeom prst="rect">
-            <a:avLst/>
-          </a:prstGeom>
-        </p:spPr>
-        <p:txBody>
-          <a:bodyPr lIns="0" tIns="0" rIns="0" bIns="0" anchor="ctr"/>
-          <a:lstStyle/>
+            <a:ext cx="10972080" cy="3976920"/>
+          </a:xfrm>
+          <a:prstGeom prst="rect">
+            <a:avLst/>
+          </a:prstGeom>
+        </p:spPr>
+        <p:txBody>
+          <a:bodyPr lIns="0" rIns="0" tIns="0" bIns="0" anchor="ctr"/>
           <a:p>
             <a:pPr algn="ctr"/>
-            <a:endParaRPr lang="en-US" sz="3200" b="0" strike="noStrike" spc="-1">
+            <a:endParaRPr b="0" lang="en-US" sz="3200" spc="-1" strike="noStrike">
               <a:latin typeface="Arial"/>
             </a:endParaRPr>
           </a:p>
@@ -2414,14 +2210,11 @@
       </p:sp>
     </p:spTree>
   </p:cSld>
-  <p:clrMapOvr>
-    <a:masterClrMapping/>
-  </p:clrMapOvr>
 </p:sldLayout>
 </file>
 
 <file path=ppt/slideLayouts/slideLayout27.xml><?xml version="1.0" encoding="utf-8"?>
-<p:sldLayout xmlns:a="http://schemas.openxmlformats.org/drawingml/2006/main" xmlns:r="http://schemas.openxmlformats.org/officeDocument/2006/relationships" xmlns:p="http://schemas.openxmlformats.org/presentationml/2006/main" type="obj" preserve="1">
+<p:sldLayout xmlns:a="http://schemas.openxmlformats.org/drawingml/2006/main" xmlns:p="http://schemas.openxmlformats.org/presentationml/2006/main" xmlns:r="http://schemas.openxmlformats.org/officeDocument/2006/relationships" xmlns:p14="http://schemas.microsoft.com/office/powerpoint/2010/main" xmlns:p15="http://schemas.microsoft.com/office/powerpoint/2012/main" xmlns:mc="http://schemas.openxmlformats.org/markup-compatibility/2006" type="obj" preserve="1">
   <p:cSld name="Title, Content">
     <p:spTree>
       <p:nvGrpSpPr>
@@ -2450,17 +2243,16 @@
         <p:spPr>
           <a:xfrm>
             <a:off x="1097280" y="286560"/>
-            <a:ext cx="10057680" cy="1450080"/>
-          </a:xfrm>
-          <a:prstGeom prst="rect">
-            <a:avLst/>
-          </a:prstGeom>
-        </p:spPr>
-        <p:txBody>
-          <a:bodyPr lIns="0" tIns="0" rIns="0" bIns="0" anchor="ctr"/>
-          <a:lstStyle/>
-          <a:p>
-            <a:endParaRPr lang="en-US" sz="1800" b="0" strike="noStrike" spc="-1">
+            <a:ext cx="10057320" cy="1449720"/>
+          </a:xfrm>
+          <a:prstGeom prst="rect">
+            <a:avLst/>
+          </a:prstGeom>
+        </p:spPr>
+        <p:txBody>
+          <a:bodyPr lIns="0" rIns="0" tIns="0" bIns="0" anchor="ctr"/>
+          <a:p>
+            <a:endParaRPr b="0" lang="en-US" sz="1800" spc="-1" strike="noStrike">
               <a:solidFill>
                 <a:srgbClr val="000000"/>
               </a:solidFill>
@@ -2482,19 +2274,18 @@
         <p:spPr>
           <a:xfrm>
             <a:off x="609480" y="1604520"/>
-            <a:ext cx="10972440" cy="3977280"/>
-          </a:xfrm>
-          <a:prstGeom prst="rect">
-            <a:avLst/>
-          </a:prstGeom>
-        </p:spPr>
-        <p:txBody>
-          <a:bodyPr lIns="0" tIns="0" rIns="0" bIns="0">
+            <a:ext cx="10972080" cy="3976920"/>
+          </a:xfrm>
+          <a:prstGeom prst="rect">
+            <a:avLst/>
+          </a:prstGeom>
+        </p:spPr>
+        <p:txBody>
+          <a:bodyPr lIns="0" rIns="0" tIns="0" bIns="0">
             <a:normAutofit/>
           </a:bodyPr>
-          <a:lstStyle/>
-          <a:p>
-            <a:endParaRPr lang="en-US" sz="2800" b="0" strike="noStrike" spc="-1">
+          <a:p>
+            <a:endParaRPr b="0" lang="en-US" sz="2800" spc="-1" strike="noStrike">
               <a:solidFill>
                 <a:srgbClr val="000000"/>
               </a:solidFill>
@@ -2505,14 +2296,11 @@
       </p:sp>
     </p:spTree>
   </p:cSld>
-  <p:clrMapOvr>
-    <a:masterClrMapping/>
-  </p:clrMapOvr>
 </p:sldLayout>
 </file>
 
 <file path=ppt/slideLayouts/slideLayout28.xml><?xml version="1.0" encoding="utf-8"?>
-<p:sldLayout xmlns:a="http://schemas.openxmlformats.org/drawingml/2006/main" xmlns:r="http://schemas.openxmlformats.org/officeDocument/2006/relationships" xmlns:p="http://schemas.openxmlformats.org/presentationml/2006/main" type="twoObj" preserve="1">
+<p:sldLayout xmlns:a="http://schemas.openxmlformats.org/drawingml/2006/main" xmlns:p="http://schemas.openxmlformats.org/presentationml/2006/main" xmlns:r="http://schemas.openxmlformats.org/officeDocument/2006/relationships" xmlns:p14="http://schemas.microsoft.com/office/powerpoint/2010/main" xmlns:p15="http://schemas.microsoft.com/office/powerpoint/2012/main" xmlns:mc="http://schemas.openxmlformats.org/markup-compatibility/2006" type="twoObj" preserve="1">
   <p:cSld name="Title, 2 Content">
     <p:spTree>
       <p:nvGrpSpPr>
@@ -2541,17 +2329,16 @@
         <p:spPr>
           <a:xfrm>
             <a:off x="1097280" y="286560"/>
-            <a:ext cx="10057680" cy="1450080"/>
-          </a:xfrm>
-          <a:prstGeom prst="rect">
-            <a:avLst/>
-          </a:prstGeom>
-        </p:spPr>
-        <p:txBody>
-          <a:bodyPr lIns="0" tIns="0" rIns="0" bIns="0" anchor="ctr"/>
-          <a:lstStyle/>
-          <a:p>
-            <a:endParaRPr lang="en-US" sz="1800" b="0" strike="noStrike" spc="-1">
+            <a:ext cx="10057320" cy="1449720"/>
+          </a:xfrm>
+          <a:prstGeom prst="rect">
+            <a:avLst/>
+          </a:prstGeom>
+        </p:spPr>
+        <p:txBody>
+          <a:bodyPr lIns="0" rIns="0" tIns="0" bIns="0" anchor="ctr"/>
+          <a:p>
+            <a:endParaRPr b="0" lang="en-US" sz="1800" spc="-1" strike="noStrike">
               <a:solidFill>
                 <a:srgbClr val="000000"/>
               </a:solidFill>
@@ -2573,19 +2360,18 @@
         <p:spPr>
           <a:xfrm>
             <a:off x="609480" y="1604520"/>
-            <a:ext cx="5354280" cy="3977280"/>
-          </a:xfrm>
-          <a:prstGeom prst="rect">
-            <a:avLst/>
-          </a:prstGeom>
-        </p:spPr>
-        <p:txBody>
-          <a:bodyPr lIns="0" tIns="0" rIns="0" bIns="0">
+            <a:ext cx="5354280" cy="3976920"/>
+          </a:xfrm>
+          <a:prstGeom prst="rect">
+            <a:avLst/>
+          </a:prstGeom>
+        </p:spPr>
+        <p:txBody>
+          <a:bodyPr lIns="0" rIns="0" tIns="0" bIns="0">
             <a:normAutofit/>
           </a:bodyPr>
-          <a:lstStyle/>
-          <a:p>
-            <a:endParaRPr lang="en-US" sz="2800" b="0" strike="noStrike" spc="-1">
+          <a:p>
+            <a:endParaRPr b="0" lang="en-US" sz="2800" spc="-1" strike="noStrike">
               <a:solidFill>
                 <a:srgbClr val="000000"/>
               </a:solidFill>
@@ -2607,19 +2393,18 @@
         <p:spPr>
           <a:xfrm>
             <a:off x="6231960" y="1604520"/>
-            <a:ext cx="5354280" cy="3977280"/>
-          </a:xfrm>
-          <a:prstGeom prst="rect">
-            <a:avLst/>
-          </a:prstGeom>
-        </p:spPr>
-        <p:txBody>
-          <a:bodyPr lIns="0" tIns="0" rIns="0" bIns="0">
+            <a:ext cx="5354280" cy="3976920"/>
+          </a:xfrm>
+          <a:prstGeom prst="rect">
+            <a:avLst/>
+          </a:prstGeom>
+        </p:spPr>
+        <p:txBody>
+          <a:bodyPr lIns="0" rIns="0" tIns="0" bIns="0">
             <a:normAutofit/>
           </a:bodyPr>
-          <a:lstStyle/>
-          <a:p>
-            <a:endParaRPr lang="en-US" sz="2800" b="0" strike="noStrike" spc="-1">
+          <a:p>
+            <a:endParaRPr b="0" lang="en-US" sz="2800" spc="-1" strike="noStrike">
               <a:solidFill>
                 <a:srgbClr val="000000"/>
               </a:solidFill>
@@ -2630,14 +2415,11 @@
       </p:sp>
     </p:spTree>
   </p:cSld>
-  <p:clrMapOvr>
-    <a:masterClrMapping/>
-  </p:clrMapOvr>
 </p:sldLayout>
 </file>
 
 <file path=ppt/slideLayouts/slideLayout29.xml><?xml version="1.0" encoding="utf-8"?>
-<p:sldLayout xmlns:a="http://schemas.openxmlformats.org/drawingml/2006/main" xmlns:r="http://schemas.openxmlformats.org/officeDocument/2006/relationships" xmlns:p="http://schemas.openxmlformats.org/presentationml/2006/main" type="titleOnly" preserve="1">
+<p:sldLayout xmlns:a="http://schemas.openxmlformats.org/drawingml/2006/main" xmlns:p="http://schemas.openxmlformats.org/presentationml/2006/main" xmlns:r="http://schemas.openxmlformats.org/officeDocument/2006/relationships" xmlns:p14="http://schemas.microsoft.com/office/powerpoint/2010/main" xmlns:p15="http://schemas.microsoft.com/office/powerpoint/2012/main" xmlns:mc="http://schemas.openxmlformats.org/markup-compatibility/2006" type="titleOnly" preserve="1">
   <p:cSld name="Title Only">
     <p:spTree>
       <p:nvGrpSpPr>
@@ -2666,17 +2448,16 @@
         <p:spPr>
           <a:xfrm>
             <a:off x="1097280" y="286560"/>
-            <a:ext cx="10057680" cy="1450080"/>
-          </a:xfrm>
-          <a:prstGeom prst="rect">
-            <a:avLst/>
-          </a:prstGeom>
-        </p:spPr>
-        <p:txBody>
-          <a:bodyPr lIns="0" tIns="0" rIns="0" bIns="0" anchor="ctr"/>
-          <a:lstStyle/>
-          <a:p>
-            <a:endParaRPr lang="en-US" sz="1800" b="0" strike="noStrike" spc="-1">
+            <a:ext cx="10057320" cy="1449720"/>
+          </a:xfrm>
+          <a:prstGeom prst="rect">
+            <a:avLst/>
+          </a:prstGeom>
+        </p:spPr>
+        <p:txBody>
+          <a:bodyPr lIns="0" rIns="0" tIns="0" bIns="0" anchor="ctr"/>
+          <a:p>
+            <a:endParaRPr b="0" lang="en-US" sz="1800" spc="-1" strike="noStrike">
               <a:solidFill>
                 <a:srgbClr val="000000"/>
               </a:solidFill>
@@ -2687,14 +2468,11 @@
       </p:sp>
     </p:spTree>
   </p:cSld>
-  <p:clrMapOvr>
-    <a:masterClrMapping/>
-  </p:clrMapOvr>
 </p:sldLayout>
 </file>
 
 <file path=ppt/slideLayouts/slideLayout3.xml><?xml version="1.0" encoding="utf-8"?>
-<p:sldLayout xmlns:a="http://schemas.openxmlformats.org/drawingml/2006/main" xmlns:r="http://schemas.openxmlformats.org/officeDocument/2006/relationships" xmlns:p="http://schemas.openxmlformats.org/presentationml/2006/main" type="obj" preserve="1">
+<p:sldLayout xmlns:a="http://schemas.openxmlformats.org/drawingml/2006/main" xmlns:p="http://schemas.openxmlformats.org/presentationml/2006/main" xmlns:r="http://schemas.openxmlformats.org/officeDocument/2006/relationships" xmlns:p14="http://schemas.microsoft.com/office/powerpoint/2010/main" xmlns:p15="http://schemas.microsoft.com/office/powerpoint/2012/main" xmlns:mc="http://schemas.openxmlformats.org/markup-compatibility/2006" type="obj" preserve="1">
   <p:cSld name="Title, Content">
     <p:spTree>
       <p:nvGrpSpPr>
@@ -2723,17 +2501,16 @@
         <p:spPr>
           <a:xfrm>
             <a:off x="1097280" y="286560"/>
-            <a:ext cx="10057680" cy="1450080"/>
-          </a:xfrm>
-          <a:prstGeom prst="rect">
-            <a:avLst/>
-          </a:prstGeom>
-        </p:spPr>
-        <p:txBody>
-          <a:bodyPr lIns="0" tIns="0" rIns="0" bIns="0" anchor="ctr"/>
-          <a:lstStyle/>
-          <a:p>
-            <a:endParaRPr lang="en-US" sz="1800" b="0" strike="noStrike" spc="-1">
+            <a:ext cx="10057320" cy="1449720"/>
+          </a:xfrm>
+          <a:prstGeom prst="rect">
+            <a:avLst/>
+          </a:prstGeom>
+        </p:spPr>
+        <p:txBody>
+          <a:bodyPr lIns="0" rIns="0" tIns="0" bIns="0" anchor="ctr"/>
+          <a:p>
+            <a:endParaRPr b="0" lang="en-US" sz="1800" spc="-1" strike="noStrike">
               <a:solidFill>
                 <a:srgbClr val="000000"/>
               </a:solidFill>
@@ -2755,19 +2532,18 @@
         <p:spPr>
           <a:xfrm>
             <a:off x="609480" y="1604520"/>
-            <a:ext cx="10972440" cy="3977280"/>
-          </a:xfrm>
-          <a:prstGeom prst="rect">
-            <a:avLst/>
-          </a:prstGeom>
-        </p:spPr>
-        <p:txBody>
-          <a:bodyPr lIns="0" tIns="0" rIns="0" bIns="0">
+            <a:ext cx="10972080" cy="3976920"/>
+          </a:xfrm>
+          <a:prstGeom prst="rect">
+            <a:avLst/>
+          </a:prstGeom>
+        </p:spPr>
+        <p:txBody>
+          <a:bodyPr lIns="0" rIns="0" tIns="0" bIns="0">
             <a:normAutofit/>
           </a:bodyPr>
-          <a:lstStyle/>
-          <a:p>
-            <a:endParaRPr lang="en-US" sz="2800" b="0" strike="noStrike" spc="-1">
+          <a:p>
+            <a:endParaRPr b="0" lang="en-US" sz="2800" spc="-1" strike="noStrike">
               <a:solidFill>
                 <a:srgbClr val="000000"/>
               </a:solidFill>
@@ -2778,14 +2554,11 @@
       </p:sp>
     </p:spTree>
   </p:cSld>
-  <p:clrMapOvr>
-    <a:masterClrMapping/>
-  </p:clrMapOvr>
 </p:sldLayout>
 </file>
 
 <file path=ppt/slideLayouts/slideLayout30.xml><?xml version="1.0" encoding="utf-8"?>
-<p:sldLayout xmlns:a="http://schemas.openxmlformats.org/drawingml/2006/main" xmlns:r="http://schemas.openxmlformats.org/officeDocument/2006/relationships" xmlns:p="http://schemas.openxmlformats.org/presentationml/2006/main" type="objOnly" preserve="1">
+<p:sldLayout xmlns:a="http://schemas.openxmlformats.org/drawingml/2006/main" xmlns:p="http://schemas.openxmlformats.org/presentationml/2006/main" xmlns:r="http://schemas.openxmlformats.org/officeDocument/2006/relationships" xmlns:p14="http://schemas.microsoft.com/office/powerpoint/2010/main" xmlns:p15="http://schemas.microsoft.com/office/powerpoint/2012/main" xmlns:mc="http://schemas.openxmlformats.org/markup-compatibility/2006" type="objOnly" preserve="1">
   <p:cSld name="Centered Text">
     <p:spTree>
       <p:nvGrpSpPr>
@@ -2814,18 +2587,17 @@
         <p:spPr>
           <a:xfrm>
             <a:off x="1097280" y="286560"/>
-            <a:ext cx="10057680" cy="6723000"/>
-          </a:xfrm>
-          <a:prstGeom prst="rect">
-            <a:avLst/>
-          </a:prstGeom>
-        </p:spPr>
-        <p:txBody>
-          <a:bodyPr lIns="0" tIns="0" rIns="0" bIns="0" anchor="ctr"/>
-          <a:lstStyle/>
+            <a:ext cx="10057320" cy="6721200"/>
+          </a:xfrm>
+          <a:prstGeom prst="rect">
+            <a:avLst/>
+          </a:prstGeom>
+        </p:spPr>
+        <p:txBody>
+          <a:bodyPr lIns="0" rIns="0" tIns="0" bIns="0" anchor="ctr"/>
           <a:p>
             <a:pPr algn="ctr"/>
-            <a:endParaRPr lang="en-US" sz="3200" b="0" strike="noStrike" spc="-1">
+            <a:endParaRPr b="0" lang="en-US" sz="3200" spc="-1" strike="noStrike">
               <a:latin typeface="Arial"/>
             </a:endParaRPr>
           </a:p>
@@ -2833,14 +2605,11 @@
       </p:sp>
     </p:spTree>
   </p:cSld>
-  <p:clrMapOvr>
-    <a:masterClrMapping/>
-  </p:clrMapOvr>
 </p:sldLayout>
 </file>
 
 <file path=ppt/slideLayouts/slideLayout31.xml><?xml version="1.0" encoding="utf-8"?>
-<p:sldLayout xmlns:a="http://schemas.openxmlformats.org/drawingml/2006/main" xmlns:r="http://schemas.openxmlformats.org/officeDocument/2006/relationships" xmlns:p="http://schemas.openxmlformats.org/presentationml/2006/main" type="twoObjAndObj" preserve="1">
+<p:sldLayout xmlns:a="http://schemas.openxmlformats.org/drawingml/2006/main" xmlns:p="http://schemas.openxmlformats.org/presentationml/2006/main" xmlns:r="http://schemas.openxmlformats.org/officeDocument/2006/relationships" xmlns:p14="http://schemas.microsoft.com/office/powerpoint/2010/main" xmlns:p15="http://schemas.microsoft.com/office/powerpoint/2012/main" xmlns:mc="http://schemas.openxmlformats.org/markup-compatibility/2006" type="twoObjAndObj" preserve="1">
   <p:cSld name="Title, 2 Content and Content">
     <p:spTree>
       <p:nvGrpSpPr>
@@ -2869,17 +2638,16 @@
         <p:spPr>
           <a:xfrm>
             <a:off x="1097280" y="286560"/>
-            <a:ext cx="10057680" cy="1450080"/>
-          </a:xfrm>
-          <a:prstGeom prst="rect">
-            <a:avLst/>
-          </a:prstGeom>
-        </p:spPr>
-        <p:txBody>
-          <a:bodyPr lIns="0" tIns="0" rIns="0" bIns="0" anchor="ctr"/>
-          <a:lstStyle/>
-          <a:p>
-            <a:endParaRPr lang="en-US" sz="1800" b="0" strike="noStrike" spc="-1">
+            <a:ext cx="10057320" cy="1449720"/>
+          </a:xfrm>
+          <a:prstGeom prst="rect">
+            <a:avLst/>
+          </a:prstGeom>
+        </p:spPr>
+        <p:txBody>
+          <a:bodyPr lIns="0" rIns="0" tIns="0" bIns="0" anchor="ctr"/>
+          <a:p>
+            <a:endParaRPr b="0" lang="en-US" sz="1800" spc="-1" strike="noStrike">
               <a:solidFill>
                 <a:srgbClr val="000000"/>
               </a:solidFill>
@@ -2908,12 +2676,11 @@
           </a:prstGeom>
         </p:spPr>
         <p:txBody>
-          <a:bodyPr lIns="0" tIns="0" rIns="0" bIns="0">
+          <a:bodyPr lIns="0" rIns="0" tIns="0" bIns="0">
             <a:normAutofit/>
           </a:bodyPr>
-          <a:lstStyle/>
-          <a:p>
-            <a:endParaRPr lang="en-US" sz="2800" b="0" strike="noStrike" spc="-1">
+          <a:p>
+            <a:endParaRPr b="0" lang="en-US" sz="2800" spc="-1" strike="noStrike">
               <a:solidFill>
                 <a:srgbClr val="000000"/>
               </a:solidFill>
@@ -2935,19 +2702,18 @@
         <p:spPr>
           <a:xfrm>
             <a:off x="6231960" y="1604520"/>
-            <a:ext cx="5354280" cy="3977280"/>
-          </a:xfrm>
-          <a:prstGeom prst="rect">
-            <a:avLst/>
-          </a:prstGeom>
-        </p:spPr>
-        <p:txBody>
-          <a:bodyPr lIns="0" tIns="0" rIns="0" bIns="0">
+            <a:ext cx="5354280" cy="3976920"/>
+          </a:xfrm>
+          <a:prstGeom prst="rect">
+            <a:avLst/>
+          </a:prstGeom>
+        </p:spPr>
+        <p:txBody>
+          <a:bodyPr lIns="0" rIns="0" tIns="0" bIns="0">
             <a:normAutofit/>
           </a:bodyPr>
-          <a:lstStyle/>
-          <a:p>
-            <a:endParaRPr lang="en-US" sz="2800" b="0" strike="noStrike" spc="-1">
+          <a:p>
+            <a:endParaRPr b="0" lang="en-US" sz="2800" spc="-1" strike="noStrike">
               <a:solidFill>
                 <a:srgbClr val="000000"/>
               </a:solidFill>
@@ -2976,12 +2742,11 @@
           </a:prstGeom>
         </p:spPr>
         <p:txBody>
-          <a:bodyPr lIns="0" tIns="0" rIns="0" bIns="0">
+          <a:bodyPr lIns="0" rIns="0" tIns="0" bIns="0">
             <a:normAutofit/>
           </a:bodyPr>
-          <a:lstStyle/>
-          <a:p>
-            <a:endParaRPr lang="en-US" sz="2800" b="0" strike="noStrike" spc="-1">
+          <a:p>
+            <a:endParaRPr b="0" lang="en-US" sz="2800" spc="-1" strike="noStrike">
               <a:solidFill>
                 <a:srgbClr val="000000"/>
               </a:solidFill>
@@ -2992,14 +2757,11 @@
       </p:sp>
     </p:spTree>
   </p:cSld>
-  <p:clrMapOvr>
-    <a:masterClrMapping/>
-  </p:clrMapOvr>
 </p:sldLayout>
 </file>
 
 <file path=ppt/slideLayouts/slideLayout32.xml><?xml version="1.0" encoding="utf-8"?>
-<p:sldLayout xmlns:a="http://schemas.openxmlformats.org/drawingml/2006/main" xmlns:r="http://schemas.openxmlformats.org/officeDocument/2006/relationships" xmlns:p="http://schemas.openxmlformats.org/presentationml/2006/main" type="objAndTwoObj" preserve="1">
+<p:sldLayout xmlns:a="http://schemas.openxmlformats.org/drawingml/2006/main" xmlns:p="http://schemas.openxmlformats.org/presentationml/2006/main" xmlns:r="http://schemas.openxmlformats.org/officeDocument/2006/relationships" xmlns:p14="http://schemas.microsoft.com/office/powerpoint/2010/main" xmlns:p15="http://schemas.microsoft.com/office/powerpoint/2012/main" xmlns:mc="http://schemas.openxmlformats.org/markup-compatibility/2006" type="objAndTwoObj" preserve="1">
   <p:cSld name="Title Content and 2 Content">
     <p:spTree>
       <p:nvGrpSpPr>
@@ -3028,17 +2790,16 @@
         <p:spPr>
           <a:xfrm>
             <a:off x="1097280" y="286560"/>
-            <a:ext cx="10057680" cy="1450080"/>
-          </a:xfrm>
-          <a:prstGeom prst="rect">
-            <a:avLst/>
-          </a:prstGeom>
-        </p:spPr>
-        <p:txBody>
-          <a:bodyPr lIns="0" tIns="0" rIns="0" bIns="0" anchor="ctr"/>
-          <a:lstStyle/>
-          <a:p>
-            <a:endParaRPr lang="en-US" sz="1800" b="0" strike="noStrike" spc="-1">
+            <a:ext cx="10057320" cy="1449720"/>
+          </a:xfrm>
+          <a:prstGeom prst="rect">
+            <a:avLst/>
+          </a:prstGeom>
+        </p:spPr>
+        <p:txBody>
+          <a:bodyPr lIns="0" rIns="0" tIns="0" bIns="0" anchor="ctr"/>
+          <a:p>
+            <a:endParaRPr b="0" lang="en-US" sz="1800" spc="-1" strike="noStrike">
               <a:solidFill>
                 <a:srgbClr val="000000"/>
               </a:solidFill>
@@ -3060,19 +2821,18 @@
         <p:spPr>
           <a:xfrm>
             <a:off x="609480" y="1604520"/>
-            <a:ext cx="5354280" cy="3977280"/>
-          </a:xfrm>
-          <a:prstGeom prst="rect">
-            <a:avLst/>
-          </a:prstGeom>
-        </p:spPr>
-        <p:txBody>
-          <a:bodyPr lIns="0" tIns="0" rIns="0" bIns="0">
+            <a:ext cx="5354280" cy="3976920"/>
+          </a:xfrm>
+          <a:prstGeom prst="rect">
+            <a:avLst/>
+          </a:prstGeom>
+        </p:spPr>
+        <p:txBody>
+          <a:bodyPr lIns="0" rIns="0" tIns="0" bIns="0">
             <a:normAutofit/>
           </a:bodyPr>
-          <a:lstStyle/>
-          <a:p>
-            <a:endParaRPr lang="en-US" sz="2800" b="0" strike="noStrike" spc="-1">
+          <a:p>
+            <a:endParaRPr b="0" lang="en-US" sz="2800" spc="-1" strike="noStrike">
               <a:solidFill>
                 <a:srgbClr val="000000"/>
               </a:solidFill>
@@ -3101,12 +2861,11 @@
           </a:prstGeom>
         </p:spPr>
         <p:txBody>
-          <a:bodyPr lIns="0" tIns="0" rIns="0" bIns="0">
+          <a:bodyPr lIns="0" rIns="0" tIns="0" bIns="0">
             <a:normAutofit/>
           </a:bodyPr>
-          <a:lstStyle/>
-          <a:p>
-            <a:endParaRPr lang="en-US" sz="2800" b="0" strike="noStrike" spc="-1">
+          <a:p>
+            <a:endParaRPr b="0" lang="en-US" sz="2800" spc="-1" strike="noStrike">
               <a:solidFill>
                 <a:srgbClr val="000000"/>
               </a:solidFill>
@@ -3135,12 +2894,11 @@
           </a:prstGeom>
         </p:spPr>
         <p:txBody>
-          <a:bodyPr lIns="0" tIns="0" rIns="0" bIns="0">
+          <a:bodyPr lIns="0" rIns="0" tIns="0" bIns="0">
             <a:normAutofit/>
           </a:bodyPr>
-          <a:lstStyle/>
-          <a:p>
-            <a:endParaRPr lang="en-US" sz="2800" b="0" strike="noStrike" spc="-1">
+          <a:p>
+            <a:endParaRPr b="0" lang="en-US" sz="2800" spc="-1" strike="noStrike">
               <a:solidFill>
                 <a:srgbClr val="000000"/>
               </a:solidFill>
@@ -3151,14 +2909,11 @@
       </p:sp>
     </p:spTree>
   </p:cSld>
-  <p:clrMapOvr>
-    <a:masterClrMapping/>
-  </p:clrMapOvr>
 </p:sldLayout>
 </file>
 
 <file path=ppt/slideLayouts/slideLayout33.xml><?xml version="1.0" encoding="utf-8"?>
-<p:sldLayout xmlns:a="http://schemas.openxmlformats.org/drawingml/2006/main" xmlns:r="http://schemas.openxmlformats.org/officeDocument/2006/relationships" xmlns:p="http://schemas.openxmlformats.org/presentationml/2006/main" type="twoObjOverTx" preserve="1">
+<p:sldLayout xmlns:a="http://schemas.openxmlformats.org/drawingml/2006/main" xmlns:p="http://schemas.openxmlformats.org/presentationml/2006/main" xmlns:r="http://schemas.openxmlformats.org/officeDocument/2006/relationships" xmlns:p14="http://schemas.microsoft.com/office/powerpoint/2010/main" xmlns:p15="http://schemas.microsoft.com/office/powerpoint/2012/main" xmlns:mc="http://schemas.openxmlformats.org/markup-compatibility/2006" type="twoObjOverTx" preserve="1">
   <p:cSld name="Title, 2 Content over Content">
     <p:spTree>
       <p:nvGrpSpPr>
@@ -3187,17 +2942,16 @@
         <p:spPr>
           <a:xfrm>
             <a:off x="1097280" y="286560"/>
-            <a:ext cx="10057680" cy="1450080"/>
-          </a:xfrm>
-          <a:prstGeom prst="rect">
-            <a:avLst/>
-          </a:prstGeom>
-        </p:spPr>
-        <p:txBody>
-          <a:bodyPr lIns="0" tIns="0" rIns="0" bIns="0" anchor="ctr"/>
-          <a:lstStyle/>
-          <a:p>
-            <a:endParaRPr lang="en-US" sz="1800" b="0" strike="noStrike" spc="-1">
+            <a:ext cx="10057320" cy="1449720"/>
+          </a:xfrm>
+          <a:prstGeom prst="rect">
+            <a:avLst/>
+          </a:prstGeom>
+        </p:spPr>
+        <p:txBody>
+          <a:bodyPr lIns="0" rIns="0" tIns="0" bIns="0" anchor="ctr"/>
+          <a:p>
+            <a:endParaRPr b="0" lang="en-US" sz="1800" spc="-1" strike="noStrike">
               <a:solidFill>
                 <a:srgbClr val="000000"/>
               </a:solidFill>
@@ -3226,12 +2980,11 @@
           </a:prstGeom>
         </p:spPr>
         <p:txBody>
-          <a:bodyPr lIns="0" tIns="0" rIns="0" bIns="0">
+          <a:bodyPr lIns="0" rIns="0" tIns="0" bIns="0">
             <a:normAutofit/>
           </a:bodyPr>
-          <a:lstStyle/>
-          <a:p>
-            <a:endParaRPr lang="en-US" sz="2800" b="0" strike="noStrike" spc="-1">
+          <a:p>
+            <a:endParaRPr b="0" lang="en-US" sz="2800" spc="-1" strike="noStrike">
               <a:solidFill>
                 <a:srgbClr val="000000"/>
               </a:solidFill>
@@ -3260,12 +3013,11 @@
           </a:prstGeom>
         </p:spPr>
         <p:txBody>
-          <a:bodyPr lIns="0" tIns="0" rIns="0" bIns="0">
+          <a:bodyPr lIns="0" rIns="0" tIns="0" bIns="0">
             <a:normAutofit/>
           </a:bodyPr>
-          <a:lstStyle/>
-          <a:p>
-            <a:endParaRPr lang="en-US" sz="2800" b="0" strike="noStrike" spc="-1">
+          <a:p>
+            <a:endParaRPr b="0" lang="en-US" sz="2800" spc="-1" strike="noStrike">
               <a:solidFill>
                 <a:srgbClr val="000000"/>
               </a:solidFill>
@@ -3287,19 +3039,18 @@
         <p:spPr>
           <a:xfrm>
             <a:off x="609480" y="3682080"/>
-            <a:ext cx="10972440" cy="1896840"/>
-          </a:xfrm>
-          <a:prstGeom prst="rect">
-            <a:avLst/>
-          </a:prstGeom>
-        </p:spPr>
-        <p:txBody>
-          <a:bodyPr lIns="0" tIns="0" rIns="0" bIns="0">
+            <a:ext cx="10972080" cy="1896840"/>
+          </a:xfrm>
+          <a:prstGeom prst="rect">
+            <a:avLst/>
+          </a:prstGeom>
+        </p:spPr>
+        <p:txBody>
+          <a:bodyPr lIns="0" rIns="0" tIns="0" bIns="0">
             <a:normAutofit/>
           </a:bodyPr>
-          <a:lstStyle/>
-          <a:p>
-            <a:endParaRPr lang="en-US" sz="2800" b="0" strike="noStrike" spc="-1">
+          <a:p>
+            <a:endParaRPr b="0" lang="en-US" sz="2800" spc="-1" strike="noStrike">
               <a:solidFill>
                 <a:srgbClr val="000000"/>
               </a:solidFill>
@@ -3310,14 +3061,11 @@
       </p:sp>
     </p:spTree>
   </p:cSld>
-  <p:clrMapOvr>
-    <a:masterClrMapping/>
-  </p:clrMapOvr>
 </p:sldLayout>
 </file>
 
 <file path=ppt/slideLayouts/slideLayout34.xml><?xml version="1.0" encoding="utf-8"?>
-<p:sldLayout xmlns:a="http://schemas.openxmlformats.org/drawingml/2006/main" xmlns:r="http://schemas.openxmlformats.org/officeDocument/2006/relationships" xmlns:p="http://schemas.openxmlformats.org/presentationml/2006/main" type="objOverTx" preserve="1">
+<p:sldLayout xmlns:a="http://schemas.openxmlformats.org/drawingml/2006/main" xmlns:p="http://schemas.openxmlformats.org/presentationml/2006/main" xmlns:r="http://schemas.openxmlformats.org/officeDocument/2006/relationships" xmlns:p14="http://schemas.microsoft.com/office/powerpoint/2010/main" xmlns:p15="http://schemas.microsoft.com/office/powerpoint/2012/main" xmlns:mc="http://schemas.openxmlformats.org/markup-compatibility/2006" type="objOverTx" preserve="1">
   <p:cSld name="Title, Content over Content">
     <p:spTree>
       <p:nvGrpSpPr>
@@ -3346,17 +3094,16 @@
         <p:spPr>
           <a:xfrm>
             <a:off x="1097280" y="286560"/>
-            <a:ext cx="10057680" cy="1450080"/>
-          </a:xfrm>
-          <a:prstGeom prst="rect">
-            <a:avLst/>
-          </a:prstGeom>
-        </p:spPr>
-        <p:txBody>
-          <a:bodyPr lIns="0" tIns="0" rIns="0" bIns="0" anchor="ctr"/>
-          <a:lstStyle/>
-          <a:p>
-            <a:endParaRPr lang="en-US" sz="1800" b="0" strike="noStrike" spc="-1">
+            <a:ext cx="10057320" cy="1449720"/>
+          </a:xfrm>
+          <a:prstGeom prst="rect">
+            <a:avLst/>
+          </a:prstGeom>
+        </p:spPr>
+        <p:txBody>
+          <a:bodyPr lIns="0" rIns="0" tIns="0" bIns="0" anchor="ctr"/>
+          <a:p>
+            <a:endParaRPr b="0" lang="en-US" sz="1800" spc="-1" strike="noStrike">
               <a:solidFill>
                 <a:srgbClr val="000000"/>
               </a:solidFill>
@@ -3378,19 +3125,18 @@
         <p:spPr>
           <a:xfrm>
             <a:off x="609480" y="1604520"/>
-            <a:ext cx="10972440" cy="1896840"/>
-          </a:xfrm>
-          <a:prstGeom prst="rect">
-            <a:avLst/>
-          </a:prstGeom>
-        </p:spPr>
-        <p:txBody>
-          <a:bodyPr lIns="0" tIns="0" rIns="0" bIns="0">
+            <a:ext cx="10972080" cy="1896840"/>
+          </a:xfrm>
+          <a:prstGeom prst="rect">
+            <a:avLst/>
+          </a:prstGeom>
+        </p:spPr>
+        <p:txBody>
+          <a:bodyPr lIns="0" rIns="0" tIns="0" bIns="0">
             <a:normAutofit/>
           </a:bodyPr>
-          <a:lstStyle/>
-          <a:p>
-            <a:endParaRPr lang="en-US" sz="2800" b="0" strike="noStrike" spc="-1">
+          <a:p>
+            <a:endParaRPr b="0" lang="en-US" sz="2800" spc="-1" strike="noStrike">
               <a:solidFill>
                 <a:srgbClr val="000000"/>
               </a:solidFill>
@@ -3412,19 +3158,18 @@
         <p:spPr>
           <a:xfrm>
             <a:off x="609480" y="3682080"/>
-            <a:ext cx="10972440" cy="1896840"/>
-          </a:xfrm>
-          <a:prstGeom prst="rect">
-            <a:avLst/>
-          </a:prstGeom>
-        </p:spPr>
-        <p:txBody>
-          <a:bodyPr lIns="0" tIns="0" rIns="0" bIns="0">
+            <a:ext cx="10972080" cy="1896840"/>
+          </a:xfrm>
+          <a:prstGeom prst="rect">
+            <a:avLst/>
+          </a:prstGeom>
+        </p:spPr>
+        <p:txBody>
+          <a:bodyPr lIns="0" rIns="0" tIns="0" bIns="0">
             <a:normAutofit/>
           </a:bodyPr>
-          <a:lstStyle/>
-          <a:p>
-            <a:endParaRPr lang="en-US" sz="2800" b="0" strike="noStrike" spc="-1">
+          <a:p>
+            <a:endParaRPr b="0" lang="en-US" sz="2800" spc="-1" strike="noStrike">
               <a:solidFill>
                 <a:srgbClr val="000000"/>
               </a:solidFill>
@@ -3435,14 +3180,11 @@
       </p:sp>
     </p:spTree>
   </p:cSld>
-  <p:clrMapOvr>
-    <a:masterClrMapping/>
-  </p:clrMapOvr>
 </p:sldLayout>
 </file>
 
 <file path=ppt/slideLayouts/slideLayout35.xml><?xml version="1.0" encoding="utf-8"?>
-<p:sldLayout xmlns:a="http://schemas.openxmlformats.org/drawingml/2006/main" xmlns:r="http://schemas.openxmlformats.org/officeDocument/2006/relationships" xmlns:p="http://schemas.openxmlformats.org/presentationml/2006/main" type="fourObj" preserve="1">
+<p:sldLayout xmlns:a="http://schemas.openxmlformats.org/drawingml/2006/main" xmlns:p="http://schemas.openxmlformats.org/presentationml/2006/main" xmlns:r="http://schemas.openxmlformats.org/officeDocument/2006/relationships" xmlns:p14="http://schemas.microsoft.com/office/powerpoint/2010/main" xmlns:p15="http://schemas.microsoft.com/office/powerpoint/2012/main" xmlns:mc="http://schemas.openxmlformats.org/markup-compatibility/2006" type="fourObj" preserve="1">
   <p:cSld name="Title, 4 Content">
     <p:spTree>
       <p:nvGrpSpPr>
@@ -3471,17 +3213,16 @@
         <p:spPr>
           <a:xfrm>
             <a:off x="1097280" y="286560"/>
-            <a:ext cx="10057680" cy="1450080"/>
-          </a:xfrm>
-          <a:prstGeom prst="rect">
-            <a:avLst/>
-          </a:prstGeom>
-        </p:spPr>
-        <p:txBody>
-          <a:bodyPr lIns="0" tIns="0" rIns="0" bIns="0" anchor="ctr"/>
-          <a:lstStyle/>
-          <a:p>
-            <a:endParaRPr lang="en-US" sz="1800" b="0" strike="noStrike" spc="-1">
+            <a:ext cx="10057320" cy="1449720"/>
+          </a:xfrm>
+          <a:prstGeom prst="rect">
+            <a:avLst/>
+          </a:prstGeom>
+        </p:spPr>
+        <p:txBody>
+          <a:bodyPr lIns="0" rIns="0" tIns="0" bIns="0" anchor="ctr"/>
+          <a:p>
+            <a:endParaRPr b="0" lang="en-US" sz="1800" spc="-1" strike="noStrike">
               <a:solidFill>
                 <a:srgbClr val="000000"/>
               </a:solidFill>
@@ -3510,12 +3251,11 @@
           </a:prstGeom>
         </p:spPr>
         <p:txBody>
-          <a:bodyPr lIns="0" tIns="0" rIns="0" bIns="0">
+          <a:bodyPr lIns="0" rIns="0" tIns="0" bIns="0">
             <a:normAutofit/>
           </a:bodyPr>
-          <a:lstStyle/>
-          <a:p>
-            <a:endParaRPr lang="en-US" sz="2800" b="0" strike="noStrike" spc="-1">
+          <a:p>
+            <a:endParaRPr b="0" lang="en-US" sz="2800" spc="-1" strike="noStrike">
               <a:solidFill>
                 <a:srgbClr val="000000"/>
               </a:solidFill>
@@ -3544,12 +3284,11 @@
           </a:prstGeom>
         </p:spPr>
         <p:txBody>
-          <a:bodyPr lIns="0" tIns="0" rIns="0" bIns="0">
+          <a:bodyPr lIns="0" rIns="0" tIns="0" bIns="0">
             <a:normAutofit/>
           </a:bodyPr>
-          <a:lstStyle/>
-          <a:p>
-            <a:endParaRPr lang="en-US" sz="2800" b="0" strike="noStrike" spc="-1">
+          <a:p>
+            <a:endParaRPr b="0" lang="en-US" sz="2800" spc="-1" strike="noStrike">
               <a:solidFill>
                 <a:srgbClr val="000000"/>
               </a:solidFill>
@@ -3578,12 +3317,11 @@
           </a:prstGeom>
         </p:spPr>
         <p:txBody>
-          <a:bodyPr lIns="0" tIns="0" rIns="0" bIns="0">
+          <a:bodyPr lIns="0" rIns="0" tIns="0" bIns="0">
             <a:normAutofit/>
           </a:bodyPr>
-          <a:lstStyle/>
-          <a:p>
-            <a:endParaRPr lang="en-US" sz="2800" b="0" strike="noStrike" spc="-1">
+          <a:p>
+            <a:endParaRPr b="0" lang="en-US" sz="2800" spc="-1" strike="noStrike">
               <a:solidFill>
                 <a:srgbClr val="000000"/>
               </a:solidFill>
@@ -3612,12 +3350,11 @@
           </a:prstGeom>
         </p:spPr>
         <p:txBody>
-          <a:bodyPr lIns="0" tIns="0" rIns="0" bIns="0">
+          <a:bodyPr lIns="0" rIns="0" tIns="0" bIns="0">
             <a:normAutofit/>
           </a:bodyPr>
-          <a:lstStyle/>
-          <a:p>
-            <a:endParaRPr lang="en-US" sz="2800" b="0" strike="noStrike" spc="-1">
+          <a:p>
+            <a:endParaRPr b="0" lang="en-US" sz="2800" spc="-1" strike="noStrike">
               <a:solidFill>
                 <a:srgbClr val="000000"/>
               </a:solidFill>
@@ -3628,14 +3365,11 @@
       </p:sp>
     </p:spTree>
   </p:cSld>
-  <p:clrMapOvr>
-    <a:masterClrMapping/>
-  </p:clrMapOvr>
 </p:sldLayout>
 </file>
 
 <file path=ppt/slideLayouts/slideLayout36.xml><?xml version="1.0" encoding="utf-8"?>
-<p:sldLayout xmlns:a="http://schemas.openxmlformats.org/drawingml/2006/main" xmlns:r="http://schemas.openxmlformats.org/officeDocument/2006/relationships" xmlns:p="http://schemas.openxmlformats.org/presentationml/2006/main" type="blank" preserve="1">
+<p:sldLayout xmlns:a="http://schemas.openxmlformats.org/drawingml/2006/main" xmlns:p="http://schemas.openxmlformats.org/presentationml/2006/main" xmlns:r="http://schemas.openxmlformats.org/officeDocument/2006/relationships" xmlns:p14="http://schemas.microsoft.com/office/powerpoint/2010/main" xmlns:p15="http://schemas.microsoft.com/office/powerpoint/2012/main" xmlns:mc="http://schemas.openxmlformats.org/markup-compatibility/2006" type="blank" preserve="1">
   <p:cSld name="Title, 6 Content">
     <p:spTree>
       <p:nvGrpSpPr>
@@ -3664,17 +3398,16 @@
         <p:spPr>
           <a:xfrm>
             <a:off x="1097280" y="286560"/>
-            <a:ext cx="10057680" cy="1450080"/>
-          </a:xfrm>
-          <a:prstGeom prst="rect">
-            <a:avLst/>
-          </a:prstGeom>
-        </p:spPr>
-        <p:txBody>
-          <a:bodyPr lIns="0" tIns="0" rIns="0" bIns="0" anchor="ctr"/>
-          <a:lstStyle/>
-          <a:p>
-            <a:endParaRPr lang="en-US" sz="1800" b="0" strike="noStrike" spc="-1">
+            <a:ext cx="10057320" cy="1449720"/>
+          </a:xfrm>
+          <a:prstGeom prst="rect">
+            <a:avLst/>
+          </a:prstGeom>
+        </p:spPr>
+        <p:txBody>
+          <a:bodyPr lIns="0" rIns="0" tIns="0" bIns="0" anchor="ctr"/>
+          <a:p>
+            <a:endParaRPr b="0" lang="en-US" sz="1800" spc="-1" strike="noStrike">
               <a:solidFill>
                 <a:srgbClr val="000000"/>
               </a:solidFill>
@@ -3696,19 +3429,18 @@
         <p:spPr>
           <a:xfrm>
             <a:off x="609480" y="1604520"/>
-            <a:ext cx="3533040" cy="1896840"/>
-          </a:xfrm>
-          <a:prstGeom prst="rect">
-            <a:avLst/>
-          </a:prstGeom>
-        </p:spPr>
-        <p:txBody>
-          <a:bodyPr lIns="0" tIns="0" rIns="0" bIns="0">
+            <a:ext cx="3532680" cy="1896840"/>
+          </a:xfrm>
+          <a:prstGeom prst="rect">
+            <a:avLst/>
+          </a:prstGeom>
+        </p:spPr>
+        <p:txBody>
+          <a:bodyPr lIns="0" rIns="0" tIns="0" bIns="0">
             <a:normAutofit/>
           </a:bodyPr>
-          <a:lstStyle/>
-          <a:p>
-            <a:endParaRPr lang="en-US" sz="2800" b="0" strike="noStrike" spc="-1">
+          <a:p>
+            <a:endParaRPr b="0" lang="en-US" sz="2800" spc="-1" strike="noStrike">
               <a:solidFill>
                 <a:srgbClr val="000000"/>
               </a:solidFill>
@@ -3729,20 +3461,19 @@
         </p:nvSpPr>
         <p:spPr>
           <a:xfrm>
-            <a:off x="4319640" y="1604520"/>
-            <a:ext cx="3533040" cy="1896840"/>
-          </a:xfrm>
-          <a:prstGeom prst="rect">
-            <a:avLst/>
-          </a:prstGeom>
-        </p:spPr>
-        <p:txBody>
-          <a:bodyPr lIns="0" tIns="0" rIns="0" bIns="0">
+            <a:off x="4319280" y="1604520"/>
+            <a:ext cx="3532680" cy="1896840"/>
+          </a:xfrm>
+          <a:prstGeom prst="rect">
+            <a:avLst/>
+          </a:prstGeom>
+        </p:spPr>
+        <p:txBody>
+          <a:bodyPr lIns="0" rIns="0" tIns="0" bIns="0">
             <a:normAutofit/>
           </a:bodyPr>
-          <a:lstStyle/>
-          <a:p>
-            <a:endParaRPr lang="en-US" sz="2800" b="0" strike="noStrike" spc="-1">
+          <a:p>
+            <a:endParaRPr b="0" lang="en-US" sz="2800" spc="-1" strike="noStrike">
               <a:solidFill>
                 <a:srgbClr val="000000"/>
               </a:solidFill>
@@ -3763,20 +3494,19 @@
         </p:nvSpPr>
         <p:spPr>
           <a:xfrm>
-            <a:off x="8029800" y="1604520"/>
-            <a:ext cx="3533040" cy="1896840"/>
-          </a:xfrm>
-          <a:prstGeom prst="rect">
-            <a:avLst/>
-          </a:prstGeom>
-        </p:spPr>
-        <p:txBody>
-          <a:bodyPr lIns="0" tIns="0" rIns="0" bIns="0">
+            <a:off x="8028720" y="1604520"/>
+            <a:ext cx="3532680" cy="1896840"/>
+          </a:xfrm>
+          <a:prstGeom prst="rect">
+            <a:avLst/>
+          </a:prstGeom>
+        </p:spPr>
+        <p:txBody>
+          <a:bodyPr lIns="0" rIns="0" tIns="0" bIns="0">
             <a:normAutofit/>
           </a:bodyPr>
-          <a:lstStyle/>
-          <a:p>
-            <a:endParaRPr lang="en-US" sz="2800" b="0" strike="noStrike" spc="-1">
+          <a:p>
+            <a:endParaRPr b="0" lang="en-US" sz="2800" spc="-1" strike="noStrike">
               <a:solidFill>
                 <a:srgbClr val="000000"/>
               </a:solidFill>
@@ -3798,19 +3528,18 @@
         <p:spPr>
           <a:xfrm>
             <a:off x="609480" y="3682080"/>
-            <a:ext cx="3533040" cy="1896840"/>
-          </a:xfrm>
-          <a:prstGeom prst="rect">
-            <a:avLst/>
-          </a:prstGeom>
-        </p:spPr>
-        <p:txBody>
-          <a:bodyPr lIns="0" tIns="0" rIns="0" bIns="0">
+            <a:ext cx="3532680" cy="1896840"/>
+          </a:xfrm>
+          <a:prstGeom prst="rect">
+            <a:avLst/>
+          </a:prstGeom>
+        </p:spPr>
+        <p:txBody>
+          <a:bodyPr lIns="0" rIns="0" tIns="0" bIns="0">
             <a:normAutofit/>
           </a:bodyPr>
-          <a:lstStyle/>
-          <a:p>
-            <a:endParaRPr lang="en-US" sz="2800" b="0" strike="noStrike" spc="-1">
+          <a:p>
+            <a:endParaRPr b="0" lang="en-US" sz="2800" spc="-1" strike="noStrike">
               <a:solidFill>
                 <a:srgbClr val="000000"/>
               </a:solidFill>
@@ -3831,20 +3560,19 @@
         </p:nvSpPr>
         <p:spPr>
           <a:xfrm>
-            <a:off x="4319640" y="3682080"/>
-            <a:ext cx="3533040" cy="1896840"/>
-          </a:xfrm>
-          <a:prstGeom prst="rect">
-            <a:avLst/>
-          </a:prstGeom>
-        </p:spPr>
-        <p:txBody>
-          <a:bodyPr lIns="0" tIns="0" rIns="0" bIns="0">
+            <a:off x="4319280" y="3682080"/>
+            <a:ext cx="3532680" cy="1896840"/>
+          </a:xfrm>
+          <a:prstGeom prst="rect">
+            <a:avLst/>
+          </a:prstGeom>
+        </p:spPr>
+        <p:txBody>
+          <a:bodyPr lIns="0" rIns="0" tIns="0" bIns="0">
             <a:normAutofit/>
           </a:bodyPr>
-          <a:lstStyle/>
-          <a:p>
-            <a:endParaRPr lang="en-US" sz="2800" b="0" strike="noStrike" spc="-1">
+          <a:p>
+            <a:endParaRPr b="0" lang="en-US" sz="2800" spc="-1" strike="noStrike">
               <a:solidFill>
                 <a:srgbClr val="000000"/>
               </a:solidFill>
@@ -3865,20 +3593,19 @@
         </p:nvSpPr>
         <p:spPr>
           <a:xfrm>
-            <a:off x="8029800" y="3682080"/>
-            <a:ext cx="3533040" cy="1896840"/>
-          </a:xfrm>
-          <a:prstGeom prst="rect">
-            <a:avLst/>
-          </a:prstGeom>
-        </p:spPr>
-        <p:txBody>
-          <a:bodyPr lIns="0" tIns="0" rIns="0" bIns="0">
+            <a:off x="8028720" y="3682080"/>
+            <a:ext cx="3532680" cy="1896840"/>
+          </a:xfrm>
+          <a:prstGeom prst="rect">
+            <a:avLst/>
+          </a:prstGeom>
+        </p:spPr>
+        <p:txBody>
+          <a:bodyPr lIns="0" rIns="0" tIns="0" bIns="0">
             <a:normAutofit/>
           </a:bodyPr>
-          <a:lstStyle/>
-          <a:p>
-            <a:endParaRPr lang="en-US" sz="2800" b="0" strike="noStrike" spc="-1">
+          <a:p>
+            <a:endParaRPr b="0" lang="en-US" sz="2800" spc="-1" strike="noStrike">
               <a:solidFill>
                 <a:srgbClr val="000000"/>
               </a:solidFill>
@@ -3889,14 +3616,11 @@
       </p:sp>
     </p:spTree>
   </p:cSld>
-  <p:clrMapOvr>
-    <a:masterClrMapping/>
-  </p:clrMapOvr>
 </p:sldLayout>
 </file>
 
 <file path=ppt/slideLayouts/slideLayout4.xml><?xml version="1.0" encoding="utf-8"?>
-<p:sldLayout xmlns:a="http://schemas.openxmlformats.org/drawingml/2006/main" xmlns:r="http://schemas.openxmlformats.org/officeDocument/2006/relationships" xmlns:p="http://schemas.openxmlformats.org/presentationml/2006/main" type="twoObj" preserve="1">
+<p:sldLayout xmlns:a="http://schemas.openxmlformats.org/drawingml/2006/main" xmlns:p="http://schemas.openxmlformats.org/presentationml/2006/main" xmlns:r="http://schemas.openxmlformats.org/officeDocument/2006/relationships" xmlns:p14="http://schemas.microsoft.com/office/powerpoint/2010/main" xmlns:p15="http://schemas.microsoft.com/office/powerpoint/2012/main" xmlns:mc="http://schemas.openxmlformats.org/markup-compatibility/2006" type="twoObj" preserve="1">
   <p:cSld name="Title, 2 Content">
     <p:spTree>
       <p:nvGrpSpPr>
@@ -3925,17 +3649,16 @@
         <p:spPr>
           <a:xfrm>
             <a:off x="1097280" y="286560"/>
-            <a:ext cx="10057680" cy="1450080"/>
-          </a:xfrm>
-          <a:prstGeom prst="rect">
-            <a:avLst/>
-          </a:prstGeom>
-        </p:spPr>
-        <p:txBody>
-          <a:bodyPr lIns="0" tIns="0" rIns="0" bIns="0" anchor="ctr"/>
-          <a:lstStyle/>
-          <a:p>
-            <a:endParaRPr lang="en-US" sz="1800" b="0" strike="noStrike" spc="-1">
+            <a:ext cx="10057320" cy="1449720"/>
+          </a:xfrm>
+          <a:prstGeom prst="rect">
+            <a:avLst/>
+          </a:prstGeom>
+        </p:spPr>
+        <p:txBody>
+          <a:bodyPr lIns="0" rIns="0" tIns="0" bIns="0" anchor="ctr"/>
+          <a:p>
+            <a:endParaRPr b="0" lang="en-US" sz="1800" spc="-1" strike="noStrike">
               <a:solidFill>
                 <a:srgbClr val="000000"/>
               </a:solidFill>
@@ -3957,19 +3680,18 @@
         <p:spPr>
           <a:xfrm>
             <a:off x="609480" y="1604520"/>
-            <a:ext cx="5354280" cy="3977280"/>
-          </a:xfrm>
-          <a:prstGeom prst="rect">
-            <a:avLst/>
-          </a:prstGeom>
-        </p:spPr>
-        <p:txBody>
-          <a:bodyPr lIns="0" tIns="0" rIns="0" bIns="0">
+            <a:ext cx="5354280" cy="3976920"/>
+          </a:xfrm>
+          <a:prstGeom prst="rect">
+            <a:avLst/>
+          </a:prstGeom>
+        </p:spPr>
+        <p:txBody>
+          <a:bodyPr lIns="0" rIns="0" tIns="0" bIns="0">
             <a:normAutofit/>
           </a:bodyPr>
-          <a:lstStyle/>
-          <a:p>
-            <a:endParaRPr lang="en-US" sz="2800" b="0" strike="noStrike" spc="-1">
+          <a:p>
+            <a:endParaRPr b="0" lang="en-US" sz="2800" spc="-1" strike="noStrike">
               <a:solidFill>
                 <a:srgbClr val="000000"/>
               </a:solidFill>
@@ -3991,19 +3713,18 @@
         <p:spPr>
           <a:xfrm>
             <a:off x="6231960" y="1604520"/>
-            <a:ext cx="5354280" cy="3977280"/>
-          </a:xfrm>
-          <a:prstGeom prst="rect">
-            <a:avLst/>
-          </a:prstGeom>
-        </p:spPr>
-        <p:txBody>
-          <a:bodyPr lIns="0" tIns="0" rIns="0" bIns="0">
+            <a:ext cx="5354280" cy="3976920"/>
+          </a:xfrm>
+          <a:prstGeom prst="rect">
+            <a:avLst/>
+          </a:prstGeom>
+        </p:spPr>
+        <p:txBody>
+          <a:bodyPr lIns="0" rIns="0" tIns="0" bIns="0">
             <a:normAutofit/>
           </a:bodyPr>
-          <a:lstStyle/>
-          <a:p>
-            <a:endParaRPr lang="en-US" sz="2800" b="0" strike="noStrike" spc="-1">
+          <a:p>
+            <a:endParaRPr b="0" lang="en-US" sz="2800" spc="-1" strike="noStrike">
               <a:solidFill>
                 <a:srgbClr val="000000"/>
               </a:solidFill>
@@ -4014,14 +3735,11 @@
       </p:sp>
     </p:spTree>
   </p:cSld>
-  <p:clrMapOvr>
-    <a:masterClrMapping/>
-  </p:clrMapOvr>
 </p:sldLayout>
 </file>
 
 <file path=ppt/slideLayouts/slideLayout5.xml><?xml version="1.0" encoding="utf-8"?>
-<p:sldLayout xmlns:a="http://schemas.openxmlformats.org/drawingml/2006/main" xmlns:r="http://schemas.openxmlformats.org/officeDocument/2006/relationships" xmlns:p="http://schemas.openxmlformats.org/presentationml/2006/main" type="titleOnly" preserve="1">
+<p:sldLayout xmlns:a="http://schemas.openxmlformats.org/drawingml/2006/main" xmlns:p="http://schemas.openxmlformats.org/presentationml/2006/main" xmlns:r="http://schemas.openxmlformats.org/officeDocument/2006/relationships" xmlns:p14="http://schemas.microsoft.com/office/powerpoint/2010/main" xmlns:p15="http://schemas.microsoft.com/office/powerpoint/2012/main" xmlns:mc="http://schemas.openxmlformats.org/markup-compatibility/2006" type="titleOnly" preserve="1">
   <p:cSld name="Title Only">
     <p:spTree>
       <p:nvGrpSpPr>
@@ -4050,17 +3768,16 @@
         <p:spPr>
           <a:xfrm>
             <a:off x="1097280" y="286560"/>
-            <a:ext cx="10057680" cy="1450080"/>
-          </a:xfrm>
-          <a:prstGeom prst="rect">
-            <a:avLst/>
-          </a:prstGeom>
-        </p:spPr>
-        <p:txBody>
-          <a:bodyPr lIns="0" tIns="0" rIns="0" bIns="0" anchor="ctr"/>
-          <a:lstStyle/>
-          <a:p>
-            <a:endParaRPr lang="en-US" sz="1800" b="0" strike="noStrike" spc="-1">
+            <a:ext cx="10057320" cy="1449720"/>
+          </a:xfrm>
+          <a:prstGeom prst="rect">
+            <a:avLst/>
+          </a:prstGeom>
+        </p:spPr>
+        <p:txBody>
+          <a:bodyPr lIns="0" rIns="0" tIns="0" bIns="0" anchor="ctr"/>
+          <a:p>
+            <a:endParaRPr b="0" lang="en-US" sz="1800" spc="-1" strike="noStrike">
               <a:solidFill>
                 <a:srgbClr val="000000"/>
               </a:solidFill>
@@ -4071,14 +3788,11 @@
       </p:sp>
     </p:spTree>
   </p:cSld>
-  <p:clrMapOvr>
-    <a:masterClrMapping/>
-  </p:clrMapOvr>
 </p:sldLayout>
 </file>
 
 <file path=ppt/slideLayouts/slideLayout6.xml><?xml version="1.0" encoding="utf-8"?>
-<p:sldLayout xmlns:a="http://schemas.openxmlformats.org/drawingml/2006/main" xmlns:r="http://schemas.openxmlformats.org/officeDocument/2006/relationships" xmlns:p="http://schemas.openxmlformats.org/presentationml/2006/main" type="objOnly" preserve="1">
+<p:sldLayout xmlns:a="http://schemas.openxmlformats.org/drawingml/2006/main" xmlns:p="http://schemas.openxmlformats.org/presentationml/2006/main" xmlns:r="http://schemas.openxmlformats.org/officeDocument/2006/relationships" xmlns:p14="http://schemas.microsoft.com/office/powerpoint/2010/main" xmlns:p15="http://schemas.microsoft.com/office/powerpoint/2012/main" xmlns:mc="http://schemas.openxmlformats.org/markup-compatibility/2006" type="objOnly" preserve="1">
   <p:cSld name="Centered Text">
     <p:spTree>
       <p:nvGrpSpPr>
@@ -4107,18 +3821,17 @@
         <p:spPr>
           <a:xfrm>
             <a:off x="1097280" y="286560"/>
-            <a:ext cx="10057680" cy="6723000"/>
-          </a:xfrm>
-          <a:prstGeom prst="rect">
-            <a:avLst/>
-          </a:prstGeom>
-        </p:spPr>
-        <p:txBody>
-          <a:bodyPr lIns="0" tIns="0" rIns="0" bIns="0" anchor="ctr"/>
-          <a:lstStyle/>
+            <a:ext cx="10057320" cy="6721200"/>
+          </a:xfrm>
+          <a:prstGeom prst="rect">
+            <a:avLst/>
+          </a:prstGeom>
+        </p:spPr>
+        <p:txBody>
+          <a:bodyPr lIns="0" rIns="0" tIns="0" bIns="0" anchor="ctr"/>
           <a:p>
             <a:pPr algn="ctr"/>
-            <a:endParaRPr lang="en-US" sz="3200" b="0" strike="noStrike" spc="-1">
+            <a:endParaRPr b="0" lang="en-US" sz="3200" spc="-1" strike="noStrike">
               <a:latin typeface="Arial"/>
             </a:endParaRPr>
           </a:p>
@@ -4126,14 +3839,11 @@
       </p:sp>
     </p:spTree>
   </p:cSld>
-  <p:clrMapOvr>
-    <a:masterClrMapping/>
-  </p:clrMapOvr>
 </p:sldLayout>
 </file>
 
 <file path=ppt/slideLayouts/slideLayout7.xml><?xml version="1.0" encoding="utf-8"?>
-<p:sldLayout xmlns:a="http://schemas.openxmlformats.org/drawingml/2006/main" xmlns:r="http://schemas.openxmlformats.org/officeDocument/2006/relationships" xmlns:p="http://schemas.openxmlformats.org/presentationml/2006/main" type="twoObjAndObj" preserve="1">
+<p:sldLayout xmlns:a="http://schemas.openxmlformats.org/drawingml/2006/main" xmlns:p="http://schemas.openxmlformats.org/presentationml/2006/main" xmlns:r="http://schemas.openxmlformats.org/officeDocument/2006/relationships" xmlns:p14="http://schemas.microsoft.com/office/powerpoint/2010/main" xmlns:p15="http://schemas.microsoft.com/office/powerpoint/2012/main" xmlns:mc="http://schemas.openxmlformats.org/markup-compatibility/2006" type="twoObjAndObj" preserve="1">
   <p:cSld name="Title, 2 Content and Content">
     <p:spTree>
       <p:nvGrpSpPr>
@@ -4162,17 +3872,16 @@
         <p:spPr>
           <a:xfrm>
             <a:off x="1097280" y="286560"/>
-            <a:ext cx="10057680" cy="1450080"/>
-          </a:xfrm>
-          <a:prstGeom prst="rect">
-            <a:avLst/>
-          </a:prstGeom>
-        </p:spPr>
-        <p:txBody>
-          <a:bodyPr lIns="0" tIns="0" rIns="0" bIns="0" anchor="ctr"/>
-          <a:lstStyle/>
-          <a:p>
-            <a:endParaRPr lang="en-US" sz="1800" b="0" strike="noStrike" spc="-1">
+            <a:ext cx="10057320" cy="1449720"/>
+          </a:xfrm>
+          <a:prstGeom prst="rect">
+            <a:avLst/>
+          </a:prstGeom>
+        </p:spPr>
+        <p:txBody>
+          <a:bodyPr lIns="0" rIns="0" tIns="0" bIns="0" anchor="ctr"/>
+          <a:p>
+            <a:endParaRPr b="0" lang="en-US" sz="1800" spc="-1" strike="noStrike">
               <a:solidFill>
                 <a:srgbClr val="000000"/>
               </a:solidFill>
@@ -4201,12 +3910,11 @@
           </a:prstGeom>
         </p:spPr>
         <p:txBody>
-          <a:bodyPr lIns="0" tIns="0" rIns="0" bIns="0">
+          <a:bodyPr lIns="0" rIns="0" tIns="0" bIns="0">
             <a:normAutofit/>
           </a:bodyPr>
-          <a:lstStyle/>
-          <a:p>
-            <a:endParaRPr lang="en-US" sz="2800" b="0" strike="noStrike" spc="-1">
+          <a:p>
+            <a:endParaRPr b="0" lang="en-US" sz="2800" spc="-1" strike="noStrike">
               <a:solidFill>
                 <a:srgbClr val="000000"/>
               </a:solidFill>
@@ -4228,19 +3936,18 @@
         <p:spPr>
           <a:xfrm>
             <a:off x="6231960" y="1604520"/>
-            <a:ext cx="5354280" cy="3977280"/>
-          </a:xfrm>
-          <a:prstGeom prst="rect">
-            <a:avLst/>
-          </a:prstGeom>
-        </p:spPr>
-        <p:txBody>
-          <a:bodyPr lIns="0" tIns="0" rIns="0" bIns="0">
+            <a:ext cx="5354280" cy="3976920"/>
+          </a:xfrm>
+          <a:prstGeom prst="rect">
+            <a:avLst/>
+          </a:prstGeom>
+        </p:spPr>
+        <p:txBody>
+          <a:bodyPr lIns="0" rIns="0" tIns="0" bIns="0">
             <a:normAutofit/>
           </a:bodyPr>
-          <a:lstStyle/>
-          <a:p>
-            <a:endParaRPr lang="en-US" sz="2800" b="0" strike="noStrike" spc="-1">
+          <a:p>
+            <a:endParaRPr b="0" lang="en-US" sz="2800" spc="-1" strike="noStrike">
               <a:solidFill>
                 <a:srgbClr val="000000"/>
               </a:solidFill>
@@ -4269,12 +3976,11 @@
           </a:prstGeom>
         </p:spPr>
         <p:txBody>
-          <a:bodyPr lIns="0" tIns="0" rIns="0" bIns="0">
+          <a:bodyPr lIns="0" rIns="0" tIns="0" bIns="0">
             <a:normAutofit/>
           </a:bodyPr>
-          <a:lstStyle/>
-          <a:p>
-            <a:endParaRPr lang="en-US" sz="2800" b="0" strike="noStrike" spc="-1">
+          <a:p>
+            <a:endParaRPr b="0" lang="en-US" sz="2800" spc="-1" strike="noStrike">
               <a:solidFill>
                 <a:srgbClr val="000000"/>
               </a:solidFill>
@@ -4285,14 +3991,11 @@
       </p:sp>
     </p:spTree>
   </p:cSld>
-  <p:clrMapOvr>
-    <a:masterClrMapping/>
-  </p:clrMapOvr>
 </p:sldLayout>
 </file>
 
 <file path=ppt/slideLayouts/slideLayout8.xml><?xml version="1.0" encoding="utf-8"?>
-<p:sldLayout xmlns:a="http://schemas.openxmlformats.org/drawingml/2006/main" xmlns:r="http://schemas.openxmlformats.org/officeDocument/2006/relationships" xmlns:p="http://schemas.openxmlformats.org/presentationml/2006/main" type="objAndTwoObj" preserve="1">
+<p:sldLayout xmlns:a="http://schemas.openxmlformats.org/drawingml/2006/main" xmlns:p="http://schemas.openxmlformats.org/presentationml/2006/main" xmlns:r="http://schemas.openxmlformats.org/officeDocument/2006/relationships" xmlns:p14="http://schemas.microsoft.com/office/powerpoint/2010/main" xmlns:p15="http://schemas.microsoft.com/office/powerpoint/2012/main" xmlns:mc="http://schemas.openxmlformats.org/markup-compatibility/2006" type="objAndTwoObj" preserve="1">
   <p:cSld name="Title Content and 2 Content">
     <p:spTree>
       <p:nvGrpSpPr>
@@ -4321,17 +4024,16 @@
         <p:spPr>
           <a:xfrm>
             <a:off x="1097280" y="286560"/>
-            <a:ext cx="10057680" cy="1450080"/>
-          </a:xfrm>
-          <a:prstGeom prst="rect">
-            <a:avLst/>
-          </a:prstGeom>
-        </p:spPr>
-        <p:txBody>
-          <a:bodyPr lIns="0" tIns="0" rIns="0" bIns="0" anchor="ctr"/>
-          <a:lstStyle/>
-          <a:p>
-            <a:endParaRPr lang="en-US" sz="1800" b="0" strike="noStrike" spc="-1">
+            <a:ext cx="10057320" cy="1449720"/>
+          </a:xfrm>
+          <a:prstGeom prst="rect">
+            <a:avLst/>
+          </a:prstGeom>
+        </p:spPr>
+        <p:txBody>
+          <a:bodyPr lIns="0" rIns="0" tIns="0" bIns="0" anchor="ctr"/>
+          <a:p>
+            <a:endParaRPr b="0" lang="en-US" sz="1800" spc="-1" strike="noStrike">
               <a:solidFill>
                 <a:srgbClr val="000000"/>
               </a:solidFill>
@@ -4353,19 +4055,18 @@
         <p:spPr>
           <a:xfrm>
             <a:off x="609480" y="1604520"/>
-            <a:ext cx="5354280" cy="3977280"/>
-          </a:xfrm>
-          <a:prstGeom prst="rect">
-            <a:avLst/>
-          </a:prstGeom>
-        </p:spPr>
-        <p:txBody>
-          <a:bodyPr lIns="0" tIns="0" rIns="0" bIns="0">
+            <a:ext cx="5354280" cy="3976920"/>
+          </a:xfrm>
+          <a:prstGeom prst="rect">
+            <a:avLst/>
+          </a:prstGeom>
+        </p:spPr>
+        <p:txBody>
+          <a:bodyPr lIns="0" rIns="0" tIns="0" bIns="0">
             <a:normAutofit/>
           </a:bodyPr>
-          <a:lstStyle/>
-          <a:p>
-            <a:endParaRPr lang="en-US" sz="2800" b="0" strike="noStrike" spc="-1">
+          <a:p>
+            <a:endParaRPr b="0" lang="en-US" sz="2800" spc="-1" strike="noStrike">
               <a:solidFill>
                 <a:srgbClr val="000000"/>
               </a:solidFill>
@@ -4394,12 +4095,11 @@
           </a:prstGeom>
         </p:spPr>
         <p:txBody>
-          <a:bodyPr lIns="0" tIns="0" rIns="0" bIns="0">
+          <a:bodyPr lIns="0" rIns="0" tIns="0" bIns="0">
             <a:normAutofit/>
           </a:bodyPr>
-          <a:lstStyle/>
-          <a:p>
-            <a:endParaRPr lang="en-US" sz="2800" b="0" strike="noStrike" spc="-1">
+          <a:p>
+            <a:endParaRPr b="0" lang="en-US" sz="2800" spc="-1" strike="noStrike">
               <a:solidFill>
                 <a:srgbClr val="000000"/>
               </a:solidFill>
@@ -4428,12 +4128,11 @@
           </a:prstGeom>
         </p:spPr>
         <p:txBody>
-          <a:bodyPr lIns="0" tIns="0" rIns="0" bIns="0">
+          <a:bodyPr lIns="0" rIns="0" tIns="0" bIns="0">
             <a:normAutofit/>
           </a:bodyPr>
-          <a:lstStyle/>
-          <a:p>
-            <a:endParaRPr lang="en-US" sz="2800" b="0" strike="noStrike" spc="-1">
+          <a:p>
+            <a:endParaRPr b="0" lang="en-US" sz="2800" spc="-1" strike="noStrike">
               <a:solidFill>
                 <a:srgbClr val="000000"/>
               </a:solidFill>
@@ -4444,14 +4143,11 @@
       </p:sp>
     </p:spTree>
   </p:cSld>
-  <p:clrMapOvr>
-    <a:masterClrMapping/>
-  </p:clrMapOvr>
 </p:sldLayout>
 </file>
 
 <file path=ppt/slideLayouts/slideLayout9.xml><?xml version="1.0" encoding="utf-8"?>
-<p:sldLayout xmlns:a="http://schemas.openxmlformats.org/drawingml/2006/main" xmlns:r="http://schemas.openxmlformats.org/officeDocument/2006/relationships" xmlns:p="http://schemas.openxmlformats.org/presentationml/2006/main" type="twoObjOverTx" preserve="1">
+<p:sldLayout xmlns:a="http://schemas.openxmlformats.org/drawingml/2006/main" xmlns:p="http://schemas.openxmlformats.org/presentationml/2006/main" xmlns:r="http://schemas.openxmlformats.org/officeDocument/2006/relationships" xmlns:p14="http://schemas.microsoft.com/office/powerpoint/2010/main" xmlns:p15="http://schemas.microsoft.com/office/powerpoint/2012/main" xmlns:mc="http://schemas.openxmlformats.org/markup-compatibility/2006" type="twoObjOverTx" preserve="1">
   <p:cSld name="Title, 2 Content over Content">
     <p:spTree>
       <p:nvGrpSpPr>
@@ -4480,17 +4176,16 @@
         <p:spPr>
           <a:xfrm>
             <a:off x="1097280" y="286560"/>
-            <a:ext cx="10057680" cy="1450080"/>
-          </a:xfrm>
-          <a:prstGeom prst="rect">
-            <a:avLst/>
-          </a:prstGeom>
-        </p:spPr>
-        <p:txBody>
-          <a:bodyPr lIns="0" tIns="0" rIns="0" bIns="0" anchor="ctr"/>
-          <a:lstStyle/>
-          <a:p>
-            <a:endParaRPr lang="en-US" sz="1800" b="0" strike="noStrike" spc="-1">
+            <a:ext cx="10057320" cy="1449720"/>
+          </a:xfrm>
+          <a:prstGeom prst="rect">
+            <a:avLst/>
+          </a:prstGeom>
+        </p:spPr>
+        <p:txBody>
+          <a:bodyPr lIns="0" rIns="0" tIns="0" bIns="0" anchor="ctr"/>
+          <a:p>
+            <a:endParaRPr b="0" lang="en-US" sz="1800" spc="-1" strike="noStrike">
               <a:solidFill>
                 <a:srgbClr val="000000"/>
               </a:solidFill>
@@ -4519,12 +4214,11 @@
           </a:prstGeom>
         </p:spPr>
         <p:txBody>
-          <a:bodyPr lIns="0" tIns="0" rIns="0" bIns="0">
+          <a:bodyPr lIns="0" rIns="0" tIns="0" bIns="0">
             <a:normAutofit/>
           </a:bodyPr>
-          <a:lstStyle/>
-          <a:p>
-            <a:endParaRPr lang="en-US" sz="2800" b="0" strike="noStrike" spc="-1">
+          <a:p>
+            <a:endParaRPr b="0" lang="en-US" sz="2800" spc="-1" strike="noStrike">
               <a:solidFill>
                 <a:srgbClr val="000000"/>
               </a:solidFill>
@@ -4553,12 +4247,11 @@
           </a:prstGeom>
         </p:spPr>
         <p:txBody>
-          <a:bodyPr lIns="0" tIns="0" rIns="0" bIns="0">
+          <a:bodyPr lIns="0" rIns="0" tIns="0" bIns="0">
             <a:normAutofit/>
           </a:bodyPr>
-          <a:lstStyle/>
-          <a:p>
-            <a:endParaRPr lang="en-US" sz="2800" b="0" strike="noStrike" spc="-1">
+          <a:p>
+            <a:endParaRPr b="0" lang="en-US" sz="2800" spc="-1" strike="noStrike">
               <a:solidFill>
                 <a:srgbClr val="000000"/>
               </a:solidFill>
@@ -4580,19 +4273,18 @@
         <p:spPr>
           <a:xfrm>
             <a:off x="609480" y="3682080"/>
-            <a:ext cx="10972440" cy="1896840"/>
-          </a:xfrm>
-          <a:prstGeom prst="rect">
-            <a:avLst/>
-          </a:prstGeom>
-        </p:spPr>
-        <p:txBody>
-          <a:bodyPr lIns="0" tIns="0" rIns="0" bIns="0">
+            <a:ext cx="10972080" cy="1896840"/>
+          </a:xfrm>
+          <a:prstGeom prst="rect">
+            <a:avLst/>
+          </a:prstGeom>
+        </p:spPr>
+        <p:txBody>
+          <a:bodyPr lIns="0" rIns="0" tIns="0" bIns="0">
             <a:normAutofit/>
           </a:bodyPr>
-          <a:lstStyle/>
-          <a:p>
-            <a:endParaRPr lang="en-US" sz="2800" b="0" strike="noStrike" spc="-1">
+          <a:p>
+            <a:endParaRPr b="0" lang="en-US" sz="2800" spc="-1" strike="noStrike">
               <a:solidFill>
                 <a:srgbClr val="000000"/>
               </a:solidFill>
@@ -4603,21 +4295,17 @@
       </p:sp>
     </p:spTree>
   </p:cSld>
-  <p:clrMapOvr>
-    <a:masterClrMapping/>
-  </p:clrMapOvr>
 </p:sldLayout>
 </file>
 
 <file path=ppt/slideMasters/slideMaster1.xml><?xml version="1.0" encoding="utf-8"?>
-<p:sldMaster xmlns:a="http://schemas.openxmlformats.org/drawingml/2006/main" xmlns:r="http://schemas.openxmlformats.org/officeDocument/2006/relationships" xmlns:p="http://schemas.openxmlformats.org/presentationml/2006/main">
+<p:sldMaster xmlns:a="http://schemas.openxmlformats.org/drawingml/2006/main" xmlns:p="http://schemas.openxmlformats.org/presentationml/2006/main" xmlns:r="http://schemas.openxmlformats.org/officeDocument/2006/relationships" xmlns:p14="http://schemas.microsoft.com/office/powerpoint/2010/main" xmlns:p15="http://schemas.microsoft.com/office/powerpoint/2012/main" xmlns:mc="http://schemas.openxmlformats.org/markup-compatibility/2006">
   <p:cSld>
     <p:bg>
       <p:bgPr>
         <a:solidFill>
-          <a:srgbClr val="FFFFFF"/>
+          <a:srgbClr val="ffffff"/>
         </a:solidFill>
-        <a:effectLst/>
       </p:bgPr>
     </p:bg>
     <p:spTree>
@@ -4636,69 +4324,57 @@
       </p:grpSpPr>
       <p:sp>
         <p:nvSpPr>
-          <p:cNvPr id="8" name="CustomShape 1" hidden="1"/>
+          <p:cNvPr id="0" name="CustomShape 1" hidden="1"/>
           <p:cNvSpPr/>
           <p:nvPr/>
         </p:nvSpPr>
         <p:spPr>
           <a:xfrm>
             <a:off x="0" y="6400800"/>
-            <a:ext cx="12191400" cy="456480"/>
+            <a:ext cx="12191040" cy="456120"/>
           </a:xfrm>
           <a:prstGeom prst="rect">
             <a:avLst/>
           </a:prstGeom>
           <a:solidFill>
-            <a:srgbClr val="BD582C"/>
+            <a:srgbClr val="bd582c"/>
           </a:solidFill>
           <a:ln w="15840">
             <a:noFill/>
           </a:ln>
         </p:spPr>
         <p:style>
-          <a:lnRef idx="0">
-            <a:scrgbClr r="0" g="0" b="0"/>
-          </a:lnRef>
-          <a:fillRef idx="0">
-            <a:scrgbClr r="0" g="0" b="0"/>
-          </a:fillRef>
-          <a:effectRef idx="0">
-            <a:scrgbClr r="0" g="0" b="0"/>
-          </a:effectRef>
+          <a:lnRef idx="0"/>
+          <a:fillRef idx="0"/>
+          <a:effectRef idx="0"/>
           <a:fontRef idx="minor"/>
         </p:style>
       </p:sp>
       <p:sp>
         <p:nvSpPr>
-          <p:cNvPr id="9" name="CustomShape 2" hidden="1"/>
+          <p:cNvPr id="1" name="CustomShape 2" hidden="1"/>
           <p:cNvSpPr/>
           <p:nvPr/>
         </p:nvSpPr>
         <p:spPr>
           <a:xfrm>
             <a:off x="0" y="6334200"/>
-            <a:ext cx="12191400" cy="65160"/>
+            <a:ext cx="12191040" cy="64800"/>
           </a:xfrm>
           <a:prstGeom prst="rect">
             <a:avLst/>
           </a:prstGeom>
           <a:solidFill>
-            <a:srgbClr val="E48312"/>
+            <a:srgbClr val="e48312"/>
           </a:solidFill>
           <a:ln w="15840">
             <a:noFill/>
           </a:ln>
         </p:spPr>
         <p:style>
-          <a:lnRef idx="0">
-            <a:scrgbClr r="0" g="0" b="0"/>
-          </a:lnRef>
-          <a:fillRef idx="0">
-            <a:scrgbClr r="0" g="0" b="0"/>
-          </a:fillRef>
-          <a:effectRef idx="0">
-            <a:scrgbClr r="0" g="0" b="0"/>
-          </a:effectRef>
+          <a:lnRef idx="0"/>
+          <a:fillRef idx="0"/>
+          <a:effectRef idx="0"/>
           <a:fontRef idx="minor"/>
         </p:style>
       </p:sp>
@@ -4724,15 +4400,9 @@
           </a:ln>
         </p:spPr>
         <p:style>
-          <a:lnRef idx="0">
-            <a:scrgbClr r="0" g="0" b="0"/>
-          </a:lnRef>
-          <a:fillRef idx="0">
-            <a:scrgbClr r="0" g="0" b="0"/>
-          </a:fillRef>
-          <a:effectRef idx="0">
-            <a:scrgbClr r="0" g="0" b="0"/>
-          </a:effectRef>
+          <a:lnRef idx="0"/>
+          <a:fillRef idx="0"/>
+          <a:effectRef idx="0"/>
           <a:fontRef idx="minor"/>
         </p:style>
       </p:sp>
@@ -4745,28 +4415,22 @@
         <p:spPr>
           <a:xfrm>
             <a:off x="3240" y="6400800"/>
-            <a:ext cx="12188160" cy="456480"/>
+            <a:ext cx="12187800" cy="456120"/>
           </a:xfrm>
           <a:prstGeom prst="rect">
             <a:avLst/>
           </a:prstGeom>
           <a:solidFill>
-            <a:srgbClr val="BD582C"/>
+            <a:srgbClr val="bd582c"/>
           </a:solidFill>
           <a:ln w="15840">
             <a:noFill/>
           </a:ln>
         </p:spPr>
         <p:style>
-          <a:lnRef idx="0">
-            <a:scrgbClr r="0" g="0" b="0"/>
-          </a:lnRef>
-          <a:fillRef idx="0">
-            <a:scrgbClr r="0" g="0" b="0"/>
-          </a:fillRef>
-          <a:effectRef idx="0">
-            <a:scrgbClr r="0" g="0" b="0"/>
-          </a:effectRef>
+          <a:lnRef idx="0"/>
+          <a:fillRef idx="0"/>
+          <a:effectRef idx="0"/>
           <a:fontRef idx="minor"/>
         </p:style>
       </p:sp>
@@ -4779,28 +4443,22 @@
         <p:spPr>
           <a:xfrm>
             <a:off x="0" y="6334200"/>
-            <a:ext cx="12188160" cy="63360"/>
+            <a:ext cx="12187800" cy="63000"/>
           </a:xfrm>
           <a:prstGeom prst="rect">
             <a:avLst/>
           </a:prstGeom>
           <a:solidFill>
-            <a:srgbClr val="E48312"/>
+            <a:srgbClr val="e48312"/>
           </a:solidFill>
           <a:ln w="15840">
             <a:noFill/>
           </a:ln>
         </p:spPr>
         <p:style>
-          <a:lnRef idx="0">
-            <a:scrgbClr r="0" g="0" b="0"/>
-          </a:lnRef>
-          <a:fillRef idx="0">
-            <a:scrgbClr r="0" g="0" b="0"/>
-          </a:fillRef>
-          <a:effectRef idx="0">
-            <a:scrgbClr r="0" g="0" b="0"/>
-          </a:effectRef>
+          <a:lnRef idx="0"/>
+          <a:fillRef idx="0"/>
+          <a:effectRef idx="0"/>
           <a:fontRef idx="minor"/>
         </p:style>
       </p:sp>
@@ -4826,15 +4484,9 @@
           </a:ln>
         </p:spPr>
         <p:style>
-          <a:lnRef idx="0">
-            <a:scrgbClr r="0" g="0" b="0"/>
-          </a:lnRef>
-          <a:fillRef idx="0">
-            <a:scrgbClr r="0" g="0" b="0"/>
-          </a:fillRef>
-          <a:effectRef idx="0">
-            <a:scrgbClr r="0" g="0" b="0"/>
-          </a:effectRef>
+          <a:lnRef idx="0"/>
+          <a:fillRef idx="0"/>
+          <a:effectRef idx="0"/>
           <a:fontRef idx="minor"/>
         </p:style>
       </p:sp>
@@ -4851,18 +4503,17 @@
         <p:spPr>
           <a:xfrm>
             <a:off x="1097280" y="286560"/>
-            <a:ext cx="10057680" cy="1450080"/>
-          </a:xfrm>
-          <a:prstGeom prst="rect">
-            <a:avLst/>
-          </a:prstGeom>
-        </p:spPr>
-        <p:txBody>
-          <a:bodyPr lIns="0" tIns="0" rIns="0" bIns="0" anchor="ctr"/>
-          <a:lstStyle/>
+            <a:ext cx="10057320" cy="1449720"/>
+          </a:xfrm>
+          <a:prstGeom prst="rect">
+            <a:avLst/>
+          </a:prstGeom>
+        </p:spPr>
+        <p:txBody>
+          <a:bodyPr lIns="0" rIns="0" tIns="0" bIns="0" anchor="ctr"/>
           <a:p>
             <a:r>
-              <a:rPr lang="en-US" sz="4400" b="0" strike="noStrike" spc="-1">
+              <a:rPr b="0" lang="en-US" sz="4400" spc="-1" strike="noStrike">
                 <a:solidFill>
                   <a:srgbClr val="000000"/>
                 </a:solidFill>
@@ -4870,6 +4521,12 @@
               </a:rPr>
               <a:t>Click to edit the title text format</a:t>
             </a:r>
+            <a:endParaRPr b="0" lang="en-US" sz="4400" spc="-1" strike="noStrike">
+              <a:solidFill>
+                <a:srgbClr val="000000"/>
+              </a:solidFill>
+              <a:latin typeface="Arial"/>
+            </a:endParaRPr>
           </a:p>
         </p:txBody>
       </p:sp>
@@ -4886,17 +4543,16 @@
         <p:spPr>
           <a:xfrm>
             <a:off x="609480" y="1604520"/>
-            <a:ext cx="10972440" cy="3977280"/>
-          </a:xfrm>
-          <a:prstGeom prst="rect">
-            <a:avLst/>
-          </a:prstGeom>
-        </p:spPr>
-        <p:txBody>
-          <a:bodyPr lIns="0" tIns="0" rIns="0" bIns="0">
+            <a:ext cx="10972080" cy="3976920"/>
+          </a:xfrm>
+          <a:prstGeom prst="rect">
+            <a:avLst/>
+          </a:prstGeom>
+        </p:spPr>
+        <p:txBody>
+          <a:bodyPr lIns="0" rIns="0" tIns="0" bIns="0">
             <a:normAutofit/>
           </a:bodyPr>
-          <a:lstStyle/>
           <a:p>
             <a:pPr marL="432000" indent="-324000">
               <a:spcBef>
@@ -4910,7 +4566,7 @@
               <a:buChar char=""/>
             </a:pPr>
             <a:r>
-              <a:rPr lang="en-US" sz="2800" b="0" strike="noStrike" spc="-1">
+              <a:rPr b="0" lang="en-US" sz="2800" spc="-1" strike="noStrike">
                 <a:solidFill>
                   <a:srgbClr val="000000"/>
                 </a:solidFill>
@@ -4918,9 +4574,15 @@
               </a:rPr>
               <a:t>Click to edit the outline text format</a:t>
             </a:r>
-          </a:p>
-          <a:p>
-            <a:pPr marL="864000" lvl="1" indent="-324000">
+            <a:endParaRPr b="0" lang="en-US" sz="2800" spc="-1" strike="noStrike">
+              <a:solidFill>
+                <a:srgbClr val="000000"/>
+              </a:solidFill>
+              <a:latin typeface="Arial"/>
+            </a:endParaRPr>
+          </a:p>
+          <a:p>
+            <a:pPr lvl="1" marL="864000" indent="-324000">
               <a:spcBef>
                 <a:spcPts val="1134"/>
               </a:spcBef>
@@ -4932,7 +4594,7 @@
               <a:buChar char=""/>
             </a:pPr>
             <a:r>
-              <a:rPr lang="en-US" sz="2000" b="0" strike="noStrike" spc="-1">
+              <a:rPr b="0" lang="en-US" sz="2800" spc="-1" strike="noStrike">
                 <a:solidFill>
                   <a:srgbClr val="000000"/>
                 </a:solidFill>
@@ -4940,9 +4602,15 @@
               </a:rPr>
               <a:t>Second Outline Level</a:t>
             </a:r>
-          </a:p>
-          <a:p>
-            <a:pPr marL="1296000" lvl="2" indent="-288000">
+            <a:endParaRPr b="0" lang="en-US" sz="2800" spc="-1" strike="noStrike">
+              <a:solidFill>
+                <a:srgbClr val="000000"/>
+              </a:solidFill>
+              <a:latin typeface="Arial"/>
+            </a:endParaRPr>
+          </a:p>
+          <a:p>
+            <a:pPr lvl="2" marL="1296000" indent="-288000">
               <a:spcBef>
                 <a:spcPts val="850"/>
               </a:spcBef>
@@ -4954,7 +4622,7 @@
               <a:buChar char=""/>
             </a:pPr>
             <a:r>
-              <a:rPr lang="en-US" sz="1800" b="0" strike="noStrike" spc="-1">
+              <a:rPr b="0" lang="en-US" sz="2800" spc="-1" strike="noStrike">
                 <a:solidFill>
                   <a:srgbClr val="000000"/>
                 </a:solidFill>
@@ -4962,9 +4630,15 @@
               </a:rPr>
               <a:t>Third Outline Level</a:t>
             </a:r>
-          </a:p>
-          <a:p>
-            <a:pPr marL="1728000" lvl="3" indent="-216000">
+            <a:endParaRPr b="0" lang="en-US" sz="2800" spc="-1" strike="noStrike">
+              <a:solidFill>
+                <a:srgbClr val="000000"/>
+              </a:solidFill>
+              <a:latin typeface="Arial"/>
+            </a:endParaRPr>
+          </a:p>
+          <a:p>
+            <a:pPr lvl="3" marL="1728000" indent="-216000">
               <a:spcBef>
                 <a:spcPts val="567"/>
               </a:spcBef>
@@ -4976,7 +4650,7 @@
               <a:buChar char=""/>
             </a:pPr>
             <a:r>
-              <a:rPr lang="en-US" sz="1800" b="0" strike="noStrike" spc="-1">
+              <a:rPr b="0" lang="en-US" sz="2800" spc="-1" strike="noStrike">
                 <a:solidFill>
                   <a:srgbClr val="000000"/>
                 </a:solidFill>
@@ -4984,9 +4658,15 @@
               </a:rPr>
               <a:t>Fourth Outline Level</a:t>
             </a:r>
-          </a:p>
-          <a:p>
-            <a:pPr marL="2160000" lvl="4" indent="-216000">
+            <a:endParaRPr b="0" lang="en-US" sz="2800" spc="-1" strike="noStrike">
+              <a:solidFill>
+                <a:srgbClr val="000000"/>
+              </a:solidFill>
+              <a:latin typeface="Arial"/>
+            </a:endParaRPr>
+          </a:p>
+          <a:p>
+            <a:pPr lvl="4" marL="2160000" indent="-216000">
               <a:spcBef>
                 <a:spcPts val="283"/>
               </a:spcBef>
@@ -4998,7 +4678,7 @@
               <a:buChar char=""/>
             </a:pPr>
             <a:r>
-              <a:rPr lang="en-US" sz="2000" b="0" strike="noStrike" spc="-1">
+              <a:rPr b="0" lang="en-US" sz="2800" spc="-1" strike="noStrike">
                 <a:solidFill>
                   <a:srgbClr val="000000"/>
                 </a:solidFill>
@@ -5006,9 +4686,15 @@
               </a:rPr>
               <a:t>Fifth Outline Level</a:t>
             </a:r>
-          </a:p>
-          <a:p>
-            <a:pPr marL="2592000" lvl="5" indent="-216000">
+            <a:endParaRPr b="0" lang="en-US" sz="2800" spc="-1" strike="noStrike">
+              <a:solidFill>
+                <a:srgbClr val="000000"/>
+              </a:solidFill>
+              <a:latin typeface="Arial"/>
+            </a:endParaRPr>
+          </a:p>
+          <a:p>
+            <a:pPr lvl="5" marL="2592000" indent="-216000">
               <a:spcBef>
                 <a:spcPts val="283"/>
               </a:spcBef>
@@ -5020,7 +4706,7 @@
               <a:buChar char=""/>
             </a:pPr>
             <a:r>
-              <a:rPr lang="en-US" sz="2000" b="0" strike="noStrike" spc="-1">
+              <a:rPr b="0" lang="en-US" sz="2800" spc="-1" strike="noStrike">
                 <a:solidFill>
                   <a:srgbClr val="000000"/>
                 </a:solidFill>
@@ -5028,9 +4714,15 @@
               </a:rPr>
               <a:t>Sixth Outline Level</a:t>
             </a:r>
-          </a:p>
-          <a:p>
-            <a:pPr marL="3024000" lvl="6" indent="-216000">
+            <a:endParaRPr b="0" lang="en-US" sz="2800" spc="-1" strike="noStrike">
+              <a:solidFill>
+                <a:srgbClr val="000000"/>
+              </a:solidFill>
+              <a:latin typeface="Arial"/>
+            </a:endParaRPr>
+          </a:p>
+          <a:p>
+            <a:pPr lvl="6" marL="3024000" indent="-216000">
               <a:spcBef>
                 <a:spcPts val="283"/>
               </a:spcBef>
@@ -5042,7 +4734,7 @@
               <a:buChar char=""/>
             </a:pPr>
             <a:r>
-              <a:rPr lang="en-US" sz="2000" b="0" strike="noStrike" spc="-1">
+              <a:rPr b="0" lang="en-US" sz="2800" spc="-1" strike="noStrike">
                 <a:solidFill>
                   <a:srgbClr val="000000"/>
                 </a:solidFill>
@@ -5050,318 +4742,43 @@
               </a:rPr>
               <a:t>Seventh Outline Level</a:t>
             </a:r>
+            <a:endParaRPr b="0" lang="en-US" sz="2800" spc="-1" strike="noStrike">
+              <a:solidFill>
+                <a:srgbClr val="000000"/>
+              </a:solidFill>
+              <a:latin typeface="Arial"/>
+            </a:endParaRPr>
           </a:p>
         </p:txBody>
       </p:sp>
     </p:spTree>
   </p:cSld>
-  <p:clrMap bg1="lt1" tx1="dk1" bg2="lt2" tx2="dk2" accent1="accent1" accent2="accent2" accent3="accent3" accent4="accent4" accent5="accent5" accent6="accent6" hlink="hlink" folHlink="folHlink"/>
+  <p:clrMap bg1="lt1" bg2="lt2" tx1="dk1" tx2="dk2" accent1="accent1" accent2="accent2" accent3="accent3" accent4="accent4" accent5="accent5" accent6="accent6" hlink="hlink" folHlink="folHlink"/>
   <p:sldLayoutIdLst>
-    <p:sldLayoutId id="2147483649" r:id="rId1"/>
-    <p:sldLayoutId id="2147483650" r:id="rId2"/>
-    <p:sldLayoutId id="2147483651" r:id="rId3"/>
-    <p:sldLayoutId id="2147483652" r:id="rId4"/>
-    <p:sldLayoutId id="2147483653" r:id="rId5"/>
-    <p:sldLayoutId id="2147483654" r:id="rId6"/>
-    <p:sldLayoutId id="2147483655" r:id="rId7"/>
-    <p:sldLayoutId id="2147483656" r:id="rId8"/>
-    <p:sldLayoutId id="2147483657" r:id="rId9"/>
-    <p:sldLayoutId id="2147483658" r:id="rId10"/>
-    <p:sldLayoutId id="2147483659" r:id="rId11"/>
-    <p:sldLayoutId id="2147483660" r:id="rId12"/>
+    <p:sldLayoutId id="2147483649" r:id="rId2"/>
+    <p:sldLayoutId id="2147483650" r:id="rId3"/>
+    <p:sldLayoutId id="2147483651" r:id="rId4"/>
+    <p:sldLayoutId id="2147483652" r:id="rId5"/>
+    <p:sldLayoutId id="2147483653" r:id="rId6"/>
+    <p:sldLayoutId id="2147483654" r:id="rId7"/>
+    <p:sldLayoutId id="2147483655" r:id="rId8"/>
+    <p:sldLayoutId id="2147483656" r:id="rId9"/>
+    <p:sldLayoutId id="2147483657" r:id="rId10"/>
+    <p:sldLayoutId id="2147483658" r:id="rId11"/>
+    <p:sldLayoutId id="2147483659" r:id="rId12"/>
+    <p:sldLayoutId id="2147483660" r:id="rId13"/>
   </p:sldLayoutIdLst>
-  <p:txStyles>
-    <p:titleStyle>
-      <a:lvl1pPr algn="l" defTabSz="914400" rtl="0" eaLnBrk="1" latinLnBrk="0" hangingPunct="1">
-        <a:lnSpc>
-          <a:spcPct val="90000"/>
-        </a:lnSpc>
-        <a:spcBef>
-          <a:spcPct val="0"/>
-        </a:spcBef>
-        <a:buNone/>
-        <a:defRPr sz="4400" kern="1200">
-          <a:solidFill>
-            <a:schemeClr val="tx1"/>
-          </a:solidFill>
-          <a:latin typeface="+mj-lt"/>
-          <a:ea typeface="+mj-ea"/>
-          <a:cs typeface="+mj-cs"/>
-        </a:defRPr>
-      </a:lvl1pPr>
-    </p:titleStyle>
-    <p:bodyStyle>
-      <a:lvl1pPr marL="228600" indent="-228600" algn="l" defTabSz="914400" rtl="0" eaLnBrk="1" latinLnBrk="0" hangingPunct="1">
-        <a:lnSpc>
-          <a:spcPct val="90000"/>
-        </a:lnSpc>
-        <a:spcBef>
-          <a:spcPts val="1000"/>
-        </a:spcBef>
-        <a:buFont typeface="Arial" panose="020B0604020202020204" pitchFamily="34" charset="0"/>
-        <a:buChar char="•"/>
-        <a:defRPr sz="2800" kern="1200">
-          <a:solidFill>
-            <a:schemeClr val="tx1"/>
-          </a:solidFill>
-          <a:latin typeface="+mn-lt"/>
-          <a:ea typeface="+mn-ea"/>
-          <a:cs typeface="+mn-cs"/>
-        </a:defRPr>
-      </a:lvl1pPr>
-      <a:lvl2pPr marL="685800" indent="-228600" algn="l" defTabSz="914400" rtl="0" eaLnBrk="1" latinLnBrk="0" hangingPunct="1">
-        <a:lnSpc>
-          <a:spcPct val="90000"/>
-        </a:lnSpc>
-        <a:spcBef>
-          <a:spcPts val="500"/>
-        </a:spcBef>
-        <a:buFont typeface="Arial" panose="020B0604020202020204" pitchFamily="34" charset="0"/>
-        <a:buChar char="•"/>
-        <a:defRPr sz="2400" kern="1200">
-          <a:solidFill>
-            <a:schemeClr val="tx1"/>
-          </a:solidFill>
-          <a:latin typeface="+mn-lt"/>
-          <a:ea typeface="+mn-ea"/>
-          <a:cs typeface="+mn-cs"/>
-        </a:defRPr>
-      </a:lvl2pPr>
-      <a:lvl3pPr marL="1143000" indent="-228600" algn="l" defTabSz="914400" rtl="0" eaLnBrk="1" latinLnBrk="0" hangingPunct="1">
-        <a:lnSpc>
-          <a:spcPct val="90000"/>
-        </a:lnSpc>
-        <a:spcBef>
-          <a:spcPts val="500"/>
-        </a:spcBef>
-        <a:buFont typeface="Arial" panose="020B0604020202020204" pitchFamily="34" charset="0"/>
-        <a:buChar char="•"/>
-        <a:defRPr sz="2000" kern="1200">
-          <a:solidFill>
-            <a:schemeClr val="tx1"/>
-          </a:solidFill>
-          <a:latin typeface="+mn-lt"/>
-          <a:ea typeface="+mn-ea"/>
-          <a:cs typeface="+mn-cs"/>
-        </a:defRPr>
-      </a:lvl3pPr>
-      <a:lvl4pPr marL="1600200" indent="-228600" algn="l" defTabSz="914400" rtl="0" eaLnBrk="1" latinLnBrk="0" hangingPunct="1">
-        <a:lnSpc>
-          <a:spcPct val="90000"/>
-        </a:lnSpc>
-        <a:spcBef>
-          <a:spcPts val="500"/>
-        </a:spcBef>
-        <a:buFont typeface="Arial" panose="020B0604020202020204" pitchFamily="34" charset="0"/>
-        <a:buChar char="•"/>
-        <a:defRPr sz="1800" kern="1200">
-          <a:solidFill>
-            <a:schemeClr val="tx1"/>
-          </a:solidFill>
-          <a:latin typeface="+mn-lt"/>
-          <a:ea typeface="+mn-ea"/>
-          <a:cs typeface="+mn-cs"/>
-        </a:defRPr>
-      </a:lvl4pPr>
-      <a:lvl5pPr marL="2057400" indent="-228600" algn="l" defTabSz="914400" rtl="0" eaLnBrk="1" latinLnBrk="0" hangingPunct="1">
-        <a:lnSpc>
-          <a:spcPct val="90000"/>
-        </a:lnSpc>
-        <a:spcBef>
-          <a:spcPts val="500"/>
-        </a:spcBef>
-        <a:buFont typeface="Arial" panose="020B0604020202020204" pitchFamily="34" charset="0"/>
-        <a:buChar char="•"/>
-        <a:defRPr sz="1800" kern="1200">
-          <a:solidFill>
-            <a:schemeClr val="tx1"/>
-          </a:solidFill>
-          <a:latin typeface="+mn-lt"/>
-          <a:ea typeface="+mn-ea"/>
-          <a:cs typeface="+mn-cs"/>
-        </a:defRPr>
-      </a:lvl5pPr>
-      <a:lvl6pPr marL="2514600" indent="-228600" algn="l" defTabSz="914400" rtl="0" eaLnBrk="1" latinLnBrk="0" hangingPunct="1">
-        <a:lnSpc>
-          <a:spcPct val="90000"/>
-        </a:lnSpc>
-        <a:spcBef>
-          <a:spcPts val="500"/>
-        </a:spcBef>
-        <a:buFont typeface="Arial" panose="020B0604020202020204" pitchFamily="34" charset="0"/>
-        <a:buChar char="•"/>
-        <a:defRPr sz="1800" kern="1200">
-          <a:solidFill>
-            <a:schemeClr val="tx1"/>
-          </a:solidFill>
-          <a:latin typeface="+mn-lt"/>
-          <a:ea typeface="+mn-ea"/>
-          <a:cs typeface="+mn-cs"/>
-        </a:defRPr>
-      </a:lvl6pPr>
-      <a:lvl7pPr marL="2971800" indent="-228600" algn="l" defTabSz="914400" rtl="0" eaLnBrk="1" latinLnBrk="0" hangingPunct="1">
-        <a:lnSpc>
-          <a:spcPct val="90000"/>
-        </a:lnSpc>
-        <a:spcBef>
-          <a:spcPts val="500"/>
-        </a:spcBef>
-        <a:buFont typeface="Arial" panose="020B0604020202020204" pitchFamily="34" charset="0"/>
-        <a:buChar char="•"/>
-        <a:defRPr sz="1800" kern="1200">
-          <a:solidFill>
-            <a:schemeClr val="tx1"/>
-          </a:solidFill>
-          <a:latin typeface="+mn-lt"/>
-          <a:ea typeface="+mn-ea"/>
-          <a:cs typeface="+mn-cs"/>
-        </a:defRPr>
-      </a:lvl7pPr>
-      <a:lvl8pPr marL="3429000" indent="-228600" algn="l" defTabSz="914400" rtl="0" eaLnBrk="1" latinLnBrk="0" hangingPunct="1">
-        <a:lnSpc>
-          <a:spcPct val="90000"/>
-        </a:lnSpc>
-        <a:spcBef>
-          <a:spcPts val="500"/>
-        </a:spcBef>
-        <a:buFont typeface="Arial" panose="020B0604020202020204" pitchFamily="34" charset="0"/>
-        <a:buChar char="•"/>
-        <a:defRPr sz="1800" kern="1200">
-          <a:solidFill>
-            <a:schemeClr val="tx1"/>
-          </a:solidFill>
-          <a:latin typeface="+mn-lt"/>
-          <a:ea typeface="+mn-ea"/>
-          <a:cs typeface="+mn-cs"/>
-        </a:defRPr>
-      </a:lvl8pPr>
-      <a:lvl9pPr marL="3886200" indent="-228600" algn="l" defTabSz="914400" rtl="0" eaLnBrk="1" latinLnBrk="0" hangingPunct="1">
-        <a:lnSpc>
-          <a:spcPct val="90000"/>
-        </a:lnSpc>
-        <a:spcBef>
-          <a:spcPts val="500"/>
-        </a:spcBef>
-        <a:buFont typeface="Arial" panose="020B0604020202020204" pitchFamily="34" charset="0"/>
-        <a:buChar char="•"/>
-        <a:defRPr sz="1800" kern="1200">
-          <a:solidFill>
-            <a:schemeClr val="tx1"/>
-          </a:solidFill>
-          <a:latin typeface="+mn-lt"/>
-          <a:ea typeface="+mn-ea"/>
-          <a:cs typeface="+mn-cs"/>
-        </a:defRPr>
-      </a:lvl9pPr>
-    </p:bodyStyle>
-    <p:otherStyle>
-      <a:defPPr>
-        <a:defRPr lang="en-US"/>
-      </a:defPPr>
-      <a:lvl1pPr marL="0" algn="l" defTabSz="914400" rtl="0" eaLnBrk="1" latinLnBrk="0" hangingPunct="1">
-        <a:defRPr sz="1800" kern="1200">
-          <a:solidFill>
-            <a:schemeClr val="tx1"/>
-          </a:solidFill>
-          <a:latin typeface="+mn-lt"/>
-          <a:ea typeface="+mn-ea"/>
-          <a:cs typeface="+mn-cs"/>
-        </a:defRPr>
-      </a:lvl1pPr>
-      <a:lvl2pPr marL="457200" algn="l" defTabSz="914400" rtl="0" eaLnBrk="1" latinLnBrk="0" hangingPunct="1">
-        <a:defRPr sz="1800" kern="1200">
-          <a:solidFill>
-            <a:schemeClr val="tx1"/>
-          </a:solidFill>
-          <a:latin typeface="+mn-lt"/>
-          <a:ea typeface="+mn-ea"/>
-          <a:cs typeface="+mn-cs"/>
-        </a:defRPr>
-      </a:lvl2pPr>
-      <a:lvl3pPr marL="914400" algn="l" defTabSz="914400" rtl="0" eaLnBrk="1" latinLnBrk="0" hangingPunct="1">
-        <a:defRPr sz="1800" kern="1200">
-          <a:solidFill>
-            <a:schemeClr val="tx1"/>
-          </a:solidFill>
-          <a:latin typeface="+mn-lt"/>
-          <a:ea typeface="+mn-ea"/>
-          <a:cs typeface="+mn-cs"/>
-        </a:defRPr>
-      </a:lvl3pPr>
-      <a:lvl4pPr marL="1371600" algn="l" defTabSz="914400" rtl="0" eaLnBrk="1" latinLnBrk="0" hangingPunct="1">
-        <a:defRPr sz="1800" kern="1200">
-          <a:solidFill>
-            <a:schemeClr val="tx1"/>
-          </a:solidFill>
-          <a:latin typeface="+mn-lt"/>
-          <a:ea typeface="+mn-ea"/>
-          <a:cs typeface="+mn-cs"/>
-        </a:defRPr>
-      </a:lvl4pPr>
-      <a:lvl5pPr marL="1828800" algn="l" defTabSz="914400" rtl="0" eaLnBrk="1" latinLnBrk="0" hangingPunct="1">
-        <a:defRPr sz="1800" kern="1200">
-          <a:solidFill>
-            <a:schemeClr val="tx1"/>
-          </a:solidFill>
-          <a:latin typeface="+mn-lt"/>
-          <a:ea typeface="+mn-ea"/>
-          <a:cs typeface="+mn-cs"/>
-        </a:defRPr>
-      </a:lvl5pPr>
-      <a:lvl6pPr marL="2286000" algn="l" defTabSz="914400" rtl="0" eaLnBrk="1" latinLnBrk="0" hangingPunct="1">
-        <a:defRPr sz="1800" kern="1200">
-          <a:solidFill>
-            <a:schemeClr val="tx1"/>
-          </a:solidFill>
-          <a:latin typeface="+mn-lt"/>
-          <a:ea typeface="+mn-ea"/>
-          <a:cs typeface="+mn-cs"/>
-        </a:defRPr>
-      </a:lvl6pPr>
-      <a:lvl7pPr marL="2743200" algn="l" defTabSz="914400" rtl="0" eaLnBrk="1" latinLnBrk="0" hangingPunct="1">
-        <a:defRPr sz="1800" kern="1200">
-          <a:solidFill>
-            <a:schemeClr val="tx1"/>
-          </a:solidFill>
-          <a:latin typeface="+mn-lt"/>
-          <a:ea typeface="+mn-ea"/>
-          <a:cs typeface="+mn-cs"/>
-        </a:defRPr>
-      </a:lvl7pPr>
-      <a:lvl8pPr marL="3200400" algn="l" defTabSz="914400" rtl="0" eaLnBrk="1" latinLnBrk="0" hangingPunct="1">
-        <a:defRPr sz="1800" kern="1200">
-          <a:solidFill>
-            <a:schemeClr val="tx1"/>
-          </a:solidFill>
-          <a:latin typeface="+mn-lt"/>
-          <a:ea typeface="+mn-ea"/>
-          <a:cs typeface="+mn-cs"/>
-        </a:defRPr>
-      </a:lvl8pPr>
-      <a:lvl9pPr marL="3657600" algn="l" defTabSz="914400" rtl="0" eaLnBrk="1" latinLnBrk="0" hangingPunct="1">
-        <a:defRPr sz="1800" kern="1200">
-          <a:solidFill>
-            <a:schemeClr val="tx1"/>
-          </a:solidFill>
-          <a:latin typeface="+mn-lt"/>
-          <a:ea typeface="+mn-ea"/>
-          <a:cs typeface="+mn-cs"/>
-        </a:defRPr>
-      </a:lvl9pPr>
-    </p:otherStyle>
-  </p:txStyles>
 </p:sldMaster>
 </file>
 
 <file path=ppt/slideMasters/slideMaster2.xml><?xml version="1.0" encoding="utf-8"?>
-<p:sldMaster xmlns:a="http://schemas.openxmlformats.org/drawingml/2006/main" xmlns:r="http://schemas.openxmlformats.org/officeDocument/2006/relationships" xmlns:p="http://schemas.openxmlformats.org/presentationml/2006/main">
+<p:sldMaster xmlns:a="http://schemas.openxmlformats.org/drawingml/2006/main" xmlns:p="http://schemas.openxmlformats.org/presentationml/2006/main" xmlns:r="http://schemas.openxmlformats.org/officeDocument/2006/relationships" xmlns:p14="http://schemas.microsoft.com/office/powerpoint/2010/main" xmlns:p15="http://schemas.microsoft.com/office/powerpoint/2012/main" xmlns:mc="http://schemas.openxmlformats.org/markup-compatibility/2006">
   <p:cSld>
     <p:bg>
       <p:bgPr>
         <a:solidFill>
-          <a:srgbClr val="FFFFFF"/>
+          <a:srgbClr val="ffffff"/>
         </a:solidFill>
-        <a:effectLst/>
       </p:bgPr>
     </p:bg>
     <p:spTree>
@@ -5387,28 +4804,22 @@
         <p:spPr>
           <a:xfrm>
             <a:off x="0" y="6400800"/>
-            <a:ext cx="12191400" cy="456480"/>
+            <a:ext cx="12191040" cy="456120"/>
           </a:xfrm>
           <a:prstGeom prst="rect">
             <a:avLst/>
           </a:prstGeom>
           <a:solidFill>
-            <a:srgbClr val="BD582C"/>
+            <a:srgbClr val="bd582c"/>
           </a:solidFill>
           <a:ln w="15840">
             <a:noFill/>
           </a:ln>
         </p:spPr>
         <p:style>
-          <a:lnRef idx="0">
-            <a:scrgbClr r="0" g="0" b="0"/>
-          </a:lnRef>
-          <a:fillRef idx="0">
-            <a:scrgbClr r="0" g="0" b="0"/>
-          </a:fillRef>
-          <a:effectRef idx="0">
-            <a:scrgbClr r="0" g="0" b="0"/>
-          </a:effectRef>
+          <a:lnRef idx="0"/>
+          <a:fillRef idx="0"/>
+          <a:effectRef idx="0"/>
           <a:fontRef idx="minor"/>
         </p:style>
       </p:sp>
@@ -5421,28 +4832,22 @@
         <p:spPr>
           <a:xfrm>
             <a:off x="0" y="6334200"/>
-            <a:ext cx="12191400" cy="65160"/>
+            <a:ext cx="12191040" cy="64800"/>
           </a:xfrm>
           <a:prstGeom prst="rect">
             <a:avLst/>
           </a:prstGeom>
           <a:solidFill>
-            <a:srgbClr val="E48312"/>
+            <a:srgbClr val="e48312"/>
           </a:solidFill>
           <a:ln w="15840">
             <a:noFill/>
           </a:ln>
         </p:spPr>
         <p:style>
-          <a:lnRef idx="0">
-            <a:scrgbClr r="0" g="0" b="0"/>
-          </a:lnRef>
-          <a:fillRef idx="0">
-            <a:scrgbClr r="0" g="0" b="0"/>
-          </a:fillRef>
-          <a:effectRef idx="0">
-            <a:scrgbClr r="0" g="0" b="0"/>
-          </a:effectRef>
+          <a:lnRef idx="0"/>
+          <a:fillRef idx="0"/>
+          <a:effectRef idx="0"/>
           <a:fontRef idx="minor"/>
         </p:style>
       </p:sp>
@@ -5468,15 +4873,9 @@
           </a:ln>
         </p:spPr>
         <p:style>
-          <a:lnRef idx="0">
-            <a:scrgbClr r="0" g="0" b="0"/>
-          </a:lnRef>
-          <a:fillRef idx="0">
-            <a:scrgbClr r="0" g="0" b="0"/>
-          </a:fillRef>
-          <a:effectRef idx="0">
-            <a:scrgbClr r="0" g="0" b="0"/>
-          </a:effectRef>
+          <a:lnRef idx="0"/>
+          <a:fillRef idx="0"/>
+          <a:effectRef idx="0"/>
           <a:fontRef idx="minor"/>
         </p:style>
       </p:sp>
@@ -5500,11 +4899,10 @@
           </a:prstGeom>
         </p:spPr>
         <p:txBody>
-          <a:bodyPr lIns="0" tIns="0" rIns="0" bIns="0" anchor="ctr"/>
-          <a:lstStyle/>
+          <a:bodyPr lIns="0" rIns="0" tIns="0" bIns="0" anchor="ctr"/>
           <a:p>
             <a:r>
-              <a:rPr lang="en-US" sz="1800" b="0" strike="noStrike" spc="-1">
+              <a:rPr b="0" lang="en-US" sz="1800" spc="-1" strike="noStrike">
                 <a:solidFill>
                   <a:srgbClr val="000000"/>
                 </a:solidFill>
@@ -5512,6 +4910,12 @@
               </a:rPr>
               <a:t>Click to edit the title text format</a:t>
             </a:r>
+            <a:endParaRPr b="0" lang="en-US" sz="1800" spc="-1" strike="noStrike">
+              <a:solidFill>
+                <a:srgbClr val="000000"/>
+              </a:solidFill>
+              <a:latin typeface="Arial"/>
+            </a:endParaRPr>
           </a:p>
         </p:txBody>
       </p:sp>
@@ -5535,10 +4939,9 @@
           </a:prstGeom>
         </p:spPr>
         <p:txBody>
-          <a:bodyPr lIns="0" tIns="0" rIns="0" bIns="0">
+          <a:bodyPr lIns="0" rIns="0" tIns="0" bIns="0">
             <a:normAutofit/>
           </a:bodyPr>
-          <a:lstStyle/>
           <a:p>
             <a:pPr marL="432000" indent="-324000">
               <a:spcBef>
@@ -5552,7 +4955,7 @@
               <a:buChar char=""/>
             </a:pPr>
             <a:r>
-              <a:rPr lang="en-US" sz="2800" b="0" strike="noStrike" spc="-1">
+              <a:rPr b="0" lang="en-US" sz="2800" spc="-1" strike="noStrike">
                 <a:solidFill>
                   <a:srgbClr val="000000"/>
                 </a:solidFill>
@@ -5560,9 +4963,15 @@
               </a:rPr>
               <a:t>Click to edit the outline text format</a:t>
             </a:r>
-          </a:p>
-          <a:p>
-            <a:pPr marL="864000" lvl="1" indent="-324000">
+            <a:endParaRPr b="0" lang="en-US" sz="2800" spc="-1" strike="noStrike">
+              <a:solidFill>
+                <a:srgbClr val="000000"/>
+              </a:solidFill>
+              <a:latin typeface="Arial"/>
+            </a:endParaRPr>
+          </a:p>
+          <a:p>
+            <a:pPr lvl="1" marL="864000" indent="-324000">
               <a:spcBef>
                 <a:spcPts val="1134"/>
               </a:spcBef>
@@ -5574,7 +4983,7 @@
               <a:buChar char=""/>
             </a:pPr>
             <a:r>
-              <a:rPr lang="en-US" sz="2000" b="0" strike="noStrike" spc="-1">
+              <a:rPr b="0" lang="en-US" sz="2000" spc="-1" strike="noStrike">
                 <a:solidFill>
                   <a:srgbClr val="000000"/>
                 </a:solidFill>
@@ -5582,9 +4991,15 @@
               </a:rPr>
               <a:t>Second Outline Level</a:t>
             </a:r>
-          </a:p>
-          <a:p>
-            <a:pPr marL="1296000" lvl="2" indent="-288000">
+            <a:endParaRPr b="0" lang="en-US" sz="2000" spc="-1" strike="noStrike">
+              <a:solidFill>
+                <a:srgbClr val="000000"/>
+              </a:solidFill>
+              <a:latin typeface="Arial"/>
+            </a:endParaRPr>
+          </a:p>
+          <a:p>
+            <a:pPr lvl="2" marL="1296000" indent="-288000">
               <a:spcBef>
                 <a:spcPts val="850"/>
               </a:spcBef>
@@ -5596,7 +5011,7 @@
               <a:buChar char=""/>
             </a:pPr>
             <a:r>
-              <a:rPr lang="en-US" sz="1800" b="0" strike="noStrike" spc="-1">
+              <a:rPr b="0" lang="en-US" sz="1800" spc="-1" strike="noStrike">
                 <a:solidFill>
                   <a:srgbClr val="000000"/>
                 </a:solidFill>
@@ -5604,9 +5019,15 @@
               </a:rPr>
               <a:t>Third Outline Level</a:t>
             </a:r>
-          </a:p>
-          <a:p>
-            <a:pPr marL="1728000" lvl="3" indent="-216000">
+            <a:endParaRPr b="0" lang="en-US" sz="1800" spc="-1" strike="noStrike">
+              <a:solidFill>
+                <a:srgbClr val="000000"/>
+              </a:solidFill>
+              <a:latin typeface="Arial"/>
+            </a:endParaRPr>
+          </a:p>
+          <a:p>
+            <a:pPr lvl="3" marL="1728000" indent="-216000">
               <a:spcBef>
                 <a:spcPts val="567"/>
               </a:spcBef>
@@ -5618,7 +5039,7 @@
               <a:buChar char=""/>
             </a:pPr>
             <a:r>
-              <a:rPr lang="en-US" sz="1800" b="0" strike="noStrike" spc="-1">
+              <a:rPr b="0" lang="en-US" sz="1800" spc="-1" strike="noStrike">
                 <a:solidFill>
                   <a:srgbClr val="000000"/>
                 </a:solidFill>
@@ -5626,9 +5047,15 @@
               </a:rPr>
               <a:t>Fourth Outline Level</a:t>
             </a:r>
-          </a:p>
-          <a:p>
-            <a:pPr marL="2160000" lvl="4" indent="-216000">
+            <a:endParaRPr b="0" lang="en-US" sz="1800" spc="-1" strike="noStrike">
+              <a:solidFill>
+                <a:srgbClr val="000000"/>
+              </a:solidFill>
+              <a:latin typeface="Arial"/>
+            </a:endParaRPr>
+          </a:p>
+          <a:p>
+            <a:pPr lvl="4" marL="2160000" indent="-216000">
               <a:spcBef>
                 <a:spcPts val="283"/>
               </a:spcBef>
@@ -5640,7 +5067,7 @@
               <a:buChar char=""/>
             </a:pPr>
             <a:r>
-              <a:rPr lang="en-US" sz="2000" b="0" strike="noStrike" spc="-1">
+              <a:rPr b="0" lang="en-US" sz="2000" spc="-1" strike="noStrike">
                 <a:solidFill>
                   <a:srgbClr val="000000"/>
                 </a:solidFill>
@@ -5648,9 +5075,15 @@
               </a:rPr>
               <a:t>Fifth Outline Level</a:t>
             </a:r>
-          </a:p>
-          <a:p>
-            <a:pPr marL="2592000" lvl="5" indent="-216000">
+            <a:endParaRPr b="0" lang="en-US" sz="2000" spc="-1" strike="noStrike">
+              <a:solidFill>
+                <a:srgbClr val="000000"/>
+              </a:solidFill>
+              <a:latin typeface="Arial"/>
+            </a:endParaRPr>
+          </a:p>
+          <a:p>
+            <a:pPr lvl="5" marL="2592000" indent="-216000">
               <a:spcBef>
                 <a:spcPts val="283"/>
               </a:spcBef>
@@ -5662,7 +5095,7 @@
               <a:buChar char=""/>
             </a:pPr>
             <a:r>
-              <a:rPr lang="en-US" sz="2000" b="0" strike="noStrike" spc="-1">
+              <a:rPr b="0" lang="en-US" sz="2000" spc="-1" strike="noStrike">
                 <a:solidFill>
                   <a:srgbClr val="000000"/>
                 </a:solidFill>
@@ -5670,9 +5103,15 @@
               </a:rPr>
               <a:t>Sixth Outline Level</a:t>
             </a:r>
-          </a:p>
-          <a:p>
-            <a:pPr marL="3024000" lvl="6" indent="-216000">
+            <a:endParaRPr b="0" lang="en-US" sz="2000" spc="-1" strike="noStrike">
+              <a:solidFill>
+                <a:srgbClr val="000000"/>
+              </a:solidFill>
+              <a:latin typeface="Arial"/>
+            </a:endParaRPr>
+          </a:p>
+          <a:p>
+            <a:pPr lvl="6" marL="3024000" indent="-216000">
               <a:spcBef>
                 <a:spcPts val="283"/>
               </a:spcBef>
@@ -5684,7 +5123,7 @@
               <a:buChar char=""/>
             </a:pPr>
             <a:r>
-              <a:rPr lang="en-US" sz="2000" b="0" strike="noStrike" spc="-1">
+              <a:rPr b="0" lang="en-US" sz="2000" spc="-1" strike="noStrike">
                 <a:solidFill>
                   <a:srgbClr val="000000"/>
                 </a:solidFill>
@@ -5692,318 +5131,43 @@
               </a:rPr>
               <a:t>Seventh Outline Level</a:t>
             </a:r>
+            <a:endParaRPr b="0" lang="en-US" sz="2000" spc="-1" strike="noStrike">
+              <a:solidFill>
+                <a:srgbClr val="000000"/>
+              </a:solidFill>
+              <a:latin typeface="Arial"/>
+            </a:endParaRPr>
           </a:p>
         </p:txBody>
       </p:sp>
     </p:spTree>
   </p:cSld>
-  <p:clrMap bg1="lt1" tx1="dk1" bg2="lt2" tx2="dk2" accent1="accent1" accent2="accent2" accent3="accent3" accent4="accent4" accent5="accent5" accent6="accent6" hlink="hlink" folHlink="folHlink"/>
+  <p:clrMap bg1="lt1" bg2="lt2" tx1="dk1" tx2="dk2" accent1="accent1" accent2="accent2" accent3="accent3" accent4="accent4" accent5="accent5" accent6="accent6" hlink="hlink" folHlink="folHlink"/>
   <p:sldLayoutIdLst>
-    <p:sldLayoutId id="2147483662" r:id="rId1"/>
-    <p:sldLayoutId id="2147483663" r:id="rId2"/>
-    <p:sldLayoutId id="2147483664" r:id="rId3"/>
-    <p:sldLayoutId id="2147483665" r:id="rId4"/>
-    <p:sldLayoutId id="2147483666" r:id="rId5"/>
-    <p:sldLayoutId id="2147483667" r:id="rId6"/>
-    <p:sldLayoutId id="2147483668" r:id="rId7"/>
-    <p:sldLayoutId id="2147483669" r:id="rId8"/>
-    <p:sldLayoutId id="2147483670" r:id="rId9"/>
-    <p:sldLayoutId id="2147483671" r:id="rId10"/>
-    <p:sldLayoutId id="2147483672" r:id="rId11"/>
-    <p:sldLayoutId id="2147483673" r:id="rId12"/>
+    <p:sldLayoutId id="2147483662" r:id="rId2"/>
+    <p:sldLayoutId id="2147483663" r:id="rId3"/>
+    <p:sldLayoutId id="2147483664" r:id="rId4"/>
+    <p:sldLayoutId id="2147483665" r:id="rId5"/>
+    <p:sldLayoutId id="2147483666" r:id="rId6"/>
+    <p:sldLayoutId id="2147483667" r:id="rId7"/>
+    <p:sldLayoutId id="2147483668" r:id="rId8"/>
+    <p:sldLayoutId id="2147483669" r:id="rId9"/>
+    <p:sldLayoutId id="2147483670" r:id="rId10"/>
+    <p:sldLayoutId id="2147483671" r:id="rId11"/>
+    <p:sldLayoutId id="2147483672" r:id="rId12"/>
+    <p:sldLayoutId id="2147483673" r:id="rId13"/>
   </p:sldLayoutIdLst>
-  <p:txStyles>
-    <p:titleStyle>
-      <a:lvl1pPr algn="l" defTabSz="914400" rtl="0" eaLnBrk="1" latinLnBrk="0" hangingPunct="1">
-        <a:lnSpc>
-          <a:spcPct val="90000"/>
-        </a:lnSpc>
-        <a:spcBef>
-          <a:spcPct val="0"/>
-        </a:spcBef>
-        <a:buNone/>
-        <a:defRPr sz="4400" kern="1200">
-          <a:solidFill>
-            <a:schemeClr val="tx1"/>
-          </a:solidFill>
-          <a:latin typeface="+mj-lt"/>
-          <a:ea typeface="+mj-ea"/>
-          <a:cs typeface="+mj-cs"/>
-        </a:defRPr>
-      </a:lvl1pPr>
-    </p:titleStyle>
-    <p:bodyStyle>
-      <a:lvl1pPr marL="228600" indent="-228600" algn="l" defTabSz="914400" rtl="0" eaLnBrk="1" latinLnBrk="0" hangingPunct="1">
-        <a:lnSpc>
-          <a:spcPct val="90000"/>
-        </a:lnSpc>
-        <a:spcBef>
-          <a:spcPts val="1000"/>
-        </a:spcBef>
-        <a:buFont typeface="Arial" panose="020B0604020202020204" pitchFamily="34" charset="0"/>
-        <a:buChar char="•"/>
-        <a:defRPr sz="2800" kern="1200">
-          <a:solidFill>
-            <a:schemeClr val="tx1"/>
-          </a:solidFill>
-          <a:latin typeface="+mn-lt"/>
-          <a:ea typeface="+mn-ea"/>
-          <a:cs typeface="+mn-cs"/>
-        </a:defRPr>
-      </a:lvl1pPr>
-      <a:lvl2pPr marL="685800" indent="-228600" algn="l" defTabSz="914400" rtl="0" eaLnBrk="1" latinLnBrk="0" hangingPunct="1">
-        <a:lnSpc>
-          <a:spcPct val="90000"/>
-        </a:lnSpc>
-        <a:spcBef>
-          <a:spcPts val="500"/>
-        </a:spcBef>
-        <a:buFont typeface="Arial" panose="020B0604020202020204" pitchFamily="34" charset="0"/>
-        <a:buChar char="•"/>
-        <a:defRPr sz="2400" kern="1200">
-          <a:solidFill>
-            <a:schemeClr val="tx1"/>
-          </a:solidFill>
-          <a:latin typeface="+mn-lt"/>
-          <a:ea typeface="+mn-ea"/>
-          <a:cs typeface="+mn-cs"/>
-        </a:defRPr>
-      </a:lvl2pPr>
-      <a:lvl3pPr marL="1143000" indent="-228600" algn="l" defTabSz="914400" rtl="0" eaLnBrk="1" latinLnBrk="0" hangingPunct="1">
-        <a:lnSpc>
-          <a:spcPct val="90000"/>
-        </a:lnSpc>
-        <a:spcBef>
-          <a:spcPts val="500"/>
-        </a:spcBef>
-        <a:buFont typeface="Arial" panose="020B0604020202020204" pitchFamily="34" charset="0"/>
-        <a:buChar char="•"/>
-        <a:defRPr sz="2000" kern="1200">
-          <a:solidFill>
-            <a:schemeClr val="tx1"/>
-          </a:solidFill>
-          <a:latin typeface="+mn-lt"/>
-          <a:ea typeface="+mn-ea"/>
-          <a:cs typeface="+mn-cs"/>
-        </a:defRPr>
-      </a:lvl3pPr>
-      <a:lvl4pPr marL="1600200" indent="-228600" algn="l" defTabSz="914400" rtl="0" eaLnBrk="1" latinLnBrk="0" hangingPunct="1">
-        <a:lnSpc>
-          <a:spcPct val="90000"/>
-        </a:lnSpc>
-        <a:spcBef>
-          <a:spcPts val="500"/>
-        </a:spcBef>
-        <a:buFont typeface="Arial" panose="020B0604020202020204" pitchFamily="34" charset="0"/>
-        <a:buChar char="•"/>
-        <a:defRPr sz="1800" kern="1200">
-          <a:solidFill>
-            <a:schemeClr val="tx1"/>
-          </a:solidFill>
-          <a:latin typeface="+mn-lt"/>
-          <a:ea typeface="+mn-ea"/>
-          <a:cs typeface="+mn-cs"/>
-        </a:defRPr>
-      </a:lvl4pPr>
-      <a:lvl5pPr marL="2057400" indent="-228600" algn="l" defTabSz="914400" rtl="0" eaLnBrk="1" latinLnBrk="0" hangingPunct="1">
-        <a:lnSpc>
-          <a:spcPct val="90000"/>
-        </a:lnSpc>
-        <a:spcBef>
-          <a:spcPts val="500"/>
-        </a:spcBef>
-        <a:buFont typeface="Arial" panose="020B0604020202020204" pitchFamily="34" charset="0"/>
-        <a:buChar char="•"/>
-        <a:defRPr sz="1800" kern="1200">
-          <a:solidFill>
-            <a:schemeClr val="tx1"/>
-          </a:solidFill>
-          <a:latin typeface="+mn-lt"/>
-          <a:ea typeface="+mn-ea"/>
-          <a:cs typeface="+mn-cs"/>
-        </a:defRPr>
-      </a:lvl5pPr>
-      <a:lvl6pPr marL="2514600" indent="-228600" algn="l" defTabSz="914400" rtl="0" eaLnBrk="1" latinLnBrk="0" hangingPunct="1">
-        <a:lnSpc>
-          <a:spcPct val="90000"/>
-        </a:lnSpc>
-        <a:spcBef>
-          <a:spcPts val="500"/>
-        </a:spcBef>
-        <a:buFont typeface="Arial" panose="020B0604020202020204" pitchFamily="34" charset="0"/>
-        <a:buChar char="•"/>
-        <a:defRPr sz="1800" kern="1200">
-          <a:solidFill>
-            <a:schemeClr val="tx1"/>
-          </a:solidFill>
-          <a:latin typeface="+mn-lt"/>
-          <a:ea typeface="+mn-ea"/>
-          <a:cs typeface="+mn-cs"/>
-        </a:defRPr>
-      </a:lvl6pPr>
-      <a:lvl7pPr marL="2971800" indent="-228600" algn="l" defTabSz="914400" rtl="0" eaLnBrk="1" latinLnBrk="0" hangingPunct="1">
-        <a:lnSpc>
-          <a:spcPct val="90000"/>
-        </a:lnSpc>
-        <a:spcBef>
-          <a:spcPts val="500"/>
-        </a:spcBef>
-        <a:buFont typeface="Arial" panose="020B0604020202020204" pitchFamily="34" charset="0"/>
-        <a:buChar char="•"/>
-        <a:defRPr sz="1800" kern="1200">
-          <a:solidFill>
-            <a:schemeClr val="tx1"/>
-          </a:solidFill>
-          <a:latin typeface="+mn-lt"/>
-          <a:ea typeface="+mn-ea"/>
-          <a:cs typeface="+mn-cs"/>
-        </a:defRPr>
-      </a:lvl7pPr>
-      <a:lvl8pPr marL="3429000" indent="-228600" algn="l" defTabSz="914400" rtl="0" eaLnBrk="1" latinLnBrk="0" hangingPunct="1">
-        <a:lnSpc>
-          <a:spcPct val="90000"/>
-        </a:lnSpc>
-        <a:spcBef>
-          <a:spcPts val="500"/>
-        </a:spcBef>
-        <a:buFont typeface="Arial" panose="020B0604020202020204" pitchFamily="34" charset="0"/>
-        <a:buChar char="•"/>
-        <a:defRPr sz="1800" kern="1200">
-          <a:solidFill>
-            <a:schemeClr val="tx1"/>
-          </a:solidFill>
-          <a:latin typeface="+mn-lt"/>
-          <a:ea typeface="+mn-ea"/>
-          <a:cs typeface="+mn-cs"/>
-        </a:defRPr>
-      </a:lvl8pPr>
-      <a:lvl9pPr marL="3886200" indent="-228600" algn="l" defTabSz="914400" rtl="0" eaLnBrk="1" latinLnBrk="0" hangingPunct="1">
-        <a:lnSpc>
-          <a:spcPct val="90000"/>
-        </a:lnSpc>
-        <a:spcBef>
-          <a:spcPts val="500"/>
-        </a:spcBef>
-        <a:buFont typeface="Arial" panose="020B0604020202020204" pitchFamily="34" charset="0"/>
-        <a:buChar char="•"/>
-        <a:defRPr sz="1800" kern="1200">
-          <a:solidFill>
-            <a:schemeClr val="tx1"/>
-          </a:solidFill>
-          <a:latin typeface="+mn-lt"/>
-          <a:ea typeface="+mn-ea"/>
-          <a:cs typeface="+mn-cs"/>
-        </a:defRPr>
-      </a:lvl9pPr>
-    </p:bodyStyle>
-    <p:otherStyle>
-      <a:defPPr>
-        <a:defRPr lang="en-US"/>
-      </a:defPPr>
-      <a:lvl1pPr marL="0" algn="l" defTabSz="914400" rtl="0" eaLnBrk="1" latinLnBrk="0" hangingPunct="1">
-        <a:defRPr sz="1800" kern="1200">
-          <a:solidFill>
-            <a:schemeClr val="tx1"/>
-          </a:solidFill>
-          <a:latin typeface="+mn-lt"/>
-          <a:ea typeface="+mn-ea"/>
-          <a:cs typeface="+mn-cs"/>
-        </a:defRPr>
-      </a:lvl1pPr>
-      <a:lvl2pPr marL="457200" algn="l" defTabSz="914400" rtl="0" eaLnBrk="1" latinLnBrk="0" hangingPunct="1">
-        <a:defRPr sz="1800" kern="1200">
-          <a:solidFill>
-            <a:schemeClr val="tx1"/>
-          </a:solidFill>
-          <a:latin typeface="+mn-lt"/>
-          <a:ea typeface="+mn-ea"/>
-          <a:cs typeface="+mn-cs"/>
-        </a:defRPr>
-      </a:lvl2pPr>
-      <a:lvl3pPr marL="914400" algn="l" defTabSz="914400" rtl="0" eaLnBrk="1" latinLnBrk="0" hangingPunct="1">
-        <a:defRPr sz="1800" kern="1200">
-          <a:solidFill>
-            <a:schemeClr val="tx1"/>
-          </a:solidFill>
-          <a:latin typeface="+mn-lt"/>
-          <a:ea typeface="+mn-ea"/>
-          <a:cs typeface="+mn-cs"/>
-        </a:defRPr>
-      </a:lvl3pPr>
-      <a:lvl4pPr marL="1371600" algn="l" defTabSz="914400" rtl="0" eaLnBrk="1" latinLnBrk="0" hangingPunct="1">
-        <a:defRPr sz="1800" kern="1200">
-          <a:solidFill>
-            <a:schemeClr val="tx1"/>
-          </a:solidFill>
-          <a:latin typeface="+mn-lt"/>
-          <a:ea typeface="+mn-ea"/>
-          <a:cs typeface="+mn-cs"/>
-        </a:defRPr>
-      </a:lvl4pPr>
-      <a:lvl5pPr marL="1828800" algn="l" defTabSz="914400" rtl="0" eaLnBrk="1" latinLnBrk="0" hangingPunct="1">
-        <a:defRPr sz="1800" kern="1200">
-          <a:solidFill>
-            <a:schemeClr val="tx1"/>
-          </a:solidFill>
-          <a:latin typeface="+mn-lt"/>
-          <a:ea typeface="+mn-ea"/>
-          <a:cs typeface="+mn-cs"/>
-        </a:defRPr>
-      </a:lvl5pPr>
-      <a:lvl6pPr marL="2286000" algn="l" defTabSz="914400" rtl="0" eaLnBrk="1" latinLnBrk="0" hangingPunct="1">
-        <a:defRPr sz="1800" kern="1200">
-          <a:solidFill>
-            <a:schemeClr val="tx1"/>
-          </a:solidFill>
-          <a:latin typeface="+mn-lt"/>
-          <a:ea typeface="+mn-ea"/>
-          <a:cs typeface="+mn-cs"/>
-        </a:defRPr>
-      </a:lvl6pPr>
-      <a:lvl7pPr marL="2743200" algn="l" defTabSz="914400" rtl="0" eaLnBrk="1" latinLnBrk="0" hangingPunct="1">
-        <a:defRPr sz="1800" kern="1200">
-          <a:solidFill>
-            <a:schemeClr val="tx1"/>
-          </a:solidFill>
-          <a:latin typeface="+mn-lt"/>
-          <a:ea typeface="+mn-ea"/>
-          <a:cs typeface="+mn-cs"/>
-        </a:defRPr>
-      </a:lvl7pPr>
-      <a:lvl8pPr marL="3200400" algn="l" defTabSz="914400" rtl="0" eaLnBrk="1" latinLnBrk="0" hangingPunct="1">
-        <a:defRPr sz="1800" kern="1200">
-          <a:solidFill>
-            <a:schemeClr val="tx1"/>
-          </a:solidFill>
-          <a:latin typeface="+mn-lt"/>
-          <a:ea typeface="+mn-ea"/>
-          <a:cs typeface="+mn-cs"/>
-        </a:defRPr>
-      </a:lvl8pPr>
-      <a:lvl9pPr marL="3657600" algn="l" defTabSz="914400" rtl="0" eaLnBrk="1" latinLnBrk="0" hangingPunct="1">
-        <a:defRPr sz="1800" kern="1200">
-          <a:solidFill>
-            <a:schemeClr val="tx1"/>
-          </a:solidFill>
-          <a:latin typeface="+mn-lt"/>
-          <a:ea typeface="+mn-ea"/>
-          <a:cs typeface="+mn-cs"/>
-        </a:defRPr>
-      </a:lvl9pPr>
-    </p:otherStyle>
-  </p:txStyles>
 </p:sldMaster>
 </file>
 
 <file path=ppt/slideMasters/slideMaster3.xml><?xml version="1.0" encoding="utf-8"?>
-<p:sldMaster xmlns:a="http://schemas.openxmlformats.org/drawingml/2006/main" xmlns:r="http://schemas.openxmlformats.org/officeDocument/2006/relationships" xmlns:p="http://schemas.openxmlformats.org/presentationml/2006/main">
+<p:sldMaster xmlns:a="http://schemas.openxmlformats.org/drawingml/2006/main" xmlns:p="http://schemas.openxmlformats.org/presentationml/2006/main" xmlns:r="http://schemas.openxmlformats.org/officeDocument/2006/relationships" xmlns:p14="http://schemas.microsoft.com/office/powerpoint/2010/main" xmlns:p15="http://schemas.microsoft.com/office/powerpoint/2012/main" xmlns:mc="http://schemas.openxmlformats.org/markup-compatibility/2006">
   <p:cSld>
     <p:bg>
       <p:bgPr>
         <a:solidFill>
-          <a:srgbClr val="FFFFFF"/>
+          <a:srgbClr val="ffffff"/>
         </a:solidFill>
-        <a:effectLst/>
       </p:bgPr>
     </p:bg>
     <p:spTree>
@@ -6029,28 +5193,22 @@
         <p:spPr>
           <a:xfrm>
             <a:off x="0" y="6400800"/>
-            <a:ext cx="12191400" cy="456480"/>
+            <a:ext cx="12191040" cy="456120"/>
           </a:xfrm>
           <a:prstGeom prst="rect">
             <a:avLst/>
           </a:prstGeom>
           <a:solidFill>
-            <a:srgbClr val="BD582C"/>
+            <a:srgbClr val="bd582c"/>
           </a:solidFill>
           <a:ln w="15840">
             <a:noFill/>
           </a:ln>
         </p:spPr>
         <p:style>
-          <a:lnRef idx="0">
-            <a:scrgbClr r="0" g="0" b="0"/>
-          </a:lnRef>
-          <a:fillRef idx="0">
-            <a:scrgbClr r="0" g="0" b="0"/>
-          </a:fillRef>
-          <a:effectRef idx="0">
-            <a:scrgbClr r="0" g="0" b="0"/>
-          </a:effectRef>
+          <a:lnRef idx="0"/>
+          <a:fillRef idx="0"/>
+          <a:effectRef idx="0"/>
           <a:fontRef idx="minor"/>
         </p:style>
       </p:sp>
@@ -6063,28 +5221,22 @@
         <p:spPr>
           <a:xfrm>
             <a:off x="0" y="6334200"/>
-            <a:ext cx="12191400" cy="65160"/>
+            <a:ext cx="12191040" cy="64800"/>
           </a:xfrm>
           <a:prstGeom prst="rect">
             <a:avLst/>
           </a:prstGeom>
           <a:solidFill>
-            <a:srgbClr val="E48312"/>
+            <a:srgbClr val="e48312"/>
           </a:solidFill>
           <a:ln w="15840">
             <a:noFill/>
           </a:ln>
         </p:spPr>
         <p:style>
-          <a:lnRef idx="0">
-            <a:scrgbClr r="0" g="0" b="0"/>
-          </a:lnRef>
-          <a:fillRef idx="0">
-            <a:scrgbClr r="0" g="0" b="0"/>
-          </a:fillRef>
-          <a:effectRef idx="0">
-            <a:scrgbClr r="0" g="0" b="0"/>
-          </a:effectRef>
+          <a:lnRef idx="0"/>
+          <a:fillRef idx="0"/>
+          <a:effectRef idx="0"/>
           <a:fontRef idx="minor"/>
         </p:style>
       </p:sp>
@@ -6110,15 +5262,9 @@
           </a:ln>
         </p:spPr>
         <p:style>
-          <a:lnRef idx="0">
-            <a:scrgbClr r="0" g="0" b="0"/>
-          </a:lnRef>
-          <a:fillRef idx="0">
-            <a:scrgbClr r="0" g="0" b="0"/>
-          </a:fillRef>
-          <a:effectRef idx="0">
-            <a:scrgbClr r="0" g="0" b="0"/>
-          </a:effectRef>
+          <a:lnRef idx="0"/>
+          <a:fillRef idx="0"/>
+          <a:effectRef idx="0"/>
           <a:fontRef idx="minor"/>
         </p:style>
       </p:sp>
@@ -6135,18 +5281,17 @@
         <p:spPr>
           <a:xfrm>
             <a:off x="1097280" y="286560"/>
-            <a:ext cx="10057680" cy="1450080"/>
-          </a:xfrm>
-          <a:prstGeom prst="rect">
-            <a:avLst/>
-          </a:prstGeom>
-        </p:spPr>
-        <p:txBody>
-          <a:bodyPr lIns="0" tIns="0" rIns="0" bIns="0" anchor="ctr"/>
-          <a:lstStyle/>
+            <a:ext cx="10057320" cy="1449720"/>
+          </a:xfrm>
+          <a:prstGeom prst="rect">
+            <a:avLst/>
+          </a:prstGeom>
+        </p:spPr>
+        <p:txBody>
+          <a:bodyPr lIns="0" rIns="0" tIns="0" bIns="0" anchor="ctr"/>
           <a:p>
             <a:r>
-              <a:rPr lang="en-US" sz="4400" b="0" strike="noStrike" spc="-1">
+              <a:rPr b="0" lang="en-US" sz="4400" spc="-1" strike="noStrike">
                 <a:solidFill>
                   <a:srgbClr val="000000"/>
                 </a:solidFill>
@@ -6154,6 +5299,12 @@
               </a:rPr>
               <a:t>Click to edit the title text format</a:t>
             </a:r>
+            <a:endParaRPr b="0" lang="en-US" sz="4400" spc="-1" strike="noStrike">
+              <a:solidFill>
+                <a:srgbClr val="000000"/>
+              </a:solidFill>
+              <a:latin typeface="Arial"/>
+            </a:endParaRPr>
           </a:p>
         </p:txBody>
       </p:sp>
@@ -6170,17 +5321,16 @@
         <p:spPr>
           <a:xfrm>
             <a:off x="609480" y="1604520"/>
-            <a:ext cx="10972440" cy="3977280"/>
-          </a:xfrm>
-          <a:prstGeom prst="rect">
-            <a:avLst/>
-          </a:prstGeom>
-        </p:spPr>
-        <p:txBody>
-          <a:bodyPr lIns="0" tIns="0" rIns="0" bIns="0">
+            <a:ext cx="10972080" cy="3976920"/>
+          </a:xfrm>
+          <a:prstGeom prst="rect">
+            <a:avLst/>
+          </a:prstGeom>
+        </p:spPr>
+        <p:txBody>
+          <a:bodyPr lIns="0" rIns="0" tIns="0" bIns="0">
             <a:normAutofit/>
           </a:bodyPr>
-          <a:lstStyle/>
           <a:p>
             <a:pPr marL="432000" indent="-324000">
               <a:spcBef>
@@ -6194,7 +5344,7 @@
               <a:buChar char=""/>
             </a:pPr>
             <a:r>
-              <a:rPr lang="en-US" sz="2800" b="0" strike="noStrike" spc="-1">
+              <a:rPr b="0" lang="en-US" sz="2800" spc="-1" strike="noStrike">
                 <a:solidFill>
                   <a:srgbClr val="000000"/>
                 </a:solidFill>
@@ -6202,9 +5352,15 @@
               </a:rPr>
               <a:t>Click to edit the outline text format</a:t>
             </a:r>
-          </a:p>
-          <a:p>
-            <a:pPr marL="864000" lvl="1" indent="-324000">
+            <a:endParaRPr b="0" lang="en-US" sz="2800" spc="-1" strike="noStrike">
+              <a:solidFill>
+                <a:srgbClr val="000000"/>
+              </a:solidFill>
+              <a:latin typeface="Arial"/>
+            </a:endParaRPr>
+          </a:p>
+          <a:p>
+            <a:pPr lvl="1" marL="864000" indent="-324000">
               <a:spcBef>
                 <a:spcPts val="1134"/>
               </a:spcBef>
@@ -6216,7 +5372,7 @@
               <a:buChar char=""/>
             </a:pPr>
             <a:r>
-              <a:rPr lang="en-US" sz="2000" b="0" strike="noStrike" spc="-1">
+              <a:rPr b="0" lang="en-US" sz="2800" spc="-1" strike="noStrike">
                 <a:solidFill>
                   <a:srgbClr val="000000"/>
                 </a:solidFill>
@@ -6224,9 +5380,15 @@
               </a:rPr>
               <a:t>Second Outline Level</a:t>
             </a:r>
-          </a:p>
-          <a:p>
-            <a:pPr marL="1296000" lvl="2" indent="-288000">
+            <a:endParaRPr b="0" lang="en-US" sz="2800" spc="-1" strike="noStrike">
+              <a:solidFill>
+                <a:srgbClr val="000000"/>
+              </a:solidFill>
+              <a:latin typeface="Arial"/>
+            </a:endParaRPr>
+          </a:p>
+          <a:p>
+            <a:pPr lvl="2" marL="1296000" indent="-288000">
               <a:spcBef>
                 <a:spcPts val="850"/>
               </a:spcBef>
@@ -6238,7 +5400,7 @@
               <a:buChar char=""/>
             </a:pPr>
             <a:r>
-              <a:rPr lang="en-US" sz="1800" b="0" strike="noStrike" spc="-1">
+              <a:rPr b="0" lang="en-US" sz="2800" spc="-1" strike="noStrike">
                 <a:solidFill>
                   <a:srgbClr val="000000"/>
                 </a:solidFill>
@@ -6246,9 +5408,15 @@
               </a:rPr>
               <a:t>Third Outline Level</a:t>
             </a:r>
-          </a:p>
-          <a:p>
-            <a:pPr marL="1728000" lvl="3" indent="-216000">
+            <a:endParaRPr b="0" lang="en-US" sz="2800" spc="-1" strike="noStrike">
+              <a:solidFill>
+                <a:srgbClr val="000000"/>
+              </a:solidFill>
+              <a:latin typeface="Arial"/>
+            </a:endParaRPr>
+          </a:p>
+          <a:p>
+            <a:pPr lvl="3" marL="1728000" indent="-216000">
               <a:spcBef>
                 <a:spcPts val="567"/>
               </a:spcBef>
@@ -6260,7 +5428,7 @@
               <a:buChar char=""/>
             </a:pPr>
             <a:r>
-              <a:rPr lang="en-US" sz="1800" b="0" strike="noStrike" spc="-1">
+              <a:rPr b="0" lang="en-US" sz="2800" spc="-1" strike="noStrike">
                 <a:solidFill>
                   <a:srgbClr val="000000"/>
                 </a:solidFill>
@@ -6268,9 +5436,15 @@
               </a:rPr>
               <a:t>Fourth Outline Level</a:t>
             </a:r>
-          </a:p>
-          <a:p>
-            <a:pPr marL="2160000" lvl="4" indent="-216000">
+            <a:endParaRPr b="0" lang="en-US" sz="2800" spc="-1" strike="noStrike">
+              <a:solidFill>
+                <a:srgbClr val="000000"/>
+              </a:solidFill>
+              <a:latin typeface="Arial"/>
+            </a:endParaRPr>
+          </a:p>
+          <a:p>
+            <a:pPr lvl="4" marL="2160000" indent="-216000">
               <a:spcBef>
                 <a:spcPts val="283"/>
               </a:spcBef>
@@ -6282,7 +5456,7 @@
               <a:buChar char=""/>
             </a:pPr>
             <a:r>
-              <a:rPr lang="en-US" sz="2000" b="0" strike="noStrike" spc="-1">
+              <a:rPr b="0" lang="en-US" sz="2800" spc="-1" strike="noStrike">
                 <a:solidFill>
                   <a:srgbClr val="000000"/>
                 </a:solidFill>
@@ -6290,9 +5464,15 @@
               </a:rPr>
               <a:t>Fifth Outline Level</a:t>
             </a:r>
-          </a:p>
-          <a:p>
-            <a:pPr marL="2592000" lvl="5" indent="-216000">
+            <a:endParaRPr b="0" lang="en-US" sz="2800" spc="-1" strike="noStrike">
+              <a:solidFill>
+                <a:srgbClr val="000000"/>
+              </a:solidFill>
+              <a:latin typeface="Arial"/>
+            </a:endParaRPr>
+          </a:p>
+          <a:p>
+            <a:pPr lvl="5" marL="2592000" indent="-216000">
               <a:spcBef>
                 <a:spcPts val="283"/>
               </a:spcBef>
@@ -6304,7 +5484,7 @@
               <a:buChar char=""/>
             </a:pPr>
             <a:r>
-              <a:rPr lang="en-US" sz="2000" b="0" strike="noStrike" spc="-1">
+              <a:rPr b="0" lang="en-US" sz="2800" spc="-1" strike="noStrike">
                 <a:solidFill>
                   <a:srgbClr val="000000"/>
                 </a:solidFill>
@@ -6312,9 +5492,15 @@
               </a:rPr>
               <a:t>Sixth Outline Level</a:t>
             </a:r>
-          </a:p>
-          <a:p>
-            <a:pPr marL="3024000" lvl="6" indent="-216000">
+            <a:endParaRPr b="0" lang="en-US" sz="2800" spc="-1" strike="noStrike">
+              <a:solidFill>
+                <a:srgbClr val="000000"/>
+              </a:solidFill>
+              <a:latin typeface="Arial"/>
+            </a:endParaRPr>
+          </a:p>
+          <a:p>
+            <a:pPr lvl="6" marL="3024000" indent="-216000">
               <a:spcBef>
                 <a:spcPts val="283"/>
               </a:spcBef>
@@ -6326,7 +5512,7 @@
               <a:buChar char=""/>
             </a:pPr>
             <a:r>
-              <a:rPr lang="en-US" sz="2000" b="0" strike="noStrike" spc="-1">
+              <a:rPr b="0" lang="en-US" sz="2800" spc="-1" strike="noStrike">
                 <a:solidFill>
                   <a:srgbClr val="000000"/>
                 </a:solidFill>
@@ -6334,311 +5520,37 @@
               </a:rPr>
               <a:t>Seventh Outline Level</a:t>
             </a:r>
+            <a:endParaRPr b="0" lang="en-US" sz="2800" spc="-1" strike="noStrike">
+              <a:solidFill>
+                <a:srgbClr val="000000"/>
+              </a:solidFill>
+              <a:latin typeface="Arial"/>
+            </a:endParaRPr>
           </a:p>
         </p:txBody>
       </p:sp>
     </p:spTree>
   </p:cSld>
-  <p:clrMap bg1="lt1" tx1="dk1" bg2="lt2" tx2="dk2" accent1="accent1" accent2="accent2" accent3="accent3" accent4="accent4" accent5="accent5" accent6="accent6" hlink="hlink" folHlink="folHlink"/>
+  <p:clrMap bg1="lt1" bg2="lt2" tx1="dk1" tx2="dk2" accent1="accent1" accent2="accent2" accent3="accent3" accent4="accent4" accent5="accent5" accent6="accent6" hlink="hlink" folHlink="folHlink"/>
   <p:sldLayoutIdLst>
-    <p:sldLayoutId id="2147483675" r:id="rId1"/>
-    <p:sldLayoutId id="2147483676" r:id="rId2"/>
-    <p:sldLayoutId id="2147483677" r:id="rId3"/>
-    <p:sldLayoutId id="2147483678" r:id="rId4"/>
-    <p:sldLayoutId id="2147483679" r:id="rId5"/>
-    <p:sldLayoutId id="2147483680" r:id="rId6"/>
-    <p:sldLayoutId id="2147483681" r:id="rId7"/>
-    <p:sldLayoutId id="2147483682" r:id="rId8"/>
-    <p:sldLayoutId id="2147483683" r:id="rId9"/>
-    <p:sldLayoutId id="2147483684" r:id="rId10"/>
-    <p:sldLayoutId id="2147483685" r:id="rId11"/>
-    <p:sldLayoutId id="2147483686" r:id="rId12"/>
+    <p:sldLayoutId id="2147483675" r:id="rId2"/>
+    <p:sldLayoutId id="2147483676" r:id="rId3"/>
+    <p:sldLayoutId id="2147483677" r:id="rId4"/>
+    <p:sldLayoutId id="2147483678" r:id="rId5"/>
+    <p:sldLayoutId id="2147483679" r:id="rId6"/>
+    <p:sldLayoutId id="2147483680" r:id="rId7"/>
+    <p:sldLayoutId id="2147483681" r:id="rId8"/>
+    <p:sldLayoutId id="2147483682" r:id="rId9"/>
+    <p:sldLayoutId id="2147483683" r:id="rId10"/>
+    <p:sldLayoutId id="2147483684" r:id="rId11"/>
+    <p:sldLayoutId id="2147483685" r:id="rId12"/>
+    <p:sldLayoutId id="2147483686" r:id="rId13"/>
   </p:sldLayoutIdLst>
-  <p:txStyles>
-    <p:titleStyle>
-      <a:lvl1pPr algn="l" defTabSz="914400" rtl="0" eaLnBrk="1" latinLnBrk="0" hangingPunct="1">
-        <a:lnSpc>
-          <a:spcPct val="90000"/>
-        </a:lnSpc>
-        <a:spcBef>
-          <a:spcPct val="0"/>
-        </a:spcBef>
-        <a:buNone/>
-        <a:defRPr sz="4400" kern="1200">
-          <a:solidFill>
-            <a:schemeClr val="tx1"/>
-          </a:solidFill>
-          <a:latin typeface="+mj-lt"/>
-          <a:ea typeface="+mj-ea"/>
-          <a:cs typeface="+mj-cs"/>
-        </a:defRPr>
-      </a:lvl1pPr>
-    </p:titleStyle>
-    <p:bodyStyle>
-      <a:lvl1pPr marL="228600" indent="-228600" algn="l" defTabSz="914400" rtl="0" eaLnBrk="1" latinLnBrk="0" hangingPunct="1">
-        <a:lnSpc>
-          <a:spcPct val="90000"/>
-        </a:lnSpc>
-        <a:spcBef>
-          <a:spcPts val="1000"/>
-        </a:spcBef>
-        <a:buFont typeface="Arial" panose="020B0604020202020204" pitchFamily="34" charset="0"/>
-        <a:buChar char="•"/>
-        <a:defRPr sz="2800" kern="1200">
-          <a:solidFill>
-            <a:schemeClr val="tx1"/>
-          </a:solidFill>
-          <a:latin typeface="+mn-lt"/>
-          <a:ea typeface="+mn-ea"/>
-          <a:cs typeface="+mn-cs"/>
-        </a:defRPr>
-      </a:lvl1pPr>
-      <a:lvl2pPr marL="685800" indent="-228600" algn="l" defTabSz="914400" rtl="0" eaLnBrk="1" latinLnBrk="0" hangingPunct="1">
-        <a:lnSpc>
-          <a:spcPct val="90000"/>
-        </a:lnSpc>
-        <a:spcBef>
-          <a:spcPts val="500"/>
-        </a:spcBef>
-        <a:buFont typeface="Arial" panose="020B0604020202020204" pitchFamily="34" charset="0"/>
-        <a:buChar char="•"/>
-        <a:defRPr sz="2400" kern="1200">
-          <a:solidFill>
-            <a:schemeClr val="tx1"/>
-          </a:solidFill>
-          <a:latin typeface="+mn-lt"/>
-          <a:ea typeface="+mn-ea"/>
-          <a:cs typeface="+mn-cs"/>
-        </a:defRPr>
-      </a:lvl2pPr>
-      <a:lvl3pPr marL="1143000" indent="-228600" algn="l" defTabSz="914400" rtl="0" eaLnBrk="1" latinLnBrk="0" hangingPunct="1">
-        <a:lnSpc>
-          <a:spcPct val="90000"/>
-        </a:lnSpc>
-        <a:spcBef>
-          <a:spcPts val="500"/>
-        </a:spcBef>
-        <a:buFont typeface="Arial" panose="020B0604020202020204" pitchFamily="34" charset="0"/>
-        <a:buChar char="•"/>
-        <a:defRPr sz="2000" kern="1200">
-          <a:solidFill>
-            <a:schemeClr val="tx1"/>
-          </a:solidFill>
-          <a:latin typeface="+mn-lt"/>
-          <a:ea typeface="+mn-ea"/>
-          <a:cs typeface="+mn-cs"/>
-        </a:defRPr>
-      </a:lvl3pPr>
-      <a:lvl4pPr marL="1600200" indent="-228600" algn="l" defTabSz="914400" rtl="0" eaLnBrk="1" latinLnBrk="0" hangingPunct="1">
-        <a:lnSpc>
-          <a:spcPct val="90000"/>
-        </a:lnSpc>
-        <a:spcBef>
-          <a:spcPts val="500"/>
-        </a:spcBef>
-        <a:buFont typeface="Arial" panose="020B0604020202020204" pitchFamily="34" charset="0"/>
-        <a:buChar char="•"/>
-        <a:defRPr sz="1800" kern="1200">
-          <a:solidFill>
-            <a:schemeClr val="tx1"/>
-          </a:solidFill>
-          <a:latin typeface="+mn-lt"/>
-          <a:ea typeface="+mn-ea"/>
-          <a:cs typeface="+mn-cs"/>
-        </a:defRPr>
-      </a:lvl4pPr>
-      <a:lvl5pPr marL="2057400" indent="-228600" algn="l" defTabSz="914400" rtl="0" eaLnBrk="1" latinLnBrk="0" hangingPunct="1">
-        <a:lnSpc>
-          <a:spcPct val="90000"/>
-        </a:lnSpc>
-        <a:spcBef>
-          <a:spcPts val="500"/>
-        </a:spcBef>
-        <a:buFont typeface="Arial" panose="020B0604020202020204" pitchFamily="34" charset="0"/>
-        <a:buChar char="•"/>
-        <a:defRPr sz="1800" kern="1200">
-          <a:solidFill>
-            <a:schemeClr val="tx1"/>
-          </a:solidFill>
-          <a:latin typeface="+mn-lt"/>
-          <a:ea typeface="+mn-ea"/>
-          <a:cs typeface="+mn-cs"/>
-        </a:defRPr>
-      </a:lvl5pPr>
-      <a:lvl6pPr marL="2514600" indent="-228600" algn="l" defTabSz="914400" rtl="0" eaLnBrk="1" latinLnBrk="0" hangingPunct="1">
-        <a:lnSpc>
-          <a:spcPct val="90000"/>
-        </a:lnSpc>
-        <a:spcBef>
-          <a:spcPts val="500"/>
-        </a:spcBef>
-        <a:buFont typeface="Arial" panose="020B0604020202020204" pitchFamily="34" charset="0"/>
-        <a:buChar char="•"/>
-        <a:defRPr sz="1800" kern="1200">
-          <a:solidFill>
-            <a:schemeClr val="tx1"/>
-          </a:solidFill>
-          <a:latin typeface="+mn-lt"/>
-          <a:ea typeface="+mn-ea"/>
-          <a:cs typeface="+mn-cs"/>
-        </a:defRPr>
-      </a:lvl6pPr>
-      <a:lvl7pPr marL="2971800" indent="-228600" algn="l" defTabSz="914400" rtl="0" eaLnBrk="1" latinLnBrk="0" hangingPunct="1">
-        <a:lnSpc>
-          <a:spcPct val="90000"/>
-        </a:lnSpc>
-        <a:spcBef>
-          <a:spcPts val="500"/>
-        </a:spcBef>
-        <a:buFont typeface="Arial" panose="020B0604020202020204" pitchFamily="34" charset="0"/>
-        <a:buChar char="•"/>
-        <a:defRPr sz="1800" kern="1200">
-          <a:solidFill>
-            <a:schemeClr val="tx1"/>
-          </a:solidFill>
-          <a:latin typeface="+mn-lt"/>
-          <a:ea typeface="+mn-ea"/>
-          <a:cs typeface="+mn-cs"/>
-        </a:defRPr>
-      </a:lvl7pPr>
-      <a:lvl8pPr marL="3429000" indent="-228600" algn="l" defTabSz="914400" rtl="0" eaLnBrk="1" latinLnBrk="0" hangingPunct="1">
-        <a:lnSpc>
-          <a:spcPct val="90000"/>
-        </a:lnSpc>
-        <a:spcBef>
-          <a:spcPts val="500"/>
-        </a:spcBef>
-        <a:buFont typeface="Arial" panose="020B0604020202020204" pitchFamily="34" charset="0"/>
-        <a:buChar char="•"/>
-        <a:defRPr sz="1800" kern="1200">
-          <a:solidFill>
-            <a:schemeClr val="tx1"/>
-          </a:solidFill>
-          <a:latin typeface="+mn-lt"/>
-          <a:ea typeface="+mn-ea"/>
-          <a:cs typeface="+mn-cs"/>
-        </a:defRPr>
-      </a:lvl8pPr>
-      <a:lvl9pPr marL="3886200" indent="-228600" algn="l" defTabSz="914400" rtl="0" eaLnBrk="1" latinLnBrk="0" hangingPunct="1">
-        <a:lnSpc>
-          <a:spcPct val="90000"/>
-        </a:lnSpc>
-        <a:spcBef>
-          <a:spcPts val="500"/>
-        </a:spcBef>
-        <a:buFont typeface="Arial" panose="020B0604020202020204" pitchFamily="34" charset="0"/>
-        <a:buChar char="•"/>
-        <a:defRPr sz="1800" kern="1200">
-          <a:solidFill>
-            <a:schemeClr val="tx1"/>
-          </a:solidFill>
-          <a:latin typeface="+mn-lt"/>
-          <a:ea typeface="+mn-ea"/>
-          <a:cs typeface="+mn-cs"/>
-        </a:defRPr>
-      </a:lvl9pPr>
-    </p:bodyStyle>
-    <p:otherStyle>
-      <a:defPPr>
-        <a:defRPr lang="en-US"/>
-      </a:defPPr>
-      <a:lvl1pPr marL="0" algn="l" defTabSz="914400" rtl="0" eaLnBrk="1" latinLnBrk="0" hangingPunct="1">
-        <a:defRPr sz="1800" kern="1200">
-          <a:solidFill>
-            <a:schemeClr val="tx1"/>
-          </a:solidFill>
-          <a:latin typeface="+mn-lt"/>
-          <a:ea typeface="+mn-ea"/>
-          <a:cs typeface="+mn-cs"/>
-        </a:defRPr>
-      </a:lvl1pPr>
-      <a:lvl2pPr marL="457200" algn="l" defTabSz="914400" rtl="0" eaLnBrk="1" latinLnBrk="0" hangingPunct="1">
-        <a:defRPr sz="1800" kern="1200">
-          <a:solidFill>
-            <a:schemeClr val="tx1"/>
-          </a:solidFill>
-          <a:latin typeface="+mn-lt"/>
-          <a:ea typeface="+mn-ea"/>
-          <a:cs typeface="+mn-cs"/>
-        </a:defRPr>
-      </a:lvl2pPr>
-      <a:lvl3pPr marL="914400" algn="l" defTabSz="914400" rtl="0" eaLnBrk="1" latinLnBrk="0" hangingPunct="1">
-        <a:defRPr sz="1800" kern="1200">
-          <a:solidFill>
-            <a:schemeClr val="tx1"/>
-          </a:solidFill>
-          <a:latin typeface="+mn-lt"/>
-          <a:ea typeface="+mn-ea"/>
-          <a:cs typeface="+mn-cs"/>
-        </a:defRPr>
-      </a:lvl3pPr>
-      <a:lvl4pPr marL="1371600" algn="l" defTabSz="914400" rtl="0" eaLnBrk="1" latinLnBrk="0" hangingPunct="1">
-        <a:defRPr sz="1800" kern="1200">
-          <a:solidFill>
-            <a:schemeClr val="tx1"/>
-          </a:solidFill>
-          <a:latin typeface="+mn-lt"/>
-          <a:ea typeface="+mn-ea"/>
-          <a:cs typeface="+mn-cs"/>
-        </a:defRPr>
-      </a:lvl4pPr>
-      <a:lvl5pPr marL="1828800" algn="l" defTabSz="914400" rtl="0" eaLnBrk="1" latinLnBrk="0" hangingPunct="1">
-        <a:defRPr sz="1800" kern="1200">
-          <a:solidFill>
-            <a:schemeClr val="tx1"/>
-          </a:solidFill>
-          <a:latin typeface="+mn-lt"/>
-          <a:ea typeface="+mn-ea"/>
-          <a:cs typeface="+mn-cs"/>
-        </a:defRPr>
-      </a:lvl5pPr>
-      <a:lvl6pPr marL="2286000" algn="l" defTabSz="914400" rtl="0" eaLnBrk="1" latinLnBrk="0" hangingPunct="1">
-        <a:defRPr sz="1800" kern="1200">
-          <a:solidFill>
-            <a:schemeClr val="tx1"/>
-          </a:solidFill>
-          <a:latin typeface="+mn-lt"/>
-          <a:ea typeface="+mn-ea"/>
-          <a:cs typeface="+mn-cs"/>
-        </a:defRPr>
-      </a:lvl6pPr>
-      <a:lvl7pPr marL="2743200" algn="l" defTabSz="914400" rtl="0" eaLnBrk="1" latinLnBrk="0" hangingPunct="1">
-        <a:defRPr sz="1800" kern="1200">
-          <a:solidFill>
-            <a:schemeClr val="tx1"/>
-          </a:solidFill>
-          <a:latin typeface="+mn-lt"/>
-          <a:ea typeface="+mn-ea"/>
-          <a:cs typeface="+mn-cs"/>
-        </a:defRPr>
-      </a:lvl7pPr>
-      <a:lvl8pPr marL="3200400" algn="l" defTabSz="914400" rtl="0" eaLnBrk="1" latinLnBrk="0" hangingPunct="1">
-        <a:defRPr sz="1800" kern="1200">
-          <a:solidFill>
-            <a:schemeClr val="tx1"/>
-          </a:solidFill>
-          <a:latin typeface="+mn-lt"/>
-          <a:ea typeface="+mn-ea"/>
-          <a:cs typeface="+mn-cs"/>
-        </a:defRPr>
-      </a:lvl8pPr>
-      <a:lvl9pPr marL="3657600" algn="l" defTabSz="914400" rtl="0" eaLnBrk="1" latinLnBrk="0" hangingPunct="1">
-        <a:defRPr sz="1800" kern="1200">
-          <a:solidFill>
-            <a:schemeClr val="tx1"/>
-          </a:solidFill>
-          <a:latin typeface="+mn-lt"/>
-          <a:ea typeface="+mn-ea"/>
-          <a:cs typeface="+mn-cs"/>
-        </a:defRPr>
-      </a:lvl9pPr>
-    </p:otherStyle>
-  </p:txStyles>
 </p:sldMaster>
 </file>
 
 <file path=ppt/slides/slide1.xml><?xml version="1.0" encoding="utf-8"?>
-<p:sld xmlns:a="http://schemas.openxmlformats.org/drawingml/2006/main" xmlns:r="http://schemas.openxmlformats.org/officeDocument/2006/relationships" xmlns:p="http://schemas.openxmlformats.org/presentationml/2006/main">
+<p:sld xmlns:a="http://schemas.openxmlformats.org/drawingml/2006/main" xmlns:p="http://schemas.openxmlformats.org/presentationml/2006/main" xmlns:r="http://schemas.openxmlformats.org/officeDocument/2006/relationships" xmlns:p14="http://schemas.microsoft.com/office/powerpoint/2010/main" xmlns:p15="http://schemas.microsoft.com/office/powerpoint/2012/main" xmlns:mc="http://schemas.openxmlformats.org/markup-compatibility/2006">
   <p:cSld>
     <p:spTree>
       <p:nvGrpSpPr>
@@ -6663,7 +5575,7 @@
         <p:spPr>
           <a:xfrm>
             <a:off x="1097280" y="758880"/>
-            <a:ext cx="10057680" cy="3565440"/>
+            <a:ext cx="10057320" cy="3565080"/>
           </a:xfrm>
           <a:prstGeom prst="rect">
             <a:avLst/>
@@ -6674,20 +5586,13 @@
           </a:ln>
         </p:spPr>
         <p:style>
-          <a:lnRef idx="0">
-            <a:scrgbClr r="0" g="0" b="0"/>
-          </a:lnRef>
-          <a:fillRef idx="0">
-            <a:scrgbClr r="0" g="0" b="0"/>
-          </a:fillRef>
-          <a:effectRef idx="0">
-            <a:scrgbClr r="0" g="0" b="0"/>
-          </a:effectRef>
+          <a:lnRef idx="0"/>
+          <a:fillRef idx="0"/>
+          <a:effectRef idx="0"/>
           <a:fontRef idx="minor"/>
         </p:style>
         <p:txBody>
-          <a:bodyPr lIns="90000" tIns="45000" rIns="90000" bIns="45000" anchor="b"/>
-          <a:lstStyle/>
+          <a:bodyPr lIns="90000" rIns="90000" tIns="45000" bIns="45000" anchor="b"/>
           <a:p>
             <a:pPr>
               <a:lnSpc>
@@ -6695,7 +5600,7 @@
               </a:lnSpc>
             </a:pPr>
             <a:r>
-              <a:rPr lang="en-US" sz="8000" b="0" strike="noStrike" spc="-46">
+              <a:rPr b="0" lang="en-US" sz="8000" spc="-43" strike="noStrike">
                 <a:solidFill>
                   <a:srgbClr val="262626"/>
                 </a:solidFill>
@@ -6704,7 +5609,7 @@
               </a:rPr>
               <a:t>Debugger</a:t>
             </a:r>
-            <a:endParaRPr lang="en-US" sz="8000" b="0" strike="noStrike" spc="-1">
+            <a:endParaRPr b="0" lang="en-US" sz="8000" spc="-1" strike="noStrike">
               <a:latin typeface="Arial"/>
             </a:endParaRPr>
           </a:p>
@@ -6719,7 +5624,7 @@
         <p:spPr>
           <a:xfrm>
             <a:off x="1100160" y="4455720"/>
-            <a:ext cx="10057680" cy="1142280"/>
+            <a:ext cx="10057320" cy="1141920"/>
           </a:xfrm>
           <a:prstGeom prst="rect">
             <a:avLst/>
@@ -6730,20 +5635,13 @@
           </a:ln>
         </p:spPr>
         <p:style>
-          <a:lnRef idx="0">
-            <a:scrgbClr r="0" g="0" b="0"/>
-          </a:lnRef>
-          <a:fillRef idx="0">
-            <a:scrgbClr r="0" g="0" b="0"/>
-          </a:fillRef>
-          <a:effectRef idx="0">
-            <a:scrgbClr r="0" g="0" b="0"/>
-          </a:effectRef>
+          <a:lnRef idx="0"/>
+          <a:fillRef idx="0"/>
+          <a:effectRef idx="0"/>
           <a:fontRef idx="minor"/>
         </p:style>
         <p:txBody>
-          <a:bodyPr lIns="90000" tIns="45000" rIns="90000" bIns="45000"/>
-          <a:lstStyle/>
+          <a:bodyPr lIns="90000" rIns="90000" tIns="45000" bIns="45000"/>
           <a:p>
             <a:pPr>
               <a:lnSpc>
@@ -6757,7 +5655,7 @@
               </a:spcAft>
             </a:pPr>
             <a:r>
-              <a:rPr lang="en-US" sz="2400" b="0" strike="noStrike" cap="all" spc="197">
+              <a:rPr b="0" lang="en-US" sz="2400" spc="194" strike="noStrike" cap="all">
                 <a:solidFill>
                   <a:srgbClr val="637052"/>
                 </a:solidFill>
@@ -6766,7 +5664,7 @@
               </a:rPr>
               <a:t>Banana Development Team</a:t>
             </a:r>
-            <a:endParaRPr lang="en-US" sz="2400" b="0" strike="noStrike" spc="-1">
+            <a:endParaRPr b="0" lang="en-US" sz="2400" spc="-1" strike="noStrike">
               <a:latin typeface="Arial"/>
             </a:endParaRPr>
           </a:p>
@@ -6774,19 +5672,19 @@
       </p:sp>
       <p:pic>
         <p:nvPicPr>
-          <p:cNvPr id="128" name="Picture 4"/>
+          <p:cNvPr id="128" name="Picture 4" descr=""/>
           <p:cNvPicPr/>
           <p:nvPr/>
         </p:nvPicPr>
         <p:blipFill>
-          <a:blip r:embed="rId2"/>
-          <a:srcRect b="4860"/>
+          <a:blip r:embed="rId1"/>
+          <a:srcRect l="0" t="0" r="0" b="4860"/>
           <a:stretch/>
         </p:blipFill>
         <p:spPr>
           <a:xfrm>
             <a:off x="10667880" y="274320"/>
-            <a:ext cx="1165320" cy="1261080"/>
+            <a:ext cx="1164960" cy="1260720"/>
           </a:xfrm>
           <a:prstGeom prst="rect">
             <a:avLst/>
@@ -6798,9 +5696,6 @@
       </p:pic>
     </p:spTree>
   </p:cSld>
-  <p:clrMapOvr>
-    <a:masterClrMapping/>
-  </p:clrMapOvr>
   <p:timing>
     <p:tnLst>
       <p:par>
@@ -6809,14 +5704,14 @@
             <p:seq>
               <p:cTn id="2" dur="indefinite" nodeType="mainSeq"/>
               <p:prevCondLst>
-                <p:cond evt="onPrev" delay="0">
+                <p:cond delay="0" evt="onPrev">
                   <p:tgtEl>
                     <p:sldTgt/>
                   </p:tgtEl>
                 </p:cond>
               </p:prevCondLst>
               <p:nextCondLst>
-                <p:cond evt="onNext" delay="0">
+                <p:cond delay="0" evt="onNext">
                   <p:tgtEl>
                     <p:sldTgt/>
                   </p:tgtEl>
@@ -6832,7 +5727,7 @@
 </file>
 
 <file path=ppt/slides/slide10.xml><?xml version="1.0" encoding="utf-8"?>
-<p:sld xmlns:a="http://schemas.openxmlformats.org/drawingml/2006/main" xmlns:r="http://schemas.openxmlformats.org/officeDocument/2006/relationships" xmlns:p="http://schemas.openxmlformats.org/presentationml/2006/main">
+<p:sld xmlns:a="http://schemas.openxmlformats.org/drawingml/2006/main" xmlns:p="http://schemas.openxmlformats.org/presentationml/2006/main" xmlns:r="http://schemas.openxmlformats.org/officeDocument/2006/relationships" xmlns:p14="http://schemas.microsoft.com/office/powerpoint/2010/main" xmlns:p15="http://schemas.microsoft.com/office/powerpoint/2012/main" xmlns:mc="http://schemas.openxmlformats.org/markup-compatibility/2006">
   <p:cSld>
     <p:spTree>
       <p:nvGrpSpPr>
@@ -6850,14 +5745,14 @@
       </p:grpSpPr>
       <p:sp>
         <p:nvSpPr>
-          <p:cNvPr id="145" name="CustomShape 1"/>
+          <p:cNvPr id="153" name="CustomShape 1"/>
           <p:cNvSpPr/>
           <p:nvPr/>
         </p:nvSpPr>
         <p:spPr>
           <a:xfrm>
             <a:off x="1097280" y="700920"/>
-            <a:ext cx="10057680" cy="1036080"/>
+            <a:ext cx="10057320" cy="1035720"/>
           </a:xfrm>
           <a:prstGeom prst="rect">
             <a:avLst/>
@@ -6868,20 +5763,13 @@
           </a:ln>
         </p:spPr>
         <p:style>
-          <a:lnRef idx="0">
-            <a:scrgbClr r="0" g="0" b="0"/>
-          </a:lnRef>
-          <a:fillRef idx="0">
-            <a:scrgbClr r="0" g="0" b="0"/>
-          </a:fillRef>
-          <a:effectRef idx="0">
-            <a:scrgbClr r="0" g="0" b="0"/>
-          </a:effectRef>
+          <a:lnRef idx="0"/>
+          <a:fillRef idx="0"/>
+          <a:effectRef idx="0"/>
           <a:fontRef idx="minor"/>
         </p:style>
         <p:txBody>
-          <a:bodyPr lIns="0" tIns="0" rIns="0" bIns="0"/>
-          <a:lstStyle/>
+          <a:bodyPr lIns="0" rIns="0" tIns="0" bIns="0"/>
           <a:p>
             <a:pPr>
               <a:lnSpc>
@@ -6890,7 +5778,7 @@
             </a:pPr>
             <a:br/>
             <a:r>
-              <a:rPr lang="en-US" sz="4800" b="0" strike="noStrike" spc="-46">
+              <a:rPr b="0" lang="en-US" sz="4800" spc="-43" strike="noStrike">
                 <a:solidFill>
                   <a:srgbClr val="404040"/>
                 </a:solidFill>
@@ -6899,7 +5787,7 @@
               </a:rPr>
               <a:t>Ben – Enemies</a:t>
             </a:r>
-            <a:endParaRPr lang="en-US" sz="4800" b="0" strike="noStrike" spc="-1">
+            <a:endParaRPr b="0" lang="en-US" sz="4800" spc="-1" strike="noStrike">
               <a:latin typeface="Arial"/>
             </a:endParaRPr>
           </a:p>
@@ -6907,19 +5795,19 @@
       </p:sp>
       <p:pic>
         <p:nvPicPr>
-          <p:cNvPr id="146" name="Picture 4"/>
+          <p:cNvPr id="154" name="Picture 4" descr=""/>
           <p:cNvPicPr/>
           <p:nvPr/>
         </p:nvPicPr>
         <p:blipFill>
-          <a:blip r:embed="rId2"/>
-          <a:srcRect b="4860"/>
+          <a:blip r:embed="rId1"/>
+          <a:srcRect l="0" t="0" r="0" b="4860"/>
           <a:stretch/>
         </p:blipFill>
         <p:spPr>
           <a:xfrm>
             <a:off x="10667880" y="274320"/>
-            <a:ext cx="1165320" cy="1261080"/>
+            <a:ext cx="1164960" cy="1260720"/>
           </a:xfrm>
           <a:prstGeom prst="rect">
             <a:avLst/>
@@ -6931,14 +5819,14 @@
       </p:pic>
       <p:sp>
         <p:nvSpPr>
-          <p:cNvPr id="147" name="CustomShape 2"/>
+          <p:cNvPr id="155" name="CustomShape 2"/>
           <p:cNvSpPr/>
           <p:nvPr/>
         </p:nvSpPr>
         <p:spPr>
           <a:xfrm>
             <a:off x="1097640" y="1846080"/>
-            <a:ext cx="10057680" cy="4022640"/>
+            <a:ext cx="10057320" cy="4022280"/>
           </a:xfrm>
           <a:prstGeom prst="rect">
             <a:avLst/>
@@ -6949,24 +5837,17 @@
           </a:ln>
         </p:spPr>
         <p:style>
-          <a:lnRef idx="0">
-            <a:scrgbClr r="0" g="0" b="0"/>
-          </a:lnRef>
-          <a:fillRef idx="0">
-            <a:scrgbClr r="0" g="0" b="0"/>
-          </a:fillRef>
-          <a:effectRef idx="0">
-            <a:scrgbClr r="0" g="0" b="0"/>
-          </a:effectRef>
+          <a:lnRef idx="0"/>
+          <a:fillRef idx="0"/>
+          <a:effectRef idx="0"/>
           <a:fontRef idx="minor"/>
         </p:style>
         <p:txBody>
-          <a:bodyPr lIns="0" tIns="45000" rIns="0" bIns="45000">
+          <a:bodyPr lIns="0" rIns="0" tIns="45000" bIns="45000">
             <a:normAutofit/>
           </a:bodyPr>
-          <a:lstStyle/>
-          <a:p>
-            <a:pPr marL="91440" indent="-90720">
+          <a:p>
+            <a:pPr marL="91440" indent="-90360">
               <a:lnSpc>
                 <a:spcPct val="90000"/>
               </a:lnSpc>
@@ -6977,13 +5858,13 @@
                 <a:spcPts val="201"/>
               </a:spcAft>
               <a:buClr>
-                <a:srgbClr val="E48312"/>
+                <a:srgbClr val="e48312"/>
               </a:buClr>
               <a:buFont typeface="Arial"/>
               <a:buChar char="•"/>
             </a:pPr>
             <a:r>
-              <a:rPr lang="en-US" sz="2400" b="0" strike="noStrike" spc="-1">
+              <a:rPr b="0" lang="en-US" sz="2400" spc="-1" strike="noStrike">
                 <a:solidFill>
                   <a:srgbClr val="404040"/>
                 </a:solidFill>
@@ -6992,12 +5873,12 @@
               </a:rPr>
               <a:t>Creating Enemies and releasing them into the playing field</a:t>
             </a:r>
-            <a:endParaRPr lang="en-US" sz="2400" b="0" strike="noStrike" spc="-1">
-              <a:latin typeface="Arial"/>
-            </a:endParaRPr>
-          </a:p>
-          <a:p>
-            <a:pPr marL="91440" indent="-90720">
+            <a:endParaRPr b="0" lang="en-US" sz="2400" spc="-1" strike="noStrike">
+              <a:latin typeface="Arial"/>
+            </a:endParaRPr>
+          </a:p>
+          <a:p>
+            <a:pPr marL="91440" indent="-90360">
               <a:lnSpc>
                 <a:spcPct val="90000"/>
               </a:lnSpc>
@@ -7008,13 +5889,13 @@
                 <a:spcPts val="201"/>
               </a:spcAft>
               <a:buClr>
-                <a:srgbClr val="E48312"/>
+                <a:srgbClr val="e48312"/>
               </a:buClr>
               <a:buFont typeface="Arial"/>
               <a:buChar char="•"/>
             </a:pPr>
             <a:r>
-              <a:rPr lang="en-US" sz="2400" b="0" strike="noStrike" spc="-1">
+              <a:rPr b="0" lang="en-US" sz="2400" spc="-1" strike="noStrike">
                 <a:solidFill>
                   <a:srgbClr val="404040"/>
                 </a:solidFill>
@@ -7023,12 +5904,12 @@
               </a:rPr>
               <a:t>Coordinating with Josh on when to spawn enemies</a:t>
             </a:r>
-            <a:endParaRPr lang="en-US" sz="2400" b="0" strike="noStrike" spc="-1">
-              <a:latin typeface="Arial"/>
-            </a:endParaRPr>
-          </a:p>
-          <a:p>
-            <a:pPr marL="91440" indent="-90720">
+            <a:endParaRPr b="0" lang="en-US" sz="2400" spc="-1" strike="noStrike">
+              <a:latin typeface="Arial"/>
+            </a:endParaRPr>
+          </a:p>
+          <a:p>
+            <a:pPr marL="91440" indent="-90360">
               <a:lnSpc>
                 <a:spcPct val="90000"/>
               </a:lnSpc>
@@ -7039,13 +5920,13 @@
                 <a:spcPts val="201"/>
               </a:spcAft>
               <a:buClr>
-                <a:srgbClr val="E48312"/>
+                <a:srgbClr val="e48312"/>
               </a:buClr>
               <a:buFont typeface="Arial"/>
               <a:buChar char="•"/>
             </a:pPr>
             <a:r>
-              <a:rPr lang="en-US" sz="2400" b="0" strike="noStrike" spc="-1">
+              <a:rPr b="0" lang="en-US" sz="2400" spc="-1" strike="noStrike">
                 <a:solidFill>
                   <a:srgbClr val="404040"/>
                 </a:solidFill>
@@ -7054,12 +5935,12 @@
               </a:rPr>
               <a:t>Making sure enemies advance and attack automatically</a:t>
             </a:r>
-            <a:endParaRPr lang="en-US" sz="2400" b="0" strike="noStrike" spc="-1">
-              <a:latin typeface="Arial"/>
-            </a:endParaRPr>
-          </a:p>
-          <a:p>
-            <a:pPr marL="91440" indent="-90720">
+            <a:endParaRPr b="0" lang="en-US" sz="2400" spc="-1" strike="noStrike">
+              <a:latin typeface="Arial"/>
+            </a:endParaRPr>
+          </a:p>
+          <a:p>
+            <a:pPr marL="91440" indent="-90360">
               <a:lnSpc>
                 <a:spcPct val="90000"/>
               </a:lnSpc>
@@ -7070,13 +5951,13 @@
                 <a:spcPts val="201"/>
               </a:spcAft>
               <a:buClr>
-                <a:srgbClr val="E48312"/>
+                <a:srgbClr val="e48312"/>
               </a:buClr>
               <a:buFont typeface="Arial"/>
               <a:buChar char="•"/>
             </a:pPr>
             <a:r>
-              <a:rPr lang="en-US" sz="2400" b="0" strike="noStrike" spc="-1">
+              <a:rPr b="0" lang="en-US" sz="2400" spc="-1" strike="noStrike">
                 <a:solidFill>
                   <a:srgbClr val="404040"/>
                 </a:solidFill>
@@ -7085,12 +5966,12 @@
               </a:rPr>
               <a:t>Making sure enemies can navigate around obstacles</a:t>
             </a:r>
-            <a:endParaRPr lang="en-US" sz="2400" b="0" strike="noStrike" spc="-1">
-              <a:latin typeface="Arial"/>
-            </a:endParaRPr>
-          </a:p>
-          <a:p>
-            <a:pPr marL="91440" indent="-90720">
+            <a:endParaRPr b="0" lang="en-US" sz="2400" spc="-1" strike="noStrike">
+              <a:latin typeface="Arial"/>
+            </a:endParaRPr>
+          </a:p>
+          <a:p>
+            <a:pPr marL="91440" indent="-90360">
               <a:lnSpc>
                 <a:spcPct val="90000"/>
               </a:lnSpc>
@@ -7101,13 +5982,13 @@
                 <a:spcPts val="201"/>
               </a:spcAft>
               <a:buClr>
-                <a:srgbClr val="E48312"/>
+                <a:srgbClr val="e48312"/>
               </a:buClr>
               <a:buFont typeface="Arial"/>
               <a:buChar char="•"/>
             </a:pPr>
             <a:r>
-              <a:rPr lang="en-US" sz="2400" b="0" strike="noStrike" spc="-1">
+              <a:rPr b="0" lang="en-US" sz="2400" spc="-1" strike="noStrike">
                 <a:solidFill>
                   <a:srgbClr val="404040"/>
                 </a:solidFill>
@@ -7116,7 +5997,7 @@
               </a:rPr>
               <a:t>Coordinating with Luis on interactions between enemies and the player character</a:t>
             </a:r>
-            <a:endParaRPr lang="en-US" sz="2400" b="0" strike="noStrike" spc="-1">
+            <a:endParaRPr b="0" lang="en-US" sz="2400" spc="-1" strike="noStrike">
               <a:latin typeface="Arial"/>
             </a:endParaRPr>
           </a:p>
@@ -7132,7 +6013,7 @@
                 <a:spcPts val="201"/>
               </a:spcAft>
             </a:pPr>
-            <a:endParaRPr lang="en-US" sz="2400" b="0" strike="noStrike" spc="-1">
+            <a:endParaRPr b="0" lang="en-US" sz="2400" spc="-1" strike="noStrike">
               <a:latin typeface="Arial"/>
             </a:endParaRPr>
           </a:p>
@@ -7148,12 +6029,12 @@
                 <a:spcPts val="201"/>
               </a:spcAft>
             </a:pPr>
-            <a:endParaRPr lang="en-US" sz="2400" b="0" strike="noStrike" spc="-1">
-              <a:latin typeface="Arial"/>
-            </a:endParaRPr>
-          </a:p>
-          <a:p>
-            <a:pPr marL="91440" indent="-90720">
+            <a:endParaRPr b="0" lang="en-US" sz="2400" spc="-1" strike="noStrike">
+              <a:latin typeface="Arial"/>
+            </a:endParaRPr>
+          </a:p>
+          <a:p>
+            <a:pPr marL="91440" indent="-90360">
               <a:lnSpc>
                 <a:spcPct val="90000"/>
               </a:lnSpc>
@@ -7164,13 +6045,13 @@
                 <a:spcPts val="201"/>
               </a:spcAft>
               <a:buClr>
-                <a:srgbClr val="E48312"/>
+                <a:srgbClr val="e48312"/>
               </a:buClr>
               <a:buFont typeface="Arial"/>
               <a:buChar char="•"/>
             </a:pPr>
             <a:r>
-              <a:rPr lang="en-US" sz="2400" b="0" strike="noStrike" spc="-1">
+              <a:rPr b="0" lang="en-US" sz="2400" spc="-1" strike="noStrike">
                 <a:solidFill>
                   <a:srgbClr val="404040"/>
                 </a:solidFill>
@@ -7179,12 +6060,12 @@
               </a:rPr>
               <a:t>Priority level: 3 </a:t>
             </a:r>
-            <a:endParaRPr lang="en-US" sz="2400" b="0" strike="noStrike" spc="-1">
-              <a:latin typeface="Arial"/>
-            </a:endParaRPr>
-          </a:p>
-          <a:p>
-            <a:pPr marL="91440" indent="-90720">
+            <a:endParaRPr b="0" lang="en-US" sz="2400" spc="-1" strike="noStrike">
+              <a:latin typeface="Arial"/>
+            </a:endParaRPr>
+          </a:p>
+          <a:p>
+            <a:pPr marL="91440" indent="-90360">
               <a:lnSpc>
                 <a:spcPct val="90000"/>
               </a:lnSpc>
@@ -7195,13 +6076,13 @@
                 <a:spcPts val="201"/>
               </a:spcAft>
               <a:buClr>
-                <a:srgbClr val="E48312"/>
+                <a:srgbClr val="e48312"/>
               </a:buClr>
               <a:buFont typeface="Arial"/>
               <a:buChar char="•"/>
             </a:pPr>
             <a:r>
-              <a:rPr lang="en-US" sz="2400" b="0" strike="noStrike" spc="-1">
+              <a:rPr b="0" lang="en-US" sz="2400" spc="-1" strike="noStrike">
                 <a:solidFill>
                   <a:srgbClr val="404040"/>
                 </a:solidFill>
@@ -7210,7 +6091,7 @@
               </a:rPr>
               <a:t>Complexity: Moderate</a:t>
             </a:r>
-            <a:endParaRPr lang="en-US" sz="2400" b="0" strike="noStrike" spc="-1">
+            <a:endParaRPr b="0" lang="en-US" sz="2400" spc="-1" strike="noStrike">
               <a:latin typeface="Arial"/>
             </a:endParaRPr>
           </a:p>
@@ -7218,25 +6099,22 @@
       </p:sp>
     </p:spTree>
   </p:cSld>
-  <p:clrMapOvr>
-    <a:masterClrMapping/>
-  </p:clrMapOvr>
   <p:timing>
     <p:tnLst>
       <p:par>
-        <p:cTn id="1" dur="indefinite" restart="never" nodeType="tmRoot">
+        <p:cTn id="19" dur="indefinite" restart="never" nodeType="tmRoot">
           <p:childTnLst>
             <p:seq>
-              <p:cTn id="2" dur="indefinite" nodeType="mainSeq"/>
+              <p:cTn id="20" dur="indefinite" nodeType="mainSeq"/>
               <p:prevCondLst>
-                <p:cond evt="onPrev" delay="0">
+                <p:cond delay="0" evt="onPrev">
                   <p:tgtEl>
                     <p:sldTgt/>
                   </p:tgtEl>
                 </p:cond>
               </p:prevCondLst>
               <p:nextCondLst>
-                <p:cond evt="onNext" delay="0">
+                <p:cond delay="0" evt="onNext">
                   <p:tgtEl>
                     <p:sldTgt/>
                   </p:tgtEl>
@@ -7252,7 +6130,7 @@
 </file>
 
 <file path=ppt/slides/slide11.xml><?xml version="1.0" encoding="utf-8"?>
-<p:sld xmlns:a="http://schemas.openxmlformats.org/drawingml/2006/main" xmlns:r="http://schemas.openxmlformats.org/officeDocument/2006/relationships" xmlns:p="http://schemas.openxmlformats.org/presentationml/2006/main">
+<p:sld xmlns:a="http://schemas.openxmlformats.org/drawingml/2006/main" xmlns:p="http://schemas.openxmlformats.org/presentationml/2006/main" xmlns:r="http://schemas.openxmlformats.org/officeDocument/2006/relationships" xmlns:p14="http://schemas.microsoft.com/office/powerpoint/2010/main" xmlns:p15="http://schemas.microsoft.com/office/powerpoint/2012/main" xmlns:mc="http://schemas.openxmlformats.org/markup-compatibility/2006">
   <p:cSld>
     <p:spTree>
       <p:nvGrpSpPr>
@@ -7270,14 +6148,14 @@
       </p:grpSpPr>
       <p:sp>
         <p:nvSpPr>
-          <p:cNvPr id="148" name="CustomShape 1"/>
+          <p:cNvPr id="156" name="CustomShape 1"/>
           <p:cNvSpPr/>
           <p:nvPr/>
         </p:nvSpPr>
         <p:spPr>
           <a:xfrm>
             <a:off x="1097280" y="286560"/>
-            <a:ext cx="10057680" cy="1450080"/>
+            <a:ext cx="10057320" cy="1449720"/>
           </a:xfrm>
           <a:prstGeom prst="rect">
             <a:avLst/>
@@ -7288,33 +6166,27 @@
           </a:ln>
         </p:spPr>
         <p:style>
-          <a:lnRef idx="0">
-            <a:scrgbClr r="0" g="0" b="0"/>
-          </a:lnRef>
-          <a:fillRef idx="0">
-            <a:scrgbClr r="0" g="0" b="0"/>
-          </a:fillRef>
-          <a:effectRef idx="0">
-            <a:scrgbClr r="0" g="0" b="0"/>
-          </a:effectRef>
+          <a:lnRef idx="0"/>
+          <a:fillRef idx="0"/>
+          <a:effectRef idx="0"/>
           <a:fontRef idx="minor"/>
         </p:style>
       </p:sp>
       <p:pic>
         <p:nvPicPr>
-          <p:cNvPr id="149" name="Picture 4"/>
+          <p:cNvPr id="157" name="Picture 4" descr=""/>
           <p:cNvPicPr/>
           <p:nvPr/>
         </p:nvPicPr>
         <p:blipFill>
-          <a:blip r:embed="rId2"/>
-          <a:srcRect b="4860"/>
+          <a:blip r:embed="rId1"/>
+          <a:srcRect l="0" t="0" r="0" b="4860"/>
           <a:stretch/>
         </p:blipFill>
         <p:spPr>
           <a:xfrm>
             <a:off x="10667880" y="274320"/>
-            <a:ext cx="1165320" cy="1261080"/>
+            <a:ext cx="1164960" cy="1260720"/>
           </a:xfrm>
           <a:prstGeom prst="rect">
             <a:avLst/>
@@ -7326,14 +6198,14 @@
       </p:pic>
       <p:sp>
         <p:nvSpPr>
-          <p:cNvPr id="150" name="CustomShape 2"/>
+          <p:cNvPr id="158" name="CustomShape 2"/>
           <p:cNvSpPr/>
           <p:nvPr/>
         </p:nvSpPr>
         <p:spPr>
           <a:xfrm>
             <a:off x="1097280" y="700920"/>
-            <a:ext cx="10057680" cy="1036080"/>
+            <a:ext cx="10057320" cy="1035720"/>
           </a:xfrm>
           <a:prstGeom prst="rect">
             <a:avLst/>
@@ -7344,20 +6216,13 @@
           </a:ln>
         </p:spPr>
         <p:style>
-          <a:lnRef idx="0">
-            <a:scrgbClr r="0" g="0" b="0"/>
-          </a:lnRef>
-          <a:fillRef idx="0">
-            <a:scrgbClr r="0" g="0" b="0"/>
-          </a:fillRef>
-          <a:effectRef idx="0">
-            <a:scrgbClr r="0" g="0" b="0"/>
-          </a:effectRef>
+          <a:lnRef idx="0"/>
+          <a:fillRef idx="0"/>
+          <a:effectRef idx="0"/>
           <a:fontRef idx="minor"/>
         </p:style>
         <p:txBody>
-          <a:bodyPr lIns="0" tIns="0" rIns="0" bIns="0"/>
-          <a:lstStyle/>
+          <a:bodyPr lIns="0" rIns="0" tIns="0" bIns="0"/>
           <a:p>
             <a:pPr>
               <a:lnSpc>
@@ -7366,7 +6231,7 @@
             </a:pPr>
             <a:br/>
             <a:r>
-              <a:rPr lang="en-US" sz="4800" b="0" strike="noStrike" spc="-46">
+              <a:rPr b="0" lang="en-US" sz="4800" spc="-43" strike="noStrike">
                 <a:solidFill>
                   <a:srgbClr val="404040"/>
                 </a:solidFill>
@@ -7375,7 +6240,7 @@
               </a:rPr>
               <a:t>Use case – Dmaging enemies</a:t>
             </a:r>
-            <a:endParaRPr lang="en-US" sz="4800" b="0" strike="noStrike" spc="-1">
+            <a:endParaRPr b="0" lang="en-US" sz="4800" spc="-1" strike="noStrike">
               <a:latin typeface="Arial"/>
             </a:endParaRPr>
           </a:p>
@@ -7383,18 +6248,18 @@
       </p:sp>
       <p:pic>
         <p:nvPicPr>
-          <p:cNvPr id="151" name="Picture 150"/>
+          <p:cNvPr id="159" name="Picture 150" descr=""/>
           <p:cNvPicPr/>
           <p:nvPr/>
         </p:nvPicPr>
         <p:blipFill>
-          <a:blip r:embed="rId3"/>
+          <a:blip r:embed="rId2"/>
           <a:stretch/>
         </p:blipFill>
         <p:spPr>
           <a:xfrm>
             <a:off x="2377440" y="1828800"/>
-            <a:ext cx="7132320" cy="4404600"/>
+            <a:ext cx="7131960" cy="4404240"/>
           </a:xfrm>
           <a:prstGeom prst="rect">
             <a:avLst/>
@@ -7406,25 +6271,22 @@
       </p:pic>
     </p:spTree>
   </p:cSld>
-  <p:clrMapOvr>
-    <a:masterClrMapping/>
-  </p:clrMapOvr>
   <p:timing>
     <p:tnLst>
       <p:par>
-        <p:cTn id="1" dur="indefinite" restart="never" nodeType="tmRoot">
+        <p:cTn id="21" dur="indefinite" restart="never" nodeType="tmRoot">
           <p:childTnLst>
             <p:seq>
-              <p:cTn id="2" dur="indefinite" nodeType="mainSeq"/>
+              <p:cTn id="22" dur="indefinite" nodeType="mainSeq"/>
               <p:prevCondLst>
-                <p:cond evt="onPrev" delay="0">
+                <p:cond delay="0" evt="onPrev">
                   <p:tgtEl>
                     <p:sldTgt/>
                   </p:tgtEl>
                 </p:cond>
               </p:prevCondLst>
               <p:nextCondLst>
-                <p:cond evt="onNext" delay="0">
+                <p:cond delay="0" evt="onNext">
                   <p:tgtEl>
                     <p:sldTgt/>
                   </p:tgtEl>
@@ -7440,7 +6302,7 @@
 </file>
 
 <file path=ppt/slides/slide12.xml><?xml version="1.0" encoding="utf-8"?>
-<p:sld xmlns:a="http://schemas.openxmlformats.org/drawingml/2006/main" xmlns:r="http://schemas.openxmlformats.org/officeDocument/2006/relationships" xmlns:p="http://schemas.openxmlformats.org/presentationml/2006/main">
+<p:sld xmlns:a="http://schemas.openxmlformats.org/drawingml/2006/main" xmlns:p="http://schemas.openxmlformats.org/presentationml/2006/main" xmlns:r="http://schemas.openxmlformats.org/officeDocument/2006/relationships" xmlns:p14="http://schemas.microsoft.com/office/powerpoint/2010/main" xmlns:p15="http://schemas.microsoft.com/office/powerpoint/2012/main" xmlns:mc="http://schemas.openxmlformats.org/markup-compatibility/2006">
   <p:cSld>
     <p:spTree>
       <p:nvGrpSpPr>
@@ -7458,14 +6320,14 @@
       </p:grpSpPr>
       <p:sp>
         <p:nvSpPr>
-          <p:cNvPr id="152" name="TextShape 1"/>
-          <p:cNvSpPr txBox="1"/>
+          <p:cNvPr id="160" name="CustomShape 1"/>
+          <p:cNvSpPr/>
           <p:nvPr/>
         </p:nvSpPr>
         <p:spPr>
           <a:xfrm>
             <a:off x="1097280" y="286560"/>
-            <a:ext cx="10057680" cy="1450080"/>
+            <a:ext cx="10057320" cy="1449720"/>
           </a:xfrm>
           <a:prstGeom prst="rect">
             <a:avLst/>
@@ -7475,9 +6337,14 @@
             <a:noFill/>
           </a:ln>
         </p:spPr>
-        <p:txBody>
-          <a:bodyPr lIns="0" tIns="0" rIns="0" bIns="0" anchor="ctr"/>
-          <a:lstStyle/>
+        <p:style>
+          <a:lnRef idx="0"/>
+          <a:fillRef idx="0"/>
+          <a:effectRef idx="0"/>
+          <a:fontRef idx="minor"/>
+        </p:style>
+        <p:txBody>
+          <a:bodyPr lIns="0" rIns="0" tIns="0" bIns="0" anchor="ctr"/>
           <a:p>
             <a:pPr>
               <a:lnSpc>
@@ -7486,7 +6353,7 @@
             </a:pPr>
             <a:br/>
             <a:r>
-              <a:rPr lang="en-US" sz="4400" b="0" strike="noStrike" spc="-46">
+              <a:rPr b="0" lang="en-US" sz="4400" spc="-43" strike="noStrike">
                 <a:solidFill>
                   <a:srgbClr val="404040"/>
                 </a:solidFill>
@@ -7495,25 +6362,22 @@
               </a:rPr>
               <a:t>Blakely – Sound</a:t>
             </a:r>
-            <a:endParaRPr lang="en-US" sz="4400" b="0" strike="noStrike" spc="-1">
-              <a:solidFill>
-                <a:srgbClr val="000000"/>
-              </a:solidFill>
-              <a:latin typeface="Arial"/>
-            </a:endParaRPr>
-          </a:p>
-        </p:txBody>
-      </p:sp>
-      <p:sp>
-        <p:nvSpPr>
-          <p:cNvPr id="153" name="TextShape 2"/>
-          <p:cNvSpPr txBox="1"/>
+            <a:endParaRPr b="0" lang="en-US" sz="4400" spc="-1" strike="noStrike">
+              <a:latin typeface="Arial"/>
+            </a:endParaRPr>
+          </a:p>
+        </p:txBody>
+      </p:sp>
+      <p:sp>
+        <p:nvSpPr>
+          <p:cNvPr id="161" name="CustomShape 2"/>
+          <p:cNvSpPr/>
           <p:nvPr/>
         </p:nvSpPr>
         <p:spPr>
           <a:xfrm>
             <a:off x="1097280" y="2121120"/>
-            <a:ext cx="10057680" cy="4022640"/>
+            <a:ext cx="10057320" cy="4022280"/>
           </a:xfrm>
           <a:prstGeom prst="rect">
             <a:avLst/>
@@ -7523,11 +6387,16 @@
             <a:noFill/>
           </a:ln>
         </p:spPr>
-        <p:txBody>
-          <a:bodyPr lIns="0" tIns="0" rIns="0" bIns="0" anchor="ctr"/>
-          <a:lstStyle/>
-          <a:p>
-            <a:pPr marL="91440" indent="-90720">
+        <p:style>
+          <a:lnRef idx="0"/>
+          <a:fillRef idx="0"/>
+          <a:effectRef idx="0"/>
+          <a:fontRef idx="minor"/>
+        </p:style>
+        <p:txBody>
+          <a:bodyPr lIns="0" rIns="0" tIns="0" bIns="0" anchor="ctr"/>
+          <a:p>
+            <a:pPr marL="91440" indent="-90360">
               <a:lnSpc>
                 <a:spcPct val="90000"/>
               </a:lnSpc>
@@ -7538,13 +6407,13 @@
                 <a:spcPts val="201"/>
               </a:spcAft>
               <a:buClr>
-                <a:srgbClr val="E48312"/>
+                <a:srgbClr val="e48312"/>
               </a:buClr>
               <a:buFont typeface="Arial"/>
               <a:buChar char="•"/>
             </a:pPr>
             <a:r>
-              <a:rPr lang="en-US" sz="2200" b="0" strike="noStrike" spc="-1">
+              <a:rPr b="0" lang="en-US" sz="2200" spc="-1" strike="noStrike">
                 <a:solidFill>
                   <a:srgbClr val="404040"/>
                 </a:solidFill>
@@ -7553,12 +6422,12 @@
               </a:rPr>
               <a:t>Creating Sounds for levels and sound effects</a:t>
             </a:r>
-            <a:endParaRPr lang="en-US" sz="2200" b="0" strike="noStrike" spc="-1">
-              <a:latin typeface="Arial"/>
-            </a:endParaRPr>
-          </a:p>
-          <a:p>
-            <a:pPr marL="91440" indent="-90720">
+            <a:endParaRPr b="0" lang="en-US" sz="2200" spc="-1" strike="noStrike">
+              <a:latin typeface="Arial"/>
+            </a:endParaRPr>
+          </a:p>
+          <a:p>
+            <a:pPr marL="91440" indent="-90360">
               <a:lnSpc>
                 <a:spcPct val="90000"/>
               </a:lnSpc>
@@ -7569,13 +6438,13 @@
                 <a:spcPts val="201"/>
               </a:spcAft>
               <a:buClr>
-                <a:srgbClr val="E48312"/>
+                <a:srgbClr val="e48312"/>
               </a:buClr>
               <a:buFont typeface="Arial"/>
               <a:buChar char="•"/>
             </a:pPr>
             <a:r>
-              <a:rPr lang="en-US" sz="2200" b="0" strike="noStrike" spc="-1">
+              <a:rPr b="0" lang="en-US" sz="2200" spc="-1" strike="noStrike">
                 <a:solidFill>
                   <a:srgbClr val="404040"/>
                 </a:solidFill>
@@ -7584,12 +6453,12 @@
               </a:rPr>
               <a:t>Coordinate with Luis on player sound effects</a:t>
             </a:r>
-            <a:endParaRPr lang="en-US" sz="2200" b="0" strike="noStrike" spc="-1">
-              <a:latin typeface="Arial"/>
-            </a:endParaRPr>
-          </a:p>
-          <a:p>
-            <a:pPr marL="91440" indent="-90720">
+            <a:endParaRPr b="0" lang="en-US" sz="2200" spc="-1" strike="noStrike">
+              <a:latin typeface="Arial"/>
+            </a:endParaRPr>
+          </a:p>
+          <a:p>
+            <a:pPr marL="91440" indent="-90360">
               <a:lnSpc>
                 <a:spcPct val="90000"/>
               </a:lnSpc>
@@ -7600,13 +6469,13 @@
                 <a:spcPts val="201"/>
               </a:spcAft>
               <a:buClr>
-                <a:srgbClr val="E48312"/>
+                <a:srgbClr val="e48312"/>
               </a:buClr>
               <a:buFont typeface="Arial"/>
               <a:buChar char="•"/>
             </a:pPr>
             <a:r>
-              <a:rPr lang="en-US" sz="2200" b="0" strike="noStrike" spc="-1">
+              <a:rPr b="0" lang="en-US" sz="2200" spc="-1" strike="noStrike">
                 <a:solidFill>
                   <a:srgbClr val="404040"/>
                 </a:solidFill>
@@ -7615,12 +6484,12 @@
               </a:rPr>
               <a:t>Coordinate with Ben on enemy sound effects</a:t>
             </a:r>
-            <a:endParaRPr lang="en-US" sz="2200" b="0" strike="noStrike" spc="-1">
-              <a:latin typeface="Arial"/>
-            </a:endParaRPr>
-          </a:p>
-          <a:p>
-            <a:pPr marL="91440" indent="-90720">
+            <a:endParaRPr b="0" lang="en-US" sz="2200" spc="-1" strike="noStrike">
+              <a:latin typeface="Arial"/>
+            </a:endParaRPr>
+          </a:p>
+          <a:p>
+            <a:pPr marL="91440" indent="-90360">
               <a:lnSpc>
                 <a:spcPct val="90000"/>
               </a:lnSpc>
@@ -7631,13 +6500,13 @@
                 <a:spcPts val="201"/>
               </a:spcAft>
               <a:buClr>
-                <a:srgbClr val="E48312"/>
+                <a:srgbClr val="e48312"/>
               </a:buClr>
               <a:buFont typeface="Arial"/>
               <a:buChar char="•"/>
             </a:pPr>
             <a:r>
-              <a:rPr lang="en-US" sz="2200" b="0" strike="noStrike" spc="-1">
+              <a:rPr b="0" lang="en-US" sz="2200" spc="-1" strike="noStrike">
                 <a:solidFill>
                   <a:srgbClr val="404040"/>
                 </a:solidFill>
@@ -7646,7 +6515,7 @@
               </a:rPr>
               <a:t>Provide seamless timing between character trigger and sound effect</a:t>
             </a:r>
-            <a:endParaRPr lang="en-US" sz="2200" b="0" strike="noStrike" spc="-1">
+            <a:endParaRPr b="0" lang="en-US" sz="2200" spc="-1" strike="noStrike">
               <a:latin typeface="Arial"/>
             </a:endParaRPr>
           </a:p>
@@ -7662,7 +6531,7 @@
                 <a:spcPts val="201"/>
               </a:spcAft>
             </a:pPr>
-            <a:endParaRPr lang="en-US" sz="2200" b="0" strike="noStrike" spc="-1">
+            <a:endParaRPr b="0" lang="en-US" sz="2200" spc="-1" strike="noStrike">
               <a:latin typeface="Arial"/>
             </a:endParaRPr>
           </a:p>
@@ -7678,12 +6547,12 @@
                 <a:spcPts val="201"/>
               </a:spcAft>
             </a:pPr>
-            <a:endParaRPr lang="en-US" sz="2200" b="0" strike="noStrike" spc="-1">
-              <a:latin typeface="Arial"/>
-            </a:endParaRPr>
-          </a:p>
-          <a:p>
-            <a:pPr marL="91440" indent="-90720">
+            <a:endParaRPr b="0" lang="en-US" sz="2200" spc="-1" strike="noStrike">
+              <a:latin typeface="Arial"/>
+            </a:endParaRPr>
+          </a:p>
+          <a:p>
+            <a:pPr marL="91440" indent="-90360">
               <a:lnSpc>
                 <a:spcPct val="90000"/>
               </a:lnSpc>
@@ -7694,13 +6563,13 @@
                 <a:spcPts val="201"/>
               </a:spcAft>
               <a:buClr>
-                <a:srgbClr val="E48312"/>
+                <a:srgbClr val="e48312"/>
               </a:buClr>
               <a:buFont typeface="Arial"/>
               <a:buChar char="•"/>
             </a:pPr>
             <a:r>
-              <a:rPr lang="en-US" sz="2200" b="0" strike="noStrike" spc="-1">
+              <a:rPr b="0" lang="en-US" sz="2200" spc="-1" strike="noStrike">
                 <a:solidFill>
                   <a:srgbClr val="404040"/>
                 </a:solidFill>
@@ -7709,12 +6578,12 @@
               </a:rPr>
               <a:t>Priority level: 3 </a:t>
             </a:r>
-            <a:endParaRPr lang="en-US" sz="2200" b="0" strike="noStrike" spc="-1">
-              <a:latin typeface="Arial"/>
-            </a:endParaRPr>
-          </a:p>
-          <a:p>
-            <a:pPr marL="91440" indent="-90720">
+            <a:endParaRPr b="0" lang="en-US" sz="2200" spc="-1" strike="noStrike">
+              <a:latin typeface="Arial"/>
+            </a:endParaRPr>
+          </a:p>
+          <a:p>
+            <a:pPr marL="91440" indent="-90360">
               <a:lnSpc>
                 <a:spcPct val="90000"/>
               </a:lnSpc>
@@ -7725,13 +6594,13 @@
                 <a:spcPts val="201"/>
               </a:spcAft>
               <a:buClr>
-                <a:srgbClr val="E48312"/>
+                <a:srgbClr val="e48312"/>
               </a:buClr>
               <a:buFont typeface="Arial"/>
               <a:buChar char="•"/>
             </a:pPr>
             <a:r>
-              <a:rPr lang="en-US" sz="2200" b="0" strike="noStrike" spc="-1">
+              <a:rPr b="0" lang="en-US" sz="2200" spc="-1" strike="noStrike">
                 <a:solidFill>
                   <a:srgbClr val="404040"/>
                 </a:solidFill>
@@ -7740,7 +6609,7 @@
               </a:rPr>
               <a:t>Complexity: Moderate</a:t>
             </a:r>
-            <a:endParaRPr lang="en-US" sz="2200" b="0" strike="noStrike" spc="-1">
+            <a:endParaRPr b="0" lang="en-US" sz="2200" spc="-1" strike="noStrike">
               <a:latin typeface="Arial"/>
             </a:endParaRPr>
           </a:p>
@@ -7753,7 +6622,7 @@
                 <a:spcPts val="1001"/>
               </a:spcBef>
             </a:pPr>
-            <a:endParaRPr lang="en-US" sz="2200" b="0" strike="noStrike" spc="-1">
+            <a:endParaRPr b="0" lang="en-US" sz="2200" spc="-1" strike="noStrike">
               <a:latin typeface="Arial"/>
             </a:endParaRPr>
           </a:p>
@@ -7761,19 +6630,19 @@
       </p:sp>
       <p:pic>
         <p:nvPicPr>
-          <p:cNvPr id="154" name="Picture 4"/>
+          <p:cNvPr id="162" name="Picture 4" descr=""/>
           <p:cNvPicPr/>
           <p:nvPr/>
         </p:nvPicPr>
         <p:blipFill>
-          <a:blip r:embed="rId2"/>
-          <a:srcRect b="4860"/>
+          <a:blip r:embed="rId1"/>
+          <a:srcRect l="0" t="0" r="0" b="4860"/>
           <a:stretch/>
         </p:blipFill>
         <p:spPr>
           <a:xfrm>
             <a:off x="10667880" y="274320"/>
-            <a:ext cx="1165320" cy="1261080"/>
+            <a:ext cx="1164960" cy="1260720"/>
           </a:xfrm>
           <a:prstGeom prst="rect">
             <a:avLst/>
@@ -7785,25 +6654,22 @@
       </p:pic>
     </p:spTree>
   </p:cSld>
-  <p:clrMapOvr>
-    <a:masterClrMapping/>
-  </p:clrMapOvr>
   <p:timing>
     <p:tnLst>
       <p:par>
-        <p:cTn id="1" dur="indefinite" restart="never" nodeType="tmRoot">
+        <p:cTn id="23" dur="indefinite" restart="never" nodeType="tmRoot">
           <p:childTnLst>
             <p:seq>
-              <p:cTn id="2" dur="indefinite" nodeType="mainSeq"/>
+              <p:cTn id="24" dur="indefinite" nodeType="mainSeq"/>
               <p:prevCondLst>
-                <p:cond evt="onPrev" delay="0">
+                <p:cond delay="0" evt="onPrev">
                   <p:tgtEl>
                     <p:sldTgt/>
                   </p:tgtEl>
                 </p:cond>
               </p:prevCondLst>
               <p:nextCondLst>
-                <p:cond evt="onNext" delay="0">
+                <p:cond delay="0" evt="onNext">
                   <p:tgtEl>
                     <p:sldTgt/>
                   </p:tgtEl>
@@ -7819,7 +6685,7 @@
 </file>
 
 <file path=ppt/slides/slide13.xml><?xml version="1.0" encoding="utf-8"?>
-<p:sld xmlns:a="http://schemas.openxmlformats.org/drawingml/2006/main" xmlns:r="http://schemas.openxmlformats.org/officeDocument/2006/relationships" xmlns:p="http://schemas.openxmlformats.org/presentationml/2006/main">
+<p:sld xmlns:a="http://schemas.openxmlformats.org/drawingml/2006/main" xmlns:p="http://schemas.openxmlformats.org/presentationml/2006/main" xmlns:r="http://schemas.openxmlformats.org/officeDocument/2006/relationships" xmlns:p14="http://schemas.microsoft.com/office/powerpoint/2010/main" xmlns:p15="http://schemas.microsoft.com/office/powerpoint/2012/main" xmlns:mc="http://schemas.openxmlformats.org/markup-compatibility/2006">
   <p:cSld>
     <p:spTree>
       <p:nvGrpSpPr>
@@ -7837,14 +6703,14 @@
       </p:grpSpPr>
       <p:sp>
         <p:nvSpPr>
-          <p:cNvPr id="155" name="TextShape 1"/>
-          <p:cNvSpPr txBox="1"/>
+          <p:cNvPr id="163" name="CustomShape 1"/>
+          <p:cNvSpPr/>
           <p:nvPr/>
         </p:nvSpPr>
         <p:spPr>
           <a:xfrm>
             <a:off x="1097280" y="286560"/>
-            <a:ext cx="10057680" cy="1450080"/>
+            <a:ext cx="10057320" cy="1449720"/>
           </a:xfrm>
           <a:prstGeom prst="rect">
             <a:avLst/>
@@ -7854,9 +6720,14 @@
             <a:noFill/>
           </a:ln>
         </p:spPr>
-        <p:txBody>
-          <a:bodyPr lIns="0" tIns="0" rIns="0" bIns="0" anchor="ctr"/>
-          <a:lstStyle/>
+        <p:style>
+          <a:lnRef idx="0"/>
+          <a:fillRef idx="0"/>
+          <a:effectRef idx="0"/>
+          <a:fontRef idx="minor"/>
+        </p:style>
+        <p:txBody>
+          <a:bodyPr lIns="0" rIns="0" tIns="0" bIns="0" anchor="ctr"/>
           <a:p>
             <a:pPr>
               <a:lnSpc>
@@ -7866,7 +6737,7 @@
             <a:br/>
             <a:br/>
             <a:r>
-              <a:rPr lang="en-US" sz="4400" b="0" strike="noStrike" spc="-46">
+              <a:rPr b="0" lang="en-US" sz="4400" spc="-43" strike="noStrike">
                 <a:solidFill>
                   <a:srgbClr val="404040"/>
                 </a:solidFill>
@@ -7876,10 +6747,7 @@
               <a:t>Sound Design – Use Case Diagram</a:t>
             </a:r>
             <a:br/>
-            <a:endParaRPr lang="en-US" sz="4400" b="0" strike="noStrike" spc="-1">
-              <a:solidFill>
-                <a:srgbClr val="000000"/>
-              </a:solidFill>
+            <a:endParaRPr b="0" lang="en-US" sz="4400" spc="-1" strike="noStrike">
               <a:latin typeface="Arial"/>
             </a:endParaRPr>
           </a:p>
@@ -7887,19 +6755,43 @@
       </p:sp>
       <p:pic>
         <p:nvPicPr>
-          <p:cNvPr id="156" name="Picture 4"/>
+          <p:cNvPr id="164" name="Picture 4" descr=""/>
+          <p:cNvPicPr/>
+          <p:nvPr/>
+        </p:nvPicPr>
+        <p:blipFill>
+          <a:blip r:embed="rId1"/>
+          <a:srcRect l="0" t="0" r="0" b="4860"/>
+          <a:stretch/>
+        </p:blipFill>
+        <p:spPr>
+          <a:xfrm>
+            <a:off x="10667880" y="274320"/>
+            <a:ext cx="1164960" cy="1260720"/>
+          </a:xfrm>
+          <a:prstGeom prst="rect">
+            <a:avLst/>
+          </a:prstGeom>
+          <a:ln>
+            <a:noFill/>
+          </a:ln>
+        </p:spPr>
+      </p:pic>
+      <p:pic>
+        <p:nvPicPr>
+          <p:cNvPr id="165" name="Picture 5" descr=""/>
           <p:cNvPicPr/>
           <p:nvPr/>
         </p:nvPicPr>
         <p:blipFill>
           <a:blip r:embed="rId2"/>
-          <a:srcRect b="4860"/>
+          <a:srcRect l="0" t="4713" r="0" b="4404"/>
           <a:stretch/>
         </p:blipFill>
         <p:spPr>
           <a:xfrm>
-            <a:off x="10667880" y="274320"/>
-            <a:ext cx="1165320" cy="1261080"/>
+            <a:off x="2485080" y="1905840"/>
+            <a:ext cx="4575960" cy="4317840"/>
           </a:xfrm>
           <a:prstGeom prst="rect">
             <a:avLst/>
@@ -7909,51 +6801,24 @@
           </a:ln>
         </p:spPr>
       </p:pic>
-      <p:pic>
-        <p:nvPicPr>
-          <p:cNvPr id="157" name="Picture 5"/>
-          <p:cNvPicPr/>
-          <p:nvPr/>
-        </p:nvPicPr>
-        <p:blipFill>
-          <a:blip r:embed="rId3"/>
-          <a:srcRect t="4713" b="4404"/>
-          <a:stretch/>
-        </p:blipFill>
-        <p:spPr>
-          <a:xfrm>
-            <a:off x="2485080" y="1905840"/>
-            <a:ext cx="4576320" cy="4318200"/>
-          </a:xfrm>
-          <a:prstGeom prst="rect">
-            <a:avLst/>
-          </a:prstGeom>
-          <a:ln>
-            <a:noFill/>
-          </a:ln>
-        </p:spPr>
-      </p:pic>
     </p:spTree>
   </p:cSld>
-  <p:clrMapOvr>
-    <a:masterClrMapping/>
-  </p:clrMapOvr>
   <p:timing>
     <p:tnLst>
       <p:par>
-        <p:cTn id="1" dur="indefinite" restart="never" nodeType="tmRoot">
+        <p:cTn id="25" dur="indefinite" restart="never" nodeType="tmRoot">
           <p:childTnLst>
             <p:seq>
-              <p:cTn id="2" dur="indefinite" nodeType="mainSeq"/>
+              <p:cTn id="26" dur="indefinite" nodeType="mainSeq"/>
               <p:prevCondLst>
-                <p:cond evt="onPrev" delay="0">
+                <p:cond delay="0" evt="onPrev">
                   <p:tgtEl>
                     <p:sldTgt/>
                   </p:tgtEl>
                 </p:cond>
               </p:prevCondLst>
               <p:nextCondLst>
-                <p:cond evt="onNext" delay="0">
+                <p:cond delay="0" evt="onNext">
                   <p:tgtEl>
                     <p:sldTgt/>
                   </p:tgtEl>
@@ -7969,7 +6834,7 @@
 </file>
 
 <file path=ppt/slides/slide2.xml><?xml version="1.0" encoding="utf-8"?>
-<p:sld xmlns:a="http://schemas.openxmlformats.org/drawingml/2006/main" xmlns:r="http://schemas.openxmlformats.org/officeDocument/2006/relationships" xmlns:p="http://schemas.openxmlformats.org/presentationml/2006/main">
+<p:sld xmlns:a="http://schemas.openxmlformats.org/drawingml/2006/main" xmlns:p="http://schemas.openxmlformats.org/presentationml/2006/main" xmlns:r="http://schemas.openxmlformats.org/officeDocument/2006/relationships" xmlns:p14="http://schemas.microsoft.com/office/powerpoint/2010/main" xmlns:p15="http://schemas.microsoft.com/office/powerpoint/2012/main" xmlns:mc="http://schemas.openxmlformats.org/markup-compatibility/2006">
   <p:cSld>
     <p:spTree>
       <p:nvGrpSpPr>
@@ -7994,7 +6859,7 @@
         <p:spPr>
           <a:xfrm>
             <a:off x="1097280" y="286560"/>
-            <a:ext cx="10057680" cy="1450080"/>
+            <a:ext cx="10057320" cy="1449720"/>
           </a:xfrm>
           <a:prstGeom prst="rect">
             <a:avLst/>
@@ -8005,15 +6870,9 @@
           </a:ln>
         </p:spPr>
         <p:style>
-          <a:lnRef idx="0">
-            <a:scrgbClr r="0" g="0" b="0"/>
-          </a:lnRef>
-          <a:fillRef idx="0">
-            <a:scrgbClr r="0" g="0" b="0"/>
-          </a:fillRef>
-          <a:effectRef idx="0">
-            <a:scrgbClr r="0" g="0" b="0"/>
-          </a:effectRef>
+          <a:lnRef idx="0"/>
+          <a:fillRef idx="0"/>
+          <a:effectRef idx="0"/>
           <a:fontRef idx="minor"/>
         </p:style>
       </p:sp>
@@ -8026,7 +6885,7 @@
         <p:spPr>
           <a:xfrm>
             <a:off x="1097280" y="1845720"/>
-            <a:ext cx="10057680" cy="4022640"/>
+            <a:ext cx="10057320" cy="4022280"/>
           </a:xfrm>
           <a:prstGeom prst="rect">
             <a:avLst/>
@@ -8037,33 +6896,99 @@
           </a:ln>
         </p:spPr>
         <p:style>
-          <a:lnRef idx="0">
-            <a:scrgbClr r="0" g="0" b="0"/>
-          </a:lnRef>
-          <a:fillRef idx="0">
-            <a:scrgbClr r="0" g="0" b="0"/>
-          </a:fillRef>
-          <a:effectRef idx="0">
-            <a:scrgbClr r="0" g="0" b="0"/>
-          </a:effectRef>
+          <a:lnRef idx="0"/>
+          <a:fillRef idx="0"/>
+          <a:effectRef idx="0"/>
           <a:fontRef idx="minor"/>
         </p:style>
       </p:sp>
       <p:pic>
         <p:nvPicPr>
-          <p:cNvPr id="131" name="Picture 3"/>
+          <p:cNvPr id="131" name="Picture 3" descr=""/>
+          <p:cNvPicPr/>
+          <p:nvPr/>
+        </p:nvPicPr>
+        <p:blipFill>
+          <a:blip r:embed="rId1"/>
+          <a:srcRect l="0" t="0" r="0" b="4860"/>
+          <a:stretch/>
+        </p:blipFill>
+        <p:spPr>
+          <a:xfrm>
+            <a:off x="10667880" y="274320"/>
+            <a:ext cx="1164960" cy="1260720"/>
+          </a:xfrm>
+          <a:prstGeom prst="rect">
+            <a:avLst/>
+          </a:prstGeom>
+          <a:ln>
+            <a:noFill/>
+          </a:ln>
+        </p:spPr>
+      </p:pic>
+      <p:sp>
+        <p:nvSpPr>
+          <p:cNvPr id="132" name="CustomShape 3"/>
+          <p:cNvSpPr/>
+          <p:nvPr/>
+        </p:nvSpPr>
+        <p:spPr>
+          <a:xfrm>
+            <a:off x="1097280" y="286560"/>
+            <a:ext cx="10057680" cy="1450080"/>
+          </a:xfrm>
+          <a:prstGeom prst="rect">
+            <a:avLst/>
+          </a:prstGeom>
+          <a:noFill/>
+          <a:ln>
+            <a:noFill/>
+          </a:ln>
+        </p:spPr>
+        <p:style>
+          <a:lnRef idx="0"/>
+          <a:fillRef idx="0"/>
+          <a:effectRef idx="0"/>
+          <a:fontRef idx="minor"/>
+        </p:style>
+        <p:txBody>
+          <a:bodyPr lIns="90000" rIns="90000" tIns="45000" bIns="45000" anchor="b"/>
+          <a:p>
+            <a:pPr>
+              <a:lnSpc>
+                <a:spcPct val="85000"/>
+              </a:lnSpc>
+            </a:pPr>
+            <a:r>
+              <a:rPr b="0" lang="en-US" sz="4800" spc="-46" strike="noStrike">
+                <a:solidFill>
+                  <a:srgbClr val="404040"/>
+                </a:solidFill>
+                <a:latin typeface="Calibri Light"/>
+                <a:ea typeface="DejaVu Sans"/>
+              </a:rPr>
+              <a:t>Global Use Case</a:t>
+            </a:r>
+            <a:endParaRPr b="0" lang="en-US" sz="4800" spc="-1" strike="noStrike">
+              <a:latin typeface="Arial"/>
+            </a:endParaRPr>
+          </a:p>
+        </p:txBody>
+      </p:sp>
+      <p:pic>
+        <p:nvPicPr>
+          <p:cNvPr id="133" name="" descr=""/>
           <p:cNvPicPr/>
           <p:nvPr/>
         </p:nvPicPr>
         <p:blipFill>
           <a:blip r:embed="rId2"/>
-          <a:srcRect b="4860"/>
           <a:stretch/>
         </p:blipFill>
         <p:spPr>
           <a:xfrm>
-            <a:off x="10667880" y="274320"/>
-            <a:ext cx="1165320" cy="1261080"/>
+            <a:off x="1274040" y="1800360"/>
+            <a:ext cx="7595640" cy="4533480"/>
           </a:xfrm>
           <a:prstGeom prst="rect">
             <a:avLst/>
@@ -8075,25 +7000,22 @@
       </p:pic>
     </p:spTree>
   </p:cSld>
-  <p:clrMapOvr>
-    <a:masterClrMapping/>
-  </p:clrMapOvr>
   <p:timing>
     <p:tnLst>
       <p:par>
-        <p:cTn id="1" dur="indefinite" restart="never" nodeType="tmRoot">
+        <p:cTn id="3" dur="indefinite" restart="never" nodeType="tmRoot">
           <p:childTnLst>
             <p:seq>
-              <p:cTn id="2" dur="indefinite" nodeType="mainSeq"/>
+              <p:cTn id="4" dur="indefinite" nodeType="mainSeq"/>
               <p:prevCondLst>
-                <p:cond evt="onPrev" delay="0">
+                <p:cond delay="0" evt="onPrev">
                   <p:tgtEl>
                     <p:sldTgt/>
                   </p:tgtEl>
                 </p:cond>
               </p:prevCondLst>
               <p:nextCondLst>
-                <p:cond evt="onNext" delay="0">
+                <p:cond delay="0" evt="onNext">
                   <p:tgtEl>
                     <p:sldTgt/>
                   </p:tgtEl>
@@ -8109,7 +7031,7 @@
 </file>
 
 <file path=ppt/slides/slide3.xml><?xml version="1.0" encoding="utf-8"?>
-<p:sld xmlns:a="http://schemas.openxmlformats.org/drawingml/2006/main" xmlns:r="http://schemas.openxmlformats.org/officeDocument/2006/relationships" xmlns:p="http://schemas.openxmlformats.org/presentationml/2006/main">
+<p:sld xmlns:a="http://schemas.openxmlformats.org/drawingml/2006/main" xmlns:p="http://schemas.openxmlformats.org/presentationml/2006/main" xmlns:r="http://schemas.openxmlformats.org/officeDocument/2006/relationships" xmlns:p14="http://schemas.microsoft.com/office/powerpoint/2010/main" xmlns:p15="http://schemas.microsoft.com/office/powerpoint/2012/main" xmlns:mc="http://schemas.openxmlformats.org/markup-compatibility/2006">
   <p:cSld>
     <p:spTree>
       <p:nvGrpSpPr>
@@ -8127,14 +7049,14 @@
       </p:grpSpPr>
       <p:sp>
         <p:nvSpPr>
-          <p:cNvPr id="100" name="TextShape 1"/>
-          <p:cNvSpPr txBox="1"/>
+          <p:cNvPr id="134" name="CustomShape 1"/>
+          <p:cNvSpPr/>
           <p:nvPr/>
         </p:nvSpPr>
         <p:spPr>
           <a:xfrm>
             <a:off x="1097280" y="286560"/>
-            <a:ext cx="10058040" cy="1450440"/>
+            <a:ext cx="10057680" cy="1450080"/>
           </a:xfrm>
           <a:prstGeom prst="rect">
             <a:avLst/>
@@ -8144,9 +7066,14 @@
             <a:noFill/>
           </a:ln>
         </p:spPr>
-        <p:txBody>
-          <a:bodyPr anchor="b"/>
-          <a:lstStyle/>
+        <p:style>
+          <a:lnRef idx="0"/>
+          <a:fillRef idx="0"/>
+          <a:effectRef idx="0"/>
+          <a:fontRef idx="minor"/>
+        </p:style>
+        <p:txBody>
+          <a:bodyPr lIns="90000" rIns="90000" tIns="45000" bIns="45000" anchor="b"/>
           <a:p>
             <a:pPr>
               <a:lnSpc>
@@ -8154,37 +7081,31 @@
               </a:lnSpc>
             </a:pPr>
             <a:r>
-              <a:rPr lang="en-US" sz="4800" spc="-49" dirty="0">
+              <a:rPr b="0" lang="en-US" sz="4800" spc="-46" strike="noStrike">
                 <a:solidFill>
                   <a:srgbClr val="404040"/>
                 </a:solidFill>
                 <a:latin typeface="Calibri Light"/>
+                <a:ea typeface="DejaVu Sans"/>
               </a:rPr>
-              <a:t>Luis Lopez – Player </a:t>
+              <a:t>Luis Lopez – Player Character</a:t>
             </a:r>
-            <a:r>
-              <a:rPr lang="en-US" sz="4800" spc="-49" dirty="0" err="1">
-                <a:solidFill>
-                  <a:srgbClr val="404040"/>
-                </a:solidFill>
-                <a:latin typeface="Calibri Light"/>
-              </a:rPr>
-              <a:t>Charachter</a:t>
-            </a:r>
-            <a:endParaRPr lang="en-US" dirty="0" err="1"/>
-          </a:p>
-        </p:txBody>
-      </p:sp>
-      <p:sp>
-        <p:nvSpPr>
-          <p:cNvPr id="101" name="TextShape 2"/>
-          <p:cNvSpPr txBox="1"/>
+            <a:endParaRPr b="0" lang="en-US" sz="4800" spc="-1" strike="noStrike">
+              <a:latin typeface="Arial"/>
+            </a:endParaRPr>
+          </a:p>
+        </p:txBody>
+      </p:sp>
+      <p:sp>
+        <p:nvSpPr>
+          <p:cNvPr id="135" name="CustomShape 2"/>
+          <p:cNvSpPr/>
           <p:nvPr/>
         </p:nvSpPr>
         <p:spPr>
           <a:xfrm>
             <a:off x="1097280" y="1845720"/>
-            <a:ext cx="10058040" cy="4023000"/>
+            <a:ext cx="10057680" cy="4022640"/>
           </a:xfrm>
           <a:prstGeom prst="rect">
             <a:avLst/>
@@ -8194,41 +7115,18 @@
             <a:noFill/>
           </a:ln>
         </p:spPr>
-        <p:txBody>
-          <a:bodyPr lIns="0" rIns="0" anchor="t">
+        <p:style>
+          <a:lnRef idx="0"/>
+          <a:fillRef idx="0"/>
+          <a:effectRef idx="0"/>
+          <a:fontRef idx="minor"/>
+        </p:style>
+        <p:txBody>
+          <a:bodyPr lIns="0" rIns="0" tIns="45000" bIns="45000">
             <a:normAutofit/>
           </a:bodyPr>
-          <a:lstStyle/>
-          <a:p>
-            <a:pPr marL="91440" indent="-90805">
-              <a:lnSpc>
-                <a:spcPct val="90000"/>
-              </a:lnSpc>
-              <a:spcBef>
-                <a:spcPts val="1199"/>
-              </a:spcBef>
-              <a:spcAft>
-                <a:spcPts val="200"/>
-              </a:spcAft>
-              <a:buClr>
-                <a:srgbClr val="E48312"/>
-              </a:buClr>
-              <a:buFont typeface="Arial"/>
-              <a:buChar char="•"/>
-            </a:pPr>
-            <a:r>
-              <a:rPr lang="en-US" sz="2400" spc="-1" dirty="0">
-                <a:solidFill>
-                  <a:srgbClr val="404040"/>
-                </a:solidFill>
-                <a:latin typeface="Calibri"/>
-              </a:rPr>
-              <a:t>Coordinate Rigid body with character movement</a:t>
-            </a:r>
-            <a:endParaRPr lang="en-US" dirty="0"/>
-          </a:p>
-          <a:p>
-            <a:pPr marL="91440" indent="-90805">
+          <a:p>
+            <a:pPr marL="91440" indent="-90360">
               <a:lnSpc>
                 <a:spcPct val="90000"/>
               </a:lnSpc>
@@ -8239,29 +7137,27 @@
                 <a:spcPts val="201"/>
               </a:spcAft>
               <a:buClr>
-                <a:srgbClr val="E48312"/>
+                <a:srgbClr val="e48312"/>
               </a:buClr>
               <a:buFont typeface="Arial"/>
               <a:buChar char="•"/>
             </a:pPr>
             <a:r>
-              <a:rPr lang="en-US" sz="2400" spc="-1" dirty="0">
+              <a:rPr b="0" lang="en-US" sz="2400" spc="-1" strike="noStrike">
                 <a:solidFill>
                   <a:srgbClr val="404040"/>
                 </a:solidFill>
                 <a:latin typeface="Calibri"/>
+                <a:ea typeface="DejaVu Sans"/>
               </a:rPr>
-              <a:t>Create projectile to destroy enemies</a:t>
+              <a:t>Coordinate Rigid body with character movement</a:t>
             </a:r>
-            <a:endParaRPr lang="en-US" sz="2400" b="0" strike="noStrike" spc="-1" dirty="0">
-              <a:solidFill>
-                <a:srgbClr val="404040"/>
-              </a:solidFill>
-              <a:latin typeface="Calibri"/>
-            </a:endParaRPr>
-          </a:p>
-          <a:p>
-            <a:pPr marL="91440" indent="-90805">
+            <a:endParaRPr b="0" lang="en-US" sz="2400" spc="-1" strike="noStrike">
+              <a:latin typeface="Arial"/>
+            </a:endParaRPr>
+          </a:p>
+          <a:p>
+            <a:pPr marL="91440" indent="-90360">
               <a:lnSpc>
                 <a:spcPct val="90000"/>
               </a:lnSpc>
@@ -8272,29 +7168,27 @@
                 <a:spcPts val="201"/>
               </a:spcAft>
               <a:buClr>
-                <a:srgbClr val="E48312"/>
+                <a:srgbClr val="e48312"/>
               </a:buClr>
               <a:buFont typeface="Arial"/>
               <a:buChar char="•"/>
             </a:pPr>
             <a:r>
-              <a:rPr lang="en-US" sz="2400" spc="-1" dirty="0">
+              <a:rPr b="0" lang="en-US" sz="2400" spc="-1" strike="noStrike">
                 <a:solidFill>
                   <a:srgbClr val="404040"/>
                 </a:solidFill>
                 <a:latin typeface="Calibri"/>
+                <a:ea typeface="DejaVu Sans"/>
               </a:rPr>
-              <a:t>Communicate with scorekeeper to keep track of score and health</a:t>
+              <a:t>Create projectile to destroy enemies</a:t>
             </a:r>
-            <a:endParaRPr lang="en-US" sz="2400" b="0" strike="noStrike" spc="-1" dirty="0">
-              <a:solidFill>
-                <a:srgbClr val="404040"/>
-              </a:solidFill>
-              <a:latin typeface="Calibri"/>
-            </a:endParaRPr>
-          </a:p>
-          <a:p>
-            <a:pPr marL="91440" indent="-90805">
+            <a:endParaRPr b="0" lang="en-US" sz="2400" spc="-1" strike="noStrike">
+              <a:latin typeface="Arial"/>
+            </a:endParaRPr>
+          </a:p>
+          <a:p>
+            <a:pPr marL="91440" indent="-90360">
               <a:lnSpc>
                 <a:spcPct val="90000"/>
               </a:lnSpc>
@@ -8302,28 +7196,57 @@
                 <a:spcPts val="1199"/>
               </a:spcBef>
               <a:spcAft>
-                <a:spcPts val="200"/>
+                <a:spcPts val="201"/>
               </a:spcAft>
               <a:buClr>
-                <a:srgbClr val="E48312"/>
+                <a:srgbClr val="e48312"/>
               </a:buClr>
               <a:buFont typeface="Arial"/>
               <a:buChar char="•"/>
             </a:pPr>
             <a:r>
-              <a:rPr lang="en-US" sz="2400" spc="-1" dirty="0">
+              <a:rPr b="0" lang="en-US" sz="2400" spc="-1" strike="noStrike">
                 <a:solidFill>
                   <a:srgbClr val="404040"/>
                 </a:solidFill>
                 <a:latin typeface="Calibri"/>
+                <a:ea typeface="DejaVu Sans"/>
+              </a:rPr>
+              <a:t>Communicate with scorekeeper to keep track of score and health</a:t>
+            </a:r>
+            <a:endParaRPr b="0" lang="en-US" sz="2400" spc="-1" strike="noStrike">
+              <a:latin typeface="Arial"/>
+            </a:endParaRPr>
+          </a:p>
+          <a:p>
+            <a:pPr marL="91440" indent="-90360">
+              <a:lnSpc>
+                <a:spcPct val="90000"/>
+              </a:lnSpc>
+              <a:spcBef>
+                <a:spcPts val="1199"/>
+              </a:spcBef>
+              <a:spcAft>
+                <a:spcPts val="201"/>
+              </a:spcAft>
+              <a:buClr>
+                <a:srgbClr val="e48312"/>
+              </a:buClr>
+              <a:buFont typeface="Arial"/>
+              <a:buChar char="•"/>
+            </a:pPr>
+            <a:r>
+              <a:rPr b="0" lang="en-US" sz="2400" spc="-1" strike="noStrike">
+                <a:solidFill>
+                  <a:srgbClr val="404040"/>
+                </a:solidFill>
+                <a:latin typeface="Calibri"/>
+                <a:ea typeface="DejaVu Sans"/>
               </a:rPr>
               <a:t>Create character motions such as walk, jump , run and shoot</a:t>
             </a:r>
-            <a:endParaRPr lang="en-US" sz="2400" b="0" strike="noStrike" spc="-1" dirty="0">
-              <a:solidFill>
-                <a:srgbClr val="404040"/>
-              </a:solidFill>
-              <a:latin typeface="Calibri"/>
+            <a:endParaRPr b="0" lang="en-US" sz="2400" spc="-1" strike="noStrike">
+              <a:latin typeface="Arial"/>
             </a:endParaRPr>
           </a:p>
           <a:p>
@@ -8338,11 +7261,8 @@
                 <a:spcPts val="201"/>
               </a:spcAft>
             </a:pPr>
-            <a:endParaRPr lang="en-US" sz="2400" b="0" strike="noStrike" spc="-1">
-              <a:solidFill>
-                <a:srgbClr val="404040"/>
-              </a:solidFill>
-              <a:latin typeface="Calibri"/>
+            <a:endParaRPr b="0" lang="en-US" sz="2400" spc="-1" strike="noStrike">
+              <a:latin typeface="Arial"/>
             </a:endParaRPr>
           </a:p>
           <a:p>
@@ -8357,15 +7277,12 @@
                 <a:spcPts val="201"/>
               </a:spcAft>
             </a:pPr>
-            <a:endParaRPr lang="en-US" sz="2400" b="0" strike="noStrike" spc="-1">
-              <a:solidFill>
-                <a:srgbClr val="404040"/>
-              </a:solidFill>
-              <a:latin typeface="Calibri"/>
-            </a:endParaRPr>
-          </a:p>
-          <a:p>
-            <a:pPr marL="91440" indent="-90805">
+            <a:endParaRPr b="0" lang="en-US" sz="2400" spc="-1" strike="noStrike">
+              <a:latin typeface="Arial"/>
+            </a:endParaRPr>
+          </a:p>
+          <a:p>
+            <a:pPr marL="91440" indent="-90360">
               <a:lnSpc>
                 <a:spcPct val="90000"/>
               </a:lnSpc>
@@ -8376,38 +7293,27 @@
                 <a:spcPts val="201"/>
               </a:spcAft>
               <a:buClr>
-                <a:srgbClr val="E48312"/>
+                <a:srgbClr val="e48312"/>
               </a:buClr>
               <a:buFont typeface="Arial"/>
               <a:buChar char="•"/>
             </a:pPr>
             <a:r>
-              <a:rPr lang="en-US" sz="2400" b="0" strike="noStrike" spc="-1" dirty="0">
+              <a:rPr b="0" lang="en-US" sz="2400" spc="-1" strike="noStrike">
                 <a:solidFill>
                   <a:srgbClr val="404040"/>
                 </a:solidFill>
                 <a:latin typeface="Calibri"/>
+                <a:ea typeface="DejaVu Sans"/>
               </a:rPr>
-              <a:t>Priority level: </a:t>
+              <a:t>Priority level: 2</a:t>
             </a:r>
-            <a:r>
-              <a:rPr lang="en-US" sz="2400" spc="-1" dirty="0">
-                <a:solidFill>
-                  <a:srgbClr val="404040"/>
-                </a:solidFill>
-                <a:latin typeface="Calibri"/>
-              </a:rPr>
-              <a:t>2</a:t>
-            </a:r>
-            <a:endParaRPr lang="en-US" sz="2400" b="0" strike="noStrike" spc="-1" dirty="0">
-              <a:solidFill>
-                <a:srgbClr val="404040"/>
-              </a:solidFill>
-              <a:latin typeface="Calibri"/>
-            </a:endParaRPr>
-          </a:p>
-          <a:p>
-            <a:pPr marL="91440" indent="-90805">
+            <a:endParaRPr b="0" lang="en-US" sz="2400" spc="-1" strike="noStrike">
+              <a:latin typeface="Arial"/>
+            </a:endParaRPr>
+          </a:p>
+          <a:p>
+            <a:pPr marL="91440" indent="-90360">
               <a:lnSpc>
                 <a:spcPct val="90000"/>
               </a:lnSpc>
@@ -8418,38 +7324,42 @@
                 <a:spcPts val="201"/>
               </a:spcAft>
               <a:buClr>
-                <a:srgbClr val="E48312"/>
+                <a:srgbClr val="e48312"/>
               </a:buClr>
               <a:buFont typeface="Arial"/>
               <a:buChar char="•"/>
             </a:pPr>
             <a:r>
-              <a:rPr lang="en-US" sz="2400" b="0" strike="noStrike" spc="-1" dirty="0">
+              <a:rPr b="0" lang="en-US" sz="2400" spc="-1" strike="noStrike">
                 <a:solidFill>
                   <a:srgbClr val="404040"/>
                 </a:solidFill>
                 <a:latin typeface="Calibri"/>
+                <a:ea typeface="DejaVu Sans"/>
               </a:rPr>
               <a:t>Complexity: Moderate</a:t>
             </a:r>
+            <a:endParaRPr b="0" lang="en-US" sz="2400" spc="-1" strike="noStrike">
+              <a:latin typeface="Arial"/>
+            </a:endParaRPr>
           </a:p>
         </p:txBody>
       </p:sp>
       <p:pic>
         <p:nvPicPr>
-          <p:cNvPr id="102" name="Picture 3"/>
+          <p:cNvPr id="136" name="Picture 3" descr=""/>
           <p:cNvPicPr/>
           <p:nvPr/>
         </p:nvPicPr>
         <p:blipFill>
-          <a:blip r:embed="rId2"/>
-          <a:srcRect b="4860"/>
+          <a:blip r:embed="rId1"/>
+          <a:srcRect l="0" t="0" r="0" b="4860"/>
           <a:stretch/>
         </p:blipFill>
         <p:spPr>
           <a:xfrm>
             <a:off x="10667880" y="274320"/>
-            <a:ext cx="1165680" cy="1261440"/>
+            <a:ext cx="1165320" cy="1261080"/>
           </a:xfrm>
           <a:prstGeom prst="rect">
             <a:avLst/>
@@ -8460,31 +7370,23 @@
         </p:spPr>
       </p:pic>
     </p:spTree>
-    <p:extLst>
-      <p:ext uri="{BB962C8B-B14F-4D97-AF65-F5344CB8AC3E}">
-        <p14:creationId xmlns:p14="http://schemas.microsoft.com/office/powerpoint/2010/main" val="3064803229"/>
-      </p:ext>
-    </p:extLst>
   </p:cSld>
-  <p:clrMapOvr>
-    <a:masterClrMapping/>
-  </p:clrMapOvr>
   <p:timing>
     <p:tnLst>
       <p:par>
-        <p:cTn id="1" dur="indefinite" restart="never" nodeType="tmRoot">
+        <p:cTn id="5" dur="indefinite" restart="never" nodeType="tmRoot">
           <p:childTnLst>
             <p:seq>
-              <p:cTn id="2" dur="indefinite" nodeType="mainSeq"/>
+              <p:cTn id="6" dur="indefinite" nodeType="mainSeq"/>
               <p:prevCondLst>
-                <p:cond evt="onPrev" delay="0">
+                <p:cond delay="0" evt="onPrev">
                   <p:tgtEl>
                     <p:sldTgt/>
                   </p:tgtEl>
                 </p:cond>
               </p:prevCondLst>
               <p:nextCondLst>
-                <p:cond evt="onNext" delay="0">
+                <p:cond delay="0" evt="onNext">
                   <p:tgtEl>
                     <p:sldTgt/>
                   </p:tgtEl>
@@ -8500,7 +7402,7 @@
 </file>
 
 <file path=ppt/slides/slide4.xml><?xml version="1.0" encoding="utf-8"?>
-<p:sld xmlns:a="http://schemas.openxmlformats.org/drawingml/2006/main" xmlns:r="http://schemas.openxmlformats.org/officeDocument/2006/relationships" xmlns:p="http://schemas.openxmlformats.org/presentationml/2006/main">
+<p:sld xmlns:a="http://schemas.openxmlformats.org/drawingml/2006/main" xmlns:p="http://schemas.openxmlformats.org/presentationml/2006/main" xmlns:r="http://schemas.openxmlformats.org/officeDocument/2006/relationships" xmlns:p14="http://schemas.microsoft.com/office/powerpoint/2010/main" xmlns:p15="http://schemas.microsoft.com/office/powerpoint/2012/main" xmlns:mc="http://schemas.openxmlformats.org/markup-compatibility/2006">
   <p:cSld>
     <p:spTree>
       <p:nvGrpSpPr>
@@ -8518,14 +7420,14 @@
       </p:grpSpPr>
       <p:sp>
         <p:nvSpPr>
-          <p:cNvPr id="103" name="TextShape 1"/>
-          <p:cNvSpPr txBox="1"/>
+          <p:cNvPr id="137" name="CustomShape 1"/>
+          <p:cNvSpPr/>
           <p:nvPr/>
         </p:nvSpPr>
         <p:spPr>
           <a:xfrm>
-            <a:off x="1012613" y="216004"/>
-            <a:ext cx="10058040" cy="829552"/>
+            <a:off x="1012680" y="216000"/>
+            <a:ext cx="10057680" cy="829080"/>
           </a:xfrm>
           <a:prstGeom prst="rect">
             <a:avLst/>
@@ -8535,9 +7437,14 @@
             <a:noFill/>
           </a:ln>
         </p:spPr>
-        <p:txBody>
-          <a:bodyPr anchor="b"/>
-          <a:lstStyle/>
+        <p:style>
+          <a:lnRef idx="0"/>
+          <a:fillRef idx="0"/>
+          <a:effectRef idx="0"/>
+          <a:fontRef idx="minor"/>
+        </p:style>
+        <p:txBody>
+          <a:bodyPr lIns="90000" rIns="90000" tIns="45000" bIns="45000" anchor="b"/>
           <a:p>
             <a:pPr>
               <a:lnSpc>
@@ -8545,47 +7452,59 @@
               </a:lnSpc>
             </a:pPr>
             <a:r>
-              <a:rPr lang="en-US" sz="4800" spc="-49" dirty="0">
+              <a:rPr b="0" lang="en-US" sz="4800" spc="-46" strike="noStrike">
                 <a:solidFill>
                   <a:srgbClr val="404040"/>
                 </a:solidFill>
                 <a:latin typeface="Calibri Light"/>
+                <a:ea typeface="DejaVu Sans"/>
               </a:rPr>
-              <a:t>Player Character</a:t>
+              <a:t>Player Character – Use Case Diagram</a:t>
             </a:r>
-            <a:r>
-              <a:rPr lang="en-US" sz="4800" b="0" strike="noStrike" spc="-49" dirty="0">
-                <a:solidFill>
-                  <a:srgbClr val="404040"/>
-                </a:solidFill>
-                <a:latin typeface="Calibri Light"/>
-              </a:rPr>
-              <a:t> – Use Case Diagram</a:t>
-            </a:r>
-            <a:endParaRPr lang="en-US" sz="4800" b="0" strike="noStrike" spc="-1" dirty="0">
-              <a:solidFill>
-                <a:srgbClr val="000000"/>
-              </a:solidFill>
-              <a:latin typeface="Calibri"/>
+            <a:endParaRPr b="0" lang="en-US" sz="4800" spc="-1" strike="noStrike">
+              <a:latin typeface="Arial"/>
             </a:endParaRPr>
           </a:p>
         </p:txBody>
       </p:sp>
       <p:pic>
         <p:nvPicPr>
-          <p:cNvPr id="105" name="Picture 4"/>
+          <p:cNvPr id="138" name="Picture 4" descr=""/>
+          <p:cNvPicPr/>
+          <p:nvPr/>
+        </p:nvPicPr>
+        <p:blipFill>
+          <a:blip r:embed="rId1"/>
+          <a:srcRect l="0" t="0" r="0" b="4860"/>
+          <a:stretch/>
+        </p:blipFill>
+        <p:spPr>
+          <a:xfrm>
+            <a:off x="10667880" y="274320"/>
+            <a:ext cx="1165320" cy="1261080"/>
+          </a:xfrm>
+          <a:prstGeom prst="rect">
+            <a:avLst/>
+          </a:prstGeom>
+          <a:ln>
+            <a:noFill/>
+          </a:ln>
+        </p:spPr>
+      </p:pic>
+      <p:pic>
+        <p:nvPicPr>
+          <p:cNvPr id="139" name="Picture 2" descr=""/>
           <p:cNvPicPr/>
           <p:nvPr/>
         </p:nvPicPr>
         <p:blipFill>
           <a:blip r:embed="rId2"/>
-          <a:srcRect b="4860"/>
           <a:stretch/>
         </p:blipFill>
         <p:spPr>
           <a:xfrm>
-            <a:off x="10667880" y="274320"/>
-            <a:ext cx="1165680" cy="1261440"/>
+            <a:off x="1593000" y="1172520"/>
+            <a:ext cx="8851680" cy="5062680"/>
           </a:xfrm>
           <a:prstGeom prst="rect">
             <a:avLst/>
@@ -8595,62 +7514,24 @@
           </a:ln>
         </p:spPr>
       </p:pic>
-      <p:pic>
-        <p:nvPicPr>
-          <p:cNvPr id="2" name="Picture 2" descr="A close up of text on a black background&#10;&#10;Description generated with high confidence">
-            <a:extLst>
-              <a:ext uri="{FF2B5EF4-FFF2-40B4-BE49-F238E27FC236}">
-                <a16:creationId xmlns:a16="http://schemas.microsoft.com/office/drawing/2014/main" id="{7C40C36B-7B4F-4FCD-BF58-448A2E97CA09}"/>
-              </a:ext>
-            </a:extLst>
-          </p:cNvPr>
-          <p:cNvPicPr>
-            <a:picLocks noChangeAspect="1"/>
-          </p:cNvPicPr>
-          <p:nvPr/>
-        </p:nvPicPr>
-        <p:blipFill>
-          <a:blip r:embed="rId3"/>
-          <a:stretch>
-            <a:fillRect/>
-          </a:stretch>
-        </p:blipFill>
-        <p:spPr>
-          <a:xfrm>
-            <a:off x="1593100" y="1172681"/>
-            <a:ext cx="8851943" cy="5062970"/>
-          </a:xfrm>
-          <a:prstGeom prst="rect">
-            <a:avLst/>
-          </a:prstGeom>
-        </p:spPr>
-      </p:pic>
     </p:spTree>
-    <p:extLst>
-      <p:ext uri="{BB962C8B-B14F-4D97-AF65-F5344CB8AC3E}">
-        <p14:creationId xmlns:p14="http://schemas.microsoft.com/office/powerpoint/2010/main" val="4130216602"/>
-      </p:ext>
-    </p:extLst>
   </p:cSld>
-  <p:clrMapOvr>
-    <a:masterClrMapping/>
-  </p:clrMapOvr>
   <p:timing>
     <p:tnLst>
       <p:par>
-        <p:cTn id="1" dur="indefinite" restart="never" nodeType="tmRoot">
+        <p:cTn id="7" dur="indefinite" restart="never" nodeType="tmRoot">
           <p:childTnLst>
             <p:seq>
-              <p:cTn id="2" dur="indefinite" nodeType="mainSeq"/>
+              <p:cTn id="8" dur="indefinite" nodeType="mainSeq"/>
               <p:prevCondLst>
-                <p:cond evt="onPrev" delay="0">
+                <p:cond delay="0" evt="onPrev">
                   <p:tgtEl>
                     <p:sldTgt/>
                   </p:tgtEl>
                 </p:cond>
               </p:prevCondLst>
               <p:nextCondLst>
-                <p:cond evt="onNext" delay="0">
+                <p:cond delay="0" evt="onNext">
                   <p:tgtEl>
                     <p:sldTgt/>
                   </p:tgtEl>
@@ -8666,7 +7547,7 @@
 </file>
 
 <file path=ppt/slides/slide5.xml><?xml version="1.0" encoding="utf-8"?>
-<p:sld xmlns:a="http://schemas.openxmlformats.org/drawingml/2006/main" xmlns:r="http://schemas.openxmlformats.org/officeDocument/2006/relationships" xmlns:p="http://schemas.openxmlformats.org/presentationml/2006/main">
+<p:sld xmlns:a="http://schemas.openxmlformats.org/drawingml/2006/main" xmlns:p="http://schemas.openxmlformats.org/presentationml/2006/main" xmlns:r="http://schemas.openxmlformats.org/officeDocument/2006/relationships" xmlns:p14="http://schemas.microsoft.com/office/powerpoint/2010/main" xmlns:p15="http://schemas.microsoft.com/office/powerpoint/2012/main" xmlns:mc="http://schemas.openxmlformats.org/markup-compatibility/2006">
   <p:cSld>
     <p:spTree>
       <p:nvGrpSpPr>
@@ -8684,14 +7565,14 @@
       </p:grpSpPr>
       <p:sp>
         <p:nvSpPr>
-          <p:cNvPr id="132" name="CustomShape 1"/>
+          <p:cNvPr id="140" name="CustomShape 1"/>
           <p:cNvSpPr/>
           <p:nvPr/>
         </p:nvSpPr>
         <p:spPr>
           <a:xfrm>
             <a:off x="1097280" y="286560"/>
-            <a:ext cx="10057680" cy="1450080"/>
+            <a:ext cx="10057320" cy="1449720"/>
           </a:xfrm>
           <a:prstGeom prst="rect">
             <a:avLst/>
@@ -8702,28 +7583,22 @@
           </a:ln>
         </p:spPr>
         <p:style>
-          <a:lnRef idx="0">
-            <a:scrgbClr r="0" g="0" b="0"/>
-          </a:lnRef>
-          <a:fillRef idx="0">
-            <a:scrgbClr r="0" g="0" b="0"/>
-          </a:fillRef>
-          <a:effectRef idx="0">
-            <a:scrgbClr r="0" g="0" b="0"/>
-          </a:effectRef>
+          <a:lnRef idx="0"/>
+          <a:fillRef idx="0"/>
+          <a:effectRef idx="0"/>
           <a:fontRef idx="minor"/>
         </p:style>
       </p:sp>
       <p:sp>
         <p:nvSpPr>
-          <p:cNvPr id="133" name="CustomShape 2"/>
+          <p:cNvPr id="141" name="CustomShape 2"/>
           <p:cNvSpPr/>
           <p:nvPr/>
         </p:nvSpPr>
         <p:spPr>
           <a:xfrm>
             <a:off x="1097280" y="1845720"/>
-            <a:ext cx="10057680" cy="4022640"/>
+            <a:ext cx="10057320" cy="4022280"/>
           </a:xfrm>
           <a:prstGeom prst="rect">
             <a:avLst/>
@@ -8734,33 +7609,27 @@
           </a:ln>
         </p:spPr>
         <p:style>
-          <a:lnRef idx="0">
-            <a:scrgbClr r="0" g="0" b="0"/>
-          </a:lnRef>
-          <a:fillRef idx="0">
-            <a:scrgbClr r="0" g="0" b="0"/>
-          </a:fillRef>
-          <a:effectRef idx="0">
-            <a:scrgbClr r="0" g="0" b="0"/>
-          </a:effectRef>
+          <a:lnRef idx="0"/>
+          <a:fillRef idx="0"/>
+          <a:effectRef idx="0"/>
           <a:fontRef idx="minor"/>
         </p:style>
       </p:sp>
       <p:pic>
         <p:nvPicPr>
-          <p:cNvPr id="134" name="Picture 3"/>
+          <p:cNvPr id="142" name="Picture 3" descr=""/>
           <p:cNvPicPr/>
           <p:nvPr/>
         </p:nvPicPr>
         <p:blipFill>
-          <a:blip r:embed="rId2"/>
-          <a:srcRect b="4860"/>
+          <a:blip r:embed="rId1"/>
+          <a:srcRect l="0" t="0" r="0" b="4860"/>
           <a:stretch/>
         </p:blipFill>
         <p:spPr>
           <a:xfrm>
             <a:off x="10667880" y="274320"/>
-            <a:ext cx="1165320" cy="1261080"/>
+            <a:ext cx="1164960" cy="1260720"/>
           </a:xfrm>
           <a:prstGeom prst="rect">
             <a:avLst/>
@@ -8772,25 +7641,22 @@
       </p:pic>
     </p:spTree>
   </p:cSld>
-  <p:clrMapOvr>
-    <a:masterClrMapping/>
-  </p:clrMapOvr>
   <p:timing>
     <p:tnLst>
       <p:par>
-        <p:cTn id="1" dur="indefinite" restart="never" nodeType="tmRoot">
+        <p:cTn id="9" dur="indefinite" restart="never" nodeType="tmRoot">
           <p:childTnLst>
             <p:seq>
-              <p:cTn id="2" dur="indefinite" nodeType="mainSeq"/>
+              <p:cTn id="10" dur="indefinite" nodeType="mainSeq"/>
               <p:prevCondLst>
-                <p:cond evt="onPrev" delay="0">
+                <p:cond delay="0" evt="onPrev">
                   <p:tgtEl>
                     <p:sldTgt/>
                   </p:tgtEl>
                 </p:cond>
               </p:prevCondLst>
               <p:nextCondLst>
-                <p:cond evt="onNext" delay="0">
+                <p:cond delay="0" evt="onNext">
                   <p:tgtEl>
                     <p:sldTgt/>
                   </p:tgtEl>
@@ -8806,7 +7672,7 @@
 </file>
 
 <file path=ppt/slides/slide6.xml><?xml version="1.0" encoding="utf-8"?>
-<p:sld xmlns:a="http://schemas.openxmlformats.org/drawingml/2006/main" xmlns:r="http://schemas.openxmlformats.org/officeDocument/2006/relationships" xmlns:p="http://schemas.openxmlformats.org/presentationml/2006/main">
+<p:sld xmlns:a="http://schemas.openxmlformats.org/drawingml/2006/main" xmlns:p="http://schemas.openxmlformats.org/presentationml/2006/main" xmlns:r="http://schemas.openxmlformats.org/officeDocument/2006/relationships" xmlns:p14="http://schemas.microsoft.com/office/powerpoint/2010/main" xmlns:p15="http://schemas.microsoft.com/office/powerpoint/2012/main" xmlns:mc="http://schemas.openxmlformats.org/markup-compatibility/2006">
   <p:cSld>
     <p:spTree>
       <p:nvGrpSpPr>
@@ -8824,14 +7690,14 @@
       </p:grpSpPr>
       <p:sp>
         <p:nvSpPr>
-          <p:cNvPr id="135" name="CustomShape 1"/>
+          <p:cNvPr id="143" name="CustomShape 1"/>
           <p:cNvSpPr/>
           <p:nvPr/>
         </p:nvSpPr>
         <p:spPr>
           <a:xfrm>
             <a:off x="1097280" y="286560"/>
-            <a:ext cx="10057680" cy="1450080"/>
+            <a:ext cx="10057320" cy="1449720"/>
           </a:xfrm>
           <a:prstGeom prst="rect">
             <a:avLst/>
@@ -8842,20 +7708,13 @@
           </a:ln>
         </p:spPr>
         <p:style>
-          <a:lnRef idx="0">
-            <a:scrgbClr r="0" g="0" b="0"/>
-          </a:lnRef>
-          <a:fillRef idx="0">
-            <a:scrgbClr r="0" g="0" b="0"/>
-          </a:fillRef>
-          <a:effectRef idx="0">
-            <a:scrgbClr r="0" g="0" b="0"/>
-          </a:effectRef>
+          <a:lnRef idx="0"/>
+          <a:fillRef idx="0"/>
+          <a:effectRef idx="0"/>
           <a:fontRef idx="minor"/>
         </p:style>
         <p:txBody>
-          <a:bodyPr lIns="90000" tIns="45000" rIns="90000" bIns="45000" anchor="b"/>
-          <a:lstStyle/>
+          <a:bodyPr lIns="90000" rIns="90000" tIns="45000" bIns="45000" anchor="b"/>
           <a:p>
             <a:pPr>
               <a:lnSpc>
@@ -8863,7 +7722,7 @@
               </a:lnSpc>
             </a:pPr>
             <a:r>
-              <a:rPr lang="en-US" sz="4800" b="0" strike="noStrike" spc="-46">
+              <a:rPr b="0" lang="en-US" sz="4800" spc="-43" strike="noStrike">
                 <a:solidFill>
                   <a:srgbClr val="404040"/>
                 </a:solidFill>
@@ -8872,22 +7731,22 @@
               </a:rPr>
               <a:t>Josh – Level Design</a:t>
             </a:r>
-            <a:endParaRPr lang="en-US" sz="4800" b="0" strike="noStrike" spc="-1">
-              <a:latin typeface="Arial"/>
-            </a:endParaRPr>
-          </a:p>
-        </p:txBody>
-      </p:sp>
-      <p:sp>
-        <p:nvSpPr>
-          <p:cNvPr id="136" name="CustomShape 2"/>
+            <a:endParaRPr b="0" lang="en-US" sz="4800" spc="-1" strike="noStrike">
+              <a:latin typeface="Arial"/>
+            </a:endParaRPr>
+          </a:p>
+        </p:txBody>
+      </p:sp>
+      <p:sp>
+        <p:nvSpPr>
+          <p:cNvPr id="144" name="CustomShape 2"/>
           <p:cNvSpPr/>
           <p:nvPr/>
         </p:nvSpPr>
         <p:spPr>
           <a:xfrm>
             <a:off x="1097280" y="1845720"/>
-            <a:ext cx="10057680" cy="4022640"/>
+            <a:ext cx="10057320" cy="4022280"/>
           </a:xfrm>
           <a:prstGeom prst="rect">
             <a:avLst/>
@@ -8898,24 +7757,17 @@
           </a:ln>
         </p:spPr>
         <p:style>
-          <a:lnRef idx="0">
-            <a:scrgbClr r="0" g="0" b="0"/>
-          </a:lnRef>
-          <a:fillRef idx="0">
-            <a:scrgbClr r="0" g="0" b="0"/>
-          </a:fillRef>
-          <a:effectRef idx="0">
-            <a:scrgbClr r="0" g="0" b="0"/>
-          </a:effectRef>
+          <a:lnRef idx="0"/>
+          <a:fillRef idx="0"/>
+          <a:effectRef idx="0"/>
           <a:fontRef idx="minor"/>
         </p:style>
         <p:txBody>
-          <a:bodyPr lIns="0" tIns="45000" rIns="0" bIns="45000">
+          <a:bodyPr lIns="0" rIns="0" tIns="45000" bIns="45000">
             <a:normAutofit/>
           </a:bodyPr>
-          <a:lstStyle/>
-          <a:p>
-            <a:pPr marL="91440" indent="-90720">
+          <a:p>
+            <a:pPr marL="91440" indent="-90360">
               <a:lnSpc>
                 <a:spcPct val="90000"/>
               </a:lnSpc>
@@ -8926,13 +7778,13 @@
                 <a:spcPts val="201"/>
               </a:spcAft>
               <a:buClr>
-                <a:srgbClr val="E48312"/>
+                <a:srgbClr val="e48312"/>
               </a:buClr>
               <a:buFont typeface="Arial"/>
               <a:buChar char="•"/>
             </a:pPr>
             <a:r>
-              <a:rPr lang="en-US" sz="2400" b="0" strike="noStrike" spc="-1">
+              <a:rPr b="0" lang="en-US" sz="2400" spc="-1" strike="noStrike">
                 <a:solidFill>
                   <a:srgbClr val="404040"/>
                 </a:solidFill>
@@ -8941,12 +7793,12 @@
               </a:rPr>
               <a:t>Creating graphics of stage and objects</a:t>
             </a:r>
-            <a:endParaRPr lang="en-US" sz="2400" b="0" strike="noStrike" spc="-1">
-              <a:latin typeface="Arial"/>
-            </a:endParaRPr>
-          </a:p>
-          <a:p>
-            <a:pPr marL="91440" indent="-90720">
+            <a:endParaRPr b="0" lang="en-US" sz="2400" spc="-1" strike="noStrike">
+              <a:latin typeface="Arial"/>
+            </a:endParaRPr>
+          </a:p>
+          <a:p>
+            <a:pPr marL="91440" indent="-90360">
               <a:lnSpc>
                 <a:spcPct val="90000"/>
               </a:lnSpc>
@@ -8957,13 +7809,13 @@
                 <a:spcPts val="201"/>
               </a:spcAft>
               <a:buClr>
-                <a:srgbClr val="E48312"/>
+                <a:srgbClr val="e48312"/>
               </a:buClr>
               <a:buFont typeface="Arial"/>
               <a:buChar char="•"/>
             </a:pPr>
             <a:r>
-              <a:rPr lang="en-US" sz="2400" b="0" strike="noStrike" spc="-1">
+              <a:rPr b="0" lang="en-US" sz="2400" spc="-1" strike="noStrike">
                 <a:solidFill>
                   <a:srgbClr val="404040"/>
                 </a:solidFill>
@@ -8972,12 +7824,12 @@
               </a:rPr>
               <a:t>Coordinate with Luis for player character</a:t>
             </a:r>
-            <a:endParaRPr lang="en-US" sz="2400" b="0" strike="noStrike" spc="-1">
-              <a:latin typeface="Arial"/>
-            </a:endParaRPr>
-          </a:p>
-          <a:p>
-            <a:pPr marL="91440" indent="-90720">
+            <a:endParaRPr b="0" lang="en-US" sz="2400" spc="-1" strike="noStrike">
+              <a:latin typeface="Arial"/>
+            </a:endParaRPr>
+          </a:p>
+          <a:p>
+            <a:pPr marL="91440" indent="-90360">
               <a:lnSpc>
                 <a:spcPct val="90000"/>
               </a:lnSpc>
@@ -8988,13 +7840,13 @@
                 <a:spcPts val="201"/>
               </a:spcAft>
               <a:buClr>
-                <a:srgbClr val="E48312"/>
+                <a:srgbClr val="e48312"/>
               </a:buClr>
               <a:buFont typeface="Arial"/>
               <a:buChar char="•"/>
             </a:pPr>
             <a:r>
-              <a:rPr lang="en-US" sz="2400" b="0" strike="noStrike" spc="-1">
+              <a:rPr b="0" lang="en-US" sz="2400" spc="-1" strike="noStrike">
                 <a:solidFill>
                   <a:srgbClr val="404040"/>
                 </a:solidFill>
@@ -9003,12 +7855,12 @@
               </a:rPr>
               <a:t>Coordinate with Ben for enemy spawn</a:t>
             </a:r>
-            <a:endParaRPr lang="en-US" sz="2400" b="0" strike="noStrike" spc="-1">
-              <a:latin typeface="Arial"/>
-            </a:endParaRPr>
-          </a:p>
-          <a:p>
-            <a:pPr marL="91440" indent="-90720">
+            <a:endParaRPr b="0" lang="en-US" sz="2400" spc="-1" strike="noStrike">
+              <a:latin typeface="Arial"/>
+            </a:endParaRPr>
+          </a:p>
+          <a:p>
+            <a:pPr marL="91440" indent="-90360">
               <a:lnSpc>
                 <a:spcPct val="90000"/>
               </a:lnSpc>
@@ -9019,13 +7871,13 @@
                 <a:spcPts val="201"/>
               </a:spcAft>
               <a:buClr>
-                <a:srgbClr val="E48312"/>
+                <a:srgbClr val="e48312"/>
               </a:buClr>
               <a:buFont typeface="Arial"/>
               <a:buChar char="•"/>
             </a:pPr>
             <a:r>
-              <a:rPr lang="en-US" sz="2400" b="0" strike="noStrike" spc="-1">
+              <a:rPr b="0" lang="en-US" sz="2400" spc="-1" strike="noStrike">
                 <a:solidFill>
                   <a:srgbClr val="404040"/>
                 </a:solidFill>
@@ -9034,7 +7886,7 @@
               </a:rPr>
               <a:t>Ensuring all objects interact as intended</a:t>
             </a:r>
-            <a:endParaRPr lang="en-US" sz="2400" b="0" strike="noStrike" spc="-1">
+            <a:endParaRPr b="0" lang="en-US" sz="2400" spc="-1" strike="noStrike">
               <a:latin typeface="Arial"/>
             </a:endParaRPr>
           </a:p>
@@ -9050,7 +7902,7 @@
                 <a:spcPts val="201"/>
               </a:spcAft>
             </a:pPr>
-            <a:endParaRPr lang="en-US" sz="2400" b="0" strike="noStrike" spc="-1">
+            <a:endParaRPr b="0" lang="en-US" sz="2400" spc="-1" strike="noStrike">
               <a:latin typeface="Arial"/>
             </a:endParaRPr>
           </a:p>
@@ -9066,12 +7918,12 @@
                 <a:spcPts val="201"/>
               </a:spcAft>
             </a:pPr>
-            <a:endParaRPr lang="en-US" sz="2400" b="0" strike="noStrike" spc="-1">
-              <a:latin typeface="Arial"/>
-            </a:endParaRPr>
-          </a:p>
-          <a:p>
-            <a:pPr marL="91440" indent="-90720">
+            <a:endParaRPr b="0" lang="en-US" sz="2400" spc="-1" strike="noStrike">
+              <a:latin typeface="Arial"/>
+            </a:endParaRPr>
+          </a:p>
+          <a:p>
+            <a:pPr marL="91440" indent="-90360">
               <a:lnSpc>
                 <a:spcPct val="90000"/>
               </a:lnSpc>
@@ -9082,13 +7934,13 @@
                 <a:spcPts val="201"/>
               </a:spcAft>
               <a:buClr>
-                <a:srgbClr val="E48312"/>
+                <a:srgbClr val="e48312"/>
               </a:buClr>
               <a:buFont typeface="Arial"/>
               <a:buChar char="•"/>
             </a:pPr>
             <a:r>
-              <a:rPr lang="en-US" sz="2400" b="0" strike="noStrike" spc="-1">
+              <a:rPr b="0" lang="en-US" sz="2400" spc="-1" strike="noStrike">
                 <a:solidFill>
                   <a:srgbClr val="404040"/>
                 </a:solidFill>
@@ -9097,12 +7949,12 @@
               </a:rPr>
               <a:t>Priority level: 1 </a:t>
             </a:r>
-            <a:endParaRPr lang="en-US" sz="2400" b="0" strike="noStrike" spc="-1">
-              <a:latin typeface="Arial"/>
-            </a:endParaRPr>
-          </a:p>
-          <a:p>
-            <a:pPr marL="91440" indent="-90720">
+            <a:endParaRPr b="0" lang="en-US" sz="2400" spc="-1" strike="noStrike">
+              <a:latin typeface="Arial"/>
+            </a:endParaRPr>
+          </a:p>
+          <a:p>
+            <a:pPr marL="91440" indent="-90360">
               <a:lnSpc>
                 <a:spcPct val="90000"/>
               </a:lnSpc>
@@ -9113,13 +7965,13 @@
                 <a:spcPts val="201"/>
               </a:spcAft>
               <a:buClr>
-                <a:srgbClr val="E48312"/>
+                <a:srgbClr val="e48312"/>
               </a:buClr>
               <a:buFont typeface="Arial"/>
               <a:buChar char="•"/>
             </a:pPr>
             <a:r>
-              <a:rPr lang="en-US" sz="2400" b="0" strike="noStrike" spc="-1">
+              <a:rPr b="0" lang="en-US" sz="2400" spc="-1" strike="noStrike">
                 <a:solidFill>
                   <a:srgbClr val="404040"/>
                 </a:solidFill>
@@ -9128,7 +7980,7 @@
               </a:rPr>
               <a:t>Complexity: Moderate</a:t>
             </a:r>
-            <a:endParaRPr lang="en-US" sz="2400" b="0" strike="noStrike" spc="-1">
+            <a:endParaRPr b="0" lang="en-US" sz="2400" spc="-1" strike="noStrike">
               <a:latin typeface="Arial"/>
             </a:endParaRPr>
           </a:p>
@@ -9136,19 +7988,19 @@
       </p:sp>
       <p:pic>
         <p:nvPicPr>
-          <p:cNvPr id="137" name="Picture 3"/>
+          <p:cNvPr id="145" name="Picture 3" descr=""/>
           <p:cNvPicPr/>
           <p:nvPr/>
         </p:nvPicPr>
         <p:blipFill>
-          <a:blip r:embed="rId2"/>
-          <a:srcRect b="4860"/>
+          <a:blip r:embed="rId1"/>
+          <a:srcRect l="0" t="0" r="0" b="4860"/>
           <a:stretch/>
         </p:blipFill>
         <p:spPr>
           <a:xfrm>
             <a:off x="10667880" y="274320"/>
-            <a:ext cx="1165320" cy="1261080"/>
+            <a:ext cx="1164960" cy="1260720"/>
           </a:xfrm>
           <a:prstGeom prst="rect">
             <a:avLst/>
@@ -9160,25 +8012,22 @@
       </p:pic>
     </p:spTree>
   </p:cSld>
-  <p:clrMapOvr>
-    <a:masterClrMapping/>
-  </p:clrMapOvr>
   <p:timing>
     <p:tnLst>
       <p:par>
-        <p:cTn id="1" dur="indefinite" restart="never" nodeType="tmRoot">
+        <p:cTn id="11" dur="indefinite" restart="never" nodeType="tmRoot">
           <p:childTnLst>
             <p:seq>
-              <p:cTn id="2" dur="indefinite" nodeType="mainSeq"/>
+              <p:cTn id="12" dur="indefinite" nodeType="mainSeq"/>
               <p:prevCondLst>
-                <p:cond evt="onPrev" delay="0">
+                <p:cond delay="0" evt="onPrev">
                   <p:tgtEl>
                     <p:sldTgt/>
                   </p:tgtEl>
                 </p:cond>
               </p:prevCondLst>
               <p:nextCondLst>
-                <p:cond evt="onNext" delay="0">
+                <p:cond delay="0" evt="onNext">
                   <p:tgtEl>
                     <p:sldTgt/>
                   </p:tgtEl>
@@ -9194,7 +8043,7 @@
 </file>
 
 <file path=ppt/slides/slide7.xml><?xml version="1.0" encoding="utf-8"?>
-<p:sld xmlns:a="http://schemas.openxmlformats.org/drawingml/2006/main" xmlns:r="http://schemas.openxmlformats.org/officeDocument/2006/relationships" xmlns:p="http://schemas.openxmlformats.org/presentationml/2006/main">
+<p:sld xmlns:a="http://schemas.openxmlformats.org/drawingml/2006/main" xmlns:p="http://schemas.openxmlformats.org/presentationml/2006/main" xmlns:r="http://schemas.openxmlformats.org/officeDocument/2006/relationships" xmlns:p14="http://schemas.microsoft.com/office/powerpoint/2010/main" xmlns:p15="http://schemas.microsoft.com/office/powerpoint/2012/main" xmlns:mc="http://schemas.openxmlformats.org/markup-compatibility/2006">
   <p:cSld>
     <p:spTree>
       <p:nvGrpSpPr>
@@ -9212,14 +8061,14 @@
       </p:grpSpPr>
       <p:sp>
         <p:nvSpPr>
-          <p:cNvPr id="138" name="CustomShape 1"/>
+          <p:cNvPr id="146" name="CustomShape 1"/>
           <p:cNvSpPr/>
           <p:nvPr/>
         </p:nvSpPr>
         <p:spPr>
           <a:xfrm>
             <a:off x="1097280" y="286560"/>
-            <a:ext cx="10057680" cy="1450080"/>
+            <a:ext cx="10057320" cy="1449720"/>
           </a:xfrm>
           <a:prstGeom prst="rect">
             <a:avLst/>
@@ -9230,20 +8079,13 @@
           </a:ln>
         </p:spPr>
         <p:style>
-          <a:lnRef idx="0">
-            <a:scrgbClr r="0" g="0" b="0"/>
-          </a:lnRef>
-          <a:fillRef idx="0">
-            <a:scrgbClr r="0" g="0" b="0"/>
-          </a:fillRef>
-          <a:effectRef idx="0">
-            <a:scrgbClr r="0" g="0" b="0"/>
-          </a:effectRef>
+          <a:lnRef idx="0"/>
+          <a:fillRef idx="0"/>
+          <a:effectRef idx="0"/>
           <a:fontRef idx="minor"/>
         </p:style>
         <p:txBody>
-          <a:bodyPr lIns="90000" tIns="45000" rIns="90000" bIns="45000" anchor="b"/>
-          <a:lstStyle/>
+          <a:bodyPr lIns="90000" rIns="90000" tIns="45000" bIns="45000" anchor="b"/>
           <a:p>
             <a:pPr>
               <a:lnSpc>
@@ -9251,7 +8093,7 @@
               </a:lnSpc>
             </a:pPr>
             <a:r>
-              <a:rPr lang="en-US" sz="4800" b="0" strike="noStrike" spc="-46">
+              <a:rPr b="0" lang="en-US" sz="4800" spc="-43" strike="noStrike">
                 <a:solidFill>
                   <a:srgbClr val="404040"/>
                 </a:solidFill>
@@ -9260,7 +8102,7 @@
               </a:rPr>
               <a:t>Level Design – Use Case Diagram</a:t>
             </a:r>
-            <a:endParaRPr lang="en-US" sz="4800" b="0" strike="noStrike" spc="-1">
+            <a:endParaRPr b="0" lang="en-US" sz="4800" spc="-1" strike="noStrike">
               <a:latin typeface="Arial"/>
             </a:endParaRPr>
           </a:p>
@@ -9268,18 +8110,42 @@
       </p:sp>
       <p:pic>
         <p:nvPicPr>
-          <p:cNvPr id="139" name="Content Placeholder 3"/>
+          <p:cNvPr id="147" name="Content Placeholder 3" descr=""/>
+          <p:cNvPicPr/>
+          <p:nvPr/>
+        </p:nvPicPr>
+        <p:blipFill>
+          <a:blip r:embed="rId1"/>
+          <a:stretch/>
+        </p:blipFill>
+        <p:spPr>
+          <a:xfrm>
+            <a:off x="2045520" y="1830240"/>
+            <a:ext cx="7728840" cy="4497480"/>
+          </a:xfrm>
+          <a:prstGeom prst="rect">
+            <a:avLst/>
+          </a:prstGeom>
+          <a:ln>
+            <a:noFill/>
+          </a:ln>
+        </p:spPr>
+      </p:pic>
+      <p:pic>
+        <p:nvPicPr>
+          <p:cNvPr id="148" name="Picture 4" descr=""/>
           <p:cNvPicPr/>
           <p:nvPr/>
         </p:nvPicPr>
         <p:blipFill>
           <a:blip r:embed="rId2"/>
+          <a:srcRect l="0" t="0" r="0" b="4860"/>
           <a:stretch/>
         </p:blipFill>
         <p:spPr>
           <a:xfrm>
-            <a:off x="2045520" y="1830240"/>
-            <a:ext cx="7729200" cy="4497840"/>
+            <a:off x="10667880" y="274320"/>
+            <a:ext cx="1164960" cy="1260720"/>
           </a:xfrm>
           <a:prstGeom prst="rect">
             <a:avLst/>
@@ -9289,51 +8155,24 @@
           </a:ln>
         </p:spPr>
       </p:pic>
-      <p:pic>
-        <p:nvPicPr>
-          <p:cNvPr id="140" name="Picture 4"/>
-          <p:cNvPicPr/>
-          <p:nvPr/>
-        </p:nvPicPr>
-        <p:blipFill>
-          <a:blip r:embed="rId3"/>
-          <a:srcRect b="4860"/>
-          <a:stretch/>
-        </p:blipFill>
-        <p:spPr>
-          <a:xfrm>
-            <a:off x="10667880" y="274320"/>
-            <a:ext cx="1165320" cy="1261080"/>
-          </a:xfrm>
-          <a:prstGeom prst="rect">
-            <a:avLst/>
-          </a:prstGeom>
-          <a:ln>
-            <a:noFill/>
-          </a:ln>
-        </p:spPr>
-      </p:pic>
     </p:spTree>
   </p:cSld>
-  <p:clrMapOvr>
-    <a:masterClrMapping/>
-  </p:clrMapOvr>
   <p:timing>
     <p:tnLst>
       <p:par>
-        <p:cTn id="1" dur="indefinite" restart="never" nodeType="tmRoot">
+        <p:cTn id="13" dur="indefinite" restart="never" nodeType="tmRoot">
           <p:childTnLst>
             <p:seq>
-              <p:cTn id="2" dur="indefinite" nodeType="mainSeq"/>
+              <p:cTn id="14" dur="indefinite" nodeType="mainSeq"/>
               <p:prevCondLst>
-                <p:cond evt="onPrev" delay="0">
+                <p:cond delay="0" evt="onPrev">
                   <p:tgtEl>
                     <p:sldTgt/>
                   </p:tgtEl>
                 </p:cond>
               </p:prevCondLst>
               <p:nextCondLst>
-                <p:cond evt="onNext" delay="0">
+                <p:cond delay="0" evt="onNext">
                   <p:tgtEl>
                     <p:sldTgt/>
                   </p:tgtEl>
@@ -9349,7 +8188,7 @@
 </file>
 
 <file path=ppt/slides/slide8.xml><?xml version="1.0" encoding="utf-8"?>
-<p:sld xmlns:a="http://schemas.openxmlformats.org/drawingml/2006/main" xmlns:r="http://schemas.openxmlformats.org/officeDocument/2006/relationships" xmlns:p="http://schemas.openxmlformats.org/presentationml/2006/main">
+<p:sld xmlns:a="http://schemas.openxmlformats.org/drawingml/2006/main" xmlns:p="http://schemas.openxmlformats.org/presentationml/2006/main" xmlns:r="http://schemas.openxmlformats.org/officeDocument/2006/relationships" xmlns:p14="http://schemas.microsoft.com/office/powerpoint/2010/main" xmlns:p15="http://schemas.microsoft.com/office/powerpoint/2012/main" xmlns:mc="http://schemas.openxmlformats.org/markup-compatibility/2006">
   <p:cSld>
     <p:spTree>
       <p:nvGrpSpPr>
@@ -9367,14 +8206,14 @@
       </p:grpSpPr>
       <p:sp>
         <p:nvSpPr>
-          <p:cNvPr id="141" name="CustomShape 1"/>
+          <p:cNvPr id="149" name="CustomShape 1"/>
           <p:cNvSpPr/>
           <p:nvPr/>
         </p:nvSpPr>
         <p:spPr>
           <a:xfrm>
             <a:off x="1097280" y="286560"/>
-            <a:ext cx="10057680" cy="1450080"/>
+            <a:ext cx="10057320" cy="1449720"/>
           </a:xfrm>
           <a:prstGeom prst="rect">
             <a:avLst/>
@@ -9385,33 +8224,27 @@
           </a:ln>
         </p:spPr>
         <p:style>
-          <a:lnRef idx="0">
-            <a:scrgbClr r="0" g="0" b="0"/>
-          </a:lnRef>
-          <a:fillRef idx="0">
-            <a:scrgbClr r="0" g="0" b="0"/>
-          </a:fillRef>
-          <a:effectRef idx="0">
-            <a:scrgbClr r="0" g="0" b="0"/>
-          </a:effectRef>
+          <a:lnRef idx="0"/>
+          <a:fillRef idx="0"/>
+          <a:effectRef idx="0"/>
           <a:fontRef idx="minor"/>
         </p:style>
       </p:sp>
       <p:pic>
         <p:nvPicPr>
-          <p:cNvPr id="142" name="Picture 4"/>
+          <p:cNvPr id="150" name="Picture 4" descr=""/>
           <p:cNvPicPr/>
           <p:nvPr/>
         </p:nvPicPr>
         <p:blipFill>
-          <a:blip r:embed="rId2"/>
-          <a:srcRect b="4860"/>
+          <a:blip r:embed="rId1"/>
+          <a:srcRect l="0" t="0" r="0" b="4860"/>
           <a:stretch/>
         </p:blipFill>
         <p:spPr>
           <a:xfrm>
             <a:off x="10667880" y="274320"/>
-            <a:ext cx="1165320" cy="1261080"/>
+            <a:ext cx="1164960" cy="1260720"/>
           </a:xfrm>
           <a:prstGeom prst="rect">
             <a:avLst/>
@@ -9423,25 +8256,22 @@
       </p:pic>
     </p:spTree>
   </p:cSld>
-  <p:clrMapOvr>
-    <a:masterClrMapping/>
-  </p:clrMapOvr>
   <p:timing>
     <p:tnLst>
       <p:par>
-        <p:cTn id="1" dur="indefinite" restart="never" nodeType="tmRoot">
+        <p:cTn id="15" dur="indefinite" restart="never" nodeType="tmRoot">
           <p:childTnLst>
             <p:seq>
-              <p:cTn id="2" dur="indefinite" nodeType="mainSeq"/>
+              <p:cTn id="16" dur="indefinite" nodeType="mainSeq"/>
               <p:prevCondLst>
-                <p:cond evt="onPrev" delay="0">
+                <p:cond delay="0" evt="onPrev">
                   <p:tgtEl>
                     <p:sldTgt/>
                   </p:tgtEl>
                 </p:cond>
               </p:prevCondLst>
               <p:nextCondLst>
-                <p:cond evt="onNext" delay="0">
+                <p:cond delay="0" evt="onNext">
                   <p:tgtEl>
                     <p:sldTgt/>
                   </p:tgtEl>
@@ -9457,7 +8287,7 @@
 </file>
 
 <file path=ppt/slides/slide9.xml><?xml version="1.0" encoding="utf-8"?>
-<p:sld xmlns:a="http://schemas.openxmlformats.org/drawingml/2006/main" xmlns:r="http://schemas.openxmlformats.org/officeDocument/2006/relationships" xmlns:p="http://schemas.openxmlformats.org/presentationml/2006/main">
+<p:sld xmlns:a="http://schemas.openxmlformats.org/drawingml/2006/main" xmlns:p="http://schemas.openxmlformats.org/presentationml/2006/main" xmlns:r="http://schemas.openxmlformats.org/officeDocument/2006/relationships" xmlns:p14="http://schemas.microsoft.com/office/powerpoint/2010/main" xmlns:p15="http://schemas.microsoft.com/office/powerpoint/2012/main" xmlns:mc="http://schemas.openxmlformats.org/markup-compatibility/2006">
   <p:cSld>
     <p:spTree>
       <p:nvGrpSpPr>
@@ -9475,14 +8305,14 @@
       </p:grpSpPr>
       <p:sp>
         <p:nvSpPr>
-          <p:cNvPr id="143" name="CustomShape 1"/>
+          <p:cNvPr id="151" name="CustomShape 1"/>
           <p:cNvSpPr/>
           <p:nvPr/>
         </p:nvSpPr>
         <p:spPr>
           <a:xfrm>
             <a:off x="1097280" y="286560"/>
-            <a:ext cx="10057680" cy="1450080"/>
+            <a:ext cx="10057320" cy="1449720"/>
           </a:xfrm>
           <a:prstGeom prst="rect">
             <a:avLst/>
@@ -9493,33 +8323,27 @@
           </a:ln>
         </p:spPr>
         <p:style>
-          <a:lnRef idx="0">
-            <a:scrgbClr r="0" g="0" b="0"/>
-          </a:lnRef>
-          <a:fillRef idx="0">
-            <a:scrgbClr r="0" g="0" b="0"/>
-          </a:fillRef>
-          <a:effectRef idx="0">
-            <a:scrgbClr r="0" g="0" b="0"/>
-          </a:effectRef>
+          <a:lnRef idx="0"/>
+          <a:fillRef idx="0"/>
+          <a:effectRef idx="0"/>
           <a:fontRef idx="minor"/>
         </p:style>
       </p:sp>
       <p:pic>
         <p:nvPicPr>
-          <p:cNvPr id="144" name="Picture 4"/>
+          <p:cNvPr id="152" name="Picture 4" descr=""/>
           <p:cNvPicPr/>
           <p:nvPr/>
         </p:nvPicPr>
         <p:blipFill>
-          <a:blip r:embed="rId2"/>
-          <a:srcRect b="4860"/>
+          <a:blip r:embed="rId1"/>
+          <a:srcRect l="0" t="0" r="0" b="4860"/>
           <a:stretch/>
         </p:blipFill>
         <p:spPr>
           <a:xfrm>
             <a:off x="10667880" y="274320"/>
-            <a:ext cx="1165320" cy="1261080"/>
+            <a:ext cx="1164960" cy="1260720"/>
           </a:xfrm>
           <a:prstGeom prst="rect">
             <a:avLst/>
@@ -9531,25 +8355,22 @@
       </p:pic>
     </p:spTree>
   </p:cSld>
-  <p:clrMapOvr>
-    <a:masterClrMapping/>
-  </p:clrMapOvr>
   <p:timing>
     <p:tnLst>
       <p:par>
-        <p:cTn id="1" dur="indefinite" restart="never" nodeType="tmRoot">
+        <p:cTn id="17" dur="indefinite" restart="never" nodeType="tmRoot">
           <p:childTnLst>
             <p:seq>
-              <p:cTn id="2" dur="indefinite" nodeType="mainSeq"/>
+              <p:cTn id="18" dur="indefinite" nodeType="mainSeq"/>
               <p:prevCondLst>
-                <p:cond evt="onPrev" delay="0">
+                <p:cond delay="0" evt="onPrev">
                   <p:tgtEl>
                     <p:sldTgt/>
                   </p:tgtEl>
                 </p:cond>
               </p:prevCondLst>
               <p:nextCondLst>
-                <p:cond evt="onNext" delay="0">
+                <p:cond delay="0" evt="onNext">
                   <p:tgtEl>
                     <p:sldTgt/>
                   </p:tgtEl>
@@ -9575,31 +8396,31 @@
         <a:sysClr val="window" lastClr="FFFFFF"/>
       </a:lt1>
       <a:dk2>
-        <a:srgbClr val="1F497D"/>
+        <a:srgbClr val="1f497d"/>
       </a:dk2>
       <a:lt2>
-        <a:srgbClr val="EEECE1"/>
+        <a:srgbClr val="eeece1"/>
       </a:lt2>
       <a:accent1>
-        <a:srgbClr val="4F81BD"/>
+        <a:srgbClr val="4f81bd"/>
       </a:accent1>
       <a:accent2>
-        <a:srgbClr val="C0504D"/>
+        <a:srgbClr val="c0504d"/>
       </a:accent2>
       <a:accent3>
-        <a:srgbClr val="9BBB59"/>
+        <a:srgbClr val="9bbb59"/>
       </a:accent3>
       <a:accent4>
-        <a:srgbClr val="8064A2"/>
+        <a:srgbClr val="8064a2"/>
       </a:accent4>
       <a:accent5>
-        <a:srgbClr val="4BACC6"/>
+        <a:srgbClr val="4bacc6"/>
       </a:accent5>
       <a:accent6>
-        <a:srgbClr val="F79646"/>
+        <a:srgbClr val="f79646"/>
       </a:accent6>
       <a:hlink>
-        <a:srgbClr val="0000FF"/>
+        <a:srgbClr val="0000ff"/>
       </a:hlink>
       <a:folHlink>
         <a:srgbClr val="800080"/>
@@ -9784,8 +8605,6 @@
       </a:bgFillStyleLst>
     </a:fmtScheme>
   </a:themeElements>
-  <a:objectDefaults/>
-  <a:extraClrSchemeLst/>
 </a:theme>
 </file>
 
@@ -9800,31 +8619,31 @@
         <a:sysClr val="window" lastClr="FFFFFF"/>
       </a:lt1>
       <a:dk2>
-        <a:srgbClr val="1F497D"/>
+        <a:srgbClr val="1f497d"/>
       </a:dk2>
       <a:lt2>
-        <a:srgbClr val="EEECE1"/>
+        <a:srgbClr val="eeece1"/>
       </a:lt2>
       <a:accent1>
-        <a:srgbClr val="4F81BD"/>
+        <a:srgbClr val="4f81bd"/>
       </a:accent1>
       <a:accent2>
-        <a:srgbClr val="C0504D"/>
+        <a:srgbClr val="c0504d"/>
       </a:accent2>
       <a:accent3>
-        <a:srgbClr val="9BBB59"/>
+        <a:srgbClr val="9bbb59"/>
       </a:accent3>
       <a:accent4>
-        <a:srgbClr val="8064A2"/>
+        <a:srgbClr val="8064a2"/>
       </a:accent4>
       <a:accent5>
-        <a:srgbClr val="4BACC6"/>
+        <a:srgbClr val="4bacc6"/>
       </a:accent5>
       <a:accent6>
-        <a:srgbClr val="F79646"/>
+        <a:srgbClr val="f79646"/>
       </a:accent6>
       <a:hlink>
-        <a:srgbClr val="0000FF"/>
+        <a:srgbClr val="0000ff"/>
       </a:hlink>
       <a:folHlink>
         <a:srgbClr val="800080"/>
@@ -10009,8 +8828,6 @@
       </a:bgFillStyleLst>
     </a:fmtScheme>
   </a:themeElements>
-  <a:objectDefaults/>
-  <a:extraClrSchemeLst/>
 </a:theme>
 </file>
 
@@ -10025,31 +8842,31 @@
         <a:sysClr val="window" lastClr="FFFFFF"/>
       </a:lt1>
       <a:dk2>
-        <a:srgbClr val="1F497D"/>
+        <a:srgbClr val="1f497d"/>
       </a:dk2>
       <a:lt2>
-        <a:srgbClr val="EEECE1"/>
+        <a:srgbClr val="eeece1"/>
       </a:lt2>
       <a:accent1>
-        <a:srgbClr val="4F81BD"/>
+        <a:srgbClr val="4f81bd"/>
       </a:accent1>
       <a:accent2>
-        <a:srgbClr val="C0504D"/>
+        <a:srgbClr val="c0504d"/>
       </a:accent2>
       <a:accent3>
-        <a:srgbClr val="9BBB59"/>
+        <a:srgbClr val="9bbb59"/>
       </a:accent3>
       <a:accent4>
-        <a:srgbClr val="8064A2"/>
+        <a:srgbClr val="8064a2"/>
       </a:accent4>
       <a:accent5>
-        <a:srgbClr val="4BACC6"/>
+        <a:srgbClr val="4bacc6"/>
       </a:accent5>
       <a:accent6>
-        <a:srgbClr val="F79646"/>
+        <a:srgbClr val="f79646"/>
       </a:accent6>
       <a:hlink>
-        <a:srgbClr val="0000FF"/>
+        <a:srgbClr val="0000ff"/>
       </a:hlink>
       <a:folHlink>
         <a:srgbClr val="800080"/>
@@ -10234,7 +9051,5 @@
       </a:bgFillStyleLst>
     </a:fmtScheme>
   </a:themeElements>
-  <a:objectDefaults/>
-  <a:extraClrSchemeLst/>
 </a:theme>
 </file>
--- a/docs/Debugger.pptx
+++ b/docs/Debugger.pptx
@@ -1,33 +1,127 @@
 
 <file path=ppt/presentation.xml><?xml version="1.0" encoding="utf-8"?>
-<p:presentation xmlns:a="http://schemas.openxmlformats.org/drawingml/2006/main" xmlns:p="http://schemas.openxmlformats.org/presentationml/2006/main" xmlns:r="http://schemas.openxmlformats.org/officeDocument/2006/relationships" xmlns:p14="http://schemas.microsoft.com/office/powerpoint/2010/main" xmlns:p15="http://schemas.microsoft.com/office/powerpoint/2012/main" xmlns:mc="http://schemas.openxmlformats.org/markup-compatibility/2006">
+<p:presentation xmlns:a="http://schemas.openxmlformats.org/drawingml/2006/main" xmlns:r="http://schemas.openxmlformats.org/officeDocument/2006/relationships" xmlns:p="http://schemas.openxmlformats.org/presentationml/2006/main">
   <p:sldMasterIdLst>
-    <p:sldMasterId id="2147483648" r:id="rId2"/>
-    <p:sldMasterId id="2147483661" r:id="rId3"/>
-    <p:sldMasterId id="2147483674" r:id="rId4"/>
+    <p:sldMasterId id="2147483648" r:id="rId1"/>
+    <p:sldMasterId id="2147483661" r:id="rId2"/>
+    <p:sldMasterId id="2147483674" r:id="rId3"/>
   </p:sldMasterIdLst>
   <p:sldIdLst>
-    <p:sldId id="256" r:id="rId5"/>
-    <p:sldId id="257" r:id="rId6"/>
-    <p:sldId id="258" r:id="rId7"/>
-    <p:sldId id="259" r:id="rId8"/>
-    <p:sldId id="260" r:id="rId9"/>
-    <p:sldId id="261" r:id="rId10"/>
-    <p:sldId id="262" r:id="rId11"/>
-    <p:sldId id="263" r:id="rId12"/>
-    <p:sldId id="264" r:id="rId13"/>
-    <p:sldId id="265" r:id="rId14"/>
-    <p:sldId id="266" r:id="rId15"/>
-    <p:sldId id="267" r:id="rId16"/>
-    <p:sldId id="268" r:id="rId17"/>
+    <p:sldId id="256" r:id="rId4"/>
+    <p:sldId id="257" r:id="rId5"/>
+    <p:sldId id="258" r:id="rId6"/>
+    <p:sldId id="259" r:id="rId7"/>
+    <p:sldId id="261" r:id="rId8"/>
+    <p:sldId id="262" r:id="rId9"/>
+    <p:sldId id="265" r:id="rId10"/>
+    <p:sldId id="266" r:id="rId11"/>
+    <p:sldId id="267" r:id="rId12"/>
+    <p:sldId id="268" r:id="rId13"/>
+    <p:sldId id="271" r:id="rId14"/>
+    <p:sldId id="272" r:id="rId15"/>
   </p:sldIdLst>
   <p:sldSz cx="12192000" cy="6858000"/>
   <p:notesSz cx="7772400" cy="10058400"/>
+  <p:defaultTextStyle>
+    <a:defPPr>
+      <a:defRPr lang="en-US"/>
+    </a:defPPr>
+    <a:lvl1pPr marL="0" algn="l" defTabSz="914400" rtl="0" eaLnBrk="1" latinLnBrk="0" hangingPunct="1">
+      <a:defRPr sz="1800" kern="1200">
+        <a:solidFill>
+          <a:schemeClr val="tx1"/>
+        </a:solidFill>
+        <a:latin typeface="+mn-lt"/>
+        <a:ea typeface="+mn-ea"/>
+        <a:cs typeface="+mn-cs"/>
+      </a:defRPr>
+    </a:lvl1pPr>
+    <a:lvl2pPr marL="457200" algn="l" defTabSz="914400" rtl="0" eaLnBrk="1" latinLnBrk="0" hangingPunct="1">
+      <a:defRPr sz="1800" kern="1200">
+        <a:solidFill>
+          <a:schemeClr val="tx1"/>
+        </a:solidFill>
+        <a:latin typeface="+mn-lt"/>
+        <a:ea typeface="+mn-ea"/>
+        <a:cs typeface="+mn-cs"/>
+      </a:defRPr>
+    </a:lvl2pPr>
+    <a:lvl3pPr marL="914400" algn="l" defTabSz="914400" rtl="0" eaLnBrk="1" latinLnBrk="0" hangingPunct="1">
+      <a:defRPr sz="1800" kern="1200">
+        <a:solidFill>
+          <a:schemeClr val="tx1"/>
+        </a:solidFill>
+        <a:latin typeface="+mn-lt"/>
+        <a:ea typeface="+mn-ea"/>
+        <a:cs typeface="+mn-cs"/>
+      </a:defRPr>
+    </a:lvl3pPr>
+    <a:lvl4pPr marL="1371600" algn="l" defTabSz="914400" rtl="0" eaLnBrk="1" latinLnBrk="0" hangingPunct="1">
+      <a:defRPr sz="1800" kern="1200">
+        <a:solidFill>
+          <a:schemeClr val="tx1"/>
+        </a:solidFill>
+        <a:latin typeface="+mn-lt"/>
+        <a:ea typeface="+mn-ea"/>
+        <a:cs typeface="+mn-cs"/>
+      </a:defRPr>
+    </a:lvl4pPr>
+    <a:lvl5pPr marL="1828800" algn="l" defTabSz="914400" rtl="0" eaLnBrk="1" latinLnBrk="0" hangingPunct="1">
+      <a:defRPr sz="1800" kern="1200">
+        <a:solidFill>
+          <a:schemeClr val="tx1"/>
+        </a:solidFill>
+        <a:latin typeface="+mn-lt"/>
+        <a:ea typeface="+mn-ea"/>
+        <a:cs typeface="+mn-cs"/>
+      </a:defRPr>
+    </a:lvl5pPr>
+    <a:lvl6pPr marL="2286000" algn="l" defTabSz="914400" rtl="0" eaLnBrk="1" latinLnBrk="0" hangingPunct="1">
+      <a:defRPr sz="1800" kern="1200">
+        <a:solidFill>
+          <a:schemeClr val="tx1"/>
+        </a:solidFill>
+        <a:latin typeface="+mn-lt"/>
+        <a:ea typeface="+mn-ea"/>
+        <a:cs typeface="+mn-cs"/>
+      </a:defRPr>
+    </a:lvl6pPr>
+    <a:lvl7pPr marL="2743200" algn="l" defTabSz="914400" rtl="0" eaLnBrk="1" latinLnBrk="0" hangingPunct="1">
+      <a:defRPr sz="1800" kern="1200">
+        <a:solidFill>
+          <a:schemeClr val="tx1"/>
+        </a:solidFill>
+        <a:latin typeface="+mn-lt"/>
+        <a:ea typeface="+mn-ea"/>
+        <a:cs typeface="+mn-cs"/>
+      </a:defRPr>
+    </a:lvl7pPr>
+    <a:lvl8pPr marL="3200400" algn="l" defTabSz="914400" rtl="0" eaLnBrk="1" latinLnBrk="0" hangingPunct="1">
+      <a:defRPr sz="1800" kern="1200">
+        <a:solidFill>
+          <a:schemeClr val="tx1"/>
+        </a:solidFill>
+        <a:latin typeface="+mn-lt"/>
+        <a:ea typeface="+mn-ea"/>
+        <a:cs typeface="+mn-cs"/>
+      </a:defRPr>
+    </a:lvl8pPr>
+    <a:lvl9pPr marL="3657600" algn="l" defTabSz="914400" rtl="0" eaLnBrk="1" latinLnBrk="0" hangingPunct="1">
+      <a:defRPr sz="1800" kern="1200">
+        <a:solidFill>
+          <a:schemeClr val="tx1"/>
+        </a:solidFill>
+        <a:latin typeface="+mn-lt"/>
+        <a:ea typeface="+mn-ea"/>
+        <a:cs typeface="+mn-cs"/>
+      </a:defRPr>
+    </a:lvl9pPr>
+  </p:defaultTextStyle>
 </p:presentation>
 </file>
 
 <file path=ppt/slideLayouts/slideLayout1.xml><?xml version="1.0" encoding="utf-8"?>
-<p:sldLayout xmlns:a="http://schemas.openxmlformats.org/drawingml/2006/main" xmlns:p="http://schemas.openxmlformats.org/presentationml/2006/main" xmlns:r="http://schemas.openxmlformats.org/officeDocument/2006/relationships" xmlns:p14="http://schemas.microsoft.com/office/powerpoint/2010/main" xmlns:p15="http://schemas.microsoft.com/office/powerpoint/2012/main" xmlns:mc="http://schemas.openxmlformats.org/markup-compatibility/2006" type="blank" preserve="1">
+<p:sldLayout xmlns:a="http://schemas.openxmlformats.org/drawingml/2006/main" xmlns:r="http://schemas.openxmlformats.org/officeDocument/2006/relationships" xmlns:p="http://schemas.openxmlformats.org/presentationml/2006/main" type="blank" preserve="1">
   <p:cSld name="Blank Slide">
     <p:spTree>
       <p:nvGrpSpPr>
@@ -45,11 +139,14 @@
       </p:grpSpPr>
     </p:spTree>
   </p:cSld>
+  <p:clrMapOvr>
+    <a:masterClrMapping/>
+  </p:clrMapOvr>
 </p:sldLayout>
 </file>
 
 <file path=ppt/slideLayouts/slideLayout10.xml><?xml version="1.0" encoding="utf-8"?>
-<p:sldLayout xmlns:a="http://schemas.openxmlformats.org/drawingml/2006/main" xmlns:p="http://schemas.openxmlformats.org/presentationml/2006/main" xmlns:r="http://schemas.openxmlformats.org/officeDocument/2006/relationships" xmlns:p14="http://schemas.microsoft.com/office/powerpoint/2010/main" xmlns:p15="http://schemas.microsoft.com/office/powerpoint/2012/main" xmlns:mc="http://schemas.openxmlformats.org/markup-compatibility/2006" type="objOverTx" preserve="1">
+<p:sldLayout xmlns:a="http://schemas.openxmlformats.org/drawingml/2006/main" xmlns:r="http://schemas.openxmlformats.org/officeDocument/2006/relationships" xmlns:p="http://schemas.openxmlformats.org/presentationml/2006/main" type="objOverTx" preserve="1">
   <p:cSld name="Title, Content over Content">
     <p:spTree>
       <p:nvGrpSpPr>
@@ -85,9 +182,10 @@
           </a:prstGeom>
         </p:spPr>
         <p:txBody>
-          <a:bodyPr lIns="0" rIns="0" tIns="0" bIns="0" anchor="ctr"/>
-          <a:p>
-            <a:endParaRPr b="0" lang="en-US" sz="1800" spc="-1" strike="noStrike">
+          <a:bodyPr lIns="0" tIns="0" rIns="0" bIns="0" anchor="ctr"/>
+          <a:lstStyle/>
+          <a:p>
+            <a:endParaRPr lang="en-US" sz="1800" b="0" strike="noStrike" spc="-1">
               <a:solidFill>
                 <a:srgbClr val="000000"/>
               </a:solidFill>
@@ -116,11 +214,12 @@
           </a:prstGeom>
         </p:spPr>
         <p:txBody>
-          <a:bodyPr lIns="0" rIns="0" tIns="0" bIns="0">
+          <a:bodyPr lIns="0" tIns="0" rIns="0" bIns="0">
             <a:normAutofit/>
           </a:bodyPr>
-          <a:p>
-            <a:endParaRPr b="0" lang="en-US" sz="2800" spc="-1" strike="noStrike">
+          <a:lstStyle/>
+          <a:p>
+            <a:endParaRPr lang="en-US" sz="2800" b="0" strike="noStrike" spc="-1">
               <a:solidFill>
                 <a:srgbClr val="000000"/>
               </a:solidFill>
@@ -149,11 +248,12 @@
           </a:prstGeom>
         </p:spPr>
         <p:txBody>
-          <a:bodyPr lIns="0" rIns="0" tIns="0" bIns="0">
+          <a:bodyPr lIns="0" tIns="0" rIns="0" bIns="0">
             <a:normAutofit/>
           </a:bodyPr>
-          <a:p>
-            <a:endParaRPr b="0" lang="en-US" sz="2800" spc="-1" strike="noStrike">
+          <a:lstStyle/>
+          <a:p>
+            <a:endParaRPr lang="en-US" sz="2800" b="0" strike="noStrike" spc="-1">
               <a:solidFill>
                 <a:srgbClr val="000000"/>
               </a:solidFill>
@@ -164,11 +264,14 @@
       </p:sp>
     </p:spTree>
   </p:cSld>
+  <p:clrMapOvr>
+    <a:masterClrMapping/>
+  </p:clrMapOvr>
 </p:sldLayout>
 </file>
 
 <file path=ppt/slideLayouts/slideLayout11.xml><?xml version="1.0" encoding="utf-8"?>
-<p:sldLayout xmlns:a="http://schemas.openxmlformats.org/drawingml/2006/main" xmlns:p="http://schemas.openxmlformats.org/presentationml/2006/main" xmlns:r="http://schemas.openxmlformats.org/officeDocument/2006/relationships" xmlns:p14="http://schemas.microsoft.com/office/powerpoint/2010/main" xmlns:p15="http://schemas.microsoft.com/office/powerpoint/2012/main" xmlns:mc="http://schemas.openxmlformats.org/markup-compatibility/2006" type="fourObj" preserve="1">
+<p:sldLayout xmlns:a="http://schemas.openxmlformats.org/drawingml/2006/main" xmlns:r="http://schemas.openxmlformats.org/officeDocument/2006/relationships" xmlns:p="http://schemas.openxmlformats.org/presentationml/2006/main" type="fourObj" preserve="1">
   <p:cSld name="Title, 4 Content">
     <p:spTree>
       <p:nvGrpSpPr>
@@ -204,9 +307,10 @@
           </a:prstGeom>
         </p:spPr>
         <p:txBody>
-          <a:bodyPr lIns="0" rIns="0" tIns="0" bIns="0" anchor="ctr"/>
-          <a:p>
-            <a:endParaRPr b="0" lang="en-US" sz="1800" spc="-1" strike="noStrike">
+          <a:bodyPr lIns="0" tIns="0" rIns="0" bIns="0" anchor="ctr"/>
+          <a:lstStyle/>
+          <a:p>
+            <a:endParaRPr lang="en-US" sz="1800" b="0" strike="noStrike" spc="-1">
               <a:solidFill>
                 <a:srgbClr val="000000"/>
               </a:solidFill>
@@ -235,11 +339,12 @@
           </a:prstGeom>
         </p:spPr>
         <p:txBody>
-          <a:bodyPr lIns="0" rIns="0" tIns="0" bIns="0">
+          <a:bodyPr lIns="0" tIns="0" rIns="0" bIns="0">
             <a:normAutofit/>
           </a:bodyPr>
-          <a:p>
-            <a:endParaRPr b="0" lang="en-US" sz="2800" spc="-1" strike="noStrike">
+          <a:lstStyle/>
+          <a:p>
+            <a:endParaRPr lang="en-US" sz="2800" b="0" strike="noStrike" spc="-1">
               <a:solidFill>
                 <a:srgbClr val="000000"/>
               </a:solidFill>
@@ -268,11 +373,12 @@
           </a:prstGeom>
         </p:spPr>
         <p:txBody>
-          <a:bodyPr lIns="0" rIns="0" tIns="0" bIns="0">
+          <a:bodyPr lIns="0" tIns="0" rIns="0" bIns="0">
             <a:normAutofit/>
           </a:bodyPr>
-          <a:p>
-            <a:endParaRPr b="0" lang="en-US" sz="2800" spc="-1" strike="noStrike">
+          <a:lstStyle/>
+          <a:p>
+            <a:endParaRPr lang="en-US" sz="2800" b="0" strike="noStrike" spc="-1">
               <a:solidFill>
                 <a:srgbClr val="000000"/>
               </a:solidFill>
@@ -301,11 +407,12 @@
           </a:prstGeom>
         </p:spPr>
         <p:txBody>
-          <a:bodyPr lIns="0" rIns="0" tIns="0" bIns="0">
+          <a:bodyPr lIns="0" tIns="0" rIns="0" bIns="0">
             <a:normAutofit/>
           </a:bodyPr>
-          <a:p>
-            <a:endParaRPr b="0" lang="en-US" sz="2800" spc="-1" strike="noStrike">
+          <a:lstStyle/>
+          <a:p>
+            <a:endParaRPr lang="en-US" sz="2800" b="0" strike="noStrike" spc="-1">
               <a:solidFill>
                 <a:srgbClr val="000000"/>
               </a:solidFill>
@@ -334,11 +441,12 @@
           </a:prstGeom>
         </p:spPr>
         <p:txBody>
-          <a:bodyPr lIns="0" rIns="0" tIns="0" bIns="0">
+          <a:bodyPr lIns="0" tIns="0" rIns="0" bIns="0">
             <a:normAutofit/>
           </a:bodyPr>
-          <a:p>
-            <a:endParaRPr b="0" lang="en-US" sz="2800" spc="-1" strike="noStrike">
+          <a:lstStyle/>
+          <a:p>
+            <a:endParaRPr lang="en-US" sz="2800" b="0" strike="noStrike" spc="-1">
               <a:solidFill>
                 <a:srgbClr val="000000"/>
               </a:solidFill>
@@ -349,11 +457,14 @@
       </p:sp>
     </p:spTree>
   </p:cSld>
+  <p:clrMapOvr>
+    <a:masterClrMapping/>
+  </p:clrMapOvr>
 </p:sldLayout>
 </file>
 
 <file path=ppt/slideLayouts/slideLayout12.xml><?xml version="1.0" encoding="utf-8"?>
-<p:sldLayout xmlns:a="http://schemas.openxmlformats.org/drawingml/2006/main" xmlns:p="http://schemas.openxmlformats.org/presentationml/2006/main" xmlns:r="http://schemas.openxmlformats.org/officeDocument/2006/relationships" xmlns:p14="http://schemas.microsoft.com/office/powerpoint/2010/main" xmlns:p15="http://schemas.microsoft.com/office/powerpoint/2012/main" xmlns:mc="http://schemas.openxmlformats.org/markup-compatibility/2006" type="blank" preserve="1">
+<p:sldLayout xmlns:a="http://schemas.openxmlformats.org/drawingml/2006/main" xmlns:r="http://schemas.openxmlformats.org/officeDocument/2006/relationships" xmlns:p="http://schemas.openxmlformats.org/presentationml/2006/main" type="blank" preserve="1">
   <p:cSld name="Title, 6 Content">
     <p:spTree>
       <p:nvGrpSpPr>
@@ -389,9 +500,10 @@
           </a:prstGeom>
         </p:spPr>
         <p:txBody>
-          <a:bodyPr lIns="0" rIns="0" tIns="0" bIns="0" anchor="ctr"/>
-          <a:p>
-            <a:endParaRPr b="0" lang="en-US" sz="1800" spc="-1" strike="noStrike">
+          <a:bodyPr lIns="0" tIns="0" rIns="0" bIns="0" anchor="ctr"/>
+          <a:lstStyle/>
+          <a:p>
+            <a:endParaRPr lang="en-US" sz="1800" b="0" strike="noStrike" spc="-1">
               <a:solidFill>
                 <a:srgbClr val="000000"/>
               </a:solidFill>
@@ -420,11 +532,12 @@
           </a:prstGeom>
         </p:spPr>
         <p:txBody>
-          <a:bodyPr lIns="0" rIns="0" tIns="0" bIns="0">
+          <a:bodyPr lIns="0" tIns="0" rIns="0" bIns="0">
             <a:normAutofit/>
           </a:bodyPr>
-          <a:p>
-            <a:endParaRPr b="0" lang="en-US" sz="2800" spc="-1" strike="noStrike">
+          <a:lstStyle/>
+          <a:p>
+            <a:endParaRPr lang="en-US" sz="2800" b="0" strike="noStrike" spc="-1">
               <a:solidFill>
                 <a:srgbClr val="000000"/>
               </a:solidFill>
@@ -453,11 +566,12 @@
           </a:prstGeom>
         </p:spPr>
         <p:txBody>
-          <a:bodyPr lIns="0" rIns="0" tIns="0" bIns="0">
+          <a:bodyPr lIns="0" tIns="0" rIns="0" bIns="0">
             <a:normAutofit/>
           </a:bodyPr>
-          <a:p>
-            <a:endParaRPr b="0" lang="en-US" sz="2800" spc="-1" strike="noStrike">
+          <a:lstStyle/>
+          <a:p>
+            <a:endParaRPr lang="en-US" sz="2800" b="0" strike="noStrike" spc="-1">
               <a:solidFill>
                 <a:srgbClr val="000000"/>
               </a:solidFill>
@@ -486,11 +600,12 @@
           </a:prstGeom>
         </p:spPr>
         <p:txBody>
-          <a:bodyPr lIns="0" rIns="0" tIns="0" bIns="0">
+          <a:bodyPr lIns="0" tIns="0" rIns="0" bIns="0">
             <a:normAutofit/>
           </a:bodyPr>
-          <a:p>
-            <a:endParaRPr b="0" lang="en-US" sz="2800" spc="-1" strike="noStrike">
+          <a:lstStyle/>
+          <a:p>
+            <a:endParaRPr lang="en-US" sz="2800" b="0" strike="noStrike" spc="-1">
               <a:solidFill>
                 <a:srgbClr val="000000"/>
               </a:solidFill>
@@ -519,11 +634,12 @@
           </a:prstGeom>
         </p:spPr>
         <p:txBody>
-          <a:bodyPr lIns="0" rIns="0" tIns="0" bIns="0">
+          <a:bodyPr lIns="0" tIns="0" rIns="0" bIns="0">
             <a:normAutofit/>
           </a:bodyPr>
-          <a:p>
-            <a:endParaRPr b="0" lang="en-US" sz="2800" spc="-1" strike="noStrike">
+          <a:lstStyle/>
+          <a:p>
+            <a:endParaRPr lang="en-US" sz="2800" b="0" strike="noStrike" spc="-1">
               <a:solidFill>
                 <a:srgbClr val="000000"/>
               </a:solidFill>
@@ -552,11 +668,12 @@
           </a:prstGeom>
         </p:spPr>
         <p:txBody>
-          <a:bodyPr lIns="0" rIns="0" tIns="0" bIns="0">
+          <a:bodyPr lIns="0" tIns="0" rIns="0" bIns="0">
             <a:normAutofit/>
           </a:bodyPr>
-          <a:p>
-            <a:endParaRPr b="0" lang="en-US" sz="2800" spc="-1" strike="noStrike">
+          <a:lstStyle/>
+          <a:p>
+            <a:endParaRPr lang="en-US" sz="2800" b="0" strike="noStrike" spc="-1">
               <a:solidFill>
                 <a:srgbClr val="000000"/>
               </a:solidFill>
@@ -585,11 +702,12 @@
           </a:prstGeom>
         </p:spPr>
         <p:txBody>
-          <a:bodyPr lIns="0" rIns="0" tIns="0" bIns="0">
+          <a:bodyPr lIns="0" tIns="0" rIns="0" bIns="0">
             <a:normAutofit/>
           </a:bodyPr>
-          <a:p>
-            <a:endParaRPr b="0" lang="en-US" sz="2800" spc="-1" strike="noStrike">
+          <a:lstStyle/>
+          <a:p>
+            <a:endParaRPr lang="en-US" sz="2800" b="0" strike="noStrike" spc="-1">
               <a:solidFill>
                 <a:srgbClr val="000000"/>
               </a:solidFill>
@@ -600,11 +718,14 @@
       </p:sp>
     </p:spTree>
   </p:cSld>
+  <p:clrMapOvr>
+    <a:masterClrMapping/>
+  </p:clrMapOvr>
 </p:sldLayout>
 </file>
 
 <file path=ppt/slideLayouts/slideLayout13.xml><?xml version="1.0" encoding="utf-8"?>
-<p:sldLayout xmlns:a="http://schemas.openxmlformats.org/drawingml/2006/main" xmlns:p="http://schemas.openxmlformats.org/presentationml/2006/main" xmlns:r="http://schemas.openxmlformats.org/officeDocument/2006/relationships" xmlns:p14="http://schemas.microsoft.com/office/powerpoint/2010/main" xmlns:p15="http://schemas.microsoft.com/office/powerpoint/2012/main" xmlns:mc="http://schemas.openxmlformats.org/markup-compatibility/2006" type="blank" preserve="1">
+<p:sldLayout xmlns:a="http://schemas.openxmlformats.org/drawingml/2006/main" xmlns:r="http://schemas.openxmlformats.org/officeDocument/2006/relationships" xmlns:p="http://schemas.openxmlformats.org/presentationml/2006/main" type="blank" preserve="1">
   <p:cSld name="Blank Slide">
     <p:spTree>
       <p:nvGrpSpPr>
@@ -622,11 +743,14 @@
       </p:grpSpPr>
     </p:spTree>
   </p:cSld>
+  <p:clrMapOvr>
+    <a:masterClrMapping/>
+  </p:clrMapOvr>
 </p:sldLayout>
 </file>
 
 <file path=ppt/slideLayouts/slideLayout14.xml><?xml version="1.0" encoding="utf-8"?>
-<p:sldLayout xmlns:a="http://schemas.openxmlformats.org/drawingml/2006/main" xmlns:p="http://schemas.openxmlformats.org/presentationml/2006/main" xmlns:r="http://schemas.openxmlformats.org/officeDocument/2006/relationships" xmlns:p14="http://schemas.microsoft.com/office/powerpoint/2010/main" xmlns:p15="http://schemas.microsoft.com/office/powerpoint/2012/main" xmlns:mc="http://schemas.openxmlformats.org/markup-compatibility/2006" type="tx" preserve="1">
+<p:sldLayout xmlns:a="http://schemas.openxmlformats.org/drawingml/2006/main" xmlns:r="http://schemas.openxmlformats.org/officeDocument/2006/relationships" xmlns:p="http://schemas.openxmlformats.org/presentationml/2006/main" type="tx" preserve="1">
   <p:cSld name="Title Slide">
     <p:spTree>
       <p:nvGrpSpPr>
@@ -662,9 +786,10 @@
           </a:prstGeom>
         </p:spPr>
         <p:txBody>
-          <a:bodyPr lIns="0" rIns="0" tIns="0" bIns="0" anchor="ctr"/>
-          <a:p>
-            <a:endParaRPr b="0" lang="en-US" sz="1800" spc="-1" strike="noStrike">
+          <a:bodyPr lIns="0" tIns="0" rIns="0" bIns="0" anchor="ctr"/>
+          <a:lstStyle/>
+          <a:p>
+            <a:endParaRPr lang="en-US" sz="1800" b="0" strike="noStrike" spc="-1">
               <a:solidFill>
                 <a:srgbClr val="000000"/>
               </a:solidFill>
@@ -693,10 +818,11 @@
           </a:prstGeom>
         </p:spPr>
         <p:txBody>
-          <a:bodyPr lIns="0" rIns="0" tIns="0" bIns="0" anchor="ctr"/>
+          <a:bodyPr lIns="0" tIns="0" rIns="0" bIns="0" anchor="ctr"/>
+          <a:lstStyle/>
           <a:p>
             <a:pPr algn="ctr"/>
-            <a:endParaRPr b="0" lang="en-US" sz="3200" spc="-1" strike="noStrike">
+            <a:endParaRPr lang="en-US" sz="3200" b="0" strike="noStrike" spc="-1">
               <a:latin typeface="Arial"/>
             </a:endParaRPr>
           </a:p>
@@ -704,11 +830,14 @@
       </p:sp>
     </p:spTree>
   </p:cSld>
+  <p:clrMapOvr>
+    <a:masterClrMapping/>
+  </p:clrMapOvr>
 </p:sldLayout>
 </file>
 
 <file path=ppt/slideLayouts/slideLayout15.xml><?xml version="1.0" encoding="utf-8"?>
-<p:sldLayout xmlns:a="http://schemas.openxmlformats.org/drawingml/2006/main" xmlns:p="http://schemas.openxmlformats.org/presentationml/2006/main" xmlns:r="http://schemas.openxmlformats.org/officeDocument/2006/relationships" xmlns:p14="http://schemas.microsoft.com/office/powerpoint/2010/main" xmlns:p15="http://schemas.microsoft.com/office/powerpoint/2012/main" xmlns:mc="http://schemas.openxmlformats.org/markup-compatibility/2006" type="obj" preserve="1">
+<p:sldLayout xmlns:a="http://schemas.openxmlformats.org/drawingml/2006/main" xmlns:r="http://schemas.openxmlformats.org/officeDocument/2006/relationships" xmlns:p="http://schemas.openxmlformats.org/presentationml/2006/main" type="obj" preserve="1">
   <p:cSld name="Title, Content">
     <p:spTree>
       <p:nvGrpSpPr>
@@ -744,9 +873,10 @@
           </a:prstGeom>
         </p:spPr>
         <p:txBody>
-          <a:bodyPr lIns="0" rIns="0" tIns="0" bIns="0" anchor="ctr"/>
-          <a:p>
-            <a:endParaRPr b="0" lang="en-US" sz="1800" spc="-1" strike="noStrike">
+          <a:bodyPr lIns="0" tIns="0" rIns="0" bIns="0" anchor="ctr"/>
+          <a:lstStyle/>
+          <a:p>
+            <a:endParaRPr lang="en-US" sz="1800" b="0" strike="noStrike" spc="-1">
               <a:solidFill>
                 <a:srgbClr val="000000"/>
               </a:solidFill>
@@ -775,11 +905,12 @@
           </a:prstGeom>
         </p:spPr>
         <p:txBody>
-          <a:bodyPr lIns="0" rIns="0" tIns="0" bIns="0">
+          <a:bodyPr lIns="0" tIns="0" rIns="0" bIns="0">
             <a:normAutofit/>
           </a:bodyPr>
-          <a:p>
-            <a:endParaRPr b="0" lang="en-US" sz="2800" spc="-1" strike="noStrike">
+          <a:lstStyle/>
+          <a:p>
+            <a:endParaRPr lang="en-US" sz="2800" b="0" strike="noStrike" spc="-1">
               <a:solidFill>
                 <a:srgbClr val="000000"/>
               </a:solidFill>
@@ -790,11 +921,14 @@
       </p:sp>
     </p:spTree>
   </p:cSld>
+  <p:clrMapOvr>
+    <a:masterClrMapping/>
+  </p:clrMapOvr>
 </p:sldLayout>
 </file>
 
 <file path=ppt/slideLayouts/slideLayout16.xml><?xml version="1.0" encoding="utf-8"?>
-<p:sldLayout xmlns:a="http://schemas.openxmlformats.org/drawingml/2006/main" xmlns:p="http://schemas.openxmlformats.org/presentationml/2006/main" xmlns:r="http://schemas.openxmlformats.org/officeDocument/2006/relationships" xmlns:p14="http://schemas.microsoft.com/office/powerpoint/2010/main" xmlns:p15="http://schemas.microsoft.com/office/powerpoint/2012/main" xmlns:mc="http://schemas.openxmlformats.org/markup-compatibility/2006" type="twoObj" preserve="1">
+<p:sldLayout xmlns:a="http://schemas.openxmlformats.org/drawingml/2006/main" xmlns:r="http://schemas.openxmlformats.org/officeDocument/2006/relationships" xmlns:p="http://schemas.openxmlformats.org/presentationml/2006/main" type="twoObj" preserve="1">
   <p:cSld name="Title, 2 Content">
     <p:spTree>
       <p:nvGrpSpPr>
@@ -830,9 +964,10 @@
           </a:prstGeom>
         </p:spPr>
         <p:txBody>
-          <a:bodyPr lIns="0" rIns="0" tIns="0" bIns="0" anchor="ctr"/>
-          <a:p>
-            <a:endParaRPr b="0" lang="en-US" sz="1800" spc="-1" strike="noStrike">
+          <a:bodyPr lIns="0" tIns="0" rIns="0" bIns="0" anchor="ctr"/>
+          <a:lstStyle/>
+          <a:p>
+            <a:endParaRPr lang="en-US" sz="1800" b="0" strike="noStrike" spc="-1">
               <a:solidFill>
                 <a:srgbClr val="000000"/>
               </a:solidFill>
@@ -861,11 +996,12 @@
           </a:prstGeom>
         </p:spPr>
         <p:txBody>
-          <a:bodyPr lIns="0" rIns="0" tIns="0" bIns="0">
+          <a:bodyPr lIns="0" tIns="0" rIns="0" bIns="0">
             <a:normAutofit/>
           </a:bodyPr>
-          <a:p>
-            <a:endParaRPr b="0" lang="en-US" sz="2800" spc="-1" strike="noStrike">
+          <a:lstStyle/>
+          <a:p>
+            <a:endParaRPr lang="en-US" sz="2800" b="0" strike="noStrike" spc="-1">
               <a:solidFill>
                 <a:srgbClr val="000000"/>
               </a:solidFill>
@@ -894,11 +1030,12 @@
           </a:prstGeom>
         </p:spPr>
         <p:txBody>
-          <a:bodyPr lIns="0" rIns="0" tIns="0" bIns="0">
+          <a:bodyPr lIns="0" tIns="0" rIns="0" bIns="0">
             <a:normAutofit/>
           </a:bodyPr>
-          <a:p>
-            <a:endParaRPr b="0" lang="en-US" sz="2800" spc="-1" strike="noStrike">
+          <a:lstStyle/>
+          <a:p>
+            <a:endParaRPr lang="en-US" sz="2800" b="0" strike="noStrike" spc="-1">
               <a:solidFill>
                 <a:srgbClr val="000000"/>
               </a:solidFill>
@@ -909,11 +1046,14 @@
       </p:sp>
     </p:spTree>
   </p:cSld>
+  <p:clrMapOvr>
+    <a:masterClrMapping/>
+  </p:clrMapOvr>
 </p:sldLayout>
 </file>
 
 <file path=ppt/slideLayouts/slideLayout17.xml><?xml version="1.0" encoding="utf-8"?>
-<p:sldLayout xmlns:a="http://schemas.openxmlformats.org/drawingml/2006/main" xmlns:p="http://schemas.openxmlformats.org/presentationml/2006/main" xmlns:r="http://schemas.openxmlformats.org/officeDocument/2006/relationships" xmlns:p14="http://schemas.microsoft.com/office/powerpoint/2010/main" xmlns:p15="http://schemas.microsoft.com/office/powerpoint/2012/main" xmlns:mc="http://schemas.openxmlformats.org/markup-compatibility/2006" type="titleOnly" preserve="1">
+<p:sldLayout xmlns:a="http://schemas.openxmlformats.org/drawingml/2006/main" xmlns:r="http://schemas.openxmlformats.org/officeDocument/2006/relationships" xmlns:p="http://schemas.openxmlformats.org/presentationml/2006/main" type="titleOnly" preserve="1">
   <p:cSld name="Title Only">
     <p:spTree>
       <p:nvGrpSpPr>
@@ -949,9 +1089,10 @@
           </a:prstGeom>
         </p:spPr>
         <p:txBody>
-          <a:bodyPr lIns="0" rIns="0" tIns="0" bIns="0" anchor="ctr"/>
-          <a:p>
-            <a:endParaRPr b="0" lang="en-US" sz="1800" spc="-1" strike="noStrike">
+          <a:bodyPr lIns="0" tIns="0" rIns="0" bIns="0" anchor="ctr"/>
+          <a:lstStyle/>
+          <a:p>
+            <a:endParaRPr lang="en-US" sz="1800" b="0" strike="noStrike" spc="-1">
               <a:solidFill>
                 <a:srgbClr val="000000"/>
               </a:solidFill>
@@ -962,11 +1103,14 @@
       </p:sp>
     </p:spTree>
   </p:cSld>
+  <p:clrMapOvr>
+    <a:masterClrMapping/>
+  </p:clrMapOvr>
 </p:sldLayout>
 </file>
 
 <file path=ppt/slideLayouts/slideLayout18.xml><?xml version="1.0" encoding="utf-8"?>
-<p:sldLayout xmlns:a="http://schemas.openxmlformats.org/drawingml/2006/main" xmlns:p="http://schemas.openxmlformats.org/presentationml/2006/main" xmlns:r="http://schemas.openxmlformats.org/officeDocument/2006/relationships" xmlns:p14="http://schemas.microsoft.com/office/powerpoint/2010/main" xmlns:p15="http://schemas.microsoft.com/office/powerpoint/2012/main" xmlns:mc="http://schemas.openxmlformats.org/markup-compatibility/2006" type="objOnly" preserve="1">
+<p:sldLayout xmlns:a="http://schemas.openxmlformats.org/drawingml/2006/main" xmlns:r="http://schemas.openxmlformats.org/officeDocument/2006/relationships" xmlns:p="http://schemas.openxmlformats.org/presentationml/2006/main" type="objOnly" preserve="1">
   <p:cSld name="Centered Text">
     <p:spTree>
       <p:nvGrpSpPr>
@@ -1002,10 +1146,11 @@
           </a:prstGeom>
         </p:spPr>
         <p:txBody>
-          <a:bodyPr lIns="0" rIns="0" tIns="0" bIns="0" anchor="ctr"/>
+          <a:bodyPr lIns="0" tIns="0" rIns="0" bIns="0" anchor="ctr"/>
+          <a:lstStyle/>
           <a:p>
             <a:pPr algn="ctr"/>
-            <a:endParaRPr b="0" lang="en-US" sz="3200" spc="-1" strike="noStrike">
+            <a:endParaRPr lang="en-US" sz="3200" b="0" strike="noStrike" spc="-1">
               <a:latin typeface="Arial"/>
             </a:endParaRPr>
           </a:p>
@@ -1013,11 +1158,14 @@
       </p:sp>
     </p:spTree>
   </p:cSld>
+  <p:clrMapOvr>
+    <a:masterClrMapping/>
+  </p:clrMapOvr>
 </p:sldLayout>
 </file>
 
 <file path=ppt/slideLayouts/slideLayout19.xml><?xml version="1.0" encoding="utf-8"?>
-<p:sldLayout xmlns:a="http://schemas.openxmlformats.org/drawingml/2006/main" xmlns:p="http://schemas.openxmlformats.org/presentationml/2006/main" xmlns:r="http://schemas.openxmlformats.org/officeDocument/2006/relationships" xmlns:p14="http://schemas.microsoft.com/office/powerpoint/2010/main" xmlns:p15="http://schemas.microsoft.com/office/powerpoint/2012/main" xmlns:mc="http://schemas.openxmlformats.org/markup-compatibility/2006" type="twoObjAndObj" preserve="1">
+<p:sldLayout xmlns:a="http://schemas.openxmlformats.org/drawingml/2006/main" xmlns:r="http://schemas.openxmlformats.org/officeDocument/2006/relationships" xmlns:p="http://schemas.openxmlformats.org/presentationml/2006/main" type="twoObjAndObj" preserve="1">
   <p:cSld name="Title, 2 Content and Content">
     <p:spTree>
       <p:nvGrpSpPr>
@@ -1053,9 +1201,10 @@
           </a:prstGeom>
         </p:spPr>
         <p:txBody>
-          <a:bodyPr lIns="0" rIns="0" tIns="0" bIns="0" anchor="ctr"/>
-          <a:p>
-            <a:endParaRPr b="0" lang="en-US" sz="1800" spc="-1" strike="noStrike">
+          <a:bodyPr lIns="0" tIns="0" rIns="0" bIns="0" anchor="ctr"/>
+          <a:lstStyle/>
+          <a:p>
+            <a:endParaRPr lang="en-US" sz="1800" b="0" strike="noStrike" spc="-1">
               <a:solidFill>
                 <a:srgbClr val="000000"/>
               </a:solidFill>
@@ -1084,11 +1233,12 @@
           </a:prstGeom>
         </p:spPr>
         <p:txBody>
-          <a:bodyPr lIns="0" rIns="0" tIns="0" bIns="0">
+          <a:bodyPr lIns="0" tIns="0" rIns="0" bIns="0">
             <a:normAutofit/>
           </a:bodyPr>
-          <a:p>
-            <a:endParaRPr b="0" lang="en-US" sz="2800" spc="-1" strike="noStrike">
+          <a:lstStyle/>
+          <a:p>
+            <a:endParaRPr lang="en-US" sz="2800" b="0" strike="noStrike" spc="-1">
               <a:solidFill>
                 <a:srgbClr val="000000"/>
               </a:solidFill>
@@ -1117,11 +1267,12 @@
           </a:prstGeom>
         </p:spPr>
         <p:txBody>
-          <a:bodyPr lIns="0" rIns="0" tIns="0" bIns="0">
+          <a:bodyPr lIns="0" tIns="0" rIns="0" bIns="0">
             <a:normAutofit/>
           </a:bodyPr>
-          <a:p>
-            <a:endParaRPr b="0" lang="en-US" sz="2800" spc="-1" strike="noStrike">
+          <a:lstStyle/>
+          <a:p>
+            <a:endParaRPr lang="en-US" sz="2800" b="0" strike="noStrike" spc="-1">
               <a:solidFill>
                 <a:srgbClr val="000000"/>
               </a:solidFill>
@@ -1150,11 +1301,12 @@
           </a:prstGeom>
         </p:spPr>
         <p:txBody>
-          <a:bodyPr lIns="0" rIns="0" tIns="0" bIns="0">
+          <a:bodyPr lIns="0" tIns="0" rIns="0" bIns="0">
             <a:normAutofit/>
           </a:bodyPr>
-          <a:p>
-            <a:endParaRPr b="0" lang="en-US" sz="2800" spc="-1" strike="noStrike">
+          <a:lstStyle/>
+          <a:p>
+            <a:endParaRPr lang="en-US" sz="2800" b="0" strike="noStrike" spc="-1">
               <a:solidFill>
                 <a:srgbClr val="000000"/>
               </a:solidFill>
@@ -1165,11 +1317,14 @@
       </p:sp>
     </p:spTree>
   </p:cSld>
+  <p:clrMapOvr>
+    <a:masterClrMapping/>
+  </p:clrMapOvr>
 </p:sldLayout>
 </file>
 
 <file path=ppt/slideLayouts/slideLayout2.xml><?xml version="1.0" encoding="utf-8"?>
-<p:sldLayout xmlns:a="http://schemas.openxmlformats.org/drawingml/2006/main" xmlns:p="http://schemas.openxmlformats.org/presentationml/2006/main" xmlns:r="http://schemas.openxmlformats.org/officeDocument/2006/relationships" xmlns:p14="http://schemas.microsoft.com/office/powerpoint/2010/main" xmlns:p15="http://schemas.microsoft.com/office/powerpoint/2012/main" xmlns:mc="http://schemas.openxmlformats.org/markup-compatibility/2006" type="tx" preserve="1">
+<p:sldLayout xmlns:a="http://schemas.openxmlformats.org/drawingml/2006/main" xmlns:r="http://schemas.openxmlformats.org/officeDocument/2006/relationships" xmlns:p="http://schemas.openxmlformats.org/presentationml/2006/main" type="tx" preserve="1">
   <p:cSld name="Title Slide">
     <p:spTree>
       <p:nvGrpSpPr>
@@ -1205,9 +1360,10 @@
           </a:prstGeom>
         </p:spPr>
         <p:txBody>
-          <a:bodyPr lIns="0" rIns="0" tIns="0" bIns="0" anchor="ctr"/>
-          <a:p>
-            <a:endParaRPr b="0" lang="en-US" sz="1800" spc="-1" strike="noStrike">
+          <a:bodyPr lIns="0" tIns="0" rIns="0" bIns="0" anchor="ctr"/>
+          <a:lstStyle/>
+          <a:p>
+            <a:endParaRPr lang="en-US" sz="1800" b="0" strike="noStrike" spc="-1">
               <a:solidFill>
                 <a:srgbClr val="000000"/>
               </a:solidFill>
@@ -1236,10 +1392,11 @@
           </a:prstGeom>
         </p:spPr>
         <p:txBody>
-          <a:bodyPr lIns="0" rIns="0" tIns="0" bIns="0" anchor="ctr"/>
+          <a:bodyPr lIns="0" tIns="0" rIns="0" bIns="0" anchor="ctr"/>
+          <a:lstStyle/>
           <a:p>
             <a:pPr algn="ctr"/>
-            <a:endParaRPr b="0" lang="en-US" sz="3200" spc="-1" strike="noStrike">
+            <a:endParaRPr lang="en-US" sz="3200" b="0" strike="noStrike" spc="-1">
               <a:latin typeface="Arial"/>
             </a:endParaRPr>
           </a:p>
@@ -1247,11 +1404,14 @@
       </p:sp>
     </p:spTree>
   </p:cSld>
+  <p:clrMapOvr>
+    <a:masterClrMapping/>
+  </p:clrMapOvr>
 </p:sldLayout>
 </file>
 
 <file path=ppt/slideLayouts/slideLayout20.xml><?xml version="1.0" encoding="utf-8"?>
-<p:sldLayout xmlns:a="http://schemas.openxmlformats.org/drawingml/2006/main" xmlns:p="http://schemas.openxmlformats.org/presentationml/2006/main" xmlns:r="http://schemas.openxmlformats.org/officeDocument/2006/relationships" xmlns:p14="http://schemas.microsoft.com/office/powerpoint/2010/main" xmlns:p15="http://schemas.microsoft.com/office/powerpoint/2012/main" xmlns:mc="http://schemas.openxmlformats.org/markup-compatibility/2006" type="objAndTwoObj" preserve="1">
+<p:sldLayout xmlns:a="http://schemas.openxmlformats.org/drawingml/2006/main" xmlns:r="http://schemas.openxmlformats.org/officeDocument/2006/relationships" xmlns:p="http://schemas.openxmlformats.org/presentationml/2006/main" type="objAndTwoObj" preserve="1">
   <p:cSld name="Title Content and 2 Content">
     <p:spTree>
       <p:nvGrpSpPr>
@@ -1287,9 +1447,10 @@
           </a:prstGeom>
         </p:spPr>
         <p:txBody>
-          <a:bodyPr lIns="0" rIns="0" tIns="0" bIns="0" anchor="ctr"/>
-          <a:p>
-            <a:endParaRPr b="0" lang="en-US" sz="1800" spc="-1" strike="noStrike">
+          <a:bodyPr lIns="0" tIns="0" rIns="0" bIns="0" anchor="ctr"/>
+          <a:lstStyle/>
+          <a:p>
+            <a:endParaRPr lang="en-US" sz="1800" b="0" strike="noStrike" spc="-1">
               <a:solidFill>
                 <a:srgbClr val="000000"/>
               </a:solidFill>
@@ -1318,11 +1479,12 @@
           </a:prstGeom>
         </p:spPr>
         <p:txBody>
-          <a:bodyPr lIns="0" rIns="0" tIns="0" bIns="0">
+          <a:bodyPr lIns="0" tIns="0" rIns="0" bIns="0">
             <a:normAutofit/>
           </a:bodyPr>
-          <a:p>
-            <a:endParaRPr b="0" lang="en-US" sz="2800" spc="-1" strike="noStrike">
+          <a:lstStyle/>
+          <a:p>
+            <a:endParaRPr lang="en-US" sz="2800" b="0" strike="noStrike" spc="-1">
               <a:solidFill>
                 <a:srgbClr val="000000"/>
               </a:solidFill>
@@ -1351,11 +1513,12 @@
           </a:prstGeom>
         </p:spPr>
         <p:txBody>
-          <a:bodyPr lIns="0" rIns="0" tIns="0" bIns="0">
+          <a:bodyPr lIns="0" tIns="0" rIns="0" bIns="0">
             <a:normAutofit/>
           </a:bodyPr>
-          <a:p>
-            <a:endParaRPr b="0" lang="en-US" sz="2800" spc="-1" strike="noStrike">
+          <a:lstStyle/>
+          <a:p>
+            <a:endParaRPr lang="en-US" sz="2800" b="0" strike="noStrike" spc="-1">
               <a:solidFill>
                 <a:srgbClr val="000000"/>
               </a:solidFill>
@@ -1384,11 +1547,12 @@
           </a:prstGeom>
         </p:spPr>
         <p:txBody>
-          <a:bodyPr lIns="0" rIns="0" tIns="0" bIns="0">
+          <a:bodyPr lIns="0" tIns="0" rIns="0" bIns="0">
             <a:normAutofit/>
           </a:bodyPr>
-          <a:p>
-            <a:endParaRPr b="0" lang="en-US" sz="2800" spc="-1" strike="noStrike">
+          <a:lstStyle/>
+          <a:p>
+            <a:endParaRPr lang="en-US" sz="2800" b="0" strike="noStrike" spc="-1">
               <a:solidFill>
                 <a:srgbClr val="000000"/>
               </a:solidFill>
@@ -1399,11 +1563,14 @@
       </p:sp>
     </p:spTree>
   </p:cSld>
+  <p:clrMapOvr>
+    <a:masterClrMapping/>
+  </p:clrMapOvr>
 </p:sldLayout>
 </file>
 
 <file path=ppt/slideLayouts/slideLayout21.xml><?xml version="1.0" encoding="utf-8"?>
-<p:sldLayout xmlns:a="http://schemas.openxmlformats.org/drawingml/2006/main" xmlns:p="http://schemas.openxmlformats.org/presentationml/2006/main" xmlns:r="http://schemas.openxmlformats.org/officeDocument/2006/relationships" xmlns:p14="http://schemas.microsoft.com/office/powerpoint/2010/main" xmlns:p15="http://schemas.microsoft.com/office/powerpoint/2012/main" xmlns:mc="http://schemas.openxmlformats.org/markup-compatibility/2006" type="twoObjOverTx" preserve="1">
+<p:sldLayout xmlns:a="http://schemas.openxmlformats.org/drawingml/2006/main" xmlns:r="http://schemas.openxmlformats.org/officeDocument/2006/relationships" xmlns:p="http://schemas.openxmlformats.org/presentationml/2006/main" type="twoObjOverTx" preserve="1">
   <p:cSld name="Title, 2 Content over Content">
     <p:spTree>
       <p:nvGrpSpPr>
@@ -1439,9 +1606,10 @@
           </a:prstGeom>
         </p:spPr>
         <p:txBody>
-          <a:bodyPr lIns="0" rIns="0" tIns="0" bIns="0" anchor="ctr"/>
-          <a:p>
-            <a:endParaRPr b="0" lang="en-US" sz="1800" spc="-1" strike="noStrike">
+          <a:bodyPr lIns="0" tIns="0" rIns="0" bIns="0" anchor="ctr"/>
+          <a:lstStyle/>
+          <a:p>
+            <a:endParaRPr lang="en-US" sz="1800" b="0" strike="noStrike" spc="-1">
               <a:solidFill>
                 <a:srgbClr val="000000"/>
               </a:solidFill>
@@ -1470,11 +1638,12 @@
           </a:prstGeom>
         </p:spPr>
         <p:txBody>
-          <a:bodyPr lIns="0" rIns="0" tIns="0" bIns="0">
+          <a:bodyPr lIns="0" tIns="0" rIns="0" bIns="0">
             <a:normAutofit/>
           </a:bodyPr>
-          <a:p>
-            <a:endParaRPr b="0" lang="en-US" sz="2800" spc="-1" strike="noStrike">
+          <a:lstStyle/>
+          <a:p>
+            <a:endParaRPr lang="en-US" sz="2800" b="0" strike="noStrike" spc="-1">
               <a:solidFill>
                 <a:srgbClr val="000000"/>
               </a:solidFill>
@@ -1503,11 +1672,12 @@
           </a:prstGeom>
         </p:spPr>
         <p:txBody>
-          <a:bodyPr lIns="0" rIns="0" tIns="0" bIns="0">
+          <a:bodyPr lIns="0" tIns="0" rIns="0" bIns="0">
             <a:normAutofit/>
           </a:bodyPr>
-          <a:p>
-            <a:endParaRPr b="0" lang="en-US" sz="2800" spc="-1" strike="noStrike">
+          <a:lstStyle/>
+          <a:p>
+            <a:endParaRPr lang="en-US" sz="2800" b="0" strike="noStrike" spc="-1">
               <a:solidFill>
                 <a:srgbClr val="000000"/>
               </a:solidFill>
@@ -1536,11 +1706,12 @@
           </a:prstGeom>
         </p:spPr>
         <p:txBody>
-          <a:bodyPr lIns="0" rIns="0" tIns="0" bIns="0">
+          <a:bodyPr lIns="0" tIns="0" rIns="0" bIns="0">
             <a:normAutofit/>
           </a:bodyPr>
-          <a:p>
-            <a:endParaRPr b="0" lang="en-US" sz="2800" spc="-1" strike="noStrike">
+          <a:lstStyle/>
+          <a:p>
+            <a:endParaRPr lang="en-US" sz="2800" b="0" strike="noStrike" spc="-1">
               <a:solidFill>
                 <a:srgbClr val="000000"/>
               </a:solidFill>
@@ -1551,11 +1722,14 @@
       </p:sp>
     </p:spTree>
   </p:cSld>
+  <p:clrMapOvr>
+    <a:masterClrMapping/>
+  </p:clrMapOvr>
 </p:sldLayout>
 </file>
 
 <file path=ppt/slideLayouts/slideLayout22.xml><?xml version="1.0" encoding="utf-8"?>
-<p:sldLayout xmlns:a="http://schemas.openxmlformats.org/drawingml/2006/main" xmlns:p="http://schemas.openxmlformats.org/presentationml/2006/main" xmlns:r="http://schemas.openxmlformats.org/officeDocument/2006/relationships" xmlns:p14="http://schemas.microsoft.com/office/powerpoint/2010/main" xmlns:p15="http://schemas.microsoft.com/office/powerpoint/2012/main" xmlns:mc="http://schemas.openxmlformats.org/markup-compatibility/2006" type="objOverTx" preserve="1">
+<p:sldLayout xmlns:a="http://schemas.openxmlformats.org/drawingml/2006/main" xmlns:r="http://schemas.openxmlformats.org/officeDocument/2006/relationships" xmlns:p="http://schemas.openxmlformats.org/presentationml/2006/main" type="objOverTx" preserve="1">
   <p:cSld name="Title, Content over Content">
     <p:spTree>
       <p:nvGrpSpPr>
@@ -1591,9 +1765,10 @@
           </a:prstGeom>
         </p:spPr>
         <p:txBody>
-          <a:bodyPr lIns="0" rIns="0" tIns="0" bIns="0" anchor="ctr"/>
-          <a:p>
-            <a:endParaRPr b="0" lang="en-US" sz="1800" spc="-1" strike="noStrike">
+          <a:bodyPr lIns="0" tIns="0" rIns="0" bIns="0" anchor="ctr"/>
+          <a:lstStyle/>
+          <a:p>
+            <a:endParaRPr lang="en-US" sz="1800" b="0" strike="noStrike" spc="-1">
               <a:solidFill>
                 <a:srgbClr val="000000"/>
               </a:solidFill>
@@ -1622,11 +1797,12 @@
           </a:prstGeom>
         </p:spPr>
         <p:txBody>
-          <a:bodyPr lIns="0" rIns="0" tIns="0" bIns="0">
+          <a:bodyPr lIns="0" tIns="0" rIns="0" bIns="0">
             <a:normAutofit/>
           </a:bodyPr>
-          <a:p>
-            <a:endParaRPr b="0" lang="en-US" sz="2800" spc="-1" strike="noStrike">
+          <a:lstStyle/>
+          <a:p>
+            <a:endParaRPr lang="en-US" sz="2800" b="0" strike="noStrike" spc="-1">
               <a:solidFill>
                 <a:srgbClr val="000000"/>
               </a:solidFill>
@@ -1655,11 +1831,12 @@
           </a:prstGeom>
         </p:spPr>
         <p:txBody>
-          <a:bodyPr lIns="0" rIns="0" tIns="0" bIns="0">
+          <a:bodyPr lIns="0" tIns="0" rIns="0" bIns="0">
             <a:normAutofit/>
           </a:bodyPr>
-          <a:p>
-            <a:endParaRPr b="0" lang="en-US" sz="2800" spc="-1" strike="noStrike">
+          <a:lstStyle/>
+          <a:p>
+            <a:endParaRPr lang="en-US" sz="2800" b="0" strike="noStrike" spc="-1">
               <a:solidFill>
                 <a:srgbClr val="000000"/>
               </a:solidFill>
@@ -1670,11 +1847,14 @@
       </p:sp>
     </p:spTree>
   </p:cSld>
+  <p:clrMapOvr>
+    <a:masterClrMapping/>
+  </p:clrMapOvr>
 </p:sldLayout>
 </file>
 
 <file path=ppt/slideLayouts/slideLayout23.xml><?xml version="1.0" encoding="utf-8"?>
-<p:sldLayout xmlns:a="http://schemas.openxmlformats.org/drawingml/2006/main" xmlns:p="http://schemas.openxmlformats.org/presentationml/2006/main" xmlns:r="http://schemas.openxmlformats.org/officeDocument/2006/relationships" xmlns:p14="http://schemas.microsoft.com/office/powerpoint/2010/main" xmlns:p15="http://schemas.microsoft.com/office/powerpoint/2012/main" xmlns:mc="http://schemas.openxmlformats.org/markup-compatibility/2006" type="fourObj" preserve="1">
+<p:sldLayout xmlns:a="http://schemas.openxmlformats.org/drawingml/2006/main" xmlns:r="http://schemas.openxmlformats.org/officeDocument/2006/relationships" xmlns:p="http://schemas.openxmlformats.org/presentationml/2006/main" type="fourObj" preserve="1">
   <p:cSld name="Title, 4 Content">
     <p:spTree>
       <p:nvGrpSpPr>
@@ -1710,9 +1890,10 @@
           </a:prstGeom>
         </p:spPr>
         <p:txBody>
-          <a:bodyPr lIns="0" rIns="0" tIns="0" bIns="0" anchor="ctr"/>
-          <a:p>
-            <a:endParaRPr b="0" lang="en-US" sz="1800" spc="-1" strike="noStrike">
+          <a:bodyPr lIns="0" tIns="0" rIns="0" bIns="0" anchor="ctr"/>
+          <a:lstStyle/>
+          <a:p>
+            <a:endParaRPr lang="en-US" sz="1800" b="0" strike="noStrike" spc="-1">
               <a:solidFill>
                 <a:srgbClr val="000000"/>
               </a:solidFill>
@@ -1741,11 +1922,12 @@
           </a:prstGeom>
         </p:spPr>
         <p:txBody>
-          <a:bodyPr lIns="0" rIns="0" tIns="0" bIns="0">
+          <a:bodyPr lIns="0" tIns="0" rIns="0" bIns="0">
             <a:normAutofit/>
           </a:bodyPr>
-          <a:p>
-            <a:endParaRPr b="0" lang="en-US" sz="2800" spc="-1" strike="noStrike">
+          <a:lstStyle/>
+          <a:p>
+            <a:endParaRPr lang="en-US" sz="2800" b="0" strike="noStrike" spc="-1">
               <a:solidFill>
                 <a:srgbClr val="000000"/>
               </a:solidFill>
@@ -1774,11 +1956,12 @@
           </a:prstGeom>
         </p:spPr>
         <p:txBody>
-          <a:bodyPr lIns="0" rIns="0" tIns="0" bIns="0">
+          <a:bodyPr lIns="0" tIns="0" rIns="0" bIns="0">
             <a:normAutofit/>
           </a:bodyPr>
-          <a:p>
-            <a:endParaRPr b="0" lang="en-US" sz="2800" spc="-1" strike="noStrike">
+          <a:lstStyle/>
+          <a:p>
+            <a:endParaRPr lang="en-US" sz="2800" b="0" strike="noStrike" spc="-1">
               <a:solidFill>
                 <a:srgbClr val="000000"/>
               </a:solidFill>
@@ -1807,11 +1990,12 @@
           </a:prstGeom>
         </p:spPr>
         <p:txBody>
-          <a:bodyPr lIns="0" rIns="0" tIns="0" bIns="0">
+          <a:bodyPr lIns="0" tIns="0" rIns="0" bIns="0">
             <a:normAutofit/>
           </a:bodyPr>
-          <a:p>
-            <a:endParaRPr b="0" lang="en-US" sz="2800" spc="-1" strike="noStrike">
+          <a:lstStyle/>
+          <a:p>
+            <a:endParaRPr lang="en-US" sz="2800" b="0" strike="noStrike" spc="-1">
               <a:solidFill>
                 <a:srgbClr val="000000"/>
               </a:solidFill>
@@ -1840,11 +2024,12 @@
           </a:prstGeom>
         </p:spPr>
         <p:txBody>
-          <a:bodyPr lIns="0" rIns="0" tIns="0" bIns="0">
+          <a:bodyPr lIns="0" tIns="0" rIns="0" bIns="0">
             <a:normAutofit/>
           </a:bodyPr>
-          <a:p>
-            <a:endParaRPr b="0" lang="en-US" sz="2800" spc="-1" strike="noStrike">
+          <a:lstStyle/>
+          <a:p>
+            <a:endParaRPr lang="en-US" sz="2800" b="0" strike="noStrike" spc="-1">
               <a:solidFill>
                 <a:srgbClr val="000000"/>
               </a:solidFill>
@@ -1855,11 +2040,14 @@
       </p:sp>
     </p:spTree>
   </p:cSld>
+  <p:clrMapOvr>
+    <a:masterClrMapping/>
+  </p:clrMapOvr>
 </p:sldLayout>
 </file>
 
 <file path=ppt/slideLayouts/slideLayout24.xml><?xml version="1.0" encoding="utf-8"?>
-<p:sldLayout xmlns:a="http://schemas.openxmlformats.org/drawingml/2006/main" xmlns:p="http://schemas.openxmlformats.org/presentationml/2006/main" xmlns:r="http://schemas.openxmlformats.org/officeDocument/2006/relationships" xmlns:p14="http://schemas.microsoft.com/office/powerpoint/2010/main" xmlns:p15="http://schemas.microsoft.com/office/powerpoint/2012/main" xmlns:mc="http://schemas.openxmlformats.org/markup-compatibility/2006" type="blank" preserve="1">
+<p:sldLayout xmlns:a="http://schemas.openxmlformats.org/drawingml/2006/main" xmlns:r="http://schemas.openxmlformats.org/officeDocument/2006/relationships" xmlns:p="http://schemas.openxmlformats.org/presentationml/2006/main" type="blank" preserve="1">
   <p:cSld name="Title, 6 Content">
     <p:spTree>
       <p:nvGrpSpPr>
@@ -1895,9 +2083,10 @@
           </a:prstGeom>
         </p:spPr>
         <p:txBody>
-          <a:bodyPr lIns="0" rIns="0" tIns="0" bIns="0" anchor="ctr"/>
-          <a:p>
-            <a:endParaRPr b="0" lang="en-US" sz="1800" spc="-1" strike="noStrike">
+          <a:bodyPr lIns="0" tIns="0" rIns="0" bIns="0" anchor="ctr"/>
+          <a:lstStyle/>
+          <a:p>
+            <a:endParaRPr lang="en-US" sz="1800" b="0" strike="noStrike" spc="-1">
               <a:solidFill>
                 <a:srgbClr val="000000"/>
               </a:solidFill>
@@ -1926,11 +2115,12 @@
           </a:prstGeom>
         </p:spPr>
         <p:txBody>
-          <a:bodyPr lIns="0" rIns="0" tIns="0" bIns="0">
+          <a:bodyPr lIns="0" tIns="0" rIns="0" bIns="0">
             <a:normAutofit/>
           </a:bodyPr>
-          <a:p>
-            <a:endParaRPr b="0" lang="en-US" sz="2800" spc="-1" strike="noStrike">
+          <a:lstStyle/>
+          <a:p>
+            <a:endParaRPr lang="en-US" sz="2800" b="0" strike="noStrike" spc="-1">
               <a:solidFill>
                 <a:srgbClr val="000000"/>
               </a:solidFill>
@@ -1959,11 +2149,12 @@
           </a:prstGeom>
         </p:spPr>
         <p:txBody>
-          <a:bodyPr lIns="0" rIns="0" tIns="0" bIns="0">
+          <a:bodyPr lIns="0" tIns="0" rIns="0" bIns="0">
             <a:normAutofit/>
           </a:bodyPr>
-          <a:p>
-            <a:endParaRPr b="0" lang="en-US" sz="2800" spc="-1" strike="noStrike">
+          <a:lstStyle/>
+          <a:p>
+            <a:endParaRPr lang="en-US" sz="2800" b="0" strike="noStrike" spc="-1">
               <a:solidFill>
                 <a:srgbClr val="000000"/>
               </a:solidFill>
@@ -1992,11 +2183,12 @@
           </a:prstGeom>
         </p:spPr>
         <p:txBody>
-          <a:bodyPr lIns="0" rIns="0" tIns="0" bIns="0">
+          <a:bodyPr lIns="0" tIns="0" rIns="0" bIns="0">
             <a:normAutofit/>
           </a:bodyPr>
-          <a:p>
-            <a:endParaRPr b="0" lang="en-US" sz="2800" spc="-1" strike="noStrike">
+          <a:lstStyle/>
+          <a:p>
+            <a:endParaRPr lang="en-US" sz="2800" b="0" strike="noStrike" spc="-1">
               <a:solidFill>
                 <a:srgbClr val="000000"/>
               </a:solidFill>
@@ -2025,11 +2217,12 @@
           </a:prstGeom>
         </p:spPr>
         <p:txBody>
-          <a:bodyPr lIns="0" rIns="0" tIns="0" bIns="0">
+          <a:bodyPr lIns="0" tIns="0" rIns="0" bIns="0">
             <a:normAutofit/>
           </a:bodyPr>
-          <a:p>
-            <a:endParaRPr b="0" lang="en-US" sz="2800" spc="-1" strike="noStrike">
+          <a:lstStyle/>
+          <a:p>
+            <a:endParaRPr lang="en-US" sz="2800" b="0" strike="noStrike" spc="-1">
               <a:solidFill>
                 <a:srgbClr val="000000"/>
               </a:solidFill>
@@ -2058,11 +2251,12 @@
           </a:prstGeom>
         </p:spPr>
         <p:txBody>
-          <a:bodyPr lIns="0" rIns="0" tIns="0" bIns="0">
+          <a:bodyPr lIns="0" tIns="0" rIns="0" bIns="0">
             <a:normAutofit/>
           </a:bodyPr>
-          <a:p>
-            <a:endParaRPr b="0" lang="en-US" sz="2800" spc="-1" strike="noStrike">
+          <a:lstStyle/>
+          <a:p>
+            <a:endParaRPr lang="en-US" sz="2800" b="0" strike="noStrike" spc="-1">
               <a:solidFill>
                 <a:srgbClr val="000000"/>
               </a:solidFill>
@@ -2091,11 +2285,12 @@
           </a:prstGeom>
         </p:spPr>
         <p:txBody>
-          <a:bodyPr lIns="0" rIns="0" tIns="0" bIns="0">
+          <a:bodyPr lIns="0" tIns="0" rIns="0" bIns="0">
             <a:normAutofit/>
           </a:bodyPr>
-          <a:p>
-            <a:endParaRPr b="0" lang="en-US" sz="2800" spc="-1" strike="noStrike">
+          <a:lstStyle/>
+          <a:p>
+            <a:endParaRPr lang="en-US" sz="2800" b="0" strike="noStrike" spc="-1">
               <a:solidFill>
                 <a:srgbClr val="000000"/>
               </a:solidFill>
@@ -2106,11 +2301,14 @@
       </p:sp>
     </p:spTree>
   </p:cSld>
+  <p:clrMapOvr>
+    <a:masterClrMapping/>
+  </p:clrMapOvr>
 </p:sldLayout>
 </file>
 
 <file path=ppt/slideLayouts/slideLayout25.xml><?xml version="1.0" encoding="utf-8"?>
-<p:sldLayout xmlns:a="http://schemas.openxmlformats.org/drawingml/2006/main" xmlns:p="http://schemas.openxmlformats.org/presentationml/2006/main" xmlns:r="http://schemas.openxmlformats.org/officeDocument/2006/relationships" xmlns:p14="http://schemas.microsoft.com/office/powerpoint/2010/main" xmlns:p15="http://schemas.microsoft.com/office/powerpoint/2012/main" xmlns:mc="http://schemas.openxmlformats.org/markup-compatibility/2006" type="blank" preserve="1">
+<p:sldLayout xmlns:a="http://schemas.openxmlformats.org/drawingml/2006/main" xmlns:r="http://schemas.openxmlformats.org/officeDocument/2006/relationships" xmlns:p="http://schemas.openxmlformats.org/presentationml/2006/main" type="blank" preserve="1">
   <p:cSld name="Blank Slide">
     <p:spTree>
       <p:nvGrpSpPr>
@@ -2128,11 +2326,14 @@
       </p:grpSpPr>
     </p:spTree>
   </p:cSld>
+  <p:clrMapOvr>
+    <a:masterClrMapping/>
+  </p:clrMapOvr>
 </p:sldLayout>
 </file>
 
 <file path=ppt/slideLayouts/slideLayout26.xml><?xml version="1.0" encoding="utf-8"?>
-<p:sldLayout xmlns:a="http://schemas.openxmlformats.org/drawingml/2006/main" xmlns:p="http://schemas.openxmlformats.org/presentationml/2006/main" xmlns:r="http://schemas.openxmlformats.org/officeDocument/2006/relationships" xmlns:p14="http://schemas.microsoft.com/office/powerpoint/2010/main" xmlns:p15="http://schemas.microsoft.com/office/powerpoint/2012/main" xmlns:mc="http://schemas.openxmlformats.org/markup-compatibility/2006" type="tx" preserve="1">
+<p:sldLayout xmlns:a="http://schemas.openxmlformats.org/drawingml/2006/main" xmlns:r="http://schemas.openxmlformats.org/officeDocument/2006/relationships" xmlns:p="http://schemas.openxmlformats.org/presentationml/2006/main" type="tx" preserve="1">
   <p:cSld name="Title Slide">
     <p:spTree>
       <p:nvGrpSpPr>
@@ -2168,9 +2369,10 @@
           </a:prstGeom>
         </p:spPr>
         <p:txBody>
-          <a:bodyPr lIns="0" rIns="0" tIns="0" bIns="0" anchor="ctr"/>
-          <a:p>
-            <a:endParaRPr b="0" lang="en-US" sz="1800" spc="-1" strike="noStrike">
+          <a:bodyPr lIns="0" tIns="0" rIns="0" bIns="0" anchor="ctr"/>
+          <a:lstStyle/>
+          <a:p>
+            <a:endParaRPr lang="en-US" sz="1800" b="0" strike="noStrike" spc="-1">
               <a:solidFill>
                 <a:srgbClr val="000000"/>
               </a:solidFill>
@@ -2199,10 +2401,11 @@
           </a:prstGeom>
         </p:spPr>
         <p:txBody>
-          <a:bodyPr lIns="0" rIns="0" tIns="0" bIns="0" anchor="ctr"/>
+          <a:bodyPr lIns="0" tIns="0" rIns="0" bIns="0" anchor="ctr"/>
+          <a:lstStyle/>
           <a:p>
             <a:pPr algn="ctr"/>
-            <a:endParaRPr b="0" lang="en-US" sz="3200" spc="-1" strike="noStrike">
+            <a:endParaRPr lang="en-US" sz="3200" b="0" strike="noStrike" spc="-1">
               <a:latin typeface="Arial"/>
             </a:endParaRPr>
           </a:p>
@@ -2210,11 +2413,14 @@
       </p:sp>
     </p:spTree>
   </p:cSld>
+  <p:clrMapOvr>
+    <a:masterClrMapping/>
+  </p:clrMapOvr>
 </p:sldLayout>
 </file>
 
 <file path=ppt/slideLayouts/slideLayout27.xml><?xml version="1.0" encoding="utf-8"?>
-<p:sldLayout xmlns:a="http://schemas.openxmlformats.org/drawingml/2006/main" xmlns:p="http://schemas.openxmlformats.org/presentationml/2006/main" xmlns:r="http://schemas.openxmlformats.org/officeDocument/2006/relationships" xmlns:p14="http://schemas.microsoft.com/office/powerpoint/2010/main" xmlns:p15="http://schemas.microsoft.com/office/powerpoint/2012/main" xmlns:mc="http://schemas.openxmlformats.org/markup-compatibility/2006" type="obj" preserve="1">
+<p:sldLayout xmlns:a="http://schemas.openxmlformats.org/drawingml/2006/main" xmlns:r="http://schemas.openxmlformats.org/officeDocument/2006/relationships" xmlns:p="http://schemas.openxmlformats.org/presentationml/2006/main" type="obj" preserve="1">
   <p:cSld name="Title, Content">
     <p:spTree>
       <p:nvGrpSpPr>
@@ -2250,9 +2456,10 @@
           </a:prstGeom>
         </p:spPr>
         <p:txBody>
-          <a:bodyPr lIns="0" rIns="0" tIns="0" bIns="0" anchor="ctr"/>
-          <a:p>
-            <a:endParaRPr b="0" lang="en-US" sz="1800" spc="-1" strike="noStrike">
+          <a:bodyPr lIns="0" tIns="0" rIns="0" bIns="0" anchor="ctr"/>
+          <a:lstStyle/>
+          <a:p>
+            <a:endParaRPr lang="en-US" sz="1800" b="0" strike="noStrike" spc="-1">
               <a:solidFill>
                 <a:srgbClr val="000000"/>
               </a:solidFill>
@@ -2281,11 +2488,12 @@
           </a:prstGeom>
         </p:spPr>
         <p:txBody>
-          <a:bodyPr lIns="0" rIns="0" tIns="0" bIns="0">
+          <a:bodyPr lIns="0" tIns="0" rIns="0" bIns="0">
             <a:normAutofit/>
           </a:bodyPr>
-          <a:p>
-            <a:endParaRPr b="0" lang="en-US" sz="2800" spc="-1" strike="noStrike">
+          <a:lstStyle/>
+          <a:p>
+            <a:endParaRPr lang="en-US" sz="2800" b="0" strike="noStrike" spc="-1">
               <a:solidFill>
                 <a:srgbClr val="000000"/>
               </a:solidFill>
@@ -2296,11 +2504,14 @@
       </p:sp>
     </p:spTree>
   </p:cSld>
+  <p:clrMapOvr>
+    <a:masterClrMapping/>
+  </p:clrMapOvr>
 </p:sldLayout>
 </file>
 
 <file path=ppt/slideLayouts/slideLayout28.xml><?xml version="1.0" encoding="utf-8"?>
-<p:sldLayout xmlns:a="http://schemas.openxmlformats.org/drawingml/2006/main" xmlns:p="http://schemas.openxmlformats.org/presentationml/2006/main" xmlns:r="http://schemas.openxmlformats.org/officeDocument/2006/relationships" xmlns:p14="http://schemas.microsoft.com/office/powerpoint/2010/main" xmlns:p15="http://schemas.microsoft.com/office/powerpoint/2012/main" xmlns:mc="http://schemas.openxmlformats.org/markup-compatibility/2006" type="twoObj" preserve="1">
+<p:sldLayout xmlns:a="http://schemas.openxmlformats.org/drawingml/2006/main" xmlns:r="http://schemas.openxmlformats.org/officeDocument/2006/relationships" xmlns:p="http://schemas.openxmlformats.org/presentationml/2006/main" type="twoObj" preserve="1">
   <p:cSld name="Title, 2 Content">
     <p:spTree>
       <p:nvGrpSpPr>
@@ -2336,9 +2547,10 @@
           </a:prstGeom>
         </p:spPr>
         <p:txBody>
-          <a:bodyPr lIns="0" rIns="0" tIns="0" bIns="0" anchor="ctr"/>
-          <a:p>
-            <a:endParaRPr b="0" lang="en-US" sz="1800" spc="-1" strike="noStrike">
+          <a:bodyPr lIns="0" tIns="0" rIns="0" bIns="0" anchor="ctr"/>
+          <a:lstStyle/>
+          <a:p>
+            <a:endParaRPr lang="en-US" sz="1800" b="0" strike="noStrike" spc="-1">
               <a:solidFill>
                 <a:srgbClr val="000000"/>
               </a:solidFill>
@@ -2367,11 +2579,12 @@
           </a:prstGeom>
         </p:spPr>
         <p:txBody>
-          <a:bodyPr lIns="0" rIns="0" tIns="0" bIns="0">
+          <a:bodyPr lIns="0" tIns="0" rIns="0" bIns="0">
             <a:normAutofit/>
           </a:bodyPr>
-          <a:p>
-            <a:endParaRPr b="0" lang="en-US" sz="2800" spc="-1" strike="noStrike">
+          <a:lstStyle/>
+          <a:p>
+            <a:endParaRPr lang="en-US" sz="2800" b="0" strike="noStrike" spc="-1">
               <a:solidFill>
                 <a:srgbClr val="000000"/>
               </a:solidFill>
@@ -2400,11 +2613,12 @@
           </a:prstGeom>
         </p:spPr>
         <p:txBody>
-          <a:bodyPr lIns="0" rIns="0" tIns="0" bIns="0">
+          <a:bodyPr lIns="0" tIns="0" rIns="0" bIns="0">
             <a:normAutofit/>
           </a:bodyPr>
-          <a:p>
-            <a:endParaRPr b="0" lang="en-US" sz="2800" spc="-1" strike="noStrike">
+          <a:lstStyle/>
+          <a:p>
+            <a:endParaRPr lang="en-US" sz="2800" b="0" strike="noStrike" spc="-1">
               <a:solidFill>
                 <a:srgbClr val="000000"/>
               </a:solidFill>
@@ -2415,11 +2629,14 @@
       </p:sp>
     </p:spTree>
   </p:cSld>
+  <p:clrMapOvr>
+    <a:masterClrMapping/>
+  </p:clrMapOvr>
 </p:sldLayout>
 </file>
 
 <file path=ppt/slideLayouts/slideLayout29.xml><?xml version="1.0" encoding="utf-8"?>
-<p:sldLayout xmlns:a="http://schemas.openxmlformats.org/drawingml/2006/main" xmlns:p="http://schemas.openxmlformats.org/presentationml/2006/main" xmlns:r="http://schemas.openxmlformats.org/officeDocument/2006/relationships" xmlns:p14="http://schemas.microsoft.com/office/powerpoint/2010/main" xmlns:p15="http://schemas.microsoft.com/office/powerpoint/2012/main" xmlns:mc="http://schemas.openxmlformats.org/markup-compatibility/2006" type="titleOnly" preserve="1">
+<p:sldLayout xmlns:a="http://schemas.openxmlformats.org/drawingml/2006/main" xmlns:r="http://schemas.openxmlformats.org/officeDocument/2006/relationships" xmlns:p="http://schemas.openxmlformats.org/presentationml/2006/main" type="titleOnly" preserve="1">
   <p:cSld name="Title Only">
     <p:spTree>
       <p:nvGrpSpPr>
@@ -2455,9 +2672,10 @@
           </a:prstGeom>
         </p:spPr>
         <p:txBody>
-          <a:bodyPr lIns="0" rIns="0" tIns="0" bIns="0" anchor="ctr"/>
-          <a:p>
-            <a:endParaRPr b="0" lang="en-US" sz="1800" spc="-1" strike="noStrike">
+          <a:bodyPr lIns="0" tIns="0" rIns="0" bIns="0" anchor="ctr"/>
+          <a:lstStyle/>
+          <a:p>
+            <a:endParaRPr lang="en-US" sz="1800" b="0" strike="noStrike" spc="-1">
               <a:solidFill>
                 <a:srgbClr val="000000"/>
               </a:solidFill>
@@ -2468,11 +2686,14 @@
       </p:sp>
     </p:spTree>
   </p:cSld>
+  <p:clrMapOvr>
+    <a:masterClrMapping/>
+  </p:clrMapOvr>
 </p:sldLayout>
 </file>
 
 <file path=ppt/slideLayouts/slideLayout3.xml><?xml version="1.0" encoding="utf-8"?>
-<p:sldLayout xmlns:a="http://schemas.openxmlformats.org/drawingml/2006/main" xmlns:p="http://schemas.openxmlformats.org/presentationml/2006/main" xmlns:r="http://schemas.openxmlformats.org/officeDocument/2006/relationships" xmlns:p14="http://schemas.microsoft.com/office/powerpoint/2010/main" xmlns:p15="http://schemas.microsoft.com/office/powerpoint/2012/main" xmlns:mc="http://schemas.openxmlformats.org/markup-compatibility/2006" type="obj" preserve="1">
+<p:sldLayout xmlns:a="http://schemas.openxmlformats.org/drawingml/2006/main" xmlns:r="http://schemas.openxmlformats.org/officeDocument/2006/relationships" xmlns:p="http://schemas.openxmlformats.org/presentationml/2006/main" type="obj" preserve="1">
   <p:cSld name="Title, Content">
     <p:spTree>
       <p:nvGrpSpPr>
@@ -2508,9 +2729,10 @@
           </a:prstGeom>
         </p:spPr>
         <p:txBody>
-          <a:bodyPr lIns="0" rIns="0" tIns="0" bIns="0" anchor="ctr"/>
-          <a:p>
-            <a:endParaRPr b="0" lang="en-US" sz="1800" spc="-1" strike="noStrike">
+          <a:bodyPr lIns="0" tIns="0" rIns="0" bIns="0" anchor="ctr"/>
+          <a:lstStyle/>
+          <a:p>
+            <a:endParaRPr lang="en-US" sz="1800" b="0" strike="noStrike" spc="-1">
               <a:solidFill>
                 <a:srgbClr val="000000"/>
               </a:solidFill>
@@ -2539,11 +2761,12 @@
           </a:prstGeom>
         </p:spPr>
         <p:txBody>
-          <a:bodyPr lIns="0" rIns="0" tIns="0" bIns="0">
+          <a:bodyPr lIns="0" tIns="0" rIns="0" bIns="0">
             <a:normAutofit/>
           </a:bodyPr>
-          <a:p>
-            <a:endParaRPr b="0" lang="en-US" sz="2800" spc="-1" strike="noStrike">
+          <a:lstStyle/>
+          <a:p>
+            <a:endParaRPr lang="en-US" sz="2800" b="0" strike="noStrike" spc="-1">
               <a:solidFill>
                 <a:srgbClr val="000000"/>
               </a:solidFill>
@@ -2554,11 +2777,14 @@
       </p:sp>
     </p:spTree>
   </p:cSld>
+  <p:clrMapOvr>
+    <a:masterClrMapping/>
+  </p:clrMapOvr>
 </p:sldLayout>
 </file>
 
 <file path=ppt/slideLayouts/slideLayout30.xml><?xml version="1.0" encoding="utf-8"?>
-<p:sldLayout xmlns:a="http://schemas.openxmlformats.org/drawingml/2006/main" xmlns:p="http://schemas.openxmlformats.org/presentationml/2006/main" xmlns:r="http://schemas.openxmlformats.org/officeDocument/2006/relationships" xmlns:p14="http://schemas.microsoft.com/office/powerpoint/2010/main" xmlns:p15="http://schemas.microsoft.com/office/powerpoint/2012/main" xmlns:mc="http://schemas.openxmlformats.org/markup-compatibility/2006" type="objOnly" preserve="1">
+<p:sldLayout xmlns:a="http://schemas.openxmlformats.org/drawingml/2006/main" xmlns:r="http://schemas.openxmlformats.org/officeDocument/2006/relationships" xmlns:p="http://schemas.openxmlformats.org/presentationml/2006/main" type="objOnly" preserve="1">
   <p:cSld name="Centered Text">
     <p:spTree>
       <p:nvGrpSpPr>
@@ -2594,10 +2820,11 @@
           </a:prstGeom>
         </p:spPr>
         <p:txBody>
-          <a:bodyPr lIns="0" rIns="0" tIns="0" bIns="0" anchor="ctr"/>
+          <a:bodyPr lIns="0" tIns="0" rIns="0" bIns="0" anchor="ctr"/>
+          <a:lstStyle/>
           <a:p>
             <a:pPr algn="ctr"/>
-            <a:endParaRPr b="0" lang="en-US" sz="3200" spc="-1" strike="noStrike">
+            <a:endParaRPr lang="en-US" sz="3200" b="0" strike="noStrike" spc="-1">
               <a:latin typeface="Arial"/>
             </a:endParaRPr>
           </a:p>
@@ -2605,11 +2832,14 @@
       </p:sp>
     </p:spTree>
   </p:cSld>
+  <p:clrMapOvr>
+    <a:masterClrMapping/>
+  </p:clrMapOvr>
 </p:sldLayout>
 </file>
 
 <file path=ppt/slideLayouts/slideLayout31.xml><?xml version="1.0" encoding="utf-8"?>
-<p:sldLayout xmlns:a="http://schemas.openxmlformats.org/drawingml/2006/main" xmlns:p="http://schemas.openxmlformats.org/presentationml/2006/main" xmlns:r="http://schemas.openxmlformats.org/officeDocument/2006/relationships" xmlns:p14="http://schemas.microsoft.com/office/powerpoint/2010/main" xmlns:p15="http://schemas.microsoft.com/office/powerpoint/2012/main" xmlns:mc="http://schemas.openxmlformats.org/markup-compatibility/2006" type="twoObjAndObj" preserve="1">
+<p:sldLayout xmlns:a="http://schemas.openxmlformats.org/drawingml/2006/main" xmlns:r="http://schemas.openxmlformats.org/officeDocument/2006/relationships" xmlns:p="http://schemas.openxmlformats.org/presentationml/2006/main" type="twoObjAndObj" preserve="1">
   <p:cSld name="Title, 2 Content and Content">
     <p:spTree>
       <p:nvGrpSpPr>
@@ -2645,9 +2875,10 @@
           </a:prstGeom>
         </p:spPr>
         <p:txBody>
-          <a:bodyPr lIns="0" rIns="0" tIns="0" bIns="0" anchor="ctr"/>
-          <a:p>
-            <a:endParaRPr b="0" lang="en-US" sz="1800" spc="-1" strike="noStrike">
+          <a:bodyPr lIns="0" tIns="0" rIns="0" bIns="0" anchor="ctr"/>
+          <a:lstStyle/>
+          <a:p>
+            <a:endParaRPr lang="en-US" sz="1800" b="0" strike="noStrike" spc="-1">
               <a:solidFill>
                 <a:srgbClr val="000000"/>
               </a:solidFill>
@@ -2676,11 +2907,12 @@
           </a:prstGeom>
         </p:spPr>
         <p:txBody>
-          <a:bodyPr lIns="0" rIns="0" tIns="0" bIns="0">
+          <a:bodyPr lIns="0" tIns="0" rIns="0" bIns="0">
             <a:normAutofit/>
           </a:bodyPr>
-          <a:p>
-            <a:endParaRPr b="0" lang="en-US" sz="2800" spc="-1" strike="noStrike">
+          <a:lstStyle/>
+          <a:p>
+            <a:endParaRPr lang="en-US" sz="2800" b="0" strike="noStrike" spc="-1">
               <a:solidFill>
                 <a:srgbClr val="000000"/>
               </a:solidFill>
@@ -2709,11 +2941,12 @@
           </a:prstGeom>
         </p:spPr>
         <p:txBody>
-          <a:bodyPr lIns="0" rIns="0" tIns="0" bIns="0">
+          <a:bodyPr lIns="0" tIns="0" rIns="0" bIns="0">
             <a:normAutofit/>
           </a:bodyPr>
-          <a:p>
-            <a:endParaRPr b="0" lang="en-US" sz="2800" spc="-1" strike="noStrike">
+          <a:lstStyle/>
+          <a:p>
+            <a:endParaRPr lang="en-US" sz="2800" b="0" strike="noStrike" spc="-1">
               <a:solidFill>
                 <a:srgbClr val="000000"/>
               </a:solidFill>
@@ -2742,11 +2975,12 @@
           </a:prstGeom>
         </p:spPr>
         <p:txBody>
-          <a:bodyPr lIns="0" rIns="0" tIns="0" bIns="0">
+          <a:bodyPr lIns="0" tIns="0" rIns="0" bIns="0">
             <a:normAutofit/>
           </a:bodyPr>
-          <a:p>
-            <a:endParaRPr b="0" lang="en-US" sz="2800" spc="-1" strike="noStrike">
+          <a:lstStyle/>
+          <a:p>
+            <a:endParaRPr lang="en-US" sz="2800" b="0" strike="noStrike" spc="-1">
               <a:solidFill>
                 <a:srgbClr val="000000"/>
               </a:solidFill>
@@ -2757,11 +2991,14 @@
       </p:sp>
     </p:spTree>
   </p:cSld>
+  <p:clrMapOvr>
+    <a:masterClrMapping/>
+  </p:clrMapOvr>
 </p:sldLayout>
 </file>
 
 <file path=ppt/slideLayouts/slideLayout32.xml><?xml version="1.0" encoding="utf-8"?>
-<p:sldLayout xmlns:a="http://schemas.openxmlformats.org/drawingml/2006/main" xmlns:p="http://schemas.openxmlformats.org/presentationml/2006/main" xmlns:r="http://schemas.openxmlformats.org/officeDocument/2006/relationships" xmlns:p14="http://schemas.microsoft.com/office/powerpoint/2010/main" xmlns:p15="http://schemas.microsoft.com/office/powerpoint/2012/main" xmlns:mc="http://schemas.openxmlformats.org/markup-compatibility/2006" type="objAndTwoObj" preserve="1">
+<p:sldLayout xmlns:a="http://schemas.openxmlformats.org/drawingml/2006/main" xmlns:r="http://schemas.openxmlformats.org/officeDocument/2006/relationships" xmlns:p="http://schemas.openxmlformats.org/presentationml/2006/main" type="objAndTwoObj" preserve="1">
   <p:cSld name="Title Content and 2 Content">
     <p:spTree>
       <p:nvGrpSpPr>
@@ -2797,9 +3034,10 @@
           </a:prstGeom>
         </p:spPr>
         <p:txBody>
-          <a:bodyPr lIns="0" rIns="0" tIns="0" bIns="0" anchor="ctr"/>
-          <a:p>
-            <a:endParaRPr b="0" lang="en-US" sz="1800" spc="-1" strike="noStrike">
+          <a:bodyPr lIns="0" tIns="0" rIns="0" bIns="0" anchor="ctr"/>
+          <a:lstStyle/>
+          <a:p>
+            <a:endParaRPr lang="en-US" sz="1800" b="0" strike="noStrike" spc="-1">
               <a:solidFill>
                 <a:srgbClr val="000000"/>
               </a:solidFill>
@@ -2828,11 +3066,12 @@
           </a:prstGeom>
         </p:spPr>
         <p:txBody>
-          <a:bodyPr lIns="0" rIns="0" tIns="0" bIns="0">
+          <a:bodyPr lIns="0" tIns="0" rIns="0" bIns="0">
             <a:normAutofit/>
           </a:bodyPr>
-          <a:p>
-            <a:endParaRPr b="0" lang="en-US" sz="2800" spc="-1" strike="noStrike">
+          <a:lstStyle/>
+          <a:p>
+            <a:endParaRPr lang="en-US" sz="2800" b="0" strike="noStrike" spc="-1">
               <a:solidFill>
                 <a:srgbClr val="000000"/>
               </a:solidFill>
@@ -2861,11 +3100,12 @@
           </a:prstGeom>
         </p:spPr>
         <p:txBody>
-          <a:bodyPr lIns="0" rIns="0" tIns="0" bIns="0">
+          <a:bodyPr lIns="0" tIns="0" rIns="0" bIns="0">
             <a:normAutofit/>
           </a:bodyPr>
-          <a:p>
-            <a:endParaRPr b="0" lang="en-US" sz="2800" spc="-1" strike="noStrike">
+          <a:lstStyle/>
+          <a:p>
+            <a:endParaRPr lang="en-US" sz="2800" b="0" strike="noStrike" spc="-1">
               <a:solidFill>
                 <a:srgbClr val="000000"/>
               </a:solidFill>
@@ -2894,11 +3134,12 @@
           </a:prstGeom>
         </p:spPr>
         <p:txBody>
-          <a:bodyPr lIns="0" rIns="0" tIns="0" bIns="0">
+          <a:bodyPr lIns="0" tIns="0" rIns="0" bIns="0">
             <a:normAutofit/>
           </a:bodyPr>
-          <a:p>
-            <a:endParaRPr b="0" lang="en-US" sz="2800" spc="-1" strike="noStrike">
+          <a:lstStyle/>
+          <a:p>
+            <a:endParaRPr lang="en-US" sz="2800" b="0" strike="noStrike" spc="-1">
               <a:solidFill>
                 <a:srgbClr val="000000"/>
               </a:solidFill>
@@ -2909,11 +3150,14 @@
       </p:sp>
     </p:spTree>
   </p:cSld>
+  <p:clrMapOvr>
+    <a:masterClrMapping/>
+  </p:clrMapOvr>
 </p:sldLayout>
 </file>
 
 <file path=ppt/slideLayouts/slideLayout33.xml><?xml version="1.0" encoding="utf-8"?>
-<p:sldLayout xmlns:a="http://schemas.openxmlformats.org/drawingml/2006/main" xmlns:p="http://schemas.openxmlformats.org/presentationml/2006/main" xmlns:r="http://schemas.openxmlformats.org/officeDocument/2006/relationships" xmlns:p14="http://schemas.microsoft.com/office/powerpoint/2010/main" xmlns:p15="http://schemas.microsoft.com/office/powerpoint/2012/main" xmlns:mc="http://schemas.openxmlformats.org/markup-compatibility/2006" type="twoObjOverTx" preserve="1">
+<p:sldLayout xmlns:a="http://schemas.openxmlformats.org/drawingml/2006/main" xmlns:r="http://schemas.openxmlformats.org/officeDocument/2006/relationships" xmlns:p="http://schemas.openxmlformats.org/presentationml/2006/main" type="twoObjOverTx" preserve="1">
   <p:cSld name="Title, 2 Content over Content">
     <p:spTree>
       <p:nvGrpSpPr>
@@ -2949,9 +3193,10 @@
           </a:prstGeom>
         </p:spPr>
         <p:txBody>
-          <a:bodyPr lIns="0" rIns="0" tIns="0" bIns="0" anchor="ctr"/>
-          <a:p>
-            <a:endParaRPr b="0" lang="en-US" sz="1800" spc="-1" strike="noStrike">
+          <a:bodyPr lIns="0" tIns="0" rIns="0" bIns="0" anchor="ctr"/>
+          <a:lstStyle/>
+          <a:p>
+            <a:endParaRPr lang="en-US" sz="1800" b="0" strike="noStrike" spc="-1">
               <a:solidFill>
                 <a:srgbClr val="000000"/>
               </a:solidFill>
@@ -2980,11 +3225,12 @@
           </a:prstGeom>
         </p:spPr>
         <p:txBody>
-          <a:bodyPr lIns="0" rIns="0" tIns="0" bIns="0">
+          <a:bodyPr lIns="0" tIns="0" rIns="0" bIns="0">
             <a:normAutofit/>
           </a:bodyPr>
-          <a:p>
-            <a:endParaRPr b="0" lang="en-US" sz="2800" spc="-1" strike="noStrike">
+          <a:lstStyle/>
+          <a:p>
+            <a:endParaRPr lang="en-US" sz="2800" b="0" strike="noStrike" spc="-1">
               <a:solidFill>
                 <a:srgbClr val="000000"/>
               </a:solidFill>
@@ -3013,11 +3259,12 @@
           </a:prstGeom>
         </p:spPr>
         <p:txBody>
-          <a:bodyPr lIns="0" rIns="0" tIns="0" bIns="0">
+          <a:bodyPr lIns="0" tIns="0" rIns="0" bIns="0">
             <a:normAutofit/>
           </a:bodyPr>
-          <a:p>
-            <a:endParaRPr b="0" lang="en-US" sz="2800" spc="-1" strike="noStrike">
+          <a:lstStyle/>
+          <a:p>
+            <a:endParaRPr lang="en-US" sz="2800" b="0" strike="noStrike" spc="-1">
               <a:solidFill>
                 <a:srgbClr val="000000"/>
               </a:solidFill>
@@ -3046,11 +3293,12 @@
           </a:prstGeom>
         </p:spPr>
         <p:txBody>
-          <a:bodyPr lIns="0" rIns="0" tIns="0" bIns="0">
+          <a:bodyPr lIns="0" tIns="0" rIns="0" bIns="0">
             <a:normAutofit/>
           </a:bodyPr>
-          <a:p>
-            <a:endParaRPr b="0" lang="en-US" sz="2800" spc="-1" strike="noStrike">
+          <a:lstStyle/>
+          <a:p>
+            <a:endParaRPr lang="en-US" sz="2800" b="0" strike="noStrike" spc="-1">
               <a:solidFill>
                 <a:srgbClr val="000000"/>
               </a:solidFill>
@@ -3061,11 +3309,14 @@
       </p:sp>
     </p:spTree>
   </p:cSld>
+  <p:clrMapOvr>
+    <a:masterClrMapping/>
+  </p:clrMapOvr>
 </p:sldLayout>
 </file>
 
 <file path=ppt/slideLayouts/slideLayout34.xml><?xml version="1.0" encoding="utf-8"?>
-<p:sldLayout xmlns:a="http://schemas.openxmlformats.org/drawingml/2006/main" xmlns:p="http://schemas.openxmlformats.org/presentationml/2006/main" xmlns:r="http://schemas.openxmlformats.org/officeDocument/2006/relationships" xmlns:p14="http://schemas.microsoft.com/office/powerpoint/2010/main" xmlns:p15="http://schemas.microsoft.com/office/powerpoint/2012/main" xmlns:mc="http://schemas.openxmlformats.org/markup-compatibility/2006" type="objOverTx" preserve="1">
+<p:sldLayout xmlns:a="http://schemas.openxmlformats.org/drawingml/2006/main" xmlns:r="http://schemas.openxmlformats.org/officeDocument/2006/relationships" xmlns:p="http://schemas.openxmlformats.org/presentationml/2006/main" type="objOverTx" preserve="1">
   <p:cSld name="Title, Content over Content">
     <p:spTree>
       <p:nvGrpSpPr>
@@ -3101,9 +3352,10 @@
           </a:prstGeom>
         </p:spPr>
         <p:txBody>
-          <a:bodyPr lIns="0" rIns="0" tIns="0" bIns="0" anchor="ctr"/>
-          <a:p>
-            <a:endParaRPr b="0" lang="en-US" sz="1800" spc="-1" strike="noStrike">
+          <a:bodyPr lIns="0" tIns="0" rIns="0" bIns="0" anchor="ctr"/>
+          <a:lstStyle/>
+          <a:p>
+            <a:endParaRPr lang="en-US" sz="1800" b="0" strike="noStrike" spc="-1">
               <a:solidFill>
                 <a:srgbClr val="000000"/>
               </a:solidFill>
@@ -3132,11 +3384,12 @@
           </a:prstGeom>
         </p:spPr>
         <p:txBody>
-          <a:bodyPr lIns="0" rIns="0" tIns="0" bIns="0">
+          <a:bodyPr lIns="0" tIns="0" rIns="0" bIns="0">
             <a:normAutofit/>
           </a:bodyPr>
-          <a:p>
-            <a:endParaRPr b="0" lang="en-US" sz="2800" spc="-1" strike="noStrike">
+          <a:lstStyle/>
+          <a:p>
+            <a:endParaRPr lang="en-US" sz="2800" b="0" strike="noStrike" spc="-1">
               <a:solidFill>
                 <a:srgbClr val="000000"/>
               </a:solidFill>
@@ -3165,11 +3418,12 @@
           </a:prstGeom>
         </p:spPr>
         <p:txBody>
-          <a:bodyPr lIns="0" rIns="0" tIns="0" bIns="0">
+          <a:bodyPr lIns="0" tIns="0" rIns="0" bIns="0">
             <a:normAutofit/>
           </a:bodyPr>
-          <a:p>
-            <a:endParaRPr b="0" lang="en-US" sz="2800" spc="-1" strike="noStrike">
+          <a:lstStyle/>
+          <a:p>
+            <a:endParaRPr lang="en-US" sz="2800" b="0" strike="noStrike" spc="-1">
               <a:solidFill>
                 <a:srgbClr val="000000"/>
               </a:solidFill>
@@ -3180,11 +3434,14 @@
       </p:sp>
     </p:spTree>
   </p:cSld>
+  <p:clrMapOvr>
+    <a:masterClrMapping/>
+  </p:clrMapOvr>
 </p:sldLayout>
 </file>
 
 <file path=ppt/slideLayouts/slideLayout35.xml><?xml version="1.0" encoding="utf-8"?>
-<p:sldLayout xmlns:a="http://schemas.openxmlformats.org/drawingml/2006/main" xmlns:p="http://schemas.openxmlformats.org/presentationml/2006/main" xmlns:r="http://schemas.openxmlformats.org/officeDocument/2006/relationships" xmlns:p14="http://schemas.microsoft.com/office/powerpoint/2010/main" xmlns:p15="http://schemas.microsoft.com/office/powerpoint/2012/main" xmlns:mc="http://schemas.openxmlformats.org/markup-compatibility/2006" type="fourObj" preserve="1">
+<p:sldLayout xmlns:a="http://schemas.openxmlformats.org/drawingml/2006/main" xmlns:r="http://schemas.openxmlformats.org/officeDocument/2006/relationships" xmlns:p="http://schemas.openxmlformats.org/presentationml/2006/main" type="fourObj" preserve="1">
   <p:cSld name="Title, 4 Content">
     <p:spTree>
       <p:nvGrpSpPr>
@@ -3220,9 +3477,10 @@
           </a:prstGeom>
         </p:spPr>
         <p:txBody>
-          <a:bodyPr lIns="0" rIns="0" tIns="0" bIns="0" anchor="ctr"/>
-          <a:p>
-            <a:endParaRPr b="0" lang="en-US" sz="1800" spc="-1" strike="noStrike">
+          <a:bodyPr lIns="0" tIns="0" rIns="0" bIns="0" anchor="ctr"/>
+          <a:lstStyle/>
+          <a:p>
+            <a:endParaRPr lang="en-US" sz="1800" b="0" strike="noStrike" spc="-1">
               <a:solidFill>
                 <a:srgbClr val="000000"/>
               </a:solidFill>
@@ -3251,11 +3509,12 @@
           </a:prstGeom>
         </p:spPr>
         <p:txBody>
-          <a:bodyPr lIns="0" rIns="0" tIns="0" bIns="0">
+          <a:bodyPr lIns="0" tIns="0" rIns="0" bIns="0">
             <a:normAutofit/>
           </a:bodyPr>
-          <a:p>
-            <a:endParaRPr b="0" lang="en-US" sz="2800" spc="-1" strike="noStrike">
+          <a:lstStyle/>
+          <a:p>
+            <a:endParaRPr lang="en-US" sz="2800" b="0" strike="noStrike" spc="-1">
               <a:solidFill>
                 <a:srgbClr val="000000"/>
               </a:solidFill>
@@ -3284,11 +3543,12 @@
           </a:prstGeom>
         </p:spPr>
         <p:txBody>
-          <a:bodyPr lIns="0" rIns="0" tIns="0" bIns="0">
+          <a:bodyPr lIns="0" tIns="0" rIns="0" bIns="0">
             <a:normAutofit/>
           </a:bodyPr>
-          <a:p>
-            <a:endParaRPr b="0" lang="en-US" sz="2800" spc="-1" strike="noStrike">
+          <a:lstStyle/>
+          <a:p>
+            <a:endParaRPr lang="en-US" sz="2800" b="0" strike="noStrike" spc="-1">
               <a:solidFill>
                 <a:srgbClr val="000000"/>
               </a:solidFill>
@@ -3317,11 +3577,12 @@
           </a:prstGeom>
         </p:spPr>
         <p:txBody>
-          <a:bodyPr lIns="0" rIns="0" tIns="0" bIns="0">
+          <a:bodyPr lIns="0" tIns="0" rIns="0" bIns="0">
             <a:normAutofit/>
           </a:bodyPr>
-          <a:p>
-            <a:endParaRPr b="0" lang="en-US" sz="2800" spc="-1" strike="noStrike">
+          <a:lstStyle/>
+          <a:p>
+            <a:endParaRPr lang="en-US" sz="2800" b="0" strike="noStrike" spc="-1">
               <a:solidFill>
                 <a:srgbClr val="000000"/>
               </a:solidFill>
@@ -3350,11 +3611,12 @@
           </a:prstGeom>
         </p:spPr>
         <p:txBody>
-          <a:bodyPr lIns="0" rIns="0" tIns="0" bIns="0">
+          <a:bodyPr lIns="0" tIns="0" rIns="0" bIns="0">
             <a:normAutofit/>
           </a:bodyPr>
-          <a:p>
-            <a:endParaRPr b="0" lang="en-US" sz="2800" spc="-1" strike="noStrike">
+          <a:lstStyle/>
+          <a:p>
+            <a:endParaRPr lang="en-US" sz="2800" b="0" strike="noStrike" spc="-1">
               <a:solidFill>
                 <a:srgbClr val="000000"/>
               </a:solidFill>
@@ -3365,11 +3627,14 @@
       </p:sp>
     </p:spTree>
   </p:cSld>
+  <p:clrMapOvr>
+    <a:masterClrMapping/>
+  </p:clrMapOvr>
 </p:sldLayout>
 </file>
 
 <file path=ppt/slideLayouts/slideLayout36.xml><?xml version="1.0" encoding="utf-8"?>
-<p:sldLayout xmlns:a="http://schemas.openxmlformats.org/drawingml/2006/main" xmlns:p="http://schemas.openxmlformats.org/presentationml/2006/main" xmlns:r="http://schemas.openxmlformats.org/officeDocument/2006/relationships" xmlns:p14="http://schemas.microsoft.com/office/powerpoint/2010/main" xmlns:p15="http://schemas.microsoft.com/office/powerpoint/2012/main" xmlns:mc="http://schemas.openxmlformats.org/markup-compatibility/2006" type="blank" preserve="1">
+<p:sldLayout xmlns:a="http://schemas.openxmlformats.org/drawingml/2006/main" xmlns:r="http://schemas.openxmlformats.org/officeDocument/2006/relationships" xmlns:p="http://schemas.openxmlformats.org/presentationml/2006/main" type="blank" preserve="1">
   <p:cSld name="Title, 6 Content">
     <p:spTree>
       <p:nvGrpSpPr>
@@ -3405,9 +3670,10 @@
           </a:prstGeom>
         </p:spPr>
         <p:txBody>
-          <a:bodyPr lIns="0" rIns="0" tIns="0" bIns="0" anchor="ctr"/>
-          <a:p>
-            <a:endParaRPr b="0" lang="en-US" sz="1800" spc="-1" strike="noStrike">
+          <a:bodyPr lIns="0" tIns="0" rIns="0" bIns="0" anchor="ctr"/>
+          <a:lstStyle/>
+          <a:p>
+            <a:endParaRPr lang="en-US" sz="1800" b="0" strike="noStrike" spc="-1">
               <a:solidFill>
                 <a:srgbClr val="000000"/>
               </a:solidFill>
@@ -3436,11 +3702,12 @@
           </a:prstGeom>
         </p:spPr>
         <p:txBody>
-          <a:bodyPr lIns="0" rIns="0" tIns="0" bIns="0">
+          <a:bodyPr lIns="0" tIns="0" rIns="0" bIns="0">
             <a:normAutofit/>
           </a:bodyPr>
-          <a:p>
-            <a:endParaRPr b="0" lang="en-US" sz="2800" spc="-1" strike="noStrike">
+          <a:lstStyle/>
+          <a:p>
+            <a:endParaRPr lang="en-US" sz="2800" b="0" strike="noStrike" spc="-1">
               <a:solidFill>
                 <a:srgbClr val="000000"/>
               </a:solidFill>
@@ -3469,11 +3736,12 @@
           </a:prstGeom>
         </p:spPr>
         <p:txBody>
-          <a:bodyPr lIns="0" rIns="0" tIns="0" bIns="0">
+          <a:bodyPr lIns="0" tIns="0" rIns="0" bIns="0">
             <a:normAutofit/>
           </a:bodyPr>
-          <a:p>
-            <a:endParaRPr b="0" lang="en-US" sz="2800" spc="-1" strike="noStrike">
+          <a:lstStyle/>
+          <a:p>
+            <a:endParaRPr lang="en-US" sz="2800" b="0" strike="noStrike" spc="-1">
               <a:solidFill>
                 <a:srgbClr val="000000"/>
               </a:solidFill>
@@ -3502,11 +3770,12 @@
           </a:prstGeom>
         </p:spPr>
         <p:txBody>
-          <a:bodyPr lIns="0" rIns="0" tIns="0" bIns="0">
+          <a:bodyPr lIns="0" tIns="0" rIns="0" bIns="0">
             <a:normAutofit/>
           </a:bodyPr>
-          <a:p>
-            <a:endParaRPr b="0" lang="en-US" sz="2800" spc="-1" strike="noStrike">
+          <a:lstStyle/>
+          <a:p>
+            <a:endParaRPr lang="en-US" sz="2800" b="0" strike="noStrike" spc="-1">
               <a:solidFill>
                 <a:srgbClr val="000000"/>
               </a:solidFill>
@@ -3535,11 +3804,12 @@
           </a:prstGeom>
         </p:spPr>
         <p:txBody>
-          <a:bodyPr lIns="0" rIns="0" tIns="0" bIns="0">
+          <a:bodyPr lIns="0" tIns="0" rIns="0" bIns="0">
             <a:normAutofit/>
           </a:bodyPr>
-          <a:p>
-            <a:endParaRPr b="0" lang="en-US" sz="2800" spc="-1" strike="noStrike">
+          <a:lstStyle/>
+          <a:p>
+            <a:endParaRPr lang="en-US" sz="2800" b="0" strike="noStrike" spc="-1">
               <a:solidFill>
                 <a:srgbClr val="000000"/>
               </a:solidFill>
@@ -3568,11 +3838,12 @@
           </a:prstGeom>
         </p:spPr>
         <p:txBody>
-          <a:bodyPr lIns="0" rIns="0" tIns="0" bIns="0">
+          <a:bodyPr lIns="0" tIns="0" rIns="0" bIns="0">
             <a:normAutofit/>
           </a:bodyPr>
-          <a:p>
-            <a:endParaRPr b="0" lang="en-US" sz="2800" spc="-1" strike="noStrike">
+          <a:lstStyle/>
+          <a:p>
+            <a:endParaRPr lang="en-US" sz="2800" b="0" strike="noStrike" spc="-1">
               <a:solidFill>
                 <a:srgbClr val="000000"/>
               </a:solidFill>
@@ -3601,11 +3872,12 @@
           </a:prstGeom>
         </p:spPr>
         <p:txBody>
-          <a:bodyPr lIns="0" rIns="0" tIns="0" bIns="0">
+          <a:bodyPr lIns="0" tIns="0" rIns="0" bIns="0">
             <a:normAutofit/>
           </a:bodyPr>
-          <a:p>
-            <a:endParaRPr b="0" lang="en-US" sz="2800" spc="-1" strike="noStrike">
+          <a:lstStyle/>
+          <a:p>
+            <a:endParaRPr lang="en-US" sz="2800" b="0" strike="noStrike" spc="-1">
               <a:solidFill>
                 <a:srgbClr val="000000"/>
               </a:solidFill>
@@ -3616,11 +3888,14 @@
       </p:sp>
     </p:spTree>
   </p:cSld>
+  <p:clrMapOvr>
+    <a:masterClrMapping/>
+  </p:clrMapOvr>
 </p:sldLayout>
 </file>
 
 <file path=ppt/slideLayouts/slideLayout4.xml><?xml version="1.0" encoding="utf-8"?>
-<p:sldLayout xmlns:a="http://schemas.openxmlformats.org/drawingml/2006/main" xmlns:p="http://schemas.openxmlformats.org/presentationml/2006/main" xmlns:r="http://schemas.openxmlformats.org/officeDocument/2006/relationships" xmlns:p14="http://schemas.microsoft.com/office/powerpoint/2010/main" xmlns:p15="http://schemas.microsoft.com/office/powerpoint/2012/main" xmlns:mc="http://schemas.openxmlformats.org/markup-compatibility/2006" type="twoObj" preserve="1">
+<p:sldLayout xmlns:a="http://schemas.openxmlformats.org/drawingml/2006/main" xmlns:r="http://schemas.openxmlformats.org/officeDocument/2006/relationships" xmlns:p="http://schemas.openxmlformats.org/presentationml/2006/main" type="twoObj" preserve="1">
   <p:cSld name="Title, 2 Content">
     <p:spTree>
       <p:nvGrpSpPr>
@@ -3656,9 +3931,10 @@
           </a:prstGeom>
         </p:spPr>
         <p:txBody>
-          <a:bodyPr lIns="0" rIns="0" tIns="0" bIns="0" anchor="ctr"/>
-          <a:p>
-            <a:endParaRPr b="0" lang="en-US" sz="1800" spc="-1" strike="noStrike">
+          <a:bodyPr lIns="0" tIns="0" rIns="0" bIns="0" anchor="ctr"/>
+          <a:lstStyle/>
+          <a:p>
+            <a:endParaRPr lang="en-US" sz="1800" b="0" strike="noStrike" spc="-1">
               <a:solidFill>
                 <a:srgbClr val="000000"/>
               </a:solidFill>
@@ -3687,11 +3963,12 @@
           </a:prstGeom>
         </p:spPr>
         <p:txBody>
-          <a:bodyPr lIns="0" rIns="0" tIns="0" bIns="0">
+          <a:bodyPr lIns="0" tIns="0" rIns="0" bIns="0">
             <a:normAutofit/>
           </a:bodyPr>
-          <a:p>
-            <a:endParaRPr b="0" lang="en-US" sz="2800" spc="-1" strike="noStrike">
+          <a:lstStyle/>
+          <a:p>
+            <a:endParaRPr lang="en-US" sz="2800" b="0" strike="noStrike" spc="-1">
               <a:solidFill>
                 <a:srgbClr val="000000"/>
               </a:solidFill>
@@ -3720,11 +3997,12 @@
           </a:prstGeom>
         </p:spPr>
         <p:txBody>
-          <a:bodyPr lIns="0" rIns="0" tIns="0" bIns="0">
+          <a:bodyPr lIns="0" tIns="0" rIns="0" bIns="0">
             <a:normAutofit/>
           </a:bodyPr>
-          <a:p>
-            <a:endParaRPr b="0" lang="en-US" sz="2800" spc="-1" strike="noStrike">
+          <a:lstStyle/>
+          <a:p>
+            <a:endParaRPr lang="en-US" sz="2800" b="0" strike="noStrike" spc="-1">
               <a:solidFill>
                 <a:srgbClr val="000000"/>
               </a:solidFill>
@@ -3735,11 +4013,14 @@
       </p:sp>
     </p:spTree>
   </p:cSld>
+  <p:clrMapOvr>
+    <a:masterClrMapping/>
+  </p:clrMapOvr>
 </p:sldLayout>
 </file>
 
 <file path=ppt/slideLayouts/slideLayout5.xml><?xml version="1.0" encoding="utf-8"?>
-<p:sldLayout xmlns:a="http://schemas.openxmlformats.org/drawingml/2006/main" xmlns:p="http://schemas.openxmlformats.org/presentationml/2006/main" xmlns:r="http://schemas.openxmlformats.org/officeDocument/2006/relationships" xmlns:p14="http://schemas.microsoft.com/office/powerpoint/2010/main" xmlns:p15="http://schemas.microsoft.com/office/powerpoint/2012/main" xmlns:mc="http://schemas.openxmlformats.org/markup-compatibility/2006" type="titleOnly" preserve="1">
+<p:sldLayout xmlns:a="http://schemas.openxmlformats.org/drawingml/2006/main" xmlns:r="http://schemas.openxmlformats.org/officeDocument/2006/relationships" xmlns:p="http://schemas.openxmlformats.org/presentationml/2006/main" type="titleOnly" preserve="1">
   <p:cSld name="Title Only">
     <p:spTree>
       <p:nvGrpSpPr>
@@ -3775,9 +4056,10 @@
           </a:prstGeom>
         </p:spPr>
         <p:txBody>
-          <a:bodyPr lIns="0" rIns="0" tIns="0" bIns="0" anchor="ctr"/>
-          <a:p>
-            <a:endParaRPr b="0" lang="en-US" sz="1800" spc="-1" strike="noStrike">
+          <a:bodyPr lIns="0" tIns="0" rIns="0" bIns="0" anchor="ctr"/>
+          <a:lstStyle/>
+          <a:p>
+            <a:endParaRPr lang="en-US" sz="1800" b="0" strike="noStrike" spc="-1">
               <a:solidFill>
                 <a:srgbClr val="000000"/>
               </a:solidFill>
@@ -3788,11 +4070,14 @@
       </p:sp>
     </p:spTree>
   </p:cSld>
+  <p:clrMapOvr>
+    <a:masterClrMapping/>
+  </p:clrMapOvr>
 </p:sldLayout>
 </file>
 
 <file path=ppt/slideLayouts/slideLayout6.xml><?xml version="1.0" encoding="utf-8"?>
-<p:sldLayout xmlns:a="http://schemas.openxmlformats.org/drawingml/2006/main" xmlns:p="http://schemas.openxmlformats.org/presentationml/2006/main" xmlns:r="http://schemas.openxmlformats.org/officeDocument/2006/relationships" xmlns:p14="http://schemas.microsoft.com/office/powerpoint/2010/main" xmlns:p15="http://schemas.microsoft.com/office/powerpoint/2012/main" xmlns:mc="http://schemas.openxmlformats.org/markup-compatibility/2006" type="objOnly" preserve="1">
+<p:sldLayout xmlns:a="http://schemas.openxmlformats.org/drawingml/2006/main" xmlns:r="http://schemas.openxmlformats.org/officeDocument/2006/relationships" xmlns:p="http://schemas.openxmlformats.org/presentationml/2006/main" type="objOnly" preserve="1">
   <p:cSld name="Centered Text">
     <p:spTree>
       <p:nvGrpSpPr>
@@ -3828,10 +4113,11 @@
           </a:prstGeom>
         </p:spPr>
         <p:txBody>
-          <a:bodyPr lIns="0" rIns="0" tIns="0" bIns="0" anchor="ctr"/>
+          <a:bodyPr lIns="0" tIns="0" rIns="0" bIns="0" anchor="ctr"/>
+          <a:lstStyle/>
           <a:p>
             <a:pPr algn="ctr"/>
-            <a:endParaRPr b="0" lang="en-US" sz="3200" spc="-1" strike="noStrike">
+            <a:endParaRPr lang="en-US" sz="3200" b="0" strike="noStrike" spc="-1">
               <a:latin typeface="Arial"/>
             </a:endParaRPr>
           </a:p>
@@ -3839,11 +4125,14 @@
       </p:sp>
     </p:spTree>
   </p:cSld>
+  <p:clrMapOvr>
+    <a:masterClrMapping/>
+  </p:clrMapOvr>
 </p:sldLayout>
 </file>
 
 <file path=ppt/slideLayouts/slideLayout7.xml><?xml version="1.0" encoding="utf-8"?>
-<p:sldLayout xmlns:a="http://schemas.openxmlformats.org/drawingml/2006/main" xmlns:p="http://schemas.openxmlformats.org/presentationml/2006/main" xmlns:r="http://schemas.openxmlformats.org/officeDocument/2006/relationships" xmlns:p14="http://schemas.microsoft.com/office/powerpoint/2010/main" xmlns:p15="http://schemas.microsoft.com/office/powerpoint/2012/main" xmlns:mc="http://schemas.openxmlformats.org/markup-compatibility/2006" type="twoObjAndObj" preserve="1">
+<p:sldLayout xmlns:a="http://schemas.openxmlformats.org/drawingml/2006/main" xmlns:r="http://schemas.openxmlformats.org/officeDocument/2006/relationships" xmlns:p="http://schemas.openxmlformats.org/presentationml/2006/main" type="twoObjAndObj" preserve="1">
   <p:cSld name="Title, 2 Content and Content">
     <p:spTree>
       <p:nvGrpSpPr>
@@ -3879,9 +4168,10 @@
           </a:prstGeom>
         </p:spPr>
         <p:txBody>
-          <a:bodyPr lIns="0" rIns="0" tIns="0" bIns="0" anchor="ctr"/>
-          <a:p>
-            <a:endParaRPr b="0" lang="en-US" sz="1800" spc="-1" strike="noStrike">
+          <a:bodyPr lIns="0" tIns="0" rIns="0" bIns="0" anchor="ctr"/>
+          <a:lstStyle/>
+          <a:p>
+            <a:endParaRPr lang="en-US" sz="1800" b="0" strike="noStrike" spc="-1">
               <a:solidFill>
                 <a:srgbClr val="000000"/>
               </a:solidFill>
@@ -3910,11 +4200,12 @@
           </a:prstGeom>
         </p:spPr>
         <p:txBody>
-          <a:bodyPr lIns="0" rIns="0" tIns="0" bIns="0">
+          <a:bodyPr lIns="0" tIns="0" rIns="0" bIns="0">
             <a:normAutofit/>
           </a:bodyPr>
-          <a:p>
-            <a:endParaRPr b="0" lang="en-US" sz="2800" spc="-1" strike="noStrike">
+          <a:lstStyle/>
+          <a:p>
+            <a:endParaRPr lang="en-US" sz="2800" b="0" strike="noStrike" spc="-1">
               <a:solidFill>
                 <a:srgbClr val="000000"/>
               </a:solidFill>
@@ -3943,11 +4234,12 @@
           </a:prstGeom>
         </p:spPr>
         <p:txBody>
-          <a:bodyPr lIns="0" rIns="0" tIns="0" bIns="0">
+          <a:bodyPr lIns="0" tIns="0" rIns="0" bIns="0">
             <a:normAutofit/>
           </a:bodyPr>
-          <a:p>
-            <a:endParaRPr b="0" lang="en-US" sz="2800" spc="-1" strike="noStrike">
+          <a:lstStyle/>
+          <a:p>
+            <a:endParaRPr lang="en-US" sz="2800" b="0" strike="noStrike" spc="-1">
               <a:solidFill>
                 <a:srgbClr val="000000"/>
               </a:solidFill>
@@ -3976,11 +4268,12 @@
           </a:prstGeom>
         </p:spPr>
         <p:txBody>
-          <a:bodyPr lIns="0" rIns="0" tIns="0" bIns="0">
+          <a:bodyPr lIns="0" tIns="0" rIns="0" bIns="0">
             <a:normAutofit/>
           </a:bodyPr>
-          <a:p>
-            <a:endParaRPr b="0" lang="en-US" sz="2800" spc="-1" strike="noStrike">
+          <a:lstStyle/>
+          <a:p>
+            <a:endParaRPr lang="en-US" sz="2800" b="0" strike="noStrike" spc="-1">
               <a:solidFill>
                 <a:srgbClr val="000000"/>
               </a:solidFill>
@@ -3991,11 +4284,14 @@
       </p:sp>
     </p:spTree>
   </p:cSld>
+  <p:clrMapOvr>
+    <a:masterClrMapping/>
+  </p:clrMapOvr>
 </p:sldLayout>
 </file>
 
 <file path=ppt/slideLayouts/slideLayout8.xml><?xml version="1.0" encoding="utf-8"?>
-<p:sldLayout xmlns:a="http://schemas.openxmlformats.org/drawingml/2006/main" xmlns:p="http://schemas.openxmlformats.org/presentationml/2006/main" xmlns:r="http://schemas.openxmlformats.org/officeDocument/2006/relationships" xmlns:p14="http://schemas.microsoft.com/office/powerpoint/2010/main" xmlns:p15="http://schemas.microsoft.com/office/powerpoint/2012/main" xmlns:mc="http://schemas.openxmlformats.org/markup-compatibility/2006" type="objAndTwoObj" preserve="1">
+<p:sldLayout xmlns:a="http://schemas.openxmlformats.org/drawingml/2006/main" xmlns:r="http://schemas.openxmlformats.org/officeDocument/2006/relationships" xmlns:p="http://schemas.openxmlformats.org/presentationml/2006/main" type="objAndTwoObj" preserve="1">
   <p:cSld name="Title Content and 2 Content">
     <p:spTree>
       <p:nvGrpSpPr>
@@ -4031,9 +4327,10 @@
           </a:prstGeom>
         </p:spPr>
         <p:txBody>
-          <a:bodyPr lIns="0" rIns="0" tIns="0" bIns="0" anchor="ctr"/>
-          <a:p>
-            <a:endParaRPr b="0" lang="en-US" sz="1800" spc="-1" strike="noStrike">
+          <a:bodyPr lIns="0" tIns="0" rIns="0" bIns="0" anchor="ctr"/>
+          <a:lstStyle/>
+          <a:p>
+            <a:endParaRPr lang="en-US" sz="1800" b="0" strike="noStrike" spc="-1">
               <a:solidFill>
                 <a:srgbClr val="000000"/>
               </a:solidFill>
@@ -4062,11 +4359,12 @@
           </a:prstGeom>
         </p:spPr>
         <p:txBody>
-          <a:bodyPr lIns="0" rIns="0" tIns="0" bIns="0">
+          <a:bodyPr lIns="0" tIns="0" rIns="0" bIns="0">
             <a:normAutofit/>
           </a:bodyPr>
-          <a:p>
-            <a:endParaRPr b="0" lang="en-US" sz="2800" spc="-1" strike="noStrike">
+          <a:lstStyle/>
+          <a:p>
+            <a:endParaRPr lang="en-US" sz="2800" b="0" strike="noStrike" spc="-1">
               <a:solidFill>
                 <a:srgbClr val="000000"/>
               </a:solidFill>
@@ -4095,11 +4393,12 @@
           </a:prstGeom>
         </p:spPr>
         <p:txBody>
-          <a:bodyPr lIns="0" rIns="0" tIns="0" bIns="0">
+          <a:bodyPr lIns="0" tIns="0" rIns="0" bIns="0">
             <a:normAutofit/>
           </a:bodyPr>
-          <a:p>
-            <a:endParaRPr b="0" lang="en-US" sz="2800" spc="-1" strike="noStrike">
+          <a:lstStyle/>
+          <a:p>
+            <a:endParaRPr lang="en-US" sz="2800" b="0" strike="noStrike" spc="-1">
               <a:solidFill>
                 <a:srgbClr val="000000"/>
               </a:solidFill>
@@ -4128,11 +4427,12 @@
           </a:prstGeom>
         </p:spPr>
         <p:txBody>
-          <a:bodyPr lIns="0" rIns="0" tIns="0" bIns="0">
+          <a:bodyPr lIns="0" tIns="0" rIns="0" bIns="0">
             <a:normAutofit/>
           </a:bodyPr>
-          <a:p>
-            <a:endParaRPr b="0" lang="en-US" sz="2800" spc="-1" strike="noStrike">
+          <a:lstStyle/>
+          <a:p>
+            <a:endParaRPr lang="en-US" sz="2800" b="0" strike="noStrike" spc="-1">
               <a:solidFill>
                 <a:srgbClr val="000000"/>
               </a:solidFill>
@@ -4143,11 +4443,14 @@
       </p:sp>
     </p:spTree>
   </p:cSld>
+  <p:clrMapOvr>
+    <a:masterClrMapping/>
+  </p:clrMapOvr>
 </p:sldLayout>
 </file>
 
 <file path=ppt/slideLayouts/slideLayout9.xml><?xml version="1.0" encoding="utf-8"?>
-<p:sldLayout xmlns:a="http://schemas.openxmlformats.org/drawingml/2006/main" xmlns:p="http://schemas.openxmlformats.org/presentationml/2006/main" xmlns:r="http://schemas.openxmlformats.org/officeDocument/2006/relationships" xmlns:p14="http://schemas.microsoft.com/office/powerpoint/2010/main" xmlns:p15="http://schemas.microsoft.com/office/powerpoint/2012/main" xmlns:mc="http://schemas.openxmlformats.org/markup-compatibility/2006" type="twoObjOverTx" preserve="1">
+<p:sldLayout xmlns:a="http://schemas.openxmlformats.org/drawingml/2006/main" xmlns:r="http://schemas.openxmlformats.org/officeDocument/2006/relationships" xmlns:p="http://schemas.openxmlformats.org/presentationml/2006/main" type="twoObjOverTx" preserve="1">
   <p:cSld name="Title, 2 Content over Content">
     <p:spTree>
       <p:nvGrpSpPr>
@@ -4183,9 +4486,10 @@
           </a:prstGeom>
         </p:spPr>
         <p:txBody>
-          <a:bodyPr lIns="0" rIns="0" tIns="0" bIns="0" anchor="ctr"/>
-          <a:p>
-            <a:endParaRPr b="0" lang="en-US" sz="1800" spc="-1" strike="noStrike">
+          <a:bodyPr lIns="0" tIns="0" rIns="0" bIns="0" anchor="ctr"/>
+          <a:lstStyle/>
+          <a:p>
+            <a:endParaRPr lang="en-US" sz="1800" b="0" strike="noStrike" spc="-1">
               <a:solidFill>
                 <a:srgbClr val="000000"/>
               </a:solidFill>
@@ -4214,11 +4518,12 @@
           </a:prstGeom>
         </p:spPr>
         <p:txBody>
-          <a:bodyPr lIns="0" rIns="0" tIns="0" bIns="0">
+          <a:bodyPr lIns="0" tIns="0" rIns="0" bIns="0">
             <a:normAutofit/>
           </a:bodyPr>
-          <a:p>
-            <a:endParaRPr b="0" lang="en-US" sz="2800" spc="-1" strike="noStrike">
+          <a:lstStyle/>
+          <a:p>
+            <a:endParaRPr lang="en-US" sz="2800" b="0" strike="noStrike" spc="-1">
               <a:solidFill>
                 <a:srgbClr val="000000"/>
               </a:solidFill>
@@ -4247,11 +4552,12 @@
           </a:prstGeom>
         </p:spPr>
         <p:txBody>
-          <a:bodyPr lIns="0" rIns="0" tIns="0" bIns="0">
+          <a:bodyPr lIns="0" tIns="0" rIns="0" bIns="0">
             <a:normAutofit/>
           </a:bodyPr>
-          <a:p>
-            <a:endParaRPr b="0" lang="en-US" sz="2800" spc="-1" strike="noStrike">
+          <a:lstStyle/>
+          <a:p>
+            <a:endParaRPr lang="en-US" sz="2800" b="0" strike="noStrike" spc="-1">
               <a:solidFill>
                 <a:srgbClr val="000000"/>
               </a:solidFill>
@@ -4280,11 +4586,12 @@
           </a:prstGeom>
         </p:spPr>
         <p:txBody>
-          <a:bodyPr lIns="0" rIns="0" tIns="0" bIns="0">
+          <a:bodyPr lIns="0" tIns="0" rIns="0" bIns="0">
             <a:normAutofit/>
           </a:bodyPr>
-          <a:p>
-            <a:endParaRPr b="0" lang="en-US" sz="2800" spc="-1" strike="noStrike">
+          <a:lstStyle/>
+          <a:p>
+            <a:endParaRPr lang="en-US" sz="2800" b="0" strike="noStrike" spc="-1">
               <a:solidFill>
                 <a:srgbClr val="000000"/>
               </a:solidFill>
@@ -4295,17 +4602,21 @@
       </p:sp>
     </p:spTree>
   </p:cSld>
+  <p:clrMapOvr>
+    <a:masterClrMapping/>
+  </p:clrMapOvr>
 </p:sldLayout>
 </file>
 
 <file path=ppt/slideMasters/slideMaster1.xml><?xml version="1.0" encoding="utf-8"?>
-<p:sldMaster xmlns:a="http://schemas.openxmlformats.org/drawingml/2006/main" xmlns:p="http://schemas.openxmlformats.org/presentationml/2006/main" xmlns:r="http://schemas.openxmlformats.org/officeDocument/2006/relationships" xmlns:p14="http://schemas.microsoft.com/office/powerpoint/2010/main" xmlns:p15="http://schemas.microsoft.com/office/powerpoint/2012/main" xmlns:mc="http://schemas.openxmlformats.org/markup-compatibility/2006">
+<p:sldMaster xmlns:a="http://schemas.openxmlformats.org/drawingml/2006/main" xmlns:r="http://schemas.openxmlformats.org/officeDocument/2006/relationships" xmlns:p="http://schemas.openxmlformats.org/presentationml/2006/main">
   <p:cSld>
     <p:bg>
       <p:bgPr>
         <a:solidFill>
-          <a:srgbClr val="ffffff"/>
+          <a:srgbClr val="FFFFFF"/>
         </a:solidFill>
+        <a:effectLst/>
       </p:bgPr>
     </p:bg>
     <p:spTree>
@@ -4324,7 +4635,7 @@
       </p:grpSpPr>
       <p:sp>
         <p:nvSpPr>
-          <p:cNvPr id="0" name="CustomShape 1" hidden="1"/>
+          <p:cNvPr id="8" name="CustomShape 1" hidden="1"/>
           <p:cNvSpPr/>
           <p:nvPr/>
         </p:nvSpPr>
@@ -4337,22 +4648,28 @@
             <a:avLst/>
           </a:prstGeom>
           <a:solidFill>
-            <a:srgbClr val="bd582c"/>
+            <a:srgbClr val="BD582C"/>
           </a:solidFill>
           <a:ln w="15840">
             <a:noFill/>
           </a:ln>
         </p:spPr>
         <p:style>
-          <a:lnRef idx="0"/>
-          <a:fillRef idx="0"/>
-          <a:effectRef idx="0"/>
+          <a:lnRef idx="0">
+            <a:scrgbClr r="0" g="0" b="0"/>
+          </a:lnRef>
+          <a:fillRef idx="0">
+            <a:scrgbClr r="0" g="0" b="0"/>
+          </a:fillRef>
+          <a:effectRef idx="0">
+            <a:scrgbClr r="0" g="0" b="0"/>
+          </a:effectRef>
           <a:fontRef idx="minor"/>
         </p:style>
       </p:sp>
       <p:sp>
         <p:nvSpPr>
-          <p:cNvPr id="1" name="CustomShape 2" hidden="1"/>
+          <p:cNvPr id="9" name="CustomShape 2" hidden="1"/>
           <p:cNvSpPr/>
           <p:nvPr/>
         </p:nvSpPr>
@@ -4365,16 +4682,22 @@
             <a:avLst/>
           </a:prstGeom>
           <a:solidFill>
-            <a:srgbClr val="e48312"/>
+            <a:srgbClr val="E48312"/>
           </a:solidFill>
           <a:ln w="15840">
             <a:noFill/>
           </a:ln>
         </p:spPr>
         <p:style>
-          <a:lnRef idx="0"/>
-          <a:fillRef idx="0"/>
-          <a:effectRef idx="0"/>
+          <a:lnRef idx="0">
+            <a:scrgbClr r="0" g="0" b="0"/>
+          </a:lnRef>
+          <a:fillRef idx="0">
+            <a:scrgbClr r="0" g="0" b="0"/>
+          </a:fillRef>
+          <a:effectRef idx="0">
+            <a:scrgbClr r="0" g="0" b="0"/>
+          </a:effectRef>
           <a:fontRef idx="minor"/>
         </p:style>
       </p:sp>
@@ -4400,9 +4723,15 @@
           </a:ln>
         </p:spPr>
         <p:style>
-          <a:lnRef idx="0"/>
-          <a:fillRef idx="0"/>
-          <a:effectRef idx="0"/>
+          <a:lnRef idx="0">
+            <a:scrgbClr r="0" g="0" b="0"/>
+          </a:lnRef>
+          <a:fillRef idx="0">
+            <a:scrgbClr r="0" g="0" b="0"/>
+          </a:fillRef>
+          <a:effectRef idx="0">
+            <a:scrgbClr r="0" g="0" b="0"/>
+          </a:effectRef>
           <a:fontRef idx="minor"/>
         </p:style>
       </p:sp>
@@ -4421,16 +4750,22 @@
             <a:avLst/>
           </a:prstGeom>
           <a:solidFill>
-            <a:srgbClr val="bd582c"/>
+            <a:srgbClr val="BD582C"/>
           </a:solidFill>
           <a:ln w="15840">
             <a:noFill/>
           </a:ln>
         </p:spPr>
         <p:style>
-          <a:lnRef idx="0"/>
-          <a:fillRef idx="0"/>
-          <a:effectRef idx="0"/>
+          <a:lnRef idx="0">
+            <a:scrgbClr r="0" g="0" b="0"/>
+          </a:lnRef>
+          <a:fillRef idx="0">
+            <a:scrgbClr r="0" g="0" b="0"/>
+          </a:fillRef>
+          <a:effectRef idx="0">
+            <a:scrgbClr r="0" g="0" b="0"/>
+          </a:effectRef>
           <a:fontRef idx="minor"/>
         </p:style>
       </p:sp>
@@ -4449,16 +4784,22 @@
             <a:avLst/>
           </a:prstGeom>
           <a:solidFill>
-            <a:srgbClr val="e48312"/>
+            <a:srgbClr val="E48312"/>
           </a:solidFill>
           <a:ln w="15840">
             <a:noFill/>
           </a:ln>
         </p:spPr>
         <p:style>
-          <a:lnRef idx="0"/>
-          <a:fillRef idx="0"/>
-          <a:effectRef idx="0"/>
+          <a:lnRef idx="0">
+            <a:scrgbClr r="0" g="0" b="0"/>
+          </a:lnRef>
+          <a:fillRef idx="0">
+            <a:scrgbClr r="0" g="0" b="0"/>
+          </a:fillRef>
+          <a:effectRef idx="0">
+            <a:scrgbClr r="0" g="0" b="0"/>
+          </a:effectRef>
           <a:fontRef idx="minor"/>
         </p:style>
       </p:sp>
@@ -4484,9 +4825,15 @@
           </a:ln>
         </p:spPr>
         <p:style>
-          <a:lnRef idx="0"/>
-          <a:fillRef idx="0"/>
-          <a:effectRef idx="0"/>
+          <a:lnRef idx="0">
+            <a:scrgbClr r="0" g="0" b="0"/>
+          </a:lnRef>
+          <a:fillRef idx="0">
+            <a:scrgbClr r="0" g="0" b="0"/>
+          </a:fillRef>
+          <a:effectRef idx="0">
+            <a:scrgbClr r="0" g="0" b="0"/>
+          </a:effectRef>
           <a:fontRef idx="minor"/>
         </p:style>
       </p:sp>
@@ -4510,10 +4857,11 @@
           </a:prstGeom>
         </p:spPr>
         <p:txBody>
-          <a:bodyPr lIns="0" rIns="0" tIns="0" bIns="0" anchor="ctr"/>
+          <a:bodyPr lIns="0" tIns="0" rIns="0" bIns="0" anchor="ctr"/>
+          <a:lstStyle/>
           <a:p>
             <a:r>
-              <a:rPr b="0" lang="en-US" sz="4400" spc="-1" strike="noStrike">
+              <a:rPr lang="en-US" sz="4400" b="0" strike="noStrike" spc="-1">
                 <a:solidFill>
                   <a:srgbClr val="000000"/>
                 </a:solidFill>
@@ -4521,12 +4869,6 @@
               </a:rPr>
               <a:t>Click to edit the title text format</a:t>
             </a:r>
-            <a:endParaRPr b="0" lang="en-US" sz="4400" spc="-1" strike="noStrike">
-              <a:solidFill>
-                <a:srgbClr val="000000"/>
-              </a:solidFill>
-              <a:latin typeface="Arial"/>
-            </a:endParaRPr>
           </a:p>
         </p:txBody>
       </p:sp>
@@ -4550,9 +4892,10 @@
           </a:prstGeom>
         </p:spPr>
         <p:txBody>
-          <a:bodyPr lIns="0" rIns="0" tIns="0" bIns="0">
+          <a:bodyPr lIns="0" tIns="0" rIns="0" bIns="0">
             <a:normAutofit/>
           </a:bodyPr>
+          <a:lstStyle/>
           <a:p>
             <a:pPr marL="432000" indent="-324000">
               <a:spcBef>
@@ -4566,7 +4909,7 @@
               <a:buChar char=""/>
             </a:pPr>
             <a:r>
-              <a:rPr b="0" lang="en-US" sz="2800" spc="-1" strike="noStrike">
+              <a:rPr lang="en-US" sz="2800" b="0" strike="noStrike" spc="-1">
                 <a:solidFill>
                   <a:srgbClr val="000000"/>
                 </a:solidFill>
@@ -4574,15 +4917,9 @@
               </a:rPr>
               <a:t>Click to edit the outline text format</a:t>
             </a:r>
-            <a:endParaRPr b="0" lang="en-US" sz="2800" spc="-1" strike="noStrike">
-              <a:solidFill>
-                <a:srgbClr val="000000"/>
-              </a:solidFill>
-              <a:latin typeface="Arial"/>
-            </a:endParaRPr>
-          </a:p>
-          <a:p>
-            <a:pPr lvl="1" marL="864000" indent="-324000">
+          </a:p>
+          <a:p>
+            <a:pPr marL="864000" lvl="1" indent="-324000">
               <a:spcBef>
                 <a:spcPts val="1134"/>
               </a:spcBef>
@@ -4594,7 +4931,7 @@
               <a:buChar char=""/>
             </a:pPr>
             <a:r>
-              <a:rPr b="0" lang="en-US" sz="2800" spc="-1" strike="noStrike">
+              <a:rPr lang="en-US" sz="2800" b="0" strike="noStrike" spc="-1">
                 <a:solidFill>
                   <a:srgbClr val="000000"/>
                 </a:solidFill>
@@ -4602,15 +4939,9 @@
               </a:rPr>
               <a:t>Second Outline Level</a:t>
             </a:r>
-            <a:endParaRPr b="0" lang="en-US" sz="2800" spc="-1" strike="noStrike">
-              <a:solidFill>
-                <a:srgbClr val="000000"/>
-              </a:solidFill>
-              <a:latin typeface="Arial"/>
-            </a:endParaRPr>
-          </a:p>
-          <a:p>
-            <a:pPr lvl="2" marL="1296000" indent="-288000">
+          </a:p>
+          <a:p>
+            <a:pPr marL="1296000" lvl="2" indent="-288000">
               <a:spcBef>
                 <a:spcPts val="850"/>
               </a:spcBef>
@@ -4622,7 +4953,7 @@
               <a:buChar char=""/>
             </a:pPr>
             <a:r>
-              <a:rPr b="0" lang="en-US" sz="2800" spc="-1" strike="noStrike">
+              <a:rPr lang="en-US" sz="2800" b="0" strike="noStrike" spc="-1">
                 <a:solidFill>
                   <a:srgbClr val="000000"/>
                 </a:solidFill>
@@ -4630,15 +4961,9 @@
               </a:rPr>
               <a:t>Third Outline Level</a:t>
             </a:r>
-            <a:endParaRPr b="0" lang="en-US" sz="2800" spc="-1" strike="noStrike">
-              <a:solidFill>
-                <a:srgbClr val="000000"/>
-              </a:solidFill>
-              <a:latin typeface="Arial"/>
-            </a:endParaRPr>
-          </a:p>
-          <a:p>
-            <a:pPr lvl="3" marL="1728000" indent="-216000">
+          </a:p>
+          <a:p>
+            <a:pPr marL="1728000" lvl="3" indent="-216000">
               <a:spcBef>
                 <a:spcPts val="567"/>
               </a:spcBef>
@@ -4650,7 +4975,7 @@
               <a:buChar char=""/>
             </a:pPr>
             <a:r>
-              <a:rPr b="0" lang="en-US" sz="2800" spc="-1" strike="noStrike">
+              <a:rPr lang="en-US" sz="2800" b="0" strike="noStrike" spc="-1">
                 <a:solidFill>
                   <a:srgbClr val="000000"/>
                 </a:solidFill>
@@ -4658,15 +4983,9 @@
               </a:rPr>
               <a:t>Fourth Outline Level</a:t>
             </a:r>
-            <a:endParaRPr b="0" lang="en-US" sz="2800" spc="-1" strike="noStrike">
-              <a:solidFill>
-                <a:srgbClr val="000000"/>
-              </a:solidFill>
-              <a:latin typeface="Arial"/>
-            </a:endParaRPr>
-          </a:p>
-          <a:p>
-            <a:pPr lvl="4" marL="2160000" indent="-216000">
+          </a:p>
+          <a:p>
+            <a:pPr marL="2160000" lvl="4" indent="-216000">
               <a:spcBef>
                 <a:spcPts val="283"/>
               </a:spcBef>
@@ -4678,7 +4997,7 @@
               <a:buChar char=""/>
             </a:pPr>
             <a:r>
-              <a:rPr b="0" lang="en-US" sz="2800" spc="-1" strike="noStrike">
+              <a:rPr lang="en-US" sz="2800" b="0" strike="noStrike" spc="-1">
                 <a:solidFill>
                   <a:srgbClr val="000000"/>
                 </a:solidFill>
@@ -4686,15 +5005,9 @@
               </a:rPr>
               <a:t>Fifth Outline Level</a:t>
             </a:r>
-            <a:endParaRPr b="0" lang="en-US" sz="2800" spc="-1" strike="noStrike">
-              <a:solidFill>
-                <a:srgbClr val="000000"/>
-              </a:solidFill>
-              <a:latin typeface="Arial"/>
-            </a:endParaRPr>
-          </a:p>
-          <a:p>
-            <a:pPr lvl="5" marL="2592000" indent="-216000">
+          </a:p>
+          <a:p>
+            <a:pPr marL="2592000" lvl="5" indent="-216000">
               <a:spcBef>
                 <a:spcPts val="283"/>
               </a:spcBef>
@@ -4706,7 +5019,7 @@
               <a:buChar char=""/>
             </a:pPr>
             <a:r>
-              <a:rPr b="0" lang="en-US" sz="2800" spc="-1" strike="noStrike">
+              <a:rPr lang="en-US" sz="2800" b="0" strike="noStrike" spc="-1">
                 <a:solidFill>
                   <a:srgbClr val="000000"/>
                 </a:solidFill>
@@ -4714,15 +5027,9 @@
               </a:rPr>
               <a:t>Sixth Outline Level</a:t>
             </a:r>
-            <a:endParaRPr b="0" lang="en-US" sz="2800" spc="-1" strike="noStrike">
-              <a:solidFill>
-                <a:srgbClr val="000000"/>
-              </a:solidFill>
-              <a:latin typeface="Arial"/>
-            </a:endParaRPr>
-          </a:p>
-          <a:p>
-            <a:pPr lvl="6" marL="3024000" indent="-216000">
+          </a:p>
+          <a:p>
+            <a:pPr marL="3024000" lvl="6" indent="-216000">
               <a:spcBef>
                 <a:spcPts val="283"/>
               </a:spcBef>
@@ -4734,7 +5041,7 @@
               <a:buChar char=""/>
             </a:pPr>
             <a:r>
-              <a:rPr b="0" lang="en-US" sz="2800" spc="-1" strike="noStrike">
+              <a:rPr lang="en-US" sz="2800" b="0" strike="noStrike" spc="-1">
                 <a:solidFill>
                   <a:srgbClr val="000000"/>
                 </a:solidFill>
@@ -4742,43 +5049,43 @@
               </a:rPr>
               <a:t>Seventh Outline Level</a:t>
             </a:r>
-            <a:endParaRPr b="0" lang="en-US" sz="2800" spc="-1" strike="noStrike">
-              <a:solidFill>
-                <a:srgbClr val="000000"/>
-              </a:solidFill>
-              <a:latin typeface="Arial"/>
-            </a:endParaRPr>
           </a:p>
         </p:txBody>
       </p:sp>
     </p:spTree>
   </p:cSld>
-  <p:clrMap bg1="lt1" bg2="lt2" tx1="dk1" tx2="dk2" accent1="accent1" accent2="accent2" accent3="accent3" accent4="accent4" accent5="accent5" accent6="accent6" hlink="hlink" folHlink="folHlink"/>
+  <p:clrMap bg1="lt1" tx1="dk1" bg2="lt2" tx2="dk2" accent1="accent1" accent2="accent2" accent3="accent3" accent4="accent4" accent5="accent5" accent6="accent6" hlink="hlink" folHlink="folHlink"/>
   <p:sldLayoutIdLst>
-    <p:sldLayoutId id="2147483649" r:id="rId2"/>
-    <p:sldLayoutId id="2147483650" r:id="rId3"/>
-    <p:sldLayoutId id="2147483651" r:id="rId4"/>
-    <p:sldLayoutId id="2147483652" r:id="rId5"/>
-    <p:sldLayoutId id="2147483653" r:id="rId6"/>
-    <p:sldLayoutId id="2147483654" r:id="rId7"/>
-    <p:sldLayoutId id="2147483655" r:id="rId8"/>
-    <p:sldLayoutId id="2147483656" r:id="rId9"/>
-    <p:sldLayoutId id="2147483657" r:id="rId10"/>
-    <p:sldLayoutId id="2147483658" r:id="rId11"/>
-    <p:sldLayoutId id="2147483659" r:id="rId12"/>
-    <p:sldLayoutId id="2147483660" r:id="rId13"/>
+    <p:sldLayoutId id="2147483649" r:id="rId1"/>
+    <p:sldLayoutId id="2147483650" r:id="rId2"/>
+    <p:sldLayoutId id="2147483651" r:id="rId3"/>
+    <p:sldLayoutId id="2147483652" r:id="rId4"/>
+    <p:sldLayoutId id="2147483653" r:id="rId5"/>
+    <p:sldLayoutId id="2147483654" r:id="rId6"/>
+    <p:sldLayoutId id="2147483655" r:id="rId7"/>
+    <p:sldLayoutId id="2147483656" r:id="rId8"/>
+    <p:sldLayoutId id="2147483657" r:id="rId9"/>
+    <p:sldLayoutId id="2147483658" r:id="rId10"/>
+    <p:sldLayoutId id="2147483659" r:id="rId11"/>
+    <p:sldLayoutId id="2147483660" r:id="rId12"/>
   </p:sldLayoutIdLst>
+  <p:txStyles>
+    <p:titleStyle/>
+    <p:bodyStyle/>
+    <p:otherStyle/>
+  </p:txStyles>
 </p:sldMaster>
 </file>
 
 <file path=ppt/slideMasters/slideMaster2.xml><?xml version="1.0" encoding="utf-8"?>
-<p:sldMaster xmlns:a="http://schemas.openxmlformats.org/drawingml/2006/main" xmlns:p="http://schemas.openxmlformats.org/presentationml/2006/main" xmlns:r="http://schemas.openxmlformats.org/officeDocument/2006/relationships" xmlns:p14="http://schemas.microsoft.com/office/powerpoint/2010/main" xmlns:p15="http://schemas.microsoft.com/office/powerpoint/2012/main" xmlns:mc="http://schemas.openxmlformats.org/markup-compatibility/2006">
+<p:sldMaster xmlns:a="http://schemas.openxmlformats.org/drawingml/2006/main" xmlns:r="http://schemas.openxmlformats.org/officeDocument/2006/relationships" xmlns:p="http://schemas.openxmlformats.org/presentationml/2006/main">
   <p:cSld>
     <p:bg>
       <p:bgPr>
         <a:solidFill>
-          <a:srgbClr val="ffffff"/>
+          <a:srgbClr val="FFFFFF"/>
         </a:solidFill>
+        <a:effectLst/>
       </p:bgPr>
     </p:bg>
     <p:spTree>
@@ -4810,16 +5117,22 @@
             <a:avLst/>
           </a:prstGeom>
           <a:solidFill>
-            <a:srgbClr val="bd582c"/>
+            <a:srgbClr val="BD582C"/>
           </a:solidFill>
           <a:ln w="15840">
             <a:noFill/>
           </a:ln>
         </p:spPr>
         <p:style>
-          <a:lnRef idx="0"/>
-          <a:fillRef idx="0"/>
-          <a:effectRef idx="0"/>
+          <a:lnRef idx="0">
+            <a:scrgbClr r="0" g="0" b="0"/>
+          </a:lnRef>
+          <a:fillRef idx="0">
+            <a:scrgbClr r="0" g="0" b="0"/>
+          </a:fillRef>
+          <a:effectRef idx="0">
+            <a:scrgbClr r="0" g="0" b="0"/>
+          </a:effectRef>
           <a:fontRef idx="minor"/>
         </p:style>
       </p:sp>
@@ -4838,16 +5151,22 @@
             <a:avLst/>
           </a:prstGeom>
           <a:solidFill>
-            <a:srgbClr val="e48312"/>
+            <a:srgbClr val="E48312"/>
           </a:solidFill>
           <a:ln w="15840">
             <a:noFill/>
           </a:ln>
         </p:spPr>
         <p:style>
-          <a:lnRef idx="0"/>
-          <a:fillRef idx="0"/>
-          <a:effectRef idx="0"/>
+          <a:lnRef idx="0">
+            <a:scrgbClr r="0" g="0" b="0"/>
+          </a:lnRef>
+          <a:fillRef idx="0">
+            <a:scrgbClr r="0" g="0" b="0"/>
+          </a:fillRef>
+          <a:effectRef idx="0">
+            <a:scrgbClr r="0" g="0" b="0"/>
+          </a:effectRef>
           <a:fontRef idx="minor"/>
         </p:style>
       </p:sp>
@@ -4873,9 +5192,15 @@
           </a:ln>
         </p:spPr>
         <p:style>
-          <a:lnRef idx="0"/>
-          <a:fillRef idx="0"/>
-          <a:effectRef idx="0"/>
+          <a:lnRef idx="0">
+            <a:scrgbClr r="0" g="0" b="0"/>
+          </a:lnRef>
+          <a:fillRef idx="0">
+            <a:scrgbClr r="0" g="0" b="0"/>
+          </a:fillRef>
+          <a:effectRef idx="0">
+            <a:scrgbClr r="0" g="0" b="0"/>
+          </a:effectRef>
           <a:fontRef idx="minor"/>
         </p:style>
       </p:sp>
@@ -4899,10 +5224,11 @@
           </a:prstGeom>
         </p:spPr>
         <p:txBody>
-          <a:bodyPr lIns="0" rIns="0" tIns="0" bIns="0" anchor="ctr"/>
+          <a:bodyPr lIns="0" tIns="0" rIns="0" bIns="0" anchor="ctr"/>
+          <a:lstStyle/>
           <a:p>
             <a:r>
-              <a:rPr b="0" lang="en-US" sz="1800" spc="-1" strike="noStrike">
+              <a:rPr lang="en-US" sz="1800" b="0" strike="noStrike" spc="-1">
                 <a:solidFill>
                   <a:srgbClr val="000000"/>
                 </a:solidFill>
@@ -4910,12 +5236,6 @@
               </a:rPr>
               <a:t>Click to edit the title text format</a:t>
             </a:r>
-            <a:endParaRPr b="0" lang="en-US" sz="1800" spc="-1" strike="noStrike">
-              <a:solidFill>
-                <a:srgbClr val="000000"/>
-              </a:solidFill>
-              <a:latin typeface="Arial"/>
-            </a:endParaRPr>
           </a:p>
         </p:txBody>
       </p:sp>
@@ -4939,9 +5259,10 @@
           </a:prstGeom>
         </p:spPr>
         <p:txBody>
-          <a:bodyPr lIns="0" rIns="0" tIns="0" bIns="0">
+          <a:bodyPr lIns="0" tIns="0" rIns="0" bIns="0">
             <a:normAutofit/>
           </a:bodyPr>
+          <a:lstStyle/>
           <a:p>
             <a:pPr marL="432000" indent="-324000">
               <a:spcBef>
@@ -4955,7 +5276,7 @@
               <a:buChar char=""/>
             </a:pPr>
             <a:r>
-              <a:rPr b="0" lang="en-US" sz="2800" spc="-1" strike="noStrike">
+              <a:rPr lang="en-US" sz="2800" b="0" strike="noStrike" spc="-1">
                 <a:solidFill>
                   <a:srgbClr val="000000"/>
                 </a:solidFill>
@@ -4963,15 +5284,9 @@
               </a:rPr>
               <a:t>Click to edit the outline text format</a:t>
             </a:r>
-            <a:endParaRPr b="0" lang="en-US" sz="2800" spc="-1" strike="noStrike">
-              <a:solidFill>
-                <a:srgbClr val="000000"/>
-              </a:solidFill>
-              <a:latin typeface="Arial"/>
-            </a:endParaRPr>
-          </a:p>
-          <a:p>
-            <a:pPr lvl="1" marL="864000" indent="-324000">
+          </a:p>
+          <a:p>
+            <a:pPr marL="864000" lvl="1" indent="-324000">
               <a:spcBef>
                 <a:spcPts val="1134"/>
               </a:spcBef>
@@ -4983,7 +5298,7 @@
               <a:buChar char=""/>
             </a:pPr>
             <a:r>
-              <a:rPr b="0" lang="en-US" sz="2000" spc="-1" strike="noStrike">
+              <a:rPr lang="en-US" sz="2000" b="0" strike="noStrike" spc="-1">
                 <a:solidFill>
                   <a:srgbClr val="000000"/>
                 </a:solidFill>
@@ -4991,15 +5306,9 @@
               </a:rPr>
               <a:t>Second Outline Level</a:t>
             </a:r>
-            <a:endParaRPr b="0" lang="en-US" sz="2000" spc="-1" strike="noStrike">
-              <a:solidFill>
-                <a:srgbClr val="000000"/>
-              </a:solidFill>
-              <a:latin typeface="Arial"/>
-            </a:endParaRPr>
-          </a:p>
-          <a:p>
-            <a:pPr lvl="2" marL="1296000" indent="-288000">
+          </a:p>
+          <a:p>
+            <a:pPr marL="1296000" lvl="2" indent="-288000">
               <a:spcBef>
                 <a:spcPts val="850"/>
               </a:spcBef>
@@ -5011,7 +5320,7 @@
               <a:buChar char=""/>
             </a:pPr>
             <a:r>
-              <a:rPr b="0" lang="en-US" sz="1800" spc="-1" strike="noStrike">
+              <a:rPr lang="en-US" sz="1800" b="0" strike="noStrike" spc="-1">
                 <a:solidFill>
                   <a:srgbClr val="000000"/>
                 </a:solidFill>
@@ -5019,15 +5328,9 @@
               </a:rPr>
               <a:t>Third Outline Level</a:t>
             </a:r>
-            <a:endParaRPr b="0" lang="en-US" sz="1800" spc="-1" strike="noStrike">
-              <a:solidFill>
-                <a:srgbClr val="000000"/>
-              </a:solidFill>
-              <a:latin typeface="Arial"/>
-            </a:endParaRPr>
-          </a:p>
-          <a:p>
-            <a:pPr lvl="3" marL="1728000" indent="-216000">
+          </a:p>
+          <a:p>
+            <a:pPr marL="1728000" lvl="3" indent="-216000">
               <a:spcBef>
                 <a:spcPts val="567"/>
               </a:spcBef>
@@ -5039,7 +5342,7 @@
               <a:buChar char=""/>
             </a:pPr>
             <a:r>
-              <a:rPr b="0" lang="en-US" sz="1800" spc="-1" strike="noStrike">
+              <a:rPr lang="en-US" sz="1800" b="0" strike="noStrike" spc="-1">
                 <a:solidFill>
                   <a:srgbClr val="000000"/>
                 </a:solidFill>
@@ -5047,15 +5350,9 @@
               </a:rPr>
               <a:t>Fourth Outline Level</a:t>
             </a:r>
-            <a:endParaRPr b="0" lang="en-US" sz="1800" spc="-1" strike="noStrike">
-              <a:solidFill>
-                <a:srgbClr val="000000"/>
-              </a:solidFill>
-              <a:latin typeface="Arial"/>
-            </a:endParaRPr>
-          </a:p>
-          <a:p>
-            <a:pPr lvl="4" marL="2160000" indent="-216000">
+          </a:p>
+          <a:p>
+            <a:pPr marL="2160000" lvl="4" indent="-216000">
               <a:spcBef>
                 <a:spcPts val="283"/>
               </a:spcBef>
@@ -5067,7 +5364,7 @@
               <a:buChar char=""/>
             </a:pPr>
             <a:r>
-              <a:rPr b="0" lang="en-US" sz="2000" spc="-1" strike="noStrike">
+              <a:rPr lang="en-US" sz="2000" b="0" strike="noStrike" spc="-1">
                 <a:solidFill>
                   <a:srgbClr val="000000"/>
                 </a:solidFill>
@@ -5075,15 +5372,9 @@
               </a:rPr>
               <a:t>Fifth Outline Level</a:t>
             </a:r>
-            <a:endParaRPr b="0" lang="en-US" sz="2000" spc="-1" strike="noStrike">
-              <a:solidFill>
-                <a:srgbClr val="000000"/>
-              </a:solidFill>
-              <a:latin typeface="Arial"/>
-            </a:endParaRPr>
-          </a:p>
-          <a:p>
-            <a:pPr lvl="5" marL="2592000" indent="-216000">
+          </a:p>
+          <a:p>
+            <a:pPr marL="2592000" lvl="5" indent="-216000">
               <a:spcBef>
                 <a:spcPts val="283"/>
               </a:spcBef>
@@ -5095,7 +5386,7 @@
               <a:buChar char=""/>
             </a:pPr>
             <a:r>
-              <a:rPr b="0" lang="en-US" sz="2000" spc="-1" strike="noStrike">
+              <a:rPr lang="en-US" sz="2000" b="0" strike="noStrike" spc="-1">
                 <a:solidFill>
                   <a:srgbClr val="000000"/>
                 </a:solidFill>
@@ -5103,15 +5394,9 @@
               </a:rPr>
               <a:t>Sixth Outline Level</a:t>
             </a:r>
-            <a:endParaRPr b="0" lang="en-US" sz="2000" spc="-1" strike="noStrike">
-              <a:solidFill>
-                <a:srgbClr val="000000"/>
-              </a:solidFill>
-              <a:latin typeface="Arial"/>
-            </a:endParaRPr>
-          </a:p>
-          <a:p>
-            <a:pPr lvl="6" marL="3024000" indent="-216000">
+          </a:p>
+          <a:p>
+            <a:pPr marL="3024000" lvl="6" indent="-216000">
               <a:spcBef>
                 <a:spcPts val="283"/>
               </a:spcBef>
@@ -5123,7 +5408,7 @@
               <a:buChar char=""/>
             </a:pPr>
             <a:r>
-              <a:rPr b="0" lang="en-US" sz="2000" spc="-1" strike="noStrike">
+              <a:rPr lang="en-US" sz="2000" b="0" strike="noStrike" spc="-1">
                 <a:solidFill>
                   <a:srgbClr val="000000"/>
                 </a:solidFill>
@@ -5131,43 +5416,43 @@
               </a:rPr>
               <a:t>Seventh Outline Level</a:t>
             </a:r>
-            <a:endParaRPr b="0" lang="en-US" sz="2000" spc="-1" strike="noStrike">
-              <a:solidFill>
-                <a:srgbClr val="000000"/>
-              </a:solidFill>
-              <a:latin typeface="Arial"/>
-            </a:endParaRPr>
           </a:p>
         </p:txBody>
       </p:sp>
     </p:spTree>
   </p:cSld>
-  <p:clrMap bg1="lt1" bg2="lt2" tx1="dk1" tx2="dk2" accent1="accent1" accent2="accent2" accent3="accent3" accent4="accent4" accent5="accent5" accent6="accent6" hlink="hlink" folHlink="folHlink"/>
+  <p:clrMap bg1="lt1" tx1="dk1" bg2="lt2" tx2="dk2" accent1="accent1" accent2="accent2" accent3="accent3" accent4="accent4" accent5="accent5" accent6="accent6" hlink="hlink" folHlink="folHlink"/>
   <p:sldLayoutIdLst>
-    <p:sldLayoutId id="2147483662" r:id="rId2"/>
-    <p:sldLayoutId id="2147483663" r:id="rId3"/>
-    <p:sldLayoutId id="2147483664" r:id="rId4"/>
-    <p:sldLayoutId id="2147483665" r:id="rId5"/>
-    <p:sldLayoutId id="2147483666" r:id="rId6"/>
-    <p:sldLayoutId id="2147483667" r:id="rId7"/>
-    <p:sldLayoutId id="2147483668" r:id="rId8"/>
-    <p:sldLayoutId id="2147483669" r:id="rId9"/>
-    <p:sldLayoutId id="2147483670" r:id="rId10"/>
-    <p:sldLayoutId id="2147483671" r:id="rId11"/>
-    <p:sldLayoutId id="2147483672" r:id="rId12"/>
-    <p:sldLayoutId id="2147483673" r:id="rId13"/>
+    <p:sldLayoutId id="2147483662" r:id="rId1"/>
+    <p:sldLayoutId id="2147483663" r:id="rId2"/>
+    <p:sldLayoutId id="2147483664" r:id="rId3"/>
+    <p:sldLayoutId id="2147483665" r:id="rId4"/>
+    <p:sldLayoutId id="2147483666" r:id="rId5"/>
+    <p:sldLayoutId id="2147483667" r:id="rId6"/>
+    <p:sldLayoutId id="2147483668" r:id="rId7"/>
+    <p:sldLayoutId id="2147483669" r:id="rId8"/>
+    <p:sldLayoutId id="2147483670" r:id="rId9"/>
+    <p:sldLayoutId id="2147483671" r:id="rId10"/>
+    <p:sldLayoutId id="2147483672" r:id="rId11"/>
+    <p:sldLayoutId id="2147483673" r:id="rId12"/>
   </p:sldLayoutIdLst>
+  <p:txStyles>
+    <p:titleStyle/>
+    <p:bodyStyle/>
+    <p:otherStyle/>
+  </p:txStyles>
 </p:sldMaster>
 </file>
 
 <file path=ppt/slideMasters/slideMaster3.xml><?xml version="1.0" encoding="utf-8"?>
-<p:sldMaster xmlns:a="http://schemas.openxmlformats.org/drawingml/2006/main" xmlns:p="http://schemas.openxmlformats.org/presentationml/2006/main" xmlns:r="http://schemas.openxmlformats.org/officeDocument/2006/relationships" xmlns:p14="http://schemas.microsoft.com/office/powerpoint/2010/main" xmlns:p15="http://schemas.microsoft.com/office/powerpoint/2012/main" xmlns:mc="http://schemas.openxmlformats.org/markup-compatibility/2006">
+<p:sldMaster xmlns:a="http://schemas.openxmlformats.org/drawingml/2006/main" xmlns:r="http://schemas.openxmlformats.org/officeDocument/2006/relationships" xmlns:p="http://schemas.openxmlformats.org/presentationml/2006/main">
   <p:cSld>
     <p:bg>
       <p:bgPr>
         <a:solidFill>
-          <a:srgbClr val="ffffff"/>
+          <a:srgbClr val="FFFFFF"/>
         </a:solidFill>
+        <a:effectLst/>
       </p:bgPr>
     </p:bg>
     <p:spTree>
@@ -5199,16 +5484,22 @@
             <a:avLst/>
           </a:prstGeom>
           <a:solidFill>
-            <a:srgbClr val="bd582c"/>
+            <a:srgbClr val="BD582C"/>
           </a:solidFill>
           <a:ln w="15840">
             <a:noFill/>
           </a:ln>
         </p:spPr>
         <p:style>
-          <a:lnRef idx="0"/>
-          <a:fillRef idx="0"/>
-          <a:effectRef idx="0"/>
+          <a:lnRef idx="0">
+            <a:scrgbClr r="0" g="0" b="0"/>
+          </a:lnRef>
+          <a:fillRef idx="0">
+            <a:scrgbClr r="0" g="0" b="0"/>
+          </a:fillRef>
+          <a:effectRef idx="0">
+            <a:scrgbClr r="0" g="0" b="0"/>
+          </a:effectRef>
           <a:fontRef idx="minor"/>
         </p:style>
       </p:sp>
@@ -5227,16 +5518,22 @@
             <a:avLst/>
           </a:prstGeom>
           <a:solidFill>
-            <a:srgbClr val="e48312"/>
+            <a:srgbClr val="E48312"/>
           </a:solidFill>
           <a:ln w="15840">
             <a:noFill/>
           </a:ln>
         </p:spPr>
         <p:style>
-          <a:lnRef idx="0"/>
-          <a:fillRef idx="0"/>
-          <a:effectRef idx="0"/>
+          <a:lnRef idx="0">
+            <a:scrgbClr r="0" g="0" b="0"/>
+          </a:lnRef>
+          <a:fillRef idx="0">
+            <a:scrgbClr r="0" g="0" b="0"/>
+          </a:fillRef>
+          <a:effectRef idx="0">
+            <a:scrgbClr r="0" g="0" b="0"/>
+          </a:effectRef>
           <a:fontRef idx="minor"/>
         </p:style>
       </p:sp>
@@ -5262,9 +5559,15 @@
           </a:ln>
         </p:spPr>
         <p:style>
-          <a:lnRef idx="0"/>
-          <a:fillRef idx="0"/>
-          <a:effectRef idx="0"/>
+          <a:lnRef idx="0">
+            <a:scrgbClr r="0" g="0" b="0"/>
+          </a:lnRef>
+          <a:fillRef idx="0">
+            <a:scrgbClr r="0" g="0" b="0"/>
+          </a:fillRef>
+          <a:effectRef idx="0">
+            <a:scrgbClr r="0" g="0" b="0"/>
+          </a:effectRef>
           <a:fontRef idx="minor"/>
         </p:style>
       </p:sp>
@@ -5288,10 +5591,11 @@
           </a:prstGeom>
         </p:spPr>
         <p:txBody>
-          <a:bodyPr lIns="0" rIns="0" tIns="0" bIns="0" anchor="ctr"/>
+          <a:bodyPr lIns="0" tIns="0" rIns="0" bIns="0" anchor="ctr"/>
+          <a:lstStyle/>
           <a:p>
             <a:r>
-              <a:rPr b="0" lang="en-US" sz="4400" spc="-1" strike="noStrike">
+              <a:rPr lang="en-US" sz="4400" b="0" strike="noStrike" spc="-1">
                 <a:solidFill>
                   <a:srgbClr val="000000"/>
                 </a:solidFill>
@@ -5299,12 +5603,6 @@
               </a:rPr>
               <a:t>Click to edit the title text format</a:t>
             </a:r>
-            <a:endParaRPr b="0" lang="en-US" sz="4400" spc="-1" strike="noStrike">
-              <a:solidFill>
-                <a:srgbClr val="000000"/>
-              </a:solidFill>
-              <a:latin typeface="Arial"/>
-            </a:endParaRPr>
           </a:p>
         </p:txBody>
       </p:sp>
@@ -5328,9 +5626,10 @@
           </a:prstGeom>
         </p:spPr>
         <p:txBody>
-          <a:bodyPr lIns="0" rIns="0" tIns="0" bIns="0">
+          <a:bodyPr lIns="0" tIns="0" rIns="0" bIns="0">
             <a:normAutofit/>
           </a:bodyPr>
+          <a:lstStyle/>
           <a:p>
             <a:pPr marL="432000" indent="-324000">
               <a:spcBef>
@@ -5344,7 +5643,7 @@
               <a:buChar char=""/>
             </a:pPr>
             <a:r>
-              <a:rPr b="0" lang="en-US" sz="2800" spc="-1" strike="noStrike">
+              <a:rPr lang="en-US" sz="2800" b="0" strike="noStrike" spc="-1">
                 <a:solidFill>
                   <a:srgbClr val="000000"/>
                 </a:solidFill>
@@ -5352,15 +5651,9 @@
               </a:rPr>
               <a:t>Click to edit the outline text format</a:t>
             </a:r>
-            <a:endParaRPr b="0" lang="en-US" sz="2800" spc="-1" strike="noStrike">
-              <a:solidFill>
-                <a:srgbClr val="000000"/>
-              </a:solidFill>
-              <a:latin typeface="Arial"/>
-            </a:endParaRPr>
-          </a:p>
-          <a:p>
-            <a:pPr lvl="1" marL="864000" indent="-324000">
+          </a:p>
+          <a:p>
+            <a:pPr marL="864000" lvl="1" indent="-324000">
               <a:spcBef>
                 <a:spcPts val="1134"/>
               </a:spcBef>
@@ -5372,7 +5665,7 @@
               <a:buChar char=""/>
             </a:pPr>
             <a:r>
-              <a:rPr b="0" lang="en-US" sz="2800" spc="-1" strike="noStrike">
+              <a:rPr lang="en-US" sz="2800" b="0" strike="noStrike" spc="-1">
                 <a:solidFill>
                   <a:srgbClr val="000000"/>
                 </a:solidFill>
@@ -5380,15 +5673,9 @@
               </a:rPr>
               <a:t>Second Outline Level</a:t>
             </a:r>
-            <a:endParaRPr b="0" lang="en-US" sz="2800" spc="-1" strike="noStrike">
-              <a:solidFill>
-                <a:srgbClr val="000000"/>
-              </a:solidFill>
-              <a:latin typeface="Arial"/>
-            </a:endParaRPr>
-          </a:p>
-          <a:p>
-            <a:pPr lvl="2" marL="1296000" indent="-288000">
+          </a:p>
+          <a:p>
+            <a:pPr marL="1296000" lvl="2" indent="-288000">
               <a:spcBef>
                 <a:spcPts val="850"/>
               </a:spcBef>
@@ -5400,7 +5687,7 @@
               <a:buChar char=""/>
             </a:pPr>
             <a:r>
-              <a:rPr b="0" lang="en-US" sz="2800" spc="-1" strike="noStrike">
+              <a:rPr lang="en-US" sz="2800" b="0" strike="noStrike" spc="-1">
                 <a:solidFill>
                   <a:srgbClr val="000000"/>
                 </a:solidFill>
@@ -5408,15 +5695,9 @@
               </a:rPr>
               <a:t>Third Outline Level</a:t>
             </a:r>
-            <a:endParaRPr b="0" lang="en-US" sz="2800" spc="-1" strike="noStrike">
-              <a:solidFill>
-                <a:srgbClr val="000000"/>
-              </a:solidFill>
-              <a:latin typeface="Arial"/>
-            </a:endParaRPr>
-          </a:p>
-          <a:p>
-            <a:pPr lvl="3" marL="1728000" indent="-216000">
+          </a:p>
+          <a:p>
+            <a:pPr marL="1728000" lvl="3" indent="-216000">
               <a:spcBef>
                 <a:spcPts val="567"/>
               </a:spcBef>
@@ -5428,7 +5709,7 @@
               <a:buChar char=""/>
             </a:pPr>
             <a:r>
-              <a:rPr b="0" lang="en-US" sz="2800" spc="-1" strike="noStrike">
+              <a:rPr lang="en-US" sz="2800" b="0" strike="noStrike" spc="-1">
                 <a:solidFill>
                   <a:srgbClr val="000000"/>
                 </a:solidFill>
@@ -5436,15 +5717,9 @@
               </a:rPr>
               <a:t>Fourth Outline Level</a:t>
             </a:r>
-            <a:endParaRPr b="0" lang="en-US" sz="2800" spc="-1" strike="noStrike">
-              <a:solidFill>
-                <a:srgbClr val="000000"/>
-              </a:solidFill>
-              <a:latin typeface="Arial"/>
-            </a:endParaRPr>
-          </a:p>
-          <a:p>
-            <a:pPr lvl="4" marL="2160000" indent="-216000">
+          </a:p>
+          <a:p>
+            <a:pPr marL="2160000" lvl="4" indent="-216000">
               <a:spcBef>
                 <a:spcPts val="283"/>
               </a:spcBef>
@@ -5456,7 +5731,7 @@
               <a:buChar char=""/>
             </a:pPr>
             <a:r>
-              <a:rPr b="0" lang="en-US" sz="2800" spc="-1" strike="noStrike">
+              <a:rPr lang="en-US" sz="2800" b="0" strike="noStrike" spc="-1">
                 <a:solidFill>
                   <a:srgbClr val="000000"/>
                 </a:solidFill>
@@ -5464,15 +5739,9 @@
               </a:rPr>
               <a:t>Fifth Outline Level</a:t>
             </a:r>
-            <a:endParaRPr b="0" lang="en-US" sz="2800" spc="-1" strike="noStrike">
-              <a:solidFill>
-                <a:srgbClr val="000000"/>
-              </a:solidFill>
-              <a:latin typeface="Arial"/>
-            </a:endParaRPr>
-          </a:p>
-          <a:p>
-            <a:pPr lvl="5" marL="2592000" indent="-216000">
+          </a:p>
+          <a:p>
+            <a:pPr marL="2592000" lvl="5" indent="-216000">
               <a:spcBef>
                 <a:spcPts val="283"/>
               </a:spcBef>
@@ -5484,7 +5753,7 @@
               <a:buChar char=""/>
             </a:pPr>
             <a:r>
-              <a:rPr b="0" lang="en-US" sz="2800" spc="-1" strike="noStrike">
+              <a:rPr lang="en-US" sz="2800" b="0" strike="noStrike" spc="-1">
                 <a:solidFill>
                   <a:srgbClr val="000000"/>
                 </a:solidFill>
@@ -5492,15 +5761,9 @@
               </a:rPr>
               <a:t>Sixth Outline Level</a:t>
             </a:r>
-            <a:endParaRPr b="0" lang="en-US" sz="2800" spc="-1" strike="noStrike">
-              <a:solidFill>
-                <a:srgbClr val="000000"/>
-              </a:solidFill>
-              <a:latin typeface="Arial"/>
-            </a:endParaRPr>
-          </a:p>
-          <a:p>
-            <a:pPr lvl="6" marL="3024000" indent="-216000">
+          </a:p>
+          <a:p>
+            <a:pPr marL="3024000" lvl="6" indent="-216000">
               <a:spcBef>
                 <a:spcPts val="283"/>
               </a:spcBef>
@@ -5512,7 +5775,7 @@
               <a:buChar char=""/>
             </a:pPr>
             <a:r>
-              <a:rPr b="0" lang="en-US" sz="2800" spc="-1" strike="noStrike">
+              <a:rPr lang="en-US" sz="2800" b="0" strike="noStrike" spc="-1">
                 <a:solidFill>
                   <a:srgbClr val="000000"/>
                 </a:solidFill>
@@ -5520,37 +5783,36 @@
               </a:rPr>
               <a:t>Seventh Outline Level</a:t>
             </a:r>
-            <a:endParaRPr b="0" lang="en-US" sz="2800" spc="-1" strike="noStrike">
-              <a:solidFill>
-                <a:srgbClr val="000000"/>
-              </a:solidFill>
-              <a:latin typeface="Arial"/>
-            </a:endParaRPr>
           </a:p>
         </p:txBody>
       </p:sp>
     </p:spTree>
   </p:cSld>
-  <p:clrMap bg1="lt1" bg2="lt2" tx1="dk1" tx2="dk2" accent1="accent1" accent2="accent2" accent3="accent3" accent4="accent4" accent5="accent5" accent6="accent6" hlink="hlink" folHlink="folHlink"/>
+  <p:clrMap bg1="lt1" tx1="dk1" bg2="lt2" tx2="dk2" accent1="accent1" accent2="accent2" accent3="accent3" accent4="accent4" accent5="accent5" accent6="accent6" hlink="hlink" folHlink="folHlink"/>
   <p:sldLayoutIdLst>
-    <p:sldLayoutId id="2147483675" r:id="rId2"/>
-    <p:sldLayoutId id="2147483676" r:id="rId3"/>
-    <p:sldLayoutId id="2147483677" r:id="rId4"/>
-    <p:sldLayoutId id="2147483678" r:id="rId5"/>
-    <p:sldLayoutId id="2147483679" r:id="rId6"/>
-    <p:sldLayoutId id="2147483680" r:id="rId7"/>
-    <p:sldLayoutId id="2147483681" r:id="rId8"/>
-    <p:sldLayoutId id="2147483682" r:id="rId9"/>
-    <p:sldLayoutId id="2147483683" r:id="rId10"/>
-    <p:sldLayoutId id="2147483684" r:id="rId11"/>
-    <p:sldLayoutId id="2147483685" r:id="rId12"/>
-    <p:sldLayoutId id="2147483686" r:id="rId13"/>
+    <p:sldLayoutId id="2147483675" r:id="rId1"/>
+    <p:sldLayoutId id="2147483676" r:id="rId2"/>
+    <p:sldLayoutId id="2147483677" r:id="rId3"/>
+    <p:sldLayoutId id="2147483678" r:id="rId4"/>
+    <p:sldLayoutId id="2147483679" r:id="rId5"/>
+    <p:sldLayoutId id="2147483680" r:id="rId6"/>
+    <p:sldLayoutId id="2147483681" r:id="rId7"/>
+    <p:sldLayoutId id="2147483682" r:id="rId8"/>
+    <p:sldLayoutId id="2147483683" r:id="rId9"/>
+    <p:sldLayoutId id="2147483684" r:id="rId10"/>
+    <p:sldLayoutId id="2147483685" r:id="rId11"/>
+    <p:sldLayoutId id="2147483686" r:id="rId12"/>
   </p:sldLayoutIdLst>
+  <p:txStyles>
+    <p:titleStyle/>
+    <p:bodyStyle/>
+    <p:otherStyle/>
+  </p:txStyles>
 </p:sldMaster>
 </file>
 
 <file path=ppt/slides/slide1.xml><?xml version="1.0" encoding="utf-8"?>
-<p:sld xmlns:a="http://schemas.openxmlformats.org/drawingml/2006/main" xmlns:p="http://schemas.openxmlformats.org/presentationml/2006/main" xmlns:r="http://schemas.openxmlformats.org/officeDocument/2006/relationships" xmlns:p14="http://schemas.microsoft.com/office/powerpoint/2010/main" xmlns:p15="http://schemas.microsoft.com/office/powerpoint/2012/main" xmlns:mc="http://schemas.openxmlformats.org/markup-compatibility/2006">
+<p:sld xmlns:a="http://schemas.openxmlformats.org/drawingml/2006/main" xmlns:r="http://schemas.openxmlformats.org/officeDocument/2006/relationships" xmlns:p="http://schemas.openxmlformats.org/presentationml/2006/main">
   <p:cSld>
     <p:spTree>
       <p:nvGrpSpPr>
@@ -5586,13 +5848,20 @@
           </a:ln>
         </p:spPr>
         <p:style>
-          <a:lnRef idx="0"/>
-          <a:fillRef idx="0"/>
-          <a:effectRef idx="0"/>
+          <a:lnRef idx="0">
+            <a:scrgbClr r="0" g="0" b="0"/>
+          </a:lnRef>
+          <a:fillRef idx="0">
+            <a:scrgbClr r="0" g="0" b="0"/>
+          </a:fillRef>
+          <a:effectRef idx="0">
+            <a:scrgbClr r="0" g="0" b="0"/>
+          </a:effectRef>
           <a:fontRef idx="minor"/>
         </p:style>
         <p:txBody>
-          <a:bodyPr lIns="90000" rIns="90000" tIns="45000" bIns="45000" anchor="b"/>
+          <a:bodyPr lIns="90000" tIns="45000" rIns="90000" bIns="45000" anchor="b"/>
+          <a:lstStyle/>
           <a:p>
             <a:pPr>
               <a:lnSpc>
@@ -5600,7 +5869,7 @@
               </a:lnSpc>
             </a:pPr>
             <a:r>
-              <a:rPr b="0" lang="en-US" sz="8000" spc="-43" strike="noStrike">
+              <a:rPr lang="en-US" sz="8000" b="0" strike="noStrike" spc="-43">
                 <a:solidFill>
                   <a:srgbClr val="262626"/>
                 </a:solidFill>
@@ -5609,7 +5878,7 @@
               </a:rPr>
               <a:t>Debugger</a:t>
             </a:r>
-            <a:endParaRPr b="0" lang="en-US" sz="8000" spc="-1" strike="noStrike">
+            <a:endParaRPr lang="en-US" sz="8000" b="0" strike="noStrike" spc="-1">
               <a:latin typeface="Arial"/>
             </a:endParaRPr>
           </a:p>
@@ -5635,13 +5904,20 @@
           </a:ln>
         </p:spPr>
         <p:style>
-          <a:lnRef idx="0"/>
-          <a:fillRef idx="0"/>
-          <a:effectRef idx="0"/>
+          <a:lnRef idx="0">
+            <a:scrgbClr r="0" g="0" b="0"/>
+          </a:lnRef>
+          <a:fillRef idx="0">
+            <a:scrgbClr r="0" g="0" b="0"/>
+          </a:fillRef>
+          <a:effectRef idx="0">
+            <a:scrgbClr r="0" g="0" b="0"/>
+          </a:effectRef>
           <a:fontRef idx="minor"/>
         </p:style>
         <p:txBody>
-          <a:bodyPr lIns="90000" rIns="90000" tIns="45000" bIns="45000"/>
+          <a:bodyPr lIns="90000" tIns="45000" rIns="90000" bIns="45000"/>
+          <a:lstStyle/>
           <a:p>
             <a:pPr>
               <a:lnSpc>
@@ -5655,7 +5931,7 @@
               </a:spcAft>
             </a:pPr>
             <a:r>
-              <a:rPr b="0" lang="en-US" sz="2400" spc="194" strike="noStrike" cap="all">
+              <a:rPr lang="en-US" sz="2400" b="0" strike="noStrike" cap="all" spc="194">
                 <a:solidFill>
                   <a:srgbClr val="637052"/>
                 </a:solidFill>
@@ -5664,7 +5940,7 @@
               </a:rPr>
               <a:t>Banana Development Team</a:t>
             </a:r>
-            <a:endParaRPr b="0" lang="en-US" sz="2400" spc="-1" strike="noStrike">
+            <a:endParaRPr lang="en-US" sz="2400" b="0" strike="noStrike" spc="-1">
               <a:latin typeface="Arial"/>
             </a:endParaRPr>
           </a:p>
@@ -5672,13 +5948,13 @@
       </p:sp>
       <p:pic>
         <p:nvPicPr>
-          <p:cNvPr id="128" name="Picture 4" descr=""/>
+          <p:cNvPr id="128" name="Picture 4"/>
           <p:cNvPicPr/>
           <p:nvPr/>
         </p:nvPicPr>
         <p:blipFill>
-          <a:blip r:embed="rId1"/>
-          <a:srcRect l="0" t="0" r="0" b="4860"/>
+          <a:blip r:embed="rId2"/>
+          <a:srcRect b="4860"/>
           <a:stretch/>
         </p:blipFill>
         <p:spPr>
@@ -5696,6 +5972,9 @@
       </p:pic>
     </p:spTree>
   </p:cSld>
+  <p:clrMapOvr>
+    <a:masterClrMapping/>
+  </p:clrMapOvr>
   <p:timing>
     <p:tnLst>
       <p:par>
@@ -5704,14 +5983,14 @@
             <p:seq>
               <p:cTn id="2" dur="indefinite" nodeType="mainSeq"/>
               <p:prevCondLst>
-                <p:cond delay="0" evt="onPrev">
+                <p:cond evt="onPrev" delay="0">
                   <p:tgtEl>
                     <p:sldTgt/>
                   </p:tgtEl>
                 </p:cond>
               </p:prevCondLst>
               <p:nextCondLst>
-                <p:cond delay="0" evt="onNext">
+                <p:cond evt="onNext" delay="0">
                   <p:tgtEl>
                     <p:sldTgt/>
                   </p:tgtEl>
@@ -5727,7 +6006,7 @@
 </file>
 
 <file path=ppt/slides/slide10.xml><?xml version="1.0" encoding="utf-8"?>
-<p:sld xmlns:a="http://schemas.openxmlformats.org/drawingml/2006/main" xmlns:p="http://schemas.openxmlformats.org/presentationml/2006/main" xmlns:r="http://schemas.openxmlformats.org/officeDocument/2006/relationships" xmlns:p14="http://schemas.microsoft.com/office/powerpoint/2010/main" xmlns:p15="http://schemas.microsoft.com/office/powerpoint/2012/main" xmlns:mc="http://schemas.openxmlformats.org/markup-compatibility/2006">
+<p:sld xmlns:a="http://schemas.openxmlformats.org/drawingml/2006/main" xmlns:r="http://schemas.openxmlformats.org/officeDocument/2006/relationships" xmlns:p="http://schemas.openxmlformats.org/presentationml/2006/main">
   <p:cSld>
     <p:spTree>
       <p:nvGrpSpPr>
@@ -5745,14 +6024,14 @@
       </p:grpSpPr>
       <p:sp>
         <p:nvSpPr>
-          <p:cNvPr id="153" name="CustomShape 1"/>
+          <p:cNvPr id="163" name="CustomShape 1"/>
           <p:cNvSpPr/>
           <p:nvPr/>
         </p:nvSpPr>
         <p:spPr>
           <a:xfrm>
-            <a:off x="1097280" y="700920"/>
-            <a:ext cx="10057320" cy="1035720"/>
+            <a:off x="1097280" y="286560"/>
+            <a:ext cx="10057320" cy="1449720"/>
           </a:xfrm>
           <a:prstGeom prst="rect">
             <a:avLst/>
@@ -5763,31 +6042,49 @@
           </a:ln>
         </p:spPr>
         <p:style>
-          <a:lnRef idx="0"/>
-          <a:fillRef idx="0"/>
-          <a:effectRef idx="0"/>
+          <a:lnRef idx="0">
+            <a:scrgbClr r="0" g="0" b="0"/>
+          </a:lnRef>
+          <a:fillRef idx="0">
+            <a:scrgbClr r="0" g="0" b="0"/>
+          </a:fillRef>
+          <a:effectRef idx="0">
+            <a:scrgbClr r="0" g="0" b="0"/>
+          </a:effectRef>
           <a:fontRef idx="minor"/>
         </p:style>
         <p:txBody>
-          <a:bodyPr lIns="0" rIns="0" tIns="0" bIns="0"/>
+          <a:bodyPr lIns="0" tIns="0" rIns="0" bIns="0" anchor="ctr"/>
+          <a:lstStyle/>
           <a:p>
             <a:pPr>
               <a:lnSpc>
-                <a:spcPct val="85000"/>
+                <a:spcPct val="90000"/>
               </a:lnSpc>
             </a:pPr>
+            <a:r>
+              <a:t/>
+            </a:r>
             <a:br/>
             <a:r>
-              <a:rPr b="0" lang="en-US" sz="4800" spc="-43" strike="noStrike">
+              <a:t/>
+            </a:r>
+            <a:br/>
+            <a:r>
+              <a:rPr lang="en-US" sz="4400" b="0" strike="noStrike" spc="-43">
                 <a:solidFill>
                   <a:srgbClr val="404040"/>
                 </a:solidFill>
                 <a:latin typeface="Calibri Light"/>
-                <a:ea typeface="Microsoft YaHei"/>
+                <a:ea typeface="DejaVu Sans"/>
               </a:rPr>
-              <a:t>Ben – Enemies</a:t>
+              <a:t>Sound Design – Use Case Diagram</a:t>
             </a:r>
-            <a:endParaRPr b="0" lang="en-US" sz="4800" spc="-1" strike="noStrike">
+            <a:r>
+              <a:t/>
+            </a:r>
+            <a:br/>
+            <a:endParaRPr lang="en-US" sz="4400" b="0" strike="noStrike" spc="-1">
               <a:latin typeface="Arial"/>
             </a:endParaRPr>
           </a:p>
@@ -5795,13 +6092,13 @@
       </p:sp>
       <p:pic>
         <p:nvPicPr>
-          <p:cNvPr id="154" name="Picture 4" descr=""/>
+          <p:cNvPr id="164" name="Picture 4"/>
           <p:cNvPicPr/>
           <p:nvPr/>
         </p:nvPicPr>
         <p:blipFill>
-          <a:blip r:embed="rId1"/>
-          <a:srcRect l="0" t="0" r="0" b="4860"/>
+          <a:blip r:embed="rId2"/>
+          <a:srcRect b="4860"/>
           <a:stretch/>
         </p:blipFill>
         <p:spPr>
@@ -5817,304 +6114,51 @@
           </a:ln>
         </p:spPr>
       </p:pic>
-      <p:sp>
-        <p:nvSpPr>
-          <p:cNvPr id="155" name="CustomShape 2"/>
-          <p:cNvSpPr/>
+      <p:pic>
+        <p:nvPicPr>
+          <p:cNvPr id="165" name="Picture 5"/>
+          <p:cNvPicPr/>
           <p:nvPr/>
-        </p:nvSpPr>
-        <p:spPr>
-          <a:xfrm>
-            <a:off x="1097640" y="1846080"/>
-            <a:ext cx="10057320" cy="4022280"/>
-          </a:xfrm>
-          <a:prstGeom prst="rect">
-            <a:avLst/>
-          </a:prstGeom>
-          <a:noFill/>
+        </p:nvPicPr>
+        <p:blipFill>
+          <a:blip r:embed="rId3"/>
+          <a:srcRect t="4713" b="4404"/>
+          <a:stretch/>
+        </p:blipFill>
+        <p:spPr>
+          <a:xfrm>
+            <a:off x="2485080" y="1905840"/>
+            <a:ext cx="4575960" cy="4317840"/>
+          </a:xfrm>
+          <a:prstGeom prst="rect">
+            <a:avLst/>
+          </a:prstGeom>
           <a:ln>
             <a:noFill/>
           </a:ln>
         </p:spPr>
-        <p:style>
-          <a:lnRef idx="0"/>
-          <a:fillRef idx="0"/>
-          <a:effectRef idx="0"/>
-          <a:fontRef idx="minor"/>
-        </p:style>
-        <p:txBody>
-          <a:bodyPr lIns="0" rIns="0" tIns="45000" bIns="45000">
-            <a:normAutofit/>
-          </a:bodyPr>
-          <a:p>
-            <a:pPr marL="91440" indent="-90360">
-              <a:lnSpc>
-                <a:spcPct val="90000"/>
-              </a:lnSpc>
-              <a:spcBef>
-                <a:spcPts val="1199"/>
-              </a:spcBef>
-              <a:spcAft>
-                <a:spcPts val="201"/>
-              </a:spcAft>
-              <a:buClr>
-                <a:srgbClr val="e48312"/>
-              </a:buClr>
-              <a:buFont typeface="Arial"/>
-              <a:buChar char="•"/>
-            </a:pPr>
-            <a:r>
-              <a:rPr b="0" lang="en-US" sz="2400" spc="-1" strike="noStrike">
-                <a:solidFill>
-                  <a:srgbClr val="404040"/>
-                </a:solidFill>
-                <a:latin typeface="Calibri"/>
-                <a:ea typeface="DejaVu Sans"/>
-              </a:rPr>
-              <a:t>Creating Enemies and releasing them into the playing field</a:t>
-            </a:r>
-            <a:endParaRPr b="0" lang="en-US" sz="2400" spc="-1" strike="noStrike">
-              <a:latin typeface="Arial"/>
-            </a:endParaRPr>
-          </a:p>
-          <a:p>
-            <a:pPr marL="91440" indent="-90360">
-              <a:lnSpc>
-                <a:spcPct val="90000"/>
-              </a:lnSpc>
-              <a:spcBef>
-                <a:spcPts val="1199"/>
-              </a:spcBef>
-              <a:spcAft>
-                <a:spcPts val="201"/>
-              </a:spcAft>
-              <a:buClr>
-                <a:srgbClr val="e48312"/>
-              </a:buClr>
-              <a:buFont typeface="Arial"/>
-              <a:buChar char="•"/>
-            </a:pPr>
-            <a:r>
-              <a:rPr b="0" lang="en-US" sz="2400" spc="-1" strike="noStrike">
-                <a:solidFill>
-                  <a:srgbClr val="404040"/>
-                </a:solidFill>
-                <a:latin typeface="Calibri"/>
-                <a:ea typeface="DejaVu Sans"/>
-              </a:rPr>
-              <a:t>Coordinating with Josh on when to spawn enemies</a:t>
-            </a:r>
-            <a:endParaRPr b="0" lang="en-US" sz="2400" spc="-1" strike="noStrike">
-              <a:latin typeface="Arial"/>
-            </a:endParaRPr>
-          </a:p>
-          <a:p>
-            <a:pPr marL="91440" indent="-90360">
-              <a:lnSpc>
-                <a:spcPct val="90000"/>
-              </a:lnSpc>
-              <a:spcBef>
-                <a:spcPts val="1199"/>
-              </a:spcBef>
-              <a:spcAft>
-                <a:spcPts val="201"/>
-              </a:spcAft>
-              <a:buClr>
-                <a:srgbClr val="e48312"/>
-              </a:buClr>
-              <a:buFont typeface="Arial"/>
-              <a:buChar char="•"/>
-            </a:pPr>
-            <a:r>
-              <a:rPr b="0" lang="en-US" sz="2400" spc="-1" strike="noStrike">
-                <a:solidFill>
-                  <a:srgbClr val="404040"/>
-                </a:solidFill>
-                <a:latin typeface="Calibri"/>
-                <a:ea typeface="DejaVu Sans"/>
-              </a:rPr>
-              <a:t>Making sure enemies advance and attack automatically</a:t>
-            </a:r>
-            <a:endParaRPr b="0" lang="en-US" sz="2400" spc="-1" strike="noStrike">
-              <a:latin typeface="Arial"/>
-            </a:endParaRPr>
-          </a:p>
-          <a:p>
-            <a:pPr marL="91440" indent="-90360">
-              <a:lnSpc>
-                <a:spcPct val="90000"/>
-              </a:lnSpc>
-              <a:spcBef>
-                <a:spcPts val="1199"/>
-              </a:spcBef>
-              <a:spcAft>
-                <a:spcPts val="201"/>
-              </a:spcAft>
-              <a:buClr>
-                <a:srgbClr val="e48312"/>
-              </a:buClr>
-              <a:buFont typeface="Arial"/>
-              <a:buChar char="•"/>
-            </a:pPr>
-            <a:r>
-              <a:rPr b="0" lang="en-US" sz="2400" spc="-1" strike="noStrike">
-                <a:solidFill>
-                  <a:srgbClr val="404040"/>
-                </a:solidFill>
-                <a:latin typeface="Calibri"/>
-                <a:ea typeface="DejaVu Sans"/>
-              </a:rPr>
-              <a:t>Making sure enemies can navigate around obstacles</a:t>
-            </a:r>
-            <a:endParaRPr b="0" lang="en-US" sz="2400" spc="-1" strike="noStrike">
-              <a:latin typeface="Arial"/>
-            </a:endParaRPr>
-          </a:p>
-          <a:p>
-            <a:pPr marL="91440" indent="-90360">
-              <a:lnSpc>
-                <a:spcPct val="90000"/>
-              </a:lnSpc>
-              <a:spcBef>
-                <a:spcPts val="1199"/>
-              </a:spcBef>
-              <a:spcAft>
-                <a:spcPts val="201"/>
-              </a:spcAft>
-              <a:buClr>
-                <a:srgbClr val="e48312"/>
-              </a:buClr>
-              <a:buFont typeface="Arial"/>
-              <a:buChar char="•"/>
-            </a:pPr>
-            <a:r>
-              <a:rPr b="0" lang="en-US" sz="2400" spc="-1" strike="noStrike">
-                <a:solidFill>
-                  <a:srgbClr val="404040"/>
-                </a:solidFill>
-                <a:latin typeface="Calibri"/>
-                <a:ea typeface="DejaVu Sans"/>
-              </a:rPr>
-              <a:t>Coordinating with Luis on interactions between enemies and the player character</a:t>
-            </a:r>
-            <a:endParaRPr b="0" lang="en-US" sz="2400" spc="-1" strike="noStrike">
-              <a:latin typeface="Arial"/>
-            </a:endParaRPr>
-          </a:p>
-          <a:p>
-            <a:pPr>
-              <a:lnSpc>
-                <a:spcPct val="90000"/>
-              </a:lnSpc>
-              <a:spcBef>
-                <a:spcPts val="1199"/>
-              </a:spcBef>
-              <a:spcAft>
-                <a:spcPts val="201"/>
-              </a:spcAft>
-            </a:pPr>
-            <a:endParaRPr b="0" lang="en-US" sz="2400" spc="-1" strike="noStrike">
-              <a:latin typeface="Arial"/>
-            </a:endParaRPr>
-          </a:p>
-          <a:p>
-            <a:pPr>
-              <a:lnSpc>
-                <a:spcPct val="90000"/>
-              </a:lnSpc>
-              <a:spcBef>
-                <a:spcPts val="1199"/>
-              </a:spcBef>
-              <a:spcAft>
-                <a:spcPts val="201"/>
-              </a:spcAft>
-            </a:pPr>
-            <a:endParaRPr b="0" lang="en-US" sz="2400" spc="-1" strike="noStrike">
-              <a:latin typeface="Arial"/>
-            </a:endParaRPr>
-          </a:p>
-          <a:p>
-            <a:pPr marL="91440" indent="-90360">
-              <a:lnSpc>
-                <a:spcPct val="90000"/>
-              </a:lnSpc>
-              <a:spcBef>
-                <a:spcPts val="1199"/>
-              </a:spcBef>
-              <a:spcAft>
-                <a:spcPts val="201"/>
-              </a:spcAft>
-              <a:buClr>
-                <a:srgbClr val="e48312"/>
-              </a:buClr>
-              <a:buFont typeface="Arial"/>
-              <a:buChar char="•"/>
-            </a:pPr>
-            <a:r>
-              <a:rPr b="0" lang="en-US" sz="2400" spc="-1" strike="noStrike">
-                <a:solidFill>
-                  <a:srgbClr val="404040"/>
-                </a:solidFill>
-                <a:latin typeface="Calibri"/>
-                <a:ea typeface="DejaVu Sans"/>
-              </a:rPr>
-              <a:t>Priority level: 3 </a:t>
-            </a:r>
-            <a:endParaRPr b="0" lang="en-US" sz="2400" spc="-1" strike="noStrike">
-              <a:latin typeface="Arial"/>
-            </a:endParaRPr>
-          </a:p>
-          <a:p>
-            <a:pPr marL="91440" indent="-90360">
-              <a:lnSpc>
-                <a:spcPct val="90000"/>
-              </a:lnSpc>
-              <a:spcBef>
-                <a:spcPts val="1199"/>
-              </a:spcBef>
-              <a:spcAft>
-                <a:spcPts val="201"/>
-              </a:spcAft>
-              <a:buClr>
-                <a:srgbClr val="e48312"/>
-              </a:buClr>
-              <a:buFont typeface="Arial"/>
-              <a:buChar char="•"/>
-            </a:pPr>
-            <a:r>
-              <a:rPr b="0" lang="en-US" sz="2400" spc="-1" strike="noStrike">
-                <a:solidFill>
-                  <a:srgbClr val="404040"/>
-                </a:solidFill>
-                <a:latin typeface="Calibri"/>
-                <a:ea typeface="DejaVu Sans"/>
-              </a:rPr>
-              <a:t>Complexity: Moderate</a:t>
-            </a:r>
-            <a:endParaRPr b="0" lang="en-US" sz="2400" spc="-1" strike="noStrike">
-              <a:latin typeface="Arial"/>
-            </a:endParaRPr>
-          </a:p>
-        </p:txBody>
-      </p:sp>
+      </p:pic>
     </p:spTree>
   </p:cSld>
+  <p:clrMapOvr>
+    <a:masterClrMapping/>
+  </p:clrMapOvr>
   <p:timing>
     <p:tnLst>
       <p:par>
-        <p:cTn id="19" dur="indefinite" restart="never" nodeType="tmRoot">
+        <p:cTn id="1" dur="indefinite" restart="never" nodeType="tmRoot">
           <p:childTnLst>
             <p:seq>
-              <p:cTn id="20" dur="indefinite" nodeType="mainSeq"/>
+              <p:cTn id="2" dur="indefinite" nodeType="mainSeq"/>
               <p:prevCondLst>
-                <p:cond delay="0" evt="onPrev">
+                <p:cond evt="onPrev" delay="0">
                   <p:tgtEl>
                     <p:sldTgt/>
                   </p:tgtEl>
                 </p:cond>
               </p:prevCondLst>
               <p:nextCondLst>
-                <p:cond delay="0" evt="onNext">
+                <p:cond evt="onNext" delay="0">
                   <p:tgtEl>
                     <p:sldTgt/>
                   </p:tgtEl>
@@ -6130,7 +6174,7 @@
 </file>
 
 <file path=ppt/slides/slide11.xml><?xml version="1.0" encoding="utf-8"?>
-<p:sld xmlns:a="http://schemas.openxmlformats.org/drawingml/2006/main" xmlns:p="http://schemas.openxmlformats.org/presentationml/2006/main" xmlns:r="http://schemas.openxmlformats.org/officeDocument/2006/relationships" xmlns:p14="http://schemas.microsoft.com/office/powerpoint/2010/main" xmlns:p15="http://schemas.microsoft.com/office/powerpoint/2012/main" xmlns:mc="http://schemas.openxmlformats.org/markup-compatibility/2006">
+<p:sld xmlns:a="http://schemas.openxmlformats.org/drawingml/2006/main" xmlns:r="http://schemas.openxmlformats.org/officeDocument/2006/relationships" xmlns:p="http://schemas.openxmlformats.org/presentationml/2006/main">
   <p:cSld>
     <p:spTree>
       <p:nvGrpSpPr>
@@ -6148,7 +6192,7 @@
       </p:grpSpPr>
       <p:sp>
         <p:nvSpPr>
-          <p:cNvPr id="156" name="CustomShape 1"/>
+          <p:cNvPr id="160" name="CustomShape 1"/>
           <p:cNvSpPr/>
           <p:nvPr/>
         </p:nvSpPr>
@@ -6166,81 +6210,344 @@
           </a:ln>
         </p:spPr>
         <p:style>
-          <a:lnRef idx="0"/>
-          <a:fillRef idx="0"/>
-          <a:effectRef idx="0"/>
+          <a:lnRef idx="0">
+            <a:scrgbClr r="0" g="0" b="0"/>
+          </a:lnRef>
+          <a:fillRef idx="0">
+            <a:scrgbClr r="0" g="0" b="0"/>
+          </a:fillRef>
+          <a:effectRef idx="0">
+            <a:scrgbClr r="0" g="0" b="0"/>
+          </a:effectRef>
           <a:fontRef idx="minor"/>
         </p:style>
-      </p:sp>
-      <p:pic>
-        <p:nvPicPr>
-          <p:cNvPr id="157" name="Picture 4" descr=""/>
-          <p:cNvPicPr/>
-          <p:nvPr/>
-        </p:nvPicPr>
-        <p:blipFill>
-          <a:blip r:embed="rId1"/>
-          <a:srcRect l="0" t="0" r="0" b="4860"/>
-          <a:stretch/>
-        </p:blipFill>
-        <p:spPr>
-          <a:xfrm>
-            <a:off x="10667880" y="274320"/>
-            <a:ext cx="1164960" cy="1260720"/>
-          </a:xfrm>
-          <a:prstGeom prst="rect">
-            <a:avLst/>
-          </a:prstGeom>
-          <a:ln>
-            <a:noFill/>
-          </a:ln>
-        </p:spPr>
-      </p:pic>
-      <p:sp>
-        <p:nvSpPr>
-          <p:cNvPr id="158" name="CustomShape 2"/>
-          <p:cNvSpPr/>
-          <p:nvPr/>
-        </p:nvSpPr>
-        <p:spPr>
-          <a:xfrm>
-            <a:off x="1097280" y="700920"/>
-            <a:ext cx="10057320" cy="1035720"/>
-          </a:xfrm>
-          <a:prstGeom prst="rect">
-            <a:avLst/>
-          </a:prstGeom>
-          <a:noFill/>
-          <a:ln>
-            <a:noFill/>
-          </a:ln>
-        </p:spPr>
-        <p:style>
-          <a:lnRef idx="0"/>
-          <a:fillRef idx="0"/>
-          <a:effectRef idx="0"/>
-          <a:fontRef idx="minor"/>
-        </p:style>
-        <p:txBody>
-          <a:bodyPr lIns="0" rIns="0" tIns="0" bIns="0"/>
+        <p:txBody>
+          <a:bodyPr lIns="0" tIns="0" rIns="0" bIns="0" anchor="ctr"/>
+          <a:lstStyle/>
           <a:p>
             <a:pPr>
               <a:lnSpc>
                 <a:spcPct val="85000"/>
               </a:lnSpc>
             </a:pPr>
-            <a:br/>
             <a:r>
-              <a:rPr b="0" lang="en-US" sz="4800" spc="-43" strike="noStrike">
+              <a:rPr dirty="0"/>
+              <a:t/>
+            </a:r>
+            <a:br>
+              <a:rPr dirty="0"/>
+            </a:br>
+            <a:r>
+              <a:rPr lang="en-US" sz="4400" spc="-43" dirty="0" smtClean="0">
                 <a:solidFill>
                   <a:srgbClr val="404040"/>
                 </a:solidFill>
                 <a:latin typeface="Calibri Light"/>
                 <a:ea typeface="Microsoft YaHei"/>
               </a:rPr>
-              <a:t>Use case – Dmaging enemies</a:t>
+              <a:t>Joel – Game Menus</a:t>
             </a:r>
-            <a:endParaRPr b="0" lang="en-US" sz="4800" spc="-1" strike="noStrike">
+            <a:endParaRPr lang="en-US" sz="4400" b="0" strike="noStrike" spc="-1" dirty="0">
+              <a:latin typeface="Arial"/>
+            </a:endParaRPr>
+          </a:p>
+        </p:txBody>
+      </p:sp>
+      <p:sp>
+        <p:nvSpPr>
+          <p:cNvPr id="161" name="CustomShape 2"/>
+          <p:cNvSpPr/>
+          <p:nvPr/>
+        </p:nvSpPr>
+        <p:spPr>
+          <a:xfrm>
+            <a:off x="1097280" y="2121120"/>
+            <a:ext cx="10057320" cy="4022280"/>
+          </a:xfrm>
+          <a:prstGeom prst="rect">
+            <a:avLst/>
+          </a:prstGeom>
+          <a:noFill/>
+          <a:ln>
+            <a:noFill/>
+          </a:ln>
+        </p:spPr>
+        <p:style>
+          <a:lnRef idx="0">
+            <a:scrgbClr r="0" g="0" b="0"/>
+          </a:lnRef>
+          <a:fillRef idx="0">
+            <a:scrgbClr r="0" g="0" b="0"/>
+          </a:fillRef>
+          <a:effectRef idx="0">
+            <a:scrgbClr r="0" g="0" b="0"/>
+          </a:effectRef>
+          <a:fontRef idx="minor"/>
+        </p:style>
+        <p:txBody>
+          <a:bodyPr lIns="0" tIns="0" rIns="0" bIns="0" anchor="ctr"/>
+          <a:lstStyle/>
+          <a:p>
+            <a:pPr marL="91440" indent="-90360">
+              <a:lnSpc>
+                <a:spcPct val="90000"/>
+              </a:lnSpc>
+              <a:spcBef>
+                <a:spcPts val="1199"/>
+              </a:spcBef>
+              <a:spcAft>
+                <a:spcPts val="201"/>
+              </a:spcAft>
+              <a:buClr>
+                <a:srgbClr val="E48312"/>
+              </a:buClr>
+              <a:buFont typeface="Arial"/>
+              <a:buChar char="•"/>
+            </a:pPr>
+            <a:r>
+              <a:rPr lang="en-US" sz="2200" b="0" strike="noStrike" spc="-1" dirty="0" smtClean="0">
+                <a:solidFill>
+                  <a:srgbClr val="404040"/>
+                </a:solidFill>
+                <a:latin typeface="Calibri"/>
+                <a:ea typeface="DejaVu Sans"/>
+              </a:rPr>
+              <a:t> Creating game menus that include a Start Menu and a Pause Menu. </a:t>
+            </a:r>
+            <a:endParaRPr lang="en-US" sz="2200" b="0" strike="noStrike" spc="-1" dirty="0">
+              <a:latin typeface="Arial"/>
+            </a:endParaRPr>
+          </a:p>
+          <a:p>
+            <a:pPr marL="91440" indent="-90360">
+              <a:lnSpc>
+                <a:spcPct val="90000"/>
+              </a:lnSpc>
+              <a:spcBef>
+                <a:spcPts val="1199"/>
+              </a:spcBef>
+              <a:spcAft>
+                <a:spcPts val="201"/>
+              </a:spcAft>
+              <a:buClr>
+                <a:srgbClr val="E48312"/>
+              </a:buClr>
+              <a:buFont typeface="Arial"/>
+              <a:buChar char="•"/>
+            </a:pPr>
+            <a:r>
+              <a:rPr lang="en-US" sz="2200" spc="-1" dirty="0">
+                <a:solidFill>
+                  <a:srgbClr val="404040"/>
+                </a:solidFill>
+                <a:latin typeface="Calibri"/>
+              </a:rPr>
+              <a:t> </a:t>
+            </a:r>
+            <a:r>
+              <a:rPr lang="en-US" sz="2200" spc="-1" dirty="0" smtClean="0">
+                <a:solidFill>
+                  <a:srgbClr val="404040"/>
+                </a:solidFill>
+                <a:latin typeface="Calibri"/>
+              </a:rPr>
+              <a:t>Coordinate with Luis and Josh to determine most useful functionalities for the gamer and add them as options to the appropriate menu.</a:t>
+            </a:r>
+            <a:endParaRPr lang="en-US" sz="2200" b="0" strike="noStrike" spc="-1" dirty="0">
+              <a:latin typeface="Arial"/>
+            </a:endParaRPr>
+          </a:p>
+          <a:p>
+            <a:pPr marL="91440" indent="-90360">
+              <a:lnSpc>
+                <a:spcPct val="90000"/>
+              </a:lnSpc>
+              <a:spcBef>
+                <a:spcPts val="1199"/>
+              </a:spcBef>
+              <a:spcAft>
+                <a:spcPts val="201"/>
+              </a:spcAft>
+              <a:buClr>
+                <a:srgbClr val="E48312"/>
+              </a:buClr>
+              <a:buFont typeface="Arial"/>
+              <a:buChar char="•"/>
+            </a:pPr>
+            <a:r>
+              <a:rPr lang="en-US" sz="2200" b="0" strike="noStrike" spc="-1" dirty="0" smtClean="0">
+                <a:solidFill>
+                  <a:srgbClr val="404040"/>
+                </a:solidFill>
+                <a:latin typeface="Calibri"/>
+                <a:ea typeface="DejaVu Sans"/>
+              </a:rPr>
+              <a:t> Coordinate with Josh to determine a design that flows with the in game graphics.</a:t>
+            </a:r>
+          </a:p>
+          <a:p>
+            <a:pPr marL="91440" indent="-90360">
+              <a:lnSpc>
+                <a:spcPct val="90000"/>
+              </a:lnSpc>
+              <a:spcBef>
+                <a:spcPts val="1199"/>
+              </a:spcBef>
+              <a:spcAft>
+                <a:spcPts val="201"/>
+              </a:spcAft>
+              <a:buClr>
+                <a:srgbClr val="E48312"/>
+              </a:buClr>
+              <a:buFont typeface="Arial"/>
+              <a:buChar char="•"/>
+            </a:pPr>
+            <a:r>
+              <a:rPr lang="en-US" sz="2200" spc="-1" dirty="0">
+                <a:solidFill>
+                  <a:srgbClr val="404040"/>
+                </a:solidFill>
+                <a:latin typeface="Calibri"/>
+              </a:rPr>
+              <a:t> </a:t>
+            </a:r>
+            <a:r>
+              <a:rPr lang="en-US" sz="2200" spc="-1" dirty="0" smtClean="0">
+                <a:solidFill>
+                  <a:srgbClr val="404040"/>
+                </a:solidFill>
+                <a:latin typeface="Calibri"/>
+              </a:rPr>
+              <a:t>Coordinate with Luis to determine how the gamer can access the appropriate menu. </a:t>
+            </a:r>
+            <a:endParaRPr lang="en-US" sz="2200" b="0" strike="noStrike" spc="-1" dirty="0">
+              <a:latin typeface="Arial"/>
+            </a:endParaRPr>
+          </a:p>
+          <a:p>
+            <a:pPr>
+              <a:lnSpc>
+                <a:spcPct val="90000"/>
+              </a:lnSpc>
+              <a:spcBef>
+                <a:spcPts val="1199"/>
+              </a:spcBef>
+              <a:spcAft>
+                <a:spcPts val="201"/>
+              </a:spcAft>
+            </a:pPr>
+            <a:endParaRPr lang="en-US" sz="2200" b="0" strike="noStrike" spc="-1" dirty="0">
+              <a:latin typeface="Arial"/>
+            </a:endParaRPr>
+          </a:p>
+          <a:p>
+            <a:pPr>
+              <a:lnSpc>
+                <a:spcPct val="90000"/>
+              </a:lnSpc>
+              <a:spcBef>
+                <a:spcPts val="1199"/>
+              </a:spcBef>
+              <a:spcAft>
+                <a:spcPts val="201"/>
+              </a:spcAft>
+            </a:pPr>
+            <a:endParaRPr lang="en-US" sz="2200" b="0" strike="noStrike" spc="-1" dirty="0">
+              <a:latin typeface="Arial"/>
+            </a:endParaRPr>
+          </a:p>
+          <a:p>
+            <a:pPr marL="91440" indent="-90360">
+              <a:lnSpc>
+                <a:spcPct val="90000"/>
+              </a:lnSpc>
+              <a:spcBef>
+                <a:spcPts val="1199"/>
+              </a:spcBef>
+              <a:spcAft>
+                <a:spcPts val="201"/>
+              </a:spcAft>
+              <a:buClr>
+                <a:srgbClr val="E48312"/>
+              </a:buClr>
+              <a:buFont typeface="Arial"/>
+              <a:buChar char="•"/>
+            </a:pPr>
+            <a:r>
+              <a:rPr lang="en-US" sz="2200" b="0" strike="noStrike" spc="-1" dirty="0">
+                <a:solidFill>
+                  <a:srgbClr val="404040"/>
+                </a:solidFill>
+                <a:latin typeface="Calibri"/>
+                <a:ea typeface="DejaVu Sans"/>
+              </a:rPr>
+              <a:t>Priority level: </a:t>
+            </a:r>
+            <a:r>
+              <a:rPr lang="en-US" sz="2200" spc="-1" dirty="0">
+                <a:solidFill>
+                  <a:srgbClr val="404040"/>
+                </a:solidFill>
+                <a:latin typeface="Calibri"/>
+                <a:ea typeface="DejaVu Sans"/>
+              </a:rPr>
+              <a:t>2</a:t>
+            </a:r>
+            <a:r>
+              <a:rPr lang="en-US" sz="2200" b="0" strike="noStrike" spc="-1" dirty="0" smtClean="0">
+                <a:solidFill>
+                  <a:srgbClr val="404040"/>
+                </a:solidFill>
+                <a:latin typeface="Calibri"/>
+                <a:ea typeface="DejaVu Sans"/>
+              </a:rPr>
+              <a:t> </a:t>
+            </a:r>
+            <a:endParaRPr lang="en-US" sz="2200" b="0" strike="noStrike" spc="-1" dirty="0">
+              <a:latin typeface="Arial"/>
+            </a:endParaRPr>
+          </a:p>
+          <a:p>
+            <a:pPr marL="91440" indent="-90360">
+              <a:lnSpc>
+                <a:spcPct val="90000"/>
+              </a:lnSpc>
+              <a:spcBef>
+                <a:spcPts val="1199"/>
+              </a:spcBef>
+              <a:spcAft>
+                <a:spcPts val="201"/>
+              </a:spcAft>
+              <a:buClr>
+                <a:srgbClr val="E48312"/>
+              </a:buClr>
+              <a:buFont typeface="Arial"/>
+              <a:buChar char="•"/>
+            </a:pPr>
+            <a:r>
+              <a:rPr lang="en-US" sz="2200" b="0" strike="noStrike" spc="-1" dirty="0">
+                <a:solidFill>
+                  <a:srgbClr val="404040"/>
+                </a:solidFill>
+                <a:latin typeface="Calibri"/>
+                <a:ea typeface="DejaVu Sans"/>
+              </a:rPr>
+              <a:t>Complexity: Moderate</a:t>
+            </a:r>
+            <a:endParaRPr lang="en-US" sz="2200" b="0" strike="noStrike" spc="-1" dirty="0">
+              <a:latin typeface="Arial"/>
+            </a:endParaRPr>
+          </a:p>
+          <a:p>
+            <a:pPr>
+              <a:lnSpc>
+                <a:spcPct val="90000"/>
+              </a:lnSpc>
+              <a:spcBef>
+                <a:spcPts val="1001"/>
+              </a:spcBef>
+            </a:pPr>
+            <a:endParaRPr lang="en-US" sz="2200" b="0" strike="noStrike" spc="-1" dirty="0">
               <a:latin typeface="Arial"/>
             </a:endParaRPr>
           </a:p>
@@ -6248,18 +6555,19 @@
       </p:sp>
       <p:pic>
         <p:nvPicPr>
-          <p:cNvPr id="159" name="Picture 150" descr=""/>
+          <p:cNvPr id="162" name="Picture 4"/>
           <p:cNvPicPr/>
           <p:nvPr/>
         </p:nvPicPr>
         <p:blipFill>
           <a:blip r:embed="rId2"/>
+          <a:srcRect b="4860"/>
           <a:stretch/>
         </p:blipFill>
         <p:spPr>
           <a:xfrm>
-            <a:off x="2377440" y="1828800"/>
-            <a:ext cx="7131960" cy="4404240"/>
+            <a:off x="10667880" y="274320"/>
+            <a:ext cx="1164960" cy="1260720"/>
           </a:xfrm>
           <a:prstGeom prst="rect">
             <a:avLst/>
@@ -6270,23 +6578,31 @@
         </p:spPr>
       </p:pic>
     </p:spTree>
+    <p:extLst>
+      <p:ext uri="{BB962C8B-B14F-4D97-AF65-F5344CB8AC3E}">
+        <p14:creationId xmlns:p14="http://schemas.microsoft.com/office/powerpoint/2010/main" val="3921877469"/>
+      </p:ext>
+    </p:extLst>
   </p:cSld>
+  <p:clrMapOvr>
+    <a:masterClrMapping/>
+  </p:clrMapOvr>
   <p:timing>
     <p:tnLst>
       <p:par>
-        <p:cTn id="21" dur="indefinite" restart="never" nodeType="tmRoot">
+        <p:cTn id="1" dur="indefinite" restart="never" nodeType="tmRoot">
           <p:childTnLst>
             <p:seq>
-              <p:cTn id="22" dur="indefinite" nodeType="mainSeq"/>
+              <p:cTn id="2" dur="indefinite" nodeType="mainSeq"/>
               <p:prevCondLst>
-                <p:cond delay="0" evt="onPrev">
+                <p:cond evt="onPrev" delay="0">
                   <p:tgtEl>
                     <p:sldTgt/>
                   </p:tgtEl>
                 </p:cond>
               </p:prevCondLst>
               <p:nextCondLst>
-                <p:cond delay="0" evt="onNext">
+                <p:cond evt="onNext" delay="0">
                   <p:tgtEl>
                     <p:sldTgt/>
                   </p:tgtEl>
@@ -6302,7 +6618,7 @@
 </file>
 
 <file path=ppt/slides/slide12.xml><?xml version="1.0" encoding="utf-8"?>
-<p:sld xmlns:a="http://schemas.openxmlformats.org/drawingml/2006/main" xmlns:p="http://schemas.openxmlformats.org/presentationml/2006/main" xmlns:r="http://schemas.openxmlformats.org/officeDocument/2006/relationships" xmlns:p14="http://schemas.microsoft.com/office/powerpoint/2010/main" xmlns:p15="http://schemas.microsoft.com/office/powerpoint/2012/main" xmlns:mc="http://schemas.openxmlformats.org/markup-compatibility/2006">
+<p:sld xmlns:a="http://schemas.openxmlformats.org/drawingml/2006/main" xmlns:r="http://schemas.openxmlformats.org/officeDocument/2006/relationships" xmlns:p="http://schemas.openxmlformats.org/presentationml/2006/main">
   <p:cSld>
     <p:spTree>
       <p:nvGrpSpPr>
@@ -6338,31 +6654,44 @@
           </a:ln>
         </p:spPr>
         <p:style>
-          <a:lnRef idx="0"/>
-          <a:fillRef idx="0"/>
-          <a:effectRef idx="0"/>
+          <a:lnRef idx="0">
+            <a:scrgbClr r="0" g="0" b="0"/>
+          </a:lnRef>
+          <a:fillRef idx="0">
+            <a:scrgbClr r="0" g="0" b="0"/>
+          </a:fillRef>
+          <a:effectRef idx="0">
+            <a:scrgbClr r="0" g="0" b="0"/>
+          </a:effectRef>
           <a:fontRef idx="minor"/>
         </p:style>
         <p:txBody>
-          <a:bodyPr lIns="0" rIns="0" tIns="0" bIns="0" anchor="ctr"/>
+          <a:bodyPr lIns="0" tIns="0" rIns="0" bIns="0" anchor="ctr"/>
+          <a:lstStyle/>
           <a:p>
             <a:pPr>
               <a:lnSpc>
                 <a:spcPct val="85000"/>
               </a:lnSpc>
             </a:pPr>
-            <a:br/>
             <a:r>
-              <a:rPr b="0" lang="en-US" sz="4400" spc="-43" strike="noStrike">
+              <a:rPr dirty="0"/>
+              <a:t/>
+            </a:r>
+            <a:br>
+              <a:rPr dirty="0"/>
+            </a:br>
+            <a:r>
+              <a:rPr lang="en-US" sz="4400" spc="-43" dirty="0" smtClean="0">
                 <a:solidFill>
                   <a:srgbClr val="404040"/>
                 </a:solidFill>
                 <a:latin typeface="Calibri Light"/>
                 <a:ea typeface="Microsoft YaHei"/>
               </a:rPr>
-              <a:t>Blakely – Sound</a:t>
+              <a:t>Display Menu – Use Case Diagram</a:t>
             </a:r>
-            <a:endParaRPr b="0" lang="en-US" sz="4400" spc="-1" strike="noStrike">
+            <a:endParaRPr lang="en-US" sz="4400" b="0" strike="noStrike" spc="-1" dirty="0">
               <a:latin typeface="Arial"/>
             </a:endParaRPr>
           </a:p>
@@ -6388,231 +6717,20 @@
           </a:ln>
         </p:spPr>
         <p:style>
-          <a:lnRef idx="0"/>
-          <a:fillRef idx="0"/>
-          <a:effectRef idx="0"/>
+          <a:lnRef idx="0">
+            <a:scrgbClr r="0" g="0" b="0"/>
+          </a:lnRef>
+          <a:fillRef idx="0">
+            <a:scrgbClr r="0" g="0" b="0"/>
+          </a:fillRef>
+          <a:effectRef idx="0">
+            <a:scrgbClr r="0" g="0" b="0"/>
+          </a:effectRef>
           <a:fontRef idx="minor"/>
         </p:style>
         <p:txBody>
-          <a:bodyPr lIns="0" rIns="0" tIns="0" bIns="0" anchor="ctr"/>
-          <a:p>
-            <a:pPr marL="91440" indent="-90360">
-              <a:lnSpc>
-                <a:spcPct val="90000"/>
-              </a:lnSpc>
-              <a:spcBef>
-                <a:spcPts val="1199"/>
-              </a:spcBef>
-              <a:spcAft>
-                <a:spcPts val="201"/>
-              </a:spcAft>
-              <a:buClr>
-                <a:srgbClr val="e48312"/>
-              </a:buClr>
-              <a:buFont typeface="Arial"/>
-              <a:buChar char="•"/>
-            </a:pPr>
-            <a:r>
-              <a:rPr b="0" lang="en-US" sz="2200" spc="-1" strike="noStrike">
-                <a:solidFill>
-                  <a:srgbClr val="404040"/>
-                </a:solidFill>
-                <a:latin typeface="Calibri"/>
-                <a:ea typeface="DejaVu Sans"/>
-              </a:rPr>
-              <a:t>Creating Sounds for levels and sound effects</a:t>
-            </a:r>
-            <a:endParaRPr b="0" lang="en-US" sz="2200" spc="-1" strike="noStrike">
-              <a:latin typeface="Arial"/>
-            </a:endParaRPr>
-          </a:p>
-          <a:p>
-            <a:pPr marL="91440" indent="-90360">
-              <a:lnSpc>
-                <a:spcPct val="90000"/>
-              </a:lnSpc>
-              <a:spcBef>
-                <a:spcPts val="1199"/>
-              </a:spcBef>
-              <a:spcAft>
-                <a:spcPts val="201"/>
-              </a:spcAft>
-              <a:buClr>
-                <a:srgbClr val="e48312"/>
-              </a:buClr>
-              <a:buFont typeface="Arial"/>
-              <a:buChar char="•"/>
-            </a:pPr>
-            <a:r>
-              <a:rPr b="0" lang="en-US" sz="2200" spc="-1" strike="noStrike">
-                <a:solidFill>
-                  <a:srgbClr val="404040"/>
-                </a:solidFill>
-                <a:latin typeface="Calibri"/>
-                <a:ea typeface="DejaVu Sans"/>
-              </a:rPr>
-              <a:t>Coordinate with Luis on player sound effects</a:t>
-            </a:r>
-            <a:endParaRPr b="0" lang="en-US" sz="2200" spc="-1" strike="noStrike">
-              <a:latin typeface="Arial"/>
-            </a:endParaRPr>
-          </a:p>
-          <a:p>
-            <a:pPr marL="91440" indent="-90360">
-              <a:lnSpc>
-                <a:spcPct val="90000"/>
-              </a:lnSpc>
-              <a:spcBef>
-                <a:spcPts val="1199"/>
-              </a:spcBef>
-              <a:spcAft>
-                <a:spcPts val="201"/>
-              </a:spcAft>
-              <a:buClr>
-                <a:srgbClr val="e48312"/>
-              </a:buClr>
-              <a:buFont typeface="Arial"/>
-              <a:buChar char="•"/>
-            </a:pPr>
-            <a:r>
-              <a:rPr b="0" lang="en-US" sz="2200" spc="-1" strike="noStrike">
-                <a:solidFill>
-                  <a:srgbClr val="404040"/>
-                </a:solidFill>
-                <a:latin typeface="Calibri"/>
-                <a:ea typeface="DejaVu Sans"/>
-              </a:rPr>
-              <a:t>Coordinate with Ben on enemy sound effects</a:t>
-            </a:r>
-            <a:endParaRPr b="0" lang="en-US" sz="2200" spc="-1" strike="noStrike">
-              <a:latin typeface="Arial"/>
-            </a:endParaRPr>
-          </a:p>
-          <a:p>
-            <a:pPr marL="91440" indent="-90360">
-              <a:lnSpc>
-                <a:spcPct val="90000"/>
-              </a:lnSpc>
-              <a:spcBef>
-                <a:spcPts val="1199"/>
-              </a:spcBef>
-              <a:spcAft>
-                <a:spcPts val="201"/>
-              </a:spcAft>
-              <a:buClr>
-                <a:srgbClr val="e48312"/>
-              </a:buClr>
-              <a:buFont typeface="Arial"/>
-              <a:buChar char="•"/>
-            </a:pPr>
-            <a:r>
-              <a:rPr b="0" lang="en-US" sz="2200" spc="-1" strike="noStrike">
-                <a:solidFill>
-                  <a:srgbClr val="404040"/>
-                </a:solidFill>
-                <a:latin typeface="Calibri"/>
-                <a:ea typeface="DejaVu Sans"/>
-              </a:rPr>
-              <a:t>Provide seamless timing between character trigger and sound effect</a:t>
-            </a:r>
-            <a:endParaRPr b="0" lang="en-US" sz="2200" spc="-1" strike="noStrike">
-              <a:latin typeface="Arial"/>
-            </a:endParaRPr>
-          </a:p>
-          <a:p>
-            <a:pPr>
-              <a:lnSpc>
-                <a:spcPct val="90000"/>
-              </a:lnSpc>
-              <a:spcBef>
-                <a:spcPts val="1199"/>
-              </a:spcBef>
-              <a:spcAft>
-                <a:spcPts val="201"/>
-              </a:spcAft>
-            </a:pPr>
-            <a:endParaRPr b="0" lang="en-US" sz="2200" spc="-1" strike="noStrike">
-              <a:latin typeface="Arial"/>
-            </a:endParaRPr>
-          </a:p>
-          <a:p>
-            <a:pPr>
-              <a:lnSpc>
-                <a:spcPct val="90000"/>
-              </a:lnSpc>
-              <a:spcBef>
-                <a:spcPts val="1199"/>
-              </a:spcBef>
-              <a:spcAft>
-                <a:spcPts val="201"/>
-              </a:spcAft>
-            </a:pPr>
-            <a:endParaRPr b="0" lang="en-US" sz="2200" spc="-1" strike="noStrike">
-              <a:latin typeface="Arial"/>
-            </a:endParaRPr>
-          </a:p>
-          <a:p>
-            <a:pPr marL="91440" indent="-90360">
-              <a:lnSpc>
-                <a:spcPct val="90000"/>
-              </a:lnSpc>
-              <a:spcBef>
-                <a:spcPts val="1199"/>
-              </a:spcBef>
-              <a:spcAft>
-                <a:spcPts val="201"/>
-              </a:spcAft>
-              <a:buClr>
-                <a:srgbClr val="e48312"/>
-              </a:buClr>
-              <a:buFont typeface="Arial"/>
-              <a:buChar char="•"/>
-            </a:pPr>
-            <a:r>
-              <a:rPr b="0" lang="en-US" sz="2200" spc="-1" strike="noStrike">
-                <a:solidFill>
-                  <a:srgbClr val="404040"/>
-                </a:solidFill>
-                <a:latin typeface="Calibri"/>
-                <a:ea typeface="DejaVu Sans"/>
-              </a:rPr>
-              <a:t>Priority level: 3 </a:t>
-            </a:r>
-            <a:endParaRPr b="0" lang="en-US" sz="2200" spc="-1" strike="noStrike">
-              <a:latin typeface="Arial"/>
-            </a:endParaRPr>
-          </a:p>
-          <a:p>
-            <a:pPr marL="91440" indent="-90360">
-              <a:lnSpc>
-                <a:spcPct val="90000"/>
-              </a:lnSpc>
-              <a:spcBef>
-                <a:spcPts val="1199"/>
-              </a:spcBef>
-              <a:spcAft>
-                <a:spcPts val="201"/>
-              </a:spcAft>
-              <a:buClr>
-                <a:srgbClr val="e48312"/>
-              </a:buClr>
-              <a:buFont typeface="Arial"/>
-              <a:buChar char="•"/>
-            </a:pPr>
-            <a:r>
-              <a:rPr b="0" lang="en-US" sz="2200" spc="-1" strike="noStrike">
-                <a:solidFill>
-                  <a:srgbClr val="404040"/>
-                </a:solidFill>
-                <a:latin typeface="Calibri"/>
-                <a:ea typeface="DejaVu Sans"/>
-              </a:rPr>
-              <a:t>Complexity: Moderate</a:t>
-            </a:r>
-            <a:endParaRPr b="0" lang="en-US" sz="2200" spc="-1" strike="noStrike">
-              <a:latin typeface="Arial"/>
-            </a:endParaRPr>
-          </a:p>
+          <a:bodyPr lIns="0" tIns="0" rIns="0" bIns="0" anchor="ctr"/>
+          <a:lstStyle/>
           <a:p>
             <a:pPr>
               <a:lnSpc>
@@ -6622,7 +6740,7 @@
                 <a:spcPts val="1001"/>
               </a:spcBef>
             </a:pPr>
-            <a:endParaRPr b="0" lang="en-US" sz="2200" spc="-1" strike="noStrike">
+            <a:endParaRPr lang="en-US" sz="2200" b="0" strike="noStrike" spc="-1" dirty="0">
               <a:latin typeface="Arial"/>
             </a:endParaRPr>
           </a:p>
@@ -6630,13 +6748,13 @@
       </p:sp>
       <p:pic>
         <p:nvPicPr>
-          <p:cNvPr id="162" name="Picture 4" descr=""/>
+          <p:cNvPr id="162" name="Picture 4"/>
           <p:cNvPicPr/>
           <p:nvPr/>
         </p:nvPicPr>
         <p:blipFill>
-          <a:blip r:embed="rId1"/>
-          <a:srcRect l="0" t="0" r="0" b="4860"/>
+          <a:blip r:embed="rId2"/>
+          <a:srcRect b="4860"/>
           <a:stretch/>
         </p:blipFill>
         <p:spPr>
@@ -6652,24 +6770,65 @@
           </a:ln>
         </p:spPr>
       </p:pic>
+      <p:pic>
+        <p:nvPicPr>
+          <p:cNvPr id="5" name="Picture 4" descr="C:\Users\Jimmy\AppData\Local\Temp\useCase_joelBerain-2.jpg"/>
+          <p:cNvPicPr/>
+          <p:nvPr/>
+        </p:nvPicPr>
+        <p:blipFill>
+          <a:blip r:embed="rId3">
+            <a:extLst>
+              <a:ext uri="{28A0092B-C50C-407E-A947-70E740481C1C}">
+                <a14:useLocalDpi xmlns:a14="http://schemas.microsoft.com/office/drawing/2010/main" val="0"/>
+              </a:ext>
+            </a:extLst>
+          </a:blip>
+          <a:srcRect/>
+          <a:stretch>
+            <a:fillRect/>
+          </a:stretch>
+        </p:blipFill>
+        <p:spPr bwMode="auto">
+          <a:xfrm>
+            <a:off x="2438400" y="1903410"/>
+            <a:ext cx="5943600" cy="4457700"/>
+          </a:xfrm>
+          <a:prstGeom prst="rect">
+            <a:avLst/>
+          </a:prstGeom>
+          <a:noFill/>
+          <a:ln>
+            <a:noFill/>
+          </a:ln>
+        </p:spPr>
+      </p:pic>
     </p:spTree>
+    <p:extLst>
+      <p:ext uri="{BB962C8B-B14F-4D97-AF65-F5344CB8AC3E}">
+        <p14:creationId xmlns:p14="http://schemas.microsoft.com/office/powerpoint/2010/main" val="2289958717"/>
+      </p:ext>
+    </p:extLst>
   </p:cSld>
+  <p:clrMapOvr>
+    <a:masterClrMapping/>
+  </p:clrMapOvr>
   <p:timing>
     <p:tnLst>
       <p:par>
-        <p:cTn id="23" dur="indefinite" restart="never" nodeType="tmRoot">
+        <p:cTn id="1" dur="indefinite" restart="never" nodeType="tmRoot">
           <p:childTnLst>
             <p:seq>
-              <p:cTn id="24" dur="indefinite" nodeType="mainSeq"/>
+              <p:cTn id="2" dur="indefinite" nodeType="mainSeq"/>
               <p:prevCondLst>
-                <p:cond delay="0" evt="onPrev">
+                <p:cond evt="onPrev" delay="0">
                   <p:tgtEl>
                     <p:sldTgt/>
                   </p:tgtEl>
                 </p:cond>
               </p:prevCondLst>
               <p:nextCondLst>
-                <p:cond delay="0" evt="onNext">
+                <p:cond evt="onNext" delay="0">
                   <p:tgtEl>
                     <p:sldTgt/>
                   </p:tgtEl>
@@ -6684,8 +6843,8 @@
 </p:sld>
 </file>
 
-<file path=ppt/slides/slide13.xml><?xml version="1.0" encoding="utf-8"?>
-<p:sld xmlns:a="http://schemas.openxmlformats.org/drawingml/2006/main" xmlns:p="http://schemas.openxmlformats.org/presentationml/2006/main" xmlns:r="http://schemas.openxmlformats.org/officeDocument/2006/relationships" xmlns:p14="http://schemas.microsoft.com/office/powerpoint/2010/main" xmlns:p15="http://schemas.microsoft.com/office/powerpoint/2012/main" xmlns:mc="http://schemas.openxmlformats.org/markup-compatibility/2006">
+<file path=ppt/slides/slide2.xml><?xml version="1.0" encoding="utf-8"?>
+<p:sld xmlns:a="http://schemas.openxmlformats.org/drawingml/2006/main" xmlns:r="http://schemas.openxmlformats.org/officeDocument/2006/relationships" xmlns:p="http://schemas.openxmlformats.org/presentationml/2006/main">
   <p:cSld>
     <p:spTree>
       <p:nvGrpSpPr>
@@ -6703,7 +6862,7 @@
       </p:grpSpPr>
       <p:sp>
         <p:nvSpPr>
-          <p:cNvPr id="163" name="CustomShape 1"/>
+          <p:cNvPr id="129" name="CustomShape 1"/>
           <p:cNvSpPr/>
           <p:nvPr/>
         </p:nvSpPr>
@@ -6721,33 +6880,125 @@
           </a:ln>
         </p:spPr>
         <p:style>
-          <a:lnRef idx="0"/>
-          <a:fillRef idx="0"/>
-          <a:effectRef idx="0"/>
+          <a:lnRef idx="0">
+            <a:scrgbClr r="0" g="0" b="0"/>
+          </a:lnRef>
+          <a:fillRef idx="0">
+            <a:scrgbClr r="0" g="0" b="0"/>
+          </a:fillRef>
+          <a:effectRef idx="0">
+            <a:scrgbClr r="0" g="0" b="0"/>
+          </a:effectRef>
           <a:fontRef idx="minor"/>
         </p:style>
-        <p:txBody>
-          <a:bodyPr lIns="0" rIns="0" tIns="0" bIns="0" anchor="ctr"/>
+      </p:sp>
+      <p:sp>
+        <p:nvSpPr>
+          <p:cNvPr id="130" name="CustomShape 2"/>
+          <p:cNvSpPr/>
+          <p:nvPr/>
+        </p:nvSpPr>
+        <p:spPr>
+          <a:xfrm>
+            <a:off x="1097280" y="1845720"/>
+            <a:ext cx="10057320" cy="4022280"/>
+          </a:xfrm>
+          <a:prstGeom prst="rect">
+            <a:avLst/>
+          </a:prstGeom>
+          <a:noFill/>
+          <a:ln>
+            <a:noFill/>
+          </a:ln>
+        </p:spPr>
+        <p:style>
+          <a:lnRef idx="0">
+            <a:scrgbClr r="0" g="0" b="0"/>
+          </a:lnRef>
+          <a:fillRef idx="0">
+            <a:scrgbClr r="0" g="0" b="0"/>
+          </a:fillRef>
+          <a:effectRef idx="0">
+            <a:scrgbClr r="0" g="0" b="0"/>
+          </a:effectRef>
+          <a:fontRef idx="minor"/>
+        </p:style>
+      </p:sp>
+      <p:pic>
+        <p:nvPicPr>
+          <p:cNvPr id="131" name="Picture 3"/>
+          <p:cNvPicPr/>
+          <p:nvPr/>
+        </p:nvPicPr>
+        <p:blipFill>
+          <a:blip r:embed="rId2"/>
+          <a:srcRect b="4860"/>
+          <a:stretch/>
+        </p:blipFill>
+        <p:spPr>
+          <a:xfrm>
+            <a:off x="10667880" y="274320"/>
+            <a:ext cx="1164960" cy="1260720"/>
+          </a:xfrm>
+          <a:prstGeom prst="rect">
+            <a:avLst/>
+          </a:prstGeom>
+          <a:ln>
+            <a:noFill/>
+          </a:ln>
+        </p:spPr>
+      </p:pic>
+      <p:sp>
+        <p:nvSpPr>
+          <p:cNvPr id="132" name="CustomShape 3"/>
+          <p:cNvSpPr/>
+          <p:nvPr/>
+        </p:nvSpPr>
+        <p:spPr>
+          <a:xfrm>
+            <a:off x="1097280" y="286560"/>
+            <a:ext cx="10057680" cy="1450080"/>
+          </a:xfrm>
+          <a:prstGeom prst="rect">
+            <a:avLst/>
+          </a:prstGeom>
+          <a:noFill/>
+          <a:ln>
+            <a:noFill/>
+          </a:ln>
+        </p:spPr>
+        <p:style>
+          <a:lnRef idx="0">
+            <a:scrgbClr r="0" g="0" b="0"/>
+          </a:lnRef>
+          <a:fillRef idx="0">
+            <a:scrgbClr r="0" g="0" b="0"/>
+          </a:fillRef>
+          <a:effectRef idx="0">
+            <a:scrgbClr r="0" g="0" b="0"/>
+          </a:effectRef>
+          <a:fontRef idx="minor"/>
+        </p:style>
+        <p:txBody>
+          <a:bodyPr lIns="90000" tIns="45000" rIns="90000" bIns="45000" anchor="b"/>
+          <a:lstStyle/>
           <a:p>
             <a:pPr>
               <a:lnSpc>
-                <a:spcPct val="90000"/>
+                <a:spcPct val="85000"/>
               </a:lnSpc>
             </a:pPr>
-            <a:br/>
-            <a:br/>
             <a:r>
-              <a:rPr b="0" lang="en-US" sz="4400" spc="-43" strike="noStrike">
+              <a:rPr lang="en-US" sz="4800" b="0" strike="noStrike" spc="-46">
                 <a:solidFill>
                   <a:srgbClr val="404040"/>
                 </a:solidFill>
                 <a:latin typeface="Calibri Light"/>
                 <a:ea typeface="DejaVu Sans"/>
               </a:rPr>
-              <a:t>Sound Design – Use Case Diagram</a:t>
+              <a:t>Global Use Case</a:t>
             </a:r>
-            <a:br/>
-            <a:endParaRPr b="0" lang="en-US" sz="4400" spc="-1" strike="noStrike">
+            <a:endParaRPr lang="en-US" sz="4800" b="0" strike="noStrike" spc="-1">
               <a:latin typeface="Arial"/>
             </a:endParaRPr>
           </a:p>
@@ -6755,19 +7006,18 @@
       </p:sp>
       <p:pic>
         <p:nvPicPr>
-          <p:cNvPr id="164" name="Picture 4" descr=""/>
+          <p:cNvPr id="133" name="Picture 132"/>
           <p:cNvPicPr/>
           <p:nvPr/>
         </p:nvPicPr>
         <p:blipFill>
-          <a:blip r:embed="rId1"/>
-          <a:srcRect l="0" t="0" r="0" b="4860"/>
+          <a:blip r:embed="rId3"/>
           <a:stretch/>
         </p:blipFill>
         <p:spPr>
           <a:xfrm>
-            <a:off x="10667880" y="274320"/>
-            <a:ext cx="1164960" cy="1260720"/>
+            <a:off x="1274040" y="1800360"/>
+            <a:ext cx="7595640" cy="4533480"/>
           </a:xfrm>
           <a:prstGeom prst="rect">
             <a:avLst/>
@@ -6777,48 +7027,27 @@
           </a:ln>
         </p:spPr>
       </p:pic>
-      <p:pic>
-        <p:nvPicPr>
-          <p:cNvPr id="165" name="Picture 5" descr=""/>
-          <p:cNvPicPr/>
-          <p:nvPr/>
-        </p:nvPicPr>
-        <p:blipFill>
-          <a:blip r:embed="rId2"/>
-          <a:srcRect l="0" t="4713" r="0" b="4404"/>
-          <a:stretch/>
-        </p:blipFill>
-        <p:spPr>
-          <a:xfrm>
-            <a:off x="2485080" y="1905840"/>
-            <a:ext cx="4575960" cy="4317840"/>
-          </a:xfrm>
-          <a:prstGeom prst="rect">
-            <a:avLst/>
-          </a:prstGeom>
-          <a:ln>
-            <a:noFill/>
-          </a:ln>
-        </p:spPr>
-      </p:pic>
     </p:spTree>
   </p:cSld>
+  <p:clrMapOvr>
+    <a:masterClrMapping/>
+  </p:clrMapOvr>
   <p:timing>
     <p:tnLst>
       <p:par>
-        <p:cTn id="25" dur="indefinite" restart="never" nodeType="tmRoot">
+        <p:cTn id="1" dur="indefinite" restart="never" nodeType="tmRoot">
           <p:childTnLst>
             <p:seq>
-              <p:cTn id="26" dur="indefinite" nodeType="mainSeq"/>
+              <p:cTn id="2" dur="indefinite" nodeType="mainSeq"/>
               <p:prevCondLst>
-                <p:cond delay="0" evt="onPrev">
+                <p:cond evt="onPrev" delay="0">
                   <p:tgtEl>
                     <p:sldTgt/>
                   </p:tgtEl>
                 </p:cond>
               </p:prevCondLst>
               <p:nextCondLst>
-                <p:cond delay="0" evt="onNext">
+                <p:cond evt="onNext" delay="0">
                   <p:tgtEl>
                     <p:sldTgt/>
                   </p:tgtEl>
@@ -6833,8 +7062,8 @@
 </p:sld>
 </file>
 
-<file path=ppt/slides/slide2.xml><?xml version="1.0" encoding="utf-8"?>
-<p:sld xmlns:a="http://schemas.openxmlformats.org/drawingml/2006/main" xmlns:p="http://schemas.openxmlformats.org/presentationml/2006/main" xmlns:r="http://schemas.openxmlformats.org/officeDocument/2006/relationships" xmlns:p14="http://schemas.microsoft.com/office/powerpoint/2010/main" xmlns:p15="http://schemas.microsoft.com/office/powerpoint/2012/main" xmlns:mc="http://schemas.openxmlformats.org/markup-compatibility/2006">
+<file path=ppt/slides/slide3.xml><?xml version="1.0" encoding="utf-8"?>
+<p:sld xmlns:a="http://schemas.openxmlformats.org/drawingml/2006/main" xmlns:r="http://schemas.openxmlformats.org/officeDocument/2006/relationships" xmlns:p="http://schemas.openxmlformats.org/presentationml/2006/main">
   <p:cSld>
     <p:spTree>
       <p:nvGrpSpPr>
@@ -6852,14 +7081,14 @@
       </p:grpSpPr>
       <p:sp>
         <p:nvSpPr>
-          <p:cNvPr id="129" name="CustomShape 1"/>
+          <p:cNvPr id="134" name="CustomShape 1"/>
           <p:cNvSpPr/>
           <p:nvPr/>
         </p:nvSpPr>
         <p:spPr>
           <a:xfrm>
             <a:off x="1097280" y="286560"/>
-            <a:ext cx="10057320" cy="1449720"/>
+            <a:ext cx="10057680" cy="1450080"/>
           </a:xfrm>
           <a:prstGeom prst="rect">
             <a:avLst/>
@@ -6870,89 +7099,20 @@
           </a:ln>
         </p:spPr>
         <p:style>
-          <a:lnRef idx="0"/>
-          <a:fillRef idx="0"/>
-          <a:effectRef idx="0"/>
+          <a:lnRef idx="0">
+            <a:scrgbClr r="0" g="0" b="0"/>
+          </a:lnRef>
+          <a:fillRef idx="0">
+            <a:scrgbClr r="0" g="0" b="0"/>
+          </a:fillRef>
+          <a:effectRef idx="0">
+            <a:scrgbClr r="0" g="0" b="0"/>
+          </a:effectRef>
           <a:fontRef idx="minor"/>
         </p:style>
-      </p:sp>
-      <p:sp>
-        <p:nvSpPr>
-          <p:cNvPr id="130" name="CustomShape 2"/>
-          <p:cNvSpPr/>
-          <p:nvPr/>
-        </p:nvSpPr>
-        <p:spPr>
-          <a:xfrm>
-            <a:off x="1097280" y="1845720"/>
-            <a:ext cx="10057320" cy="4022280"/>
-          </a:xfrm>
-          <a:prstGeom prst="rect">
-            <a:avLst/>
-          </a:prstGeom>
-          <a:noFill/>
-          <a:ln>
-            <a:noFill/>
-          </a:ln>
-        </p:spPr>
-        <p:style>
-          <a:lnRef idx="0"/>
-          <a:fillRef idx="0"/>
-          <a:effectRef idx="0"/>
-          <a:fontRef idx="minor"/>
-        </p:style>
-      </p:sp>
-      <p:pic>
-        <p:nvPicPr>
-          <p:cNvPr id="131" name="Picture 3" descr=""/>
-          <p:cNvPicPr/>
-          <p:nvPr/>
-        </p:nvPicPr>
-        <p:blipFill>
-          <a:blip r:embed="rId1"/>
-          <a:srcRect l="0" t="0" r="0" b="4860"/>
-          <a:stretch/>
-        </p:blipFill>
-        <p:spPr>
-          <a:xfrm>
-            <a:off x="10667880" y="274320"/>
-            <a:ext cx="1164960" cy="1260720"/>
-          </a:xfrm>
-          <a:prstGeom prst="rect">
-            <a:avLst/>
-          </a:prstGeom>
-          <a:ln>
-            <a:noFill/>
-          </a:ln>
-        </p:spPr>
-      </p:pic>
-      <p:sp>
-        <p:nvSpPr>
-          <p:cNvPr id="132" name="CustomShape 3"/>
-          <p:cNvSpPr/>
-          <p:nvPr/>
-        </p:nvSpPr>
-        <p:spPr>
-          <a:xfrm>
-            <a:off x="1097280" y="286560"/>
-            <a:ext cx="10057680" cy="1450080"/>
-          </a:xfrm>
-          <a:prstGeom prst="rect">
-            <a:avLst/>
-          </a:prstGeom>
-          <a:noFill/>
-          <a:ln>
-            <a:noFill/>
-          </a:ln>
-        </p:spPr>
-        <p:style>
-          <a:lnRef idx="0"/>
-          <a:fillRef idx="0"/>
-          <a:effectRef idx="0"/>
-          <a:fontRef idx="minor"/>
-        </p:style>
-        <p:txBody>
-          <a:bodyPr lIns="90000" rIns="90000" tIns="45000" bIns="45000" anchor="b"/>
+        <p:txBody>
+          <a:bodyPr lIns="90000" tIns="45000" rIns="90000" bIns="45000" anchor="b"/>
+          <a:lstStyle/>
           <a:p>
             <a:pPr>
               <a:lnSpc>
@@ -6960,16 +7120,272 @@
               </a:lnSpc>
             </a:pPr>
             <a:r>
-              <a:rPr b="0" lang="en-US" sz="4800" spc="-46" strike="noStrike">
+              <a:rPr lang="en-US" sz="4800" b="0" strike="noStrike" spc="-46">
                 <a:solidFill>
                   <a:srgbClr val="404040"/>
                 </a:solidFill>
                 <a:latin typeface="Calibri Light"/>
                 <a:ea typeface="DejaVu Sans"/>
               </a:rPr>
-              <a:t>Global Use Case</a:t>
+              <a:t>Luis Lopez – Player Character</a:t>
             </a:r>
-            <a:endParaRPr b="0" lang="en-US" sz="4800" spc="-1" strike="noStrike">
+            <a:endParaRPr lang="en-US" sz="4800" b="0" strike="noStrike" spc="-1">
+              <a:latin typeface="Arial"/>
+            </a:endParaRPr>
+          </a:p>
+        </p:txBody>
+      </p:sp>
+      <p:sp>
+        <p:nvSpPr>
+          <p:cNvPr id="135" name="CustomShape 2"/>
+          <p:cNvSpPr/>
+          <p:nvPr/>
+        </p:nvSpPr>
+        <p:spPr>
+          <a:xfrm>
+            <a:off x="1097280" y="1845720"/>
+            <a:ext cx="10057680" cy="4022640"/>
+          </a:xfrm>
+          <a:prstGeom prst="rect">
+            <a:avLst/>
+          </a:prstGeom>
+          <a:noFill/>
+          <a:ln>
+            <a:noFill/>
+          </a:ln>
+        </p:spPr>
+        <p:style>
+          <a:lnRef idx="0">
+            <a:scrgbClr r="0" g="0" b="0"/>
+          </a:lnRef>
+          <a:fillRef idx="0">
+            <a:scrgbClr r="0" g="0" b="0"/>
+          </a:fillRef>
+          <a:effectRef idx="0">
+            <a:scrgbClr r="0" g="0" b="0"/>
+          </a:effectRef>
+          <a:fontRef idx="minor"/>
+        </p:style>
+        <p:txBody>
+          <a:bodyPr lIns="0" tIns="45000" rIns="0" bIns="45000">
+            <a:normAutofit/>
+          </a:bodyPr>
+          <a:lstStyle/>
+          <a:p>
+            <a:pPr marL="91440" indent="-90360">
+              <a:lnSpc>
+                <a:spcPct val="90000"/>
+              </a:lnSpc>
+              <a:spcBef>
+                <a:spcPts val="1199"/>
+              </a:spcBef>
+              <a:spcAft>
+                <a:spcPts val="201"/>
+              </a:spcAft>
+              <a:buClr>
+                <a:srgbClr val="E48312"/>
+              </a:buClr>
+              <a:buFont typeface="Arial"/>
+              <a:buChar char="•"/>
+            </a:pPr>
+            <a:r>
+              <a:rPr lang="en-US" sz="2400" b="0" strike="noStrike" spc="-1">
+                <a:solidFill>
+                  <a:srgbClr val="404040"/>
+                </a:solidFill>
+                <a:latin typeface="Calibri"/>
+                <a:ea typeface="DejaVu Sans"/>
+              </a:rPr>
+              <a:t>Coordinate Rigid body with character movement</a:t>
+            </a:r>
+            <a:endParaRPr lang="en-US" sz="2400" b="0" strike="noStrike" spc="-1">
+              <a:latin typeface="Arial"/>
+            </a:endParaRPr>
+          </a:p>
+          <a:p>
+            <a:pPr marL="91440" indent="-90360">
+              <a:lnSpc>
+                <a:spcPct val="90000"/>
+              </a:lnSpc>
+              <a:spcBef>
+                <a:spcPts val="1199"/>
+              </a:spcBef>
+              <a:spcAft>
+                <a:spcPts val="201"/>
+              </a:spcAft>
+              <a:buClr>
+                <a:srgbClr val="E48312"/>
+              </a:buClr>
+              <a:buFont typeface="Arial"/>
+              <a:buChar char="•"/>
+            </a:pPr>
+            <a:r>
+              <a:rPr lang="en-US" sz="2400" b="0" strike="noStrike" spc="-1">
+                <a:solidFill>
+                  <a:srgbClr val="404040"/>
+                </a:solidFill>
+                <a:latin typeface="Calibri"/>
+                <a:ea typeface="DejaVu Sans"/>
+              </a:rPr>
+              <a:t>Create projectile to destroy enemies</a:t>
+            </a:r>
+            <a:endParaRPr lang="en-US" sz="2400" b="0" strike="noStrike" spc="-1">
+              <a:latin typeface="Arial"/>
+            </a:endParaRPr>
+          </a:p>
+          <a:p>
+            <a:pPr marL="91440" indent="-90360">
+              <a:lnSpc>
+                <a:spcPct val="90000"/>
+              </a:lnSpc>
+              <a:spcBef>
+                <a:spcPts val="1199"/>
+              </a:spcBef>
+              <a:spcAft>
+                <a:spcPts val="201"/>
+              </a:spcAft>
+              <a:buClr>
+                <a:srgbClr val="E48312"/>
+              </a:buClr>
+              <a:buFont typeface="Arial"/>
+              <a:buChar char="•"/>
+            </a:pPr>
+            <a:r>
+              <a:rPr lang="en-US" sz="2400" b="0" strike="noStrike" spc="-1">
+                <a:solidFill>
+                  <a:srgbClr val="404040"/>
+                </a:solidFill>
+                <a:latin typeface="Calibri"/>
+                <a:ea typeface="DejaVu Sans"/>
+              </a:rPr>
+              <a:t>Communicate with scorekeeper to keep track of score and health</a:t>
+            </a:r>
+            <a:endParaRPr lang="en-US" sz="2400" b="0" strike="noStrike" spc="-1">
+              <a:latin typeface="Arial"/>
+            </a:endParaRPr>
+          </a:p>
+          <a:p>
+            <a:pPr marL="91440" indent="-90360">
+              <a:lnSpc>
+                <a:spcPct val="90000"/>
+              </a:lnSpc>
+              <a:spcBef>
+                <a:spcPts val="1199"/>
+              </a:spcBef>
+              <a:spcAft>
+                <a:spcPts val="201"/>
+              </a:spcAft>
+              <a:buClr>
+                <a:srgbClr val="E48312"/>
+              </a:buClr>
+              <a:buFont typeface="Arial"/>
+              <a:buChar char="•"/>
+            </a:pPr>
+            <a:r>
+              <a:rPr lang="en-US" sz="2400" b="0" strike="noStrike" spc="-1">
+                <a:solidFill>
+                  <a:srgbClr val="404040"/>
+                </a:solidFill>
+                <a:latin typeface="Calibri"/>
+                <a:ea typeface="DejaVu Sans"/>
+              </a:rPr>
+              <a:t>Create character motions such as walk, jump , run and shoot</a:t>
+            </a:r>
+            <a:endParaRPr lang="en-US" sz="2400" b="0" strike="noStrike" spc="-1">
+              <a:latin typeface="Arial"/>
+            </a:endParaRPr>
+          </a:p>
+          <a:p>
+            <a:pPr>
+              <a:lnSpc>
+                <a:spcPct val="90000"/>
+              </a:lnSpc>
+              <a:spcBef>
+                <a:spcPts val="1199"/>
+              </a:spcBef>
+              <a:spcAft>
+                <a:spcPts val="201"/>
+              </a:spcAft>
+            </a:pPr>
+            <a:endParaRPr lang="en-US" sz="2400" b="0" strike="noStrike" spc="-1">
+              <a:latin typeface="Arial"/>
+            </a:endParaRPr>
+          </a:p>
+          <a:p>
+            <a:pPr>
+              <a:lnSpc>
+                <a:spcPct val="90000"/>
+              </a:lnSpc>
+              <a:spcBef>
+                <a:spcPts val="1199"/>
+              </a:spcBef>
+              <a:spcAft>
+                <a:spcPts val="201"/>
+              </a:spcAft>
+            </a:pPr>
+            <a:endParaRPr lang="en-US" sz="2400" b="0" strike="noStrike" spc="-1">
+              <a:latin typeface="Arial"/>
+            </a:endParaRPr>
+          </a:p>
+          <a:p>
+            <a:pPr marL="91440" indent="-90360">
+              <a:lnSpc>
+                <a:spcPct val="90000"/>
+              </a:lnSpc>
+              <a:spcBef>
+                <a:spcPts val="1199"/>
+              </a:spcBef>
+              <a:spcAft>
+                <a:spcPts val="201"/>
+              </a:spcAft>
+              <a:buClr>
+                <a:srgbClr val="E48312"/>
+              </a:buClr>
+              <a:buFont typeface="Arial"/>
+              <a:buChar char="•"/>
+            </a:pPr>
+            <a:r>
+              <a:rPr lang="en-US" sz="2400" b="0" strike="noStrike" spc="-1">
+                <a:solidFill>
+                  <a:srgbClr val="404040"/>
+                </a:solidFill>
+                <a:latin typeface="Calibri"/>
+                <a:ea typeface="DejaVu Sans"/>
+              </a:rPr>
+              <a:t>Priority level: 2</a:t>
+            </a:r>
+            <a:endParaRPr lang="en-US" sz="2400" b="0" strike="noStrike" spc="-1">
+              <a:latin typeface="Arial"/>
+            </a:endParaRPr>
+          </a:p>
+          <a:p>
+            <a:pPr marL="91440" indent="-90360">
+              <a:lnSpc>
+                <a:spcPct val="90000"/>
+              </a:lnSpc>
+              <a:spcBef>
+                <a:spcPts val="1199"/>
+              </a:spcBef>
+              <a:spcAft>
+                <a:spcPts val="201"/>
+              </a:spcAft>
+              <a:buClr>
+                <a:srgbClr val="E48312"/>
+              </a:buClr>
+              <a:buFont typeface="Arial"/>
+              <a:buChar char="•"/>
+            </a:pPr>
+            <a:r>
+              <a:rPr lang="en-US" sz="2400" b="0" strike="noStrike" spc="-1">
+                <a:solidFill>
+                  <a:srgbClr val="404040"/>
+                </a:solidFill>
+                <a:latin typeface="Calibri"/>
+                <a:ea typeface="DejaVu Sans"/>
+              </a:rPr>
+              <a:t>Complexity: Moderate</a:t>
+            </a:r>
+            <a:endParaRPr lang="en-US" sz="2400" b="0" strike="noStrike" spc="-1">
               <a:latin typeface="Arial"/>
             </a:endParaRPr>
           </a:p>
@@ -6977,18 +7393,19 @@
       </p:sp>
       <p:pic>
         <p:nvPicPr>
-          <p:cNvPr id="133" name="" descr=""/>
+          <p:cNvPr id="136" name="Picture 3"/>
           <p:cNvPicPr/>
           <p:nvPr/>
         </p:nvPicPr>
         <p:blipFill>
           <a:blip r:embed="rId2"/>
+          <a:srcRect b="4860"/>
           <a:stretch/>
         </p:blipFill>
         <p:spPr>
           <a:xfrm>
-            <a:off x="1274040" y="1800360"/>
-            <a:ext cx="7595640" cy="4533480"/>
+            <a:off x="10667880" y="274320"/>
+            <a:ext cx="1165320" cy="1261080"/>
           </a:xfrm>
           <a:prstGeom prst="rect">
             <a:avLst/>
@@ -7000,22 +7417,25 @@
       </p:pic>
     </p:spTree>
   </p:cSld>
+  <p:clrMapOvr>
+    <a:masterClrMapping/>
+  </p:clrMapOvr>
   <p:timing>
     <p:tnLst>
       <p:par>
-        <p:cTn id="3" dur="indefinite" restart="never" nodeType="tmRoot">
+        <p:cTn id="1" dur="indefinite" restart="never" nodeType="tmRoot">
           <p:childTnLst>
             <p:seq>
-              <p:cTn id="4" dur="indefinite" nodeType="mainSeq"/>
+              <p:cTn id="2" dur="indefinite" nodeType="mainSeq"/>
               <p:prevCondLst>
-                <p:cond delay="0" evt="onPrev">
+                <p:cond evt="onPrev" delay="0">
                   <p:tgtEl>
                     <p:sldTgt/>
                   </p:tgtEl>
                 </p:cond>
               </p:prevCondLst>
               <p:nextCondLst>
-                <p:cond delay="0" evt="onNext">
+                <p:cond evt="onNext" delay="0">
                   <p:tgtEl>
                     <p:sldTgt/>
                   </p:tgtEl>
@@ -7030,8 +7450,8 @@
 </p:sld>
 </file>
 
-<file path=ppt/slides/slide3.xml><?xml version="1.0" encoding="utf-8"?>
-<p:sld xmlns:a="http://schemas.openxmlformats.org/drawingml/2006/main" xmlns:p="http://schemas.openxmlformats.org/presentationml/2006/main" xmlns:r="http://schemas.openxmlformats.org/officeDocument/2006/relationships" xmlns:p14="http://schemas.microsoft.com/office/powerpoint/2010/main" xmlns:p15="http://schemas.microsoft.com/office/powerpoint/2012/main" xmlns:mc="http://schemas.openxmlformats.org/markup-compatibility/2006">
+<file path=ppt/slides/slide4.xml><?xml version="1.0" encoding="utf-8"?>
+<p:sld xmlns:a="http://schemas.openxmlformats.org/drawingml/2006/main" xmlns:r="http://schemas.openxmlformats.org/officeDocument/2006/relationships" xmlns:p="http://schemas.openxmlformats.org/presentationml/2006/main">
   <p:cSld>
     <p:spTree>
       <p:nvGrpSpPr>
@@ -7049,14 +7469,14 @@
       </p:grpSpPr>
       <p:sp>
         <p:nvSpPr>
-          <p:cNvPr id="134" name="CustomShape 1"/>
+          <p:cNvPr id="137" name="CustomShape 1"/>
           <p:cNvSpPr/>
           <p:nvPr/>
         </p:nvSpPr>
         <p:spPr>
           <a:xfrm>
-            <a:off x="1097280" y="286560"/>
-            <a:ext cx="10057680" cy="1450080"/>
+            <a:off x="1012680" y="216000"/>
+            <a:ext cx="10057680" cy="829080"/>
           </a:xfrm>
           <a:prstGeom prst="rect">
             <a:avLst/>
@@ -7067,13 +7487,20 @@
           </a:ln>
         </p:spPr>
         <p:style>
-          <a:lnRef idx="0"/>
-          <a:fillRef idx="0"/>
-          <a:effectRef idx="0"/>
+          <a:lnRef idx="0">
+            <a:scrgbClr r="0" g="0" b="0"/>
+          </a:lnRef>
+          <a:fillRef idx="0">
+            <a:scrgbClr r="0" g="0" b="0"/>
+          </a:fillRef>
+          <a:effectRef idx="0">
+            <a:scrgbClr r="0" g="0" b="0"/>
+          </a:effectRef>
           <a:fontRef idx="minor"/>
         </p:style>
         <p:txBody>
-          <a:bodyPr lIns="90000" rIns="90000" tIns="45000" bIns="45000" anchor="b"/>
+          <a:bodyPr lIns="90000" tIns="45000" rIns="90000" bIns="45000" anchor="b"/>
+          <a:lstStyle/>
           <a:p>
             <a:pPr>
               <a:lnSpc>
@@ -7081,265 +7508,16 @@
               </a:lnSpc>
             </a:pPr>
             <a:r>
-              <a:rPr b="0" lang="en-US" sz="4800" spc="-46" strike="noStrike">
+              <a:rPr lang="en-US" sz="4800" b="0" strike="noStrike" spc="-46">
                 <a:solidFill>
                   <a:srgbClr val="404040"/>
                 </a:solidFill>
                 <a:latin typeface="Calibri Light"/>
                 <a:ea typeface="DejaVu Sans"/>
               </a:rPr>
-              <a:t>Luis Lopez – Player Character</a:t>
+              <a:t>Player Character – Use Case Diagram</a:t>
             </a:r>
-            <a:endParaRPr b="0" lang="en-US" sz="4800" spc="-1" strike="noStrike">
-              <a:latin typeface="Arial"/>
-            </a:endParaRPr>
-          </a:p>
-        </p:txBody>
-      </p:sp>
-      <p:sp>
-        <p:nvSpPr>
-          <p:cNvPr id="135" name="CustomShape 2"/>
-          <p:cNvSpPr/>
-          <p:nvPr/>
-        </p:nvSpPr>
-        <p:spPr>
-          <a:xfrm>
-            <a:off x="1097280" y="1845720"/>
-            <a:ext cx="10057680" cy="4022640"/>
-          </a:xfrm>
-          <a:prstGeom prst="rect">
-            <a:avLst/>
-          </a:prstGeom>
-          <a:noFill/>
-          <a:ln>
-            <a:noFill/>
-          </a:ln>
-        </p:spPr>
-        <p:style>
-          <a:lnRef idx="0"/>
-          <a:fillRef idx="0"/>
-          <a:effectRef idx="0"/>
-          <a:fontRef idx="minor"/>
-        </p:style>
-        <p:txBody>
-          <a:bodyPr lIns="0" rIns="0" tIns="45000" bIns="45000">
-            <a:normAutofit/>
-          </a:bodyPr>
-          <a:p>
-            <a:pPr marL="91440" indent="-90360">
-              <a:lnSpc>
-                <a:spcPct val="90000"/>
-              </a:lnSpc>
-              <a:spcBef>
-                <a:spcPts val="1199"/>
-              </a:spcBef>
-              <a:spcAft>
-                <a:spcPts val="201"/>
-              </a:spcAft>
-              <a:buClr>
-                <a:srgbClr val="e48312"/>
-              </a:buClr>
-              <a:buFont typeface="Arial"/>
-              <a:buChar char="•"/>
-            </a:pPr>
-            <a:r>
-              <a:rPr b="0" lang="en-US" sz="2400" spc="-1" strike="noStrike">
-                <a:solidFill>
-                  <a:srgbClr val="404040"/>
-                </a:solidFill>
-                <a:latin typeface="Calibri"/>
-                <a:ea typeface="DejaVu Sans"/>
-              </a:rPr>
-              <a:t>Coordinate Rigid body with character movement</a:t>
-            </a:r>
-            <a:endParaRPr b="0" lang="en-US" sz="2400" spc="-1" strike="noStrike">
-              <a:latin typeface="Arial"/>
-            </a:endParaRPr>
-          </a:p>
-          <a:p>
-            <a:pPr marL="91440" indent="-90360">
-              <a:lnSpc>
-                <a:spcPct val="90000"/>
-              </a:lnSpc>
-              <a:spcBef>
-                <a:spcPts val="1199"/>
-              </a:spcBef>
-              <a:spcAft>
-                <a:spcPts val="201"/>
-              </a:spcAft>
-              <a:buClr>
-                <a:srgbClr val="e48312"/>
-              </a:buClr>
-              <a:buFont typeface="Arial"/>
-              <a:buChar char="•"/>
-            </a:pPr>
-            <a:r>
-              <a:rPr b="0" lang="en-US" sz="2400" spc="-1" strike="noStrike">
-                <a:solidFill>
-                  <a:srgbClr val="404040"/>
-                </a:solidFill>
-                <a:latin typeface="Calibri"/>
-                <a:ea typeface="DejaVu Sans"/>
-              </a:rPr>
-              <a:t>Create projectile to destroy enemies</a:t>
-            </a:r>
-            <a:endParaRPr b="0" lang="en-US" sz="2400" spc="-1" strike="noStrike">
-              <a:latin typeface="Arial"/>
-            </a:endParaRPr>
-          </a:p>
-          <a:p>
-            <a:pPr marL="91440" indent="-90360">
-              <a:lnSpc>
-                <a:spcPct val="90000"/>
-              </a:lnSpc>
-              <a:spcBef>
-                <a:spcPts val="1199"/>
-              </a:spcBef>
-              <a:spcAft>
-                <a:spcPts val="201"/>
-              </a:spcAft>
-              <a:buClr>
-                <a:srgbClr val="e48312"/>
-              </a:buClr>
-              <a:buFont typeface="Arial"/>
-              <a:buChar char="•"/>
-            </a:pPr>
-            <a:r>
-              <a:rPr b="0" lang="en-US" sz="2400" spc="-1" strike="noStrike">
-                <a:solidFill>
-                  <a:srgbClr val="404040"/>
-                </a:solidFill>
-                <a:latin typeface="Calibri"/>
-                <a:ea typeface="DejaVu Sans"/>
-              </a:rPr>
-              <a:t>Communicate with scorekeeper to keep track of score and health</a:t>
-            </a:r>
-            <a:endParaRPr b="0" lang="en-US" sz="2400" spc="-1" strike="noStrike">
-              <a:latin typeface="Arial"/>
-            </a:endParaRPr>
-          </a:p>
-          <a:p>
-            <a:pPr marL="91440" indent="-90360">
-              <a:lnSpc>
-                <a:spcPct val="90000"/>
-              </a:lnSpc>
-              <a:spcBef>
-                <a:spcPts val="1199"/>
-              </a:spcBef>
-              <a:spcAft>
-                <a:spcPts val="201"/>
-              </a:spcAft>
-              <a:buClr>
-                <a:srgbClr val="e48312"/>
-              </a:buClr>
-              <a:buFont typeface="Arial"/>
-              <a:buChar char="•"/>
-            </a:pPr>
-            <a:r>
-              <a:rPr b="0" lang="en-US" sz="2400" spc="-1" strike="noStrike">
-                <a:solidFill>
-                  <a:srgbClr val="404040"/>
-                </a:solidFill>
-                <a:latin typeface="Calibri"/>
-                <a:ea typeface="DejaVu Sans"/>
-              </a:rPr>
-              <a:t>Create character motions such as walk, jump , run and shoot</a:t>
-            </a:r>
-            <a:endParaRPr b="0" lang="en-US" sz="2400" spc="-1" strike="noStrike">
-              <a:latin typeface="Arial"/>
-            </a:endParaRPr>
-          </a:p>
-          <a:p>
-            <a:pPr>
-              <a:lnSpc>
-                <a:spcPct val="90000"/>
-              </a:lnSpc>
-              <a:spcBef>
-                <a:spcPts val="1199"/>
-              </a:spcBef>
-              <a:spcAft>
-                <a:spcPts val="201"/>
-              </a:spcAft>
-            </a:pPr>
-            <a:endParaRPr b="0" lang="en-US" sz="2400" spc="-1" strike="noStrike">
-              <a:latin typeface="Arial"/>
-            </a:endParaRPr>
-          </a:p>
-          <a:p>
-            <a:pPr>
-              <a:lnSpc>
-                <a:spcPct val="90000"/>
-              </a:lnSpc>
-              <a:spcBef>
-                <a:spcPts val="1199"/>
-              </a:spcBef>
-              <a:spcAft>
-                <a:spcPts val="201"/>
-              </a:spcAft>
-            </a:pPr>
-            <a:endParaRPr b="0" lang="en-US" sz="2400" spc="-1" strike="noStrike">
-              <a:latin typeface="Arial"/>
-            </a:endParaRPr>
-          </a:p>
-          <a:p>
-            <a:pPr marL="91440" indent="-90360">
-              <a:lnSpc>
-                <a:spcPct val="90000"/>
-              </a:lnSpc>
-              <a:spcBef>
-                <a:spcPts val="1199"/>
-              </a:spcBef>
-              <a:spcAft>
-                <a:spcPts val="201"/>
-              </a:spcAft>
-              <a:buClr>
-                <a:srgbClr val="e48312"/>
-              </a:buClr>
-              <a:buFont typeface="Arial"/>
-              <a:buChar char="•"/>
-            </a:pPr>
-            <a:r>
-              <a:rPr b="0" lang="en-US" sz="2400" spc="-1" strike="noStrike">
-                <a:solidFill>
-                  <a:srgbClr val="404040"/>
-                </a:solidFill>
-                <a:latin typeface="Calibri"/>
-                <a:ea typeface="DejaVu Sans"/>
-              </a:rPr>
-              <a:t>Priority level: 2</a:t>
-            </a:r>
-            <a:endParaRPr b="0" lang="en-US" sz="2400" spc="-1" strike="noStrike">
-              <a:latin typeface="Arial"/>
-            </a:endParaRPr>
-          </a:p>
-          <a:p>
-            <a:pPr marL="91440" indent="-90360">
-              <a:lnSpc>
-                <a:spcPct val="90000"/>
-              </a:lnSpc>
-              <a:spcBef>
-                <a:spcPts val="1199"/>
-              </a:spcBef>
-              <a:spcAft>
-                <a:spcPts val="201"/>
-              </a:spcAft>
-              <a:buClr>
-                <a:srgbClr val="e48312"/>
-              </a:buClr>
-              <a:buFont typeface="Arial"/>
-              <a:buChar char="•"/>
-            </a:pPr>
-            <a:r>
-              <a:rPr b="0" lang="en-US" sz="2400" spc="-1" strike="noStrike">
-                <a:solidFill>
-                  <a:srgbClr val="404040"/>
-                </a:solidFill>
-                <a:latin typeface="Calibri"/>
-                <a:ea typeface="DejaVu Sans"/>
-              </a:rPr>
-              <a:t>Complexity: Moderate</a:t>
-            </a:r>
-            <a:endParaRPr b="0" lang="en-US" sz="2400" spc="-1" strike="noStrike">
+            <a:endParaRPr lang="en-US" sz="4800" b="0" strike="noStrike" spc="-1">
               <a:latin typeface="Arial"/>
             </a:endParaRPr>
           </a:p>
@@ -7347,13 +7525,13 @@
       </p:sp>
       <p:pic>
         <p:nvPicPr>
-          <p:cNvPr id="136" name="Picture 3" descr=""/>
+          <p:cNvPr id="138" name="Picture 4"/>
           <p:cNvPicPr/>
           <p:nvPr/>
         </p:nvPicPr>
         <p:blipFill>
-          <a:blip r:embed="rId1"/>
-          <a:srcRect l="0" t="0" r="0" b="4860"/>
+          <a:blip r:embed="rId2"/>
+          <a:srcRect b="4860"/>
           <a:stretch/>
         </p:blipFill>
         <p:spPr>
@@ -7369,24 +7547,50 @@
           </a:ln>
         </p:spPr>
       </p:pic>
+      <p:pic>
+        <p:nvPicPr>
+          <p:cNvPr id="139" name="Picture 2"/>
+          <p:cNvPicPr/>
+          <p:nvPr/>
+        </p:nvPicPr>
+        <p:blipFill>
+          <a:blip r:embed="rId3"/>
+          <a:stretch/>
+        </p:blipFill>
+        <p:spPr>
+          <a:xfrm>
+            <a:off x="1593000" y="1172520"/>
+            <a:ext cx="8851680" cy="5062680"/>
+          </a:xfrm>
+          <a:prstGeom prst="rect">
+            <a:avLst/>
+          </a:prstGeom>
+          <a:ln>
+            <a:noFill/>
+          </a:ln>
+        </p:spPr>
+      </p:pic>
     </p:spTree>
   </p:cSld>
+  <p:clrMapOvr>
+    <a:masterClrMapping/>
+  </p:clrMapOvr>
   <p:timing>
     <p:tnLst>
       <p:par>
-        <p:cTn id="5" dur="indefinite" restart="never" nodeType="tmRoot">
+        <p:cTn id="1" dur="indefinite" restart="never" nodeType="tmRoot">
           <p:childTnLst>
             <p:seq>
-              <p:cTn id="6" dur="indefinite" nodeType="mainSeq"/>
+              <p:cTn id="2" dur="indefinite" nodeType="mainSeq"/>
               <p:prevCondLst>
-                <p:cond delay="0" evt="onPrev">
+                <p:cond evt="onPrev" delay="0">
                   <p:tgtEl>
                     <p:sldTgt/>
                   </p:tgtEl>
                 </p:cond>
               </p:prevCondLst>
               <p:nextCondLst>
-                <p:cond delay="0" evt="onNext">
+                <p:cond evt="onNext" delay="0">
                   <p:tgtEl>
                     <p:sldTgt/>
                   </p:tgtEl>
@@ -7401,8 +7605,8 @@
 </p:sld>
 </file>
 
-<file path=ppt/slides/slide4.xml><?xml version="1.0" encoding="utf-8"?>
-<p:sld xmlns:a="http://schemas.openxmlformats.org/drawingml/2006/main" xmlns:p="http://schemas.openxmlformats.org/presentationml/2006/main" xmlns:r="http://schemas.openxmlformats.org/officeDocument/2006/relationships" xmlns:p14="http://schemas.microsoft.com/office/powerpoint/2010/main" xmlns:p15="http://schemas.microsoft.com/office/powerpoint/2012/main" xmlns:mc="http://schemas.openxmlformats.org/markup-compatibility/2006">
+<file path=ppt/slides/slide5.xml><?xml version="1.0" encoding="utf-8"?>
+<p:sld xmlns:a="http://schemas.openxmlformats.org/drawingml/2006/main" xmlns:r="http://schemas.openxmlformats.org/officeDocument/2006/relationships" xmlns:p="http://schemas.openxmlformats.org/presentationml/2006/main">
   <p:cSld>
     <p:spTree>
       <p:nvGrpSpPr>
@@ -7420,14 +7624,14 @@
       </p:grpSpPr>
       <p:sp>
         <p:nvSpPr>
-          <p:cNvPr id="137" name="CustomShape 1"/>
+          <p:cNvPr id="143" name="CustomShape 1"/>
           <p:cNvSpPr/>
           <p:nvPr/>
         </p:nvSpPr>
         <p:spPr>
           <a:xfrm>
-            <a:off x="1012680" y="216000"/>
-            <a:ext cx="10057680" cy="829080"/>
+            <a:off x="1097280" y="286560"/>
+            <a:ext cx="10057320" cy="1449720"/>
           </a:xfrm>
           <a:prstGeom prst="rect">
             <a:avLst/>
@@ -7438,13 +7642,20 @@
           </a:ln>
         </p:spPr>
         <p:style>
-          <a:lnRef idx="0"/>
-          <a:fillRef idx="0"/>
-          <a:effectRef idx="0"/>
+          <a:lnRef idx="0">
+            <a:scrgbClr r="0" g="0" b="0"/>
+          </a:lnRef>
+          <a:fillRef idx="0">
+            <a:scrgbClr r="0" g="0" b="0"/>
+          </a:fillRef>
+          <a:effectRef idx="0">
+            <a:scrgbClr r="0" g="0" b="0"/>
+          </a:effectRef>
           <a:fontRef idx="minor"/>
         </p:style>
         <p:txBody>
-          <a:bodyPr lIns="90000" rIns="90000" tIns="45000" bIns="45000" anchor="b"/>
+          <a:bodyPr lIns="90000" tIns="45000" rIns="90000" bIns="45000" anchor="b"/>
+          <a:lstStyle/>
           <a:p>
             <a:pPr>
               <a:lnSpc>
@@ -7452,59 +7663,292 @@
               </a:lnSpc>
             </a:pPr>
             <a:r>
-              <a:rPr b="0" lang="en-US" sz="4800" spc="-46" strike="noStrike">
+              <a:rPr lang="en-US" sz="4800" b="0" strike="noStrike" spc="-43">
                 <a:solidFill>
                   <a:srgbClr val="404040"/>
                 </a:solidFill>
                 <a:latin typeface="Calibri Light"/>
                 <a:ea typeface="DejaVu Sans"/>
               </a:rPr>
-              <a:t>Player Character – Use Case Diagram</a:t>
+              <a:t>Josh – Level Design</a:t>
             </a:r>
-            <a:endParaRPr b="0" lang="en-US" sz="4800" spc="-1" strike="noStrike">
-              <a:latin typeface="Arial"/>
-            </a:endParaRPr>
-          </a:p>
-        </p:txBody>
-      </p:sp>
-      <p:pic>
-        <p:nvPicPr>
-          <p:cNvPr id="138" name="Picture 4" descr=""/>
-          <p:cNvPicPr/>
+            <a:endParaRPr lang="en-US" sz="4800" b="0" strike="noStrike" spc="-1">
+              <a:latin typeface="Arial"/>
+            </a:endParaRPr>
+          </a:p>
+        </p:txBody>
+      </p:sp>
+      <p:sp>
+        <p:nvSpPr>
+          <p:cNvPr id="144" name="CustomShape 2"/>
+          <p:cNvSpPr/>
           <p:nvPr/>
-        </p:nvPicPr>
-        <p:blipFill>
-          <a:blip r:embed="rId1"/>
-          <a:srcRect l="0" t="0" r="0" b="4860"/>
-          <a:stretch/>
-        </p:blipFill>
-        <p:spPr>
-          <a:xfrm>
-            <a:off x="10667880" y="274320"/>
-            <a:ext cx="1165320" cy="1261080"/>
-          </a:xfrm>
-          <a:prstGeom prst="rect">
-            <a:avLst/>
-          </a:prstGeom>
+        </p:nvSpPr>
+        <p:spPr>
+          <a:xfrm>
+            <a:off x="1097280" y="1845720"/>
+            <a:ext cx="10057320" cy="4022280"/>
+          </a:xfrm>
+          <a:prstGeom prst="rect">
+            <a:avLst/>
+          </a:prstGeom>
+          <a:noFill/>
           <a:ln>
             <a:noFill/>
           </a:ln>
         </p:spPr>
-      </p:pic>
+        <p:style>
+          <a:lnRef idx="0">
+            <a:scrgbClr r="0" g="0" b="0"/>
+          </a:lnRef>
+          <a:fillRef idx="0">
+            <a:scrgbClr r="0" g="0" b="0"/>
+          </a:fillRef>
+          <a:effectRef idx="0">
+            <a:scrgbClr r="0" g="0" b="0"/>
+          </a:effectRef>
+          <a:fontRef idx="minor"/>
+        </p:style>
+        <p:txBody>
+          <a:bodyPr lIns="0" tIns="45000" rIns="0" bIns="45000">
+            <a:normAutofit/>
+          </a:bodyPr>
+          <a:lstStyle/>
+          <a:p>
+            <a:pPr marL="91440" indent="-90360">
+              <a:lnSpc>
+                <a:spcPct val="90000"/>
+              </a:lnSpc>
+              <a:spcBef>
+                <a:spcPts val="1199"/>
+              </a:spcBef>
+              <a:spcAft>
+                <a:spcPts val="201"/>
+              </a:spcAft>
+              <a:buClr>
+                <a:srgbClr val="E48312"/>
+              </a:buClr>
+              <a:buFont typeface="Arial"/>
+              <a:buChar char="•"/>
+            </a:pPr>
+            <a:r>
+              <a:rPr lang="en-US" sz="2400" b="0" strike="noStrike" spc="-1">
+                <a:solidFill>
+                  <a:srgbClr val="404040"/>
+                </a:solidFill>
+                <a:latin typeface="Calibri"/>
+                <a:ea typeface="DejaVu Sans"/>
+              </a:rPr>
+              <a:t>Creating graphics of stage and objects</a:t>
+            </a:r>
+            <a:endParaRPr lang="en-US" sz="2400" b="0" strike="noStrike" spc="-1">
+              <a:latin typeface="Arial"/>
+            </a:endParaRPr>
+          </a:p>
+          <a:p>
+            <a:pPr marL="91440" indent="-90360">
+              <a:lnSpc>
+                <a:spcPct val="90000"/>
+              </a:lnSpc>
+              <a:spcBef>
+                <a:spcPts val="1199"/>
+              </a:spcBef>
+              <a:spcAft>
+                <a:spcPts val="201"/>
+              </a:spcAft>
+              <a:buClr>
+                <a:srgbClr val="E48312"/>
+              </a:buClr>
+              <a:buFont typeface="Arial"/>
+              <a:buChar char="•"/>
+            </a:pPr>
+            <a:r>
+              <a:rPr lang="en-US" sz="2400" b="0" strike="noStrike" spc="-1">
+                <a:solidFill>
+                  <a:srgbClr val="404040"/>
+                </a:solidFill>
+                <a:latin typeface="Calibri"/>
+                <a:ea typeface="DejaVu Sans"/>
+              </a:rPr>
+              <a:t>Coordinate with Luis for player character</a:t>
+            </a:r>
+            <a:endParaRPr lang="en-US" sz="2400" b="0" strike="noStrike" spc="-1">
+              <a:latin typeface="Arial"/>
+            </a:endParaRPr>
+          </a:p>
+          <a:p>
+            <a:pPr marL="91440" indent="-90360">
+              <a:lnSpc>
+                <a:spcPct val="90000"/>
+              </a:lnSpc>
+              <a:spcBef>
+                <a:spcPts val="1199"/>
+              </a:spcBef>
+              <a:spcAft>
+                <a:spcPts val="201"/>
+              </a:spcAft>
+              <a:buClr>
+                <a:srgbClr val="E48312"/>
+              </a:buClr>
+              <a:buFont typeface="Arial"/>
+              <a:buChar char="•"/>
+            </a:pPr>
+            <a:r>
+              <a:rPr lang="en-US" sz="2400" b="0" strike="noStrike" spc="-1">
+                <a:solidFill>
+                  <a:srgbClr val="404040"/>
+                </a:solidFill>
+                <a:latin typeface="Calibri"/>
+                <a:ea typeface="DejaVu Sans"/>
+              </a:rPr>
+              <a:t>Coordinate with Ben for enemy spawn</a:t>
+            </a:r>
+            <a:endParaRPr lang="en-US" sz="2400" b="0" strike="noStrike" spc="-1">
+              <a:latin typeface="Arial"/>
+            </a:endParaRPr>
+          </a:p>
+          <a:p>
+            <a:pPr marL="91440" indent="-90360">
+              <a:lnSpc>
+                <a:spcPct val="90000"/>
+              </a:lnSpc>
+              <a:spcBef>
+                <a:spcPts val="1199"/>
+              </a:spcBef>
+              <a:spcAft>
+                <a:spcPts val="201"/>
+              </a:spcAft>
+              <a:buClr>
+                <a:srgbClr val="E48312"/>
+              </a:buClr>
+              <a:buFont typeface="Arial"/>
+              <a:buChar char="•"/>
+            </a:pPr>
+            <a:r>
+              <a:rPr lang="en-US" sz="2400" b="0" strike="noStrike" spc="-1">
+                <a:solidFill>
+                  <a:srgbClr val="404040"/>
+                </a:solidFill>
+                <a:latin typeface="Calibri"/>
+                <a:ea typeface="DejaVu Sans"/>
+              </a:rPr>
+              <a:t>Ensuring all objects interact as intended</a:t>
+            </a:r>
+            <a:endParaRPr lang="en-US" sz="2400" b="0" strike="noStrike" spc="-1">
+              <a:latin typeface="Arial"/>
+            </a:endParaRPr>
+          </a:p>
+          <a:p>
+            <a:pPr>
+              <a:lnSpc>
+                <a:spcPct val="90000"/>
+              </a:lnSpc>
+              <a:spcBef>
+                <a:spcPts val="1199"/>
+              </a:spcBef>
+              <a:spcAft>
+                <a:spcPts val="201"/>
+              </a:spcAft>
+            </a:pPr>
+            <a:endParaRPr lang="en-US" sz="2400" b="0" strike="noStrike" spc="-1">
+              <a:latin typeface="Arial"/>
+            </a:endParaRPr>
+          </a:p>
+          <a:p>
+            <a:pPr>
+              <a:lnSpc>
+                <a:spcPct val="90000"/>
+              </a:lnSpc>
+              <a:spcBef>
+                <a:spcPts val="1199"/>
+              </a:spcBef>
+              <a:spcAft>
+                <a:spcPts val="201"/>
+              </a:spcAft>
+            </a:pPr>
+            <a:endParaRPr lang="en-US" sz="2400" b="0" strike="noStrike" spc="-1">
+              <a:latin typeface="Arial"/>
+            </a:endParaRPr>
+          </a:p>
+          <a:p>
+            <a:pPr marL="91440" indent="-90360">
+              <a:lnSpc>
+                <a:spcPct val="90000"/>
+              </a:lnSpc>
+              <a:spcBef>
+                <a:spcPts val="1199"/>
+              </a:spcBef>
+              <a:spcAft>
+                <a:spcPts val="201"/>
+              </a:spcAft>
+              <a:buClr>
+                <a:srgbClr val="E48312"/>
+              </a:buClr>
+              <a:buFont typeface="Arial"/>
+              <a:buChar char="•"/>
+            </a:pPr>
+            <a:r>
+              <a:rPr lang="en-US" sz="2400" b="0" strike="noStrike" spc="-1">
+                <a:solidFill>
+                  <a:srgbClr val="404040"/>
+                </a:solidFill>
+                <a:latin typeface="Calibri"/>
+                <a:ea typeface="DejaVu Sans"/>
+              </a:rPr>
+              <a:t>Priority level: 1 </a:t>
+            </a:r>
+            <a:endParaRPr lang="en-US" sz="2400" b="0" strike="noStrike" spc="-1">
+              <a:latin typeface="Arial"/>
+            </a:endParaRPr>
+          </a:p>
+          <a:p>
+            <a:pPr marL="91440" indent="-90360">
+              <a:lnSpc>
+                <a:spcPct val="90000"/>
+              </a:lnSpc>
+              <a:spcBef>
+                <a:spcPts val="1199"/>
+              </a:spcBef>
+              <a:spcAft>
+                <a:spcPts val="201"/>
+              </a:spcAft>
+              <a:buClr>
+                <a:srgbClr val="E48312"/>
+              </a:buClr>
+              <a:buFont typeface="Arial"/>
+              <a:buChar char="•"/>
+            </a:pPr>
+            <a:r>
+              <a:rPr lang="en-US" sz="2400" b="0" strike="noStrike" spc="-1">
+                <a:solidFill>
+                  <a:srgbClr val="404040"/>
+                </a:solidFill>
+                <a:latin typeface="Calibri"/>
+                <a:ea typeface="DejaVu Sans"/>
+              </a:rPr>
+              <a:t>Complexity: Moderate</a:t>
+            </a:r>
+            <a:endParaRPr lang="en-US" sz="2400" b="0" strike="noStrike" spc="-1">
+              <a:latin typeface="Arial"/>
+            </a:endParaRPr>
+          </a:p>
+        </p:txBody>
+      </p:sp>
       <p:pic>
         <p:nvPicPr>
-          <p:cNvPr id="139" name="Picture 2" descr=""/>
+          <p:cNvPr id="145" name="Picture 3"/>
           <p:cNvPicPr/>
           <p:nvPr/>
         </p:nvPicPr>
         <p:blipFill>
           <a:blip r:embed="rId2"/>
+          <a:srcRect b="4860"/>
           <a:stretch/>
         </p:blipFill>
         <p:spPr>
           <a:xfrm>
-            <a:off x="1593000" y="1172520"/>
-            <a:ext cx="8851680" cy="5062680"/>
+            <a:off x="10667880" y="274320"/>
+            <a:ext cx="1164960" cy="1260720"/>
           </a:xfrm>
           <a:prstGeom prst="rect">
             <a:avLst/>
@@ -7516,22 +7960,25 @@
       </p:pic>
     </p:spTree>
   </p:cSld>
+  <p:clrMapOvr>
+    <a:masterClrMapping/>
+  </p:clrMapOvr>
   <p:timing>
     <p:tnLst>
       <p:par>
-        <p:cTn id="7" dur="indefinite" restart="never" nodeType="tmRoot">
+        <p:cTn id="1" dur="indefinite" restart="never" nodeType="tmRoot">
           <p:childTnLst>
             <p:seq>
-              <p:cTn id="8" dur="indefinite" nodeType="mainSeq"/>
+              <p:cTn id="2" dur="indefinite" nodeType="mainSeq"/>
               <p:prevCondLst>
-                <p:cond delay="0" evt="onPrev">
+                <p:cond evt="onPrev" delay="0">
                   <p:tgtEl>
                     <p:sldTgt/>
                   </p:tgtEl>
                 </p:cond>
               </p:prevCondLst>
               <p:nextCondLst>
-                <p:cond delay="0" evt="onNext">
+                <p:cond evt="onNext" delay="0">
                   <p:tgtEl>
                     <p:sldTgt/>
                   </p:tgtEl>
@@ -7546,8 +7993,8 @@
 </p:sld>
 </file>
 
-<file path=ppt/slides/slide5.xml><?xml version="1.0" encoding="utf-8"?>
-<p:sld xmlns:a="http://schemas.openxmlformats.org/drawingml/2006/main" xmlns:p="http://schemas.openxmlformats.org/presentationml/2006/main" xmlns:r="http://schemas.openxmlformats.org/officeDocument/2006/relationships" xmlns:p14="http://schemas.microsoft.com/office/powerpoint/2010/main" xmlns:p15="http://schemas.microsoft.com/office/powerpoint/2012/main" xmlns:mc="http://schemas.openxmlformats.org/markup-compatibility/2006">
+<file path=ppt/slides/slide6.xml><?xml version="1.0" encoding="utf-8"?>
+<p:sld xmlns:a="http://schemas.openxmlformats.org/drawingml/2006/main" xmlns:r="http://schemas.openxmlformats.org/officeDocument/2006/relationships" xmlns:p="http://schemas.openxmlformats.org/presentationml/2006/main">
   <p:cSld>
     <p:spTree>
       <p:nvGrpSpPr>
@@ -7565,7 +8012,7 @@
       </p:grpSpPr>
       <p:sp>
         <p:nvSpPr>
-          <p:cNvPr id="140" name="CustomShape 1"/>
+          <p:cNvPr id="146" name="CustomShape 1"/>
           <p:cNvSpPr/>
           <p:nvPr/>
         </p:nvSpPr>
@@ -7583,53 +8030,56 @@
           </a:ln>
         </p:spPr>
         <p:style>
-          <a:lnRef idx="0"/>
-          <a:fillRef idx="0"/>
-          <a:effectRef idx="0"/>
+          <a:lnRef idx="0">
+            <a:scrgbClr r="0" g="0" b="0"/>
+          </a:lnRef>
+          <a:fillRef idx="0">
+            <a:scrgbClr r="0" g="0" b="0"/>
+          </a:fillRef>
+          <a:effectRef idx="0">
+            <a:scrgbClr r="0" g="0" b="0"/>
+          </a:effectRef>
           <a:fontRef idx="minor"/>
         </p:style>
-      </p:sp>
-      <p:sp>
-        <p:nvSpPr>
-          <p:cNvPr id="141" name="CustomShape 2"/>
-          <p:cNvSpPr/>
-          <p:nvPr/>
-        </p:nvSpPr>
-        <p:spPr>
-          <a:xfrm>
-            <a:off x="1097280" y="1845720"/>
-            <a:ext cx="10057320" cy="4022280"/>
-          </a:xfrm>
-          <a:prstGeom prst="rect">
-            <a:avLst/>
-          </a:prstGeom>
-          <a:noFill/>
-          <a:ln>
-            <a:noFill/>
-          </a:ln>
-        </p:spPr>
-        <p:style>
-          <a:lnRef idx="0"/>
-          <a:fillRef idx="0"/>
-          <a:effectRef idx="0"/>
-          <a:fontRef idx="minor"/>
-        </p:style>
+        <p:txBody>
+          <a:bodyPr lIns="90000" tIns="45000" rIns="90000" bIns="45000" anchor="b"/>
+          <a:lstStyle/>
+          <a:p>
+            <a:pPr>
+              <a:lnSpc>
+                <a:spcPct val="85000"/>
+              </a:lnSpc>
+            </a:pPr>
+            <a:r>
+              <a:rPr lang="en-US" sz="4800" b="0" strike="noStrike" spc="-43">
+                <a:solidFill>
+                  <a:srgbClr val="404040"/>
+                </a:solidFill>
+                <a:latin typeface="Calibri Light"/>
+                <a:ea typeface="DejaVu Sans"/>
+              </a:rPr>
+              <a:t>Level Design – Use Case Diagram</a:t>
+            </a:r>
+            <a:endParaRPr lang="en-US" sz="4800" b="0" strike="noStrike" spc="-1">
+              <a:latin typeface="Arial"/>
+            </a:endParaRPr>
+          </a:p>
+        </p:txBody>
       </p:sp>
       <p:pic>
         <p:nvPicPr>
-          <p:cNvPr id="142" name="Picture 3" descr=""/>
+          <p:cNvPr id="147" name="Content Placeholder 3"/>
           <p:cNvPicPr/>
           <p:nvPr/>
         </p:nvPicPr>
         <p:blipFill>
-          <a:blip r:embed="rId1"/>
-          <a:srcRect l="0" t="0" r="0" b="4860"/>
+          <a:blip r:embed="rId2"/>
           <a:stretch/>
         </p:blipFill>
         <p:spPr>
           <a:xfrm>
-            <a:off x="10667880" y="274320"/>
-            <a:ext cx="1164960" cy="1260720"/>
+            <a:off x="2045520" y="1830240"/>
+            <a:ext cx="7728840" cy="4497480"/>
           </a:xfrm>
           <a:prstGeom prst="rect">
             <a:avLst/>
@@ -7639,24 +8089,51 @@
           </a:ln>
         </p:spPr>
       </p:pic>
+      <p:pic>
+        <p:nvPicPr>
+          <p:cNvPr id="148" name="Picture 4"/>
+          <p:cNvPicPr/>
+          <p:nvPr/>
+        </p:nvPicPr>
+        <p:blipFill>
+          <a:blip r:embed="rId3"/>
+          <a:srcRect b="4860"/>
+          <a:stretch/>
+        </p:blipFill>
+        <p:spPr>
+          <a:xfrm>
+            <a:off x="10667880" y="274320"/>
+            <a:ext cx="1164960" cy="1260720"/>
+          </a:xfrm>
+          <a:prstGeom prst="rect">
+            <a:avLst/>
+          </a:prstGeom>
+          <a:ln>
+            <a:noFill/>
+          </a:ln>
+        </p:spPr>
+      </p:pic>
     </p:spTree>
   </p:cSld>
+  <p:clrMapOvr>
+    <a:masterClrMapping/>
+  </p:clrMapOvr>
   <p:timing>
     <p:tnLst>
       <p:par>
-        <p:cTn id="9" dur="indefinite" restart="never" nodeType="tmRoot">
+        <p:cTn id="1" dur="indefinite" restart="never" nodeType="tmRoot">
           <p:childTnLst>
             <p:seq>
-              <p:cTn id="10" dur="indefinite" nodeType="mainSeq"/>
+              <p:cTn id="2" dur="indefinite" nodeType="mainSeq"/>
               <p:prevCondLst>
-                <p:cond delay="0" evt="onPrev">
+                <p:cond evt="onPrev" delay="0">
                   <p:tgtEl>
                     <p:sldTgt/>
                   </p:tgtEl>
                 </p:cond>
               </p:prevCondLst>
               <p:nextCondLst>
-                <p:cond delay="0" evt="onNext">
+                <p:cond evt="onNext" delay="0">
                   <p:tgtEl>
                     <p:sldTgt/>
                   </p:tgtEl>
@@ -7671,8 +8148,8 @@
 </p:sld>
 </file>
 
-<file path=ppt/slides/slide6.xml><?xml version="1.0" encoding="utf-8"?>
-<p:sld xmlns:a="http://schemas.openxmlformats.org/drawingml/2006/main" xmlns:p="http://schemas.openxmlformats.org/presentationml/2006/main" xmlns:r="http://schemas.openxmlformats.org/officeDocument/2006/relationships" xmlns:p14="http://schemas.microsoft.com/office/powerpoint/2010/main" xmlns:p15="http://schemas.microsoft.com/office/powerpoint/2012/main" xmlns:mc="http://schemas.openxmlformats.org/markup-compatibility/2006">
+<file path=ppt/slides/slide7.xml><?xml version="1.0" encoding="utf-8"?>
+<p:sld xmlns:a="http://schemas.openxmlformats.org/drawingml/2006/main" xmlns:r="http://schemas.openxmlformats.org/officeDocument/2006/relationships" xmlns:p="http://schemas.openxmlformats.org/presentationml/2006/main">
   <p:cSld>
     <p:spTree>
       <p:nvGrpSpPr>
@@ -7690,14 +8167,14 @@
       </p:grpSpPr>
       <p:sp>
         <p:nvSpPr>
-          <p:cNvPr id="143" name="CustomShape 1"/>
+          <p:cNvPr id="153" name="CustomShape 1"/>
           <p:cNvSpPr/>
           <p:nvPr/>
         </p:nvSpPr>
         <p:spPr>
           <a:xfrm>
-            <a:off x="1097280" y="286560"/>
-            <a:ext cx="10057320" cy="1449720"/>
+            <a:off x="1097280" y="700920"/>
+            <a:ext cx="10057320" cy="1035720"/>
           </a:xfrm>
           <a:prstGeom prst="rect">
             <a:avLst/>
@@ -7708,13 +8185,20 @@
           </a:ln>
         </p:spPr>
         <p:style>
-          <a:lnRef idx="0"/>
-          <a:fillRef idx="0"/>
-          <a:effectRef idx="0"/>
+          <a:lnRef idx="0">
+            <a:scrgbClr r="0" g="0" b="0"/>
+          </a:lnRef>
+          <a:fillRef idx="0">
+            <a:scrgbClr r="0" g="0" b="0"/>
+          </a:fillRef>
+          <a:effectRef idx="0">
+            <a:scrgbClr r="0" g="0" b="0"/>
+          </a:effectRef>
           <a:fontRef idx="minor"/>
         </p:style>
         <p:txBody>
-          <a:bodyPr lIns="90000" rIns="90000" tIns="45000" bIns="45000" anchor="b"/>
+          <a:bodyPr lIns="0" tIns="0" rIns="0" bIns="0"/>
+          <a:lstStyle/>
           <a:p>
             <a:pPr>
               <a:lnSpc>
@@ -7722,30 +8206,58 @@
               </a:lnSpc>
             </a:pPr>
             <a:r>
-              <a:rPr b="0" lang="en-US" sz="4800" spc="-43" strike="noStrike">
+              <a:t/>
+            </a:r>
+            <a:br/>
+            <a:r>
+              <a:rPr lang="en-US" sz="4800" b="0" strike="noStrike" spc="-43">
                 <a:solidFill>
                   <a:srgbClr val="404040"/>
                 </a:solidFill>
                 <a:latin typeface="Calibri Light"/>
-                <a:ea typeface="DejaVu Sans"/>
+                <a:ea typeface="Microsoft YaHei"/>
               </a:rPr>
-              <a:t>Josh – Level Design</a:t>
+              <a:t>Ben – Enemies</a:t>
             </a:r>
-            <a:endParaRPr b="0" lang="en-US" sz="4800" spc="-1" strike="noStrike">
-              <a:latin typeface="Arial"/>
-            </a:endParaRPr>
-          </a:p>
-        </p:txBody>
-      </p:sp>
-      <p:sp>
-        <p:nvSpPr>
-          <p:cNvPr id="144" name="CustomShape 2"/>
+            <a:endParaRPr lang="en-US" sz="4800" b="0" strike="noStrike" spc="-1">
+              <a:latin typeface="Arial"/>
+            </a:endParaRPr>
+          </a:p>
+        </p:txBody>
+      </p:sp>
+      <p:pic>
+        <p:nvPicPr>
+          <p:cNvPr id="154" name="Picture 4"/>
+          <p:cNvPicPr/>
+          <p:nvPr/>
+        </p:nvPicPr>
+        <p:blipFill>
+          <a:blip r:embed="rId2"/>
+          <a:srcRect b="4860"/>
+          <a:stretch/>
+        </p:blipFill>
+        <p:spPr>
+          <a:xfrm>
+            <a:off x="10667880" y="274320"/>
+            <a:ext cx="1164960" cy="1260720"/>
+          </a:xfrm>
+          <a:prstGeom prst="rect">
+            <a:avLst/>
+          </a:prstGeom>
+          <a:ln>
+            <a:noFill/>
+          </a:ln>
+        </p:spPr>
+      </p:pic>
+      <p:sp>
+        <p:nvSpPr>
+          <p:cNvPr id="155" name="CustomShape 2"/>
           <p:cNvSpPr/>
           <p:nvPr/>
         </p:nvSpPr>
         <p:spPr>
           <a:xfrm>
-            <a:off x="1097280" y="1845720"/>
+            <a:off x="1097640" y="1846080"/>
             <a:ext cx="10057320" cy="4022280"/>
           </a:xfrm>
           <a:prstGeom prst="rect">
@@ -7757,15 +8269,22 @@
           </a:ln>
         </p:spPr>
         <p:style>
-          <a:lnRef idx="0"/>
-          <a:fillRef idx="0"/>
-          <a:effectRef idx="0"/>
+          <a:lnRef idx="0">
+            <a:scrgbClr r="0" g="0" b="0"/>
+          </a:lnRef>
+          <a:fillRef idx="0">
+            <a:scrgbClr r="0" g="0" b="0"/>
+          </a:fillRef>
+          <a:effectRef idx="0">
+            <a:scrgbClr r="0" g="0" b="0"/>
+          </a:effectRef>
           <a:fontRef idx="minor"/>
         </p:style>
         <p:txBody>
-          <a:bodyPr lIns="0" rIns="0" tIns="45000" bIns="45000">
-            <a:normAutofit/>
+          <a:bodyPr lIns="0" tIns="45000" rIns="0" bIns="45000">
+            <a:normAutofit fontScale="92500" lnSpcReduction="10000"/>
           </a:bodyPr>
+          <a:lstStyle/>
           <a:p>
             <a:pPr marL="91440" indent="-90360">
               <a:lnSpc>
@@ -7778,22 +8297,22 @@
                 <a:spcPts val="201"/>
               </a:spcAft>
               <a:buClr>
-                <a:srgbClr val="e48312"/>
+                <a:srgbClr val="E48312"/>
               </a:buClr>
               <a:buFont typeface="Arial"/>
               <a:buChar char="•"/>
             </a:pPr>
             <a:r>
-              <a:rPr b="0" lang="en-US" sz="2400" spc="-1" strike="noStrike">
+              <a:rPr lang="en-US" sz="2400" b="0" strike="noStrike" spc="-1">
                 <a:solidFill>
                   <a:srgbClr val="404040"/>
                 </a:solidFill>
                 <a:latin typeface="Calibri"/>
                 <a:ea typeface="DejaVu Sans"/>
               </a:rPr>
-              <a:t>Creating graphics of stage and objects</a:t>
+              <a:t>Creating Enemies and releasing them into the playing field</a:t>
             </a:r>
-            <a:endParaRPr b="0" lang="en-US" sz="2400" spc="-1" strike="noStrike">
+            <a:endParaRPr lang="en-US" sz="2400" b="0" strike="noStrike" spc="-1">
               <a:latin typeface="Arial"/>
             </a:endParaRPr>
           </a:p>
@@ -7809,22 +8328,22 @@
                 <a:spcPts val="201"/>
               </a:spcAft>
               <a:buClr>
-                <a:srgbClr val="e48312"/>
+                <a:srgbClr val="E48312"/>
               </a:buClr>
               <a:buFont typeface="Arial"/>
               <a:buChar char="•"/>
             </a:pPr>
             <a:r>
-              <a:rPr b="0" lang="en-US" sz="2400" spc="-1" strike="noStrike">
+              <a:rPr lang="en-US" sz="2400" b="0" strike="noStrike" spc="-1">
                 <a:solidFill>
                   <a:srgbClr val="404040"/>
                 </a:solidFill>
                 <a:latin typeface="Calibri"/>
                 <a:ea typeface="DejaVu Sans"/>
               </a:rPr>
-              <a:t>Coordinate with Luis for player character</a:t>
+              <a:t>Coordinating with Josh on when to spawn enemies</a:t>
             </a:r>
-            <a:endParaRPr b="0" lang="en-US" sz="2400" spc="-1" strike="noStrike">
+            <a:endParaRPr lang="en-US" sz="2400" b="0" strike="noStrike" spc="-1">
               <a:latin typeface="Arial"/>
             </a:endParaRPr>
           </a:p>
@@ -7840,22 +8359,22 @@
                 <a:spcPts val="201"/>
               </a:spcAft>
               <a:buClr>
-                <a:srgbClr val="e48312"/>
+                <a:srgbClr val="E48312"/>
               </a:buClr>
               <a:buFont typeface="Arial"/>
               <a:buChar char="•"/>
             </a:pPr>
             <a:r>
-              <a:rPr b="0" lang="en-US" sz="2400" spc="-1" strike="noStrike">
+              <a:rPr lang="en-US" sz="2400" b="0" strike="noStrike" spc="-1">
                 <a:solidFill>
                   <a:srgbClr val="404040"/>
                 </a:solidFill>
                 <a:latin typeface="Calibri"/>
                 <a:ea typeface="DejaVu Sans"/>
               </a:rPr>
-              <a:t>Coordinate with Ben for enemy spawn</a:t>
+              <a:t>Making sure enemies advance and attack automatically</a:t>
             </a:r>
-            <a:endParaRPr b="0" lang="en-US" sz="2400" spc="-1" strike="noStrike">
+            <a:endParaRPr lang="en-US" sz="2400" b="0" strike="noStrike" spc="-1">
               <a:latin typeface="Arial"/>
             </a:endParaRPr>
           </a:p>
@@ -7871,22 +8390,53 @@
                 <a:spcPts val="201"/>
               </a:spcAft>
               <a:buClr>
-                <a:srgbClr val="e48312"/>
+                <a:srgbClr val="E48312"/>
               </a:buClr>
               <a:buFont typeface="Arial"/>
               <a:buChar char="•"/>
             </a:pPr>
             <a:r>
-              <a:rPr b="0" lang="en-US" sz="2400" spc="-1" strike="noStrike">
+              <a:rPr lang="en-US" sz="2400" b="0" strike="noStrike" spc="-1">
                 <a:solidFill>
                   <a:srgbClr val="404040"/>
                 </a:solidFill>
                 <a:latin typeface="Calibri"/>
                 <a:ea typeface="DejaVu Sans"/>
               </a:rPr>
-              <a:t>Ensuring all objects interact as intended</a:t>
+              <a:t>Making sure enemies can navigate around obstacles</a:t>
             </a:r>
-            <a:endParaRPr b="0" lang="en-US" sz="2400" spc="-1" strike="noStrike">
+            <a:endParaRPr lang="en-US" sz="2400" b="0" strike="noStrike" spc="-1">
+              <a:latin typeface="Arial"/>
+            </a:endParaRPr>
+          </a:p>
+          <a:p>
+            <a:pPr marL="91440" indent="-90360">
+              <a:lnSpc>
+                <a:spcPct val="90000"/>
+              </a:lnSpc>
+              <a:spcBef>
+                <a:spcPts val="1199"/>
+              </a:spcBef>
+              <a:spcAft>
+                <a:spcPts val="201"/>
+              </a:spcAft>
+              <a:buClr>
+                <a:srgbClr val="E48312"/>
+              </a:buClr>
+              <a:buFont typeface="Arial"/>
+              <a:buChar char="•"/>
+            </a:pPr>
+            <a:r>
+              <a:rPr lang="en-US" sz="2400" b="0" strike="noStrike" spc="-1">
+                <a:solidFill>
+                  <a:srgbClr val="404040"/>
+                </a:solidFill>
+                <a:latin typeface="Calibri"/>
+                <a:ea typeface="DejaVu Sans"/>
+              </a:rPr>
+              <a:t>Coordinating with Luis on interactions between enemies and the player character</a:t>
+            </a:r>
+            <a:endParaRPr lang="en-US" sz="2400" b="0" strike="noStrike" spc="-1">
               <a:latin typeface="Arial"/>
             </a:endParaRPr>
           </a:p>
@@ -7902,7 +8452,7 @@
                 <a:spcPts val="201"/>
               </a:spcAft>
             </a:pPr>
-            <a:endParaRPr b="0" lang="en-US" sz="2400" spc="-1" strike="noStrike">
+            <a:endParaRPr lang="en-US" sz="2400" b="0" strike="noStrike" spc="-1">
               <a:latin typeface="Arial"/>
             </a:endParaRPr>
           </a:p>
@@ -7918,7 +8468,7 @@
                 <a:spcPts val="201"/>
               </a:spcAft>
             </a:pPr>
-            <a:endParaRPr b="0" lang="en-US" sz="2400" spc="-1" strike="noStrike">
+            <a:endParaRPr lang="en-US" sz="2400" b="0" strike="noStrike" spc="-1">
               <a:latin typeface="Arial"/>
             </a:endParaRPr>
           </a:p>
@@ -7934,22 +8484,22 @@
                 <a:spcPts val="201"/>
               </a:spcAft>
               <a:buClr>
-                <a:srgbClr val="e48312"/>
+                <a:srgbClr val="E48312"/>
               </a:buClr>
               <a:buFont typeface="Arial"/>
               <a:buChar char="•"/>
             </a:pPr>
             <a:r>
-              <a:rPr b="0" lang="en-US" sz="2400" spc="-1" strike="noStrike">
+              <a:rPr lang="en-US" sz="2400" b="0" strike="noStrike" spc="-1">
                 <a:solidFill>
                   <a:srgbClr val="404040"/>
                 </a:solidFill>
                 <a:latin typeface="Calibri"/>
                 <a:ea typeface="DejaVu Sans"/>
               </a:rPr>
-              <a:t>Priority level: 1 </a:t>
+              <a:t>Priority level: 3 </a:t>
             </a:r>
-            <a:endParaRPr b="0" lang="en-US" sz="2400" spc="-1" strike="noStrike">
+            <a:endParaRPr lang="en-US" sz="2400" b="0" strike="noStrike" spc="-1">
               <a:latin typeface="Arial"/>
             </a:endParaRPr>
           </a:p>
@@ -7965,13 +8515,13 @@
                 <a:spcPts val="201"/>
               </a:spcAft>
               <a:buClr>
-                <a:srgbClr val="e48312"/>
+                <a:srgbClr val="E48312"/>
               </a:buClr>
               <a:buFont typeface="Arial"/>
               <a:buChar char="•"/>
             </a:pPr>
             <a:r>
-              <a:rPr b="0" lang="en-US" sz="2400" spc="-1" strike="noStrike">
+              <a:rPr lang="en-US" sz="2400" b="0" strike="noStrike" spc="-1">
                 <a:solidFill>
                   <a:srgbClr val="404040"/>
                 </a:solidFill>
@@ -7980,54 +8530,33 @@
               </a:rPr>
               <a:t>Complexity: Moderate</a:t>
             </a:r>
-            <a:endParaRPr b="0" lang="en-US" sz="2400" spc="-1" strike="noStrike">
-              <a:latin typeface="Arial"/>
-            </a:endParaRPr>
-          </a:p>
-        </p:txBody>
-      </p:sp>
-      <p:pic>
-        <p:nvPicPr>
-          <p:cNvPr id="145" name="Picture 3" descr=""/>
-          <p:cNvPicPr/>
-          <p:nvPr/>
-        </p:nvPicPr>
-        <p:blipFill>
-          <a:blip r:embed="rId1"/>
-          <a:srcRect l="0" t="0" r="0" b="4860"/>
-          <a:stretch/>
-        </p:blipFill>
-        <p:spPr>
-          <a:xfrm>
-            <a:off x="10667880" y="274320"/>
-            <a:ext cx="1164960" cy="1260720"/>
-          </a:xfrm>
-          <a:prstGeom prst="rect">
-            <a:avLst/>
-          </a:prstGeom>
-          <a:ln>
-            <a:noFill/>
-          </a:ln>
-        </p:spPr>
-      </p:pic>
+            <a:endParaRPr lang="en-US" sz="2400" b="0" strike="noStrike" spc="-1">
+              <a:latin typeface="Arial"/>
+            </a:endParaRPr>
+          </a:p>
+        </p:txBody>
+      </p:sp>
     </p:spTree>
   </p:cSld>
+  <p:clrMapOvr>
+    <a:masterClrMapping/>
+  </p:clrMapOvr>
   <p:timing>
     <p:tnLst>
       <p:par>
-        <p:cTn id="11" dur="indefinite" restart="never" nodeType="tmRoot">
+        <p:cTn id="1" dur="indefinite" restart="never" nodeType="tmRoot">
           <p:childTnLst>
             <p:seq>
-              <p:cTn id="12" dur="indefinite" nodeType="mainSeq"/>
+              <p:cTn id="2" dur="indefinite" nodeType="mainSeq"/>
               <p:prevCondLst>
-                <p:cond delay="0" evt="onPrev">
+                <p:cond evt="onPrev" delay="0">
                   <p:tgtEl>
                     <p:sldTgt/>
                   </p:tgtEl>
                 </p:cond>
               </p:prevCondLst>
               <p:nextCondLst>
-                <p:cond delay="0" evt="onNext">
+                <p:cond evt="onNext" delay="0">
                   <p:tgtEl>
                     <p:sldTgt/>
                   </p:tgtEl>
@@ -8042,8 +8571,8 @@
 </p:sld>
 </file>
 
-<file path=ppt/slides/slide7.xml><?xml version="1.0" encoding="utf-8"?>
-<p:sld xmlns:a="http://schemas.openxmlformats.org/drawingml/2006/main" xmlns:p="http://schemas.openxmlformats.org/presentationml/2006/main" xmlns:r="http://schemas.openxmlformats.org/officeDocument/2006/relationships" xmlns:p14="http://schemas.microsoft.com/office/powerpoint/2010/main" xmlns:p15="http://schemas.microsoft.com/office/powerpoint/2012/main" xmlns:mc="http://schemas.openxmlformats.org/markup-compatibility/2006">
+<file path=ppt/slides/slide8.xml><?xml version="1.0" encoding="utf-8"?>
+<p:sld xmlns:a="http://schemas.openxmlformats.org/drawingml/2006/main" xmlns:r="http://schemas.openxmlformats.org/officeDocument/2006/relationships" xmlns:p="http://schemas.openxmlformats.org/presentationml/2006/main">
   <p:cSld>
     <p:spTree>
       <p:nvGrpSpPr>
@@ -8061,7 +8590,7 @@
       </p:grpSpPr>
       <p:sp>
         <p:nvSpPr>
-          <p:cNvPr id="146" name="CustomShape 1"/>
+          <p:cNvPr id="156" name="CustomShape 1"/>
           <p:cNvSpPr/>
           <p:nvPr/>
         </p:nvSpPr>
@@ -8079,13 +8608,76 @@
           </a:ln>
         </p:spPr>
         <p:style>
-          <a:lnRef idx="0"/>
-          <a:fillRef idx="0"/>
-          <a:effectRef idx="0"/>
+          <a:lnRef idx="0">
+            <a:scrgbClr r="0" g="0" b="0"/>
+          </a:lnRef>
+          <a:fillRef idx="0">
+            <a:scrgbClr r="0" g="0" b="0"/>
+          </a:fillRef>
+          <a:effectRef idx="0">
+            <a:scrgbClr r="0" g="0" b="0"/>
+          </a:effectRef>
           <a:fontRef idx="minor"/>
         </p:style>
-        <p:txBody>
-          <a:bodyPr lIns="90000" rIns="90000" tIns="45000" bIns="45000" anchor="b"/>
+      </p:sp>
+      <p:pic>
+        <p:nvPicPr>
+          <p:cNvPr id="157" name="Picture 4"/>
+          <p:cNvPicPr/>
+          <p:nvPr/>
+        </p:nvPicPr>
+        <p:blipFill>
+          <a:blip r:embed="rId2"/>
+          <a:srcRect b="4860"/>
+          <a:stretch/>
+        </p:blipFill>
+        <p:spPr>
+          <a:xfrm>
+            <a:off x="10667880" y="274320"/>
+            <a:ext cx="1164960" cy="1260720"/>
+          </a:xfrm>
+          <a:prstGeom prst="rect">
+            <a:avLst/>
+          </a:prstGeom>
+          <a:ln>
+            <a:noFill/>
+          </a:ln>
+        </p:spPr>
+      </p:pic>
+      <p:sp>
+        <p:nvSpPr>
+          <p:cNvPr id="158" name="CustomShape 2"/>
+          <p:cNvSpPr/>
+          <p:nvPr/>
+        </p:nvSpPr>
+        <p:spPr>
+          <a:xfrm>
+            <a:off x="1097280" y="700920"/>
+            <a:ext cx="10057320" cy="1035720"/>
+          </a:xfrm>
+          <a:prstGeom prst="rect">
+            <a:avLst/>
+          </a:prstGeom>
+          <a:noFill/>
+          <a:ln>
+            <a:noFill/>
+          </a:ln>
+        </p:spPr>
+        <p:style>
+          <a:lnRef idx="0">
+            <a:scrgbClr r="0" g="0" b="0"/>
+          </a:lnRef>
+          <a:fillRef idx="0">
+            <a:scrgbClr r="0" g="0" b="0"/>
+          </a:fillRef>
+          <a:effectRef idx="0">
+            <a:scrgbClr r="0" g="0" b="0"/>
+          </a:effectRef>
+          <a:fontRef idx="minor"/>
+        </p:style>
+        <p:txBody>
+          <a:bodyPr lIns="0" tIns="0" rIns="0" bIns="0"/>
+          <a:lstStyle/>
           <a:p>
             <a:pPr>
               <a:lnSpc>
@@ -8093,16 +8685,20 @@
               </a:lnSpc>
             </a:pPr>
             <a:r>
-              <a:rPr b="0" lang="en-US" sz="4800" spc="-43" strike="noStrike">
+              <a:t/>
+            </a:r>
+            <a:br/>
+            <a:r>
+              <a:rPr lang="en-US" sz="4800" b="0" strike="noStrike" spc="-43">
                 <a:solidFill>
                   <a:srgbClr val="404040"/>
                 </a:solidFill>
                 <a:latin typeface="Calibri Light"/>
-                <a:ea typeface="DejaVu Sans"/>
+                <a:ea typeface="Microsoft YaHei"/>
               </a:rPr>
-              <a:t>Level Design – Use Case Diagram</a:t>
+              <a:t>Use case – Dmaging enemies</a:t>
             </a:r>
-            <a:endParaRPr b="0" lang="en-US" sz="4800" spc="-1" strike="noStrike">
+            <a:endParaRPr lang="en-US" sz="4800" b="0" strike="noStrike" spc="-1">
               <a:latin typeface="Arial"/>
             </a:endParaRPr>
           </a:p>
@@ -8110,18 +8706,18 @@
       </p:sp>
       <p:pic>
         <p:nvPicPr>
-          <p:cNvPr id="147" name="Content Placeholder 3" descr=""/>
+          <p:cNvPr id="159" name="Picture 150"/>
           <p:cNvPicPr/>
           <p:nvPr/>
         </p:nvPicPr>
         <p:blipFill>
-          <a:blip r:embed="rId1"/>
+          <a:blip r:embed="rId3"/>
           <a:stretch/>
         </p:blipFill>
         <p:spPr>
           <a:xfrm>
-            <a:off x="2045520" y="1830240"/>
-            <a:ext cx="7728840" cy="4497480"/>
+            <a:off x="2377440" y="1828800"/>
+            <a:ext cx="7131960" cy="4404240"/>
           </a:xfrm>
           <a:prstGeom prst="rect">
             <a:avLst/>
@@ -8131,48 +8727,27 @@
           </a:ln>
         </p:spPr>
       </p:pic>
-      <p:pic>
-        <p:nvPicPr>
-          <p:cNvPr id="148" name="Picture 4" descr=""/>
-          <p:cNvPicPr/>
-          <p:nvPr/>
-        </p:nvPicPr>
-        <p:blipFill>
-          <a:blip r:embed="rId2"/>
-          <a:srcRect l="0" t="0" r="0" b="4860"/>
-          <a:stretch/>
-        </p:blipFill>
-        <p:spPr>
-          <a:xfrm>
-            <a:off x="10667880" y="274320"/>
-            <a:ext cx="1164960" cy="1260720"/>
-          </a:xfrm>
-          <a:prstGeom prst="rect">
-            <a:avLst/>
-          </a:prstGeom>
-          <a:ln>
-            <a:noFill/>
-          </a:ln>
-        </p:spPr>
-      </p:pic>
     </p:spTree>
   </p:cSld>
+  <p:clrMapOvr>
+    <a:masterClrMapping/>
+  </p:clrMapOvr>
   <p:timing>
     <p:tnLst>
       <p:par>
-        <p:cTn id="13" dur="indefinite" restart="never" nodeType="tmRoot">
+        <p:cTn id="1" dur="indefinite" restart="never" nodeType="tmRoot">
           <p:childTnLst>
             <p:seq>
-              <p:cTn id="14" dur="indefinite" nodeType="mainSeq"/>
+              <p:cTn id="2" dur="indefinite" nodeType="mainSeq"/>
               <p:prevCondLst>
-                <p:cond delay="0" evt="onPrev">
+                <p:cond evt="onPrev" delay="0">
                   <p:tgtEl>
                     <p:sldTgt/>
                   </p:tgtEl>
                 </p:cond>
               </p:prevCondLst>
               <p:nextCondLst>
-                <p:cond delay="0" evt="onNext">
+                <p:cond evt="onNext" delay="0">
                   <p:tgtEl>
                     <p:sldTgt/>
                   </p:tgtEl>
@@ -8187,8 +8762,8 @@
 </p:sld>
 </file>
 
-<file path=ppt/slides/slide8.xml><?xml version="1.0" encoding="utf-8"?>
-<p:sld xmlns:a="http://schemas.openxmlformats.org/drawingml/2006/main" xmlns:p="http://schemas.openxmlformats.org/presentationml/2006/main" xmlns:r="http://schemas.openxmlformats.org/officeDocument/2006/relationships" xmlns:p14="http://schemas.microsoft.com/office/powerpoint/2010/main" xmlns:p15="http://schemas.microsoft.com/office/powerpoint/2012/main" xmlns:mc="http://schemas.openxmlformats.org/markup-compatibility/2006">
+<file path=ppt/slides/slide9.xml><?xml version="1.0" encoding="utf-8"?>
+<p:sld xmlns:a="http://schemas.openxmlformats.org/drawingml/2006/main" xmlns:r="http://schemas.openxmlformats.org/officeDocument/2006/relationships" xmlns:p="http://schemas.openxmlformats.org/presentationml/2006/main">
   <p:cSld>
     <p:spTree>
       <p:nvGrpSpPr>
@@ -8206,7 +8781,7 @@
       </p:grpSpPr>
       <p:sp>
         <p:nvSpPr>
-          <p:cNvPr id="149" name="CustomShape 1"/>
+          <p:cNvPr id="160" name="CustomShape 1"/>
           <p:cNvSpPr/>
           <p:nvPr/>
         </p:nvSpPr>
@@ -8224,21 +8799,322 @@
           </a:ln>
         </p:spPr>
         <p:style>
-          <a:lnRef idx="0"/>
-          <a:fillRef idx="0"/>
-          <a:effectRef idx="0"/>
+          <a:lnRef idx="0">
+            <a:scrgbClr r="0" g="0" b="0"/>
+          </a:lnRef>
+          <a:fillRef idx="0">
+            <a:scrgbClr r="0" g="0" b="0"/>
+          </a:fillRef>
+          <a:effectRef idx="0">
+            <a:scrgbClr r="0" g="0" b="0"/>
+          </a:effectRef>
           <a:fontRef idx="minor"/>
         </p:style>
+        <p:txBody>
+          <a:bodyPr lIns="0" tIns="0" rIns="0" bIns="0" anchor="ctr"/>
+          <a:lstStyle/>
+          <a:p>
+            <a:pPr>
+              <a:lnSpc>
+                <a:spcPct val="85000"/>
+              </a:lnSpc>
+            </a:pPr>
+            <a:r>
+              <a:t/>
+            </a:r>
+            <a:br/>
+            <a:r>
+              <a:rPr lang="en-US" sz="4400" b="0" strike="noStrike" spc="-43">
+                <a:solidFill>
+                  <a:srgbClr val="404040"/>
+                </a:solidFill>
+                <a:latin typeface="Calibri Light"/>
+                <a:ea typeface="Microsoft YaHei"/>
+              </a:rPr>
+              <a:t>Blakely – Sound</a:t>
+            </a:r>
+            <a:endParaRPr lang="en-US" sz="4400" b="0" strike="noStrike" spc="-1">
+              <a:latin typeface="Arial"/>
+            </a:endParaRPr>
+          </a:p>
+        </p:txBody>
+      </p:sp>
+      <p:sp>
+        <p:nvSpPr>
+          <p:cNvPr id="161" name="CustomShape 2"/>
+          <p:cNvSpPr/>
+          <p:nvPr/>
+        </p:nvSpPr>
+        <p:spPr>
+          <a:xfrm>
+            <a:off x="1097280" y="2121120"/>
+            <a:ext cx="10057320" cy="4022280"/>
+          </a:xfrm>
+          <a:prstGeom prst="rect">
+            <a:avLst/>
+          </a:prstGeom>
+          <a:noFill/>
+          <a:ln>
+            <a:noFill/>
+          </a:ln>
+        </p:spPr>
+        <p:style>
+          <a:lnRef idx="0">
+            <a:scrgbClr r="0" g="0" b="0"/>
+          </a:lnRef>
+          <a:fillRef idx="0">
+            <a:scrgbClr r="0" g="0" b="0"/>
+          </a:fillRef>
+          <a:effectRef idx="0">
+            <a:scrgbClr r="0" g="0" b="0"/>
+          </a:effectRef>
+          <a:fontRef idx="minor"/>
+        </p:style>
+        <p:txBody>
+          <a:bodyPr lIns="0" tIns="0" rIns="0" bIns="0" anchor="ctr"/>
+          <a:lstStyle/>
+          <a:p>
+            <a:pPr marL="91440" indent="-90360">
+              <a:lnSpc>
+                <a:spcPct val="90000"/>
+              </a:lnSpc>
+              <a:spcBef>
+                <a:spcPts val="1199"/>
+              </a:spcBef>
+              <a:spcAft>
+                <a:spcPts val="201"/>
+              </a:spcAft>
+              <a:buClr>
+                <a:srgbClr val="E48312"/>
+              </a:buClr>
+              <a:buFont typeface="Arial"/>
+              <a:buChar char="•"/>
+            </a:pPr>
+            <a:r>
+              <a:rPr lang="en-US" sz="2200" b="0" strike="noStrike" spc="-1" dirty="0">
+                <a:solidFill>
+                  <a:srgbClr val="404040"/>
+                </a:solidFill>
+                <a:latin typeface="Calibri"/>
+                <a:ea typeface="DejaVu Sans"/>
+              </a:rPr>
+              <a:t>Creating Sounds for levels and sound effects</a:t>
+            </a:r>
+            <a:endParaRPr lang="en-US" sz="2200" b="0" strike="noStrike" spc="-1" dirty="0">
+              <a:latin typeface="Arial"/>
+            </a:endParaRPr>
+          </a:p>
+          <a:p>
+            <a:pPr marL="91440" indent="-90360">
+              <a:lnSpc>
+                <a:spcPct val="90000"/>
+              </a:lnSpc>
+              <a:spcBef>
+                <a:spcPts val="1199"/>
+              </a:spcBef>
+              <a:spcAft>
+                <a:spcPts val="201"/>
+              </a:spcAft>
+              <a:buClr>
+                <a:srgbClr val="E48312"/>
+              </a:buClr>
+              <a:buFont typeface="Arial"/>
+              <a:buChar char="•"/>
+            </a:pPr>
+            <a:r>
+              <a:rPr lang="en-US" sz="2200" b="0" strike="noStrike" spc="-1" dirty="0">
+                <a:solidFill>
+                  <a:srgbClr val="404040"/>
+                </a:solidFill>
+                <a:latin typeface="Calibri"/>
+                <a:ea typeface="DejaVu Sans"/>
+              </a:rPr>
+              <a:t>Coordinate with Luis on player sound effects</a:t>
+            </a:r>
+            <a:endParaRPr lang="en-US" sz="2200" b="0" strike="noStrike" spc="-1" dirty="0">
+              <a:latin typeface="Arial"/>
+            </a:endParaRPr>
+          </a:p>
+          <a:p>
+            <a:pPr marL="91440" indent="-90360">
+              <a:lnSpc>
+                <a:spcPct val="90000"/>
+              </a:lnSpc>
+              <a:spcBef>
+                <a:spcPts val="1199"/>
+              </a:spcBef>
+              <a:spcAft>
+                <a:spcPts val="201"/>
+              </a:spcAft>
+              <a:buClr>
+                <a:srgbClr val="E48312"/>
+              </a:buClr>
+              <a:buFont typeface="Arial"/>
+              <a:buChar char="•"/>
+            </a:pPr>
+            <a:r>
+              <a:rPr lang="en-US" sz="2200" b="0" strike="noStrike" spc="-1" dirty="0">
+                <a:solidFill>
+                  <a:srgbClr val="404040"/>
+                </a:solidFill>
+                <a:latin typeface="Calibri"/>
+                <a:ea typeface="DejaVu Sans"/>
+              </a:rPr>
+              <a:t>Coordinate with Ben on enemy sound effects</a:t>
+            </a:r>
+            <a:endParaRPr lang="en-US" sz="2200" b="0" strike="noStrike" spc="-1" dirty="0">
+              <a:latin typeface="Arial"/>
+            </a:endParaRPr>
+          </a:p>
+          <a:p>
+            <a:pPr marL="91440" indent="-90360">
+              <a:lnSpc>
+                <a:spcPct val="90000"/>
+              </a:lnSpc>
+              <a:spcBef>
+                <a:spcPts val="1199"/>
+              </a:spcBef>
+              <a:spcAft>
+                <a:spcPts val="201"/>
+              </a:spcAft>
+              <a:buClr>
+                <a:srgbClr val="E48312"/>
+              </a:buClr>
+              <a:buFont typeface="Arial"/>
+              <a:buChar char="•"/>
+            </a:pPr>
+            <a:r>
+              <a:rPr lang="en-US" sz="2200" b="0" strike="noStrike" spc="-1" dirty="0">
+                <a:solidFill>
+                  <a:srgbClr val="404040"/>
+                </a:solidFill>
+                <a:latin typeface="Calibri"/>
+                <a:ea typeface="DejaVu Sans"/>
+              </a:rPr>
+              <a:t>Provide seamless timing between character trigger and sound effect</a:t>
+            </a:r>
+            <a:endParaRPr lang="en-US" sz="2200" b="0" strike="noStrike" spc="-1" dirty="0">
+              <a:latin typeface="Arial"/>
+            </a:endParaRPr>
+          </a:p>
+          <a:p>
+            <a:pPr>
+              <a:lnSpc>
+                <a:spcPct val="90000"/>
+              </a:lnSpc>
+              <a:spcBef>
+                <a:spcPts val="1199"/>
+              </a:spcBef>
+              <a:spcAft>
+                <a:spcPts val="201"/>
+              </a:spcAft>
+            </a:pPr>
+            <a:endParaRPr lang="en-US" sz="2200" b="0" strike="noStrike" spc="-1" dirty="0">
+              <a:latin typeface="Arial"/>
+            </a:endParaRPr>
+          </a:p>
+          <a:p>
+            <a:pPr>
+              <a:lnSpc>
+                <a:spcPct val="90000"/>
+              </a:lnSpc>
+              <a:spcBef>
+                <a:spcPts val="1199"/>
+              </a:spcBef>
+              <a:spcAft>
+                <a:spcPts val="201"/>
+              </a:spcAft>
+            </a:pPr>
+            <a:endParaRPr lang="en-US" sz="2200" b="0" strike="noStrike" spc="-1" dirty="0">
+              <a:latin typeface="Arial"/>
+            </a:endParaRPr>
+          </a:p>
+          <a:p>
+            <a:pPr marL="91440" indent="-90360">
+              <a:lnSpc>
+                <a:spcPct val="90000"/>
+              </a:lnSpc>
+              <a:spcBef>
+                <a:spcPts val="1199"/>
+              </a:spcBef>
+              <a:spcAft>
+                <a:spcPts val="201"/>
+              </a:spcAft>
+              <a:buClr>
+                <a:srgbClr val="E48312"/>
+              </a:buClr>
+              <a:buFont typeface="Arial"/>
+              <a:buChar char="•"/>
+            </a:pPr>
+            <a:r>
+              <a:rPr lang="en-US" sz="2200" b="0" strike="noStrike" spc="-1" dirty="0">
+                <a:solidFill>
+                  <a:srgbClr val="404040"/>
+                </a:solidFill>
+                <a:latin typeface="Calibri"/>
+                <a:ea typeface="DejaVu Sans"/>
+              </a:rPr>
+              <a:t>Priority level: 3 </a:t>
+            </a:r>
+            <a:endParaRPr lang="en-US" sz="2200" b="0" strike="noStrike" spc="-1" dirty="0">
+              <a:latin typeface="Arial"/>
+            </a:endParaRPr>
+          </a:p>
+          <a:p>
+            <a:pPr marL="91440" indent="-90360">
+              <a:lnSpc>
+                <a:spcPct val="90000"/>
+              </a:lnSpc>
+              <a:spcBef>
+                <a:spcPts val="1199"/>
+              </a:spcBef>
+              <a:spcAft>
+                <a:spcPts val="201"/>
+              </a:spcAft>
+              <a:buClr>
+                <a:srgbClr val="E48312"/>
+              </a:buClr>
+              <a:buFont typeface="Arial"/>
+              <a:buChar char="•"/>
+            </a:pPr>
+            <a:r>
+              <a:rPr lang="en-US" sz="2200" b="0" strike="noStrike" spc="-1" dirty="0">
+                <a:solidFill>
+                  <a:srgbClr val="404040"/>
+                </a:solidFill>
+                <a:latin typeface="Calibri"/>
+                <a:ea typeface="DejaVu Sans"/>
+              </a:rPr>
+              <a:t>Complexity: Moderate</a:t>
+            </a:r>
+            <a:endParaRPr lang="en-US" sz="2200" b="0" strike="noStrike" spc="-1" dirty="0">
+              <a:latin typeface="Arial"/>
+            </a:endParaRPr>
+          </a:p>
+          <a:p>
+            <a:pPr>
+              <a:lnSpc>
+                <a:spcPct val="90000"/>
+              </a:lnSpc>
+              <a:spcBef>
+                <a:spcPts val="1001"/>
+              </a:spcBef>
+            </a:pPr>
+            <a:endParaRPr lang="en-US" sz="2200" b="0" strike="noStrike" spc="-1" dirty="0">
+              <a:latin typeface="Arial"/>
+            </a:endParaRPr>
+          </a:p>
+        </p:txBody>
       </p:sp>
       <p:pic>
         <p:nvPicPr>
-          <p:cNvPr id="150" name="Picture 4" descr=""/>
+          <p:cNvPr id="162" name="Picture 4"/>
           <p:cNvPicPr/>
           <p:nvPr/>
         </p:nvPicPr>
         <p:blipFill>
-          <a:blip r:embed="rId1"/>
-          <a:srcRect l="0" t="0" r="0" b="4860"/>
+          <a:blip r:embed="rId2"/>
+          <a:srcRect b="4860"/>
           <a:stretch/>
         </p:blipFill>
         <p:spPr>
@@ -8256,121 +9132,25 @@
       </p:pic>
     </p:spTree>
   </p:cSld>
+  <p:clrMapOvr>
+    <a:masterClrMapping/>
+  </p:clrMapOvr>
   <p:timing>
     <p:tnLst>
       <p:par>
-        <p:cTn id="15" dur="indefinite" restart="never" nodeType="tmRoot">
+        <p:cTn id="1" dur="indefinite" restart="never" nodeType="tmRoot">
           <p:childTnLst>
             <p:seq>
-              <p:cTn id="16" dur="indefinite" nodeType="mainSeq"/>
+              <p:cTn id="2" dur="indefinite" nodeType="mainSeq"/>
               <p:prevCondLst>
-                <p:cond delay="0" evt="onPrev">
+                <p:cond evt="onPrev" delay="0">
                   <p:tgtEl>
                     <p:sldTgt/>
                   </p:tgtEl>
                 </p:cond>
               </p:prevCondLst>
               <p:nextCondLst>
-                <p:cond delay="0" evt="onNext">
-                  <p:tgtEl>
-                    <p:sldTgt/>
-                  </p:tgtEl>
-                </p:cond>
-              </p:nextCondLst>
-            </p:seq>
-          </p:childTnLst>
-        </p:cTn>
-      </p:par>
-    </p:tnLst>
-  </p:timing>
-</p:sld>
-</file>
-
-<file path=ppt/slides/slide9.xml><?xml version="1.0" encoding="utf-8"?>
-<p:sld xmlns:a="http://schemas.openxmlformats.org/drawingml/2006/main" xmlns:p="http://schemas.openxmlformats.org/presentationml/2006/main" xmlns:r="http://schemas.openxmlformats.org/officeDocument/2006/relationships" xmlns:p14="http://schemas.microsoft.com/office/powerpoint/2010/main" xmlns:p15="http://schemas.microsoft.com/office/powerpoint/2012/main" xmlns:mc="http://schemas.openxmlformats.org/markup-compatibility/2006">
-  <p:cSld>
-    <p:spTree>
-      <p:nvGrpSpPr>
-        <p:cNvPr id="1" name=""/>
-        <p:cNvGrpSpPr/>
-        <p:nvPr/>
-      </p:nvGrpSpPr>
-      <p:grpSpPr>
-        <a:xfrm>
-          <a:off x="0" y="0"/>
-          <a:ext cx="0" cy="0"/>
-          <a:chOff x="0" y="0"/>
-          <a:chExt cx="0" cy="0"/>
-        </a:xfrm>
-      </p:grpSpPr>
-      <p:sp>
-        <p:nvSpPr>
-          <p:cNvPr id="151" name="CustomShape 1"/>
-          <p:cNvSpPr/>
-          <p:nvPr/>
-        </p:nvSpPr>
-        <p:spPr>
-          <a:xfrm>
-            <a:off x="1097280" y="286560"/>
-            <a:ext cx="10057320" cy="1449720"/>
-          </a:xfrm>
-          <a:prstGeom prst="rect">
-            <a:avLst/>
-          </a:prstGeom>
-          <a:noFill/>
-          <a:ln>
-            <a:noFill/>
-          </a:ln>
-        </p:spPr>
-        <p:style>
-          <a:lnRef idx="0"/>
-          <a:fillRef idx="0"/>
-          <a:effectRef idx="0"/>
-          <a:fontRef idx="minor"/>
-        </p:style>
-      </p:sp>
-      <p:pic>
-        <p:nvPicPr>
-          <p:cNvPr id="152" name="Picture 4" descr=""/>
-          <p:cNvPicPr/>
-          <p:nvPr/>
-        </p:nvPicPr>
-        <p:blipFill>
-          <a:blip r:embed="rId1"/>
-          <a:srcRect l="0" t="0" r="0" b="4860"/>
-          <a:stretch/>
-        </p:blipFill>
-        <p:spPr>
-          <a:xfrm>
-            <a:off x="10667880" y="274320"/>
-            <a:ext cx="1164960" cy="1260720"/>
-          </a:xfrm>
-          <a:prstGeom prst="rect">
-            <a:avLst/>
-          </a:prstGeom>
-          <a:ln>
-            <a:noFill/>
-          </a:ln>
-        </p:spPr>
-      </p:pic>
-    </p:spTree>
-  </p:cSld>
-  <p:timing>
-    <p:tnLst>
-      <p:par>
-        <p:cTn id="17" dur="indefinite" restart="never" nodeType="tmRoot">
-          <p:childTnLst>
-            <p:seq>
-              <p:cTn id="18" dur="indefinite" nodeType="mainSeq"/>
-              <p:prevCondLst>
-                <p:cond delay="0" evt="onPrev">
-                  <p:tgtEl>
-                    <p:sldTgt/>
-                  </p:tgtEl>
-                </p:cond>
-              </p:prevCondLst>
-              <p:nextCondLst>
-                <p:cond delay="0" evt="onNext">
+                <p:cond evt="onNext" delay="0">
                   <p:tgtEl>
                     <p:sldTgt/>
                   </p:tgtEl>
@@ -8396,31 +9176,31 @@
         <a:sysClr val="window" lastClr="FFFFFF"/>
       </a:lt1>
       <a:dk2>
-        <a:srgbClr val="1f497d"/>
+        <a:srgbClr val="1F497D"/>
       </a:dk2>
       <a:lt2>
-        <a:srgbClr val="eeece1"/>
+        <a:srgbClr val="EEECE1"/>
       </a:lt2>
       <a:accent1>
-        <a:srgbClr val="4f81bd"/>
+        <a:srgbClr val="4F81BD"/>
       </a:accent1>
       <a:accent2>
-        <a:srgbClr val="c0504d"/>
+        <a:srgbClr val="C0504D"/>
       </a:accent2>
       <a:accent3>
-        <a:srgbClr val="9bbb59"/>
+        <a:srgbClr val="9BBB59"/>
       </a:accent3>
       <a:accent4>
-        <a:srgbClr val="8064a2"/>
+        <a:srgbClr val="8064A2"/>
       </a:accent4>
       <a:accent5>
-        <a:srgbClr val="4bacc6"/>
+        <a:srgbClr val="4BACC6"/>
       </a:accent5>
       <a:accent6>
-        <a:srgbClr val="f79646"/>
+        <a:srgbClr val="F79646"/>
       </a:accent6>
       <a:hlink>
-        <a:srgbClr val="0000ff"/>
+        <a:srgbClr val="0000FF"/>
       </a:hlink>
       <a:folHlink>
         <a:srgbClr val="800080"/>
@@ -8605,6 +9385,8 @@
       </a:bgFillStyleLst>
     </a:fmtScheme>
   </a:themeElements>
+  <a:objectDefaults/>
+  <a:extraClrSchemeLst/>
 </a:theme>
 </file>
 
@@ -8619,31 +9401,31 @@
         <a:sysClr val="window" lastClr="FFFFFF"/>
       </a:lt1>
       <a:dk2>
-        <a:srgbClr val="1f497d"/>
+        <a:srgbClr val="1F497D"/>
       </a:dk2>
       <a:lt2>
-        <a:srgbClr val="eeece1"/>
+        <a:srgbClr val="EEECE1"/>
       </a:lt2>
       <a:accent1>
-        <a:srgbClr val="4f81bd"/>
+        <a:srgbClr val="4F81BD"/>
       </a:accent1>
       <a:accent2>
-        <a:srgbClr val="c0504d"/>
+        <a:srgbClr val="C0504D"/>
       </a:accent2>
       <a:accent3>
-        <a:srgbClr val="9bbb59"/>
+        <a:srgbClr val="9BBB59"/>
       </a:accent3>
       <a:accent4>
-        <a:srgbClr val="8064a2"/>
+        <a:srgbClr val="8064A2"/>
       </a:accent4>
       <a:accent5>
-        <a:srgbClr val="4bacc6"/>
+        <a:srgbClr val="4BACC6"/>
       </a:accent5>
       <a:accent6>
-        <a:srgbClr val="f79646"/>
+        <a:srgbClr val="F79646"/>
       </a:accent6>
       <a:hlink>
-        <a:srgbClr val="0000ff"/>
+        <a:srgbClr val="0000FF"/>
       </a:hlink>
       <a:folHlink>
         <a:srgbClr val="800080"/>
@@ -8828,6 +9610,8 @@
       </a:bgFillStyleLst>
     </a:fmtScheme>
   </a:themeElements>
+  <a:objectDefaults/>
+  <a:extraClrSchemeLst/>
 </a:theme>
 </file>
 
@@ -8842,31 +9626,31 @@
         <a:sysClr val="window" lastClr="FFFFFF"/>
       </a:lt1>
       <a:dk2>
-        <a:srgbClr val="1f497d"/>
+        <a:srgbClr val="1F497D"/>
       </a:dk2>
       <a:lt2>
-        <a:srgbClr val="eeece1"/>
+        <a:srgbClr val="EEECE1"/>
       </a:lt2>
       <a:accent1>
-        <a:srgbClr val="4f81bd"/>
+        <a:srgbClr val="4F81BD"/>
       </a:accent1>
       <a:accent2>
-        <a:srgbClr val="c0504d"/>
+        <a:srgbClr val="C0504D"/>
       </a:accent2>
       <a:accent3>
-        <a:srgbClr val="9bbb59"/>
+        <a:srgbClr val="9BBB59"/>
       </a:accent3>
       <a:accent4>
-        <a:srgbClr val="8064a2"/>
+        <a:srgbClr val="8064A2"/>
       </a:accent4>
       <a:accent5>
-        <a:srgbClr val="4bacc6"/>
+        <a:srgbClr val="4BACC6"/>
       </a:accent5>
       <a:accent6>
-        <a:srgbClr val="f79646"/>
+        <a:srgbClr val="F79646"/>
       </a:accent6>
       <a:hlink>
-        <a:srgbClr val="0000ff"/>
+        <a:srgbClr val="0000FF"/>
       </a:hlink>
       <a:folHlink>
         <a:srgbClr val="800080"/>
@@ -9051,5 +9835,7 @@
       </a:bgFillStyleLst>
     </a:fmtScheme>
   </a:themeElements>
+  <a:objectDefaults/>
+  <a:extraClrSchemeLst/>
 </a:theme>
 </file>
--- a/docs/Debugger.pptx
+++ b/docs/Debugger.pptx
@@ -1,127 +1,32 @@
 
 <file path=ppt/presentation.xml><?xml version="1.0" encoding="utf-8"?>
-<p:presentation xmlns:a="http://schemas.openxmlformats.org/drawingml/2006/main" xmlns:r="http://schemas.openxmlformats.org/officeDocument/2006/relationships" xmlns:p="http://schemas.openxmlformats.org/presentationml/2006/main">
+<p:presentation xmlns:a="http://schemas.openxmlformats.org/drawingml/2006/main" xmlns:p="http://schemas.openxmlformats.org/presentationml/2006/main" xmlns:r="http://schemas.openxmlformats.org/officeDocument/2006/relationships" xmlns:p14="http://schemas.microsoft.com/office/powerpoint/2010/main" xmlns:p15="http://schemas.microsoft.com/office/powerpoint/2012/main" xmlns:mc="http://schemas.openxmlformats.org/markup-compatibility/2006">
   <p:sldMasterIdLst>
-    <p:sldMasterId id="2147483648" r:id="rId1"/>
-    <p:sldMasterId id="2147483661" r:id="rId2"/>
-    <p:sldMasterId id="2147483674" r:id="rId3"/>
+    <p:sldMasterId id="2147483648" r:id="rId2"/>
+    <p:sldMasterId id="2147483661" r:id="rId3"/>
+    <p:sldMasterId id="2147483674" r:id="rId4"/>
   </p:sldMasterIdLst>
   <p:sldIdLst>
-    <p:sldId id="256" r:id="rId4"/>
-    <p:sldId id="257" r:id="rId5"/>
-    <p:sldId id="258" r:id="rId6"/>
-    <p:sldId id="259" r:id="rId7"/>
-    <p:sldId id="261" r:id="rId8"/>
-    <p:sldId id="262" r:id="rId9"/>
-    <p:sldId id="265" r:id="rId10"/>
-    <p:sldId id="266" r:id="rId11"/>
-    <p:sldId id="267" r:id="rId12"/>
-    <p:sldId id="268" r:id="rId13"/>
-    <p:sldId id="271" r:id="rId14"/>
-    <p:sldId id="272" r:id="rId15"/>
+    <p:sldId id="256" r:id="rId5"/>
+    <p:sldId id="257" r:id="rId6"/>
+    <p:sldId id="258" r:id="rId7"/>
+    <p:sldId id="259" r:id="rId8"/>
+    <p:sldId id="260" r:id="rId9"/>
+    <p:sldId id="261" r:id="rId10"/>
+    <p:sldId id="262" r:id="rId11"/>
+    <p:sldId id="263" r:id="rId12"/>
+    <p:sldId id="264" r:id="rId13"/>
+    <p:sldId id="265" r:id="rId14"/>
+    <p:sldId id="266" r:id="rId15"/>
+    <p:sldId id="267" r:id="rId16"/>
   </p:sldIdLst>
   <p:sldSz cx="12192000" cy="6858000"/>
   <p:notesSz cx="7772400" cy="10058400"/>
-  <p:defaultTextStyle>
-    <a:defPPr>
-      <a:defRPr lang="en-US"/>
-    </a:defPPr>
-    <a:lvl1pPr marL="0" algn="l" defTabSz="914400" rtl="0" eaLnBrk="1" latinLnBrk="0" hangingPunct="1">
-      <a:defRPr sz="1800" kern="1200">
-        <a:solidFill>
-          <a:schemeClr val="tx1"/>
-        </a:solidFill>
-        <a:latin typeface="+mn-lt"/>
-        <a:ea typeface="+mn-ea"/>
-        <a:cs typeface="+mn-cs"/>
-      </a:defRPr>
-    </a:lvl1pPr>
-    <a:lvl2pPr marL="457200" algn="l" defTabSz="914400" rtl="0" eaLnBrk="1" latinLnBrk="0" hangingPunct="1">
-      <a:defRPr sz="1800" kern="1200">
-        <a:solidFill>
-          <a:schemeClr val="tx1"/>
-        </a:solidFill>
-        <a:latin typeface="+mn-lt"/>
-        <a:ea typeface="+mn-ea"/>
-        <a:cs typeface="+mn-cs"/>
-      </a:defRPr>
-    </a:lvl2pPr>
-    <a:lvl3pPr marL="914400" algn="l" defTabSz="914400" rtl="0" eaLnBrk="1" latinLnBrk="0" hangingPunct="1">
-      <a:defRPr sz="1800" kern="1200">
-        <a:solidFill>
-          <a:schemeClr val="tx1"/>
-        </a:solidFill>
-        <a:latin typeface="+mn-lt"/>
-        <a:ea typeface="+mn-ea"/>
-        <a:cs typeface="+mn-cs"/>
-      </a:defRPr>
-    </a:lvl3pPr>
-    <a:lvl4pPr marL="1371600" algn="l" defTabSz="914400" rtl="0" eaLnBrk="1" latinLnBrk="0" hangingPunct="1">
-      <a:defRPr sz="1800" kern="1200">
-        <a:solidFill>
-          <a:schemeClr val="tx1"/>
-        </a:solidFill>
-        <a:latin typeface="+mn-lt"/>
-        <a:ea typeface="+mn-ea"/>
-        <a:cs typeface="+mn-cs"/>
-      </a:defRPr>
-    </a:lvl4pPr>
-    <a:lvl5pPr marL="1828800" algn="l" defTabSz="914400" rtl="0" eaLnBrk="1" latinLnBrk="0" hangingPunct="1">
-      <a:defRPr sz="1800" kern="1200">
-        <a:solidFill>
-          <a:schemeClr val="tx1"/>
-        </a:solidFill>
-        <a:latin typeface="+mn-lt"/>
-        <a:ea typeface="+mn-ea"/>
-        <a:cs typeface="+mn-cs"/>
-      </a:defRPr>
-    </a:lvl5pPr>
-    <a:lvl6pPr marL="2286000" algn="l" defTabSz="914400" rtl="0" eaLnBrk="1" latinLnBrk="0" hangingPunct="1">
-      <a:defRPr sz="1800" kern="1200">
-        <a:solidFill>
-          <a:schemeClr val="tx1"/>
-        </a:solidFill>
-        <a:latin typeface="+mn-lt"/>
-        <a:ea typeface="+mn-ea"/>
-        <a:cs typeface="+mn-cs"/>
-      </a:defRPr>
-    </a:lvl6pPr>
-    <a:lvl7pPr marL="2743200" algn="l" defTabSz="914400" rtl="0" eaLnBrk="1" latinLnBrk="0" hangingPunct="1">
-      <a:defRPr sz="1800" kern="1200">
-        <a:solidFill>
-          <a:schemeClr val="tx1"/>
-        </a:solidFill>
-        <a:latin typeface="+mn-lt"/>
-        <a:ea typeface="+mn-ea"/>
-        <a:cs typeface="+mn-cs"/>
-      </a:defRPr>
-    </a:lvl7pPr>
-    <a:lvl8pPr marL="3200400" algn="l" defTabSz="914400" rtl="0" eaLnBrk="1" latinLnBrk="0" hangingPunct="1">
-      <a:defRPr sz="1800" kern="1200">
-        <a:solidFill>
-          <a:schemeClr val="tx1"/>
-        </a:solidFill>
-        <a:latin typeface="+mn-lt"/>
-        <a:ea typeface="+mn-ea"/>
-        <a:cs typeface="+mn-cs"/>
-      </a:defRPr>
-    </a:lvl8pPr>
-    <a:lvl9pPr marL="3657600" algn="l" defTabSz="914400" rtl="0" eaLnBrk="1" latinLnBrk="0" hangingPunct="1">
-      <a:defRPr sz="1800" kern="1200">
-        <a:solidFill>
-          <a:schemeClr val="tx1"/>
-        </a:solidFill>
-        <a:latin typeface="+mn-lt"/>
-        <a:ea typeface="+mn-ea"/>
-        <a:cs typeface="+mn-cs"/>
-      </a:defRPr>
-    </a:lvl9pPr>
-  </p:defaultTextStyle>
 </p:presentation>
 </file>
 
 <file path=ppt/slideLayouts/slideLayout1.xml><?xml version="1.0" encoding="utf-8"?>
-<p:sldLayout xmlns:a="http://schemas.openxmlformats.org/drawingml/2006/main" xmlns:r="http://schemas.openxmlformats.org/officeDocument/2006/relationships" xmlns:p="http://schemas.openxmlformats.org/presentationml/2006/main" type="blank" preserve="1">
+<p:sldLayout xmlns:a="http://schemas.openxmlformats.org/drawingml/2006/main" xmlns:p="http://schemas.openxmlformats.org/presentationml/2006/main" xmlns:r="http://schemas.openxmlformats.org/officeDocument/2006/relationships" xmlns:p14="http://schemas.microsoft.com/office/powerpoint/2010/main" xmlns:p15="http://schemas.microsoft.com/office/powerpoint/2012/main" xmlns:mc="http://schemas.openxmlformats.org/markup-compatibility/2006" type="blank" preserve="1">
   <p:cSld name="Blank Slide">
     <p:spTree>
       <p:nvGrpSpPr>
@@ -139,14 +44,11 @@
       </p:grpSpPr>
     </p:spTree>
   </p:cSld>
-  <p:clrMapOvr>
-    <a:masterClrMapping/>
-  </p:clrMapOvr>
 </p:sldLayout>
 </file>
 
 <file path=ppt/slideLayouts/slideLayout10.xml><?xml version="1.0" encoding="utf-8"?>
-<p:sldLayout xmlns:a="http://schemas.openxmlformats.org/drawingml/2006/main" xmlns:r="http://schemas.openxmlformats.org/officeDocument/2006/relationships" xmlns:p="http://schemas.openxmlformats.org/presentationml/2006/main" type="objOverTx" preserve="1">
+<p:sldLayout xmlns:a="http://schemas.openxmlformats.org/drawingml/2006/main" xmlns:p="http://schemas.openxmlformats.org/presentationml/2006/main" xmlns:r="http://schemas.openxmlformats.org/officeDocument/2006/relationships" xmlns:p14="http://schemas.microsoft.com/office/powerpoint/2010/main" xmlns:p15="http://schemas.microsoft.com/office/powerpoint/2012/main" xmlns:mc="http://schemas.openxmlformats.org/markup-compatibility/2006" type="objOverTx" preserve="1">
   <p:cSld name="Title, Content over Content">
     <p:spTree>
       <p:nvGrpSpPr>
@@ -174,18 +76,17 @@
         </p:nvSpPr>
         <p:spPr>
           <a:xfrm>
-            <a:off x="1097280" y="286560"/>
-            <a:ext cx="10057320" cy="1449720"/>
-          </a:xfrm>
-          <a:prstGeom prst="rect">
-            <a:avLst/>
-          </a:prstGeom>
-        </p:spPr>
-        <p:txBody>
-          <a:bodyPr lIns="0" tIns="0" rIns="0" bIns="0" anchor="ctr"/>
-          <a:lstStyle/>
-          <a:p>
-            <a:endParaRPr lang="en-US" sz="1800" b="0" strike="noStrike" spc="-1">
+            <a:off x="609480" y="273600"/>
+            <a:ext cx="10972440" cy="1144800"/>
+          </a:xfrm>
+          <a:prstGeom prst="rect">
+            <a:avLst/>
+          </a:prstGeom>
+        </p:spPr>
+        <p:txBody>
+          <a:bodyPr lIns="0" rIns="0" tIns="0" bIns="0" anchor="ctr"/>
+          <a:p>
+            <a:endParaRPr b="0" lang="en-US" sz="1800" spc="-1" strike="noStrike">
               <a:solidFill>
                 <a:srgbClr val="000000"/>
               </a:solidFill>
@@ -207,19 +108,18 @@
         <p:spPr>
           <a:xfrm>
             <a:off x="609480" y="1604520"/>
-            <a:ext cx="10972080" cy="1896840"/>
-          </a:xfrm>
-          <a:prstGeom prst="rect">
-            <a:avLst/>
-          </a:prstGeom>
-        </p:spPr>
-        <p:txBody>
-          <a:bodyPr lIns="0" tIns="0" rIns="0" bIns="0">
+            <a:ext cx="10972440" cy="1896840"/>
+          </a:xfrm>
+          <a:prstGeom prst="rect">
+            <a:avLst/>
+          </a:prstGeom>
+        </p:spPr>
+        <p:txBody>
+          <a:bodyPr lIns="0" rIns="0" tIns="0" bIns="0">
             <a:normAutofit/>
           </a:bodyPr>
-          <a:lstStyle/>
-          <a:p>
-            <a:endParaRPr lang="en-US" sz="2800" b="0" strike="noStrike" spc="-1">
+          <a:p>
+            <a:endParaRPr b="0" lang="en-US" sz="1800" spc="-1" strike="noStrike">
               <a:solidFill>
                 <a:srgbClr val="000000"/>
               </a:solidFill>
@@ -241,19 +141,18 @@
         <p:spPr>
           <a:xfrm>
             <a:off x="609480" y="3682080"/>
-            <a:ext cx="10972080" cy="1896840"/>
-          </a:xfrm>
-          <a:prstGeom prst="rect">
-            <a:avLst/>
-          </a:prstGeom>
-        </p:spPr>
-        <p:txBody>
-          <a:bodyPr lIns="0" tIns="0" rIns="0" bIns="0">
+            <a:ext cx="10972440" cy="1896840"/>
+          </a:xfrm>
+          <a:prstGeom prst="rect">
+            <a:avLst/>
+          </a:prstGeom>
+        </p:spPr>
+        <p:txBody>
+          <a:bodyPr lIns="0" rIns="0" tIns="0" bIns="0">
             <a:normAutofit/>
           </a:bodyPr>
-          <a:lstStyle/>
-          <a:p>
-            <a:endParaRPr lang="en-US" sz="2800" b="0" strike="noStrike" spc="-1">
+          <a:p>
+            <a:endParaRPr b="0" lang="en-US" sz="1800" spc="-1" strike="noStrike">
               <a:solidFill>
                 <a:srgbClr val="000000"/>
               </a:solidFill>
@@ -264,14 +163,11 @@
       </p:sp>
     </p:spTree>
   </p:cSld>
-  <p:clrMapOvr>
-    <a:masterClrMapping/>
-  </p:clrMapOvr>
 </p:sldLayout>
 </file>
 
 <file path=ppt/slideLayouts/slideLayout11.xml><?xml version="1.0" encoding="utf-8"?>
-<p:sldLayout xmlns:a="http://schemas.openxmlformats.org/drawingml/2006/main" xmlns:r="http://schemas.openxmlformats.org/officeDocument/2006/relationships" xmlns:p="http://schemas.openxmlformats.org/presentationml/2006/main" type="fourObj" preserve="1">
+<p:sldLayout xmlns:a="http://schemas.openxmlformats.org/drawingml/2006/main" xmlns:p="http://schemas.openxmlformats.org/presentationml/2006/main" xmlns:r="http://schemas.openxmlformats.org/officeDocument/2006/relationships" xmlns:p14="http://schemas.microsoft.com/office/powerpoint/2010/main" xmlns:p15="http://schemas.microsoft.com/office/powerpoint/2012/main" xmlns:mc="http://schemas.openxmlformats.org/markup-compatibility/2006" type="fourObj" preserve="1">
   <p:cSld name="Title, 4 Content">
     <p:spTree>
       <p:nvGrpSpPr>
@@ -299,18 +195,17 @@
         </p:nvSpPr>
         <p:spPr>
           <a:xfrm>
-            <a:off x="1097280" y="286560"/>
-            <a:ext cx="10057320" cy="1449720"/>
-          </a:xfrm>
-          <a:prstGeom prst="rect">
-            <a:avLst/>
-          </a:prstGeom>
-        </p:spPr>
-        <p:txBody>
-          <a:bodyPr lIns="0" tIns="0" rIns="0" bIns="0" anchor="ctr"/>
-          <a:lstStyle/>
-          <a:p>
-            <a:endParaRPr lang="en-US" sz="1800" b="0" strike="noStrike" spc="-1">
+            <a:off x="609480" y="273600"/>
+            <a:ext cx="10972440" cy="1144800"/>
+          </a:xfrm>
+          <a:prstGeom prst="rect">
+            <a:avLst/>
+          </a:prstGeom>
+        </p:spPr>
+        <p:txBody>
+          <a:bodyPr lIns="0" rIns="0" tIns="0" bIns="0" anchor="ctr"/>
+          <a:p>
+            <a:endParaRPr b="0" lang="en-US" sz="1800" spc="-1" strike="noStrike">
               <a:solidFill>
                 <a:srgbClr val="000000"/>
               </a:solidFill>
@@ -339,12 +234,11 @@
           </a:prstGeom>
         </p:spPr>
         <p:txBody>
-          <a:bodyPr lIns="0" tIns="0" rIns="0" bIns="0">
+          <a:bodyPr lIns="0" rIns="0" tIns="0" bIns="0">
             <a:normAutofit/>
           </a:bodyPr>
-          <a:lstStyle/>
-          <a:p>
-            <a:endParaRPr lang="en-US" sz="2800" b="0" strike="noStrike" spc="-1">
+          <a:p>
+            <a:endParaRPr b="0" lang="en-US" sz="1800" spc="-1" strike="noStrike">
               <a:solidFill>
                 <a:srgbClr val="000000"/>
               </a:solidFill>
@@ -373,12 +267,11 @@
           </a:prstGeom>
         </p:spPr>
         <p:txBody>
-          <a:bodyPr lIns="0" tIns="0" rIns="0" bIns="0">
+          <a:bodyPr lIns="0" rIns="0" tIns="0" bIns="0">
             <a:normAutofit/>
           </a:bodyPr>
-          <a:lstStyle/>
-          <a:p>
-            <a:endParaRPr lang="en-US" sz="2800" b="0" strike="noStrike" spc="-1">
+          <a:p>
+            <a:endParaRPr b="0" lang="en-US" sz="1800" spc="-1" strike="noStrike">
               <a:solidFill>
                 <a:srgbClr val="000000"/>
               </a:solidFill>
@@ -407,12 +300,11 @@
           </a:prstGeom>
         </p:spPr>
         <p:txBody>
-          <a:bodyPr lIns="0" tIns="0" rIns="0" bIns="0">
+          <a:bodyPr lIns="0" rIns="0" tIns="0" bIns="0">
             <a:normAutofit/>
           </a:bodyPr>
-          <a:lstStyle/>
-          <a:p>
-            <a:endParaRPr lang="en-US" sz="2800" b="0" strike="noStrike" spc="-1">
+          <a:p>
+            <a:endParaRPr b="0" lang="en-US" sz="1800" spc="-1" strike="noStrike">
               <a:solidFill>
                 <a:srgbClr val="000000"/>
               </a:solidFill>
@@ -441,12 +333,11 @@
           </a:prstGeom>
         </p:spPr>
         <p:txBody>
-          <a:bodyPr lIns="0" tIns="0" rIns="0" bIns="0">
+          <a:bodyPr lIns="0" rIns="0" tIns="0" bIns="0">
             <a:normAutofit/>
           </a:bodyPr>
-          <a:lstStyle/>
-          <a:p>
-            <a:endParaRPr lang="en-US" sz="2800" b="0" strike="noStrike" spc="-1">
+          <a:p>
+            <a:endParaRPr b="0" lang="en-US" sz="1800" spc="-1" strike="noStrike">
               <a:solidFill>
                 <a:srgbClr val="000000"/>
               </a:solidFill>
@@ -457,14 +348,11 @@
       </p:sp>
     </p:spTree>
   </p:cSld>
-  <p:clrMapOvr>
-    <a:masterClrMapping/>
-  </p:clrMapOvr>
 </p:sldLayout>
 </file>
 
 <file path=ppt/slideLayouts/slideLayout12.xml><?xml version="1.0" encoding="utf-8"?>
-<p:sldLayout xmlns:a="http://schemas.openxmlformats.org/drawingml/2006/main" xmlns:r="http://schemas.openxmlformats.org/officeDocument/2006/relationships" xmlns:p="http://schemas.openxmlformats.org/presentationml/2006/main" type="blank" preserve="1">
+<p:sldLayout xmlns:a="http://schemas.openxmlformats.org/drawingml/2006/main" xmlns:p="http://schemas.openxmlformats.org/presentationml/2006/main" xmlns:r="http://schemas.openxmlformats.org/officeDocument/2006/relationships" xmlns:p14="http://schemas.microsoft.com/office/powerpoint/2010/main" xmlns:p15="http://schemas.microsoft.com/office/powerpoint/2012/main" xmlns:mc="http://schemas.openxmlformats.org/markup-compatibility/2006" type="blank" preserve="1">
   <p:cSld name="Title, 6 Content">
     <p:spTree>
       <p:nvGrpSpPr>
@@ -492,18 +380,17 @@
         </p:nvSpPr>
         <p:spPr>
           <a:xfrm>
-            <a:off x="1097280" y="286560"/>
-            <a:ext cx="10057320" cy="1449720"/>
-          </a:xfrm>
-          <a:prstGeom prst="rect">
-            <a:avLst/>
-          </a:prstGeom>
-        </p:spPr>
-        <p:txBody>
-          <a:bodyPr lIns="0" tIns="0" rIns="0" bIns="0" anchor="ctr"/>
-          <a:lstStyle/>
-          <a:p>
-            <a:endParaRPr lang="en-US" sz="1800" b="0" strike="noStrike" spc="-1">
+            <a:off x="609480" y="273600"/>
+            <a:ext cx="10972440" cy="1144800"/>
+          </a:xfrm>
+          <a:prstGeom prst="rect">
+            <a:avLst/>
+          </a:prstGeom>
+        </p:spPr>
+        <p:txBody>
+          <a:bodyPr lIns="0" rIns="0" tIns="0" bIns="0" anchor="ctr"/>
+          <a:p>
+            <a:endParaRPr b="0" lang="en-US" sz="1800" spc="-1" strike="noStrike">
               <a:solidFill>
                 <a:srgbClr val="000000"/>
               </a:solidFill>
@@ -525,19 +412,18 @@
         <p:spPr>
           <a:xfrm>
             <a:off x="609480" y="1604520"/>
-            <a:ext cx="3532680" cy="1896840"/>
-          </a:xfrm>
-          <a:prstGeom prst="rect">
-            <a:avLst/>
-          </a:prstGeom>
-        </p:spPr>
-        <p:txBody>
-          <a:bodyPr lIns="0" tIns="0" rIns="0" bIns="0">
+            <a:ext cx="3533040" cy="1896840"/>
+          </a:xfrm>
+          <a:prstGeom prst="rect">
+            <a:avLst/>
+          </a:prstGeom>
+        </p:spPr>
+        <p:txBody>
+          <a:bodyPr lIns="0" rIns="0" tIns="0" bIns="0">
             <a:normAutofit/>
           </a:bodyPr>
-          <a:lstStyle/>
-          <a:p>
-            <a:endParaRPr lang="en-US" sz="2800" b="0" strike="noStrike" spc="-1">
+          <a:p>
+            <a:endParaRPr b="0" lang="en-US" sz="1800" spc="-1" strike="noStrike">
               <a:solidFill>
                 <a:srgbClr val="000000"/>
               </a:solidFill>
@@ -558,20 +444,19 @@
         </p:nvSpPr>
         <p:spPr>
           <a:xfrm>
-            <a:off x="4319280" y="1604520"/>
-            <a:ext cx="3532680" cy="1896840"/>
-          </a:xfrm>
-          <a:prstGeom prst="rect">
-            <a:avLst/>
-          </a:prstGeom>
-        </p:spPr>
-        <p:txBody>
-          <a:bodyPr lIns="0" tIns="0" rIns="0" bIns="0">
+            <a:off x="4319640" y="1604520"/>
+            <a:ext cx="3533040" cy="1896840"/>
+          </a:xfrm>
+          <a:prstGeom prst="rect">
+            <a:avLst/>
+          </a:prstGeom>
+        </p:spPr>
+        <p:txBody>
+          <a:bodyPr lIns="0" rIns="0" tIns="0" bIns="0">
             <a:normAutofit/>
           </a:bodyPr>
-          <a:lstStyle/>
-          <a:p>
-            <a:endParaRPr lang="en-US" sz="2800" b="0" strike="noStrike" spc="-1">
+          <a:p>
+            <a:endParaRPr b="0" lang="en-US" sz="1800" spc="-1" strike="noStrike">
               <a:solidFill>
                 <a:srgbClr val="000000"/>
               </a:solidFill>
@@ -592,20 +477,19 @@
         </p:nvSpPr>
         <p:spPr>
           <a:xfrm>
-            <a:off x="8028720" y="1604520"/>
-            <a:ext cx="3532680" cy="1896840"/>
-          </a:xfrm>
-          <a:prstGeom prst="rect">
-            <a:avLst/>
-          </a:prstGeom>
-        </p:spPr>
-        <p:txBody>
-          <a:bodyPr lIns="0" tIns="0" rIns="0" bIns="0">
+            <a:off x="8029800" y="1604520"/>
+            <a:ext cx="3533040" cy="1896840"/>
+          </a:xfrm>
+          <a:prstGeom prst="rect">
+            <a:avLst/>
+          </a:prstGeom>
+        </p:spPr>
+        <p:txBody>
+          <a:bodyPr lIns="0" rIns="0" tIns="0" bIns="0">
             <a:normAutofit/>
           </a:bodyPr>
-          <a:lstStyle/>
-          <a:p>
-            <a:endParaRPr lang="en-US" sz="2800" b="0" strike="noStrike" spc="-1">
+          <a:p>
+            <a:endParaRPr b="0" lang="en-US" sz="1800" spc="-1" strike="noStrike">
               <a:solidFill>
                 <a:srgbClr val="000000"/>
               </a:solidFill>
@@ -627,19 +511,18 @@
         <p:spPr>
           <a:xfrm>
             <a:off x="609480" y="3682080"/>
-            <a:ext cx="3532680" cy="1896840"/>
-          </a:xfrm>
-          <a:prstGeom prst="rect">
-            <a:avLst/>
-          </a:prstGeom>
-        </p:spPr>
-        <p:txBody>
-          <a:bodyPr lIns="0" tIns="0" rIns="0" bIns="0">
+            <a:ext cx="3533040" cy="1896840"/>
+          </a:xfrm>
+          <a:prstGeom prst="rect">
+            <a:avLst/>
+          </a:prstGeom>
+        </p:spPr>
+        <p:txBody>
+          <a:bodyPr lIns="0" rIns="0" tIns="0" bIns="0">
             <a:normAutofit/>
           </a:bodyPr>
-          <a:lstStyle/>
-          <a:p>
-            <a:endParaRPr lang="en-US" sz="2800" b="0" strike="noStrike" spc="-1">
+          <a:p>
+            <a:endParaRPr b="0" lang="en-US" sz="1800" spc="-1" strike="noStrike">
               <a:solidFill>
                 <a:srgbClr val="000000"/>
               </a:solidFill>
@@ -660,20 +543,19 @@
         </p:nvSpPr>
         <p:spPr>
           <a:xfrm>
-            <a:off x="4319280" y="3682080"/>
-            <a:ext cx="3532680" cy="1896840"/>
-          </a:xfrm>
-          <a:prstGeom prst="rect">
-            <a:avLst/>
-          </a:prstGeom>
-        </p:spPr>
-        <p:txBody>
-          <a:bodyPr lIns="0" tIns="0" rIns="0" bIns="0">
+            <a:off x="4319640" y="3682080"/>
+            <a:ext cx="3533040" cy="1896840"/>
+          </a:xfrm>
+          <a:prstGeom prst="rect">
+            <a:avLst/>
+          </a:prstGeom>
+        </p:spPr>
+        <p:txBody>
+          <a:bodyPr lIns="0" rIns="0" tIns="0" bIns="0">
             <a:normAutofit/>
           </a:bodyPr>
-          <a:lstStyle/>
-          <a:p>
-            <a:endParaRPr lang="en-US" sz="2800" b="0" strike="noStrike" spc="-1">
+          <a:p>
+            <a:endParaRPr b="0" lang="en-US" sz="1800" spc="-1" strike="noStrike">
               <a:solidFill>
                 <a:srgbClr val="000000"/>
               </a:solidFill>
@@ -694,20 +576,19 @@
         </p:nvSpPr>
         <p:spPr>
           <a:xfrm>
-            <a:off x="8028720" y="3682080"/>
-            <a:ext cx="3532680" cy="1896840"/>
-          </a:xfrm>
-          <a:prstGeom prst="rect">
-            <a:avLst/>
-          </a:prstGeom>
-        </p:spPr>
-        <p:txBody>
-          <a:bodyPr lIns="0" tIns="0" rIns="0" bIns="0">
+            <a:off x="8029800" y="3682080"/>
+            <a:ext cx="3533040" cy="1896840"/>
+          </a:xfrm>
+          <a:prstGeom prst="rect">
+            <a:avLst/>
+          </a:prstGeom>
+        </p:spPr>
+        <p:txBody>
+          <a:bodyPr lIns="0" rIns="0" tIns="0" bIns="0">
             <a:normAutofit/>
           </a:bodyPr>
-          <a:lstStyle/>
-          <a:p>
-            <a:endParaRPr lang="en-US" sz="2800" b="0" strike="noStrike" spc="-1">
+          <a:p>
+            <a:endParaRPr b="0" lang="en-US" sz="1800" spc="-1" strike="noStrike">
               <a:solidFill>
                 <a:srgbClr val="000000"/>
               </a:solidFill>
@@ -718,14 +599,11 @@
       </p:sp>
     </p:spTree>
   </p:cSld>
-  <p:clrMapOvr>
-    <a:masterClrMapping/>
-  </p:clrMapOvr>
 </p:sldLayout>
 </file>
 
 <file path=ppt/slideLayouts/slideLayout13.xml><?xml version="1.0" encoding="utf-8"?>
-<p:sldLayout xmlns:a="http://schemas.openxmlformats.org/drawingml/2006/main" xmlns:r="http://schemas.openxmlformats.org/officeDocument/2006/relationships" xmlns:p="http://schemas.openxmlformats.org/presentationml/2006/main" type="blank" preserve="1">
+<p:sldLayout xmlns:a="http://schemas.openxmlformats.org/drawingml/2006/main" xmlns:p="http://schemas.openxmlformats.org/presentationml/2006/main" xmlns:r="http://schemas.openxmlformats.org/officeDocument/2006/relationships" xmlns:p14="http://schemas.microsoft.com/office/powerpoint/2010/main" xmlns:p15="http://schemas.microsoft.com/office/powerpoint/2012/main" xmlns:mc="http://schemas.openxmlformats.org/markup-compatibility/2006" type="blank" preserve="1">
   <p:cSld name="Blank Slide">
     <p:spTree>
       <p:nvGrpSpPr>
@@ -743,14 +621,11 @@
       </p:grpSpPr>
     </p:spTree>
   </p:cSld>
-  <p:clrMapOvr>
-    <a:masterClrMapping/>
-  </p:clrMapOvr>
 </p:sldLayout>
 </file>
 
 <file path=ppt/slideLayouts/slideLayout14.xml><?xml version="1.0" encoding="utf-8"?>
-<p:sldLayout xmlns:a="http://schemas.openxmlformats.org/drawingml/2006/main" xmlns:r="http://schemas.openxmlformats.org/officeDocument/2006/relationships" xmlns:p="http://schemas.openxmlformats.org/presentationml/2006/main" type="tx" preserve="1">
+<p:sldLayout xmlns:a="http://schemas.openxmlformats.org/drawingml/2006/main" xmlns:p="http://schemas.openxmlformats.org/presentationml/2006/main" xmlns:r="http://schemas.openxmlformats.org/officeDocument/2006/relationships" xmlns:p14="http://schemas.microsoft.com/office/powerpoint/2010/main" xmlns:p15="http://schemas.microsoft.com/office/powerpoint/2012/main" xmlns:mc="http://schemas.openxmlformats.org/markup-compatibility/2006" type="tx" preserve="1">
   <p:cSld name="Title Slide">
     <p:spTree>
       <p:nvGrpSpPr>
@@ -778,18 +653,17 @@
         </p:nvSpPr>
         <p:spPr>
           <a:xfrm>
-            <a:off x="1097280" y="286560"/>
-            <a:ext cx="10057320" cy="1449720"/>
-          </a:xfrm>
-          <a:prstGeom prst="rect">
-            <a:avLst/>
-          </a:prstGeom>
-        </p:spPr>
-        <p:txBody>
-          <a:bodyPr lIns="0" tIns="0" rIns="0" bIns="0" anchor="ctr"/>
-          <a:lstStyle/>
-          <a:p>
-            <a:endParaRPr lang="en-US" sz="1800" b="0" strike="noStrike" spc="-1">
+            <a:off x="609480" y="273600"/>
+            <a:ext cx="10972440" cy="1144800"/>
+          </a:xfrm>
+          <a:prstGeom prst="rect">
+            <a:avLst/>
+          </a:prstGeom>
+        </p:spPr>
+        <p:txBody>
+          <a:bodyPr lIns="0" rIns="0" tIns="0" bIns="0" anchor="ctr"/>
+          <a:p>
+            <a:endParaRPr b="0" lang="en-US" sz="1800" spc="-1" strike="noStrike">
               <a:solidFill>
                 <a:srgbClr val="000000"/>
               </a:solidFill>
@@ -811,18 +685,17 @@
         <p:spPr>
           <a:xfrm>
             <a:off x="609480" y="1604520"/>
-            <a:ext cx="10972080" cy="3976920"/>
-          </a:xfrm>
-          <a:prstGeom prst="rect">
-            <a:avLst/>
-          </a:prstGeom>
-        </p:spPr>
-        <p:txBody>
-          <a:bodyPr lIns="0" tIns="0" rIns="0" bIns="0" anchor="ctr"/>
-          <a:lstStyle/>
+            <a:ext cx="10972440" cy="3977280"/>
+          </a:xfrm>
+          <a:prstGeom prst="rect">
+            <a:avLst/>
+          </a:prstGeom>
+        </p:spPr>
+        <p:txBody>
+          <a:bodyPr lIns="0" rIns="0" tIns="0" bIns="0" anchor="ctr"/>
           <a:p>
             <a:pPr algn="ctr"/>
-            <a:endParaRPr lang="en-US" sz="3200" b="0" strike="noStrike" spc="-1">
+            <a:endParaRPr b="0" lang="en-US" sz="3200" spc="-1" strike="noStrike">
               <a:latin typeface="Arial"/>
             </a:endParaRPr>
           </a:p>
@@ -830,14 +703,11 @@
       </p:sp>
     </p:spTree>
   </p:cSld>
-  <p:clrMapOvr>
-    <a:masterClrMapping/>
-  </p:clrMapOvr>
 </p:sldLayout>
 </file>
 
 <file path=ppt/slideLayouts/slideLayout15.xml><?xml version="1.0" encoding="utf-8"?>
-<p:sldLayout xmlns:a="http://schemas.openxmlformats.org/drawingml/2006/main" xmlns:r="http://schemas.openxmlformats.org/officeDocument/2006/relationships" xmlns:p="http://schemas.openxmlformats.org/presentationml/2006/main" type="obj" preserve="1">
+<p:sldLayout xmlns:a="http://schemas.openxmlformats.org/drawingml/2006/main" xmlns:p="http://schemas.openxmlformats.org/presentationml/2006/main" xmlns:r="http://schemas.openxmlformats.org/officeDocument/2006/relationships" xmlns:p14="http://schemas.microsoft.com/office/powerpoint/2010/main" xmlns:p15="http://schemas.microsoft.com/office/powerpoint/2012/main" xmlns:mc="http://schemas.openxmlformats.org/markup-compatibility/2006" type="obj" preserve="1">
   <p:cSld name="Title, Content">
     <p:spTree>
       <p:nvGrpSpPr>
@@ -865,18 +735,17 @@
         </p:nvSpPr>
         <p:spPr>
           <a:xfrm>
-            <a:off x="1097280" y="286560"/>
-            <a:ext cx="10057320" cy="1449720"/>
-          </a:xfrm>
-          <a:prstGeom prst="rect">
-            <a:avLst/>
-          </a:prstGeom>
-        </p:spPr>
-        <p:txBody>
-          <a:bodyPr lIns="0" tIns="0" rIns="0" bIns="0" anchor="ctr"/>
-          <a:lstStyle/>
-          <a:p>
-            <a:endParaRPr lang="en-US" sz="1800" b="0" strike="noStrike" spc="-1">
+            <a:off x="609480" y="273600"/>
+            <a:ext cx="10972440" cy="1144800"/>
+          </a:xfrm>
+          <a:prstGeom prst="rect">
+            <a:avLst/>
+          </a:prstGeom>
+        </p:spPr>
+        <p:txBody>
+          <a:bodyPr lIns="0" rIns="0" tIns="0" bIns="0" anchor="ctr"/>
+          <a:p>
+            <a:endParaRPr b="0" lang="en-US" sz="1800" spc="-1" strike="noStrike">
               <a:solidFill>
                 <a:srgbClr val="000000"/>
               </a:solidFill>
@@ -898,19 +767,18 @@
         <p:spPr>
           <a:xfrm>
             <a:off x="609480" y="1604520"/>
-            <a:ext cx="10972080" cy="3976920"/>
-          </a:xfrm>
-          <a:prstGeom prst="rect">
-            <a:avLst/>
-          </a:prstGeom>
-        </p:spPr>
-        <p:txBody>
-          <a:bodyPr lIns="0" tIns="0" rIns="0" bIns="0">
+            <a:ext cx="10972440" cy="3977280"/>
+          </a:xfrm>
+          <a:prstGeom prst="rect">
+            <a:avLst/>
+          </a:prstGeom>
+        </p:spPr>
+        <p:txBody>
+          <a:bodyPr lIns="0" rIns="0" tIns="0" bIns="0">
             <a:normAutofit/>
           </a:bodyPr>
-          <a:lstStyle/>
-          <a:p>
-            <a:endParaRPr lang="en-US" sz="2800" b="0" strike="noStrike" spc="-1">
+          <a:p>
+            <a:endParaRPr b="0" lang="en-US" sz="1800" spc="-1" strike="noStrike">
               <a:solidFill>
                 <a:srgbClr val="000000"/>
               </a:solidFill>
@@ -921,14 +789,11 @@
       </p:sp>
     </p:spTree>
   </p:cSld>
-  <p:clrMapOvr>
-    <a:masterClrMapping/>
-  </p:clrMapOvr>
 </p:sldLayout>
 </file>
 
 <file path=ppt/slideLayouts/slideLayout16.xml><?xml version="1.0" encoding="utf-8"?>
-<p:sldLayout xmlns:a="http://schemas.openxmlformats.org/drawingml/2006/main" xmlns:r="http://schemas.openxmlformats.org/officeDocument/2006/relationships" xmlns:p="http://schemas.openxmlformats.org/presentationml/2006/main" type="twoObj" preserve="1">
+<p:sldLayout xmlns:a="http://schemas.openxmlformats.org/drawingml/2006/main" xmlns:p="http://schemas.openxmlformats.org/presentationml/2006/main" xmlns:r="http://schemas.openxmlformats.org/officeDocument/2006/relationships" xmlns:p14="http://schemas.microsoft.com/office/powerpoint/2010/main" xmlns:p15="http://schemas.microsoft.com/office/powerpoint/2012/main" xmlns:mc="http://schemas.openxmlformats.org/markup-compatibility/2006" type="twoObj" preserve="1">
   <p:cSld name="Title, 2 Content">
     <p:spTree>
       <p:nvGrpSpPr>
@@ -956,18 +821,17 @@
         </p:nvSpPr>
         <p:spPr>
           <a:xfrm>
-            <a:off x="1097280" y="286560"/>
-            <a:ext cx="10057320" cy="1449720"/>
-          </a:xfrm>
-          <a:prstGeom prst="rect">
-            <a:avLst/>
-          </a:prstGeom>
-        </p:spPr>
-        <p:txBody>
-          <a:bodyPr lIns="0" tIns="0" rIns="0" bIns="0" anchor="ctr"/>
-          <a:lstStyle/>
-          <a:p>
-            <a:endParaRPr lang="en-US" sz="1800" b="0" strike="noStrike" spc="-1">
+            <a:off x="609480" y="273600"/>
+            <a:ext cx="10972440" cy="1144800"/>
+          </a:xfrm>
+          <a:prstGeom prst="rect">
+            <a:avLst/>
+          </a:prstGeom>
+        </p:spPr>
+        <p:txBody>
+          <a:bodyPr lIns="0" rIns="0" tIns="0" bIns="0" anchor="ctr"/>
+          <a:p>
+            <a:endParaRPr b="0" lang="en-US" sz="1800" spc="-1" strike="noStrike">
               <a:solidFill>
                 <a:srgbClr val="000000"/>
               </a:solidFill>
@@ -989,19 +853,18 @@
         <p:spPr>
           <a:xfrm>
             <a:off x="609480" y="1604520"/>
-            <a:ext cx="5354280" cy="3976920"/>
-          </a:xfrm>
-          <a:prstGeom prst="rect">
-            <a:avLst/>
-          </a:prstGeom>
-        </p:spPr>
-        <p:txBody>
-          <a:bodyPr lIns="0" tIns="0" rIns="0" bIns="0">
+            <a:ext cx="5354280" cy="3977280"/>
+          </a:xfrm>
+          <a:prstGeom prst="rect">
+            <a:avLst/>
+          </a:prstGeom>
+        </p:spPr>
+        <p:txBody>
+          <a:bodyPr lIns="0" rIns="0" tIns="0" bIns="0">
             <a:normAutofit/>
           </a:bodyPr>
-          <a:lstStyle/>
-          <a:p>
-            <a:endParaRPr lang="en-US" sz="2800" b="0" strike="noStrike" spc="-1">
+          <a:p>
+            <a:endParaRPr b="0" lang="en-US" sz="1800" spc="-1" strike="noStrike">
               <a:solidFill>
                 <a:srgbClr val="000000"/>
               </a:solidFill>
@@ -1023,19 +886,18 @@
         <p:spPr>
           <a:xfrm>
             <a:off x="6231960" y="1604520"/>
-            <a:ext cx="5354280" cy="3976920"/>
-          </a:xfrm>
-          <a:prstGeom prst="rect">
-            <a:avLst/>
-          </a:prstGeom>
-        </p:spPr>
-        <p:txBody>
-          <a:bodyPr lIns="0" tIns="0" rIns="0" bIns="0">
+            <a:ext cx="5354280" cy="3977280"/>
+          </a:xfrm>
+          <a:prstGeom prst="rect">
+            <a:avLst/>
+          </a:prstGeom>
+        </p:spPr>
+        <p:txBody>
+          <a:bodyPr lIns="0" rIns="0" tIns="0" bIns="0">
             <a:normAutofit/>
           </a:bodyPr>
-          <a:lstStyle/>
-          <a:p>
-            <a:endParaRPr lang="en-US" sz="2800" b="0" strike="noStrike" spc="-1">
+          <a:p>
+            <a:endParaRPr b="0" lang="en-US" sz="1800" spc="-1" strike="noStrike">
               <a:solidFill>
                 <a:srgbClr val="000000"/>
               </a:solidFill>
@@ -1046,14 +908,11 @@
       </p:sp>
     </p:spTree>
   </p:cSld>
-  <p:clrMapOvr>
-    <a:masterClrMapping/>
-  </p:clrMapOvr>
 </p:sldLayout>
 </file>
 
 <file path=ppt/slideLayouts/slideLayout17.xml><?xml version="1.0" encoding="utf-8"?>
-<p:sldLayout xmlns:a="http://schemas.openxmlformats.org/drawingml/2006/main" xmlns:r="http://schemas.openxmlformats.org/officeDocument/2006/relationships" xmlns:p="http://schemas.openxmlformats.org/presentationml/2006/main" type="titleOnly" preserve="1">
+<p:sldLayout xmlns:a="http://schemas.openxmlformats.org/drawingml/2006/main" xmlns:p="http://schemas.openxmlformats.org/presentationml/2006/main" xmlns:r="http://schemas.openxmlformats.org/officeDocument/2006/relationships" xmlns:p14="http://schemas.microsoft.com/office/powerpoint/2010/main" xmlns:p15="http://schemas.microsoft.com/office/powerpoint/2012/main" xmlns:mc="http://schemas.openxmlformats.org/markup-compatibility/2006" type="titleOnly" preserve="1">
   <p:cSld name="Title Only">
     <p:spTree>
       <p:nvGrpSpPr>
@@ -1081,18 +940,17 @@
         </p:nvSpPr>
         <p:spPr>
           <a:xfrm>
-            <a:off x="1097280" y="286560"/>
-            <a:ext cx="10057320" cy="1449720"/>
-          </a:xfrm>
-          <a:prstGeom prst="rect">
-            <a:avLst/>
-          </a:prstGeom>
-        </p:spPr>
-        <p:txBody>
-          <a:bodyPr lIns="0" tIns="0" rIns="0" bIns="0" anchor="ctr"/>
-          <a:lstStyle/>
-          <a:p>
-            <a:endParaRPr lang="en-US" sz="1800" b="0" strike="noStrike" spc="-1">
+            <a:off x="609480" y="273600"/>
+            <a:ext cx="10972440" cy="1144800"/>
+          </a:xfrm>
+          <a:prstGeom prst="rect">
+            <a:avLst/>
+          </a:prstGeom>
+        </p:spPr>
+        <p:txBody>
+          <a:bodyPr lIns="0" rIns="0" tIns="0" bIns="0" anchor="ctr"/>
+          <a:p>
+            <a:endParaRPr b="0" lang="en-US" sz="1800" spc="-1" strike="noStrike">
               <a:solidFill>
                 <a:srgbClr val="000000"/>
               </a:solidFill>
@@ -1103,14 +961,11 @@
       </p:sp>
     </p:spTree>
   </p:cSld>
-  <p:clrMapOvr>
-    <a:masterClrMapping/>
-  </p:clrMapOvr>
 </p:sldLayout>
 </file>
 
 <file path=ppt/slideLayouts/slideLayout18.xml><?xml version="1.0" encoding="utf-8"?>
-<p:sldLayout xmlns:a="http://schemas.openxmlformats.org/drawingml/2006/main" xmlns:r="http://schemas.openxmlformats.org/officeDocument/2006/relationships" xmlns:p="http://schemas.openxmlformats.org/presentationml/2006/main" type="objOnly" preserve="1">
+<p:sldLayout xmlns:a="http://schemas.openxmlformats.org/drawingml/2006/main" xmlns:p="http://schemas.openxmlformats.org/presentationml/2006/main" xmlns:r="http://schemas.openxmlformats.org/officeDocument/2006/relationships" xmlns:p14="http://schemas.microsoft.com/office/powerpoint/2010/main" xmlns:p15="http://schemas.microsoft.com/office/powerpoint/2012/main" xmlns:mc="http://schemas.openxmlformats.org/markup-compatibility/2006" type="objOnly" preserve="1">
   <p:cSld name="Centered Text">
     <p:spTree>
       <p:nvGrpSpPr>
@@ -1138,19 +993,18 @@
         </p:nvSpPr>
         <p:spPr>
           <a:xfrm>
-            <a:off x="1097280" y="286560"/>
-            <a:ext cx="10057320" cy="6721200"/>
-          </a:xfrm>
-          <a:prstGeom prst="rect">
-            <a:avLst/>
-          </a:prstGeom>
-        </p:spPr>
-        <p:txBody>
-          <a:bodyPr lIns="0" tIns="0" rIns="0" bIns="0" anchor="ctr"/>
-          <a:lstStyle/>
+            <a:off x="609480" y="273600"/>
+            <a:ext cx="10972440" cy="5307840"/>
+          </a:xfrm>
+          <a:prstGeom prst="rect">
+            <a:avLst/>
+          </a:prstGeom>
+        </p:spPr>
+        <p:txBody>
+          <a:bodyPr lIns="0" rIns="0" tIns="0" bIns="0" anchor="ctr"/>
           <a:p>
             <a:pPr algn="ctr"/>
-            <a:endParaRPr lang="en-US" sz="3200" b="0" strike="noStrike" spc="-1">
+            <a:endParaRPr b="0" lang="en-US" sz="3200" spc="-1" strike="noStrike">
               <a:latin typeface="Arial"/>
             </a:endParaRPr>
           </a:p>
@@ -1158,14 +1012,11 @@
       </p:sp>
     </p:spTree>
   </p:cSld>
-  <p:clrMapOvr>
-    <a:masterClrMapping/>
-  </p:clrMapOvr>
 </p:sldLayout>
 </file>
 
 <file path=ppt/slideLayouts/slideLayout19.xml><?xml version="1.0" encoding="utf-8"?>
-<p:sldLayout xmlns:a="http://schemas.openxmlformats.org/drawingml/2006/main" xmlns:r="http://schemas.openxmlformats.org/officeDocument/2006/relationships" xmlns:p="http://schemas.openxmlformats.org/presentationml/2006/main" type="twoObjAndObj" preserve="1">
+<p:sldLayout xmlns:a="http://schemas.openxmlformats.org/drawingml/2006/main" xmlns:p="http://schemas.openxmlformats.org/presentationml/2006/main" xmlns:r="http://schemas.openxmlformats.org/officeDocument/2006/relationships" xmlns:p14="http://schemas.microsoft.com/office/powerpoint/2010/main" xmlns:p15="http://schemas.microsoft.com/office/powerpoint/2012/main" xmlns:mc="http://schemas.openxmlformats.org/markup-compatibility/2006" type="twoObjAndObj" preserve="1">
   <p:cSld name="Title, 2 Content and Content">
     <p:spTree>
       <p:nvGrpSpPr>
@@ -1193,18 +1044,17 @@
         </p:nvSpPr>
         <p:spPr>
           <a:xfrm>
-            <a:off x="1097280" y="286560"/>
-            <a:ext cx="10057320" cy="1449720"/>
-          </a:xfrm>
-          <a:prstGeom prst="rect">
-            <a:avLst/>
-          </a:prstGeom>
-        </p:spPr>
-        <p:txBody>
-          <a:bodyPr lIns="0" tIns="0" rIns="0" bIns="0" anchor="ctr"/>
-          <a:lstStyle/>
-          <a:p>
-            <a:endParaRPr lang="en-US" sz="1800" b="0" strike="noStrike" spc="-1">
+            <a:off x="609480" y="273600"/>
+            <a:ext cx="10972440" cy="1144800"/>
+          </a:xfrm>
+          <a:prstGeom prst="rect">
+            <a:avLst/>
+          </a:prstGeom>
+        </p:spPr>
+        <p:txBody>
+          <a:bodyPr lIns="0" rIns="0" tIns="0" bIns="0" anchor="ctr"/>
+          <a:p>
+            <a:endParaRPr b="0" lang="en-US" sz="1800" spc="-1" strike="noStrike">
               <a:solidFill>
                 <a:srgbClr val="000000"/>
               </a:solidFill>
@@ -1233,12 +1083,11 @@
           </a:prstGeom>
         </p:spPr>
         <p:txBody>
-          <a:bodyPr lIns="0" tIns="0" rIns="0" bIns="0">
+          <a:bodyPr lIns="0" rIns="0" tIns="0" bIns="0">
             <a:normAutofit/>
           </a:bodyPr>
-          <a:lstStyle/>
-          <a:p>
-            <a:endParaRPr lang="en-US" sz="2800" b="0" strike="noStrike" spc="-1">
+          <a:p>
+            <a:endParaRPr b="0" lang="en-US" sz="1800" spc="-1" strike="noStrike">
               <a:solidFill>
                 <a:srgbClr val="000000"/>
               </a:solidFill>
@@ -1260,19 +1109,18 @@
         <p:spPr>
           <a:xfrm>
             <a:off x="6231960" y="1604520"/>
-            <a:ext cx="5354280" cy="3976920"/>
-          </a:xfrm>
-          <a:prstGeom prst="rect">
-            <a:avLst/>
-          </a:prstGeom>
-        </p:spPr>
-        <p:txBody>
-          <a:bodyPr lIns="0" tIns="0" rIns="0" bIns="0">
+            <a:ext cx="5354280" cy="3977280"/>
+          </a:xfrm>
+          <a:prstGeom prst="rect">
+            <a:avLst/>
+          </a:prstGeom>
+        </p:spPr>
+        <p:txBody>
+          <a:bodyPr lIns="0" rIns="0" tIns="0" bIns="0">
             <a:normAutofit/>
           </a:bodyPr>
-          <a:lstStyle/>
-          <a:p>
-            <a:endParaRPr lang="en-US" sz="2800" b="0" strike="noStrike" spc="-1">
+          <a:p>
+            <a:endParaRPr b="0" lang="en-US" sz="1800" spc="-1" strike="noStrike">
               <a:solidFill>
                 <a:srgbClr val="000000"/>
               </a:solidFill>
@@ -1301,12 +1149,11 @@
           </a:prstGeom>
         </p:spPr>
         <p:txBody>
-          <a:bodyPr lIns="0" tIns="0" rIns="0" bIns="0">
+          <a:bodyPr lIns="0" rIns="0" tIns="0" bIns="0">
             <a:normAutofit/>
           </a:bodyPr>
-          <a:lstStyle/>
-          <a:p>
-            <a:endParaRPr lang="en-US" sz="2800" b="0" strike="noStrike" spc="-1">
+          <a:p>
+            <a:endParaRPr b="0" lang="en-US" sz="1800" spc="-1" strike="noStrike">
               <a:solidFill>
                 <a:srgbClr val="000000"/>
               </a:solidFill>
@@ -1317,14 +1164,11 @@
       </p:sp>
     </p:spTree>
   </p:cSld>
-  <p:clrMapOvr>
-    <a:masterClrMapping/>
-  </p:clrMapOvr>
 </p:sldLayout>
 </file>
 
 <file path=ppt/slideLayouts/slideLayout2.xml><?xml version="1.0" encoding="utf-8"?>
-<p:sldLayout xmlns:a="http://schemas.openxmlformats.org/drawingml/2006/main" xmlns:r="http://schemas.openxmlformats.org/officeDocument/2006/relationships" xmlns:p="http://schemas.openxmlformats.org/presentationml/2006/main" type="tx" preserve="1">
+<p:sldLayout xmlns:a="http://schemas.openxmlformats.org/drawingml/2006/main" xmlns:p="http://schemas.openxmlformats.org/presentationml/2006/main" xmlns:r="http://schemas.openxmlformats.org/officeDocument/2006/relationships" xmlns:p14="http://schemas.microsoft.com/office/powerpoint/2010/main" xmlns:p15="http://schemas.microsoft.com/office/powerpoint/2012/main" xmlns:mc="http://schemas.openxmlformats.org/markup-compatibility/2006" type="tx" preserve="1">
   <p:cSld name="Title Slide">
     <p:spTree>
       <p:nvGrpSpPr>
@@ -1352,18 +1196,17 @@
         </p:nvSpPr>
         <p:spPr>
           <a:xfrm>
-            <a:off x="1097280" y="286560"/>
-            <a:ext cx="10057320" cy="1449720"/>
-          </a:xfrm>
-          <a:prstGeom prst="rect">
-            <a:avLst/>
-          </a:prstGeom>
-        </p:spPr>
-        <p:txBody>
-          <a:bodyPr lIns="0" tIns="0" rIns="0" bIns="0" anchor="ctr"/>
-          <a:lstStyle/>
-          <a:p>
-            <a:endParaRPr lang="en-US" sz="1800" b="0" strike="noStrike" spc="-1">
+            <a:off x="609480" y="273600"/>
+            <a:ext cx="10972440" cy="1144800"/>
+          </a:xfrm>
+          <a:prstGeom prst="rect">
+            <a:avLst/>
+          </a:prstGeom>
+        </p:spPr>
+        <p:txBody>
+          <a:bodyPr lIns="0" rIns="0" tIns="0" bIns="0" anchor="ctr"/>
+          <a:p>
+            <a:endParaRPr b="0" lang="en-US" sz="1800" spc="-1" strike="noStrike">
               <a:solidFill>
                 <a:srgbClr val="000000"/>
               </a:solidFill>
@@ -1385,18 +1228,17 @@
         <p:spPr>
           <a:xfrm>
             <a:off x="609480" y="1604520"/>
-            <a:ext cx="10972080" cy="3976920"/>
-          </a:xfrm>
-          <a:prstGeom prst="rect">
-            <a:avLst/>
-          </a:prstGeom>
-        </p:spPr>
-        <p:txBody>
-          <a:bodyPr lIns="0" tIns="0" rIns="0" bIns="0" anchor="ctr"/>
-          <a:lstStyle/>
+            <a:ext cx="10972440" cy="3977280"/>
+          </a:xfrm>
+          <a:prstGeom prst="rect">
+            <a:avLst/>
+          </a:prstGeom>
+        </p:spPr>
+        <p:txBody>
+          <a:bodyPr lIns="0" rIns="0" tIns="0" bIns="0" anchor="ctr"/>
           <a:p>
             <a:pPr algn="ctr"/>
-            <a:endParaRPr lang="en-US" sz="3200" b="0" strike="noStrike" spc="-1">
+            <a:endParaRPr b="0" lang="en-US" sz="3200" spc="-1" strike="noStrike">
               <a:latin typeface="Arial"/>
             </a:endParaRPr>
           </a:p>
@@ -1404,14 +1246,11 @@
       </p:sp>
     </p:spTree>
   </p:cSld>
-  <p:clrMapOvr>
-    <a:masterClrMapping/>
-  </p:clrMapOvr>
 </p:sldLayout>
 </file>
 
 <file path=ppt/slideLayouts/slideLayout20.xml><?xml version="1.0" encoding="utf-8"?>
-<p:sldLayout xmlns:a="http://schemas.openxmlformats.org/drawingml/2006/main" xmlns:r="http://schemas.openxmlformats.org/officeDocument/2006/relationships" xmlns:p="http://schemas.openxmlformats.org/presentationml/2006/main" type="objAndTwoObj" preserve="1">
+<p:sldLayout xmlns:a="http://schemas.openxmlformats.org/drawingml/2006/main" xmlns:p="http://schemas.openxmlformats.org/presentationml/2006/main" xmlns:r="http://schemas.openxmlformats.org/officeDocument/2006/relationships" xmlns:p14="http://schemas.microsoft.com/office/powerpoint/2010/main" xmlns:p15="http://schemas.microsoft.com/office/powerpoint/2012/main" xmlns:mc="http://schemas.openxmlformats.org/markup-compatibility/2006" type="objAndTwoObj" preserve="1">
   <p:cSld name="Title Content and 2 Content">
     <p:spTree>
       <p:nvGrpSpPr>
@@ -1439,18 +1278,17 @@
         </p:nvSpPr>
         <p:spPr>
           <a:xfrm>
-            <a:off x="1097280" y="286560"/>
-            <a:ext cx="10057320" cy="1449720"/>
-          </a:xfrm>
-          <a:prstGeom prst="rect">
-            <a:avLst/>
-          </a:prstGeom>
-        </p:spPr>
-        <p:txBody>
-          <a:bodyPr lIns="0" tIns="0" rIns="0" bIns="0" anchor="ctr"/>
-          <a:lstStyle/>
-          <a:p>
-            <a:endParaRPr lang="en-US" sz="1800" b="0" strike="noStrike" spc="-1">
+            <a:off x="609480" y="273600"/>
+            <a:ext cx="10972440" cy="1144800"/>
+          </a:xfrm>
+          <a:prstGeom prst="rect">
+            <a:avLst/>
+          </a:prstGeom>
+        </p:spPr>
+        <p:txBody>
+          <a:bodyPr lIns="0" rIns="0" tIns="0" bIns="0" anchor="ctr"/>
+          <a:p>
+            <a:endParaRPr b="0" lang="en-US" sz="1800" spc="-1" strike="noStrike">
               <a:solidFill>
                 <a:srgbClr val="000000"/>
               </a:solidFill>
@@ -1472,19 +1310,18 @@
         <p:spPr>
           <a:xfrm>
             <a:off x="609480" y="1604520"/>
-            <a:ext cx="5354280" cy="3976920"/>
-          </a:xfrm>
-          <a:prstGeom prst="rect">
-            <a:avLst/>
-          </a:prstGeom>
-        </p:spPr>
-        <p:txBody>
-          <a:bodyPr lIns="0" tIns="0" rIns="0" bIns="0">
+            <a:ext cx="5354280" cy="3977280"/>
+          </a:xfrm>
+          <a:prstGeom prst="rect">
+            <a:avLst/>
+          </a:prstGeom>
+        </p:spPr>
+        <p:txBody>
+          <a:bodyPr lIns="0" rIns="0" tIns="0" bIns="0">
             <a:normAutofit/>
           </a:bodyPr>
-          <a:lstStyle/>
-          <a:p>
-            <a:endParaRPr lang="en-US" sz="2800" b="0" strike="noStrike" spc="-1">
+          <a:p>
+            <a:endParaRPr b="0" lang="en-US" sz="1800" spc="-1" strike="noStrike">
               <a:solidFill>
                 <a:srgbClr val="000000"/>
               </a:solidFill>
@@ -1513,12 +1350,11 @@
           </a:prstGeom>
         </p:spPr>
         <p:txBody>
-          <a:bodyPr lIns="0" tIns="0" rIns="0" bIns="0">
+          <a:bodyPr lIns="0" rIns="0" tIns="0" bIns="0">
             <a:normAutofit/>
           </a:bodyPr>
-          <a:lstStyle/>
-          <a:p>
-            <a:endParaRPr lang="en-US" sz="2800" b="0" strike="noStrike" spc="-1">
+          <a:p>
+            <a:endParaRPr b="0" lang="en-US" sz="1800" spc="-1" strike="noStrike">
               <a:solidFill>
                 <a:srgbClr val="000000"/>
               </a:solidFill>
@@ -1547,12 +1383,11 @@
           </a:prstGeom>
         </p:spPr>
         <p:txBody>
-          <a:bodyPr lIns="0" tIns="0" rIns="0" bIns="0">
+          <a:bodyPr lIns="0" rIns="0" tIns="0" bIns="0">
             <a:normAutofit/>
           </a:bodyPr>
-          <a:lstStyle/>
-          <a:p>
-            <a:endParaRPr lang="en-US" sz="2800" b="0" strike="noStrike" spc="-1">
+          <a:p>
+            <a:endParaRPr b="0" lang="en-US" sz="1800" spc="-1" strike="noStrike">
               <a:solidFill>
                 <a:srgbClr val="000000"/>
               </a:solidFill>
@@ -1563,14 +1398,11 @@
       </p:sp>
     </p:spTree>
   </p:cSld>
-  <p:clrMapOvr>
-    <a:masterClrMapping/>
-  </p:clrMapOvr>
 </p:sldLayout>
 </file>
 
 <file path=ppt/slideLayouts/slideLayout21.xml><?xml version="1.0" encoding="utf-8"?>
-<p:sldLayout xmlns:a="http://schemas.openxmlformats.org/drawingml/2006/main" xmlns:r="http://schemas.openxmlformats.org/officeDocument/2006/relationships" xmlns:p="http://schemas.openxmlformats.org/presentationml/2006/main" type="twoObjOverTx" preserve="1">
+<p:sldLayout xmlns:a="http://schemas.openxmlformats.org/drawingml/2006/main" xmlns:p="http://schemas.openxmlformats.org/presentationml/2006/main" xmlns:r="http://schemas.openxmlformats.org/officeDocument/2006/relationships" xmlns:p14="http://schemas.microsoft.com/office/powerpoint/2010/main" xmlns:p15="http://schemas.microsoft.com/office/powerpoint/2012/main" xmlns:mc="http://schemas.openxmlformats.org/markup-compatibility/2006" type="twoObjOverTx" preserve="1">
   <p:cSld name="Title, 2 Content over Content">
     <p:spTree>
       <p:nvGrpSpPr>
@@ -1598,18 +1430,17 @@
         </p:nvSpPr>
         <p:spPr>
           <a:xfrm>
-            <a:off x="1097280" y="286560"/>
-            <a:ext cx="10057320" cy="1449720"/>
-          </a:xfrm>
-          <a:prstGeom prst="rect">
-            <a:avLst/>
-          </a:prstGeom>
-        </p:spPr>
-        <p:txBody>
-          <a:bodyPr lIns="0" tIns="0" rIns="0" bIns="0" anchor="ctr"/>
-          <a:lstStyle/>
-          <a:p>
-            <a:endParaRPr lang="en-US" sz="1800" b="0" strike="noStrike" spc="-1">
+            <a:off x="609480" y="273600"/>
+            <a:ext cx="10972440" cy="1144800"/>
+          </a:xfrm>
+          <a:prstGeom prst="rect">
+            <a:avLst/>
+          </a:prstGeom>
+        </p:spPr>
+        <p:txBody>
+          <a:bodyPr lIns="0" rIns="0" tIns="0" bIns="0" anchor="ctr"/>
+          <a:p>
+            <a:endParaRPr b="0" lang="en-US" sz="1800" spc="-1" strike="noStrike">
               <a:solidFill>
                 <a:srgbClr val="000000"/>
               </a:solidFill>
@@ -1638,12 +1469,11 @@
           </a:prstGeom>
         </p:spPr>
         <p:txBody>
-          <a:bodyPr lIns="0" tIns="0" rIns="0" bIns="0">
+          <a:bodyPr lIns="0" rIns="0" tIns="0" bIns="0">
             <a:normAutofit/>
           </a:bodyPr>
-          <a:lstStyle/>
-          <a:p>
-            <a:endParaRPr lang="en-US" sz="2800" b="0" strike="noStrike" spc="-1">
+          <a:p>
+            <a:endParaRPr b="0" lang="en-US" sz="1800" spc="-1" strike="noStrike">
               <a:solidFill>
                 <a:srgbClr val="000000"/>
               </a:solidFill>
@@ -1672,12 +1502,11 @@
           </a:prstGeom>
         </p:spPr>
         <p:txBody>
-          <a:bodyPr lIns="0" tIns="0" rIns="0" bIns="0">
+          <a:bodyPr lIns="0" rIns="0" tIns="0" bIns="0">
             <a:normAutofit/>
           </a:bodyPr>
-          <a:lstStyle/>
-          <a:p>
-            <a:endParaRPr lang="en-US" sz="2800" b="0" strike="noStrike" spc="-1">
+          <a:p>
+            <a:endParaRPr b="0" lang="en-US" sz="1800" spc="-1" strike="noStrike">
               <a:solidFill>
                 <a:srgbClr val="000000"/>
               </a:solidFill>
@@ -1699,19 +1528,18 @@
         <p:spPr>
           <a:xfrm>
             <a:off x="609480" y="3682080"/>
-            <a:ext cx="10972080" cy="1896840"/>
-          </a:xfrm>
-          <a:prstGeom prst="rect">
-            <a:avLst/>
-          </a:prstGeom>
-        </p:spPr>
-        <p:txBody>
-          <a:bodyPr lIns="0" tIns="0" rIns="0" bIns="0">
+            <a:ext cx="10972440" cy="1896840"/>
+          </a:xfrm>
+          <a:prstGeom prst="rect">
+            <a:avLst/>
+          </a:prstGeom>
+        </p:spPr>
+        <p:txBody>
+          <a:bodyPr lIns="0" rIns="0" tIns="0" bIns="0">
             <a:normAutofit/>
           </a:bodyPr>
-          <a:lstStyle/>
-          <a:p>
-            <a:endParaRPr lang="en-US" sz="2800" b="0" strike="noStrike" spc="-1">
+          <a:p>
+            <a:endParaRPr b="0" lang="en-US" sz="1800" spc="-1" strike="noStrike">
               <a:solidFill>
                 <a:srgbClr val="000000"/>
               </a:solidFill>
@@ -1722,14 +1550,11 @@
       </p:sp>
     </p:spTree>
   </p:cSld>
-  <p:clrMapOvr>
-    <a:masterClrMapping/>
-  </p:clrMapOvr>
 </p:sldLayout>
 </file>
 
 <file path=ppt/slideLayouts/slideLayout22.xml><?xml version="1.0" encoding="utf-8"?>
-<p:sldLayout xmlns:a="http://schemas.openxmlformats.org/drawingml/2006/main" xmlns:r="http://schemas.openxmlformats.org/officeDocument/2006/relationships" xmlns:p="http://schemas.openxmlformats.org/presentationml/2006/main" type="objOverTx" preserve="1">
+<p:sldLayout xmlns:a="http://schemas.openxmlformats.org/drawingml/2006/main" xmlns:p="http://schemas.openxmlformats.org/presentationml/2006/main" xmlns:r="http://schemas.openxmlformats.org/officeDocument/2006/relationships" xmlns:p14="http://schemas.microsoft.com/office/powerpoint/2010/main" xmlns:p15="http://schemas.microsoft.com/office/powerpoint/2012/main" xmlns:mc="http://schemas.openxmlformats.org/markup-compatibility/2006" type="objOverTx" preserve="1">
   <p:cSld name="Title, Content over Content">
     <p:spTree>
       <p:nvGrpSpPr>
@@ -1757,18 +1582,17 @@
         </p:nvSpPr>
         <p:spPr>
           <a:xfrm>
-            <a:off x="1097280" y="286560"/>
-            <a:ext cx="10057320" cy="1449720"/>
-          </a:xfrm>
-          <a:prstGeom prst="rect">
-            <a:avLst/>
-          </a:prstGeom>
-        </p:spPr>
-        <p:txBody>
-          <a:bodyPr lIns="0" tIns="0" rIns="0" bIns="0" anchor="ctr"/>
-          <a:lstStyle/>
-          <a:p>
-            <a:endParaRPr lang="en-US" sz="1800" b="0" strike="noStrike" spc="-1">
+            <a:off x="609480" y="273600"/>
+            <a:ext cx="10972440" cy="1144800"/>
+          </a:xfrm>
+          <a:prstGeom prst="rect">
+            <a:avLst/>
+          </a:prstGeom>
+        </p:spPr>
+        <p:txBody>
+          <a:bodyPr lIns="0" rIns="0" tIns="0" bIns="0" anchor="ctr"/>
+          <a:p>
+            <a:endParaRPr b="0" lang="en-US" sz="1800" spc="-1" strike="noStrike">
               <a:solidFill>
                 <a:srgbClr val="000000"/>
               </a:solidFill>
@@ -1790,19 +1614,18 @@
         <p:spPr>
           <a:xfrm>
             <a:off x="609480" y="1604520"/>
-            <a:ext cx="10972080" cy="1896840"/>
-          </a:xfrm>
-          <a:prstGeom prst="rect">
-            <a:avLst/>
-          </a:prstGeom>
-        </p:spPr>
-        <p:txBody>
-          <a:bodyPr lIns="0" tIns="0" rIns="0" bIns="0">
+            <a:ext cx="10972440" cy="1896840"/>
+          </a:xfrm>
+          <a:prstGeom prst="rect">
+            <a:avLst/>
+          </a:prstGeom>
+        </p:spPr>
+        <p:txBody>
+          <a:bodyPr lIns="0" rIns="0" tIns="0" bIns="0">
             <a:normAutofit/>
           </a:bodyPr>
-          <a:lstStyle/>
-          <a:p>
-            <a:endParaRPr lang="en-US" sz="2800" b="0" strike="noStrike" spc="-1">
+          <a:p>
+            <a:endParaRPr b="0" lang="en-US" sz="1800" spc="-1" strike="noStrike">
               <a:solidFill>
                 <a:srgbClr val="000000"/>
               </a:solidFill>
@@ -1824,19 +1647,18 @@
         <p:spPr>
           <a:xfrm>
             <a:off x="609480" y="3682080"/>
-            <a:ext cx="10972080" cy="1896840"/>
-          </a:xfrm>
-          <a:prstGeom prst="rect">
-            <a:avLst/>
-          </a:prstGeom>
-        </p:spPr>
-        <p:txBody>
-          <a:bodyPr lIns="0" tIns="0" rIns="0" bIns="0">
+            <a:ext cx="10972440" cy="1896840"/>
+          </a:xfrm>
+          <a:prstGeom prst="rect">
+            <a:avLst/>
+          </a:prstGeom>
+        </p:spPr>
+        <p:txBody>
+          <a:bodyPr lIns="0" rIns="0" tIns="0" bIns="0">
             <a:normAutofit/>
           </a:bodyPr>
-          <a:lstStyle/>
-          <a:p>
-            <a:endParaRPr lang="en-US" sz="2800" b="0" strike="noStrike" spc="-1">
+          <a:p>
+            <a:endParaRPr b="0" lang="en-US" sz="1800" spc="-1" strike="noStrike">
               <a:solidFill>
                 <a:srgbClr val="000000"/>
               </a:solidFill>
@@ -1847,14 +1669,11 @@
       </p:sp>
     </p:spTree>
   </p:cSld>
-  <p:clrMapOvr>
-    <a:masterClrMapping/>
-  </p:clrMapOvr>
 </p:sldLayout>
 </file>
 
 <file path=ppt/slideLayouts/slideLayout23.xml><?xml version="1.0" encoding="utf-8"?>
-<p:sldLayout xmlns:a="http://schemas.openxmlformats.org/drawingml/2006/main" xmlns:r="http://schemas.openxmlformats.org/officeDocument/2006/relationships" xmlns:p="http://schemas.openxmlformats.org/presentationml/2006/main" type="fourObj" preserve="1">
+<p:sldLayout xmlns:a="http://schemas.openxmlformats.org/drawingml/2006/main" xmlns:p="http://schemas.openxmlformats.org/presentationml/2006/main" xmlns:r="http://schemas.openxmlformats.org/officeDocument/2006/relationships" xmlns:p14="http://schemas.microsoft.com/office/powerpoint/2010/main" xmlns:p15="http://schemas.microsoft.com/office/powerpoint/2012/main" xmlns:mc="http://schemas.openxmlformats.org/markup-compatibility/2006" type="fourObj" preserve="1">
   <p:cSld name="Title, 4 Content">
     <p:spTree>
       <p:nvGrpSpPr>
@@ -1882,18 +1701,17 @@
         </p:nvSpPr>
         <p:spPr>
           <a:xfrm>
-            <a:off x="1097280" y="286560"/>
-            <a:ext cx="10057320" cy="1449720"/>
-          </a:xfrm>
-          <a:prstGeom prst="rect">
-            <a:avLst/>
-          </a:prstGeom>
-        </p:spPr>
-        <p:txBody>
-          <a:bodyPr lIns="0" tIns="0" rIns="0" bIns="0" anchor="ctr"/>
-          <a:lstStyle/>
-          <a:p>
-            <a:endParaRPr lang="en-US" sz="1800" b="0" strike="noStrike" spc="-1">
+            <a:off x="609480" y="273600"/>
+            <a:ext cx="10972440" cy="1144800"/>
+          </a:xfrm>
+          <a:prstGeom prst="rect">
+            <a:avLst/>
+          </a:prstGeom>
+        </p:spPr>
+        <p:txBody>
+          <a:bodyPr lIns="0" rIns="0" tIns="0" bIns="0" anchor="ctr"/>
+          <a:p>
+            <a:endParaRPr b="0" lang="en-US" sz="1800" spc="-1" strike="noStrike">
               <a:solidFill>
                 <a:srgbClr val="000000"/>
               </a:solidFill>
@@ -1922,12 +1740,11 @@
           </a:prstGeom>
         </p:spPr>
         <p:txBody>
-          <a:bodyPr lIns="0" tIns="0" rIns="0" bIns="0">
+          <a:bodyPr lIns="0" rIns="0" tIns="0" bIns="0">
             <a:normAutofit/>
           </a:bodyPr>
-          <a:lstStyle/>
-          <a:p>
-            <a:endParaRPr lang="en-US" sz="2800" b="0" strike="noStrike" spc="-1">
+          <a:p>
+            <a:endParaRPr b="0" lang="en-US" sz="1800" spc="-1" strike="noStrike">
               <a:solidFill>
                 <a:srgbClr val="000000"/>
               </a:solidFill>
@@ -1956,12 +1773,11 @@
           </a:prstGeom>
         </p:spPr>
         <p:txBody>
-          <a:bodyPr lIns="0" tIns="0" rIns="0" bIns="0">
+          <a:bodyPr lIns="0" rIns="0" tIns="0" bIns="0">
             <a:normAutofit/>
           </a:bodyPr>
-          <a:lstStyle/>
-          <a:p>
-            <a:endParaRPr lang="en-US" sz="2800" b="0" strike="noStrike" spc="-1">
+          <a:p>
+            <a:endParaRPr b="0" lang="en-US" sz="1800" spc="-1" strike="noStrike">
               <a:solidFill>
                 <a:srgbClr val="000000"/>
               </a:solidFill>
@@ -1990,12 +1806,11 @@
           </a:prstGeom>
         </p:spPr>
         <p:txBody>
-          <a:bodyPr lIns="0" tIns="0" rIns="0" bIns="0">
+          <a:bodyPr lIns="0" rIns="0" tIns="0" bIns="0">
             <a:normAutofit/>
           </a:bodyPr>
-          <a:lstStyle/>
-          <a:p>
-            <a:endParaRPr lang="en-US" sz="2800" b="0" strike="noStrike" spc="-1">
+          <a:p>
+            <a:endParaRPr b="0" lang="en-US" sz="1800" spc="-1" strike="noStrike">
               <a:solidFill>
                 <a:srgbClr val="000000"/>
               </a:solidFill>
@@ -2024,12 +1839,11 @@
           </a:prstGeom>
         </p:spPr>
         <p:txBody>
-          <a:bodyPr lIns="0" tIns="0" rIns="0" bIns="0">
+          <a:bodyPr lIns="0" rIns="0" tIns="0" bIns="0">
             <a:normAutofit/>
           </a:bodyPr>
-          <a:lstStyle/>
-          <a:p>
-            <a:endParaRPr lang="en-US" sz="2800" b="0" strike="noStrike" spc="-1">
+          <a:p>
+            <a:endParaRPr b="0" lang="en-US" sz="1800" spc="-1" strike="noStrike">
               <a:solidFill>
                 <a:srgbClr val="000000"/>
               </a:solidFill>
@@ -2040,14 +1854,11 @@
       </p:sp>
     </p:spTree>
   </p:cSld>
-  <p:clrMapOvr>
-    <a:masterClrMapping/>
-  </p:clrMapOvr>
 </p:sldLayout>
 </file>
 
 <file path=ppt/slideLayouts/slideLayout24.xml><?xml version="1.0" encoding="utf-8"?>
-<p:sldLayout xmlns:a="http://schemas.openxmlformats.org/drawingml/2006/main" xmlns:r="http://schemas.openxmlformats.org/officeDocument/2006/relationships" xmlns:p="http://schemas.openxmlformats.org/presentationml/2006/main" type="blank" preserve="1">
+<p:sldLayout xmlns:a="http://schemas.openxmlformats.org/drawingml/2006/main" xmlns:p="http://schemas.openxmlformats.org/presentationml/2006/main" xmlns:r="http://schemas.openxmlformats.org/officeDocument/2006/relationships" xmlns:p14="http://schemas.microsoft.com/office/powerpoint/2010/main" xmlns:p15="http://schemas.microsoft.com/office/powerpoint/2012/main" xmlns:mc="http://schemas.openxmlformats.org/markup-compatibility/2006" type="blank" preserve="1">
   <p:cSld name="Title, 6 Content">
     <p:spTree>
       <p:nvGrpSpPr>
@@ -2075,18 +1886,17 @@
         </p:nvSpPr>
         <p:spPr>
           <a:xfrm>
-            <a:off x="1097280" y="286560"/>
-            <a:ext cx="10057320" cy="1449720"/>
-          </a:xfrm>
-          <a:prstGeom prst="rect">
-            <a:avLst/>
-          </a:prstGeom>
-        </p:spPr>
-        <p:txBody>
-          <a:bodyPr lIns="0" tIns="0" rIns="0" bIns="0" anchor="ctr"/>
-          <a:lstStyle/>
-          <a:p>
-            <a:endParaRPr lang="en-US" sz="1800" b="0" strike="noStrike" spc="-1">
+            <a:off x="609480" y="273600"/>
+            <a:ext cx="10972440" cy="1144800"/>
+          </a:xfrm>
+          <a:prstGeom prst="rect">
+            <a:avLst/>
+          </a:prstGeom>
+        </p:spPr>
+        <p:txBody>
+          <a:bodyPr lIns="0" rIns="0" tIns="0" bIns="0" anchor="ctr"/>
+          <a:p>
+            <a:endParaRPr b="0" lang="en-US" sz="1800" spc="-1" strike="noStrike">
               <a:solidFill>
                 <a:srgbClr val="000000"/>
               </a:solidFill>
@@ -2108,19 +1918,18 @@
         <p:spPr>
           <a:xfrm>
             <a:off x="609480" y="1604520"/>
-            <a:ext cx="3532680" cy="1896840"/>
-          </a:xfrm>
-          <a:prstGeom prst="rect">
-            <a:avLst/>
-          </a:prstGeom>
-        </p:spPr>
-        <p:txBody>
-          <a:bodyPr lIns="0" tIns="0" rIns="0" bIns="0">
+            <a:ext cx="3533040" cy="1896840"/>
+          </a:xfrm>
+          <a:prstGeom prst="rect">
+            <a:avLst/>
+          </a:prstGeom>
+        </p:spPr>
+        <p:txBody>
+          <a:bodyPr lIns="0" rIns="0" tIns="0" bIns="0">
             <a:normAutofit/>
           </a:bodyPr>
-          <a:lstStyle/>
-          <a:p>
-            <a:endParaRPr lang="en-US" sz="2800" b="0" strike="noStrike" spc="-1">
+          <a:p>
+            <a:endParaRPr b="0" lang="en-US" sz="1800" spc="-1" strike="noStrike">
               <a:solidFill>
                 <a:srgbClr val="000000"/>
               </a:solidFill>
@@ -2141,20 +1950,19 @@
         </p:nvSpPr>
         <p:spPr>
           <a:xfrm>
-            <a:off x="4319280" y="1604520"/>
-            <a:ext cx="3532680" cy="1896840"/>
-          </a:xfrm>
-          <a:prstGeom prst="rect">
-            <a:avLst/>
-          </a:prstGeom>
-        </p:spPr>
-        <p:txBody>
-          <a:bodyPr lIns="0" tIns="0" rIns="0" bIns="0">
+            <a:off x="4319640" y="1604520"/>
+            <a:ext cx="3533040" cy="1896840"/>
+          </a:xfrm>
+          <a:prstGeom prst="rect">
+            <a:avLst/>
+          </a:prstGeom>
+        </p:spPr>
+        <p:txBody>
+          <a:bodyPr lIns="0" rIns="0" tIns="0" bIns="0">
             <a:normAutofit/>
           </a:bodyPr>
-          <a:lstStyle/>
-          <a:p>
-            <a:endParaRPr lang="en-US" sz="2800" b="0" strike="noStrike" spc="-1">
+          <a:p>
+            <a:endParaRPr b="0" lang="en-US" sz="1800" spc="-1" strike="noStrike">
               <a:solidFill>
                 <a:srgbClr val="000000"/>
               </a:solidFill>
@@ -2175,20 +1983,19 @@
         </p:nvSpPr>
         <p:spPr>
           <a:xfrm>
-            <a:off x="8028720" y="1604520"/>
-            <a:ext cx="3532680" cy="1896840"/>
-          </a:xfrm>
-          <a:prstGeom prst="rect">
-            <a:avLst/>
-          </a:prstGeom>
-        </p:spPr>
-        <p:txBody>
-          <a:bodyPr lIns="0" tIns="0" rIns="0" bIns="0">
+            <a:off x="8029800" y="1604520"/>
+            <a:ext cx="3533040" cy="1896840"/>
+          </a:xfrm>
+          <a:prstGeom prst="rect">
+            <a:avLst/>
+          </a:prstGeom>
+        </p:spPr>
+        <p:txBody>
+          <a:bodyPr lIns="0" rIns="0" tIns="0" bIns="0">
             <a:normAutofit/>
           </a:bodyPr>
-          <a:lstStyle/>
-          <a:p>
-            <a:endParaRPr lang="en-US" sz="2800" b="0" strike="noStrike" spc="-1">
+          <a:p>
+            <a:endParaRPr b="0" lang="en-US" sz="1800" spc="-1" strike="noStrike">
               <a:solidFill>
                 <a:srgbClr val="000000"/>
               </a:solidFill>
@@ -2210,19 +2017,18 @@
         <p:spPr>
           <a:xfrm>
             <a:off x="609480" y="3682080"/>
-            <a:ext cx="3532680" cy="1896840"/>
-          </a:xfrm>
-          <a:prstGeom prst="rect">
-            <a:avLst/>
-          </a:prstGeom>
-        </p:spPr>
-        <p:txBody>
-          <a:bodyPr lIns="0" tIns="0" rIns="0" bIns="0">
+            <a:ext cx="3533040" cy="1896840"/>
+          </a:xfrm>
+          <a:prstGeom prst="rect">
+            <a:avLst/>
+          </a:prstGeom>
+        </p:spPr>
+        <p:txBody>
+          <a:bodyPr lIns="0" rIns="0" tIns="0" bIns="0">
             <a:normAutofit/>
           </a:bodyPr>
-          <a:lstStyle/>
-          <a:p>
-            <a:endParaRPr lang="en-US" sz="2800" b="0" strike="noStrike" spc="-1">
+          <a:p>
+            <a:endParaRPr b="0" lang="en-US" sz="1800" spc="-1" strike="noStrike">
               <a:solidFill>
                 <a:srgbClr val="000000"/>
               </a:solidFill>
@@ -2243,20 +2049,19 @@
         </p:nvSpPr>
         <p:spPr>
           <a:xfrm>
-            <a:off x="4319280" y="3682080"/>
-            <a:ext cx="3532680" cy="1896840"/>
-          </a:xfrm>
-          <a:prstGeom prst="rect">
-            <a:avLst/>
-          </a:prstGeom>
-        </p:spPr>
-        <p:txBody>
-          <a:bodyPr lIns="0" tIns="0" rIns="0" bIns="0">
+            <a:off x="4319640" y="3682080"/>
+            <a:ext cx="3533040" cy="1896840"/>
+          </a:xfrm>
+          <a:prstGeom prst="rect">
+            <a:avLst/>
+          </a:prstGeom>
+        </p:spPr>
+        <p:txBody>
+          <a:bodyPr lIns="0" rIns="0" tIns="0" bIns="0">
             <a:normAutofit/>
           </a:bodyPr>
-          <a:lstStyle/>
-          <a:p>
-            <a:endParaRPr lang="en-US" sz="2800" b="0" strike="noStrike" spc="-1">
+          <a:p>
+            <a:endParaRPr b="0" lang="en-US" sz="1800" spc="-1" strike="noStrike">
               <a:solidFill>
                 <a:srgbClr val="000000"/>
               </a:solidFill>
@@ -2277,20 +2082,19 @@
         </p:nvSpPr>
         <p:spPr>
           <a:xfrm>
-            <a:off x="8028720" y="3682080"/>
-            <a:ext cx="3532680" cy="1896840"/>
-          </a:xfrm>
-          <a:prstGeom prst="rect">
-            <a:avLst/>
-          </a:prstGeom>
-        </p:spPr>
-        <p:txBody>
-          <a:bodyPr lIns="0" tIns="0" rIns="0" bIns="0">
+            <a:off x="8029800" y="3682080"/>
+            <a:ext cx="3533040" cy="1896840"/>
+          </a:xfrm>
+          <a:prstGeom prst="rect">
+            <a:avLst/>
+          </a:prstGeom>
+        </p:spPr>
+        <p:txBody>
+          <a:bodyPr lIns="0" rIns="0" tIns="0" bIns="0">
             <a:normAutofit/>
           </a:bodyPr>
-          <a:lstStyle/>
-          <a:p>
-            <a:endParaRPr lang="en-US" sz="2800" b="0" strike="noStrike" spc="-1">
+          <a:p>
+            <a:endParaRPr b="0" lang="en-US" sz="1800" spc="-1" strike="noStrike">
               <a:solidFill>
                 <a:srgbClr val="000000"/>
               </a:solidFill>
@@ -2301,14 +2105,11 @@
       </p:sp>
     </p:spTree>
   </p:cSld>
-  <p:clrMapOvr>
-    <a:masterClrMapping/>
-  </p:clrMapOvr>
 </p:sldLayout>
 </file>
 
 <file path=ppt/slideLayouts/slideLayout25.xml><?xml version="1.0" encoding="utf-8"?>
-<p:sldLayout xmlns:a="http://schemas.openxmlformats.org/drawingml/2006/main" xmlns:r="http://schemas.openxmlformats.org/officeDocument/2006/relationships" xmlns:p="http://schemas.openxmlformats.org/presentationml/2006/main" type="blank" preserve="1">
+<p:sldLayout xmlns:a="http://schemas.openxmlformats.org/drawingml/2006/main" xmlns:p="http://schemas.openxmlformats.org/presentationml/2006/main" xmlns:r="http://schemas.openxmlformats.org/officeDocument/2006/relationships" xmlns:p14="http://schemas.microsoft.com/office/powerpoint/2010/main" xmlns:p15="http://schemas.microsoft.com/office/powerpoint/2012/main" xmlns:mc="http://schemas.openxmlformats.org/markup-compatibility/2006" type="blank" preserve="1">
   <p:cSld name="Blank Slide">
     <p:spTree>
       <p:nvGrpSpPr>
@@ -2326,14 +2127,11 @@
       </p:grpSpPr>
     </p:spTree>
   </p:cSld>
-  <p:clrMapOvr>
-    <a:masterClrMapping/>
-  </p:clrMapOvr>
 </p:sldLayout>
 </file>
 
 <file path=ppt/slideLayouts/slideLayout26.xml><?xml version="1.0" encoding="utf-8"?>
-<p:sldLayout xmlns:a="http://schemas.openxmlformats.org/drawingml/2006/main" xmlns:r="http://schemas.openxmlformats.org/officeDocument/2006/relationships" xmlns:p="http://schemas.openxmlformats.org/presentationml/2006/main" type="tx" preserve="1">
+<p:sldLayout xmlns:a="http://schemas.openxmlformats.org/drawingml/2006/main" xmlns:p="http://schemas.openxmlformats.org/presentationml/2006/main" xmlns:r="http://schemas.openxmlformats.org/officeDocument/2006/relationships" xmlns:p14="http://schemas.microsoft.com/office/powerpoint/2010/main" xmlns:p15="http://schemas.microsoft.com/office/powerpoint/2012/main" xmlns:mc="http://schemas.openxmlformats.org/markup-compatibility/2006" type="tx" preserve="1">
   <p:cSld name="Title Slide">
     <p:spTree>
       <p:nvGrpSpPr>
@@ -2361,18 +2159,17 @@
         </p:nvSpPr>
         <p:spPr>
           <a:xfrm>
-            <a:off x="1097280" y="286560"/>
-            <a:ext cx="10057320" cy="1449720"/>
-          </a:xfrm>
-          <a:prstGeom prst="rect">
-            <a:avLst/>
-          </a:prstGeom>
-        </p:spPr>
-        <p:txBody>
-          <a:bodyPr lIns="0" tIns="0" rIns="0" bIns="0" anchor="ctr"/>
-          <a:lstStyle/>
-          <a:p>
-            <a:endParaRPr lang="en-US" sz="1800" b="0" strike="noStrike" spc="-1">
+            <a:off x="609480" y="273600"/>
+            <a:ext cx="10972440" cy="1144800"/>
+          </a:xfrm>
+          <a:prstGeom prst="rect">
+            <a:avLst/>
+          </a:prstGeom>
+        </p:spPr>
+        <p:txBody>
+          <a:bodyPr lIns="0" rIns="0" tIns="0" bIns="0" anchor="ctr"/>
+          <a:p>
+            <a:endParaRPr b="0" lang="en-US" sz="1800" spc="-1" strike="noStrike">
               <a:solidFill>
                 <a:srgbClr val="000000"/>
               </a:solidFill>
@@ -2394,18 +2191,17 @@
         <p:spPr>
           <a:xfrm>
             <a:off x="609480" y="1604520"/>
-            <a:ext cx="10972080" cy="3976920"/>
-          </a:xfrm>
-          <a:prstGeom prst="rect">
-            <a:avLst/>
-          </a:prstGeom>
-        </p:spPr>
-        <p:txBody>
-          <a:bodyPr lIns="0" tIns="0" rIns="0" bIns="0" anchor="ctr"/>
-          <a:lstStyle/>
+            <a:ext cx="10972440" cy="3977280"/>
+          </a:xfrm>
+          <a:prstGeom prst="rect">
+            <a:avLst/>
+          </a:prstGeom>
+        </p:spPr>
+        <p:txBody>
+          <a:bodyPr lIns="0" rIns="0" tIns="0" bIns="0" anchor="ctr"/>
           <a:p>
             <a:pPr algn="ctr"/>
-            <a:endParaRPr lang="en-US" sz="3200" b="0" strike="noStrike" spc="-1">
+            <a:endParaRPr b="0" lang="en-US" sz="3200" spc="-1" strike="noStrike">
               <a:latin typeface="Arial"/>
             </a:endParaRPr>
           </a:p>
@@ -2413,14 +2209,11 @@
       </p:sp>
     </p:spTree>
   </p:cSld>
-  <p:clrMapOvr>
-    <a:masterClrMapping/>
-  </p:clrMapOvr>
 </p:sldLayout>
 </file>
 
 <file path=ppt/slideLayouts/slideLayout27.xml><?xml version="1.0" encoding="utf-8"?>
-<p:sldLayout xmlns:a="http://schemas.openxmlformats.org/drawingml/2006/main" xmlns:r="http://schemas.openxmlformats.org/officeDocument/2006/relationships" xmlns:p="http://schemas.openxmlformats.org/presentationml/2006/main" type="obj" preserve="1">
+<p:sldLayout xmlns:a="http://schemas.openxmlformats.org/drawingml/2006/main" xmlns:p="http://schemas.openxmlformats.org/presentationml/2006/main" xmlns:r="http://schemas.openxmlformats.org/officeDocument/2006/relationships" xmlns:p14="http://schemas.microsoft.com/office/powerpoint/2010/main" xmlns:p15="http://schemas.microsoft.com/office/powerpoint/2012/main" xmlns:mc="http://schemas.openxmlformats.org/markup-compatibility/2006" type="obj" preserve="1">
   <p:cSld name="Title, Content">
     <p:spTree>
       <p:nvGrpSpPr>
@@ -2448,18 +2241,17 @@
         </p:nvSpPr>
         <p:spPr>
           <a:xfrm>
-            <a:off x="1097280" y="286560"/>
-            <a:ext cx="10057320" cy="1449720"/>
-          </a:xfrm>
-          <a:prstGeom prst="rect">
-            <a:avLst/>
-          </a:prstGeom>
-        </p:spPr>
-        <p:txBody>
-          <a:bodyPr lIns="0" tIns="0" rIns="0" bIns="0" anchor="ctr"/>
-          <a:lstStyle/>
-          <a:p>
-            <a:endParaRPr lang="en-US" sz="1800" b="0" strike="noStrike" spc="-1">
+            <a:off x="609480" y="273600"/>
+            <a:ext cx="10972440" cy="1144800"/>
+          </a:xfrm>
+          <a:prstGeom prst="rect">
+            <a:avLst/>
+          </a:prstGeom>
+        </p:spPr>
+        <p:txBody>
+          <a:bodyPr lIns="0" rIns="0" tIns="0" bIns="0" anchor="ctr"/>
+          <a:p>
+            <a:endParaRPr b="0" lang="en-US" sz="1800" spc="-1" strike="noStrike">
               <a:solidFill>
                 <a:srgbClr val="000000"/>
               </a:solidFill>
@@ -2481,19 +2273,18 @@
         <p:spPr>
           <a:xfrm>
             <a:off x="609480" y="1604520"/>
-            <a:ext cx="10972080" cy="3976920"/>
-          </a:xfrm>
-          <a:prstGeom prst="rect">
-            <a:avLst/>
-          </a:prstGeom>
-        </p:spPr>
-        <p:txBody>
-          <a:bodyPr lIns="0" tIns="0" rIns="0" bIns="0">
+            <a:ext cx="10972440" cy="3977280"/>
+          </a:xfrm>
+          <a:prstGeom prst="rect">
+            <a:avLst/>
+          </a:prstGeom>
+        </p:spPr>
+        <p:txBody>
+          <a:bodyPr lIns="0" rIns="0" tIns="0" bIns="0">
             <a:normAutofit/>
           </a:bodyPr>
-          <a:lstStyle/>
-          <a:p>
-            <a:endParaRPr lang="en-US" sz="2800" b="0" strike="noStrike" spc="-1">
+          <a:p>
+            <a:endParaRPr b="0" lang="en-US" sz="1800" spc="-1" strike="noStrike">
               <a:solidFill>
                 <a:srgbClr val="000000"/>
               </a:solidFill>
@@ -2504,14 +2295,11 @@
       </p:sp>
     </p:spTree>
   </p:cSld>
-  <p:clrMapOvr>
-    <a:masterClrMapping/>
-  </p:clrMapOvr>
 </p:sldLayout>
 </file>
 
 <file path=ppt/slideLayouts/slideLayout28.xml><?xml version="1.0" encoding="utf-8"?>
-<p:sldLayout xmlns:a="http://schemas.openxmlformats.org/drawingml/2006/main" xmlns:r="http://schemas.openxmlformats.org/officeDocument/2006/relationships" xmlns:p="http://schemas.openxmlformats.org/presentationml/2006/main" type="twoObj" preserve="1">
+<p:sldLayout xmlns:a="http://schemas.openxmlformats.org/drawingml/2006/main" xmlns:p="http://schemas.openxmlformats.org/presentationml/2006/main" xmlns:r="http://schemas.openxmlformats.org/officeDocument/2006/relationships" xmlns:p14="http://schemas.microsoft.com/office/powerpoint/2010/main" xmlns:p15="http://schemas.microsoft.com/office/powerpoint/2012/main" xmlns:mc="http://schemas.openxmlformats.org/markup-compatibility/2006" type="twoObj" preserve="1">
   <p:cSld name="Title, 2 Content">
     <p:spTree>
       <p:nvGrpSpPr>
@@ -2539,18 +2327,17 @@
         </p:nvSpPr>
         <p:spPr>
           <a:xfrm>
-            <a:off x="1097280" y="286560"/>
-            <a:ext cx="10057320" cy="1449720"/>
-          </a:xfrm>
-          <a:prstGeom prst="rect">
-            <a:avLst/>
-          </a:prstGeom>
-        </p:spPr>
-        <p:txBody>
-          <a:bodyPr lIns="0" tIns="0" rIns="0" bIns="0" anchor="ctr"/>
-          <a:lstStyle/>
-          <a:p>
-            <a:endParaRPr lang="en-US" sz="1800" b="0" strike="noStrike" spc="-1">
+            <a:off x="609480" y="273600"/>
+            <a:ext cx="10972440" cy="1144800"/>
+          </a:xfrm>
+          <a:prstGeom prst="rect">
+            <a:avLst/>
+          </a:prstGeom>
+        </p:spPr>
+        <p:txBody>
+          <a:bodyPr lIns="0" rIns="0" tIns="0" bIns="0" anchor="ctr"/>
+          <a:p>
+            <a:endParaRPr b="0" lang="en-US" sz="1800" spc="-1" strike="noStrike">
               <a:solidFill>
                 <a:srgbClr val="000000"/>
               </a:solidFill>
@@ -2572,19 +2359,18 @@
         <p:spPr>
           <a:xfrm>
             <a:off x="609480" y="1604520"/>
-            <a:ext cx="5354280" cy="3976920"/>
-          </a:xfrm>
-          <a:prstGeom prst="rect">
-            <a:avLst/>
-          </a:prstGeom>
-        </p:spPr>
-        <p:txBody>
-          <a:bodyPr lIns="0" tIns="0" rIns="0" bIns="0">
+            <a:ext cx="5354280" cy="3977280"/>
+          </a:xfrm>
+          <a:prstGeom prst="rect">
+            <a:avLst/>
+          </a:prstGeom>
+        </p:spPr>
+        <p:txBody>
+          <a:bodyPr lIns="0" rIns="0" tIns="0" bIns="0">
             <a:normAutofit/>
           </a:bodyPr>
-          <a:lstStyle/>
-          <a:p>
-            <a:endParaRPr lang="en-US" sz="2800" b="0" strike="noStrike" spc="-1">
+          <a:p>
+            <a:endParaRPr b="0" lang="en-US" sz="1800" spc="-1" strike="noStrike">
               <a:solidFill>
                 <a:srgbClr val="000000"/>
               </a:solidFill>
@@ -2606,19 +2392,18 @@
         <p:spPr>
           <a:xfrm>
             <a:off x="6231960" y="1604520"/>
-            <a:ext cx="5354280" cy="3976920"/>
-          </a:xfrm>
-          <a:prstGeom prst="rect">
-            <a:avLst/>
-          </a:prstGeom>
-        </p:spPr>
-        <p:txBody>
-          <a:bodyPr lIns="0" tIns="0" rIns="0" bIns="0">
+            <a:ext cx="5354280" cy="3977280"/>
+          </a:xfrm>
+          <a:prstGeom prst="rect">
+            <a:avLst/>
+          </a:prstGeom>
+        </p:spPr>
+        <p:txBody>
+          <a:bodyPr lIns="0" rIns="0" tIns="0" bIns="0">
             <a:normAutofit/>
           </a:bodyPr>
-          <a:lstStyle/>
-          <a:p>
-            <a:endParaRPr lang="en-US" sz="2800" b="0" strike="noStrike" spc="-1">
+          <a:p>
+            <a:endParaRPr b="0" lang="en-US" sz="1800" spc="-1" strike="noStrike">
               <a:solidFill>
                 <a:srgbClr val="000000"/>
               </a:solidFill>
@@ -2629,14 +2414,11 @@
       </p:sp>
     </p:spTree>
   </p:cSld>
-  <p:clrMapOvr>
-    <a:masterClrMapping/>
-  </p:clrMapOvr>
 </p:sldLayout>
 </file>
 
 <file path=ppt/slideLayouts/slideLayout29.xml><?xml version="1.0" encoding="utf-8"?>
-<p:sldLayout xmlns:a="http://schemas.openxmlformats.org/drawingml/2006/main" xmlns:r="http://schemas.openxmlformats.org/officeDocument/2006/relationships" xmlns:p="http://schemas.openxmlformats.org/presentationml/2006/main" type="titleOnly" preserve="1">
+<p:sldLayout xmlns:a="http://schemas.openxmlformats.org/drawingml/2006/main" xmlns:p="http://schemas.openxmlformats.org/presentationml/2006/main" xmlns:r="http://schemas.openxmlformats.org/officeDocument/2006/relationships" xmlns:p14="http://schemas.microsoft.com/office/powerpoint/2010/main" xmlns:p15="http://schemas.microsoft.com/office/powerpoint/2012/main" xmlns:mc="http://schemas.openxmlformats.org/markup-compatibility/2006" type="titleOnly" preserve="1">
   <p:cSld name="Title Only">
     <p:spTree>
       <p:nvGrpSpPr>
@@ -2664,18 +2446,17 @@
         </p:nvSpPr>
         <p:spPr>
           <a:xfrm>
-            <a:off x="1097280" y="286560"/>
-            <a:ext cx="10057320" cy="1449720"/>
-          </a:xfrm>
-          <a:prstGeom prst="rect">
-            <a:avLst/>
-          </a:prstGeom>
-        </p:spPr>
-        <p:txBody>
-          <a:bodyPr lIns="0" tIns="0" rIns="0" bIns="0" anchor="ctr"/>
-          <a:lstStyle/>
-          <a:p>
-            <a:endParaRPr lang="en-US" sz="1800" b="0" strike="noStrike" spc="-1">
+            <a:off x="609480" y="273600"/>
+            <a:ext cx="10972440" cy="1144800"/>
+          </a:xfrm>
+          <a:prstGeom prst="rect">
+            <a:avLst/>
+          </a:prstGeom>
+        </p:spPr>
+        <p:txBody>
+          <a:bodyPr lIns="0" rIns="0" tIns="0" bIns="0" anchor="ctr"/>
+          <a:p>
+            <a:endParaRPr b="0" lang="en-US" sz="1800" spc="-1" strike="noStrike">
               <a:solidFill>
                 <a:srgbClr val="000000"/>
               </a:solidFill>
@@ -2686,14 +2467,11 @@
       </p:sp>
     </p:spTree>
   </p:cSld>
-  <p:clrMapOvr>
-    <a:masterClrMapping/>
-  </p:clrMapOvr>
 </p:sldLayout>
 </file>
 
 <file path=ppt/slideLayouts/slideLayout3.xml><?xml version="1.0" encoding="utf-8"?>
-<p:sldLayout xmlns:a="http://schemas.openxmlformats.org/drawingml/2006/main" xmlns:r="http://schemas.openxmlformats.org/officeDocument/2006/relationships" xmlns:p="http://schemas.openxmlformats.org/presentationml/2006/main" type="obj" preserve="1">
+<p:sldLayout xmlns:a="http://schemas.openxmlformats.org/drawingml/2006/main" xmlns:p="http://schemas.openxmlformats.org/presentationml/2006/main" xmlns:r="http://schemas.openxmlformats.org/officeDocument/2006/relationships" xmlns:p14="http://schemas.microsoft.com/office/powerpoint/2010/main" xmlns:p15="http://schemas.microsoft.com/office/powerpoint/2012/main" xmlns:mc="http://schemas.openxmlformats.org/markup-compatibility/2006" type="obj" preserve="1">
   <p:cSld name="Title, Content">
     <p:spTree>
       <p:nvGrpSpPr>
@@ -2721,18 +2499,17 @@
         </p:nvSpPr>
         <p:spPr>
           <a:xfrm>
-            <a:off x="1097280" y="286560"/>
-            <a:ext cx="10057320" cy="1449720"/>
-          </a:xfrm>
-          <a:prstGeom prst="rect">
-            <a:avLst/>
-          </a:prstGeom>
-        </p:spPr>
-        <p:txBody>
-          <a:bodyPr lIns="0" tIns="0" rIns="0" bIns="0" anchor="ctr"/>
-          <a:lstStyle/>
-          <a:p>
-            <a:endParaRPr lang="en-US" sz="1800" b="0" strike="noStrike" spc="-1">
+            <a:off x="609480" y="273600"/>
+            <a:ext cx="10972440" cy="1144800"/>
+          </a:xfrm>
+          <a:prstGeom prst="rect">
+            <a:avLst/>
+          </a:prstGeom>
+        </p:spPr>
+        <p:txBody>
+          <a:bodyPr lIns="0" rIns="0" tIns="0" bIns="0" anchor="ctr"/>
+          <a:p>
+            <a:endParaRPr b="0" lang="en-US" sz="1800" spc="-1" strike="noStrike">
               <a:solidFill>
                 <a:srgbClr val="000000"/>
               </a:solidFill>
@@ -2754,19 +2531,18 @@
         <p:spPr>
           <a:xfrm>
             <a:off x="609480" y="1604520"/>
-            <a:ext cx="10972080" cy="3976920"/>
-          </a:xfrm>
-          <a:prstGeom prst="rect">
-            <a:avLst/>
-          </a:prstGeom>
-        </p:spPr>
-        <p:txBody>
-          <a:bodyPr lIns="0" tIns="0" rIns="0" bIns="0">
+            <a:ext cx="10972440" cy="3977280"/>
+          </a:xfrm>
+          <a:prstGeom prst="rect">
+            <a:avLst/>
+          </a:prstGeom>
+        </p:spPr>
+        <p:txBody>
+          <a:bodyPr lIns="0" rIns="0" tIns="0" bIns="0">
             <a:normAutofit/>
           </a:bodyPr>
-          <a:lstStyle/>
-          <a:p>
-            <a:endParaRPr lang="en-US" sz="2800" b="0" strike="noStrike" spc="-1">
+          <a:p>
+            <a:endParaRPr b="0" lang="en-US" sz="1800" spc="-1" strike="noStrike">
               <a:solidFill>
                 <a:srgbClr val="000000"/>
               </a:solidFill>
@@ -2777,14 +2553,11 @@
       </p:sp>
     </p:spTree>
   </p:cSld>
-  <p:clrMapOvr>
-    <a:masterClrMapping/>
-  </p:clrMapOvr>
 </p:sldLayout>
 </file>
 
 <file path=ppt/slideLayouts/slideLayout30.xml><?xml version="1.0" encoding="utf-8"?>
-<p:sldLayout xmlns:a="http://schemas.openxmlformats.org/drawingml/2006/main" xmlns:r="http://schemas.openxmlformats.org/officeDocument/2006/relationships" xmlns:p="http://schemas.openxmlformats.org/presentationml/2006/main" type="objOnly" preserve="1">
+<p:sldLayout xmlns:a="http://schemas.openxmlformats.org/drawingml/2006/main" xmlns:p="http://schemas.openxmlformats.org/presentationml/2006/main" xmlns:r="http://schemas.openxmlformats.org/officeDocument/2006/relationships" xmlns:p14="http://schemas.microsoft.com/office/powerpoint/2010/main" xmlns:p15="http://schemas.microsoft.com/office/powerpoint/2012/main" xmlns:mc="http://schemas.openxmlformats.org/markup-compatibility/2006" type="objOnly" preserve="1">
   <p:cSld name="Centered Text">
     <p:spTree>
       <p:nvGrpSpPr>
@@ -2812,19 +2585,18 @@
         </p:nvSpPr>
         <p:spPr>
           <a:xfrm>
-            <a:off x="1097280" y="286560"/>
-            <a:ext cx="10057320" cy="6721200"/>
-          </a:xfrm>
-          <a:prstGeom prst="rect">
-            <a:avLst/>
-          </a:prstGeom>
-        </p:spPr>
-        <p:txBody>
-          <a:bodyPr lIns="0" tIns="0" rIns="0" bIns="0" anchor="ctr"/>
-          <a:lstStyle/>
+            <a:off x="609480" y="273600"/>
+            <a:ext cx="10972440" cy="5307840"/>
+          </a:xfrm>
+          <a:prstGeom prst="rect">
+            <a:avLst/>
+          </a:prstGeom>
+        </p:spPr>
+        <p:txBody>
+          <a:bodyPr lIns="0" rIns="0" tIns="0" bIns="0" anchor="ctr"/>
           <a:p>
             <a:pPr algn="ctr"/>
-            <a:endParaRPr lang="en-US" sz="3200" b="0" strike="noStrike" spc="-1">
+            <a:endParaRPr b="0" lang="en-US" sz="3200" spc="-1" strike="noStrike">
               <a:latin typeface="Arial"/>
             </a:endParaRPr>
           </a:p>
@@ -2832,14 +2604,11 @@
       </p:sp>
     </p:spTree>
   </p:cSld>
-  <p:clrMapOvr>
-    <a:masterClrMapping/>
-  </p:clrMapOvr>
 </p:sldLayout>
 </file>
 
 <file path=ppt/slideLayouts/slideLayout31.xml><?xml version="1.0" encoding="utf-8"?>
-<p:sldLayout xmlns:a="http://schemas.openxmlformats.org/drawingml/2006/main" xmlns:r="http://schemas.openxmlformats.org/officeDocument/2006/relationships" xmlns:p="http://schemas.openxmlformats.org/presentationml/2006/main" type="twoObjAndObj" preserve="1">
+<p:sldLayout xmlns:a="http://schemas.openxmlformats.org/drawingml/2006/main" xmlns:p="http://schemas.openxmlformats.org/presentationml/2006/main" xmlns:r="http://schemas.openxmlformats.org/officeDocument/2006/relationships" xmlns:p14="http://schemas.microsoft.com/office/powerpoint/2010/main" xmlns:p15="http://schemas.microsoft.com/office/powerpoint/2012/main" xmlns:mc="http://schemas.openxmlformats.org/markup-compatibility/2006" type="twoObjAndObj" preserve="1">
   <p:cSld name="Title, 2 Content and Content">
     <p:spTree>
       <p:nvGrpSpPr>
@@ -2867,18 +2636,17 @@
         </p:nvSpPr>
         <p:spPr>
           <a:xfrm>
-            <a:off x="1097280" y="286560"/>
-            <a:ext cx="10057320" cy="1449720"/>
-          </a:xfrm>
-          <a:prstGeom prst="rect">
-            <a:avLst/>
-          </a:prstGeom>
-        </p:spPr>
-        <p:txBody>
-          <a:bodyPr lIns="0" tIns="0" rIns="0" bIns="0" anchor="ctr"/>
-          <a:lstStyle/>
-          <a:p>
-            <a:endParaRPr lang="en-US" sz="1800" b="0" strike="noStrike" spc="-1">
+            <a:off x="609480" y="273600"/>
+            <a:ext cx="10972440" cy="1144800"/>
+          </a:xfrm>
+          <a:prstGeom prst="rect">
+            <a:avLst/>
+          </a:prstGeom>
+        </p:spPr>
+        <p:txBody>
+          <a:bodyPr lIns="0" rIns="0" tIns="0" bIns="0" anchor="ctr"/>
+          <a:p>
+            <a:endParaRPr b="0" lang="en-US" sz="1800" spc="-1" strike="noStrike">
               <a:solidFill>
                 <a:srgbClr val="000000"/>
               </a:solidFill>
@@ -2907,12 +2675,11 @@
           </a:prstGeom>
         </p:spPr>
         <p:txBody>
-          <a:bodyPr lIns="0" tIns="0" rIns="0" bIns="0">
+          <a:bodyPr lIns="0" rIns="0" tIns="0" bIns="0">
             <a:normAutofit/>
           </a:bodyPr>
-          <a:lstStyle/>
-          <a:p>
-            <a:endParaRPr lang="en-US" sz="2800" b="0" strike="noStrike" spc="-1">
+          <a:p>
+            <a:endParaRPr b="0" lang="en-US" sz="1800" spc="-1" strike="noStrike">
               <a:solidFill>
                 <a:srgbClr val="000000"/>
               </a:solidFill>
@@ -2934,19 +2701,18 @@
         <p:spPr>
           <a:xfrm>
             <a:off x="6231960" y="1604520"/>
-            <a:ext cx="5354280" cy="3976920"/>
-          </a:xfrm>
-          <a:prstGeom prst="rect">
-            <a:avLst/>
-          </a:prstGeom>
-        </p:spPr>
-        <p:txBody>
-          <a:bodyPr lIns="0" tIns="0" rIns="0" bIns="0">
+            <a:ext cx="5354280" cy="3977280"/>
+          </a:xfrm>
+          <a:prstGeom prst="rect">
+            <a:avLst/>
+          </a:prstGeom>
+        </p:spPr>
+        <p:txBody>
+          <a:bodyPr lIns="0" rIns="0" tIns="0" bIns="0">
             <a:normAutofit/>
           </a:bodyPr>
-          <a:lstStyle/>
-          <a:p>
-            <a:endParaRPr lang="en-US" sz="2800" b="0" strike="noStrike" spc="-1">
+          <a:p>
+            <a:endParaRPr b="0" lang="en-US" sz="1800" spc="-1" strike="noStrike">
               <a:solidFill>
                 <a:srgbClr val="000000"/>
               </a:solidFill>
@@ -2975,12 +2741,11 @@
           </a:prstGeom>
         </p:spPr>
         <p:txBody>
-          <a:bodyPr lIns="0" tIns="0" rIns="0" bIns="0">
+          <a:bodyPr lIns="0" rIns="0" tIns="0" bIns="0">
             <a:normAutofit/>
           </a:bodyPr>
-          <a:lstStyle/>
-          <a:p>
-            <a:endParaRPr lang="en-US" sz="2800" b="0" strike="noStrike" spc="-1">
+          <a:p>
+            <a:endParaRPr b="0" lang="en-US" sz="1800" spc="-1" strike="noStrike">
               <a:solidFill>
                 <a:srgbClr val="000000"/>
               </a:solidFill>
@@ -2991,14 +2756,11 @@
       </p:sp>
     </p:spTree>
   </p:cSld>
-  <p:clrMapOvr>
-    <a:masterClrMapping/>
-  </p:clrMapOvr>
 </p:sldLayout>
 </file>
 
 <file path=ppt/slideLayouts/slideLayout32.xml><?xml version="1.0" encoding="utf-8"?>
-<p:sldLayout xmlns:a="http://schemas.openxmlformats.org/drawingml/2006/main" xmlns:r="http://schemas.openxmlformats.org/officeDocument/2006/relationships" xmlns:p="http://schemas.openxmlformats.org/presentationml/2006/main" type="objAndTwoObj" preserve="1">
+<p:sldLayout xmlns:a="http://schemas.openxmlformats.org/drawingml/2006/main" xmlns:p="http://schemas.openxmlformats.org/presentationml/2006/main" xmlns:r="http://schemas.openxmlformats.org/officeDocument/2006/relationships" xmlns:p14="http://schemas.microsoft.com/office/powerpoint/2010/main" xmlns:p15="http://schemas.microsoft.com/office/powerpoint/2012/main" xmlns:mc="http://schemas.openxmlformats.org/markup-compatibility/2006" type="objAndTwoObj" preserve="1">
   <p:cSld name="Title Content and 2 Content">
     <p:spTree>
       <p:nvGrpSpPr>
@@ -3026,18 +2788,17 @@
         </p:nvSpPr>
         <p:spPr>
           <a:xfrm>
-            <a:off x="1097280" y="286560"/>
-            <a:ext cx="10057320" cy="1449720"/>
-          </a:xfrm>
-          <a:prstGeom prst="rect">
-            <a:avLst/>
-          </a:prstGeom>
-        </p:spPr>
-        <p:txBody>
-          <a:bodyPr lIns="0" tIns="0" rIns="0" bIns="0" anchor="ctr"/>
-          <a:lstStyle/>
-          <a:p>
-            <a:endParaRPr lang="en-US" sz="1800" b="0" strike="noStrike" spc="-1">
+            <a:off x="609480" y="273600"/>
+            <a:ext cx="10972440" cy="1144800"/>
+          </a:xfrm>
+          <a:prstGeom prst="rect">
+            <a:avLst/>
+          </a:prstGeom>
+        </p:spPr>
+        <p:txBody>
+          <a:bodyPr lIns="0" rIns="0" tIns="0" bIns="0" anchor="ctr"/>
+          <a:p>
+            <a:endParaRPr b="0" lang="en-US" sz="1800" spc="-1" strike="noStrike">
               <a:solidFill>
                 <a:srgbClr val="000000"/>
               </a:solidFill>
@@ -3059,19 +2820,18 @@
         <p:spPr>
           <a:xfrm>
             <a:off x="609480" y="1604520"/>
-            <a:ext cx="5354280" cy="3976920"/>
-          </a:xfrm>
-          <a:prstGeom prst="rect">
-            <a:avLst/>
-          </a:prstGeom>
-        </p:spPr>
-        <p:txBody>
-          <a:bodyPr lIns="0" tIns="0" rIns="0" bIns="0">
+            <a:ext cx="5354280" cy="3977280"/>
+          </a:xfrm>
+          <a:prstGeom prst="rect">
+            <a:avLst/>
+          </a:prstGeom>
+        </p:spPr>
+        <p:txBody>
+          <a:bodyPr lIns="0" rIns="0" tIns="0" bIns="0">
             <a:normAutofit/>
           </a:bodyPr>
-          <a:lstStyle/>
-          <a:p>
-            <a:endParaRPr lang="en-US" sz="2800" b="0" strike="noStrike" spc="-1">
+          <a:p>
+            <a:endParaRPr b="0" lang="en-US" sz="1800" spc="-1" strike="noStrike">
               <a:solidFill>
                 <a:srgbClr val="000000"/>
               </a:solidFill>
@@ -3100,12 +2860,11 @@
           </a:prstGeom>
         </p:spPr>
         <p:txBody>
-          <a:bodyPr lIns="0" tIns="0" rIns="0" bIns="0">
+          <a:bodyPr lIns="0" rIns="0" tIns="0" bIns="0">
             <a:normAutofit/>
           </a:bodyPr>
-          <a:lstStyle/>
-          <a:p>
-            <a:endParaRPr lang="en-US" sz="2800" b="0" strike="noStrike" spc="-1">
+          <a:p>
+            <a:endParaRPr b="0" lang="en-US" sz="1800" spc="-1" strike="noStrike">
               <a:solidFill>
                 <a:srgbClr val="000000"/>
               </a:solidFill>
@@ -3134,12 +2893,11 @@
           </a:prstGeom>
         </p:spPr>
         <p:txBody>
-          <a:bodyPr lIns="0" tIns="0" rIns="0" bIns="0">
+          <a:bodyPr lIns="0" rIns="0" tIns="0" bIns="0">
             <a:normAutofit/>
           </a:bodyPr>
-          <a:lstStyle/>
-          <a:p>
-            <a:endParaRPr lang="en-US" sz="2800" b="0" strike="noStrike" spc="-1">
+          <a:p>
+            <a:endParaRPr b="0" lang="en-US" sz="1800" spc="-1" strike="noStrike">
               <a:solidFill>
                 <a:srgbClr val="000000"/>
               </a:solidFill>
@@ -3150,14 +2908,11 @@
       </p:sp>
     </p:spTree>
   </p:cSld>
-  <p:clrMapOvr>
-    <a:masterClrMapping/>
-  </p:clrMapOvr>
 </p:sldLayout>
 </file>
 
 <file path=ppt/slideLayouts/slideLayout33.xml><?xml version="1.0" encoding="utf-8"?>
-<p:sldLayout xmlns:a="http://schemas.openxmlformats.org/drawingml/2006/main" xmlns:r="http://schemas.openxmlformats.org/officeDocument/2006/relationships" xmlns:p="http://schemas.openxmlformats.org/presentationml/2006/main" type="twoObjOverTx" preserve="1">
+<p:sldLayout xmlns:a="http://schemas.openxmlformats.org/drawingml/2006/main" xmlns:p="http://schemas.openxmlformats.org/presentationml/2006/main" xmlns:r="http://schemas.openxmlformats.org/officeDocument/2006/relationships" xmlns:p14="http://schemas.microsoft.com/office/powerpoint/2010/main" xmlns:p15="http://schemas.microsoft.com/office/powerpoint/2012/main" xmlns:mc="http://schemas.openxmlformats.org/markup-compatibility/2006" type="twoObjOverTx" preserve="1">
   <p:cSld name="Title, 2 Content over Content">
     <p:spTree>
       <p:nvGrpSpPr>
@@ -3185,18 +2940,17 @@
         </p:nvSpPr>
         <p:spPr>
           <a:xfrm>
-            <a:off x="1097280" y="286560"/>
-            <a:ext cx="10057320" cy="1449720"/>
-          </a:xfrm>
-          <a:prstGeom prst="rect">
-            <a:avLst/>
-          </a:prstGeom>
-        </p:spPr>
-        <p:txBody>
-          <a:bodyPr lIns="0" tIns="0" rIns="0" bIns="0" anchor="ctr"/>
-          <a:lstStyle/>
-          <a:p>
-            <a:endParaRPr lang="en-US" sz="1800" b="0" strike="noStrike" spc="-1">
+            <a:off x="609480" y="273600"/>
+            <a:ext cx="10972440" cy="1144800"/>
+          </a:xfrm>
+          <a:prstGeom prst="rect">
+            <a:avLst/>
+          </a:prstGeom>
+        </p:spPr>
+        <p:txBody>
+          <a:bodyPr lIns="0" rIns="0" tIns="0" bIns="0" anchor="ctr"/>
+          <a:p>
+            <a:endParaRPr b="0" lang="en-US" sz="1800" spc="-1" strike="noStrike">
               <a:solidFill>
                 <a:srgbClr val="000000"/>
               </a:solidFill>
@@ -3225,12 +2979,11 @@
           </a:prstGeom>
         </p:spPr>
         <p:txBody>
-          <a:bodyPr lIns="0" tIns="0" rIns="0" bIns="0">
+          <a:bodyPr lIns="0" rIns="0" tIns="0" bIns="0">
             <a:normAutofit/>
           </a:bodyPr>
-          <a:lstStyle/>
-          <a:p>
-            <a:endParaRPr lang="en-US" sz="2800" b="0" strike="noStrike" spc="-1">
+          <a:p>
+            <a:endParaRPr b="0" lang="en-US" sz="1800" spc="-1" strike="noStrike">
               <a:solidFill>
                 <a:srgbClr val="000000"/>
               </a:solidFill>
@@ -3259,12 +3012,11 @@
           </a:prstGeom>
         </p:spPr>
         <p:txBody>
-          <a:bodyPr lIns="0" tIns="0" rIns="0" bIns="0">
+          <a:bodyPr lIns="0" rIns="0" tIns="0" bIns="0">
             <a:normAutofit/>
           </a:bodyPr>
-          <a:lstStyle/>
-          <a:p>
-            <a:endParaRPr lang="en-US" sz="2800" b="0" strike="noStrike" spc="-1">
+          <a:p>
+            <a:endParaRPr b="0" lang="en-US" sz="1800" spc="-1" strike="noStrike">
               <a:solidFill>
                 <a:srgbClr val="000000"/>
               </a:solidFill>
@@ -3286,19 +3038,18 @@
         <p:spPr>
           <a:xfrm>
             <a:off x="609480" y="3682080"/>
-            <a:ext cx="10972080" cy="1896840"/>
-          </a:xfrm>
-          <a:prstGeom prst="rect">
-            <a:avLst/>
-          </a:prstGeom>
-        </p:spPr>
-        <p:txBody>
-          <a:bodyPr lIns="0" tIns="0" rIns="0" bIns="0">
+            <a:ext cx="10972440" cy="1896840"/>
+          </a:xfrm>
+          <a:prstGeom prst="rect">
+            <a:avLst/>
+          </a:prstGeom>
+        </p:spPr>
+        <p:txBody>
+          <a:bodyPr lIns="0" rIns="0" tIns="0" bIns="0">
             <a:normAutofit/>
           </a:bodyPr>
-          <a:lstStyle/>
-          <a:p>
-            <a:endParaRPr lang="en-US" sz="2800" b="0" strike="noStrike" spc="-1">
+          <a:p>
+            <a:endParaRPr b="0" lang="en-US" sz="1800" spc="-1" strike="noStrike">
               <a:solidFill>
                 <a:srgbClr val="000000"/>
               </a:solidFill>
@@ -3309,14 +3060,11 @@
       </p:sp>
     </p:spTree>
   </p:cSld>
-  <p:clrMapOvr>
-    <a:masterClrMapping/>
-  </p:clrMapOvr>
 </p:sldLayout>
 </file>
 
 <file path=ppt/slideLayouts/slideLayout34.xml><?xml version="1.0" encoding="utf-8"?>
-<p:sldLayout xmlns:a="http://schemas.openxmlformats.org/drawingml/2006/main" xmlns:r="http://schemas.openxmlformats.org/officeDocument/2006/relationships" xmlns:p="http://schemas.openxmlformats.org/presentationml/2006/main" type="objOverTx" preserve="1">
+<p:sldLayout xmlns:a="http://schemas.openxmlformats.org/drawingml/2006/main" xmlns:p="http://schemas.openxmlformats.org/presentationml/2006/main" xmlns:r="http://schemas.openxmlformats.org/officeDocument/2006/relationships" xmlns:p14="http://schemas.microsoft.com/office/powerpoint/2010/main" xmlns:p15="http://schemas.microsoft.com/office/powerpoint/2012/main" xmlns:mc="http://schemas.openxmlformats.org/markup-compatibility/2006" type="objOverTx" preserve="1">
   <p:cSld name="Title, Content over Content">
     <p:spTree>
       <p:nvGrpSpPr>
@@ -3344,18 +3092,17 @@
         </p:nvSpPr>
         <p:spPr>
           <a:xfrm>
-            <a:off x="1097280" y="286560"/>
-            <a:ext cx="10057320" cy="1449720"/>
-          </a:xfrm>
-          <a:prstGeom prst="rect">
-            <a:avLst/>
-          </a:prstGeom>
-        </p:spPr>
-        <p:txBody>
-          <a:bodyPr lIns="0" tIns="0" rIns="0" bIns="0" anchor="ctr"/>
-          <a:lstStyle/>
-          <a:p>
-            <a:endParaRPr lang="en-US" sz="1800" b="0" strike="noStrike" spc="-1">
+            <a:off x="609480" y="273600"/>
+            <a:ext cx="10972440" cy="1144800"/>
+          </a:xfrm>
+          <a:prstGeom prst="rect">
+            <a:avLst/>
+          </a:prstGeom>
+        </p:spPr>
+        <p:txBody>
+          <a:bodyPr lIns="0" rIns="0" tIns="0" bIns="0" anchor="ctr"/>
+          <a:p>
+            <a:endParaRPr b="0" lang="en-US" sz="1800" spc="-1" strike="noStrike">
               <a:solidFill>
                 <a:srgbClr val="000000"/>
               </a:solidFill>
@@ -3377,19 +3124,18 @@
         <p:spPr>
           <a:xfrm>
             <a:off x="609480" y="1604520"/>
-            <a:ext cx="10972080" cy="1896840"/>
-          </a:xfrm>
-          <a:prstGeom prst="rect">
-            <a:avLst/>
-          </a:prstGeom>
-        </p:spPr>
-        <p:txBody>
-          <a:bodyPr lIns="0" tIns="0" rIns="0" bIns="0">
+            <a:ext cx="10972440" cy="1896840"/>
+          </a:xfrm>
+          <a:prstGeom prst="rect">
+            <a:avLst/>
+          </a:prstGeom>
+        </p:spPr>
+        <p:txBody>
+          <a:bodyPr lIns="0" rIns="0" tIns="0" bIns="0">
             <a:normAutofit/>
           </a:bodyPr>
-          <a:lstStyle/>
-          <a:p>
-            <a:endParaRPr lang="en-US" sz="2800" b="0" strike="noStrike" spc="-1">
+          <a:p>
+            <a:endParaRPr b="0" lang="en-US" sz="1800" spc="-1" strike="noStrike">
               <a:solidFill>
                 <a:srgbClr val="000000"/>
               </a:solidFill>
@@ -3411,19 +3157,18 @@
         <p:spPr>
           <a:xfrm>
             <a:off x="609480" y="3682080"/>
-            <a:ext cx="10972080" cy="1896840"/>
-          </a:xfrm>
-          <a:prstGeom prst="rect">
-            <a:avLst/>
-          </a:prstGeom>
-        </p:spPr>
-        <p:txBody>
-          <a:bodyPr lIns="0" tIns="0" rIns="0" bIns="0">
+            <a:ext cx="10972440" cy="1896840"/>
+          </a:xfrm>
+          <a:prstGeom prst="rect">
+            <a:avLst/>
+          </a:prstGeom>
+        </p:spPr>
+        <p:txBody>
+          <a:bodyPr lIns="0" rIns="0" tIns="0" bIns="0">
             <a:normAutofit/>
           </a:bodyPr>
-          <a:lstStyle/>
-          <a:p>
-            <a:endParaRPr lang="en-US" sz="2800" b="0" strike="noStrike" spc="-1">
+          <a:p>
+            <a:endParaRPr b="0" lang="en-US" sz="1800" spc="-1" strike="noStrike">
               <a:solidFill>
                 <a:srgbClr val="000000"/>
               </a:solidFill>
@@ -3434,14 +3179,11 @@
       </p:sp>
     </p:spTree>
   </p:cSld>
-  <p:clrMapOvr>
-    <a:masterClrMapping/>
-  </p:clrMapOvr>
 </p:sldLayout>
 </file>
 
 <file path=ppt/slideLayouts/slideLayout35.xml><?xml version="1.0" encoding="utf-8"?>
-<p:sldLayout xmlns:a="http://schemas.openxmlformats.org/drawingml/2006/main" xmlns:r="http://schemas.openxmlformats.org/officeDocument/2006/relationships" xmlns:p="http://schemas.openxmlformats.org/presentationml/2006/main" type="fourObj" preserve="1">
+<p:sldLayout xmlns:a="http://schemas.openxmlformats.org/drawingml/2006/main" xmlns:p="http://schemas.openxmlformats.org/presentationml/2006/main" xmlns:r="http://schemas.openxmlformats.org/officeDocument/2006/relationships" xmlns:p14="http://schemas.microsoft.com/office/powerpoint/2010/main" xmlns:p15="http://schemas.microsoft.com/office/powerpoint/2012/main" xmlns:mc="http://schemas.openxmlformats.org/markup-compatibility/2006" type="fourObj" preserve="1">
   <p:cSld name="Title, 4 Content">
     <p:spTree>
       <p:nvGrpSpPr>
@@ -3469,18 +3211,17 @@
         </p:nvSpPr>
         <p:spPr>
           <a:xfrm>
-            <a:off x="1097280" y="286560"/>
-            <a:ext cx="10057320" cy="1449720"/>
-          </a:xfrm>
-          <a:prstGeom prst="rect">
-            <a:avLst/>
-          </a:prstGeom>
-        </p:spPr>
-        <p:txBody>
-          <a:bodyPr lIns="0" tIns="0" rIns="0" bIns="0" anchor="ctr"/>
-          <a:lstStyle/>
-          <a:p>
-            <a:endParaRPr lang="en-US" sz="1800" b="0" strike="noStrike" spc="-1">
+            <a:off x="609480" y="273600"/>
+            <a:ext cx="10972440" cy="1144800"/>
+          </a:xfrm>
+          <a:prstGeom prst="rect">
+            <a:avLst/>
+          </a:prstGeom>
+        </p:spPr>
+        <p:txBody>
+          <a:bodyPr lIns="0" rIns="0" tIns="0" bIns="0" anchor="ctr"/>
+          <a:p>
+            <a:endParaRPr b="0" lang="en-US" sz="1800" spc="-1" strike="noStrike">
               <a:solidFill>
                 <a:srgbClr val="000000"/>
               </a:solidFill>
@@ -3509,12 +3250,11 @@
           </a:prstGeom>
         </p:spPr>
         <p:txBody>
-          <a:bodyPr lIns="0" tIns="0" rIns="0" bIns="0">
+          <a:bodyPr lIns="0" rIns="0" tIns="0" bIns="0">
             <a:normAutofit/>
           </a:bodyPr>
-          <a:lstStyle/>
-          <a:p>
-            <a:endParaRPr lang="en-US" sz="2800" b="0" strike="noStrike" spc="-1">
+          <a:p>
+            <a:endParaRPr b="0" lang="en-US" sz="1800" spc="-1" strike="noStrike">
               <a:solidFill>
                 <a:srgbClr val="000000"/>
               </a:solidFill>
@@ -3543,12 +3283,11 @@
           </a:prstGeom>
         </p:spPr>
         <p:txBody>
-          <a:bodyPr lIns="0" tIns="0" rIns="0" bIns="0">
+          <a:bodyPr lIns="0" rIns="0" tIns="0" bIns="0">
             <a:normAutofit/>
           </a:bodyPr>
-          <a:lstStyle/>
-          <a:p>
-            <a:endParaRPr lang="en-US" sz="2800" b="0" strike="noStrike" spc="-1">
+          <a:p>
+            <a:endParaRPr b="0" lang="en-US" sz="1800" spc="-1" strike="noStrike">
               <a:solidFill>
                 <a:srgbClr val="000000"/>
               </a:solidFill>
@@ -3577,12 +3316,11 @@
           </a:prstGeom>
         </p:spPr>
         <p:txBody>
-          <a:bodyPr lIns="0" tIns="0" rIns="0" bIns="0">
+          <a:bodyPr lIns="0" rIns="0" tIns="0" bIns="0">
             <a:normAutofit/>
           </a:bodyPr>
-          <a:lstStyle/>
-          <a:p>
-            <a:endParaRPr lang="en-US" sz="2800" b="0" strike="noStrike" spc="-1">
+          <a:p>
+            <a:endParaRPr b="0" lang="en-US" sz="1800" spc="-1" strike="noStrike">
               <a:solidFill>
                 <a:srgbClr val="000000"/>
               </a:solidFill>
@@ -3611,12 +3349,11 @@
           </a:prstGeom>
         </p:spPr>
         <p:txBody>
-          <a:bodyPr lIns="0" tIns="0" rIns="0" bIns="0">
+          <a:bodyPr lIns="0" rIns="0" tIns="0" bIns="0">
             <a:normAutofit/>
           </a:bodyPr>
-          <a:lstStyle/>
-          <a:p>
-            <a:endParaRPr lang="en-US" sz="2800" b="0" strike="noStrike" spc="-1">
+          <a:p>
+            <a:endParaRPr b="0" lang="en-US" sz="1800" spc="-1" strike="noStrike">
               <a:solidFill>
                 <a:srgbClr val="000000"/>
               </a:solidFill>
@@ -3627,14 +3364,11 @@
       </p:sp>
     </p:spTree>
   </p:cSld>
-  <p:clrMapOvr>
-    <a:masterClrMapping/>
-  </p:clrMapOvr>
 </p:sldLayout>
 </file>
 
 <file path=ppt/slideLayouts/slideLayout36.xml><?xml version="1.0" encoding="utf-8"?>
-<p:sldLayout xmlns:a="http://schemas.openxmlformats.org/drawingml/2006/main" xmlns:r="http://schemas.openxmlformats.org/officeDocument/2006/relationships" xmlns:p="http://schemas.openxmlformats.org/presentationml/2006/main" type="blank" preserve="1">
+<p:sldLayout xmlns:a="http://schemas.openxmlformats.org/drawingml/2006/main" xmlns:p="http://schemas.openxmlformats.org/presentationml/2006/main" xmlns:r="http://schemas.openxmlformats.org/officeDocument/2006/relationships" xmlns:p14="http://schemas.microsoft.com/office/powerpoint/2010/main" xmlns:p15="http://schemas.microsoft.com/office/powerpoint/2012/main" xmlns:mc="http://schemas.openxmlformats.org/markup-compatibility/2006" type="blank" preserve="1">
   <p:cSld name="Title, 6 Content">
     <p:spTree>
       <p:nvGrpSpPr>
@@ -3662,18 +3396,17 @@
         </p:nvSpPr>
         <p:spPr>
           <a:xfrm>
-            <a:off x="1097280" y="286560"/>
-            <a:ext cx="10057320" cy="1449720"/>
-          </a:xfrm>
-          <a:prstGeom prst="rect">
-            <a:avLst/>
-          </a:prstGeom>
-        </p:spPr>
-        <p:txBody>
-          <a:bodyPr lIns="0" tIns="0" rIns="0" bIns="0" anchor="ctr"/>
-          <a:lstStyle/>
-          <a:p>
-            <a:endParaRPr lang="en-US" sz="1800" b="0" strike="noStrike" spc="-1">
+            <a:off x="609480" y="273600"/>
+            <a:ext cx="10972440" cy="1144800"/>
+          </a:xfrm>
+          <a:prstGeom prst="rect">
+            <a:avLst/>
+          </a:prstGeom>
+        </p:spPr>
+        <p:txBody>
+          <a:bodyPr lIns="0" rIns="0" tIns="0" bIns="0" anchor="ctr"/>
+          <a:p>
+            <a:endParaRPr b="0" lang="en-US" sz="1800" spc="-1" strike="noStrike">
               <a:solidFill>
                 <a:srgbClr val="000000"/>
               </a:solidFill>
@@ -3695,19 +3428,18 @@
         <p:spPr>
           <a:xfrm>
             <a:off x="609480" y="1604520"/>
-            <a:ext cx="3532680" cy="1896840"/>
-          </a:xfrm>
-          <a:prstGeom prst="rect">
-            <a:avLst/>
-          </a:prstGeom>
-        </p:spPr>
-        <p:txBody>
-          <a:bodyPr lIns="0" tIns="0" rIns="0" bIns="0">
+            <a:ext cx="3533040" cy="1896840"/>
+          </a:xfrm>
+          <a:prstGeom prst="rect">
+            <a:avLst/>
+          </a:prstGeom>
+        </p:spPr>
+        <p:txBody>
+          <a:bodyPr lIns="0" rIns="0" tIns="0" bIns="0">
             <a:normAutofit/>
           </a:bodyPr>
-          <a:lstStyle/>
-          <a:p>
-            <a:endParaRPr lang="en-US" sz="2800" b="0" strike="noStrike" spc="-1">
+          <a:p>
+            <a:endParaRPr b="0" lang="en-US" sz="1800" spc="-1" strike="noStrike">
               <a:solidFill>
                 <a:srgbClr val="000000"/>
               </a:solidFill>
@@ -3728,20 +3460,19 @@
         </p:nvSpPr>
         <p:spPr>
           <a:xfrm>
-            <a:off x="4319280" y="1604520"/>
-            <a:ext cx="3532680" cy="1896840"/>
-          </a:xfrm>
-          <a:prstGeom prst="rect">
-            <a:avLst/>
-          </a:prstGeom>
-        </p:spPr>
-        <p:txBody>
-          <a:bodyPr lIns="0" tIns="0" rIns="0" bIns="0">
+            <a:off x="4319640" y="1604520"/>
+            <a:ext cx="3533040" cy="1896840"/>
+          </a:xfrm>
+          <a:prstGeom prst="rect">
+            <a:avLst/>
+          </a:prstGeom>
+        </p:spPr>
+        <p:txBody>
+          <a:bodyPr lIns="0" rIns="0" tIns="0" bIns="0">
             <a:normAutofit/>
           </a:bodyPr>
-          <a:lstStyle/>
-          <a:p>
-            <a:endParaRPr lang="en-US" sz="2800" b="0" strike="noStrike" spc="-1">
+          <a:p>
+            <a:endParaRPr b="0" lang="en-US" sz="1800" spc="-1" strike="noStrike">
               <a:solidFill>
                 <a:srgbClr val="000000"/>
               </a:solidFill>
@@ -3762,20 +3493,19 @@
         </p:nvSpPr>
         <p:spPr>
           <a:xfrm>
-            <a:off x="8028720" y="1604520"/>
-            <a:ext cx="3532680" cy="1896840"/>
-          </a:xfrm>
-          <a:prstGeom prst="rect">
-            <a:avLst/>
-          </a:prstGeom>
-        </p:spPr>
-        <p:txBody>
-          <a:bodyPr lIns="0" tIns="0" rIns="0" bIns="0">
+            <a:off x="8029800" y="1604520"/>
+            <a:ext cx="3533040" cy="1896840"/>
+          </a:xfrm>
+          <a:prstGeom prst="rect">
+            <a:avLst/>
+          </a:prstGeom>
+        </p:spPr>
+        <p:txBody>
+          <a:bodyPr lIns="0" rIns="0" tIns="0" bIns="0">
             <a:normAutofit/>
           </a:bodyPr>
-          <a:lstStyle/>
-          <a:p>
-            <a:endParaRPr lang="en-US" sz="2800" b="0" strike="noStrike" spc="-1">
+          <a:p>
+            <a:endParaRPr b="0" lang="en-US" sz="1800" spc="-1" strike="noStrike">
               <a:solidFill>
                 <a:srgbClr val="000000"/>
               </a:solidFill>
@@ -3797,19 +3527,18 @@
         <p:spPr>
           <a:xfrm>
             <a:off x="609480" y="3682080"/>
-            <a:ext cx="3532680" cy="1896840"/>
-          </a:xfrm>
-          <a:prstGeom prst="rect">
-            <a:avLst/>
-          </a:prstGeom>
-        </p:spPr>
-        <p:txBody>
-          <a:bodyPr lIns="0" tIns="0" rIns="0" bIns="0">
+            <a:ext cx="3533040" cy="1896840"/>
+          </a:xfrm>
+          <a:prstGeom prst="rect">
+            <a:avLst/>
+          </a:prstGeom>
+        </p:spPr>
+        <p:txBody>
+          <a:bodyPr lIns="0" rIns="0" tIns="0" bIns="0">
             <a:normAutofit/>
           </a:bodyPr>
-          <a:lstStyle/>
-          <a:p>
-            <a:endParaRPr lang="en-US" sz="2800" b="0" strike="noStrike" spc="-1">
+          <a:p>
+            <a:endParaRPr b="0" lang="en-US" sz="1800" spc="-1" strike="noStrike">
               <a:solidFill>
                 <a:srgbClr val="000000"/>
               </a:solidFill>
@@ -3830,20 +3559,19 @@
         </p:nvSpPr>
         <p:spPr>
           <a:xfrm>
-            <a:off x="4319280" y="3682080"/>
-            <a:ext cx="3532680" cy="1896840"/>
-          </a:xfrm>
-          <a:prstGeom prst="rect">
-            <a:avLst/>
-          </a:prstGeom>
-        </p:spPr>
-        <p:txBody>
-          <a:bodyPr lIns="0" tIns="0" rIns="0" bIns="0">
+            <a:off x="4319640" y="3682080"/>
+            <a:ext cx="3533040" cy="1896840"/>
+          </a:xfrm>
+          <a:prstGeom prst="rect">
+            <a:avLst/>
+          </a:prstGeom>
+        </p:spPr>
+        <p:txBody>
+          <a:bodyPr lIns="0" rIns="0" tIns="0" bIns="0">
             <a:normAutofit/>
           </a:bodyPr>
-          <a:lstStyle/>
-          <a:p>
-            <a:endParaRPr lang="en-US" sz="2800" b="0" strike="noStrike" spc="-1">
+          <a:p>
+            <a:endParaRPr b="0" lang="en-US" sz="1800" spc="-1" strike="noStrike">
               <a:solidFill>
                 <a:srgbClr val="000000"/>
               </a:solidFill>
@@ -3864,20 +3592,19 @@
         </p:nvSpPr>
         <p:spPr>
           <a:xfrm>
-            <a:off x="8028720" y="3682080"/>
-            <a:ext cx="3532680" cy="1896840"/>
-          </a:xfrm>
-          <a:prstGeom prst="rect">
-            <a:avLst/>
-          </a:prstGeom>
-        </p:spPr>
-        <p:txBody>
-          <a:bodyPr lIns="0" tIns="0" rIns="0" bIns="0">
+            <a:off x="8029800" y="3682080"/>
+            <a:ext cx="3533040" cy="1896840"/>
+          </a:xfrm>
+          <a:prstGeom prst="rect">
+            <a:avLst/>
+          </a:prstGeom>
+        </p:spPr>
+        <p:txBody>
+          <a:bodyPr lIns="0" rIns="0" tIns="0" bIns="0">
             <a:normAutofit/>
           </a:bodyPr>
-          <a:lstStyle/>
-          <a:p>
-            <a:endParaRPr lang="en-US" sz="2800" b="0" strike="noStrike" spc="-1">
+          <a:p>
+            <a:endParaRPr b="0" lang="en-US" sz="1800" spc="-1" strike="noStrike">
               <a:solidFill>
                 <a:srgbClr val="000000"/>
               </a:solidFill>
@@ -3888,14 +3615,11 @@
       </p:sp>
     </p:spTree>
   </p:cSld>
-  <p:clrMapOvr>
-    <a:masterClrMapping/>
-  </p:clrMapOvr>
 </p:sldLayout>
 </file>
 
 <file path=ppt/slideLayouts/slideLayout4.xml><?xml version="1.0" encoding="utf-8"?>
-<p:sldLayout xmlns:a="http://schemas.openxmlformats.org/drawingml/2006/main" xmlns:r="http://schemas.openxmlformats.org/officeDocument/2006/relationships" xmlns:p="http://schemas.openxmlformats.org/presentationml/2006/main" type="twoObj" preserve="1">
+<p:sldLayout xmlns:a="http://schemas.openxmlformats.org/drawingml/2006/main" xmlns:p="http://schemas.openxmlformats.org/presentationml/2006/main" xmlns:r="http://schemas.openxmlformats.org/officeDocument/2006/relationships" xmlns:p14="http://schemas.microsoft.com/office/powerpoint/2010/main" xmlns:p15="http://schemas.microsoft.com/office/powerpoint/2012/main" xmlns:mc="http://schemas.openxmlformats.org/markup-compatibility/2006" type="twoObj" preserve="1">
   <p:cSld name="Title, 2 Content">
     <p:spTree>
       <p:nvGrpSpPr>
@@ -3923,18 +3647,17 @@
         </p:nvSpPr>
         <p:spPr>
           <a:xfrm>
-            <a:off x="1097280" y="286560"/>
-            <a:ext cx="10057320" cy="1449720"/>
-          </a:xfrm>
-          <a:prstGeom prst="rect">
-            <a:avLst/>
-          </a:prstGeom>
-        </p:spPr>
-        <p:txBody>
-          <a:bodyPr lIns="0" tIns="0" rIns="0" bIns="0" anchor="ctr"/>
-          <a:lstStyle/>
-          <a:p>
-            <a:endParaRPr lang="en-US" sz="1800" b="0" strike="noStrike" spc="-1">
+            <a:off x="609480" y="273600"/>
+            <a:ext cx="10972440" cy="1144800"/>
+          </a:xfrm>
+          <a:prstGeom prst="rect">
+            <a:avLst/>
+          </a:prstGeom>
+        </p:spPr>
+        <p:txBody>
+          <a:bodyPr lIns="0" rIns="0" tIns="0" bIns="0" anchor="ctr"/>
+          <a:p>
+            <a:endParaRPr b="0" lang="en-US" sz="1800" spc="-1" strike="noStrike">
               <a:solidFill>
                 <a:srgbClr val="000000"/>
               </a:solidFill>
@@ -3956,19 +3679,18 @@
         <p:spPr>
           <a:xfrm>
             <a:off x="609480" y="1604520"/>
-            <a:ext cx="5354280" cy="3976920"/>
-          </a:xfrm>
-          <a:prstGeom prst="rect">
-            <a:avLst/>
-          </a:prstGeom>
-        </p:spPr>
-        <p:txBody>
-          <a:bodyPr lIns="0" tIns="0" rIns="0" bIns="0">
+            <a:ext cx="5354280" cy="3977280"/>
+          </a:xfrm>
+          <a:prstGeom prst="rect">
+            <a:avLst/>
+          </a:prstGeom>
+        </p:spPr>
+        <p:txBody>
+          <a:bodyPr lIns="0" rIns="0" tIns="0" bIns="0">
             <a:normAutofit/>
           </a:bodyPr>
-          <a:lstStyle/>
-          <a:p>
-            <a:endParaRPr lang="en-US" sz="2800" b="0" strike="noStrike" spc="-1">
+          <a:p>
+            <a:endParaRPr b="0" lang="en-US" sz="1800" spc="-1" strike="noStrike">
               <a:solidFill>
                 <a:srgbClr val="000000"/>
               </a:solidFill>
@@ -3990,19 +3712,18 @@
         <p:spPr>
           <a:xfrm>
             <a:off x="6231960" y="1604520"/>
-            <a:ext cx="5354280" cy="3976920"/>
-          </a:xfrm>
-          <a:prstGeom prst="rect">
-            <a:avLst/>
-          </a:prstGeom>
-        </p:spPr>
-        <p:txBody>
-          <a:bodyPr lIns="0" tIns="0" rIns="0" bIns="0">
+            <a:ext cx="5354280" cy="3977280"/>
+          </a:xfrm>
+          <a:prstGeom prst="rect">
+            <a:avLst/>
+          </a:prstGeom>
+        </p:spPr>
+        <p:txBody>
+          <a:bodyPr lIns="0" rIns="0" tIns="0" bIns="0">
             <a:normAutofit/>
           </a:bodyPr>
-          <a:lstStyle/>
-          <a:p>
-            <a:endParaRPr lang="en-US" sz="2800" b="0" strike="noStrike" spc="-1">
+          <a:p>
+            <a:endParaRPr b="0" lang="en-US" sz="1800" spc="-1" strike="noStrike">
               <a:solidFill>
                 <a:srgbClr val="000000"/>
               </a:solidFill>
@@ -4013,14 +3734,11 @@
       </p:sp>
     </p:spTree>
   </p:cSld>
-  <p:clrMapOvr>
-    <a:masterClrMapping/>
-  </p:clrMapOvr>
 </p:sldLayout>
 </file>
 
 <file path=ppt/slideLayouts/slideLayout5.xml><?xml version="1.0" encoding="utf-8"?>
-<p:sldLayout xmlns:a="http://schemas.openxmlformats.org/drawingml/2006/main" xmlns:r="http://schemas.openxmlformats.org/officeDocument/2006/relationships" xmlns:p="http://schemas.openxmlformats.org/presentationml/2006/main" type="titleOnly" preserve="1">
+<p:sldLayout xmlns:a="http://schemas.openxmlformats.org/drawingml/2006/main" xmlns:p="http://schemas.openxmlformats.org/presentationml/2006/main" xmlns:r="http://schemas.openxmlformats.org/officeDocument/2006/relationships" xmlns:p14="http://schemas.microsoft.com/office/powerpoint/2010/main" xmlns:p15="http://schemas.microsoft.com/office/powerpoint/2012/main" xmlns:mc="http://schemas.openxmlformats.org/markup-compatibility/2006" type="titleOnly" preserve="1">
   <p:cSld name="Title Only">
     <p:spTree>
       <p:nvGrpSpPr>
@@ -4048,18 +3766,17 @@
         </p:nvSpPr>
         <p:spPr>
           <a:xfrm>
-            <a:off x="1097280" y="286560"/>
-            <a:ext cx="10057320" cy="1449720"/>
-          </a:xfrm>
-          <a:prstGeom prst="rect">
-            <a:avLst/>
-          </a:prstGeom>
-        </p:spPr>
-        <p:txBody>
-          <a:bodyPr lIns="0" tIns="0" rIns="0" bIns="0" anchor="ctr"/>
-          <a:lstStyle/>
-          <a:p>
-            <a:endParaRPr lang="en-US" sz="1800" b="0" strike="noStrike" spc="-1">
+            <a:off x="609480" y="273600"/>
+            <a:ext cx="10972440" cy="1144800"/>
+          </a:xfrm>
+          <a:prstGeom prst="rect">
+            <a:avLst/>
+          </a:prstGeom>
+        </p:spPr>
+        <p:txBody>
+          <a:bodyPr lIns="0" rIns="0" tIns="0" bIns="0" anchor="ctr"/>
+          <a:p>
+            <a:endParaRPr b="0" lang="en-US" sz="1800" spc="-1" strike="noStrike">
               <a:solidFill>
                 <a:srgbClr val="000000"/>
               </a:solidFill>
@@ -4070,14 +3787,11 @@
       </p:sp>
     </p:spTree>
   </p:cSld>
-  <p:clrMapOvr>
-    <a:masterClrMapping/>
-  </p:clrMapOvr>
 </p:sldLayout>
 </file>
 
 <file path=ppt/slideLayouts/slideLayout6.xml><?xml version="1.0" encoding="utf-8"?>
-<p:sldLayout xmlns:a="http://schemas.openxmlformats.org/drawingml/2006/main" xmlns:r="http://schemas.openxmlformats.org/officeDocument/2006/relationships" xmlns:p="http://schemas.openxmlformats.org/presentationml/2006/main" type="objOnly" preserve="1">
+<p:sldLayout xmlns:a="http://schemas.openxmlformats.org/drawingml/2006/main" xmlns:p="http://schemas.openxmlformats.org/presentationml/2006/main" xmlns:r="http://schemas.openxmlformats.org/officeDocument/2006/relationships" xmlns:p14="http://schemas.microsoft.com/office/powerpoint/2010/main" xmlns:p15="http://schemas.microsoft.com/office/powerpoint/2012/main" xmlns:mc="http://schemas.openxmlformats.org/markup-compatibility/2006" type="objOnly" preserve="1">
   <p:cSld name="Centered Text">
     <p:spTree>
       <p:nvGrpSpPr>
@@ -4105,19 +3819,18 @@
         </p:nvSpPr>
         <p:spPr>
           <a:xfrm>
-            <a:off x="1097280" y="286560"/>
-            <a:ext cx="10057320" cy="6721200"/>
-          </a:xfrm>
-          <a:prstGeom prst="rect">
-            <a:avLst/>
-          </a:prstGeom>
-        </p:spPr>
-        <p:txBody>
-          <a:bodyPr lIns="0" tIns="0" rIns="0" bIns="0" anchor="ctr"/>
-          <a:lstStyle/>
+            <a:off x="609480" y="273600"/>
+            <a:ext cx="10972440" cy="5307840"/>
+          </a:xfrm>
+          <a:prstGeom prst="rect">
+            <a:avLst/>
+          </a:prstGeom>
+        </p:spPr>
+        <p:txBody>
+          <a:bodyPr lIns="0" rIns="0" tIns="0" bIns="0" anchor="ctr"/>
           <a:p>
             <a:pPr algn="ctr"/>
-            <a:endParaRPr lang="en-US" sz="3200" b="0" strike="noStrike" spc="-1">
+            <a:endParaRPr b="0" lang="en-US" sz="3200" spc="-1" strike="noStrike">
               <a:latin typeface="Arial"/>
             </a:endParaRPr>
           </a:p>
@@ -4125,14 +3838,11 @@
       </p:sp>
     </p:spTree>
   </p:cSld>
-  <p:clrMapOvr>
-    <a:masterClrMapping/>
-  </p:clrMapOvr>
 </p:sldLayout>
 </file>
 
 <file path=ppt/slideLayouts/slideLayout7.xml><?xml version="1.0" encoding="utf-8"?>
-<p:sldLayout xmlns:a="http://schemas.openxmlformats.org/drawingml/2006/main" xmlns:r="http://schemas.openxmlformats.org/officeDocument/2006/relationships" xmlns:p="http://schemas.openxmlformats.org/presentationml/2006/main" type="twoObjAndObj" preserve="1">
+<p:sldLayout xmlns:a="http://schemas.openxmlformats.org/drawingml/2006/main" xmlns:p="http://schemas.openxmlformats.org/presentationml/2006/main" xmlns:r="http://schemas.openxmlformats.org/officeDocument/2006/relationships" xmlns:p14="http://schemas.microsoft.com/office/powerpoint/2010/main" xmlns:p15="http://schemas.microsoft.com/office/powerpoint/2012/main" xmlns:mc="http://schemas.openxmlformats.org/markup-compatibility/2006" type="twoObjAndObj" preserve="1">
   <p:cSld name="Title, 2 Content and Content">
     <p:spTree>
       <p:nvGrpSpPr>
@@ -4160,18 +3870,17 @@
         </p:nvSpPr>
         <p:spPr>
           <a:xfrm>
-            <a:off x="1097280" y="286560"/>
-            <a:ext cx="10057320" cy="1449720"/>
-          </a:xfrm>
-          <a:prstGeom prst="rect">
-            <a:avLst/>
-          </a:prstGeom>
-        </p:spPr>
-        <p:txBody>
-          <a:bodyPr lIns="0" tIns="0" rIns="0" bIns="0" anchor="ctr"/>
-          <a:lstStyle/>
-          <a:p>
-            <a:endParaRPr lang="en-US" sz="1800" b="0" strike="noStrike" spc="-1">
+            <a:off x="609480" y="273600"/>
+            <a:ext cx="10972440" cy="1144800"/>
+          </a:xfrm>
+          <a:prstGeom prst="rect">
+            <a:avLst/>
+          </a:prstGeom>
+        </p:spPr>
+        <p:txBody>
+          <a:bodyPr lIns="0" rIns="0" tIns="0" bIns="0" anchor="ctr"/>
+          <a:p>
+            <a:endParaRPr b="0" lang="en-US" sz="1800" spc="-1" strike="noStrike">
               <a:solidFill>
                 <a:srgbClr val="000000"/>
               </a:solidFill>
@@ -4200,12 +3909,11 @@
           </a:prstGeom>
         </p:spPr>
         <p:txBody>
-          <a:bodyPr lIns="0" tIns="0" rIns="0" bIns="0">
+          <a:bodyPr lIns="0" rIns="0" tIns="0" bIns="0">
             <a:normAutofit/>
           </a:bodyPr>
-          <a:lstStyle/>
-          <a:p>
-            <a:endParaRPr lang="en-US" sz="2800" b="0" strike="noStrike" spc="-1">
+          <a:p>
+            <a:endParaRPr b="0" lang="en-US" sz="1800" spc="-1" strike="noStrike">
               <a:solidFill>
                 <a:srgbClr val="000000"/>
               </a:solidFill>
@@ -4227,19 +3935,18 @@
         <p:spPr>
           <a:xfrm>
             <a:off x="6231960" y="1604520"/>
-            <a:ext cx="5354280" cy="3976920"/>
-          </a:xfrm>
-          <a:prstGeom prst="rect">
-            <a:avLst/>
-          </a:prstGeom>
-        </p:spPr>
-        <p:txBody>
-          <a:bodyPr lIns="0" tIns="0" rIns="0" bIns="0">
+            <a:ext cx="5354280" cy="3977280"/>
+          </a:xfrm>
+          <a:prstGeom prst="rect">
+            <a:avLst/>
+          </a:prstGeom>
+        </p:spPr>
+        <p:txBody>
+          <a:bodyPr lIns="0" rIns="0" tIns="0" bIns="0">
             <a:normAutofit/>
           </a:bodyPr>
-          <a:lstStyle/>
-          <a:p>
-            <a:endParaRPr lang="en-US" sz="2800" b="0" strike="noStrike" spc="-1">
+          <a:p>
+            <a:endParaRPr b="0" lang="en-US" sz="1800" spc="-1" strike="noStrike">
               <a:solidFill>
                 <a:srgbClr val="000000"/>
               </a:solidFill>
@@ -4268,12 +3975,11 @@
           </a:prstGeom>
         </p:spPr>
         <p:txBody>
-          <a:bodyPr lIns="0" tIns="0" rIns="0" bIns="0">
+          <a:bodyPr lIns="0" rIns="0" tIns="0" bIns="0">
             <a:normAutofit/>
           </a:bodyPr>
-          <a:lstStyle/>
-          <a:p>
-            <a:endParaRPr lang="en-US" sz="2800" b="0" strike="noStrike" spc="-1">
+          <a:p>
+            <a:endParaRPr b="0" lang="en-US" sz="1800" spc="-1" strike="noStrike">
               <a:solidFill>
                 <a:srgbClr val="000000"/>
               </a:solidFill>
@@ -4284,14 +3990,11 @@
       </p:sp>
     </p:spTree>
   </p:cSld>
-  <p:clrMapOvr>
-    <a:masterClrMapping/>
-  </p:clrMapOvr>
 </p:sldLayout>
 </file>
 
 <file path=ppt/slideLayouts/slideLayout8.xml><?xml version="1.0" encoding="utf-8"?>
-<p:sldLayout xmlns:a="http://schemas.openxmlformats.org/drawingml/2006/main" xmlns:r="http://schemas.openxmlformats.org/officeDocument/2006/relationships" xmlns:p="http://schemas.openxmlformats.org/presentationml/2006/main" type="objAndTwoObj" preserve="1">
+<p:sldLayout xmlns:a="http://schemas.openxmlformats.org/drawingml/2006/main" xmlns:p="http://schemas.openxmlformats.org/presentationml/2006/main" xmlns:r="http://schemas.openxmlformats.org/officeDocument/2006/relationships" xmlns:p14="http://schemas.microsoft.com/office/powerpoint/2010/main" xmlns:p15="http://schemas.microsoft.com/office/powerpoint/2012/main" xmlns:mc="http://schemas.openxmlformats.org/markup-compatibility/2006" type="objAndTwoObj" preserve="1">
   <p:cSld name="Title Content and 2 Content">
     <p:spTree>
       <p:nvGrpSpPr>
@@ -4319,18 +4022,17 @@
         </p:nvSpPr>
         <p:spPr>
           <a:xfrm>
-            <a:off x="1097280" y="286560"/>
-            <a:ext cx="10057320" cy="1449720"/>
-          </a:xfrm>
-          <a:prstGeom prst="rect">
-            <a:avLst/>
-          </a:prstGeom>
-        </p:spPr>
-        <p:txBody>
-          <a:bodyPr lIns="0" tIns="0" rIns="0" bIns="0" anchor="ctr"/>
-          <a:lstStyle/>
-          <a:p>
-            <a:endParaRPr lang="en-US" sz="1800" b="0" strike="noStrike" spc="-1">
+            <a:off x="609480" y="273600"/>
+            <a:ext cx="10972440" cy="1144800"/>
+          </a:xfrm>
+          <a:prstGeom prst="rect">
+            <a:avLst/>
+          </a:prstGeom>
+        </p:spPr>
+        <p:txBody>
+          <a:bodyPr lIns="0" rIns="0" tIns="0" bIns="0" anchor="ctr"/>
+          <a:p>
+            <a:endParaRPr b="0" lang="en-US" sz="1800" spc="-1" strike="noStrike">
               <a:solidFill>
                 <a:srgbClr val="000000"/>
               </a:solidFill>
@@ -4352,19 +4054,18 @@
         <p:spPr>
           <a:xfrm>
             <a:off x="609480" y="1604520"/>
-            <a:ext cx="5354280" cy="3976920"/>
-          </a:xfrm>
-          <a:prstGeom prst="rect">
-            <a:avLst/>
-          </a:prstGeom>
-        </p:spPr>
-        <p:txBody>
-          <a:bodyPr lIns="0" tIns="0" rIns="0" bIns="0">
+            <a:ext cx="5354280" cy="3977280"/>
+          </a:xfrm>
+          <a:prstGeom prst="rect">
+            <a:avLst/>
+          </a:prstGeom>
+        </p:spPr>
+        <p:txBody>
+          <a:bodyPr lIns="0" rIns="0" tIns="0" bIns="0">
             <a:normAutofit/>
           </a:bodyPr>
-          <a:lstStyle/>
-          <a:p>
-            <a:endParaRPr lang="en-US" sz="2800" b="0" strike="noStrike" spc="-1">
+          <a:p>
+            <a:endParaRPr b="0" lang="en-US" sz="1800" spc="-1" strike="noStrike">
               <a:solidFill>
                 <a:srgbClr val="000000"/>
               </a:solidFill>
@@ -4393,12 +4094,11 @@
           </a:prstGeom>
         </p:spPr>
         <p:txBody>
-          <a:bodyPr lIns="0" tIns="0" rIns="0" bIns="0">
+          <a:bodyPr lIns="0" rIns="0" tIns="0" bIns="0">
             <a:normAutofit/>
           </a:bodyPr>
-          <a:lstStyle/>
-          <a:p>
-            <a:endParaRPr lang="en-US" sz="2800" b="0" strike="noStrike" spc="-1">
+          <a:p>
+            <a:endParaRPr b="0" lang="en-US" sz="1800" spc="-1" strike="noStrike">
               <a:solidFill>
                 <a:srgbClr val="000000"/>
               </a:solidFill>
@@ -4427,12 +4127,11 @@
           </a:prstGeom>
         </p:spPr>
         <p:txBody>
-          <a:bodyPr lIns="0" tIns="0" rIns="0" bIns="0">
+          <a:bodyPr lIns="0" rIns="0" tIns="0" bIns="0">
             <a:normAutofit/>
           </a:bodyPr>
-          <a:lstStyle/>
-          <a:p>
-            <a:endParaRPr lang="en-US" sz="2800" b="0" strike="noStrike" spc="-1">
+          <a:p>
+            <a:endParaRPr b="0" lang="en-US" sz="1800" spc="-1" strike="noStrike">
               <a:solidFill>
                 <a:srgbClr val="000000"/>
               </a:solidFill>
@@ -4443,14 +4142,11 @@
       </p:sp>
     </p:spTree>
   </p:cSld>
-  <p:clrMapOvr>
-    <a:masterClrMapping/>
-  </p:clrMapOvr>
 </p:sldLayout>
 </file>
 
 <file path=ppt/slideLayouts/slideLayout9.xml><?xml version="1.0" encoding="utf-8"?>
-<p:sldLayout xmlns:a="http://schemas.openxmlformats.org/drawingml/2006/main" xmlns:r="http://schemas.openxmlformats.org/officeDocument/2006/relationships" xmlns:p="http://schemas.openxmlformats.org/presentationml/2006/main" type="twoObjOverTx" preserve="1">
+<p:sldLayout xmlns:a="http://schemas.openxmlformats.org/drawingml/2006/main" xmlns:p="http://schemas.openxmlformats.org/presentationml/2006/main" xmlns:r="http://schemas.openxmlformats.org/officeDocument/2006/relationships" xmlns:p14="http://schemas.microsoft.com/office/powerpoint/2010/main" xmlns:p15="http://schemas.microsoft.com/office/powerpoint/2012/main" xmlns:mc="http://schemas.openxmlformats.org/markup-compatibility/2006" type="twoObjOverTx" preserve="1">
   <p:cSld name="Title, 2 Content over Content">
     <p:spTree>
       <p:nvGrpSpPr>
@@ -4478,18 +4174,17 @@
         </p:nvSpPr>
         <p:spPr>
           <a:xfrm>
-            <a:off x="1097280" y="286560"/>
-            <a:ext cx="10057320" cy="1449720"/>
-          </a:xfrm>
-          <a:prstGeom prst="rect">
-            <a:avLst/>
-          </a:prstGeom>
-        </p:spPr>
-        <p:txBody>
-          <a:bodyPr lIns="0" tIns="0" rIns="0" bIns="0" anchor="ctr"/>
-          <a:lstStyle/>
-          <a:p>
-            <a:endParaRPr lang="en-US" sz="1800" b="0" strike="noStrike" spc="-1">
+            <a:off x="609480" y="273600"/>
+            <a:ext cx="10972440" cy="1144800"/>
+          </a:xfrm>
+          <a:prstGeom prst="rect">
+            <a:avLst/>
+          </a:prstGeom>
+        </p:spPr>
+        <p:txBody>
+          <a:bodyPr lIns="0" rIns="0" tIns="0" bIns="0" anchor="ctr"/>
+          <a:p>
+            <a:endParaRPr b="0" lang="en-US" sz="1800" spc="-1" strike="noStrike">
               <a:solidFill>
                 <a:srgbClr val="000000"/>
               </a:solidFill>
@@ -4518,12 +4213,11 @@
           </a:prstGeom>
         </p:spPr>
         <p:txBody>
-          <a:bodyPr lIns="0" tIns="0" rIns="0" bIns="0">
+          <a:bodyPr lIns="0" rIns="0" tIns="0" bIns="0">
             <a:normAutofit/>
           </a:bodyPr>
-          <a:lstStyle/>
-          <a:p>
-            <a:endParaRPr lang="en-US" sz="2800" b="0" strike="noStrike" spc="-1">
+          <a:p>
+            <a:endParaRPr b="0" lang="en-US" sz="1800" spc="-1" strike="noStrike">
               <a:solidFill>
                 <a:srgbClr val="000000"/>
               </a:solidFill>
@@ -4552,12 +4246,11 @@
           </a:prstGeom>
         </p:spPr>
         <p:txBody>
-          <a:bodyPr lIns="0" tIns="0" rIns="0" bIns="0">
+          <a:bodyPr lIns="0" rIns="0" tIns="0" bIns="0">
             <a:normAutofit/>
           </a:bodyPr>
-          <a:lstStyle/>
-          <a:p>
-            <a:endParaRPr lang="en-US" sz="2800" b="0" strike="noStrike" spc="-1">
+          <a:p>
+            <a:endParaRPr b="0" lang="en-US" sz="1800" spc="-1" strike="noStrike">
               <a:solidFill>
                 <a:srgbClr val="000000"/>
               </a:solidFill>
@@ -4579,19 +4272,18 @@
         <p:spPr>
           <a:xfrm>
             <a:off x="609480" y="3682080"/>
-            <a:ext cx="10972080" cy="1896840"/>
-          </a:xfrm>
-          <a:prstGeom prst="rect">
-            <a:avLst/>
-          </a:prstGeom>
-        </p:spPr>
-        <p:txBody>
-          <a:bodyPr lIns="0" tIns="0" rIns="0" bIns="0">
+            <a:ext cx="10972440" cy="1896840"/>
+          </a:xfrm>
+          <a:prstGeom prst="rect">
+            <a:avLst/>
+          </a:prstGeom>
+        </p:spPr>
+        <p:txBody>
+          <a:bodyPr lIns="0" rIns="0" tIns="0" bIns="0">
             <a:normAutofit/>
           </a:bodyPr>
-          <a:lstStyle/>
-          <a:p>
-            <a:endParaRPr lang="en-US" sz="2800" b="0" strike="noStrike" spc="-1">
+          <a:p>
+            <a:endParaRPr b="0" lang="en-US" sz="1800" spc="-1" strike="noStrike">
               <a:solidFill>
                 <a:srgbClr val="000000"/>
               </a:solidFill>
@@ -4602,21 +4294,17 @@
       </p:sp>
     </p:spTree>
   </p:cSld>
-  <p:clrMapOvr>
-    <a:masterClrMapping/>
-  </p:clrMapOvr>
 </p:sldLayout>
 </file>
 
 <file path=ppt/slideMasters/slideMaster1.xml><?xml version="1.0" encoding="utf-8"?>
-<p:sldMaster xmlns:a="http://schemas.openxmlformats.org/drawingml/2006/main" xmlns:r="http://schemas.openxmlformats.org/officeDocument/2006/relationships" xmlns:p="http://schemas.openxmlformats.org/presentationml/2006/main">
+<p:sldMaster xmlns:a="http://schemas.openxmlformats.org/drawingml/2006/main" xmlns:p="http://schemas.openxmlformats.org/presentationml/2006/main" xmlns:r="http://schemas.openxmlformats.org/officeDocument/2006/relationships" xmlns:p14="http://schemas.microsoft.com/office/powerpoint/2010/main" xmlns:p15="http://schemas.microsoft.com/office/powerpoint/2012/main" xmlns:mc="http://schemas.openxmlformats.org/markup-compatibility/2006">
   <p:cSld>
     <p:bg>
       <p:bgPr>
         <a:solidFill>
-          <a:srgbClr val="FFFFFF"/>
+          <a:srgbClr val="ffffff"/>
         </a:solidFill>
-        <a:effectLst/>
       </p:bgPr>
     </p:bg>
     <p:spTree>
@@ -4635,69 +4323,57 @@
       </p:grpSpPr>
       <p:sp>
         <p:nvSpPr>
-          <p:cNvPr id="8" name="CustomShape 1" hidden="1"/>
+          <p:cNvPr id="0" name="CustomShape 1" hidden="1"/>
           <p:cNvSpPr/>
           <p:nvPr/>
         </p:nvSpPr>
         <p:spPr>
           <a:xfrm>
             <a:off x="0" y="6400800"/>
-            <a:ext cx="12191040" cy="456120"/>
+            <a:ext cx="12190680" cy="455760"/>
           </a:xfrm>
           <a:prstGeom prst="rect">
             <a:avLst/>
           </a:prstGeom>
           <a:solidFill>
-            <a:srgbClr val="BD582C"/>
+            <a:srgbClr val="bd582c"/>
           </a:solidFill>
           <a:ln w="15840">
             <a:noFill/>
           </a:ln>
         </p:spPr>
         <p:style>
-          <a:lnRef idx="0">
-            <a:scrgbClr r="0" g="0" b="0"/>
-          </a:lnRef>
-          <a:fillRef idx="0">
-            <a:scrgbClr r="0" g="0" b="0"/>
-          </a:fillRef>
-          <a:effectRef idx="0">
-            <a:scrgbClr r="0" g="0" b="0"/>
-          </a:effectRef>
+          <a:lnRef idx="0"/>
+          <a:fillRef idx="0"/>
+          <a:effectRef idx="0"/>
           <a:fontRef idx="minor"/>
         </p:style>
       </p:sp>
       <p:sp>
         <p:nvSpPr>
-          <p:cNvPr id="9" name="CustomShape 2" hidden="1"/>
+          <p:cNvPr id="1" name="CustomShape 2" hidden="1"/>
           <p:cNvSpPr/>
           <p:nvPr/>
         </p:nvSpPr>
         <p:spPr>
           <a:xfrm>
             <a:off x="0" y="6334200"/>
-            <a:ext cx="12191040" cy="64800"/>
+            <a:ext cx="12190680" cy="64440"/>
           </a:xfrm>
           <a:prstGeom prst="rect">
             <a:avLst/>
           </a:prstGeom>
           <a:solidFill>
-            <a:srgbClr val="E48312"/>
+            <a:srgbClr val="e48312"/>
           </a:solidFill>
           <a:ln w="15840">
             <a:noFill/>
           </a:ln>
         </p:spPr>
         <p:style>
-          <a:lnRef idx="0">
-            <a:scrgbClr r="0" g="0" b="0"/>
-          </a:lnRef>
-          <a:fillRef idx="0">
-            <a:scrgbClr r="0" g="0" b="0"/>
-          </a:fillRef>
-          <a:effectRef idx="0">
-            <a:scrgbClr r="0" g="0" b="0"/>
-          </a:effectRef>
+          <a:lnRef idx="0"/>
+          <a:fillRef idx="0"/>
+          <a:effectRef idx="0"/>
           <a:fontRef idx="minor"/>
         </p:style>
       </p:sp>
@@ -4723,15 +4399,9 @@
           </a:ln>
         </p:spPr>
         <p:style>
-          <a:lnRef idx="0">
-            <a:scrgbClr r="0" g="0" b="0"/>
-          </a:lnRef>
-          <a:fillRef idx="0">
-            <a:scrgbClr r="0" g="0" b="0"/>
-          </a:fillRef>
-          <a:effectRef idx="0">
-            <a:scrgbClr r="0" g="0" b="0"/>
-          </a:effectRef>
+          <a:lnRef idx="0"/>
+          <a:fillRef idx="0"/>
+          <a:effectRef idx="0"/>
           <a:fontRef idx="minor"/>
         </p:style>
       </p:sp>
@@ -4744,28 +4414,22 @@
         <p:spPr>
           <a:xfrm>
             <a:off x="3240" y="6400800"/>
-            <a:ext cx="12187800" cy="456120"/>
+            <a:ext cx="12187440" cy="455760"/>
           </a:xfrm>
           <a:prstGeom prst="rect">
             <a:avLst/>
           </a:prstGeom>
           <a:solidFill>
-            <a:srgbClr val="BD582C"/>
+            <a:srgbClr val="bd582c"/>
           </a:solidFill>
           <a:ln w="15840">
             <a:noFill/>
           </a:ln>
         </p:spPr>
         <p:style>
-          <a:lnRef idx="0">
-            <a:scrgbClr r="0" g="0" b="0"/>
-          </a:lnRef>
-          <a:fillRef idx="0">
-            <a:scrgbClr r="0" g="0" b="0"/>
-          </a:fillRef>
-          <a:effectRef idx="0">
-            <a:scrgbClr r="0" g="0" b="0"/>
-          </a:effectRef>
+          <a:lnRef idx="0"/>
+          <a:fillRef idx="0"/>
+          <a:effectRef idx="0"/>
           <a:fontRef idx="minor"/>
         </p:style>
       </p:sp>
@@ -4778,28 +4442,22 @@
         <p:spPr>
           <a:xfrm>
             <a:off x="0" y="6334200"/>
-            <a:ext cx="12187800" cy="63000"/>
+            <a:ext cx="12187440" cy="62640"/>
           </a:xfrm>
           <a:prstGeom prst="rect">
             <a:avLst/>
           </a:prstGeom>
           <a:solidFill>
-            <a:srgbClr val="E48312"/>
+            <a:srgbClr val="e48312"/>
           </a:solidFill>
           <a:ln w="15840">
             <a:noFill/>
           </a:ln>
         </p:spPr>
         <p:style>
-          <a:lnRef idx="0">
-            <a:scrgbClr r="0" g="0" b="0"/>
-          </a:lnRef>
-          <a:fillRef idx="0">
-            <a:scrgbClr r="0" g="0" b="0"/>
-          </a:fillRef>
-          <a:effectRef idx="0">
-            <a:scrgbClr r="0" g="0" b="0"/>
-          </a:effectRef>
+          <a:lnRef idx="0"/>
+          <a:fillRef idx="0"/>
+          <a:effectRef idx="0"/>
           <a:fontRef idx="minor"/>
         </p:style>
       </p:sp>
@@ -4825,15 +4483,9 @@
           </a:ln>
         </p:spPr>
         <p:style>
-          <a:lnRef idx="0">
-            <a:scrgbClr r="0" g="0" b="0"/>
-          </a:lnRef>
-          <a:fillRef idx="0">
-            <a:scrgbClr r="0" g="0" b="0"/>
-          </a:fillRef>
-          <a:effectRef idx="0">
-            <a:scrgbClr r="0" g="0" b="0"/>
-          </a:effectRef>
+          <a:lnRef idx="0"/>
+          <a:fillRef idx="0"/>
+          <a:effectRef idx="0"/>
           <a:fontRef idx="minor"/>
         </p:style>
       </p:sp>
@@ -4849,19 +4501,18 @@
         </p:nvSpPr>
         <p:spPr>
           <a:xfrm>
-            <a:off x="1097280" y="286560"/>
-            <a:ext cx="10057320" cy="1449720"/>
-          </a:xfrm>
-          <a:prstGeom prst="rect">
-            <a:avLst/>
-          </a:prstGeom>
-        </p:spPr>
-        <p:txBody>
-          <a:bodyPr lIns="0" tIns="0" rIns="0" bIns="0" anchor="ctr"/>
-          <a:lstStyle/>
+            <a:off x="609480" y="273600"/>
+            <a:ext cx="10972440" cy="1144800"/>
+          </a:xfrm>
+          <a:prstGeom prst="rect">
+            <a:avLst/>
+          </a:prstGeom>
+        </p:spPr>
+        <p:txBody>
+          <a:bodyPr lIns="0" rIns="0" tIns="0" bIns="0" anchor="ctr"/>
           <a:p>
             <a:r>
-              <a:rPr lang="en-US" sz="4400" b="0" strike="noStrike" spc="-1">
+              <a:rPr b="0" lang="en-US" sz="1800" spc="-1" strike="noStrike">
                 <a:solidFill>
                   <a:srgbClr val="000000"/>
                 </a:solidFill>
@@ -4869,6 +4520,12 @@
               </a:rPr>
               <a:t>Click to edit the title text format</a:t>
             </a:r>
+            <a:endParaRPr b="0" lang="en-US" sz="1800" spc="-1" strike="noStrike">
+              <a:solidFill>
+                <a:srgbClr val="000000"/>
+              </a:solidFill>
+              <a:latin typeface="Arial"/>
+            </a:endParaRPr>
           </a:p>
         </p:txBody>
       </p:sp>
@@ -4885,17 +4542,16 @@
         <p:spPr>
           <a:xfrm>
             <a:off x="609480" y="1604520"/>
-            <a:ext cx="10972080" cy="3976920"/>
-          </a:xfrm>
-          <a:prstGeom prst="rect">
-            <a:avLst/>
-          </a:prstGeom>
-        </p:spPr>
-        <p:txBody>
-          <a:bodyPr lIns="0" tIns="0" rIns="0" bIns="0">
+            <a:ext cx="10972440" cy="3977280"/>
+          </a:xfrm>
+          <a:prstGeom prst="rect">
+            <a:avLst/>
+          </a:prstGeom>
+        </p:spPr>
+        <p:txBody>
+          <a:bodyPr lIns="0" rIns="0" tIns="0" bIns="0">
             <a:normAutofit/>
           </a:bodyPr>
-          <a:lstStyle/>
           <a:p>
             <a:pPr marL="432000" indent="-324000">
               <a:spcBef>
@@ -4909,7 +4565,7 @@
               <a:buChar char=""/>
             </a:pPr>
             <a:r>
-              <a:rPr lang="en-US" sz="2800" b="0" strike="noStrike" spc="-1">
+              <a:rPr b="0" lang="en-US" sz="1800" spc="-1" strike="noStrike">
                 <a:solidFill>
                   <a:srgbClr val="000000"/>
                 </a:solidFill>
@@ -4917,9 +4573,15 @@
               </a:rPr>
               <a:t>Click to edit the outline text format</a:t>
             </a:r>
-          </a:p>
-          <a:p>
-            <a:pPr marL="864000" lvl="1" indent="-324000">
+            <a:endParaRPr b="0" lang="en-US" sz="1800" spc="-1" strike="noStrike">
+              <a:solidFill>
+                <a:srgbClr val="000000"/>
+              </a:solidFill>
+              <a:latin typeface="Arial"/>
+            </a:endParaRPr>
+          </a:p>
+          <a:p>
+            <a:pPr lvl="1" marL="864000" indent="-324000">
               <a:spcBef>
                 <a:spcPts val="1134"/>
               </a:spcBef>
@@ -4931,7 +4593,7 @@
               <a:buChar char=""/>
             </a:pPr>
             <a:r>
-              <a:rPr lang="en-US" sz="2800" b="0" strike="noStrike" spc="-1">
+              <a:rPr b="0" lang="en-US" sz="1800" spc="-1" strike="noStrike">
                 <a:solidFill>
                   <a:srgbClr val="000000"/>
                 </a:solidFill>
@@ -4939,9 +4601,15 @@
               </a:rPr>
               <a:t>Second Outline Level</a:t>
             </a:r>
-          </a:p>
-          <a:p>
-            <a:pPr marL="1296000" lvl="2" indent="-288000">
+            <a:endParaRPr b="0" lang="en-US" sz="1800" spc="-1" strike="noStrike">
+              <a:solidFill>
+                <a:srgbClr val="000000"/>
+              </a:solidFill>
+              <a:latin typeface="Arial"/>
+            </a:endParaRPr>
+          </a:p>
+          <a:p>
+            <a:pPr lvl="2" marL="1296000" indent="-288000">
               <a:spcBef>
                 <a:spcPts val="850"/>
               </a:spcBef>
@@ -4953,7 +4621,7 @@
               <a:buChar char=""/>
             </a:pPr>
             <a:r>
-              <a:rPr lang="en-US" sz="2800" b="0" strike="noStrike" spc="-1">
+              <a:rPr b="0" lang="en-US" sz="1800" spc="-1" strike="noStrike">
                 <a:solidFill>
                   <a:srgbClr val="000000"/>
                 </a:solidFill>
@@ -4961,9 +4629,15 @@
               </a:rPr>
               <a:t>Third Outline Level</a:t>
             </a:r>
-          </a:p>
-          <a:p>
-            <a:pPr marL="1728000" lvl="3" indent="-216000">
+            <a:endParaRPr b="0" lang="en-US" sz="1800" spc="-1" strike="noStrike">
+              <a:solidFill>
+                <a:srgbClr val="000000"/>
+              </a:solidFill>
+              <a:latin typeface="Arial"/>
+            </a:endParaRPr>
+          </a:p>
+          <a:p>
+            <a:pPr lvl="3" marL="1728000" indent="-216000">
               <a:spcBef>
                 <a:spcPts val="567"/>
               </a:spcBef>
@@ -4975,7 +4649,7 @@
               <a:buChar char=""/>
             </a:pPr>
             <a:r>
-              <a:rPr lang="en-US" sz="2800" b="0" strike="noStrike" spc="-1">
+              <a:rPr b="0" lang="en-US" sz="1800" spc="-1" strike="noStrike">
                 <a:solidFill>
                   <a:srgbClr val="000000"/>
                 </a:solidFill>
@@ -4983,9 +4657,15 @@
               </a:rPr>
               <a:t>Fourth Outline Level</a:t>
             </a:r>
-          </a:p>
-          <a:p>
-            <a:pPr marL="2160000" lvl="4" indent="-216000">
+            <a:endParaRPr b="0" lang="en-US" sz="1800" spc="-1" strike="noStrike">
+              <a:solidFill>
+                <a:srgbClr val="000000"/>
+              </a:solidFill>
+              <a:latin typeface="Arial"/>
+            </a:endParaRPr>
+          </a:p>
+          <a:p>
+            <a:pPr lvl="4" marL="2160000" indent="-216000">
               <a:spcBef>
                 <a:spcPts val="283"/>
               </a:spcBef>
@@ -4997,7 +4677,7 @@
               <a:buChar char=""/>
             </a:pPr>
             <a:r>
-              <a:rPr lang="en-US" sz="2800" b="0" strike="noStrike" spc="-1">
+              <a:rPr b="0" lang="en-US" sz="2000" spc="-1" strike="noStrike">
                 <a:solidFill>
                   <a:srgbClr val="000000"/>
                 </a:solidFill>
@@ -5005,9 +4685,15 @@
               </a:rPr>
               <a:t>Fifth Outline Level</a:t>
             </a:r>
-          </a:p>
-          <a:p>
-            <a:pPr marL="2592000" lvl="5" indent="-216000">
+            <a:endParaRPr b="0" lang="en-US" sz="2000" spc="-1" strike="noStrike">
+              <a:solidFill>
+                <a:srgbClr val="000000"/>
+              </a:solidFill>
+              <a:latin typeface="Arial"/>
+            </a:endParaRPr>
+          </a:p>
+          <a:p>
+            <a:pPr lvl="5" marL="2592000" indent="-216000">
               <a:spcBef>
                 <a:spcPts val="283"/>
               </a:spcBef>
@@ -5019,7 +4705,7 @@
               <a:buChar char=""/>
             </a:pPr>
             <a:r>
-              <a:rPr lang="en-US" sz="2800" b="0" strike="noStrike" spc="-1">
+              <a:rPr b="0" lang="en-US" sz="2000" spc="-1" strike="noStrike">
                 <a:solidFill>
                   <a:srgbClr val="000000"/>
                 </a:solidFill>
@@ -5027,9 +4713,15 @@
               </a:rPr>
               <a:t>Sixth Outline Level</a:t>
             </a:r>
-          </a:p>
-          <a:p>
-            <a:pPr marL="3024000" lvl="6" indent="-216000">
+            <a:endParaRPr b="0" lang="en-US" sz="2000" spc="-1" strike="noStrike">
+              <a:solidFill>
+                <a:srgbClr val="000000"/>
+              </a:solidFill>
+              <a:latin typeface="Arial"/>
+            </a:endParaRPr>
+          </a:p>
+          <a:p>
+            <a:pPr lvl="6" marL="3024000" indent="-216000">
               <a:spcBef>
                 <a:spcPts val="283"/>
               </a:spcBef>
@@ -5041,7 +4733,7 @@
               <a:buChar char=""/>
             </a:pPr>
             <a:r>
-              <a:rPr lang="en-US" sz="2800" b="0" strike="noStrike" spc="-1">
+              <a:rPr b="0" lang="en-US" sz="2000" spc="-1" strike="noStrike">
                 <a:solidFill>
                   <a:srgbClr val="000000"/>
                 </a:solidFill>
@@ -5049,43 +4741,43 @@
               </a:rPr>
               <a:t>Seventh Outline Level</a:t>
             </a:r>
+            <a:endParaRPr b="0" lang="en-US" sz="2000" spc="-1" strike="noStrike">
+              <a:solidFill>
+                <a:srgbClr val="000000"/>
+              </a:solidFill>
+              <a:latin typeface="Arial"/>
+            </a:endParaRPr>
           </a:p>
         </p:txBody>
       </p:sp>
     </p:spTree>
   </p:cSld>
-  <p:clrMap bg1="lt1" tx1="dk1" bg2="lt2" tx2="dk2" accent1="accent1" accent2="accent2" accent3="accent3" accent4="accent4" accent5="accent5" accent6="accent6" hlink="hlink" folHlink="folHlink"/>
+  <p:clrMap bg1="lt1" bg2="lt2" tx1="dk1" tx2="dk2" accent1="accent1" accent2="accent2" accent3="accent3" accent4="accent4" accent5="accent5" accent6="accent6" hlink="hlink" folHlink="folHlink"/>
   <p:sldLayoutIdLst>
-    <p:sldLayoutId id="2147483649" r:id="rId1"/>
-    <p:sldLayoutId id="2147483650" r:id="rId2"/>
-    <p:sldLayoutId id="2147483651" r:id="rId3"/>
-    <p:sldLayoutId id="2147483652" r:id="rId4"/>
-    <p:sldLayoutId id="2147483653" r:id="rId5"/>
-    <p:sldLayoutId id="2147483654" r:id="rId6"/>
-    <p:sldLayoutId id="2147483655" r:id="rId7"/>
-    <p:sldLayoutId id="2147483656" r:id="rId8"/>
-    <p:sldLayoutId id="2147483657" r:id="rId9"/>
-    <p:sldLayoutId id="2147483658" r:id="rId10"/>
-    <p:sldLayoutId id="2147483659" r:id="rId11"/>
-    <p:sldLayoutId id="2147483660" r:id="rId12"/>
+    <p:sldLayoutId id="2147483649" r:id="rId2"/>
+    <p:sldLayoutId id="2147483650" r:id="rId3"/>
+    <p:sldLayoutId id="2147483651" r:id="rId4"/>
+    <p:sldLayoutId id="2147483652" r:id="rId5"/>
+    <p:sldLayoutId id="2147483653" r:id="rId6"/>
+    <p:sldLayoutId id="2147483654" r:id="rId7"/>
+    <p:sldLayoutId id="2147483655" r:id="rId8"/>
+    <p:sldLayoutId id="2147483656" r:id="rId9"/>
+    <p:sldLayoutId id="2147483657" r:id="rId10"/>
+    <p:sldLayoutId id="2147483658" r:id="rId11"/>
+    <p:sldLayoutId id="2147483659" r:id="rId12"/>
+    <p:sldLayoutId id="2147483660" r:id="rId13"/>
   </p:sldLayoutIdLst>
-  <p:txStyles>
-    <p:titleStyle/>
-    <p:bodyStyle/>
-    <p:otherStyle/>
-  </p:txStyles>
 </p:sldMaster>
 </file>
 
 <file path=ppt/slideMasters/slideMaster2.xml><?xml version="1.0" encoding="utf-8"?>
-<p:sldMaster xmlns:a="http://schemas.openxmlformats.org/drawingml/2006/main" xmlns:r="http://schemas.openxmlformats.org/officeDocument/2006/relationships" xmlns:p="http://schemas.openxmlformats.org/presentationml/2006/main">
+<p:sldMaster xmlns:a="http://schemas.openxmlformats.org/drawingml/2006/main" xmlns:p="http://schemas.openxmlformats.org/presentationml/2006/main" xmlns:r="http://schemas.openxmlformats.org/officeDocument/2006/relationships" xmlns:p14="http://schemas.microsoft.com/office/powerpoint/2010/main" xmlns:p15="http://schemas.microsoft.com/office/powerpoint/2012/main" xmlns:mc="http://schemas.openxmlformats.org/markup-compatibility/2006">
   <p:cSld>
     <p:bg>
       <p:bgPr>
         <a:solidFill>
-          <a:srgbClr val="FFFFFF"/>
+          <a:srgbClr val="ffffff"/>
         </a:solidFill>
-        <a:effectLst/>
       </p:bgPr>
     </p:bg>
     <p:spTree>
@@ -5111,28 +4803,22 @@
         <p:spPr>
           <a:xfrm>
             <a:off x="0" y="6400800"/>
-            <a:ext cx="12191040" cy="456120"/>
+            <a:ext cx="12190680" cy="455760"/>
           </a:xfrm>
           <a:prstGeom prst="rect">
             <a:avLst/>
           </a:prstGeom>
           <a:solidFill>
-            <a:srgbClr val="BD582C"/>
+            <a:srgbClr val="bd582c"/>
           </a:solidFill>
           <a:ln w="15840">
             <a:noFill/>
           </a:ln>
         </p:spPr>
         <p:style>
-          <a:lnRef idx="0">
-            <a:scrgbClr r="0" g="0" b="0"/>
-          </a:lnRef>
-          <a:fillRef idx="0">
-            <a:scrgbClr r="0" g="0" b="0"/>
-          </a:fillRef>
-          <a:effectRef idx="0">
-            <a:scrgbClr r="0" g="0" b="0"/>
-          </a:effectRef>
+          <a:lnRef idx="0"/>
+          <a:fillRef idx="0"/>
+          <a:effectRef idx="0"/>
           <a:fontRef idx="minor"/>
         </p:style>
       </p:sp>
@@ -5145,28 +4831,22 @@
         <p:spPr>
           <a:xfrm>
             <a:off x="0" y="6334200"/>
-            <a:ext cx="12191040" cy="64800"/>
+            <a:ext cx="12190680" cy="64440"/>
           </a:xfrm>
           <a:prstGeom prst="rect">
             <a:avLst/>
           </a:prstGeom>
           <a:solidFill>
-            <a:srgbClr val="E48312"/>
+            <a:srgbClr val="e48312"/>
           </a:solidFill>
           <a:ln w="15840">
             <a:noFill/>
           </a:ln>
         </p:spPr>
         <p:style>
-          <a:lnRef idx="0">
-            <a:scrgbClr r="0" g="0" b="0"/>
-          </a:lnRef>
-          <a:fillRef idx="0">
-            <a:scrgbClr r="0" g="0" b="0"/>
-          </a:fillRef>
-          <a:effectRef idx="0">
-            <a:scrgbClr r="0" g="0" b="0"/>
-          </a:effectRef>
+          <a:lnRef idx="0"/>
+          <a:fillRef idx="0"/>
+          <a:effectRef idx="0"/>
           <a:fontRef idx="minor"/>
         </p:style>
       </p:sp>
@@ -5192,15 +4872,9 @@
           </a:ln>
         </p:spPr>
         <p:style>
-          <a:lnRef idx="0">
-            <a:scrgbClr r="0" g="0" b="0"/>
-          </a:lnRef>
-          <a:fillRef idx="0">
-            <a:scrgbClr r="0" g="0" b="0"/>
-          </a:fillRef>
-          <a:effectRef idx="0">
-            <a:scrgbClr r="0" g="0" b="0"/>
-          </a:effectRef>
+          <a:lnRef idx="0"/>
+          <a:fillRef idx="0"/>
+          <a:effectRef idx="0"/>
           <a:fontRef idx="minor"/>
         </p:style>
       </p:sp>
@@ -5224,11 +4898,10 @@
           </a:prstGeom>
         </p:spPr>
         <p:txBody>
-          <a:bodyPr lIns="0" tIns="0" rIns="0" bIns="0" anchor="ctr"/>
-          <a:lstStyle/>
+          <a:bodyPr lIns="0" rIns="0" tIns="0" bIns="0" anchor="ctr"/>
           <a:p>
             <a:r>
-              <a:rPr lang="en-US" sz="1800" b="0" strike="noStrike" spc="-1">
+              <a:rPr b="0" lang="en-US" sz="1800" spc="-1" strike="noStrike">
                 <a:solidFill>
                   <a:srgbClr val="000000"/>
                 </a:solidFill>
@@ -5236,6 +4909,12 @@
               </a:rPr>
               <a:t>Click to edit the title text format</a:t>
             </a:r>
+            <a:endParaRPr b="0" lang="en-US" sz="1800" spc="-1" strike="noStrike">
+              <a:solidFill>
+                <a:srgbClr val="000000"/>
+              </a:solidFill>
+              <a:latin typeface="Arial"/>
+            </a:endParaRPr>
           </a:p>
         </p:txBody>
       </p:sp>
@@ -5259,10 +4938,9 @@
           </a:prstGeom>
         </p:spPr>
         <p:txBody>
-          <a:bodyPr lIns="0" tIns="0" rIns="0" bIns="0">
+          <a:bodyPr lIns="0" rIns="0" tIns="0" bIns="0">
             <a:normAutofit/>
           </a:bodyPr>
-          <a:lstStyle/>
           <a:p>
             <a:pPr marL="432000" indent="-324000">
               <a:spcBef>
@@ -5276,7 +4954,7 @@
               <a:buChar char=""/>
             </a:pPr>
             <a:r>
-              <a:rPr lang="en-US" sz="2800" b="0" strike="noStrike" spc="-1">
+              <a:rPr b="0" lang="en-US" sz="1800" spc="-1" strike="noStrike">
                 <a:solidFill>
                   <a:srgbClr val="000000"/>
                 </a:solidFill>
@@ -5284,9 +4962,15 @@
               </a:rPr>
               <a:t>Click to edit the outline text format</a:t>
             </a:r>
-          </a:p>
-          <a:p>
-            <a:pPr marL="864000" lvl="1" indent="-324000">
+            <a:endParaRPr b="0" lang="en-US" sz="1800" spc="-1" strike="noStrike">
+              <a:solidFill>
+                <a:srgbClr val="000000"/>
+              </a:solidFill>
+              <a:latin typeface="Arial"/>
+            </a:endParaRPr>
+          </a:p>
+          <a:p>
+            <a:pPr lvl="1" marL="864000" indent="-324000">
               <a:spcBef>
                 <a:spcPts val="1134"/>
               </a:spcBef>
@@ -5298,7 +4982,7 @@
               <a:buChar char=""/>
             </a:pPr>
             <a:r>
-              <a:rPr lang="en-US" sz="2000" b="0" strike="noStrike" spc="-1">
+              <a:rPr b="0" lang="en-US" sz="1800" spc="-1" strike="noStrike">
                 <a:solidFill>
                   <a:srgbClr val="000000"/>
                 </a:solidFill>
@@ -5306,9 +4990,15 @@
               </a:rPr>
               <a:t>Second Outline Level</a:t>
             </a:r>
-          </a:p>
-          <a:p>
-            <a:pPr marL="1296000" lvl="2" indent="-288000">
+            <a:endParaRPr b="0" lang="en-US" sz="1800" spc="-1" strike="noStrike">
+              <a:solidFill>
+                <a:srgbClr val="000000"/>
+              </a:solidFill>
+              <a:latin typeface="Arial"/>
+            </a:endParaRPr>
+          </a:p>
+          <a:p>
+            <a:pPr lvl="2" marL="1296000" indent="-288000">
               <a:spcBef>
                 <a:spcPts val="850"/>
               </a:spcBef>
@@ -5320,7 +5010,7 @@
               <a:buChar char=""/>
             </a:pPr>
             <a:r>
-              <a:rPr lang="en-US" sz="1800" b="0" strike="noStrike" spc="-1">
+              <a:rPr b="0" lang="en-US" sz="1800" spc="-1" strike="noStrike">
                 <a:solidFill>
                   <a:srgbClr val="000000"/>
                 </a:solidFill>
@@ -5328,9 +5018,15 @@
               </a:rPr>
               <a:t>Third Outline Level</a:t>
             </a:r>
-          </a:p>
-          <a:p>
-            <a:pPr marL="1728000" lvl="3" indent="-216000">
+            <a:endParaRPr b="0" lang="en-US" sz="1800" spc="-1" strike="noStrike">
+              <a:solidFill>
+                <a:srgbClr val="000000"/>
+              </a:solidFill>
+              <a:latin typeface="Arial"/>
+            </a:endParaRPr>
+          </a:p>
+          <a:p>
+            <a:pPr lvl="3" marL="1728000" indent="-216000">
               <a:spcBef>
                 <a:spcPts val="567"/>
               </a:spcBef>
@@ -5342,7 +5038,7 @@
               <a:buChar char=""/>
             </a:pPr>
             <a:r>
-              <a:rPr lang="en-US" sz="1800" b="0" strike="noStrike" spc="-1">
+              <a:rPr b="0" lang="en-US" sz="1800" spc="-1" strike="noStrike">
                 <a:solidFill>
                   <a:srgbClr val="000000"/>
                 </a:solidFill>
@@ -5350,9 +5046,15 @@
               </a:rPr>
               <a:t>Fourth Outline Level</a:t>
             </a:r>
-          </a:p>
-          <a:p>
-            <a:pPr marL="2160000" lvl="4" indent="-216000">
+            <a:endParaRPr b="0" lang="en-US" sz="1800" spc="-1" strike="noStrike">
+              <a:solidFill>
+                <a:srgbClr val="000000"/>
+              </a:solidFill>
+              <a:latin typeface="Arial"/>
+            </a:endParaRPr>
+          </a:p>
+          <a:p>
+            <a:pPr lvl="4" marL="2160000" indent="-216000">
               <a:spcBef>
                 <a:spcPts val="283"/>
               </a:spcBef>
@@ -5364,7 +5066,7 @@
               <a:buChar char=""/>
             </a:pPr>
             <a:r>
-              <a:rPr lang="en-US" sz="2000" b="0" strike="noStrike" spc="-1">
+              <a:rPr b="0" lang="en-US" sz="2000" spc="-1" strike="noStrike">
                 <a:solidFill>
                   <a:srgbClr val="000000"/>
                 </a:solidFill>
@@ -5372,9 +5074,15 @@
               </a:rPr>
               <a:t>Fifth Outline Level</a:t>
             </a:r>
-          </a:p>
-          <a:p>
-            <a:pPr marL="2592000" lvl="5" indent="-216000">
+            <a:endParaRPr b="0" lang="en-US" sz="2000" spc="-1" strike="noStrike">
+              <a:solidFill>
+                <a:srgbClr val="000000"/>
+              </a:solidFill>
+              <a:latin typeface="Arial"/>
+            </a:endParaRPr>
+          </a:p>
+          <a:p>
+            <a:pPr lvl="5" marL="2592000" indent="-216000">
               <a:spcBef>
                 <a:spcPts val="283"/>
               </a:spcBef>
@@ -5386,7 +5094,7 @@
               <a:buChar char=""/>
             </a:pPr>
             <a:r>
-              <a:rPr lang="en-US" sz="2000" b="0" strike="noStrike" spc="-1">
+              <a:rPr b="0" lang="en-US" sz="2000" spc="-1" strike="noStrike">
                 <a:solidFill>
                   <a:srgbClr val="000000"/>
                 </a:solidFill>
@@ -5394,9 +5102,15 @@
               </a:rPr>
               <a:t>Sixth Outline Level</a:t>
             </a:r>
-          </a:p>
-          <a:p>
-            <a:pPr marL="3024000" lvl="6" indent="-216000">
+            <a:endParaRPr b="0" lang="en-US" sz="2000" spc="-1" strike="noStrike">
+              <a:solidFill>
+                <a:srgbClr val="000000"/>
+              </a:solidFill>
+              <a:latin typeface="Arial"/>
+            </a:endParaRPr>
+          </a:p>
+          <a:p>
+            <a:pPr lvl="6" marL="3024000" indent="-216000">
               <a:spcBef>
                 <a:spcPts val="283"/>
               </a:spcBef>
@@ -5408,7 +5122,7 @@
               <a:buChar char=""/>
             </a:pPr>
             <a:r>
-              <a:rPr lang="en-US" sz="2000" b="0" strike="noStrike" spc="-1">
+              <a:rPr b="0" lang="en-US" sz="2000" spc="-1" strike="noStrike">
                 <a:solidFill>
                   <a:srgbClr val="000000"/>
                 </a:solidFill>
@@ -5416,43 +5130,43 @@
               </a:rPr>
               <a:t>Seventh Outline Level</a:t>
             </a:r>
+            <a:endParaRPr b="0" lang="en-US" sz="2000" spc="-1" strike="noStrike">
+              <a:solidFill>
+                <a:srgbClr val="000000"/>
+              </a:solidFill>
+              <a:latin typeface="Arial"/>
+            </a:endParaRPr>
           </a:p>
         </p:txBody>
       </p:sp>
     </p:spTree>
   </p:cSld>
-  <p:clrMap bg1="lt1" tx1="dk1" bg2="lt2" tx2="dk2" accent1="accent1" accent2="accent2" accent3="accent3" accent4="accent4" accent5="accent5" accent6="accent6" hlink="hlink" folHlink="folHlink"/>
+  <p:clrMap bg1="lt1" bg2="lt2" tx1="dk1" tx2="dk2" accent1="accent1" accent2="accent2" accent3="accent3" accent4="accent4" accent5="accent5" accent6="accent6" hlink="hlink" folHlink="folHlink"/>
   <p:sldLayoutIdLst>
-    <p:sldLayoutId id="2147483662" r:id="rId1"/>
-    <p:sldLayoutId id="2147483663" r:id="rId2"/>
-    <p:sldLayoutId id="2147483664" r:id="rId3"/>
-    <p:sldLayoutId id="2147483665" r:id="rId4"/>
-    <p:sldLayoutId id="2147483666" r:id="rId5"/>
-    <p:sldLayoutId id="2147483667" r:id="rId6"/>
-    <p:sldLayoutId id="2147483668" r:id="rId7"/>
-    <p:sldLayoutId id="2147483669" r:id="rId8"/>
-    <p:sldLayoutId id="2147483670" r:id="rId9"/>
-    <p:sldLayoutId id="2147483671" r:id="rId10"/>
-    <p:sldLayoutId id="2147483672" r:id="rId11"/>
-    <p:sldLayoutId id="2147483673" r:id="rId12"/>
+    <p:sldLayoutId id="2147483662" r:id="rId2"/>
+    <p:sldLayoutId id="2147483663" r:id="rId3"/>
+    <p:sldLayoutId id="2147483664" r:id="rId4"/>
+    <p:sldLayoutId id="2147483665" r:id="rId5"/>
+    <p:sldLayoutId id="2147483666" r:id="rId6"/>
+    <p:sldLayoutId id="2147483667" r:id="rId7"/>
+    <p:sldLayoutId id="2147483668" r:id="rId8"/>
+    <p:sldLayoutId id="2147483669" r:id="rId9"/>
+    <p:sldLayoutId id="2147483670" r:id="rId10"/>
+    <p:sldLayoutId id="2147483671" r:id="rId11"/>
+    <p:sldLayoutId id="2147483672" r:id="rId12"/>
+    <p:sldLayoutId id="2147483673" r:id="rId13"/>
   </p:sldLayoutIdLst>
-  <p:txStyles>
-    <p:titleStyle/>
-    <p:bodyStyle/>
-    <p:otherStyle/>
-  </p:txStyles>
 </p:sldMaster>
 </file>
 
 <file path=ppt/slideMasters/slideMaster3.xml><?xml version="1.0" encoding="utf-8"?>
-<p:sldMaster xmlns:a="http://schemas.openxmlformats.org/drawingml/2006/main" xmlns:r="http://schemas.openxmlformats.org/officeDocument/2006/relationships" xmlns:p="http://schemas.openxmlformats.org/presentationml/2006/main">
+<p:sldMaster xmlns:a="http://schemas.openxmlformats.org/drawingml/2006/main" xmlns:p="http://schemas.openxmlformats.org/presentationml/2006/main" xmlns:r="http://schemas.openxmlformats.org/officeDocument/2006/relationships" xmlns:p14="http://schemas.microsoft.com/office/powerpoint/2010/main" xmlns:p15="http://schemas.microsoft.com/office/powerpoint/2012/main" xmlns:mc="http://schemas.openxmlformats.org/markup-compatibility/2006">
   <p:cSld>
     <p:bg>
       <p:bgPr>
         <a:solidFill>
-          <a:srgbClr val="FFFFFF"/>
+          <a:srgbClr val="ffffff"/>
         </a:solidFill>
-        <a:effectLst/>
       </p:bgPr>
     </p:bg>
     <p:spTree>
@@ -5478,28 +5192,22 @@
         <p:spPr>
           <a:xfrm>
             <a:off x="0" y="6400800"/>
-            <a:ext cx="12191040" cy="456120"/>
+            <a:ext cx="12190680" cy="455760"/>
           </a:xfrm>
           <a:prstGeom prst="rect">
             <a:avLst/>
           </a:prstGeom>
           <a:solidFill>
-            <a:srgbClr val="BD582C"/>
+            <a:srgbClr val="bd582c"/>
           </a:solidFill>
           <a:ln w="15840">
             <a:noFill/>
           </a:ln>
         </p:spPr>
         <p:style>
-          <a:lnRef idx="0">
-            <a:scrgbClr r="0" g="0" b="0"/>
-          </a:lnRef>
-          <a:fillRef idx="0">
-            <a:scrgbClr r="0" g="0" b="0"/>
-          </a:fillRef>
-          <a:effectRef idx="0">
-            <a:scrgbClr r="0" g="0" b="0"/>
-          </a:effectRef>
+          <a:lnRef idx="0"/>
+          <a:fillRef idx="0"/>
+          <a:effectRef idx="0"/>
           <a:fontRef idx="minor"/>
         </p:style>
       </p:sp>
@@ -5512,28 +5220,22 @@
         <p:spPr>
           <a:xfrm>
             <a:off x="0" y="6334200"/>
-            <a:ext cx="12191040" cy="64800"/>
+            <a:ext cx="12190680" cy="64440"/>
           </a:xfrm>
           <a:prstGeom prst="rect">
             <a:avLst/>
           </a:prstGeom>
           <a:solidFill>
-            <a:srgbClr val="E48312"/>
+            <a:srgbClr val="e48312"/>
           </a:solidFill>
           <a:ln w="15840">
             <a:noFill/>
           </a:ln>
         </p:spPr>
         <p:style>
-          <a:lnRef idx="0">
-            <a:scrgbClr r="0" g="0" b="0"/>
-          </a:lnRef>
-          <a:fillRef idx="0">
-            <a:scrgbClr r="0" g="0" b="0"/>
-          </a:fillRef>
-          <a:effectRef idx="0">
-            <a:scrgbClr r="0" g="0" b="0"/>
-          </a:effectRef>
+          <a:lnRef idx="0"/>
+          <a:fillRef idx="0"/>
+          <a:effectRef idx="0"/>
           <a:fontRef idx="minor"/>
         </p:style>
       </p:sp>
@@ -5559,15 +5261,9 @@
           </a:ln>
         </p:spPr>
         <p:style>
-          <a:lnRef idx="0">
-            <a:scrgbClr r="0" g="0" b="0"/>
-          </a:lnRef>
-          <a:fillRef idx="0">
-            <a:scrgbClr r="0" g="0" b="0"/>
-          </a:fillRef>
-          <a:effectRef idx="0">
-            <a:scrgbClr r="0" g="0" b="0"/>
-          </a:effectRef>
+          <a:lnRef idx="0"/>
+          <a:fillRef idx="0"/>
+          <a:effectRef idx="0"/>
           <a:fontRef idx="minor"/>
         </p:style>
       </p:sp>
@@ -5583,19 +5279,18 @@
         </p:nvSpPr>
         <p:spPr>
           <a:xfrm>
-            <a:off x="1097280" y="286560"/>
-            <a:ext cx="10057320" cy="1449720"/>
-          </a:xfrm>
-          <a:prstGeom prst="rect">
-            <a:avLst/>
-          </a:prstGeom>
-        </p:spPr>
-        <p:txBody>
-          <a:bodyPr lIns="0" tIns="0" rIns="0" bIns="0" anchor="ctr"/>
-          <a:lstStyle/>
+            <a:off x="609480" y="273600"/>
+            <a:ext cx="10972440" cy="1144800"/>
+          </a:xfrm>
+          <a:prstGeom prst="rect">
+            <a:avLst/>
+          </a:prstGeom>
+        </p:spPr>
+        <p:txBody>
+          <a:bodyPr lIns="0" rIns="0" tIns="0" bIns="0" anchor="ctr"/>
           <a:p>
             <a:r>
-              <a:rPr lang="en-US" sz="4400" b="0" strike="noStrike" spc="-1">
+              <a:rPr b="0" lang="en-US" sz="1800" spc="-1" strike="noStrike">
                 <a:solidFill>
                   <a:srgbClr val="000000"/>
                 </a:solidFill>
@@ -5603,6 +5298,12 @@
               </a:rPr>
               <a:t>Click to edit the title text format</a:t>
             </a:r>
+            <a:endParaRPr b="0" lang="en-US" sz="1800" spc="-1" strike="noStrike">
+              <a:solidFill>
+                <a:srgbClr val="000000"/>
+              </a:solidFill>
+              <a:latin typeface="Arial"/>
+            </a:endParaRPr>
           </a:p>
         </p:txBody>
       </p:sp>
@@ -5619,17 +5320,16 @@
         <p:spPr>
           <a:xfrm>
             <a:off x="609480" y="1604520"/>
-            <a:ext cx="10972080" cy="3976920"/>
-          </a:xfrm>
-          <a:prstGeom prst="rect">
-            <a:avLst/>
-          </a:prstGeom>
-        </p:spPr>
-        <p:txBody>
-          <a:bodyPr lIns="0" tIns="0" rIns="0" bIns="0">
+            <a:ext cx="10972440" cy="3977280"/>
+          </a:xfrm>
+          <a:prstGeom prst="rect">
+            <a:avLst/>
+          </a:prstGeom>
+        </p:spPr>
+        <p:txBody>
+          <a:bodyPr lIns="0" rIns="0" tIns="0" bIns="0">
             <a:normAutofit/>
           </a:bodyPr>
-          <a:lstStyle/>
           <a:p>
             <a:pPr marL="432000" indent="-324000">
               <a:spcBef>
@@ -5643,7 +5343,7 @@
               <a:buChar char=""/>
             </a:pPr>
             <a:r>
-              <a:rPr lang="en-US" sz="2800" b="0" strike="noStrike" spc="-1">
+              <a:rPr b="0" lang="en-US" sz="1800" spc="-1" strike="noStrike">
                 <a:solidFill>
                   <a:srgbClr val="000000"/>
                 </a:solidFill>
@@ -5651,9 +5351,15 @@
               </a:rPr>
               <a:t>Click to edit the outline text format</a:t>
             </a:r>
-          </a:p>
-          <a:p>
-            <a:pPr marL="864000" lvl="1" indent="-324000">
+            <a:endParaRPr b="0" lang="en-US" sz="1800" spc="-1" strike="noStrike">
+              <a:solidFill>
+                <a:srgbClr val="000000"/>
+              </a:solidFill>
+              <a:latin typeface="Arial"/>
+            </a:endParaRPr>
+          </a:p>
+          <a:p>
+            <a:pPr lvl="1" marL="864000" indent="-324000">
               <a:spcBef>
                 <a:spcPts val="1134"/>
               </a:spcBef>
@@ -5665,7 +5371,7 @@
               <a:buChar char=""/>
             </a:pPr>
             <a:r>
-              <a:rPr lang="en-US" sz="2800" b="0" strike="noStrike" spc="-1">
+              <a:rPr b="0" lang="en-US" sz="1800" spc="-1" strike="noStrike">
                 <a:solidFill>
                   <a:srgbClr val="000000"/>
                 </a:solidFill>
@@ -5673,9 +5379,15 @@
               </a:rPr>
               <a:t>Second Outline Level</a:t>
             </a:r>
-          </a:p>
-          <a:p>
-            <a:pPr marL="1296000" lvl="2" indent="-288000">
+            <a:endParaRPr b="0" lang="en-US" sz="1800" spc="-1" strike="noStrike">
+              <a:solidFill>
+                <a:srgbClr val="000000"/>
+              </a:solidFill>
+              <a:latin typeface="Arial"/>
+            </a:endParaRPr>
+          </a:p>
+          <a:p>
+            <a:pPr lvl="2" marL="1296000" indent="-288000">
               <a:spcBef>
                 <a:spcPts val="850"/>
               </a:spcBef>
@@ -5687,7 +5399,7 @@
               <a:buChar char=""/>
             </a:pPr>
             <a:r>
-              <a:rPr lang="en-US" sz="2800" b="0" strike="noStrike" spc="-1">
+              <a:rPr b="0" lang="en-US" sz="1800" spc="-1" strike="noStrike">
                 <a:solidFill>
                   <a:srgbClr val="000000"/>
                 </a:solidFill>
@@ -5695,9 +5407,15 @@
               </a:rPr>
               <a:t>Third Outline Level</a:t>
             </a:r>
-          </a:p>
-          <a:p>
-            <a:pPr marL="1728000" lvl="3" indent="-216000">
+            <a:endParaRPr b="0" lang="en-US" sz="1800" spc="-1" strike="noStrike">
+              <a:solidFill>
+                <a:srgbClr val="000000"/>
+              </a:solidFill>
+              <a:latin typeface="Arial"/>
+            </a:endParaRPr>
+          </a:p>
+          <a:p>
+            <a:pPr lvl="3" marL="1728000" indent="-216000">
               <a:spcBef>
                 <a:spcPts val="567"/>
               </a:spcBef>
@@ -5709,7 +5427,7 @@
               <a:buChar char=""/>
             </a:pPr>
             <a:r>
-              <a:rPr lang="en-US" sz="2800" b="0" strike="noStrike" spc="-1">
+              <a:rPr b="0" lang="en-US" sz="1800" spc="-1" strike="noStrike">
                 <a:solidFill>
                   <a:srgbClr val="000000"/>
                 </a:solidFill>
@@ -5717,9 +5435,15 @@
               </a:rPr>
               <a:t>Fourth Outline Level</a:t>
             </a:r>
-          </a:p>
-          <a:p>
-            <a:pPr marL="2160000" lvl="4" indent="-216000">
+            <a:endParaRPr b="0" lang="en-US" sz="1800" spc="-1" strike="noStrike">
+              <a:solidFill>
+                <a:srgbClr val="000000"/>
+              </a:solidFill>
+              <a:latin typeface="Arial"/>
+            </a:endParaRPr>
+          </a:p>
+          <a:p>
+            <a:pPr lvl="4" marL="2160000" indent="-216000">
               <a:spcBef>
                 <a:spcPts val="283"/>
               </a:spcBef>
@@ -5731,7 +5455,7 @@
               <a:buChar char=""/>
             </a:pPr>
             <a:r>
-              <a:rPr lang="en-US" sz="2800" b="0" strike="noStrike" spc="-1">
+              <a:rPr b="0" lang="en-US" sz="2000" spc="-1" strike="noStrike">
                 <a:solidFill>
                   <a:srgbClr val="000000"/>
                 </a:solidFill>
@@ -5739,9 +5463,15 @@
               </a:rPr>
               <a:t>Fifth Outline Level</a:t>
             </a:r>
-          </a:p>
-          <a:p>
-            <a:pPr marL="2592000" lvl="5" indent="-216000">
+            <a:endParaRPr b="0" lang="en-US" sz="2000" spc="-1" strike="noStrike">
+              <a:solidFill>
+                <a:srgbClr val="000000"/>
+              </a:solidFill>
+              <a:latin typeface="Arial"/>
+            </a:endParaRPr>
+          </a:p>
+          <a:p>
+            <a:pPr lvl="5" marL="2592000" indent="-216000">
               <a:spcBef>
                 <a:spcPts val="283"/>
               </a:spcBef>
@@ -5753,7 +5483,7 @@
               <a:buChar char=""/>
             </a:pPr>
             <a:r>
-              <a:rPr lang="en-US" sz="2800" b="0" strike="noStrike" spc="-1">
+              <a:rPr b="0" lang="en-US" sz="2000" spc="-1" strike="noStrike">
                 <a:solidFill>
                   <a:srgbClr val="000000"/>
                 </a:solidFill>
@@ -5761,9 +5491,15 @@
               </a:rPr>
               <a:t>Sixth Outline Level</a:t>
             </a:r>
-          </a:p>
-          <a:p>
-            <a:pPr marL="3024000" lvl="6" indent="-216000">
+            <a:endParaRPr b="0" lang="en-US" sz="2000" spc="-1" strike="noStrike">
+              <a:solidFill>
+                <a:srgbClr val="000000"/>
+              </a:solidFill>
+              <a:latin typeface="Arial"/>
+            </a:endParaRPr>
+          </a:p>
+          <a:p>
+            <a:pPr lvl="6" marL="3024000" indent="-216000">
               <a:spcBef>
                 <a:spcPts val="283"/>
               </a:spcBef>
@@ -5775,7 +5511,7 @@
               <a:buChar char=""/>
             </a:pPr>
             <a:r>
-              <a:rPr lang="en-US" sz="2800" b="0" strike="noStrike" spc="-1">
+              <a:rPr b="0" lang="en-US" sz="2000" spc="-1" strike="noStrike">
                 <a:solidFill>
                   <a:srgbClr val="000000"/>
                 </a:solidFill>
@@ -5783,36 +5519,37 @@
               </a:rPr>
               <a:t>Seventh Outline Level</a:t>
             </a:r>
+            <a:endParaRPr b="0" lang="en-US" sz="2000" spc="-1" strike="noStrike">
+              <a:solidFill>
+                <a:srgbClr val="000000"/>
+              </a:solidFill>
+              <a:latin typeface="Arial"/>
+            </a:endParaRPr>
           </a:p>
         </p:txBody>
       </p:sp>
     </p:spTree>
   </p:cSld>
-  <p:clrMap bg1="lt1" tx1="dk1" bg2="lt2" tx2="dk2" accent1="accent1" accent2="accent2" accent3="accent3" accent4="accent4" accent5="accent5" accent6="accent6" hlink="hlink" folHlink="folHlink"/>
+  <p:clrMap bg1="lt1" bg2="lt2" tx1="dk1" tx2="dk2" accent1="accent1" accent2="accent2" accent3="accent3" accent4="accent4" accent5="accent5" accent6="accent6" hlink="hlink" folHlink="folHlink"/>
   <p:sldLayoutIdLst>
-    <p:sldLayoutId id="2147483675" r:id="rId1"/>
-    <p:sldLayoutId id="2147483676" r:id="rId2"/>
-    <p:sldLayoutId id="2147483677" r:id="rId3"/>
-    <p:sldLayoutId id="2147483678" r:id="rId4"/>
-    <p:sldLayoutId id="2147483679" r:id="rId5"/>
-    <p:sldLayoutId id="2147483680" r:id="rId6"/>
-    <p:sldLayoutId id="2147483681" r:id="rId7"/>
-    <p:sldLayoutId id="2147483682" r:id="rId8"/>
-    <p:sldLayoutId id="2147483683" r:id="rId9"/>
-    <p:sldLayoutId id="2147483684" r:id="rId10"/>
-    <p:sldLayoutId id="2147483685" r:id="rId11"/>
-    <p:sldLayoutId id="2147483686" r:id="rId12"/>
+    <p:sldLayoutId id="2147483675" r:id="rId2"/>
+    <p:sldLayoutId id="2147483676" r:id="rId3"/>
+    <p:sldLayoutId id="2147483677" r:id="rId4"/>
+    <p:sldLayoutId id="2147483678" r:id="rId5"/>
+    <p:sldLayoutId id="2147483679" r:id="rId6"/>
+    <p:sldLayoutId id="2147483680" r:id="rId7"/>
+    <p:sldLayoutId id="2147483681" r:id="rId8"/>
+    <p:sldLayoutId id="2147483682" r:id="rId9"/>
+    <p:sldLayoutId id="2147483683" r:id="rId10"/>
+    <p:sldLayoutId id="2147483684" r:id="rId11"/>
+    <p:sldLayoutId id="2147483685" r:id="rId12"/>
+    <p:sldLayoutId id="2147483686" r:id="rId13"/>
   </p:sldLayoutIdLst>
-  <p:txStyles>
-    <p:titleStyle/>
-    <p:bodyStyle/>
-    <p:otherStyle/>
-  </p:txStyles>
 </p:sldMaster>
 </file>
 
 <file path=ppt/slides/slide1.xml><?xml version="1.0" encoding="utf-8"?>
-<p:sld xmlns:a="http://schemas.openxmlformats.org/drawingml/2006/main" xmlns:r="http://schemas.openxmlformats.org/officeDocument/2006/relationships" xmlns:p="http://schemas.openxmlformats.org/presentationml/2006/main">
+<p:sld xmlns:a="http://schemas.openxmlformats.org/drawingml/2006/main" xmlns:p="http://schemas.openxmlformats.org/presentationml/2006/main" xmlns:r="http://schemas.openxmlformats.org/officeDocument/2006/relationships" xmlns:p14="http://schemas.microsoft.com/office/powerpoint/2010/main" xmlns:p15="http://schemas.microsoft.com/office/powerpoint/2012/main" xmlns:mc="http://schemas.openxmlformats.org/markup-compatibility/2006">
   <p:cSld>
     <p:spTree>
       <p:nvGrpSpPr>
@@ -5837,7 +5574,7 @@
         <p:spPr>
           <a:xfrm>
             <a:off x="1097280" y="758880"/>
-            <a:ext cx="10057320" cy="3565080"/>
+            <a:ext cx="10056960" cy="3564720"/>
           </a:xfrm>
           <a:prstGeom prst="rect">
             <a:avLst/>
@@ -5848,20 +5585,13 @@
           </a:ln>
         </p:spPr>
         <p:style>
-          <a:lnRef idx="0">
-            <a:scrgbClr r="0" g="0" b="0"/>
-          </a:lnRef>
-          <a:fillRef idx="0">
-            <a:scrgbClr r="0" g="0" b="0"/>
-          </a:fillRef>
-          <a:effectRef idx="0">
-            <a:scrgbClr r="0" g="0" b="0"/>
-          </a:effectRef>
+          <a:lnRef idx="0"/>
+          <a:fillRef idx="0"/>
+          <a:effectRef idx="0"/>
           <a:fontRef idx="minor"/>
         </p:style>
         <p:txBody>
-          <a:bodyPr lIns="90000" tIns="45000" rIns="90000" bIns="45000" anchor="b"/>
-          <a:lstStyle/>
+          <a:bodyPr lIns="90000" rIns="90000" tIns="45000" bIns="45000" anchor="b"/>
           <a:p>
             <a:pPr>
               <a:lnSpc>
@@ -5869,7 +5599,7 @@
               </a:lnSpc>
             </a:pPr>
             <a:r>
-              <a:rPr lang="en-US" sz="8000" b="0" strike="noStrike" spc="-43">
+              <a:rPr b="0" lang="en-US" sz="8000" spc="-41" strike="noStrike">
                 <a:solidFill>
                   <a:srgbClr val="262626"/>
                 </a:solidFill>
@@ -5878,7 +5608,7 @@
               </a:rPr>
               <a:t>Debugger</a:t>
             </a:r>
-            <a:endParaRPr lang="en-US" sz="8000" b="0" strike="noStrike" spc="-1">
+            <a:endParaRPr b="0" lang="en-US" sz="8000" spc="-1" strike="noStrike">
               <a:latin typeface="Arial"/>
             </a:endParaRPr>
           </a:p>
@@ -5893,7 +5623,7 @@
         <p:spPr>
           <a:xfrm>
             <a:off x="1100160" y="4455720"/>
-            <a:ext cx="10057320" cy="1141920"/>
+            <a:ext cx="10056960" cy="1141560"/>
           </a:xfrm>
           <a:prstGeom prst="rect">
             <a:avLst/>
@@ -5904,20 +5634,13 @@
           </a:ln>
         </p:spPr>
         <p:style>
-          <a:lnRef idx="0">
-            <a:scrgbClr r="0" g="0" b="0"/>
-          </a:lnRef>
-          <a:fillRef idx="0">
-            <a:scrgbClr r="0" g="0" b="0"/>
-          </a:fillRef>
-          <a:effectRef idx="0">
-            <a:scrgbClr r="0" g="0" b="0"/>
-          </a:effectRef>
+          <a:lnRef idx="0"/>
+          <a:fillRef idx="0"/>
+          <a:effectRef idx="0"/>
           <a:fontRef idx="minor"/>
         </p:style>
         <p:txBody>
-          <a:bodyPr lIns="90000" tIns="45000" rIns="90000" bIns="45000"/>
-          <a:lstStyle/>
+          <a:bodyPr lIns="90000" rIns="90000" tIns="45000" bIns="45000"/>
           <a:p>
             <a:pPr>
               <a:lnSpc>
@@ -5931,7 +5654,7 @@
               </a:spcAft>
             </a:pPr>
             <a:r>
-              <a:rPr lang="en-US" sz="2400" b="0" strike="noStrike" cap="all" spc="194">
+              <a:rPr b="0" lang="en-US" sz="2400" spc="191" strike="noStrike" cap="all">
                 <a:solidFill>
                   <a:srgbClr val="637052"/>
                 </a:solidFill>
@@ -5940,7 +5663,7 @@
               </a:rPr>
               <a:t>Banana Development Team</a:t>
             </a:r>
-            <a:endParaRPr lang="en-US" sz="2400" b="0" strike="noStrike" spc="-1">
+            <a:endParaRPr b="0" lang="en-US" sz="2400" spc="-1" strike="noStrike">
               <a:latin typeface="Arial"/>
             </a:endParaRPr>
           </a:p>
@@ -5948,19 +5671,19 @@
       </p:sp>
       <p:pic>
         <p:nvPicPr>
-          <p:cNvPr id="128" name="Picture 4"/>
+          <p:cNvPr id="128" name="Picture 4" descr=""/>
           <p:cNvPicPr/>
           <p:nvPr/>
         </p:nvPicPr>
         <p:blipFill>
-          <a:blip r:embed="rId2"/>
-          <a:srcRect b="4860"/>
+          <a:blip r:embed="rId1"/>
+          <a:srcRect l="0" t="0" r="0" b="4860"/>
           <a:stretch/>
         </p:blipFill>
         <p:spPr>
           <a:xfrm>
             <a:off x="10667880" y="274320"/>
-            <a:ext cx="1164960" cy="1260720"/>
+            <a:ext cx="1164600" cy="1260360"/>
           </a:xfrm>
           <a:prstGeom prst="rect">
             <a:avLst/>
@@ -5972,9 +5695,6 @@
       </p:pic>
     </p:spTree>
   </p:cSld>
-  <p:clrMapOvr>
-    <a:masterClrMapping/>
-  </p:clrMapOvr>
   <p:timing>
     <p:tnLst>
       <p:par>
@@ -5983,14 +5703,14 @@
             <p:seq>
               <p:cTn id="2" dur="indefinite" nodeType="mainSeq"/>
               <p:prevCondLst>
-                <p:cond evt="onPrev" delay="0">
+                <p:cond delay="0" evt="onPrev">
                   <p:tgtEl>
                     <p:sldTgt/>
                   </p:tgtEl>
                 </p:cond>
               </p:prevCondLst>
               <p:nextCondLst>
-                <p:cond evt="onNext" delay="0">
+                <p:cond delay="0" evt="onNext">
                   <p:tgtEl>
                     <p:sldTgt/>
                   </p:tgtEl>
@@ -6006,7 +5726,7 @@
 </file>
 
 <file path=ppt/slides/slide10.xml><?xml version="1.0" encoding="utf-8"?>
-<p:sld xmlns:a="http://schemas.openxmlformats.org/drawingml/2006/main" xmlns:r="http://schemas.openxmlformats.org/officeDocument/2006/relationships" xmlns:p="http://schemas.openxmlformats.org/presentationml/2006/main">
+<p:sld xmlns:a="http://schemas.openxmlformats.org/drawingml/2006/main" xmlns:p="http://schemas.openxmlformats.org/presentationml/2006/main" xmlns:r="http://schemas.openxmlformats.org/officeDocument/2006/relationships" xmlns:p14="http://schemas.microsoft.com/office/powerpoint/2010/main" xmlns:p15="http://schemas.microsoft.com/office/powerpoint/2012/main" xmlns:mc="http://schemas.openxmlformats.org/markup-compatibility/2006">
   <p:cSld>
     <p:spTree>
       <p:nvGrpSpPr>
@@ -6024,14 +5744,14 @@
       </p:grpSpPr>
       <p:sp>
         <p:nvSpPr>
-          <p:cNvPr id="163" name="CustomShape 1"/>
+          <p:cNvPr id="156" name="CustomShape 1"/>
           <p:cNvSpPr/>
           <p:nvPr/>
         </p:nvSpPr>
         <p:spPr>
           <a:xfrm>
             <a:off x="1097280" y="286560"/>
-            <a:ext cx="10057320" cy="1449720"/>
+            <a:ext cx="10056960" cy="1449360"/>
           </a:xfrm>
           <a:prstGeom prst="rect">
             <a:avLst/>
@@ -6042,36 +5762,23 @@
           </a:ln>
         </p:spPr>
         <p:style>
-          <a:lnRef idx="0">
-            <a:scrgbClr r="0" g="0" b="0"/>
-          </a:lnRef>
-          <a:fillRef idx="0">
-            <a:scrgbClr r="0" g="0" b="0"/>
-          </a:fillRef>
-          <a:effectRef idx="0">
-            <a:scrgbClr r="0" g="0" b="0"/>
-          </a:effectRef>
+          <a:lnRef idx="0"/>
+          <a:fillRef idx="0"/>
+          <a:effectRef idx="0"/>
           <a:fontRef idx="minor"/>
         </p:style>
         <p:txBody>
-          <a:bodyPr lIns="0" tIns="0" rIns="0" bIns="0" anchor="ctr"/>
-          <a:lstStyle/>
+          <a:bodyPr lIns="0" rIns="0" tIns="0" bIns="0" anchor="ctr"/>
           <a:p>
             <a:pPr>
               <a:lnSpc>
                 <a:spcPct val="90000"/>
               </a:lnSpc>
             </a:pPr>
-            <a:r>
-              <a:t/>
-            </a:r>
+            <a:br/>
             <a:br/>
             <a:r>
-              <a:t/>
-            </a:r>
-            <a:br/>
-            <a:r>
-              <a:rPr lang="en-US" sz="4400" b="0" strike="noStrike" spc="-43">
+              <a:rPr b="0" lang="en-US" sz="4400" spc="-41" strike="noStrike">
                 <a:solidFill>
                   <a:srgbClr val="404040"/>
                 </a:solidFill>
@@ -6080,11 +5787,8 @@
               </a:rPr>
               <a:t>Sound Design – Use Case Diagram</a:t>
             </a:r>
-            <a:r>
-              <a:t/>
-            </a:r>
             <a:br/>
-            <a:endParaRPr lang="en-US" sz="4400" b="0" strike="noStrike" spc="-1">
+            <a:endParaRPr b="0" lang="en-US" sz="4400" spc="-1" strike="noStrike">
               <a:latin typeface="Arial"/>
             </a:endParaRPr>
           </a:p>
@@ -6092,19 +5796,43 @@
       </p:sp>
       <p:pic>
         <p:nvPicPr>
-          <p:cNvPr id="164" name="Picture 4"/>
+          <p:cNvPr id="157" name="Picture 4" descr=""/>
+          <p:cNvPicPr/>
+          <p:nvPr/>
+        </p:nvPicPr>
+        <p:blipFill>
+          <a:blip r:embed="rId1"/>
+          <a:srcRect l="0" t="0" r="0" b="4860"/>
+          <a:stretch/>
+        </p:blipFill>
+        <p:spPr>
+          <a:xfrm>
+            <a:off x="10667880" y="274320"/>
+            <a:ext cx="1164600" cy="1260360"/>
+          </a:xfrm>
+          <a:prstGeom prst="rect">
+            <a:avLst/>
+          </a:prstGeom>
+          <a:ln>
+            <a:noFill/>
+          </a:ln>
+        </p:spPr>
+      </p:pic>
+      <p:pic>
+        <p:nvPicPr>
+          <p:cNvPr id="158" name="Picture 5" descr=""/>
           <p:cNvPicPr/>
           <p:nvPr/>
         </p:nvPicPr>
         <p:blipFill>
           <a:blip r:embed="rId2"/>
-          <a:srcRect b="4860"/>
+          <a:srcRect l="0" t="4713" r="0" b="4404"/>
           <a:stretch/>
         </p:blipFill>
         <p:spPr>
           <a:xfrm>
-            <a:off x="10667880" y="274320"/>
-            <a:ext cx="1164960" cy="1260720"/>
+            <a:off x="2485080" y="1905840"/>
+            <a:ext cx="4575600" cy="4317480"/>
           </a:xfrm>
           <a:prstGeom prst="rect">
             <a:avLst/>
@@ -6114,51 +5842,24 @@
           </a:ln>
         </p:spPr>
       </p:pic>
-      <p:pic>
-        <p:nvPicPr>
-          <p:cNvPr id="165" name="Picture 5"/>
-          <p:cNvPicPr/>
-          <p:nvPr/>
-        </p:nvPicPr>
-        <p:blipFill>
-          <a:blip r:embed="rId3"/>
-          <a:srcRect t="4713" b="4404"/>
-          <a:stretch/>
-        </p:blipFill>
-        <p:spPr>
-          <a:xfrm>
-            <a:off x="2485080" y="1905840"/>
-            <a:ext cx="4575960" cy="4317840"/>
-          </a:xfrm>
-          <a:prstGeom prst="rect">
-            <a:avLst/>
-          </a:prstGeom>
-          <a:ln>
-            <a:noFill/>
-          </a:ln>
-        </p:spPr>
-      </p:pic>
     </p:spTree>
   </p:cSld>
-  <p:clrMapOvr>
-    <a:masterClrMapping/>
-  </p:clrMapOvr>
   <p:timing>
     <p:tnLst>
       <p:par>
-        <p:cTn id="1" dur="indefinite" restart="never" nodeType="tmRoot">
+        <p:cTn id="19" dur="indefinite" restart="never" nodeType="tmRoot">
           <p:childTnLst>
             <p:seq>
-              <p:cTn id="2" dur="indefinite" nodeType="mainSeq"/>
+              <p:cTn id="20" dur="indefinite" nodeType="mainSeq"/>
               <p:prevCondLst>
-                <p:cond evt="onPrev" delay="0">
+                <p:cond delay="0" evt="onPrev">
                   <p:tgtEl>
                     <p:sldTgt/>
                   </p:tgtEl>
                 </p:cond>
               </p:prevCondLst>
               <p:nextCondLst>
-                <p:cond evt="onNext" delay="0">
+                <p:cond delay="0" evt="onNext">
                   <p:tgtEl>
                     <p:sldTgt/>
                   </p:tgtEl>
@@ -6174,7 +5875,7 @@
 </file>
 
 <file path=ppt/slides/slide11.xml><?xml version="1.0" encoding="utf-8"?>
-<p:sld xmlns:a="http://schemas.openxmlformats.org/drawingml/2006/main" xmlns:r="http://schemas.openxmlformats.org/officeDocument/2006/relationships" xmlns:p="http://schemas.openxmlformats.org/presentationml/2006/main">
+<p:sld xmlns:a="http://schemas.openxmlformats.org/drawingml/2006/main" xmlns:p="http://schemas.openxmlformats.org/presentationml/2006/main" xmlns:r="http://schemas.openxmlformats.org/officeDocument/2006/relationships" xmlns:p14="http://schemas.microsoft.com/office/powerpoint/2010/main" xmlns:p15="http://schemas.microsoft.com/office/powerpoint/2012/main" xmlns:mc="http://schemas.openxmlformats.org/markup-compatibility/2006">
   <p:cSld>
     <p:spTree>
       <p:nvGrpSpPr>
@@ -6192,14 +5893,14 @@
       </p:grpSpPr>
       <p:sp>
         <p:nvSpPr>
-          <p:cNvPr id="160" name="CustomShape 1"/>
+          <p:cNvPr id="159" name="CustomShape 1"/>
           <p:cNvSpPr/>
           <p:nvPr/>
         </p:nvSpPr>
         <p:spPr>
           <a:xfrm>
             <a:off x="1097280" y="286560"/>
-            <a:ext cx="10057320" cy="1449720"/>
+            <a:ext cx="10056960" cy="1449360"/>
           </a:xfrm>
           <a:prstGeom prst="rect">
             <a:avLst/>
@@ -6210,35 +5911,22 @@
           </a:ln>
         </p:spPr>
         <p:style>
-          <a:lnRef idx="0">
-            <a:scrgbClr r="0" g="0" b="0"/>
-          </a:lnRef>
-          <a:fillRef idx="0">
-            <a:scrgbClr r="0" g="0" b="0"/>
-          </a:fillRef>
-          <a:effectRef idx="0">
-            <a:scrgbClr r="0" g="0" b="0"/>
-          </a:effectRef>
+          <a:lnRef idx="0"/>
+          <a:fillRef idx="0"/>
+          <a:effectRef idx="0"/>
           <a:fontRef idx="minor"/>
         </p:style>
         <p:txBody>
-          <a:bodyPr lIns="0" tIns="0" rIns="0" bIns="0" anchor="ctr"/>
-          <a:lstStyle/>
+          <a:bodyPr lIns="0" rIns="0" tIns="0" bIns="0" anchor="ctr"/>
           <a:p>
             <a:pPr>
               <a:lnSpc>
                 <a:spcPct val="85000"/>
               </a:lnSpc>
             </a:pPr>
+            <a:br/>
             <a:r>
-              <a:rPr dirty="0"/>
-              <a:t/>
-            </a:r>
-            <a:br>
-              <a:rPr dirty="0"/>
-            </a:br>
-            <a:r>
-              <a:rPr lang="en-US" sz="4400" spc="-43" dirty="0" smtClean="0">
+              <a:rPr b="0" lang="en-US" sz="4400" spc="-41" strike="noStrike">
                 <a:solidFill>
                   <a:srgbClr val="404040"/>
                 </a:solidFill>
@@ -6247,22 +5935,22 @@
               </a:rPr>
               <a:t>Joel – Game Menus</a:t>
             </a:r>
-            <a:endParaRPr lang="en-US" sz="4400" b="0" strike="noStrike" spc="-1" dirty="0">
-              <a:latin typeface="Arial"/>
-            </a:endParaRPr>
-          </a:p>
-        </p:txBody>
-      </p:sp>
-      <p:sp>
-        <p:nvSpPr>
-          <p:cNvPr id="161" name="CustomShape 2"/>
+            <a:endParaRPr b="0" lang="en-US" sz="4400" spc="-1" strike="noStrike">
+              <a:latin typeface="Arial"/>
+            </a:endParaRPr>
+          </a:p>
+        </p:txBody>
+      </p:sp>
+      <p:sp>
+        <p:nvSpPr>
+          <p:cNvPr id="160" name="CustomShape 2"/>
           <p:cNvSpPr/>
           <p:nvPr/>
         </p:nvSpPr>
         <p:spPr>
           <a:xfrm>
             <a:off x="1097280" y="2121120"/>
-            <a:ext cx="10057320" cy="4022280"/>
+            <a:ext cx="10056960" cy="4021920"/>
           </a:xfrm>
           <a:prstGeom prst="rect">
             <a:avLst/>
@@ -6273,22 +5961,15 @@
           </a:ln>
         </p:spPr>
         <p:style>
-          <a:lnRef idx="0">
-            <a:scrgbClr r="0" g="0" b="0"/>
-          </a:lnRef>
-          <a:fillRef idx="0">
-            <a:scrgbClr r="0" g="0" b="0"/>
-          </a:fillRef>
-          <a:effectRef idx="0">
-            <a:scrgbClr r="0" g="0" b="0"/>
-          </a:effectRef>
+          <a:lnRef idx="0"/>
+          <a:fillRef idx="0"/>
+          <a:effectRef idx="0"/>
           <a:fontRef idx="minor"/>
         </p:style>
         <p:txBody>
-          <a:bodyPr lIns="0" tIns="0" rIns="0" bIns="0" anchor="ctr"/>
-          <a:lstStyle/>
-          <a:p>
-            <a:pPr marL="91440" indent="-90360">
+          <a:bodyPr lIns="0" rIns="0" tIns="0" bIns="0" anchor="ctr"/>
+          <a:p>
+            <a:pPr marL="91440" indent="-90000">
               <a:lnSpc>
                 <a:spcPct val="90000"/>
               </a:lnSpc>
@@ -6299,27 +5980,37 @@
                 <a:spcPts val="201"/>
               </a:spcAft>
               <a:buClr>
-                <a:srgbClr val="E48312"/>
+                <a:srgbClr val="e48312"/>
               </a:buClr>
               <a:buFont typeface="Arial"/>
               <a:buChar char="•"/>
             </a:pPr>
             <a:r>
-              <a:rPr lang="en-US" sz="2200" b="0" strike="noStrike" spc="-1" dirty="0" smtClean="0">
+              <a:rPr b="0" lang="en-US" sz="2200" spc="-1" strike="noStrike">
                 <a:solidFill>
                   <a:srgbClr val="404040"/>
                 </a:solidFill>
                 <a:latin typeface="Calibri"/>
                 <a:ea typeface="DejaVu Sans"/>
               </a:rPr>
-              <a:t> Creating game menus that include a Start Menu and a Pause Menu. </a:t>
+              <a:t> </a:t>
             </a:r>
-            <a:endParaRPr lang="en-US" sz="2200" b="0" strike="noStrike" spc="-1" dirty="0">
-              <a:latin typeface="Arial"/>
-            </a:endParaRPr>
-          </a:p>
-          <a:p>
-            <a:pPr marL="91440" indent="-90360">
+            <a:r>
+              <a:rPr b="0" lang="en-US" sz="2200" spc="-1" strike="noStrike">
+                <a:solidFill>
+                  <a:srgbClr val="404040"/>
+                </a:solidFill>
+                <a:latin typeface="Calibri"/>
+                <a:ea typeface="DejaVu Sans"/>
+              </a:rPr>
+              <a:t>Creating game menus that include a Start Menu and a Pause Menu. </a:t>
+            </a:r>
+            <a:endParaRPr b="0" lang="en-US" sz="2200" spc="-1" strike="noStrike">
+              <a:latin typeface="Arial"/>
+            </a:endParaRPr>
+          </a:p>
+          <a:p>
+            <a:pPr marL="91440" indent="-90000">
               <a:lnSpc>
                 <a:spcPct val="90000"/>
               </a:lnSpc>
@@ -6330,35 +6021,37 @@
                 <a:spcPts val="201"/>
               </a:spcAft>
               <a:buClr>
-                <a:srgbClr val="E48312"/>
+                <a:srgbClr val="e48312"/>
               </a:buClr>
               <a:buFont typeface="Arial"/>
               <a:buChar char="•"/>
             </a:pPr>
             <a:r>
-              <a:rPr lang="en-US" sz="2200" spc="-1" dirty="0">
+              <a:rPr b="0" lang="en-US" sz="2200" spc="-1" strike="noStrike">
                 <a:solidFill>
                   <a:srgbClr val="404040"/>
                 </a:solidFill>
                 <a:latin typeface="Calibri"/>
+                <a:ea typeface="DejaVu Sans"/>
               </a:rPr>
               <a:t> </a:t>
             </a:r>
             <a:r>
-              <a:rPr lang="en-US" sz="2200" spc="-1" dirty="0" smtClean="0">
+              <a:rPr b="0" lang="en-US" sz="2200" spc="-1" strike="noStrike">
                 <a:solidFill>
                   <a:srgbClr val="404040"/>
                 </a:solidFill>
                 <a:latin typeface="Calibri"/>
+                <a:ea typeface="DejaVu Sans"/>
               </a:rPr>
               <a:t>Coordinate with Luis and Josh to determine most useful functionalities for the gamer and add them as options to the appropriate menu.</a:t>
             </a:r>
-            <a:endParaRPr lang="en-US" sz="2200" b="0" strike="noStrike" spc="-1" dirty="0">
-              <a:latin typeface="Arial"/>
-            </a:endParaRPr>
-          </a:p>
-          <a:p>
-            <a:pPr marL="91440" indent="-90360">
+            <a:endParaRPr b="0" lang="en-US" sz="2200" spc="-1" strike="noStrike">
+              <a:latin typeface="Arial"/>
+            </a:endParaRPr>
+          </a:p>
+          <a:p>
+            <a:pPr marL="91440" indent="-90000">
               <a:lnSpc>
                 <a:spcPct val="90000"/>
               </a:lnSpc>
@@ -6369,24 +6062,37 @@
                 <a:spcPts val="201"/>
               </a:spcAft>
               <a:buClr>
-                <a:srgbClr val="E48312"/>
+                <a:srgbClr val="e48312"/>
               </a:buClr>
               <a:buFont typeface="Arial"/>
               <a:buChar char="•"/>
             </a:pPr>
             <a:r>
-              <a:rPr lang="en-US" sz="2200" b="0" strike="noStrike" spc="-1" dirty="0" smtClean="0">
+              <a:rPr b="0" lang="en-US" sz="2200" spc="-1" strike="noStrike">
                 <a:solidFill>
                   <a:srgbClr val="404040"/>
                 </a:solidFill>
                 <a:latin typeface="Calibri"/>
                 <a:ea typeface="DejaVu Sans"/>
               </a:rPr>
-              <a:t> Coordinate with Josh to determine a design that flows with the in game graphics.</a:t>
+              <a:t> </a:t>
             </a:r>
-          </a:p>
-          <a:p>
-            <a:pPr marL="91440" indent="-90360">
+            <a:r>
+              <a:rPr b="0" lang="en-US" sz="2200" spc="-1" strike="noStrike">
+                <a:solidFill>
+                  <a:srgbClr val="404040"/>
+                </a:solidFill>
+                <a:latin typeface="Calibri"/>
+                <a:ea typeface="DejaVu Sans"/>
+              </a:rPr>
+              <a:t>Coordinate with Josh to determine a design that flows with the in game graphics.</a:t>
+            </a:r>
+            <a:endParaRPr b="0" lang="en-US" sz="2200" spc="-1" strike="noStrike">
+              <a:latin typeface="Arial"/>
+            </a:endParaRPr>
+          </a:p>
+          <a:p>
+            <a:pPr marL="91440" indent="-90000">
               <a:lnSpc>
                 <a:spcPct val="90000"/>
               </a:lnSpc>
@@ -6397,30 +6103,32 @@
                 <a:spcPts val="201"/>
               </a:spcAft>
               <a:buClr>
-                <a:srgbClr val="E48312"/>
+                <a:srgbClr val="e48312"/>
               </a:buClr>
               <a:buFont typeface="Arial"/>
               <a:buChar char="•"/>
             </a:pPr>
             <a:r>
-              <a:rPr lang="en-US" sz="2200" spc="-1" dirty="0">
+              <a:rPr b="0" lang="en-US" sz="2200" spc="-1" strike="noStrike">
                 <a:solidFill>
                   <a:srgbClr val="404040"/>
                 </a:solidFill>
                 <a:latin typeface="Calibri"/>
+                <a:ea typeface="DejaVu Sans"/>
               </a:rPr>
               <a:t> </a:t>
             </a:r>
             <a:r>
-              <a:rPr lang="en-US" sz="2200" spc="-1" dirty="0" smtClean="0">
+              <a:rPr b="0" lang="en-US" sz="2200" spc="-1" strike="noStrike">
                 <a:solidFill>
                   <a:srgbClr val="404040"/>
                 </a:solidFill>
                 <a:latin typeface="Calibri"/>
+                <a:ea typeface="DejaVu Sans"/>
               </a:rPr>
               <a:t>Coordinate with Luis to determine how the gamer can access the appropriate menu. </a:t>
             </a:r>
-            <a:endParaRPr lang="en-US" sz="2200" b="0" strike="noStrike" spc="-1" dirty="0">
+            <a:endParaRPr b="0" lang="en-US" sz="2200" spc="-1" strike="noStrike">
               <a:latin typeface="Arial"/>
             </a:endParaRPr>
           </a:p>
@@ -6436,7 +6144,7 @@
                 <a:spcPts val="201"/>
               </a:spcAft>
             </a:pPr>
-            <a:endParaRPr lang="en-US" sz="2200" b="0" strike="noStrike" spc="-1" dirty="0">
+            <a:endParaRPr b="0" lang="en-US" sz="2200" spc="-1" strike="noStrike">
               <a:latin typeface="Arial"/>
             </a:endParaRPr>
           </a:p>
@@ -6452,12 +6160,12 @@
                 <a:spcPts val="201"/>
               </a:spcAft>
             </a:pPr>
-            <a:endParaRPr lang="en-US" sz="2200" b="0" strike="noStrike" spc="-1" dirty="0">
-              <a:latin typeface="Arial"/>
-            </a:endParaRPr>
-          </a:p>
-          <a:p>
-            <a:pPr marL="91440" indent="-90360">
+            <a:endParaRPr b="0" lang="en-US" sz="2200" spc="-1" strike="noStrike">
+              <a:latin typeface="Arial"/>
+            </a:endParaRPr>
+          </a:p>
+          <a:p>
+            <a:pPr marL="91440" indent="-90000">
               <a:lnSpc>
                 <a:spcPct val="90000"/>
               </a:lnSpc>
@@ -6468,47 +6176,27 @@
                 <a:spcPts val="201"/>
               </a:spcAft>
               <a:buClr>
-                <a:srgbClr val="E48312"/>
+                <a:srgbClr val="e48312"/>
               </a:buClr>
               <a:buFont typeface="Arial"/>
               <a:buChar char="•"/>
             </a:pPr>
             <a:r>
-              <a:rPr lang="en-US" sz="2200" b="0" strike="noStrike" spc="-1" dirty="0">
+              <a:rPr b="0" lang="en-US" sz="2200" spc="-1" strike="noStrike">
                 <a:solidFill>
                   <a:srgbClr val="404040"/>
                 </a:solidFill>
                 <a:latin typeface="Calibri"/>
                 <a:ea typeface="DejaVu Sans"/>
               </a:rPr>
-              <a:t>Priority level: </a:t>
+              <a:t>Priority level: 2 </a:t>
             </a:r>
-            <a:r>
-              <a:rPr lang="en-US" sz="2200" spc="-1" dirty="0">
-                <a:solidFill>
-                  <a:srgbClr val="404040"/>
-                </a:solidFill>
-                <a:latin typeface="Calibri"/>
-                <a:ea typeface="DejaVu Sans"/>
-              </a:rPr>
-              <a:t>2</a:t>
-            </a:r>
-            <a:r>
-              <a:rPr lang="en-US" sz="2200" b="0" strike="noStrike" spc="-1" dirty="0" smtClean="0">
-                <a:solidFill>
-                  <a:srgbClr val="404040"/>
-                </a:solidFill>
-                <a:latin typeface="Calibri"/>
-                <a:ea typeface="DejaVu Sans"/>
-              </a:rPr>
-              <a:t> </a:t>
-            </a:r>
-            <a:endParaRPr lang="en-US" sz="2200" b="0" strike="noStrike" spc="-1" dirty="0">
-              <a:latin typeface="Arial"/>
-            </a:endParaRPr>
-          </a:p>
-          <a:p>
-            <a:pPr marL="91440" indent="-90360">
+            <a:endParaRPr b="0" lang="en-US" sz="2200" spc="-1" strike="noStrike">
+              <a:latin typeface="Arial"/>
+            </a:endParaRPr>
+          </a:p>
+          <a:p>
+            <a:pPr marL="91440" indent="-90000">
               <a:lnSpc>
                 <a:spcPct val="90000"/>
               </a:lnSpc>
@@ -6519,13 +6207,13 @@
                 <a:spcPts val="201"/>
               </a:spcAft>
               <a:buClr>
-                <a:srgbClr val="E48312"/>
+                <a:srgbClr val="e48312"/>
               </a:buClr>
               <a:buFont typeface="Arial"/>
               <a:buChar char="•"/>
             </a:pPr>
             <a:r>
-              <a:rPr lang="en-US" sz="2200" b="0" strike="noStrike" spc="-1" dirty="0">
+              <a:rPr b="0" lang="en-US" sz="2200" spc="-1" strike="noStrike">
                 <a:solidFill>
                   <a:srgbClr val="404040"/>
                 </a:solidFill>
@@ -6534,7 +6222,7 @@
               </a:rPr>
               <a:t>Complexity: Moderate</a:t>
             </a:r>
-            <a:endParaRPr lang="en-US" sz="2200" b="0" strike="noStrike" spc="-1" dirty="0">
+            <a:endParaRPr b="0" lang="en-US" sz="2200" spc="-1" strike="noStrike">
               <a:latin typeface="Arial"/>
             </a:endParaRPr>
           </a:p>
@@ -6547,7 +6235,7 @@
                 <a:spcPts val="1001"/>
               </a:spcBef>
             </a:pPr>
-            <a:endParaRPr lang="en-US" sz="2200" b="0" strike="noStrike" spc="-1" dirty="0">
+            <a:endParaRPr b="0" lang="en-US" sz="2200" spc="-1" strike="noStrike">
               <a:latin typeface="Arial"/>
             </a:endParaRPr>
           </a:p>
@@ -6555,19 +6243,19 @@
       </p:sp>
       <p:pic>
         <p:nvPicPr>
-          <p:cNvPr id="162" name="Picture 4"/>
+          <p:cNvPr id="161" name="Picture 4" descr=""/>
           <p:cNvPicPr/>
           <p:nvPr/>
         </p:nvPicPr>
         <p:blipFill>
-          <a:blip r:embed="rId2"/>
-          <a:srcRect b="4860"/>
+          <a:blip r:embed="rId1"/>
+          <a:srcRect l="0" t="0" r="0" b="4860"/>
           <a:stretch/>
         </p:blipFill>
         <p:spPr>
           <a:xfrm>
             <a:off x="10667880" y="274320"/>
-            <a:ext cx="1164960" cy="1260720"/>
+            <a:ext cx="1164600" cy="1260360"/>
           </a:xfrm>
           <a:prstGeom prst="rect">
             <a:avLst/>
@@ -6578,31 +6266,23 @@
         </p:spPr>
       </p:pic>
     </p:spTree>
-    <p:extLst>
-      <p:ext uri="{BB962C8B-B14F-4D97-AF65-F5344CB8AC3E}">
-        <p14:creationId xmlns:p14="http://schemas.microsoft.com/office/powerpoint/2010/main" val="3921877469"/>
-      </p:ext>
-    </p:extLst>
   </p:cSld>
-  <p:clrMapOvr>
-    <a:masterClrMapping/>
-  </p:clrMapOvr>
   <p:timing>
     <p:tnLst>
       <p:par>
-        <p:cTn id="1" dur="indefinite" restart="never" nodeType="tmRoot">
+        <p:cTn id="21" dur="indefinite" restart="never" nodeType="tmRoot">
           <p:childTnLst>
             <p:seq>
-              <p:cTn id="2" dur="indefinite" nodeType="mainSeq"/>
+              <p:cTn id="22" dur="indefinite" nodeType="mainSeq"/>
               <p:prevCondLst>
-                <p:cond evt="onPrev" delay="0">
+                <p:cond delay="0" evt="onPrev">
                   <p:tgtEl>
                     <p:sldTgt/>
                   </p:tgtEl>
                 </p:cond>
               </p:prevCondLst>
               <p:nextCondLst>
-                <p:cond evt="onNext" delay="0">
+                <p:cond delay="0" evt="onNext">
                   <p:tgtEl>
                     <p:sldTgt/>
                   </p:tgtEl>
@@ -6618,7 +6298,7 @@
 </file>
 
 <file path=ppt/slides/slide12.xml><?xml version="1.0" encoding="utf-8"?>
-<p:sld xmlns:a="http://schemas.openxmlformats.org/drawingml/2006/main" xmlns:r="http://schemas.openxmlformats.org/officeDocument/2006/relationships" xmlns:p="http://schemas.openxmlformats.org/presentationml/2006/main">
+<p:sld xmlns:a="http://schemas.openxmlformats.org/drawingml/2006/main" xmlns:p="http://schemas.openxmlformats.org/presentationml/2006/main" xmlns:r="http://schemas.openxmlformats.org/officeDocument/2006/relationships" xmlns:p14="http://schemas.microsoft.com/office/powerpoint/2010/main" xmlns:p15="http://schemas.microsoft.com/office/powerpoint/2012/main" xmlns:mc="http://schemas.openxmlformats.org/markup-compatibility/2006">
   <p:cSld>
     <p:spTree>
       <p:nvGrpSpPr>
@@ -6636,14 +6316,14 @@
       </p:grpSpPr>
       <p:sp>
         <p:nvSpPr>
-          <p:cNvPr id="160" name="CustomShape 1"/>
+          <p:cNvPr id="162" name="CustomShape 1"/>
           <p:cNvSpPr/>
           <p:nvPr/>
         </p:nvSpPr>
         <p:spPr>
           <a:xfrm>
             <a:off x="1097280" y="286560"/>
-            <a:ext cx="10057320" cy="1449720"/>
+            <a:ext cx="10056960" cy="1449360"/>
           </a:xfrm>
           <a:prstGeom prst="rect">
             <a:avLst/>
@@ -6654,35 +6334,22 @@
           </a:ln>
         </p:spPr>
         <p:style>
-          <a:lnRef idx="0">
-            <a:scrgbClr r="0" g="0" b="0"/>
-          </a:lnRef>
-          <a:fillRef idx="0">
-            <a:scrgbClr r="0" g="0" b="0"/>
-          </a:fillRef>
-          <a:effectRef idx="0">
-            <a:scrgbClr r="0" g="0" b="0"/>
-          </a:effectRef>
+          <a:lnRef idx="0"/>
+          <a:fillRef idx="0"/>
+          <a:effectRef idx="0"/>
           <a:fontRef idx="minor"/>
         </p:style>
         <p:txBody>
-          <a:bodyPr lIns="0" tIns="0" rIns="0" bIns="0" anchor="ctr"/>
-          <a:lstStyle/>
+          <a:bodyPr lIns="0" rIns="0" tIns="0" bIns="0" anchor="ctr"/>
           <a:p>
             <a:pPr>
               <a:lnSpc>
                 <a:spcPct val="85000"/>
               </a:lnSpc>
             </a:pPr>
+            <a:br/>
             <a:r>
-              <a:rPr dirty="0"/>
-              <a:t/>
-            </a:r>
-            <a:br>
-              <a:rPr dirty="0"/>
-            </a:br>
-            <a:r>
-              <a:rPr lang="en-US" sz="4400" spc="-43" dirty="0" smtClean="0">
+              <a:rPr b="0" lang="en-US" sz="4400" spc="-41" strike="noStrike">
                 <a:solidFill>
                   <a:srgbClr val="404040"/>
                 </a:solidFill>
@@ -6691,22 +6358,22 @@
               </a:rPr>
               <a:t>Display Menu – Use Case Diagram</a:t>
             </a:r>
-            <a:endParaRPr lang="en-US" sz="4400" b="0" strike="noStrike" spc="-1" dirty="0">
-              <a:latin typeface="Arial"/>
-            </a:endParaRPr>
-          </a:p>
-        </p:txBody>
-      </p:sp>
-      <p:sp>
-        <p:nvSpPr>
-          <p:cNvPr id="161" name="CustomShape 2"/>
+            <a:endParaRPr b="0" lang="en-US" sz="4400" spc="-1" strike="noStrike">
+              <a:latin typeface="Arial"/>
+            </a:endParaRPr>
+          </a:p>
+        </p:txBody>
+      </p:sp>
+      <p:sp>
+        <p:nvSpPr>
+          <p:cNvPr id="163" name="CustomShape 2"/>
           <p:cNvSpPr/>
           <p:nvPr/>
         </p:nvSpPr>
         <p:spPr>
           <a:xfrm>
             <a:off x="1097280" y="2121120"/>
-            <a:ext cx="10057320" cy="4022280"/>
+            <a:ext cx="10056960" cy="4021920"/>
           </a:xfrm>
           <a:prstGeom prst="rect">
             <a:avLst/>
@@ -6717,50 +6384,50 @@
           </a:ln>
         </p:spPr>
         <p:style>
-          <a:lnRef idx="0">
-            <a:scrgbClr r="0" g="0" b="0"/>
-          </a:lnRef>
-          <a:fillRef idx="0">
-            <a:scrgbClr r="0" g="0" b="0"/>
-          </a:fillRef>
-          <a:effectRef idx="0">
-            <a:scrgbClr r="0" g="0" b="0"/>
-          </a:effectRef>
+          <a:lnRef idx="0"/>
+          <a:fillRef idx="0"/>
+          <a:effectRef idx="0"/>
           <a:fontRef idx="minor"/>
         </p:style>
-        <p:txBody>
-          <a:bodyPr lIns="0" tIns="0" rIns="0" bIns="0" anchor="ctr"/>
-          <a:lstStyle/>
-          <a:p>
-            <a:pPr>
-              <a:lnSpc>
-                <a:spcPct val="90000"/>
-              </a:lnSpc>
-              <a:spcBef>
-                <a:spcPts val="1001"/>
-              </a:spcBef>
-            </a:pPr>
-            <a:endParaRPr lang="en-US" sz="2200" b="0" strike="noStrike" spc="-1" dirty="0">
-              <a:latin typeface="Arial"/>
-            </a:endParaRPr>
-          </a:p>
-        </p:txBody>
       </p:sp>
       <p:pic>
         <p:nvPicPr>
-          <p:cNvPr id="162" name="Picture 4"/>
+          <p:cNvPr id="164" name="Picture 4" descr=""/>
+          <p:cNvPicPr/>
+          <p:nvPr/>
+        </p:nvPicPr>
+        <p:blipFill>
+          <a:blip r:embed="rId1"/>
+          <a:srcRect l="0" t="0" r="0" b="4860"/>
+          <a:stretch/>
+        </p:blipFill>
+        <p:spPr>
+          <a:xfrm>
+            <a:off x="10667880" y="274320"/>
+            <a:ext cx="1164600" cy="1260360"/>
+          </a:xfrm>
+          <a:prstGeom prst="rect">
+            <a:avLst/>
+          </a:prstGeom>
+          <a:ln>
+            <a:noFill/>
+          </a:ln>
+        </p:spPr>
+      </p:pic>
+      <p:pic>
+        <p:nvPicPr>
+          <p:cNvPr id="165" name="Picture 4" descr=""/>
           <p:cNvPicPr/>
           <p:nvPr/>
         </p:nvPicPr>
         <p:blipFill>
           <a:blip r:embed="rId2"/>
-          <a:srcRect b="4860"/>
           <a:stretch/>
         </p:blipFill>
         <p:spPr>
           <a:xfrm>
-            <a:off x="10667880" y="274320"/>
-            <a:ext cx="1164960" cy="1260720"/>
+            <a:off x="2438280" y="1903320"/>
+            <a:ext cx="5943240" cy="4457520"/>
           </a:xfrm>
           <a:prstGeom prst="rect">
             <a:avLst/>
@@ -6770,65 +6437,24 @@
           </a:ln>
         </p:spPr>
       </p:pic>
-      <p:pic>
-        <p:nvPicPr>
-          <p:cNvPr id="5" name="Picture 4" descr="C:\Users\Jimmy\AppData\Local\Temp\useCase_joelBerain-2.jpg"/>
-          <p:cNvPicPr/>
-          <p:nvPr/>
-        </p:nvPicPr>
-        <p:blipFill>
-          <a:blip r:embed="rId3">
-            <a:extLst>
-              <a:ext uri="{28A0092B-C50C-407E-A947-70E740481C1C}">
-                <a14:useLocalDpi xmlns:a14="http://schemas.microsoft.com/office/drawing/2010/main" val="0"/>
-              </a:ext>
-            </a:extLst>
-          </a:blip>
-          <a:srcRect/>
-          <a:stretch>
-            <a:fillRect/>
-          </a:stretch>
-        </p:blipFill>
-        <p:spPr bwMode="auto">
-          <a:xfrm>
-            <a:off x="2438400" y="1903410"/>
-            <a:ext cx="5943600" cy="4457700"/>
-          </a:xfrm>
-          <a:prstGeom prst="rect">
-            <a:avLst/>
-          </a:prstGeom>
-          <a:noFill/>
-          <a:ln>
-            <a:noFill/>
-          </a:ln>
-        </p:spPr>
-      </p:pic>
     </p:spTree>
-    <p:extLst>
-      <p:ext uri="{BB962C8B-B14F-4D97-AF65-F5344CB8AC3E}">
-        <p14:creationId xmlns:p14="http://schemas.microsoft.com/office/powerpoint/2010/main" val="2289958717"/>
-      </p:ext>
-    </p:extLst>
   </p:cSld>
-  <p:clrMapOvr>
-    <a:masterClrMapping/>
-  </p:clrMapOvr>
   <p:timing>
     <p:tnLst>
       <p:par>
-        <p:cTn id="1" dur="indefinite" restart="never" nodeType="tmRoot">
+        <p:cTn id="23" dur="indefinite" restart="never" nodeType="tmRoot">
           <p:childTnLst>
             <p:seq>
-              <p:cTn id="2" dur="indefinite" nodeType="mainSeq"/>
+              <p:cTn id="24" dur="indefinite" nodeType="mainSeq"/>
               <p:prevCondLst>
-                <p:cond evt="onPrev" delay="0">
+                <p:cond delay="0" evt="onPrev">
                   <p:tgtEl>
                     <p:sldTgt/>
                   </p:tgtEl>
                 </p:cond>
               </p:prevCondLst>
               <p:nextCondLst>
-                <p:cond evt="onNext" delay="0">
+                <p:cond delay="0" evt="onNext">
                   <p:tgtEl>
                     <p:sldTgt/>
                   </p:tgtEl>
@@ -6844,7 +6470,7 @@
 </file>
 
 <file path=ppt/slides/slide2.xml><?xml version="1.0" encoding="utf-8"?>
-<p:sld xmlns:a="http://schemas.openxmlformats.org/drawingml/2006/main" xmlns:r="http://schemas.openxmlformats.org/officeDocument/2006/relationships" xmlns:p="http://schemas.openxmlformats.org/presentationml/2006/main">
+<p:sld xmlns:a="http://schemas.openxmlformats.org/drawingml/2006/main" xmlns:p="http://schemas.openxmlformats.org/presentationml/2006/main" xmlns:r="http://schemas.openxmlformats.org/officeDocument/2006/relationships" xmlns:p14="http://schemas.microsoft.com/office/powerpoint/2010/main" xmlns:p15="http://schemas.microsoft.com/office/powerpoint/2012/main" xmlns:mc="http://schemas.openxmlformats.org/markup-compatibility/2006">
   <p:cSld>
     <p:spTree>
       <p:nvGrpSpPr>
@@ -6869,7 +6495,7 @@
         <p:spPr>
           <a:xfrm>
             <a:off x="1097280" y="286560"/>
-            <a:ext cx="10057320" cy="1449720"/>
+            <a:ext cx="10056960" cy="1449360"/>
           </a:xfrm>
           <a:prstGeom prst="rect">
             <a:avLst/>
@@ -6880,15 +6506,9 @@
           </a:ln>
         </p:spPr>
         <p:style>
-          <a:lnRef idx="0">
-            <a:scrgbClr r="0" g="0" b="0"/>
-          </a:lnRef>
-          <a:fillRef idx="0">
-            <a:scrgbClr r="0" g="0" b="0"/>
-          </a:fillRef>
-          <a:effectRef idx="0">
-            <a:scrgbClr r="0" g="0" b="0"/>
-          </a:effectRef>
+          <a:lnRef idx="0"/>
+          <a:fillRef idx="0"/>
+          <a:effectRef idx="0"/>
           <a:fontRef idx="minor"/>
         </p:style>
       </p:sp>
@@ -6901,7 +6521,7 @@
         <p:spPr>
           <a:xfrm>
             <a:off x="1097280" y="1845720"/>
-            <a:ext cx="10057320" cy="4022280"/>
+            <a:ext cx="10056960" cy="4021920"/>
           </a:xfrm>
           <a:prstGeom prst="rect">
             <a:avLst/>
@@ -6912,33 +6532,27 @@
           </a:ln>
         </p:spPr>
         <p:style>
-          <a:lnRef idx="0">
-            <a:scrgbClr r="0" g="0" b="0"/>
-          </a:lnRef>
-          <a:fillRef idx="0">
-            <a:scrgbClr r="0" g="0" b="0"/>
-          </a:fillRef>
-          <a:effectRef idx="0">
-            <a:scrgbClr r="0" g="0" b="0"/>
-          </a:effectRef>
+          <a:lnRef idx="0"/>
+          <a:fillRef idx="0"/>
+          <a:effectRef idx="0"/>
           <a:fontRef idx="minor"/>
         </p:style>
       </p:sp>
       <p:pic>
         <p:nvPicPr>
-          <p:cNvPr id="131" name="Picture 3"/>
+          <p:cNvPr id="131" name="Picture 3" descr=""/>
           <p:cNvPicPr/>
           <p:nvPr/>
         </p:nvPicPr>
         <p:blipFill>
-          <a:blip r:embed="rId2"/>
-          <a:srcRect b="4860"/>
+          <a:blip r:embed="rId1"/>
+          <a:srcRect l="0" t="0" r="0" b="4860"/>
           <a:stretch/>
         </p:blipFill>
         <p:spPr>
           <a:xfrm>
             <a:off x="10667880" y="274320"/>
-            <a:ext cx="1164960" cy="1260720"/>
+            <a:ext cx="1164600" cy="1260360"/>
           </a:xfrm>
           <a:prstGeom prst="rect">
             <a:avLst/>
@@ -6957,7 +6571,7 @@
         <p:spPr>
           <a:xfrm>
             <a:off x="1097280" y="286560"/>
-            <a:ext cx="10057680" cy="1450080"/>
+            <a:ext cx="10057320" cy="1449720"/>
           </a:xfrm>
           <a:prstGeom prst="rect">
             <a:avLst/>
@@ -6968,20 +6582,13 @@
           </a:ln>
         </p:spPr>
         <p:style>
-          <a:lnRef idx="0">
-            <a:scrgbClr r="0" g="0" b="0"/>
-          </a:lnRef>
-          <a:fillRef idx="0">
-            <a:scrgbClr r="0" g="0" b="0"/>
-          </a:fillRef>
-          <a:effectRef idx="0">
-            <a:scrgbClr r="0" g="0" b="0"/>
-          </a:effectRef>
+          <a:lnRef idx="0"/>
+          <a:fillRef idx="0"/>
+          <a:effectRef idx="0"/>
           <a:fontRef idx="minor"/>
         </p:style>
         <p:txBody>
-          <a:bodyPr lIns="90000" tIns="45000" rIns="90000" bIns="45000" anchor="b"/>
-          <a:lstStyle/>
+          <a:bodyPr lIns="90000" rIns="90000" tIns="45000" bIns="45000" anchor="b"/>
           <a:p>
             <a:pPr>
               <a:lnSpc>
@@ -6989,7 +6596,7 @@
               </a:lnSpc>
             </a:pPr>
             <a:r>
-              <a:rPr lang="en-US" sz="4800" b="0" strike="noStrike" spc="-46">
+              <a:rPr b="0" lang="en-US" sz="4800" spc="-43" strike="noStrike">
                 <a:solidFill>
                   <a:srgbClr val="404040"/>
                 </a:solidFill>
@@ -6998,7 +6605,7 @@
               </a:rPr>
               <a:t>Global Use Case</a:t>
             </a:r>
-            <a:endParaRPr lang="en-US" sz="4800" b="0" strike="noStrike" spc="-1">
+            <a:endParaRPr b="0" lang="en-US" sz="4800" spc="-1" strike="noStrike">
               <a:latin typeface="Arial"/>
             </a:endParaRPr>
           </a:p>
@@ -7006,18 +6613,18 @@
       </p:sp>
       <p:pic>
         <p:nvPicPr>
-          <p:cNvPr id="133" name="Picture 132"/>
+          <p:cNvPr id="133" name="Picture 132" descr=""/>
           <p:cNvPicPr/>
           <p:nvPr/>
         </p:nvPicPr>
         <p:blipFill>
-          <a:blip r:embed="rId3"/>
+          <a:blip r:embed="rId2"/>
           <a:stretch/>
         </p:blipFill>
         <p:spPr>
           <a:xfrm>
             <a:off x="1274040" y="1800360"/>
-            <a:ext cx="7595640" cy="4533480"/>
+            <a:ext cx="7595280" cy="4533120"/>
           </a:xfrm>
           <a:prstGeom prst="rect">
             <a:avLst/>
@@ -7029,25 +6636,22 @@
       </p:pic>
     </p:spTree>
   </p:cSld>
-  <p:clrMapOvr>
-    <a:masterClrMapping/>
-  </p:clrMapOvr>
   <p:timing>
     <p:tnLst>
       <p:par>
-        <p:cTn id="1" dur="indefinite" restart="never" nodeType="tmRoot">
+        <p:cTn id="3" dur="indefinite" restart="never" nodeType="tmRoot">
           <p:childTnLst>
             <p:seq>
-              <p:cTn id="2" dur="indefinite" nodeType="mainSeq"/>
+              <p:cTn id="4" dur="indefinite" nodeType="mainSeq"/>
               <p:prevCondLst>
-                <p:cond evt="onPrev" delay="0">
+                <p:cond delay="0" evt="onPrev">
                   <p:tgtEl>
                     <p:sldTgt/>
                   </p:tgtEl>
                 </p:cond>
               </p:prevCondLst>
               <p:nextCondLst>
-                <p:cond evt="onNext" delay="0">
+                <p:cond delay="0" evt="onNext">
                   <p:tgtEl>
                     <p:sldTgt/>
                   </p:tgtEl>
@@ -7063,7 +6667,7 @@
 </file>
 
 <file path=ppt/slides/slide3.xml><?xml version="1.0" encoding="utf-8"?>
-<p:sld xmlns:a="http://schemas.openxmlformats.org/drawingml/2006/main" xmlns:r="http://schemas.openxmlformats.org/officeDocument/2006/relationships" xmlns:p="http://schemas.openxmlformats.org/presentationml/2006/main">
+<p:sld xmlns:a="http://schemas.openxmlformats.org/drawingml/2006/main" xmlns:p="http://schemas.openxmlformats.org/presentationml/2006/main" xmlns:r="http://schemas.openxmlformats.org/officeDocument/2006/relationships" xmlns:p14="http://schemas.microsoft.com/office/powerpoint/2010/main" xmlns:p15="http://schemas.microsoft.com/office/powerpoint/2012/main" xmlns:mc="http://schemas.openxmlformats.org/markup-compatibility/2006">
   <p:cSld>
     <p:spTree>
       <p:nvGrpSpPr>
@@ -7088,7 +6692,7 @@
         <p:spPr>
           <a:xfrm>
             <a:off x="1097280" y="286560"/>
-            <a:ext cx="10057680" cy="1450080"/>
+            <a:ext cx="10057320" cy="1449720"/>
           </a:xfrm>
           <a:prstGeom prst="rect">
             <a:avLst/>
@@ -7099,20 +6703,13 @@
           </a:ln>
         </p:spPr>
         <p:style>
-          <a:lnRef idx="0">
-            <a:scrgbClr r="0" g="0" b="0"/>
-          </a:lnRef>
-          <a:fillRef idx="0">
-            <a:scrgbClr r="0" g="0" b="0"/>
-          </a:fillRef>
-          <a:effectRef idx="0">
-            <a:scrgbClr r="0" g="0" b="0"/>
-          </a:effectRef>
+          <a:lnRef idx="0"/>
+          <a:fillRef idx="0"/>
+          <a:effectRef idx="0"/>
           <a:fontRef idx="minor"/>
         </p:style>
         <p:txBody>
-          <a:bodyPr lIns="90000" tIns="45000" rIns="90000" bIns="45000" anchor="b"/>
-          <a:lstStyle/>
+          <a:bodyPr lIns="90000" rIns="90000" tIns="45000" bIns="45000" anchor="b"/>
           <a:p>
             <a:pPr>
               <a:lnSpc>
@@ -7120,7 +6717,7 @@
               </a:lnSpc>
             </a:pPr>
             <a:r>
-              <a:rPr lang="en-US" sz="4800" b="0" strike="noStrike" spc="-46">
+              <a:rPr b="0" lang="en-US" sz="4800" spc="-43" strike="noStrike">
                 <a:solidFill>
                   <a:srgbClr val="404040"/>
                 </a:solidFill>
@@ -7129,7 +6726,7 @@
               </a:rPr>
               <a:t>Luis Lopez – Player Character</a:t>
             </a:r>
-            <a:endParaRPr lang="en-US" sz="4800" b="0" strike="noStrike" spc="-1">
+            <a:endParaRPr b="0" lang="en-US" sz="4800" spc="-1" strike="noStrike">
               <a:latin typeface="Arial"/>
             </a:endParaRPr>
           </a:p>
@@ -7144,7 +6741,7 @@
         <p:spPr>
           <a:xfrm>
             <a:off x="1097280" y="1845720"/>
-            <a:ext cx="10057680" cy="4022640"/>
+            <a:ext cx="10057320" cy="4022280"/>
           </a:xfrm>
           <a:prstGeom prst="rect">
             <a:avLst/>
@@ -7155,24 +6752,17 @@
           </a:ln>
         </p:spPr>
         <p:style>
-          <a:lnRef idx="0">
-            <a:scrgbClr r="0" g="0" b="0"/>
-          </a:lnRef>
-          <a:fillRef idx="0">
-            <a:scrgbClr r="0" g="0" b="0"/>
-          </a:fillRef>
-          <a:effectRef idx="0">
-            <a:scrgbClr r="0" g="0" b="0"/>
-          </a:effectRef>
+          <a:lnRef idx="0"/>
+          <a:fillRef idx="0"/>
+          <a:effectRef idx="0"/>
           <a:fontRef idx="minor"/>
         </p:style>
         <p:txBody>
-          <a:bodyPr lIns="0" tIns="45000" rIns="0" bIns="45000">
+          <a:bodyPr lIns="0" rIns="0" tIns="45000" bIns="45000">
             <a:normAutofit/>
           </a:bodyPr>
-          <a:lstStyle/>
-          <a:p>
-            <a:pPr marL="91440" indent="-90360">
+          <a:p>
+            <a:pPr marL="91440" indent="-90000">
               <a:lnSpc>
                 <a:spcPct val="90000"/>
               </a:lnSpc>
@@ -7183,13 +6773,13 @@
                 <a:spcPts val="201"/>
               </a:spcAft>
               <a:buClr>
-                <a:srgbClr val="E48312"/>
+                <a:srgbClr val="e48312"/>
               </a:buClr>
               <a:buFont typeface="Arial"/>
               <a:buChar char="•"/>
             </a:pPr>
             <a:r>
-              <a:rPr lang="en-US" sz="2400" b="0" strike="noStrike" spc="-1">
+              <a:rPr b="0" lang="en-US" sz="2400" spc="-1" strike="noStrike">
                 <a:solidFill>
                   <a:srgbClr val="404040"/>
                 </a:solidFill>
@@ -7198,12 +6788,12 @@
               </a:rPr>
               <a:t>Coordinate Rigid body with character movement</a:t>
             </a:r>
-            <a:endParaRPr lang="en-US" sz="2400" b="0" strike="noStrike" spc="-1">
-              <a:latin typeface="Arial"/>
-            </a:endParaRPr>
-          </a:p>
-          <a:p>
-            <a:pPr marL="91440" indent="-90360">
+            <a:endParaRPr b="0" lang="en-US" sz="2400" spc="-1" strike="noStrike">
+              <a:latin typeface="Arial"/>
+            </a:endParaRPr>
+          </a:p>
+          <a:p>
+            <a:pPr marL="91440" indent="-90000">
               <a:lnSpc>
                 <a:spcPct val="90000"/>
               </a:lnSpc>
@@ -7214,13 +6804,13 @@
                 <a:spcPts val="201"/>
               </a:spcAft>
               <a:buClr>
-                <a:srgbClr val="E48312"/>
+                <a:srgbClr val="e48312"/>
               </a:buClr>
               <a:buFont typeface="Arial"/>
               <a:buChar char="•"/>
             </a:pPr>
             <a:r>
-              <a:rPr lang="en-US" sz="2400" b="0" strike="noStrike" spc="-1">
+              <a:rPr b="0" lang="en-US" sz="2400" spc="-1" strike="noStrike">
                 <a:solidFill>
                   <a:srgbClr val="404040"/>
                 </a:solidFill>
@@ -7229,12 +6819,12 @@
               </a:rPr>
               <a:t>Create projectile to destroy enemies</a:t>
             </a:r>
-            <a:endParaRPr lang="en-US" sz="2400" b="0" strike="noStrike" spc="-1">
-              <a:latin typeface="Arial"/>
-            </a:endParaRPr>
-          </a:p>
-          <a:p>
-            <a:pPr marL="91440" indent="-90360">
+            <a:endParaRPr b="0" lang="en-US" sz="2400" spc="-1" strike="noStrike">
+              <a:latin typeface="Arial"/>
+            </a:endParaRPr>
+          </a:p>
+          <a:p>
+            <a:pPr marL="91440" indent="-90000">
               <a:lnSpc>
                 <a:spcPct val="90000"/>
               </a:lnSpc>
@@ -7245,13 +6835,13 @@
                 <a:spcPts val="201"/>
               </a:spcAft>
               <a:buClr>
-                <a:srgbClr val="E48312"/>
+                <a:srgbClr val="e48312"/>
               </a:buClr>
               <a:buFont typeface="Arial"/>
               <a:buChar char="•"/>
             </a:pPr>
             <a:r>
-              <a:rPr lang="en-US" sz="2400" b="0" strike="noStrike" spc="-1">
+              <a:rPr b="0" lang="en-US" sz="2400" spc="-1" strike="noStrike">
                 <a:solidFill>
                   <a:srgbClr val="404040"/>
                 </a:solidFill>
@@ -7260,12 +6850,12 @@
               </a:rPr>
               <a:t>Communicate with scorekeeper to keep track of score and health</a:t>
             </a:r>
-            <a:endParaRPr lang="en-US" sz="2400" b="0" strike="noStrike" spc="-1">
-              <a:latin typeface="Arial"/>
-            </a:endParaRPr>
-          </a:p>
-          <a:p>
-            <a:pPr marL="91440" indent="-90360">
+            <a:endParaRPr b="0" lang="en-US" sz="2400" spc="-1" strike="noStrike">
+              <a:latin typeface="Arial"/>
+            </a:endParaRPr>
+          </a:p>
+          <a:p>
+            <a:pPr marL="91440" indent="-90000">
               <a:lnSpc>
                 <a:spcPct val="90000"/>
               </a:lnSpc>
@@ -7276,13 +6866,13 @@
                 <a:spcPts val="201"/>
               </a:spcAft>
               <a:buClr>
-                <a:srgbClr val="E48312"/>
+                <a:srgbClr val="e48312"/>
               </a:buClr>
               <a:buFont typeface="Arial"/>
               <a:buChar char="•"/>
             </a:pPr>
             <a:r>
-              <a:rPr lang="en-US" sz="2400" b="0" strike="noStrike" spc="-1">
+              <a:rPr b="0" lang="en-US" sz="2400" spc="-1" strike="noStrike">
                 <a:solidFill>
                   <a:srgbClr val="404040"/>
                 </a:solidFill>
@@ -7291,7 +6881,7 @@
               </a:rPr>
               <a:t>Create character motions such as walk, jump , run and shoot</a:t>
             </a:r>
-            <a:endParaRPr lang="en-US" sz="2400" b="0" strike="noStrike" spc="-1">
+            <a:endParaRPr b="0" lang="en-US" sz="2400" spc="-1" strike="noStrike">
               <a:latin typeface="Arial"/>
             </a:endParaRPr>
           </a:p>
@@ -7307,7 +6897,7 @@
                 <a:spcPts val="201"/>
               </a:spcAft>
             </a:pPr>
-            <a:endParaRPr lang="en-US" sz="2400" b="0" strike="noStrike" spc="-1">
+            <a:endParaRPr b="0" lang="en-US" sz="2400" spc="-1" strike="noStrike">
               <a:latin typeface="Arial"/>
             </a:endParaRPr>
           </a:p>
@@ -7323,12 +6913,12 @@
                 <a:spcPts val="201"/>
               </a:spcAft>
             </a:pPr>
-            <a:endParaRPr lang="en-US" sz="2400" b="0" strike="noStrike" spc="-1">
-              <a:latin typeface="Arial"/>
-            </a:endParaRPr>
-          </a:p>
-          <a:p>
-            <a:pPr marL="91440" indent="-90360">
+            <a:endParaRPr b="0" lang="en-US" sz="2400" spc="-1" strike="noStrike">
+              <a:latin typeface="Arial"/>
+            </a:endParaRPr>
+          </a:p>
+          <a:p>
+            <a:pPr marL="91440" indent="-90000">
               <a:lnSpc>
                 <a:spcPct val="90000"/>
               </a:lnSpc>
@@ -7339,13 +6929,13 @@
                 <a:spcPts val="201"/>
               </a:spcAft>
               <a:buClr>
-                <a:srgbClr val="E48312"/>
+                <a:srgbClr val="e48312"/>
               </a:buClr>
               <a:buFont typeface="Arial"/>
               <a:buChar char="•"/>
             </a:pPr>
             <a:r>
-              <a:rPr lang="en-US" sz="2400" b="0" strike="noStrike" spc="-1">
+              <a:rPr b="0" lang="en-US" sz="2400" spc="-1" strike="noStrike">
                 <a:solidFill>
                   <a:srgbClr val="404040"/>
                 </a:solidFill>
@@ -7354,12 +6944,12 @@
               </a:rPr>
               <a:t>Priority level: 2</a:t>
             </a:r>
-            <a:endParaRPr lang="en-US" sz="2400" b="0" strike="noStrike" spc="-1">
-              <a:latin typeface="Arial"/>
-            </a:endParaRPr>
-          </a:p>
-          <a:p>
-            <a:pPr marL="91440" indent="-90360">
+            <a:endParaRPr b="0" lang="en-US" sz="2400" spc="-1" strike="noStrike">
+              <a:latin typeface="Arial"/>
+            </a:endParaRPr>
+          </a:p>
+          <a:p>
+            <a:pPr marL="91440" indent="-90000">
               <a:lnSpc>
                 <a:spcPct val="90000"/>
               </a:lnSpc>
@@ -7370,13 +6960,13 @@
                 <a:spcPts val="201"/>
               </a:spcAft>
               <a:buClr>
-                <a:srgbClr val="E48312"/>
+                <a:srgbClr val="e48312"/>
               </a:buClr>
               <a:buFont typeface="Arial"/>
               <a:buChar char="•"/>
             </a:pPr>
             <a:r>
-              <a:rPr lang="en-US" sz="2400" b="0" strike="noStrike" spc="-1">
+              <a:rPr b="0" lang="en-US" sz="2400" spc="-1" strike="noStrike">
                 <a:solidFill>
                   <a:srgbClr val="404040"/>
                 </a:solidFill>
@@ -7385,7 +6975,7 @@
               </a:rPr>
               <a:t>Complexity: Moderate</a:t>
             </a:r>
-            <a:endParaRPr lang="en-US" sz="2400" b="0" strike="noStrike" spc="-1">
+            <a:endParaRPr b="0" lang="en-US" sz="2400" spc="-1" strike="noStrike">
               <a:latin typeface="Arial"/>
             </a:endParaRPr>
           </a:p>
@@ -7393,19 +6983,19 @@
       </p:sp>
       <p:pic>
         <p:nvPicPr>
-          <p:cNvPr id="136" name="Picture 3"/>
+          <p:cNvPr id="136" name="Picture 3" descr=""/>
           <p:cNvPicPr/>
           <p:nvPr/>
         </p:nvPicPr>
         <p:blipFill>
-          <a:blip r:embed="rId2"/>
-          <a:srcRect b="4860"/>
+          <a:blip r:embed="rId1"/>
+          <a:srcRect l="0" t="0" r="0" b="4860"/>
           <a:stretch/>
         </p:blipFill>
         <p:spPr>
           <a:xfrm>
             <a:off x="10667880" y="274320"/>
-            <a:ext cx="1165320" cy="1261080"/>
+            <a:ext cx="1164960" cy="1260720"/>
           </a:xfrm>
           <a:prstGeom prst="rect">
             <a:avLst/>
@@ -7417,25 +7007,22 @@
       </p:pic>
     </p:spTree>
   </p:cSld>
-  <p:clrMapOvr>
-    <a:masterClrMapping/>
-  </p:clrMapOvr>
   <p:timing>
     <p:tnLst>
       <p:par>
-        <p:cTn id="1" dur="indefinite" restart="never" nodeType="tmRoot">
+        <p:cTn id="5" dur="indefinite" restart="never" nodeType="tmRoot">
           <p:childTnLst>
             <p:seq>
-              <p:cTn id="2" dur="indefinite" nodeType="mainSeq"/>
+              <p:cTn id="6" dur="indefinite" nodeType="mainSeq"/>
               <p:prevCondLst>
-                <p:cond evt="onPrev" delay="0">
+                <p:cond delay="0" evt="onPrev">
                   <p:tgtEl>
                     <p:sldTgt/>
                   </p:tgtEl>
                 </p:cond>
               </p:prevCondLst>
               <p:nextCondLst>
-                <p:cond evt="onNext" delay="0">
+                <p:cond delay="0" evt="onNext">
                   <p:tgtEl>
                     <p:sldTgt/>
                   </p:tgtEl>
@@ -7451,7 +7038,7 @@
 </file>
 
 <file path=ppt/slides/slide4.xml><?xml version="1.0" encoding="utf-8"?>
-<p:sld xmlns:a="http://schemas.openxmlformats.org/drawingml/2006/main" xmlns:r="http://schemas.openxmlformats.org/officeDocument/2006/relationships" xmlns:p="http://schemas.openxmlformats.org/presentationml/2006/main">
+<p:sld xmlns:a="http://schemas.openxmlformats.org/drawingml/2006/main" xmlns:p="http://schemas.openxmlformats.org/presentationml/2006/main" xmlns:r="http://schemas.openxmlformats.org/officeDocument/2006/relationships" xmlns:p14="http://schemas.microsoft.com/office/powerpoint/2010/main" xmlns:p15="http://schemas.microsoft.com/office/powerpoint/2012/main" xmlns:mc="http://schemas.openxmlformats.org/markup-compatibility/2006">
   <p:cSld>
     <p:spTree>
       <p:nvGrpSpPr>
@@ -7476,7 +7063,7 @@
         <p:spPr>
           <a:xfrm>
             <a:off x="1012680" y="216000"/>
-            <a:ext cx="10057680" cy="829080"/>
+            <a:ext cx="10057320" cy="828720"/>
           </a:xfrm>
           <a:prstGeom prst="rect">
             <a:avLst/>
@@ -7487,20 +7074,13 @@
           </a:ln>
         </p:spPr>
         <p:style>
-          <a:lnRef idx="0">
-            <a:scrgbClr r="0" g="0" b="0"/>
-          </a:lnRef>
-          <a:fillRef idx="0">
-            <a:scrgbClr r="0" g="0" b="0"/>
-          </a:fillRef>
-          <a:effectRef idx="0">
-            <a:scrgbClr r="0" g="0" b="0"/>
-          </a:effectRef>
+          <a:lnRef idx="0"/>
+          <a:fillRef idx="0"/>
+          <a:effectRef idx="0"/>
           <a:fontRef idx="minor"/>
         </p:style>
         <p:txBody>
-          <a:bodyPr lIns="90000" tIns="45000" rIns="90000" bIns="45000" anchor="b"/>
-          <a:lstStyle/>
+          <a:bodyPr lIns="90000" rIns="90000" tIns="45000" bIns="45000" anchor="b"/>
           <a:p>
             <a:pPr>
               <a:lnSpc>
@@ -7508,7 +7088,7 @@
               </a:lnSpc>
             </a:pPr>
             <a:r>
-              <a:rPr lang="en-US" sz="4800" b="0" strike="noStrike" spc="-46">
+              <a:rPr b="0" lang="en-US" sz="4800" spc="-43" strike="noStrike">
                 <a:solidFill>
                   <a:srgbClr val="404040"/>
                 </a:solidFill>
@@ -7517,7 +7097,7 @@
               </a:rPr>
               <a:t>Player Character – Use Case Diagram</a:t>
             </a:r>
-            <a:endParaRPr lang="en-US" sz="4800" b="0" strike="noStrike" spc="-1">
+            <a:endParaRPr b="0" lang="en-US" sz="4800" spc="-1" strike="noStrike">
               <a:latin typeface="Arial"/>
             </a:endParaRPr>
           </a:p>
@@ -7525,19 +7105,42 @@
       </p:sp>
       <p:pic>
         <p:nvPicPr>
-          <p:cNvPr id="138" name="Picture 4"/>
+          <p:cNvPr id="138" name="Picture 4" descr=""/>
+          <p:cNvPicPr/>
+          <p:nvPr/>
+        </p:nvPicPr>
+        <p:blipFill>
+          <a:blip r:embed="rId1"/>
+          <a:srcRect l="0" t="0" r="0" b="4860"/>
+          <a:stretch/>
+        </p:blipFill>
+        <p:spPr>
+          <a:xfrm>
+            <a:off x="10667880" y="274320"/>
+            <a:ext cx="1164960" cy="1260720"/>
+          </a:xfrm>
+          <a:prstGeom prst="rect">
+            <a:avLst/>
+          </a:prstGeom>
+          <a:ln>
+            <a:noFill/>
+          </a:ln>
+        </p:spPr>
+      </p:pic>
+      <p:pic>
+        <p:nvPicPr>
+          <p:cNvPr id="139" name="Picture 2" descr=""/>
           <p:cNvPicPr/>
           <p:nvPr/>
         </p:nvPicPr>
         <p:blipFill>
           <a:blip r:embed="rId2"/>
-          <a:srcRect b="4860"/>
           <a:stretch/>
         </p:blipFill>
         <p:spPr>
           <a:xfrm>
-            <a:off x="10667880" y="274320"/>
-            <a:ext cx="1165320" cy="1261080"/>
+            <a:off x="1593000" y="1172520"/>
+            <a:ext cx="8851320" cy="5062320"/>
           </a:xfrm>
           <a:prstGeom prst="rect">
             <a:avLst/>
@@ -7547,50 +7150,24 @@
           </a:ln>
         </p:spPr>
       </p:pic>
-      <p:pic>
-        <p:nvPicPr>
-          <p:cNvPr id="139" name="Picture 2"/>
-          <p:cNvPicPr/>
-          <p:nvPr/>
-        </p:nvPicPr>
-        <p:blipFill>
-          <a:blip r:embed="rId3"/>
-          <a:stretch/>
-        </p:blipFill>
-        <p:spPr>
-          <a:xfrm>
-            <a:off x="1593000" y="1172520"/>
-            <a:ext cx="8851680" cy="5062680"/>
-          </a:xfrm>
-          <a:prstGeom prst="rect">
-            <a:avLst/>
-          </a:prstGeom>
-          <a:ln>
-            <a:noFill/>
-          </a:ln>
-        </p:spPr>
-      </p:pic>
     </p:spTree>
   </p:cSld>
-  <p:clrMapOvr>
-    <a:masterClrMapping/>
-  </p:clrMapOvr>
   <p:timing>
     <p:tnLst>
       <p:par>
-        <p:cTn id="1" dur="indefinite" restart="never" nodeType="tmRoot">
+        <p:cTn id="7" dur="indefinite" restart="never" nodeType="tmRoot">
           <p:childTnLst>
             <p:seq>
-              <p:cTn id="2" dur="indefinite" nodeType="mainSeq"/>
+              <p:cTn id="8" dur="indefinite" nodeType="mainSeq"/>
               <p:prevCondLst>
-                <p:cond evt="onPrev" delay="0">
+                <p:cond delay="0" evt="onPrev">
                   <p:tgtEl>
                     <p:sldTgt/>
                   </p:tgtEl>
                 </p:cond>
               </p:prevCondLst>
               <p:nextCondLst>
-                <p:cond evt="onNext" delay="0">
+                <p:cond delay="0" evt="onNext">
                   <p:tgtEl>
                     <p:sldTgt/>
                   </p:tgtEl>
@@ -7606,7 +7183,7 @@
 </file>
 
 <file path=ppt/slides/slide5.xml><?xml version="1.0" encoding="utf-8"?>
-<p:sld xmlns:a="http://schemas.openxmlformats.org/drawingml/2006/main" xmlns:r="http://schemas.openxmlformats.org/officeDocument/2006/relationships" xmlns:p="http://schemas.openxmlformats.org/presentationml/2006/main">
+<p:sld xmlns:a="http://schemas.openxmlformats.org/drawingml/2006/main" xmlns:p="http://schemas.openxmlformats.org/presentationml/2006/main" xmlns:r="http://schemas.openxmlformats.org/officeDocument/2006/relationships" xmlns:p14="http://schemas.microsoft.com/office/powerpoint/2010/main" xmlns:p15="http://schemas.microsoft.com/office/powerpoint/2012/main" xmlns:mc="http://schemas.openxmlformats.org/markup-compatibility/2006">
   <p:cSld>
     <p:spTree>
       <p:nvGrpSpPr>
@@ -7624,14 +7201,14 @@
       </p:grpSpPr>
       <p:sp>
         <p:nvSpPr>
-          <p:cNvPr id="143" name="CustomShape 1"/>
+          <p:cNvPr id="140" name="CustomShape 1"/>
           <p:cNvSpPr/>
           <p:nvPr/>
         </p:nvSpPr>
         <p:spPr>
           <a:xfrm>
             <a:off x="1097280" y="286560"/>
-            <a:ext cx="10057320" cy="1449720"/>
+            <a:ext cx="10056960" cy="1449360"/>
           </a:xfrm>
           <a:prstGeom prst="rect">
             <a:avLst/>
@@ -7642,20 +7219,13 @@
           </a:ln>
         </p:spPr>
         <p:style>
-          <a:lnRef idx="0">
-            <a:scrgbClr r="0" g="0" b="0"/>
-          </a:lnRef>
-          <a:fillRef idx="0">
-            <a:scrgbClr r="0" g="0" b="0"/>
-          </a:fillRef>
-          <a:effectRef idx="0">
-            <a:scrgbClr r="0" g="0" b="0"/>
-          </a:effectRef>
+          <a:lnRef idx="0"/>
+          <a:fillRef idx="0"/>
+          <a:effectRef idx="0"/>
           <a:fontRef idx="minor"/>
         </p:style>
         <p:txBody>
-          <a:bodyPr lIns="90000" tIns="45000" rIns="90000" bIns="45000" anchor="b"/>
-          <a:lstStyle/>
+          <a:bodyPr lIns="90000" rIns="90000" tIns="45000" bIns="45000" anchor="b"/>
           <a:p>
             <a:pPr>
               <a:lnSpc>
@@ -7663,7 +7233,7 @@
               </a:lnSpc>
             </a:pPr>
             <a:r>
-              <a:rPr lang="en-US" sz="4800" b="0" strike="noStrike" spc="-43">
+              <a:rPr b="0" lang="en-US" sz="4800" spc="-41" strike="noStrike">
                 <a:solidFill>
                   <a:srgbClr val="404040"/>
                 </a:solidFill>
@@ -7672,22 +7242,22 @@
               </a:rPr>
               <a:t>Josh – Level Design</a:t>
             </a:r>
-            <a:endParaRPr lang="en-US" sz="4800" b="0" strike="noStrike" spc="-1">
-              <a:latin typeface="Arial"/>
-            </a:endParaRPr>
-          </a:p>
-        </p:txBody>
-      </p:sp>
-      <p:sp>
-        <p:nvSpPr>
-          <p:cNvPr id="144" name="CustomShape 2"/>
+            <a:endParaRPr b="0" lang="en-US" sz="4800" spc="-1" strike="noStrike">
+              <a:latin typeface="Arial"/>
+            </a:endParaRPr>
+          </a:p>
+        </p:txBody>
+      </p:sp>
+      <p:sp>
+        <p:nvSpPr>
+          <p:cNvPr id="141" name="CustomShape 2"/>
           <p:cNvSpPr/>
           <p:nvPr/>
         </p:nvSpPr>
         <p:spPr>
           <a:xfrm>
             <a:off x="1097280" y="1845720"/>
-            <a:ext cx="10057320" cy="4022280"/>
+            <a:ext cx="10056960" cy="4021920"/>
           </a:xfrm>
           <a:prstGeom prst="rect">
             <a:avLst/>
@@ -7698,24 +7268,17 @@
           </a:ln>
         </p:spPr>
         <p:style>
-          <a:lnRef idx="0">
-            <a:scrgbClr r="0" g="0" b="0"/>
-          </a:lnRef>
-          <a:fillRef idx="0">
-            <a:scrgbClr r="0" g="0" b="0"/>
-          </a:fillRef>
-          <a:effectRef idx="0">
-            <a:scrgbClr r="0" g="0" b="0"/>
-          </a:effectRef>
+          <a:lnRef idx="0"/>
+          <a:fillRef idx="0"/>
+          <a:effectRef idx="0"/>
           <a:fontRef idx="minor"/>
         </p:style>
         <p:txBody>
-          <a:bodyPr lIns="0" tIns="45000" rIns="0" bIns="45000">
+          <a:bodyPr lIns="0" rIns="0" tIns="45000" bIns="45000">
             <a:normAutofit/>
           </a:bodyPr>
-          <a:lstStyle/>
-          <a:p>
-            <a:pPr marL="91440" indent="-90360">
+          <a:p>
+            <a:pPr marL="91440" indent="-90000">
               <a:lnSpc>
                 <a:spcPct val="90000"/>
               </a:lnSpc>
@@ -7726,13 +7289,13 @@
                 <a:spcPts val="201"/>
               </a:spcAft>
               <a:buClr>
-                <a:srgbClr val="E48312"/>
+                <a:srgbClr val="e48312"/>
               </a:buClr>
               <a:buFont typeface="Arial"/>
               <a:buChar char="•"/>
             </a:pPr>
             <a:r>
-              <a:rPr lang="en-US" sz="2400" b="0" strike="noStrike" spc="-1">
+              <a:rPr b="0" lang="en-US" sz="2400" spc="-1" strike="noStrike">
                 <a:solidFill>
                   <a:srgbClr val="404040"/>
                 </a:solidFill>
@@ -7741,12 +7304,12 @@
               </a:rPr>
               <a:t>Creating graphics of stage and objects</a:t>
             </a:r>
-            <a:endParaRPr lang="en-US" sz="2400" b="0" strike="noStrike" spc="-1">
-              <a:latin typeface="Arial"/>
-            </a:endParaRPr>
-          </a:p>
-          <a:p>
-            <a:pPr marL="91440" indent="-90360">
+            <a:endParaRPr b="0" lang="en-US" sz="2400" spc="-1" strike="noStrike">
+              <a:latin typeface="Arial"/>
+            </a:endParaRPr>
+          </a:p>
+          <a:p>
+            <a:pPr marL="91440" indent="-90000">
               <a:lnSpc>
                 <a:spcPct val="90000"/>
               </a:lnSpc>
@@ -7757,13 +7320,13 @@
                 <a:spcPts val="201"/>
               </a:spcAft>
               <a:buClr>
-                <a:srgbClr val="E48312"/>
+                <a:srgbClr val="e48312"/>
               </a:buClr>
               <a:buFont typeface="Arial"/>
               <a:buChar char="•"/>
             </a:pPr>
             <a:r>
-              <a:rPr lang="en-US" sz="2400" b="0" strike="noStrike" spc="-1">
+              <a:rPr b="0" lang="en-US" sz="2400" spc="-1" strike="noStrike">
                 <a:solidFill>
                   <a:srgbClr val="404040"/>
                 </a:solidFill>
@@ -7772,12 +7335,12 @@
               </a:rPr>
               <a:t>Coordinate with Luis for player character</a:t>
             </a:r>
-            <a:endParaRPr lang="en-US" sz="2400" b="0" strike="noStrike" spc="-1">
-              <a:latin typeface="Arial"/>
-            </a:endParaRPr>
-          </a:p>
-          <a:p>
-            <a:pPr marL="91440" indent="-90360">
+            <a:endParaRPr b="0" lang="en-US" sz="2400" spc="-1" strike="noStrike">
+              <a:latin typeface="Arial"/>
+            </a:endParaRPr>
+          </a:p>
+          <a:p>
+            <a:pPr marL="91440" indent="-90000">
               <a:lnSpc>
                 <a:spcPct val="90000"/>
               </a:lnSpc>
@@ -7788,13 +7351,13 @@
                 <a:spcPts val="201"/>
               </a:spcAft>
               <a:buClr>
-                <a:srgbClr val="E48312"/>
+                <a:srgbClr val="e48312"/>
               </a:buClr>
               <a:buFont typeface="Arial"/>
               <a:buChar char="•"/>
             </a:pPr>
             <a:r>
-              <a:rPr lang="en-US" sz="2400" b="0" strike="noStrike" spc="-1">
+              <a:rPr b="0" lang="en-US" sz="2400" spc="-1" strike="noStrike">
                 <a:solidFill>
                   <a:srgbClr val="404040"/>
                 </a:solidFill>
@@ -7803,12 +7366,12 @@
               </a:rPr>
               <a:t>Coordinate with Ben for enemy spawn</a:t>
             </a:r>
-            <a:endParaRPr lang="en-US" sz="2400" b="0" strike="noStrike" spc="-1">
-              <a:latin typeface="Arial"/>
-            </a:endParaRPr>
-          </a:p>
-          <a:p>
-            <a:pPr marL="91440" indent="-90360">
+            <a:endParaRPr b="0" lang="en-US" sz="2400" spc="-1" strike="noStrike">
+              <a:latin typeface="Arial"/>
+            </a:endParaRPr>
+          </a:p>
+          <a:p>
+            <a:pPr marL="91440" indent="-90000">
               <a:lnSpc>
                 <a:spcPct val="90000"/>
               </a:lnSpc>
@@ -7819,13 +7382,13 @@
                 <a:spcPts val="201"/>
               </a:spcAft>
               <a:buClr>
-                <a:srgbClr val="E48312"/>
+                <a:srgbClr val="e48312"/>
               </a:buClr>
               <a:buFont typeface="Arial"/>
               <a:buChar char="•"/>
             </a:pPr>
             <a:r>
-              <a:rPr lang="en-US" sz="2400" b="0" strike="noStrike" spc="-1">
+              <a:rPr b="0" lang="en-US" sz="2400" spc="-1" strike="noStrike">
                 <a:solidFill>
                   <a:srgbClr val="404040"/>
                 </a:solidFill>
@@ -7834,7 +7397,7 @@
               </a:rPr>
               <a:t>Ensuring all objects interact as intended</a:t>
             </a:r>
-            <a:endParaRPr lang="en-US" sz="2400" b="0" strike="noStrike" spc="-1">
+            <a:endParaRPr b="0" lang="en-US" sz="2400" spc="-1" strike="noStrike">
               <a:latin typeface="Arial"/>
             </a:endParaRPr>
           </a:p>
@@ -7850,7 +7413,7 @@
                 <a:spcPts val="201"/>
               </a:spcAft>
             </a:pPr>
-            <a:endParaRPr lang="en-US" sz="2400" b="0" strike="noStrike" spc="-1">
+            <a:endParaRPr b="0" lang="en-US" sz="2400" spc="-1" strike="noStrike">
               <a:latin typeface="Arial"/>
             </a:endParaRPr>
           </a:p>
@@ -7866,12 +7429,12 @@
                 <a:spcPts val="201"/>
               </a:spcAft>
             </a:pPr>
-            <a:endParaRPr lang="en-US" sz="2400" b="0" strike="noStrike" spc="-1">
-              <a:latin typeface="Arial"/>
-            </a:endParaRPr>
-          </a:p>
-          <a:p>
-            <a:pPr marL="91440" indent="-90360">
+            <a:endParaRPr b="0" lang="en-US" sz="2400" spc="-1" strike="noStrike">
+              <a:latin typeface="Arial"/>
+            </a:endParaRPr>
+          </a:p>
+          <a:p>
+            <a:pPr marL="91440" indent="-90000">
               <a:lnSpc>
                 <a:spcPct val="90000"/>
               </a:lnSpc>
@@ -7882,13 +7445,13 @@
                 <a:spcPts val="201"/>
               </a:spcAft>
               <a:buClr>
-                <a:srgbClr val="E48312"/>
+                <a:srgbClr val="e48312"/>
               </a:buClr>
               <a:buFont typeface="Arial"/>
               <a:buChar char="•"/>
             </a:pPr>
             <a:r>
-              <a:rPr lang="en-US" sz="2400" b="0" strike="noStrike" spc="-1">
+              <a:rPr b="0" lang="en-US" sz="2400" spc="-1" strike="noStrike">
                 <a:solidFill>
                   <a:srgbClr val="404040"/>
                 </a:solidFill>
@@ -7897,12 +7460,12 @@
               </a:rPr>
               <a:t>Priority level: 1 </a:t>
             </a:r>
-            <a:endParaRPr lang="en-US" sz="2400" b="0" strike="noStrike" spc="-1">
-              <a:latin typeface="Arial"/>
-            </a:endParaRPr>
-          </a:p>
-          <a:p>
-            <a:pPr marL="91440" indent="-90360">
+            <a:endParaRPr b="0" lang="en-US" sz="2400" spc="-1" strike="noStrike">
+              <a:latin typeface="Arial"/>
+            </a:endParaRPr>
+          </a:p>
+          <a:p>
+            <a:pPr marL="91440" indent="-90000">
               <a:lnSpc>
                 <a:spcPct val="90000"/>
               </a:lnSpc>
@@ -7913,13 +7476,13 @@
                 <a:spcPts val="201"/>
               </a:spcAft>
               <a:buClr>
-                <a:srgbClr val="E48312"/>
+                <a:srgbClr val="e48312"/>
               </a:buClr>
               <a:buFont typeface="Arial"/>
               <a:buChar char="•"/>
             </a:pPr>
             <a:r>
-              <a:rPr lang="en-US" sz="2400" b="0" strike="noStrike" spc="-1">
+              <a:rPr b="0" lang="en-US" sz="2400" spc="-1" strike="noStrike">
                 <a:solidFill>
                   <a:srgbClr val="404040"/>
                 </a:solidFill>
@@ -7928,7 +7491,7 @@
               </a:rPr>
               <a:t>Complexity: Moderate</a:t>
             </a:r>
-            <a:endParaRPr lang="en-US" sz="2400" b="0" strike="noStrike" spc="-1">
+            <a:endParaRPr b="0" lang="en-US" sz="2400" spc="-1" strike="noStrike">
               <a:latin typeface="Arial"/>
             </a:endParaRPr>
           </a:p>
@@ -7936,19 +7499,19 @@
       </p:sp>
       <p:pic>
         <p:nvPicPr>
-          <p:cNvPr id="145" name="Picture 3"/>
+          <p:cNvPr id="142" name="Picture 3" descr=""/>
           <p:cNvPicPr/>
           <p:nvPr/>
         </p:nvPicPr>
         <p:blipFill>
-          <a:blip r:embed="rId2"/>
-          <a:srcRect b="4860"/>
+          <a:blip r:embed="rId1"/>
+          <a:srcRect l="0" t="0" r="0" b="4860"/>
           <a:stretch/>
         </p:blipFill>
         <p:spPr>
           <a:xfrm>
             <a:off x="10667880" y="274320"/>
-            <a:ext cx="1164960" cy="1260720"/>
+            <a:ext cx="1164600" cy="1260360"/>
           </a:xfrm>
           <a:prstGeom prst="rect">
             <a:avLst/>
@@ -7960,25 +7523,22 @@
       </p:pic>
     </p:spTree>
   </p:cSld>
-  <p:clrMapOvr>
-    <a:masterClrMapping/>
-  </p:clrMapOvr>
   <p:timing>
     <p:tnLst>
       <p:par>
-        <p:cTn id="1" dur="indefinite" restart="never" nodeType="tmRoot">
+        <p:cTn id="9" dur="indefinite" restart="never" nodeType="tmRoot">
           <p:childTnLst>
             <p:seq>
-              <p:cTn id="2" dur="indefinite" nodeType="mainSeq"/>
+              <p:cTn id="10" dur="indefinite" nodeType="mainSeq"/>
               <p:prevCondLst>
-                <p:cond evt="onPrev" delay="0">
+                <p:cond delay="0" evt="onPrev">
                   <p:tgtEl>
                     <p:sldTgt/>
                   </p:tgtEl>
                 </p:cond>
               </p:prevCondLst>
               <p:nextCondLst>
-                <p:cond evt="onNext" delay="0">
+                <p:cond delay="0" evt="onNext">
                   <p:tgtEl>
                     <p:sldTgt/>
                   </p:tgtEl>
@@ -7994,7 +7554,7 @@
 </file>
 
 <file path=ppt/slides/slide6.xml><?xml version="1.0" encoding="utf-8"?>
-<p:sld xmlns:a="http://schemas.openxmlformats.org/drawingml/2006/main" xmlns:r="http://schemas.openxmlformats.org/officeDocument/2006/relationships" xmlns:p="http://schemas.openxmlformats.org/presentationml/2006/main">
+<p:sld xmlns:a="http://schemas.openxmlformats.org/drawingml/2006/main" xmlns:p="http://schemas.openxmlformats.org/presentationml/2006/main" xmlns:r="http://schemas.openxmlformats.org/officeDocument/2006/relationships" xmlns:p14="http://schemas.microsoft.com/office/powerpoint/2010/main" xmlns:p15="http://schemas.microsoft.com/office/powerpoint/2012/main" xmlns:mc="http://schemas.openxmlformats.org/markup-compatibility/2006">
   <p:cSld>
     <p:spTree>
       <p:nvGrpSpPr>
@@ -8012,14 +7572,14 @@
       </p:grpSpPr>
       <p:sp>
         <p:nvSpPr>
-          <p:cNvPr id="146" name="CustomShape 1"/>
+          <p:cNvPr id="143" name="CustomShape 1"/>
           <p:cNvSpPr/>
           <p:nvPr/>
         </p:nvSpPr>
         <p:spPr>
           <a:xfrm>
             <a:off x="1097280" y="286560"/>
-            <a:ext cx="10057320" cy="1449720"/>
+            <a:ext cx="10056960" cy="1449360"/>
           </a:xfrm>
           <a:prstGeom prst="rect">
             <a:avLst/>
@@ -8030,20 +7590,13 @@
           </a:ln>
         </p:spPr>
         <p:style>
-          <a:lnRef idx="0">
-            <a:scrgbClr r="0" g="0" b="0"/>
-          </a:lnRef>
-          <a:fillRef idx="0">
-            <a:scrgbClr r="0" g="0" b="0"/>
-          </a:fillRef>
-          <a:effectRef idx="0">
-            <a:scrgbClr r="0" g="0" b="0"/>
-          </a:effectRef>
+          <a:lnRef idx="0"/>
+          <a:fillRef idx="0"/>
+          <a:effectRef idx="0"/>
           <a:fontRef idx="minor"/>
         </p:style>
         <p:txBody>
-          <a:bodyPr lIns="90000" tIns="45000" rIns="90000" bIns="45000" anchor="b"/>
-          <a:lstStyle/>
+          <a:bodyPr lIns="90000" rIns="90000" tIns="45000" bIns="45000" anchor="b"/>
           <a:p>
             <a:pPr>
               <a:lnSpc>
@@ -8051,7 +7604,7 @@
               </a:lnSpc>
             </a:pPr>
             <a:r>
-              <a:rPr lang="en-US" sz="4800" b="0" strike="noStrike" spc="-43">
+              <a:rPr b="0" lang="en-US" sz="4800" spc="-41" strike="noStrike">
                 <a:solidFill>
                   <a:srgbClr val="404040"/>
                 </a:solidFill>
@@ -8060,7 +7613,7 @@
               </a:rPr>
               <a:t>Level Design – Use Case Diagram</a:t>
             </a:r>
-            <a:endParaRPr lang="en-US" sz="4800" b="0" strike="noStrike" spc="-1">
+            <a:endParaRPr b="0" lang="en-US" sz="4800" spc="-1" strike="noStrike">
               <a:latin typeface="Arial"/>
             </a:endParaRPr>
           </a:p>
@@ -8068,18 +7621,42 @@
       </p:sp>
       <p:pic>
         <p:nvPicPr>
-          <p:cNvPr id="147" name="Content Placeholder 3"/>
+          <p:cNvPr id="144" name="Content Placeholder 3" descr=""/>
+          <p:cNvPicPr/>
+          <p:nvPr/>
+        </p:nvPicPr>
+        <p:blipFill>
+          <a:blip r:embed="rId1"/>
+          <a:stretch/>
+        </p:blipFill>
+        <p:spPr>
+          <a:xfrm>
+            <a:off x="2045520" y="1830240"/>
+            <a:ext cx="7728480" cy="4497120"/>
+          </a:xfrm>
+          <a:prstGeom prst="rect">
+            <a:avLst/>
+          </a:prstGeom>
+          <a:ln>
+            <a:noFill/>
+          </a:ln>
+        </p:spPr>
+      </p:pic>
+      <p:pic>
+        <p:nvPicPr>
+          <p:cNvPr id="145" name="Picture 4" descr=""/>
           <p:cNvPicPr/>
           <p:nvPr/>
         </p:nvPicPr>
         <p:blipFill>
           <a:blip r:embed="rId2"/>
+          <a:srcRect l="0" t="0" r="0" b="4860"/>
           <a:stretch/>
         </p:blipFill>
         <p:spPr>
           <a:xfrm>
-            <a:off x="2045520" y="1830240"/>
-            <a:ext cx="7728840" cy="4497480"/>
+            <a:off x="10667880" y="274320"/>
+            <a:ext cx="1164600" cy="1260360"/>
           </a:xfrm>
           <a:prstGeom prst="rect">
             <a:avLst/>
@@ -8089,51 +7666,24 @@
           </a:ln>
         </p:spPr>
       </p:pic>
-      <p:pic>
-        <p:nvPicPr>
-          <p:cNvPr id="148" name="Picture 4"/>
-          <p:cNvPicPr/>
-          <p:nvPr/>
-        </p:nvPicPr>
-        <p:blipFill>
-          <a:blip r:embed="rId3"/>
-          <a:srcRect b="4860"/>
-          <a:stretch/>
-        </p:blipFill>
-        <p:spPr>
-          <a:xfrm>
-            <a:off x="10667880" y="274320"/>
-            <a:ext cx="1164960" cy="1260720"/>
-          </a:xfrm>
-          <a:prstGeom prst="rect">
-            <a:avLst/>
-          </a:prstGeom>
-          <a:ln>
-            <a:noFill/>
-          </a:ln>
-        </p:spPr>
-      </p:pic>
     </p:spTree>
   </p:cSld>
-  <p:clrMapOvr>
-    <a:masterClrMapping/>
-  </p:clrMapOvr>
   <p:timing>
     <p:tnLst>
       <p:par>
-        <p:cTn id="1" dur="indefinite" restart="never" nodeType="tmRoot">
+        <p:cTn id="11" dur="indefinite" restart="never" nodeType="tmRoot">
           <p:childTnLst>
             <p:seq>
-              <p:cTn id="2" dur="indefinite" nodeType="mainSeq"/>
+              <p:cTn id="12" dur="indefinite" nodeType="mainSeq"/>
               <p:prevCondLst>
-                <p:cond evt="onPrev" delay="0">
+                <p:cond delay="0" evt="onPrev">
                   <p:tgtEl>
                     <p:sldTgt/>
                   </p:tgtEl>
                 </p:cond>
               </p:prevCondLst>
               <p:nextCondLst>
-                <p:cond evt="onNext" delay="0">
+                <p:cond delay="0" evt="onNext">
                   <p:tgtEl>
                     <p:sldTgt/>
                   </p:tgtEl>
@@ -8149,7 +7699,7 @@
 </file>
 
 <file path=ppt/slides/slide7.xml><?xml version="1.0" encoding="utf-8"?>
-<p:sld xmlns:a="http://schemas.openxmlformats.org/drawingml/2006/main" xmlns:r="http://schemas.openxmlformats.org/officeDocument/2006/relationships" xmlns:p="http://schemas.openxmlformats.org/presentationml/2006/main">
+<p:sld xmlns:a="http://schemas.openxmlformats.org/drawingml/2006/main" xmlns:p="http://schemas.openxmlformats.org/presentationml/2006/main" xmlns:r="http://schemas.openxmlformats.org/officeDocument/2006/relationships" xmlns:p14="http://schemas.microsoft.com/office/powerpoint/2010/main" xmlns:p15="http://schemas.microsoft.com/office/powerpoint/2012/main" xmlns:mc="http://schemas.openxmlformats.org/markup-compatibility/2006">
   <p:cSld>
     <p:spTree>
       <p:nvGrpSpPr>
@@ -8167,14 +7717,14 @@
       </p:grpSpPr>
       <p:sp>
         <p:nvSpPr>
-          <p:cNvPr id="153" name="CustomShape 1"/>
+          <p:cNvPr id="146" name="CustomShape 1"/>
           <p:cNvSpPr/>
           <p:nvPr/>
         </p:nvSpPr>
         <p:spPr>
           <a:xfrm>
             <a:off x="1097280" y="700920"/>
-            <a:ext cx="10057320" cy="1035720"/>
+            <a:ext cx="10056960" cy="1035360"/>
           </a:xfrm>
           <a:prstGeom prst="rect">
             <a:avLst/>
@@ -8185,32 +7735,22 @@
           </a:ln>
         </p:spPr>
         <p:style>
-          <a:lnRef idx="0">
-            <a:scrgbClr r="0" g="0" b="0"/>
-          </a:lnRef>
-          <a:fillRef idx="0">
-            <a:scrgbClr r="0" g="0" b="0"/>
-          </a:fillRef>
-          <a:effectRef idx="0">
-            <a:scrgbClr r="0" g="0" b="0"/>
-          </a:effectRef>
+          <a:lnRef idx="0"/>
+          <a:fillRef idx="0"/>
+          <a:effectRef idx="0"/>
           <a:fontRef idx="minor"/>
         </p:style>
         <p:txBody>
-          <a:bodyPr lIns="0" tIns="0" rIns="0" bIns="0"/>
-          <a:lstStyle/>
+          <a:bodyPr lIns="0" rIns="0" tIns="0" bIns="0"/>
           <a:p>
             <a:pPr>
               <a:lnSpc>
                 <a:spcPct val="85000"/>
               </a:lnSpc>
             </a:pPr>
-            <a:r>
-              <a:t/>
-            </a:r>
             <a:br/>
             <a:r>
-              <a:rPr lang="en-US" sz="4800" b="0" strike="noStrike" spc="-43">
+              <a:rPr b="0" lang="en-US" sz="4800" spc="-41" strike="noStrike">
                 <a:solidFill>
                   <a:srgbClr val="404040"/>
                 </a:solidFill>
@@ -8219,7 +7759,7 @@
               </a:rPr>
               <a:t>Ben – Enemies</a:t>
             </a:r>
-            <a:endParaRPr lang="en-US" sz="4800" b="0" strike="noStrike" spc="-1">
+            <a:endParaRPr b="0" lang="en-US" sz="4800" spc="-1" strike="noStrike">
               <a:latin typeface="Arial"/>
             </a:endParaRPr>
           </a:p>
@@ -8227,19 +7767,19 @@
       </p:sp>
       <p:pic>
         <p:nvPicPr>
-          <p:cNvPr id="154" name="Picture 4"/>
+          <p:cNvPr id="147" name="Picture 4" descr=""/>
           <p:cNvPicPr/>
           <p:nvPr/>
         </p:nvPicPr>
         <p:blipFill>
-          <a:blip r:embed="rId2"/>
-          <a:srcRect b="4860"/>
+          <a:blip r:embed="rId1"/>
+          <a:srcRect l="0" t="0" r="0" b="4860"/>
           <a:stretch/>
         </p:blipFill>
         <p:spPr>
           <a:xfrm>
             <a:off x="10667880" y="274320"/>
-            <a:ext cx="1164960" cy="1260720"/>
+            <a:ext cx="1164600" cy="1260360"/>
           </a:xfrm>
           <a:prstGeom prst="rect">
             <a:avLst/>
@@ -8251,14 +7791,14 @@
       </p:pic>
       <p:sp>
         <p:nvSpPr>
-          <p:cNvPr id="155" name="CustomShape 2"/>
+          <p:cNvPr id="148" name="CustomShape 2"/>
           <p:cNvSpPr/>
           <p:nvPr/>
         </p:nvSpPr>
         <p:spPr>
           <a:xfrm>
             <a:off x="1097640" y="1846080"/>
-            <a:ext cx="10057320" cy="4022280"/>
+            <a:ext cx="10056960" cy="4021920"/>
           </a:xfrm>
           <a:prstGeom prst="rect">
             <a:avLst/>
@@ -8269,24 +7809,17 @@
           </a:ln>
         </p:spPr>
         <p:style>
-          <a:lnRef idx="0">
-            <a:scrgbClr r="0" g="0" b="0"/>
-          </a:lnRef>
-          <a:fillRef idx="0">
-            <a:scrgbClr r="0" g="0" b="0"/>
-          </a:fillRef>
-          <a:effectRef idx="0">
-            <a:scrgbClr r="0" g="0" b="0"/>
-          </a:effectRef>
+          <a:lnRef idx="0"/>
+          <a:fillRef idx="0"/>
+          <a:effectRef idx="0"/>
           <a:fontRef idx="minor"/>
         </p:style>
         <p:txBody>
-          <a:bodyPr lIns="0" tIns="45000" rIns="0" bIns="45000">
-            <a:normAutofit fontScale="92500" lnSpcReduction="10000"/>
+          <a:bodyPr lIns="0" rIns="0" tIns="45000" bIns="45000">
+            <a:normAutofit/>
           </a:bodyPr>
-          <a:lstStyle/>
-          <a:p>
-            <a:pPr marL="91440" indent="-90360">
+          <a:p>
+            <a:pPr marL="91440" indent="-90000">
               <a:lnSpc>
                 <a:spcPct val="90000"/>
               </a:lnSpc>
@@ -8297,13 +7830,13 @@
                 <a:spcPts val="201"/>
               </a:spcAft>
               <a:buClr>
-                <a:srgbClr val="E48312"/>
+                <a:srgbClr val="e48312"/>
               </a:buClr>
               <a:buFont typeface="Arial"/>
               <a:buChar char="•"/>
             </a:pPr>
             <a:r>
-              <a:rPr lang="en-US" sz="2400" b="0" strike="noStrike" spc="-1">
+              <a:rPr b="0" lang="en-US" sz="2400" spc="-1" strike="noStrike">
                 <a:solidFill>
                   <a:srgbClr val="404040"/>
                 </a:solidFill>
@@ -8312,12 +7845,12 @@
               </a:rPr>
               <a:t>Creating Enemies and releasing them into the playing field</a:t>
             </a:r>
-            <a:endParaRPr lang="en-US" sz="2400" b="0" strike="noStrike" spc="-1">
-              <a:latin typeface="Arial"/>
-            </a:endParaRPr>
-          </a:p>
-          <a:p>
-            <a:pPr marL="91440" indent="-90360">
+            <a:endParaRPr b="0" lang="en-US" sz="2400" spc="-1" strike="noStrike">
+              <a:latin typeface="Arial"/>
+            </a:endParaRPr>
+          </a:p>
+          <a:p>
+            <a:pPr marL="91440" indent="-90000">
               <a:lnSpc>
                 <a:spcPct val="90000"/>
               </a:lnSpc>
@@ -8328,13 +7861,13 @@
                 <a:spcPts val="201"/>
               </a:spcAft>
               <a:buClr>
-                <a:srgbClr val="E48312"/>
+                <a:srgbClr val="e48312"/>
               </a:buClr>
               <a:buFont typeface="Arial"/>
               <a:buChar char="•"/>
             </a:pPr>
             <a:r>
-              <a:rPr lang="en-US" sz="2400" b="0" strike="noStrike" spc="-1">
+              <a:rPr b="0" lang="en-US" sz="2400" spc="-1" strike="noStrike">
                 <a:solidFill>
                   <a:srgbClr val="404040"/>
                 </a:solidFill>
@@ -8343,12 +7876,12 @@
               </a:rPr>
               <a:t>Coordinating with Josh on when to spawn enemies</a:t>
             </a:r>
-            <a:endParaRPr lang="en-US" sz="2400" b="0" strike="noStrike" spc="-1">
-              <a:latin typeface="Arial"/>
-            </a:endParaRPr>
-          </a:p>
-          <a:p>
-            <a:pPr marL="91440" indent="-90360">
+            <a:endParaRPr b="0" lang="en-US" sz="2400" spc="-1" strike="noStrike">
+              <a:latin typeface="Arial"/>
+            </a:endParaRPr>
+          </a:p>
+          <a:p>
+            <a:pPr marL="91440" indent="-90000">
               <a:lnSpc>
                 <a:spcPct val="90000"/>
               </a:lnSpc>
@@ -8359,13 +7892,13 @@
                 <a:spcPts val="201"/>
               </a:spcAft>
               <a:buClr>
-                <a:srgbClr val="E48312"/>
+                <a:srgbClr val="e48312"/>
               </a:buClr>
               <a:buFont typeface="Arial"/>
               <a:buChar char="•"/>
             </a:pPr>
             <a:r>
-              <a:rPr lang="en-US" sz="2400" b="0" strike="noStrike" spc="-1">
+              <a:rPr b="0" lang="en-US" sz="2400" spc="-1" strike="noStrike">
                 <a:solidFill>
                   <a:srgbClr val="404040"/>
                 </a:solidFill>
@@ -8374,12 +7907,12 @@
               </a:rPr>
               <a:t>Making sure enemies advance and attack automatically</a:t>
             </a:r>
-            <a:endParaRPr lang="en-US" sz="2400" b="0" strike="noStrike" spc="-1">
-              <a:latin typeface="Arial"/>
-            </a:endParaRPr>
-          </a:p>
-          <a:p>
-            <a:pPr marL="91440" indent="-90360">
+            <a:endParaRPr b="0" lang="en-US" sz="2400" spc="-1" strike="noStrike">
+              <a:latin typeface="Arial"/>
+            </a:endParaRPr>
+          </a:p>
+          <a:p>
+            <a:pPr marL="91440" indent="-90000">
               <a:lnSpc>
                 <a:spcPct val="90000"/>
               </a:lnSpc>
@@ -8390,13 +7923,13 @@
                 <a:spcPts val="201"/>
               </a:spcAft>
               <a:buClr>
-                <a:srgbClr val="E48312"/>
+                <a:srgbClr val="e48312"/>
               </a:buClr>
               <a:buFont typeface="Arial"/>
               <a:buChar char="•"/>
             </a:pPr>
             <a:r>
-              <a:rPr lang="en-US" sz="2400" b="0" strike="noStrike" spc="-1">
+              <a:rPr b="0" lang="en-US" sz="2400" spc="-1" strike="noStrike">
                 <a:solidFill>
                   <a:srgbClr val="404040"/>
                 </a:solidFill>
@@ -8405,12 +7938,12 @@
               </a:rPr>
               <a:t>Making sure enemies can navigate around obstacles</a:t>
             </a:r>
-            <a:endParaRPr lang="en-US" sz="2400" b="0" strike="noStrike" spc="-1">
-              <a:latin typeface="Arial"/>
-            </a:endParaRPr>
-          </a:p>
-          <a:p>
-            <a:pPr marL="91440" indent="-90360">
+            <a:endParaRPr b="0" lang="en-US" sz="2400" spc="-1" strike="noStrike">
+              <a:latin typeface="Arial"/>
+            </a:endParaRPr>
+          </a:p>
+          <a:p>
+            <a:pPr marL="91440" indent="-90000">
               <a:lnSpc>
                 <a:spcPct val="90000"/>
               </a:lnSpc>
@@ -8421,13 +7954,13 @@
                 <a:spcPts val="201"/>
               </a:spcAft>
               <a:buClr>
-                <a:srgbClr val="E48312"/>
+                <a:srgbClr val="e48312"/>
               </a:buClr>
               <a:buFont typeface="Arial"/>
               <a:buChar char="•"/>
             </a:pPr>
             <a:r>
-              <a:rPr lang="en-US" sz="2400" b="0" strike="noStrike" spc="-1">
+              <a:rPr b="0" lang="en-US" sz="2400" spc="-1" strike="noStrike">
                 <a:solidFill>
                   <a:srgbClr val="404040"/>
                 </a:solidFill>
@@ -8436,7 +7969,7 @@
               </a:rPr>
               <a:t>Coordinating with Luis on interactions between enemies and the player character</a:t>
             </a:r>
-            <a:endParaRPr lang="en-US" sz="2400" b="0" strike="noStrike" spc="-1">
+            <a:endParaRPr b="0" lang="en-US" sz="2400" spc="-1" strike="noStrike">
               <a:latin typeface="Arial"/>
             </a:endParaRPr>
           </a:p>
@@ -8452,7 +7985,7 @@
                 <a:spcPts val="201"/>
               </a:spcAft>
             </a:pPr>
-            <a:endParaRPr lang="en-US" sz="2400" b="0" strike="noStrike" spc="-1">
+            <a:endParaRPr b="0" lang="en-US" sz="2400" spc="-1" strike="noStrike">
               <a:latin typeface="Arial"/>
             </a:endParaRPr>
           </a:p>
@@ -8468,12 +8001,12 @@
                 <a:spcPts val="201"/>
               </a:spcAft>
             </a:pPr>
-            <a:endParaRPr lang="en-US" sz="2400" b="0" strike="noStrike" spc="-1">
-              <a:latin typeface="Arial"/>
-            </a:endParaRPr>
-          </a:p>
-          <a:p>
-            <a:pPr marL="91440" indent="-90360">
+            <a:endParaRPr b="0" lang="en-US" sz="2400" spc="-1" strike="noStrike">
+              <a:latin typeface="Arial"/>
+            </a:endParaRPr>
+          </a:p>
+          <a:p>
+            <a:pPr marL="91440" indent="-90000">
               <a:lnSpc>
                 <a:spcPct val="90000"/>
               </a:lnSpc>
@@ -8484,13 +8017,13 @@
                 <a:spcPts val="201"/>
               </a:spcAft>
               <a:buClr>
-                <a:srgbClr val="E48312"/>
+                <a:srgbClr val="e48312"/>
               </a:buClr>
               <a:buFont typeface="Arial"/>
               <a:buChar char="•"/>
             </a:pPr>
             <a:r>
-              <a:rPr lang="en-US" sz="2400" b="0" strike="noStrike" spc="-1">
+              <a:rPr b="0" lang="en-US" sz="2400" spc="-1" strike="noStrike">
                 <a:solidFill>
                   <a:srgbClr val="404040"/>
                 </a:solidFill>
@@ -8499,12 +8032,12 @@
               </a:rPr>
               <a:t>Priority level: 3 </a:t>
             </a:r>
-            <a:endParaRPr lang="en-US" sz="2400" b="0" strike="noStrike" spc="-1">
-              <a:latin typeface="Arial"/>
-            </a:endParaRPr>
-          </a:p>
-          <a:p>
-            <a:pPr marL="91440" indent="-90360">
+            <a:endParaRPr b="0" lang="en-US" sz="2400" spc="-1" strike="noStrike">
+              <a:latin typeface="Arial"/>
+            </a:endParaRPr>
+          </a:p>
+          <a:p>
+            <a:pPr marL="91440" indent="-90000">
               <a:lnSpc>
                 <a:spcPct val="90000"/>
               </a:lnSpc>
@@ -8515,13 +8048,13 @@
                 <a:spcPts val="201"/>
               </a:spcAft>
               <a:buClr>
-                <a:srgbClr val="E48312"/>
+                <a:srgbClr val="e48312"/>
               </a:buClr>
               <a:buFont typeface="Arial"/>
               <a:buChar char="•"/>
             </a:pPr>
             <a:r>
-              <a:rPr lang="en-US" sz="2400" b="0" strike="noStrike" spc="-1">
+              <a:rPr b="0" lang="en-US" sz="2400" spc="-1" strike="noStrike">
                 <a:solidFill>
                   <a:srgbClr val="404040"/>
                 </a:solidFill>
@@ -8530,7 +8063,7 @@
               </a:rPr>
               <a:t>Complexity: Moderate</a:t>
             </a:r>
-            <a:endParaRPr lang="en-US" sz="2400" b="0" strike="noStrike" spc="-1">
+            <a:endParaRPr b="0" lang="en-US" sz="2400" spc="-1" strike="noStrike">
               <a:latin typeface="Arial"/>
             </a:endParaRPr>
           </a:p>
@@ -8538,25 +8071,22 @@
       </p:sp>
     </p:spTree>
   </p:cSld>
-  <p:clrMapOvr>
-    <a:masterClrMapping/>
-  </p:clrMapOvr>
   <p:timing>
     <p:tnLst>
       <p:par>
-        <p:cTn id="1" dur="indefinite" restart="never" nodeType="tmRoot">
+        <p:cTn id="13" dur="indefinite" restart="never" nodeType="tmRoot">
           <p:childTnLst>
             <p:seq>
-              <p:cTn id="2" dur="indefinite" nodeType="mainSeq"/>
+              <p:cTn id="14" dur="indefinite" nodeType="mainSeq"/>
               <p:prevCondLst>
-                <p:cond evt="onPrev" delay="0">
+                <p:cond delay="0" evt="onPrev">
                   <p:tgtEl>
                     <p:sldTgt/>
                   </p:tgtEl>
                 </p:cond>
               </p:prevCondLst>
               <p:nextCondLst>
-                <p:cond evt="onNext" delay="0">
+                <p:cond delay="0" evt="onNext">
                   <p:tgtEl>
                     <p:sldTgt/>
                   </p:tgtEl>
@@ -8572,7 +8102,7 @@
 </file>
 
 <file path=ppt/slides/slide8.xml><?xml version="1.0" encoding="utf-8"?>
-<p:sld xmlns:a="http://schemas.openxmlformats.org/drawingml/2006/main" xmlns:r="http://schemas.openxmlformats.org/officeDocument/2006/relationships" xmlns:p="http://schemas.openxmlformats.org/presentationml/2006/main">
+<p:sld xmlns:a="http://schemas.openxmlformats.org/drawingml/2006/main" xmlns:p="http://schemas.openxmlformats.org/presentationml/2006/main" xmlns:r="http://schemas.openxmlformats.org/officeDocument/2006/relationships" xmlns:p14="http://schemas.microsoft.com/office/powerpoint/2010/main" xmlns:p15="http://schemas.microsoft.com/office/powerpoint/2012/main" xmlns:mc="http://schemas.openxmlformats.org/markup-compatibility/2006">
   <p:cSld>
     <p:spTree>
       <p:nvGrpSpPr>
@@ -8590,14 +8120,14 @@
       </p:grpSpPr>
       <p:sp>
         <p:nvSpPr>
-          <p:cNvPr id="156" name="CustomShape 1"/>
+          <p:cNvPr id="149" name="CustomShape 1"/>
           <p:cNvSpPr/>
           <p:nvPr/>
         </p:nvSpPr>
         <p:spPr>
           <a:xfrm>
             <a:off x="1097280" y="286560"/>
-            <a:ext cx="10057320" cy="1449720"/>
+            <a:ext cx="10056960" cy="1449360"/>
           </a:xfrm>
           <a:prstGeom prst="rect">
             <a:avLst/>
@@ -8608,33 +8138,27 @@
           </a:ln>
         </p:spPr>
         <p:style>
-          <a:lnRef idx="0">
-            <a:scrgbClr r="0" g="0" b="0"/>
-          </a:lnRef>
-          <a:fillRef idx="0">
-            <a:scrgbClr r="0" g="0" b="0"/>
-          </a:fillRef>
-          <a:effectRef idx="0">
-            <a:scrgbClr r="0" g="0" b="0"/>
-          </a:effectRef>
+          <a:lnRef idx="0"/>
+          <a:fillRef idx="0"/>
+          <a:effectRef idx="0"/>
           <a:fontRef idx="minor"/>
         </p:style>
       </p:sp>
       <p:pic>
         <p:nvPicPr>
-          <p:cNvPr id="157" name="Picture 4"/>
+          <p:cNvPr id="150" name="Picture 4" descr=""/>
           <p:cNvPicPr/>
           <p:nvPr/>
         </p:nvPicPr>
         <p:blipFill>
-          <a:blip r:embed="rId2"/>
-          <a:srcRect b="4860"/>
+          <a:blip r:embed="rId1"/>
+          <a:srcRect l="0" t="0" r="0" b="4860"/>
           <a:stretch/>
         </p:blipFill>
         <p:spPr>
           <a:xfrm>
             <a:off x="10667880" y="274320"/>
-            <a:ext cx="1164960" cy="1260720"/>
+            <a:ext cx="1164600" cy="1260360"/>
           </a:xfrm>
           <a:prstGeom prst="rect">
             <a:avLst/>
@@ -8646,14 +8170,14 @@
       </p:pic>
       <p:sp>
         <p:nvSpPr>
-          <p:cNvPr id="158" name="CustomShape 2"/>
+          <p:cNvPr id="151" name="CustomShape 2"/>
           <p:cNvSpPr/>
           <p:nvPr/>
         </p:nvSpPr>
         <p:spPr>
           <a:xfrm>
             <a:off x="1097280" y="700920"/>
-            <a:ext cx="10057320" cy="1035720"/>
+            <a:ext cx="10056960" cy="1035360"/>
           </a:xfrm>
           <a:prstGeom prst="rect">
             <a:avLst/>
@@ -8664,41 +8188,31 @@
           </a:ln>
         </p:spPr>
         <p:style>
-          <a:lnRef idx="0">
-            <a:scrgbClr r="0" g="0" b="0"/>
-          </a:lnRef>
-          <a:fillRef idx="0">
-            <a:scrgbClr r="0" g="0" b="0"/>
-          </a:fillRef>
-          <a:effectRef idx="0">
-            <a:scrgbClr r="0" g="0" b="0"/>
-          </a:effectRef>
+          <a:lnRef idx="0"/>
+          <a:fillRef idx="0"/>
+          <a:effectRef idx="0"/>
           <a:fontRef idx="minor"/>
         </p:style>
         <p:txBody>
-          <a:bodyPr lIns="0" tIns="0" rIns="0" bIns="0"/>
-          <a:lstStyle/>
+          <a:bodyPr lIns="0" rIns="0" tIns="0" bIns="0"/>
           <a:p>
             <a:pPr>
               <a:lnSpc>
                 <a:spcPct val="85000"/>
               </a:lnSpc>
             </a:pPr>
-            <a:r>
-              <a:t/>
-            </a:r>
             <a:br/>
             <a:r>
-              <a:rPr lang="en-US" sz="4800" b="0" strike="noStrike" spc="-43">
+              <a:rPr b="0" lang="en-US" sz="4800" spc="-41" strike="noStrike">
                 <a:solidFill>
                   <a:srgbClr val="404040"/>
                 </a:solidFill>
                 <a:latin typeface="Calibri Light"/>
                 <a:ea typeface="Microsoft YaHei"/>
               </a:rPr>
-              <a:t>Use case – Dmaging enemies</a:t>
+              <a:t>Use case – Damaging enemies</a:t>
             </a:r>
-            <a:endParaRPr lang="en-US" sz="4800" b="0" strike="noStrike" spc="-1">
+            <a:endParaRPr b="0" lang="en-US" sz="4800" spc="-1" strike="noStrike">
               <a:latin typeface="Arial"/>
             </a:endParaRPr>
           </a:p>
@@ -8706,18 +8220,18 @@
       </p:sp>
       <p:pic>
         <p:nvPicPr>
-          <p:cNvPr id="159" name="Picture 150"/>
+          <p:cNvPr id="152" name="Picture 150" descr=""/>
           <p:cNvPicPr/>
           <p:nvPr/>
         </p:nvPicPr>
         <p:blipFill>
-          <a:blip r:embed="rId3"/>
+          <a:blip r:embed="rId2"/>
           <a:stretch/>
         </p:blipFill>
         <p:spPr>
           <a:xfrm>
             <a:off x="2377440" y="1828800"/>
-            <a:ext cx="7131960" cy="4404240"/>
+            <a:ext cx="7131600" cy="4403880"/>
           </a:xfrm>
           <a:prstGeom prst="rect">
             <a:avLst/>
@@ -8729,25 +8243,22 @@
       </p:pic>
     </p:spTree>
   </p:cSld>
-  <p:clrMapOvr>
-    <a:masterClrMapping/>
-  </p:clrMapOvr>
   <p:timing>
     <p:tnLst>
       <p:par>
-        <p:cTn id="1" dur="indefinite" restart="never" nodeType="tmRoot">
+        <p:cTn id="15" dur="indefinite" restart="never" nodeType="tmRoot">
           <p:childTnLst>
             <p:seq>
-              <p:cTn id="2" dur="indefinite" nodeType="mainSeq"/>
+              <p:cTn id="16" dur="indefinite" nodeType="mainSeq"/>
               <p:prevCondLst>
-                <p:cond evt="onPrev" delay="0">
+                <p:cond delay="0" evt="onPrev">
                   <p:tgtEl>
                     <p:sldTgt/>
                   </p:tgtEl>
                 </p:cond>
               </p:prevCondLst>
               <p:nextCondLst>
-                <p:cond evt="onNext" delay="0">
+                <p:cond delay="0" evt="onNext">
                   <p:tgtEl>
                     <p:sldTgt/>
                   </p:tgtEl>
@@ -8763,7 +8274,7 @@
 </file>
 
 <file path=ppt/slides/slide9.xml><?xml version="1.0" encoding="utf-8"?>
-<p:sld xmlns:a="http://schemas.openxmlformats.org/drawingml/2006/main" xmlns:r="http://schemas.openxmlformats.org/officeDocument/2006/relationships" xmlns:p="http://schemas.openxmlformats.org/presentationml/2006/main">
+<p:sld xmlns:a="http://schemas.openxmlformats.org/drawingml/2006/main" xmlns:p="http://schemas.openxmlformats.org/presentationml/2006/main" xmlns:r="http://schemas.openxmlformats.org/officeDocument/2006/relationships" xmlns:p14="http://schemas.microsoft.com/office/powerpoint/2010/main" xmlns:p15="http://schemas.microsoft.com/office/powerpoint/2012/main" xmlns:mc="http://schemas.openxmlformats.org/markup-compatibility/2006">
   <p:cSld>
     <p:spTree>
       <p:nvGrpSpPr>
@@ -8781,14 +8292,14 @@
       </p:grpSpPr>
       <p:sp>
         <p:nvSpPr>
-          <p:cNvPr id="160" name="CustomShape 1"/>
+          <p:cNvPr id="153" name="CustomShape 1"/>
           <p:cNvSpPr/>
           <p:nvPr/>
         </p:nvSpPr>
         <p:spPr>
           <a:xfrm>
             <a:off x="1097280" y="286560"/>
-            <a:ext cx="10057320" cy="1449720"/>
+            <a:ext cx="10056960" cy="1449360"/>
           </a:xfrm>
           <a:prstGeom prst="rect">
             <a:avLst/>
@@ -8799,32 +8310,22 @@
           </a:ln>
         </p:spPr>
         <p:style>
-          <a:lnRef idx="0">
-            <a:scrgbClr r="0" g="0" b="0"/>
-          </a:lnRef>
-          <a:fillRef idx="0">
-            <a:scrgbClr r="0" g="0" b="0"/>
-          </a:fillRef>
-          <a:effectRef idx="0">
-            <a:scrgbClr r="0" g="0" b="0"/>
-          </a:effectRef>
+          <a:lnRef idx="0"/>
+          <a:fillRef idx="0"/>
+          <a:effectRef idx="0"/>
           <a:fontRef idx="minor"/>
         </p:style>
         <p:txBody>
-          <a:bodyPr lIns="0" tIns="0" rIns="0" bIns="0" anchor="ctr"/>
-          <a:lstStyle/>
+          <a:bodyPr lIns="0" rIns="0" tIns="0" bIns="0" anchor="ctr"/>
           <a:p>
             <a:pPr>
               <a:lnSpc>
                 <a:spcPct val="85000"/>
               </a:lnSpc>
             </a:pPr>
-            <a:r>
-              <a:t/>
-            </a:r>
             <a:br/>
             <a:r>
-              <a:rPr lang="en-US" sz="4400" b="0" strike="noStrike" spc="-43">
+              <a:rPr b="0" lang="en-US" sz="4400" spc="-41" strike="noStrike">
                 <a:solidFill>
                   <a:srgbClr val="404040"/>
                 </a:solidFill>
@@ -8833,22 +8334,22 @@
               </a:rPr>
               <a:t>Blakely – Sound</a:t>
             </a:r>
-            <a:endParaRPr lang="en-US" sz="4400" b="0" strike="noStrike" spc="-1">
-              <a:latin typeface="Arial"/>
-            </a:endParaRPr>
-          </a:p>
-        </p:txBody>
-      </p:sp>
-      <p:sp>
-        <p:nvSpPr>
-          <p:cNvPr id="161" name="CustomShape 2"/>
+            <a:endParaRPr b="0" lang="en-US" sz="4400" spc="-1" strike="noStrike">
+              <a:latin typeface="Arial"/>
+            </a:endParaRPr>
+          </a:p>
+        </p:txBody>
+      </p:sp>
+      <p:sp>
+        <p:nvSpPr>
+          <p:cNvPr id="154" name="CustomShape 2"/>
           <p:cNvSpPr/>
           <p:nvPr/>
         </p:nvSpPr>
         <p:spPr>
           <a:xfrm>
             <a:off x="1097280" y="2121120"/>
-            <a:ext cx="10057320" cy="4022280"/>
+            <a:ext cx="10056960" cy="4021920"/>
           </a:xfrm>
           <a:prstGeom prst="rect">
             <a:avLst/>
@@ -8859,22 +8360,15 @@
           </a:ln>
         </p:spPr>
         <p:style>
-          <a:lnRef idx="0">
-            <a:scrgbClr r="0" g="0" b="0"/>
-          </a:lnRef>
-          <a:fillRef idx="0">
-            <a:scrgbClr r="0" g="0" b="0"/>
-          </a:fillRef>
-          <a:effectRef idx="0">
-            <a:scrgbClr r="0" g="0" b="0"/>
-          </a:effectRef>
+          <a:lnRef idx="0"/>
+          <a:fillRef idx="0"/>
+          <a:effectRef idx="0"/>
           <a:fontRef idx="minor"/>
         </p:style>
         <p:txBody>
-          <a:bodyPr lIns="0" tIns="0" rIns="0" bIns="0" anchor="ctr"/>
-          <a:lstStyle/>
-          <a:p>
-            <a:pPr marL="91440" indent="-90360">
+          <a:bodyPr lIns="0" rIns="0" tIns="0" bIns="0" anchor="ctr"/>
+          <a:p>
+            <a:pPr marL="91440" indent="-90000">
               <a:lnSpc>
                 <a:spcPct val="90000"/>
               </a:lnSpc>
@@ -8885,13 +8379,13 @@
                 <a:spcPts val="201"/>
               </a:spcAft>
               <a:buClr>
-                <a:srgbClr val="E48312"/>
+                <a:srgbClr val="e48312"/>
               </a:buClr>
               <a:buFont typeface="Arial"/>
               <a:buChar char="•"/>
             </a:pPr>
             <a:r>
-              <a:rPr lang="en-US" sz="2200" b="0" strike="noStrike" spc="-1" dirty="0">
+              <a:rPr b="0" lang="en-US" sz="2200" spc="-1" strike="noStrike">
                 <a:solidFill>
                   <a:srgbClr val="404040"/>
                 </a:solidFill>
@@ -8900,12 +8394,12 @@
               </a:rPr>
               <a:t>Creating Sounds for levels and sound effects</a:t>
             </a:r>
-            <a:endParaRPr lang="en-US" sz="2200" b="0" strike="noStrike" spc="-1" dirty="0">
-              <a:latin typeface="Arial"/>
-            </a:endParaRPr>
-          </a:p>
-          <a:p>
-            <a:pPr marL="91440" indent="-90360">
+            <a:endParaRPr b="0" lang="en-US" sz="2200" spc="-1" strike="noStrike">
+              <a:latin typeface="Arial"/>
+            </a:endParaRPr>
+          </a:p>
+          <a:p>
+            <a:pPr marL="91440" indent="-90000">
               <a:lnSpc>
                 <a:spcPct val="90000"/>
               </a:lnSpc>
@@ -8916,13 +8410,13 @@
                 <a:spcPts val="201"/>
               </a:spcAft>
               <a:buClr>
-                <a:srgbClr val="E48312"/>
+                <a:srgbClr val="e48312"/>
               </a:buClr>
               <a:buFont typeface="Arial"/>
               <a:buChar char="•"/>
             </a:pPr>
             <a:r>
-              <a:rPr lang="en-US" sz="2200" b="0" strike="noStrike" spc="-1" dirty="0">
+              <a:rPr b="0" lang="en-US" sz="2200" spc="-1" strike="noStrike">
                 <a:solidFill>
                   <a:srgbClr val="404040"/>
                 </a:solidFill>
@@ -8931,12 +8425,12 @@
               </a:rPr>
               <a:t>Coordinate with Luis on player sound effects</a:t>
             </a:r>
-            <a:endParaRPr lang="en-US" sz="2200" b="0" strike="noStrike" spc="-1" dirty="0">
-              <a:latin typeface="Arial"/>
-            </a:endParaRPr>
-          </a:p>
-          <a:p>
-            <a:pPr marL="91440" indent="-90360">
+            <a:endParaRPr b="0" lang="en-US" sz="2200" spc="-1" strike="noStrike">
+              <a:latin typeface="Arial"/>
+            </a:endParaRPr>
+          </a:p>
+          <a:p>
+            <a:pPr marL="91440" indent="-90000">
               <a:lnSpc>
                 <a:spcPct val="90000"/>
               </a:lnSpc>
@@ -8947,13 +8441,13 @@
                 <a:spcPts val="201"/>
               </a:spcAft>
               <a:buClr>
-                <a:srgbClr val="E48312"/>
+                <a:srgbClr val="e48312"/>
               </a:buClr>
               <a:buFont typeface="Arial"/>
               <a:buChar char="•"/>
             </a:pPr>
             <a:r>
-              <a:rPr lang="en-US" sz="2200" b="0" strike="noStrike" spc="-1" dirty="0">
+              <a:rPr b="0" lang="en-US" sz="2200" spc="-1" strike="noStrike">
                 <a:solidFill>
                   <a:srgbClr val="404040"/>
                 </a:solidFill>
@@ -8962,12 +8456,12 @@
               </a:rPr>
               <a:t>Coordinate with Ben on enemy sound effects</a:t>
             </a:r>
-            <a:endParaRPr lang="en-US" sz="2200" b="0" strike="noStrike" spc="-1" dirty="0">
-              <a:latin typeface="Arial"/>
-            </a:endParaRPr>
-          </a:p>
-          <a:p>
-            <a:pPr marL="91440" indent="-90360">
+            <a:endParaRPr b="0" lang="en-US" sz="2200" spc="-1" strike="noStrike">
+              <a:latin typeface="Arial"/>
+            </a:endParaRPr>
+          </a:p>
+          <a:p>
+            <a:pPr marL="91440" indent="-90000">
               <a:lnSpc>
                 <a:spcPct val="90000"/>
               </a:lnSpc>
@@ -8978,13 +8472,13 @@
                 <a:spcPts val="201"/>
               </a:spcAft>
               <a:buClr>
-                <a:srgbClr val="E48312"/>
+                <a:srgbClr val="e48312"/>
               </a:buClr>
               <a:buFont typeface="Arial"/>
               <a:buChar char="•"/>
             </a:pPr>
             <a:r>
-              <a:rPr lang="en-US" sz="2200" b="0" strike="noStrike" spc="-1" dirty="0">
+              <a:rPr b="0" lang="en-US" sz="2200" spc="-1" strike="noStrike">
                 <a:solidFill>
                   <a:srgbClr val="404040"/>
                 </a:solidFill>
@@ -8993,7 +8487,7 @@
               </a:rPr>
               <a:t>Provide seamless timing between character trigger and sound effect</a:t>
             </a:r>
-            <a:endParaRPr lang="en-US" sz="2200" b="0" strike="noStrike" spc="-1" dirty="0">
+            <a:endParaRPr b="0" lang="en-US" sz="2200" spc="-1" strike="noStrike">
               <a:latin typeface="Arial"/>
             </a:endParaRPr>
           </a:p>
@@ -9009,7 +8503,7 @@
                 <a:spcPts val="201"/>
               </a:spcAft>
             </a:pPr>
-            <a:endParaRPr lang="en-US" sz="2200" b="0" strike="noStrike" spc="-1" dirty="0">
+            <a:endParaRPr b="0" lang="en-US" sz="2200" spc="-1" strike="noStrike">
               <a:latin typeface="Arial"/>
             </a:endParaRPr>
           </a:p>
@@ -9025,12 +8519,12 @@
                 <a:spcPts val="201"/>
               </a:spcAft>
             </a:pPr>
-            <a:endParaRPr lang="en-US" sz="2200" b="0" strike="noStrike" spc="-1" dirty="0">
-              <a:latin typeface="Arial"/>
-            </a:endParaRPr>
-          </a:p>
-          <a:p>
-            <a:pPr marL="91440" indent="-90360">
+            <a:endParaRPr b="0" lang="en-US" sz="2200" spc="-1" strike="noStrike">
+              <a:latin typeface="Arial"/>
+            </a:endParaRPr>
+          </a:p>
+          <a:p>
+            <a:pPr marL="91440" indent="-90000">
               <a:lnSpc>
                 <a:spcPct val="90000"/>
               </a:lnSpc>
@@ -9041,13 +8535,13 @@
                 <a:spcPts val="201"/>
               </a:spcAft>
               <a:buClr>
-                <a:srgbClr val="E48312"/>
+                <a:srgbClr val="e48312"/>
               </a:buClr>
               <a:buFont typeface="Arial"/>
               <a:buChar char="•"/>
             </a:pPr>
             <a:r>
-              <a:rPr lang="en-US" sz="2200" b="0" strike="noStrike" spc="-1" dirty="0">
+              <a:rPr b="0" lang="en-US" sz="2200" spc="-1" strike="noStrike">
                 <a:solidFill>
                   <a:srgbClr val="404040"/>
                 </a:solidFill>
@@ -9056,12 +8550,12 @@
               </a:rPr>
               <a:t>Priority level: 3 </a:t>
             </a:r>
-            <a:endParaRPr lang="en-US" sz="2200" b="0" strike="noStrike" spc="-1" dirty="0">
-              <a:latin typeface="Arial"/>
-            </a:endParaRPr>
-          </a:p>
-          <a:p>
-            <a:pPr marL="91440" indent="-90360">
+            <a:endParaRPr b="0" lang="en-US" sz="2200" spc="-1" strike="noStrike">
+              <a:latin typeface="Arial"/>
+            </a:endParaRPr>
+          </a:p>
+          <a:p>
+            <a:pPr marL="91440" indent="-90000">
               <a:lnSpc>
                 <a:spcPct val="90000"/>
               </a:lnSpc>
@@ -9072,13 +8566,13 @@
                 <a:spcPts val="201"/>
               </a:spcAft>
               <a:buClr>
-                <a:srgbClr val="E48312"/>
+                <a:srgbClr val="e48312"/>
               </a:buClr>
               <a:buFont typeface="Arial"/>
               <a:buChar char="•"/>
             </a:pPr>
             <a:r>
-              <a:rPr lang="en-US" sz="2200" b="0" strike="noStrike" spc="-1" dirty="0">
+              <a:rPr b="0" lang="en-US" sz="2200" spc="-1" strike="noStrike">
                 <a:solidFill>
                   <a:srgbClr val="404040"/>
                 </a:solidFill>
@@ -9087,7 +8581,7 @@
               </a:rPr>
               <a:t>Complexity: Moderate</a:t>
             </a:r>
-            <a:endParaRPr lang="en-US" sz="2200" b="0" strike="noStrike" spc="-1" dirty="0">
+            <a:endParaRPr b="0" lang="en-US" sz="2200" spc="-1" strike="noStrike">
               <a:latin typeface="Arial"/>
             </a:endParaRPr>
           </a:p>
@@ -9100,7 +8594,7 @@
                 <a:spcPts val="1001"/>
               </a:spcBef>
             </a:pPr>
-            <a:endParaRPr lang="en-US" sz="2200" b="0" strike="noStrike" spc="-1" dirty="0">
+            <a:endParaRPr b="0" lang="en-US" sz="2200" spc="-1" strike="noStrike">
               <a:latin typeface="Arial"/>
             </a:endParaRPr>
           </a:p>
@@ -9108,19 +8602,19 @@
       </p:sp>
       <p:pic>
         <p:nvPicPr>
-          <p:cNvPr id="162" name="Picture 4"/>
+          <p:cNvPr id="155" name="Picture 4" descr=""/>
           <p:cNvPicPr/>
           <p:nvPr/>
         </p:nvPicPr>
         <p:blipFill>
-          <a:blip r:embed="rId2"/>
-          <a:srcRect b="4860"/>
+          <a:blip r:embed="rId1"/>
+          <a:srcRect l="0" t="0" r="0" b="4860"/>
           <a:stretch/>
         </p:blipFill>
         <p:spPr>
           <a:xfrm>
             <a:off x="10667880" y="274320"/>
-            <a:ext cx="1164960" cy="1260720"/>
+            <a:ext cx="1164600" cy="1260360"/>
           </a:xfrm>
           <a:prstGeom prst="rect">
             <a:avLst/>
@@ -9132,25 +8626,22 @@
       </p:pic>
     </p:spTree>
   </p:cSld>
-  <p:clrMapOvr>
-    <a:masterClrMapping/>
-  </p:clrMapOvr>
   <p:timing>
     <p:tnLst>
       <p:par>
-        <p:cTn id="1" dur="indefinite" restart="never" nodeType="tmRoot">
+        <p:cTn id="17" dur="indefinite" restart="never" nodeType="tmRoot">
           <p:childTnLst>
             <p:seq>
-              <p:cTn id="2" dur="indefinite" nodeType="mainSeq"/>
+              <p:cTn id="18" dur="indefinite" nodeType="mainSeq"/>
               <p:prevCondLst>
-                <p:cond evt="onPrev" delay="0">
+                <p:cond delay="0" evt="onPrev">
                   <p:tgtEl>
                     <p:sldTgt/>
                   </p:tgtEl>
                 </p:cond>
               </p:prevCondLst>
               <p:nextCondLst>
-                <p:cond evt="onNext" delay="0">
+                <p:cond delay="0" evt="onNext">
                   <p:tgtEl>
                     <p:sldTgt/>
                   </p:tgtEl>
@@ -9176,31 +8667,31 @@
         <a:sysClr val="window" lastClr="FFFFFF"/>
       </a:lt1>
       <a:dk2>
-        <a:srgbClr val="1F497D"/>
+        <a:srgbClr val="1f497d"/>
       </a:dk2>
       <a:lt2>
-        <a:srgbClr val="EEECE1"/>
+        <a:srgbClr val="eeece1"/>
       </a:lt2>
       <a:accent1>
-        <a:srgbClr val="4F81BD"/>
+        <a:srgbClr val="4f81bd"/>
       </a:accent1>
       <a:accent2>
-        <a:srgbClr val="C0504D"/>
+        <a:srgbClr val="c0504d"/>
       </a:accent2>
       <a:accent3>
-        <a:srgbClr val="9BBB59"/>
+        <a:srgbClr val="9bbb59"/>
       </a:accent3>
       <a:accent4>
-        <a:srgbClr val="8064A2"/>
+        <a:srgbClr val="8064a2"/>
       </a:accent4>
       <a:accent5>
-        <a:srgbClr val="4BACC6"/>
+        <a:srgbClr val="4bacc6"/>
       </a:accent5>
       <a:accent6>
-        <a:srgbClr val="F79646"/>
+        <a:srgbClr val="f79646"/>
       </a:accent6>
       <a:hlink>
-        <a:srgbClr val="0000FF"/>
+        <a:srgbClr val="0000ff"/>
       </a:hlink>
       <a:folHlink>
         <a:srgbClr val="800080"/>
@@ -9385,8 +8876,6 @@
       </a:bgFillStyleLst>
     </a:fmtScheme>
   </a:themeElements>
-  <a:objectDefaults/>
-  <a:extraClrSchemeLst/>
 </a:theme>
 </file>
 
@@ -9401,31 +8890,31 @@
         <a:sysClr val="window" lastClr="FFFFFF"/>
       </a:lt1>
       <a:dk2>
-        <a:srgbClr val="1F497D"/>
+        <a:srgbClr val="1f497d"/>
       </a:dk2>
       <a:lt2>
-        <a:srgbClr val="EEECE1"/>
+        <a:srgbClr val="eeece1"/>
       </a:lt2>
       <a:accent1>
-        <a:srgbClr val="4F81BD"/>
+        <a:srgbClr val="4f81bd"/>
       </a:accent1>
       <a:accent2>
-        <a:srgbClr val="C0504D"/>
+        <a:srgbClr val="c0504d"/>
       </a:accent2>
       <a:accent3>
-        <a:srgbClr val="9BBB59"/>
+        <a:srgbClr val="9bbb59"/>
       </a:accent3>
       <a:accent4>
-        <a:srgbClr val="8064A2"/>
+        <a:srgbClr val="8064a2"/>
       </a:accent4>
       <a:accent5>
-        <a:srgbClr val="4BACC6"/>
+        <a:srgbClr val="4bacc6"/>
       </a:accent5>
       <a:accent6>
-        <a:srgbClr val="F79646"/>
+        <a:srgbClr val="f79646"/>
       </a:accent6>
       <a:hlink>
-        <a:srgbClr val="0000FF"/>
+        <a:srgbClr val="0000ff"/>
       </a:hlink>
       <a:folHlink>
         <a:srgbClr val="800080"/>
@@ -9610,8 +9099,6 @@
       </a:bgFillStyleLst>
     </a:fmtScheme>
   </a:themeElements>
-  <a:objectDefaults/>
-  <a:extraClrSchemeLst/>
 </a:theme>
 </file>
 
@@ -9626,31 +9113,31 @@
         <a:sysClr val="window" lastClr="FFFFFF"/>
       </a:lt1>
       <a:dk2>
-        <a:srgbClr val="1F497D"/>
+        <a:srgbClr val="1f497d"/>
       </a:dk2>
       <a:lt2>
-        <a:srgbClr val="EEECE1"/>
+        <a:srgbClr val="eeece1"/>
       </a:lt2>
       <a:accent1>
-        <a:srgbClr val="4F81BD"/>
+        <a:srgbClr val="4f81bd"/>
       </a:accent1>
       <a:accent2>
-        <a:srgbClr val="C0504D"/>
+        <a:srgbClr val="c0504d"/>
       </a:accent2>
       <a:accent3>
-        <a:srgbClr val="9BBB59"/>
+        <a:srgbClr val="9bbb59"/>
       </a:accent3>
       <a:accent4>
-        <a:srgbClr val="8064A2"/>
+        <a:srgbClr val="8064a2"/>
       </a:accent4>
       <a:accent5>
-        <a:srgbClr val="4BACC6"/>
+        <a:srgbClr val="4bacc6"/>
       </a:accent5>
       <a:accent6>
-        <a:srgbClr val="F79646"/>
+        <a:srgbClr val="f79646"/>
       </a:accent6>
       <a:hlink>
-        <a:srgbClr val="0000FF"/>
+        <a:srgbClr val="0000ff"/>
       </a:hlink>
       <a:folHlink>
         <a:srgbClr val="800080"/>
@@ -9835,7 +9322,5 @@
       </a:bgFillStyleLst>
     </a:fmtScheme>
   </a:themeElements>
-  <a:objectDefaults/>
-  <a:extraClrSchemeLst/>
 </a:theme>
 </file>
--- a/docs/Debugger.pptx
+++ b/docs/Debugger.pptx
@@ -1,14 +1,15 @@
 
 <file path=ppt/presentation.xml><?xml version="1.0" encoding="utf-8"?>
-<p:presentation xmlns:a="http://schemas.openxmlformats.org/drawingml/2006/main" xmlns:p="http://schemas.openxmlformats.org/presentationml/2006/main" xmlns:r="http://schemas.openxmlformats.org/officeDocument/2006/relationships" xmlns:p14="http://schemas.microsoft.com/office/powerpoint/2010/main" xmlns:p15="http://schemas.microsoft.com/office/powerpoint/2012/main" xmlns:mc="http://schemas.openxmlformats.org/markup-compatibility/2006">
+<p:presentation xmlns:a="http://schemas.openxmlformats.org/drawingml/2006/main" xmlns:r="http://schemas.openxmlformats.org/officeDocument/2006/relationships" xmlns:p="http://schemas.openxmlformats.org/presentationml/2006/main">
   <p:sldMasterIdLst>
-    <p:sldMasterId id="2147483648" r:id="rId2"/>
-    <p:sldMasterId id="2147483661" r:id="rId3"/>
-    <p:sldMasterId id="2147483674" r:id="rId4"/>
+    <p:sldMasterId id="2147483648" r:id="rId1"/>
+    <p:sldMasterId id="2147483661" r:id="rId2"/>
+    <p:sldMasterId id="2147483674" r:id="rId3"/>
   </p:sldMasterIdLst>
   <p:sldIdLst>
-    <p:sldId id="256" r:id="rId5"/>
-    <p:sldId id="257" r:id="rId6"/>
+    <p:sldId id="256" r:id="rId4"/>
+    <p:sldId id="257" r:id="rId5"/>
+    <p:sldId id="268" r:id="rId6"/>
     <p:sldId id="258" r:id="rId7"/>
     <p:sldId id="259" r:id="rId8"/>
     <p:sldId id="260" r:id="rId9"/>
@@ -22,11 +23,106 @@
   </p:sldIdLst>
   <p:sldSz cx="12192000" cy="6858000"/>
   <p:notesSz cx="7772400" cy="10058400"/>
+  <p:defaultTextStyle>
+    <a:defPPr>
+      <a:defRPr lang="en-US"/>
+    </a:defPPr>
+    <a:lvl1pPr marL="0" algn="l" defTabSz="914400" rtl="0" eaLnBrk="1" latinLnBrk="0" hangingPunct="1">
+      <a:defRPr sz="1800" kern="1200">
+        <a:solidFill>
+          <a:schemeClr val="tx1"/>
+        </a:solidFill>
+        <a:latin typeface="+mn-lt"/>
+        <a:ea typeface="+mn-ea"/>
+        <a:cs typeface="+mn-cs"/>
+      </a:defRPr>
+    </a:lvl1pPr>
+    <a:lvl2pPr marL="457200" algn="l" defTabSz="914400" rtl="0" eaLnBrk="1" latinLnBrk="0" hangingPunct="1">
+      <a:defRPr sz="1800" kern="1200">
+        <a:solidFill>
+          <a:schemeClr val="tx1"/>
+        </a:solidFill>
+        <a:latin typeface="+mn-lt"/>
+        <a:ea typeface="+mn-ea"/>
+        <a:cs typeface="+mn-cs"/>
+      </a:defRPr>
+    </a:lvl2pPr>
+    <a:lvl3pPr marL="914400" algn="l" defTabSz="914400" rtl="0" eaLnBrk="1" latinLnBrk="0" hangingPunct="1">
+      <a:defRPr sz="1800" kern="1200">
+        <a:solidFill>
+          <a:schemeClr val="tx1"/>
+        </a:solidFill>
+        <a:latin typeface="+mn-lt"/>
+        <a:ea typeface="+mn-ea"/>
+        <a:cs typeface="+mn-cs"/>
+      </a:defRPr>
+    </a:lvl3pPr>
+    <a:lvl4pPr marL="1371600" algn="l" defTabSz="914400" rtl="0" eaLnBrk="1" latinLnBrk="0" hangingPunct="1">
+      <a:defRPr sz="1800" kern="1200">
+        <a:solidFill>
+          <a:schemeClr val="tx1"/>
+        </a:solidFill>
+        <a:latin typeface="+mn-lt"/>
+        <a:ea typeface="+mn-ea"/>
+        <a:cs typeface="+mn-cs"/>
+      </a:defRPr>
+    </a:lvl4pPr>
+    <a:lvl5pPr marL="1828800" algn="l" defTabSz="914400" rtl="0" eaLnBrk="1" latinLnBrk="0" hangingPunct="1">
+      <a:defRPr sz="1800" kern="1200">
+        <a:solidFill>
+          <a:schemeClr val="tx1"/>
+        </a:solidFill>
+        <a:latin typeface="+mn-lt"/>
+        <a:ea typeface="+mn-ea"/>
+        <a:cs typeface="+mn-cs"/>
+      </a:defRPr>
+    </a:lvl5pPr>
+    <a:lvl6pPr marL="2286000" algn="l" defTabSz="914400" rtl="0" eaLnBrk="1" latinLnBrk="0" hangingPunct="1">
+      <a:defRPr sz="1800" kern="1200">
+        <a:solidFill>
+          <a:schemeClr val="tx1"/>
+        </a:solidFill>
+        <a:latin typeface="+mn-lt"/>
+        <a:ea typeface="+mn-ea"/>
+        <a:cs typeface="+mn-cs"/>
+      </a:defRPr>
+    </a:lvl6pPr>
+    <a:lvl7pPr marL="2743200" algn="l" defTabSz="914400" rtl="0" eaLnBrk="1" latinLnBrk="0" hangingPunct="1">
+      <a:defRPr sz="1800" kern="1200">
+        <a:solidFill>
+          <a:schemeClr val="tx1"/>
+        </a:solidFill>
+        <a:latin typeface="+mn-lt"/>
+        <a:ea typeface="+mn-ea"/>
+        <a:cs typeface="+mn-cs"/>
+      </a:defRPr>
+    </a:lvl7pPr>
+    <a:lvl8pPr marL="3200400" algn="l" defTabSz="914400" rtl="0" eaLnBrk="1" latinLnBrk="0" hangingPunct="1">
+      <a:defRPr sz="1800" kern="1200">
+        <a:solidFill>
+          <a:schemeClr val="tx1"/>
+        </a:solidFill>
+        <a:latin typeface="+mn-lt"/>
+        <a:ea typeface="+mn-ea"/>
+        <a:cs typeface="+mn-cs"/>
+      </a:defRPr>
+    </a:lvl8pPr>
+    <a:lvl9pPr marL="3657600" algn="l" defTabSz="914400" rtl="0" eaLnBrk="1" latinLnBrk="0" hangingPunct="1">
+      <a:defRPr sz="1800" kern="1200">
+        <a:solidFill>
+          <a:schemeClr val="tx1"/>
+        </a:solidFill>
+        <a:latin typeface="+mn-lt"/>
+        <a:ea typeface="+mn-ea"/>
+        <a:cs typeface="+mn-cs"/>
+      </a:defRPr>
+    </a:lvl9pPr>
+  </p:defaultTextStyle>
 </p:presentation>
 </file>
 
 <file path=ppt/slideLayouts/slideLayout1.xml><?xml version="1.0" encoding="utf-8"?>
-<p:sldLayout xmlns:a="http://schemas.openxmlformats.org/drawingml/2006/main" xmlns:p="http://schemas.openxmlformats.org/presentationml/2006/main" xmlns:r="http://schemas.openxmlformats.org/officeDocument/2006/relationships" xmlns:p14="http://schemas.microsoft.com/office/powerpoint/2010/main" xmlns:p15="http://schemas.microsoft.com/office/powerpoint/2012/main" xmlns:mc="http://schemas.openxmlformats.org/markup-compatibility/2006" type="blank" preserve="1">
+<p:sldLayout xmlns:a="http://schemas.openxmlformats.org/drawingml/2006/main" xmlns:r="http://schemas.openxmlformats.org/officeDocument/2006/relationships" xmlns:p="http://schemas.openxmlformats.org/presentationml/2006/main" type="blank" preserve="1">
   <p:cSld name="Blank Slide">
     <p:spTree>
       <p:nvGrpSpPr>
@@ -44,11 +140,14 @@
       </p:grpSpPr>
     </p:spTree>
   </p:cSld>
+  <p:clrMapOvr>
+    <a:masterClrMapping/>
+  </p:clrMapOvr>
 </p:sldLayout>
 </file>
 
 <file path=ppt/slideLayouts/slideLayout10.xml><?xml version="1.0" encoding="utf-8"?>
-<p:sldLayout xmlns:a="http://schemas.openxmlformats.org/drawingml/2006/main" xmlns:p="http://schemas.openxmlformats.org/presentationml/2006/main" xmlns:r="http://schemas.openxmlformats.org/officeDocument/2006/relationships" xmlns:p14="http://schemas.microsoft.com/office/powerpoint/2010/main" xmlns:p15="http://schemas.microsoft.com/office/powerpoint/2012/main" xmlns:mc="http://schemas.openxmlformats.org/markup-compatibility/2006" type="objOverTx" preserve="1">
+<p:sldLayout xmlns:a="http://schemas.openxmlformats.org/drawingml/2006/main" xmlns:r="http://schemas.openxmlformats.org/officeDocument/2006/relationships" xmlns:p="http://schemas.openxmlformats.org/presentationml/2006/main" type="objOverTx" preserve="1">
   <p:cSld name="Title, Content over Content">
     <p:spTree>
       <p:nvGrpSpPr>
@@ -84,9 +183,10 @@
           </a:prstGeom>
         </p:spPr>
         <p:txBody>
-          <a:bodyPr lIns="0" rIns="0" tIns="0" bIns="0" anchor="ctr"/>
-          <a:p>
-            <a:endParaRPr b="0" lang="en-US" sz="1800" spc="-1" strike="noStrike">
+          <a:bodyPr lIns="0" tIns="0" rIns="0" bIns="0" anchor="ctr"/>
+          <a:lstStyle/>
+          <a:p>
+            <a:endParaRPr lang="en-US" sz="1800" b="0" strike="noStrike" spc="-1">
               <a:solidFill>
                 <a:srgbClr val="000000"/>
               </a:solidFill>
@@ -115,11 +215,12 @@
           </a:prstGeom>
         </p:spPr>
         <p:txBody>
-          <a:bodyPr lIns="0" rIns="0" tIns="0" bIns="0">
+          <a:bodyPr lIns="0" tIns="0" rIns="0" bIns="0">
             <a:normAutofit/>
           </a:bodyPr>
-          <a:p>
-            <a:endParaRPr b="0" lang="en-US" sz="1800" spc="-1" strike="noStrike">
+          <a:lstStyle/>
+          <a:p>
+            <a:endParaRPr lang="en-US" sz="1800" b="0" strike="noStrike" spc="-1">
               <a:solidFill>
                 <a:srgbClr val="000000"/>
               </a:solidFill>
@@ -148,11 +249,12 @@
           </a:prstGeom>
         </p:spPr>
         <p:txBody>
-          <a:bodyPr lIns="0" rIns="0" tIns="0" bIns="0">
+          <a:bodyPr lIns="0" tIns="0" rIns="0" bIns="0">
             <a:normAutofit/>
           </a:bodyPr>
-          <a:p>
-            <a:endParaRPr b="0" lang="en-US" sz="1800" spc="-1" strike="noStrike">
+          <a:lstStyle/>
+          <a:p>
+            <a:endParaRPr lang="en-US" sz="1800" b="0" strike="noStrike" spc="-1">
               <a:solidFill>
                 <a:srgbClr val="000000"/>
               </a:solidFill>
@@ -163,11 +265,14 @@
       </p:sp>
     </p:spTree>
   </p:cSld>
+  <p:clrMapOvr>
+    <a:masterClrMapping/>
+  </p:clrMapOvr>
 </p:sldLayout>
 </file>
 
 <file path=ppt/slideLayouts/slideLayout11.xml><?xml version="1.0" encoding="utf-8"?>
-<p:sldLayout xmlns:a="http://schemas.openxmlformats.org/drawingml/2006/main" xmlns:p="http://schemas.openxmlformats.org/presentationml/2006/main" xmlns:r="http://schemas.openxmlformats.org/officeDocument/2006/relationships" xmlns:p14="http://schemas.microsoft.com/office/powerpoint/2010/main" xmlns:p15="http://schemas.microsoft.com/office/powerpoint/2012/main" xmlns:mc="http://schemas.openxmlformats.org/markup-compatibility/2006" type="fourObj" preserve="1">
+<p:sldLayout xmlns:a="http://schemas.openxmlformats.org/drawingml/2006/main" xmlns:r="http://schemas.openxmlformats.org/officeDocument/2006/relationships" xmlns:p="http://schemas.openxmlformats.org/presentationml/2006/main" type="fourObj" preserve="1">
   <p:cSld name="Title, 4 Content">
     <p:spTree>
       <p:nvGrpSpPr>
@@ -203,9 +308,10 @@
           </a:prstGeom>
         </p:spPr>
         <p:txBody>
-          <a:bodyPr lIns="0" rIns="0" tIns="0" bIns="0" anchor="ctr"/>
-          <a:p>
-            <a:endParaRPr b="0" lang="en-US" sz="1800" spc="-1" strike="noStrike">
+          <a:bodyPr lIns="0" tIns="0" rIns="0" bIns="0" anchor="ctr"/>
+          <a:lstStyle/>
+          <a:p>
+            <a:endParaRPr lang="en-US" sz="1800" b="0" strike="noStrike" spc="-1">
               <a:solidFill>
                 <a:srgbClr val="000000"/>
               </a:solidFill>
@@ -234,11 +340,12 @@
           </a:prstGeom>
         </p:spPr>
         <p:txBody>
-          <a:bodyPr lIns="0" rIns="0" tIns="0" bIns="0">
+          <a:bodyPr lIns="0" tIns="0" rIns="0" bIns="0">
             <a:normAutofit/>
           </a:bodyPr>
-          <a:p>
-            <a:endParaRPr b="0" lang="en-US" sz="1800" spc="-1" strike="noStrike">
+          <a:lstStyle/>
+          <a:p>
+            <a:endParaRPr lang="en-US" sz="1800" b="0" strike="noStrike" spc="-1">
               <a:solidFill>
                 <a:srgbClr val="000000"/>
               </a:solidFill>
@@ -267,11 +374,12 @@
           </a:prstGeom>
         </p:spPr>
         <p:txBody>
-          <a:bodyPr lIns="0" rIns="0" tIns="0" bIns="0">
+          <a:bodyPr lIns="0" tIns="0" rIns="0" bIns="0">
             <a:normAutofit/>
           </a:bodyPr>
-          <a:p>
-            <a:endParaRPr b="0" lang="en-US" sz="1800" spc="-1" strike="noStrike">
+          <a:lstStyle/>
+          <a:p>
+            <a:endParaRPr lang="en-US" sz="1800" b="0" strike="noStrike" spc="-1">
               <a:solidFill>
                 <a:srgbClr val="000000"/>
               </a:solidFill>
@@ -300,11 +408,12 @@
           </a:prstGeom>
         </p:spPr>
         <p:txBody>
-          <a:bodyPr lIns="0" rIns="0" tIns="0" bIns="0">
+          <a:bodyPr lIns="0" tIns="0" rIns="0" bIns="0">
             <a:normAutofit/>
           </a:bodyPr>
-          <a:p>
-            <a:endParaRPr b="0" lang="en-US" sz="1800" spc="-1" strike="noStrike">
+          <a:lstStyle/>
+          <a:p>
+            <a:endParaRPr lang="en-US" sz="1800" b="0" strike="noStrike" spc="-1">
               <a:solidFill>
                 <a:srgbClr val="000000"/>
               </a:solidFill>
@@ -333,11 +442,12 @@
           </a:prstGeom>
         </p:spPr>
         <p:txBody>
-          <a:bodyPr lIns="0" rIns="0" tIns="0" bIns="0">
+          <a:bodyPr lIns="0" tIns="0" rIns="0" bIns="0">
             <a:normAutofit/>
           </a:bodyPr>
-          <a:p>
-            <a:endParaRPr b="0" lang="en-US" sz="1800" spc="-1" strike="noStrike">
+          <a:lstStyle/>
+          <a:p>
+            <a:endParaRPr lang="en-US" sz="1800" b="0" strike="noStrike" spc="-1">
               <a:solidFill>
                 <a:srgbClr val="000000"/>
               </a:solidFill>
@@ -348,11 +458,14 @@
       </p:sp>
     </p:spTree>
   </p:cSld>
+  <p:clrMapOvr>
+    <a:masterClrMapping/>
+  </p:clrMapOvr>
 </p:sldLayout>
 </file>
 
 <file path=ppt/slideLayouts/slideLayout12.xml><?xml version="1.0" encoding="utf-8"?>
-<p:sldLayout xmlns:a="http://schemas.openxmlformats.org/drawingml/2006/main" xmlns:p="http://schemas.openxmlformats.org/presentationml/2006/main" xmlns:r="http://schemas.openxmlformats.org/officeDocument/2006/relationships" xmlns:p14="http://schemas.microsoft.com/office/powerpoint/2010/main" xmlns:p15="http://schemas.microsoft.com/office/powerpoint/2012/main" xmlns:mc="http://schemas.openxmlformats.org/markup-compatibility/2006" type="blank" preserve="1">
+<p:sldLayout xmlns:a="http://schemas.openxmlformats.org/drawingml/2006/main" xmlns:r="http://schemas.openxmlformats.org/officeDocument/2006/relationships" xmlns:p="http://schemas.openxmlformats.org/presentationml/2006/main" type="blank" preserve="1">
   <p:cSld name="Title, 6 Content">
     <p:spTree>
       <p:nvGrpSpPr>
@@ -388,9 +501,10 @@
           </a:prstGeom>
         </p:spPr>
         <p:txBody>
-          <a:bodyPr lIns="0" rIns="0" tIns="0" bIns="0" anchor="ctr"/>
-          <a:p>
-            <a:endParaRPr b="0" lang="en-US" sz="1800" spc="-1" strike="noStrike">
+          <a:bodyPr lIns="0" tIns="0" rIns="0" bIns="0" anchor="ctr"/>
+          <a:lstStyle/>
+          <a:p>
+            <a:endParaRPr lang="en-US" sz="1800" b="0" strike="noStrike" spc="-1">
               <a:solidFill>
                 <a:srgbClr val="000000"/>
               </a:solidFill>
@@ -419,11 +533,12 @@
           </a:prstGeom>
         </p:spPr>
         <p:txBody>
-          <a:bodyPr lIns="0" rIns="0" tIns="0" bIns="0">
+          <a:bodyPr lIns="0" tIns="0" rIns="0" bIns="0">
             <a:normAutofit/>
           </a:bodyPr>
-          <a:p>
-            <a:endParaRPr b="0" lang="en-US" sz="1800" spc="-1" strike="noStrike">
+          <a:lstStyle/>
+          <a:p>
+            <a:endParaRPr lang="en-US" sz="1800" b="0" strike="noStrike" spc="-1">
               <a:solidFill>
                 <a:srgbClr val="000000"/>
               </a:solidFill>
@@ -452,11 +567,12 @@
           </a:prstGeom>
         </p:spPr>
         <p:txBody>
-          <a:bodyPr lIns="0" rIns="0" tIns="0" bIns="0">
+          <a:bodyPr lIns="0" tIns="0" rIns="0" bIns="0">
             <a:normAutofit/>
           </a:bodyPr>
-          <a:p>
-            <a:endParaRPr b="0" lang="en-US" sz="1800" spc="-1" strike="noStrike">
+          <a:lstStyle/>
+          <a:p>
+            <a:endParaRPr lang="en-US" sz="1800" b="0" strike="noStrike" spc="-1">
               <a:solidFill>
                 <a:srgbClr val="000000"/>
               </a:solidFill>
@@ -485,11 +601,12 @@
           </a:prstGeom>
         </p:spPr>
         <p:txBody>
-          <a:bodyPr lIns="0" rIns="0" tIns="0" bIns="0">
+          <a:bodyPr lIns="0" tIns="0" rIns="0" bIns="0">
             <a:normAutofit/>
           </a:bodyPr>
-          <a:p>
-            <a:endParaRPr b="0" lang="en-US" sz="1800" spc="-1" strike="noStrike">
+          <a:lstStyle/>
+          <a:p>
+            <a:endParaRPr lang="en-US" sz="1800" b="0" strike="noStrike" spc="-1">
               <a:solidFill>
                 <a:srgbClr val="000000"/>
               </a:solidFill>
@@ -518,11 +635,12 @@
           </a:prstGeom>
         </p:spPr>
         <p:txBody>
-          <a:bodyPr lIns="0" rIns="0" tIns="0" bIns="0">
+          <a:bodyPr lIns="0" tIns="0" rIns="0" bIns="0">
             <a:normAutofit/>
           </a:bodyPr>
-          <a:p>
-            <a:endParaRPr b="0" lang="en-US" sz="1800" spc="-1" strike="noStrike">
+          <a:lstStyle/>
+          <a:p>
+            <a:endParaRPr lang="en-US" sz="1800" b="0" strike="noStrike" spc="-1">
               <a:solidFill>
                 <a:srgbClr val="000000"/>
               </a:solidFill>
@@ -551,11 +669,12 @@
           </a:prstGeom>
         </p:spPr>
         <p:txBody>
-          <a:bodyPr lIns="0" rIns="0" tIns="0" bIns="0">
+          <a:bodyPr lIns="0" tIns="0" rIns="0" bIns="0">
             <a:normAutofit/>
           </a:bodyPr>
-          <a:p>
-            <a:endParaRPr b="0" lang="en-US" sz="1800" spc="-1" strike="noStrike">
+          <a:lstStyle/>
+          <a:p>
+            <a:endParaRPr lang="en-US" sz="1800" b="0" strike="noStrike" spc="-1">
               <a:solidFill>
                 <a:srgbClr val="000000"/>
               </a:solidFill>
@@ -584,11 +703,12 @@
           </a:prstGeom>
         </p:spPr>
         <p:txBody>
-          <a:bodyPr lIns="0" rIns="0" tIns="0" bIns="0">
+          <a:bodyPr lIns="0" tIns="0" rIns="0" bIns="0">
             <a:normAutofit/>
           </a:bodyPr>
-          <a:p>
-            <a:endParaRPr b="0" lang="en-US" sz="1800" spc="-1" strike="noStrike">
+          <a:lstStyle/>
+          <a:p>
+            <a:endParaRPr lang="en-US" sz="1800" b="0" strike="noStrike" spc="-1">
               <a:solidFill>
                 <a:srgbClr val="000000"/>
               </a:solidFill>
@@ -599,11 +719,14 @@
       </p:sp>
     </p:spTree>
   </p:cSld>
+  <p:clrMapOvr>
+    <a:masterClrMapping/>
+  </p:clrMapOvr>
 </p:sldLayout>
 </file>
 
 <file path=ppt/slideLayouts/slideLayout13.xml><?xml version="1.0" encoding="utf-8"?>
-<p:sldLayout xmlns:a="http://schemas.openxmlformats.org/drawingml/2006/main" xmlns:p="http://schemas.openxmlformats.org/presentationml/2006/main" xmlns:r="http://schemas.openxmlformats.org/officeDocument/2006/relationships" xmlns:p14="http://schemas.microsoft.com/office/powerpoint/2010/main" xmlns:p15="http://schemas.microsoft.com/office/powerpoint/2012/main" xmlns:mc="http://schemas.openxmlformats.org/markup-compatibility/2006" type="blank" preserve="1">
+<p:sldLayout xmlns:a="http://schemas.openxmlformats.org/drawingml/2006/main" xmlns:r="http://schemas.openxmlformats.org/officeDocument/2006/relationships" xmlns:p="http://schemas.openxmlformats.org/presentationml/2006/main" type="blank" preserve="1">
   <p:cSld name="Blank Slide">
     <p:spTree>
       <p:nvGrpSpPr>
@@ -621,11 +744,14 @@
       </p:grpSpPr>
     </p:spTree>
   </p:cSld>
+  <p:clrMapOvr>
+    <a:masterClrMapping/>
+  </p:clrMapOvr>
 </p:sldLayout>
 </file>
 
 <file path=ppt/slideLayouts/slideLayout14.xml><?xml version="1.0" encoding="utf-8"?>
-<p:sldLayout xmlns:a="http://schemas.openxmlformats.org/drawingml/2006/main" xmlns:p="http://schemas.openxmlformats.org/presentationml/2006/main" xmlns:r="http://schemas.openxmlformats.org/officeDocument/2006/relationships" xmlns:p14="http://schemas.microsoft.com/office/powerpoint/2010/main" xmlns:p15="http://schemas.microsoft.com/office/powerpoint/2012/main" xmlns:mc="http://schemas.openxmlformats.org/markup-compatibility/2006" type="tx" preserve="1">
+<p:sldLayout xmlns:a="http://schemas.openxmlformats.org/drawingml/2006/main" xmlns:r="http://schemas.openxmlformats.org/officeDocument/2006/relationships" xmlns:p="http://schemas.openxmlformats.org/presentationml/2006/main" type="tx" preserve="1">
   <p:cSld name="Title Slide">
     <p:spTree>
       <p:nvGrpSpPr>
@@ -661,9 +787,10 @@
           </a:prstGeom>
         </p:spPr>
         <p:txBody>
-          <a:bodyPr lIns="0" rIns="0" tIns="0" bIns="0" anchor="ctr"/>
-          <a:p>
-            <a:endParaRPr b="0" lang="en-US" sz="1800" spc="-1" strike="noStrike">
+          <a:bodyPr lIns="0" tIns="0" rIns="0" bIns="0" anchor="ctr"/>
+          <a:lstStyle/>
+          <a:p>
+            <a:endParaRPr lang="en-US" sz="1800" b="0" strike="noStrike" spc="-1">
               <a:solidFill>
                 <a:srgbClr val="000000"/>
               </a:solidFill>
@@ -692,10 +819,11 @@
           </a:prstGeom>
         </p:spPr>
         <p:txBody>
-          <a:bodyPr lIns="0" rIns="0" tIns="0" bIns="0" anchor="ctr"/>
+          <a:bodyPr lIns="0" tIns="0" rIns="0" bIns="0" anchor="ctr"/>
+          <a:lstStyle/>
           <a:p>
             <a:pPr algn="ctr"/>
-            <a:endParaRPr b="0" lang="en-US" sz="3200" spc="-1" strike="noStrike">
+            <a:endParaRPr lang="en-US" sz="3200" b="0" strike="noStrike" spc="-1">
               <a:latin typeface="Arial"/>
             </a:endParaRPr>
           </a:p>
@@ -703,11 +831,14 @@
       </p:sp>
     </p:spTree>
   </p:cSld>
+  <p:clrMapOvr>
+    <a:masterClrMapping/>
+  </p:clrMapOvr>
 </p:sldLayout>
 </file>
 
 <file path=ppt/slideLayouts/slideLayout15.xml><?xml version="1.0" encoding="utf-8"?>
-<p:sldLayout xmlns:a="http://schemas.openxmlformats.org/drawingml/2006/main" xmlns:p="http://schemas.openxmlformats.org/presentationml/2006/main" xmlns:r="http://schemas.openxmlformats.org/officeDocument/2006/relationships" xmlns:p14="http://schemas.microsoft.com/office/powerpoint/2010/main" xmlns:p15="http://schemas.microsoft.com/office/powerpoint/2012/main" xmlns:mc="http://schemas.openxmlformats.org/markup-compatibility/2006" type="obj" preserve="1">
+<p:sldLayout xmlns:a="http://schemas.openxmlformats.org/drawingml/2006/main" xmlns:r="http://schemas.openxmlformats.org/officeDocument/2006/relationships" xmlns:p="http://schemas.openxmlformats.org/presentationml/2006/main" type="obj" preserve="1">
   <p:cSld name="Title, Content">
     <p:spTree>
       <p:nvGrpSpPr>
@@ -743,9 +874,10 @@
           </a:prstGeom>
         </p:spPr>
         <p:txBody>
-          <a:bodyPr lIns="0" rIns="0" tIns="0" bIns="0" anchor="ctr"/>
-          <a:p>
-            <a:endParaRPr b="0" lang="en-US" sz="1800" spc="-1" strike="noStrike">
+          <a:bodyPr lIns="0" tIns="0" rIns="0" bIns="0" anchor="ctr"/>
+          <a:lstStyle/>
+          <a:p>
+            <a:endParaRPr lang="en-US" sz="1800" b="0" strike="noStrike" spc="-1">
               <a:solidFill>
                 <a:srgbClr val="000000"/>
               </a:solidFill>
@@ -774,11 +906,12 @@
           </a:prstGeom>
         </p:spPr>
         <p:txBody>
-          <a:bodyPr lIns="0" rIns="0" tIns="0" bIns="0">
+          <a:bodyPr lIns="0" tIns="0" rIns="0" bIns="0">
             <a:normAutofit/>
           </a:bodyPr>
-          <a:p>
-            <a:endParaRPr b="0" lang="en-US" sz="1800" spc="-1" strike="noStrike">
+          <a:lstStyle/>
+          <a:p>
+            <a:endParaRPr lang="en-US" sz="1800" b="0" strike="noStrike" spc="-1">
               <a:solidFill>
                 <a:srgbClr val="000000"/>
               </a:solidFill>
@@ -789,11 +922,14 @@
       </p:sp>
     </p:spTree>
   </p:cSld>
+  <p:clrMapOvr>
+    <a:masterClrMapping/>
+  </p:clrMapOvr>
 </p:sldLayout>
 </file>
 
 <file path=ppt/slideLayouts/slideLayout16.xml><?xml version="1.0" encoding="utf-8"?>
-<p:sldLayout xmlns:a="http://schemas.openxmlformats.org/drawingml/2006/main" xmlns:p="http://schemas.openxmlformats.org/presentationml/2006/main" xmlns:r="http://schemas.openxmlformats.org/officeDocument/2006/relationships" xmlns:p14="http://schemas.microsoft.com/office/powerpoint/2010/main" xmlns:p15="http://schemas.microsoft.com/office/powerpoint/2012/main" xmlns:mc="http://schemas.openxmlformats.org/markup-compatibility/2006" type="twoObj" preserve="1">
+<p:sldLayout xmlns:a="http://schemas.openxmlformats.org/drawingml/2006/main" xmlns:r="http://schemas.openxmlformats.org/officeDocument/2006/relationships" xmlns:p="http://schemas.openxmlformats.org/presentationml/2006/main" type="twoObj" preserve="1">
   <p:cSld name="Title, 2 Content">
     <p:spTree>
       <p:nvGrpSpPr>
@@ -829,9 +965,10 @@
           </a:prstGeom>
         </p:spPr>
         <p:txBody>
-          <a:bodyPr lIns="0" rIns="0" tIns="0" bIns="0" anchor="ctr"/>
-          <a:p>
-            <a:endParaRPr b="0" lang="en-US" sz="1800" spc="-1" strike="noStrike">
+          <a:bodyPr lIns="0" tIns="0" rIns="0" bIns="0" anchor="ctr"/>
+          <a:lstStyle/>
+          <a:p>
+            <a:endParaRPr lang="en-US" sz="1800" b="0" strike="noStrike" spc="-1">
               <a:solidFill>
                 <a:srgbClr val="000000"/>
               </a:solidFill>
@@ -860,11 +997,12 @@
           </a:prstGeom>
         </p:spPr>
         <p:txBody>
-          <a:bodyPr lIns="0" rIns="0" tIns="0" bIns="0">
+          <a:bodyPr lIns="0" tIns="0" rIns="0" bIns="0">
             <a:normAutofit/>
           </a:bodyPr>
-          <a:p>
-            <a:endParaRPr b="0" lang="en-US" sz="1800" spc="-1" strike="noStrike">
+          <a:lstStyle/>
+          <a:p>
+            <a:endParaRPr lang="en-US" sz="1800" b="0" strike="noStrike" spc="-1">
               <a:solidFill>
                 <a:srgbClr val="000000"/>
               </a:solidFill>
@@ -893,11 +1031,12 @@
           </a:prstGeom>
         </p:spPr>
         <p:txBody>
-          <a:bodyPr lIns="0" rIns="0" tIns="0" bIns="0">
+          <a:bodyPr lIns="0" tIns="0" rIns="0" bIns="0">
             <a:normAutofit/>
           </a:bodyPr>
-          <a:p>
-            <a:endParaRPr b="0" lang="en-US" sz="1800" spc="-1" strike="noStrike">
+          <a:lstStyle/>
+          <a:p>
+            <a:endParaRPr lang="en-US" sz="1800" b="0" strike="noStrike" spc="-1">
               <a:solidFill>
                 <a:srgbClr val="000000"/>
               </a:solidFill>
@@ -908,11 +1047,14 @@
       </p:sp>
     </p:spTree>
   </p:cSld>
+  <p:clrMapOvr>
+    <a:masterClrMapping/>
+  </p:clrMapOvr>
 </p:sldLayout>
 </file>
 
 <file path=ppt/slideLayouts/slideLayout17.xml><?xml version="1.0" encoding="utf-8"?>
-<p:sldLayout xmlns:a="http://schemas.openxmlformats.org/drawingml/2006/main" xmlns:p="http://schemas.openxmlformats.org/presentationml/2006/main" xmlns:r="http://schemas.openxmlformats.org/officeDocument/2006/relationships" xmlns:p14="http://schemas.microsoft.com/office/powerpoint/2010/main" xmlns:p15="http://schemas.microsoft.com/office/powerpoint/2012/main" xmlns:mc="http://schemas.openxmlformats.org/markup-compatibility/2006" type="titleOnly" preserve="1">
+<p:sldLayout xmlns:a="http://schemas.openxmlformats.org/drawingml/2006/main" xmlns:r="http://schemas.openxmlformats.org/officeDocument/2006/relationships" xmlns:p="http://schemas.openxmlformats.org/presentationml/2006/main" type="titleOnly" preserve="1">
   <p:cSld name="Title Only">
     <p:spTree>
       <p:nvGrpSpPr>
@@ -948,9 +1090,10 @@
           </a:prstGeom>
         </p:spPr>
         <p:txBody>
-          <a:bodyPr lIns="0" rIns="0" tIns="0" bIns="0" anchor="ctr"/>
-          <a:p>
-            <a:endParaRPr b="0" lang="en-US" sz="1800" spc="-1" strike="noStrike">
+          <a:bodyPr lIns="0" tIns="0" rIns="0" bIns="0" anchor="ctr"/>
+          <a:lstStyle/>
+          <a:p>
+            <a:endParaRPr lang="en-US" sz="1800" b="0" strike="noStrike" spc="-1">
               <a:solidFill>
                 <a:srgbClr val="000000"/>
               </a:solidFill>
@@ -961,11 +1104,14 @@
       </p:sp>
     </p:spTree>
   </p:cSld>
+  <p:clrMapOvr>
+    <a:masterClrMapping/>
+  </p:clrMapOvr>
 </p:sldLayout>
 </file>
 
 <file path=ppt/slideLayouts/slideLayout18.xml><?xml version="1.0" encoding="utf-8"?>
-<p:sldLayout xmlns:a="http://schemas.openxmlformats.org/drawingml/2006/main" xmlns:p="http://schemas.openxmlformats.org/presentationml/2006/main" xmlns:r="http://schemas.openxmlformats.org/officeDocument/2006/relationships" xmlns:p14="http://schemas.microsoft.com/office/powerpoint/2010/main" xmlns:p15="http://schemas.microsoft.com/office/powerpoint/2012/main" xmlns:mc="http://schemas.openxmlformats.org/markup-compatibility/2006" type="objOnly" preserve="1">
+<p:sldLayout xmlns:a="http://schemas.openxmlformats.org/drawingml/2006/main" xmlns:r="http://schemas.openxmlformats.org/officeDocument/2006/relationships" xmlns:p="http://schemas.openxmlformats.org/presentationml/2006/main" type="objOnly" preserve="1">
   <p:cSld name="Centered Text">
     <p:spTree>
       <p:nvGrpSpPr>
@@ -1001,10 +1147,11 @@
           </a:prstGeom>
         </p:spPr>
         <p:txBody>
-          <a:bodyPr lIns="0" rIns="0" tIns="0" bIns="0" anchor="ctr"/>
+          <a:bodyPr lIns="0" tIns="0" rIns="0" bIns="0" anchor="ctr"/>
+          <a:lstStyle/>
           <a:p>
             <a:pPr algn="ctr"/>
-            <a:endParaRPr b="0" lang="en-US" sz="3200" spc="-1" strike="noStrike">
+            <a:endParaRPr lang="en-US" sz="3200" b="0" strike="noStrike" spc="-1">
               <a:latin typeface="Arial"/>
             </a:endParaRPr>
           </a:p>
@@ -1012,11 +1159,14 @@
       </p:sp>
     </p:spTree>
   </p:cSld>
+  <p:clrMapOvr>
+    <a:masterClrMapping/>
+  </p:clrMapOvr>
 </p:sldLayout>
 </file>
 
 <file path=ppt/slideLayouts/slideLayout19.xml><?xml version="1.0" encoding="utf-8"?>
-<p:sldLayout xmlns:a="http://schemas.openxmlformats.org/drawingml/2006/main" xmlns:p="http://schemas.openxmlformats.org/presentationml/2006/main" xmlns:r="http://schemas.openxmlformats.org/officeDocument/2006/relationships" xmlns:p14="http://schemas.microsoft.com/office/powerpoint/2010/main" xmlns:p15="http://schemas.microsoft.com/office/powerpoint/2012/main" xmlns:mc="http://schemas.openxmlformats.org/markup-compatibility/2006" type="twoObjAndObj" preserve="1">
+<p:sldLayout xmlns:a="http://schemas.openxmlformats.org/drawingml/2006/main" xmlns:r="http://schemas.openxmlformats.org/officeDocument/2006/relationships" xmlns:p="http://schemas.openxmlformats.org/presentationml/2006/main" type="twoObjAndObj" preserve="1">
   <p:cSld name="Title, 2 Content and Content">
     <p:spTree>
       <p:nvGrpSpPr>
@@ -1052,9 +1202,10 @@
           </a:prstGeom>
         </p:spPr>
         <p:txBody>
-          <a:bodyPr lIns="0" rIns="0" tIns="0" bIns="0" anchor="ctr"/>
-          <a:p>
-            <a:endParaRPr b="0" lang="en-US" sz="1800" spc="-1" strike="noStrike">
+          <a:bodyPr lIns="0" tIns="0" rIns="0" bIns="0" anchor="ctr"/>
+          <a:lstStyle/>
+          <a:p>
+            <a:endParaRPr lang="en-US" sz="1800" b="0" strike="noStrike" spc="-1">
               <a:solidFill>
                 <a:srgbClr val="000000"/>
               </a:solidFill>
@@ -1083,11 +1234,12 @@
           </a:prstGeom>
         </p:spPr>
         <p:txBody>
-          <a:bodyPr lIns="0" rIns="0" tIns="0" bIns="0">
+          <a:bodyPr lIns="0" tIns="0" rIns="0" bIns="0">
             <a:normAutofit/>
           </a:bodyPr>
-          <a:p>
-            <a:endParaRPr b="0" lang="en-US" sz="1800" spc="-1" strike="noStrike">
+          <a:lstStyle/>
+          <a:p>
+            <a:endParaRPr lang="en-US" sz="1800" b="0" strike="noStrike" spc="-1">
               <a:solidFill>
                 <a:srgbClr val="000000"/>
               </a:solidFill>
@@ -1116,11 +1268,12 @@
           </a:prstGeom>
         </p:spPr>
         <p:txBody>
-          <a:bodyPr lIns="0" rIns="0" tIns="0" bIns="0">
+          <a:bodyPr lIns="0" tIns="0" rIns="0" bIns="0">
             <a:normAutofit/>
           </a:bodyPr>
-          <a:p>
-            <a:endParaRPr b="0" lang="en-US" sz="1800" spc="-1" strike="noStrike">
+          <a:lstStyle/>
+          <a:p>
+            <a:endParaRPr lang="en-US" sz="1800" b="0" strike="noStrike" spc="-1">
               <a:solidFill>
                 <a:srgbClr val="000000"/>
               </a:solidFill>
@@ -1149,11 +1302,12 @@
           </a:prstGeom>
         </p:spPr>
         <p:txBody>
-          <a:bodyPr lIns="0" rIns="0" tIns="0" bIns="0">
+          <a:bodyPr lIns="0" tIns="0" rIns="0" bIns="0">
             <a:normAutofit/>
           </a:bodyPr>
-          <a:p>
-            <a:endParaRPr b="0" lang="en-US" sz="1800" spc="-1" strike="noStrike">
+          <a:lstStyle/>
+          <a:p>
+            <a:endParaRPr lang="en-US" sz="1800" b="0" strike="noStrike" spc="-1">
               <a:solidFill>
                 <a:srgbClr val="000000"/>
               </a:solidFill>
@@ -1164,11 +1318,14 @@
       </p:sp>
     </p:spTree>
   </p:cSld>
+  <p:clrMapOvr>
+    <a:masterClrMapping/>
+  </p:clrMapOvr>
 </p:sldLayout>
 </file>
 
 <file path=ppt/slideLayouts/slideLayout2.xml><?xml version="1.0" encoding="utf-8"?>
-<p:sldLayout xmlns:a="http://schemas.openxmlformats.org/drawingml/2006/main" xmlns:p="http://schemas.openxmlformats.org/presentationml/2006/main" xmlns:r="http://schemas.openxmlformats.org/officeDocument/2006/relationships" xmlns:p14="http://schemas.microsoft.com/office/powerpoint/2010/main" xmlns:p15="http://schemas.microsoft.com/office/powerpoint/2012/main" xmlns:mc="http://schemas.openxmlformats.org/markup-compatibility/2006" type="tx" preserve="1">
+<p:sldLayout xmlns:a="http://schemas.openxmlformats.org/drawingml/2006/main" xmlns:r="http://schemas.openxmlformats.org/officeDocument/2006/relationships" xmlns:p="http://schemas.openxmlformats.org/presentationml/2006/main" type="tx" preserve="1">
   <p:cSld name="Title Slide">
     <p:spTree>
       <p:nvGrpSpPr>
@@ -1204,9 +1361,10 @@
           </a:prstGeom>
         </p:spPr>
         <p:txBody>
-          <a:bodyPr lIns="0" rIns="0" tIns="0" bIns="0" anchor="ctr"/>
-          <a:p>
-            <a:endParaRPr b="0" lang="en-US" sz="1800" spc="-1" strike="noStrike">
+          <a:bodyPr lIns="0" tIns="0" rIns="0" bIns="0" anchor="ctr"/>
+          <a:lstStyle/>
+          <a:p>
+            <a:endParaRPr lang="en-US" sz="1800" b="0" strike="noStrike" spc="-1">
               <a:solidFill>
                 <a:srgbClr val="000000"/>
               </a:solidFill>
@@ -1235,10 +1393,11 @@
           </a:prstGeom>
         </p:spPr>
         <p:txBody>
-          <a:bodyPr lIns="0" rIns="0" tIns="0" bIns="0" anchor="ctr"/>
+          <a:bodyPr lIns="0" tIns="0" rIns="0" bIns="0" anchor="ctr"/>
+          <a:lstStyle/>
           <a:p>
             <a:pPr algn="ctr"/>
-            <a:endParaRPr b="0" lang="en-US" sz="3200" spc="-1" strike="noStrike">
+            <a:endParaRPr lang="en-US" sz="3200" b="0" strike="noStrike" spc="-1">
               <a:latin typeface="Arial"/>
             </a:endParaRPr>
           </a:p>
@@ -1246,11 +1405,14 @@
       </p:sp>
     </p:spTree>
   </p:cSld>
+  <p:clrMapOvr>
+    <a:masterClrMapping/>
+  </p:clrMapOvr>
 </p:sldLayout>
 </file>
 
 <file path=ppt/slideLayouts/slideLayout20.xml><?xml version="1.0" encoding="utf-8"?>
-<p:sldLayout xmlns:a="http://schemas.openxmlformats.org/drawingml/2006/main" xmlns:p="http://schemas.openxmlformats.org/presentationml/2006/main" xmlns:r="http://schemas.openxmlformats.org/officeDocument/2006/relationships" xmlns:p14="http://schemas.microsoft.com/office/powerpoint/2010/main" xmlns:p15="http://schemas.microsoft.com/office/powerpoint/2012/main" xmlns:mc="http://schemas.openxmlformats.org/markup-compatibility/2006" type="objAndTwoObj" preserve="1">
+<p:sldLayout xmlns:a="http://schemas.openxmlformats.org/drawingml/2006/main" xmlns:r="http://schemas.openxmlformats.org/officeDocument/2006/relationships" xmlns:p="http://schemas.openxmlformats.org/presentationml/2006/main" type="objAndTwoObj" preserve="1">
   <p:cSld name="Title Content and 2 Content">
     <p:spTree>
       <p:nvGrpSpPr>
@@ -1286,9 +1448,10 @@
           </a:prstGeom>
         </p:spPr>
         <p:txBody>
-          <a:bodyPr lIns="0" rIns="0" tIns="0" bIns="0" anchor="ctr"/>
-          <a:p>
-            <a:endParaRPr b="0" lang="en-US" sz="1800" spc="-1" strike="noStrike">
+          <a:bodyPr lIns="0" tIns="0" rIns="0" bIns="0" anchor="ctr"/>
+          <a:lstStyle/>
+          <a:p>
+            <a:endParaRPr lang="en-US" sz="1800" b="0" strike="noStrike" spc="-1">
               <a:solidFill>
                 <a:srgbClr val="000000"/>
               </a:solidFill>
@@ -1317,11 +1480,12 @@
           </a:prstGeom>
         </p:spPr>
         <p:txBody>
-          <a:bodyPr lIns="0" rIns="0" tIns="0" bIns="0">
+          <a:bodyPr lIns="0" tIns="0" rIns="0" bIns="0">
             <a:normAutofit/>
           </a:bodyPr>
-          <a:p>
-            <a:endParaRPr b="0" lang="en-US" sz="1800" spc="-1" strike="noStrike">
+          <a:lstStyle/>
+          <a:p>
+            <a:endParaRPr lang="en-US" sz="1800" b="0" strike="noStrike" spc="-1">
               <a:solidFill>
                 <a:srgbClr val="000000"/>
               </a:solidFill>
@@ -1350,11 +1514,12 @@
           </a:prstGeom>
         </p:spPr>
         <p:txBody>
-          <a:bodyPr lIns="0" rIns="0" tIns="0" bIns="0">
+          <a:bodyPr lIns="0" tIns="0" rIns="0" bIns="0">
             <a:normAutofit/>
           </a:bodyPr>
-          <a:p>
-            <a:endParaRPr b="0" lang="en-US" sz="1800" spc="-1" strike="noStrike">
+          <a:lstStyle/>
+          <a:p>
+            <a:endParaRPr lang="en-US" sz="1800" b="0" strike="noStrike" spc="-1">
               <a:solidFill>
                 <a:srgbClr val="000000"/>
               </a:solidFill>
@@ -1383,11 +1548,12 @@
           </a:prstGeom>
         </p:spPr>
         <p:txBody>
-          <a:bodyPr lIns="0" rIns="0" tIns="0" bIns="0">
+          <a:bodyPr lIns="0" tIns="0" rIns="0" bIns="0">
             <a:normAutofit/>
           </a:bodyPr>
-          <a:p>
-            <a:endParaRPr b="0" lang="en-US" sz="1800" spc="-1" strike="noStrike">
+          <a:lstStyle/>
+          <a:p>
+            <a:endParaRPr lang="en-US" sz="1800" b="0" strike="noStrike" spc="-1">
               <a:solidFill>
                 <a:srgbClr val="000000"/>
               </a:solidFill>
@@ -1398,11 +1564,14 @@
       </p:sp>
     </p:spTree>
   </p:cSld>
+  <p:clrMapOvr>
+    <a:masterClrMapping/>
+  </p:clrMapOvr>
 </p:sldLayout>
 </file>
 
 <file path=ppt/slideLayouts/slideLayout21.xml><?xml version="1.0" encoding="utf-8"?>
-<p:sldLayout xmlns:a="http://schemas.openxmlformats.org/drawingml/2006/main" xmlns:p="http://schemas.openxmlformats.org/presentationml/2006/main" xmlns:r="http://schemas.openxmlformats.org/officeDocument/2006/relationships" xmlns:p14="http://schemas.microsoft.com/office/powerpoint/2010/main" xmlns:p15="http://schemas.microsoft.com/office/powerpoint/2012/main" xmlns:mc="http://schemas.openxmlformats.org/markup-compatibility/2006" type="twoObjOverTx" preserve="1">
+<p:sldLayout xmlns:a="http://schemas.openxmlformats.org/drawingml/2006/main" xmlns:r="http://schemas.openxmlformats.org/officeDocument/2006/relationships" xmlns:p="http://schemas.openxmlformats.org/presentationml/2006/main" type="twoObjOverTx" preserve="1">
   <p:cSld name="Title, 2 Content over Content">
     <p:spTree>
       <p:nvGrpSpPr>
@@ -1438,9 +1607,10 @@
           </a:prstGeom>
         </p:spPr>
         <p:txBody>
-          <a:bodyPr lIns="0" rIns="0" tIns="0" bIns="0" anchor="ctr"/>
-          <a:p>
-            <a:endParaRPr b="0" lang="en-US" sz="1800" spc="-1" strike="noStrike">
+          <a:bodyPr lIns="0" tIns="0" rIns="0" bIns="0" anchor="ctr"/>
+          <a:lstStyle/>
+          <a:p>
+            <a:endParaRPr lang="en-US" sz="1800" b="0" strike="noStrike" spc="-1">
               <a:solidFill>
                 <a:srgbClr val="000000"/>
               </a:solidFill>
@@ -1469,11 +1639,12 @@
           </a:prstGeom>
         </p:spPr>
         <p:txBody>
-          <a:bodyPr lIns="0" rIns="0" tIns="0" bIns="0">
+          <a:bodyPr lIns="0" tIns="0" rIns="0" bIns="0">
             <a:normAutofit/>
           </a:bodyPr>
-          <a:p>
-            <a:endParaRPr b="0" lang="en-US" sz="1800" spc="-1" strike="noStrike">
+          <a:lstStyle/>
+          <a:p>
+            <a:endParaRPr lang="en-US" sz="1800" b="0" strike="noStrike" spc="-1">
               <a:solidFill>
                 <a:srgbClr val="000000"/>
               </a:solidFill>
@@ -1502,11 +1673,12 @@
           </a:prstGeom>
         </p:spPr>
         <p:txBody>
-          <a:bodyPr lIns="0" rIns="0" tIns="0" bIns="0">
+          <a:bodyPr lIns="0" tIns="0" rIns="0" bIns="0">
             <a:normAutofit/>
           </a:bodyPr>
-          <a:p>
-            <a:endParaRPr b="0" lang="en-US" sz="1800" spc="-1" strike="noStrike">
+          <a:lstStyle/>
+          <a:p>
+            <a:endParaRPr lang="en-US" sz="1800" b="0" strike="noStrike" spc="-1">
               <a:solidFill>
                 <a:srgbClr val="000000"/>
               </a:solidFill>
@@ -1535,11 +1707,12 @@
           </a:prstGeom>
         </p:spPr>
         <p:txBody>
-          <a:bodyPr lIns="0" rIns="0" tIns="0" bIns="0">
+          <a:bodyPr lIns="0" tIns="0" rIns="0" bIns="0">
             <a:normAutofit/>
           </a:bodyPr>
-          <a:p>
-            <a:endParaRPr b="0" lang="en-US" sz="1800" spc="-1" strike="noStrike">
+          <a:lstStyle/>
+          <a:p>
+            <a:endParaRPr lang="en-US" sz="1800" b="0" strike="noStrike" spc="-1">
               <a:solidFill>
                 <a:srgbClr val="000000"/>
               </a:solidFill>
@@ -1550,11 +1723,14 @@
       </p:sp>
     </p:spTree>
   </p:cSld>
+  <p:clrMapOvr>
+    <a:masterClrMapping/>
+  </p:clrMapOvr>
 </p:sldLayout>
 </file>
 
 <file path=ppt/slideLayouts/slideLayout22.xml><?xml version="1.0" encoding="utf-8"?>
-<p:sldLayout xmlns:a="http://schemas.openxmlformats.org/drawingml/2006/main" xmlns:p="http://schemas.openxmlformats.org/presentationml/2006/main" xmlns:r="http://schemas.openxmlformats.org/officeDocument/2006/relationships" xmlns:p14="http://schemas.microsoft.com/office/powerpoint/2010/main" xmlns:p15="http://schemas.microsoft.com/office/powerpoint/2012/main" xmlns:mc="http://schemas.openxmlformats.org/markup-compatibility/2006" type="objOverTx" preserve="1">
+<p:sldLayout xmlns:a="http://schemas.openxmlformats.org/drawingml/2006/main" xmlns:r="http://schemas.openxmlformats.org/officeDocument/2006/relationships" xmlns:p="http://schemas.openxmlformats.org/presentationml/2006/main" type="objOverTx" preserve="1">
   <p:cSld name="Title, Content over Content">
     <p:spTree>
       <p:nvGrpSpPr>
@@ -1590,9 +1766,10 @@
           </a:prstGeom>
         </p:spPr>
         <p:txBody>
-          <a:bodyPr lIns="0" rIns="0" tIns="0" bIns="0" anchor="ctr"/>
-          <a:p>
-            <a:endParaRPr b="0" lang="en-US" sz="1800" spc="-1" strike="noStrike">
+          <a:bodyPr lIns="0" tIns="0" rIns="0" bIns="0" anchor="ctr"/>
+          <a:lstStyle/>
+          <a:p>
+            <a:endParaRPr lang="en-US" sz="1800" b="0" strike="noStrike" spc="-1">
               <a:solidFill>
                 <a:srgbClr val="000000"/>
               </a:solidFill>
@@ -1621,11 +1798,12 @@
           </a:prstGeom>
         </p:spPr>
         <p:txBody>
-          <a:bodyPr lIns="0" rIns="0" tIns="0" bIns="0">
+          <a:bodyPr lIns="0" tIns="0" rIns="0" bIns="0">
             <a:normAutofit/>
           </a:bodyPr>
-          <a:p>
-            <a:endParaRPr b="0" lang="en-US" sz="1800" spc="-1" strike="noStrike">
+          <a:lstStyle/>
+          <a:p>
+            <a:endParaRPr lang="en-US" sz="1800" b="0" strike="noStrike" spc="-1">
               <a:solidFill>
                 <a:srgbClr val="000000"/>
               </a:solidFill>
@@ -1654,11 +1832,12 @@
           </a:prstGeom>
         </p:spPr>
         <p:txBody>
-          <a:bodyPr lIns="0" rIns="0" tIns="0" bIns="0">
+          <a:bodyPr lIns="0" tIns="0" rIns="0" bIns="0">
             <a:normAutofit/>
           </a:bodyPr>
-          <a:p>
-            <a:endParaRPr b="0" lang="en-US" sz="1800" spc="-1" strike="noStrike">
+          <a:lstStyle/>
+          <a:p>
+            <a:endParaRPr lang="en-US" sz="1800" b="0" strike="noStrike" spc="-1">
               <a:solidFill>
                 <a:srgbClr val="000000"/>
               </a:solidFill>
@@ -1669,11 +1848,14 @@
       </p:sp>
     </p:spTree>
   </p:cSld>
+  <p:clrMapOvr>
+    <a:masterClrMapping/>
+  </p:clrMapOvr>
 </p:sldLayout>
 </file>
 
 <file path=ppt/slideLayouts/slideLayout23.xml><?xml version="1.0" encoding="utf-8"?>
-<p:sldLayout xmlns:a="http://schemas.openxmlformats.org/drawingml/2006/main" xmlns:p="http://schemas.openxmlformats.org/presentationml/2006/main" xmlns:r="http://schemas.openxmlformats.org/officeDocument/2006/relationships" xmlns:p14="http://schemas.microsoft.com/office/powerpoint/2010/main" xmlns:p15="http://schemas.microsoft.com/office/powerpoint/2012/main" xmlns:mc="http://schemas.openxmlformats.org/markup-compatibility/2006" type="fourObj" preserve="1">
+<p:sldLayout xmlns:a="http://schemas.openxmlformats.org/drawingml/2006/main" xmlns:r="http://schemas.openxmlformats.org/officeDocument/2006/relationships" xmlns:p="http://schemas.openxmlformats.org/presentationml/2006/main" type="fourObj" preserve="1">
   <p:cSld name="Title, 4 Content">
     <p:spTree>
       <p:nvGrpSpPr>
@@ -1709,9 +1891,10 @@
           </a:prstGeom>
         </p:spPr>
         <p:txBody>
-          <a:bodyPr lIns="0" rIns="0" tIns="0" bIns="0" anchor="ctr"/>
-          <a:p>
-            <a:endParaRPr b="0" lang="en-US" sz="1800" spc="-1" strike="noStrike">
+          <a:bodyPr lIns="0" tIns="0" rIns="0" bIns="0" anchor="ctr"/>
+          <a:lstStyle/>
+          <a:p>
+            <a:endParaRPr lang="en-US" sz="1800" b="0" strike="noStrike" spc="-1">
               <a:solidFill>
                 <a:srgbClr val="000000"/>
               </a:solidFill>
@@ -1740,11 +1923,12 @@
           </a:prstGeom>
         </p:spPr>
         <p:txBody>
-          <a:bodyPr lIns="0" rIns="0" tIns="0" bIns="0">
+          <a:bodyPr lIns="0" tIns="0" rIns="0" bIns="0">
             <a:normAutofit/>
           </a:bodyPr>
-          <a:p>
-            <a:endParaRPr b="0" lang="en-US" sz="1800" spc="-1" strike="noStrike">
+          <a:lstStyle/>
+          <a:p>
+            <a:endParaRPr lang="en-US" sz="1800" b="0" strike="noStrike" spc="-1">
               <a:solidFill>
                 <a:srgbClr val="000000"/>
               </a:solidFill>
@@ -1773,11 +1957,12 @@
           </a:prstGeom>
         </p:spPr>
         <p:txBody>
-          <a:bodyPr lIns="0" rIns="0" tIns="0" bIns="0">
+          <a:bodyPr lIns="0" tIns="0" rIns="0" bIns="0">
             <a:normAutofit/>
           </a:bodyPr>
-          <a:p>
-            <a:endParaRPr b="0" lang="en-US" sz="1800" spc="-1" strike="noStrike">
+          <a:lstStyle/>
+          <a:p>
+            <a:endParaRPr lang="en-US" sz="1800" b="0" strike="noStrike" spc="-1">
               <a:solidFill>
                 <a:srgbClr val="000000"/>
               </a:solidFill>
@@ -1806,11 +1991,12 @@
           </a:prstGeom>
         </p:spPr>
         <p:txBody>
-          <a:bodyPr lIns="0" rIns="0" tIns="0" bIns="0">
+          <a:bodyPr lIns="0" tIns="0" rIns="0" bIns="0">
             <a:normAutofit/>
           </a:bodyPr>
-          <a:p>
-            <a:endParaRPr b="0" lang="en-US" sz="1800" spc="-1" strike="noStrike">
+          <a:lstStyle/>
+          <a:p>
+            <a:endParaRPr lang="en-US" sz="1800" b="0" strike="noStrike" spc="-1">
               <a:solidFill>
                 <a:srgbClr val="000000"/>
               </a:solidFill>
@@ -1839,11 +2025,12 @@
           </a:prstGeom>
         </p:spPr>
         <p:txBody>
-          <a:bodyPr lIns="0" rIns="0" tIns="0" bIns="0">
+          <a:bodyPr lIns="0" tIns="0" rIns="0" bIns="0">
             <a:normAutofit/>
           </a:bodyPr>
-          <a:p>
-            <a:endParaRPr b="0" lang="en-US" sz="1800" spc="-1" strike="noStrike">
+          <a:lstStyle/>
+          <a:p>
+            <a:endParaRPr lang="en-US" sz="1800" b="0" strike="noStrike" spc="-1">
               <a:solidFill>
                 <a:srgbClr val="000000"/>
               </a:solidFill>
@@ -1854,11 +2041,14 @@
       </p:sp>
     </p:spTree>
   </p:cSld>
+  <p:clrMapOvr>
+    <a:masterClrMapping/>
+  </p:clrMapOvr>
 </p:sldLayout>
 </file>
 
 <file path=ppt/slideLayouts/slideLayout24.xml><?xml version="1.0" encoding="utf-8"?>
-<p:sldLayout xmlns:a="http://schemas.openxmlformats.org/drawingml/2006/main" xmlns:p="http://schemas.openxmlformats.org/presentationml/2006/main" xmlns:r="http://schemas.openxmlformats.org/officeDocument/2006/relationships" xmlns:p14="http://schemas.microsoft.com/office/powerpoint/2010/main" xmlns:p15="http://schemas.microsoft.com/office/powerpoint/2012/main" xmlns:mc="http://schemas.openxmlformats.org/markup-compatibility/2006" type="blank" preserve="1">
+<p:sldLayout xmlns:a="http://schemas.openxmlformats.org/drawingml/2006/main" xmlns:r="http://schemas.openxmlformats.org/officeDocument/2006/relationships" xmlns:p="http://schemas.openxmlformats.org/presentationml/2006/main" type="blank" preserve="1">
   <p:cSld name="Title, 6 Content">
     <p:spTree>
       <p:nvGrpSpPr>
@@ -1894,9 +2084,10 @@
           </a:prstGeom>
         </p:spPr>
         <p:txBody>
-          <a:bodyPr lIns="0" rIns="0" tIns="0" bIns="0" anchor="ctr"/>
-          <a:p>
-            <a:endParaRPr b="0" lang="en-US" sz="1800" spc="-1" strike="noStrike">
+          <a:bodyPr lIns="0" tIns="0" rIns="0" bIns="0" anchor="ctr"/>
+          <a:lstStyle/>
+          <a:p>
+            <a:endParaRPr lang="en-US" sz="1800" b="0" strike="noStrike" spc="-1">
               <a:solidFill>
                 <a:srgbClr val="000000"/>
               </a:solidFill>
@@ -1925,11 +2116,12 @@
           </a:prstGeom>
         </p:spPr>
         <p:txBody>
-          <a:bodyPr lIns="0" rIns="0" tIns="0" bIns="0">
+          <a:bodyPr lIns="0" tIns="0" rIns="0" bIns="0">
             <a:normAutofit/>
           </a:bodyPr>
-          <a:p>
-            <a:endParaRPr b="0" lang="en-US" sz="1800" spc="-1" strike="noStrike">
+          <a:lstStyle/>
+          <a:p>
+            <a:endParaRPr lang="en-US" sz="1800" b="0" strike="noStrike" spc="-1">
               <a:solidFill>
                 <a:srgbClr val="000000"/>
               </a:solidFill>
@@ -1958,11 +2150,12 @@
           </a:prstGeom>
         </p:spPr>
         <p:txBody>
-          <a:bodyPr lIns="0" rIns="0" tIns="0" bIns="0">
+          <a:bodyPr lIns="0" tIns="0" rIns="0" bIns="0">
             <a:normAutofit/>
           </a:bodyPr>
-          <a:p>
-            <a:endParaRPr b="0" lang="en-US" sz="1800" spc="-1" strike="noStrike">
+          <a:lstStyle/>
+          <a:p>
+            <a:endParaRPr lang="en-US" sz="1800" b="0" strike="noStrike" spc="-1">
               <a:solidFill>
                 <a:srgbClr val="000000"/>
               </a:solidFill>
@@ -1991,11 +2184,12 @@
           </a:prstGeom>
         </p:spPr>
         <p:txBody>
-          <a:bodyPr lIns="0" rIns="0" tIns="0" bIns="0">
+          <a:bodyPr lIns="0" tIns="0" rIns="0" bIns="0">
             <a:normAutofit/>
           </a:bodyPr>
-          <a:p>
-            <a:endParaRPr b="0" lang="en-US" sz="1800" spc="-1" strike="noStrike">
+          <a:lstStyle/>
+          <a:p>
+            <a:endParaRPr lang="en-US" sz="1800" b="0" strike="noStrike" spc="-1">
               <a:solidFill>
                 <a:srgbClr val="000000"/>
               </a:solidFill>
@@ -2024,11 +2218,12 @@
           </a:prstGeom>
         </p:spPr>
         <p:txBody>
-          <a:bodyPr lIns="0" rIns="0" tIns="0" bIns="0">
+          <a:bodyPr lIns="0" tIns="0" rIns="0" bIns="0">
             <a:normAutofit/>
           </a:bodyPr>
-          <a:p>
-            <a:endParaRPr b="0" lang="en-US" sz="1800" spc="-1" strike="noStrike">
+          <a:lstStyle/>
+          <a:p>
+            <a:endParaRPr lang="en-US" sz="1800" b="0" strike="noStrike" spc="-1">
               <a:solidFill>
                 <a:srgbClr val="000000"/>
               </a:solidFill>
@@ -2057,11 +2252,12 @@
           </a:prstGeom>
         </p:spPr>
         <p:txBody>
-          <a:bodyPr lIns="0" rIns="0" tIns="0" bIns="0">
+          <a:bodyPr lIns="0" tIns="0" rIns="0" bIns="0">
             <a:normAutofit/>
           </a:bodyPr>
-          <a:p>
-            <a:endParaRPr b="0" lang="en-US" sz="1800" spc="-1" strike="noStrike">
+          <a:lstStyle/>
+          <a:p>
+            <a:endParaRPr lang="en-US" sz="1800" b="0" strike="noStrike" spc="-1">
               <a:solidFill>
                 <a:srgbClr val="000000"/>
               </a:solidFill>
@@ -2090,11 +2286,12 @@
           </a:prstGeom>
         </p:spPr>
         <p:txBody>
-          <a:bodyPr lIns="0" rIns="0" tIns="0" bIns="0">
+          <a:bodyPr lIns="0" tIns="0" rIns="0" bIns="0">
             <a:normAutofit/>
           </a:bodyPr>
-          <a:p>
-            <a:endParaRPr b="0" lang="en-US" sz="1800" spc="-1" strike="noStrike">
+          <a:lstStyle/>
+          <a:p>
+            <a:endParaRPr lang="en-US" sz="1800" b="0" strike="noStrike" spc="-1">
               <a:solidFill>
                 <a:srgbClr val="000000"/>
               </a:solidFill>
@@ -2105,11 +2302,14 @@
       </p:sp>
     </p:spTree>
   </p:cSld>
+  <p:clrMapOvr>
+    <a:masterClrMapping/>
+  </p:clrMapOvr>
 </p:sldLayout>
 </file>
 
 <file path=ppt/slideLayouts/slideLayout25.xml><?xml version="1.0" encoding="utf-8"?>
-<p:sldLayout xmlns:a="http://schemas.openxmlformats.org/drawingml/2006/main" xmlns:p="http://schemas.openxmlformats.org/presentationml/2006/main" xmlns:r="http://schemas.openxmlformats.org/officeDocument/2006/relationships" xmlns:p14="http://schemas.microsoft.com/office/powerpoint/2010/main" xmlns:p15="http://schemas.microsoft.com/office/powerpoint/2012/main" xmlns:mc="http://schemas.openxmlformats.org/markup-compatibility/2006" type="blank" preserve="1">
+<p:sldLayout xmlns:a="http://schemas.openxmlformats.org/drawingml/2006/main" xmlns:r="http://schemas.openxmlformats.org/officeDocument/2006/relationships" xmlns:p="http://schemas.openxmlformats.org/presentationml/2006/main" type="blank" preserve="1">
   <p:cSld name="Blank Slide">
     <p:spTree>
       <p:nvGrpSpPr>
@@ -2127,11 +2327,14 @@
       </p:grpSpPr>
     </p:spTree>
   </p:cSld>
+  <p:clrMapOvr>
+    <a:masterClrMapping/>
+  </p:clrMapOvr>
 </p:sldLayout>
 </file>
 
 <file path=ppt/slideLayouts/slideLayout26.xml><?xml version="1.0" encoding="utf-8"?>
-<p:sldLayout xmlns:a="http://schemas.openxmlformats.org/drawingml/2006/main" xmlns:p="http://schemas.openxmlformats.org/presentationml/2006/main" xmlns:r="http://schemas.openxmlformats.org/officeDocument/2006/relationships" xmlns:p14="http://schemas.microsoft.com/office/powerpoint/2010/main" xmlns:p15="http://schemas.microsoft.com/office/powerpoint/2012/main" xmlns:mc="http://schemas.openxmlformats.org/markup-compatibility/2006" type="tx" preserve="1">
+<p:sldLayout xmlns:a="http://schemas.openxmlformats.org/drawingml/2006/main" xmlns:r="http://schemas.openxmlformats.org/officeDocument/2006/relationships" xmlns:p="http://schemas.openxmlformats.org/presentationml/2006/main" type="tx" preserve="1">
   <p:cSld name="Title Slide">
     <p:spTree>
       <p:nvGrpSpPr>
@@ -2167,9 +2370,10 @@
           </a:prstGeom>
         </p:spPr>
         <p:txBody>
-          <a:bodyPr lIns="0" rIns="0" tIns="0" bIns="0" anchor="ctr"/>
-          <a:p>
-            <a:endParaRPr b="0" lang="en-US" sz="1800" spc="-1" strike="noStrike">
+          <a:bodyPr lIns="0" tIns="0" rIns="0" bIns="0" anchor="ctr"/>
+          <a:lstStyle/>
+          <a:p>
+            <a:endParaRPr lang="en-US" sz="1800" b="0" strike="noStrike" spc="-1">
               <a:solidFill>
                 <a:srgbClr val="000000"/>
               </a:solidFill>
@@ -2198,10 +2402,11 @@
           </a:prstGeom>
         </p:spPr>
         <p:txBody>
-          <a:bodyPr lIns="0" rIns="0" tIns="0" bIns="0" anchor="ctr"/>
+          <a:bodyPr lIns="0" tIns="0" rIns="0" bIns="0" anchor="ctr"/>
+          <a:lstStyle/>
           <a:p>
             <a:pPr algn="ctr"/>
-            <a:endParaRPr b="0" lang="en-US" sz="3200" spc="-1" strike="noStrike">
+            <a:endParaRPr lang="en-US" sz="3200" b="0" strike="noStrike" spc="-1">
               <a:latin typeface="Arial"/>
             </a:endParaRPr>
           </a:p>
@@ -2209,11 +2414,14 @@
       </p:sp>
     </p:spTree>
   </p:cSld>
+  <p:clrMapOvr>
+    <a:masterClrMapping/>
+  </p:clrMapOvr>
 </p:sldLayout>
 </file>
 
 <file path=ppt/slideLayouts/slideLayout27.xml><?xml version="1.0" encoding="utf-8"?>
-<p:sldLayout xmlns:a="http://schemas.openxmlformats.org/drawingml/2006/main" xmlns:p="http://schemas.openxmlformats.org/presentationml/2006/main" xmlns:r="http://schemas.openxmlformats.org/officeDocument/2006/relationships" xmlns:p14="http://schemas.microsoft.com/office/powerpoint/2010/main" xmlns:p15="http://schemas.microsoft.com/office/powerpoint/2012/main" xmlns:mc="http://schemas.openxmlformats.org/markup-compatibility/2006" type="obj" preserve="1">
+<p:sldLayout xmlns:a="http://schemas.openxmlformats.org/drawingml/2006/main" xmlns:r="http://schemas.openxmlformats.org/officeDocument/2006/relationships" xmlns:p="http://schemas.openxmlformats.org/presentationml/2006/main" type="obj" preserve="1">
   <p:cSld name="Title, Content">
     <p:spTree>
       <p:nvGrpSpPr>
@@ -2249,9 +2457,10 @@
           </a:prstGeom>
         </p:spPr>
         <p:txBody>
-          <a:bodyPr lIns="0" rIns="0" tIns="0" bIns="0" anchor="ctr"/>
-          <a:p>
-            <a:endParaRPr b="0" lang="en-US" sz="1800" spc="-1" strike="noStrike">
+          <a:bodyPr lIns="0" tIns="0" rIns="0" bIns="0" anchor="ctr"/>
+          <a:lstStyle/>
+          <a:p>
+            <a:endParaRPr lang="en-US" sz="1800" b="0" strike="noStrike" spc="-1">
               <a:solidFill>
                 <a:srgbClr val="000000"/>
               </a:solidFill>
@@ -2280,11 +2489,12 @@
           </a:prstGeom>
         </p:spPr>
         <p:txBody>
-          <a:bodyPr lIns="0" rIns="0" tIns="0" bIns="0">
+          <a:bodyPr lIns="0" tIns="0" rIns="0" bIns="0">
             <a:normAutofit/>
           </a:bodyPr>
-          <a:p>
-            <a:endParaRPr b="0" lang="en-US" sz="1800" spc="-1" strike="noStrike">
+          <a:lstStyle/>
+          <a:p>
+            <a:endParaRPr lang="en-US" sz="1800" b="0" strike="noStrike" spc="-1">
               <a:solidFill>
                 <a:srgbClr val="000000"/>
               </a:solidFill>
@@ -2295,11 +2505,14 @@
       </p:sp>
     </p:spTree>
   </p:cSld>
+  <p:clrMapOvr>
+    <a:masterClrMapping/>
+  </p:clrMapOvr>
 </p:sldLayout>
 </file>
 
 <file path=ppt/slideLayouts/slideLayout28.xml><?xml version="1.0" encoding="utf-8"?>
-<p:sldLayout xmlns:a="http://schemas.openxmlformats.org/drawingml/2006/main" xmlns:p="http://schemas.openxmlformats.org/presentationml/2006/main" xmlns:r="http://schemas.openxmlformats.org/officeDocument/2006/relationships" xmlns:p14="http://schemas.microsoft.com/office/powerpoint/2010/main" xmlns:p15="http://schemas.microsoft.com/office/powerpoint/2012/main" xmlns:mc="http://schemas.openxmlformats.org/markup-compatibility/2006" type="twoObj" preserve="1">
+<p:sldLayout xmlns:a="http://schemas.openxmlformats.org/drawingml/2006/main" xmlns:r="http://schemas.openxmlformats.org/officeDocument/2006/relationships" xmlns:p="http://schemas.openxmlformats.org/presentationml/2006/main" type="twoObj" preserve="1">
   <p:cSld name="Title, 2 Content">
     <p:spTree>
       <p:nvGrpSpPr>
@@ -2335,9 +2548,10 @@
           </a:prstGeom>
         </p:spPr>
         <p:txBody>
-          <a:bodyPr lIns="0" rIns="0" tIns="0" bIns="0" anchor="ctr"/>
-          <a:p>
-            <a:endParaRPr b="0" lang="en-US" sz="1800" spc="-1" strike="noStrike">
+          <a:bodyPr lIns="0" tIns="0" rIns="0" bIns="0" anchor="ctr"/>
+          <a:lstStyle/>
+          <a:p>
+            <a:endParaRPr lang="en-US" sz="1800" b="0" strike="noStrike" spc="-1">
               <a:solidFill>
                 <a:srgbClr val="000000"/>
               </a:solidFill>
@@ -2366,11 +2580,12 @@
           </a:prstGeom>
         </p:spPr>
         <p:txBody>
-          <a:bodyPr lIns="0" rIns="0" tIns="0" bIns="0">
+          <a:bodyPr lIns="0" tIns="0" rIns="0" bIns="0">
             <a:normAutofit/>
           </a:bodyPr>
-          <a:p>
-            <a:endParaRPr b="0" lang="en-US" sz="1800" spc="-1" strike="noStrike">
+          <a:lstStyle/>
+          <a:p>
+            <a:endParaRPr lang="en-US" sz="1800" b="0" strike="noStrike" spc="-1">
               <a:solidFill>
                 <a:srgbClr val="000000"/>
               </a:solidFill>
@@ -2399,11 +2614,12 @@
           </a:prstGeom>
         </p:spPr>
         <p:txBody>
-          <a:bodyPr lIns="0" rIns="0" tIns="0" bIns="0">
+          <a:bodyPr lIns="0" tIns="0" rIns="0" bIns="0">
             <a:normAutofit/>
           </a:bodyPr>
-          <a:p>
-            <a:endParaRPr b="0" lang="en-US" sz="1800" spc="-1" strike="noStrike">
+          <a:lstStyle/>
+          <a:p>
+            <a:endParaRPr lang="en-US" sz="1800" b="0" strike="noStrike" spc="-1">
               <a:solidFill>
                 <a:srgbClr val="000000"/>
               </a:solidFill>
@@ -2414,11 +2630,14 @@
       </p:sp>
     </p:spTree>
   </p:cSld>
+  <p:clrMapOvr>
+    <a:masterClrMapping/>
+  </p:clrMapOvr>
 </p:sldLayout>
 </file>
 
 <file path=ppt/slideLayouts/slideLayout29.xml><?xml version="1.0" encoding="utf-8"?>
-<p:sldLayout xmlns:a="http://schemas.openxmlformats.org/drawingml/2006/main" xmlns:p="http://schemas.openxmlformats.org/presentationml/2006/main" xmlns:r="http://schemas.openxmlformats.org/officeDocument/2006/relationships" xmlns:p14="http://schemas.microsoft.com/office/powerpoint/2010/main" xmlns:p15="http://schemas.microsoft.com/office/powerpoint/2012/main" xmlns:mc="http://schemas.openxmlformats.org/markup-compatibility/2006" type="titleOnly" preserve="1">
+<p:sldLayout xmlns:a="http://schemas.openxmlformats.org/drawingml/2006/main" xmlns:r="http://schemas.openxmlformats.org/officeDocument/2006/relationships" xmlns:p="http://schemas.openxmlformats.org/presentationml/2006/main" type="titleOnly" preserve="1">
   <p:cSld name="Title Only">
     <p:spTree>
       <p:nvGrpSpPr>
@@ -2454,9 +2673,10 @@
           </a:prstGeom>
         </p:spPr>
         <p:txBody>
-          <a:bodyPr lIns="0" rIns="0" tIns="0" bIns="0" anchor="ctr"/>
-          <a:p>
-            <a:endParaRPr b="0" lang="en-US" sz="1800" spc="-1" strike="noStrike">
+          <a:bodyPr lIns="0" tIns="0" rIns="0" bIns="0" anchor="ctr"/>
+          <a:lstStyle/>
+          <a:p>
+            <a:endParaRPr lang="en-US" sz="1800" b="0" strike="noStrike" spc="-1">
               <a:solidFill>
                 <a:srgbClr val="000000"/>
               </a:solidFill>
@@ -2467,11 +2687,14 @@
       </p:sp>
     </p:spTree>
   </p:cSld>
+  <p:clrMapOvr>
+    <a:masterClrMapping/>
+  </p:clrMapOvr>
 </p:sldLayout>
 </file>
 
 <file path=ppt/slideLayouts/slideLayout3.xml><?xml version="1.0" encoding="utf-8"?>
-<p:sldLayout xmlns:a="http://schemas.openxmlformats.org/drawingml/2006/main" xmlns:p="http://schemas.openxmlformats.org/presentationml/2006/main" xmlns:r="http://schemas.openxmlformats.org/officeDocument/2006/relationships" xmlns:p14="http://schemas.microsoft.com/office/powerpoint/2010/main" xmlns:p15="http://schemas.microsoft.com/office/powerpoint/2012/main" xmlns:mc="http://schemas.openxmlformats.org/markup-compatibility/2006" type="obj" preserve="1">
+<p:sldLayout xmlns:a="http://schemas.openxmlformats.org/drawingml/2006/main" xmlns:r="http://schemas.openxmlformats.org/officeDocument/2006/relationships" xmlns:p="http://schemas.openxmlformats.org/presentationml/2006/main" type="obj" preserve="1">
   <p:cSld name="Title, Content">
     <p:spTree>
       <p:nvGrpSpPr>
@@ -2507,9 +2730,10 @@
           </a:prstGeom>
         </p:spPr>
         <p:txBody>
-          <a:bodyPr lIns="0" rIns="0" tIns="0" bIns="0" anchor="ctr"/>
-          <a:p>
-            <a:endParaRPr b="0" lang="en-US" sz="1800" spc="-1" strike="noStrike">
+          <a:bodyPr lIns="0" tIns="0" rIns="0" bIns="0" anchor="ctr"/>
+          <a:lstStyle/>
+          <a:p>
+            <a:endParaRPr lang="en-US" sz="1800" b="0" strike="noStrike" spc="-1">
               <a:solidFill>
                 <a:srgbClr val="000000"/>
               </a:solidFill>
@@ -2538,11 +2762,12 @@
           </a:prstGeom>
         </p:spPr>
         <p:txBody>
-          <a:bodyPr lIns="0" rIns="0" tIns="0" bIns="0">
+          <a:bodyPr lIns="0" tIns="0" rIns="0" bIns="0">
             <a:normAutofit/>
           </a:bodyPr>
-          <a:p>
-            <a:endParaRPr b="0" lang="en-US" sz="1800" spc="-1" strike="noStrike">
+          <a:lstStyle/>
+          <a:p>
+            <a:endParaRPr lang="en-US" sz="1800" b="0" strike="noStrike" spc="-1">
               <a:solidFill>
                 <a:srgbClr val="000000"/>
               </a:solidFill>
@@ -2553,11 +2778,14 @@
       </p:sp>
     </p:spTree>
   </p:cSld>
+  <p:clrMapOvr>
+    <a:masterClrMapping/>
+  </p:clrMapOvr>
 </p:sldLayout>
 </file>
 
 <file path=ppt/slideLayouts/slideLayout30.xml><?xml version="1.0" encoding="utf-8"?>
-<p:sldLayout xmlns:a="http://schemas.openxmlformats.org/drawingml/2006/main" xmlns:p="http://schemas.openxmlformats.org/presentationml/2006/main" xmlns:r="http://schemas.openxmlformats.org/officeDocument/2006/relationships" xmlns:p14="http://schemas.microsoft.com/office/powerpoint/2010/main" xmlns:p15="http://schemas.microsoft.com/office/powerpoint/2012/main" xmlns:mc="http://schemas.openxmlformats.org/markup-compatibility/2006" type="objOnly" preserve="1">
+<p:sldLayout xmlns:a="http://schemas.openxmlformats.org/drawingml/2006/main" xmlns:r="http://schemas.openxmlformats.org/officeDocument/2006/relationships" xmlns:p="http://schemas.openxmlformats.org/presentationml/2006/main" type="objOnly" preserve="1">
   <p:cSld name="Centered Text">
     <p:spTree>
       <p:nvGrpSpPr>
@@ -2593,10 +2821,11 @@
           </a:prstGeom>
         </p:spPr>
         <p:txBody>
-          <a:bodyPr lIns="0" rIns="0" tIns="0" bIns="0" anchor="ctr"/>
+          <a:bodyPr lIns="0" tIns="0" rIns="0" bIns="0" anchor="ctr"/>
+          <a:lstStyle/>
           <a:p>
             <a:pPr algn="ctr"/>
-            <a:endParaRPr b="0" lang="en-US" sz="3200" spc="-1" strike="noStrike">
+            <a:endParaRPr lang="en-US" sz="3200" b="0" strike="noStrike" spc="-1">
               <a:latin typeface="Arial"/>
             </a:endParaRPr>
           </a:p>
@@ -2604,11 +2833,14 @@
       </p:sp>
     </p:spTree>
   </p:cSld>
+  <p:clrMapOvr>
+    <a:masterClrMapping/>
+  </p:clrMapOvr>
 </p:sldLayout>
 </file>
 
 <file path=ppt/slideLayouts/slideLayout31.xml><?xml version="1.0" encoding="utf-8"?>
-<p:sldLayout xmlns:a="http://schemas.openxmlformats.org/drawingml/2006/main" xmlns:p="http://schemas.openxmlformats.org/presentationml/2006/main" xmlns:r="http://schemas.openxmlformats.org/officeDocument/2006/relationships" xmlns:p14="http://schemas.microsoft.com/office/powerpoint/2010/main" xmlns:p15="http://schemas.microsoft.com/office/powerpoint/2012/main" xmlns:mc="http://schemas.openxmlformats.org/markup-compatibility/2006" type="twoObjAndObj" preserve="1">
+<p:sldLayout xmlns:a="http://schemas.openxmlformats.org/drawingml/2006/main" xmlns:r="http://schemas.openxmlformats.org/officeDocument/2006/relationships" xmlns:p="http://schemas.openxmlformats.org/presentationml/2006/main" type="twoObjAndObj" preserve="1">
   <p:cSld name="Title, 2 Content and Content">
     <p:spTree>
       <p:nvGrpSpPr>
@@ -2644,9 +2876,10 @@
           </a:prstGeom>
         </p:spPr>
         <p:txBody>
-          <a:bodyPr lIns="0" rIns="0" tIns="0" bIns="0" anchor="ctr"/>
-          <a:p>
-            <a:endParaRPr b="0" lang="en-US" sz="1800" spc="-1" strike="noStrike">
+          <a:bodyPr lIns="0" tIns="0" rIns="0" bIns="0" anchor="ctr"/>
+          <a:lstStyle/>
+          <a:p>
+            <a:endParaRPr lang="en-US" sz="1800" b="0" strike="noStrike" spc="-1">
               <a:solidFill>
                 <a:srgbClr val="000000"/>
               </a:solidFill>
@@ -2675,11 +2908,12 @@
           </a:prstGeom>
         </p:spPr>
         <p:txBody>
-          <a:bodyPr lIns="0" rIns="0" tIns="0" bIns="0">
+          <a:bodyPr lIns="0" tIns="0" rIns="0" bIns="0">
             <a:normAutofit/>
           </a:bodyPr>
-          <a:p>
-            <a:endParaRPr b="0" lang="en-US" sz="1800" spc="-1" strike="noStrike">
+          <a:lstStyle/>
+          <a:p>
+            <a:endParaRPr lang="en-US" sz="1800" b="0" strike="noStrike" spc="-1">
               <a:solidFill>
                 <a:srgbClr val="000000"/>
               </a:solidFill>
@@ -2708,11 +2942,12 @@
           </a:prstGeom>
         </p:spPr>
         <p:txBody>
-          <a:bodyPr lIns="0" rIns="0" tIns="0" bIns="0">
+          <a:bodyPr lIns="0" tIns="0" rIns="0" bIns="0">
             <a:normAutofit/>
           </a:bodyPr>
-          <a:p>
-            <a:endParaRPr b="0" lang="en-US" sz="1800" spc="-1" strike="noStrike">
+          <a:lstStyle/>
+          <a:p>
+            <a:endParaRPr lang="en-US" sz="1800" b="0" strike="noStrike" spc="-1">
               <a:solidFill>
                 <a:srgbClr val="000000"/>
               </a:solidFill>
@@ -2741,11 +2976,12 @@
           </a:prstGeom>
         </p:spPr>
         <p:txBody>
-          <a:bodyPr lIns="0" rIns="0" tIns="0" bIns="0">
+          <a:bodyPr lIns="0" tIns="0" rIns="0" bIns="0">
             <a:normAutofit/>
           </a:bodyPr>
-          <a:p>
-            <a:endParaRPr b="0" lang="en-US" sz="1800" spc="-1" strike="noStrike">
+          <a:lstStyle/>
+          <a:p>
+            <a:endParaRPr lang="en-US" sz="1800" b="0" strike="noStrike" spc="-1">
               <a:solidFill>
                 <a:srgbClr val="000000"/>
               </a:solidFill>
@@ -2756,11 +2992,14 @@
       </p:sp>
     </p:spTree>
   </p:cSld>
+  <p:clrMapOvr>
+    <a:masterClrMapping/>
+  </p:clrMapOvr>
 </p:sldLayout>
 </file>
 
 <file path=ppt/slideLayouts/slideLayout32.xml><?xml version="1.0" encoding="utf-8"?>
-<p:sldLayout xmlns:a="http://schemas.openxmlformats.org/drawingml/2006/main" xmlns:p="http://schemas.openxmlformats.org/presentationml/2006/main" xmlns:r="http://schemas.openxmlformats.org/officeDocument/2006/relationships" xmlns:p14="http://schemas.microsoft.com/office/powerpoint/2010/main" xmlns:p15="http://schemas.microsoft.com/office/powerpoint/2012/main" xmlns:mc="http://schemas.openxmlformats.org/markup-compatibility/2006" type="objAndTwoObj" preserve="1">
+<p:sldLayout xmlns:a="http://schemas.openxmlformats.org/drawingml/2006/main" xmlns:r="http://schemas.openxmlformats.org/officeDocument/2006/relationships" xmlns:p="http://schemas.openxmlformats.org/presentationml/2006/main" type="objAndTwoObj" preserve="1">
   <p:cSld name="Title Content and 2 Content">
     <p:spTree>
       <p:nvGrpSpPr>
@@ -2796,9 +3035,10 @@
           </a:prstGeom>
         </p:spPr>
         <p:txBody>
-          <a:bodyPr lIns="0" rIns="0" tIns="0" bIns="0" anchor="ctr"/>
-          <a:p>
-            <a:endParaRPr b="0" lang="en-US" sz="1800" spc="-1" strike="noStrike">
+          <a:bodyPr lIns="0" tIns="0" rIns="0" bIns="0" anchor="ctr"/>
+          <a:lstStyle/>
+          <a:p>
+            <a:endParaRPr lang="en-US" sz="1800" b="0" strike="noStrike" spc="-1">
               <a:solidFill>
                 <a:srgbClr val="000000"/>
               </a:solidFill>
@@ -2827,11 +3067,12 @@
           </a:prstGeom>
         </p:spPr>
         <p:txBody>
-          <a:bodyPr lIns="0" rIns="0" tIns="0" bIns="0">
+          <a:bodyPr lIns="0" tIns="0" rIns="0" bIns="0">
             <a:normAutofit/>
           </a:bodyPr>
-          <a:p>
-            <a:endParaRPr b="0" lang="en-US" sz="1800" spc="-1" strike="noStrike">
+          <a:lstStyle/>
+          <a:p>
+            <a:endParaRPr lang="en-US" sz="1800" b="0" strike="noStrike" spc="-1">
               <a:solidFill>
                 <a:srgbClr val="000000"/>
               </a:solidFill>
@@ -2860,11 +3101,12 @@
           </a:prstGeom>
         </p:spPr>
         <p:txBody>
-          <a:bodyPr lIns="0" rIns="0" tIns="0" bIns="0">
+          <a:bodyPr lIns="0" tIns="0" rIns="0" bIns="0">
             <a:normAutofit/>
           </a:bodyPr>
-          <a:p>
-            <a:endParaRPr b="0" lang="en-US" sz="1800" spc="-1" strike="noStrike">
+          <a:lstStyle/>
+          <a:p>
+            <a:endParaRPr lang="en-US" sz="1800" b="0" strike="noStrike" spc="-1">
               <a:solidFill>
                 <a:srgbClr val="000000"/>
               </a:solidFill>
@@ -2893,11 +3135,12 @@
           </a:prstGeom>
         </p:spPr>
         <p:txBody>
-          <a:bodyPr lIns="0" rIns="0" tIns="0" bIns="0">
+          <a:bodyPr lIns="0" tIns="0" rIns="0" bIns="0">
             <a:normAutofit/>
           </a:bodyPr>
-          <a:p>
-            <a:endParaRPr b="0" lang="en-US" sz="1800" spc="-1" strike="noStrike">
+          <a:lstStyle/>
+          <a:p>
+            <a:endParaRPr lang="en-US" sz="1800" b="0" strike="noStrike" spc="-1">
               <a:solidFill>
                 <a:srgbClr val="000000"/>
               </a:solidFill>
@@ -2908,11 +3151,14 @@
       </p:sp>
     </p:spTree>
   </p:cSld>
+  <p:clrMapOvr>
+    <a:masterClrMapping/>
+  </p:clrMapOvr>
 </p:sldLayout>
 </file>
 
 <file path=ppt/slideLayouts/slideLayout33.xml><?xml version="1.0" encoding="utf-8"?>
-<p:sldLayout xmlns:a="http://schemas.openxmlformats.org/drawingml/2006/main" xmlns:p="http://schemas.openxmlformats.org/presentationml/2006/main" xmlns:r="http://schemas.openxmlformats.org/officeDocument/2006/relationships" xmlns:p14="http://schemas.microsoft.com/office/powerpoint/2010/main" xmlns:p15="http://schemas.microsoft.com/office/powerpoint/2012/main" xmlns:mc="http://schemas.openxmlformats.org/markup-compatibility/2006" type="twoObjOverTx" preserve="1">
+<p:sldLayout xmlns:a="http://schemas.openxmlformats.org/drawingml/2006/main" xmlns:r="http://schemas.openxmlformats.org/officeDocument/2006/relationships" xmlns:p="http://schemas.openxmlformats.org/presentationml/2006/main" type="twoObjOverTx" preserve="1">
   <p:cSld name="Title, 2 Content over Content">
     <p:spTree>
       <p:nvGrpSpPr>
@@ -2948,9 +3194,10 @@
           </a:prstGeom>
         </p:spPr>
         <p:txBody>
-          <a:bodyPr lIns="0" rIns="0" tIns="0" bIns="0" anchor="ctr"/>
-          <a:p>
-            <a:endParaRPr b="0" lang="en-US" sz="1800" spc="-1" strike="noStrike">
+          <a:bodyPr lIns="0" tIns="0" rIns="0" bIns="0" anchor="ctr"/>
+          <a:lstStyle/>
+          <a:p>
+            <a:endParaRPr lang="en-US" sz="1800" b="0" strike="noStrike" spc="-1">
               <a:solidFill>
                 <a:srgbClr val="000000"/>
               </a:solidFill>
@@ -2979,11 +3226,12 @@
           </a:prstGeom>
         </p:spPr>
         <p:txBody>
-          <a:bodyPr lIns="0" rIns="0" tIns="0" bIns="0">
+          <a:bodyPr lIns="0" tIns="0" rIns="0" bIns="0">
             <a:normAutofit/>
           </a:bodyPr>
-          <a:p>
-            <a:endParaRPr b="0" lang="en-US" sz="1800" spc="-1" strike="noStrike">
+          <a:lstStyle/>
+          <a:p>
+            <a:endParaRPr lang="en-US" sz="1800" b="0" strike="noStrike" spc="-1">
               <a:solidFill>
                 <a:srgbClr val="000000"/>
               </a:solidFill>
@@ -3012,11 +3260,12 @@
           </a:prstGeom>
         </p:spPr>
         <p:txBody>
-          <a:bodyPr lIns="0" rIns="0" tIns="0" bIns="0">
+          <a:bodyPr lIns="0" tIns="0" rIns="0" bIns="0">
             <a:normAutofit/>
           </a:bodyPr>
-          <a:p>
-            <a:endParaRPr b="0" lang="en-US" sz="1800" spc="-1" strike="noStrike">
+          <a:lstStyle/>
+          <a:p>
+            <a:endParaRPr lang="en-US" sz="1800" b="0" strike="noStrike" spc="-1">
               <a:solidFill>
                 <a:srgbClr val="000000"/>
               </a:solidFill>
@@ -3045,11 +3294,12 @@
           </a:prstGeom>
         </p:spPr>
         <p:txBody>
-          <a:bodyPr lIns="0" rIns="0" tIns="0" bIns="0">
+          <a:bodyPr lIns="0" tIns="0" rIns="0" bIns="0">
             <a:normAutofit/>
           </a:bodyPr>
-          <a:p>
-            <a:endParaRPr b="0" lang="en-US" sz="1800" spc="-1" strike="noStrike">
+          <a:lstStyle/>
+          <a:p>
+            <a:endParaRPr lang="en-US" sz="1800" b="0" strike="noStrike" spc="-1">
               <a:solidFill>
                 <a:srgbClr val="000000"/>
               </a:solidFill>
@@ -3060,11 +3310,14 @@
       </p:sp>
     </p:spTree>
   </p:cSld>
+  <p:clrMapOvr>
+    <a:masterClrMapping/>
+  </p:clrMapOvr>
 </p:sldLayout>
 </file>
 
 <file path=ppt/slideLayouts/slideLayout34.xml><?xml version="1.0" encoding="utf-8"?>
-<p:sldLayout xmlns:a="http://schemas.openxmlformats.org/drawingml/2006/main" xmlns:p="http://schemas.openxmlformats.org/presentationml/2006/main" xmlns:r="http://schemas.openxmlformats.org/officeDocument/2006/relationships" xmlns:p14="http://schemas.microsoft.com/office/powerpoint/2010/main" xmlns:p15="http://schemas.microsoft.com/office/powerpoint/2012/main" xmlns:mc="http://schemas.openxmlformats.org/markup-compatibility/2006" type="objOverTx" preserve="1">
+<p:sldLayout xmlns:a="http://schemas.openxmlformats.org/drawingml/2006/main" xmlns:r="http://schemas.openxmlformats.org/officeDocument/2006/relationships" xmlns:p="http://schemas.openxmlformats.org/presentationml/2006/main" type="objOverTx" preserve="1">
   <p:cSld name="Title, Content over Content">
     <p:spTree>
       <p:nvGrpSpPr>
@@ -3100,9 +3353,10 @@
           </a:prstGeom>
         </p:spPr>
         <p:txBody>
-          <a:bodyPr lIns="0" rIns="0" tIns="0" bIns="0" anchor="ctr"/>
-          <a:p>
-            <a:endParaRPr b="0" lang="en-US" sz="1800" spc="-1" strike="noStrike">
+          <a:bodyPr lIns="0" tIns="0" rIns="0" bIns="0" anchor="ctr"/>
+          <a:lstStyle/>
+          <a:p>
+            <a:endParaRPr lang="en-US" sz="1800" b="0" strike="noStrike" spc="-1">
               <a:solidFill>
                 <a:srgbClr val="000000"/>
               </a:solidFill>
@@ -3131,11 +3385,12 @@
           </a:prstGeom>
         </p:spPr>
         <p:txBody>
-          <a:bodyPr lIns="0" rIns="0" tIns="0" bIns="0">
+          <a:bodyPr lIns="0" tIns="0" rIns="0" bIns="0">
             <a:normAutofit/>
           </a:bodyPr>
-          <a:p>
-            <a:endParaRPr b="0" lang="en-US" sz="1800" spc="-1" strike="noStrike">
+          <a:lstStyle/>
+          <a:p>
+            <a:endParaRPr lang="en-US" sz="1800" b="0" strike="noStrike" spc="-1">
               <a:solidFill>
                 <a:srgbClr val="000000"/>
               </a:solidFill>
@@ -3164,11 +3419,12 @@
           </a:prstGeom>
         </p:spPr>
         <p:txBody>
-          <a:bodyPr lIns="0" rIns="0" tIns="0" bIns="0">
+          <a:bodyPr lIns="0" tIns="0" rIns="0" bIns="0">
             <a:normAutofit/>
           </a:bodyPr>
-          <a:p>
-            <a:endParaRPr b="0" lang="en-US" sz="1800" spc="-1" strike="noStrike">
+          <a:lstStyle/>
+          <a:p>
+            <a:endParaRPr lang="en-US" sz="1800" b="0" strike="noStrike" spc="-1">
               <a:solidFill>
                 <a:srgbClr val="000000"/>
               </a:solidFill>
@@ -3179,11 +3435,14 @@
       </p:sp>
     </p:spTree>
   </p:cSld>
+  <p:clrMapOvr>
+    <a:masterClrMapping/>
+  </p:clrMapOvr>
 </p:sldLayout>
 </file>
 
 <file path=ppt/slideLayouts/slideLayout35.xml><?xml version="1.0" encoding="utf-8"?>
-<p:sldLayout xmlns:a="http://schemas.openxmlformats.org/drawingml/2006/main" xmlns:p="http://schemas.openxmlformats.org/presentationml/2006/main" xmlns:r="http://schemas.openxmlformats.org/officeDocument/2006/relationships" xmlns:p14="http://schemas.microsoft.com/office/powerpoint/2010/main" xmlns:p15="http://schemas.microsoft.com/office/powerpoint/2012/main" xmlns:mc="http://schemas.openxmlformats.org/markup-compatibility/2006" type="fourObj" preserve="1">
+<p:sldLayout xmlns:a="http://schemas.openxmlformats.org/drawingml/2006/main" xmlns:r="http://schemas.openxmlformats.org/officeDocument/2006/relationships" xmlns:p="http://schemas.openxmlformats.org/presentationml/2006/main" type="fourObj" preserve="1">
   <p:cSld name="Title, 4 Content">
     <p:spTree>
       <p:nvGrpSpPr>
@@ -3219,9 +3478,10 @@
           </a:prstGeom>
         </p:spPr>
         <p:txBody>
-          <a:bodyPr lIns="0" rIns="0" tIns="0" bIns="0" anchor="ctr"/>
-          <a:p>
-            <a:endParaRPr b="0" lang="en-US" sz="1800" spc="-1" strike="noStrike">
+          <a:bodyPr lIns="0" tIns="0" rIns="0" bIns="0" anchor="ctr"/>
+          <a:lstStyle/>
+          <a:p>
+            <a:endParaRPr lang="en-US" sz="1800" b="0" strike="noStrike" spc="-1">
               <a:solidFill>
                 <a:srgbClr val="000000"/>
               </a:solidFill>
@@ -3250,11 +3510,12 @@
           </a:prstGeom>
         </p:spPr>
         <p:txBody>
-          <a:bodyPr lIns="0" rIns="0" tIns="0" bIns="0">
+          <a:bodyPr lIns="0" tIns="0" rIns="0" bIns="0">
             <a:normAutofit/>
           </a:bodyPr>
-          <a:p>
-            <a:endParaRPr b="0" lang="en-US" sz="1800" spc="-1" strike="noStrike">
+          <a:lstStyle/>
+          <a:p>
+            <a:endParaRPr lang="en-US" sz="1800" b="0" strike="noStrike" spc="-1">
               <a:solidFill>
                 <a:srgbClr val="000000"/>
               </a:solidFill>
@@ -3283,11 +3544,12 @@
           </a:prstGeom>
         </p:spPr>
         <p:txBody>
-          <a:bodyPr lIns="0" rIns="0" tIns="0" bIns="0">
+          <a:bodyPr lIns="0" tIns="0" rIns="0" bIns="0">
             <a:normAutofit/>
           </a:bodyPr>
-          <a:p>
-            <a:endParaRPr b="0" lang="en-US" sz="1800" spc="-1" strike="noStrike">
+          <a:lstStyle/>
+          <a:p>
+            <a:endParaRPr lang="en-US" sz="1800" b="0" strike="noStrike" spc="-1">
               <a:solidFill>
                 <a:srgbClr val="000000"/>
               </a:solidFill>
@@ -3316,11 +3578,12 @@
           </a:prstGeom>
         </p:spPr>
         <p:txBody>
-          <a:bodyPr lIns="0" rIns="0" tIns="0" bIns="0">
+          <a:bodyPr lIns="0" tIns="0" rIns="0" bIns="0">
             <a:normAutofit/>
           </a:bodyPr>
-          <a:p>
-            <a:endParaRPr b="0" lang="en-US" sz="1800" spc="-1" strike="noStrike">
+          <a:lstStyle/>
+          <a:p>
+            <a:endParaRPr lang="en-US" sz="1800" b="0" strike="noStrike" spc="-1">
               <a:solidFill>
                 <a:srgbClr val="000000"/>
               </a:solidFill>
@@ -3349,11 +3612,12 @@
           </a:prstGeom>
         </p:spPr>
         <p:txBody>
-          <a:bodyPr lIns="0" rIns="0" tIns="0" bIns="0">
+          <a:bodyPr lIns="0" tIns="0" rIns="0" bIns="0">
             <a:normAutofit/>
           </a:bodyPr>
-          <a:p>
-            <a:endParaRPr b="0" lang="en-US" sz="1800" spc="-1" strike="noStrike">
+          <a:lstStyle/>
+          <a:p>
+            <a:endParaRPr lang="en-US" sz="1800" b="0" strike="noStrike" spc="-1">
               <a:solidFill>
                 <a:srgbClr val="000000"/>
               </a:solidFill>
@@ -3364,11 +3628,14 @@
       </p:sp>
     </p:spTree>
   </p:cSld>
+  <p:clrMapOvr>
+    <a:masterClrMapping/>
+  </p:clrMapOvr>
 </p:sldLayout>
 </file>
 
 <file path=ppt/slideLayouts/slideLayout36.xml><?xml version="1.0" encoding="utf-8"?>
-<p:sldLayout xmlns:a="http://schemas.openxmlformats.org/drawingml/2006/main" xmlns:p="http://schemas.openxmlformats.org/presentationml/2006/main" xmlns:r="http://schemas.openxmlformats.org/officeDocument/2006/relationships" xmlns:p14="http://schemas.microsoft.com/office/powerpoint/2010/main" xmlns:p15="http://schemas.microsoft.com/office/powerpoint/2012/main" xmlns:mc="http://schemas.openxmlformats.org/markup-compatibility/2006" type="blank" preserve="1">
+<p:sldLayout xmlns:a="http://schemas.openxmlformats.org/drawingml/2006/main" xmlns:r="http://schemas.openxmlformats.org/officeDocument/2006/relationships" xmlns:p="http://schemas.openxmlformats.org/presentationml/2006/main" type="blank" preserve="1">
   <p:cSld name="Title, 6 Content">
     <p:spTree>
       <p:nvGrpSpPr>
@@ -3404,9 +3671,10 @@
           </a:prstGeom>
         </p:spPr>
         <p:txBody>
-          <a:bodyPr lIns="0" rIns="0" tIns="0" bIns="0" anchor="ctr"/>
-          <a:p>
-            <a:endParaRPr b="0" lang="en-US" sz="1800" spc="-1" strike="noStrike">
+          <a:bodyPr lIns="0" tIns="0" rIns="0" bIns="0" anchor="ctr"/>
+          <a:lstStyle/>
+          <a:p>
+            <a:endParaRPr lang="en-US" sz="1800" b="0" strike="noStrike" spc="-1">
               <a:solidFill>
                 <a:srgbClr val="000000"/>
               </a:solidFill>
@@ -3435,11 +3703,12 @@
           </a:prstGeom>
         </p:spPr>
         <p:txBody>
-          <a:bodyPr lIns="0" rIns="0" tIns="0" bIns="0">
+          <a:bodyPr lIns="0" tIns="0" rIns="0" bIns="0">
             <a:normAutofit/>
           </a:bodyPr>
-          <a:p>
-            <a:endParaRPr b="0" lang="en-US" sz="1800" spc="-1" strike="noStrike">
+          <a:lstStyle/>
+          <a:p>
+            <a:endParaRPr lang="en-US" sz="1800" b="0" strike="noStrike" spc="-1">
               <a:solidFill>
                 <a:srgbClr val="000000"/>
               </a:solidFill>
@@ -3468,11 +3737,12 @@
           </a:prstGeom>
         </p:spPr>
         <p:txBody>
-          <a:bodyPr lIns="0" rIns="0" tIns="0" bIns="0">
+          <a:bodyPr lIns="0" tIns="0" rIns="0" bIns="0">
             <a:normAutofit/>
           </a:bodyPr>
-          <a:p>
-            <a:endParaRPr b="0" lang="en-US" sz="1800" spc="-1" strike="noStrike">
+          <a:lstStyle/>
+          <a:p>
+            <a:endParaRPr lang="en-US" sz="1800" b="0" strike="noStrike" spc="-1">
               <a:solidFill>
                 <a:srgbClr val="000000"/>
               </a:solidFill>
@@ -3501,11 +3771,12 @@
           </a:prstGeom>
         </p:spPr>
         <p:txBody>
-          <a:bodyPr lIns="0" rIns="0" tIns="0" bIns="0">
+          <a:bodyPr lIns="0" tIns="0" rIns="0" bIns="0">
             <a:normAutofit/>
           </a:bodyPr>
-          <a:p>
-            <a:endParaRPr b="0" lang="en-US" sz="1800" spc="-1" strike="noStrike">
+          <a:lstStyle/>
+          <a:p>
+            <a:endParaRPr lang="en-US" sz="1800" b="0" strike="noStrike" spc="-1">
               <a:solidFill>
                 <a:srgbClr val="000000"/>
               </a:solidFill>
@@ -3534,11 +3805,12 @@
           </a:prstGeom>
         </p:spPr>
         <p:txBody>
-          <a:bodyPr lIns="0" rIns="0" tIns="0" bIns="0">
+          <a:bodyPr lIns="0" tIns="0" rIns="0" bIns="0">
             <a:normAutofit/>
           </a:bodyPr>
-          <a:p>
-            <a:endParaRPr b="0" lang="en-US" sz="1800" spc="-1" strike="noStrike">
+          <a:lstStyle/>
+          <a:p>
+            <a:endParaRPr lang="en-US" sz="1800" b="0" strike="noStrike" spc="-1">
               <a:solidFill>
                 <a:srgbClr val="000000"/>
               </a:solidFill>
@@ -3567,11 +3839,12 @@
           </a:prstGeom>
         </p:spPr>
         <p:txBody>
-          <a:bodyPr lIns="0" rIns="0" tIns="0" bIns="0">
+          <a:bodyPr lIns="0" tIns="0" rIns="0" bIns="0">
             <a:normAutofit/>
           </a:bodyPr>
-          <a:p>
-            <a:endParaRPr b="0" lang="en-US" sz="1800" spc="-1" strike="noStrike">
+          <a:lstStyle/>
+          <a:p>
+            <a:endParaRPr lang="en-US" sz="1800" b="0" strike="noStrike" spc="-1">
               <a:solidFill>
                 <a:srgbClr val="000000"/>
               </a:solidFill>
@@ -3600,11 +3873,12 @@
           </a:prstGeom>
         </p:spPr>
         <p:txBody>
-          <a:bodyPr lIns="0" rIns="0" tIns="0" bIns="0">
+          <a:bodyPr lIns="0" tIns="0" rIns="0" bIns="0">
             <a:normAutofit/>
           </a:bodyPr>
-          <a:p>
-            <a:endParaRPr b="0" lang="en-US" sz="1800" spc="-1" strike="noStrike">
+          <a:lstStyle/>
+          <a:p>
+            <a:endParaRPr lang="en-US" sz="1800" b="0" strike="noStrike" spc="-1">
               <a:solidFill>
                 <a:srgbClr val="000000"/>
               </a:solidFill>
@@ -3615,11 +3889,14 @@
       </p:sp>
     </p:spTree>
   </p:cSld>
+  <p:clrMapOvr>
+    <a:masterClrMapping/>
+  </p:clrMapOvr>
 </p:sldLayout>
 </file>
 
 <file path=ppt/slideLayouts/slideLayout4.xml><?xml version="1.0" encoding="utf-8"?>
-<p:sldLayout xmlns:a="http://schemas.openxmlformats.org/drawingml/2006/main" xmlns:p="http://schemas.openxmlformats.org/presentationml/2006/main" xmlns:r="http://schemas.openxmlformats.org/officeDocument/2006/relationships" xmlns:p14="http://schemas.microsoft.com/office/powerpoint/2010/main" xmlns:p15="http://schemas.microsoft.com/office/powerpoint/2012/main" xmlns:mc="http://schemas.openxmlformats.org/markup-compatibility/2006" type="twoObj" preserve="1">
+<p:sldLayout xmlns:a="http://schemas.openxmlformats.org/drawingml/2006/main" xmlns:r="http://schemas.openxmlformats.org/officeDocument/2006/relationships" xmlns:p="http://schemas.openxmlformats.org/presentationml/2006/main" type="twoObj" preserve="1">
   <p:cSld name="Title, 2 Content">
     <p:spTree>
       <p:nvGrpSpPr>
@@ -3655,9 +3932,10 @@
           </a:prstGeom>
         </p:spPr>
         <p:txBody>
-          <a:bodyPr lIns="0" rIns="0" tIns="0" bIns="0" anchor="ctr"/>
-          <a:p>
-            <a:endParaRPr b="0" lang="en-US" sz="1800" spc="-1" strike="noStrike">
+          <a:bodyPr lIns="0" tIns="0" rIns="0" bIns="0" anchor="ctr"/>
+          <a:lstStyle/>
+          <a:p>
+            <a:endParaRPr lang="en-US" sz="1800" b="0" strike="noStrike" spc="-1">
               <a:solidFill>
                 <a:srgbClr val="000000"/>
               </a:solidFill>
@@ -3686,11 +3964,12 @@
           </a:prstGeom>
         </p:spPr>
         <p:txBody>
-          <a:bodyPr lIns="0" rIns="0" tIns="0" bIns="0">
+          <a:bodyPr lIns="0" tIns="0" rIns="0" bIns="0">
             <a:normAutofit/>
           </a:bodyPr>
-          <a:p>
-            <a:endParaRPr b="0" lang="en-US" sz="1800" spc="-1" strike="noStrike">
+          <a:lstStyle/>
+          <a:p>
+            <a:endParaRPr lang="en-US" sz="1800" b="0" strike="noStrike" spc="-1">
               <a:solidFill>
                 <a:srgbClr val="000000"/>
               </a:solidFill>
@@ -3719,11 +3998,12 @@
           </a:prstGeom>
         </p:spPr>
         <p:txBody>
-          <a:bodyPr lIns="0" rIns="0" tIns="0" bIns="0">
+          <a:bodyPr lIns="0" tIns="0" rIns="0" bIns="0">
             <a:normAutofit/>
           </a:bodyPr>
-          <a:p>
-            <a:endParaRPr b="0" lang="en-US" sz="1800" spc="-1" strike="noStrike">
+          <a:lstStyle/>
+          <a:p>
+            <a:endParaRPr lang="en-US" sz="1800" b="0" strike="noStrike" spc="-1">
               <a:solidFill>
                 <a:srgbClr val="000000"/>
               </a:solidFill>
@@ -3734,11 +4014,14 @@
       </p:sp>
     </p:spTree>
   </p:cSld>
+  <p:clrMapOvr>
+    <a:masterClrMapping/>
+  </p:clrMapOvr>
 </p:sldLayout>
 </file>
 
 <file path=ppt/slideLayouts/slideLayout5.xml><?xml version="1.0" encoding="utf-8"?>
-<p:sldLayout xmlns:a="http://schemas.openxmlformats.org/drawingml/2006/main" xmlns:p="http://schemas.openxmlformats.org/presentationml/2006/main" xmlns:r="http://schemas.openxmlformats.org/officeDocument/2006/relationships" xmlns:p14="http://schemas.microsoft.com/office/powerpoint/2010/main" xmlns:p15="http://schemas.microsoft.com/office/powerpoint/2012/main" xmlns:mc="http://schemas.openxmlformats.org/markup-compatibility/2006" type="titleOnly" preserve="1">
+<p:sldLayout xmlns:a="http://schemas.openxmlformats.org/drawingml/2006/main" xmlns:r="http://schemas.openxmlformats.org/officeDocument/2006/relationships" xmlns:p="http://schemas.openxmlformats.org/presentationml/2006/main" type="titleOnly" preserve="1">
   <p:cSld name="Title Only">
     <p:spTree>
       <p:nvGrpSpPr>
@@ -3774,9 +4057,10 @@
           </a:prstGeom>
         </p:spPr>
         <p:txBody>
-          <a:bodyPr lIns="0" rIns="0" tIns="0" bIns="0" anchor="ctr"/>
-          <a:p>
-            <a:endParaRPr b="0" lang="en-US" sz="1800" spc="-1" strike="noStrike">
+          <a:bodyPr lIns="0" tIns="0" rIns="0" bIns="0" anchor="ctr"/>
+          <a:lstStyle/>
+          <a:p>
+            <a:endParaRPr lang="en-US" sz="1800" b="0" strike="noStrike" spc="-1">
               <a:solidFill>
                 <a:srgbClr val="000000"/>
               </a:solidFill>
@@ -3787,11 +4071,14 @@
       </p:sp>
     </p:spTree>
   </p:cSld>
+  <p:clrMapOvr>
+    <a:masterClrMapping/>
+  </p:clrMapOvr>
 </p:sldLayout>
 </file>
 
 <file path=ppt/slideLayouts/slideLayout6.xml><?xml version="1.0" encoding="utf-8"?>
-<p:sldLayout xmlns:a="http://schemas.openxmlformats.org/drawingml/2006/main" xmlns:p="http://schemas.openxmlformats.org/presentationml/2006/main" xmlns:r="http://schemas.openxmlformats.org/officeDocument/2006/relationships" xmlns:p14="http://schemas.microsoft.com/office/powerpoint/2010/main" xmlns:p15="http://schemas.microsoft.com/office/powerpoint/2012/main" xmlns:mc="http://schemas.openxmlformats.org/markup-compatibility/2006" type="objOnly" preserve="1">
+<p:sldLayout xmlns:a="http://schemas.openxmlformats.org/drawingml/2006/main" xmlns:r="http://schemas.openxmlformats.org/officeDocument/2006/relationships" xmlns:p="http://schemas.openxmlformats.org/presentationml/2006/main" type="objOnly" preserve="1">
   <p:cSld name="Centered Text">
     <p:spTree>
       <p:nvGrpSpPr>
@@ -3827,10 +4114,11 @@
           </a:prstGeom>
         </p:spPr>
         <p:txBody>
-          <a:bodyPr lIns="0" rIns="0" tIns="0" bIns="0" anchor="ctr"/>
+          <a:bodyPr lIns="0" tIns="0" rIns="0" bIns="0" anchor="ctr"/>
+          <a:lstStyle/>
           <a:p>
             <a:pPr algn="ctr"/>
-            <a:endParaRPr b="0" lang="en-US" sz="3200" spc="-1" strike="noStrike">
+            <a:endParaRPr lang="en-US" sz="3200" b="0" strike="noStrike" spc="-1">
               <a:latin typeface="Arial"/>
             </a:endParaRPr>
           </a:p>
@@ -3838,11 +4126,14 @@
       </p:sp>
     </p:spTree>
   </p:cSld>
+  <p:clrMapOvr>
+    <a:masterClrMapping/>
+  </p:clrMapOvr>
 </p:sldLayout>
 </file>
 
 <file path=ppt/slideLayouts/slideLayout7.xml><?xml version="1.0" encoding="utf-8"?>
-<p:sldLayout xmlns:a="http://schemas.openxmlformats.org/drawingml/2006/main" xmlns:p="http://schemas.openxmlformats.org/presentationml/2006/main" xmlns:r="http://schemas.openxmlformats.org/officeDocument/2006/relationships" xmlns:p14="http://schemas.microsoft.com/office/powerpoint/2010/main" xmlns:p15="http://schemas.microsoft.com/office/powerpoint/2012/main" xmlns:mc="http://schemas.openxmlformats.org/markup-compatibility/2006" type="twoObjAndObj" preserve="1">
+<p:sldLayout xmlns:a="http://schemas.openxmlformats.org/drawingml/2006/main" xmlns:r="http://schemas.openxmlformats.org/officeDocument/2006/relationships" xmlns:p="http://schemas.openxmlformats.org/presentationml/2006/main" type="twoObjAndObj" preserve="1">
   <p:cSld name="Title, 2 Content and Content">
     <p:spTree>
       <p:nvGrpSpPr>
@@ -3878,9 +4169,10 @@
           </a:prstGeom>
         </p:spPr>
         <p:txBody>
-          <a:bodyPr lIns="0" rIns="0" tIns="0" bIns="0" anchor="ctr"/>
-          <a:p>
-            <a:endParaRPr b="0" lang="en-US" sz="1800" spc="-1" strike="noStrike">
+          <a:bodyPr lIns="0" tIns="0" rIns="0" bIns="0" anchor="ctr"/>
+          <a:lstStyle/>
+          <a:p>
+            <a:endParaRPr lang="en-US" sz="1800" b="0" strike="noStrike" spc="-1">
               <a:solidFill>
                 <a:srgbClr val="000000"/>
               </a:solidFill>
@@ -3909,11 +4201,12 @@
           </a:prstGeom>
         </p:spPr>
         <p:txBody>
-          <a:bodyPr lIns="0" rIns="0" tIns="0" bIns="0">
+          <a:bodyPr lIns="0" tIns="0" rIns="0" bIns="0">
             <a:normAutofit/>
           </a:bodyPr>
-          <a:p>
-            <a:endParaRPr b="0" lang="en-US" sz="1800" spc="-1" strike="noStrike">
+          <a:lstStyle/>
+          <a:p>
+            <a:endParaRPr lang="en-US" sz="1800" b="0" strike="noStrike" spc="-1">
               <a:solidFill>
                 <a:srgbClr val="000000"/>
               </a:solidFill>
@@ -3942,11 +4235,12 @@
           </a:prstGeom>
         </p:spPr>
         <p:txBody>
-          <a:bodyPr lIns="0" rIns="0" tIns="0" bIns="0">
+          <a:bodyPr lIns="0" tIns="0" rIns="0" bIns="0">
             <a:normAutofit/>
           </a:bodyPr>
-          <a:p>
-            <a:endParaRPr b="0" lang="en-US" sz="1800" spc="-1" strike="noStrike">
+          <a:lstStyle/>
+          <a:p>
+            <a:endParaRPr lang="en-US" sz="1800" b="0" strike="noStrike" spc="-1">
               <a:solidFill>
                 <a:srgbClr val="000000"/>
               </a:solidFill>
@@ -3975,11 +4269,12 @@
           </a:prstGeom>
         </p:spPr>
         <p:txBody>
-          <a:bodyPr lIns="0" rIns="0" tIns="0" bIns="0">
+          <a:bodyPr lIns="0" tIns="0" rIns="0" bIns="0">
             <a:normAutofit/>
           </a:bodyPr>
-          <a:p>
-            <a:endParaRPr b="0" lang="en-US" sz="1800" spc="-1" strike="noStrike">
+          <a:lstStyle/>
+          <a:p>
+            <a:endParaRPr lang="en-US" sz="1800" b="0" strike="noStrike" spc="-1">
               <a:solidFill>
                 <a:srgbClr val="000000"/>
               </a:solidFill>
@@ -3990,11 +4285,14 @@
       </p:sp>
     </p:spTree>
   </p:cSld>
+  <p:clrMapOvr>
+    <a:masterClrMapping/>
+  </p:clrMapOvr>
 </p:sldLayout>
 </file>
 
 <file path=ppt/slideLayouts/slideLayout8.xml><?xml version="1.0" encoding="utf-8"?>
-<p:sldLayout xmlns:a="http://schemas.openxmlformats.org/drawingml/2006/main" xmlns:p="http://schemas.openxmlformats.org/presentationml/2006/main" xmlns:r="http://schemas.openxmlformats.org/officeDocument/2006/relationships" xmlns:p14="http://schemas.microsoft.com/office/powerpoint/2010/main" xmlns:p15="http://schemas.microsoft.com/office/powerpoint/2012/main" xmlns:mc="http://schemas.openxmlformats.org/markup-compatibility/2006" type="objAndTwoObj" preserve="1">
+<p:sldLayout xmlns:a="http://schemas.openxmlformats.org/drawingml/2006/main" xmlns:r="http://schemas.openxmlformats.org/officeDocument/2006/relationships" xmlns:p="http://schemas.openxmlformats.org/presentationml/2006/main" type="objAndTwoObj" preserve="1">
   <p:cSld name="Title Content and 2 Content">
     <p:spTree>
       <p:nvGrpSpPr>
@@ -4030,9 +4328,10 @@
           </a:prstGeom>
         </p:spPr>
         <p:txBody>
-          <a:bodyPr lIns="0" rIns="0" tIns="0" bIns="0" anchor="ctr"/>
-          <a:p>
-            <a:endParaRPr b="0" lang="en-US" sz="1800" spc="-1" strike="noStrike">
+          <a:bodyPr lIns="0" tIns="0" rIns="0" bIns="0" anchor="ctr"/>
+          <a:lstStyle/>
+          <a:p>
+            <a:endParaRPr lang="en-US" sz="1800" b="0" strike="noStrike" spc="-1">
               <a:solidFill>
                 <a:srgbClr val="000000"/>
               </a:solidFill>
@@ -4061,11 +4360,12 @@
           </a:prstGeom>
         </p:spPr>
         <p:txBody>
-          <a:bodyPr lIns="0" rIns="0" tIns="0" bIns="0">
+          <a:bodyPr lIns="0" tIns="0" rIns="0" bIns="0">
             <a:normAutofit/>
           </a:bodyPr>
-          <a:p>
-            <a:endParaRPr b="0" lang="en-US" sz="1800" spc="-1" strike="noStrike">
+          <a:lstStyle/>
+          <a:p>
+            <a:endParaRPr lang="en-US" sz="1800" b="0" strike="noStrike" spc="-1">
               <a:solidFill>
                 <a:srgbClr val="000000"/>
               </a:solidFill>
@@ -4094,11 +4394,12 @@
           </a:prstGeom>
         </p:spPr>
         <p:txBody>
-          <a:bodyPr lIns="0" rIns="0" tIns="0" bIns="0">
+          <a:bodyPr lIns="0" tIns="0" rIns="0" bIns="0">
             <a:normAutofit/>
           </a:bodyPr>
-          <a:p>
-            <a:endParaRPr b="0" lang="en-US" sz="1800" spc="-1" strike="noStrike">
+          <a:lstStyle/>
+          <a:p>
+            <a:endParaRPr lang="en-US" sz="1800" b="0" strike="noStrike" spc="-1">
               <a:solidFill>
                 <a:srgbClr val="000000"/>
               </a:solidFill>
@@ -4127,11 +4428,12 @@
           </a:prstGeom>
         </p:spPr>
         <p:txBody>
-          <a:bodyPr lIns="0" rIns="0" tIns="0" bIns="0">
+          <a:bodyPr lIns="0" tIns="0" rIns="0" bIns="0">
             <a:normAutofit/>
           </a:bodyPr>
-          <a:p>
-            <a:endParaRPr b="0" lang="en-US" sz="1800" spc="-1" strike="noStrike">
+          <a:lstStyle/>
+          <a:p>
+            <a:endParaRPr lang="en-US" sz="1800" b="0" strike="noStrike" spc="-1">
               <a:solidFill>
                 <a:srgbClr val="000000"/>
               </a:solidFill>
@@ -4142,11 +4444,14 @@
       </p:sp>
     </p:spTree>
   </p:cSld>
+  <p:clrMapOvr>
+    <a:masterClrMapping/>
+  </p:clrMapOvr>
 </p:sldLayout>
 </file>
 
 <file path=ppt/slideLayouts/slideLayout9.xml><?xml version="1.0" encoding="utf-8"?>
-<p:sldLayout xmlns:a="http://schemas.openxmlformats.org/drawingml/2006/main" xmlns:p="http://schemas.openxmlformats.org/presentationml/2006/main" xmlns:r="http://schemas.openxmlformats.org/officeDocument/2006/relationships" xmlns:p14="http://schemas.microsoft.com/office/powerpoint/2010/main" xmlns:p15="http://schemas.microsoft.com/office/powerpoint/2012/main" xmlns:mc="http://schemas.openxmlformats.org/markup-compatibility/2006" type="twoObjOverTx" preserve="1">
+<p:sldLayout xmlns:a="http://schemas.openxmlformats.org/drawingml/2006/main" xmlns:r="http://schemas.openxmlformats.org/officeDocument/2006/relationships" xmlns:p="http://schemas.openxmlformats.org/presentationml/2006/main" type="twoObjOverTx" preserve="1">
   <p:cSld name="Title, 2 Content over Content">
     <p:spTree>
       <p:nvGrpSpPr>
@@ -4182,9 +4487,10 @@
           </a:prstGeom>
         </p:spPr>
         <p:txBody>
-          <a:bodyPr lIns="0" rIns="0" tIns="0" bIns="0" anchor="ctr"/>
-          <a:p>
-            <a:endParaRPr b="0" lang="en-US" sz="1800" spc="-1" strike="noStrike">
+          <a:bodyPr lIns="0" tIns="0" rIns="0" bIns="0" anchor="ctr"/>
+          <a:lstStyle/>
+          <a:p>
+            <a:endParaRPr lang="en-US" sz="1800" b="0" strike="noStrike" spc="-1">
               <a:solidFill>
                 <a:srgbClr val="000000"/>
               </a:solidFill>
@@ -4213,11 +4519,12 @@
           </a:prstGeom>
         </p:spPr>
         <p:txBody>
-          <a:bodyPr lIns="0" rIns="0" tIns="0" bIns="0">
+          <a:bodyPr lIns="0" tIns="0" rIns="0" bIns="0">
             <a:normAutofit/>
           </a:bodyPr>
-          <a:p>
-            <a:endParaRPr b="0" lang="en-US" sz="1800" spc="-1" strike="noStrike">
+          <a:lstStyle/>
+          <a:p>
+            <a:endParaRPr lang="en-US" sz="1800" b="0" strike="noStrike" spc="-1">
               <a:solidFill>
                 <a:srgbClr val="000000"/>
               </a:solidFill>
@@ -4246,11 +4553,12 @@
           </a:prstGeom>
         </p:spPr>
         <p:txBody>
-          <a:bodyPr lIns="0" rIns="0" tIns="0" bIns="0">
+          <a:bodyPr lIns="0" tIns="0" rIns="0" bIns="0">
             <a:normAutofit/>
           </a:bodyPr>
-          <a:p>
-            <a:endParaRPr b="0" lang="en-US" sz="1800" spc="-1" strike="noStrike">
+          <a:lstStyle/>
+          <a:p>
+            <a:endParaRPr lang="en-US" sz="1800" b="0" strike="noStrike" spc="-1">
               <a:solidFill>
                 <a:srgbClr val="000000"/>
               </a:solidFill>
@@ -4279,11 +4587,12 @@
           </a:prstGeom>
         </p:spPr>
         <p:txBody>
-          <a:bodyPr lIns="0" rIns="0" tIns="0" bIns="0">
+          <a:bodyPr lIns="0" tIns="0" rIns="0" bIns="0">
             <a:normAutofit/>
           </a:bodyPr>
-          <a:p>
-            <a:endParaRPr b="0" lang="en-US" sz="1800" spc="-1" strike="noStrike">
+          <a:lstStyle/>
+          <a:p>
+            <a:endParaRPr lang="en-US" sz="1800" b="0" strike="noStrike" spc="-1">
               <a:solidFill>
                 <a:srgbClr val="000000"/>
               </a:solidFill>
@@ -4294,17 +4603,21 @@
       </p:sp>
     </p:spTree>
   </p:cSld>
+  <p:clrMapOvr>
+    <a:masterClrMapping/>
+  </p:clrMapOvr>
 </p:sldLayout>
 </file>
 
 <file path=ppt/slideMasters/slideMaster1.xml><?xml version="1.0" encoding="utf-8"?>
-<p:sldMaster xmlns:a="http://schemas.openxmlformats.org/drawingml/2006/main" xmlns:p="http://schemas.openxmlformats.org/presentationml/2006/main" xmlns:r="http://schemas.openxmlformats.org/officeDocument/2006/relationships" xmlns:p14="http://schemas.microsoft.com/office/powerpoint/2010/main" xmlns:p15="http://schemas.microsoft.com/office/powerpoint/2012/main" xmlns:mc="http://schemas.openxmlformats.org/markup-compatibility/2006">
+<p:sldMaster xmlns:a="http://schemas.openxmlformats.org/drawingml/2006/main" xmlns:r="http://schemas.openxmlformats.org/officeDocument/2006/relationships" xmlns:p="http://schemas.openxmlformats.org/presentationml/2006/main">
   <p:cSld>
     <p:bg>
       <p:bgPr>
         <a:solidFill>
-          <a:srgbClr val="ffffff"/>
+          <a:srgbClr val="FFFFFF"/>
         </a:solidFill>
+        <a:effectLst/>
       </p:bgPr>
     </p:bg>
     <p:spTree>
@@ -4323,7 +4636,7 @@
       </p:grpSpPr>
       <p:sp>
         <p:nvSpPr>
-          <p:cNvPr id="0" name="CustomShape 1" hidden="1"/>
+          <p:cNvPr id="8" name="CustomShape 1" hidden="1"/>
           <p:cNvSpPr/>
           <p:nvPr/>
         </p:nvSpPr>
@@ -4336,22 +4649,28 @@
             <a:avLst/>
           </a:prstGeom>
           <a:solidFill>
-            <a:srgbClr val="bd582c"/>
+            <a:srgbClr val="BD582C"/>
           </a:solidFill>
           <a:ln w="15840">
             <a:noFill/>
           </a:ln>
         </p:spPr>
         <p:style>
-          <a:lnRef idx="0"/>
-          <a:fillRef idx="0"/>
-          <a:effectRef idx="0"/>
+          <a:lnRef idx="0">
+            <a:scrgbClr r="0" g="0" b="0"/>
+          </a:lnRef>
+          <a:fillRef idx="0">
+            <a:scrgbClr r="0" g="0" b="0"/>
+          </a:fillRef>
+          <a:effectRef idx="0">
+            <a:scrgbClr r="0" g="0" b="0"/>
+          </a:effectRef>
           <a:fontRef idx="minor"/>
         </p:style>
       </p:sp>
       <p:sp>
         <p:nvSpPr>
-          <p:cNvPr id="1" name="CustomShape 2" hidden="1"/>
+          <p:cNvPr id="9" name="CustomShape 2" hidden="1"/>
           <p:cNvSpPr/>
           <p:nvPr/>
         </p:nvSpPr>
@@ -4364,16 +4683,22 @@
             <a:avLst/>
           </a:prstGeom>
           <a:solidFill>
-            <a:srgbClr val="e48312"/>
+            <a:srgbClr val="E48312"/>
           </a:solidFill>
           <a:ln w="15840">
             <a:noFill/>
           </a:ln>
         </p:spPr>
         <p:style>
-          <a:lnRef idx="0"/>
-          <a:fillRef idx="0"/>
-          <a:effectRef idx="0"/>
+          <a:lnRef idx="0">
+            <a:scrgbClr r="0" g="0" b="0"/>
+          </a:lnRef>
+          <a:fillRef idx="0">
+            <a:scrgbClr r="0" g="0" b="0"/>
+          </a:fillRef>
+          <a:effectRef idx="0">
+            <a:scrgbClr r="0" g="0" b="0"/>
+          </a:effectRef>
           <a:fontRef idx="minor"/>
         </p:style>
       </p:sp>
@@ -4399,9 +4724,15 @@
           </a:ln>
         </p:spPr>
         <p:style>
-          <a:lnRef idx="0"/>
-          <a:fillRef idx="0"/>
-          <a:effectRef idx="0"/>
+          <a:lnRef idx="0">
+            <a:scrgbClr r="0" g="0" b="0"/>
+          </a:lnRef>
+          <a:fillRef idx="0">
+            <a:scrgbClr r="0" g="0" b="0"/>
+          </a:fillRef>
+          <a:effectRef idx="0">
+            <a:scrgbClr r="0" g="0" b="0"/>
+          </a:effectRef>
           <a:fontRef idx="minor"/>
         </p:style>
       </p:sp>
@@ -4420,16 +4751,22 @@
             <a:avLst/>
           </a:prstGeom>
           <a:solidFill>
-            <a:srgbClr val="bd582c"/>
+            <a:srgbClr val="BD582C"/>
           </a:solidFill>
           <a:ln w="15840">
             <a:noFill/>
           </a:ln>
         </p:spPr>
         <p:style>
-          <a:lnRef idx="0"/>
-          <a:fillRef idx="0"/>
-          <a:effectRef idx="0"/>
+          <a:lnRef idx="0">
+            <a:scrgbClr r="0" g="0" b="0"/>
+          </a:lnRef>
+          <a:fillRef idx="0">
+            <a:scrgbClr r="0" g="0" b="0"/>
+          </a:fillRef>
+          <a:effectRef idx="0">
+            <a:scrgbClr r="0" g="0" b="0"/>
+          </a:effectRef>
           <a:fontRef idx="minor"/>
         </p:style>
       </p:sp>
@@ -4448,16 +4785,22 @@
             <a:avLst/>
           </a:prstGeom>
           <a:solidFill>
-            <a:srgbClr val="e48312"/>
+            <a:srgbClr val="E48312"/>
           </a:solidFill>
           <a:ln w="15840">
             <a:noFill/>
           </a:ln>
         </p:spPr>
         <p:style>
-          <a:lnRef idx="0"/>
-          <a:fillRef idx="0"/>
-          <a:effectRef idx="0"/>
+          <a:lnRef idx="0">
+            <a:scrgbClr r="0" g="0" b="0"/>
+          </a:lnRef>
+          <a:fillRef idx="0">
+            <a:scrgbClr r="0" g="0" b="0"/>
+          </a:fillRef>
+          <a:effectRef idx="0">
+            <a:scrgbClr r="0" g="0" b="0"/>
+          </a:effectRef>
           <a:fontRef idx="minor"/>
         </p:style>
       </p:sp>
@@ -4483,9 +4826,15 @@
           </a:ln>
         </p:spPr>
         <p:style>
-          <a:lnRef idx="0"/>
-          <a:fillRef idx="0"/>
-          <a:effectRef idx="0"/>
+          <a:lnRef idx="0">
+            <a:scrgbClr r="0" g="0" b="0"/>
+          </a:lnRef>
+          <a:fillRef idx="0">
+            <a:scrgbClr r="0" g="0" b="0"/>
+          </a:fillRef>
+          <a:effectRef idx="0">
+            <a:scrgbClr r="0" g="0" b="0"/>
+          </a:effectRef>
           <a:fontRef idx="minor"/>
         </p:style>
       </p:sp>
@@ -4509,10 +4858,11 @@
           </a:prstGeom>
         </p:spPr>
         <p:txBody>
-          <a:bodyPr lIns="0" rIns="0" tIns="0" bIns="0" anchor="ctr"/>
+          <a:bodyPr lIns="0" tIns="0" rIns="0" bIns="0" anchor="ctr"/>
+          <a:lstStyle/>
           <a:p>
             <a:r>
-              <a:rPr b="0" lang="en-US" sz="1800" spc="-1" strike="noStrike">
+              <a:rPr lang="en-US" sz="1800" b="0" strike="noStrike" spc="-1">
                 <a:solidFill>
                   <a:srgbClr val="000000"/>
                 </a:solidFill>
@@ -4520,12 +4870,6 @@
               </a:rPr>
               <a:t>Click to edit the title text format</a:t>
             </a:r>
-            <a:endParaRPr b="0" lang="en-US" sz="1800" spc="-1" strike="noStrike">
-              <a:solidFill>
-                <a:srgbClr val="000000"/>
-              </a:solidFill>
-              <a:latin typeface="Arial"/>
-            </a:endParaRPr>
           </a:p>
         </p:txBody>
       </p:sp>
@@ -4549,9 +4893,10 @@
           </a:prstGeom>
         </p:spPr>
         <p:txBody>
-          <a:bodyPr lIns="0" rIns="0" tIns="0" bIns="0">
+          <a:bodyPr lIns="0" tIns="0" rIns="0" bIns="0">
             <a:normAutofit/>
           </a:bodyPr>
+          <a:lstStyle/>
           <a:p>
             <a:pPr marL="432000" indent="-324000">
               <a:spcBef>
@@ -4565,7 +4910,7 @@
               <a:buChar char=""/>
             </a:pPr>
             <a:r>
-              <a:rPr b="0" lang="en-US" sz="1800" spc="-1" strike="noStrike">
+              <a:rPr lang="en-US" sz="1800" b="0" strike="noStrike" spc="-1">
                 <a:solidFill>
                   <a:srgbClr val="000000"/>
                 </a:solidFill>
@@ -4573,15 +4918,9 @@
               </a:rPr>
               <a:t>Click to edit the outline text format</a:t>
             </a:r>
-            <a:endParaRPr b="0" lang="en-US" sz="1800" spc="-1" strike="noStrike">
-              <a:solidFill>
-                <a:srgbClr val="000000"/>
-              </a:solidFill>
-              <a:latin typeface="Arial"/>
-            </a:endParaRPr>
-          </a:p>
-          <a:p>
-            <a:pPr lvl="1" marL="864000" indent="-324000">
+          </a:p>
+          <a:p>
+            <a:pPr marL="864000" lvl="1" indent="-324000">
               <a:spcBef>
                 <a:spcPts val="1134"/>
               </a:spcBef>
@@ -4593,7 +4932,7 @@
               <a:buChar char=""/>
             </a:pPr>
             <a:r>
-              <a:rPr b="0" lang="en-US" sz="1800" spc="-1" strike="noStrike">
+              <a:rPr lang="en-US" sz="1800" b="0" strike="noStrike" spc="-1">
                 <a:solidFill>
                   <a:srgbClr val="000000"/>
                 </a:solidFill>
@@ -4601,15 +4940,9 @@
               </a:rPr>
               <a:t>Second Outline Level</a:t>
             </a:r>
-            <a:endParaRPr b="0" lang="en-US" sz="1800" spc="-1" strike="noStrike">
-              <a:solidFill>
-                <a:srgbClr val="000000"/>
-              </a:solidFill>
-              <a:latin typeface="Arial"/>
-            </a:endParaRPr>
-          </a:p>
-          <a:p>
-            <a:pPr lvl="2" marL="1296000" indent="-288000">
+          </a:p>
+          <a:p>
+            <a:pPr marL="1296000" lvl="2" indent="-288000">
               <a:spcBef>
                 <a:spcPts val="850"/>
               </a:spcBef>
@@ -4621,7 +4954,7 @@
               <a:buChar char=""/>
             </a:pPr>
             <a:r>
-              <a:rPr b="0" lang="en-US" sz="1800" spc="-1" strike="noStrike">
+              <a:rPr lang="en-US" sz="1800" b="0" strike="noStrike" spc="-1">
                 <a:solidFill>
                   <a:srgbClr val="000000"/>
                 </a:solidFill>
@@ -4629,15 +4962,9 @@
               </a:rPr>
               <a:t>Third Outline Level</a:t>
             </a:r>
-            <a:endParaRPr b="0" lang="en-US" sz="1800" spc="-1" strike="noStrike">
-              <a:solidFill>
-                <a:srgbClr val="000000"/>
-              </a:solidFill>
-              <a:latin typeface="Arial"/>
-            </a:endParaRPr>
-          </a:p>
-          <a:p>
-            <a:pPr lvl="3" marL="1728000" indent="-216000">
+          </a:p>
+          <a:p>
+            <a:pPr marL="1728000" lvl="3" indent="-216000">
               <a:spcBef>
                 <a:spcPts val="567"/>
               </a:spcBef>
@@ -4649,7 +4976,7 @@
               <a:buChar char=""/>
             </a:pPr>
             <a:r>
-              <a:rPr b="0" lang="en-US" sz="1800" spc="-1" strike="noStrike">
+              <a:rPr lang="en-US" sz="1800" b="0" strike="noStrike" spc="-1">
                 <a:solidFill>
                   <a:srgbClr val="000000"/>
                 </a:solidFill>
@@ -4657,15 +4984,9 @@
               </a:rPr>
               <a:t>Fourth Outline Level</a:t>
             </a:r>
-            <a:endParaRPr b="0" lang="en-US" sz="1800" spc="-1" strike="noStrike">
-              <a:solidFill>
-                <a:srgbClr val="000000"/>
-              </a:solidFill>
-              <a:latin typeface="Arial"/>
-            </a:endParaRPr>
-          </a:p>
-          <a:p>
-            <a:pPr lvl="4" marL="2160000" indent="-216000">
+          </a:p>
+          <a:p>
+            <a:pPr marL="2160000" lvl="4" indent="-216000">
               <a:spcBef>
                 <a:spcPts val="283"/>
               </a:spcBef>
@@ -4677,7 +4998,7 @@
               <a:buChar char=""/>
             </a:pPr>
             <a:r>
-              <a:rPr b="0" lang="en-US" sz="2000" spc="-1" strike="noStrike">
+              <a:rPr lang="en-US" sz="2000" b="0" strike="noStrike" spc="-1">
                 <a:solidFill>
                   <a:srgbClr val="000000"/>
                 </a:solidFill>
@@ -4685,15 +5006,9 @@
               </a:rPr>
               <a:t>Fifth Outline Level</a:t>
             </a:r>
-            <a:endParaRPr b="0" lang="en-US" sz="2000" spc="-1" strike="noStrike">
-              <a:solidFill>
-                <a:srgbClr val="000000"/>
-              </a:solidFill>
-              <a:latin typeface="Arial"/>
-            </a:endParaRPr>
-          </a:p>
-          <a:p>
-            <a:pPr lvl="5" marL="2592000" indent="-216000">
+          </a:p>
+          <a:p>
+            <a:pPr marL="2592000" lvl="5" indent="-216000">
               <a:spcBef>
                 <a:spcPts val="283"/>
               </a:spcBef>
@@ -4705,7 +5020,7 @@
               <a:buChar char=""/>
             </a:pPr>
             <a:r>
-              <a:rPr b="0" lang="en-US" sz="2000" spc="-1" strike="noStrike">
+              <a:rPr lang="en-US" sz="2000" b="0" strike="noStrike" spc="-1">
                 <a:solidFill>
                   <a:srgbClr val="000000"/>
                 </a:solidFill>
@@ -4713,15 +5028,9 @@
               </a:rPr>
               <a:t>Sixth Outline Level</a:t>
             </a:r>
-            <a:endParaRPr b="0" lang="en-US" sz="2000" spc="-1" strike="noStrike">
-              <a:solidFill>
-                <a:srgbClr val="000000"/>
-              </a:solidFill>
-              <a:latin typeface="Arial"/>
-            </a:endParaRPr>
-          </a:p>
-          <a:p>
-            <a:pPr lvl="6" marL="3024000" indent="-216000">
+          </a:p>
+          <a:p>
+            <a:pPr marL="3024000" lvl="6" indent="-216000">
               <a:spcBef>
                 <a:spcPts val="283"/>
               </a:spcBef>
@@ -4733,7 +5042,7 @@
               <a:buChar char=""/>
             </a:pPr>
             <a:r>
-              <a:rPr b="0" lang="en-US" sz="2000" spc="-1" strike="noStrike">
+              <a:rPr lang="en-US" sz="2000" b="0" strike="noStrike" spc="-1">
                 <a:solidFill>
                   <a:srgbClr val="000000"/>
                 </a:solidFill>
@@ -4741,43 +5050,318 @@
               </a:rPr>
               <a:t>Seventh Outline Level</a:t>
             </a:r>
-            <a:endParaRPr b="0" lang="en-US" sz="2000" spc="-1" strike="noStrike">
-              <a:solidFill>
-                <a:srgbClr val="000000"/>
-              </a:solidFill>
-              <a:latin typeface="Arial"/>
-            </a:endParaRPr>
           </a:p>
         </p:txBody>
       </p:sp>
     </p:spTree>
   </p:cSld>
-  <p:clrMap bg1="lt1" bg2="lt2" tx1="dk1" tx2="dk2" accent1="accent1" accent2="accent2" accent3="accent3" accent4="accent4" accent5="accent5" accent6="accent6" hlink="hlink" folHlink="folHlink"/>
+  <p:clrMap bg1="lt1" tx1="dk1" bg2="lt2" tx2="dk2" accent1="accent1" accent2="accent2" accent3="accent3" accent4="accent4" accent5="accent5" accent6="accent6" hlink="hlink" folHlink="folHlink"/>
   <p:sldLayoutIdLst>
-    <p:sldLayoutId id="2147483649" r:id="rId2"/>
-    <p:sldLayoutId id="2147483650" r:id="rId3"/>
-    <p:sldLayoutId id="2147483651" r:id="rId4"/>
-    <p:sldLayoutId id="2147483652" r:id="rId5"/>
-    <p:sldLayoutId id="2147483653" r:id="rId6"/>
-    <p:sldLayoutId id="2147483654" r:id="rId7"/>
-    <p:sldLayoutId id="2147483655" r:id="rId8"/>
-    <p:sldLayoutId id="2147483656" r:id="rId9"/>
-    <p:sldLayoutId id="2147483657" r:id="rId10"/>
-    <p:sldLayoutId id="2147483658" r:id="rId11"/>
-    <p:sldLayoutId id="2147483659" r:id="rId12"/>
-    <p:sldLayoutId id="2147483660" r:id="rId13"/>
+    <p:sldLayoutId id="2147483649" r:id="rId1"/>
+    <p:sldLayoutId id="2147483650" r:id="rId2"/>
+    <p:sldLayoutId id="2147483651" r:id="rId3"/>
+    <p:sldLayoutId id="2147483652" r:id="rId4"/>
+    <p:sldLayoutId id="2147483653" r:id="rId5"/>
+    <p:sldLayoutId id="2147483654" r:id="rId6"/>
+    <p:sldLayoutId id="2147483655" r:id="rId7"/>
+    <p:sldLayoutId id="2147483656" r:id="rId8"/>
+    <p:sldLayoutId id="2147483657" r:id="rId9"/>
+    <p:sldLayoutId id="2147483658" r:id="rId10"/>
+    <p:sldLayoutId id="2147483659" r:id="rId11"/>
+    <p:sldLayoutId id="2147483660" r:id="rId12"/>
   </p:sldLayoutIdLst>
+  <p:txStyles>
+    <p:titleStyle>
+      <a:lvl1pPr algn="l" defTabSz="914400" rtl="0" eaLnBrk="1" latinLnBrk="0" hangingPunct="1">
+        <a:lnSpc>
+          <a:spcPct val="90000"/>
+        </a:lnSpc>
+        <a:spcBef>
+          <a:spcPct val="0"/>
+        </a:spcBef>
+        <a:buNone/>
+        <a:defRPr sz="4400" kern="1200">
+          <a:solidFill>
+            <a:schemeClr val="tx1"/>
+          </a:solidFill>
+          <a:latin typeface="+mj-lt"/>
+          <a:ea typeface="+mj-ea"/>
+          <a:cs typeface="+mj-cs"/>
+        </a:defRPr>
+      </a:lvl1pPr>
+    </p:titleStyle>
+    <p:bodyStyle>
+      <a:lvl1pPr marL="228600" indent="-228600" algn="l" defTabSz="914400" rtl="0" eaLnBrk="1" latinLnBrk="0" hangingPunct="1">
+        <a:lnSpc>
+          <a:spcPct val="90000"/>
+        </a:lnSpc>
+        <a:spcBef>
+          <a:spcPts val="1000"/>
+        </a:spcBef>
+        <a:buFont typeface="Arial" panose="020B0604020202020204" pitchFamily="34" charset="0"/>
+        <a:buChar char="•"/>
+        <a:defRPr sz="2800" kern="1200">
+          <a:solidFill>
+            <a:schemeClr val="tx1"/>
+          </a:solidFill>
+          <a:latin typeface="+mn-lt"/>
+          <a:ea typeface="+mn-ea"/>
+          <a:cs typeface="+mn-cs"/>
+        </a:defRPr>
+      </a:lvl1pPr>
+      <a:lvl2pPr marL="685800" indent="-228600" algn="l" defTabSz="914400" rtl="0" eaLnBrk="1" latinLnBrk="0" hangingPunct="1">
+        <a:lnSpc>
+          <a:spcPct val="90000"/>
+        </a:lnSpc>
+        <a:spcBef>
+          <a:spcPts val="500"/>
+        </a:spcBef>
+        <a:buFont typeface="Arial" panose="020B0604020202020204" pitchFamily="34" charset="0"/>
+        <a:buChar char="•"/>
+        <a:defRPr sz="2400" kern="1200">
+          <a:solidFill>
+            <a:schemeClr val="tx1"/>
+          </a:solidFill>
+          <a:latin typeface="+mn-lt"/>
+          <a:ea typeface="+mn-ea"/>
+          <a:cs typeface="+mn-cs"/>
+        </a:defRPr>
+      </a:lvl2pPr>
+      <a:lvl3pPr marL="1143000" indent="-228600" algn="l" defTabSz="914400" rtl="0" eaLnBrk="1" latinLnBrk="0" hangingPunct="1">
+        <a:lnSpc>
+          <a:spcPct val="90000"/>
+        </a:lnSpc>
+        <a:spcBef>
+          <a:spcPts val="500"/>
+        </a:spcBef>
+        <a:buFont typeface="Arial" panose="020B0604020202020204" pitchFamily="34" charset="0"/>
+        <a:buChar char="•"/>
+        <a:defRPr sz="2000" kern="1200">
+          <a:solidFill>
+            <a:schemeClr val="tx1"/>
+          </a:solidFill>
+          <a:latin typeface="+mn-lt"/>
+          <a:ea typeface="+mn-ea"/>
+          <a:cs typeface="+mn-cs"/>
+        </a:defRPr>
+      </a:lvl3pPr>
+      <a:lvl4pPr marL="1600200" indent="-228600" algn="l" defTabSz="914400" rtl="0" eaLnBrk="1" latinLnBrk="0" hangingPunct="1">
+        <a:lnSpc>
+          <a:spcPct val="90000"/>
+        </a:lnSpc>
+        <a:spcBef>
+          <a:spcPts val="500"/>
+        </a:spcBef>
+        <a:buFont typeface="Arial" panose="020B0604020202020204" pitchFamily="34" charset="0"/>
+        <a:buChar char="•"/>
+        <a:defRPr sz="1800" kern="1200">
+          <a:solidFill>
+            <a:schemeClr val="tx1"/>
+          </a:solidFill>
+          <a:latin typeface="+mn-lt"/>
+          <a:ea typeface="+mn-ea"/>
+          <a:cs typeface="+mn-cs"/>
+        </a:defRPr>
+      </a:lvl4pPr>
+      <a:lvl5pPr marL="2057400" indent="-228600" algn="l" defTabSz="914400" rtl="0" eaLnBrk="1" latinLnBrk="0" hangingPunct="1">
+        <a:lnSpc>
+          <a:spcPct val="90000"/>
+        </a:lnSpc>
+        <a:spcBef>
+          <a:spcPts val="500"/>
+        </a:spcBef>
+        <a:buFont typeface="Arial" panose="020B0604020202020204" pitchFamily="34" charset="0"/>
+        <a:buChar char="•"/>
+        <a:defRPr sz="1800" kern="1200">
+          <a:solidFill>
+            <a:schemeClr val="tx1"/>
+          </a:solidFill>
+          <a:latin typeface="+mn-lt"/>
+          <a:ea typeface="+mn-ea"/>
+          <a:cs typeface="+mn-cs"/>
+        </a:defRPr>
+      </a:lvl5pPr>
+      <a:lvl6pPr marL="2514600" indent="-228600" algn="l" defTabSz="914400" rtl="0" eaLnBrk="1" latinLnBrk="0" hangingPunct="1">
+        <a:lnSpc>
+          <a:spcPct val="90000"/>
+        </a:lnSpc>
+        <a:spcBef>
+          <a:spcPts val="500"/>
+        </a:spcBef>
+        <a:buFont typeface="Arial" panose="020B0604020202020204" pitchFamily="34" charset="0"/>
+        <a:buChar char="•"/>
+        <a:defRPr sz="1800" kern="1200">
+          <a:solidFill>
+            <a:schemeClr val="tx1"/>
+          </a:solidFill>
+          <a:latin typeface="+mn-lt"/>
+          <a:ea typeface="+mn-ea"/>
+          <a:cs typeface="+mn-cs"/>
+        </a:defRPr>
+      </a:lvl6pPr>
+      <a:lvl7pPr marL="2971800" indent="-228600" algn="l" defTabSz="914400" rtl="0" eaLnBrk="1" latinLnBrk="0" hangingPunct="1">
+        <a:lnSpc>
+          <a:spcPct val="90000"/>
+        </a:lnSpc>
+        <a:spcBef>
+          <a:spcPts val="500"/>
+        </a:spcBef>
+        <a:buFont typeface="Arial" panose="020B0604020202020204" pitchFamily="34" charset="0"/>
+        <a:buChar char="•"/>
+        <a:defRPr sz="1800" kern="1200">
+          <a:solidFill>
+            <a:schemeClr val="tx1"/>
+          </a:solidFill>
+          <a:latin typeface="+mn-lt"/>
+          <a:ea typeface="+mn-ea"/>
+          <a:cs typeface="+mn-cs"/>
+        </a:defRPr>
+      </a:lvl7pPr>
+      <a:lvl8pPr marL="3429000" indent="-228600" algn="l" defTabSz="914400" rtl="0" eaLnBrk="1" latinLnBrk="0" hangingPunct="1">
+        <a:lnSpc>
+          <a:spcPct val="90000"/>
+        </a:lnSpc>
+        <a:spcBef>
+          <a:spcPts val="500"/>
+        </a:spcBef>
+        <a:buFont typeface="Arial" panose="020B0604020202020204" pitchFamily="34" charset="0"/>
+        <a:buChar char="•"/>
+        <a:defRPr sz="1800" kern="1200">
+          <a:solidFill>
+            <a:schemeClr val="tx1"/>
+          </a:solidFill>
+          <a:latin typeface="+mn-lt"/>
+          <a:ea typeface="+mn-ea"/>
+          <a:cs typeface="+mn-cs"/>
+        </a:defRPr>
+      </a:lvl8pPr>
+      <a:lvl9pPr marL="3886200" indent="-228600" algn="l" defTabSz="914400" rtl="0" eaLnBrk="1" latinLnBrk="0" hangingPunct="1">
+        <a:lnSpc>
+          <a:spcPct val="90000"/>
+        </a:lnSpc>
+        <a:spcBef>
+          <a:spcPts val="500"/>
+        </a:spcBef>
+        <a:buFont typeface="Arial" panose="020B0604020202020204" pitchFamily="34" charset="0"/>
+        <a:buChar char="•"/>
+        <a:defRPr sz="1800" kern="1200">
+          <a:solidFill>
+            <a:schemeClr val="tx1"/>
+          </a:solidFill>
+          <a:latin typeface="+mn-lt"/>
+          <a:ea typeface="+mn-ea"/>
+          <a:cs typeface="+mn-cs"/>
+        </a:defRPr>
+      </a:lvl9pPr>
+    </p:bodyStyle>
+    <p:otherStyle>
+      <a:defPPr>
+        <a:defRPr lang="en-US"/>
+      </a:defPPr>
+      <a:lvl1pPr marL="0" algn="l" defTabSz="914400" rtl="0" eaLnBrk="1" latinLnBrk="0" hangingPunct="1">
+        <a:defRPr sz="1800" kern="1200">
+          <a:solidFill>
+            <a:schemeClr val="tx1"/>
+          </a:solidFill>
+          <a:latin typeface="+mn-lt"/>
+          <a:ea typeface="+mn-ea"/>
+          <a:cs typeface="+mn-cs"/>
+        </a:defRPr>
+      </a:lvl1pPr>
+      <a:lvl2pPr marL="457200" algn="l" defTabSz="914400" rtl="0" eaLnBrk="1" latinLnBrk="0" hangingPunct="1">
+        <a:defRPr sz="1800" kern="1200">
+          <a:solidFill>
+            <a:schemeClr val="tx1"/>
+          </a:solidFill>
+          <a:latin typeface="+mn-lt"/>
+          <a:ea typeface="+mn-ea"/>
+          <a:cs typeface="+mn-cs"/>
+        </a:defRPr>
+      </a:lvl2pPr>
+      <a:lvl3pPr marL="914400" algn="l" defTabSz="914400" rtl="0" eaLnBrk="1" latinLnBrk="0" hangingPunct="1">
+        <a:defRPr sz="1800" kern="1200">
+          <a:solidFill>
+            <a:schemeClr val="tx1"/>
+          </a:solidFill>
+          <a:latin typeface="+mn-lt"/>
+          <a:ea typeface="+mn-ea"/>
+          <a:cs typeface="+mn-cs"/>
+        </a:defRPr>
+      </a:lvl3pPr>
+      <a:lvl4pPr marL="1371600" algn="l" defTabSz="914400" rtl="0" eaLnBrk="1" latinLnBrk="0" hangingPunct="1">
+        <a:defRPr sz="1800" kern="1200">
+          <a:solidFill>
+            <a:schemeClr val="tx1"/>
+          </a:solidFill>
+          <a:latin typeface="+mn-lt"/>
+          <a:ea typeface="+mn-ea"/>
+          <a:cs typeface="+mn-cs"/>
+        </a:defRPr>
+      </a:lvl4pPr>
+      <a:lvl5pPr marL="1828800" algn="l" defTabSz="914400" rtl="0" eaLnBrk="1" latinLnBrk="0" hangingPunct="1">
+        <a:defRPr sz="1800" kern="1200">
+          <a:solidFill>
+            <a:schemeClr val="tx1"/>
+          </a:solidFill>
+          <a:latin typeface="+mn-lt"/>
+          <a:ea typeface="+mn-ea"/>
+          <a:cs typeface="+mn-cs"/>
+        </a:defRPr>
+      </a:lvl5pPr>
+      <a:lvl6pPr marL="2286000" algn="l" defTabSz="914400" rtl="0" eaLnBrk="1" latinLnBrk="0" hangingPunct="1">
+        <a:defRPr sz="1800" kern="1200">
+          <a:solidFill>
+            <a:schemeClr val="tx1"/>
+          </a:solidFill>
+          <a:latin typeface="+mn-lt"/>
+          <a:ea typeface="+mn-ea"/>
+          <a:cs typeface="+mn-cs"/>
+        </a:defRPr>
+      </a:lvl6pPr>
+      <a:lvl7pPr marL="2743200" algn="l" defTabSz="914400" rtl="0" eaLnBrk="1" latinLnBrk="0" hangingPunct="1">
+        <a:defRPr sz="1800" kern="1200">
+          <a:solidFill>
+            <a:schemeClr val="tx1"/>
+          </a:solidFill>
+          <a:latin typeface="+mn-lt"/>
+          <a:ea typeface="+mn-ea"/>
+          <a:cs typeface="+mn-cs"/>
+        </a:defRPr>
+      </a:lvl7pPr>
+      <a:lvl8pPr marL="3200400" algn="l" defTabSz="914400" rtl="0" eaLnBrk="1" latinLnBrk="0" hangingPunct="1">
+        <a:defRPr sz="1800" kern="1200">
+          <a:solidFill>
+            <a:schemeClr val="tx1"/>
+          </a:solidFill>
+          <a:latin typeface="+mn-lt"/>
+          <a:ea typeface="+mn-ea"/>
+          <a:cs typeface="+mn-cs"/>
+        </a:defRPr>
+      </a:lvl8pPr>
+      <a:lvl9pPr marL="3657600" algn="l" defTabSz="914400" rtl="0" eaLnBrk="1" latinLnBrk="0" hangingPunct="1">
+        <a:defRPr sz="1800" kern="1200">
+          <a:solidFill>
+            <a:schemeClr val="tx1"/>
+          </a:solidFill>
+          <a:latin typeface="+mn-lt"/>
+          <a:ea typeface="+mn-ea"/>
+          <a:cs typeface="+mn-cs"/>
+        </a:defRPr>
+      </a:lvl9pPr>
+    </p:otherStyle>
+  </p:txStyles>
 </p:sldMaster>
 </file>
 
 <file path=ppt/slideMasters/slideMaster2.xml><?xml version="1.0" encoding="utf-8"?>
-<p:sldMaster xmlns:a="http://schemas.openxmlformats.org/drawingml/2006/main" xmlns:p="http://schemas.openxmlformats.org/presentationml/2006/main" xmlns:r="http://schemas.openxmlformats.org/officeDocument/2006/relationships" xmlns:p14="http://schemas.microsoft.com/office/powerpoint/2010/main" xmlns:p15="http://schemas.microsoft.com/office/powerpoint/2012/main" xmlns:mc="http://schemas.openxmlformats.org/markup-compatibility/2006">
+<p:sldMaster xmlns:a="http://schemas.openxmlformats.org/drawingml/2006/main" xmlns:r="http://schemas.openxmlformats.org/officeDocument/2006/relationships" xmlns:p="http://schemas.openxmlformats.org/presentationml/2006/main">
   <p:cSld>
     <p:bg>
       <p:bgPr>
         <a:solidFill>
-          <a:srgbClr val="ffffff"/>
+          <a:srgbClr val="FFFFFF"/>
         </a:solidFill>
+        <a:effectLst/>
       </p:bgPr>
     </p:bg>
     <p:spTree>
@@ -4809,16 +5393,22 @@
             <a:avLst/>
           </a:prstGeom>
           <a:solidFill>
-            <a:srgbClr val="bd582c"/>
+            <a:srgbClr val="BD582C"/>
           </a:solidFill>
           <a:ln w="15840">
             <a:noFill/>
           </a:ln>
         </p:spPr>
         <p:style>
-          <a:lnRef idx="0"/>
-          <a:fillRef idx="0"/>
-          <a:effectRef idx="0"/>
+          <a:lnRef idx="0">
+            <a:scrgbClr r="0" g="0" b="0"/>
+          </a:lnRef>
+          <a:fillRef idx="0">
+            <a:scrgbClr r="0" g="0" b="0"/>
+          </a:fillRef>
+          <a:effectRef idx="0">
+            <a:scrgbClr r="0" g="0" b="0"/>
+          </a:effectRef>
           <a:fontRef idx="minor"/>
         </p:style>
       </p:sp>
@@ -4837,16 +5427,22 @@
             <a:avLst/>
           </a:prstGeom>
           <a:solidFill>
-            <a:srgbClr val="e48312"/>
+            <a:srgbClr val="E48312"/>
           </a:solidFill>
           <a:ln w="15840">
             <a:noFill/>
           </a:ln>
         </p:spPr>
         <p:style>
-          <a:lnRef idx="0"/>
-          <a:fillRef idx="0"/>
-          <a:effectRef idx="0"/>
+          <a:lnRef idx="0">
+            <a:scrgbClr r="0" g="0" b="0"/>
+          </a:lnRef>
+          <a:fillRef idx="0">
+            <a:scrgbClr r="0" g="0" b="0"/>
+          </a:fillRef>
+          <a:effectRef idx="0">
+            <a:scrgbClr r="0" g="0" b="0"/>
+          </a:effectRef>
           <a:fontRef idx="minor"/>
         </p:style>
       </p:sp>
@@ -4872,9 +5468,15 @@
           </a:ln>
         </p:spPr>
         <p:style>
-          <a:lnRef idx="0"/>
-          <a:fillRef idx="0"/>
-          <a:effectRef idx="0"/>
+          <a:lnRef idx="0">
+            <a:scrgbClr r="0" g="0" b="0"/>
+          </a:lnRef>
+          <a:fillRef idx="0">
+            <a:scrgbClr r="0" g="0" b="0"/>
+          </a:fillRef>
+          <a:effectRef idx="0">
+            <a:scrgbClr r="0" g="0" b="0"/>
+          </a:effectRef>
           <a:fontRef idx="minor"/>
         </p:style>
       </p:sp>
@@ -4898,10 +5500,11 @@
           </a:prstGeom>
         </p:spPr>
         <p:txBody>
-          <a:bodyPr lIns="0" rIns="0" tIns="0" bIns="0" anchor="ctr"/>
+          <a:bodyPr lIns="0" tIns="0" rIns="0" bIns="0" anchor="ctr"/>
+          <a:lstStyle/>
           <a:p>
             <a:r>
-              <a:rPr b="0" lang="en-US" sz="1800" spc="-1" strike="noStrike">
+              <a:rPr lang="en-US" sz="1800" b="0" strike="noStrike" spc="-1">
                 <a:solidFill>
                   <a:srgbClr val="000000"/>
                 </a:solidFill>
@@ -4909,12 +5512,6 @@
               </a:rPr>
               <a:t>Click to edit the title text format</a:t>
             </a:r>
-            <a:endParaRPr b="0" lang="en-US" sz="1800" spc="-1" strike="noStrike">
-              <a:solidFill>
-                <a:srgbClr val="000000"/>
-              </a:solidFill>
-              <a:latin typeface="Arial"/>
-            </a:endParaRPr>
           </a:p>
         </p:txBody>
       </p:sp>
@@ -4938,9 +5535,10 @@
           </a:prstGeom>
         </p:spPr>
         <p:txBody>
-          <a:bodyPr lIns="0" rIns="0" tIns="0" bIns="0">
+          <a:bodyPr lIns="0" tIns="0" rIns="0" bIns="0">
             <a:normAutofit/>
           </a:bodyPr>
+          <a:lstStyle/>
           <a:p>
             <a:pPr marL="432000" indent="-324000">
               <a:spcBef>
@@ -4954,7 +5552,7 @@
               <a:buChar char=""/>
             </a:pPr>
             <a:r>
-              <a:rPr b="0" lang="en-US" sz="1800" spc="-1" strike="noStrike">
+              <a:rPr lang="en-US" sz="1800" b="0" strike="noStrike" spc="-1">
                 <a:solidFill>
                   <a:srgbClr val="000000"/>
                 </a:solidFill>
@@ -4962,15 +5560,9 @@
               </a:rPr>
               <a:t>Click to edit the outline text format</a:t>
             </a:r>
-            <a:endParaRPr b="0" lang="en-US" sz="1800" spc="-1" strike="noStrike">
-              <a:solidFill>
-                <a:srgbClr val="000000"/>
-              </a:solidFill>
-              <a:latin typeface="Arial"/>
-            </a:endParaRPr>
-          </a:p>
-          <a:p>
-            <a:pPr lvl="1" marL="864000" indent="-324000">
+          </a:p>
+          <a:p>
+            <a:pPr marL="864000" lvl="1" indent="-324000">
               <a:spcBef>
                 <a:spcPts val="1134"/>
               </a:spcBef>
@@ -4982,7 +5574,7 @@
               <a:buChar char=""/>
             </a:pPr>
             <a:r>
-              <a:rPr b="0" lang="en-US" sz="1800" spc="-1" strike="noStrike">
+              <a:rPr lang="en-US" sz="1800" b="0" strike="noStrike" spc="-1">
                 <a:solidFill>
                   <a:srgbClr val="000000"/>
                 </a:solidFill>
@@ -4990,15 +5582,9 @@
               </a:rPr>
               <a:t>Second Outline Level</a:t>
             </a:r>
-            <a:endParaRPr b="0" lang="en-US" sz="1800" spc="-1" strike="noStrike">
-              <a:solidFill>
-                <a:srgbClr val="000000"/>
-              </a:solidFill>
-              <a:latin typeface="Arial"/>
-            </a:endParaRPr>
-          </a:p>
-          <a:p>
-            <a:pPr lvl="2" marL="1296000" indent="-288000">
+          </a:p>
+          <a:p>
+            <a:pPr marL="1296000" lvl="2" indent="-288000">
               <a:spcBef>
                 <a:spcPts val="850"/>
               </a:spcBef>
@@ -5010,7 +5596,7 @@
               <a:buChar char=""/>
             </a:pPr>
             <a:r>
-              <a:rPr b="0" lang="en-US" sz="1800" spc="-1" strike="noStrike">
+              <a:rPr lang="en-US" sz="1800" b="0" strike="noStrike" spc="-1">
                 <a:solidFill>
                   <a:srgbClr val="000000"/>
                 </a:solidFill>
@@ -5018,15 +5604,9 @@
               </a:rPr>
               <a:t>Third Outline Level</a:t>
             </a:r>
-            <a:endParaRPr b="0" lang="en-US" sz="1800" spc="-1" strike="noStrike">
-              <a:solidFill>
-                <a:srgbClr val="000000"/>
-              </a:solidFill>
-              <a:latin typeface="Arial"/>
-            </a:endParaRPr>
-          </a:p>
-          <a:p>
-            <a:pPr lvl="3" marL="1728000" indent="-216000">
+          </a:p>
+          <a:p>
+            <a:pPr marL="1728000" lvl="3" indent="-216000">
               <a:spcBef>
                 <a:spcPts val="567"/>
               </a:spcBef>
@@ -5038,7 +5618,7 @@
               <a:buChar char=""/>
             </a:pPr>
             <a:r>
-              <a:rPr b="0" lang="en-US" sz="1800" spc="-1" strike="noStrike">
+              <a:rPr lang="en-US" sz="1800" b="0" strike="noStrike" spc="-1">
                 <a:solidFill>
                   <a:srgbClr val="000000"/>
                 </a:solidFill>
@@ -5046,15 +5626,9 @@
               </a:rPr>
               <a:t>Fourth Outline Level</a:t>
             </a:r>
-            <a:endParaRPr b="0" lang="en-US" sz="1800" spc="-1" strike="noStrike">
-              <a:solidFill>
-                <a:srgbClr val="000000"/>
-              </a:solidFill>
-              <a:latin typeface="Arial"/>
-            </a:endParaRPr>
-          </a:p>
-          <a:p>
-            <a:pPr lvl="4" marL="2160000" indent="-216000">
+          </a:p>
+          <a:p>
+            <a:pPr marL="2160000" lvl="4" indent="-216000">
               <a:spcBef>
                 <a:spcPts val="283"/>
               </a:spcBef>
@@ -5066,7 +5640,7 @@
               <a:buChar char=""/>
             </a:pPr>
             <a:r>
-              <a:rPr b="0" lang="en-US" sz="2000" spc="-1" strike="noStrike">
+              <a:rPr lang="en-US" sz="2000" b="0" strike="noStrike" spc="-1">
                 <a:solidFill>
                   <a:srgbClr val="000000"/>
                 </a:solidFill>
@@ -5074,15 +5648,9 @@
               </a:rPr>
               <a:t>Fifth Outline Level</a:t>
             </a:r>
-            <a:endParaRPr b="0" lang="en-US" sz="2000" spc="-1" strike="noStrike">
-              <a:solidFill>
-                <a:srgbClr val="000000"/>
-              </a:solidFill>
-              <a:latin typeface="Arial"/>
-            </a:endParaRPr>
-          </a:p>
-          <a:p>
-            <a:pPr lvl="5" marL="2592000" indent="-216000">
+          </a:p>
+          <a:p>
+            <a:pPr marL="2592000" lvl="5" indent="-216000">
               <a:spcBef>
                 <a:spcPts val="283"/>
               </a:spcBef>
@@ -5094,7 +5662,7 @@
               <a:buChar char=""/>
             </a:pPr>
             <a:r>
-              <a:rPr b="0" lang="en-US" sz="2000" spc="-1" strike="noStrike">
+              <a:rPr lang="en-US" sz="2000" b="0" strike="noStrike" spc="-1">
                 <a:solidFill>
                   <a:srgbClr val="000000"/>
                 </a:solidFill>
@@ -5102,15 +5670,9 @@
               </a:rPr>
               <a:t>Sixth Outline Level</a:t>
             </a:r>
-            <a:endParaRPr b="0" lang="en-US" sz="2000" spc="-1" strike="noStrike">
-              <a:solidFill>
-                <a:srgbClr val="000000"/>
-              </a:solidFill>
-              <a:latin typeface="Arial"/>
-            </a:endParaRPr>
-          </a:p>
-          <a:p>
-            <a:pPr lvl="6" marL="3024000" indent="-216000">
+          </a:p>
+          <a:p>
+            <a:pPr marL="3024000" lvl="6" indent="-216000">
               <a:spcBef>
                 <a:spcPts val="283"/>
               </a:spcBef>
@@ -5122,7 +5684,7 @@
               <a:buChar char=""/>
             </a:pPr>
             <a:r>
-              <a:rPr b="0" lang="en-US" sz="2000" spc="-1" strike="noStrike">
+              <a:rPr lang="en-US" sz="2000" b="0" strike="noStrike" spc="-1">
                 <a:solidFill>
                   <a:srgbClr val="000000"/>
                 </a:solidFill>
@@ -5130,43 +5692,318 @@
               </a:rPr>
               <a:t>Seventh Outline Level</a:t>
             </a:r>
-            <a:endParaRPr b="0" lang="en-US" sz="2000" spc="-1" strike="noStrike">
-              <a:solidFill>
-                <a:srgbClr val="000000"/>
-              </a:solidFill>
-              <a:latin typeface="Arial"/>
-            </a:endParaRPr>
           </a:p>
         </p:txBody>
       </p:sp>
     </p:spTree>
   </p:cSld>
-  <p:clrMap bg1="lt1" bg2="lt2" tx1="dk1" tx2="dk2" accent1="accent1" accent2="accent2" accent3="accent3" accent4="accent4" accent5="accent5" accent6="accent6" hlink="hlink" folHlink="folHlink"/>
+  <p:clrMap bg1="lt1" tx1="dk1" bg2="lt2" tx2="dk2" accent1="accent1" accent2="accent2" accent3="accent3" accent4="accent4" accent5="accent5" accent6="accent6" hlink="hlink" folHlink="folHlink"/>
   <p:sldLayoutIdLst>
-    <p:sldLayoutId id="2147483662" r:id="rId2"/>
-    <p:sldLayoutId id="2147483663" r:id="rId3"/>
-    <p:sldLayoutId id="2147483664" r:id="rId4"/>
-    <p:sldLayoutId id="2147483665" r:id="rId5"/>
-    <p:sldLayoutId id="2147483666" r:id="rId6"/>
-    <p:sldLayoutId id="2147483667" r:id="rId7"/>
-    <p:sldLayoutId id="2147483668" r:id="rId8"/>
-    <p:sldLayoutId id="2147483669" r:id="rId9"/>
-    <p:sldLayoutId id="2147483670" r:id="rId10"/>
-    <p:sldLayoutId id="2147483671" r:id="rId11"/>
-    <p:sldLayoutId id="2147483672" r:id="rId12"/>
-    <p:sldLayoutId id="2147483673" r:id="rId13"/>
+    <p:sldLayoutId id="2147483662" r:id="rId1"/>
+    <p:sldLayoutId id="2147483663" r:id="rId2"/>
+    <p:sldLayoutId id="2147483664" r:id="rId3"/>
+    <p:sldLayoutId id="2147483665" r:id="rId4"/>
+    <p:sldLayoutId id="2147483666" r:id="rId5"/>
+    <p:sldLayoutId id="2147483667" r:id="rId6"/>
+    <p:sldLayoutId id="2147483668" r:id="rId7"/>
+    <p:sldLayoutId id="2147483669" r:id="rId8"/>
+    <p:sldLayoutId id="2147483670" r:id="rId9"/>
+    <p:sldLayoutId id="2147483671" r:id="rId10"/>
+    <p:sldLayoutId id="2147483672" r:id="rId11"/>
+    <p:sldLayoutId id="2147483673" r:id="rId12"/>
   </p:sldLayoutIdLst>
+  <p:txStyles>
+    <p:titleStyle>
+      <a:lvl1pPr algn="l" defTabSz="914400" rtl="0" eaLnBrk="1" latinLnBrk="0" hangingPunct="1">
+        <a:lnSpc>
+          <a:spcPct val="90000"/>
+        </a:lnSpc>
+        <a:spcBef>
+          <a:spcPct val="0"/>
+        </a:spcBef>
+        <a:buNone/>
+        <a:defRPr sz="4400" kern="1200">
+          <a:solidFill>
+            <a:schemeClr val="tx1"/>
+          </a:solidFill>
+          <a:latin typeface="+mj-lt"/>
+          <a:ea typeface="+mj-ea"/>
+          <a:cs typeface="+mj-cs"/>
+        </a:defRPr>
+      </a:lvl1pPr>
+    </p:titleStyle>
+    <p:bodyStyle>
+      <a:lvl1pPr marL="228600" indent="-228600" algn="l" defTabSz="914400" rtl="0" eaLnBrk="1" latinLnBrk="0" hangingPunct="1">
+        <a:lnSpc>
+          <a:spcPct val="90000"/>
+        </a:lnSpc>
+        <a:spcBef>
+          <a:spcPts val="1000"/>
+        </a:spcBef>
+        <a:buFont typeface="Arial" panose="020B0604020202020204" pitchFamily="34" charset="0"/>
+        <a:buChar char="•"/>
+        <a:defRPr sz="2800" kern="1200">
+          <a:solidFill>
+            <a:schemeClr val="tx1"/>
+          </a:solidFill>
+          <a:latin typeface="+mn-lt"/>
+          <a:ea typeface="+mn-ea"/>
+          <a:cs typeface="+mn-cs"/>
+        </a:defRPr>
+      </a:lvl1pPr>
+      <a:lvl2pPr marL="685800" indent="-228600" algn="l" defTabSz="914400" rtl="0" eaLnBrk="1" latinLnBrk="0" hangingPunct="1">
+        <a:lnSpc>
+          <a:spcPct val="90000"/>
+        </a:lnSpc>
+        <a:spcBef>
+          <a:spcPts val="500"/>
+        </a:spcBef>
+        <a:buFont typeface="Arial" panose="020B0604020202020204" pitchFamily="34" charset="0"/>
+        <a:buChar char="•"/>
+        <a:defRPr sz="2400" kern="1200">
+          <a:solidFill>
+            <a:schemeClr val="tx1"/>
+          </a:solidFill>
+          <a:latin typeface="+mn-lt"/>
+          <a:ea typeface="+mn-ea"/>
+          <a:cs typeface="+mn-cs"/>
+        </a:defRPr>
+      </a:lvl2pPr>
+      <a:lvl3pPr marL="1143000" indent="-228600" algn="l" defTabSz="914400" rtl="0" eaLnBrk="1" latinLnBrk="0" hangingPunct="1">
+        <a:lnSpc>
+          <a:spcPct val="90000"/>
+        </a:lnSpc>
+        <a:spcBef>
+          <a:spcPts val="500"/>
+        </a:spcBef>
+        <a:buFont typeface="Arial" panose="020B0604020202020204" pitchFamily="34" charset="0"/>
+        <a:buChar char="•"/>
+        <a:defRPr sz="2000" kern="1200">
+          <a:solidFill>
+            <a:schemeClr val="tx1"/>
+          </a:solidFill>
+          <a:latin typeface="+mn-lt"/>
+          <a:ea typeface="+mn-ea"/>
+          <a:cs typeface="+mn-cs"/>
+        </a:defRPr>
+      </a:lvl3pPr>
+      <a:lvl4pPr marL="1600200" indent="-228600" algn="l" defTabSz="914400" rtl="0" eaLnBrk="1" latinLnBrk="0" hangingPunct="1">
+        <a:lnSpc>
+          <a:spcPct val="90000"/>
+        </a:lnSpc>
+        <a:spcBef>
+          <a:spcPts val="500"/>
+        </a:spcBef>
+        <a:buFont typeface="Arial" panose="020B0604020202020204" pitchFamily="34" charset="0"/>
+        <a:buChar char="•"/>
+        <a:defRPr sz="1800" kern="1200">
+          <a:solidFill>
+            <a:schemeClr val="tx1"/>
+          </a:solidFill>
+          <a:latin typeface="+mn-lt"/>
+          <a:ea typeface="+mn-ea"/>
+          <a:cs typeface="+mn-cs"/>
+        </a:defRPr>
+      </a:lvl4pPr>
+      <a:lvl5pPr marL="2057400" indent="-228600" algn="l" defTabSz="914400" rtl="0" eaLnBrk="1" latinLnBrk="0" hangingPunct="1">
+        <a:lnSpc>
+          <a:spcPct val="90000"/>
+        </a:lnSpc>
+        <a:spcBef>
+          <a:spcPts val="500"/>
+        </a:spcBef>
+        <a:buFont typeface="Arial" panose="020B0604020202020204" pitchFamily="34" charset="0"/>
+        <a:buChar char="•"/>
+        <a:defRPr sz="1800" kern="1200">
+          <a:solidFill>
+            <a:schemeClr val="tx1"/>
+          </a:solidFill>
+          <a:latin typeface="+mn-lt"/>
+          <a:ea typeface="+mn-ea"/>
+          <a:cs typeface="+mn-cs"/>
+        </a:defRPr>
+      </a:lvl5pPr>
+      <a:lvl6pPr marL="2514600" indent="-228600" algn="l" defTabSz="914400" rtl="0" eaLnBrk="1" latinLnBrk="0" hangingPunct="1">
+        <a:lnSpc>
+          <a:spcPct val="90000"/>
+        </a:lnSpc>
+        <a:spcBef>
+          <a:spcPts val="500"/>
+        </a:spcBef>
+        <a:buFont typeface="Arial" panose="020B0604020202020204" pitchFamily="34" charset="0"/>
+        <a:buChar char="•"/>
+        <a:defRPr sz="1800" kern="1200">
+          <a:solidFill>
+            <a:schemeClr val="tx1"/>
+          </a:solidFill>
+          <a:latin typeface="+mn-lt"/>
+          <a:ea typeface="+mn-ea"/>
+          <a:cs typeface="+mn-cs"/>
+        </a:defRPr>
+      </a:lvl6pPr>
+      <a:lvl7pPr marL="2971800" indent="-228600" algn="l" defTabSz="914400" rtl="0" eaLnBrk="1" latinLnBrk="0" hangingPunct="1">
+        <a:lnSpc>
+          <a:spcPct val="90000"/>
+        </a:lnSpc>
+        <a:spcBef>
+          <a:spcPts val="500"/>
+        </a:spcBef>
+        <a:buFont typeface="Arial" panose="020B0604020202020204" pitchFamily="34" charset="0"/>
+        <a:buChar char="•"/>
+        <a:defRPr sz="1800" kern="1200">
+          <a:solidFill>
+            <a:schemeClr val="tx1"/>
+          </a:solidFill>
+          <a:latin typeface="+mn-lt"/>
+          <a:ea typeface="+mn-ea"/>
+          <a:cs typeface="+mn-cs"/>
+        </a:defRPr>
+      </a:lvl7pPr>
+      <a:lvl8pPr marL="3429000" indent="-228600" algn="l" defTabSz="914400" rtl="0" eaLnBrk="1" latinLnBrk="0" hangingPunct="1">
+        <a:lnSpc>
+          <a:spcPct val="90000"/>
+        </a:lnSpc>
+        <a:spcBef>
+          <a:spcPts val="500"/>
+        </a:spcBef>
+        <a:buFont typeface="Arial" panose="020B0604020202020204" pitchFamily="34" charset="0"/>
+        <a:buChar char="•"/>
+        <a:defRPr sz="1800" kern="1200">
+          <a:solidFill>
+            <a:schemeClr val="tx1"/>
+          </a:solidFill>
+          <a:latin typeface="+mn-lt"/>
+          <a:ea typeface="+mn-ea"/>
+          <a:cs typeface="+mn-cs"/>
+        </a:defRPr>
+      </a:lvl8pPr>
+      <a:lvl9pPr marL="3886200" indent="-228600" algn="l" defTabSz="914400" rtl="0" eaLnBrk="1" latinLnBrk="0" hangingPunct="1">
+        <a:lnSpc>
+          <a:spcPct val="90000"/>
+        </a:lnSpc>
+        <a:spcBef>
+          <a:spcPts val="500"/>
+        </a:spcBef>
+        <a:buFont typeface="Arial" panose="020B0604020202020204" pitchFamily="34" charset="0"/>
+        <a:buChar char="•"/>
+        <a:defRPr sz="1800" kern="1200">
+          <a:solidFill>
+            <a:schemeClr val="tx1"/>
+          </a:solidFill>
+          <a:latin typeface="+mn-lt"/>
+          <a:ea typeface="+mn-ea"/>
+          <a:cs typeface="+mn-cs"/>
+        </a:defRPr>
+      </a:lvl9pPr>
+    </p:bodyStyle>
+    <p:otherStyle>
+      <a:defPPr>
+        <a:defRPr lang="en-US"/>
+      </a:defPPr>
+      <a:lvl1pPr marL="0" algn="l" defTabSz="914400" rtl="0" eaLnBrk="1" latinLnBrk="0" hangingPunct="1">
+        <a:defRPr sz="1800" kern="1200">
+          <a:solidFill>
+            <a:schemeClr val="tx1"/>
+          </a:solidFill>
+          <a:latin typeface="+mn-lt"/>
+          <a:ea typeface="+mn-ea"/>
+          <a:cs typeface="+mn-cs"/>
+        </a:defRPr>
+      </a:lvl1pPr>
+      <a:lvl2pPr marL="457200" algn="l" defTabSz="914400" rtl="0" eaLnBrk="1" latinLnBrk="0" hangingPunct="1">
+        <a:defRPr sz="1800" kern="1200">
+          <a:solidFill>
+            <a:schemeClr val="tx1"/>
+          </a:solidFill>
+          <a:latin typeface="+mn-lt"/>
+          <a:ea typeface="+mn-ea"/>
+          <a:cs typeface="+mn-cs"/>
+        </a:defRPr>
+      </a:lvl2pPr>
+      <a:lvl3pPr marL="914400" algn="l" defTabSz="914400" rtl="0" eaLnBrk="1" latinLnBrk="0" hangingPunct="1">
+        <a:defRPr sz="1800" kern="1200">
+          <a:solidFill>
+            <a:schemeClr val="tx1"/>
+          </a:solidFill>
+          <a:latin typeface="+mn-lt"/>
+          <a:ea typeface="+mn-ea"/>
+          <a:cs typeface="+mn-cs"/>
+        </a:defRPr>
+      </a:lvl3pPr>
+      <a:lvl4pPr marL="1371600" algn="l" defTabSz="914400" rtl="0" eaLnBrk="1" latinLnBrk="0" hangingPunct="1">
+        <a:defRPr sz="1800" kern="1200">
+          <a:solidFill>
+            <a:schemeClr val="tx1"/>
+          </a:solidFill>
+          <a:latin typeface="+mn-lt"/>
+          <a:ea typeface="+mn-ea"/>
+          <a:cs typeface="+mn-cs"/>
+        </a:defRPr>
+      </a:lvl4pPr>
+      <a:lvl5pPr marL="1828800" algn="l" defTabSz="914400" rtl="0" eaLnBrk="1" latinLnBrk="0" hangingPunct="1">
+        <a:defRPr sz="1800" kern="1200">
+          <a:solidFill>
+            <a:schemeClr val="tx1"/>
+          </a:solidFill>
+          <a:latin typeface="+mn-lt"/>
+          <a:ea typeface="+mn-ea"/>
+          <a:cs typeface="+mn-cs"/>
+        </a:defRPr>
+      </a:lvl5pPr>
+      <a:lvl6pPr marL="2286000" algn="l" defTabSz="914400" rtl="0" eaLnBrk="1" latinLnBrk="0" hangingPunct="1">
+        <a:defRPr sz="1800" kern="1200">
+          <a:solidFill>
+            <a:schemeClr val="tx1"/>
+          </a:solidFill>
+          <a:latin typeface="+mn-lt"/>
+          <a:ea typeface="+mn-ea"/>
+          <a:cs typeface="+mn-cs"/>
+        </a:defRPr>
+      </a:lvl6pPr>
+      <a:lvl7pPr marL="2743200" algn="l" defTabSz="914400" rtl="0" eaLnBrk="1" latinLnBrk="0" hangingPunct="1">
+        <a:defRPr sz="1800" kern="1200">
+          <a:solidFill>
+            <a:schemeClr val="tx1"/>
+          </a:solidFill>
+          <a:latin typeface="+mn-lt"/>
+          <a:ea typeface="+mn-ea"/>
+          <a:cs typeface="+mn-cs"/>
+        </a:defRPr>
+      </a:lvl7pPr>
+      <a:lvl8pPr marL="3200400" algn="l" defTabSz="914400" rtl="0" eaLnBrk="1" latinLnBrk="0" hangingPunct="1">
+        <a:defRPr sz="1800" kern="1200">
+          <a:solidFill>
+            <a:schemeClr val="tx1"/>
+          </a:solidFill>
+          <a:latin typeface="+mn-lt"/>
+          <a:ea typeface="+mn-ea"/>
+          <a:cs typeface="+mn-cs"/>
+        </a:defRPr>
+      </a:lvl8pPr>
+      <a:lvl9pPr marL="3657600" algn="l" defTabSz="914400" rtl="0" eaLnBrk="1" latinLnBrk="0" hangingPunct="1">
+        <a:defRPr sz="1800" kern="1200">
+          <a:solidFill>
+            <a:schemeClr val="tx1"/>
+          </a:solidFill>
+          <a:latin typeface="+mn-lt"/>
+          <a:ea typeface="+mn-ea"/>
+          <a:cs typeface="+mn-cs"/>
+        </a:defRPr>
+      </a:lvl9pPr>
+    </p:otherStyle>
+  </p:txStyles>
 </p:sldMaster>
 </file>
 
 <file path=ppt/slideMasters/slideMaster3.xml><?xml version="1.0" encoding="utf-8"?>
-<p:sldMaster xmlns:a="http://schemas.openxmlformats.org/drawingml/2006/main" xmlns:p="http://schemas.openxmlformats.org/presentationml/2006/main" xmlns:r="http://schemas.openxmlformats.org/officeDocument/2006/relationships" xmlns:p14="http://schemas.microsoft.com/office/powerpoint/2010/main" xmlns:p15="http://schemas.microsoft.com/office/powerpoint/2012/main" xmlns:mc="http://schemas.openxmlformats.org/markup-compatibility/2006">
+<p:sldMaster xmlns:a="http://schemas.openxmlformats.org/drawingml/2006/main" xmlns:r="http://schemas.openxmlformats.org/officeDocument/2006/relationships" xmlns:p="http://schemas.openxmlformats.org/presentationml/2006/main">
   <p:cSld>
     <p:bg>
       <p:bgPr>
         <a:solidFill>
-          <a:srgbClr val="ffffff"/>
+          <a:srgbClr val="FFFFFF"/>
         </a:solidFill>
+        <a:effectLst/>
       </p:bgPr>
     </p:bg>
     <p:spTree>
@@ -5198,16 +6035,22 @@
             <a:avLst/>
           </a:prstGeom>
           <a:solidFill>
-            <a:srgbClr val="bd582c"/>
+            <a:srgbClr val="BD582C"/>
           </a:solidFill>
           <a:ln w="15840">
             <a:noFill/>
           </a:ln>
         </p:spPr>
         <p:style>
-          <a:lnRef idx="0"/>
-          <a:fillRef idx="0"/>
-          <a:effectRef idx="0"/>
+          <a:lnRef idx="0">
+            <a:scrgbClr r="0" g="0" b="0"/>
+          </a:lnRef>
+          <a:fillRef idx="0">
+            <a:scrgbClr r="0" g="0" b="0"/>
+          </a:fillRef>
+          <a:effectRef idx="0">
+            <a:scrgbClr r="0" g="0" b="0"/>
+          </a:effectRef>
           <a:fontRef idx="minor"/>
         </p:style>
       </p:sp>
@@ -5226,16 +6069,22 @@
             <a:avLst/>
           </a:prstGeom>
           <a:solidFill>
-            <a:srgbClr val="e48312"/>
+            <a:srgbClr val="E48312"/>
           </a:solidFill>
           <a:ln w="15840">
             <a:noFill/>
           </a:ln>
         </p:spPr>
         <p:style>
-          <a:lnRef idx="0"/>
-          <a:fillRef idx="0"/>
-          <a:effectRef idx="0"/>
+          <a:lnRef idx="0">
+            <a:scrgbClr r="0" g="0" b="0"/>
+          </a:lnRef>
+          <a:fillRef idx="0">
+            <a:scrgbClr r="0" g="0" b="0"/>
+          </a:fillRef>
+          <a:effectRef idx="0">
+            <a:scrgbClr r="0" g="0" b="0"/>
+          </a:effectRef>
           <a:fontRef idx="minor"/>
         </p:style>
       </p:sp>
@@ -5261,9 +6110,15 @@
           </a:ln>
         </p:spPr>
         <p:style>
-          <a:lnRef idx="0"/>
-          <a:fillRef idx="0"/>
-          <a:effectRef idx="0"/>
+          <a:lnRef idx="0">
+            <a:scrgbClr r="0" g="0" b="0"/>
+          </a:lnRef>
+          <a:fillRef idx="0">
+            <a:scrgbClr r="0" g="0" b="0"/>
+          </a:fillRef>
+          <a:effectRef idx="0">
+            <a:scrgbClr r="0" g="0" b="0"/>
+          </a:effectRef>
           <a:fontRef idx="minor"/>
         </p:style>
       </p:sp>
@@ -5287,10 +6142,11 @@
           </a:prstGeom>
         </p:spPr>
         <p:txBody>
-          <a:bodyPr lIns="0" rIns="0" tIns="0" bIns="0" anchor="ctr"/>
+          <a:bodyPr lIns="0" tIns="0" rIns="0" bIns="0" anchor="ctr"/>
+          <a:lstStyle/>
           <a:p>
             <a:r>
-              <a:rPr b="0" lang="en-US" sz="1800" spc="-1" strike="noStrike">
+              <a:rPr lang="en-US" sz="1800" b="0" strike="noStrike" spc="-1">
                 <a:solidFill>
                   <a:srgbClr val="000000"/>
                 </a:solidFill>
@@ -5298,12 +6154,6 @@
               </a:rPr>
               <a:t>Click to edit the title text format</a:t>
             </a:r>
-            <a:endParaRPr b="0" lang="en-US" sz="1800" spc="-1" strike="noStrike">
-              <a:solidFill>
-                <a:srgbClr val="000000"/>
-              </a:solidFill>
-              <a:latin typeface="Arial"/>
-            </a:endParaRPr>
           </a:p>
         </p:txBody>
       </p:sp>
@@ -5327,9 +6177,10 @@
           </a:prstGeom>
         </p:spPr>
         <p:txBody>
-          <a:bodyPr lIns="0" rIns="0" tIns="0" bIns="0">
+          <a:bodyPr lIns="0" tIns="0" rIns="0" bIns="0">
             <a:normAutofit/>
           </a:bodyPr>
+          <a:lstStyle/>
           <a:p>
             <a:pPr marL="432000" indent="-324000">
               <a:spcBef>
@@ -5343,7 +6194,7 @@
               <a:buChar char=""/>
             </a:pPr>
             <a:r>
-              <a:rPr b="0" lang="en-US" sz="1800" spc="-1" strike="noStrike">
+              <a:rPr lang="en-US" sz="1800" b="0" strike="noStrike" spc="-1">
                 <a:solidFill>
                   <a:srgbClr val="000000"/>
                 </a:solidFill>
@@ -5351,15 +6202,9 @@
               </a:rPr>
               <a:t>Click to edit the outline text format</a:t>
             </a:r>
-            <a:endParaRPr b="0" lang="en-US" sz="1800" spc="-1" strike="noStrike">
-              <a:solidFill>
-                <a:srgbClr val="000000"/>
-              </a:solidFill>
-              <a:latin typeface="Arial"/>
-            </a:endParaRPr>
-          </a:p>
-          <a:p>
-            <a:pPr lvl="1" marL="864000" indent="-324000">
+          </a:p>
+          <a:p>
+            <a:pPr marL="864000" lvl="1" indent="-324000">
               <a:spcBef>
                 <a:spcPts val="1134"/>
               </a:spcBef>
@@ -5371,7 +6216,7 @@
               <a:buChar char=""/>
             </a:pPr>
             <a:r>
-              <a:rPr b="0" lang="en-US" sz="1800" spc="-1" strike="noStrike">
+              <a:rPr lang="en-US" sz="1800" b="0" strike="noStrike" spc="-1">
                 <a:solidFill>
                   <a:srgbClr val="000000"/>
                 </a:solidFill>
@@ -5379,15 +6224,9 @@
               </a:rPr>
               <a:t>Second Outline Level</a:t>
             </a:r>
-            <a:endParaRPr b="0" lang="en-US" sz="1800" spc="-1" strike="noStrike">
-              <a:solidFill>
-                <a:srgbClr val="000000"/>
-              </a:solidFill>
-              <a:latin typeface="Arial"/>
-            </a:endParaRPr>
-          </a:p>
-          <a:p>
-            <a:pPr lvl="2" marL="1296000" indent="-288000">
+          </a:p>
+          <a:p>
+            <a:pPr marL="1296000" lvl="2" indent="-288000">
               <a:spcBef>
                 <a:spcPts val="850"/>
               </a:spcBef>
@@ -5399,7 +6238,7 @@
               <a:buChar char=""/>
             </a:pPr>
             <a:r>
-              <a:rPr b="0" lang="en-US" sz="1800" spc="-1" strike="noStrike">
+              <a:rPr lang="en-US" sz="1800" b="0" strike="noStrike" spc="-1">
                 <a:solidFill>
                   <a:srgbClr val="000000"/>
                 </a:solidFill>
@@ -5407,15 +6246,9 @@
               </a:rPr>
               <a:t>Third Outline Level</a:t>
             </a:r>
-            <a:endParaRPr b="0" lang="en-US" sz="1800" spc="-1" strike="noStrike">
-              <a:solidFill>
-                <a:srgbClr val="000000"/>
-              </a:solidFill>
-              <a:latin typeface="Arial"/>
-            </a:endParaRPr>
-          </a:p>
-          <a:p>
-            <a:pPr lvl="3" marL="1728000" indent="-216000">
+          </a:p>
+          <a:p>
+            <a:pPr marL="1728000" lvl="3" indent="-216000">
               <a:spcBef>
                 <a:spcPts val="567"/>
               </a:spcBef>
@@ -5427,7 +6260,7 @@
               <a:buChar char=""/>
             </a:pPr>
             <a:r>
-              <a:rPr b="0" lang="en-US" sz="1800" spc="-1" strike="noStrike">
+              <a:rPr lang="en-US" sz="1800" b="0" strike="noStrike" spc="-1">
                 <a:solidFill>
                   <a:srgbClr val="000000"/>
                 </a:solidFill>
@@ -5435,15 +6268,9 @@
               </a:rPr>
               <a:t>Fourth Outline Level</a:t>
             </a:r>
-            <a:endParaRPr b="0" lang="en-US" sz="1800" spc="-1" strike="noStrike">
-              <a:solidFill>
-                <a:srgbClr val="000000"/>
-              </a:solidFill>
-              <a:latin typeface="Arial"/>
-            </a:endParaRPr>
-          </a:p>
-          <a:p>
-            <a:pPr lvl="4" marL="2160000" indent="-216000">
+          </a:p>
+          <a:p>
+            <a:pPr marL="2160000" lvl="4" indent="-216000">
               <a:spcBef>
                 <a:spcPts val="283"/>
               </a:spcBef>
@@ -5455,7 +6282,7 @@
               <a:buChar char=""/>
             </a:pPr>
             <a:r>
-              <a:rPr b="0" lang="en-US" sz="2000" spc="-1" strike="noStrike">
+              <a:rPr lang="en-US" sz="2000" b="0" strike="noStrike" spc="-1">
                 <a:solidFill>
                   <a:srgbClr val="000000"/>
                 </a:solidFill>
@@ -5463,15 +6290,9 @@
               </a:rPr>
               <a:t>Fifth Outline Level</a:t>
             </a:r>
-            <a:endParaRPr b="0" lang="en-US" sz="2000" spc="-1" strike="noStrike">
-              <a:solidFill>
-                <a:srgbClr val="000000"/>
-              </a:solidFill>
-              <a:latin typeface="Arial"/>
-            </a:endParaRPr>
-          </a:p>
-          <a:p>
-            <a:pPr lvl="5" marL="2592000" indent="-216000">
+          </a:p>
+          <a:p>
+            <a:pPr marL="2592000" lvl="5" indent="-216000">
               <a:spcBef>
                 <a:spcPts val="283"/>
               </a:spcBef>
@@ -5483,7 +6304,7 @@
               <a:buChar char=""/>
             </a:pPr>
             <a:r>
-              <a:rPr b="0" lang="en-US" sz="2000" spc="-1" strike="noStrike">
+              <a:rPr lang="en-US" sz="2000" b="0" strike="noStrike" spc="-1">
                 <a:solidFill>
                   <a:srgbClr val="000000"/>
                 </a:solidFill>
@@ -5491,15 +6312,9 @@
               </a:rPr>
               <a:t>Sixth Outline Level</a:t>
             </a:r>
-            <a:endParaRPr b="0" lang="en-US" sz="2000" spc="-1" strike="noStrike">
-              <a:solidFill>
-                <a:srgbClr val="000000"/>
-              </a:solidFill>
-              <a:latin typeface="Arial"/>
-            </a:endParaRPr>
-          </a:p>
-          <a:p>
-            <a:pPr lvl="6" marL="3024000" indent="-216000">
+          </a:p>
+          <a:p>
+            <a:pPr marL="3024000" lvl="6" indent="-216000">
               <a:spcBef>
                 <a:spcPts val="283"/>
               </a:spcBef>
@@ -5511,7 +6326,7 @@
               <a:buChar char=""/>
             </a:pPr>
             <a:r>
-              <a:rPr b="0" lang="en-US" sz="2000" spc="-1" strike="noStrike">
+              <a:rPr lang="en-US" sz="2000" b="0" strike="noStrike" spc="-1">
                 <a:solidFill>
                   <a:srgbClr val="000000"/>
                 </a:solidFill>
@@ -5519,37 +6334,311 @@
               </a:rPr>
               <a:t>Seventh Outline Level</a:t>
             </a:r>
-            <a:endParaRPr b="0" lang="en-US" sz="2000" spc="-1" strike="noStrike">
-              <a:solidFill>
-                <a:srgbClr val="000000"/>
-              </a:solidFill>
-              <a:latin typeface="Arial"/>
-            </a:endParaRPr>
           </a:p>
         </p:txBody>
       </p:sp>
     </p:spTree>
   </p:cSld>
-  <p:clrMap bg1="lt1" bg2="lt2" tx1="dk1" tx2="dk2" accent1="accent1" accent2="accent2" accent3="accent3" accent4="accent4" accent5="accent5" accent6="accent6" hlink="hlink" folHlink="folHlink"/>
+  <p:clrMap bg1="lt1" tx1="dk1" bg2="lt2" tx2="dk2" accent1="accent1" accent2="accent2" accent3="accent3" accent4="accent4" accent5="accent5" accent6="accent6" hlink="hlink" folHlink="folHlink"/>
   <p:sldLayoutIdLst>
-    <p:sldLayoutId id="2147483675" r:id="rId2"/>
-    <p:sldLayoutId id="2147483676" r:id="rId3"/>
-    <p:sldLayoutId id="2147483677" r:id="rId4"/>
-    <p:sldLayoutId id="2147483678" r:id="rId5"/>
-    <p:sldLayoutId id="2147483679" r:id="rId6"/>
-    <p:sldLayoutId id="2147483680" r:id="rId7"/>
-    <p:sldLayoutId id="2147483681" r:id="rId8"/>
-    <p:sldLayoutId id="2147483682" r:id="rId9"/>
-    <p:sldLayoutId id="2147483683" r:id="rId10"/>
-    <p:sldLayoutId id="2147483684" r:id="rId11"/>
-    <p:sldLayoutId id="2147483685" r:id="rId12"/>
-    <p:sldLayoutId id="2147483686" r:id="rId13"/>
+    <p:sldLayoutId id="2147483675" r:id="rId1"/>
+    <p:sldLayoutId id="2147483676" r:id="rId2"/>
+    <p:sldLayoutId id="2147483677" r:id="rId3"/>
+    <p:sldLayoutId id="2147483678" r:id="rId4"/>
+    <p:sldLayoutId id="2147483679" r:id="rId5"/>
+    <p:sldLayoutId id="2147483680" r:id="rId6"/>
+    <p:sldLayoutId id="2147483681" r:id="rId7"/>
+    <p:sldLayoutId id="2147483682" r:id="rId8"/>
+    <p:sldLayoutId id="2147483683" r:id="rId9"/>
+    <p:sldLayoutId id="2147483684" r:id="rId10"/>
+    <p:sldLayoutId id="2147483685" r:id="rId11"/>
+    <p:sldLayoutId id="2147483686" r:id="rId12"/>
   </p:sldLayoutIdLst>
+  <p:txStyles>
+    <p:titleStyle>
+      <a:lvl1pPr algn="l" defTabSz="914400" rtl="0" eaLnBrk="1" latinLnBrk="0" hangingPunct="1">
+        <a:lnSpc>
+          <a:spcPct val="90000"/>
+        </a:lnSpc>
+        <a:spcBef>
+          <a:spcPct val="0"/>
+        </a:spcBef>
+        <a:buNone/>
+        <a:defRPr sz="4400" kern="1200">
+          <a:solidFill>
+            <a:schemeClr val="tx1"/>
+          </a:solidFill>
+          <a:latin typeface="+mj-lt"/>
+          <a:ea typeface="+mj-ea"/>
+          <a:cs typeface="+mj-cs"/>
+        </a:defRPr>
+      </a:lvl1pPr>
+    </p:titleStyle>
+    <p:bodyStyle>
+      <a:lvl1pPr marL="228600" indent="-228600" algn="l" defTabSz="914400" rtl="0" eaLnBrk="1" latinLnBrk="0" hangingPunct="1">
+        <a:lnSpc>
+          <a:spcPct val="90000"/>
+        </a:lnSpc>
+        <a:spcBef>
+          <a:spcPts val="1000"/>
+        </a:spcBef>
+        <a:buFont typeface="Arial" panose="020B0604020202020204" pitchFamily="34" charset="0"/>
+        <a:buChar char="•"/>
+        <a:defRPr sz="2800" kern="1200">
+          <a:solidFill>
+            <a:schemeClr val="tx1"/>
+          </a:solidFill>
+          <a:latin typeface="+mn-lt"/>
+          <a:ea typeface="+mn-ea"/>
+          <a:cs typeface="+mn-cs"/>
+        </a:defRPr>
+      </a:lvl1pPr>
+      <a:lvl2pPr marL="685800" indent="-228600" algn="l" defTabSz="914400" rtl="0" eaLnBrk="1" latinLnBrk="0" hangingPunct="1">
+        <a:lnSpc>
+          <a:spcPct val="90000"/>
+        </a:lnSpc>
+        <a:spcBef>
+          <a:spcPts val="500"/>
+        </a:spcBef>
+        <a:buFont typeface="Arial" panose="020B0604020202020204" pitchFamily="34" charset="0"/>
+        <a:buChar char="•"/>
+        <a:defRPr sz="2400" kern="1200">
+          <a:solidFill>
+            <a:schemeClr val="tx1"/>
+          </a:solidFill>
+          <a:latin typeface="+mn-lt"/>
+          <a:ea typeface="+mn-ea"/>
+          <a:cs typeface="+mn-cs"/>
+        </a:defRPr>
+      </a:lvl2pPr>
+      <a:lvl3pPr marL="1143000" indent="-228600" algn="l" defTabSz="914400" rtl="0" eaLnBrk="1" latinLnBrk="0" hangingPunct="1">
+        <a:lnSpc>
+          <a:spcPct val="90000"/>
+        </a:lnSpc>
+        <a:spcBef>
+          <a:spcPts val="500"/>
+        </a:spcBef>
+        <a:buFont typeface="Arial" panose="020B0604020202020204" pitchFamily="34" charset="0"/>
+        <a:buChar char="•"/>
+        <a:defRPr sz="2000" kern="1200">
+          <a:solidFill>
+            <a:schemeClr val="tx1"/>
+          </a:solidFill>
+          <a:latin typeface="+mn-lt"/>
+          <a:ea typeface="+mn-ea"/>
+          <a:cs typeface="+mn-cs"/>
+        </a:defRPr>
+      </a:lvl3pPr>
+      <a:lvl4pPr marL="1600200" indent="-228600" algn="l" defTabSz="914400" rtl="0" eaLnBrk="1" latinLnBrk="0" hangingPunct="1">
+        <a:lnSpc>
+          <a:spcPct val="90000"/>
+        </a:lnSpc>
+        <a:spcBef>
+          <a:spcPts val="500"/>
+        </a:spcBef>
+        <a:buFont typeface="Arial" panose="020B0604020202020204" pitchFamily="34" charset="0"/>
+        <a:buChar char="•"/>
+        <a:defRPr sz="1800" kern="1200">
+          <a:solidFill>
+            <a:schemeClr val="tx1"/>
+          </a:solidFill>
+          <a:latin typeface="+mn-lt"/>
+          <a:ea typeface="+mn-ea"/>
+          <a:cs typeface="+mn-cs"/>
+        </a:defRPr>
+      </a:lvl4pPr>
+      <a:lvl5pPr marL="2057400" indent="-228600" algn="l" defTabSz="914400" rtl="0" eaLnBrk="1" latinLnBrk="0" hangingPunct="1">
+        <a:lnSpc>
+          <a:spcPct val="90000"/>
+        </a:lnSpc>
+        <a:spcBef>
+          <a:spcPts val="500"/>
+        </a:spcBef>
+        <a:buFont typeface="Arial" panose="020B0604020202020204" pitchFamily="34" charset="0"/>
+        <a:buChar char="•"/>
+        <a:defRPr sz="1800" kern="1200">
+          <a:solidFill>
+            <a:schemeClr val="tx1"/>
+          </a:solidFill>
+          <a:latin typeface="+mn-lt"/>
+          <a:ea typeface="+mn-ea"/>
+          <a:cs typeface="+mn-cs"/>
+        </a:defRPr>
+      </a:lvl5pPr>
+      <a:lvl6pPr marL="2514600" indent="-228600" algn="l" defTabSz="914400" rtl="0" eaLnBrk="1" latinLnBrk="0" hangingPunct="1">
+        <a:lnSpc>
+          <a:spcPct val="90000"/>
+        </a:lnSpc>
+        <a:spcBef>
+          <a:spcPts val="500"/>
+        </a:spcBef>
+        <a:buFont typeface="Arial" panose="020B0604020202020204" pitchFamily="34" charset="0"/>
+        <a:buChar char="•"/>
+        <a:defRPr sz="1800" kern="1200">
+          <a:solidFill>
+            <a:schemeClr val="tx1"/>
+          </a:solidFill>
+          <a:latin typeface="+mn-lt"/>
+          <a:ea typeface="+mn-ea"/>
+          <a:cs typeface="+mn-cs"/>
+        </a:defRPr>
+      </a:lvl6pPr>
+      <a:lvl7pPr marL="2971800" indent="-228600" algn="l" defTabSz="914400" rtl="0" eaLnBrk="1" latinLnBrk="0" hangingPunct="1">
+        <a:lnSpc>
+          <a:spcPct val="90000"/>
+        </a:lnSpc>
+        <a:spcBef>
+          <a:spcPts val="500"/>
+        </a:spcBef>
+        <a:buFont typeface="Arial" panose="020B0604020202020204" pitchFamily="34" charset="0"/>
+        <a:buChar char="•"/>
+        <a:defRPr sz="1800" kern="1200">
+          <a:solidFill>
+            <a:schemeClr val="tx1"/>
+          </a:solidFill>
+          <a:latin typeface="+mn-lt"/>
+          <a:ea typeface="+mn-ea"/>
+          <a:cs typeface="+mn-cs"/>
+        </a:defRPr>
+      </a:lvl7pPr>
+      <a:lvl8pPr marL="3429000" indent="-228600" algn="l" defTabSz="914400" rtl="0" eaLnBrk="1" latinLnBrk="0" hangingPunct="1">
+        <a:lnSpc>
+          <a:spcPct val="90000"/>
+        </a:lnSpc>
+        <a:spcBef>
+          <a:spcPts val="500"/>
+        </a:spcBef>
+        <a:buFont typeface="Arial" panose="020B0604020202020204" pitchFamily="34" charset="0"/>
+        <a:buChar char="•"/>
+        <a:defRPr sz="1800" kern="1200">
+          <a:solidFill>
+            <a:schemeClr val="tx1"/>
+          </a:solidFill>
+          <a:latin typeface="+mn-lt"/>
+          <a:ea typeface="+mn-ea"/>
+          <a:cs typeface="+mn-cs"/>
+        </a:defRPr>
+      </a:lvl8pPr>
+      <a:lvl9pPr marL="3886200" indent="-228600" algn="l" defTabSz="914400" rtl="0" eaLnBrk="1" latinLnBrk="0" hangingPunct="1">
+        <a:lnSpc>
+          <a:spcPct val="90000"/>
+        </a:lnSpc>
+        <a:spcBef>
+          <a:spcPts val="500"/>
+        </a:spcBef>
+        <a:buFont typeface="Arial" panose="020B0604020202020204" pitchFamily="34" charset="0"/>
+        <a:buChar char="•"/>
+        <a:defRPr sz="1800" kern="1200">
+          <a:solidFill>
+            <a:schemeClr val="tx1"/>
+          </a:solidFill>
+          <a:latin typeface="+mn-lt"/>
+          <a:ea typeface="+mn-ea"/>
+          <a:cs typeface="+mn-cs"/>
+        </a:defRPr>
+      </a:lvl9pPr>
+    </p:bodyStyle>
+    <p:otherStyle>
+      <a:defPPr>
+        <a:defRPr lang="en-US"/>
+      </a:defPPr>
+      <a:lvl1pPr marL="0" algn="l" defTabSz="914400" rtl="0" eaLnBrk="1" latinLnBrk="0" hangingPunct="1">
+        <a:defRPr sz="1800" kern="1200">
+          <a:solidFill>
+            <a:schemeClr val="tx1"/>
+          </a:solidFill>
+          <a:latin typeface="+mn-lt"/>
+          <a:ea typeface="+mn-ea"/>
+          <a:cs typeface="+mn-cs"/>
+        </a:defRPr>
+      </a:lvl1pPr>
+      <a:lvl2pPr marL="457200" algn="l" defTabSz="914400" rtl="0" eaLnBrk="1" latinLnBrk="0" hangingPunct="1">
+        <a:defRPr sz="1800" kern="1200">
+          <a:solidFill>
+            <a:schemeClr val="tx1"/>
+          </a:solidFill>
+          <a:latin typeface="+mn-lt"/>
+          <a:ea typeface="+mn-ea"/>
+          <a:cs typeface="+mn-cs"/>
+        </a:defRPr>
+      </a:lvl2pPr>
+      <a:lvl3pPr marL="914400" algn="l" defTabSz="914400" rtl="0" eaLnBrk="1" latinLnBrk="0" hangingPunct="1">
+        <a:defRPr sz="1800" kern="1200">
+          <a:solidFill>
+            <a:schemeClr val="tx1"/>
+          </a:solidFill>
+          <a:latin typeface="+mn-lt"/>
+          <a:ea typeface="+mn-ea"/>
+          <a:cs typeface="+mn-cs"/>
+        </a:defRPr>
+      </a:lvl3pPr>
+      <a:lvl4pPr marL="1371600" algn="l" defTabSz="914400" rtl="0" eaLnBrk="1" latinLnBrk="0" hangingPunct="1">
+        <a:defRPr sz="1800" kern="1200">
+          <a:solidFill>
+            <a:schemeClr val="tx1"/>
+          </a:solidFill>
+          <a:latin typeface="+mn-lt"/>
+          <a:ea typeface="+mn-ea"/>
+          <a:cs typeface="+mn-cs"/>
+        </a:defRPr>
+      </a:lvl4pPr>
+      <a:lvl5pPr marL="1828800" algn="l" defTabSz="914400" rtl="0" eaLnBrk="1" latinLnBrk="0" hangingPunct="1">
+        <a:defRPr sz="1800" kern="1200">
+          <a:solidFill>
+            <a:schemeClr val="tx1"/>
+          </a:solidFill>
+          <a:latin typeface="+mn-lt"/>
+          <a:ea typeface="+mn-ea"/>
+          <a:cs typeface="+mn-cs"/>
+        </a:defRPr>
+      </a:lvl5pPr>
+      <a:lvl6pPr marL="2286000" algn="l" defTabSz="914400" rtl="0" eaLnBrk="1" latinLnBrk="0" hangingPunct="1">
+        <a:defRPr sz="1800" kern="1200">
+          <a:solidFill>
+            <a:schemeClr val="tx1"/>
+          </a:solidFill>
+          <a:latin typeface="+mn-lt"/>
+          <a:ea typeface="+mn-ea"/>
+          <a:cs typeface="+mn-cs"/>
+        </a:defRPr>
+      </a:lvl6pPr>
+      <a:lvl7pPr marL="2743200" algn="l" defTabSz="914400" rtl="0" eaLnBrk="1" latinLnBrk="0" hangingPunct="1">
+        <a:defRPr sz="1800" kern="1200">
+          <a:solidFill>
+            <a:schemeClr val="tx1"/>
+          </a:solidFill>
+          <a:latin typeface="+mn-lt"/>
+          <a:ea typeface="+mn-ea"/>
+          <a:cs typeface="+mn-cs"/>
+        </a:defRPr>
+      </a:lvl7pPr>
+      <a:lvl8pPr marL="3200400" algn="l" defTabSz="914400" rtl="0" eaLnBrk="1" latinLnBrk="0" hangingPunct="1">
+        <a:defRPr sz="1800" kern="1200">
+          <a:solidFill>
+            <a:schemeClr val="tx1"/>
+          </a:solidFill>
+          <a:latin typeface="+mn-lt"/>
+          <a:ea typeface="+mn-ea"/>
+          <a:cs typeface="+mn-cs"/>
+        </a:defRPr>
+      </a:lvl8pPr>
+      <a:lvl9pPr marL="3657600" algn="l" defTabSz="914400" rtl="0" eaLnBrk="1" latinLnBrk="0" hangingPunct="1">
+        <a:defRPr sz="1800" kern="1200">
+          <a:solidFill>
+            <a:schemeClr val="tx1"/>
+          </a:solidFill>
+          <a:latin typeface="+mn-lt"/>
+          <a:ea typeface="+mn-ea"/>
+          <a:cs typeface="+mn-cs"/>
+        </a:defRPr>
+      </a:lvl9pPr>
+    </p:otherStyle>
+  </p:txStyles>
 </p:sldMaster>
 </file>
 
 <file path=ppt/slides/slide1.xml><?xml version="1.0" encoding="utf-8"?>
-<p:sld xmlns:a="http://schemas.openxmlformats.org/drawingml/2006/main" xmlns:p="http://schemas.openxmlformats.org/presentationml/2006/main" xmlns:r="http://schemas.openxmlformats.org/officeDocument/2006/relationships" xmlns:p14="http://schemas.microsoft.com/office/powerpoint/2010/main" xmlns:p15="http://schemas.microsoft.com/office/powerpoint/2012/main" xmlns:mc="http://schemas.openxmlformats.org/markup-compatibility/2006">
+<p:sld xmlns:a="http://schemas.openxmlformats.org/drawingml/2006/main" xmlns:r="http://schemas.openxmlformats.org/officeDocument/2006/relationships" xmlns:p="http://schemas.openxmlformats.org/presentationml/2006/main">
   <p:cSld>
     <p:spTree>
       <p:nvGrpSpPr>
@@ -5585,13 +6674,20 @@
           </a:ln>
         </p:spPr>
         <p:style>
-          <a:lnRef idx="0"/>
-          <a:fillRef idx="0"/>
-          <a:effectRef idx="0"/>
+          <a:lnRef idx="0">
+            <a:scrgbClr r="0" g="0" b="0"/>
+          </a:lnRef>
+          <a:fillRef idx="0">
+            <a:scrgbClr r="0" g="0" b="0"/>
+          </a:fillRef>
+          <a:effectRef idx="0">
+            <a:scrgbClr r="0" g="0" b="0"/>
+          </a:effectRef>
           <a:fontRef idx="minor"/>
         </p:style>
         <p:txBody>
-          <a:bodyPr lIns="90000" rIns="90000" tIns="45000" bIns="45000" anchor="b"/>
+          <a:bodyPr lIns="90000" tIns="45000" rIns="90000" bIns="45000" anchor="b"/>
+          <a:lstStyle/>
           <a:p>
             <a:pPr>
               <a:lnSpc>
@@ -5599,7 +6695,7 @@
               </a:lnSpc>
             </a:pPr>
             <a:r>
-              <a:rPr b="0" lang="en-US" sz="8000" spc="-41" strike="noStrike">
+              <a:rPr lang="en-US" sz="8000" b="0" strike="noStrike" spc="-41">
                 <a:solidFill>
                   <a:srgbClr val="262626"/>
                 </a:solidFill>
@@ -5608,7 +6704,7 @@
               </a:rPr>
               <a:t>Debugger</a:t>
             </a:r>
-            <a:endParaRPr b="0" lang="en-US" sz="8000" spc="-1" strike="noStrike">
+            <a:endParaRPr lang="en-US" sz="8000" b="0" strike="noStrike" spc="-1">
               <a:latin typeface="Arial"/>
             </a:endParaRPr>
           </a:p>
@@ -5634,13 +6730,20 @@
           </a:ln>
         </p:spPr>
         <p:style>
-          <a:lnRef idx="0"/>
-          <a:fillRef idx="0"/>
-          <a:effectRef idx="0"/>
+          <a:lnRef idx="0">
+            <a:scrgbClr r="0" g="0" b="0"/>
+          </a:lnRef>
+          <a:fillRef idx="0">
+            <a:scrgbClr r="0" g="0" b="0"/>
+          </a:fillRef>
+          <a:effectRef idx="0">
+            <a:scrgbClr r="0" g="0" b="0"/>
+          </a:effectRef>
           <a:fontRef idx="minor"/>
         </p:style>
         <p:txBody>
-          <a:bodyPr lIns="90000" rIns="90000" tIns="45000" bIns="45000"/>
+          <a:bodyPr lIns="90000" tIns="45000" rIns="90000" bIns="45000"/>
+          <a:lstStyle/>
           <a:p>
             <a:pPr>
               <a:lnSpc>
@@ -5654,7 +6757,7 @@
               </a:spcAft>
             </a:pPr>
             <a:r>
-              <a:rPr b="0" lang="en-US" sz="2400" spc="191" strike="noStrike" cap="all">
+              <a:rPr lang="en-US" sz="2400" b="0" strike="noStrike" cap="all" spc="191">
                 <a:solidFill>
                   <a:srgbClr val="637052"/>
                 </a:solidFill>
@@ -5663,7 +6766,7 @@
               </a:rPr>
               <a:t>Banana Development Team</a:t>
             </a:r>
-            <a:endParaRPr b="0" lang="en-US" sz="2400" spc="-1" strike="noStrike">
+            <a:endParaRPr lang="en-US" sz="2400" b="0" strike="noStrike" spc="-1">
               <a:latin typeface="Arial"/>
             </a:endParaRPr>
           </a:p>
@@ -5671,13 +6774,13 @@
       </p:sp>
       <p:pic>
         <p:nvPicPr>
-          <p:cNvPr id="128" name="Picture 4" descr=""/>
+          <p:cNvPr id="128" name="Picture 4"/>
           <p:cNvPicPr/>
           <p:nvPr/>
         </p:nvPicPr>
         <p:blipFill>
-          <a:blip r:embed="rId1"/>
-          <a:srcRect l="0" t="0" r="0" b="4860"/>
+          <a:blip r:embed="rId2"/>
+          <a:srcRect b="4860"/>
           <a:stretch/>
         </p:blipFill>
         <p:spPr>
@@ -5695,6 +6798,9 @@
       </p:pic>
     </p:spTree>
   </p:cSld>
+  <p:clrMapOvr>
+    <a:masterClrMapping/>
+  </p:clrMapOvr>
   <p:timing>
     <p:tnLst>
       <p:par>
@@ -5703,14 +6809,14 @@
             <p:seq>
               <p:cTn id="2" dur="indefinite" nodeType="mainSeq"/>
               <p:prevCondLst>
-                <p:cond delay="0" evt="onPrev">
+                <p:cond evt="onPrev" delay="0">
                   <p:tgtEl>
                     <p:sldTgt/>
                   </p:tgtEl>
                 </p:cond>
               </p:prevCondLst>
               <p:nextCondLst>
-                <p:cond delay="0" evt="onNext">
+                <p:cond evt="onNext" delay="0">
                   <p:tgtEl>
                     <p:sldTgt/>
                   </p:tgtEl>
@@ -5726,7 +6832,7 @@
 </file>
 
 <file path=ppt/slides/slide10.xml><?xml version="1.0" encoding="utf-8"?>
-<p:sld xmlns:a="http://schemas.openxmlformats.org/drawingml/2006/main" xmlns:p="http://schemas.openxmlformats.org/presentationml/2006/main" xmlns:r="http://schemas.openxmlformats.org/officeDocument/2006/relationships" xmlns:p14="http://schemas.microsoft.com/office/powerpoint/2010/main" xmlns:p15="http://schemas.microsoft.com/office/powerpoint/2012/main" xmlns:mc="http://schemas.openxmlformats.org/markup-compatibility/2006">
+<p:sld xmlns:a="http://schemas.openxmlformats.org/drawingml/2006/main" xmlns:r="http://schemas.openxmlformats.org/officeDocument/2006/relationships" xmlns:p="http://schemas.openxmlformats.org/presentationml/2006/main">
   <p:cSld>
     <p:spTree>
       <p:nvGrpSpPr>
@@ -5744,7 +6850,7 @@
       </p:grpSpPr>
       <p:sp>
         <p:nvSpPr>
-          <p:cNvPr id="156" name="CustomShape 1"/>
+          <p:cNvPr id="153" name="CustomShape 1"/>
           <p:cNvSpPr/>
           <p:nvPr/>
         </p:nvSpPr>
@@ -5762,33 +6868,305 @@
           </a:ln>
         </p:spPr>
         <p:style>
-          <a:lnRef idx="0"/>
-          <a:fillRef idx="0"/>
-          <a:effectRef idx="0"/>
+          <a:lnRef idx="0">
+            <a:scrgbClr r="0" g="0" b="0"/>
+          </a:lnRef>
+          <a:fillRef idx="0">
+            <a:scrgbClr r="0" g="0" b="0"/>
+          </a:fillRef>
+          <a:effectRef idx="0">
+            <a:scrgbClr r="0" g="0" b="0"/>
+          </a:effectRef>
           <a:fontRef idx="minor"/>
         </p:style>
         <p:txBody>
-          <a:bodyPr lIns="0" rIns="0" tIns="0" bIns="0" anchor="ctr"/>
+          <a:bodyPr lIns="0" tIns="0" rIns="0" bIns="0" anchor="ctr"/>
+          <a:lstStyle/>
+          <a:p>
+            <a:pPr>
+              <a:lnSpc>
+                <a:spcPct val="85000"/>
+              </a:lnSpc>
+            </a:pPr>
+            <a:br/>
+            <a:r>
+              <a:rPr lang="en-US" sz="4400" b="0" strike="noStrike" spc="-41">
+                <a:solidFill>
+                  <a:srgbClr val="404040"/>
+                </a:solidFill>
+                <a:latin typeface="Calibri Light"/>
+                <a:ea typeface="Microsoft YaHei"/>
+              </a:rPr>
+              <a:t>Blakely – Sound</a:t>
+            </a:r>
+            <a:endParaRPr lang="en-US" sz="4400" b="0" strike="noStrike" spc="-1">
+              <a:latin typeface="Arial"/>
+            </a:endParaRPr>
+          </a:p>
+        </p:txBody>
+      </p:sp>
+      <p:sp>
+        <p:nvSpPr>
+          <p:cNvPr id="154" name="CustomShape 2"/>
+          <p:cNvSpPr/>
+          <p:nvPr/>
+        </p:nvSpPr>
+        <p:spPr>
+          <a:xfrm>
+            <a:off x="1097280" y="2121120"/>
+            <a:ext cx="10056960" cy="4021920"/>
+          </a:xfrm>
+          <a:prstGeom prst="rect">
+            <a:avLst/>
+          </a:prstGeom>
+          <a:noFill/>
+          <a:ln>
+            <a:noFill/>
+          </a:ln>
+        </p:spPr>
+        <p:style>
+          <a:lnRef idx="0">
+            <a:scrgbClr r="0" g="0" b="0"/>
+          </a:lnRef>
+          <a:fillRef idx="0">
+            <a:scrgbClr r="0" g="0" b="0"/>
+          </a:fillRef>
+          <a:effectRef idx="0">
+            <a:scrgbClr r="0" g="0" b="0"/>
+          </a:effectRef>
+          <a:fontRef idx="minor"/>
+        </p:style>
+        <p:txBody>
+          <a:bodyPr lIns="0" tIns="0" rIns="0" bIns="0" anchor="ctr"/>
+          <a:lstStyle/>
+          <a:p>
+            <a:pPr marL="91440" indent="-90000">
+              <a:lnSpc>
+                <a:spcPct val="90000"/>
+              </a:lnSpc>
+              <a:spcBef>
+                <a:spcPts val="1199"/>
+              </a:spcBef>
+              <a:spcAft>
+                <a:spcPts val="201"/>
+              </a:spcAft>
+              <a:buClr>
+                <a:srgbClr val="E48312"/>
+              </a:buClr>
+              <a:buFont typeface="Arial"/>
+              <a:buChar char="•"/>
+            </a:pPr>
+            <a:r>
+              <a:rPr lang="en-US" sz="2200" b="0" strike="noStrike" spc="-1">
+                <a:solidFill>
+                  <a:srgbClr val="404040"/>
+                </a:solidFill>
+                <a:latin typeface="Calibri"/>
+                <a:ea typeface="DejaVu Sans"/>
+              </a:rPr>
+              <a:t>Creating Sounds for levels and sound effects</a:t>
+            </a:r>
+            <a:endParaRPr lang="en-US" sz="2200" b="0" strike="noStrike" spc="-1">
+              <a:latin typeface="Arial"/>
+            </a:endParaRPr>
+          </a:p>
+          <a:p>
+            <a:pPr marL="91440" indent="-90000">
+              <a:lnSpc>
+                <a:spcPct val="90000"/>
+              </a:lnSpc>
+              <a:spcBef>
+                <a:spcPts val="1199"/>
+              </a:spcBef>
+              <a:spcAft>
+                <a:spcPts val="201"/>
+              </a:spcAft>
+              <a:buClr>
+                <a:srgbClr val="E48312"/>
+              </a:buClr>
+              <a:buFont typeface="Arial"/>
+              <a:buChar char="•"/>
+            </a:pPr>
+            <a:r>
+              <a:rPr lang="en-US" sz="2200" b="0" strike="noStrike" spc="-1">
+                <a:solidFill>
+                  <a:srgbClr val="404040"/>
+                </a:solidFill>
+                <a:latin typeface="Calibri"/>
+                <a:ea typeface="DejaVu Sans"/>
+              </a:rPr>
+              <a:t>Coordinate with Luis on player sound effects</a:t>
+            </a:r>
+            <a:endParaRPr lang="en-US" sz="2200" b="0" strike="noStrike" spc="-1">
+              <a:latin typeface="Arial"/>
+            </a:endParaRPr>
+          </a:p>
+          <a:p>
+            <a:pPr marL="91440" indent="-90000">
+              <a:lnSpc>
+                <a:spcPct val="90000"/>
+              </a:lnSpc>
+              <a:spcBef>
+                <a:spcPts val="1199"/>
+              </a:spcBef>
+              <a:spcAft>
+                <a:spcPts val="201"/>
+              </a:spcAft>
+              <a:buClr>
+                <a:srgbClr val="E48312"/>
+              </a:buClr>
+              <a:buFont typeface="Arial"/>
+              <a:buChar char="•"/>
+            </a:pPr>
+            <a:r>
+              <a:rPr lang="en-US" sz="2200" b="0" strike="noStrike" spc="-1">
+                <a:solidFill>
+                  <a:srgbClr val="404040"/>
+                </a:solidFill>
+                <a:latin typeface="Calibri"/>
+                <a:ea typeface="DejaVu Sans"/>
+              </a:rPr>
+              <a:t>Coordinate with Ben on enemy sound effects</a:t>
+            </a:r>
+            <a:endParaRPr lang="en-US" sz="2200" b="0" strike="noStrike" spc="-1">
+              <a:latin typeface="Arial"/>
+            </a:endParaRPr>
+          </a:p>
+          <a:p>
+            <a:pPr marL="91440" indent="-90000">
+              <a:lnSpc>
+                <a:spcPct val="90000"/>
+              </a:lnSpc>
+              <a:spcBef>
+                <a:spcPts val="1199"/>
+              </a:spcBef>
+              <a:spcAft>
+                <a:spcPts val="201"/>
+              </a:spcAft>
+              <a:buClr>
+                <a:srgbClr val="E48312"/>
+              </a:buClr>
+              <a:buFont typeface="Arial"/>
+              <a:buChar char="•"/>
+            </a:pPr>
+            <a:r>
+              <a:rPr lang="en-US" sz="2200" b="0" strike="noStrike" spc="-1">
+                <a:solidFill>
+                  <a:srgbClr val="404040"/>
+                </a:solidFill>
+                <a:latin typeface="Calibri"/>
+                <a:ea typeface="DejaVu Sans"/>
+              </a:rPr>
+              <a:t>Provide seamless timing between character trigger and sound effect</a:t>
+            </a:r>
+            <a:endParaRPr lang="en-US" sz="2200" b="0" strike="noStrike" spc="-1">
+              <a:latin typeface="Arial"/>
+            </a:endParaRPr>
+          </a:p>
           <a:p>
             <a:pPr>
               <a:lnSpc>
                 <a:spcPct val="90000"/>
               </a:lnSpc>
+              <a:spcBef>
+                <a:spcPts val="1199"/>
+              </a:spcBef>
+              <a:spcAft>
+                <a:spcPts val="201"/>
+              </a:spcAft>
             </a:pPr>
-            <a:br/>
-            <a:br/>
+            <a:endParaRPr lang="en-US" sz="2200" b="0" strike="noStrike" spc="-1">
+              <a:latin typeface="Arial"/>
+            </a:endParaRPr>
+          </a:p>
+          <a:p>
+            <a:pPr>
+              <a:lnSpc>
+                <a:spcPct val="90000"/>
+              </a:lnSpc>
+              <a:spcBef>
+                <a:spcPts val="1199"/>
+              </a:spcBef>
+              <a:spcAft>
+                <a:spcPts val="201"/>
+              </a:spcAft>
+            </a:pPr>
+            <a:endParaRPr lang="en-US" sz="2200" b="0" strike="noStrike" spc="-1">
+              <a:latin typeface="Arial"/>
+            </a:endParaRPr>
+          </a:p>
+          <a:p>
+            <a:pPr marL="91440" indent="-90000">
+              <a:lnSpc>
+                <a:spcPct val="90000"/>
+              </a:lnSpc>
+              <a:spcBef>
+                <a:spcPts val="1199"/>
+              </a:spcBef>
+              <a:spcAft>
+                <a:spcPts val="201"/>
+              </a:spcAft>
+              <a:buClr>
+                <a:srgbClr val="E48312"/>
+              </a:buClr>
+              <a:buFont typeface="Arial"/>
+              <a:buChar char="•"/>
+            </a:pPr>
             <a:r>
-              <a:rPr b="0" lang="en-US" sz="4400" spc="-41" strike="noStrike">
+              <a:rPr lang="en-US" sz="2200" b="0" strike="noStrike" spc="-1">
                 <a:solidFill>
                   <a:srgbClr val="404040"/>
                 </a:solidFill>
-                <a:latin typeface="Calibri Light"/>
+                <a:latin typeface="Calibri"/>
                 <a:ea typeface="DejaVu Sans"/>
               </a:rPr>
-              <a:t>Sound Design – Use Case Diagram</a:t>
+              <a:t>Priority level: 3 </a:t>
             </a:r>
-            <a:br/>
-            <a:endParaRPr b="0" lang="en-US" sz="4400" spc="-1" strike="noStrike">
+            <a:endParaRPr lang="en-US" sz="2200" b="0" strike="noStrike" spc="-1">
+              <a:latin typeface="Arial"/>
+            </a:endParaRPr>
+          </a:p>
+          <a:p>
+            <a:pPr marL="91440" indent="-90000">
+              <a:lnSpc>
+                <a:spcPct val="90000"/>
+              </a:lnSpc>
+              <a:spcBef>
+                <a:spcPts val="1199"/>
+              </a:spcBef>
+              <a:spcAft>
+                <a:spcPts val="201"/>
+              </a:spcAft>
+              <a:buClr>
+                <a:srgbClr val="E48312"/>
+              </a:buClr>
+              <a:buFont typeface="Arial"/>
+              <a:buChar char="•"/>
+            </a:pPr>
+            <a:r>
+              <a:rPr lang="en-US" sz="2200" b="0" strike="noStrike" spc="-1">
+                <a:solidFill>
+                  <a:srgbClr val="404040"/>
+                </a:solidFill>
+                <a:latin typeface="Calibri"/>
+                <a:ea typeface="DejaVu Sans"/>
+              </a:rPr>
+              <a:t>Complexity: Moderate</a:t>
+            </a:r>
+            <a:endParaRPr lang="en-US" sz="2200" b="0" strike="noStrike" spc="-1">
+              <a:latin typeface="Arial"/>
+            </a:endParaRPr>
+          </a:p>
+          <a:p>
+            <a:pPr>
+              <a:lnSpc>
+                <a:spcPct val="90000"/>
+              </a:lnSpc>
+              <a:spcBef>
+                <a:spcPts val="1001"/>
+              </a:spcBef>
+            </a:pPr>
+            <a:endParaRPr lang="en-US" sz="2200" b="0" strike="noStrike" spc="-1">
               <a:latin typeface="Arial"/>
             </a:endParaRPr>
           </a:p>
@@ -5796,43 +7174,19 @@
       </p:sp>
       <p:pic>
         <p:nvPicPr>
-          <p:cNvPr id="157" name="Picture 4" descr=""/>
-          <p:cNvPicPr/>
-          <p:nvPr/>
-        </p:nvPicPr>
-        <p:blipFill>
-          <a:blip r:embed="rId1"/>
-          <a:srcRect l="0" t="0" r="0" b="4860"/>
-          <a:stretch/>
-        </p:blipFill>
-        <p:spPr>
-          <a:xfrm>
-            <a:off x="10667880" y="274320"/>
-            <a:ext cx="1164600" cy="1260360"/>
-          </a:xfrm>
-          <a:prstGeom prst="rect">
-            <a:avLst/>
-          </a:prstGeom>
-          <a:ln>
-            <a:noFill/>
-          </a:ln>
-        </p:spPr>
-      </p:pic>
-      <p:pic>
-        <p:nvPicPr>
-          <p:cNvPr id="158" name="Picture 5" descr=""/>
+          <p:cNvPr id="155" name="Picture 4"/>
           <p:cNvPicPr/>
           <p:nvPr/>
         </p:nvPicPr>
         <p:blipFill>
           <a:blip r:embed="rId2"/>
-          <a:srcRect l="0" t="4713" r="0" b="4404"/>
+          <a:srcRect b="4860"/>
           <a:stretch/>
         </p:blipFill>
         <p:spPr>
           <a:xfrm>
-            <a:off x="2485080" y="1905840"/>
-            <a:ext cx="4575600" cy="4317480"/>
+            <a:off x="10667880" y="274320"/>
+            <a:ext cx="1164600" cy="1260360"/>
           </a:xfrm>
           <a:prstGeom prst="rect">
             <a:avLst/>
@@ -5844,22 +7198,25 @@
       </p:pic>
     </p:spTree>
   </p:cSld>
+  <p:clrMapOvr>
+    <a:masterClrMapping/>
+  </p:clrMapOvr>
   <p:timing>
     <p:tnLst>
       <p:par>
-        <p:cTn id="19" dur="indefinite" restart="never" nodeType="tmRoot">
+        <p:cTn id="1" dur="indefinite" restart="never" nodeType="tmRoot">
           <p:childTnLst>
             <p:seq>
-              <p:cTn id="20" dur="indefinite" nodeType="mainSeq"/>
+              <p:cTn id="2" dur="indefinite" nodeType="mainSeq"/>
               <p:prevCondLst>
-                <p:cond delay="0" evt="onPrev">
+                <p:cond evt="onPrev" delay="0">
                   <p:tgtEl>
                     <p:sldTgt/>
                   </p:tgtEl>
                 </p:cond>
               </p:prevCondLst>
               <p:nextCondLst>
-                <p:cond delay="0" evt="onNext">
+                <p:cond evt="onNext" delay="0">
                   <p:tgtEl>
                     <p:sldTgt/>
                   </p:tgtEl>
@@ -5875,7 +7232,7 @@
 </file>
 
 <file path=ppt/slides/slide11.xml><?xml version="1.0" encoding="utf-8"?>
-<p:sld xmlns:a="http://schemas.openxmlformats.org/drawingml/2006/main" xmlns:p="http://schemas.openxmlformats.org/presentationml/2006/main" xmlns:r="http://schemas.openxmlformats.org/officeDocument/2006/relationships" xmlns:p14="http://schemas.microsoft.com/office/powerpoint/2010/main" xmlns:p15="http://schemas.microsoft.com/office/powerpoint/2012/main" xmlns:mc="http://schemas.openxmlformats.org/markup-compatibility/2006">
+<p:sld xmlns:a="http://schemas.openxmlformats.org/drawingml/2006/main" xmlns:r="http://schemas.openxmlformats.org/officeDocument/2006/relationships" xmlns:p="http://schemas.openxmlformats.org/presentationml/2006/main">
   <p:cSld>
     <p:spTree>
       <p:nvGrpSpPr>
@@ -5893,7 +7250,7 @@
       </p:grpSpPr>
       <p:sp>
         <p:nvSpPr>
-          <p:cNvPr id="159" name="CustomShape 1"/>
+          <p:cNvPr id="156" name="CustomShape 1"/>
           <p:cNvSpPr/>
           <p:nvPr/>
         </p:nvSpPr>
@@ -5911,331 +7268,40 @@
           </a:ln>
         </p:spPr>
         <p:style>
-          <a:lnRef idx="0"/>
-          <a:fillRef idx="0"/>
-          <a:effectRef idx="0"/>
+          <a:lnRef idx="0">
+            <a:scrgbClr r="0" g="0" b="0"/>
+          </a:lnRef>
+          <a:fillRef idx="0">
+            <a:scrgbClr r="0" g="0" b="0"/>
+          </a:fillRef>
+          <a:effectRef idx="0">
+            <a:scrgbClr r="0" g="0" b="0"/>
+          </a:effectRef>
           <a:fontRef idx="minor"/>
         </p:style>
         <p:txBody>
-          <a:bodyPr lIns="0" rIns="0" tIns="0" bIns="0" anchor="ctr"/>
+          <a:bodyPr lIns="0" tIns="0" rIns="0" bIns="0" anchor="ctr"/>
+          <a:lstStyle/>
           <a:p>
             <a:pPr>
               <a:lnSpc>
-                <a:spcPct val="85000"/>
+                <a:spcPct val="90000"/>
               </a:lnSpc>
             </a:pPr>
             <a:br/>
+            <a:br/>
             <a:r>
-              <a:rPr b="0" lang="en-US" sz="4400" spc="-41" strike="noStrike">
+              <a:rPr lang="en-US" sz="4400" b="0" strike="noStrike" spc="-41">
                 <a:solidFill>
                   <a:srgbClr val="404040"/>
                 </a:solidFill>
                 <a:latin typeface="Calibri Light"/>
-                <a:ea typeface="Microsoft YaHei"/>
-              </a:rPr>
-              <a:t>Joel – Game Menus</a:t>
-            </a:r>
-            <a:endParaRPr b="0" lang="en-US" sz="4400" spc="-1" strike="noStrike">
-              <a:latin typeface="Arial"/>
-            </a:endParaRPr>
-          </a:p>
-        </p:txBody>
-      </p:sp>
-      <p:sp>
-        <p:nvSpPr>
-          <p:cNvPr id="160" name="CustomShape 2"/>
-          <p:cNvSpPr/>
-          <p:nvPr/>
-        </p:nvSpPr>
-        <p:spPr>
-          <a:xfrm>
-            <a:off x="1097280" y="2121120"/>
-            <a:ext cx="10056960" cy="4021920"/>
-          </a:xfrm>
-          <a:prstGeom prst="rect">
-            <a:avLst/>
-          </a:prstGeom>
-          <a:noFill/>
-          <a:ln>
-            <a:noFill/>
-          </a:ln>
-        </p:spPr>
-        <p:style>
-          <a:lnRef idx="0"/>
-          <a:fillRef idx="0"/>
-          <a:effectRef idx="0"/>
-          <a:fontRef idx="minor"/>
-        </p:style>
-        <p:txBody>
-          <a:bodyPr lIns="0" rIns="0" tIns="0" bIns="0" anchor="ctr"/>
-          <a:p>
-            <a:pPr marL="91440" indent="-90000">
-              <a:lnSpc>
-                <a:spcPct val="90000"/>
-              </a:lnSpc>
-              <a:spcBef>
-                <a:spcPts val="1199"/>
-              </a:spcBef>
-              <a:spcAft>
-                <a:spcPts val="201"/>
-              </a:spcAft>
-              <a:buClr>
-                <a:srgbClr val="e48312"/>
-              </a:buClr>
-              <a:buFont typeface="Arial"/>
-              <a:buChar char="•"/>
-            </a:pPr>
-            <a:r>
-              <a:rPr b="0" lang="en-US" sz="2200" spc="-1" strike="noStrike">
-                <a:solidFill>
-                  <a:srgbClr val="404040"/>
-                </a:solidFill>
-                <a:latin typeface="Calibri"/>
                 <a:ea typeface="DejaVu Sans"/>
               </a:rPr>
-              <a:t> </a:t>
+              <a:t>Sound Design – Use Case Diagram</a:t>
             </a:r>
-            <a:r>
-              <a:rPr b="0" lang="en-US" sz="2200" spc="-1" strike="noStrike">
-                <a:solidFill>
-                  <a:srgbClr val="404040"/>
-                </a:solidFill>
-                <a:latin typeface="Calibri"/>
-                <a:ea typeface="DejaVu Sans"/>
-              </a:rPr>
-              <a:t>Creating game menus that include a Start Menu and a Pause Menu. </a:t>
-            </a:r>
-            <a:endParaRPr b="0" lang="en-US" sz="2200" spc="-1" strike="noStrike">
-              <a:latin typeface="Arial"/>
-            </a:endParaRPr>
-          </a:p>
-          <a:p>
-            <a:pPr marL="91440" indent="-90000">
-              <a:lnSpc>
-                <a:spcPct val="90000"/>
-              </a:lnSpc>
-              <a:spcBef>
-                <a:spcPts val="1199"/>
-              </a:spcBef>
-              <a:spcAft>
-                <a:spcPts val="201"/>
-              </a:spcAft>
-              <a:buClr>
-                <a:srgbClr val="e48312"/>
-              </a:buClr>
-              <a:buFont typeface="Arial"/>
-              <a:buChar char="•"/>
-            </a:pPr>
-            <a:r>
-              <a:rPr b="0" lang="en-US" sz="2200" spc="-1" strike="noStrike">
-                <a:solidFill>
-                  <a:srgbClr val="404040"/>
-                </a:solidFill>
-                <a:latin typeface="Calibri"/>
-                <a:ea typeface="DejaVu Sans"/>
-              </a:rPr>
-              <a:t> </a:t>
-            </a:r>
-            <a:r>
-              <a:rPr b="0" lang="en-US" sz="2200" spc="-1" strike="noStrike">
-                <a:solidFill>
-                  <a:srgbClr val="404040"/>
-                </a:solidFill>
-                <a:latin typeface="Calibri"/>
-                <a:ea typeface="DejaVu Sans"/>
-              </a:rPr>
-              <a:t>Coordinate with Luis and Josh to determine most useful functionalities for the gamer and add them as options to the appropriate menu.</a:t>
-            </a:r>
-            <a:endParaRPr b="0" lang="en-US" sz="2200" spc="-1" strike="noStrike">
-              <a:latin typeface="Arial"/>
-            </a:endParaRPr>
-          </a:p>
-          <a:p>
-            <a:pPr marL="91440" indent="-90000">
-              <a:lnSpc>
-                <a:spcPct val="90000"/>
-              </a:lnSpc>
-              <a:spcBef>
-                <a:spcPts val="1199"/>
-              </a:spcBef>
-              <a:spcAft>
-                <a:spcPts val="201"/>
-              </a:spcAft>
-              <a:buClr>
-                <a:srgbClr val="e48312"/>
-              </a:buClr>
-              <a:buFont typeface="Arial"/>
-              <a:buChar char="•"/>
-            </a:pPr>
-            <a:r>
-              <a:rPr b="0" lang="en-US" sz="2200" spc="-1" strike="noStrike">
-                <a:solidFill>
-                  <a:srgbClr val="404040"/>
-                </a:solidFill>
-                <a:latin typeface="Calibri"/>
-                <a:ea typeface="DejaVu Sans"/>
-              </a:rPr>
-              <a:t> </a:t>
-            </a:r>
-            <a:r>
-              <a:rPr b="0" lang="en-US" sz="2200" spc="-1" strike="noStrike">
-                <a:solidFill>
-                  <a:srgbClr val="404040"/>
-                </a:solidFill>
-                <a:latin typeface="Calibri"/>
-                <a:ea typeface="DejaVu Sans"/>
-              </a:rPr>
-              <a:t>Coordinate with Josh to determine a design that flows with the in game graphics.</a:t>
-            </a:r>
-            <a:endParaRPr b="0" lang="en-US" sz="2200" spc="-1" strike="noStrike">
-              <a:latin typeface="Arial"/>
-            </a:endParaRPr>
-          </a:p>
-          <a:p>
-            <a:pPr marL="91440" indent="-90000">
-              <a:lnSpc>
-                <a:spcPct val="90000"/>
-              </a:lnSpc>
-              <a:spcBef>
-                <a:spcPts val="1199"/>
-              </a:spcBef>
-              <a:spcAft>
-                <a:spcPts val="201"/>
-              </a:spcAft>
-              <a:buClr>
-                <a:srgbClr val="e48312"/>
-              </a:buClr>
-              <a:buFont typeface="Arial"/>
-              <a:buChar char="•"/>
-            </a:pPr>
-            <a:r>
-              <a:rPr b="0" lang="en-US" sz="2200" spc="-1" strike="noStrike">
-                <a:solidFill>
-                  <a:srgbClr val="404040"/>
-                </a:solidFill>
-                <a:latin typeface="Calibri"/>
-                <a:ea typeface="DejaVu Sans"/>
-              </a:rPr>
-              <a:t> </a:t>
-            </a:r>
-            <a:r>
-              <a:rPr b="0" lang="en-US" sz="2200" spc="-1" strike="noStrike">
-                <a:solidFill>
-                  <a:srgbClr val="404040"/>
-                </a:solidFill>
-                <a:latin typeface="Calibri"/>
-                <a:ea typeface="DejaVu Sans"/>
-              </a:rPr>
-              <a:t>Coordinate with Luis to determine how the gamer can access the appropriate menu. </a:t>
-            </a:r>
-            <a:endParaRPr b="0" lang="en-US" sz="2200" spc="-1" strike="noStrike">
-              <a:latin typeface="Arial"/>
-            </a:endParaRPr>
-          </a:p>
-          <a:p>
-            <a:pPr>
-              <a:lnSpc>
-                <a:spcPct val="90000"/>
-              </a:lnSpc>
-              <a:spcBef>
-                <a:spcPts val="1199"/>
-              </a:spcBef>
-              <a:spcAft>
-                <a:spcPts val="201"/>
-              </a:spcAft>
-            </a:pPr>
-            <a:endParaRPr b="0" lang="en-US" sz="2200" spc="-1" strike="noStrike">
-              <a:latin typeface="Arial"/>
-            </a:endParaRPr>
-          </a:p>
-          <a:p>
-            <a:pPr>
-              <a:lnSpc>
-                <a:spcPct val="90000"/>
-              </a:lnSpc>
-              <a:spcBef>
-                <a:spcPts val="1199"/>
-              </a:spcBef>
-              <a:spcAft>
-                <a:spcPts val="201"/>
-              </a:spcAft>
-            </a:pPr>
-            <a:endParaRPr b="0" lang="en-US" sz="2200" spc="-1" strike="noStrike">
-              <a:latin typeface="Arial"/>
-            </a:endParaRPr>
-          </a:p>
-          <a:p>
-            <a:pPr marL="91440" indent="-90000">
-              <a:lnSpc>
-                <a:spcPct val="90000"/>
-              </a:lnSpc>
-              <a:spcBef>
-                <a:spcPts val="1199"/>
-              </a:spcBef>
-              <a:spcAft>
-                <a:spcPts val="201"/>
-              </a:spcAft>
-              <a:buClr>
-                <a:srgbClr val="e48312"/>
-              </a:buClr>
-              <a:buFont typeface="Arial"/>
-              <a:buChar char="•"/>
-            </a:pPr>
-            <a:r>
-              <a:rPr b="0" lang="en-US" sz="2200" spc="-1" strike="noStrike">
-                <a:solidFill>
-                  <a:srgbClr val="404040"/>
-                </a:solidFill>
-                <a:latin typeface="Calibri"/>
-                <a:ea typeface="DejaVu Sans"/>
-              </a:rPr>
-              <a:t>Priority level: 2 </a:t>
-            </a:r>
-            <a:endParaRPr b="0" lang="en-US" sz="2200" spc="-1" strike="noStrike">
-              <a:latin typeface="Arial"/>
-            </a:endParaRPr>
-          </a:p>
-          <a:p>
-            <a:pPr marL="91440" indent="-90000">
-              <a:lnSpc>
-                <a:spcPct val="90000"/>
-              </a:lnSpc>
-              <a:spcBef>
-                <a:spcPts val="1199"/>
-              </a:spcBef>
-              <a:spcAft>
-                <a:spcPts val="201"/>
-              </a:spcAft>
-              <a:buClr>
-                <a:srgbClr val="e48312"/>
-              </a:buClr>
-              <a:buFont typeface="Arial"/>
-              <a:buChar char="•"/>
-            </a:pPr>
-            <a:r>
-              <a:rPr b="0" lang="en-US" sz="2200" spc="-1" strike="noStrike">
-                <a:solidFill>
-                  <a:srgbClr val="404040"/>
-                </a:solidFill>
-                <a:latin typeface="Calibri"/>
-                <a:ea typeface="DejaVu Sans"/>
-              </a:rPr>
-              <a:t>Complexity: Moderate</a:t>
-            </a:r>
-            <a:endParaRPr b="0" lang="en-US" sz="2200" spc="-1" strike="noStrike">
-              <a:latin typeface="Arial"/>
-            </a:endParaRPr>
-          </a:p>
-          <a:p>
-            <a:pPr>
-              <a:lnSpc>
-                <a:spcPct val="90000"/>
-              </a:lnSpc>
-              <a:spcBef>
-                <a:spcPts val="1001"/>
-              </a:spcBef>
-            </a:pPr>
-            <a:endParaRPr b="0" lang="en-US" sz="2200" spc="-1" strike="noStrike">
+            <a:br/>
+            <a:endParaRPr lang="en-US" sz="4400" b="0" strike="noStrike" spc="-1">
               <a:latin typeface="Arial"/>
             </a:endParaRPr>
           </a:p>
@@ -6243,13 +7309,13 @@
       </p:sp>
       <p:pic>
         <p:nvPicPr>
-          <p:cNvPr id="161" name="Picture 4" descr=""/>
+          <p:cNvPr id="157" name="Picture 4"/>
           <p:cNvPicPr/>
           <p:nvPr/>
         </p:nvPicPr>
         <p:blipFill>
-          <a:blip r:embed="rId1"/>
-          <a:srcRect l="0" t="0" r="0" b="4860"/>
+          <a:blip r:embed="rId2"/>
+          <a:srcRect b="4860"/>
           <a:stretch/>
         </p:blipFill>
         <p:spPr>
@@ -6265,24 +7331,51 @@
           </a:ln>
         </p:spPr>
       </p:pic>
+      <p:pic>
+        <p:nvPicPr>
+          <p:cNvPr id="158" name="Picture 5"/>
+          <p:cNvPicPr/>
+          <p:nvPr/>
+        </p:nvPicPr>
+        <p:blipFill>
+          <a:blip r:embed="rId3"/>
+          <a:srcRect t="4713" b="4404"/>
+          <a:stretch/>
+        </p:blipFill>
+        <p:spPr>
+          <a:xfrm>
+            <a:off x="2236425" y="1748159"/>
+            <a:ext cx="5111826" cy="4586539"/>
+          </a:xfrm>
+          <a:prstGeom prst="rect">
+            <a:avLst/>
+          </a:prstGeom>
+          <a:ln>
+            <a:noFill/>
+          </a:ln>
+        </p:spPr>
+      </p:pic>
     </p:spTree>
   </p:cSld>
+  <p:clrMapOvr>
+    <a:masterClrMapping/>
+  </p:clrMapOvr>
   <p:timing>
     <p:tnLst>
       <p:par>
-        <p:cTn id="21" dur="indefinite" restart="never" nodeType="tmRoot">
+        <p:cTn id="1" dur="indefinite" restart="never" nodeType="tmRoot">
           <p:childTnLst>
             <p:seq>
-              <p:cTn id="22" dur="indefinite" nodeType="mainSeq"/>
+              <p:cTn id="2" dur="indefinite" nodeType="mainSeq"/>
               <p:prevCondLst>
-                <p:cond delay="0" evt="onPrev">
+                <p:cond evt="onPrev" delay="0">
                   <p:tgtEl>
                     <p:sldTgt/>
                   </p:tgtEl>
                 </p:cond>
               </p:prevCondLst>
               <p:nextCondLst>
-                <p:cond delay="0" evt="onNext">
+                <p:cond evt="onNext" delay="0">
                   <p:tgtEl>
                     <p:sldTgt/>
                   </p:tgtEl>
@@ -6298,7 +7391,7 @@
 </file>
 
 <file path=ppt/slides/slide12.xml><?xml version="1.0" encoding="utf-8"?>
-<p:sld xmlns:a="http://schemas.openxmlformats.org/drawingml/2006/main" xmlns:p="http://schemas.openxmlformats.org/presentationml/2006/main" xmlns:r="http://schemas.openxmlformats.org/officeDocument/2006/relationships" xmlns:p14="http://schemas.microsoft.com/office/powerpoint/2010/main" xmlns:p15="http://schemas.microsoft.com/office/powerpoint/2012/main" xmlns:mc="http://schemas.openxmlformats.org/markup-compatibility/2006">
+<p:sld xmlns:a="http://schemas.openxmlformats.org/drawingml/2006/main" xmlns:r="http://schemas.openxmlformats.org/officeDocument/2006/relationships" xmlns:p="http://schemas.openxmlformats.org/presentationml/2006/main">
   <p:cSld>
     <p:spTree>
       <p:nvGrpSpPr>
@@ -6316,7 +7409,7 @@
       </p:grpSpPr>
       <p:sp>
         <p:nvSpPr>
-          <p:cNvPr id="162" name="CustomShape 1"/>
+          <p:cNvPr id="159" name="CustomShape 1"/>
           <p:cNvSpPr/>
           <p:nvPr/>
         </p:nvSpPr>
@@ -6334,13 +7427,20 @@
           </a:ln>
         </p:spPr>
         <p:style>
-          <a:lnRef idx="0"/>
-          <a:fillRef idx="0"/>
-          <a:effectRef idx="0"/>
+          <a:lnRef idx="0">
+            <a:scrgbClr r="0" g="0" b="0"/>
+          </a:lnRef>
+          <a:fillRef idx="0">
+            <a:scrgbClr r="0" g="0" b="0"/>
+          </a:fillRef>
+          <a:effectRef idx="0">
+            <a:scrgbClr r="0" g="0" b="0"/>
+          </a:effectRef>
           <a:fontRef idx="minor"/>
         </p:style>
         <p:txBody>
-          <a:bodyPr lIns="0" rIns="0" tIns="0" bIns="0" anchor="ctr"/>
+          <a:bodyPr lIns="0" tIns="0" rIns="0" bIns="0" anchor="ctr"/>
+          <a:lstStyle/>
           <a:p>
             <a:pPr>
               <a:lnSpc>
@@ -6349,7 +7449,407 @@
             </a:pPr>
             <a:br/>
             <a:r>
-              <a:rPr b="0" lang="en-US" sz="4400" spc="-41" strike="noStrike">
+              <a:rPr lang="en-US" sz="4400" b="0" strike="noStrike" spc="-41">
+                <a:solidFill>
+                  <a:srgbClr val="404040"/>
+                </a:solidFill>
+                <a:latin typeface="Calibri Light"/>
+                <a:ea typeface="Microsoft YaHei"/>
+              </a:rPr>
+              <a:t>Joel – Game Menus</a:t>
+            </a:r>
+            <a:endParaRPr lang="en-US" sz="4400" b="0" strike="noStrike" spc="-1">
+              <a:latin typeface="Arial"/>
+            </a:endParaRPr>
+          </a:p>
+        </p:txBody>
+      </p:sp>
+      <p:sp>
+        <p:nvSpPr>
+          <p:cNvPr id="160" name="CustomShape 2"/>
+          <p:cNvSpPr/>
+          <p:nvPr/>
+        </p:nvSpPr>
+        <p:spPr>
+          <a:xfrm>
+            <a:off x="1097280" y="2121120"/>
+            <a:ext cx="10056960" cy="4021920"/>
+          </a:xfrm>
+          <a:prstGeom prst="rect">
+            <a:avLst/>
+          </a:prstGeom>
+          <a:noFill/>
+          <a:ln>
+            <a:noFill/>
+          </a:ln>
+        </p:spPr>
+        <p:style>
+          <a:lnRef idx="0">
+            <a:scrgbClr r="0" g="0" b="0"/>
+          </a:lnRef>
+          <a:fillRef idx="0">
+            <a:scrgbClr r="0" g="0" b="0"/>
+          </a:fillRef>
+          <a:effectRef idx="0">
+            <a:scrgbClr r="0" g="0" b="0"/>
+          </a:effectRef>
+          <a:fontRef idx="minor"/>
+        </p:style>
+        <p:txBody>
+          <a:bodyPr lIns="0" tIns="0" rIns="0" bIns="0" anchor="ctr"/>
+          <a:lstStyle/>
+          <a:p>
+            <a:pPr marL="91440" indent="-90000">
+              <a:lnSpc>
+                <a:spcPct val="90000"/>
+              </a:lnSpc>
+              <a:spcBef>
+                <a:spcPts val="1199"/>
+              </a:spcBef>
+              <a:spcAft>
+                <a:spcPts val="201"/>
+              </a:spcAft>
+              <a:buClr>
+                <a:srgbClr val="E48312"/>
+              </a:buClr>
+              <a:buFont typeface="Arial"/>
+              <a:buChar char="•"/>
+            </a:pPr>
+            <a:r>
+              <a:rPr lang="en-US" sz="2200" b="0" strike="noStrike" spc="-1">
+                <a:solidFill>
+                  <a:srgbClr val="404040"/>
+                </a:solidFill>
+                <a:latin typeface="Calibri"/>
+                <a:ea typeface="DejaVu Sans"/>
+              </a:rPr>
+              <a:t> Creating game menus that include a Start Menu and a Pause Menu. </a:t>
+            </a:r>
+            <a:endParaRPr lang="en-US" sz="2200" b="0" strike="noStrike" spc="-1">
+              <a:latin typeface="Arial"/>
+            </a:endParaRPr>
+          </a:p>
+          <a:p>
+            <a:pPr marL="91440" indent="-90000">
+              <a:lnSpc>
+                <a:spcPct val="90000"/>
+              </a:lnSpc>
+              <a:spcBef>
+                <a:spcPts val="1199"/>
+              </a:spcBef>
+              <a:spcAft>
+                <a:spcPts val="201"/>
+              </a:spcAft>
+              <a:buClr>
+                <a:srgbClr val="E48312"/>
+              </a:buClr>
+              <a:buFont typeface="Arial"/>
+              <a:buChar char="•"/>
+            </a:pPr>
+            <a:r>
+              <a:rPr lang="en-US" sz="2200" b="0" strike="noStrike" spc="-1">
+                <a:solidFill>
+                  <a:srgbClr val="404040"/>
+                </a:solidFill>
+                <a:latin typeface="Calibri"/>
+                <a:ea typeface="DejaVu Sans"/>
+              </a:rPr>
+              <a:t> Coordinate with Luis and Josh to determine most useful functionalities for the gamer and add them as options to the appropriate menu.</a:t>
+            </a:r>
+            <a:endParaRPr lang="en-US" sz="2200" b="0" strike="noStrike" spc="-1">
+              <a:latin typeface="Arial"/>
+            </a:endParaRPr>
+          </a:p>
+          <a:p>
+            <a:pPr marL="91440" indent="-90000">
+              <a:lnSpc>
+                <a:spcPct val="90000"/>
+              </a:lnSpc>
+              <a:spcBef>
+                <a:spcPts val="1199"/>
+              </a:spcBef>
+              <a:spcAft>
+                <a:spcPts val="201"/>
+              </a:spcAft>
+              <a:buClr>
+                <a:srgbClr val="E48312"/>
+              </a:buClr>
+              <a:buFont typeface="Arial"/>
+              <a:buChar char="•"/>
+            </a:pPr>
+            <a:r>
+              <a:rPr lang="en-US" sz="2200" b="0" strike="noStrike" spc="-1">
+                <a:solidFill>
+                  <a:srgbClr val="404040"/>
+                </a:solidFill>
+                <a:latin typeface="Calibri"/>
+                <a:ea typeface="DejaVu Sans"/>
+              </a:rPr>
+              <a:t> Coordinate with Josh to determine a design that flows with the in game graphics.</a:t>
+            </a:r>
+            <a:endParaRPr lang="en-US" sz="2200" b="0" strike="noStrike" spc="-1">
+              <a:latin typeface="Arial"/>
+            </a:endParaRPr>
+          </a:p>
+          <a:p>
+            <a:pPr marL="91440" indent="-90000">
+              <a:lnSpc>
+                <a:spcPct val="90000"/>
+              </a:lnSpc>
+              <a:spcBef>
+                <a:spcPts val="1199"/>
+              </a:spcBef>
+              <a:spcAft>
+                <a:spcPts val="201"/>
+              </a:spcAft>
+              <a:buClr>
+                <a:srgbClr val="E48312"/>
+              </a:buClr>
+              <a:buFont typeface="Arial"/>
+              <a:buChar char="•"/>
+            </a:pPr>
+            <a:r>
+              <a:rPr lang="en-US" sz="2200" b="0" strike="noStrike" spc="-1">
+                <a:solidFill>
+                  <a:srgbClr val="404040"/>
+                </a:solidFill>
+                <a:latin typeface="Calibri"/>
+                <a:ea typeface="DejaVu Sans"/>
+              </a:rPr>
+              <a:t> Coordinate with Luis to determine how the gamer can access the appropriate menu. </a:t>
+            </a:r>
+            <a:endParaRPr lang="en-US" sz="2200" b="0" strike="noStrike" spc="-1">
+              <a:latin typeface="Arial"/>
+            </a:endParaRPr>
+          </a:p>
+          <a:p>
+            <a:pPr>
+              <a:lnSpc>
+                <a:spcPct val="90000"/>
+              </a:lnSpc>
+              <a:spcBef>
+                <a:spcPts val="1199"/>
+              </a:spcBef>
+              <a:spcAft>
+                <a:spcPts val="201"/>
+              </a:spcAft>
+            </a:pPr>
+            <a:endParaRPr lang="en-US" sz="2200" b="0" strike="noStrike" spc="-1">
+              <a:latin typeface="Arial"/>
+            </a:endParaRPr>
+          </a:p>
+          <a:p>
+            <a:pPr>
+              <a:lnSpc>
+                <a:spcPct val="90000"/>
+              </a:lnSpc>
+              <a:spcBef>
+                <a:spcPts val="1199"/>
+              </a:spcBef>
+              <a:spcAft>
+                <a:spcPts val="201"/>
+              </a:spcAft>
+            </a:pPr>
+            <a:endParaRPr lang="en-US" sz="2200" b="0" strike="noStrike" spc="-1">
+              <a:latin typeface="Arial"/>
+            </a:endParaRPr>
+          </a:p>
+          <a:p>
+            <a:pPr marL="91440" indent="-90000">
+              <a:lnSpc>
+                <a:spcPct val="90000"/>
+              </a:lnSpc>
+              <a:spcBef>
+                <a:spcPts val="1199"/>
+              </a:spcBef>
+              <a:spcAft>
+                <a:spcPts val="201"/>
+              </a:spcAft>
+              <a:buClr>
+                <a:srgbClr val="E48312"/>
+              </a:buClr>
+              <a:buFont typeface="Arial"/>
+              <a:buChar char="•"/>
+            </a:pPr>
+            <a:r>
+              <a:rPr lang="en-US" sz="2200" b="0" strike="noStrike" spc="-1">
+                <a:solidFill>
+                  <a:srgbClr val="404040"/>
+                </a:solidFill>
+                <a:latin typeface="Calibri"/>
+                <a:ea typeface="DejaVu Sans"/>
+              </a:rPr>
+              <a:t>Priority level: 2 </a:t>
+            </a:r>
+            <a:endParaRPr lang="en-US" sz="2200" b="0" strike="noStrike" spc="-1">
+              <a:latin typeface="Arial"/>
+            </a:endParaRPr>
+          </a:p>
+          <a:p>
+            <a:pPr marL="91440" indent="-90000">
+              <a:lnSpc>
+                <a:spcPct val="90000"/>
+              </a:lnSpc>
+              <a:spcBef>
+                <a:spcPts val="1199"/>
+              </a:spcBef>
+              <a:spcAft>
+                <a:spcPts val="201"/>
+              </a:spcAft>
+              <a:buClr>
+                <a:srgbClr val="E48312"/>
+              </a:buClr>
+              <a:buFont typeface="Arial"/>
+              <a:buChar char="•"/>
+            </a:pPr>
+            <a:r>
+              <a:rPr lang="en-US" sz="2200" b="0" strike="noStrike" spc="-1">
+                <a:solidFill>
+                  <a:srgbClr val="404040"/>
+                </a:solidFill>
+                <a:latin typeface="Calibri"/>
+                <a:ea typeface="DejaVu Sans"/>
+              </a:rPr>
+              <a:t>Complexity: Moderate</a:t>
+            </a:r>
+            <a:endParaRPr lang="en-US" sz="2200" b="0" strike="noStrike" spc="-1">
+              <a:latin typeface="Arial"/>
+            </a:endParaRPr>
+          </a:p>
+          <a:p>
+            <a:pPr>
+              <a:lnSpc>
+                <a:spcPct val="90000"/>
+              </a:lnSpc>
+              <a:spcBef>
+                <a:spcPts val="1001"/>
+              </a:spcBef>
+            </a:pPr>
+            <a:endParaRPr lang="en-US" sz="2200" b="0" strike="noStrike" spc="-1">
+              <a:latin typeface="Arial"/>
+            </a:endParaRPr>
+          </a:p>
+        </p:txBody>
+      </p:sp>
+      <p:pic>
+        <p:nvPicPr>
+          <p:cNvPr id="161" name="Picture 4"/>
+          <p:cNvPicPr/>
+          <p:nvPr/>
+        </p:nvPicPr>
+        <p:blipFill>
+          <a:blip r:embed="rId2"/>
+          <a:srcRect b="4860"/>
+          <a:stretch/>
+        </p:blipFill>
+        <p:spPr>
+          <a:xfrm>
+            <a:off x="10667880" y="274320"/>
+            <a:ext cx="1164600" cy="1260360"/>
+          </a:xfrm>
+          <a:prstGeom prst="rect">
+            <a:avLst/>
+          </a:prstGeom>
+          <a:ln>
+            <a:noFill/>
+          </a:ln>
+        </p:spPr>
+      </p:pic>
+    </p:spTree>
+  </p:cSld>
+  <p:clrMapOvr>
+    <a:masterClrMapping/>
+  </p:clrMapOvr>
+  <p:timing>
+    <p:tnLst>
+      <p:par>
+        <p:cTn id="1" dur="indefinite" restart="never" nodeType="tmRoot">
+          <p:childTnLst>
+            <p:seq>
+              <p:cTn id="2" dur="indefinite" nodeType="mainSeq"/>
+              <p:prevCondLst>
+                <p:cond evt="onPrev" delay="0">
+                  <p:tgtEl>
+                    <p:sldTgt/>
+                  </p:tgtEl>
+                </p:cond>
+              </p:prevCondLst>
+              <p:nextCondLst>
+                <p:cond evt="onNext" delay="0">
+                  <p:tgtEl>
+                    <p:sldTgt/>
+                  </p:tgtEl>
+                </p:cond>
+              </p:nextCondLst>
+            </p:seq>
+          </p:childTnLst>
+        </p:cTn>
+      </p:par>
+    </p:tnLst>
+  </p:timing>
+</p:sld>
+</file>
+
+<file path=ppt/slides/slide13.xml><?xml version="1.0" encoding="utf-8"?>
+<p:sld xmlns:a="http://schemas.openxmlformats.org/drawingml/2006/main" xmlns:r="http://schemas.openxmlformats.org/officeDocument/2006/relationships" xmlns:p="http://schemas.openxmlformats.org/presentationml/2006/main">
+  <p:cSld>
+    <p:spTree>
+      <p:nvGrpSpPr>
+        <p:cNvPr id="1" name=""/>
+        <p:cNvGrpSpPr/>
+        <p:nvPr/>
+      </p:nvGrpSpPr>
+      <p:grpSpPr>
+        <a:xfrm>
+          <a:off x="0" y="0"/>
+          <a:ext cx="0" cy="0"/>
+          <a:chOff x="0" y="0"/>
+          <a:chExt cx="0" cy="0"/>
+        </a:xfrm>
+      </p:grpSpPr>
+      <p:sp>
+        <p:nvSpPr>
+          <p:cNvPr id="162" name="CustomShape 1"/>
+          <p:cNvSpPr/>
+          <p:nvPr/>
+        </p:nvSpPr>
+        <p:spPr>
+          <a:xfrm>
+            <a:off x="1097280" y="286560"/>
+            <a:ext cx="10056960" cy="1449360"/>
+          </a:xfrm>
+          <a:prstGeom prst="rect">
+            <a:avLst/>
+          </a:prstGeom>
+          <a:noFill/>
+          <a:ln>
+            <a:noFill/>
+          </a:ln>
+        </p:spPr>
+        <p:style>
+          <a:lnRef idx="0">
+            <a:scrgbClr r="0" g="0" b="0"/>
+          </a:lnRef>
+          <a:fillRef idx="0">
+            <a:scrgbClr r="0" g="0" b="0"/>
+          </a:fillRef>
+          <a:effectRef idx="0">
+            <a:scrgbClr r="0" g="0" b="0"/>
+          </a:effectRef>
+          <a:fontRef idx="minor"/>
+        </p:style>
+        <p:txBody>
+          <a:bodyPr lIns="0" tIns="0" rIns="0" bIns="0" anchor="ctr"/>
+          <a:lstStyle/>
+          <a:p>
+            <a:pPr>
+              <a:lnSpc>
+                <a:spcPct val="85000"/>
+              </a:lnSpc>
+            </a:pPr>
+            <a:br/>
+            <a:r>
+              <a:rPr lang="en-US" sz="4400" b="0" strike="noStrike" spc="-41">
                 <a:solidFill>
                   <a:srgbClr val="404040"/>
                 </a:solidFill>
@@ -6358,7 +7858,7 @@
               </a:rPr>
               <a:t>Display Menu – Use Case Diagram</a:t>
             </a:r>
-            <a:endParaRPr b="0" lang="en-US" sz="4400" spc="-1" strike="noStrike">
+            <a:endParaRPr lang="en-US" sz="4400" b="0" strike="noStrike" spc="-1">
               <a:latin typeface="Arial"/>
             </a:endParaRPr>
           </a:p>
@@ -6384,50 +7884,33 @@
           </a:ln>
         </p:spPr>
         <p:style>
-          <a:lnRef idx="0"/>
-          <a:fillRef idx="0"/>
-          <a:effectRef idx="0"/>
+          <a:lnRef idx="0">
+            <a:scrgbClr r="0" g="0" b="0"/>
+          </a:lnRef>
+          <a:fillRef idx="0">
+            <a:scrgbClr r="0" g="0" b="0"/>
+          </a:fillRef>
+          <a:effectRef idx="0">
+            <a:scrgbClr r="0" g="0" b="0"/>
+          </a:effectRef>
           <a:fontRef idx="minor"/>
         </p:style>
       </p:sp>
       <p:pic>
         <p:nvPicPr>
-          <p:cNvPr id="164" name="Picture 4" descr=""/>
-          <p:cNvPicPr/>
-          <p:nvPr/>
-        </p:nvPicPr>
-        <p:blipFill>
-          <a:blip r:embed="rId1"/>
-          <a:srcRect l="0" t="0" r="0" b="4860"/>
-          <a:stretch/>
-        </p:blipFill>
-        <p:spPr>
-          <a:xfrm>
-            <a:off x="10667880" y="274320"/>
-            <a:ext cx="1164600" cy="1260360"/>
-          </a:xfrm>
-          <a:prstGeom prst="rect">
-            <a:avLst/>
-          </a:prstGeom>
-          <a:ln>
-            <a:noFill/>
-          </a:ln>
-        </p:spPr>
-      </p:pic>
-      <p:pic>
-        <p:nvPicPr>
-          <p:cNvPr id="165" name="Picture 4" descr=""/>
+          <p:cNvPr id="164" name="Picture 4"/>
           <p:cNvPicPr/>
           <p:nvPr/>
         </p:nvPicPr>
         <p:blipFill>
           <a:blip r:embed="rId2"/>
+          <a:srcRect b="4860"/>
           <a:stretch/>
         </p:blipFill>
         <p:spPr>
           <a:xfrm>
-            <a:off x="2438280" y="1903320"/>
-            <a:ext cx="5943240" cy="4457520"/>
+            <a:off x="10667880" y="274320"/>
+            <a:ext cx="1164600" cy="1260360"/>
           </a:xfrm>
           <a:prstGeom prst="rect">
             <a:avLst/>
@@ -6437,24 +7920,50 @@
           </a:ln>
         </p:spPr>
       </p:pic>
+      <p:pic>
+        <p:nvPicPr>
+          <p:cNvPr id="165" name="Picture 4"/>
+          <p:cNvPicPr/>
+          <p:nvPr/>
+        </p:nvPicPr>
+        <p:blipFill>
+          <a:blip r:embed="rId3"/>
+          <a:stretch/>
+        </p:blipFill>
+        <p:spPr>
+          <a:xfrm>
+            <a:off x="2438280" y="1903320"/>
+            <a:ext cx="5943240" cy="4457520"/>
+          </a:xfrm>
+          <a:prstGeom prst="rect">
+            <a:avLst/>
+          </a:prstGeom>
+          <a:ln>
+            <a:noFill/>
+          </a:ln>
+        </p:spPr>
+      </p:pic>
     </p:spTree>
   </p:cSld>
+  <p:clrMapOvr>
+    <a:masterClrMapping/>
+  </p:clrMapOvr>
   <p:timing>
     <p:tnLst>
       <p:par>
-        <p:cTn id="23" dur="indefinite" restart="never" nodeType="tmRoot">
+        <p:cTn id="1" dur="indefinite" restart="never" nodeType="tmRoot">
           <p:childTnLst>
             <p:seq>
-              <p:cTn id="24" dur="indefinite" nodeType="mainSeq"/>
+              <p:cTn id="2" dur="indefinite" nodeType="mainSeq"/>
               <p:prevCondLst>
-                <p:cond delay="0" evt="onPrev">
+                <p:cond evt="onPrev" delay="0">
                   <p:tgtEl>
                     <p:sldTgt/>
                   </p:tgtEl>
                 </p:cond>
               </p:prevCondLst>
               <p:nextCondLst>
-                <p:cond delay="0" evt="onNext">
+                <p:cond evt="onNext" delay="0">
                   <p:tgtEl>
                     <p:sldTgt/>
                   </p:tgtEl>
@@ -6470,7 +7979,7 @@
 </file>
 
 <file path=ppt/slides/slide2.xml><?xml version="1.0" encoding="utf-8"?>
-<p:sld xmlns:a="http://schemas.openxmlformats.org/drawingml/2006/main" xmlns:p="http://schemas.openxmlformats.org/presentationml/2006/main" xmlns:r="http://schemas.openxmlformats.org/officeDocument/2006/relationships" xmlns:p14="http://schemas.microsoft.com/office/powerpoint/2010/main" xmlns:p15="http://schemas.microsoft.com/office/powerpoint/2012/main" xmlns:mc="http://schemas.openxmlformats.org/markup-compatibility/2006">
+<p:sld xmlns:a="http://schemas.openxmlformats.org/drawingml/2006/main" xmlns:r="http://schemas.openxmlformats.org/officeDocument/2006/relationships" xmlns:p="http://schemas.openxmlformats.org/presentationml/2006/main">
   <p:cSld>
     <p:spTree>
       <p:nvGrpSpPr>
@@ -6506,9 +8015,15 @@
           </a:ln>
         </p:spPr>
         <p:style>
-          <a:lnRef idx="0"/>
-          <a:fillRef idx="0"/>
-          <a:effectRef idx="0"/>
+          <a:lnRef idx="0">
+            <a:scrgbClr r="0" g="0" b="0"/>
+          </a:lnRef>
+          <a:fillRef idx="0">
+            <a:scrgbClr r="0" g="0" b="0"/>
+          </a:fillRef>
+          <a:effectRef idx="0">
+            <a:scrgbClr r="0" g="0" b="0"/>
+          </a:effectRef>
           <a:fontRef idx="minor"/>
         </p:style>
       </p:sp>
@@ -6532,21 +8047,27 @@
           </a:ln>
         </p:spPr>
         <p:style>
-          <a:lnRef idx="0"/>
-          <a:fillRef idx="0"/>
-          <a:effectRef idx="0"/>
+          <a:lnRef idx="0">
+            <a:scrgbClr r="0" g="0" b="0"/>
+          </a:lnRef>
+          <a:fillRef idx="0">
+            <a:scrgbClr r="0" g="0" b="0"/>
+          </a:fillRef>
+          <a:effectRef idx="0">
+            <a:scrgbClr r="0" g="0" b="0"/>
+          </a:effectRef>
           <a:fontRef idx="minor"/>
         </p:style>
       </p:sp>
       <p:pic>
         <p:nvPicPr>
-          <p:cNvPr id="131" name="Picture 3" descr=""/>
+          <p:cNvPr id="131" name="Picture 3"/>
           <p:cNvPicPr/>
           <p:nvPr/>
         </p:nvPicPr>
         <p:blipFill>
-          <a:blip r:embed="rId1"/>
-          <a:srcRect l="0" t="0" r="0" b="4860"/>
+          <a:blip r:embed="rId2"/>
+          <a:srcRect b="4860"/>
           <a:stretch/>
         </p:blipFill>
         <p:spPr>
@@ -6582,13 +8103,20 @@
           </a:ln>
         </p:spPr>
         <p:style>
-          <a:lnRef idx="0"/>
-          <a:fillRef idx="0"/>
-          <a:effectRef idx="0"/>
+          <a:lnRef idx="0">
+            <a:scrgbClr r="0" g="0" b="0"/>
+          </a:lnRef>
+          <a:fillRef idx="0">
+            <a:scrgbClr r="0" g="0" b="0"/>
+          </a:fillRef>
+          <a:effectRef idx="0">
+            <a:scrgbClr r="0" g="0" b="0"/>
+          </a:effectRef>
           <a:fontRef idx="minor"/>
         </p:style>
         <p:txBody>
-          <a:bodyPr lIns="90000" rIns="90000" tIns="45000" bIns="45000" anchor="b"/>
+          <a:bodyPr lIns="90000" tIns="45000" rIns="90000" bIns="45000" anchor="b"/>
+          <a:lstStyle/>
           <a:p>
             <a:pPr>
               <a:lnSpc>
@@ -6596,7 +8124,7 @@
               </a:lnSpc>
             </a:pPr>
             <a:r>
-              <a:rPr b="0" lang="en-US" sz="4800" spc="-43" strike="noStrike">
+              <a:rPr lang="en-US" sz="4800" b="0" strike="noStrike" spc="-43" dirty="0">
                 <a:solidFill>
                   <a:srgbClr val="404040"/>
                 </a:solidFill>
@@ -6605,7 +8133,7 @@
               </a:rPr>
               <a:t>Global Use Case</a:t>
             </a:r>
-            <a:endParaRPr b="0" lang="en-US" sz="4800" spc="-1" strike="noStrike">
+            <a:endParaRPr lang="en-US" sz="4800" b="0" strike="noStrike" spc="-1" dirty="0">
               <a:latin typeface="Arial"/>
             </a:endParaRPr>
           </a:p>
@@ -6613,12 +8141,12 @@
       </p:sp>
       <p:pic>
         <p:nvPicPr>
-          <p:cNvPr id="133" name="Picture 132" descr=""/>
+          <p:cNvPr id="133" name="Picture 132"/>
           <p:cNvPicPr/>
           <p:nvPr/>
         </p:nvPicPr>
         <p:blipFill>
-          <a:blip r:embed="rId2"/>
+          <a:blip r:embed="rId3"/>
           <a:stretch/>
         </p:blipFill>
         <p:spPr>
@@ -6636,22 +8164,25 @@
       </p:pic>
     </p:spTree>
   </p:cSld>
+  <p:clrMapOvr>
+    <a:masterClrMapping/>
+  </p:clrMapOvr>
   <p:timing>
     <p:tnLst>
       <p:par>
-        <p:cTn id="3" dur="indefinite" restart="never" nodeType="tmRoot">
+        <p:cTn id="1" dur="indefinite" restart="never" nodeType="tmRoot">
           <p:childTnLst>
             <p:seq>
-              <p:cTn id="4" dur="indefinite" nodeType="mainSeq"/>
+              <p:cTn id="2" dur="indefinite" nodeType="mainSeq"/>
               <p:prevCondLst>
-                <p:cond delay="0" evt="onPrev">
+                <p:cond evt="onPrev" delay="0">
                   <p:tgtEl>
                     <p:sldTgt/>
                   </p:tgtEl>
                 </p:cond>
               </p:prevCondLst>
               <p:nextCondLst>
-                <p:cond delay="0" evt="onNext">
+                <p:cond evt="onNext" delay="0">
                   <p:tgtEl>
                     <p:sldTgt/>
                   </p:tgtEl>
@@ -6667,7 +8198,7 @@
 </file>
 
 <file path=ppt/slides/slide3.xml><?xml version="1.0" encoding="utf-8"?>
-<p:sld xmlns:a="http://schemas.openxmlformats.org/drawingml/2006/main" xmlns:p="http://schemas.openxmlformats.org/presentationml/2006/main" xmlns:r="http://schemas.openxmlformats.org/officeDocument/2006/relationships" xmlns:p14="http://schemas.microsoft.com/office/powerpoint/2010/main" xmlns:p15="http://schemas.microsoft.com/office/powerpoint/2012/main" xmlns:mc="http://schemas.openxmlformats.org/markup-compatibility/2006">
+<p:sld xmlns:a="http://schemas.openxmlformats.org/drawingml/2006/main" xmlns:r="http://schemas.openxmlformats.org/officeDocument/2006/relationships" xmlns:p="http://schemas.openxmlformats.org/presentationml/2006/main">
   <p:cSld>
     <p:spTree>
       <p:nvGrpSpPr>
@@ -6685,31 +8216,24 @@
       </p:grpSpPr>
       <p:sp>
         <p:nvSpPr>
-          <p:cNvPr id="134" name="CustomShape 1"/>
-          <p:cNvSpPr/>
-          <p:nvPr/>
-        </p:nvSpPr>
-        <p:spPr>
-          <a:xfrm>
-            <a:off x="1097280" y="286560"/>
-            <a:ext cx="10057320" cy="1449720"/>
-          </a:xfrm>
-          <a:prstGeom prst="rect">
-            <a:avLst/>
-          </a:prstGeom>
-          <a:noFill/>
-          <a:ln>
-            <a:noFill/>
-          </a:ln>
-        </p:spPr>
-        <p:style>
-          <a:lnRef idx="0"/>
-          <a:fillRef idx="0"/>
-          <a:effectRef idx="0"/>
-          <a:fontRef idx="minor"/>
-        </p:style>
-        <p:txBody>
-          <a:bodyPr lIns="90000" rIns="90000" tIns="45000" bIns="45000" anchor="b"/>
+          <p:cNvPr id="2" name="Title 1">
+            <a:extLst>
+              <a:ext uri="{FF2B5EF4-FFF2-40B4-BE49-F238E27FC236}">
+                <a16:creationId xmlns:a16="http://schemas.microsoft.com/office/drawing/2014/main" id="{5C76DAB3-BF94-DD4B-AE98-7FA3B4485305}"/>
+              </a:ext>
+            </a:extLst>
+          </p:cNvPr>
+          <p:cNvSpPr>
+            <a:spLocks noGrp="1"/>
+          </p:cNvSpPr>
+          <p:nvPr>
+            <p:ph type="title"/>
+          </p:nvPr>
+        </p:nvSpPr>
+        <p:spPr/>
+        <p:txBody>
+          <a:bodyPr/>
+          <a:lstStyle/>
           <a:p>
             <a:pPr>
               <a:lnSpc>
@@ -6717,285 +8241,39 @@
               </a:lnSpc>
             </a:pPr>
             <a:r>
-              <a:rPr b="0" lang="en-US" sz="4800" spc="-43" strike="noStrike">
+              <a:rPr lang="en-US" spc="-43" dirty="0">
                 <a:solidFill>
                   <a:srgbClr val="404040"/>
                 </a:solidFill>
                 <a:latin typeface="Calibri Light"/>
-                <a:ea typeface="DejaVu Sans"/>
               </a:rPr>
-              <a:t>Luis Lopez – Player Character</a:t>
+              <a:t>Diagram 0</a:t>
             </a:r>
-            <a:endParaRPr b="0" lang="en-US" sz="4800" spc="-1" strike="noStrike">
-              <a:latin typeface="Arial"/>
-            </a:endParaRPr>
-          </a:p>
-        </p:txBody>
-      </p:sp>
-      <p:sp>
-        <p:nvSpPr>
-          <p:cNvPr id="135" name="CustomShape 2"/>
-          <p:cNvSpPr/>
-          <p:nvPr/>
-        </p:nvSpPr>
-        <p:spPr>
-          <a:xfrm>
-            <a:off x="1097280" y="1845720"/>
-            <a:ext cx="10057320" cy="4022280"/>
-          </a:xfrm>
-          <a:prstGeom prst="rect">
-            <a:avLst/>
-          </a:prstGeom>
-          <a:noFill/>
-          <a:ln>
-            <a:noFill/>
-          </a:ln>
-        </p:spPr>
-        <p:style>
-          <a:lnRef idx="0"/>
-          <a:fillRef idx="0"/>
-          <a:effectRef idx="0"/>
-          <a:fontRef idx="minor"/>
-        </p:style>
-        <p:txBody>
-          <a:bodyPr lIns="0" rIns="0" tIns="45000" bIns="45000">
-            <a:normAutofit/>
-          </a:bodyPr>
-          <a:p>
-            <a:pPr marL="91440" indent="-90000">
-              <a:lnSpc>
-                <a:spcPct val="90000"/>
-              </a:lnSpc>
-              <a:spcBef>
-                <a:spcPts val="1199"/>
-              </a:spcBef>
-              <a:spcAft>
-                <a:spcPts val="201"/>
-              </a:spcAft>
-              <a:buClr>
-                <a:srgbClr val="e48312"/>
-              </a:buClr>
-              <a:buFont typeface="Arial"/>
-              <a:buChar char="•"/>
-            </a:pPr>
-            <a:r>
-              <a:rPr b="0" lang="en-US" sz="2400" spc="-1" strike="noStrike">
-                <a:solidFill>
-                  <a:srgbClr val="404040"/>
-                </a:solidFill>
-                <a:latin typeface="Calibri"/>
-                <a:ea typeface="DejaVu Sans"/>
-              </a:rPr>
-              <a:t>Coordinate Rigid body with character movement</a:t>
-            </a:r>
-            <a:endParaRPr b="0" lang="en-US" sz="2400" spc="-1" strike="noStrike">
-              <a:latin typeface="Arial"/>
-            </a:endParaRPr>
-          </a:p>
-          <a:p>
-            <a:pPr marL="91440" indent="-90000">
-              <a:lnSpc>
-                <a:spcPct val="90000"/>
-              </a:lnSpc>
-              <a:spcBef>
-                <a:spcPts val="1199"/>
-              </a:spcBef>
-              <a:spcAft>
-                <a:spcPts val="201"/>
-              </a:spcAft>
-              <a:buClr>
-                <a:srgbClr val="e48312"/>
-              </a:buClr>
-              <a:buFont typeface="Arial"/>
-              <a:buChar char="•"/>
-            </a:pPr>
-            <a:r>
-              <a:rPr b="0" lang="en-US" sz="2400" spc="-1" strike="noStrike">
-                <a:solidFill>
-                  <a:srgbClr val="404040"/>
-                </a:solidFill>
-                <a:latin typeface="Calibri"/>
-                <a:ea typeface="DejaVu Sans"/>
-              </a:rPr>
-              <a:t>Create projectile to destroy enemies</a:t>
-            </a:r>
-            <a:endParaRPr b="0" lang="en-US" sz="2400" spc="-1" strike="noStrike">
-              <a:latin typeface="Arial"/>
-            </a:endParaRPr>
-          </a:p>
-          <a:p>
-            <a:pPr marL="91440" indent="-90000">
-              <a:lnSpc>
-                <a:spcPct val="90000"/>
-              </a:lnSpc>
-              <a:spcBef>
-                <a:spcPts val="1199"/>
-              </a:spcBef>
-              <a:spcAft>
-                <a:spcPts val="201"/>
-              </a:spcAft>
-              <a:buClr>
-                <a:srgbClr val="e48312"/>
-              </a:buClr>
-              <a:buFont typeface="Arial"/>
-              <a:buChar char="•"/>
-            </a:pPr>
-            <a:r>
-              <a:rPr b="0" lang="en-US" sz="2400" spc="-1" strike="noStrike">
-                <a:solidFill>
-                  <a:srgbClr val="404040"/>
-                </a:solidFill>
-                <a:latin typeface="Calibri"/>
-                <a:ea typeface="DejaVu Sans"/>
-              </a:rPr>
-              <a:t>Communicate with scorekeeper to keep track of score and health</a:t>
-            </a:r>
-            <a:endParaRPr b="0" lang="en-US" sz="2400" spc="-1" strike="noStrike">
-              <a:latin typeface="Arial"/>
-            </a:endParaRPr>
-          </a:p>
-          <a:p>
-            <a:pPr marL="91440" indent="-90000">
-              <a:lnSpc>
-                <a:spcPct val="90000"/>
-              </a:lnSpc>
-              <a:spcBef>
-                <a:spcPts val="1199"/>
-              </a:spcBef>
-              <a:spcAft>
-                <a:spcPts val="201"/>
-              </a:spcAft>
-              <a:buClr>
-                <a:srgbClr val="e48312"/>
-              </a:buClr>
-              <a:buFont typeface="Arial"/>
-              <a:buChar char="•"/>
-            </a:pPr>
-            <a:r>
-              <a:rPr b="0" lang="en-US" sz="2400" spc="-1" strike="noStrike">
-                <a:solidFill>
-                  <a:srgbClr val="404040"/>
-                </a:solidFill>
-                <a:latin typeface="Calibri"/>
-                <a:ea typeface="DejaVu Sans"/>
-              </a:rPr>
-              <a:t>Create character motions such as walk, jump , run and shoot</a:t>
-            </a:r>
-            <a:endParaRPr b="0" lang="en-US" sz="2400" spc="-1" strike="noStrike">
-              <a:latin typeface="Arial"/>
-            </a:endParaRPr>
-          </a:p>
-          <a:p>
-            <a:pPr>
-              <a:lnSpc>
-                <a:spcPct val="90000"/>
-              </a:lnSpc>
-              <a:spcBef>
-                <a:spcPts val="1199"/>
-              </a:spcBef>
-              <a:spcAft>
-                <a:spcPts val="201"/>
-              </a:spcAft>
-            </a:pPr>
-            <a:endParaRPr b="0" lang="en-US" sz="2400" spc="-1" strike="noStrike">
-              <a:latin typeface="Arial"/>
-            </a:endParaRPr>
-          </a:p>
-          <a:p>
-            <a:pPr>
-              <a:lnSpc>
-                <a:spcPct val="90000"/>
-              </a:lnSpc>
-              <a:spcBef>
-                <a:spcPts val="1199"/>
-              </a:spcBef>
-              <a:spcAft>
-                <a:spcPts val="201"/>
-              </a:spcAft>
-            </a:pPr>
-            <a:endParaRPr b="0" lang="en-US" sz="2400" spc="-1" strike="noStrike">
-              <a:latin typeface="Arial"/>
-            </a:endParaRPr>
-          </a:p>
-          <a:p>
-            <a:pPr marL="91440" indent="-90000">
-              <a:lnSpc>
-                <a:spcPct val="90000"/>
-              </a:lnSpc>
-              <a:spcBef>
-                <a:spcPts val="1199"/>
-              </a:spcBef>
-              <a:spcAft>
-                <a:spcPts val="201"/>
-              </a:spcAft>
-              <a:buClr>
-                <a:srgbClr val="e48312"/>
-              </a:buClr>
-              <a:buFont typeface="Arial"/>
-              <a:buChar char="•"/>
-            </a:pPr>
-            <a:r>
-              <a:rPr b="0" lang="en-US" sz="2400" spc="-1" strike="noStrike">
-                <a:solidFill>
-                  <a:srgbClr val="404040"/>
-                </a:solidFill>
-                <a:latin typeface="Calibri"/>
-                <a:ea typeface="DejaVu Sans"/>
-              </a:rPr>
-              <a:t>Priority level: 2</a:t>
-            </a:r>
-            <a:endParaRPr b="0" lang="en-US" sz="2400" spc="-1" strike="noStrike">
-              <a:latin typeface="Arial"/>
-            </a:endParaRPr>
-          </a:p>
-          <a:p>
-            <a:pPr marL="91440" indent="-90000">
-              <a:lnSpc>
-                <a:spcPct val="90000"/>
-              </a:lnSpc>
-              <a:spcBef>
-                <a:spcPts val="1199"/>
-              </a:spcBef>
-              <a:spcAft>
-                <a:spcPts val="201"/>
-              </a:spcAft>
-              <a:buClr>
-                <a:srgbClr val="e48312"/>
-              </a:buClr>
-              <a:buFont typeface="Arial"/>
-              <a:buChar char="•"/>
-            </a:pPr>
-            <a:r>
-              <a:rPr b="0" lang="en-US" sz="2400" spc="-1" strike="noStrike">
-                <a:solidFill>
-                  <a:srgbClr val="404040"/>
-                </a:solidFill>
-                <a:latin typeface="Calibri"/>
-                <a:ea typeface="DejaVu Sans"/>
-              </a:rPr>
-              <a:t>Complexity: Moderate</a:t>
-            </a:r>
-            <a:endParaRPr b="0" lang="en-US" sz="2400" spc="-1" strike="noStrike">
-              <a:latin typeface="Arial"/>
-            </a:endParaRPr>
+            <a:endParaRPr lang="en-US" spc="-1" dirty="0"/>
           </a:p>
         </p:txBody>
       </p:sp>
       <p:pic>
         <p:nvPicPr>
-          <p:cNvPr id="136" name="Picture 3" descr=""/>
+          <p:cNvPr id="4" name="Picture 3">
+            <a:extLst>
+              <a:ext uri="{FF2B5EF4-FFF2-40B4-BE49-F238E27FC236}">
+                <a16:creationId xmlns:a16="http://schemas.microsoft.com/office/drawing/2014/main" id="{AFB4A411-4BB5-EF44-8F31-1F369EA93213}"/>
+              </a:ext>
+            </a:extLst>
+          </p:cNvPr>
           <p:cNvPicPr/>
           <p:nvPr/>
         </p:nvPicPr>
         <p:blipFill>
-          <a:blip r:embed="rId1"/>
-          <a:srcRect l="0" t="0" r="0" b="4860"/>
+          <a:blip r:embed="rId2"/>
+          <a:srcRect b="4860"/>
           <a:stretch/>
         </p:blipFill>
         <p:spPr>
           <a:xfrm>
             <a:off x="10667880" y="274320"/>
-            <a:ext cx="1164960" cy="1260720"/>
+            <a:ext cx="1164600" cy="1260360"/>
           </a:xfrm>
           <a:prstGeom prst="rect">
             <a:avLst/>
@@ -7005,40 +8283,57 @@
           </a:ln>
         </p:spPr>
       </p:pic>
+      <p:pic>
+        <p:nvPicPr>
+          <p:cNvPr id="6" name="Picture 5">
+            <a:extLst>
+              <a:ext uri="{FF2B5EF4-FFF2-40B4-BE49-F238E27FC236}">
+                <a16:creationId xmlns:a16="http://schemas.microsoft.com/office/drawing/2014/main" id="{0FEF8B0B-001C-4242-A013-3FD238AE1B3B}"/>
+              </a:ext>
+            </a:extLst>
+          </p:cNvPr>
+          <p:cNvPicPr>
+            <a:picLocks noChangeAspect="1"/>
+          </p:cNvPicPr>
+          <p:nvPr/>
+        </p:nvPicPr>
+        <p:blipFill>
+          <a:blip r:embed="rId3">
+            <a:extLst>
+              <a:ext uri="{28A0092B-C50C-407E-A947-70E740481C1C}">
+                <a14:useLocalDpi xmlns:a14="http://schemas.microsoft.com/office/drawing/2010/main" val="0"/>
+              </a:ext>
+            </a:extLst>
+          </a:blip>
+          <a:stretch>
+            <a:fillRect/>
+          </a:stretch>
+        </p:blipFill>
+        <p:spPr>
+          <a:xfrm>
+            <a:off x="635000" y="1343204"/>
+            <a:ext cx="9335265" cy="5025846"/>
+          </a:xfrm>
+          <a:prstGeom prst="rect">
+            <a:avLst/>
+          </a:prstGeom>
+        </p:spPr>
+      </p:pic>
     </p:spTree>
+    <p:extLst>
+      <p:ext uri="{BB962C8B-B14F-4D97-AF65-F5344CB8AC3E}">
+        <p14:creationId xmlns:p14="http://schemas.microsoft.com/office/powerpoint/2010/main" val="2865534882"/>
+      </p:ext>
+    </p:extLst>
   </p:cSld>
-  <p:timing>
-    <p:tnLst>
-      <p:par>
-        <p:cTn id="5" dur="indefinite" restart="never" nodeType="tmRoot">
-          <p:childTnLst>
-            <p:seq>
-              <p:cTn id="6" dur="indefinite" nodeType="mainSeq"/>
-              <p:prevCondLst>
-                <p:cond delay="0" evt="onPrev">
-                  <p:tgtEl>
-                    <p:sldTgt/>
-                  </p:tgtEl>
-                </p:cond>
-              </p:prevCondLst>
-              <p:nextCondLst>
-                <p:cond delay="0" evt="onNext">
-                  <p:tgtEl>
-                    <p:sldTgt/>
-                  </p:tgtEl>
-                </p:cond>
-              </p:nextCondLst>
-            </p:seq>
-          </p:childTnLst>
-        </p:cTn>
-      </p:par>
-    </p:tnLst>
-  </p:timing>
+  <p:clrMapOvr>
+    <a:masterClrMapping/>
+  </p:clrMapOvr>
 </p:sld>
 </file>
 
 <file path=ppt/slides/slide4.xml><?xml version="1.0" encoding="utf-8"?>
-<p:sld xmlns:a="http://schemas.openxmlformats.org/drawingml/2006/main" xmlns:p="http://schemas.openxmlformats.org/presentationml/2006/main" xmlns:r="http://schemas.openxmlformats.org/officeDocument/2006/relationships" xmlns:p14="http://schemas.microsoft.com/office/powerpoint/2010/main" xmlns:p15="http://schemas.microsoft.com/office/powerpoint/2012/main" xmlns:mc="http://schemas.openxmlformats.org/markup-compatibility/2006">
+<p:sld xmlns:a="http://schemas.openxmlformats.org/drawingml/2006/main" xmlns:r="http://schemas.openxmlformats.org/officeDocument/2006/relationships" xmlns:p="http://schemas.openxmlformats.org/presentationml/2006/main">
   <p:cSld>
     <p:spTree>
       <p:nvGrpSpPr>
@@ -7056,14 +8351,14 @@
       </p:grpSpPr>
       <p:sp>
         <p:nvSpPr>
-          <p:cNvPr id="137" name="CustomShape 1"/>
+          <p:cNvPr id="134" name="CustomShape 1"/>
           <p:cNvSpPr/>
           <p:nvPr/>
         </p:nvSpPr>
         <p:spPr>
           <a:xfrm>
-            <a:off x="1012680" y="216000"/>
-            <a:ext cx="10057320" cy="828720"/>
+            <a:off x="1097280" y="286560"/>
+            <a:ext cx="10057320" cy="1449720"/>
           </a:xfrm>
           <a:prstGeom prst="rect">
             <a:avLst/>
@@ -7074,13 +8369,20 @@
           </a:ln>
         </p:spPr>
         <p:style>
-          <a:lnRef idx="0"/>
-          <a:fillRef idx="0"/>
-          <a:effectRef idx="0"/>
+          <a:lnRef idx="0">
+            <a:scrgbClr r="0" g="0" b="0"/>
+          </a:lnRef>
+          <a:fillRef idx="0">
+            <a:scrgbClr r="0" g="0" b="0"/>
+          </a:fillRef>
+          <a:effectRef idx="0">
+            <a:scrgbClr r="0" g="0" b="0"/>
+          </a:effectRef>
           <a:fontRef idx="minor"/>
         </p:style>
         <p:txBody>
-          <a:bodyPr lIns="90000" rIns="90000" tIns="45000" bIns="45000" anchor="b"/>
+          <a:bodyPr lIns="90000" tIns="45000" rIns="90000" bIns="45000" anchor="b"/>
+          <a:lstStyle/>
           <a:p>
             <a:pPr>
               <a:lnSpc>
@@ -7088,59 +8390,292 @@
               </a:lnSpc>
             </a:pPr>
             <a:r>
-              <a:rPr b="0" lang="en-US" sz="4800" spc="-43" strike="noStrike">
+              <a:rPr lang="en-US" sz="4800" b="0" strike="noStrike" spc="-43">
                 <a:solidFill>
                   <a:srgbClr val="404040"/>
                 </a:solidFill>
                 <a:latin typeface="Calibri Light"/>
                 <a:ea typeface="DejaVu Sans"/>
               </a:rPr>
-              <a:t>Player Character – Use Case Diagram</a:t>
+              <a:t>Luis Lopez – Player Character</a:t>
             </a:r>
-            <a:endParaRPr b="0" lang="en-US" sz="4800" spc="-1" strike="noStrike">
-              <a:latin typeface="Arial"/>
-            </a:endParaRPr>
-          </a:p>
-        </p:txBody>
-      </p:sp>
-      <p:pic>
-        <p:nvPicPr>
-          <p:cNvPr id="138" name="Picture 4" descr=""/>
-          <p:cNvPicPr/>
+            <a:endParaRPr lang="en-US" sz="4800" b="0" strike="noStrike" spc="-1">
+              <a:latin typeface="Arial"/>
+            </a:endParaRPr>
+          </a:p>
+        </p:txBody>
+      </p:sp>
+      <p:sp>
+        <p:nvSpPr>
+          <p:cNvPr id="135" name="CustomShape 2"/>
+          <p:cNvSpPr/>
           <p:nvPr/>
-        </p:nvPicPr>
-        <p:blipFill>
-          <a:blip r:embed="rId1"/>
-          <a:srcRect l="0" t="0" r="0" b="4860"/>
-          <a:stretch/>
-        </p:blipFill>
-        <p:spPr>
-          <a:xfrm>
-            <a:off x="10667880" y="274320"/>
-            <a:ext cx="1164960" cy="1260720"/>
-          </a:xfrm>
-          <a:prstGeom prst="rect">
-            <a:avLst/>
-          </a:prstGeom>
+        </p:nvSpPr>
+        <p:spPr>
+          <a:xfrm>
+            <a:off x="1097280" y="1845720"/>
+            <a:ext cx="10057320" cy="4022280"/>
+          </a:xfrm>
+          <a:prstGeom prst="rect">
+            <a:avLst/>
+          </a:prstGeom>
+          <a:noFill/>
           <a:ln>
             <a:noFill/>
           </a:ln>
         </p:spPr>
-      </p:pic>
+        <p:style>
+          <a:lnRef idx="0">
+            <a:scrgbClr r="0" g="0" b="0"/>
+          </a:lnRef>
+          <a:fillRef idx="0">
+            <a:scrgbClr r="0" g="0" b="0"/>
+          </a:fillRef>
+          <a:effectRef idx="0">
+            <a:scrgbClr r="0" g="0" b="0"/>
+          </a:effectRef>
+          <a:fontRef idx="minor"/>
+        </p:style>
+        <p:txBody>
+          <a:bodyPr lIns="0" tIns="45000" rIns="0" bIns="45000">
+            <a:normAutofit/>
+          </a:bodyPr>
+          <a:lstStyle/>
+          <a:p>
+            <a:pPr marL="91440" indent="-90000">
+              <a:lnSpc>
+                <a:spcPct val="90000"/>
+              </a:lnSpc>
+              <a:spcBef>
+                <a:spcPts val="1199"/>
+              </a:spcBef>
+              <a:spcAft>
+                <a:spcPts val="201"/>
+              </a:spcAft>
+              <a:buClr>
+                <a:srgbClr val="E48312"/>
+              </a:buClr>
+              <a:buFont typeface="Arial"/>
+              <a:buChar char="•"/>
+            </a:pPr>
+            <a:r>
+              <a:rPr lang="en-US" sz="2400" b="0" strike="noStrike" spc="-1">
+                <a:solidFill>
+                  <a:srgbClr val="404040"/>
+                </a:solidFill>
+                <a:latin typeface="Calibri"/>
+                <a:ea typeface="DejaVu Sans"/>
+              </a:rPr>
+              <a:t>Coordinate Rigid body with character movement</a:t>
+            </a:r>
+            <a:endParaRPr lang="en-US" sz="2400" b="0" strike="noStrike" spc="-1">
+              <a:latin typeface="Arial"/>
+            </a:endParaRPr>
+          </a:p>
+          <a:p>
+            <a:pPr marL="91440" indent="-90000">
+              <a:lnSpc>
+                <a:spcPct val="90000"/>
+              </a:lnSpc>
+              <a:spcBef>
+                <a:spcPts val="1199"/>
+              </a:spcBef>
+              <a:spcAft>
+                <a:spcPts val="201"/>
+              </a:spcAft>
+              <a:buClr>
+                <a:srgbClr val="E48312"/>
+              </a:buClr>
+              <a:buFont typeface="Arial"/>
+              <a:buChar char="•"/>
+            </a:pPr>
+            <a:r>
+              <a:rPr lang="en-US" sz="2400" b="0" strike="noStrike" spc="-1">
+                <a:solidFill>
+                  <a:srgbClr val="404040"/>
+                </a:solidFill>
+                <a:latin typeface="Calibri"/>
+                <a:ea typeface="DejaVu Sans"/>
+              </a:rPr>
+              <a:t>Create projectile to destroy enemies</a:t>
+            </a:r>
+            <a:endParaRPr lang="en-US" sz="2400" b="0" strike="noStrike" spc="-1">
+              <a:latin typeface="Arial"/>
+            </a:endParaRPr>
+          </a:p>
+          <a:p>
+            <a:pPr marL="91440" indent="-90000">
+              <a:lnSpc>
+                <a:spcPct val="90000"/>
+              </a:lnSpc>
+              <a:spcBef>
+                <a:spcPts val="1199"/>
+              </a:spcBef>
+              <a:spcAft>
+                <a:spcPts val="201"/>
+              </a:spcAft>
+              <a:buClr>
+                <a:srgbClr val="E48312"/>
+              </a:buClr>
+              <a:buFont typeface="Arial"/>
+              <a:buChar char="•"/>
+            </a:pPr>
+            <a:r>
+              <a:rPr lang="en-US" sz="2400" b="0" strike="noStrike" spc="-1">
+                <a:solidFill>
+                  <a:srgbClr val="404040"/>
+                </a:solidFill>
+                <a:latin typeface="Calibri"/>
+                <a:ea typeface="DejaVu Sans"/>
+              </a:rPr>
+              <a:t>Communicate with scorekeeper to keep track of score and health</a:t>
+            </a:r>
+            <a:endParaRPr lang="en-US" sz="2400" b="0" strike="noStrike" spc="-1">
+              <a:latin typeface="Arial"/>
+            </a:endParaRPr>
+          </a:p>
+          <a:p>
+            <a:pPr marL="91440" indent="-90000">
+              <a:lnSpc>
+                <a:spcPct val="90000"/>
+              </a:lnSpc>
+              <a:spcBef>
+                <a:spcPts val="1199"/>
+              </a:spcBef>
+              <a:spcAft>
+                <a:spcPts val="201"/>
+              </a:spcAft>
+              <a:buClr>
+                <a:srgbClr val="E48312"/>
+              </a:buClr>
+              <a:buFont typeface="Arial"/>
+              <a:buChar char="•"/>
+            </a:pPr>
+            <a:r>
+              <a:rPr lang="en-US" sz="2400" b="0" strike="noStrike" spc="-1">
+                <a:solidFill>
+                  <a:srgbClr val="404040"/>
+                </a:solidFill>
+                <a:latin typeface="Calibri"/>
+                <a:ea typeface="DejaVu Sans"/>
+              </a:rPr>
+              <a:t>Create character motions such as walk, jump , run and shoot</a:t>
+            </a:r>
+            <a:endParaRPr lang="en-US" sz="2400" b="0" strike="noStrike" spc="-1">
+              <a:latin typeface="Arial"/>
+            </a:endParaRPr>
+          </a:p>
+          <a:p>
+            <a:pPr>
+              <a:lnSpc>
+                <a:spcPct val="90000"/>
+              </a:lnSpc>
+              <a:spcBef>
+                <a:spcPts val="1199"/>
+              </a:spcBef>
+              <a:spcAft>
+                <a:spcPts val="201"/>
+              </a:spcAft>
+            </a:pPr>
+            <a:endParaRPr lang="en-US" sz="2400" b="0" strike="noStrike" spc="-1">
+              <a:latin typeface="Arial"/>
+            </a:endParaRPr>
+          </a:p>
+          <a:p>
+            <a:pPr>
+              <a:lnSpc>
+                <a:spcPct val="90000"/>
+              </a:lnSpc>
+              <a:spcBef>
+                <a:spcPts val="1199"/>
+              </a:spcBef>
+              <a:spcAft>
+                <a:spcPts val="201"/>
+              </a:spcAft>
+            </a:pPr>
+            <a:endParaRPr lang="en-US" sz="2400" b="0" strike="noStrike" spc="-1">
+              <a:latin typeface="Arial"/>
+            </a:endParaRPr>
+          </a:p>
+          <a:p>
+            <a:pPr marL="91440" indent="-90000">
+              <a:lnSpc>
+                <a:spcPct val="90000"/>
+              </a:lnSpc>
+              <a:spcBef>
+                <a:spcPts val="1199"/>
+              </a:spcBef>
+              <a:spcAft>
+                <a:spcPts val="201"/>
+              </a:spcAft>
+              <a:buClr>
+                <a:srgbClr val="E48312"/>
+              </a:buClr>
+              <a:buFont typeface="Arial"/>
+              <a:buChar char="•"/>
+            </a:pPr>
+            <a:r>
+              <a:rPr lang="en-US" sz="2400" b="0" strike="noStrike" spc="-1">
+                <a:solidFill>
+                  <a:srgbClr val="404040"/>
+                </a:solidFill>
+                <a:latin typeface="Calibri"/>
+                <a:ea typeface="DejaVu Sans"/>
+              </a:rPr>
+              <a:t>Priority level: 2</a:t>
+            </a:r>
+            <a:endParaRPr lang="en-US" sz="2400" b="0" strike="noStrike" spc="-1">
+              <a:latin typeface="Arial"/>
+            </a:endParaRPr>
+          </a:p>
+          <a:p>
+            <a:pPr marL="91440" indent="-90000">
+              <a:lnSpc>
+                <a:spcPct val="90000"/>
+              </a:lnSpc>
+              <a:spcBef>
+                <a:spcPts val="1199"/>
+              </a:spcBef>
+              <a:spcAft>
+                <a:spcPts val="201"/>
+              </a:spcAft>
+              <a:buClr>
+                <a:srgbClr val="E48312"/>
+              </a:buClr>
+              <a:buFont typeface="Arial"/>
+              <a:buChar char="•"/>
+            </a:pPr>
+            <a:r>
+              <a:rPr lang="en-US" sz="2400" b="0" strike="noStrike" spc="-1">
+                <a:solidFill>
+                  <a:srgbClr val="404040"/>
+                </a:solidFill>
+                <a:latin typeface="Calibri"/>
+                <a:ea typeface="DejaVu Sans"/>
+              </a:rPr>
+              <a:t>Complexity: Moderate</a:t>
+            </a:r>
+            <a:endParaRPr lang="en-US" sz="2400" b="0" strike="noStrike" spc="-1">
+              <a:latin typeface="Arial"/>
+            </a:endParaRPr>
+          </a:p>
+        </p:txBody>
+      </p:sp>
       <p:pic>
         <p:nvPicPr>
-          <p:cNvPr id="139" name="Picture 2" descr=""/>
+          <p:cNvPr id="136" name="Picture 3"/>
           <p:cNvPicPr/>
           <p:nvPr/>
         </p:nvPicPr>
         <p:blipFill>
           <a:blip r:embed="rId2"/>
+          <a:srcRect b="4860"/>
           <a:stretch/>
         </p:blipFill>
         <p:spPr>
           <a:xfrm>
-            <a:off x="1593000" y="1172520"/>
-            <a:ext cx="8851320" cy="5062320"/>
+            <a:off x="10667880" y="274320"/>
+            <a:ext cx="1164960" cy="1260720"/>
           </a:xfrm>
           <a:prstGeom prst="rect">
             <a:avLst/>
@@ -7152,22 +8687,25 @@
       </p:pic>
     </p:spTree>
   </p:cSld>
+  <p:clrMapOvr>
+    <a:masterClrMapping/>
+  </p:clrMapOvr>
   <p:timing>
     <p:tnLst>
       <p:par>
-        <p:cTn id="7" dur="indefinite" restart="never" nodeType="tmRoot">
+        <p:cTn id="1" dur="indefinite" restart="never" nodeType="tmRoot">
           <p:childTnLst>
             <p:seq>
-              <p:cTn id="8" dur="indefinite" nodeType="mainSeq"/>
+              <p:cTn id="2" dur="indefinite" nodeType="mainSeq"/>
               <p:prevCondLst>
-                <p:cond delay="0" evt="onPrev">
+                <p:cond evt="onPrev" delay="0">
                   <p:tgtEl>
                     <p:sldTgt/>
                   </p:tgtEl>
                 </p:cond>
               </p:prevCondLst>
               <p:nextCondLst>
-                <p:cond delay="0" evt="onNext">
+                <p:cond evt="onNext" delay="0">
                   <p:tgtEl>
                     <p:sldTgt/>
                   </p:tgtEl>
@@ -7183,7 +8721,7 @@
 </file>
 
 <file path=ppt/slides/slide5.xml><?xml version="1.0" encoding="utf-8"?>
-<p:sld xmlns:a="http://schemas.openxmlformats.org/drawingml/2006/main" xmlns:p="http://schemas.openxmlformats.org/presentationml/2006/main" xmlns:r="http://schemas.openxmlformats.org/officeDocument/2006/relationships" xmlns:p14="http://schemas.microsoft.com/office/powerpoint/2010/main" xmlns:p15="http://schemas.microsoft.com/office/powerpoint/2012/main" xmlns:mc="http://schemas.openxmlformats.org/markup-compatibility/2006">
+<p:sld xmlns:a="http://schemas.openxmlformats.org/drawingml/2006/main" xmlns:r="http://schemas.openxmlformats.org/officeDocument/2006/relationships" xmlns:p="http://schemas.openxmlformats.org/presentationml/2006/main">
   <p:cSld>
     <p:spTree>
       <p:nvGrpSpPr>
@@ -7201,14 +8739,14 @@
       </p:grpSpPr>
       <p:sp>
         <p:nvSpPr>
-          <p:cNvPr id="140" name="CustomShape 1"/>
+          <p:cNvPr id="137" name="CustomShape 1"/>
           <p:cNvSpPr/>
           <p:nvPr/>
         </p:nvSpPr>
         <p:spPr>
           <a:xfrm>
-            <a:off x="1097280" y="286560"/>
-            <a:ext cx="10056960" cy="1449360"/>
+            <a:off x="1012680" y="216000"/>
+            <a:ext cx="10057320" cy="828720"/>
           </a:xfrm>
           <a:prstGeom prst="rect">
             <a:avLst/>
@@ -7219,13 +8757,20 @@
           </a:ln>
         </p:spPr>
         <p:style>
-          <a:lnRef idx="0"/>
-          <a:fillRef idx="0"/>
-          <a:effectRef idx="0"/>
+          <a:lnRef idx="0">
+            <a:scrgbClr r="0" g="0" b="0"/>
+          </a:lnRef>
+          <a:fillRef idx="0">
+            <a:scrgbClr r="0" g="0" b="0"/>
+          </a:fillRef>
+          <a:effectRef idx="0">
+            <a:scrgbClr r="0" g="0" b="0"/>
+          </a:effectRef>
           <a:fontRef idx="minor"/>
         </p:style>
         <p:txBody>
-          <a:bodyPr lIns="90000" rIns="90000" tIns="45000" bIns="45000" anchor="b"/>
+          <a:bodyPr lIns="90000" tIns="45000" rIns="90000" bIns="45000" anchor="b"/>
+          <a:lstStyle/>
           <a:p>
             <a:pPr>
               <a:lnSpc>
@@ -7233,265 +8778,16 @@
               </a:lnSpc>
             </a:pPr>
             <a:r>
-              <a:rPr b="0" lang="en-US" sz="4800" spc="-41" strike="noStrike">
+              <a:rPr lang="en-US" sz="4800" b="0" strike="noStrike" spc="-43">
                 <a:solidFill>
                   <a:srgbClr val="404040"/>
                 </a:solidFill>
                 <a:latin typeface="Calibri Light"/>
                 <a:ea typeface="DejaVu Sans"/>
               </a:rPr>
-              <a:t>Josh – Level Design</a:t>
+              <a:t>Player Character – Use Case Diagram</a:t>
             </a:r>
-            <a:endParaRPr b="0" lang="en-US" sz="4800" spc="-1" strike="noStrike">
-              <a:latin typeface="Arial"/>
-            </a:endParaRPr>
-          </a:p>
-        </p:txBody>
-      </p:sp>
-      <p:sp>
-        <p:nvSpPr>
-          <p:cNvPr id="141" name="CustomShape 2"/>
-          <p:cNvSpPr/>
-          <p:nvPr/>
-        </p:nvSpPr>
-        <p:spPr>
-          <a:xfrm>
-            <a:off x="1097280" y="1845720"/>
-            <a:ext cx="10056960" cy="4021920"/>
-          </a:xfrm>
-          <a:prstGeom prst="rect">
-            <a:avLst/>
-          </a:prstGeom>
-          <a:noFill/>
-          <a:ln>
-            <a:noFill/>
-          </a:ln>
-        </p:spPr>
-        <p:style>
-          <a:lnRef idx="0"/>
-          <a:fillRef idx="0"/>
-          <a:effectRef idx="0"/>
-          <a:fontRef idx="minor"/>
-        </p:style>
-        <p:txBody>
-          <a:bodyPr lIns="0" rIns="0" tIns="45000" bIns="45000">
-            <a:normAutofit/>
-          </a:bodyPr>
-          <a:p>
-            <a:pPr marL="91440" indent="-90000">
-              <a:lnSpc>
-                <a:spcPct val="90000"/>
-              </a:lnSpc>
-              <a:spcBef>
-                <a:spcPts val="1199"/>
-              </a:spcBef>
-              <a:spcAft>
-                <a:spcPts val="201"/>
-              </a:spcAft>
-              <a:buClr>
-                <a:srgbClr val="e48312"/>
-              </a:buClr>
-              <a:buFont typeface="Arial"/>
-              <a:buChar char="•"/>
-            </a:pPr>
-            <a:r>
-              <a:rPr b="0" lang="en-US" sz="2400" spc="-1" strike="noStrike">
-                <a:solidFill>
-                  <a:srgbClr val="404040"/>
-                </a:solidFill>
-                <a:latin typeface="Calibri"/>
-                <a:ea typeface="DejaVu Sans"/>
-              </a:rPr>
-              <a:t>Creating graphics of stage and objects</a:t>
-            </a:r>
-            <a:endParaRPr b="0" lang="en-US" sz="2400" spc="-1" strike="noStrike">
-              <a:latin typeface="Arial"/>
-            </a:endParaRPr>
-          </a:p>
-          <a:p>
-            <a:pPr marL="91440" indent="-90000">
-              <a:lnSpc>
-                <a:spcPct val="90000"/>
-              </a:lnSpc>
-              <a:spcBef>
-                <a:spcPts val="1199"/>
-              </a:spcBef>
-              <a:spcAft>
-                <a:spcPts val="201"/>
-              </a:spcAft>
-              <a:buClr>
-                <a:srgbClr val="e48312"/>
-              </a:buClr>
-              <a:buFont typeface="Arial"/>
-              <a:buChar char="•"/>
-            </a:pPr>
-            <a:r>
-              <a:rPr b="0" lang="en-US" sz="2400" spc="-1" strike="noStrike">
-                <a:solidFill>
-                  <a:srgbClr val="404040"/>
-                </a:solidFill>
-                <a:latin typeface="Calibri"/>
-                <a:ea typeface="DejaVu Sans"/>
-              </a:rPr>
-              <a:t>Coordinate with Luis for player character</a:t>
-            </a:r>
-            <a:endParaRPr b="0" lang="en-US" sz="2400" spc="-1" strike="noStrike">
-              <a:latin typeface="Arial"/>
-            </a:endParaRPr>
-          </a:p>
-          <a:p>
-            <a:pPr marL="91440" indent="-90000">
-              <a:lnSpc>
-                <a:spcPct val="90000"/>
-              </a:lnSpc>
-              <a:spcBef>
-                <a:spcPts val="1199"/>
-              </a:spcBef>
-              <a:spcAft>
-                <a:spcPts val="201"/>
-              </a:spcAft>
-              <a:buClr>
-                <a:srgbClr val="e48312"/>
-              </a:buClr>
-              <a:buFont typeface="Arial"/>
-              <a:buChar char="•"/>
-            </a:pPr>
-            <a:r>
-              <a:rPr b="0" lang="en-US" sz="2400" spc="-1" strike="noStrike">
-                <a:solidFill>
-                  <a:srgbClr val="404040"/>
-                </a:solidFill>
-                <a:latin typeface="Calibri"/>
-                <a:ea typeface="DejaVu Sans"/>
-              </a:rPr>
-              <a:t>Coordinate with Ben for enemy spawn</a:t>
-            </a:r>
-            <a:endParaRPr b="0" lang="en-US" sz="2400" spc="-1" strike="noStrike">
-              <a:latin typeface="Arial"/>
-            </a:endParaRPr>
-          </a:p>
-          <a:p>
-            <a:pPr marL="91440" indent="-90000">
-              <a:lnSpc>
-                <a:spcPct val="90000"/>
-              </a:lnSpc>
-              <a:spcBef>
-                <a:spcPts val="1199"/>
-              </a:spcBef>
-              <a:spcAft>
-                <a:spcPts val="201"/>
-              </a:spcAft>
-              <a:buClr>
-                <a:srgbClr val="e48312"/>
-              </a:buClr>
-              <a:buFont typeface="Arial"/>
-              <a:buChar char="•"/>
-            </a:pPr>
-            <a:r>
-              <a:rPr b="0" lang="en-US" sz="2400" spc="-1" strike="noStrike">
-                <a:solidFill>
-                  <a:srgbClr val="404040"/>
-                </a:solidFill>
-                <a:latin typeface="Calibri"/>
-                <a:ea typeface="DejaVu Sans"/>
-              </a:rPr>
-              <a:t>Ensuring all objects interact as intended</a:t>
-            </a:r>
-            <a:endParaRPr b="0" lang="en-US" sz="2400" spc="-1" strike="noStrike">
-              <a:latin typeface="Arial"/>
-            </a:endParaRPr>
-          </a:p>
-          <a:p>
-            <a:pPr>
-              <a:lnSpc>
-                <a:spcPct val="90000"/>
-              </a:lnSpc>
-              <a:spcBef>
-                <a:spcPts val="1199"/>
-              </a:spcBef>
-              <a:spcAft>
-                <a:spcPts val="201"/>
-              </a:spcAft>
-            </a:pPr>
-            <a:endParaRPr b="0" lang="en-US" sz="2400" spc="-1" strike="noStrike">
-              <a:latin typeface="Arial"/>
-            </a:endParaRPr>
-          </a:p>
-          <a:p>
-            <a:pPr>
-              <a:lnSpc>
-                <a:spcPct val="90000"/>
-              </a:lnSpc>
-              <a:spcBef>
-                <a:spcPts val="1199"/>
-              </a:spcBef>
-              <a:spcAft>
-                <a:spcPts val="201"/>
-              </a:spcAft>
-            </a:pPr>
-            <a:endParaRPr b="0" lang="en-US" sz="2400" spc="-1" strike="noStrike">
-              <a:latin typeface="Arial"/>
-            </a:endParaRPr>
-          </a:p>
-          <a:p>
-            <a:pPr marL="91440" indent="-90000">
-              <a:lnSpc>
-                <a:spcPct val="90000"/>
-              </a:lnSpc>
-              <a:spcBef>
-                <a:spcPts val="1199"/>
-              </a:spcBef>
-              <a:spcAft>
-                <a:spcPts val="201"/>
-              </a:spcAft>
-              <a:buClr>
-                <a:srgbClr val="e48312"/>
-              </a:buClr>
-              <a:buFont typeface="Arial"/>
-              <a:buChar char="•"/>
-            </a:pPr>
-            <a:r>
-              <a:rPr b="0" lang="en-US" sz="2400" spc="-1" strike="noStrike">
-                <a:solidFill>
-                  <a:srgbClr val="404040"/>
-                </a:solidFill>
-                <a:latin typeface="Calibri"/>
-                <a:ea typeface="DejaVu Sans"/>
-              </a:rPr>
-              <a:t>Priority level: 1 </a:t>
-            </a:r>
-            <a:endParaRPr b="0" lang="en-US" sz="2400" spc="-1" strike="noStrike">
-              <a:latin typeface="Arial"/>
-            </a:endParaRPr>
-          </a:p>
-          <a:p>
-            <a:pPr marL="91440" indent="-90000">
-              <a:lnSpc>
-                <a:spcPct val="90000"/>
-              </a:lnSpc>
-              <a:spcBef>
-                <a:spcPts val="1199"/>
-              </a:spcBef>
-              <a:spcAft>
-                <a:spcPts val="201"/>
-              </a:spcAft>
-              <a:buClr>
-                <a:srgbClr val="e48312"/>
-              </a:buClr>
-              <a:buFont typeface="Arial"/>
-              <a:buChar char="•"/>
-            </a:pPr>
-            <a:r>
-              <a:rPr b="0" lang="en-US" sz="2400" spc="-1" strike="noStrike">
-                <a:solidFill>
-                  <a:srgbClr val="404040"/>
-                </a:solidFill>
-                <a:latin typeface="Calibri"/>
-                <a:ea typeface="DejaVu Sans"/>
-              </a:rPr>
-              <a:t>Complexity: Moderate</a:t>
-            </a:r>
-            <a:endParaRPr b="0" lang="en-US" sz="2400" spc="-1" strike="noStrike">
+            <a:endParaRPr lang="en-US" sz="4800" b="0" strike="noStrike" spc="-1">
               <a:latin typeface="Arial"/>
             </a:endParaRPr>
           </a:p>
@@ -7499,19 +8795,19 @@
       </p:sp>
       <p:pic>
         <p:nvPicPr>
-          <p:cNvPr id="142" name="Picture 3" descr=""/>
+          <p:cNvPr id="138" name="Picture 4"/>
           <p:cNvPicPr/>
           <p:nvPr/>
         </p:nvPicPr>
         <p:blipFill>
-          <a:blip r:embed="rId1"/>
-          <a:srcRect l="0" t="0" r="0" b="4860"/>
+          <a:blip r:embed="rId2"/>
+          <a:srcRect b="4860"/>
           <a:stretch/>
         </p:blipFill>
         <p:spPr>
           <a:xfrm>
             <a:off x="10667880" y="274320"/>
-            <a:ext cx="1164600" cy="1260360"/>
+            <a:ext cx="1164960" cy="1260720"/>
           </a:xfrm>
           <a:prstGeom prst="rect">
             <a:avLst/>
@@ -7521,24 +8817,50 @@
           </a:ln>
         </p:spPr>
       </p:pic>
+      <p:pic>
+        <p:nvPicPr>
+          <p:cNvPr id="139" name="Picture 2"/>
+          <p:cNvPicPr/>
+          <p:nvPr/>
+        </p:nvPicPr>
+        <p:blipFill>
+          <a:blip r:embed="rId3"/>
+          <a:stretch/>
+        </p:blipFill>
+        <p:spPr>
+          <a:xfrm>
+            <a:off x="1593000" y="1172520"/>
+            <a:ext cx="8851320" cy="5062320"/>
+          </a:xfrm>
+          <a:prstGeom prst="rect">
+            <a:avLst/>
+          </a:prstGeom>
+          <a:ln>
+            <a:noFill/>
+          </a:ln>
+        </p:spPr>
+      </p:pic>
     </p:spTree>
   </p:cSld>
+  <p:clrMapOvr>
+    <a:masterClrMapping/>
+  </p:clrMapOvr>
   <p:timing>
     <p:tnLst>
       <p:par>
-        <p:cTn id="9" dur="indefinite" restart="never" nodeType="tmRoot">
+        <p:cTn id="1" dur="indefinite" restart="never" nodeType="tmRoot">
           <p:childTnLst>
             <p:seq>
-              <p:cTn id="10" dur="indefinite" nodeType="mainSeq"/>
+              <p:cTn id="2" dur="indefinite" nodeType="mainSeq"/>
               <p:prevCondLst>
-                <p:cond delay="0" evt="onPrev">
+                <p:cond evt="onPrev" delay="0">
                   <p:tgtEl>
                     <p:sldTgt/>
                   </p:tgtEl>
                 </p:cond>
               </p:prevCondLst>
               <p:nextCondLst>
-                <p:cond delay="0" evt="onNext">
+                <p:cond evt="onNext" delay="0">
                   <p:tgtEl>
                     <p:sldTgt/>
                   </p:tgtEl>
@@ -7554,7 +8876,7 @@
 </file>
 
 <file path=ppt/slides/slide6.xml><?xml version="1.0" encoding="utf-8"?>
-<p:sld xmlns:a="http://schemas.openxmlformats.org/drawingml/2006/main" xmlns:p="http://schemas.openxmlformats.org/presentationml/2006/main" xmlns:r="http://schemas.openxmlformats.org/officeDocument/2006/relationships" xmlns:p14="http://schemas.microsoft.com/office/powerpoint/2010/main" xmlns:p15="http://schemas.microsoft.com/office/powerpoint/2012/main" xmlns:mc="http://schemas.openxmlformats.org/markup-compatibility/2006">
+<p:sld xmlns:a="http://schemas.openxmlformats.org/drawingml/2006/main" xmlns:r="http://schemas.openxmlformats.org/officeDocument/2006/relationships" xmlns:p="http://schemas.openxmlformats.org/presentationml/2006/main">
   <p:cSld>
     <p:spTree>
       <p:nvGrpSpPr>
@@ -7572,7 +8894,7 @@
       </p:grpSpPr>
       <p:sp>
         <p:nvSpPr>
-          <p:cNvPr id="143" name="CustomShape 1"/>
+          <p:cNvPr id="140" name="CustomShape 1"/>
           <p:cNvSpPr/>
           <p:nvPr/>
         </p:nvSpPr>
@@ -7590,13 +8912,20 @@
           </a:ln>
         </p:spPr>
         <p:style>
-          <a:lnRef idx="0"/>
-          <a:fillRef idx="0"/>
-          <a:effectRef idx="0"/>
+          <a:lnRef idx="0">
+            <a:scrgbClr r="0" g="0" b="0"/>
+          </a:lnRef>
+          <a:fillRef idx="0">
+            <a:scrgbClr r="0" g="0" b="0"/>
+          </a:fillRef>
+          <a:effectRef idx="0">
+            <a:scrgbClr r="0" g="0" b="0"/>
+          </a:effectRef>
           <a:fontRef idx="minor"/>
         </p:style>
         <p:txBody>
-          <a:bodyPr lIns="90000" rIns="90000" tIns="45000" bIns="45000" anchor="b"/>
+          <a:bodyPr lIns="90000" tIns="45000" rIns="90000" bIns="45000" anchor="b"/>
+          <a:lstStyle/>
           <a:p>
             <a:pPr>
               <a:lnSpc>
@@ -7604,53 +8933,286 @@
               </a:lnSpc>
             </a:pPr>
             <a:r>
-              <a:rPr b="0" lang="en-US" sz="4800" spc="-41" strike="noStrike">
+              <a:rPr lang="en-US" sz="4800" b="0" strike="noStrike" spc="-41">
                 <a:solidFill>
                   <a:srgbClr val="404040"/>
                 </a:solidFill>
                 <a:latin typeface="Calibri Light"/>
                 <a:ea typeface="DejaVu Sans"/>
               </a:rPr>
-              <a:t>Level Design – Use Case Diagram</a:t>
+              <a:t>Josh – Level Design</a:t>
             </a:r>
-            <a:endParaRPr b="0" lang="en-US" sz="4800" spc="-1" strike="noStrike">
-              <a:latin typeface="Arial"/>
-            </a:endParaRPr>
-          </a:p>
-        </p:txBody>
-      </p:sp>
-      <p:pic>
-        <p:nvPicPr>
-          <p:cNvPr id="144" name="Content Placeholder 3" descr=""/>
-          <p:cNvPicPr/>
+            <a:endParaRPr lang="en-US" sz="4800" b="0" strike="noStrike" spc="-1">
+              <a:latin typeface="Arial"/>
+            </a:endParaRPr>
+          </a:p>
+        </p:txBody>
+      </p:sp>
+      <p:sp>
+        <p:nvSpPr>
+          <p:cNvPr id="141" name="CustomShape 2"/>
+          <p:cNvSpPr/>
           <p:nvPr/>
-        </p:nvPicPr>
-        <p:blipFill>
-          <a:blip r:embed="rId1"/>
-          <a:stretch/>
-        </p:blipFill>
-        <p:spPr>
-          <a:xfrm>
-            <a:off x="2045520" y="1830240"/>
-            <a:ext cx="7728480" cy="4497120"/>
-          </a:xfrm>
-          <a:prstGeom prst="rect">
-            <a:avLst/>
-          </a:prstGeom>
+        </p:nvSpPr>
+        <p:spPr>
+          <a:xfrm>
+            <a:off x="1097280" y="1845720"/>
+            <a:ext cx="10056960" cy="4021920"/>
+          </a:xfrm>
+          <a:prstGeom prst="rect">
+            <a:avLst/>
+          </a:prstGeom>
+          <a:noFill/>
           <a:ln>
             <a:noFill/>
           </a:ln>
         </p:spPr>
-      </p:pic>
+        <p:style>
+          <a:lnRef idx="0">
+            <a:scrgbClr r="0" g="0" b="0"/>
+          </a:lnRef>
+          <a:fillRef idx="0">
+            <a:scrgbClr r="0" g="0" b="0"/>
+          </a:fillRef>
+          <a:effectRef idx="0">
+            <a:scrgbClr r="0" g="0" b="0"/>
+          </a:effectRef>
+          <a:fontRef idx="minor"/>
+        </p:style>
+        <p:txBody>
+          <a:bodyPr lIns="0" tIns="45000" rIns="0" bIns="45000">
+            <a:normAutofit/>
+          </a:bodyPr>
+          <a:lstStyle/>
+          <a:p>
+            <a:pPr marL="91440" indent="-90000">
+              <a:lnSpc>
+                <a:spcPct val="90000"/>
+              </a:lnSpc>
+              <a:spcBef>
+                <a:spcPts val="1199"/>
+              </a:spcBef>
+              <a:spcAft>
+                <a:spcPts val="201"/>
+              </a:spcAft>
+              <a:buClr>
+                <a:srgbClr val="E48312"/>
+              </a:buClr>
+              <a:buFont typeface="Arial"/>
+              <a:buChar char="•"/>
+            </a:pPr>
+            <a:r>
+              <a:rPr lang="en-US" sz="2400" b="0" strike="noStrike" spc="-1">
+                <a:solidFill>
+                  <a:srgbClr val="404040"/>
+                </a:solidFill>
+                <a:latin typeface="Calibri"/>
+                <a:ea typeface="DejaVu Sans"/>
+              </a:rPr>
+              <a:t>Creating graphics of stage and objects</a:t>
+            </a:r>
+            <a:endParaRPr lang="en-US" sz="2400" b="0" strike="noStrike" spc="-1">
+              <a:latin typeface="Arial"/>
+            </a:endParaRPr>
+          </a:p>
+          <a:p>
+            <a:pPr marL="91440" indent="-90000">
+              <a:lnSpc>
+                <a:spcPct val="90000"/>
+              </a:lnSpc>
+              <a:spcBef>
+                <a:spcPts val="1199"/>
+              </a:spcBef>
+              <a:spcAft>
+                <a:spcPts val="201"/>
+              </a:spcAft>
+              <a:buClr>
+                <a:srgbClr val="E48312"/>
+              </a:buClr>
+              <a:buFont typeface="Arial"/>
+              <a:buChar char="•"/>
+            </a:pPr>
+            <a:r>
+              <a:rPr lang="en-US" sz="2400" b="0" strike="noStrike" spc="-1">
+                <a:solidFill>
+                  <a:srgbClr val="404040"/>
+                </a:solidFill>
+                <a:latin typeface="Calibri"/>
+                <a:ea typeface="DejaVu Sans"/>
+              </a:rPr>
+              <a:t>Coordinate with Luis for player character</a:t>
+            </a:r>
+            <a:endParaRPr lang="en-US" sz="2400" b="0" strike="noStrike" spc="-1">
+              <a:latin typeface="Arial"/>
+            </a:endParaRPr>
+          </a:p>
+          <a:p>
+            <a:pPr marL="91440" indent="-90000">
+              <a:lnSpc>
+                <a:spcPct val="90000"/>
+              </a:lnSpc>
+              <a:spcBef>
+                <a:spcPts val="1199"/>
+              </a:spcBef>
+              <a:spcAft>
+                <a:spcPts val="201"/>
+              </a:spcAft>
+              <a:buClr>
+                <a:srgbClr val="E48312"/>
+              </a:buClr>
+              <a:buFont typeface="Arial"/>
+              <a:buChar char="•"/>
+            </a:pPr>
+            <a:r>
+              <a:rPr lang="en-US" sz="2400" b="0" strike="noStrike" spc="-1">
+                <a:solidFill>
+                  <a:srgbClr val="404040"/>
+                </a:solidFill>
+                <a:latin typeface="Calibri"/>
+                <a:ea typeface="DejaVu Sans"/>
+              </a:rPr>
+              <a:t>Coordinate with Ben for enemy spawn</a:t>
+            </a:r>
+            <a:endParaRPr lang="en-US" sz="2400" b="0" strike="noStrike" spc="-1">
+              <a:latin typeface="Arial"/>
+            </a:endParaRPr>
+          </a:p>
+          <a:p>
+            <a:pPr marL="91440" indent="-90000">
+              <a:lnSpc>
+                <a:spcPct val="90000"/>
+              </a:lnSpc>
+              <a:spcBef>
+                <a:spcPts val="1199"/>
+              </a:spcBef>
+              <a:spcAft>
+                <a:spcPts val="201"/>
+              </a:spcAft>
+              <a:buClr>
+                <a:srgbClr val="E48312"/>
+              </a:buClr>
+              <a:buFont typeface="Arial"/>
+              <a:buChar char="•"/>
+            </a:pPr>
+            <a:r>
+              <a:rPr lang="en-US" sz="2400" b="0" strike="noStrike" spc="-1">
+                <a:solidFill>
+                  <a:srgbClr val="404040"/>
+                </a:solidFill>
+                <a:latin typeface="Calibri"/>
+                <a:ea typeface="DejaVu Sans"/>
+              </a:rPr>
+              <a:t>Ensuring all objects interact as intended</a:t>
+            </a:r>
+            <a:endParaRPr lang="en-US" sz="2400" b="0" strike="noStrike" spc="-1">
+              <a:latin typeface="Arial"/>
+            </a:endParaRPr>
+          </a:p>
+          <a:p>
+            <a:pPr>
+              <a:lnSpc>
+                <a:spcPct val="90000"/>
+              </a:lnSpc>
+              <a:spcBef>
+                <a:spcPts val="1199"/>
+              </a:spcBef>
+              <a:spcAft>
+                <a:spcPts val="201"/>
+              </a:spcAft>
+            </a:pPr>
+            <a:endParaRPr lang="en-US" sz="2400" b="0" strike="noStrike" spc="-1">
+              <a:latin typeface="Arial"/>
+            </a:endParaRPr>
+          </a:p>
+          <a:p>
+            <a:pPr>
+              <a:lnSpc>
+                <a:spcPct val="90000"/>
+              </a:lnSpc>
+              <a:spcBef>
+                <a:spcPts val="1199"/>
+              </a:spcBef>
+              <a:spcAft>
+                <a:spcPts val="201"/>
+              </a:spcAft>
+            </a:pPr>
+            <a:endParaRPr lang="en-US" sz="2400" b="0" strike="noStrike" spc="-1">
+              <a:latin typeface="Arial"/>
+            </a:endParaRPr>
+          </a:p>
+          <a:p>
+            <a:pPr marL="91440" indent="-90000">
+              <a:lnSpc>
+                <a:spcPct val="90000"/>
+              </a:lnSpc>
+              <a:spcBef>
+                <a:spcPts val="1199"/>
+              </a:spcBef>
+              <a:spcAft>
+                <a:spcPts val="201"/>
+              </a:spcAft>
+              <a:buClr>
+                <a:srgbClr val="E48312"/>
+              </a:buClr>
+              <a:buFont typeface="Arial"/>
+              <a:buChar char="•"/>
+            </a:pPr>
+            <a:r>
+              <a:rPr lang="en-US" sz="2400" b="0" strike="noStrike" spc="-1">
+                <a:solidFill>
+                  <a:srgbClr val="404040"/>
+                </a:solidFill>
+                <a:latin typeface="Calibri"/>
+                <a:ea typeface="DejaVu Sans"/>
+              </a:rPr>
+              <a:t>Priority level: 1 </a:t>
+            </a:r>
+            <a:endParaRPr lang="en-US" sz="2400" b="0" strike="noStrike" spc="-1">
+              <a:latin typeface="Arial"/>
+            </a:endParaRPr>
+          </a:p>
+          <a:p>
+            <a:pPr marL="91440" indent="-90000">
+              <a:lnSpc>
+                <a:spcPct val="90000"/>
+              </a:lnSpc>
+              <a:spcBef>
+                <a:spcPts val="1199"/>
+              </a:spcBef>
+              <a:spcAft>
+                <a:spcPts val="201"/>
+              </a:spcAft>
+              <a:buClr>
+                <a:srgbClr val="E48312"/>
+              </a:buClr>
+              <a:buFont typeface="Arial"/>
+              <a:buChar char="•"/>
+            </a:pPr>
+            <a:r>
+              <a:rPr lang="en-US" sz="2400" b="0" strike="noStrike" spc="-1">
+                <a:solidFill>
+                  <a:srgbClr val="404040"/>
+                </a:solidFill>
+                <a:latin typeface="Calibri"/>
+                <a:ea typeface="DejaVu Sans"/>
+              </a:rPr>
+              <a:t>Complexity: Moderate</a:t>
+            </a:r>
+            <a:endParaRPr lang="en-US" sz="2400" b="0" strike="noStrike" spc="-1">
+              <a:latin typeface="Arial"/>
+            </a:endParaRPr>
+          </a:p>
+        </p:txBody>
+      </p:sp>
       <p:pic>
         <p:nvPicPr>
-          <p:cNvPr id="145" name="Picture 4" descr=""/>
+          <p:cNvPr id="142" name="Picture 3"/>
           <p:cNvPicPr/>
           <p:nvPr/>
         </p:nvPicPr>
         <p:blipFill>
           <a:blip r:embed="rId2"/>
-          <a:srcRect l="0" t="0" r="0" b="4860"/>
+          <a:srcRect b="4860"/>
           <a:stretch/>
         </p:blipFill>
         <p:spPr>
@@ -7668,22 +9230,25 @@
       </p:pic>
     </p:spTree>
   </p:cSld>
+  <p:clrMapOvr>
+    <a:masterClrMapping/>
+  </p:clrMapOvr>
   <p:timing>
     <p:tnLst>
       <p:par>
-        <p:cTn id="11" dur="indefinite" restart="never" nodeType="tmRoot">
+        <p:cTn id="1" dur="indefinite" restart="never" nodeType="tmRoot">
           <p:childTnLst>
             <p:seq>
-              <p:cTn id="12" dur="indefinite" nodeType="mainSeq"/>
+              <p:cTn id="2" dur="indefinite" nodeType="mainSeq"/>
               <p:prevCondLst>
-                <p:cond delay="0" evt="onPrev">
+                <p:cond evt="onPrev" delay="0">
                   <p:tgtEl>
                     <p:sldTgt/>
                   </p:tgtEl>
                 </p:cond>
               </p:prevCondLst>
               <p:nextCondLst>
-                <p:cond delay="0" evt="onNext">
+                <p:cond evt="onNext" delay="0">
                   <p:tgtEl>
                     <p:sldTgt/>
                   </p:tgtEl>
@@ -7699,7 +9264,7 @@
 </file>
 
 <file path=ppt/slides/slide7.xml><?xml version="1.0" encoding="utf-8"?>
-<p:sld xmlns:a="http://schemas.openxmlformats.org/drawingml/2006/main" xmlns:p="http://schemas.openxmlformats.org/presentationml/2006/main" xmlns:r="http://schemas.openxmlformats.org/officeDocument/2006/relationships" xmlns:p14="http://schemas.microsoft.com/office/powerpoint/2010/main" xmlns:p15="http://schemas.microsoft.com/office/powerpoint/2012/main" xmlns:mc="http://schemas.openxmlformats.org/markup-compatibility/2006">
+<p:sld xmlns:a="http://schemas.openxmlformats.org/drawingml/2006/main" xmlns:r="http://schemas.openxmlformats.org/officeDocument/2006/relationships" xmlns:p="http://schemas.openxmlformats.org/presentationml/2006/main">
   <p:cSld>
     <p:spTree>
       <p:nvGrpSpPr>
@@ -7717,14 +9282,14 @@
       </p:grpSpPr>
       <p:sp>
         <p:nvSpPr>
-          <p:cNvPr id="146" name="CustomShape 1"/>
+          <p:cNvPr id="143" name="CustomShape 1"/>
           <p:cNvSpPr/>
           <p:nvPr/>
         </p:nvSpPr>
         <p:spPr>
           <a:xfrm>
-            <a:off x="1097280" y="700920"/>
-            <a:ext cx="10056960" cy="1035360"/>
+            <a:off x="1097280" y="286560"/>
+            <a:ext cx="10056960" cy="1449360"/>
           </a:xfrm>
           <a:prstGeom prst="rect">
             <a:avLst/>
@@ -7735,31 +9300,37 @@
           </a:ln>
         </p:spPr>
         <p:style>
-          <a:lnRef idx="0"/>
-          <a:fillRef idx="0"/>
-          <a:effectRef idx="0"/>
+          <a:lnRef idx="0">
+            <a:scrgbClr r="0" g="0" b="0"/>
+          </a:lnRef>
+          <a:fillRef idx="0">
+            <a:scrgbClr r="0" g="0" b="0"/>
+          </a:fillRef>
+          <a:effectRef idx="0">
+            <a:scrgbClr r="0" g="0" b="0"/>
+          </a:effectRef>
           <a:fontRef idx="minor"/>
         </p:style>
         <p:txBody>
-          <a:bodyPr lIns="0" rIns="0" tIns="0" bIns="0"/>
+          <a:bodyPr lIns="90000" tIns="45000" rIns="90000" bIns="45000" anchor="b"/>
+          <a:lstStyle/>
           <a:p>
             <a:pPr>
               <a:lnSpc>
                 <a:spcPct val="85000"/>
               </a:lnSpc>
             </a:pPr>
-            <a:br/>
             <a:r>
-              <a:rPr b="0" lang="en-US" sz="4800" spc="-41" strike="noStrike">
+              <a:rPr lang="en-US" sz="4800" b="0" strike="noStrike" spc="-41">
                 <a:solidFill>
                   <a:srgbClr val="404040"/>
                 </a:solidFill>
                 <a:latin typeface="Calibri Light"/>
-                <a:ea typeface="Microsoft YaHei"/>
+                <a:ea typeface="DejaVu Sans"/>
               </a:rPr>
-              <a:t>Ben – Enemies</a:t>
+              <a:t>Level Design – Use Case Diagram</a:t>
             </a:r>
-            <a:endParaRPr b="0" lang="en-US" sz="4800" spc="-1" strike="noStrike">
+            <a:endParaRPr lang="en-US" sz="4800" b="0" strike="noStrike" spc="-1">
               <a:latin typeface="Arial"/>
             </a:endParaRPr>
           </a:p>
@@ -7767,19 +9338,18 @@
       </p:sp>
       <p:pic>
         <p:nvPicPr>
-          <p:cNvPr id="147" name="Picture 4" descr=""/>
+          <p:cNvPr id="144" name="Content Placeholder 3"/>
           <p:cNvPicPr/>
           <p:nvPr/>
         </p:nvPicPr>
         <p:blipFill>
-          <a:blip r:embed="rId1"/>
-          <a:srcRect l="0" t="0" r="0" b="4860"/>
+          <a:blip r:embed="rId2"/>
           <a:stretch/>
         </p:blipFill>
         <p:spPr>
           <a:xfrm>
-            <a:off x="10667880" y="274320"/>
-            <a:ext cx="1164600" cy="1260360"/>
+            <a:off x="2045520" y="1830240"/>
+            <a:ext cx="7728480" cy="4497120"/>
           </a:xfrm>
           <a:prstGeom prst="rect">
             <a:avLst/>
@@ -7789,304 +9359,51 @@
           </a:ln>
         </p:spPr>
       </p:pic>
-      <p:sp>
-        <p:nvSpPr>
-          <p:cNvPr id="148" name="CustomShape 2"/>
-          <p:cNvSpPr/>
+      <p:pic>
+        <p:nvPicPr>
+          <p:cNvPr id="145" name="Picture 4"/>
+          <p:cNvPicPr/>
           <p:nvPr/>
-        </p:nvSpPr>
-        <p:spPr>
-          <a:xfrm>
-            <a:off x="1097640" y="1846080"/>
-            <a:ext cx="10056960" cy="4021920"/>
-          </a:xfrm>
-          <a:prstGeom prst="rect">
-            <a:avLst/>
-          </a:prstGeom>
-          <a:noFill/>
+        </p:nvPicPr>
+        <p:blipFill>
+          <a:blip r:embed="rId3"/>
+          <a:srcRect b="4860"/>
+          <a:stretch/>
+        </p:blipFill>
+        <p:spPr>
+          <a:xfrm>
+            <a:off x="10667880" y="274320"/>
+            <a:ext cx="1164600" cy="1260360"/>
+          </a:xfrm>
+          <a:prstGeom prst="rect">
+            <a:avLst/>
+          </a:prstGeom>
           <a:ln>
             <a:noFill/>
           </a:ln>
         </p:spPr>
-        <p:style>
-          <a:lnRef idx="0"/>
-          <a:fillRef idx="0"/>
-          <a:effectRef idx="0"/>
-          <a:fontRef idx="minor"/>
-        </p:style>
-        <p:txBody>
-          <a:bodyPr lIns="0" rIns="0" tIns="45000" bIns="45000">
-            <a:normAutofit/>
-          </a:bodyPr>
-          <a:p>
-            <a:pPr marL="91440" indent="-90000">
-              <a:lnSpc>
-                <a:spcPct val="90000"/>
-              </a:lnSpc>
-              <a:spcBef>
-                <a:spcPts val="1199"/>
-              </a:spcBef>
-              <a:spcAft>
-                <a:spcPts val="201"/>
-              </a:spcAft>
-              <a:buClr>
-                <a:srgbClr val="e48312"/>
-              </a:buClr>
-              <a:buFont typeface="Arial"/>
-              <a:buChar char="•"/>
-            </a:pPr>
-            <a:r>
-              <a:rPr b="0" lang="en-US" sz="2400" spc="-1" strike="noStrike">
-                <a:solidFill>
-                  <a:srgbClr val="404040"/>
-                </a:solidFill>
-                <a:latin typeface="Calibri"/>
-                <a:ea typeface="DejaVu Sans"/>
-              </a:rPr>
-              <a:t>Creating Enemies and releasing them into the playing field</a:t>
-            </a:r>
-            <a:endParaRPr b="0" lang="en-US" sz="2400" spc="-1" strike="noStrike">
-              <a:latin typeface="Arial"/>
-            </a:endParaRPr>
-          </a:p>
-          <a:p>
-            <a:pPr marL="91440" indent="-90000">
-              <a:lnSpc>
-                <a:spcPct val="90000"/>
-              </a:lnSpc>
-              <a:spcBef>
-                <a:spcPts val="1199"/>
-              </a:spcBef>
-              <a:spcAft>
-                <a:spcPts val="201"/>
-              </a:spcAft>
-              <a:buClr>
-                <a:srgbClr val="e48312"/>
-              </a:buClr>
-              <a:buFont typeface="Arial"/>
-              <a:buChar char="•"/>
-            </a:pPr>
-            <a:r>
-              <a:rPr b="0" lang="en-US" sz="2400" spc="-1" strike="noStrike">
-                <a:solidFill>
-                  <a:srgbClr val="404040"/>
-                </a:solidFill>
-                <a:latin typeface="Calibri"/>
-                <a:ea typeface="DejaVu Sans"/>
-              </a:rPr>
-              <a:t>Coordinating with Josh on when to spawn enemies</a:t>
-            </a:r>
-            <a:endParaRPr b="0" lang="en-US" sz="2400" spc="-1" strike="noStrike">
-              <a:latin typeface="Arial"/>
-            </a:endParaRPr>
-          </a:p>
-          <a:p>
-            <a:pPr marL="91440" indent="-90000">
-              <a:lnSpc>
-                <a:spcPct val="90000"/>
-              </a:lnSpc>
-              <a:spcBef>
-                <a:spcPts val="1199"/>
-              </a:spcBef>
-              <a:spcAft>
-                <a:spcPts val="201"/>
-              </a:spcAft>
-              <a:buClr>
-                <a:srgbClr val="e48312"/>
-              </a:buClr>
-              <a:buFont typeface="Arial"/>
-              <a:buChar char="•"/>
-            </a:pPr>
-            <a:r>
-              <a:rPr b="0" lang="en-US" sz="2400" spc="-1" strike="noStrike">
-                <a:solidFill>
-                  <a:srgbClr val="404040"/>
-                </a:solidFill>
-                <a:latin typeface="Calibri"/>
-                <a:ea typeface="DejaVu Sans"/>
-              </a:rPr>
-              <a:t>Making sure enemies advance and attack automatically</a:t>
-            </a:r>
-            <a:endParaRPr b="0" lang="en-US" sz="2400" spc="-1" strike="noStrike">
-              <a:latin typeface="Arial"/>
-            </a:endParaRPr>
-          </a:p>
-          <a:p>
-            <a:pPr marL="91440" indent="-90000">
-              <a:lnSpc>
-                <a:spcPct val="90000"/>
-              </a:lnSpc>
-              <a:spcBef>
-                <a:spcPts val="1199"/>
-              </a:spcBef>
-              <a:spcAft>
-                <a:spcPts val="201"/>
-              </a:spcAft>
-              <a:buClr>
-                <a:srgbClr val="e48312"/>
-              </a:buClr>
-              <a:buFont typeface="Arial"/>
-              <a:buChar char="•"/>
-            </a:pPr>
-            <a:r>
-              <a:rPr b="0" lang="en-US" sz="2400" spc="-1" strike="noStrike">
-                <a:solidFill>
-                  <a:srgbClr val="404040"/>
-                </a:solidFill>
-                <a:latin typeface="Calibri"/>
-                <a:ea typeface="DejaVu Sans"/>
-              </a:rPr>
-              <a:t>Making sure enemies can navigate around obstacles</a:t>
-            </a:r>
-            <a:endParaRPr b="0" lang="en-US" sz="2400" spc="-1" strike="noStrike">
-              <a:latin typeface="Arial"/>
-            </a:endParaRPr>
-          </a:p>
-          <a:p>
-            <a:pPr marL="91440" indent="-90000">
-              <a:lnSpc>
-                <a:spcPct val="90000"/>
-              </a:lnSpc>
-              <a:spcBef>
-                <a:spcPts val="1199"/>
-              </a:spcBef>
-              <a:spcAft>
-                <a:spcPts val="201"/>
-              </a:spcAft>
-              <a:buClr>
-                <a:srgbClr val="e48312"/>
-              </a:buClr>
-              <a:buFont typeface="Arial"/>
-              <a:buChar char="•"/>
-            </a:pPr>
-            <a:r>
-              <a:rPr b="0" lang="en-US" sz="2400" spc="-1" strike="noStrike">
-                <a:solidFill>
-                  <a:srgbClr val="404040"/>
-                </a:solidFill>
-                <a:latin typeface="Calibri"/>
-                <a:ea typeface="DejaVu Sans"/>
-              </a:rPr>
-              <a:t>Coordinating with Luis on interactions between enemies and the player character</a:t>
-            </a:r>
-            <a:endParaRPr b="0" lang="en-US" sz="2400" spc="-1" strike="noStrike">
-              <a:latin typeface="Arial"/>
-            </a:endParaRPr>
-          </a:p>
-          <a:p>
-            <a:pPr>
-              <a:lnSpc>
-                <a:spcPct val="90000"/>
-              </a:lnSpc>
-              <a:spcBef>
-                <a:spcPts val="1199"/>
-              </a:spcBef>
-              <a:spcAft>
-                <a:spcPts val="201"/>
-              </a:spcAft>
-            </a:pPr>
-            <a:endParaRPr b="0" lang="en-US" sz="2400" spc="-1" strike="noStrike">
-              <a:latin typeface="Arial"/>
-            </a:endParaRPr>
-          </a:p>
-          <a:p>
-            <a:pPr>
-              <a:lnSpc>
-                <a:spcPct val="90000"/>
-              </a:lnSpc>
-              <a:spcBef>
-                <a:spcPts val="1199"/>
-              </a:spcBef>
-              <a:spcAft>
-                <a:spcPts val="201"/>
-              </a:spcAft>
-            </a:pPr>
-            <a:endParaRPr b="0" lang="en-US" sz="2400" spc="-1" strike="noStrike">
-              <a:latin typeface="Arial"/>
-            </a:endParaRPr>
-          </a:p>
-          <a:p>
-            <a:pPr marL="91440" indent="-90000">
-              <a:lnSpc>
-                <a:spcPct val="90000"/>
-              </a:lnSpc>
-              <a:spcBef>
-                <a:spcPts val="1199"/>
-              </a:spcBef>
-              <a:spcAft>
-                <a:spcPts val="201"/>
-              </a:spcAft>
-              <a:buClr>
-                <a:srgbClr val="e48312"/>
-              </a:buClr>
-              <a:buFont typeface="Arial"/>
-              <a:buChar char="•"/>
-            </a:pPr>
-            <a:r>
-              <a:rPr b="0" lang="en-US" sz="2400" spc="-1" strike="noStrike">
-                <a:solidFill>
-                  <a:srgbClr val="404040"/>
-                </a:solidFill>
-                <a:latin typeface="Calibri"/>
-                <a:ea typeface="DejaVu Sans"/>
-              </a:rPr>
-              <a:t>Priority level: 3 </a:t>
-            </a:r>
-            <a:endParaRPr b="0" lang="en-US" sz="2400" spc="-1" strike="noStrike">
-              <a:latin typeface="Arial"/>
-            </a:endParaRPr>
-          </a:p>
-          <a:p>
-            <a:pPr marL="91440" indent="-90000">
-              <a:lnSpc>
-                <a:spcPct val="90000"/>
-              </a:lnSpc>
-              <a:spcBef>
-                <a:spcPts val="1199"/>
-              </a:spcBef>
-              <a:spcAft>
-                <a:spcPts val="201"/>
-              </a:spcAft>
-              <a:buClr>
-                <a:srgbClr val="e48312"/>
-              </a:buClr>
-              <a:buFont typeface="Arial"/>
-              <a:buChar char="•"/>
-            </a:pPr>
-            <a:r>
-              <a:rPr b="0" lang="en-US" sz="2400" spc="-1" strike="noStrike">
-                <a:solidFill>
-                  <a:srgbClr val="404040"/>
-                </a:solidFill>
-                <a:latin typeface="Calibri"/>
-                <a:ea typeface="DejaVu Sans"/>
-              </a:rPr>
-              <a:t>Complexity: Moderate</a:t>
-            </a:r>
-            <a:endParaRPr b="0" lang="en-US" sz="2400" spc="-1" strike="noStrike">
-              <a:latin typeface="Arial"/>
-            </a:endParaRPr>
-          </a:p>
-        </p:txBody>
-      </p:sp>
+      </p:pic>
     </p:spTree>
   </p:cSld>
+  <p:clrMapOvr>
+    <a:masterClrMapping/>
+  </p:clrMapOvr>
   <p:timing>
     <p:tnLst>
       <p:par>
-        <p:cTn id="13" dur="indefinite" restart="never" nodeType="tmRoot">
+        <p:cTn id="1" dur="indefinite" restart="never" nodeType="tmRoot">
           <p:childTnLst>
             <p:seq>
-              <p:cTn id="14" dur="indefinite" nodeType="mainSeq"/>
+              <p:cTn id="2" dur="indefinite" nodeType="mainSeq"/>
               <p:prevCondLst>
-                <p:cond delay="0" evt="onPrev">
+                <p:cond evt="onPrev" delay="0">
                   <p:tgtEl>
                     <p:sldTgt/>
                   </p:tgtEl>
                 </p:cond>
               </p:prevCondLst>
               <p:nextCondLst>
-                <p:cond delay="0" evt="onNext">
+                <p:cond evt="onNext" delay="0">
                   <p:tgtEl>
                     <p:sldTgt/>
                   </p:tgtEl>
@@ -8102,7 +9419,7 @@
 </file>
 
 <file path=ppt/slides/slide8.xml><?xml version="1.0" encoding="utf-8"?>
-<p:sld xmlns:a="http://schemas.openxmlformats.org/drawingml/2006/main" xmlns:p="http://schemas.openxmlformats.org/presentationml/2006/main" xmlns:r="http://schemas.openxmlformats.org/officeDocument/2006/relationships" xmlns:p14="http://schemas.microsoft.com/office/powerpoint/2010/main" xmlns:p15="http://schemas.microsoft.com/office/powerpoint/2012/main" xmlns:mc="http://schemas.openxmlformats.org/markup-compatibility/2006">
+<p:sld xmlns:a="http://schemas.openxmlformats.org/drawingml/2006/main" xmlns:r="http://schemas.openxmlformats.org/officeDocument/2006/relationships" xmlns:p="http://schemas.openxmlformats.org/presentationml/2006/main">
   <p:cSld>
     <p:spTree>
       <p:nvGrpSpPr>
@@ -8120,14 +9437,14 @@
       </p:grpSpPr>
       <p:sp>
         <p:nvSpPr>
-          <p:cNvPr id="149" name="CustomShape 1"/>
+          <p:cNvPr id="146" name="CustomShape 1"/>
           <p:cNvSpPr/>
           <p:nvPr/>
         </p:nvSpPr>
         <p:spPr>
           <a:xfrm>
-            <a:off x="1097280" y="286560"/>
-            <a:ext cx="10056960" cy="1449360"/>
+            <a:off x="1097280" y="700920"/>
+            <a:ext cx="10056960" cy="1035360"/>
           </a:xfrm>
           <a:prstGeom prst="rect">
             <a:avLst/>
@@ -8138,63 +9455,20 @@
           </a:ln>
         </p:spPr>
         <p:style>
-          <a:lnRef idx="0"/>
-          <a:fillRef idx="0"/>
-          <a:effectRef idx="0"/>
+          <a:lnRef idx="0">
+            <a:scrgbClr r="0" g="0" b="0"/>
+          </a:lnRef>
+          <a:fillRef idx="0">
+            <a:scrgbClr r="0" g="0" b="0"/>
+          </a:fillRef>
+          <a:effectRef idx="0">
+            <a:scrgbClr r="0" g="0" b="0"/>
+          </a:effectRef>
           <a:fontRef idx="minor"/>
         </p:style>
-      </p:sp>
-      <p:pic>
-        <p:nvPicPr>
-          <p:cNvPr id="150" name="Picture 4" descr=""/>
-          <p:cNvPicPr/>
-          <p:nvPr/>
-        </p:nvPicPr>
-        <p:blipFill>
-          <a:blip r:embed="rId1"/>
-          <a:srcRect l="0" t="0" r="0" b="4860"/>
-          <a:stretch/>
-        </p:blipFill>
-        <p:spPr>
-          <a:xfrm>
-            <a:off x="10667880" y="274320"/>
-            <a:ext cx="1164600" cy="1260360"/>
-          </a:xfrm>
-          <a:prstGeom prst="rect">
-            <a:avLst/>
-          </a:prstGeom>
-          <a:ln>
-            <a:noFill/>
-          </a:ln>
-        </p:spPr>
-      </p:pic>
-      <p:sp>
-        <p:nvSpPr>
-          <p:cNvPr id="151" name="CustomShape 2"/>
-          <p:cNvSpPr/>
-          <p:nvPr/>
-        </p:nvSpPr>
-        <p:spPr>
-          <a:xfrm>
-            <a:off x="1097280" y="700920"/>
-            <a:ext cx="10056960" cy="1035360"/>
-          </a:xfrm>
-          <a:prstGeom prst="rect">
-            <a:avLst/>
-          </a:prstGeom>
-          <a:noFill/>
-          <a:ln>
-            <a:noFill/>
-          </a:ln>
-        </p:spPr>
-        <p:style>
-          <a:lnRef idx="0"/>
-          <a:fillRef idx="0"/>
-          <a:effectRef idx="0"/>
-          <a:fontRef idx="minor"/>
-        </p:style>
-        <p:txBody>
-          <a:bodyPr lIns="0" rIns="0" tIns="0" bIns="0"/>
+        <p:txBody>
+          <a:bodyPr lIns="0" tIns="0" rIns="0" bIns="0"/>
+          <a:lstStyle/>
           <a:p>
             <a:pPr>
               <a:lnSpc>
@@ -8203,16 +9477,16 @@
             </a:pPr>
             <a:br/>
             <a:r>
-              <a:rPr b="0" lang="en-US" sz="4800" spc="-41" strike="noStrike">
+              <a:rPr lang="en-US" sz="4800" b="0" strike="noStrike" spc="-41">
                 <a:solidFill>
                   <a:srgbClr val="404040"/>
                 </a:solidFill>
                 <a:latin typeface="Calibri Light"/>
                 <a:ea typeface="Microsoft YaHei"/>
               </a:rPr>
-              <a:t>Use case – Damaging enemies</a:t>
+              <a:t>Ben – Enemies</a:t>
             </a:r>
-            <a:endParaRPr b="0" lang="en-US" sz="4800" spc="-1" strike="noStrike">
+            <a:endParaRPr lang="en-US" sz="4800" b="0" strike="noStrike" spc="-1">
               <a:latin typeface="Arial"/>
             </a:endParaRPr>
           </a:p>
@@ -8220,18 +9494,19 @@
       </p:sp>
       <p:pic>
         <p:nvPicPr>
-          <p:cNvPr id="152" name="Picture 150" descr=""/>
+          <p:cNvPr id="147" name="Picture 4"/>
           <p:cNvPicPr/>
           <p:nvPr/>
         </p:nvPicPr>
         <p:blipFill>
           <a:blip r:embed="rId2"/>
+          <a:srcRect b="4860"/>
           <a:stretch/>
         </p:blipFill>
         <p:spPr>
           <a:xfrm>
-            <a:off x="2377440" y="1828800"/>
-            <a:ext cx="7131600" cy="4403880"/>
+            <a:off x="10667880" y="274320"/>
+            <a:ext cx="1164600" cy="1260360"/>
           </a:xfrm>
           <a:prstGeom prst="rect">
             <a:avLst/>
@@ -8241,24 +9516,314 @@
           </a:ln>
         </p:spPr>
       </p:pic>
+      <p:sp>
+        <p:nvSpPr>
+          <p:cNvPr id="148" name="CustomShape 2"/>
+          <p:cNvSpPr/>
+          <p:nvPr/>
+        </p:nvSpPr>
+        <p:spPr>
+          <a:xfrm>
+            <a:off x="1097640" y="1846080"/>
+            <a:ext cx="10056960" cy="4021920"/>
+          </a:xfrm>
+          <a:prstGeom prst="rect">
+            <a:avLst/>
+          </a:prstGeom>
+          <a:noFill/>
+          <a:ln>
+            <a:noFill/>
+          </a:ln>
+        </p:spPr>
+        <p:style>
+          <a:lnRef idx="0">
+            <a:scrgbClr r="0" g="0" b="0"/>
+          </a:lnRef>
+          <a:fillRef idx="0">
+            <a:scrgbClr r="0" g="0" b="0"/>
+          </a:fillRef>
+          <a:effectRef idx="0">
+            <a:scrgbClr r="0" g="0" b="0"/>
+          </a:effectRef>
+          <a:fontRef idx="minor"/>
+        </p:style>
+        <p:txBody>
+          <a:bodyPr lIns="0" tIns="45000" rIns="0" bIns="45000">
+            <a:normAutofit fontScale="92500" lnSpcReduction="10000"/>
+          </a:bodyPr>
+          <a:lstStyle/>
+          <a:p>
+            <a:pPr marL="91440" indent="-90000">
+              <a:lnSpc>
+                <a:spcPct val="90000"/>
+              </a:lnSpc>
+              <a:spcBef>
+                <a:spcPts val="1199"/>
+              </a:spcBef>
+              <a:spcAft>
+                <a:spcPts val="201"/>
+              </a:spcAft>
+              <a:buClr>
+                <a:srgbClr val="E48312"/>
+              </a:buClr>
+              <a:buFont typeface="Arial"/>
+              <a:buChar char="•"/>
+            </a:pPr>
+            <a:r>
+              <a:rPr lang="en-US" sz="2400" b="0" strike="noStrike" spc="-1">
+                <a:solidFill>
+                  <a:srgbClr val="404040"/>
+                </a:solidFill>
+                <a:latin typeface="Calibri"/>
+                <a:ea typeface="DejaVu Sans"/>
+              </a:rPr>
+              <a:t>Creating Enemies and releasing them into the playing field</a:t>
+            </a:r>
+            <a:endParaRPr lang="en-US" sz="2400" b="0" strike="noStrike" spc="-1">
+              <a:latin typeface="Arial"/>
+            </a:endParaRPr>
+          </a:p>
+          <a:p>
+            <a:pPr marL="91440" indent="-90000">
+              <a:lnSpc>
+                <a:spcPct val="90000"/>
+              </a:lnSpc>
+              <a:spcBef>
+                <a:spcPts val="1199"/>
+              </a:spcBef>
+              <a:spcAft>
+                <a:spcPts val="201"/>
+              </a:spcAft>
+              <a:buClr>
+                <a:srgbClr val="E48312"/>
+              </a:buClr>
+              <a:buFont typeface="Arial"/>
+              <a:buChar char="•"/>
+            </a:pPr>
+            <a:r>
+              <a:rPr lang="en-US" sz="2400" b="0" strike="noStrike" spc="-1">
+                <a:solidFill>
+                  <a:srgbClr val="404040"/>
+                </a:solidFill>
+                <a:latin typeface="Calibri"/>
+                <a:ea typeface="DejaVu Sans"/>
+              </a:rPr>
+              <a:t>Coordinating with Josh on when to spawn enemies</a:t>
+            </a:r>
+            <a:endParaRPr lang="en-US" sz="2400" b="0" strike="noStrike" spc="-1">
+              <a:latin typeface="Arial"/>
+            </a:endParaRPr>
+          </a:p>
+          <a:p>
+            <a:pPr marL="91440" indent="-90000">
+              <a:lnSpc>
+                <a:spcPct val="90000"/>
+              </a:lnSpc>
+              <a:spcBef>
+                <a:spcPts val="1199"/>
+              </a:spcBef>
+              <a:spcAft>
+                <a:spcPts val="201"/>
+              </a:spcAft>
+              <a:buClr>
+                <a:srgbClr val="E48312"/>
+              </a:buClr>
+              <a:buFont typeface="Arial"/>
+              <a:buChar char="•"/>
+            </a:pPr>
+            <a:r>
+              <a:rPr lang="en-US" sz="2400" b="0" strike="noStrike" spc="-1">
+                <a:solidFill>
+                  <a:srgbClr val="404040"/>
+                </a:solidFill>
+                <a:latin typeface="Calibri"/>
+                <a:ea typeface="DejaVu Sans"/>
+              </a:rPr>
+              <a:t>Making sure enemies advance and attack automatically</a:t>
+            </a:r>
+            <a:endParaRPr lang="en-US" sz="2400" b="0" strike="noStrike" spc="-1">
+              <a:latin typeface="Arial"/>
+            </a:endParaRPr>
+          </a:p>
+          <a:p>
+            <a:pPr marL="91440" indent="-90000">
+              <a:lnSpc>
+                <a:spcPct val="90000"/>
+              </a:lnSpc>
+              <a:spcBef>
+                <a:spcPts val="1199"/>
+              </a:spcBef>
+              <a:spcAft>
+                <a:spcPts val="201"/>
+              </a:spcAft>
+              <a:buClr>
+                <a:srgbClr val="E48312"/>
+              </a:buClr>
+              <a:buFont typeface="Arial"/>
+              <a:buChar char="•"/>
+            </a:pPr>
+            <a:r>
+              <a:rPr lang="en-US" sz="2400" b="0" strike="noStrike" spc="-1">
+                <a:solidFill>
+                  <a:srgbClr val="404040"/>
+                </a:solidFill>
+                <a:latin typeface="Calibri"/>
+                <a:ea typeface="DejaVu Sans"/>
+              </a:rPr>
+              <a:t>Making sure enemies can navigate around obstacles</a:t>
+            </a:r>
+            <a:endParaRPr lang="en-US" sz="2400" b="0" strike="noStrike" spc="-1">
+              <a:latin typeface="Arial"/>
+            </a:endParaRPr>
+          </a:p>
+          <a:p>
+            <a:pPr marL="91440" indent="-90000">
+              <a:lnSpc>
+                <a:spcPct val="90000"/>
+              </a:lnSpc>
+              <a:spcBef>
+                <a:spcPts val="1199"/>
+              </a:spcBef>
+              <a:spcAft>
+                <a:spcPts val="201"/>
+              </a:spcAft>
+              <a:buClr>
+                <a:srgbClr val="E48312"/>
+              </a:buClr>
+              <a:buFont typeface="Arial"/>
+              <a:buChar char="•"/>
+            </a:pPr>
+            <a:r>
+              <a:rPr lang="en-US" sz="2400" b="0" strike="noStrike" spc="-1">
+                <a:solidFill>
+                  <a:srgbClr val="404040"/>
+                </a:solidFill>
+                <a:latin typeface="Calibri"/>
+                <a:ea typeface="DejaVu Sans"/>
+              </a:rPr>
+              <a:t>Coordinating with Luis on interactions between enemies and the player character</a:t>
+            </a:r>
+            <a:endParaRPr lang="en-US" sz="2400" b="0" strike="noStrike" spc="-1">
+              <a:latin typeface="Arial"/>
+            </a:endParaRPr>
+          </a:p>
+          <a:p>
+            <a:pPr>
+              <a:lnSpc>
+                <a:spcPct val="90000"/>
+              </a:lnSpc>
+              <a:spcBef>
+                <a:spcPts val="1199"/>
+              </a:spcBef>
+              <a:spcAft>
+                <a:spcPts val="201"/>
+              </a:spcAft>
+            </a:pPr>
+            <a:endParaRPr lang="en-US" sz="2400" b="0" strike="noStrike" spc="-1">
+              <a:latin typeface="Arial"/>
+            </a:endParaRPr>
+          </a:p>
+          <a:p>
+            <a:pPr>
+              <a:lnSpc>
+                <a:spcPct val="90000"/>
+              </a:lnSpc>
+              <a:spcBef>
+                <a:spcPts val="1199"/>
+              </a:spcBef>
+              <a:spcAft>
+                <a:spcPts val="201"/>
+              </a:spcAft>
+            </a:pPr>
+            <a:endParaRPr lang="en-US" sz="2400" b="0" strike="noStrike" spc="-1">
+              <a:latin typeface="Arial"/>
+            </a:endParaRPr>
+          </a:p>
+          <a:p>
+            <a:pPr marL="91440" indent="-90000">
+              <a:lnSpc>
+                <a:spcPct val="90000"/>
+              </a:lnSpc>
+              <a:spcBef>
+                <a:spcPts val="1199"/>
+              </a:spcBef>
+              <a:spcAft>
+                <a:spcPts val="201"/>
+              </a:spcAft>
+              <a:buClr>
+                <a:srgbClr val="E48312"/>
+              </a:buClr>
+              <a:buFont typeface="Arial"/>
+              <a:buChar char="•"/>
+            </a:pPr>
+            <a:r>
+              <a:rPr lang="en-US" sz="2400" b="0" strike="noStrike" spc="-1">
+                <a:solidFill>
+                  <a:srgbClr val="404040"/>
+                </a:solidFill>
+                <a:latin typeface="Calibri"/>
+                <a:ea typeface="DejaVu Sans"/>
+              </a:rPr>
+              <a:t>Priority level: 3 </a:t>
+            </a:r>
+            <a:endParaRPr lang="en-US" sz="2400" b="0" strike="noStrike" spc="-1">
+              <a:latin typeface="Arial"/>
+            </a:endParaRPr>
+          </a:p>
+          <a:p>
+            <a:pPr marL="91440" indent="-90000">
+              <a:lnSpc>
+                <a:spcPct val="90000"/>
+              </a:lnSpc>
+              <a:spcBef>
+                <a:spcPts val="1199"/>
+              </a:spcBef>
+              <a:spcAft>
+                <a:spcPts val="201"/>
+              </a:spcAft>
+              <a:buClr>
+                <a:srgbClr val="E48312"/>
+              </a:buClr>
+              <a:buFont typeface="Arial"/>
+              <a:buChar char="•"/>
+            </a:pPr>
+            <a:r>
+              <a:rPr lang="en-US" sz="2400" b="0" strike="noStrike" spc="-1">
+                <a:solidFill>
+                  <a:srgbClr val="404040"/>
+                </a:solidFill>
+                <a:latin typeface="Calibri"/>
+                <a:ea typeface="DejaVu Sans"/>
+              </a:rPr>
+              <a:t>Complexity: Moderate</a:t>
+            </a:r>
+            <a:endParaRPr lang="en-US" sz="2400" b="0" strike="noStrike" spc="-1">
+              <a:latin typeface="Arial"/>
+            </a:endParaRPr>
+          </a:p>
+        </p:txBody>
+      </p:sp>
     </p:spTree>
   </p:cSld>
+  <p:clrMapOvr>
+    <a:masterClrMapping/>
+  </p:clrMapOvr>
   <p:timing>
     <p:tnLst>
       <p:par>
-        <p:cTn id="15" dur="indefinite" restart="never" nodeType="tmRoot">
+        <p:cTn id="1" dur="indefinite" restart="never" nodeType="tmRoot">
           <p:childTnLst>
             <p:seq>
-              <p:cTn id="16" dur="indefinite" nodeType="mainSeq"/>
+              <p:cTn id="2" dur="indefinite" nodeType="mainSeq"/>
               <p:prevCondLst>
-                <p:cond delay="0" evt="onPrev">
+                <p:cond evt="onPrev" delay="0">
                   <p:tgtEl>
                     <p:sldTgt/>
                   </p:tgtEl>
                 </p:cond>
               </p:prevCondLst>
               <p:nextCondLst>
-                <p:cond delay="0" evt="onNext">
+                <p:cond evt="onNext" delay="0">
                   <p:tgtEl>
                     <p:sldTgt/>
                   </p:tgtEl>
@@ -8274,7 +9839,7 @@
 </file>
 
 <file path=ppt/slides/slide9.xml><?xml version="1.0" encoding="utf-8"?>
-<p:sld xmlns:a="http://schemas.openxmlformats.org/drawingml/2006/main" xmlns:p="http://schemas.openxmlformats.org/presentationml/2006/main" xmlns:r="http://schemas.openxmlformats.org/officeDocument/2006/relationships" xmlns:p14="http://schemas.microsoft.com/office/powerpoint/2010/main" xmlns:p15="http://schemas.microsoft.com/office/powerpoint/2012/main" xmlns:mc="http://schemas.openxmlformats.org/markup-compatibility/2006">
+<p:sld xmlns:a="http://schemas.openxmlformats.org/drawingml/2006/main" xmlns:r="http://schemas.openxmlformats.org/officeDocument/2006/relationships" xmlns:p="http://schemas.openxmlformats.org/presentationml/2006/main">
   <p:cSld>
     <p:spTree>
       <p:nvGrpSpPr>
@@ -8292,7 +9857,7 @@
       </p:grpSpPr>
       <p:sp>
         <p:nvSpPr>
-          <p:cNvPr id="153" name="CustomShape 1"/>
+          <p:cNvPr id="149" name="CustomShape 1"/>
           <p:cNvSpPr/>
           <p:nvPr/>
         </p:nvSpPr>
@@ -8310,13 +9875,76 @@
           </a:ln>
         </p:spPr>
         <p:style>
-          <a:lnRef idx="0"/>
-          <a:fillRef idx="0"/>
-          <a:effectRef idx="0"/>
+          <a:lnRef idx="0">
+            <a:scrgbClr r="0" g="0" b="0"/>
+          </a:lnRef>
+          <a:fillRef idx="0">
+            <a:scrgbClr r="0" g="0" b="0"/>
+          </a:fillRef>
+          <a:effectRef idx="0">
+            <a:scrgbClr r="0" g="0" b="0"/>
+          </a:effectRef>
           <a:fontRef idx="minor"/>
         </p:style>
-        <p:txBody>
-          <a:bodyPr lIns="0" rIns="0" tIns="0" bIns="0" anchor="ctr"/>
+      </p:sp>
+      <p:pic>
+        <p:nvPicPr>
+          <p:cNvPr id="150" name="Picture 4"/>
+          <p:cNvPicPr/>
+          <p:nvPr/>
+        </p:nvPicPr>
+        <p:blipFill>
+          <a:blip r:embed="rId2"/>
+          <a:srcRect b="4860"/>
+          <a:stretch/>
+        </p:blipFill>
+        <p:spPr>
+          <a:xfrm>
+            <a:off x="10667880" y="274320"/>
+            <a:ext cx="1164600" cy="1260360"/>
+          </a:xfrm>
+          <a:prstGeom prst="rect">
+            <a:avLst/>
+          </a:prstGeom>
+          <a:ln>
+            <a:noFill/>
+          </a:ln>
+        </p:spPr>
+      </p:pic>
+      <p:sp>
+        <p:nvSpPr>
+          <p:cNvPr id="151" name="CustomShape 2"/>
+          <p:cNvSpPr/>
+          <p:nvPr/>
+        </p:nvSpPr>
+        <p:spPr>
+          <a:xfrm>
+            <a:off x="1097280" y="700920"/>
+            <a:ext cx="10056960" cy="1035360"/>
+          </a:xfrm>
+          <a:prstGeom prst="rect">
+            <a:avLst/>
+          </a:prstGeom>
+          <a:noFill/>
+          <a:ln>
+            <a:noFill/>
+          </a:ln>
+        </p:spPr>
+        <p:style>
+          <a:lnRef idx="0">
+            <a:scrgbClr r="0" g="0" b="0"/>
+          </a:lnRef>
+          <a:fillRef idx="0">
+            <a:scrgbClr r="0" g="0" b="0"/>
+          </a:fillRef>
+          <a:effectRef idx="0">
+            <a:scrgbClr r="0" g="0" b="0"/>
+          </a:effectRef>
+          <a:fontRef idx="minor"/>
+        </p:style>
+        <p:txBody>
+          <a:bodyPr lIns="0" tIns="0" rIns="0" bIns="0"/>
+          <a:lstStyle/>
           <a:p>
             <a:pPr>
               <a:lnSpc>
@@ -8325,276 +9953,16 @@
             </a:pPr>
             <a:br/>
             <a:r>
-              <a:rPr b="0" lang="en-US" sz="4400" spc="-41" strike="noStrike">
+              <a:rPr lang="en-US" sz="4800" b="0" strike="noStrike" spc="-41">
                 <a:solidFill>
                   <a:srgbClr val="404040"/>
                 </a:solidFill>
                 <a:latin typeface="Calibri Light"/>
                 <a:ea typeface="Microsoft YaHei"/>
               </a:rPr>
-              <a:t>Blakely – Sound</a:t>
+              <a:t>Use case – Damaging enemies</a:t>
             </a:r>
-            <a:endParaRPr b="0" lang="en-US" sz="4400" spc="-1" strike="noStrike">
-              <a:latin typeface="Arial"/>
-            </a:endParaRPr>
-          </a:p>
-        </p:txBody>
-      </p:sp>
-      <p:sp>
-        <p:nvSpPr>
-          <p:cNvPr id="154" name="CustomShape 2"/>
-          <p:cNvSpPr/>
-          <p:nvPr/>
-        </p:nvSpPr>
-        <p:spPr>
-          <a:xfrm>
-            <a:off x="1097280" y="2121120"/>
-            <a:ext cx="10056960" cy="4021920"/>
-          </a:xfrm>
-          <a:prstGeom prst="rect">
-            <a:avLst/>
-          </a:prstGeom>
-          <a:noFill/>
-          <a:ln>
-            <a:noFill/>
-          </a:ln>
-        </p:spPr>
-        <p:style>
-          <a:lnRef idx="0"/>
-          <a:fillRef idx="0"/>
-          <a:effectRef idx="0"/>
-          <a:fontRef idx="minor"/>
-        </p:style>
-        <p:txBody>
-          <a:bodyPr lIns="0" rIns="0" tIns="0" bIns="0" anchor="ctr"/>
-          <a:p>
-            <a:pPr marL="91440" indent="-90000">
-              <a:lnSpc>
-                <a:spcPct val="90000"/>
-              </a:lnSpc>
-              <a:spcBef>
-                <a:spcPts val="1199"/>
-              </a:spcBef>
-              <a:spcAft>
-                <a:spcPts val="201"/>
-              </a:spcAft>
-              <a:buClr>
-                <a:srgbClr val="e48312"/>
-              </a:buClr>
-              <a:buFont typeface="Arial"/>
-              <a:buChar char="•"/>
-            </a:pPr>
-            <a:r>
-              <a:rPr b="0" lang="en-US" sz="2200" spc="-1" strike="noStrike">
-                <a:solidFill>
-                  <a:srgbClr val="404040"/>
-                </a:solidFill>
-                <a:latin typeface="Calibri"/>
-                <a:ea typeface="DejaVu Sans"/>
-              </a:rPr>
-              <a:t>Creating Sounds for levels and sound effects</a:t>
-            </a:r>
-            <a:endParaRPr b="0" lang="en-US" sz="2200" spc="-1" strike="noStrike">
-              <a:latin typeface="Arial"/>
-            </a:endParaRPr>
-          </a:p>
-          <a:p>
-            <a:pPr marL="91440" indent="-90000">
-              <a:lnSpc>
-                <a:spcPct val="90000"/>
-              </a:lnSpc>
-              <a:spcBef>
-                <a:spcPts val="1199"/>
-              </a:spcBef>
-              <a:spcAft>
-                <a:spcPts val="201"/>
-              </a:spcAft>
-              <a:buClr>
-                <a:srgbClr val="e48312"/>
-              </a:buClr>
-              <a:buFont typeface="Arial"/>
-              <a:buChar char="•"/>
-            </a:pPr>
-            <a:r>
-              <a:rPr b="0" lang="en-US" sz="2200" spc="-1" strike="noStrike">
-                <a:solidFill>
-                  <a:srgbClr val="404040"/>
-                </a:solidFill>
-                <a:latin typeface="Calibri"/>
-                <a:ea typeface="DejaVu Sans"/>
-              </a:rPr>
-              <a:t>Coordinate with Luis on player sound effects</a:t>
-            </a:r>
-            <a:endParaRPr b="0" lang="en-US" sz="2200" spc="-1" strike="noStrike">
-              <a:latin typeface="Arial"/>
-            </a:endParaRPr>
-          </a:p>
-          <a:p>
-            <a:pPr marL="91440" indent="-90000">
-              <a:lnSpc>
-                <a:spcPct val="90000"/>
-              </a:lnSpc>
-              <a:spcBef>
-                <a:spcPts val="1199"/>
-              </a:spcBef>
-              <a:spcAft>
-                <a:spcPts val="201"/>
-              </a:spcAft>
-              <a:buClr>
-                <a:srgbClr val="e48312"/>
-              </a:buClr>
-              <a:buFont typeface="Arial"/>
-              <a:buChar char="•"/>
-            </a:pPr>
-            <a:r>
-              <a:rPr b="0" lang="en-US" sz="2200" spc="-1" strike="noStrike">
-                <a:solidFill>
-                  <a:srgbClr val="404040"/>
-                </a:solidFill>
-                <a:latin typeface="Calibri"/>
-                <a:ea typeface="DejaVu Sans"/>
-              </a:rPr>
-              <a:t>Coordinate with Ben on enemy sound effects</a:t>
-            </a:r>
-            <a:endParaRPr b="0" lang="en-US" sz="2200" spc="-1" strike="noStrike">
-              <a:latin typeface="Arial"/>
-            </a:endParaRPr>
-          </a:p>
-          <a:p>
-            <a:pPr marL="91440" indent="-90000">
-              <a:lnSpc>
-                <a:spcPct val="90000"/>
-              </a:lnSpc>
-              <a:spcBef>
-                <a:spcPts val="1199"/>
-              </a:spcBef>
-              <a:spcAft>
-                <a:spcPts val="201"/>
-              </a:spcAft>
-              <a:buClr>
-                <a:srgbClr val="e48312"/>
-              </a:buClr>
-              <a:buFont typeface="Arial"/>
-              <a:buChar char="•"/>
-            </a:pPr>
-            <a:r>
-              <a:rPr b="0" lang="en-US" sz="2200" spc="-1" strike="noStrike">
-                <a:solidFill>
-                  <a:srgbClr val="404040"/>
-                </a:solidFill>
-                <a:latin typeface="Calibri"/>
-                <a:ea typeface="DejaVu Sans"/>
-              </a:rPr>
-              <a:t>Provide seamless timing between character trigger and sound effect</a:t>
-            </a:r>
-            <a:endParaRPr b="0" lang="en-US" sz="2200" spc="-1" strike="noStrike">
-              <a:latin typeface="Arial"/>
-            </a:endParaRPr>
-          </a:p>
-          <a:p>
-            <a:pPr>
-              <a:lnSpc>
-                <a:spcPct val="90000"/>
-              </a:lnSpc>
-              <a:spcBef>
-                <a:spcPts val="1199"/>
-              </a:spcBef>
-              <a:spcAft>
-                <a:spcPts val="201"/>
-              </a:spcAft>
-            </a:pPr>
-            <a:endParaRPr b="0" lang="en-US" sz="2200" spc="-1" strike="noStrike">
-              <a:latin typeface="Arial"/>
-            </a:endParaRPr>
-          </a:p>
-          <a:p>
-            <a:pPr>
-              <a:lnSpc>
-                <a:spcPct val="90000"/>
-              </a:lnSpc>
-              <a:spcBef>
-                <a:spcPts val="1199"/>
-              </a:spcBef>
-              <a:spcAft>
-                <a:spcPts val="201"/>
-              </a:spcAft>
-            </a:pPr>
-            <a:endParaRPr b="0" lang="en-US" sz="2200" spc="-1" strike="noStrike">
-              <a:latin typeface="Arial"/>
-            </a:endParaRPr>
-          </a:p>
-          <a:p>
-            <a:pPr marL="91440" indent="-90000">
-              <a:lnSpc>
-                <a:spcPct val="90000"/>
-              </a:lnSpc>
-              <a:spcBef>
-                <a:spcPts val="1199"/>
-              </a:spcBef>
-              <a:spcAft>
-                <a:spcPts val="201"/>
-              </a:spcAft>
-              <a:buClr>
-                <a:srgbClr val="e48312"/>
-              </a:buClr>
-              <a:buFont typeface="Arial"/>
-              <a:buChar char="•"/>
-            </a:pPr>
-            <a:r>
-              <a:rPr b="0" lang="en-US" sz="2200" spc="-1" strike="noStrike">
-                <a:solidFill>
-                  <a:srgbClr val="404040"/>
-                </a:solidFill>
-                <a:latin typeface="Calibri"/>
-                <a:ea typeface="DejaVu Sans"/>
-              </a:rPr>
-              <a:t>Priority level: 3 </a:t>
-            </a:r>
-            <a:endParaRPr b="0" lang="en-US" sz="2200" spc="-1" strike="noStrike">
-              <a:latin typeface="Arial"/>
-            </a:endParaRPr>
-          </a:p>
-          <a:p>
-            <a:pPr marL="91440" indent="-90000">
-              <a:lnSpc>
-                <a:spcPct val="90000"/>
-              </a:lnSpc>
-              <a:spcBef>
-                <a:spcPts val="1199"/>
-              </a:spcBef>
-              <a:spcAft>
-                <a:spcPts val="201"/>
-              </a:spcAft>
-              <a:buClr>
-                <a:srgbClr val="e48312"/>
-              </a:buClr>
-              <a:buFont typeface="Arial"/>
-              <a:buChar char="•"/>
-            </a:pPr>
-            <a:r>
-              <a:rPr b="0" lang="en-US" sz="2200" spc="-1" strike="noStrike">
-                <a:solidFill>
-                  <a:srgbClr val="404040"/>
-                </a:solidFill>
-                <a:latin typeface="Calibri"/>
-                <a:ea typeface="DejaVu Sans"/>
-              </a:rPr>
-              <a:t>Complexity: Moderate</a:t>
-            </a:r>
-            <a:endParaRPr b="0" lang="en-US" sz="2200" spc="-1" strike="noStrike">
-              <a:latin typeface="Arial"/>
-            </a:endParaRPr>
-          </a:p>
-          <a:p>
-            <a:pPr>
-              <a:lnSpc>
-                <a:spcPct val="90000"/>
-              </a:lnSpc>
-              <a:spcBef>
-                <a:spcPts val="1001"/>
-              </a:spcBef>
-            </a:pPr>
-            <a:endParaRPr b="0" lang="en-US" sz="2200" spc="-1" strike="noStrike">
+            <a:endParaRPr lang="en-US" sz="4800" b="0" strike="noStrike" spc="-1">
               <a:latin typeface="Arial"/>
             </a:endParaRPr>
           </a:p>
@@ -8602,19 +9970,18 @@
       </p:sp>
       <p:pic>
         <p:nvPicPr>
-          <p:cNvPr id="155" name="Picture 4" descr=""/>
+          <p:cNvPr id="152" name="Picture 150"/>
           <p:cNvPicPr/>
           <p:nvPr/>
         </p:nvPicPr>
         <p:blipFill>
-          <a:blip r:embed="rId1"/>
-          <a:srcRect l="0" t="0" r="0" b="4860"/>
+          <a:blip r:embed="rId3"/>
           <a:stretch/>
         </p:blipFill>
         <p:spPr>
           <a:xfrm>
-            <a:off x="10667880" y="274320"/>
-            <a:ext cx="1164600" cy="1260360"/>
+            <a:off x="2377440" y="1828800"/>
+            <a:ext cx="7131600" cy="4403880"/>
           </a:xfrm>
           <a:prstGeom prst="rect">
             <a:avLst/>
@@ -8626,22 +9993,25 @@
       </p:pic>
     </p:spTree>
   </p:cSld>
+  <p:clrMapOvr>
+    <a:masterClrMapping/>
+  </p:clrMapOvr>
   <p:timing>
     <p:tnLst>
       <p:par>
-        <p:cTn id="17" dur="indefinite" restart="never" nodeType="tmRoot">
+        <p:cTn id="1" dur="indefinite" restart="never" nodeType="tmRoot">
           <p:childTnLst>
             <p:seq>
-              <p:cTn id="18" dur="indefinite" nodeType="mainSeq"/>
+              <p:cTn id="2" dur="indefinite" nodeType="mainSeq"/>
               <p:prevCondLst>
-                <p:cond delay="0" evt="onPrev">
+                <p:cond evt="onPrev" delay="0">
                   <p:tgtEl>
                     <p:sldTgt/>
                   </p:tgtEl>
                 </p:cond>
               </p:prevCondLst>
               <p:nextCondLst>
-                <p:cond delay="0" evt="onNext">
+                <p:cond evt="onNext" delay="0">
                   <p:tgtEl>
                     <p:sldTgt/>
                   </p:tgtEl>
@@ -8667,31 +10037,31 @@
         <a:sysClr val="window" lastClr="FFFFFF"/>
       </a:lt1>
       <a:dk2>
-        <a:srgbClr val="1f497d"/>
+        <a:srgbClr val="1F497D"/>
       </a:dk2>
       <a:lt2>
-        <a:srgbClr val="eeece1"/>
+        <a:srgbClr val="EEECE1"/>
       </a:lt2>
       <a:accent1>
-        <a:srgbClr val="4f81bd"/>
+        <a:srgbClr val="4F81BD"/>
       </a:accent1>
       <a:accent2>
-        <a:srgbClr val="c0504d"/>
+        <a:srgbClr val="C0504D"/>
       </a:accent2>
       <a:accent3>
-        <a:srgbClr val="9bbb59"/>
+        <a:srgbClr val="9BBB59"/>
       </a:accent3>
       <a:accent4>
-        <a:srgbClr val="8064a2"/>
+        <a:srgbClr val="8064A2"/>
       </a:accent4>
       <a:accent5>
-        <a:srgbClr val="4bacc6"/>
+        <a:srgbClr val="4BACC6"/>
       </a:accent5>
       <a:accent6>
-        <a:srgbClr val="f79646"/>
+        <a:srgbClr val="F79646"/>
       </a:accent6>
       <a:hlink>
-        <a:srgbClr val="0000ff"/>
+        <a:srgbClr val="0000FF"/>
       </a:hlink>
       <a:folHlink>
         <a:srgbClr val="800080"/>
@@ -8876,6 +10246,8 @@
       </a:bgFillStyleLst>
     </a:fmtScheme>
   </a:themeElements>
+  <a:objectDefaults/>
+  <a:extraClrSchemeLst/>
 </a:theme>
 </file>
 
@@ -8890,31 +10262,31 @@
         <a:sysClr val="window" lastClr="FFFFFF"/>
       </a:lt1>
       <a:dk2>
-        <a:srgbClr val="1f497d"/>
+        <a:srgbClr val="1F497D"/>
       </a:dk2>
       <a:lt2>
-        <a:srgbClr val="eeece1"/>
+        <a:srgbClr val="EEECE1"/>
       </a:lt2>
       <a:accent1>
-        <a:srgbClr val="4f81bd"/>
+        <a:srgbClr val="4F81BD"/>
       </a:accent1>
       <a:accent2>
-        <a:srgbClr val="c0504d"/>
+        <a:srgbClr val="C0504D"/>
       </a:accent2>
       <a:accent3>
-        <a:srgbClr val="9bbb59"/>
+        <a:srgbClr val="9BBB59"/>
       </a:accent3>
       <a:accent4>
-        <a:srgbClr val="8064a2"/>
+        <a:srgbClr val="8064A2"/>
       </a:accent4>
       <a:accent5>
-        <a:srgbClr val="4bacc6"/>
+        <a:srgbClr val="4BACC6"/>
       </a:accent5>
       <a:accent6>
-        <a:srgbClr val="f79646"/>
+        <a:srgbClr val="F79646"/>
       </a:accent6>
       <a:hlink>
-        <a:srgbClr val="0000ff"/>
+        <a:srgbClr val="0000FF"/>
       </a:hlink>
       <a:folHlink>
         <a:srgbClr val="800080"/>
@@ -9099,6 +10471,8 @@
       </a:bgFillStyleLst>
     </a:fmtScheme>
   </a:themeElements>
+  <a:objectDefaults/>
+  <a:extraClrSchemeLst/>
 </a:theme>
 </file>
 
@@ -9113,31 +10487,31 @@
         <a:sysClr val="window" lastClr="FFFFFF"/>
       </a:lt1>
       <a:dk2>
-        <a:srgbClr val="1f497d"/>
+        <a:srgbClr val="1F497D"/>
       </a:dk2>
       <a:lt2>
-        <a:srgbClr val="eeece1"/>
+        <a:srgbClr val="EEECE1"/>
       </a:lt2>
       <a:accent1>
-        <a:srgbClr val="4f81bd"/>
+        <a:srgbClr val="4F81BD"/>
       </a:accent1>
       <a:accent2>
-        <a:srgbClr val="c0504d"/>
+        <a:srgbClr val="C0504D"/>
       </a:accent2>
       <a:accent3>
-        <a:srgbClr val="9bbb59"/>
+        <a:srgbClr val="9BBB59"/>
       </a:accent3>
       <a:accent4>
-        <a:srgbClr val="8064a2"/>
+        <a:srgbClr val="8064A2"/>
       </a:accent4>
       <a:accent5>
-        <a:srgbClr val="4bacc6"/>
+        <a:srgbClr val="4BACC6"/>
       </a:accent5>
       <a:accent6>
-        <a:srgbClr val="f79646"/>
+        <a:srgbClr val="F79646"/>
       </a:accent6>
       <a:hlink>
-        <a:srgbClr val="0000ff"/>
+        <a:srgbClr val="0000FF"/>
       </a:hlink>
       <a:folHlink>
         <a:srgbClr val="800080"/>
@@ -9322,5 +10696,7 @@
       </a:bgFillStyleLst>
     </a:fmtScheme>
   </a:themeElements>
+  <a:objectDefaults/>
+  <a:extraClrSchemeLst/>
 </a:theme>
 </file>
--- a/docs/Debugger.pptx
+++ b/docs/Debugger.pptx
@@ -20,6 +20,8 @@
     <p:sldId id="265" r:id="rId14"/>
     <p:sldId id="266" r:id="rId15"/>
     <p:sldId id="267" r:id="rId16"/>
+    <p:sldId id="269" r:id="rId17"/>
+    <p:sldId id="270" r:id="rId18"/>
   </p:sldIdLst>
   <p:sldSz cx="12192000" cy="6858000"/>
   <p:notesSz cx="7772400" cy="10058400"/>
@@ -118,6 +120,11 @@
       </a:defRPr>
     </a:lvl9pPr>
   </p:defaultTextStyle>
+  <p:extLst>
+    <p:ext uri="{EFAFB233-063F-42B5-8137-9DF3F51BA10A}">
+      <p15:sldGuideLst xmlns:p15="http://schemas.microsoft.com/office/powerpoint/2012/main"/>
+    </p:ext>
+  </p:extLst>
 </p:presentation>
 </file>
 
@@ -7516,7 +7523,7 @@
               <a:buChar char="•"/>
             </a:pPr>
             <a:r>
-              <a:rPr lang="en-US" sz="2200" b="0" strike="noStrike" spc="-1">
+              <a:rPr lang="en-US" sz="2200" b="0" strike="noStrike" spc="-1" dirty="0">
                 <a:solidFill>
                   <a:srgbClr val="404040"/>
                 </a:solidFill>
@@ -7525,7 +7532,7 @@
               </a:rPr>
               <a:t> Creating game menus that include a Start Menu and a Pause Menu. </a:t>
             </a:r>
-            <a:endParaRPr lang="en-US" sz="2200" b="0" strike="noStrike" spc="-1">
+            <a:endParaRPr lang="en-US" sz="2200" b="0" strike="noStrike" spc="-1" dirty="0">
               <a:latin typeface="Arial"/>
             </a:endParaRPr>
           </a:p>
@@ -7547,7 +7554,7 @@
               <a:buChar char="•"/>
             </a:pPr>
             <a:r>
-              <a:rPr lang="en-US" sz="2200" b="0" strike="noStrike" spc="-1">
+              <a:rPr lang="en-US" sz="2200" b="0" strike="noStrike" spc="-1" dirty="0">
                 <a:solidFill>
                   <a:srgbClr val="404040"/>
                 </a:solidFill>
@@ -7556,7 +7563,7 @@
               </a:rPr>
               <a:t> Coordinate with Luis and Josh to determine most useful functionalities for the gamer and add them as options to the appropriate menu.</a:t>
             </a:r>
-            <a:endParaRPr lang="en-US" sz="2200" b="0" strike="noStrike" spc="-1">
+            <a:endParaRPr lang="en-US" sz="2200" b="0" strike="noStrike" spc="-1" dirty="0">
               <a:latin typeface="Arial"/>
             </a:endParaRPr>
           </a:p>
@@ -7578,7 +7585,7 @@
               <a:buChar char="•"/>
             </a:pPr>
             <a:r>
-              <a:rPr lang="en-US" sz="2200" b="0" strike="noStrike" spc="-1">
+              <a:rPr lang="en-US" sz="2200" b="0" strike="noStrike" spc="-1" dirty="0">
                 <a:solidFill>
                   <a:srgbClr val="404040"/>
                 </a:solidFill>
@@ -7587,7 +7594,7 @@
               </a:rPr>
               <a:t> Coordinate with Josh to determine a design that flows with the in game graphics.</a:t>
             </a:r>
-            <a:endParaRPr lang="en-US" sz="2200" b="0" strike="noStrike" spc="-1">
+            <a:endParaRPr lang="en-US" sz="2200" b="0" strike="noStrike" spc="-1" dirty="0">
               <a:latin typeface="Arial"/>
             </a:endParaRPr>
           </a:p>
@@ -7609,7 +7616,7 @@
               <a:buChar char="•"/>
             </a:pPr>
             <a:r>
-              <a:rPr lang="en-US" sz="2200" b="0" strike="noStrike" spc="-1">
+              <a:rPr lang="en-US" sz="2200" b="0" strike="noStrike" spc="-1" dirty="0">
                 <a:solidFill>
                   <a:srgbClr val="404040"/>
                 </a:solidFill>
@@ -7618,7 +7625,7 @@
               </a:rPr>
               <a:t> Coordinate with Luis to determine how the gamer can access the appropriate menu. </a:t>
             </a:r>
-            <a:endParaRPr lang="en-US" sz="2200" b="0" strike="noStrike" spc="-1">
+            <a:endParaRPr lang="en-US" sz="2200" b="0" strike="noStrike" spc="-1" dirty="0">
               <a:latin typeface="Arial"/>
             </a:endParaRPr>
           </a:p>
@@ -7634,7 +7641,7 @@
                 <a:spcPts val="201"/>
               </a:spcAft>
             </a:pPr>
-            <a:endParaRPr lang="en-US" sz="2200" b="0" strike="noStrike" spc="-1">
+            <a:endParaRPr lang="en-US" sz="2200" b="0" strike="noStrike" spc="-1" dirty="0">
               <a:latin typeface="Arial"/>
             </a:endParaRPr>
           </a:p>
@@ -7650,7 +7657,7 @@
                 <a:spcPts val="201"/>
               </a:spcAft>
             </a:pPr>
-            <a:endParaRPr lang="en-US" sz="2200" b="0" strike="noStrike" spc="-1">
+            <a:endParaRPr lang="en-US" sz="2200" b="0" strike="noStrike" spc="-1" dirty="0">
               <a:latin typeface="Arial"/>
             </a:endParaRPr>
           </a:p>
@@ -7672,7 +7679,7 @@
               <a:buChar char="•"/>
             </a:pPr>
             <a:r>
-              <a:rPr lang="en-US" sz="2200" b="0" strike="noStrike" spc="-1">
+              <a:rPr lang="en-US" sz="2200" b="0" strike="noStrike" spc="-1" dirty="0">
                 <a:solidFill>
                   <a:srgbClr val="404040"/>
                 </a:solidFill>
@@ -7681,7 +7688,7 @@
               </a:rPr>
               <a:t>Priority level: 2 </a:t>
             </a:r>
-            <a:endParaRPr lang="en-US" sz="2200" b="0" strike="noStrike" spc="-1">
+            <a:endParaRPr lang="en-US" sz="2200" b="0" strike="noStrike" spc="-1" dirty="0">
               <a:latin typeface="Arial"/>
             </a:endParaRPr>
           </a:p>
@@ -7703,7 +7710,7 @@
               <a:buChar char="•"/>
             </a:pPr>
             <a:r>
-              <a:rPr lang="en-US" sz="2200" b="0" strike="noStrike" spc="-1">
+              <a:rPr lang="en-US" sz="2200" b="0" strike="noStrike" spc="-1" dirty="0">
                 <a:solidFill>
                   <a:srgbClr val="404040"/>
                 </a:solidFill>
@@ -7712,7 +7719,7 @@
               </a:rPr>
               <a:t>Complexity: Moderate</a:t>
             </a:r>
-            <a:endParaRPr lang="en-US" sz="2200" b="0" strike="noStrike" spc="-1">
+            <a:endParaRPr lang="en-US" sz="2200" b="0" strike="noStrike" spc="-1" dirty="0">
               <a:latin typeface="Arial"/>
             </a:endParaRPr>
           </a:p>
@@ -7725,7 +7732,7 @@
                 <a:spcPts val="1001"/>
               </a:spcBef>
             </a:pPr>
-            <a:endParaRPr lang="en-US" sz="2200" b="0" strike="noStrike" spc="-1">
+            <a:endParaRPr lang="en-US" sz="2200" b="0" strike="noStrike" spc="-1" dirty="0">
               <a:latin typeface="Arial"/>
             </a:endParaRPr>
           </a:p>
@@ -7975,6 +7982,449 @@
       </p:par>
     </p:tnLst>
   </p:timing>
+</p:sld>
+</file>
+
+<file path=ppt/slides/slide14.xml><?xml version="1.0" encoding="utf-8"?>
+<p:sld xmlns:a="http://schemas.openxmlformats.org/drawingml/2006/main" xmlns:r="http://schemas.openxmlformats.org/officeDocument/2006/relationships" xmlns:p="http://schemas.openxmlformats.org/presentationml/2006/main">
+  <p:cSld>
+    <p:spTree>
+      <p:nvGrpSpPr>
+        <p:cNvPr id="1" name=""/>
+        <p:cNvGrpSpPr/>
+        <p:nvPr/>
+      </p:nvGrpSpPr>
+      <p:grpSpPr>
+        <a:xfrm>
+          <a:off x="0" y="0"/>
+          <a:ext cx="0" cy="0"/>
+          <a:chOff x="0" y="0"/>
+          <a:chExt cx="0" cy="0"/>
+        </a:xfrm>
+      </p:grpSpPr>
+      <p:sp>
+        <p:nvSpPr>
+          <p:cNvPr id="2" name="Title 1">
+            <a:extLst>
+              <a:ext uri="{FF2B5EF4-FFF2-40B4-BE49-F238E27FC236}">
+                <a16:creationId xmlns:a16="http://schemas.microsoft.com/office/drawing/2014/main" id="{C5B990D9-6658-40C3-988D-7FD130F1DE78}"/>
+              </a:ext>
+            </a:extLst>
+          </p:cNvPr>
+          <p:cNvSpPr>
+            <a:spLocks noGrp="1"/>
+          </p:cNvSpPr>
+          <p:nvPr>
+            <p:ph type="title"/>
+          </p:nvPr>
+        </p:nvSpPr>
+        <p:spPr/>
+        <p:txBody>
+          <a:bodyPr/>
+          <a:lstStyle/>
+          <a:p>
+            <a:r>
+              <a:rPr lang="en-US" dirty="0"/>
+              <a:t>Nate – Score Keeping</a:t>
+            </a:r>
+          </a:p>
+        </p:txBody>
+      </p:sp>
+      <p:sp>
+        <p:nvSpPr>
+          <p:cNvPr id="4" name="CustomShape 2">
+            <a:extLst>
+              <a:ext uri="{FF2B5EF4-FFF2-40B4-BE49-F238E27FC236}">
+                <a16:creationId xmlns:a16="http://schemas.microsoft.com/office/drawing/2014/main" id="{1050404C-2590-4F3E-8906-25C98CF33DF0}"/>
+              </a:ext>
+            </a:extLst>
+          </p:cNvPr>
+          <p:cNvSpPr/>
+          <p:nvPr/>
+        </p:nvSpPr>
+        <p:spPr>
+          <a:xfrm>
+            <a:off x="1097280" y="2121120"/>
+            <a:ext cx="10056960" cy="4021920"/>
+          </a:xfrm>
+          <a:prstGeom prst="rect">
+            <a:avLst/>
+          </a:prstGeom>
+          <a:noFill/>
+          <a:ln>
+            <a:noFill/>
+          </a:ln>
+        </p:spPr>
+        <p:style>
+          <a:lnRef idx="0">
+            <a:scrgbClr r="0" g="0" b="0"/>
+          </a:lnRef>
+          <a:fillRef idx="0">
+            <a:scrgbClr r="0" g="0" b="0"/>
+          </a:fillRef>
+          <a:effectRef idx="0">
+            <a:scrgbClr r="0" g="0" b="0"/>
+          </a:effectRef>
+          <a:fontRef idx="minor"/>
+        </p:style>
+        <p:txBody>
+          <a:bodyPr lIns="0" tIns="0" rIns="0" bIns="0" anchor="ctr"/>
+          <a:lstStyle/>
+          <a:p>
+            <a:pPr marL="91440" indent="-90000">
+              <a:lnSpc>
+                <a:spcPct val="90000"/>
+              </a:lnSpc>
+              <a:spcBef>
+                <a:spcPts val="1199"/>
+              </a:spcBef>
+              <a:spcAft>
+                <a:spcPts val="201"/>
+              </a:spcAft>
+              <a:buClr>
+                <a:srgbClr val="E48312"/>
+              </a:buClr>
+              <a:buFont typeface="Arial"/>
+              <a:buChar char="•"/>
+            </a:pPr>
+            <a:r>
+              <a:rPr lang="en-US" sz="2200" b="0" strike="noStrike" spc="-1" dirty="0">
+                <a:solidFill>
+                  <a:srgbClr val="404040"/>
+                </a:solidFill>
+                <a:latin typeface="Calibri"/>
+                <a:ea typeface="DejaVu Sans"/>
+              </a:rPr>
+              <a:t> Generating a value based on performance of the player</a:t>
+            </a:r>
+          </a:p>
+          <a:p>
+            <a:pPr marL="91440" indent="-90000">
+              <a:lnSpc>
+                <a:spcPct val="90000"/>
+              </a:lnSpc>
+              <a:spcBef>
+                <a:spcPts val="1199"/>
+              </a:spcBef>
+              <a:spcAft>
+                <a:spcPts val="201"/>
+              </a:spcAft>
+              <a:buClr>
+                <a:srgbClr val="E48312"/>
+              </a:buClr>
+              <a:buFont typeface="Arial"/>
+              <a:buChar char="•"/>
+            </a:pPr>
+            <a:r>
+              <a:rPr lang="en-US" sz="2200" spc="-1" dirty="0">
+                <a:solidFill>
+                  <a:srgbClr val="404040"/>
+                </a:solidFill>
+                <a:latin typeface="Calibri"/>
+              </a:rPr>
+              <a:t> Coordinating with Luis to determine player stats</a:t>
+            </a:r>
+          </a:p>
+          <a:p>
+            <a:pPr marL="91440" indent="-90000">
+              <a:lnSpc>
+                <a:spcPct val="90000"/>
+              </a:lnSpc>
+              <a:spcBef>
+                <a:spcPts val="1199"/>
+              </a:spcBef>
+              <a:spcAft>
+                <a:spcPts val="201"/>
+              </a:spcAft>
+              <a:buClr>
+                <a:srgbClr val="E48312"/>
+              </a:buClr>
+              <a:buFont typeface="Arial"/>
+              <a:buChar char="•"/>
+            </a:pPr>
+            <a:r>
+              <a:rPr lang="en-US" sz="2200" spc="-1" dirty="0">
+                <a:solidFill>
+                  <a:srgbClr val="404040"/>
+                </a:solidFill>
+                <a:latin typeface="Calibri"/>
+              </a:rPr>
+              <a:t> Coordinating with Ben to determine enemy stats</a:t>
+            </a:r>
+          </a:p>
+          <a:p>
+            <a:pPr marL="91440" indent="-90000">
+              <a:lnSpc>
+                <a:spcPct val="90000"/>
+              </a:lnSpc>
+              <a:spcBef>
+                <a:spcPts val="1199"/>
+              </a:spcBef>
+              <a:spcAft>
+                <a:spcPts val="201"/>
+              </a:spcAft>
+              <a:buClr>
+                <a:srgbClr val="E48312"/>
+              </a:buClr>
+              <a:buFont typeface="Arial"/>
+              <a:buChar char="•"/>
+            </a:pPr>
+            <a:r>
+              <a:rPr lang="en-US" sz="2200" b="0" strike="noStrike" spc="-1" dirty="0">
+                <a:solidFill>
+                  <a:srgbClr val="404040"/>
+                </a:solidFill>
+                <a:latin typeface="Calibri"/>
+              </a:rPr>
+              <a:t> </a:t>
+            </a:r>
+            <a:r>
+              <a:rPr lang="en-US" sz="2200" spc="-1" dirty="0">
+                <a:solidFill>
+                  <a:srgbClr val="404040"/>
+                </a:solidFill>
+                <a:latin typeface="Calibri"/>
+              </a:rPr>
+              <a:t>Coordinating with Joel to display performance value</a:t>
+            </a:r>
+            <a:endParaRPr lang="en-US" sz="2200" b="0" strike="noStrike" spc="-1" dirty="0">
+              <a:latin typeface="Arial"/>
+            </a:endParaRPr>
+          </a:p>
+          <a:p>
+            <a:pPr>
+              <a:lnSpc>
+                <a:spcPct val="90000"/>
+              </a:lnSpc>
+              <a:spcBef>
+                <a:spcPts val="1199"/>
+              </a:spcBef>
+              <a:spcAft>
+                <a:spcPts val="201"/>
+              </a:spcAft>
+            </a:pPr>
+            <a:endParaRPr lang="en-US" sz="2200" b="0" strike="noStrike" spc="-1" dirty="0">
+              <a:latin typeface="Arial"/>
+            </a:endParaRPr>
+          </a:p>
+          <a:p>
+            <a:pPr marL="91440" indent="-90000">
+              <a:lnSpc>
+                <a:spcPct val="90000"/>
+              </a:lnSpc>
+              <a:spcBef>
+                <a:spcPts val="1199"/>
+              </a:spcBef>
+              <a:spcAft>
+                <a:spcPts val="201"/>
+              </a:spcAft>
+              <a:buClr>
+                <a:srgbClr val="E48312"/>
+              </a:buClr>
+              <a:buFont typeface="Arial"/>
+              <a:buChar char="•"/>
+            </a:pPr>
+            <a:r>
+              <a:rPr lang="en-US" sz="2200" b="0" strike="noStrike" spc="-1" dirty="0">
+                <a:solidFill>
+                  <a:srgbClr val="404040"/>
+                </a:solidFill>
+                <a:latin typeface="Calibri"/>
+                <a:ea typeface="DejaVu Sans"/>
+              </a:rPr>
+              <a:t>Priority level: 3 </a:t>
+            </a:r>
+            <a:endParaRPr lang="en-US" sz="2200" b="0" strike="noStrike" spc="-1" dirty="0">
+              <a:latin typeface="Arial"/>
+            </a:endParaRPr>
+          </a:p>
+          <a:p>
+            <a:pPr marL="91440" indent="-90000">
+              <a:lnSpc>
+                <a:spcPct val="90000"/>
+              </a:lnSpc>
+              <a:spcBef>
+                <a:spcPts val="1199"/>
+              </a:spcBef>
+              <a:spcAft>
+                <a:spcPts val="201"/>
+              </a:spcAft>
+              <a:buClr>
+                <a:srgbClr val="E48312"/>
+              </a:buClr>
+              <a:buFont typeface="Arial"/>
+              <a:buChar char="•"/>
+            </a:pPr>
+            <a:r>
+              <a:rPr lang="en-US" sz="2200" b="0" strike="noStrike" spc="-1" dirty="0">
+                <a:solidFill>
+                  <a:srgbClr val="404040"/>
+                </a:solidFill>
+                <a:latin typeface="Calibri"/>
+                <a:ea typeface="DejaVu Sans"/>
+              </a:rPr>
+              <a:t>Complexity: Light</a:t>
+            </a:r>
+            <a:endParaRPr lang="en-US" sz="2200" b="0" strike="noStrike" spc="-1" dirty="0">
+              <a:latin typeface="Arial"/>
+            </a:endParaRPr>
+          </a:p>
+          <a:p>
+            <a:pPr>
+              <a:lnSpc>
+                <a:spcPct val="90000"/>
+              </a:lnSpc>
+              <a:spcBef>
+                <a:spcPts val="1001"/>
+              </a:spcBef>
+            </a:pPr>
+            <a:endParaRPr lang="en-US" sz="2200" b="0" strike="noStrike" spc="-1" dirty="0">
+              <a:latin typeface="Arial"/>
+            </a:endParaRPr>
+          </a:p>
+        </p:txBody>
+      </p:sp>
+    </p:spTree>
+    <p:extLst>
+      <p:ext uri="{BB962C8B-B14F-4D97-AF65-F5344CB8AC3E}">
+        <p14:creationId xmlns:p14="http://schemas.microsoft.com/office/powerpoint/2010/main" val="1418610691"/>
+      </p:ext>
+    </p:extLst>
+  </p:cSld>
+  <p:clrMapOvr>
+    <a:masterClrMapping/>
+  </p:clrMapOvr>
+</p:sld>
+</file>
+
+<file path=ppt/slides/slide15.xml><?xml version="1.0" encoding="utf-8"?>
+<p:sld xmlns:a="http://schemas.openxmlformats.org/drawingml/2006/main" xmlns:r="http://schemas.openxmlformats.org/officeDocument/2006/relationships" xmlns:p="http://schemas.openxmlformats.org/presentationml/2006/main">
+  <p:cSld>
+    <p:spTree>
+      <p:nvGrpSpPr>
+        <p:cNvPr id="1" name=""/>
+        <p:cNvGrpSpPr/>
+        <p:nvPr/>
+      </p:nvGrpSpPr>
+      <p:grpSpPr>
+        <a:xfrm>
+          <a:off x="0" y="0"/>
+          <a:ext cx="0" cy="0"/>
+          <a:chOff x="0" y="0"/>
+          <a:chExt cx="0" cy="0"/>
+        </a:xfrm>
+      </p:grpSpPr>
+      <p:sp>
+        <p:nvSpPr>
+          <p:cNvPr id="2" name="Title 1">
+            <a:extLst>
+              <a:ext uri="{FF2B5EF4-FFF2-40B4-BE49-F238E27FC236}">
+                <a16:creationId xmlns:a16="http://schemas.microsoft.com/office/drawing/2014/main" id="{37E11F9D-FB62-412E-86A5-59C51FDBF7EF}"/>
+              </a:ext>
+            </a:extLst>
+          </p:cNvPr>
+          <p:cNvSpPr>
+            <a:spLocks noGrp="1"/>
+          </p:cNvSpPr>
+          <p:nvPr>
+            <p:ph type="title"/>
+          </p:nvPr>
+        </p:nvSpPr>
+        <p:spPr/>
+        <p:txBody>
+          <a:bodyPr/>
+          <a:lstStyle/>
+          <a:p>
+            <a:r>
+              <a:rPr lang="en-US" dirty="0"/>
+              <a:t>Display Score – Use Case Diagram</a:t>
+            </a:r>
+          </a:p>
+        </p:txBody>
+      </p:sp>
+      <p:pic>
+        <p:nvPicPr>
+          <p:cNvPr id="5" name="Picture 4">
+            <a:extLst>
+              <a:ext uri="{FF2B5EF4-FFF2-40B4-BE49-F238E27FC236}">
+                <a16:creationId xmlns:a16="http://schemas.microsoft.com/office/drawing/2014/main" id="{E29F2560-325F-4F30-BF4E-A5382A7ED11D}"/>
+              </a:ext>
+            </a:extLst>
+          </p:cNvPr>
+          <p:cNvPicPr>
+            <a:picLocks noChangeAspect="1"/>
+          </p:cNvPicPr>
+          <p:nvPr/>
+        </p:nvPicPr>
+        <p:blipFill>
+          <a:blip r:embed="rId2">
+            <a:extLst>
+              <a:ext uri="{28A0092B-C50C-407E-A947-70E740481C1C}">
+                <a14:useLocalDpi xmlns:a14="http://schemas.microsoft.com/office/drawing/2010/main" val="0"/>
+              </a:ext>
+            </a:extLst>
+          </a:blip>
+          <a:stretch>
+            <a:fillRect/>
+          </a:stretch>
+        </p:blipFill>
+        <p:spPr>
+          <a:xfrm>
+            <a:off x="2551696" y="1819372"/>
+            <a:ext cx="7088607" cy="4409227"/>
+          </a:xfrm>
+          <a:prstGeom prst="rect">
+            <a:avLst/>
+          </a:prstGeom>
+        </p:spPr>
+      </p:pic>
+      <p:sp>
+        <p:nvSpPr>
+          <p:cNvPr id="6" name="TextBox 5">
+            <a:extLst>
+              <a:ext uri="{FF2B5EF4-FFF2-40B4-BE49-F238E27FC236}">
+                <a16:creationId xmlns:a16="http://schemas.microsoft.com/office/drawing/2014/main" id="{A0CFA790-F0A1-4EF3-A4AE-324610F46F2E}"/>
+              </a:ext>
+            </a:extLst>
+          </p:cNvPr>
+          <p:cNvSpPr txBox="1"/>
+          <p:nvPr/>
+        </p:nvSpPr>
+        <p:spPr>
+          <a:xfrm>
+            <a:off x="8801317" y="3912124"/>
+            <a:ext cx="838986" cy="369332"/>
+          </a:xfrm>
+          <a:prstGeom prst="rect">
+            <a:avLst/>
+          </a:prstGeom>
+          <a:solidFill>
+            <a:schemeClr val="bg1"/>
+          </a:solidFill>
+        </p:spPr>
+        <p:txBody>
+          <a:bodyPr wrap="square" rtlCol="0">
+            <a:spAutoFit/>
+          </a:bodyPr>
+          <a:lstStyle/>
+          <a:p>
+            <a:r>
+              <a:rPr lang="en-US" dirty="0"/>
+              <a:t>Player</a:t>
+            </a:r>
+          </a:p>
+        </p:txBody>
+      </p:sp>
+    </p:spTree>
+    <p:extLst>
+      <p:ext uri="{BB962C8B-B14F-4D97-AF65-F5344CB8AC3E}">
+        <p14:creationId xmlns:p14="http://schemas.microsoft.com/office/powerpoint/2010/main" val="2065447426"/>
+      </p:ext>
+    </p:extLst>
+  </p:cSld>
+  <p:clrMapOvr>
+    <a:masterClrMapping/>
+  </p:clrMapOvr>
 </p:sld>
 </file>
 
